--- a/t18-event-mongodb.pptx
+++ b/t18-event-mongodb.pptx
@@ -871,7 +871,6 @@
               <a:rPr lang="en-US" dirty="0" smtClean="0"/>
               <a:t>State change notifications</a:t>
             </a:r>
-            <a:endParaRPr lang="en-US" dirty="0" smtClean="0"/>
           </a:p>
           <a:p>
             <a:endParaRPr lang="en-US" dirty="0" smtClean="0"/>
@@ -914,6 +913,90 @@
     <p:extLst>
       <p:ext uri="{BB962C8B-B14F-4D97-AF65-F5344CB8AC3E}">
         <p14:creationId xmlns:p14="http://schemas.microsoft.com/office/powerpoint/2010/main" val="1285228012"/>
+      </p:ext>
+    </p:extLst>
+  </p:cSld>
+  <p:clrMapOvr>
+    <a:masterClrMapping/>
+  </p:clrMapOvr>
+</p:notes>
+</file>
+
+<file path=ppt/notesSlides/notesSlide4.xml><?xml version="1.0" encoding="utf-8"?>
+<p:notes xmlns:a="http://schemas.openxmlformats.org/drawingml/2006/main" xmlns:r="http://schemas.openxmlformats.org/officeDocument/2006/relationships" xmlns:p="http://schemas.openxmlformats.org/presentationml/2006/main">
+  <p:cSld>
+    <p:spTree>
+      <p:nvGrpSpPr>
+        <p:cNvPr id="1" name=""/>
+        <p:cNvGrpSpPr/>
+        <p:nvPr/>
+      </p:nvGrpSpPr>
+      <p:grpSpPr>
+        <a:xfrm>
+          <a:off x="0" y="0"/>
+          <a:ext cx="0" cy="0"/>
+          <a:chOff x="0" y="0"/>
+          <a:chExt cx="0" cy="0"/>
+        </a:xfrm>
+      </p:grpSpPr>
+      <p:sp>
+        <p:nvSpPr>
+          <p:cNvPr id="2" name="Slide Image Placeholder 1"/>
+          <p:cNvSpPr>
+            <a:spLocks noGrp="1" noRot="1" noChangeAspect="1"/>
+          </p:cNvSpPr>
+          <p:nvPr>
+            <p:ph type="sldImg"/>
+          </p:nvPr>
+        </p:nvSpPr>
+        <p:spPr/>
+      </p:sp>
+      <p:sp>
+        <p:nvSpPr>
+          <p:cNvPr id="3" name="Notes Placeholder 2"/>
+          <p:cNvSpPr>
+            <a:spLocks noGrp="1"/>
+          </p:cNvSpPr>
+          <p:nvPr>
+            <p:ph type="body" idx="1"/>
+          </p:nvPr>
+        </p:nvSpPr>
+        <p:spPr/>
+        <p:txBody>
+          <a:bodyPr/>
+          <a:lstStyle/>
+          <a:p>
+            <a:endParaRPr lang="en-US" dirty="0"/>
+          </a:p>
+        </p:txBody>
+      </p:sp>
+      <p:sp>
+        <p:nvSpPr>
+          <p:cNvPr id="4" name="Slide Number Placeholder 3"/>
+          <p:cNvSpPr>
+            <a:spLocks noGrp="1"/>
+          </p:cNvSpPr>
+          <p:nvPr>
+            <p:ph type="sldNum" sz="quarter" idx="10"/>
+          </p:nvPr>
+        </p:nvSpPr>
+        <p:spPr/>
+        <p:txBody>
+          <a:bodyPr/>
+          <a:lstStyle/>
+          <a:p>
+            <a:fld id="{40EA4F9F-6CEF-4B9D-BEB3-40FCF0DF71AE}" type="slidenum">
+              <a:rPr lang="en-US" smtClean="0"/>
+              <a:t>4</a:t>
+            </a:fld>
+            <a:endParaRPr lang="en-US"/>
+          </a:p>
+        </p:txBody>
+      </p:sp>
+    </p:spTree>
+    <p:extLst>
+      <p:ext uri="{BB962C8B-B14F-4D97-AF65-F5344CB8AC3E}">
+        <p14:creationId xmlns:p14="http://schemas.microsoft.com/office/powerpoint/2010/main" val="552390821"/>
       </p:ext>
     </p:extLst>
   </p:cSld>
@@ -4309,7 +4392,7 @@
           <a:bodyPr/>
           <a:lstStyle/>
           <a:p>
-            <a:endParaRPr lang="en-US"/>
+            <a:endParaRPr lang="en-US" dirty="0"/>
           </a:p>
         </p:txBody>
       </p:sp>
@@ -4367,7 +4450,11 @@
           <a:p>
             <a:r>
               <a:rPr lang="en-US" dirty="0" smtClean="0"/>
-              <a:t>Challenges we face</a:t>
+              <a:t>Challenges we </a:t>
+            </a:r>
+            <a:r>
+              <a:rPr lang="en-US" dirty="0" smtClean="0"/>
+              <a:t>face</a:t>
             </a:r>
             <a:endParaRPr lang="en-US" dirty="0"/>
           </a:p>
@@ -4388,7 +4475,7 @@
           <a:bodyPr/>
           <a:lstStyle/>
           <a:p>
-            <a:endParaRPr lang="en-US"/>
+            <a:endParaRPr lang="en-US" dirty="0"/>
           </a:p>
         </p:txBody>
       </p:sp>
@@ -4525,7 +4612,7 @@
         </p:nvSpPr>
         <p:spPr>
           <a:xfrm rot="5400000">
-            <a:off x="3611623" y="2824462"/>
+            <a:off x="1431130" y="1417446"/>
             <a:ext cx="1669689" cy="1444386"/>
           </a:xfrm>
           <a:prstGeom prst="hexagon">
@@ -4544,6 +4631,13 @@
               </a:schemeClr>
             </a:solidFill>
           </a:ln>
+          <a:effectLst>
+            <a:outerShdw blurRad="50800" dist="38100" dir="5400000" algn="t" rotWithShape="0">
+              <a:prstClr val="black">
+                <a:alpha val="40000"/>
+              </a:prstClr>
+            </a:outerShdw>
+          </a:effectLst>
         </p:spPr>
         <p:style>
           <a:lnRef idx="1">
@@ -4564,7 +4658,7 @@
           <a:lstStyle/>
           <a:p>
             <a:pPr algn="ctr"/>
-            <a:endParaRPr lang="en-US"/>
+            <a:endParaRPr lang="en-US" dirty="0"/>
           </a:p>
         </p:txBody>
       </p:sp>
@@ -4576,7 +4670,7 @@
         </p:nvSpPr>
         <p:spPr>
           <a:xfrm>
-            <a:off x="3724275" y="2700336"/>
+            <a:off x="1543782" y="1293320"/>
             <a:ext cx="1444386" cy="735454"/>
           </a:xfrm>
           <a:prstGeom prst="diamond">
@@ -4618,6 +4712,682 @@
           </a:p>
         </p:txBody>
       </p:sp>
+      <p:sp>
+        <p:nvSpPr>
+          <p:cNvPr id="2" name="TextBox 1"/>
+          <p:cNvSpPr txBox="1"/>
+          <p:nvPr/>
+        </p:nvSpPr>
+        <p:spPr>
+          <a:xfrm>
+            <a:off x="1751795" y="2139639"/>
+            <a:ext cx="1028358" cy="369332"/>
+          </a:xfrm>
+          <a:prstGeom prst="rect">
+            <a:avLst/>
+          </a:prstGeom>
+          <a:noFill/>
+        </p:spPr>
+        <p:txBody>
+          <a:bodyPr wrap="none" rtlCol="0">
+            <a:spAutoFit/>
+          </a:bodyPr>
+          <a:lstStyle/>
+          <a:p>
+            <a:r>
+              <a:rPr lang="en-US" dirty="0" smtClean="0">
+                <a:solidFill>
+                  <a:schemeClr val="accent3">
+                    <a:lumMod val="50000"/>
+                  </a:schemeClr>
+                </a:solidFill>
+              </a:rPr>
+              <a:t>Service 1</a:t>
+            </a:r>
+            <a:endParaRPr lang="en-US" dirty="0">
+              <a:solidFill>
+                <a:schemeClr val="accent3">
+                  <a:lumMod val="50000"/>
+                </a:schemeClr>
+              </a:solidFill>
+            </a:endParaRPr>
+          </a:p>
+        </p:txBody>
+      </p:sp>
+      <p:sp>
+        <p:nvSpPr>
+          <p:cNvPr id="6" name="Hexagon 5"/>
+          <p:cNvSpPr/>
+          <p:nvPr/>
+        </p:nvSpPr>
+        <p:spPr>
+          <a:xfrm rot="5400000">
+            <a:off x="9801412" y="1397529"/>
+            <a:ext cx="1669689" cy="1444386"/>
+          </a:xfrm>
+          <a:prstGeom prst="hexagon">
+            <a:avLst/>
+          </a:prstGeom>
+          <a:solidFill>
+            <a:schemeClr val="accent3">
+              <a:lumMod val="40000"/>
+              <a:lumOff val="60000"/>
+            </a:schemeClr>
+          </a:solidFill>
+          <a:ln w="38100">
+            <a:solidFill>
+              <a:schemeClr val="accent3">
+                <a:lumMod val="75000"/>
+              </a:schemeClr>
+            </a:solidFill>
+          </a:ln>
+          <a:effectLst>
+            <a:outerShdw blurRad="50800" dist="38100" dir="5400000" algn="t" rotWithShape="0">
+              <a:prstClr val="black">
+                <a:alpha val="40000"/>
+              </a:prstClr>
+            </a:outerShdw>
+          </a:effectLst>
+        </p:spPr>
+        <p:style>
+          <a:lnRef idx="1">
+            <a:schemeClr val="accent3"/>
+          </a:lnRef>
+          <a:fillRef idx="2">
+            <a:schemeClr val="accent3"/>
+          </a:fillRef>
+          <a:effectRef idx="1">
+            <a:schemeClr val="accent3"/>
+          </a:effectRef>
+          <a:fontRef idx="minor">
+            <a:schemeClr val="dk1"/>
+          </a:fontRef>
+        </p:style>
+        <p:txBody>
+          <a:bodyPr rtlCol="0" anchor="ctr"/>
+          <a:lstStyle/>
+          <a:p>
+            <a:pPr algn="ctr"/>
+            <a:endParaRPr lang="en-US" dirty="0"/>
+          </a:p>
+        </p:txBody>
+      </p:sp>
+      <p:sp>
+        <p:nvSpPr>
+          <p:cNvPr id="7" name="Diamond 6"/>
+          <p:cNvSpPr/>
+          <p:nvPr/>
+        </p:nvSpPr>
+        <p:spPr>
+          <a:xfrm>
+            <a:off x="9914064" y="1273403"/>
+            <a:ext cx="1444386" cy="735454"/>
+          </a:xfrm>
+          <a:prstGeom prst="diamond">
+            <a:avLst/>
+          </a:prstGeom>
+          <a:solidFill>
+            <a:schemeClr val="accent3">
+              <a:lumMod val="75000"/>
+            </a:schemeClr>
+          </a:solidFill>
+          <a:ln w="38100">
+            <a:solidFill>
+              <a:schemeClr val="accent3">
+                <a:lumMod val="75000"/>
+              </a:schemeClr>
+            </a:solidFill>
+          </a:ln>
+        </p:spPr>
+        <p:style>
+          <a:lnRef idx="1">
+            <a:schemeClr val="accent3"/>
+          </a:lnRef>
+          <a:fillRef idx="2">
+            <a:schemeClr val="accent3"/>
+          </a:fillRef>
+          <a:effectRef idx="1">
+            <a:schemeClr val="accent3"/>
+          </a:effectRef>
+          <a:fontRef idx="minor">
+            <a:schemeClr val="dk1"/>
+          </a:fontRef>
+        </p:style>
+        <p:txBody>
+          <a:bodyPr rtlCol="0" anchor="ctr"/>
+          <a:lstStyle/>
+          <a:p>
+            <a:pPr algn="ctr"/>
+            <a:endParaRPr lang="en-US"/>
+          </a:p>
+        </p:txBody>
+      </p:sp>
+      <p:sp>
+        <p:nvSpPr>
+          <p:cNvPr id="8" name="TextBox 7"/>
+          <p:cNvSpPr txBox="1"/>
+          <p:nvPr/>
+        </p:nvSpPr>
+        <p:spPr>
+          <a:xfrm>
+            <a:off x="10122077" y="2119722"/>
+            <a:ext cx="1028358" cy="369332"/>
+          </a:xfrm>
+          <a:prstGeom prst="rect">
+            <a:avLst/>
+          </a:prstGeom>
+          <a:noFill/>
+        </p:spPr>
+        <p:txBody>
+          <a:bodyPr wrap="none" rtlCol="0">
+            <a:spAutoFit/>
+          </a:bodyPr>
+          <a:lstStyle/>
+          <a:p>
+            <a:r>
+              <a:rPr lang="en-US" dirty="0" smtClean="0">
+                <a:solidFill>
+                  <a:schemeClr val="accent3">
+                    <a:lumMod val="50000"/>
+                  </a:schemeClr>
+                </a:solidFill>
+              </a:rPr>
+              <a:t>Service 2</a:t>
+            </a:r>
+          </a:p>
+        </p:txBody>
+      </p:sp>
+      <p:sp>
+        <p:nvSpPr>
+          <p:cNvPr id="3" name="Flowchart: Magnetic Disk 2"/>
+          <p:cNvSpPr/>
+          <p:nvPr/>
+        </p:nvSpPr>
+        <p:spPr>
+          <a:xfrm>
+            <a:off x="1543780" y="4466496"/>
+            <a:ext cx="1444387" cy="1324708"/>
+          </a:xfrm>
+          <a:prstGeom prst="flowChartMagneticDisk">
+            <a:avLst/>
+          </a:prstGeom>
+          <a:ln w="38100"/>
+          <a:effectLst>
+            <a:outerShdw blurRad="50800" dist="38100" dir="5400000" algn="t" rotWithShape="0">
+              <a:prstClr val="black">
+                <a:alpha val="40000"/>
+              </a:prstClr>
+            </a:outerShdw>
+          </a:effectLst>
+        </p:spPr>
+        <p:style>
+          <a:lnRef idx="3">
+            <a:schemeClr val="lt1"/>
+          </a:lnRef>
+          <a:fillRef idx="1">
+            <a:schemeClr val="accent1"/>
+          </a:fillRef>
+          <a:effectRef idx="1">
+            <a:schemeClr val="accent1"/>
+          </a:effectRef>
+          <a:fontRef idx="minor">
+            <a:schemeClr val="lt1"/>
+          </a:fontRef>
+        </p:style>
+        <p:txBody>
+          <a:bodyPr rtlCol="0" anchor="ctr"/>
+          <a:lstStyle/>
+          <a:p>
+            <a:pPr algn="ctr"/>
+            <a:endParaRPr lang="en-US"/>
+          </a:p>
+        </p:txBody>
+      </p:sp>
+      <p:cxnSp>
+        <p:nvCxnSpPr>
+          <p:cNvPr id="10" name="Straight Arrow Connector 9"/>
+          <p:cNvCxnSpPr>
+            <a:stCxn id="4" idx="0"/>
+            <a:endCxn id="3" idx="1"/>
+          </p:cNvCxnSpPr>
+          <p:nvPr/>
+        </p:nvCxnSpPr>
+        <p:spPr>
+          <a:xfrm flipH="1">
+            <a:off x="2265974" y="2974484"/>
+            <a:ext cx="1" cy="1492012"/>
+          </a:xfrm>
+          <a:prstGeom prst="straightConnector1">
+            <a:avLst/>
+          </a:prstGeom>
+          <a:ln w="38100">
+            <a:solidFill>
+              <a:schemeClr val="accent3">
+                <a:lumMod val="75000"/>
+              </a:schemeClr>
+            </a:solidFill>
+            <a:tailEnd type="triangle"/>
+          </a:ln>
+        </p:spPr>
+        <p:style>
+          <a:lnRef idx="1">
+            <a:schemeClr val="accent1"/>
+          </a:lnRef>
+          <a:fillRef idx="0">
+            <a:schemeClr val="accent1"/>
+          </a:fillRef>
+          <a:effectRef idx="0">
+            <a:schemeClr val="accent1"/>
+          </a:effectRef>
+          <a:fontRef idx="minor">
+            <a:schemeClr val="tx1"/>
+          </a:fontRef>
+        </p:style>
+      </p:cxnSp>
+      <p:cxnSp>
+        <p:nvCxnSpPr>
+          <p:cNvPr id="11" name="Straight Arrow Connector 10"/>
+          <p:cNvCxnSpPr/>
+          <p:nvPr/>
+        </p:nvCxnSpPr>
+        <p:spPr>
+          <a:xfrm flipV="1">
+            <a:off x="2988167" y="2028774"/>
+            <a:ext cx="3592416" cy="11473"/>
+          </a:xfrm>
+          <a:prstGeom prst="straightConnector1">
+            <a:avLst/>
+          </a:prstGeom>
+          <a:ln w="38100">
+            <a:solidFill>
+              <a:schemeClr val="accent3">
+                <a:lumMod val="75000"/>
+              </a:schemeClr>
+            </a:solidFill>
+            <a:tailEnd type="triangle"/>
+          </a:ln>
+        </p:spPr>
+        <p:style>
+          <a:lnRef idx="1">
+            <a:schemeClr val="accent1"/>
+          </a:lnRef>
+          <a:fillRef idx="0">
+            <a:schemeClr val="accent1"/>
+          </a:fillRef>
+          <a:effectRef idx="0">
+            <a:schemeClr val="accent1"/>
+          </a:effectRef>
+          <a:fontRef idx="minor">
+            <a:schemeClr val="tx1"/>
+          </a:fontRef>
+        </p:style>
+      </p:cxnSp>
+      <p:sp>
+        <p:nvSpPr>
+          <p:cNvPr id="15" name="Flowchart: Document 14"/>
+          <p:cNvSpPr/>
+          <p:nvPr/>
+        </p:nvSpPr>
+        <p:spPr>
+          <a:xfrm>
+            <a:off x="4345143" y="1298117"/>
+            <a:ext cx="853345" cy="515815"/>
+          </a:xfrm>
+          <a:prstGeom prst="flowChartDocument">
+            <a:avLst/>
+          </a:prstGeom>
+        </p:spPr>
+        <p:style>
+          <a:lnRef idx="1">
+            <a:schemeClr val="accent6"/>
+          </a:lnRef>
+          <a:fillRef idx="3">
+            <a:schemeClr val="accent6"/>
+          </a:fillRef>
+          <a:effectRef idx="2">
+            <a:schemeClr val="accent6"/>
+          </a:effectRef>
+          <a:fontRef idx="minor">
+            <a:schemeClr val="lt1"/>
+          </a:fontRef>
+        </p:style>
+        <p:txBody>
+          <a:bodyPr rtlCol="0" anchor="ctr"/>
+          <a:lstStyle/>
+          <a:p>
+            <a:pPr algn="ctr"/>
+            <a:r>
+              <a:rPr lang="en-US" dirty="0" smtClean="0"/>
+              <a:t>Event</a:t>
+            </a:r>
+          </a:p>
+        </p:txBody>
+      </p:sp>
+      <p:sp>
+        <p:nvSpPr>
+          <p:cNvPr id="16" name="Flowchart: Document 15"/>
+          <p:cNvSpPr/>
+          <p:nvPr/>
+        </p:nvSpPr>
+        <p:spPr>
+          <a:xfrm>
+            <a:off x="2461846" y="3413886"/>
+            <a:ext cx="853345" cy="515815"/>
+          </a:xfrm>
+          <a:prstGeom prst="flowChartDocument">
+            <a:avLst/>
+          </a:prstGeom>
+        </p:spPr>
+        <p:style>
+          <a:lnRef idx="1">
+            <a:schemeClr val="accent1"/>
+          </a:lnRef>
+          <a:fillRef idx="3">
+            <a:schemeClr val="accent1"/>
+          </a:fillRef>
+          <a:effectRef idx="2">
+            <a:schemeClr val="accent1"/>
+          </a:effectRef>
+          <a:fontRef idx="minor">
+            <a:schemeClr val="lt1"/>
+          </a:fontRef>
+        </p:style>
+        <p:txBody>
+          <a:bodyPr rtlCol="0" anchor="ctr"/>
+          <a:lstStyle/>
+          <a:p>
+            <a:pPr algn="ctr"/>
+            <a:r>
+              <a:rPr lang="en-US" dirty="0" smtClean="0"/>
+              <a:t>State</a:t>
+            </a:r>
+          </a:p>
+        </p:txBody>
+      </p:sp>
+      <p:sp>
+        <p:nvSpPr>
+          <p:cNvPr id="17" name="Explosion 1 16"/>
+          <p:cNvSpPr/>
+          <p:nvPr/>
+        </p:nvSpPr>
+        <p:spPr>
+          <a:xfrm>
+            <a:off x="2021528" y="1320973"/>
+            <a:ext cx="1518840" cy="1457398"/>
+          </a:xfrm>
+          <a:prstGeom prst="irregularSeal1">
+            <a:avLst/>
+          </a:prstGeom>
+        </p:spPr>
+        <p:style>
+          <a:lnRef idx="0">
+            <a:schemeClr val="accent5"/>
+          </a:lnRef>
+          <a:fillRef idx="3">
+            <a:schemeClr val="accent5"/>
+          </a:fillRef>
+          <a:effectRef idx="3">
+            <a:schemeClr val="accent5"/>
+          </a:effectRef>
+          <a:fontRef idx="minor">
+            <a:schemeClr val="lt1"/>
+          </a:fontRef>
+        </p:style>
+        <p:txBody>
+          <a:bodyPr rtlCol="0" anchor="ctr"/>
+          <a:lstStyle/>
+          <a:p>
+            <a:pPr algn="ctr"/>
+            <a:r>
+              <a:rPr lang="en-US" dirty="0" smtClean="0"/>
+              <a:t>Failure</a:t>
+            </a:r>
+          </a:p>
+        </p:txBody>
+      </p:sp>
+      <p:sp>
+        <p:nvSpPr>
+          <p:cNvPr id="31" name="TextBox 30"/>
+          <p:cNvSpPr txBox="1"/>
+          <p:nvPr/>
+        </p:nvSpPr>
+        <p:spPr>
+          <a:xfrm>
+            <a:off x="10419371" y="539613"/>
+            <a:ext cx="1106393" cy="3046988"/>
+          </a:xfrm>
+          <a:prstGeom prst="rect">
+            <a:avLst/>
+          </a:prstGeom>
+          <a:noFill/>
+        </p:spPr>
+        <p:txBody>
+          <a:bodyPr wrap="none" rtlCol="0">
+            <a:spAutoFit/>
+          </a:bodyPr>
+          <a:lstStyle/>
+          <a:p>
+            <a:r>
+              <a:rPr lang="en-US" sz="19200" dirty="0" smtClean="0">
+                <a:solidFill>
+                  <a:srgbClr val="FF0000"/>
+                </a:solidFill>
+                <a:latin typeface="Bradley Hand ITC" panose="03070402050302030203" pitchFamily="66" charset="0"/>
+              </a:rPr>
+              <a:t>?</a:t>
+            </a:r>
+            <a:endParaRPr lang="en-US" sz="19200" dirty="0">
+              <a:solidFill>
+                <a:srgbClr val="FF0000"/>
+              </a:solidFill>
+              <a:latin typeface="Bradley Hand ITC" panose="03070402050302030203" pitchFamily="66" charset="0"/>
+            </a:endParaRPr>
+          </a:p>
+        </p:txBody>
+      </p:sp>
+      <p:sp>
+        <p:nvSpPr>
+          <p:cNvPr id="32" name="TextBox 31"/>
+          <p:cNvSpPr txBox="1"/>
+          <p:nvPr/>
+        </p:nvSpPr>
+        <p:spPr>
+          <a:xfrm>
+            <a:off x="4195704" y="267106"/>
+            <a:ext cx="1720332" cy="3063515"/>
+          </a:xfrm>
+          <a:prstGeom prst="rect">
+            <a:avLst/>
+          </a:prstGeom>
+          <a:noFill/>
+        </p:spPr>
+        <p:txBody>
+          <a:bodyPr wrap="square" rtlCol="0">
+            <a:spAutoFit/>
+          </a:bodyPr>
+          <a:lstStyle/>
+          <a:p>
+            <a:r>
+              <a:rPr lang="en-US" sz="19200" dirty="0" smtClean="0">
+                <a:solidFill>
+                  <a:srgbClr val="FF0000"/>
+                </a:solidFill>
+                <a:latin typeface="Bradley Hand ITC" panose="03070402050302030203" pitchFamily="66" charset="0"/>
+              </a:rPr>
+              <a:t>X</a:t>
+            </a:r>
+            <a:endParaRPr lang="en-US" sz="19200" dirty="0">
+              <a:solidFill>
+                <a:srgbClr val="FF0000"/>
+              </a:solidFill>
+              <a:latin typeface="Bradley Hand ITC" panose="03070402050302030203" pitchFamily="66" charset="0"/>
+            </a:endParaRPr>
+          </a:p>
+        </p:txBody>
+      </p:sp>
+      <p:sp>
+        <p:nvSpPr>
+          <p:cNvPr id="34" name="TextBox 33"/>
+          <p:cNvSpPr txBox="1"/>
+          <p:nvPr/>
+        </p:nvSpPr>
+        <p:spPr>
+          <a:xfrm>
+            <a:off x="2888518" y="3315166"/>
+            <a:ext cx="1018278" cy="1569660"/>
+          </a:xfrm>
+          <a:prstGeom prst="rect">
+            <a:avLst/>
+          </a:prstGeom>
+          <a:noFill/>
+        </p:spPr>
+        <p:txBody>
+          <a:bodyPr wrap="square" rtlCol="0">
+            <a:spAutoFit/>
+          </a:bodyPr>
+          <a:lstStyle/>
+          <a:p>
+            <a:r>
+              <a:rPr lang="en-US" sz="9600" dirty="0">
+                <a:solidFill>
+                  <a:srgbClr val="92D050"/>
+                </a:solidFill>
+                <a:latin typeface="Bradley Hand ITC" panose="03070402050302030203" pitchFamily="66" charset="0"/>
+              </a:rPr>
+              <a:t>✓</a:t>
+            </a:r>
+          </a:p>
+        </p:txBody>
+      </p:sp>
+      <p:sp>
+        <p:nvSpPr>
+          <p:cNvPr id="35" name="Rectangle 34"/>
+          <p:cNvSpPr/>
+          <p:nvPr/>
+        </p:nvSpPr>
+        <p:spPr>
+          <a:xfrm>
+            <a:off x="6580584" y="242393"/>
+            <a:ext cx="1371600" cy="6154615"/>
+          </a:xfrm>
+          <a:prstGeom prst="rect">
+            <a:avLst/>
+          </a:prstGeom>
+          <a:ln w="57150">
+            <a:prstDash val="sysDot"/>
+          </a:ln>
+        </p:spPr>
+        <p:style>
+          <a:lnRef idx="1">
+            <a:schemeClr val="accent3"/>
+          </a:lnRef>
+          <a:fillRef idx="2">
+            <a:schemeClr val="accent3"/>
+          </a:fillRef>
+          <a:effectRef idx="1">
+            <a:schemeClr val="accent3"/>
+          </a:effectRef>
+          <a:fontRef idx="minor">
+            <a:schemeClr val="dk1"/>
+          </a:fontRef>
+        </p:style>
+        <p:txBody>
+          <a:bodyPr vert="wordArtVert" rtlCol="0" anchor="ctr"/>
+          <a:lstStyle/>
+          <a:p>
+            <a:pPr algn="ctr"/>
+            <a:r>
+              <a:rPr lang="en-US" dirty="0" smtClean="0">
+                <a:solidFill>
+                  <a:schemeClr val="accent3">
+                    <a:lumMod val="50000"/>
+                  </a:schemeClr>
+                </a:solidFill>
+              </a:rPr>
+              <a:t>Message broker</a:t>
+            </a:r>
+          </a:p>
+        </p:txBody>
+      </p:sp>
+      <p:cxnSp>
+        <p:nvCxnSpPr>
+          <p:cNvPr id="37" name="Straight Arrow Connector 36"/>
+          <p:cNvCxnSpPr/>
+          <p:nvPr/>
+        </p:nvCxnSpPr>
+        <p:spPr>
+          <a:xfrm>
+            <a:off x="7952184" y="2027224"/>
+            <a:ext cx="1961878" cy="6501"/>
+          </a:xfrm>
+          <a:prstGeom prst="straightConnector1">
+            <a:avLst/>
+          </a:prstGeom>
+          <a:ln w="38100">
+            <a:solidFill>
+              <a:schemeClr val="accent3">
+                <a:lumMod val="75000"/>
+              </a:schemeClr>
+            </a:solidFill>
+            <a:tailEnd type="triangle"/>
+          </a:ln>
+        </p:spPr>
+        <p:style>
+          <a:lnRef idx="1">
+            <a:schemeClr val="accent1"/>
+          </a:lnRef>
+          <a:fillRef idx="0">
+            <a:schemeClr val="accent1"/>
+          </a:fillRef>
+          <a:effectRef idx="0">
+            <a:schemeClr val="accent1"/>
+          </a:effectRef>
+          <a:fontRef idx="minor">
+            <a:schemeClr val="tx1"/>
+          </a:fontRef>
+        </p:style>
+      </p:cxnSp>
+      <p:sp>
+        <p:nvSpPr>
+          <p:cNvPr id="39" name="Flowchart: Document 38"/>
+          <p:cNvSpPr/>
+          <p:nvPr/>
+        </p:nvSpPr>
+        <p:spPr>
+          <a:xfrm>
+            <a:off x="8457491" y="1289869"/>
+            <a:ext cx="853345" cy="515815"/>
+          </a:xfrm>
+          <a:prstGeom prst="flowChartDocument">
+            <a:avLst/>
+          </a:prstGeom>
+        </p:spPr>
+        <p:style>
+          <a:lnRef idx="1">
+            <a:schemeClr val="accent6"/>
+          </a:lnRef>
+          <a:fillRef idx="3">
+            <a:schemeClr val="accent6"/>
+          </a:fillRef>
+          <a:effectRef idx="2">
+            <a:schemeClr val="accent6"/>
+          </a:effectRef>
+          <a:fontRef idx="minor">
+            <a:schemeClr val="lt1"/>
+          </a:fontRef>
+        </p:style>
+        <p:txBody>
+          <a:bodyPr rtlCol="0" anchor="ctr"/>
+          <a:lstStyle/>
+          <a:p>
+            <a:pPr algn="ctr"/>
+            <a:r>
+              <a:rPr lang="en-US" dirty="0" smtClean="0"/>
+              <a:t>Event</a:t>
+            </a:r>
+          </a:p>
+        </p:txBody>
+      </p:sp>
     </p:spTree>
     <p:extLst>
       <p:ext uri="{BB962C8B-B14F-4D97-AF65-F5344CB8AC3E}">
@@ -4631,9 +5401,218 @@
   <p:timing>
     <p:tnLst>
       <p:par>
-        <p:cTn id="1" dur="indefinite" restart="never" nodeType="tmRoot"/>
+        <p:cTn id="1" dur="indefinite" restart="never" nodeType="tmRoot">
+          <p:childTnLst>
+            <p:seq concurrent="1" nextAc="seek">
+              <p:cTn id="2" dur="indefinite" nodeType="mainSeq">
+                <p:childTnLst>
+                  <p:par>
+                    <p:cTn id="3" fill="hold">
+                      <p:stCondLst>
+                        <p:cond delay="indefinite"/>
+                      </p:stCondLst>
+                      <p:childTnLst>
+                        <p:par>
+                          <p:cTn id="4" fill="hold">
+                            <p:stCondLst>
+                              <p:cond delay="0"/>
+                            </p:stCondLst>
+                            <p:childTnLst>
+                              <p:par>
+                                <p:cTn id="5" presetID="1" presetClass="entr" presetSubtype="0" fill="hold" grpId="0" nodeType="clickEffect">
+                                  <p:stCondLst>
+                                    <p:cond delay="0"/>
+                                  </p:stCondLst>
+                                  <p:childTnLst>
+                                    <p:set>
+                                      <p:cBhvr>
+                                        <p:cTn id="6" dur="1" fill="hold">
+                                          <p:stCondLst>
+                                            <p:cond delay="0"/>
+                                          </p:stCondLst>
+                                        </p:cTn>
+                                        <p:tgtEl>
+                                          <p:spTgt spid="34"/>
+                                        </p:tgtEl>
+                                        <p:attrNameLst>
+                                          <p:attrName>style.visibility</p:attrName>
+                                        </p:attrNameLst>
+                                      </p:cBhvr>
+                                      <p:to>
+                                        <p:strVal val="visible"/>
+                                      </p:to>
+                                    </p:set>
+                                  </p:childTnLst>
+                                </p:cTn>
+                              </p:par>
+                            </p:childTnLst>
+                          </p:cTn>
+                        </p:par>
+                      </p:childTnLst>
+                    </p:cTn>
+                  </p:par>
+                  <p:par>
+                    <p:cTn id="7" fill="hold">
+                      <p:stCondLst>
+                        <p:cond delay="indefinite"/>
+                      </p:stCondLst>
+                      <p:childTnLst>
+                        <p:par>
+                          <p:cTn id="8" fill="hold">
+                            <p:stCondLst>
+                              <p:cond delay="0"/>
+                            </p:stCondLst>
+                            <p:childTnLst>
+                              <p:par>
+                                <p:cTn id="9" presetID="1" presetClass="entr" presetSubtype="0" fill="hold" grpId="0" nodeType="clickEffect">
+                                  <p:stCondLst>
+                                    <p:cond delay="0"/>
+                                  </p:stCondLst>
+                                  <p:childTnLst>
+                                    <p:set>
+                                      <p:cBhvr>
+                                        <p:cTn id="10" dur="1" fill="hold">
+                                          <p:stCondLst>
+                                            <p:cond delay="0"/>
+                                          </p:stCondLst>
+                                        </p:cTn>
+                                        <p:tgtEl>
+                                          <p:spTgt spid="17"/>
+                                        </p:tgtEl>
+                                        <p:attrNameLst>
+                                          <p:attrName>style.visibility</p:attrName>
+                                        </p:attrNameLst>
+                                      </p:cBhvr>
+                                      <p:to>
+                                        <p:strVal val="visible"/>
+                                      </p:to>
+                                    </p:set>
+                                  </p:childTnLst>
+                                </p:cTn>
+                              </p:par>
+                            </p:childTnLst>
+                          </p:cTn>
+                        </p:par>
+                      </p:childTnLst>
+                    </p:cTn>
+                  </p:par>
+                  <p:par>
+                    <p:cTn id="11" fill="hold">
+                      <p:stCondLst>
+                        <p:cond delay="indefinite"/>
+                      </p:stCondLst>
+                      <p:childTnLst>
+                        <p:par>
+                          <p:cTn id="12" fill="hold">
+                            <p:stCondLst>
+                              <p:cond delay="0"/>
+                            </p:stCondLst>
+                            <p:childTnLst>
+                              <p:par>
+                                <p:cTn id="13" presetID="1" presetClass="entr" presetSubtype="0" fill="hold" grpId="0" nodeType="clickEffect">
+                                  <p:stCondLst>
+                                    <p:cond delay="0"/>
+                                  </p:stCondLst>
+                                  <p:childTnLst>
+                                    <p:set>
+                                      <p:cBhvr>
+                                        <p:cTn id="14" dur="1" fill="hold">
+                                          <p:stCondLst>
+                                            <p:cond delay="0"/>
+                                          </p:stCondLst>
+                                        </p:cTn>
+                                        <p:tgtEl>
+                                          <p:spTgt spid="32"/>
+                                        </p:tgtEl>
+                                        <p:attrNameLst>
+                                          <p:attrName>style.visibility</p:attrName>
+                                        </p:attrNameLst>
+                                      </p:cBhvr>
+                                      <p:to>
+                                        <p:strVal val="visible"/>
+                                      </p:to>
+                                    </p:set>
+                                  </p:childTnLst>
+                                </p:cTn>
+                              </p:par>
+                            </p:childTnLst>
+                          </p:cTn>
+                        </p:par>
+                      </p:childTnLst>
+                    </p:cTn>
+                  </p:par>
+                  <p:par>
+                    <p:cTn id="15" fill="hold">
+                      <p:stCondLst>
+                        <p:cond delay="indefinite"/>
+                      </p:stCondLst>
+                      <p:childTnLst>
+                        <p:par>
+                          <p:cTn id="16" fill="hold">
+                            <p:stCondLst>
+                              <p:cond delay="0"/>
+                            </p:stCondLst>
+                            <p:childTnLst>
+                              <p:par>
+                                <p:cTn id="17" presetID="1" presetClass="entr" presetSubtype="0" fill="hold" grpId="0" nodeType="clickEffect">
+                                  <p:stCondLst>
+                                    <p:cond delay="0"/>
+                                  </p:stCondLst>
+                                  <p:childTnLst>
+                                    <p:set>
+                                      <p:cBhvr>
+                                        <p:cTn id="18" dur="1" fill="hold">
+                                          <p:stCondLst>
+                                            <p:cond delay="0"/>
+                                          </p:stCondLst>
+                                        </p:cTn>
+                                        <p:tgtEl>
+                                          <p:spTgt spid="31"/>
+                                        </p:tgtEl>
+                                        <p:attrNameLst>
+                                          <p:attrName>style.visibility</p:attrName>
+                                        </p:attrNameLst>
+                                      </p:cBhvr>
+                                      <p:to>
+                                        <p:strVal val="visible"/>
+                                      </p:to>
+                                    </p:set>
+                                  </p:childTnLst>
+                                </p:cTn>
+                              </p:par>
+                            </p:childTnLst>
+                          </p:cTn>
+                        </p:par>
+                      </p:childTnLst>
+                    </p:cTn>
+                  </p:par>
+                </p:childTnLst>
+              </p:cTn>
+              <p:prevCondLst>
+                <p:cond evt="onPrev" delay="0">
+                  <p:tgtEl>
+                    <p:sldTgt/>
+                  </p:tgtEl>
+                </p:cond>
+              </p:prevCondLst>
+              <p:nextCondLst>
+                <p:cond evt="onNext" delay="0">
+                  <p:tgtEl>
+                    <p:sldTgt/>
+                  </p:tgtEl>
+                </p:cond>
+              </p:nextCondLst>
+            </p:seq>
+          </p:childTnLst>
+        </p:cTn>
       </p:par>
     </p:tnLst>
+    <p:bldLst>
+      <p:bldP spid="17" grpId="0" animBg="1"/>
+      <p:bldP spid="31" grpId="0"/>
+      <p:bldP spid="32" grpId="0"/>
+      <p:bldP spid="34" grpId="0"/>
+    </p:bldLst>
   </p:timing>
 </p:sld>
 </file>

--- a/t18-event-mongodb.pptx
+++ b/t18-event-mongodb.pptx
@@ -4450,11 +4450,7 @@
           <a:p>
             <a:r>
               <a:rPr lang="en-US" dirty="0" smtClean="0"/>
-              <a:t>Challenges we </a:t>
-            </a:r>
-            <a:r>
-              <a:rPr lang="en-US" dirty="0" smtClean="0"/>
-              <a:t>face</a:t>
+              <a:t>Challenges we face</a:t>
             </a:r>
             <a:endParaRPr lang="en-US" dirty="0"/>
           </a:p>
@@ -4604,6 +4600,44 @@
           <a:chExt cx="0" cy="0"/>
         </a:xfrm>
       </p:grpSpPr>
+      <p:cxnSp>
+        <p:nvCxnSpPr>
+          <p:cNvPr id="37" name="Straight Arrow Connector 36"/>
+          <p:cNvCxnSpPr/>
+          <p:nvPr/>
+        </p:nvCxnSpPr>
+        <p:spPr>
+          <a:xfrm>
+            <a:off x="7952184" y="2027224"/>
+            <a:ext cx="1961878" cy="6501"/>
+          </a:xfrm>
+          <a:prstGeom prst="straightConnector1">
+            <a:avLst/>
+          </a:prstGeom>
+          <a:ln w="38100">
+            <a:solidFill>
+              <a:schemeClr val="accent3">
+                <a:lumMod val="75000"/>
+              </a:schemeClr>
+            </a:solidFill>
+            <a:tailEnd type="triangle"/>
+          </a:ln>
+        </p:spPr>
+        <p:style>
+          <a:lnRef idx="1">
+            <a:schemeClr val="accent1"/>
+          </a:lnRef>
+          <a:fillRef idx="0">
+            <a:schemeClr val="accent1"/>
+          </a:fillRef>
+          <a:effectRef idx="0">
+            <a:schemeClr val="accent1"/>
+          </a:effectRef>
+          <a:fontRef idx="minor">
+            <a:schemeClr val="tx1"/>
+          </a:fontRef>
+        </p:style>
+      </p:cxnSp>
       <p:sp>
         <p:nvSpPr>
           <p:cNvPr id="4" name="Hexagon 3"/>
@@ -5153,8 +5187,8 @@
         </p:nvSpPr>
         <p:spPr>
           <a:xfrm>
-            <a:off x="10419371" y="539613"/>
-            <a:ext cx="1106393" cy="3046988"/>
+            <a:off x="8769627" y="-529429"/>
+            <a:ext cx="2026517" cy="6001643"/>
           </a:xfrm>
           <a:prstGeom prst="rect">
             <a:avLst/>
@@ -5168,7 +5202,7 @@
           <a:lstStyle/>
           <a:p>
             <a:r>
-              <a:rPr lang="en-US" sz="19200" dirty="0" smtClean="0">
+              <a:rPr lang="en-US" sz="38400" dirty="0" smtClean="0">
                 <a:solidFill>
                   <a:srgbClr val="FF0000"/>
                 </a:solidFill>
@@ -5176,7 +5210,7 @@
               </a:rPr>
               <a:t>?</a:t>
             </a:r>
-            <a:endParaRPr lang="en-US" sz="19200" dirty="0">
+            <a:endParaRPr lang="en-US" sz="38400" dirty="0">
               <a:solidFill>
                 <a:srgbClr val="FF0000"/>
               </a:solidFill>
@@ -5309,44 +5343,6 @@
           </a:p>
         </p:txBody>
       </p:sp>
-      <p:cxnSp>
-        <p:nvCxnSpPr>
-          <p:cNvPr id="37" name="Straight Arrow Connector 36"/>
-          <p:cNvCxnSpPr/>
-          <p:nvPr/>
-        </p:nvCxnSpPr>
-        <p:spPr>
-          <a:xfrm>
-            <a:off x="7952184" y="2027224"/>
-            <a:ext cx="1961878" cy="6501"/>
-          </a:xfrm>
-          <a:prstGeom prst="straightConnector1">
-            <a:avLst/>
-          </a:prstGeom>
-          <a:ln w="38100">
-            <a:solidFill>
-              <a:schemeClr val="accent3">
-                <a:lumMod val="75000"/>
-              </a:schemeClr>
-            </a:solidFill>
-            <a:tailEnd type="triangle"/>
-          </a:ln>
-        </p:spPr>
-        <p:style>
-          <a:lnRef idx="1">
-            <a:schemeClr val="accent1"/>
-          </a:lnRef>
-          <a:fillRef idx="0">
-            <a:schemeClr val="accent1"/>
-          </a:fillRef>
-          <a:effectRef idx="0">
-            <a:schemeClr val="accent1"/>
-          </a:effectRef>
-          <a:fontRef idx="minor">
-            <a:schemeClr val="tx1"/>
-          </a:fontRef>
-        </p:style>
-      </p:cxnSp>
       <p:sp>
         <p:nvSpPr>
           <p:cNvPr id="39" name="Flowchart: Document 38"/>

--- a/t18-event-mongodb.pptx
+++ b/t18-event-mongodb.pptx
@@ -5,13 +5,17 @@
     <p:sldMasterId id="2147483756" r:id="rId1"/>
   </p:sldMasterIdLst>
   <p:notesMasterIdLst>
-    <p:notesMasterId r:id="rId6"/>
+    <p:notesMasterId r:id="rId10"/>
   </p:notesMasterIdLst>
   <p:sldIdLst>
     <p:sldId id="258" r:id="rId2"/>
     <p:sldId id="260" r:id="rId3"/>
     <p:sldId id="259" r:id="rId4"/>
     <p:sldId id="261" r:id="rId5"/>
+    <p:sldId id="262" r:id="rId6"/>
+    <p:sldId id="264" r:id="rId7"/>
+    <p:sldId id="263" r:id="rId8"/>
+    <p:sldId id="265" r:id="rId9"/>
   </p:sldIdLst>
   <p:sldSz cx="12192000" cy="6858000"/>
   <p:notesSz cx="6858000" cy="9144000"/>
@@ -200,7 +204,7 @@
           <a:p>
             <a:fld id="{DBCC800D-31EB-4931-99D3-EDB5CCBB0CE8}" type="datetimeFigureOut">
               <a:rPr lang="en-US" smtClean="0"/>
-              <a:t>11/23/2018</a:t>
+              <a:t>11/24/2018</a:t>
             </a:fld>
             <a:endParaRPr lang="en-US"/>
           </a:p>
@@ -859,29 +863,13 @@
           <a:lstStyle/>
           <a:p>
             <a:r>
-              <a:rPr lang="en-US" dirty="0" smtClean="0"/>
-              <a:t>Multiple components</a:t>
-            </a:r>
-          </a:p>
-          <a:p>
-            <a:endParaRPr lang="en-US" dirty="0" smtClean="0"/>
-          </a:p>
-          <a:p>
-            <a:r>
-              <a:rPr lang="en-US" dirty="0" smtClean="0"/>
-              <a:t>State change notifications</a:t>
-            </a:r>
-          </a:p>
-          <a:p>
-            <a:endParaRPr lang="en-US" dirty="0" smtClean="0"/>
-          </a:p>
-          <a:p>
-            <a:r>
-              <a:rPr lang="en-US" dirty="0" smtClean="0"/>
-              <a:t>Reactive</a:t>
-            </a:r>
-          </a:p>
-          <a:p>
+              <a:rPr lang="en-US" smtClean="0"/>
+              <a:t>Multiple</a:t>
+            </a:r>
+            <a:r>
+              <a:rPr lang="en-US" baseline="0" smtClean="0"/>
+              <a:t> components, same goal</a:t>
+            </a:r>
             <a:endParaRPr lang="en-US" dirty="0"/>
           </a:p>
         </p:txBody>
@@ -966,6 +954,28 @@
           <a:bodyPr/>
           <a:lstStyle/>
           <a:p>
+            <a:r>
+              <a:rPr lang="en-US" dirty="0" smtClean="0"/>
+              <a:t>Multiple components</a:t>
+            </a:r>
+          </a:p>
+          <a:p>
+            <a:endParaRPr lang="en-US" dirty="0" smtClean="0"/>
+          </a:p>
+          <a:p>
+            <a:r>
+              <a:rPr lang="en-US" dirty="0" smtClean="0"/>
+              <a:t>State change notifications</a:t>
+            </a:r>
+          </a:p>
+          <a:p>
+            <a:endParaRPr lang="en-US" dirty="0" smtClean="0"/>
+          </a:p>
+          <a:p>
+            <a:r>
+              <a:rPr lang="en-US" dirty="0" smtClean="0"/>
+              <a:t>Reactive</a:t>
+            </a:r>
             <a:endParaRPr lang="en-US" dirty="0"/>
           </a:p>
         </p:txBody>
@@ -997,6 +1007,451 @@
     <p:extLst>
       <p:ext uri="{BB962C8B-B14F-4D97-AF65-F5344CB8AC3E}">
         <p14:creationId xmlns:p14="http://schemas.microsoft.com/office/powerpoint/2010/main" val="552390821"/>
+      </p:ext>
+    </p:extLst>
+  </p:cSld>
+  <p:clrMapOvr>
+    <a:masterClrMapping/>
+  </p:clrMapOvr>
+</p:notes>
+</file>
+
+<file path=ppt/notesSlides/notesSlide5.xml><?xml version="1.0" encoding="utf-8"?>
+<p:notes xmlns:a="http://schemas.openxmlformats.org/drawingml/2006/main" xmlns:r="http://schemas.openxmlformats.org/officeDocument/2006/relationships" xmlns:p="http://schemas.openxmlformats.org/presentationml/2006/main">
+  <p:cSld>
+    <p:spTree>
+      <p:nvGrpSpPr>
+        <p:cNvPr id="1" name=""/>
+        <p:cNvGrpSpPr/>
+        <p:nvPr/>
+      </p:nvGrpSpPr>
+      <p:grpSpPr>
+        <a:xfrm>
+          <a:off x="0" y="0"/>
+          <a:ext cx="0" cy="0"/>
+          <a:chOff x="0" y="0"/>
+          <a:chExt cx="0" cy="0"/>
+        </a:xfrm>
+      </p:grpSpPr>
+      <p:sp>
+        <p:nvSpPr>
+          <p:cNvPr id="2" name="Slide Image Placeholder 1"/>
+          <p:cNvSpPr>
+            <a:spLocks noGrp="1" noRot="1" noChangeAspect="1"/>
+          </p:cNvSpPr>
+          <p:nvPr>
+            <p:ph type="sldImg"/>
+          </p:nvPr>
+        </p:nvSpPr>
+        <p:spPr/>
+      </p:sp>
+      <p:sp>
+        <p:nvSpPr>
+          <p:cNvPr id="3" name="Notes Placeholder 2"/>
+          <p:cNvSpPr>
+            <a:spLocks noGrp="1"/>
+          </p:cNvSpPr>
+          <p:nvPr>
+            <p:ph type="body" idx="1"/>
+          </p:nvPr>
+        </p:nvSpPr>
+        <p:spPr/>
+        <p:txBody>
+          <a:bodyPr/>
+          <a:lstStyle/>
+          <a:p>
+            <a:r>
+              <a:rPr lang="en-US" smtClean="0"/>
+              <a:t>Failure scenario</a:t>
+            </a:r>
+            <a:endParaRPr lang="en-US" dirty="0"/>
+          </a:p>
+        </p:txBody>
+      </p:sp>
+      <p:sp>
+        <p:nvSpPr>
+          <p:cNvPr id="4" name="Slide Number Placeholder 3"/>
+          <p:cNvSpPr>
+            <a:spLocks noGrp="1"/>
+          </p:cNvSpPr>
+          <p:nvPr>
+            <p:ph type="sldNum" sz="quarter" idx="10"/>
+          </p:nvPr>
+        </p:nvSpPr>
+        <p:spPr/>
+        <p:txBody>
+          <a:bodyPr/>
+          <a:lstStyle/>
+          <a:p>
+            <a:fld id="{40EA4F9F-6CEF-4B9D-BEB3-40FCF0DF71AE}" type="slidenum">
+              <a:rPr lang="en-US" smtClean="0"/>
+              <a:t>5</a:t>
+            </a:fld>
+            <a:endParaRPr lang="en-US"/>
+          </a:p>
+        </p:txBody>
+      </p:sp>
+    </p:spTree>
+    <p:extLst>
+      <p:ext uri="{BB962C8B-B14F-4D97-AF65-F5344CB8AC3E}">
+        <p14:creationId xmlns:p14="http://schemas.microsoft.com/office/powerpoint/2010/main" val="3384025134"/>
+      </p:ext>
+    </p:extLst>
+  </p:cSld>
+  <p:clrMapOvr>
+    <a:masterClrMapping/>
+  </p:clrMapOvr>
+</p:notes>
+</file>
+
+<file path=ppt/notesSlides/notesSlide6.xml><?xml version="1.0" encoding="utf-8"?>
+<p:notes xmlns:a="http://schemas.openxmlformats.org/drawingml/2006/main" xmlns:r="http://schemas.openxmlformats.org/officeDocument/2006/relationships" xmlns:p="http://schemas.openxmlformats.org/presentationml/2006/main">
+  <p:cSld>
+    <p:spTree>
+      <p:nvGrpSpPr>
+        <p:cNvPr id="1" name=""/>
+        <p:cNvGrpSpPr/>
+        <p:nvPr/>
+      </p:nvGrpSpPr>
+      <p:grpSpPr>
+        <a:xfrm>
+          <a:off x="0" y="0"/>
+          <a:ext cx="0" cy="0"/>
+          <a:chOff x="0" y="0"/>
+          <a:chExt cx="0" cy="0"/>
+        </a:xfrm>
+      </p:grpSpPr>
+      <p:sp>
+        <p:nvSpPr>
+          <p:cNvPr id="2" name="Slide Image Placeholder 1"/>
+          <p:cNvSpPr>
+            <a:spLocks noGrp="1" noRot="1" noChangeAspect="1"/>
+          </p:cNvSpPr>
+          <p:nvPr>
+            <p:ph type="sldImg"/>
+          </p:nvPr>
+        </p:nvSpPr>
+        <p:spPr/>
+      </p:sp>
+      <p:sp>
+        <p:nvSpPr>
+          <p:cNvPr id="3" name="Notes Placeholder 2"/>
+          <p:cNvSpPr>
+            <a:spLocks noGrp="1"/>
+          </p:cNvSpPr>
+          <p:nvPr>
+            <p:ph type="body" idx="1"/>
+          </p:nvPr>
+        </p:nvSpPr>
+        <p:spPr/>
+        <p:txBody>
+          <a:bodyPr/>
+          <a:lstStyle/>
+          <a:p>
+            <a:r>
+              <a:rPr lang="en-US" dirty="0" smtClean="0"/>
+              <a:t>TPC</a:t>
+            </a:r>
+          </a:p>
+          <a:p>
+            <a:r>
+              <a:rPr lang="en-US" dirty="0" smtClean="0"/>
+              <a:t>    Degraded</a:t>
+            </a:r>
+            <a:r>
+              <a:rPr lang="en-US" baseline="0" dirty="0" smtClean="0"/>
+              <a:t> performance</a:t>
+            </a:r>
+          </a:p>
+          <a:p>
+            <a:r>
+              <a:rPr lang="en-US" baseline="0" dirty="0" smtClean="0"/>
+              <a:t>    No support by message brokers</a:t>
+            </a:r>
+            <a:endParaRPr lang="en-US" dirty="0" smtClean="0"/>
+          </a:p>
+          <a:p>
+            <a:endParaRPr lang="en-US" dirty="0" smtClean="0"/>
+          </a:p>
+          <a:p>
+            <a:r>
+              <a:rPr lang="en-US" dirty="0" smtClean="0"/>
+              <a:t>Write</a:t>
+            </a:r>
+            <a:r>
+              <a:rPr lang="en-US" baseline="0" dirty="0" smtClean="0"/>
+              <a:t> ahead logging</a:t>
+            </a:r>
+          </a:p>
+          <a:p>
+            <a:r>
+              <a:rPr lang="en-US" baseline="0" dirty="0" smtClean="0"/>
+              <a:t>    To complex for simple cases</a:t>
+            </a:r>
+            <a:endParaRPr lang="en-US" dirty="0" smtClean="0"/>
+          </a:p>
+          <a:p>
+            <a:endParaRPr lang="en-US" dirty="0" smtClean="0"/>
+          </a:p>
+          <a:p>
+            <a:r>
+              <a:rPr lang="en-US" dirty="0" smtClean="0"/>
+              <a:t>Options?</a:t>
+            </a:r>
+            <a:endParaRPr lang="en-US" dirty="0"/>
+          </a:p>
+        </p:txBody>
+      </p:sp>
+      <p:sp>
+        <p:nvSpPr>
+          <p:cNvPr id="4" name="Slide Number Placeholder 3"/>
+          <p:cNvSpPr>
+            <a:spLocks noGrp="1"/>
+          </p:cNvSpPr>
+          <p:nvPr>
+            <p:ph type="sldNum" sz="quarter" idx="10"/>
+          </p:nvPr>
+        </p:nvSpPr>
+        <p:spPr/>
+        <p:txBody>
+          <a:bodyPr/>
+          <a:lstStyle/>
+          <a:p>
+            <a:fld id="{40EA4F9F-6CEF-4B9D-BEB3-40FCF0DF71AE}" type="slidenum">
+              <a:rPr lang="en-US" smtClean="0"/>
+              <a:t>6</a:t>
+            </a:fld>
+            <a:endParaRPr lang="en-US"/>
+          </a:p>
+        </p:txBody>
+      </p:sp>
+    </p:spTree>
+    <p:extLst>
+      <p:ext uri="{BB962C8B-B14F-4D97-AF65-F5344CB8AC3E}">
+        <p14:creationId xmlns:p14="http://schemas.microsoft.com/office/powerpoint/2010/main" val="3983230249"/>
+      </p:ext>
+    </p:extLst>
+  </p:cSld>
+  <p:clrMapOvr>
+    <a:masterClrMapping/>
+  </p:clrMapOvr>
+</p:notes>
+</file>
+
+<file path=ppt/notesSlides/notesSlide7.xml><?xml version="1.0" encoding="utf-8"?>
+<p:notes xmlns:a="http://schemas.openxmlformats.org/drawingml/2006/main" xmlns:r="http://schemas.openxmlformats.org/officeDocument/2006/relationships" xmlns:p="http://schemas.openxmlformats.org/presentationml/2006/main">
+  <p:cSld>
+    <p:spTree>
+      <p:nvGrpSpPr>
+        <p:cNvPr id="1" name=""/>
+        <p:cNvGrpSpPr/>
+        <p:nvPr/>
+      </p:nvGrpSpPr>
+      <p:grpSpPr>
+        <a:xfrm>
+          <a:off x="0" y="0"/>
+          <a:ext cx="0" cy="0"/>
+          <a:chOff x="0" y="0"/>
+          <a:chExt cx="0" cy="0"/>
+        </a:xfrm>
+      </p:grpSpPr>
+      <p:sp>
+        <p:nvSpPr>
+          <p:cNvPr id="2" name="Slide Image Placeholder 1"/>
+          <p:cNvSpPr>
+            <a:spLocks noGrp="1" noRot="1" noChangeAspect="1"/>
+          </p:cNvSpPr>
+          <p:nvPr>
+            <p:ph type="sldImg"/>
+          </p:nvPr>
+        </p:nvSpPr>
+        <p:spPr/>
+      </p:sp>
+      <p:sp>
+        <p:nvSpPr>
+          <p:cNvPr id="3" name="Notes Placeholder 2"/>
+          <p:cNvSpPr>
+            <a:spLocks noGrp="1"/>
+          </p:cNvSpPr>
+          <p:nvPr>
+            <p:ph type="body" idx="1"/>
+          </p:nvPr>
+        </p:nvSpPr>
+        <p:spPr/>
+        <p:txBody>
+          <a:bodyPr/>
+          <a:lstStyle/>
+          <a:p>
+            <a:endParaRPr lang="en-US" dirty="0" smtClean="0"/>
+          </a:p>
+          <a:p>
+            <a:r>
+              <a:rPr lang="en-US" dirty="0" smtClean="0"/>
+              <a:t>Best where applicable</a:t>
+            </a:r>
+          </a:p>
+          <a:p>
+            <a:endParaRPr lang="en-US" dirty="0" smtClean="0"/>
+          </a:p>
+          <a:p>
+            <a:r>
+              <a:rPr lang="en-US" dirty="0" smtClean="0"/>
+              <a:t>No applicable for us</a:t>
+            </a:r>
+          </a:p>
+          <a:p>
+            <a:r>
+              <a:rPr lang="en-US" baseline="0" dirty="0" smtClean="0"/>
+              <a:t>    Required significant code rewrite</a:t>
+            </a:r>
+            <a:endParaRPr lang="en-US" dirty="0" smtClean="0"/>
+          </a:p>
+        </p:txBody>
+      </p:sp>
+      <p:sp>
+        <p:nvSpPr>
+          <p:cNvPr id="4" name="Slide Number Placeholder 3"/>
+          <p:cNvSpPr>
+            <a:spLocks noGrp="1"/>
+          </p:cNvSpPr>
+          <p:nvPr>
+            <p:ph type="sldNum" sz="quarter" idx="10"/>
+          </p:nvPr>
+        </p:nvSpPr>
+        <p:spPr/>
+        <p:txBody>
+          <a:bodyPr/>
+          <a:lstStyle/>
+          <a:p>
+            <a:fld id="{40EA4F9F-6CEF-4B9D-BEB3-40FCF0DF71AE}" type="slidenum">
+              <a:rPr lang="en-US" smtClean="0"/>
+              <a:t>7</a:t>
+            </a:fld>
+            <a:endParaRPr lang="en-US"/>
+          </a:p>
+        </p:txBody>
+      </p:sp>
+    </p:spTree>
+    <p:extLst>
+      <p:ext uri="{BB962C8B-B14F-4D97-AF65-F5344CB8AC3E}">
+        <p14:creationId xmlns:p14="http://schemas.microsoft.com/office/powerpoint/2010/main" val="2514363315"/>
+      </p:ext>
+    </p:extLst>
+  </p:cSld>
+  <p:clrMapOvr>
+    <a:masterClrMapping/>
+  </p:clrMapOvr>
+</p:notes>
+</file>
+
+<file path=ppt/notesSlides/notesSlide8.xml><?xml version="1.0" encoding="utf-8"?>
+<p:notes xmlns:a="http://schemas.openxmlformats.org/drawingml/2006/main" xmlns:r="http://schemas.openxmlformats.org/officeDocument/2006/relationships" xmlns:p="http://schemas.openxmlformats.org/presentationml/2006/main">
+  <p:cSld>
+    <p:spTree>
+      <p:nvGrpSpPr>
+        <p:cNvPr id="1" name=""/>
+        <p:cNvGrpSpPr/>
+        <p:nvPr/>
+      </p:nvGrpSpPr>
+      <p:grpSpPr>
+        <a:xfrm>
+          <a:off x="0" y="0"/>
+          <a:ext cx="0" cy="0"/>
+          <a:chOff x="0" y="0"/>
+          <a:chExt cx="0" cy="0"/>
+        </a:xfrm>
+      </p:grpSpPr>
+      <p:sp>
+        <p:nvSpPr>
+          <p:cNvPr id="2" name="Slide Image Placeholder 1"/>
+          <p:cNvSpPr>
+            <a:spLocks noGrp="1" noRot="1" noChangeAspect="1"/>
+          </p:cNvSpPr>
+          <p:nvPr>
+            <p:ph type="sldImg"/>
+          </p:nvPr>
+        </p:nvSpPr>
+        <p:spPr/>
+      </p:sp>
+      <p:sp>
+        <p:nvSpPr>
+          <p:cNvPr id="3" name="Notes Placeholder 2"/>
+          <p:cNvSpPr>
+            <a:spLocks noGrp="1"/>
+          </p:cNvSpPr>
+          <p:nvPr>
+            <p:ph type="body" idx="1"/>
+          </p:nvPr>
+        </p:nvSpPr>
+        <p:spPr/>
+        <p:txBody>
+          <a:bodyPr/>
+          <a:lstStyle/>
+          <a:p>
+            <a:endParaRPr lang="en-US" dirty="0" smtClean="0"/>
+          </a:p>
+          <a:p>
+            <a:r>
+              <a:rPr lang="en-US" dirty="0" smtClean="0"/>
+              <a:t>A</a:t>
+            </a:r>
+            <a:r>
+              <a:rPr lang="en-US" baseline="0" dirty="0" smtClean="0"/>
+              <a:t>ll ACID SQL DB engines</a:t>
+            </a:r>
+          </a:p>
+          <a:p>
+            <a:endParaRPr lang="en-US" baseline="0" dirty="0" smtClean="0"/>
+          </a:p>
+          <a:p>
+            <a:r>
+              <a:rPr lang="en-US" baseline="0" dirty="0" smtClean="0"/>
+              <a:t>Some No-SQL DB engines</a:t>
+            </a:r>
+          </a:p>
+          <a:p>
+            <a:endParaRPr lang="en-US" baseline="0" dirty="0" smtClean="0"/>
+          </a:p>
+          <a:p>
+            <a:r>
+              <a:rPr lang="en-US" baseline="0" dirty="0" smtClean="0"/>
+              <a:t>Only supported </a:t>
+            </a:r>
+            <a:r>
+              <a:rPr lang="en-US" baseline="0" smtClean="0"/>
+              <a:t>in MongoDB 4.0+</a:t>
+            </a:r>
+            <a:endParaRPr lang="en-US" dirty="0"/>
+          </a:p>
+        </p:txBody>
+      </p:sp>
+      <p:sp>
+        <p:nvSpPr>
+          <p:cNvPr id="4" name="Slide Number Placeholder 3"/>
+          <p:cNvSpPr>
+            <a:spLocks noGrp="1"/>
+          </p:cNvSpPr>
+          <p:nvPr>
+            <p:ph type="sldNum" sz="quarter" idx="10"/>
+          </p:nvPr>
+        </p:nvSpPr>
+        <p:spPr/>
+        <p:txBody>
+          <a:bodyPr/>
+          <a:lstStyle/>
+          <a:p>
+            <a:fld id="{40EA4F9F-6CEF-4B9D-BEB3-40FCF0DF71AE}" type="slidenum">
+              <a:rPr lang="en-US" smtClean="0"/>
+              <a:t>8</a:t>
+            </a:fld>
+            <a:endParaRPr lang="en-US"/>
+          </a:p>
+        </p:txBody>
+      </p:sp>
+    </p:spTree>
+    <p:extLst>
+      <p:ext uri="{BB962C8B-B14F-4D97-AF65-F5344CB8AC3E}">
+        <p14:creationId xmlns:p14="http://schemas.microsoft.com/office/powerpoint/2010/main" val="169814653"/>
       </p:ext>
     </p:extLst>
   </p:cSld>
@@ -1174,7 +1629,7 @@
           <a:p>
             <a:fld id="{5EE630CB-3638-41B1-AFF1-A77D5CAA11B6}" type="datetimeFigureOut">
               <a:rPr lang="en-US" smtClean="0"/>
-              <a:t>11/23/2018</a:t>
+              <a:t>11/24/2018</a:t>
             </a:fld>
             <a:endParaRPr lang="en-US"/>
           </a:p>
@@ -1402,7 +1857,7 @@
           <a:p>
             <a:fld id="{5EE630CB-3638-41B1-AFF1-A77D5CAA11B6}" type="datetimeFigureOut">
               <a:rPr lang="en-US" smtClean="0"/>
-              <a:t>11/23/2018</a:t>
+              <a:t>11/24/2018</a:t>
             </a:fld>
             <a:endParaRPr lang="en-US"/>
           </a:p>
@@ -1582,7 +2037,7 @@
           <a:p>
             <a:fld id="{5EE630CB-3638-41B1-AFF1-A77D5CAA11B6}" type="datetimeFigureOut">
               <a:rPr lang="en-US" smtClean="0"/>
-              <a:t>11/23/2018</a:t>
+              <a:t>11/24/2018</a:t>
             </a:fld>
             <a:endParaRPr lang="en-US"/>
           </a:p>
@@ -1752,7 +2207,7 @@
           <a:p>
             <a:fld id="{5EE630CB-3638-41B1-AFF1-A77D5CAA11B6}" type="datetimeFigureOut">
               <a:rPr lang="en-US" smtClean="0"/>
-              <a:t>11/23/2018</a:t>
+              <a:t>11/24/2018</a:t>
             </a:fld>
             <a:endParaRPr lang="en-US"/>
           </a:p>
@@ -2006,7 +2461,7 @@
           <a:p>
             <a:fld id="{5EE630CB-3638-41B1-AFF1-A77D5CAA11B6}" type="datetimeFigureOut">
               <a:rPr lang="en-US" smtClean="0"/>
-              <a:t>11/23/2018</a:t>
+              <a:t>11/24/2018</a:t>
             </a:fld>
             <a:endParaRPr lang="en-US"/>
           </a:p>
@@ -2332,7 +2787,7 @@
           <a:p>
             <a:fld id="{5EE630CB-3638-41B1-AFF1-A77D5CAA11B6}" type="datetimeFigureOut">
               <a:rPr lang="en-US" smtClean="0"/>
-              <a:t>11/23/2018</a:t>
+              <a:t>11/24/2018</a:t>
             </a:fld>
             <a:endParaRPr lang="en-US"/>
           </a:p>
@@ -2783,7 +3238,7 @@
           <a:p>
             <a:fld id="{5EE630CB-3638-41B1-AFF1-A77D5CAA11B6}" type="datetimeFigureOut">
               <a:rPr lang="en-US" smtClean="0"/>
-              <a:t>11/23/2018</a:t>
+              <a:t>11/24/2018</a:t>
             </a:fld>
             <a:endParaRPr lang="en-US"/>
           </a:p>
@@ -2901,7 +3356,7 @@
           <a:p>
             <a:fld id="{5EE630CB-3638-41B1-AFF1-A77D5CAA11B6}" type="datetimeFigureOut">
               <a:rPr lang="en-US" smtClean="0"/>
-              <a:t>11/23/2018</a:t>
+              <a:t>11/24/2018</a:t>
             </a:fld>
             <a:endParaRPr lang="en-US"/>
           </a:p>
@@ -2996,7 +3451,7 @@
           <a:p>
             <a:fld id="{5EE630CB-3638-41B1-AFF1-A77D5CAA11B6}" type="datetimeFigureOut">
               <a:rPr lang="en-US" smtClean="0"/>
-              <a:t>11/23/2018</a:t>
+              <a:t>11/24/2018</a:t>
             </a:fld>
             <a:endParaRPr lang="en-US"/>
           </a:p>
@@ -3283,7 +3738,7 @@
           <a:p>
             <a:fld id="{5EE630CB-3638-41B1-AFF1-A77D5CAA11B6}" type="datetimeFigureOut">
               <a:rPr lang="en-US" smtClean="0"/>
-              <a:t>11/23/2018</a:t>
+              <a:t>11/24/2018</a:t>
             </a:fld>
             <a:endParaRPr lang="en-US"/>
           </a:p>
@@ -3605,7 +4060,7 @@
           <a:p>
             <a:fld id="{5EE630CB-3638-41B1-AFF1-A77D5CAA11B6}" type="datetimeFigureOut">
               <a:rPr lang="en-US" smtClean="0"/>
-              <a:t>11/23/2018</a:t>
+              <a:t>11/24/2018</a:t>
             </a:fld>
             <a:endParaRPr lang="en-US"/>
           </a:p>
@@ -3859,7 +4314,7 @@
           <a:p>
             <a:fld id="{5EE630CB-3638-41B1-AFF1-A77D5CAA11B6}" type="datetimeFigureOut">
               <a:rPr lang="en-US" smtClean="0"/>
-              <a:t>11/23/2018</a:t>
+              <a:t>11/24/2018</a:t>
             </a:fld>
             <a:endParaRPr lang="en-US"/>
           </a:p>
@@ -4535,7 +4990,15 @@
             </a:r>
             <a:r>
               <a:rPr lang="en-US" dirty="0" smtClean="0"/>
-              <a:t>system is all about</a:t>
+              <a:t>architecture</a:t>
+            </a:r>
+            <a:r>
+              <a:rPr lang="en-US" dirty="0" smtClean="0"/>
+              <a:t> </a:t>
+            </a:r>
+            <a:r>
+              <a:rPr lang="en-US" dirty="0" smtClean="0"/>
+              <a:t>is all about</a:t>
             </a:r>
             <a:r>
               <a:rPr lang="en-US" dirty="0"/>
@@ -4608,7 +5071,7 @@
         </p:nvCxnSpPr>
         <p:spPr>
           <a:xfrm>
-            <a:off x="7952184" y="2027224"/>
+            <a:off x="7952185" y="1854227"/>
             <a:ext cx="1961878" cy="6501"/>
           </a:xfrm>
           <a:prstGeom prst="straightConnector1">
@@ -4939,7 +5402,7 @@
         </p:nvSpPr>
         <p:spPr>
           <a:xfrm>
-            <a:off x="1543780" y="4466496"/>
+            <a:off x="1543781" y="5146447"/>
             <a:ext cx="1444387" cy="1324708"/>
           </a:xfrm>
           <a:prstGeom prst="flowChartMagneticDisk">
@@ -4987,9 +5450,9 @@
           <p:nvPr/>
         </p:nvCxnSpPr>
         <p:spPr>
-          <a:xfrm flipH="1">
-            <a:off x="2265974" y="2974484"/>
-            <a:ext cx="1" cy="1492012"/>
+          <a:xfrm>
+            <a:off x="2265975" y="2974484"/>
+            <a:ext cx="0" cy="2171963"/>
           </a:xfrm>
           <a:prstGeom prst="straightConnector1">
             <a:avLst/>
@@ -5026,7 +5489,7 @@
         </p:nvCxnSpPr>
         <p:spPr>
           <a:xfrm flipV="1">
-            <a:off x="2988167" y="2028774"/>
+            <a:off x="2988167" y="1855777"/>
             <a:ext cx="3592416" cy="11473"/>
           </a:xfrm>
           <a:prstGeom prst="straightConnector1">
@@ -5058,14 +5521,188 @@
       </p:cxnSp>
       <p:sp>
         <p:nvSpPr>
-          <p:cNvPr id="15" name="Flowchart: Document 14"/>
+          <p:cNvPr id="35" name="Rectangle 34"/>
           <p:cNvSpPr/>
           <p:nvPr/>
         </p:nvSpPr>
         <p:spPr>
           <a:xfrm>
-            <a:off x="4345143" y="1298117"/>
-            <a:ext cx="853345" cy="515815"/>
+            <a:off x="6580584" y="242393"/>
+            <a:ext cx="1371600" cy="6154615"/>
+          </a:xfrm>
+          <a:prstGeom prst="rect">
+            <a:avLst/>
+          </a:prstGeom>
+          <a:ln w="57150">
+            <a:prstDash val="sysDot"/>
+          </a:ln>
+        </p:spPr>
+        <p:style>
+          <a:lnRef idx="1">
+            <a:schemeClr val="accent3"/>
+          </a:lnRef>
+          <a:fillRef idx="2">
+            <a:schemeClr val="accent3"/>
+          </a:fillRef>
+          <a:effectRef idx="1">
+            <a:schemeClr val="accent3"/>
+          </a:effectRef>
+          <a:fontRef idx="minor">
+            <a:schemeClr val="dk1"/>
+          </a:fontRef>
+        </p:style>
+        <p:txBody>
+          <a:bodyPr vert="wordArtVert" rtlCol="0" anchor="ctr"/>
+          <a:lstStyle/>
+          <a:p>
+            <a:pPr algn="ctr"/>
+            <a:r>
+              <a:rPr lang="en-US" dirty="0" smtClean="0">
+                <a:solidFill>
+                  <a:schemeClr val="accent3">
+                    <a:lumMod val="50000"/>
+                  </a:schemeClr>
+                </a:solidFill>
+              </a:rPr>
+              <a:t>Message broker</a:t>
+            </a:r>
+          </a:p>
+        </p:txBody>
+      </p:sp>
+      <p:cxnSp>
+        <p:nvCxnSpPr>
+          <p:cNvPr id="21" name="Straight Arrow Connector 20"/>
+          <p:cNvCxnSpPr>
+            <a:endCxn id="4" idx="3"/>
+          </p:cNvCxnSpPr>
+          <p:nvPr/>
+        </p:nvCxnSpPr>
+        <p:spPr>
+          <a:xfrm>
+            <a:off x="2265973" y="342735"/>
+            <a:ext cx="2" cy="962060"/>
+          </a:xfrm>
+          <a:prstGeom prst="straightConnector1">
+            <a:avLst/>
+          </a:prstGeom>
+          <a:ln w="38100">
+            <a:solidFill>
+              <a:schemeClr val="accent3">
+                <a:lumMod val="75000"/>
+              </a:schemeClr>
+            </a:solidFill>
+            <a:tailEnd type="triangle"/>
+          </a:ln>
+        </p:spPr>
+        <p:style>
+          <a:lnRef idx="1">
+            <a:schemeClr val="accent1"/>
+          </a:lnRef>
+          <a:fillRef idx="0">
+            <a:schemeClr val="accent1"/>
+          </a:fillRef>
+          <a:effectRef idx="0">
+            <a:schemeClr val="accent1"/>
+          </a:effectRef>
+          <a:fontRef idx="minor">
+            <a:schemeClr val="tx1"/>
+          </a:fontRef>
+        </p:style>
+      </p:cxnSp>
+      <p:sp>
+        <p:nvSpPr>
+          <p:cNvPr id="24" name="Flowchart: Document 23"/>
+          <p:cNvSpPr/>
+          <p:nvPr/>
+        </p:nvSpPr>
+        <p:spPr>
+          <a:xfrm>
+            <a:off x="750399" y="430895"/>
+            <a:ext cx="1251115" cy="785740"/>
+          </a:xfrm>
+          <a:prstGeom prst="flowChartDocument">
+            <a:avLst/>
+          </a:prstGeom>
+        </p:spPr>
+        <p:style>
+          <a:lnRef idx="1">
+            <a:schemeClr val="accent2"/>
+          </a:lnRef>
+          <a:fillRef idx="3">
+            <a:schemeClr val="accent2"/>
+          </a:fillRef>
+          <a:effectRef idx="2">
+            <a:schemeClr val="accent2"/>
+          </a:effectRef>
+          <a:fontRef idx="minor">
+            <a:schemeClr val="lt1"/>
+          </a:fontRef>
+        </p:style>
+        <p:txBody>
+          <a:bodyPr rtlCol="0" anchor="ctr"/>
+          <a:lstStyle/>
+          <a:p>
+            <a:pPr algn="ctr"/>
+            <a:r>
+              <a:rPr lang="en-US" dirty="0" smtClean="0"/>
+              <a:t>Command</a:t>
+            </a:r>
+            <a:endParaRPr lang="en-US" dirty="0" smtClean="0"/>
+          </a:p>
+        </p:txBody>
+      </p:sp>
+      <p:sp>
+        <p:nvSpPr>
+          <p:cNvPr id="25" name="Flowchart: Document 24"/>
+          <p:cNvSpPr/>
+          <p:nvPr/>
+        </p:nvSpPr>
+        <p:spPr>
+          <a:xfrm>
+            <a:off x="2559456" y="3900783"/>
+            <a:ext cx="1251115" cy="785740"/>
+          </a:xfrm>
+          <a:prstGeom prst="flowChartDocument">
+            <a:avLst/>
+          </a:prstGeom>
+        </p:spPr>
+        <p:style>
+          <a:lnRef idx="1">
+            <a:schemeClr val="accent4"/>
+          </a:lnRef>
+          <a:fillRef idx="3">
+            <a:schemeClr val="accent4"/>
+          </a:fillRef>
+          <a:effectRef idx="2">
+            <a:schemeClr val="accent4"/>
+          </a:effectRef>
+          <a:fontRef idx="minor">
+            <a:schemeClr val="lt1"/>
+          </a:fontRef>
+        </p:style>
+        <p:txBody>
+          <a:bodyPr rtlCol="0" anchor="ctr"/>
+          <a:lstStyle/>
+          <a:p>
+            <a:pPr algn="ctr"/>
+            <a:r>
+              <a:rPr lang="en-US" dirty="0" smtClean="0"/>
+              <a:t>Entity 1</a:t>
+            </a:r>
+            <a:endParaRPr lang="en-US" dirty="0" smtClean="0"/>
+          </a:p>
+        </p:txBody>
+      </p:sp>
+      <p:sp>
+        <p:nvSpPr>
+          <p:cNvPr id="26" name="Flowchart: Document 25"/>
+          <p:cNvSpPr/>
+          <p:nvPr/>
+        </p:nvSpPr>
+        <p:spPr>
+          <a:xfrm>
+            <a:off x="4156024" y="846947"/>
+            <a:ext cx="1251115" cy="785740"/>
           </a:xfrm>
           <a:prstGeom prst="flowChartDocument">
             <a:avLst/>
@@ -5092,34 +5729,162 @@
             <a:pPr algn="ctr"/>
             <a:r>
               <a:rPr lang="en-US" dirty="0" smtClean="0"/>
-              <a:t>Event</a:t>
-            </a:r>
-          </a:p>
-        </p:txBody>
-      </p:sp>
-      <p:sp>
-        <p:nvSpPr>
-          <p:cNvPr id="16" name="Flowchart: Document 15"/>
+              <a:t>Event 1</a:t>
+            </a:r>
+          </a:p>
+        </p:txBody>
+      </p:sp>
+      <p:sp>
+        <p:nvSpPr>
+          <p:cNvPr id="27" name="Flowchart: Document 26"/>
           <p:cNvSpPr/>
           <p:nvPr/>
         </p:nvSpPr>
         <p:spPr>
           <a:xfrm>
-            <a:off x="2461846" y="3413886"/>
-            <a:ext cx="853345" cy="515815"/>
+            <a:off x="8307566" y="846947"/>
+            <a:ext cx="1251115" cy="785740"/>
           </a:xfrm>
           <a:prstGeom prst="flowChartDocument">
             <a:avLst/>
           </a:prstGeom>
+        </p:spPr>
+        <p:style>
+          <a:lnRef idx="1">
+            <a:schemeClr val="accent6"/>
+          </a:lnRef>
+          <a:fillRef idx="3">
+            <a:schemeClr val="accent6"/>
+          </a:fillRef>
+          <a:effectRef idx="2">
+            <a:schemeClr val="accent6"/>
+          </a:effectRef>
+          <a:fontRef idx="minor">
+            <a:schemeClr val="lt1"/>
+          </a:fontRef>
+        </p:style>
+        <p:txBody>
+          <a:bodyPr rtlCol="0" anchor="ctr"/>
+          <a:lstStyle/>
+          <a:p>
+            <a:pPr algn="ctr"/>
+            <a:r>
+              <a:rPr lang="en-US" dirty="0" smtClean="0"/>
+              <a:t>Event 1</a:t>
+            </a:r>
+          </a:p>
+        </p:txBody>
+      </p:sp>
+      <p:cxnSp>
+        <p:nvCxnSpPr>
+          <p:cNvPr id="28" name="Straight Arrow Connector 27"/>
+          <p:cNvCxnSpPr/>
+          <p:nvPr/>
+        </p:nvCxnSpPr>
+        <p:spPr>
+          <a:xfrm rot="10800000">
+            <a:off x="7952184" y="2180092"/>
+            <a:ext cx="1961878" cy="6501"/>
+          </a:xfrm>
+          <a:prstGeom prst="straightConnector1">
+            <a:avLst/>
+          </a:prstGeom>
+          <a:ln w="38100">
+            <a:solidFill>
+              <a:schemeClr val="accent3">
+                <a:lumMod val="75000"/>
+              </a:schemeClr>
+            </a:solidFill>
+            <a:tailEnd type="triangle"/>
+          </a:ln>
         </p:spPr>
         <p:style>
           <a:lnRef idx="1">
             <a:schemeClr val="accent1"/>
           </a:lnRef>
-          <a:fillRef idx="3">
+          <a:fillRef idx="0">
             <a:schemeClr val="accent1"/>
           </a:fillRef>
+          <a:effectRef idx="0">
+            <a:schemeClr val="accent1"/>
+          </a:effectRef>
+          <a:fontRef idx="minor">
+            <a:schemeClr val="tx1"/>
+          </a:fontRef>
+        </p:style>
+      </p:cxnSp>
+      <p:sp>
+        <p:nvSpPr>
+          <p:cNvPr id="29" name="Flowchart: Document 28"/>
+          <p:cNvSpPr/>
+          <p:nvPr/>
+        </p:nvSpPr>
+        <p:spPr>
+          <a:xfrm>
+            <a:off x="8307565" y="2505958"/>
+            <a:ext cx="1251115" cy="785740"/>
+          </a:xfrm>
+          <a:prstGeom prst="flowChartDocument">
+            <a:avLst/>
+          </a:prstGeom>
+        </p:spPr>
+        <p:style>
+          <a:lnRef idx="1">
+            <a:schemeClr val="accent6"/>
+          </a:lnRef>
+          <a:fillRef idx="3">
+            <a:schemeClr val="accent6"/>
+          </a:fillRef>
           <a:effectRef idx="2">
+            <a:schemeClr val="accent6"/>
+          </a:effectRef>
+          <a:fontRef idx="minor">
+            <a:schemeClr val="lt1"/>
+          </a:fontRef>
+        </p:style>
+        <p:txBody>
+          <a:bodyPr rtlCol="0" anchor="ctr"/>
+          <a:lstStyle/>
+          <a:p>
+            <a:pPr algn="ctr"/>
+            <a:r>
+              <a:rPr lang="en-US" dirty="0" smtClean="0"/>
+              <a:t>Event 2</a:t>
+            </a:r>
+          </a:p>
+        </p:txBody>
+      </p:sp>
+      <p:sp>
+        <p:nvSpPr>
+          <p:cNvPr id="30" name="Flowchart: Magnetic Disk 29"/>
+          <p:cNvSpPr/>
+          <p:nvPr/>
+        </p:nvSpPr>
+        <p:spPr>
+          <a:xfrm>
+            <a:off x="9914062" y="5072300"/>
+            <a:ext cx="1444387" cy="1324708"/>
+          </a:xfrm>
+          <a:prstGeom prst="flowChartMagneticDisk">
+            <a:avLst/>
+          </a:prstGeom>
+          <a:ln w="38100"/>
+          <a:effectLst>
+            <a:outerShdw blurRad="50800" dist="38100" dir="5400000" algn="t" rotWithShape="0">
+              <a:prstClr val="black">
+                <a:alpha val="40000"/>
+              </a:prstClr>
+            </a:outerShdw>
+          </a:effectLst>
+        </p:spPr>
+        <p:style>
+          <a:lnRef idx="3">
+            <a:schemeClr val="lt1"/>
+          </a:lnRef>
+          <a:fillRef idx="1">
+            <a:schemeClr val="accent1"/>
+          </a:fillRef>
+          <a:effectRef idx="1">
             <a:schemeClr val="accent1"/>
           </a:effectRef>
           <a:fontRef idx="minor">
@@ -5131,10 +5896,745 @@
           <a:lstStyle/>
           <a:p>
             <a:pPr algn="ctr"/>
+            <a:endParaRPr lang="en-US"/>
+          </a:p>
+        </p:txBody>
+      </p:sp>
+      <p:cxnSp>
+        <p:nvCxnSpPr>
+          <p:cNvPr id="33" name="Straight Arrow Connector 32"/>
+          <p:cNvCxnSpPr>
+            <a:stCxn id="6" idx="0"/>
+            <a:endCxn id="30" idx="1"/>
+          </p:cNvCxnSpPr>
+          <p:nvPr/>
+        </p:nvCxnSpPr>
+        <p:spPr>
+          <a:xfrm flipH="1">
+            <a:off x="10636256" y="2954567"/>
+            <a:ext cx="1" cy="2117733"/>
+          </a:xfrm>
+          <a:prstGeom prst="straightConnector1">
+            <a:avLst/>
+          </a:prstGeom>
+          <a:ln w="38100">
+            <a:solidFill>
+              <a:schemeClr val="accent3">
+                <a:lumMod val="75000"/>
+              </a:schemeClr>
+            </a:solidFill>
+            <a:tailEnd type="triangle"/>
+          </a:ln>
+        </p:spPr>
+        <p:style>
+          <a:lnRef idx="1">
+            <a:schemeClr val="accent1"/>
+          </a:lnRef>
+          <a:fillRef idx="0">
+            <a:schemeClr val="accent1"/>
+          </a:fillRef>
+          <a:effectRef idx="0">
+            <a:schemeClr val="accent1"/>
+          </a:effectRef>
+          <a:fontRef idx="minor">
+            <a:schemeClr val="tx1"/>
+          </a:fontRef>
+        </p:style>
+      </p:cxnSp>
+      <p:sp>
+        <p:nvSpPr>
+          <p:cNvPr id="36" name="Flowchart: Document 35"/>
+          <p:cNvSpPr/>
+          <p:nvPr/>
+        </p:nvSpPr>
+        <p:spPr>
+          <a:xfrm>
+            <a:off x="9125629" y="3821047"/>
+            <a:ext cx="1251115" cy="785740"/>
+          </a:xfrm>
+          <a:prstGeom prst="flowChartDocument">
+            <a:avLst/>
+          </a:prstGeom>
+        </p:spPr>
+        <p:style>
+          <a:lnRef idx="1">
+            <a:schemeClr val="accent4"/>
+          </a:lnRef>
+          <a:fillRef idx="3">
+            <a:schemeClr val="accent4"/>
+          </a:fillRef>
+          <a:effectRef idx="2">
+            <a:schemeClr val="accent4"/>
+          </a:effectRef>
+          <a:fontRef idx="minor">
+            <a:schemeClr val="lt1"/>
+          </a:fontRef>
+        </p:style>
+        <p:txBody>
+          <a:bodyPr rtlCol="0" anchor="ctr"/>
+          <a:lstStyle/>
+          <a:p>
+            <a:pPr algn="ctr"/>
             <a:r>
               <a:rPr lang="en-US" dirty="0" smtClean="0"/>
-              <a:t>State</a:t>
-            </a:r>
+              <a:t>Entity 2</a:t>
+            </a:r>
+            <a:endParaRPr lang="en-US" dirty="0" smtClean="0"/>
+          </a:p>
+        </p:txBody>
+      </p:sp>
+      <p:cxnSp>
+        <p:nvCxnSpPr>
+          <p:cNvPr id="38" name="Straight Arrow Connector 37"/>
+          <p:cNvCxnSpPr/>
+          <p:nvPr/>
+        </p:nvCxnSpPr>
+        <p:spPr>
+          <a:xfrm flipH="1" flipV="1">
+            <a:off x="3012209" y="2180093"/>
+            <a:ext cx="3568374" cy="6501"/>
+          </a:xfrm>
+          <a:prstGeom prst="straightConnector1">
+            <a:avLst/>
+          </a:prstGeom>
+          <a:ln w="38100">
+            <a:solidFill>
+              <a:schemeClr val="accent3">
+                <a:lumMod val="75000"/>
+              </a:schemeClr>
+            </a:solidFill>
+            <a:tailEnd type="triangle"/>
+          </a:ln>
+        </p:spPr>
+        <p:style>
+          <a:lnRef idx="1">
+            <a:schemeClr val="accent1"/>
+          </a:lnRef>
+          <a:fillRef idx="0">
+            <a:schemeClr val="accent1"/>
+          </a:fillRef>
+          <a:effectRef idx="0">
+            <a:schemeClr val="accent1"/>
+          </a:effectRef>
+          <a:fontRef idx="minor">
+            <a:schemeClr val="tx1"/>
+          </a:fontRef>
+        </p:style>
+      </p:cxnSp>
+      <p:sp>
+        <p:nvSpPr>
+          <p:cNvPr id="40" name="Flowchart: Document 39"/>
+          <p:cNvSpPr/>
+          <p:nvPr/>
+        </p:nvSpPr>
+        <p:spPr>
+          <a:xfrm>
+            <a:off x="4170838" y="2581614"/>
+            <a:ext cx="1251115" cy="785740"/>
+          </a:xfrm>
+          <a:prstGeom prst="flowChartDocument">
+            <a:avLst/>
+          </a:prstGeom>
+        </p:spPr>
+        <p:style>
+          <a:lnRef idx="1">
+            <a:schemeClr val="accent6"/>
+          </a:lnRef>
+          <a:fillRef idx="3">
+            <a:schemeClr val="accent6"/>
+          </a:fillRef>
+          <a:effectRef idx="2">
+            <a:schemeClr val="accent6"/>
+          </a:effectRef>
+          <a:fontRef idx="minor">
+            <a:schemeClr val="lt1"/>
+          </a:fontRef>
+        </p:style>
+        <p:txBody>
+          <a:bodyPr rtlCol="0" anchor="ctr"/>
+          <a:lstStyle/>
+          <a:p>
+            <a:pPr algn="ctr"/>
+            <a:r>
+              <a:rPr lang="en-US" dirty="0" smtClean="0"/>
+              <a:t>Event 2</a:t>
+            </a:r>
+          </a:p>
+        </p:txBody>
+      </p:sp>
+    </p:spTree>
+    <p:extLst>
+      <p:ext uri="{BB962C8B-B14F-4D97-AF65-F5344CB8AC3E}">
+        <p14:creationId xmlns:p14="http://schemas.microsoft.com/office/powerpoint/2010/main" val="2862742030"/>
+      </p:ext>
+    </p:extLst>
+  </p:cSld>
+  <p:clrMapOvr>
+    <a:masterClrMapping/>
+  </p:clrMapOvr>
+  <p:timing>
+    <p:tnLst>
+      <p:par>
+        <p:cTn id="1" dur="indefinite" restart="never" nodeType="tmRoot"/>
+      </p:par>
+    </p:tnLst>
+  </p:timing>
+</p:sld>
+</file>
+
+<file path=ppt/slides/slide5.xml><?xml version="1.0" encoding="utf-8"?>
+<p:sld xmlns:a="http://schemas.openxmlformats.org/drawingml/2006/main" xmlns:r="http://schemas.openxmlformats.org/officeDocument/2006/relationships" xmlns:p="http://schemas.openxmlformats.org/presentationml/2006/main">
+  <p:cSld>
+    <p:spTree>
+      <p:nvGrpSpPr>
+        <p:cNvPr id="1" name=""/>
+        <p:cNvGrpSpPr/>
+        <p:nvPr/>
+      </p:nvGrpSpPr>
+      <p:grpSpPr>
+        <a:xfrm>
+          <a:off x="0" y="0"/>
+          <a:ext cx="0" cy="0"/>
+          <a:chOff x="0" y="0"/>
+          <a:chExt cx="0" cy="0"/>
+        </a:xfrm>
+      </p:grpSpPr>
+      <p:cxnSp>
+        <p:nvCxnSpPr>
+          <p:cNvPr id="37" name="Straight Arrow Connector 36"/>
+          <p:cNvCxnSpPr/>
+          <p:nvPr/>
+        </p:nvCxnSpPr>
+        <p:spPr>
+          <a:xfrm>
+            <a:off x="7952184" y="2027224"/>
+            <a:ext cx="1961878" cy="6501"/>
+          </a:xfrm>
+          <a:prstGeom prst="straightConnector1">
+            <a:avLst/>
+          </a:prstGeom>
+          <a:ln w="38100">
+            <a:solidFill>
+              <a:schemeClr val="accent3">
+                <a:lumMod val="75000"/>
+              </a:schemeClr>
+            </a:solidFill>
+            <a:tailEnd type="triangle"/>
+          </a:ln>
+        </p:spPr>
+        <p:style>
+          <a:lnRef idx="1">
+            <a:schemeClr val="accent1"/>
+          </a:lnRef>
+          <a:fillRef idx="0">
+            <a:schemeClr val="accent1"/>
+          </a:fillRef>
+          <a:effectRef idx="0">
+            <a:schemeClr val="accent1"/>
+          </a:effectRef>
+          <a:fontRef idx="minor">
+            <a:schemeClr val="tx1"/>
+          </a:fontRef>
+        </p:style>
+      </p:cxnSp>
+      <p:sp>
+        <p:nvSpPr>
+          <p:cNvPr id="4" name="Hexagon 3"/>
+          <p:cNvSpPr/>
+          <p:nvPr/>
+        </p:nvSpPr>
+        <p:spPr>
+          <a:xfrm rot="5400000">
+            <a:off x="1431130" y="1417446"/>
+            <a:ext cx="1669689" cy="1444386"/>
+          </a:xfrm>
+          <a:prstGeom prst="hexagon">
+            <a:avLst/>
+          </a:prstGeom>
+          <a:solidFill>
+            <a:schemeClr val="accent3">
+              <a:lumMod val="40000"/>
+              <a:lumOff val="60000"/>
+            </a:schemeClr>
+          </a:solidFill>
+          <a:ln w="38100">
+            <a:solidFill>
+              <a:schemeClr val="accent3">
+                <a:lumMod val="75000"/>
+              </a:schemeClr>
+            </a:solidFill>
+          </a:ln>
+          <a:effectLst>
+            <a:outerShdw blurRad="50800" dist="38100" dir="5400000" algn="t" rotWithShape="0">
+              <a:prstClr val="black">
+                <a:alpha val="40000"/>
+              </a:prstClr>
+            </a:outerShdw>
+          </a:effectLst>
+        </p:spPr>
+        <p:style>
+          <a:lnRef idx="1">
+            <a:schemeClr val="accent3"/>
+          </a:lnRef>
+          <a:fillRef idx="2">
+            <a:schemeClr val="accent3"/>
+          </a:fillRef>
+          <a:effectRef idx="1">
+            <a:schemeClr val="accent3"/>
+          </a:effectRef>
+          <a:fontRef idx="minor">
+            <a:schemeClr val="dk1"/>
+          </a:fontRef>
+        </p:style>
+        <p:txBody>
+          <a:bodyPr rtlCol="0" anchor="ctr"/>
+          <a:lstStyle/>
+          <a:p>
+            <a:pPr algn="ctr"/>
+            <a:endParaRPr lang="en-US" dirty="0"/>
+          </a:p>
+        </p:txBody>
+      </p:sp>
+      <p:sp>
+        <p:nvSpPr>
+          <p:cNvPr id="5" name="Diamond 4"/>
+          <p:cNvSpPr/>
+          <p:nvPr/>
+        </p:nvSpPr>
+        <p:spPr>
+          <a:xfrm>
+            <a:off x="1543782" y="1293320"/>
+            <a:ext cx="1444386" cy="735454"/>
+          </a:xfrm>
+          <a:prstGeom prst="diamond">
+            <a:avLst/>
+          </a:prstGeom>
+          <a:solidFill>
+            <a:schemeClr val="accent3">
+              <a:lumMod val="75000"/>
+            </a:schemeClr>
+          </a:solidFill>
+          <a:ln w="38100">
+            <a:solidFill>
+              <a:schemeClr val="accent3">
+                <a:lumMod val="75000"/>
+              </a:schemeClr>
+            </a:solidFill>
+          </a:ln>
+        </p:spPr>
+        <p:style>
+          <a:lnRef idx="1">
+            <a:schemeClr val="accent3"/>
+          </a:lnRef>
+          <a:fillRef idx="2">
+            <a:schemeClr val="accent3"/>
+          </a:fillRef>
+          <a:effectRef idx="1">
+            <a:schemeClr val="accent3"/>
+          </a:effectRef>
+          <a:fontRef idx="minor">
+            <a:schemeClr val="dk1"/>
+          </a:fontRef>
+        </p:style>
+        <p:txBody>
+          <a:bodyPr rtlCol="0" anchor="ctr"/>
+          <a:lstStyle/>
+          <a:p>
+            <a:pPr algn="ctr"/>
+            <a:endParaRPr lang="en-US"/>
+          </a:p>
+        </p:txBody>
+      </p:sp>
+      <p:sp>
+        <p:nvSpPr>
+          <p:cNvPr id="2" name="TextBox 1"/>
+          <p:cNvSpPr txBox="1"/>
+          <p:nvPr/>
+        </p:nvSpPr>
+        <p:spPr>
+          <a:xfrm>
+            <a:off x="1751795" y="2139639"/>
+            <a:ext cx="1028358" cy="369332"/>
+          </a:xfrm>
+          <a:prstGeom prst="rect">
+            <a:avLst/>
+          </a:prstGeom>
+          <a:noFill/>
+        </p:spPr>
+        <p:txBody>
+          <a:bodyPr wrap="none" rtlCol="0">
+            <a:spAutoFit/>
+          </a:bodyPr>
+          <a:lstStyle/>
+          <a:p>
+            <a:r>
+              <a:rPr lang="en-US" dirty="0" smtClean="0">
+                <a:solidFill>
+                  <a:schemeClr val="accent3">
+                    <a:lumMod val="50000"/>
+                  </a:schemeClr>
+                </a:solidFill>
+              </a:rPr>
+              <a:t>Service 1</a:t>
+            </a:r>
+            <a:endParaRPr lang="en-US" dirty="0">
+              <a:solidFill>
+                <a:schemeClr val="accent3">
+                  <a:lumMod val="50000"/>
+                </a:schemeClr>
+              </a:solidFill>
+            </a:endParaRPr>
+          </a:p>
+        </p:txBody>
+      </p:sp>
+      <p:sp>
+        <p:nvSpPr>
+          <p:cNvPr id="6" name="Hexagon 5"/>
+          <p:cNvSpPr/>
+          <p:nvPr/>
+        </p:nvSpPr>
+        <p:spPr>
+          <a:xfrm rot="5400000">
+            <a:off x="9801412" y="1397529"/>
+            <a:ext cx="1669689" cy="1444386"/>
+          </a:xfrm>
+          <a:prstGeom prst="hexagon">
+            <a:avLst/>
+          </a:prstGeom>
+          <a:solidFill>
+            <a:schemeClr val="accent3">
+              <a:lumMod val="40000"/>
+              <a:lumOff val="60000"/>
+            </a:schemeClr>
+          </a:solidFill>
+          <a:ln w="38100">
+            <a:solidFill>
+              <a:schemeClr val="accent3">
+                <a:lumMod val="75000"/>
+              </a:schemeClr>
+            </a:solidFill>
+          </a:ln>
+          <a:effectLst>
+            <a:outerShdw blurRad="50800" dist="38100" dir="5400000" algn="t" rotWithShape="0">
+              <a:prstClr val="black">
+                <a:alpha val="40000"/>
+              </a:prstClr>
+            </a:outerShdw>
+          </a:effectLst>
+        </p:spPr>
+        <p:style>
+          <a:lnRef idx="1">
+            <a:schemeClr val="accent3"/>
+          </a:lnRef>
+          <a:fillRef idx="2">
+            <a:schemeClr val="accent3"/>
+          </a:fillRef>
+          <a:effectRef idx="1">
+            <a:schemeClr val="accent3"/>
+          </a:effectRef>
+          <a:fontRef idx="minor">
+            <a:schemeClr val="dk1"/>
+          </a:fontRef>
+        </p:style>
+        <p:txBody>
+          <a:bodyPr rtlCol="0" anchor="ctr"/>
+          <a:lstStyle/>
+          <a:p>
+            <a:pPr algn="ctr"/>
+            <a:endParaRPr lang="en-US" dirty="0"/>
+          </a:p>
+        </p:txBody>
+      </p:sp>
+      <p:sp>
+        <p:nvSpPr>
+          <p:cNvPr id="7" name="Diamond 6"/>
+          <p:cNvSpPr/>
+          <p:nvPr/>
+        </p:nvSpPr>
+        <p:spPr>
+          <a:xfrm>
+            <a:off x="9914064" y="1273403"/>
+            <a:ext cx="1444386" cy="735454"/>
+          </a:xfrm>
+          <a:prstGeom prst="diamond">
+            <a:avLst/>
+          </a:prstGeom>
+          <a:solidFill>
+            <a:schemeClr val="accent3">
+              <a:lumMod val="75000"/>
+            </a:schemeClr>
+          </a:solidFill>
+          <a:ln w="38100">
+            <a:solidFill>
+              <a:schemeClr val="accent3">
+                <a:lumMod val="75000"/>
+              </a:schemeClr>
+            </a:solidFill>
+          </a:ln>
+        </p:spPr>
+        <p:style>
+          <a:lnRef idx="1">
+            <a:schemeClr val="accent3"/>
+          </a:lnRef>
+          <a:fillRef idx="2">
+            <a:schemeClr val="accent3"/>
+          </a:fillRef>
+          <a:effectRef idx="1">
+            <a:schemeClr val="accent3"/>
+          </a:effectRef>
+          <a:fontRef idx="minor">
+            <a:schemeClr val="dk1"/>
+          </a:fontRef>
+        </p:style>
+        <p:txBody>
+          <a:bodyPr rtlCol="0" anchor="ctr"/>
+          <a:lstStyle/>
+          <a:p>
+            <a:pPr algn="ctr"/>
+            <a:endParaRPr lang="en-US"/>
+          </a:p>
+        </p:txBody>
+      </p:sp>
+      <p:sp>
+        <p:nvSpPr>
+          <p:cNvPr id="8" name="TextBox 7"/>
+          <p:cNvSpPr txBox="1"/>
+          <p:nvPr/>
+        </p:nvSpPr>
+        <p:spPr>
+          <a:xfrm>
+            <a:off x="10122077" y="2119722"/>
+            <a:ext cx="1028358" cy="369332"/>
+          </a:xfrm>
+          <a:prstGeom prst="rect">
+            <a:avLst/>
+          </a:prstGeom>
+          <a:noFill/>
+        </p:spPr>
+        <p:txBody>
+          <a:bodyPr wrap="none" rtlCol="0">
+            <a:spAutoFit/>
+          </a:bodyPr>
+          <a:lstStyle/>
+          <a:p>
+            <a:r>
+              <a:rPr lang="en-US" dirty="0" smtClean="0">
+                <a:solidFill>
+                  <a:schemeClr val="accent3">
+                    <a:lumMod val="50000"/>
+                  </a:schemeClr>
+                </a:solidFill>
+              </a:rPr>
+              <a:t>Service 2</a:t>
+            </a:r>
+          </a:p>
+        </p:txBody>
+      </p:sp>
+      <p:sp>
+        <p:nvSpPr>
+          <p:cNvPr id="3" name="Flowchart: Magnetic Disk 2"/>
+          <p:cNvSpPr/>
+          <p:nvPr/>
+        </p:nvSpPr>
+        <p:spPr>
+          <a:xfrm>
+            <a:off x="1543780" y="4466496"/>
+            <a:ext cx="1444387" cy="1324708"/>
+          </a:xfrm>
+          <a:prstGeom prst="flowChartMagneticDisk">
+            <a:avLst/>
+          </a:prstGeom>
+          <a:ln w="38100"/>
+          <a:effectLst>
+            <a:outerShdw blurRad="50800" dist="38100" dir="5400000" algn="t" rotWithShape="0">
+              <a:prstClr val="black">
+                <a:alpha val="40000"/>
+              </a:prstClr>
+            </a:outerShdw>
+          </a:effectLst>
+        </p:spPr>
+        <p:style>
+          <a:lnRef idx="3">
+            <a:schemeClr val="lt1"/>
+          </a:lnRef>
+          <a:fillRef idx="1">
+            <a:schemeClr val="accent1"/>
+          </a:fillRef>
+          <a:effectRef idx="1">
+            <a:schemeClr val="accent1"/>
+          </a:effectRef>
+          <a:fontRef idx="minor">
+            <a:schemeClr val="lt1"/>
+          </a:fontRef>
+        </p:style>
+        <p:txBody>
+          <a:bodyPr rtlCol="0" anchor="ctr"/>
+          <a:lstStyle/>
+          <a:p>
+            <a:pPr algn="ctr"/>
+            <a:endParaRPr lang="en-US"/>
+          </a:p>
+        </p:txBody>
+      </p:sp>
+      <p:cxnSp>
+        <p:nvCxnSpPr>
+          <p:cNvPr id="10" name="Straight Arrow Connector 9"/>
+          <p:cNvCxnSpPr>
+            <a:stCxn id="4" idx="0"/>
+            <a:endCxn id="3" idx="1"/>
+          </p:cNvCxnSpPr>
+          <p:nvPr/>
+        </p:nvCxnSpPr>
+        <p:spPr>
+          <a:xfrm flipH="1">
+            <a:off x="2265974" y="2974484"/>
+            <a:ext cx="1" cy="1492012"/>
+          </a:xfrm>
+          <a:prstGeom prst="straightConnector1">
+            <a:avLst/>
+          </a:prstGeom>
+          <a:ln w="38100">
+            <a:solidFill>
+              <a:schemeClr val="accent3">
+                <a:lumMod val="75000"/>
+              </a:schemeClr>
+            </a:solidFill>
+            <a:tailEnd type="triangle"/>
+          </a:ln>
+        </p:spPr>
+        <p:style>
+          <a:lnRef idx="1">
+            <a:schemeClr val="accent1"/>
+          </a:lnRef>
+          <a:fillRef idx="0">
+            <a:schemeClr val="accent1"/>
+          </a:fillRef>
+          <a:effectRef idx="0">
+            <a:schemeClr val="accent1"/>
+          </a:effectRef>
+          <a:fontRef idx="minor">
+            <a:schemeClr val="tx1"/>
+          </a:fontRef>
+        </p:style>
+      </p:cxnSp>
+      <p:cxnSp>
+        <p:nvCxnSpPr>
+          <p:cNvPr id="11" name="Straight Arrow Connector 10"/>
+          <p:cNvCxnSpPr/>
+          <p:nvPr/>
+        </p:nvCxnSpPr>
+        <p:spPr>
+          <a:xfrm flipV="1">
+            <a:off x="2988167" y="2028774"/>
+            <a:ext cx="3592416" cy="11473"/>
+          </a:xfrm>
+          <a:prstGeom prst="straightConnector1">
+            <a:avLst/>
+          </a:prstGeom>
+          <a:ln w="38100">
+            <a:solidFill>
+              <a:schemeClr val="accent3">
+                <a:lumMod val="75000"/>
+              </a:schemeClr>
+            </a:solidFill>
+            <a:tailEnd type="triangle"/>
+          </a:ln>
+        </p:spPr>
+        <p:style>
+          <a:lnRef idx="1">
+            <a:schemeClr val="accent1"/>
+          </a:lnRef>
+          <a:fillRef idx="0">
+            <a:schemeClr val="accent1"/>
+          </a:fillRef>
+          <a:effectRef idx="0">
+            <a:schemeClr val="accent1"/>
+          </a:effectRef>
+          <a:fontRef idx="minor">
+            <a:schemeClr val="tx1"/>
+          </a:fontRef>
+        </p:style>
+      </p:cxnSp>
+      <p:sp>
+        <p:nvSpPr>
+          <p:cNvPr id="15" name="Flowchart: Document 14"/>
+          <p:cNvSpPr/>
+          <p:nvPr/>
+        </p:nvSpPr>
+        <p:spPr>
+          <a:xfrm>
+            <a:off x="4345143" y="1298117"/>
+            <a:ext cx="853345" cy="515815"/>
+          </a:xfrm>
+          <a:prstGeom prst="flowChartDocument">
+            <a:avLst/>
+          </a:prstGeom>
+        </p:spPr>
+        <p:style>
+          <a:lnRef idx="1">
+            <a:schemeClr val="accent6"/>
+          </a:lnRef>
+          <a:fillRef idx="3">
+            <a:schemeClr val="accent6"/>
+          </a:fillRef>
+          <a:effectRef idx="2">
+            <a:schemeClr val="accent6"/>
+          </a:effectRef>
+          <a:fontRef idx="minor">
+            <a:schemeClr val="lt1"/>
+          </a:fontRef>
+        </p:style>
+        <p:txBody>
+          <a:bodyPr rtlCol="0" anchor="ctr"/>
+          <a:lstStyle/>
+          <a:p>
+            <a:pPr algn="ctr"/>
+            <a:r>
+              <a:rPr lang="en-US" dirty="0" smtClean="0"/>
+              <a:t>Event</a:t>
+            </a:r>
+          </a:p>
+        </p:txBody>
+      </p:sp>
+      <p:sp>
+        <p:nvSpPr>
+          <p:cNvPr id="16" name="Flowchart: Document 15"/>
+          <p:cNvSpPr/>
+          <p:nvPr/>
+        </p:nvSpPr>
+        <p:spPr>
+          <a:xfrm>
+            <a:off x="2461846" y="3413886"/>
+            <a:ext cx="853345" cy="515815"/>
+          </a:xfrm>
+          <a:prstGeom prst="flowChartDocument">
+            <a:avLst/>
+          </a:prstGeom>
+        </p:spPr>
+        <p:style>
+          <a:lnRef idx="1">
+            <a:schemeClr val="accent4"/>
+          </a:lnRef>
+          <a:fillRef idx="3">
+            <a:schemeClr val="accent4"/>
+          </a:fillRef>
+          <a:effectRef idx="2">
+            <a:schemeClr val="accent4"/>
+          </a:effectRef>
+          <a:fontRef idx="minor">
+            <a:schemeClr val="lt1"/>
+          </a:fontRef>
+        </p:style>
+        <p:txBody>
+          <a:bodyPr rtlCol="0" anchor="ctr"/>
+          <a:lstStyle/>
+          <a:p>
+            <a:pPr algn="ctr"/>
+            <a:r>
+              <a:rPr lang="en-US" dirty="0" smtClean="0"/>
+              <a:t>Entity</a:t>
+            </a:r>
+            <a:endParaRPr lang="en-US" dirty="0" smtClean="0"/>
           </a:p>
         </p:txBody>
       </p:sp>
@@ -5387,7 +6887,7 @@
     </p:spTree>
     <p:extLst>
       <p:ext uri="{BB962C8B-B14F-4D97-AF65-F5344CB8AC3E}">
-        <p14:creationId xmlns:p14="http://schemas.microsoft.com/office/powerpoint/2010/main" val="2862742030"/>
+        <p14:creationId xmlns:p14="http://schemas.microsoft.com/office/powerpoint/2010/main" val="4137956010"/>
       </p:ext>
     </p:extLst>
   </p:cSld>
@@ -5609,6 +7109,2453 @@
       <p:bldP spid="32" grpId="0"/>
       <p:bldP spid="34" grpId="0"/>
     </p:bldLst>
+  </p:timing>
+</p:sld>
+</file>
+
+<file path=ppt/slides/slide6.xml><?xml version="1.0" encoding="utf-8"?>
+<p:sld xmlns:a="http://schemas.openxmlformats.org/drawingml/2006/main" xmlns:r="http://schemas.openxmlformats.org/officeDocument/2006/relationships" xmlns:p="http://schemas.openxmlformats.org/presentationml/2006/main">
+  <p:cSld>
+    <p:spTree>
+      <p:nvGrpSpPr>
+        <p:cNvPr id="1" name=""/>
+        <p:cNvGrpSpPr/>
+        <p:nvPr/>
+      </p:nvGrpSpPr>
+      <p:grpSpPr>
+        <a:xfrm>
+          <a:off x="0" y="0"/>
+          <a:ext cx="0" cy="0"/>
+          <a:chOff x="0" y="0"/>
+          <a:chExt cx="0" cy="0"/>
+        </a:xfrm>
+      </p:grpSpPr>
+      <p:sp>
+        <p:nvSpPr>
+          <p:cNvPr id="2" name="Title 1"/>
+          <p:cNvSpPr>
+            <a:spLocks noGrp="1"/>
+          </p:cNvSpPr>
+          <p:nvPr>
+            <p:ph type="ctrTitle"/>
+          </p:nvPr>
+        </p:nvSpPr>
+        <p:spPr/>
+        <p:txBody>
+          <a:bodyPr/>
+          <a:lstStyle/>
+          <a:p>
+            <a:r>
+              <a:rPr lang="en-US" dirty="0" smtClean="0">
+                <a:solidFill>
+                  <a:srgbClr val="FFFF00"/>
+                </a:solidFill>
+              </a:rPr>
+              <a:t>Key takeaway: </a:t>
+            </a:r>
+            <a:r>
+              <a:rPr lang="en-US" dirty="0" smtClean="0"/>
+              <a:t/>
+            </a:r>
+            <a:br>
+              <a:rPr lang="en-US" dirty="0" smtClean="0"/>
+            </a:br>
+            <a:r>
+              <a:rPr lang="en-US" dirty="0" smtClean="0"/>
+              <a:t>persist state and publish event </a:t>
+            </a:r>
+            <a:r>
+              <a:rPr lang="en-US" dirty="0" smtClean="0">
+                <a:solidFill>
+                  <a:srgbClr val="92D050"/>
+                </a:solidFill>
+              </a:rPr>
+              <a:t>atomically</a:t>
+            </a:r>
+            <a:endParaRPr lang="en-US" dirty="0">
+              <a:solidFill>
+                <a:srgbClr val="92D050"/>
+              </a:solidFill>
+            </a:endParaRPr>
+          </a:p>
+        </p:txBody>
+      </p:sp>
+      <p:sp>
+        <p:nvSpPr>
+          <p:cNvPr id="3" name="Subtitle 2"/>
+          <p:cNvSpPr>
+            <a:spLocks noGrp="1"/>
+          </p:cNvSpPr>
+          <p:nvPr>
+            <p:ph type="subTitle" idx="1"/>
+          </p:nvPr>
+        </p:nvSpPr>
+        <p:spPr/>
+        <p:txBody>
+          <a:bodyPr/>
+          <a:lstStyle/>
+          <a:p>
+            <a:endParaRPr lang="en-US" dirty="0"/>
+          </a:p>
+        </p:txBody>
+      </p:sp>
+    </p:spTree>
+    <p:extLst>
+      <p:ext uri="{BB962C8B-B14F-4D97-AF65-F5344CB8AC3E}">
+        <p14:creationId xmlns:p14="http://schemas.microsoft.com/office/powerpoint/2010/main" val="233618984"/>
+      </p:ext>
+    </p:extLst>
+  </p:cSld>
+  <p:clrMapOvr>
+    <a:masterClrMapping/>
+  </p:clrMapOvr>
+  <p:timing>
+    <p:tnLst>
+      <p:par>
+        <p:cTn id="1" dur="indefinite" restart="never" nodeType="tmRoot"/>
+      </p:par>
+    </p:tnLst>
+  </p:timing>
+</p:sld>
+</file>
+
+<file path=ppt/slides/slide7.xml><?xml version="1.0" encoding="utf-8"?>
+<p:sld xmlns:a="http://schemas.openxmlformats.org/drawingml/2006/main" xmlns:r="http://schemas.openxmlformats.org/officeDocument/2006/relationships" xmlns:p="http://schemas.openxmlformats.org/presentationml/2006/main">
+  <p:cSld>
+    <p:spTree>
+      <p:nvGrpSpPr>
+        <p:cNvPr id="1" name=""/>
+        <p:cNvGrpSpPr/>
+        <p:nvPr/>
+      </p:nvGrpSpPr>
+      <p:grpSpPr>
+        <a:xfrm>
+          <a:off x="0" y="0"/>
+          <a:ext cx="0" cy="0"/>
+          <a:chOff x="0" y="0"/>
+          <a:chExt cx="0" cy="0"/>
+        </a:xfrm>
+      </p:grpSpPr>
+      <p:sp>
+        <p:nvSpPr>
+          <p:cNvPr id="2" name="Title 1"/>
+          <p:cNvSpPr>
+            <a:spLocks noGrp="1"/>
+          </p:cNvSpPr>
+          <p:nvPr>
+            <p:ph type="ctrTitle"/>
+          </p:nvPr>
+        </p:nvSpPr>
+        <p:spPr>
+          <a:xfrm>
+            <a:off x="1261872" y="383065"/>
+            <a:ext cx="9418320" cy="1062681"/>
+          </a:xfrm>
+        </p:spPr>
+        <p:txBody>
+          <a:bodyPr>
+            <a:normAutofit/>
+          </a:bodyPr>
+          <a:lstStyle/>
+          <a:p>
+            <a:r>
+              <a:rPr lang="en-US" dirty="0" smtClean="0"/>
+              <a:t>Event Sourcing</a:t>
+            </a:r>
+            <a:endParaRPr lang="en-US" dirty="0"/>
+          </a:p>
+        </p:txBody>
+      </p:sp>
+      <p:sp>
+        <p:nvSpPr>
+          <p:cNvPr id="4" name="Hexagon 3"/>
+          <p:cNvSpPr/>
+          <p:nvPr/>
+        </p:nvSpPr>
+        <p:spPr>
+          <a:xfrm rot="5400000">
+            <a:off x="1431129" y="1874646"/>
+            <a:ext cx="1669689" cy="1444386"/>
+          </a:xfrm>
+          <a:prstGeom prst="hexagon">
+            <a:avLst/>
+          </a:prstGeom>
+          <a:solidFill>
+            <a:schemeClr val="accent3">
+              <a:lumMod val="40000"/>
+              <a:lumOff val="60000"/>
+            </a:schemeClr>
+          </a:solidFill>
+          <a:ln w="38100">
+            <a:solidFill>
+              <a:schemeClr val="accent3">
+                <a:lumMod val="75000"/>
+              </a:schemeClr>
+            </a:solidFill>
+          </a:ln>
+          <a:effectLst>
+            <a:outerShdw blurRad="50800" dist="38100" dir="5400000" algn="t" rotWithShape="0">
+              <a:prstClr val="black">
+                <a:alpha val="40000"/>
+              </a:prstClr>
+            </a:outerShdw>
+          </a:effectLst>
+        </p:spPr>
+        <p:style>
+          <a:lnRef idx="1">
+            <a:schemeClr val="accent3"/>
+          </a:lnRef>
+          <a:fillRef idx="2">
+            <a:schemeClr val="accent3"/>
+          </a:fillRef>
+          <a:effectRef idx="1">
+            <a:schemeClr val="accent3"/>
+          </a:effectRef>
+          <a:fontRef idx="minor">
+            <a:schemeClr val="dk1"/>
+          </a:fontRef>
+        </p:style>
+        <p:txBody>
+          <a:bodyPr rtlCol="0" anchor="ctr"/>
+          <a:lstStyle/>
+          <a:p>
+            <a:pPr algn="ctr"/>
+            <a:endParaRPr lang="en-US" dirty="0"/>
+          </a:p>
+        </p:txBody>
+      </p:sp>
+      <p:sp>
+        <p:nvSpPr>
+          <p:cNvPr id="5" name="Diamond 4"/>
+          <p:cNvSpPr/>
+          <p:nvPr/>
+        </p:nvSpPr>
+        <p:spPr>
+          <a:xfrm>
+            <a:off x="1543781" y="1750520"/>
+            <a:ext cx="1444386" cy="735454"/>
+          </a:xfrm>
+          <a:prstGeom prst="diamond">
+            <a:avLst/>
+          </a:prstGeom>
+          <a:solidFill>
+            <a:schemeClr val="accent3">
+              <a:lumMod val="75000"/>
+            </a:schemeClr>
+          </a:solidFill>
+          <a:ln w="38100">
+            <a:solidFill>
+              <a:schemeClr val="accent3">
+                <a:lumMod val="75000"/>
+              </a:schemeClr>
+            </a:solidFill>
+          </a:ln>
+        </p:spPr>
+        <p:style>
+          <a:lnRef idx="1">
+            <a:schemeClr val="accent3"/>
+          </a:lnRef>
+          <a:fillRef idx="2">
+            <a:schemeClr val="accent3"/>
+          </a:fillRef>
+          <a:effectRef idx="1">
+            <a:schemeClr val="accent3"/>
+          </a:effectRef>
+          <a:fontRef idx="minor">
+            <a:schemeClr val="dk1"/>
+          </a:fontRef>
+        </p:style>
+        <p:txBody>
+          <a:bodyPr rtlCol="0" anchor="ctr"/>
+          <a:lstStyle/>
+          <a:p>
+            <a:pPr algn="ctr"/>
+            <a:endParaRPr lang="en-US"/>
+          </a:p>
+        </p:txBody>
+      </p:sp>
+      <p:sp>
+        <p:nvSpPr>
+          <p:cNvPr id="6" name="TextBox 5"/>
+          <p:cNvSpPr txBox="1"/>
+          <p:nvPr/>
+        </p:nvSpPr>
+        <p:spPr>
+          <a:xfrm>
+            <a:off x="1751794" y="2596839"/>
+            <a:ext cx="1028358" cy="369332"/>
+          </a:xfrm>
+          <a:prstGeom prst="rect">
+            <a:avLst/>
+          </a:prstGeom>
+          <a:noFill/>
+        </p:spPr>
+        <p:txBody>
+          <a:bodyPr wrap="none" rtlCol="0">
+            <a:spAutoFit/>
+          </a:bodyPr>
+          <a:lstStyle/>
+          <a:p>
+            <a:r>
+              <a:rPr lang="en-US" dirty="0" smtClean="0">
+                <a:solidFill>
+                  <a:schemeClr val="accent3">
+                    <a:lumMod val="50000"/>
+                  </a:schemeClr>
+                </a:solidFill>
+              </a:rPr>
+              <a:t>Service 1</a:t>
+            </a:r>
+            <a:endParaRPr lang="en-US" dirty="0">
+              <a:solidFill>
+                <a:schemeClr val="accent3">
+                  <a:lumMod val="50000"/>
+                </a:schemeClr>
+              </a:solidFill>
+            </a:endParaRPr>
+          </a:p>
+        </p:txBody>
+      </p:sp>
+      <p:cxnSp>
+        <p:nvCxnSpPr>
+          <p:cNvPr id="8" name="Straight Arrow Connector 7"/>
+          <p:cNvCxnSpPr>
+            <a:stCxn id="4" idx="0"/>
+          </p:cNvCxnSpPr>
+          <p:nvPr/>
+        </p:nvCxnSpPr>
+        <p:spPr>
+          <a:xfrm>
+            <a:off x="2265974" y="3431684"/>
+            <a:ext cx="15108" cy="1853933"/>
+          </a:xfrm>
+          <a:prstGeom prst="straightConnector1">
+            <a:avLst/>
+          </a:prstGeom>
+          <a:ln w="38100">
+            <a:solidFill>
+              <a:schemeClr val="accent3">
+                <a:lumMod val="75000"/>
+              </a:schemeClr>
+            </a:solidFill>
+            <a:tailEnd type="triangle"/>
+          </a:ln>
+        </p:spPr>
+        <p:style>
+          <a:lnRef idx="1">
+            <a:schemeClr val="accent1"/>
+          </a:lnRef>
+          <a:fillRef idx="0">
+            <a:schemeClr val="accent1"/>
+          </a:fillRef>
+          <a:effectRef idx="0">
+            <a:schemeClr val="accent1"/>
+          </a:effectRef>
+          <a:fontRef idx="minor">
+            <a:schemeClr val="tx1"/>
+          </a:fontRef>
+        </p:style>
+      </p:cxnSp>
+      <p:sp>
+        <p:nvSpPr>
+          <p:cNvPr id="11" name="Flowchart: Document 10"/>
+          <p:cNvSpPr/>
+          <p:nvPr/>
+        </p:nvSpPr>
+        <p:spPr>
+          <a:xfrm>
+            <a:off x="2733935" y="3673797"/>
+            <a:ext cx="1119192" cy="623294"/>
+          </a:xfrm>
+          <a:prstGeom prst="flowChartDocument">
+            <a:avLst/>
+          </a:prstGeom>
+        </p:spPr>
+        <p:style>
+          <a:lnRef idx="1">
+            <a:schemeClr val="accent6"/>
+          </a:lnRef>
+          <a:fillRef idx="3">
+            <a:schemeClr val="accent6"/>
+          </a:fillRef>
+          <a:effectRef idx="2">
+            <a:schemeClr val="accent6"/>
+          </a:effectRef>
+          <a:fontRef idx="minor">
+            <a:schemeClr val="lt1"/>
+          </a:fontRef>
+        </p:style>
+        <p:txBody>
+          <a:bodyPr rtlCol="0" anchor="ctr"/>
+          <a:lstStyle/>
+          <a:p>
+            <a:pPr algn="ctr"/>
+            <a:r>
+              <a:rPr lang="en-US" dirty="0" smtClean="0"/>
+              <a:t>Event 1</a:t>
+            </a:r>
+          </a:p>
+        </p:txBody>
+      </p:sp>
+      <p:sp>
+        <p:nvSpPr>
+          <p:cNvPr id="12" name="Flowchart: Document 11"/>
+          <p:cNvSpPr/>
+          <p:nvPr/>
+        </p:nvSpPr>
+        <p:spPr>
+          <a:xfrm>
+            <a:off x="2886335" y="3826197"/>
+            <a:ext cx="1119192" cy="623294"/>
+          </a:xfrm>
+          <a:prstGeom prst="flowChartDocument">
+            <a:avLst/>
+          </a:prstGeom>
+        </p:spPr>
+        <p:style>
+          <a:lnRef idx="1">
+            <a:schemeClr val="accent6"/>
+          </a:lnRef>
+          <a:fillRef idx="3">
+            <a:schemeClr val="accent6"/>
+          </a:fillRef>
+          <a:effectRef idx="2">
+            <a:schemeClr val="accent6"/>
+          </a:effectRef>
+          <a:fontRef idx="minor">
+            <a:schemeClr val="lt1"/>
+          </a:fontRef>
+        </p:style>
+        <p:txBody>
+          <a:bodyPr rtlCol="0" anchor="ctr"/>
+          <a:lstStyle/>
+          <a:p>
+            <a:pPr algn="ctr"/>
+            <a:r>
+              <a:rPr lang="en-US" dirty="0" smtClean="0"/>
+              <a:t>Event 1</a:t>
+            </a:r>
+          </a:p>
+        </p:txBody>
+      </p:sp>
+      <p:sp>
+        <p:nvSpPr>
+          <p:cNvPr id="13" name="Flowchart: Document 12"/>
+          <p:cNvSpPr/>
+          <p:nvPr/>
+        </p:nvSpPr>
+        <p:spPr>
+          <a:xfrm>
+            <a:off x="3038735" y="3978597"/>
+            <a:ext cx="1119192" cy="623294"/>
+          </a:xfrm>
+          <a:prstGeom prst="flowChartDocument">
+            <a:avLst/>
+          </a:prstGeom>
+        </p:spPr>
+        <p:style>
+          <a:lnRef idx="1">
+            <a:schemeClr val="accent6"/>
+          </a:lnRef>
+          <a:fillRef idx="3">
+            <a:schemeClr val="accent6"/>
+          </a:fillRef>
+          <a:effectRef idx="2">
+            <a:schemeClr val="accent6"/>
+          </a:effectRef>
+          <a:fontRef idx="minor">
+            <a:schemeClr val="lt1"/>
+          </a:fontRef>
+        </p:style>
+        <p:txBody>
+          <a:bodyPr rtlCol="0" anchor="ctr"/>
+          <a:lstStyle/>
+          <a:p>
+            <a:pPr algn="ctr"/>
+            <a:r>
+              <a:rPr lang="en-US" dirty="0" smtClean="0"/>
+              <a:t>Event 1</a:t>
+            </a:r>
+          </a:p>
+        </p:txBody>
+      </p:sp>
+      <p:sp>
+        <p:nvSpPr>
+          <p:cNvPr id="14" name="Flowchart: Document 13"/>
+          <p:cNvSpPr/>
+          <p:nvPr/>
+        </p:nvSpPr>
+        <p:spPr>
+          <a:xfrm>
+            <a:off x="3191135" y="4130997"/>
+            <a:ext cx="1119192" cy="623294"/>
+          </a:xfrm>
+          <a:prstGeom prst="flowChartDocument">
+            <a:avLst/>
+          </a:prstGeom>
+        </p:spPr>
+        <p:style>
+          <a:lnRef idx="1">
+            <a:schemeClr val="accent6"/>
+          </a:lnRef>
+          <a:fillRef idx="3">
+            <a:schemeClr val="accent6"/>
+          </a:fillRef>
+          <a:effectRef idx="2">
+            <a:schemeClr val="accent6"/>
+          </a:effectRef>
+          <a:fontRef idx="minor">
+            <a:schemeClr val="lt1"/>
+          </a:fontRef>
+        </p:style>
+        <p:txBody>
+          <a:bodyPr rtlCol="0" anchor="ctr"/>
+          <a:lstStyle/>
+          <a:p>
+            <a:pPr algn="ctr"/>
+            <a:r>
+              <a:rPr lang="en-US" dirty="0" smtClean="0"/>
+              <a:t>Event 1</a:t>
+            </a:r>
+          </a:p>
+        </p:txBody>
+      </p:sp>
+      <p:sp>
+        <p:nvSpPr>
+          <p:cNvPr id="15" name="Flowchart: Document 14"/>
+          <p:cNvSpPr/>
+          <p:nvPr/>
+        </p:nvSpPr>
+        <p:spPr>
+          <a:xfrm>
+            <a:off x="3343535" y="4283397"/>
+            <a:ext cx="1119192" cy="623294"/>
+          </a:xfrm>
+          <a:prstGeom prst="flowChartDocument">
+            <a:avLst/>
+          </a:prstGeom>
+        </p:spPr>
+        <p:style>
+          <a:lnRef idx="1">
+            <a:schemeClr val="accent6"/>
+          </a:lnRef>
+          <a:fillRef idx="3">
+            <a:schemeClr val="accent6"/>
+          </a:fillRef>
+          <a:effectRef idx="2">
+            <a:schemeClr val="accent6"/>
+          </a:effectRef>
+          <a:fontRef idx="minor">
+            <a:schemeClr val="lt1"/>
+          </a:fontRef>
+        </p:style>
+        <p:txBody>
+          <a:bodyPr rtlCol="0" anchor="ctr"/>
+          <a:lstStyle/>
+          <a:p>
+            <a:pPr algn="ctr"/>
+            <a:r>
+              <a:rPr lang="en-US" dirty="0" smtClean="0"/>
+              <a:t>Event</a:t>
+            </a:r>
+          </a:p>
+        </p:txBody>
+      </p:sp>
+      <p:sp>
+        <p:nvSpPr>
+          <p:cNvPr id="16" name="Chevron 15"/>
+          <p:cNvSpPr/>
+          <p:nvPr/>
+        </p:nvSpPr>
+        <p:spPr>
+          <a:xfrm>
+            <a:off x="915766" y="5310331"/>
+            <a:ext cx="1144943" cy="962081"/>
+          </a:xfrm>
+          <a:prstGeom prst="chevron">
+            <a:avLst/>
+          </a:prstGeom>
+        </p:spPr>
+        <p:style>
+          <a:lnRef idx="0">
+            <a:schemeClr val="accent3"/>
+          </a:lnRef>
+          <a:fillRef idx="3">
+            <a:schemeClr val="accent3"/>
+          </a:fillRef>
+          <a:effectRef idx="3">
+            <a:schemeClr val="accent3"/>
+          </a:effectRef>
+          <a:fontRef idx="minor">
+            <a:schemeClr val="lt1"/>
+          </a:fontRef>
+        </p:style>
+        <p:txBody>
+          <a:bodyPr rtlCol="0" anchor="ctr"/>
+          <a:lstStyle/>
+          <a:p>
+            <a:pPr algn="ctr"/>
+            <a:endParaRPr lang="en-US">
+              <a:solidFill>
+                <a:schemeClr val="tx1"/>
+              </a:solidFill>
+            </a:endParaRPr>
+          </a:p>
+        </p:txBody>
+      </p:sp>
+      <p:sp>
+        <p:nvSpPr>
+          <p:cNvPr id="18" name="Chevron 17"/>
+          <p:cNvSpPr/>
+          <p:nvPr/>
+        </p:nvSpPr>
+        <p:spPr>
+          <a:xfrm>
+            <a:off x="1782973" y="5298847"/>
+            <a:ext cx="1144943" cy="962081"/>
+          </a:xfrm>
+          <a:prstGeom prst="chevron">
+            <a:avLst/>
+          </a:prstGeom>
+        </p:spPr>
+        <p:style>
+          <a:lnRef idx="0">
+            <a:schemeClr val="accent3"/>
+          </a:lnRef>
+          <a:fillRef idx="3">
+            <a:schemeClr val="accent3"/>
+          </a:fillRef>
+          <a:effectRef idx="3">
+            <a:schemeClr val="accent3"/>
+          </a:effectRef>
+          <a:fontRef idx="minor">
+            <a:schemeClr val="lt1"/>
+          </a:fontRef>
+        </p:style>
+        <p:txBody>
+          <a:bodyPr rtlCol="0" anchor="ctr"/>
+          <a:lstStyle/>
+          <a:p>
+            <a:pPr algn="ctr"/>
+            <a:endParaRPr lang="en-US">
+              <a:solidFill>
+                <a:schemeClr val="tx1"/>
+              </a:solidFill>
+            </a:endParaRPr>
+          </a:p>
+        </p:txBody>
+      </p:sp>
+      <p:sp>
+        <p:nvSpPr>
+          <p:cNvPr id="19" name="Chevron 18"/>
+          <p:cNvSpPr/>
+          <p:nvPr/>
+        </p:nvSpPr>
+        <p:spPr>
+          <a:xfrm>
+            <a:off x="2642179" y="5298846"/>
+            <a:ext cx="1144943" cy="962081"/>
+          </a:xfrm>
+          <a:prstGeom prst="chevron">
+            <a:avLst/>
+          </a:prstGeom>
+        </p:spPr>
+        <p:style>
+          <a:lnRef idx="0">
+            <a:schemeClr val="accent3"/>
+          </a:lnRef>
+          <a:fillRef idx="3">
+            <a:schemeClr val="accent3"/>
+          </a:fillRef>
+          <a:effectRef idx="3">
+            <a:schemeClr val="accent3"/>
+          </a:effectRef>
+          <a:fontRef idx="minor">
+            <a:schemeClr val="lt1"/>
+          </a:fontRef>
+        </p:style>
+        <p:txBody>
+          <a:bodyPr rtlCol="0" anchor="ctr"/>
+          <a:lstStyle/>
+          <a:p>
+            <a:pPr algn="ctr"/>
+            <a:endParaRPr lang="en-US">
+              <a:solidFill>
+                <a:schemeClr val="tx1"/>
+              </a:solidFill>
+            </a:endParaRPr>
+          </a:p>
+        </p:txBody>
+      </p:sp>
+      <p:sp>
+        <p:nvSpPr>
+          <p:cNvPr id="20" name="Chevron 19"/>
+          <p:cNvSpPr/>
+          <p:nvPr/>
+        </p:nvSpPr>
+        <p:spPr>
+          <a:xfrm>
+            <a:off x="3509386" y="5310331"/>
+            <a:ext cx="1144943" cy="962081"/>
+          </a:xfrm>
+          <a:prstGeom prst="chevron">
+            <a:avLst/>
+          </a:prstGeom>
+        </p:spPr>
+        <p:style>
+          <a:lnRef idx="0">
+            <a:schemeClr val="accent3"/>
+          </a:lnRef>
+          <a:fillRef idx="3">
+            <a:schemeClr val="accent3"/>
+          </a:fillRef>
+          <a:effectRef idx="3">
+            <a:schemeClr val="accent3"/>
+          </a:effectRef>
+          <a:fontRef idx="minor">
+            <a:schemeClr val="lt1"/>
+          </a:fontRef>
+        </p:style>
+        <p:txBody>
+          <a:bodyPr rtlCol="0" anchor="ctr"/>
+          <a:lstStyle/>
+          <a:p>
+            <a:pPr algn="ctr"/>
+            <a:endParaRPr lang="en-US">
+              <a:solidFill>
+                <a:schemeClr val="tx1"/>
+              </a:solidFill>
+            </a:endParaRPr>
+          </a:p>
+        </p:txBody>
+      </p:sp>
+      <p:sp>
+        <p:nvSpPr>
+          <p:cNvPr id="21" name="Chevron 20"/>
+          <p:cNvSpPr/>
+          <p:nvPr/>
+        </p:nvSpPr>
+        <p:spPr>
+          <a:xfrm>
+            <a:off x="4376593" y="5310331"/>
+            <a:ext cx="1144943" cy="962081"/>
+          </a:xfrm>
+          <a:prstGeom prst="chevron">
+            <a:avLst/>
+          </a:prstGeom>
+        </p:spPr>
+        <p:style>
+          <a:lnRef idx="0">
+            <a:schemeClr val="accent3"/>
+          </a:lnRef>
+          <a:fillRef idx="3">
+            <a:schemeClr val="accent3"/>
+          </a:fillRef>
+          <a:effectRef idx="3">
+            <a:schemeClr val="accent3"/>
+          </a:effectRef>
+          <a:fontRef idx="minor">
+            <a:schemeClr val="lt1"/>
+          </a:fontRef>
+        </p:style>
+        <p:txBody>
+          <a:bodyPr rtlCol="0" anchor="ctr"/>
+          <a:lstStyle/>
+          <a:p>
+            <a:pPr algn="ctr"/>
+            <a:endParaRPr lang="en-US">
+              <a:solidFill>
+                <a:schemeClr val="tx1"/>
+              </a:solidFill>
+            </a:endParaRPr>
+          </a:p>
+        </p:txBody>
+      </p:sp>
+      <p:sp>
+        <p:nvSpPr>
+          <p:cNvPr id="22" name="Chevron 21"/>
+          <p:cNvSpPr/>
+          <p:nvPr/>
+        </p:nvSpPr>
+        <p:spPr>
+          <a:xfrm>
+            <a:off x="5243800" y="5298847"/>
+            <a:ext cx="1144943" cy="962081"/>
+          </a:xfrm>
+          <a:prstGeom prst="chevron">
+            <a:avLst/>
+          </a:prstGeom>
+        </p:spPr>
+        <p:style>
+          <a:lnRef idx="0">
+            <a:schemeClr val="accent3"/>
+          </a:lnRef>
+          <a:fillRef idx="3">
+            <a:schemeClr val="accent3"/>
+          </a:fillRef>
+          <a:effectRef idx="3">
+            <a:schemeClr val="accent3"/>
+          </a:effectRef>
+          <a:fontRef idx="minor">
+            <a:schemeClr val="lt1"/>
+          </a:fontRef>
+        </p:style>
+        <p:txBody>
+          <a:bodyPr rtlCol="0" anchor="ctr"/>
+          <a:lstStyle/>
+          <a:p>
+            <a:pPr algn="ctr"/>
+            <a:endParaRPr lang="en-US">
+              <a:solidFill>
+                <a:schemeClr val="tx1"/>
+              </a:solidFill>
+            </a:endParaRPr>
+          </a:p>
+        </p:txBody>
+      </p:sp>
+      <p:sp>
+        <p:nvSpPr>
+          <p:cNvPr id="23" name="Chevron 22"/>
+          <p:cNvSpPr/>
+          <p:nvPr/>
+        </p:nvSpPr>
+        <p:spPr>
+          <a:xfrm>
+            <a:off x="6103006" y="5298846"/>
+            <a:ext cx="1144943" cy="962081"/>
+          </a:xfrm>
+          <a:prstGeom prst="chevron">
+            <a:avLst/>
+          </a:prstGeom>
+        </p:spPr>
+        <p:style>
+          <a:lnRef idx="0">
+            <a:schemeClr val="accent3"/>
+          </a:lnRef>
+          <a:fillRef idx="3">
+            <a:schemeClr val="accent3"/>
+          </a:fillRef>
+          <a:effectRef idx="3">
+            <a:schemeClr val="accent3"/>
+          </a:effectRef>
+          <a:fontRef idx="minor">
+            <a:schemeClr val="lt1"/>
+          </a:fontRef>
+        </p:style>
+        <p:txBody>
+          <a:bodyPr rtlCol="0" anchor="ctr"/>
+          <a:lstStyle/>
+          <a:p>
+            <a:pPr algn="ctr"/>
+            <a:endParaRPr lang="en-US">
+              <a:solidFill>
+                <a:schemeClr val="tx1"/>
+              </a:solidFill>
+            </a:endParaRPr>
+          </a:p>
+        </p:txBody>
+      </p:sp>
+      <p:sp>
+        <p:nvSpPr>
+          <p:cNvPr id="24" name="Chevron 23"/>
+          <p:cNvSpPr/>
+          <p:nvPr/>
+        </p:nvSpPr>
+        <p:spPr>
+          <a:xfrm>
+            <a:off x="6970213" y="5310331"/>
+            <a:ext cx="1144943" cy="962081"/>
+          </a:xfrm>
+          <a:prstGeom prst="chevron">
+            <a:avLst/>
+          </a:prstGeom>
+        </p:spPr>
+        <p:style>
+          <a:lnRef idx="0">
+            <a:schemeClr val="accent3"/>
+          </a:lnRef>
+          <a:fillRef idx="3">
+            <a:schemeClr val="accent3"/>
+          </a:fillRef>
+          <a:effectRef idx="3">
+            <a:schemeClr val="accent3"/>
+          </a:effectRef>
+          <a:fontRef idx="minor">
+            <a:schemeClr val="lt1"/>
+          </a:fontRef>
+        </p:style>
+        <p:txBody>
+          <a:bodyPr rtlCol="0" anchor="ctr"/>
+          <a:lstStyle/>
+          <a:p>
+            <a:pPr algn="ctr"/>
+            <a:endParaRPr lang="en-US">
+              <a:solidFill>
+                <a:schemeClr val="tx1"/>
+              </a:solidFill>
+            </a:endParaRPr>
+          </a:p>
+        </p:txBody>
+      </p:sp>
+      <p:sp>
+        <p:nvSpPr>
+          <p:cNvPr id="25" name="Chevron 24"/>
+          <p:cNvSpPr/>
+          <p:nvPr/>
+        </p:nvSpPr>
+        <p:spPr>
+          <a:xfrm>
+            <a:off x="7829419" y="5301564"/>
+            <a:ext cx="1144943" cy="962081"/>
+          </a:xfrm>
+          <a:prstGeom prst="chevron">
+            <a:avLst/>
+          </a:prstGeom>
+        </p:spPr>
+        <p:style>
+          <a:lnRef idx="0">
+            <a:schemeClr val="accent3"/>
+          </a:lnRef>
+          <a:fillRef idx="3">
+            <a:schemeClr val="accent3"/>
+          </a:fillRef>
+          <a:effectRef idx="3">
+            <a:schemeClr val="accent3"/>
+          </a:effectRef>
+          <a:fontRef idx="minor">
+            <a:schemeClr val="lt1"/>
+          </a:fontRef>
+        </p:style>
+        <p:txBody>
+          <a:bodyPr rtlCol="0" anchor="ctr"/>
+          <a:lstStyle/>
+          <a:p>
+            <a:pPr algn="ctr"/>
+            <a:endParaRPr lang="en-US">
+              <a:solidFill>
+                <a:schemeClr val="tx1"/>
+              </a:solidFill>
+            </a:endParaRPr>
+          </a:p>
+        </p:txBody>
+      </p:sp>
+      <p:sp>
+        <p:nvSpPr>
+          <p:cNvPr id="26" name="Chevron 25"/>
+          <p:cNvSpPr/>
+          <p:nvPr/>
+        </p:nvSpPr>
+        <p:spPr>
+          <a:xfrm>
+            <a:off x="8696626" y="5290080"/>
+            <a:ext cx="1144943" cy="962081"/>
+          </a:xfrm>
+          <a:prstGeom prst="chevron">
+            <a:avLst/>
+          </a:prstGeom>
+        </p:spPr>
+        <p:style>
+          <a:lnRef idx="0">
+            <a:schemeClr val="accent3"/>
+          </a:lnRef>
+          <a:fillRef idx="3">
+            <a:schemeClr val="accent3"/>
+          </a:fillRef>
+          <a:effectRef idx="3">
+            <a:schemeClr val="accent3"/>
+          </a:effectRef>
+          <a:fontRef idx="minor">
+            <a:schemeClr val="lt1"/>
+          </a:fontRef>
+        </p:style>
+        <p:txBody>
+          <a:bodyPr rtlCol="0" anchor="ctr"/>
+          <a:lstStyle/>
+          <a:p>
+            <a:pPr algn="ctr"/>
+            <a:endParaRPr lang="en-US">
+              <a:solidFill>
+                <a:schemeClr val="tx1"/>
+              </a:solidFill>
+            </a:endParaRPr>
+          </a:p>
+        </p:txBody>
+      </p:sp>
+      <p:sp>
+        <p:nvSpPr>
+          <p:cNvPr id="27" name="Chevron 26"/>
+          <p:cNvSpPr/>
+          <p:nvPr/>
+        </p:nvSpPr>
+        <p:spPr>
+          <a:xfrm>
+            <a:off x="9555832" y="5290079"/>
+            <a:ext cx="1144943" cy="962081"/>
+          </a:xfrm>
+          <a:prstGeom prst="chevron">
+            <a:avLst/>
+          </a:prstGeom>
+        </p:spPr>
+        <p:style>
+          <a:lnRef idx="0">
+            <a:schemeClr val="accent3"/>
+          </a:lnRef>
+          <a:fillRef idx="3">
+            <a:schemeClr val="accent3"/>
+          </a:fillRef>
+          <a:effectRef idx="3">
+            <a:schemeClr val="accent3"/>
+          </a:effectRef>
+          <a:fontRef idx="minor">
+            <a:schemeClr val="lt1"/>
+          </a:fontRef>
+        </p:style>
+        <p:txBody>
+          <a:bodyPr rtlCol="0" anchor="ctr"/>
+          <a:lstStyle/>
+          <a:p>
+            <a:pPr algn="ctr"/>
+            <a:endParaRPr lang="en-US">
+              <a:solidFill>
+                <a:schemeClr val="tx1"/>
+              </a:solidFill>
+            </a:endParaRPr>
+          </a:p>
+        </p:txBody>
+      </p:sp>
+      <p:sp>
+        <p:nvSpPr>
+          <p:cNvPr id="28" name="Chevron 27"/>
+          <p:cNvSpPr/>
+          <p:nvPr/>
+        </p:nvSpPr>
+        <p:spPr>
+          <a:xfrm>
+            <a:off x="10423039" y="5301564"/>
+            <a:ext cx="1144943" cy="962081"/>
+          </a:xfrm>
+          <a:prstGeom prst="chevron">
+            <a:avLst/>
+          </a:prstGeom>
+        </p:spPr>
+        <p:style>
+          <a:lnRef idx="0">
+            <a:schemeClr val="accent3"/>
+          </a:lnRef>
+          <a:fillRef idx="3">
+            <a:schemeClr val="accent3"/>
+          </a:fillRef>
+          <a:effectRef idx="3">
+            <a:schemeClr val="accent3"/>
+          </a:effectRef>
+          <a:fontRef idx="minor">
+            <a:schemeClr val="lt1"/>
+          </a:fontRef>
+        </p:style>
+        <p:txBody>
+          <a:bodyPr rtlCol="0" anchor="ctr"/>
+          <a:lstStyle/>
+          <a:p>
+            <a:pPr algn="ctr"/>
+            <a:endParaRPr lang="en-US">
+              <a:solidFill>
+                <a:schemeClr val="tx1"/>
+              </a:solidFill>
+            </a:endParaRPr>
+          </a:p>
+        </p:txBody>
+      </p:sp>
+      <p:sp>
+        <p:nvSpPr>
+          <p:cNvPr id="30" name="Hexagon 29"/>
+          <p:cNvSpPr/>
+          <p:nvPr/>
+        </p:nvSpPr>
+        <p:spPr>
+          <a:xfrm rot="5400000">
+            <a:off x="8284531" y="1863977"/>
+            <a:ext cx="1669689" cy="1444386"/>
+          </a:xfrm>
+          <a:prstGeom prst="hexagon">
+            <a:avLst/>
+          </a:prstGeom>
+          <a:solidFill>
+            <a:schemeClr val="accent3">
+              <a:lumMod val="40000"/>
+              <a:lumOff val="60000"/>
+            </a:schemeClr>
+          </a:solidFill>
+          <a:ln w="38100">
+            <a:solidFill>
+              <a:schemeClr val="accent3">
+                <a:lumMod val="75000"/>
+              </a:schemeClr>
+            </a:solidFill>
+          </a:ln>
+          <a:effectLst>
+            <a:outerShdw blurRad="50800" dist="38100" dir="5400000" algn="t" rotWithShape="0">
+              <a:prstClr val="black">
+                <a:alpha val="40000"/>
+              </a:prstClr>
+            </a:outerShdw>
+          </a:effectLst>
+        </p:spPr>
+        <p:style>
+          <a:lnRef idx="1">
+            <a:schemeClr val="accent3"/>
+          </a:lnRef>
+          <a:fillRef idx="2">
+            <a:schemeClr val="accent3"/>
+          </a:fillRef>
+          <a:effectRef idx="1">
+            <a:schemeClr val="accent3"/>
+          </a:effectRef>
+          <a:fontRef idx="minor">
+            <a:schemeClr val="dk1"/>
+          </a:fontRef>
+        </p:style>
+        <p:txBody>
+          <a:bodyPr rtlCol="0" anchor="ctr"/>
+          <a:lstStyle/>
+          <a:p>
+            <a:pPr algn="ctr"/>
+            <a:endParaRPr lang="en-US" dirty="0"/>
+          </a:p>
+        </p:txBody>
+      </p:sp>
+      <p:sp>
+        <p:nvSpPr>
+          <p:cNvPr id="31" name="Diamond 30"/>
+          <p:cNvSpPr/>
+          <p:nvPr/>
+        </p:nvSpPr>
+        <p:spPr>
+          <a:xfrm>
+            <a:off x="8397183" y="1739851"/>
+            <a:ext cx="1444386" cy="735454"/>
+          </a:xfrm>
+          <a:prstGeom prst="diamond">
+            <a:avLst/>
+          </a:prstGeom>
+          <a:solidFill>
+            <a:schemeClr val="accent3">
+              <a:lumMod val="75000"/>
+            </a:schemeClr>
+          </a:solidFill>
+          <a:ln w="38100">
+            <a:solidFill>
+              <a:schemeClr val="accent3">
+                <a:lumMod val="75000"/>
+              </a:schemeClr>
+            </a:solidFill>
+          </a:ln>
+        </p:spPr>
+        <p:style>
+          <a:lnRef idx="1">
+            <a:schemeClr val="accent3"/>
+          </a:lnRef>
+          <a:fillRef idx="2">
+            <a:schemeClr val="accent3"/>
+          </a:fillRef>
+          <a:effectRef idx="1">
+            <a:schemeClr val="accent3"/>
+          </a:effectRef>
+          <a:fontRef idx="minor">
+            <a:schemeClr val="dk1"/>
+          </a:fontRef>
+        </p:style>
+        <p:txBody>
+          <a:bodyPr rtlCol="0" anchor="ctr"/>
+          <a:lstStyle/>
+          <a:p>
+            <a:pPr algn="ctr"/>
+            <a:endParaRPr lang="en-US"/>
+          </a:p>
+        </p:txBody>
+      </p:sp>
+      <p:sp>
+        <p:nvSpPr>
+          <p:cNvPr id="32" name="TextBox 31"/>
+          <p:cNvSpPr txBox="1"/>
+          <p:nvPr/>
+        </p:nvSpPr>
+        <p:spPr>
+          <a:xfrm>
+            <a:off x="8605196" y="2586170"/>
+            <a:ext cx="1028358" cy="369332"/>
+          </a:xfrm>
+          <a:prstGeom prst="rect">
+            <a:avLst/>
+          </a:prstGeom>
+          <a:noFill/>
+        </p:spPr>
+        <p:txBody>
+          <a:bodyPr wrap="none" rtlCol="0">
+            <a:spAutoFit/>
+          </a:bodyPr>
+          <a:lstStyle/>
+          <a:p>
+            <a:r>
+              <a:rPr lang="en-US" dirty="0" smtClean="0">
+                <a:solidFill>
+                  <a:schemeClr val="accent3">
+                    <a:lumMod val="50000"/>
+                  </a:schemeClr>
+                </a:solidFill>
+              </a:rPr>
+              <a:t>Service </a:t>
+            </a:r>
+            <a:r>
+              <a:rPr lang="en-US" dirty="0" smtClean="0">
+                <a:solidFill>
+                  <a:schemeClr val="accent3">
+                    <a:lumMod val="50000"/>
+                  </a:schemeClr>
+                </a:solidFill>
+              </a:rPr>
+              <a:t>2</a:t>
+            </a:r>
+            <a:endParaRPr lang="en-US" dirty="0">
+              <a:solidFill>
+                <a:schemeClr val="accent3">
+                  <a:lumMod val="50000"/>
+                </a:schemeClr>
+              </a:solidFill>
+            </a:endParaRPr>
+          </a:p>
+        </p:txBody>
+      </p:sp>
+      <p:cxnSp>
+        <p:nvCxnSpPr>
+          <p:cNvPr id="33" name="Straight Arrow Connector 32"/>
+          <p:cNvCxnSpPr>
+            <a:endCxn id="30" idx="0"/>
+          </p:cNvCxnSpPr>
+          <p:nvPr/>
+        </p:nvCxnSpPr>
+        <p:spPr>
+          <a:xfrm flipV="1">
+            <a:off x="9114688" y="3421015"/>
+            <a:ext cx="4688" cy="1858396"/>
+          </a:xfrm>
+          <a:prstGeom prst="straightConnector1">
+            <a:avLst/>
+          </a:prstGeom>
+          <a:ln w="38100">
+            <a:solidFill>
+              <a:schemeClr val="accent3">
+                <a:lumMod val="75000"/>
+              </a:schemeClr>
+            </a:solidFill>
+            <a:tailEnd type="triangle"/>
+          </a:ln>
+        </p:spPr>
+        <p:style>
+          <a:lnRef idx="1">
+            <a:schemeClr val="accent1"/>
+          </a:lnRef>
+          <a:fillRef idx="0">
+            <a:schemeClr val="accent1"/>
+          </a:fillRef>
+          <a:effectRef idx="0">
+            <a:schemeClr val="accent1"/>
+          </a:effectRef>
+          <a:fontRef idx="minor">
+            <a:schemeClr val="tx1"/>
+          </a:fontRef>
+        </p:style>
+      </p:cxnSp>
+      <p:sp>
+        <p:nvSpPr>
+          <p:cNvPr id="41" name="Flowchart: Document 40"/>
+          <p:cNvSpPr/>
+          <p:nvPr/>
+        </p:nvSpPr>
+        <p:spPr>
+          <a:xfrm>
+            <a:off x="6928696" y="3673797"/>
+            <a:ext cx="1119192" cy="623294"/>
+          </a:xfrm>
+          <a:prstGeom prst="flowChartDocument">
+            <a:avLst/>
+          </a:prstGeom>
+        </p:spPr>
+        <p:style>
+          <a:lnRef idx="1">
+            <a:schemeClr val="accent6"/>
+          </a:lnRef>
+          <a:fillRef idx="3">
+            <a:schemeClr val="accent6"/>
+          </a:fillRef>
+          <a:effectRef idx="2">
+            <a:schemeClr val="accent6"/>
+          </a:effectRef>
+          <a:fontRef idx="minor">
+            <a:schemeClr val="lt1"/>
+          </a:fontRef>
+        </p:style>
+        <p:txBody>
+          <a:bodyPr rtlCol="0" anchor="ctr"/>
+          <a:lstStyle/>
+          <a:p>
+            <a:pPr algn="ctr"/>
+            <a:r>
+              <a:rPr lang="en-US" dirty="0" smtClean="0"/>
+              <a:t>Event 1</a:t>
+            </a:r>
+          </a:p>
+        </p:txBody>
+      </p:sp>
+      <p:sp>
+        <p:nvSpPr>
+          <p:cNvPr id="42" name="Flowchart: Document 41"/>
+          <p:cNvSpPr/>
+          <p:nvPr/>
+        </p:nvSpPr>
+        <p:spPr>
+          <a:xfrm>
+            <a:off x="7081096" y="3826197"/>
+            <a:ext cx="1119192" cy="623294"/>
+          </a:xfrm>
+          <a:prstGeom prst="flowChartDocument">
+            <a:avLst/>
+          </a:prstGeom>
+        </p:spPr>
+        <p:style>
+          <a:lnRef idx="1">
+            <a:schemeClr val="accent6"/>
+          </a:lnRef>
+          <a:fillRef idx="3">
+            <a:schemeClr val="accent6"/>
+          </a:fillRef>
+          <a:effectRef idx="2">
+            <a:schemeClr val="accent6"/>
+          </a:effectRef>
+          <a:fontRef idx="minor">
+            <a:schemeClr val="lt1"/>
+          </a:fontRef>
+        </p:style>
+        <p:txBody>
+          <a:bodyPr rtlCol="0" anchor="ctr"/>
+          <a:lstStyle/>
+          <a:p>
+            <a:pPr algn="ctr"/>
+            <a:r>
+              <a:rPr lang="en-US" dirty="0" smtClean="0"/>
+              <a:t>Event 1</a:t>
+            </a:r>
+          </a:p>
+        </p:txBody>
+      </p:sp>
+      <p:sp>
+        <p:nvSpPr>
+          <p:cNvPr id="43" name="Flowchart: Document 42"/>
+          <p:cNvSpPr/>
+          <p:nvPr/>
+        </p:nvSpPr>
+        <p:spPr>
+          <a:xfrm>
+            <a:off x="7233496" y="3978597"/>
+            <a:ext cx="1119192" cy="623294"/>
+          </a:xfrm>
+          <a:prstGeom prst="flowChartDocument">
+            <a:avLst/>
+          </a:prstGeom>
+        </p:spPr>
+        <p:style>
+          <a:lnRef idx="1">
+            <a:schemeClr val="accent6"/>
+          </a:lnRef>
+          <a:fillRef idx="3">
+            <a:schemeClr val="accent6"/>
+          </a:fillRef>
+          <a:effectRef idx="2">
+            <a:schemeClr val="accent6"/>
+          </a:effectRef>
+          <a:fontRef idx="minor">
+            <a:schemeClr val="lt1"/>
+          </a:fontRef>
+        </p:style>
+        <p:txBody>
+          <a:bodyPr rtlCol="0" anchor="ctr"/>
+          <a:lstStyle/>
+          <a:p>
+            <a:pPr algn="ctr"/>
+            <a:r>
+              <a:rPr lang="en-US" dirty="0" smtClean="0"/>
+              <a:t>Event 1</a:t>
+            </a:r>
+          </a:p>
+        </p:txBody>
+      </p:sp>
+      <p:sp>
+        <p:nvSpPr>
+          <p:cNvPr id="44" name="Flowchart: Document 43"/>
+          <p:cNvSpPr/>
+          <p:nvPr/>
+        </p:nvSpPr>
+        <p:spPr>
+          <a:xfrm>
+            <a:off x="7385896" y="4130997"/>
+            <a:ext cx="1119192" cy="623294"/>
+          </a:xfrm>
+          <a:prstGeom prst="flowChartDocument">
+            <a:avLst/>
+          </a:prstGeom>
+        </p:spPr>
+        <p:style>
+          <a:lnRef idx="1">
+            <a:schemeClr val="accent6"/>
+          </a:lnRef>
+          <a:fillRef idx="3">
+            <a:schemeClr val="accent6"/>
+          </a:fillRef>
+          <a:effectRef idx="2">
+            <a:schemeClr val="accent6"/>
+          </a:effectRef>
+          <a:fontRef idx="minor">
+            <a:schemeClr val="lt1"/>
+          </a:fontRef>
+        </p:style>
+        <p:txBody>
+          <a:bodyPr rtlCol="0" anchor="ctr"/>
+          <a:lstStyle/>
+          <a:p>
+            <a:pPr algn="ctr"/>
+            <a:r>
+              <a:rPr lang="en-US" dirty="0" smtClean="0"/>
+              <a:t>Event 1</a:t>
+            </a:r>
+          </a:p>
+        </p:txBody>
+      </p:sp>
+      <p:sp>
+        <p:nvSpPr>
+          <p:cNvPr id="45" name="Flowchart: Document 44"/>
+          <p:cNvSpPr/>
+          <p:nvPr/>
+        </p:nvSpPr>
+        <p:spPr>
+          <a:xfrm>
+            <a:off x="7538296" y="4283397"/>
+            <a:ext cx="1119192" cy="623294"/>
+          </a:xfrm>
+          <a:prstGeom prst="flowChartDocument">
+            <a:avLst/>
+          </a:prstGeom>
+        </p:spPr>
+        <p:style>
+          <a:lnRef idx="1">
+            <a:schemeClr val="accent6"/>
+          </a:lnRef>
+          <a:fillRef idx="3">
+            <a:schemeClr val="accent6"/>
+          </a:fillRef>
+          <a:effectRef idx="2">
+            <a:schemeClr val="accent6"/>
+          </a:effectRef>
+          <a:fontRef idx="minor">
+            <a:schemeClr val="lt1"/>
+          </a:fontRef>
+        </p:style>
+        <p:txBody>
+          <a:bodyPr rtlCol="0" anchor="ctr"/>
+          <a:lstStyle/>
+          <a:p>
+            <a:pPr algn="ctr"/>
+            <a:r>
+              <a:rPr lang="en-US" dirty="0" smtClean="0"/>
+              <a:t>Event</a:t>
+            </a:r>
+          </a:p>
+        </p:txBody>
+      </p:sp>
+    </p:spTree>
+    <p:extLst>
+      <p:ext uri="{BB962C8B-B14F-4D97-AF65-F5344CB8AC3E}">
+        <p14:creationId xmlns:p14="http://schemas.microsoft.com/office/powerpoint/2010/main" val="324414144"/>
+      </p:ext>
+    </p:extLst>
+  </p:cSld>
+  <p:clrMapOvr>
+    <a:masterClrMapping/>
+  </p:clrMapOvr>
+  <p:timing>
+    <p:tnLst>
+      <p:par>
+        <p:cTn id="1" dur="indefinite" restart="never" nodeType="tmRoot"/>
+      </p:par>
+    </p:tnLst>
+  </p:timing>
+</p:sld>
+</file>
+
+<file path=ppt/slides/slide8.xml><?xml version="1.0" encoding="utf-8"?>
+<p:sld xmlns:a="http://schemas.openxmlformats.org/drawingml/2006/main" xmlns:r="http://schemas.openxmlformats.org/officeDocument/2006/relationships" xmlns:p="http://schemas.openxmlformats.org/presentationml/2006/main">
+  <p:cSld>
+    <p:spTree>
+      <p:nvGrpSpPr>
+        <p:cNvPr id="1" name=""/>
+        <p:cNvGrpSpPr/>
+        <p:nvPr/>
+      </p:nvGrpSpPr>
+      <p:grpSpPr>
+        <a:xfrm>
+          <a:off x="0" y="0"/>
+          <a:ext cx="0" cy="0"/>
+          <a:chOff x="0" y="0"/>
+          <a:chExt cx="0" cy="0"/>
+        </a:xfrm>
+      </p:grpSpPr>
+      <p:sp>
+        <p:nvSpPr>
+          <p:cNvPr id="2" name="Title 1"/>
+          <p:cNvSpPr>
+            <a:spLocks noGrp="1"/>
+          </p:cNvSpPr>
+          <p:nvPr>
+            <p:ph type="ctrTitle"/>
+          </p:nvPr>
+        </p:nvSpPr>
+        <p:spPr>
+          <a:xfrm>
+            <a:off x="1261872" y="383065"/>
+            <a:ext cx="9418320" cy="1062681"/>
+          </a:xfrm>
+        </p:spPr>
+        <p:txBody>
+          <a:bodyPr>
+            <a:normAutofit fontScale="90000"/>
+          </a:bodyPr>
+          <a:lstStyle/>
+          <a:p>
+            <a:r>
+              <a:rPr lang="en-US" dirty="0" smtClean="0"/>
+              <a:t>Application events (Outbox)</a:t>
+            </a:r>
+            <a:endParaRPr lang="en-US" dirty="0"/>
+          </a:p>
+        </p:txBody>
+      </p:sp>
+      <p:sp>
+        <p:nvSpPr>
+          <p:cNvPr id="4" name="Hexagon 3"/>
+          <p:cNvSpPr/>
+          <p:nvPr/>
+        </p:nvSpPr>
+        <p:spPr>
+          <a:xfrm rot="5400000">
+            <a:off x="3247572" y="1569872"/>
+            <a:ext cx="1669689" cy="1444386"/>
+          </a:xfrm>
+          <a:prstGeom prst="hexagon">
+            <a:avLst/>
+          </a:prstGeom>
+          <a:solidFill>
+            <a:schemeClr val="accent3">
+              <a:lumMod val="40000"/>
+              <a:lumOff val="60000"/>
+            </a:schemeClr>
+          </a:solidFill>
+          <a:ln w="38100">
+            <a:solidFill>
+              <a:schemeClr val="accent3">
+                <a:lumMod val="75000"/>
+              </a:schemeClr>
+            </a:solidFill>
+          </a:ln>
+          <a:effectLst>
+            <a:outerShdw blurRad="50800" dist="38100" dir="5400000" algn="t" rotWithShape="0">
+              <a:prstClr val="black">
+                <a:alpha val="40000"/>
+              </a:prstClr>
+            </a:outerShdw>
+          </a:effectLst>
+        </p:spPr>
+        <p:style>
+          <a:lnRef idx="1">
+            <a:schemeClr val="accent3"/>
+          </a:lnRef>
+          <a:fillRef idx="2">
+            <a:schemeClr val="accent3"/>
+          </a:fillRef>
+          <a:effectRef idx="1">
+            <a:schemeClr val="accent3"/>
+          </a:effectRef>
+          <a:fontRef idx="minor">
+            <a:schemeClr val="dk1"/>
+          </a:fontRef>
+        </p:style>
+        <p:txBody>
+          <a:bodyPr rtlCol="0" anchor="ctr"/>
+          <a:lstStyle/>
+          <a:p>
+            <a:pPr algn="ctr"/>
+            <a:endParaRPr lang="en-US" dirty="0"/>
+          </a:p>
+        </p:txBody>
+      </p:sp>
+      <p:sp>
+        <p:nvSpPr>
+          <p:cNvPr id="5" name="Diamond 4"/>
+          <p:cNvSpPr/>
+          <p:nvPr/>
+        </p:nvSpPr>
+        <p:spPr>
+          <a:xfrm>
+            <a:off x="3360224" y="1445746"/>
+            <a:ext cx="1444386" cy="735454"/>
+          </a:xfrm>
+          <a:prstGeom prst="diamond">
+            <a:avLst/>
+          </a:prstGeom>
+          <a:solidFill>
+            <a:schemeClr val="accent3">
+              <a:lumMod val="75000"/>
+            </a:schemeClr>
+          </a:solidFill>
+          <a:ln w="38100">
+            <a:solidFill>
+              <a:schemeClr val="accent3">
+                <a:lumMod val="75000"/>
+              </a:schemeClr>
+            </a:solidFill>
+          </a:ln>
+        </p:spPr>
+        <p:style>
+          <a:lnRef idx="1">
+            <a:schemeClr val="accent3"/>
+          </a:lnRef>
+          <a:fillRef idx="2">
+            <a:schemeClr val="accent3"/>
+          </a:fillRef>
+          <a:effectRef idx="1">
+            <a:schemeClr val="accent3"/>
+          </a:effectRef>
+          <a:fontRef idx="minor">
+            <a:schemeClr val="dk1"/>
+          </a:fontRef>
+        </p:style>
+        <p:txBody>
+          <a:bodyPr rtlCol="0" anchor="ctr"/>
+          <a:lstStyle/>
+          <a:p>
+            <a:pPr algn="ctr"/>
+            <a:endParaRPr lang="en-US"/>
+          </a:p>
+        </p:txBody>
+      </p:sp>
+      <p:sp>
+        <p:nvSpPr>
+          <p:cNvPr id="6" name="TextBox 5"/>
+          <p:cNvSpPr txBox="1"/>
+          <p:nvPr/>
+        </p:nvSpPr>
+        <p:spPr>
+          <a:xfrm>
+            <a:off x="3568237" y="2292065"/>
+            <a:ext cx="1028358" cy="369332"/>
+          </a:xfrm>
+          <a:prstGeom prst="rect">
+            <a:avLst/>
+          </a:prstGeom>
+          <a:noFill/>
+        </p:spPr>
+        <p:txBody>
+          <a:bodyPr wrap="none" rtlCol="0">
+            <a:spAutoFit/>
+          </a:bodyPr>
+          <a:lstStyle/>
+          <a:p>
+            <a:r>
+              <a:rPr lang="en-US" dirty="0" smtClean="0">
+                <a:solidFill>
+                  <a:schemeClr val="accent3">
+                    <a:lumMod val="50000"/>
+                  </a:schemeClr>
+                </a:solidFill>
+              </a:rPr>
+              <a:t>Service 1</a:t>
+            </a:r>
+            <a:endParaRPr lang="en-US" dirty="0">
+              <a:solidFill>
+                <a:schemeClr val="accent3">
+                  <a:lumMod val="50000"/>
+                </a:schemeClr>
+              </a:solidFill>
+            </a:endParaRPr>
+          </a:p>
+        </p:txBody>
+      </p:sp>
+      <p:cxnSp>
+        <p:nvCxnSpPr>
+          <p:cNvPr id="8" name="Straight Arrow Connector 7"/>
+          <p:cNvCxnSpPr>
+            <a:endCxn id="7" idx="0"/>
+          </p:cNvCxnSpPr>
+          <p:nvPr/>
+        </p:nvCxnSpPr>
+        <p:spPr>
+          <a:xfrm flipH="1">
+            <a:off x="2342919" y="2928551"/>
+            <a:ext cx="1327038" cy="1717692"/>
+          </a:xfrm>
+          <a:prstGeom prst="straightConnector1">
+            <a:avLst/>
+          </a:prstGeom>
+          <a:ln w="38100">
+            <a:solidFill>
+              <a:schemeClr val="accent3">
+                <a:lumMod val="75000"/>
+              </a:schemeClr>
+            </a:solidFill>
+            <a:tailEnd type="triangle"/>
+          </a:ln>
+        </p:spPr>
+        <p:style>
+          <a:lnRef idx="1">
+            <a:schemeClr val="accent1"/>
+          </a:lnRef>
+          <a:fillRef idx="0">
+            <a:schemeClr val="accent1"/>
+          </a:fillRef>
+          <a:effectRef idx="0">
+            <a:schemeClr val="accent1"/>
+          </a:effectRef>
+          <a:fontRef idx="minor">
+            <a:schemeClr val="tx1"/>
+          </a:fontRef>
+        </p:style>
+      </p:cxnSp>
+      <p:sp>
+        <p:nvSpPr>
+          <p:cNvPr id="34" name="Rectangle 33"/>
+          <p:cNvSpPr/>
+          <p:nvPr/>
+        </p:nvSpPr>
+        <p:spPr>
+          <a:xfrm>
+            <a:off x="9570919" y="1717590"/>
+            <a:ext cx="1371600" cy="3950370"/>
+          </a:xfrm>
+          <a:prstGeom prst="rect">
+            <a:avLst/>
+          </a:prstGeom>
+          <a:ln w="57150">
+            <a:prstDash val="sysDot"/>
+          </a:ln>
+        </p:spPr>
+        <p:style>
+          <a:lnRef idx="1">
+            <a:schemeClr val="accent3"/>
+          </a:lnRef>
+          <a:fillRef idx="2">
+            <a:schemeClr val="accent3"/>
+          </a:fillRef>
+          <a:effectRef idx="1">
+            <a:schemeClr val="accent3"/>
+          </a:effectRef>
+          <a:fontRef idx="minor">
+            <a:schemeClr val="dk1"/>
+          </a:fontRef>
+        </p:style>
+        <p:txBody>
+          <a:bodyPr vert="wordArtVert" rtlCol="0" anchor="ctr"/>
+          <a:lstStyle/>
+          <a:p>
+            <a:pPr algn="ctr"/>
+            <a:r>
+              <a:rPr lang="en-US" dirty="0" smtClean="0">
+                <a:solidFill>
+                  <a:schemeClr val="accent3">
+                    <a:lumMod val="50000"/>
+                  </a:schemeClr>
+                </a:solidFill>
+              </a:rPr>
+              <a:t>Message broker</a:t>
+            </a:r>
+          </a:p>
+        </p:txBody>
+      </p:sp>
+      <p:graphicFrame>
+        <p:nvGraphicFramePr>
+          <p:cNvPr id="7" name="Table 6"/>
+          <p:cNvGraphicFramePr>
+            <a:graphicFrameLocks noGrp="1"/>
+          </p:cNvGraphicFramePr>
+          <p:nvPr>
+            <p:extLst>
+              <p:ext uri="{D42A27DB-BD31-4B8C-83A1-F6EECF244321}">
+                <p14:modId xmlns:p14="http://schemas.microsoft.com/office/powerpoint/2010/main" val="2955558562"/>
+              </p:ext>
+            </p:extLst>
+          </p:nvPr>
+        </p:nvGraphicFramePr>
+        <p:xfrm>
+          <a:off x="1117602" y="4646243"/>
+          <a:ext cx="2450635" cy="1130493"/>
+        </p:xfrm>
+        <a:graphic>
+          <a:graphicData uri="http://schemas.openxmlformats.org/drawingml/2006/table">
+            <a:tbl>
+              <a:tblPr firstRow="1" bandRow="1">
+                <a:tableStyleId>{5C22544A-7EE6-4342-B048-85BDC9FD1C3A}</a:tableStyleId>
+              </a:tblPr>
+              <a:tblGrid>
+                <a:gridCol w="490127"/>
+                <a:gridCol w="490127"/>
+                <a:gridCol w="490127"/>
+                <a:gridCol w="490127"/>
+                <a:gridCol w="490127"/>
+              </a:tblGrid>
+              <a:tr h="376831">
+                <a:tc>
+                  <a:txBody>
+                    <a:bodyPr/>
+                    <a:lstStyle/>
+                    <a:p>
+                      <a:endParaRPr lang="en-US" dirty="0"/>
+                    </a:p>
+                  </a:txBody>
+                  <a:tcPr/>
+                </a:tc>
+                <a:tc>
+                  <a:txBody>
+                    <a:bodyPr/>
+                    <a:lstStyle/>
+                    <a:p>
+                      <a:endParaRPr lang="en-US"/>
+                    </a:p>
+                  </a:txBody>
+                  <a:tcPr/>
+                </a:tc>
+                <a:tc>
+                  <a:txBody>
+                    <a:bodyPr/>
+                    <a:lstStyle/>
+                    <a:p>
+                      <a:endParaRPr lang="en-US"/>
+                    </a:p>
+                  </a:txBody>
+                  <a:tcPr/>
+                </a:tc>
+                <a:tc>
+                  <a:txBody>
+                    <a:bodyPr/>
+                    <a:lstStyle/>
+                    <a:p>
+                      <a:endParaRPr lang="en-US" dirty="0"/>
+                    </a:p>
+                  </a:txBody>
+                  <a:tcPr/>
+                </a:tc>
+                <a:tc>
+                  <a:txBody>
+                    <a:bodyPr/>
+                    <a:lstStyle/>
+                    <a:p>
+                      <a:endParaRPr lang="en-US"/>
+                    </a:p>
+                  </a:txBody>
+                  <a:tcPr/>
+                </a:tc>
+              </a:tr>
+              <a:tr h="376831">
+                <a:tc>
+                  <a:txBody>
+                    <a:bodyPr/>
+                    <a:lstStyle/>
+                    <a:p>
+                      <a:endParaRPr lang="en-US"/>
+                    </a:p>
+                  </a:txBody>
+                  <a:tcPr/>
+                </a:tc>
+                <a:tc>
+                  <a:txBody>
+                    <a:bodyPr/>
+                    <a:lstStyle/>
+                    <a:p>
+                      <a:endParaRPr lang="en-US" dirty="0"/>
+                    </a:p>
+                  </a:txBody>
+                  <a:tcPr/>
+                </a:tc>
+                <a:tc>
+                  <a:txBody>
+                    <a:bodyPr/>
+                    <a:lstStyle/>
+                    <a:p>
+                      <a:endParaRPr lang="en-US"/>
+                    </a:p>
+                  </a:txBody>
+                  <a:tcPr/>
+                </a:tc>
+                <a:tc>
+                  <a:txBody>
+                    <a:bodyPr/>
+                    <a:lstStyle/>
+                    <a:p>
+                      <a:endParaRPr lang="en-US" dirty="0"/>
+                    </a:p>
+                  </a:txBody>
+                  <a:tcPr/>
+                </a:tc>
+                <a:tc>
+                  <a:txBody>
+                    <a:bodyPr/>
+                    <a:lstStyle/>
+                    <a:p>
+                      <a:endParaRPr lang="en-US" dirty="0"/>
+                    </a:p>
+                  </a:txBody>
+                  <a:tcPr/>
+                </a:tc>
+              </a:tr>
+              <a:tr h="376831">
+                <a:tc>
+                  <a:txBody>
+                    <a:bodyPr/>
+                    <a:lstStyle/>
+                    <a:p>
+                      <a:endParaRPr lang="en-US"/>
+                    </a:p>
+                  </a:txBody>
+                  <a:tcPr/>
+                </a:tc>
+                <a:tc>
+                  <a:txBody>
+                    <a:bodyPr/>
+                    <a:lstStyle/>
+                    <a:p>
+                      <a:endParaRPr lang="en-US" dirty="0"/>
+                    </a:p>
+                  </a:txBody>
+                  <a:tcPr/>
+                </a:tc>
+                <a:tc>
+                  <a:txBody>
+                    <a:bodyPr/>
+                    <a:lstStyle/>
+                    <a:p>
+                      <a:endParaRPr lang="en-US"/>
+                    </a:p>
+                  </a:txBody>
+                  <a:tcPr/>
+                </a:tc>
+                <a:tc>
+                  <a:txBody>
+                    <a:bodyPr/>
+                    <a:lstStyle/>
+                    <a:p>
+                      <a:endParaRPr lang="en-US" dirty="0"/>
+                    </a:p>
+                  </a:txBody>
+                  <a:tcPr/>
+                </a:tc>
+                <a:tc>
+                  <a:txBody>
+                    <a:bodyPr/>
+                    <a:lstStyle/>
+                    <a:p>
+                      <a:endParaRPr lang="en-US" dirty="0"/>
+                    </a:p>
+                  </a:txBody>
+                  <a:tcPr/>
+                </a:tc>
+              </a:tr>
+            </a:tbl>
+          </a:graphicData>
+        </a:graphic>
+      </p:graphicFrame>
+      <p:graphicFrame>
+        <p:nvGraphicFramePr>
+          <p:cNvPr id="36" name="Table 35"/>
+          <p:cNvGraphicFramePr>
+            <a:graphicFrameLocks noGrp="1"/>
+          </p:cNvGraphicFramePr>
+          <p:nvPr>
+            <p:extLst>
+              <p:ext uri="{D42A27DB-BD31-4B8C-83A1-F6EECF244321}">
+                <p14:modId xmlns:p14="http://schemas.microsoft.com/office/powerpoint/2010/main" val="626315843"/>
+              </p:ext>
+            </p:extLst>
+          </p:nvPr>
+        </p:nvGraphicFramePr>
+        <p:xfrm>
+          <a:off x="4596595" y="4646243"/>
+          <a:ext cx="2450635" cy="1130493"/>
+        </p:xfrm>
+        <a:graphic>
+          <a:graphicData uri="http://schemas.openxmlformats.org/drawingml/2006/table">
+            <a:tbl>
+              <a:tblPr firstRow="1" bandRow="1">
+                <a:tableStyleId>{5C22544A-7EE6-4342-B048-85BDC9FD1C3A}</a:tableStyleId>
+              </a:tblPr>
+              <a:tblGrid>
+                <a:gridCol w="490127"/>
+                <a:gridCol w="490127"/>
+                <a:gridCol w="490127"/>
+                <a:gridCol w="490127"/>
+                <a:gridCol w="490127"/>
+              </a:tblGrid>
+              <a:tr h="376831">
+                <a:tc>
+                  <a:txBody>
+                    <a:bodyPr/>
+                    <a:lstStyle/>
+                    <a:p>
+                      <a:endParaRPr lang="en-US" dirty="0"/>
+                    </a:p>
+                  </a:txBody>
+                  <a:tcPr/>
+                </a:tc>
+                <a:tc>
+                  <a:txBody>
+                    <a:bodyPr/>
+                    <a:lstStyle/>
+                    <a:p>
+                      <a:endParaRPr lang="en-US"/>
+                    </a:p>
+                  </a:txBody>
+                  <a:tcPr/>
+                </a:tc>
+                <a:tc>
+                  <a:txBody>
+                    <a:bodyPr/>
+                    <a:lstStyle/>
+                    <a:p>
+                      <a:endParaRPr lang="en-US"/>
+                    </a:p>
+                  </a:txBody>
+                  <a:tcPr/>
+                </a:tc>
+                <a:tc>
+                  <a:txBody>
+                    <a:bodyPr/>
+                    <a:lstStyle/>
+                    <a:p>
+                      <a:endParaRPr lang="en-US" dirty="0"/>
+                    </a:p>
+                  </a:txBody>
+                  <a:tcPr/>
+                </a:tc>
+                <a:tc>
+                  <a:txBody>
+                    <a:bodyPr/>
+                    <a:lstStyle/>
+                    <a:p>
+                      <a:endParaRPr lang="en-US"/>
+                    </a:p>
+                  </a:txBody>
+                  <a:tcPr/>
+                </a:tc>
+              </a:tr>
+              <a:tr h="376831">
+                <a:tc>
+                  <a:txBody>
+                    <a:bodyPr/>
+                    <a:lstStyle/>
+                    <a:p>
+                      <a:endParaRPr lang="en-US"/>
+                    </a:p>
+                  </a:txBody>
+                  <a:tcPr/>
+                </a:tc>
+                <a:tc>
+                  <a:txBody>
+                    <a:bodyPr/>
+                    <a:lstStyle/>
+                    <a:p>
+                      <a:endParaRPr lang="en-US" dirty="0"/>
+                    </a:p>
+                  </a:txBody>
+                  <a:tcPr/>
+                </a:tc>
+                <a:tc>
+                  <a:txBody>
+                    <a:bodyPr/>
+                    <a:lstStyle/>
+                    <a:p>
+                      <a:endParaRPr lang="en-US"/>
+                    </a:p>
+                  </a:txBody>
+                  <a:tcPr/>
+                </a:tc>
+                <a:tc>
+                  <a:txBody>
+                    <a:bodyPr/>
+                    <a:lstStyle/>
+                    <a:p>
+                      <a:endParaRPr lang="en-US" dirty="0"/>
+                    </a:p>
+                  </a:txBody>
+                  <a:tcPr/>
+                </a:tc>
+                <a:tc>
+                  <a:txBody>
+                    <a:bodyPr/>
+                    <a:lstStyle/>
+                    <a:p>
+                      <a:endParaRPr lang="en-US" dirty="0"/>
+                    </a:p>
+                  </a:txBody>
+                  <a:tcPr/>
+                </a:tc>
+              </a:tr>
+              <a:tr h="376831">
+                <a:tc>
+                  <a:txBody>
+                    <a:bodyPr/>
+                    <a:lstStyle/>
+                    <a:p>
+                      <a:endParaRPr lang="en-US"/>
+                    </a:p>
+                  </a:txBody>
+                  <a:tcPr/>
+                </a:tc>
+                <a:tc>
+                  <a:txBody>
+                    <a:bodyPr/>
+                    <a:lstStyle/>
+                    <a:p>
+                      <a:endParaRPr lang="en-US" dirty="0"/>
+                    </a:p>
+                  </a:txBody>
+                  <a:tcPr/>
+                </a:tc>
+                <a:tc>
+                  <a:txBody>
+                    <a:bodyPr/>
+                    <a:lstStyle/>
+                    <a:p>
+                      <a:endParaRPr lang="en-US"/>
+                    </a:p>
+                  </a:txBody>
+                  <a:tcPr/>
+                </a:tc>
+                <a:tc>
+                  <a:txBody>
+                    <a:bodyPr/>
+                    <a:lstStyle/>
+                    <a:p>
+                      <a:endParaRPr lang="en-US" dirty="0"/>
+                    </a:p>
+                  </a:txBody>
+                  <a:tcPr/>
+                </a:tc>
+                <a:tc>
+                  <a:txBody>
+                    <a:bodyPr/>
+                    <a:lstStyle/>
+                    <a:p>
+                      <a:endParaRPr lang="en-US" dirty="0"/>
+                    </a:p>
+                  </a:txBody>
+                  <a:tcPr/>
+                </a:tc>
+              </a:tr>
+            </a:tbl>
+          </a:graphicData>
+        </a:graphic>
+      </p:graphicFrame>
+      <p:cxnSp>
+        <p:nvCxnSpPr>
+          <p:cNvPr id="39" name="Straight Arrow Connector 38"/>
+          <p:cNvCxnSpPr>
+            <a:endCxn id="36" idx="0"/>
+          </p:cNvCxnSpPr>
+          <p:nvPr/>
+        </p:nvCxnSpPr>
+        <p:spPr>
+          <a:xfrm>
+            <a:off x="4494875" y="2928551"/>
+            <a:ext cx="1327037" cy="1717692"/>
+          </a:xfrm>
+          <a:prstGeom prst="straightConnector1">
+            <a:avLst/>
+          </a:prstGeom>
+          <a:ln w="38100">
+            <a:solidFill>
+              <a:schemeClr val="accent3">
+                <a:lumMod val="75000"/>
+              </a:schemeClr>
+            </a:solidFill>
+            <a:tailEnd type="triangle"/>
+          </a:ln>
+        </p:spPr>
+        <p:style>
+          <a:lnRef idx="1">
+            <a:schemeClr val="accent1"/>
+          </a:lnRef>
+          <a:fillRef idx="0">
+            <a:schemeClr val="accent1"/>
+          </a:fillRef>
+          <a:effectRef idx="0">
+            <a:schemeClr val="accent1"/>
+          </a:effectRef>
+          <a:fontRef idx="minor">
+            <a:schemeClr val="tx1"/>
+          </a:fontRef>
+        </p:style>
+      </p:cxnSp>
+      <p:sp>
+        <p:nvSpPr>
+          <p:cNvPr id="46" name="Flowchart: Document 45"/>
+          <p:cNvSpPr/>
+          <p:nvPr/>
+        </p:nvSpPr>
+        <p:spPr>
+          <a:xfrm>
+            <a:off x="1481326" y="3780649"/>
+            <a:ext cx="964736" cy="574752"/>
+          </a:xfrm>
+          <a:prstGeom prst="flowChartDocument">
+            <a:avLst/>
+          </a:prstGeom>
+        </p:spPr>
+        <p:style>
+          <a:lnRef idx="1">
+            <a:schemeClr val="accent4"/>
+          </a:lnRef>
+          <a:fillRef idx="3">
+            <a:schemeClr val="accent4"/>
+          </a:fillRef>
+          <a:effectRef idx="2">
+            <a:schemeClr val="accent4"/>
+          </a:effectRef>
+          <a:fontRef idx="minor">
+            <a:schemeClr val="lt1"/>
+          </a:fontRef>
+        </p:style>
+        <p:txBody>
+          <a:bodyPr rtlCol="0" anchor="ctr"/>
+          <a:lstStyle/>
+          <a:p>
+            <a:pPr algn="ctr"/>
+            <a:r>
+              <a:rPr lang="en-US" dirty="0" smtClean="0"/>
+              <a:t>Entity</a:t>
+            </a:r>
+            <a:endParaRPr lang="en-US" dirty="0" smtClean="0"/>
+          </a:p>
+        </p:txBody>
+      </p:sp>
+      <p:sp>
+        <p:nvSpPr>
+          <p:cNvPr id="47" name="Flowchart: Document 46"/>
+          <p:cNvSpPr/>
+          <p:nvPr/>
+        </p:nvSpPr>
+        <p:spPr>
+          <a:xfrm>
+            <a:off x="5800993" y="3768703"/>
+            <a:ext cx="964736" cy="574752"/>
+          </a:xfrm>
+          <a:prstGeom prst="flowChartDocument">
+            <a:avLst/>
+          </a:prstGeom>
+        </p:spPr>
+        <p:style>
+          <a:lnRef idx="1">
+            <a:schemeClr val="accent6"/>
+          </a:lnRef>
+          <a:fillRef idx="3">
+            <a:schemeClr val="accent6"/>
+          </a:fillRef>
+          <a:effectRef idx="2">
+            <a:schemeClr val="accent6"/>
+          </a:effectRef>
+          <a:fontRef idx="minor">
+            <a:schemeClr val="lt1"/>
+          </a:fontRef>
+        </p:style>
+        <p:txBody>
+          <a:bodyPr rtlCol="0" anchor="ctr"/>
+          <a:lstStyle/>
+          <a:p>
+            <a:pPr algn="ctr"/>
+            <a:r>
+              <a:rPr lang="en-US" dirty="0" smtClean="0"/>
+              <a:t>Event</a:t>
+            </a:r>
+          </a:p>
+        </p:txBody>
+      </p:sp>
+      <p:sp>
+        <p:nvSpPr>
+          <p:cNvPr id="37" name="Rectangle 36"/>
+          <p:cNvSpPr/>
+          <p:nvPr/>
+        </p:nvSpPr>
+        <p:spPr>
+          <a:xfrm>
+            <a:off x="815546" y="3237470"/>
+            <a:ext cx="6932140" cy="2842054"/>
+          </a:xfrm>
+          <a:prstGeom prst="rect">
+            <a:avLst/>
+          </a:prstGeom>
+          <a:noFill/>
+          <a:ln w="38100">
+            <a:solidFill>
+              <a:schemeClr val="accent3"/>
+            </a:solidFill>
+            <a:prstDash val="sysDot"/>
+          </a:ln>
+        </p:spPr>
+        <p:style>
+          <a:lnRef idx="2">
+            <a:schemeClr val="accent1">
+              <a:shade val="50000"/>
+            </a:schemeClr>
+          </a:lnRef>
+          <a:fillRef idx="1">
+            <a:schemeClr val="accent1"/>
+          </a:fillRef>
+          <a:effectRef idx="0">
+            <a:schemeClr val="accent1"/>
+          </a:effectRef>
+          <a:fontRef idx="minor">
+            <a:schemeClr val="lt1"/>
+          </a:fontRef>
+        </p:style>
+        <p:txBody>
+          <a:bodyPr rtlCol="0" anchor="ctr"/>
+          <a:lstStyle/>
+          <a:p>
+            <a:pPr algn="ctr"/>
+            <a:endParaRPr lang="en-US"/>
+          </a:p>
+        </p:txBody>
+      </p:sp>
+      <p:sp>
+        <p:nvSpPr>
+          <p:cNvPr id="38" name="TextBox 37"/>
+          <p:cNvSpPr txBox="1"/>
+          <p:nvPr/>
+        </p:nvSpPr>
+        <p:spPr>
+          <a:xfrm>
+            <a:off x="3269557" y="3757191"/>
+            <a:ext cx="1772986" cy="369332"/>
+          </a:xfrm>
+          <a:prstGeom prst="rect">
+            <a:avLst/>
+          </a:prstGeom>
+          <a:noFill/>
+        </p:spPr>
+        <p:txBody>
+          <a:bodyPr wrap="none" rtlCol="0">
+            <a:spAutoFit/>
+          </a:bodyPr>
+          <a:lstStyle/>
+          <a:p>
+            <a:r>
+              <a:rPr lang="en-US" dirty="0" smtClean="0"/>
+              <a:t>Local transaction</a:t>
+            </a:r>
+            <a:endParaRPr lang="en-US" dirty="0"/>
+          </a:p>
+        </p:txBody>
+      </p:sp>
+      <p:cxnSp>
+        <p:nvCxnSpPr>
+          <p:cNvPr id="48" name="Straight Arrow Connector 47"/>
+          <p:cNvCxnSpPr>
+            <a:stCxn id="36" idx="3"/>
+          </p:cNvCxnSpPr>
+          <p:nvPr/>
+        </p:nvCxnSpPr>
+        <p:spPr>
+          <a:xfrm>
+            <a:off x="7047230" y="5211489"/>
+            <a:ext cx="2523689" cy="0"/>
+          </a:xfrm>
+          <a:prstGeom prst="straightConnector1">
+            <a:avLst/>
+          </a:prstGeom>
+          <a:ln w="38100">
+            <a:solidFill>
+              <a:schemeClr val="accent3">
+                <a:lumMod val="75000"/>
+              </a:schemeClr>
+            </a:solidFill>
+            <a:tailEnd type="triangle"/>
+          </a:ln>
+        </p:spPr>
+        <p:style>
+          <a:lnRef idx="1">
+            <a:schemeClr val="accent1"/>
+          </a:lnRef>
+          <a:fillRef idx="0">
+            <a:schemeClr val="accent1"/>
+          </a:fillRef>
+          <a:effectRef idx="0">
+            <a:schemeClr val="accent1"/>
+          </a:effectRef>
+          <a:fontRef idx="minor">
+            <a:schemeClr val="tx1"/>
+          </a:fontRef>
+        </p:style>
+      </p:cxnSp>
+      <p:sp>
+        <p:nvSpPr>
+          <p:cNvPr id="52" name="Flowchart: Document 51"/>
+          <p:cNvSpPr/>
+          <p:nvPr/>
+        </p:nvSpPr>
+        <p:spPr>
+          <a:xfrm>
+            <a:off x="8090236" y="4467643"/>
+            <a:ext cx="964736" cy="574752"/>
+          </a:xfrm>
+          <a:prstGeom prst="flowChartDocument">
+            <a:avLst/>
+          </a:prstGeom>
+        </p:spPr>
+        <p:style>
+          <a:lnRef idx="1">
+            <a:schemeClr val="accent6"/>
+          </a:lnRef>
+          <a:fillRef idx="3">
+            <a:schemeClr val="accent6"/>
+          </a:fillRef>
+          <a:effectRef idx="2">
+            <a:schemeClr val="accent6"/>
+          </a:effectRef>
+          <a:fontRef idx="minor">
+            <a:schemeClr val="lt1"/>
+          </a:fontRef>
+        </p:style>
+        <p:txBody>
+          <a:bodyPr rtlCol="0" anchor="ctr"/>
+          <a:lstStyle/>
+          <a:p>
+            <a:pPr algn="ctr"/>
+            <a:r>
+              <a:rPr lang="en-US" dirty="0" smtClean="0"/>
+              <a:t>Event</a:t>
+            </a:r>
+          </a:p>
+        </p:txBody>
+      </p:sp>
+    </p:spTree>
+    <p:extLst>
+      <p:ext uri="{BB962C8B-B14F-4D97-AF65-F5344CB8AC3E}">
+        <p14:creationId xmlns:p14="http://schemas.microsoft.com/office/powerpoint/2010/main" val="3541929606"/>
+      </p:ext>
+    </p:extLst>
+  </p:cSld>
+  <p:clrMapOvr>
+    <a:masterClrMapping/>
+  </p:clrMapOvr>
+  <p:timing>
+    <p:tnLst>
+      <p:par>
+        <p:cTn id="1" dur="indefinite" restart="never" nodeType="tmRoot"/>
+      </p:par>
+    </p:tnLst>
   </p:timing>
 </p:sld>
 </file>

--- a/t18-event-mongodb.pptx
+++ b/t18-event-mongodb.pptx
@@ -517,8 +517,8 @@
           <a:lstStyle/>
           <a:p>
             <a:r>
-              <a:rPr lang="en-US" sz="1200" dirty="0" err="1" smtClean="0"/>
-              <a:t>Greatings</a:t>
+              <a:rPr lang="en-US" sz="1200" dirty="0" smtClean="0"/>
+              <a:t>Greetings</a:t>
             </a:r>
             <a:endParaRPr lang="en-US" sz="1200" dirty="0" smtClean="0"/>
           </a:p>
@@ -681,50 +681,7 @@
             </a:r>
           </a:p>
           <a:p>
-            <a:r>
-              <a:rPr lang="en-US" dirty="0" smtClean="0"/>
-              <a:t>    -&gt; many</a:t>
-            </a:r>
-            <a:r>
-              <a:rPr lang="en-US" baseline="0" dirty="0" smtClean="0"/>
-              <a:t> components</a:t>
-            </a:r>
-          </a:p>
-          <a:p>
-            <a:r>
-              <a:rPr lang="en-US" baseline="0" dirty="0" smtClean="0"/>
-              <a:t>        -&gt; client apps</a:t>
-            </a:r>
-          </a:p>
-          <a:p>
-            <a:endParaRPr lang="en-US" baseline="0" dirty="0" smtClean="0"/>
-          </a:p>
-          <a:p>
-            <a:r>
-              <a:rPr lang="en-US" baseline="0" dirty="0" smtClean="0"/>
-              <a:t>Multiple verticals</a:t>
-            </a:r>
-          </a:p>
-          <a:p>
-            <a:endParaRPr lang="en-US" baseline="0" dirty="0" smtClean="0"/>
-          </a:p>
-          <a:p>
-            <a:r>
-              <a:rPr lang="en-US" baseline="0" dirty="0" smtClean="0"/>
-              <a:t>Operations tools</a:t>
-            </a:r>
-          </a:p>
-          <a:p>
-            <a:endParaRPr lang="en-US" baseline="0" dirty="0" smtClean="0"/>
-          </a:p>
-          <a:p>
-            <a:r>
-              <a:rPr lang="en-US" baseline="0" dirty="0" smtClean="0"/>
-              <a:t>Reporting</a:t>
-            </a:r>
-          </a:p>
-          <a:p>
-            <a:endParaRPr lang="en-US" baseline="0" dirty="0" smtClean="0"/>
+            <a:endParaRPr lang="en-US" dirty="0" smtClean="0"/>
           </a:p>
           <a:p>
             <a:pPr marL="0" marR="0" lvl="0" indent="0" algn="l" defTabSz="914400" rtl="0" eaLnBrk="1" fontAlgn="auto" latinLnBrk="0" hangingPunct="1">
@@ -746,8 +703,11 @@
             </a:pPr>
             <a:r>
               <a:rPr lang="en-US" baseline="0" dirty="0" smtClean="0"/>
-              <a:t>Complex domain rules</a:t>
-            </a:r>
+              <a:t>Video, Reporting, Operations, Client apps</a:t>
+            </a:r>
+          </a:p>
+          <a:p>
+            <a:endParaRPr lang="en-US" baseline="0" dirty="0" smtClean="0"/>
           </a:p>
           <a:p>
             <a:pPr marL="0" marR="0" lvl="0" indent="0" algn="l" defTabSz="914400" rtl="0" eaLnBrk="1" fontAlgn="auto" latinLnBrk="0" hangingPunct="1">
@@ -769,7 +729,11 @@
             </a:pPr>
             <a:r>
               <a:rPr lang="en-US" baseline="0" dirty="0" smtClean="0"/>
-              <a:t>    -&gt; </a:t>
+              <a:t>Complex domain </a:t>
+            </a:r>
+            <a:r>
+              <a:rPr lang="en-US" baseline="0" dirty="0" smtClean="0"/>
+              <a:t>rules -&gt; </a:t>
             </a:r>
             <a:r>
               <a:rPr lang="en-US" baseline="0" dirty="0" err="1" smtClean="0"/>
@@ -863,12 +827,12 @@
           <a:lstStyle/>
           <a:p>
             <a:r>
-              <a:rPr lang="en-US" smtClean="0"/>
+              <a:rPr lang="en-US" dirty="0" smtClean="0"/>
               <a:t>Multiple</a:t>
             </a:r>
             <a:r>
-              <a:rPr lang="en-US" baseline="0" smtClean="0"/>
-              <a:t> components, same goal</a:t>
+              <a:rPr lang="en-US" baseline="0" dirty="0" smtClean="0"/>
+              <a:t> components to accomplish business task</a:t>
             </a:r>
             <a:endParaRPr lang="en-US" dirty="0"/>
           </a:p>
@@ -1415,11 +1379,7 @@
           <a:p>
             <a:r>
               <a:rPr lang="en-US" baseline="0" dirty="0" smtClean="0"/>
-              <a:t>Only supported </a:t>
-            </a:r>
-            <a:r>
-              <a:rPr lang="en-US" baseline="0" smtClean="0"/>
-              <a:t>in MongoDB 4.0+</a:t>
+              <a:t>Only supported by MongoDB 4.0+</a:t>
             </a:r>
             <a:endParaRPr lang="en-US" dirty="0"/>
           </a:p>
@@ -8645,7 +8605,7 @@
         </p:nvSpPr>
         <p:spPr>
           <a:xfrm rot="5400000">
-            <a:off x="3247572" y="1569872"/>
+            <a:off x="3247572" y="1903509"/>
             <a:ext cx="1669689" cy="1444386"/>
           </a:xfrm>
           <a:prstGeom prst="hexagon">
@@ -8703,7 +8663,7 @@
         </p:nvSpPr>
         <p:spPr>
           <a:xfrm>
-            <a:off x="3360224" y="1445746"/>
+            <a:off x="3360224" y="1779383"/>
             <a:ext cx="1444386" cy="735454"/>
           </a:xfrm>
           <a:prstGeom prst="diamond">
@@ -8753,8 +8713,8 @@
         </p:nvSpPr>
         <p:spPr>
           <a:xfrm>
-            <a:off x="3568237" y="2292065"/>
-            <a:ext cx="1028358" cy="369332"/>
+            <a:off x="3654736" y="2625702"/>
+            <a:ext cx="858440" cy="369332"/>
           </a:xfrm>
           <a:prstGeom prst="rect">
             <a:avLst/>
@@ -8775,7 +8735,7 @@
                   </a:schemeClr>
                 </a:solidFill>
               </a:rPr>
-              <a:t>Service 1</a:t>
+              <a:t>Service</a:t>
             </a:r>
             <a:endParaRPr lang="en-US" dirty="0">
               <a:solidFill>
@@ -8797,7 +8757,7 @@
         </p:nvCxnSpPr>
         <p:spPr>
           <a:xfrm flipH="1">
-            <a:off x="2342919" y="2928551"/>
+            <a:off x="2342919" y="3262188"/>
             <a:ext cx="1327038" cy="1717692"/>
           </a:xfrm>
           <a:prstGeom prst="straightConnector1">
@@ -8835,7 +8795,7 @@
         </p:nvSpPr>
         <p:spPr>
           <a:xfrm>
-            <a:off x="9570919" y="1717590"/>
+            <a:off x="9570919" y="2051227"/>
             <a:ext cx="1371600" cy="3950370"/>
           </a:xfrm>
           <a:prstGeom prst="rect">
@@ -8886,13 +8846,13 @@
           <p:nvPr>
             <p:extLst>
               <p:ext uri="{D42A27DB-BD31-4B8C-83A1-F6EECF244321}">
-                <p14:modId xmlns:p14="http://schemas.microsoft.com/office/powerpoint/2010/main" val="2955558562"/>
+                <p14:modId xmlns:p14="http://schemas.microsoft.com/office/powerpoint/2010/main" val="2454511132"/>
               </p:ext>
             </p:extLst>
           </p:nvPr>
         </p:nvGraphicFramePr>
         <p:xfrm>
-          <a:off x="1117602" y="4646243"/>
+          <a:off x="1117602" y="4979880"/>
           <a:ext cx="2450635" cy="1130493"/>
         </p:xfrm>
         <a:graphic>
@@ -9077,13 +9037,13 @@
           <p:nvPr>
             <p:extLst>
               <p:ext uri="{D42A27DB-BD31-4B8C-83A1-F6EECF244321}">
-                <p14:modId xmlns:p14="http://schemas.microsoft.com/office/powerpoint/2010/main" val="626315843"/>
+                <p14:modId xmlns:p14="http://schemas.microsoft.com/office/powerpoint/2010/main" val="4275125521"/>
               </p:ext>
             </p:extLst>
           </p:nvPr>
         </p:nvGraphicFramePr>
         <p:xfrm>
-          <a:off x="4596595" y="4646243"/>
+          <a:off x="4596595" y="4979880"/>
           <a:ext cx="2450635" cy="1130493"/>
         </p:xfrm>
         <a:graphic>
@@ -9269,7 +9229,7 @@
         </p:nvCxnSpPr>
         <p:spPr>
           <a:xfrm>
-            <a:off x="4494875" y="2928551"/>
+            <a:off x="4494875" y="3262188"/>
             <a:ext cx="1327037" cy="1717692"/>
           </a:xfrm>
           <a:prstGeom prst="straightConnector1">
@@ -9307,7 +9267,7 @@
         </p:nvSpPr>
         <p:spPr>
           <a:xfrm>
-            <a:off x="1481326" y="3780649"/>
+            <a:off x="1481326" y="4114286"/>
             <a:ext cx="964736" cy="574752"/>
           </a:xfrm>
           <a:prstGeom prst="flowChartDocument">
@@ -9349,7 +9309,7 @@
         </p:nvSpPr>
         <p:spPr>
           <a:xfrm>
-            <a:off x="5800993" y="3768703"/>
+            <a:off x="5800993" y="4102340"/>
             <a:ext cx="964736" cy="574752"/>
           </a:xfrm>
           <a:prstGeom prst="flowChartDocument">
@@ -9390,7 +9350,7 @@
         </p:nvSpPr>
         <p:spPr>
           <a:xfrm>
-            <a:off x="815546" y="3237470"/>
+            <a:off x="815546" y="3571107"/>
             <a:ext cx="6932140" cy="2842054"/>
           </a:xfrm>
           <a:prstGeom prst="rect">
@@ -9437,8 +9397,8 @@
         </p:nvSpPr>
         <p:spPr>
           <a:xfrm>
-            <a:off x="3269557" y="3757191"/>
-            <a:ext cx="1772986" cy="369332"/>
+            <a:off x="2960636" y="4313253"/>
+            <a:ext cx="2281074" cy="369332"/>
           </a:xfrm>
           <a:prstGeom prst="rect">
             <a:avLst/>
@@ -9453,7 +9413,7 @@
           <a:p>
             <a:r>
               <a:rPr lang="en-US" dirty="0" smtClean="0"/>
-              <a:t>Local transaction</a:t>
+              <a:t>Local ACID transaction</a:t>
             </a:r>
             <a:endParaRPr lang="en-US" dirty="0"/>
           </a:p>
@@ -9469,7 +9429,7 @@
         </p:nvCxnSpPr>
         <p:spPr>
           <a:xfrm>
-            <a:off x="7047230" y="5211489"/>
+            <a:off x="7047230" y="5545126"/>
             <a:ext cx="2523689" cy="0"/>
           </a:xfrm>
           <a:prstGeom prst="straightConnector1">
@@ -9507,7 +9467,7 @@
         </p:nvSpPr>
         <p:spPr>
           <a:xfrm>
-            <a:off x="8090236" y="4467643"/>
+            <a:off x="8090236" y="4801280"/>
             <a:ext cx="964736" cy="574752"/>
           </a:xfrm>
           <a:prstGeom prst="flowChartDocument">

--- a/t18-event-mongodb.pptx
+++ b/t18-event-mongodb.pptx
@@ -5,7 +5,7 @@
     <p:sldMasterId id="2147483756" r:id="rId1"/>
   </p:sldMasterIdLst>
   <p:notesMasterIdLst>
-    <p:notesMasterId r:id="rId10"/>
+    <p:notesMasterId r:id="rId11"/>
   </p:notesMasterIdLst>
   <p:sldIdLst>
     <p:sldId id="258" r:id="rId2"/>
@@ -16,6 +16,7 @@
     <p:sldId id="264" r:id="rId7"/>
     <p:sldId id="263" r:id="rId8"/>
     <p:sldId id="265" r:id="rId9"/>
+    <p:sldId id="266" r:id="rId10"/>
   </p:sldIdLst>
   <p:sldSz cx="12192000" cy="6858000"/>
   <p:notesSz cx="6858000" cy="9144000"/>
@@ -741,8 +742,56 @@
             </a:r>
             <a:r>
               <a:rPr lang="en-US" baseline="0" dirty="0" smtClean="0"/>
-              <a:t> processing</a:t>
-            </a:r>
+              <a:t> </a:t>
+            </a:r>
+            <a:r>
+              <a:rPr lang="en-US" baseline="0" dirty="0" smtClean="0"/>
+              <a:t>processing</a:t>
+            </a:r>
+          </a:p>
+          <a:p>
+            <a:pPr marL="0" marR="0" lvl="0" indent="0" algn="l" defTabSz="914400" rtl="0" eaLnBrk="1" fontAlgn="auto" latinLnBrk="0" hangingPunct="1">
+              <a:lnSpc>
+                <a:spcPct val="100000"/>
+              </a:lnSpc>
+              <a:spcBef>
+                <a:spcPts val="0"/>
+              </a:spcBef>
+              <a:spcAft>
+                <a:spcPts val="0"/>
+              </a:spcAft>
+              <a:buClrTx/>
+              <a:buSzTx/>
+              <a:buFontTx/>
+              <a:buNone/>
+              <a:tabLst/>
+              <a:defRPr/>
+            </a:pPr>
+            <a:endParaRPr lang="en-US" baseline="0" dirty="0" smtClean="0"/>
+          </a:p>
+          <a:p>
+            <a:pPr marL="0" marR="0" lvl="0" indent="0" algn="l" defTabSz="914400" rtl="0" eaLnBrk="1" fontAlgn="auto" latinLnBrk="0" hangingPunct="1">
+              <a:lnSpc>
+                <a:spcPct val="100000"/>
+              </a:lnSpc>
+              <a:spcBef>
+                <a:spcPts val="0"/>
+              </a:spcBef>
+              <a:spcAft>
+                <a:spcPts val="0"/>
+              </a:spcAft>
+              <a:buClrTx/>
+              <a:buSzTx/>
+              <a:buFontTx/>
+              <a:buNone/>
+              <a:tabLst/>
+              <a:defRPr/>
+            </a:pPr>
+            <a:r>
+              <a:rPr lang="en-US" baseline="0" dirty="0" smtClean="0"/>
+              <a:t>Keep data in-sync between systems</a:t>
+            </a:r>
+            <a:endParaRPr lang="en-US" baseline="0" dirty="0" smtClean="0"/>
           </a:p>
         </p:txBody>
       </p:sp>
@@ -940,6 +989,15 @@
               <a:rPr lang="en-US" dirty="0" smtClean="0"/>
               <a:t>Reactive</a:t>
             </a:r>
+          </a:p>
+          <a:p>
+            <a:endParaRPr lang="en-US" dirty="0" smtClean="0"/>
+          </a:p>
+          <a:p>
+            <a:r>
+              <a:rPr lang="en-US" dirty="0" smtClean="0"/>
+              <a:t>Can make decisions independently (in isolation)</a:t>
+            </a:r>
             <a:endParaRPr lang="en-US" dirty="0"/>
           </a:p>
         </p:txBody>
@@ -1025,7 +1083,7 @@
           <a:lstStyle/>
           <a:p>
             <a:r>
-              <a:rPr lang="en-US" smtClean="0"/>
+              <a:rPr lang="en-US" dirty="0" smtClean="0"/>
               <a:t>Failure scenario</a:t>
             </a:r>
             <a:endParaRPr lang="en-US" dirty="0"/>
@@ -1246,12 +1304,9 @@
           <a:bodyPr/>
           <a:lstStyle/>
           <a:p>
-            <a:endParaRPr lang="en-US" dirty="0" smtClean="0"/>
-          </a:p>
-          <a:p>
             <a:r>
               <a:rPr lang="en-US" dirty="0" smtClean="0"/>
-              <a:t>Best where applicable</a:t>
+              <a:t>Best option where applicable</a:t>
             </a:r>
           </a:p>
           <a:p>
@@ -1352,9 +1407,6 @@
           <a:bodyPr/>
           <a:lstStyle/>
           <a:p>
-            <a:endParaRPr lang="en-US" dirty="0" smtClean="0"/>
-          </a:p>
-          <a:p>
             <a:r>
               <a:rPr lang="en-US" dirty="0" smtClean="0"/>
               <a:t>A</a:t>
@@ -1372,16 +1424,6 @@
               <a:rPr lang="en-US" baseline="0" dirty="0" smtClean="0"/>
               <a:t>Some No-SQL DB engines</a:t>
             </a:r>
-          </a:p>
-          <a:p>
-            <a:endParaRPr lang="en-US" baseline="0" dirty="0" smtClean="0"/>
-          </a:p>
-          <a:p>
-            <a:r>
-              <a:rPr lang="en-US" baseline="0" dirty="0" smtClean="0"/>
-              <a:t>Only supported by MongoDB 4.0+</a:t>
-            </a:r>
-            <a:endParaRPr lang="en-US" dirty="0"/>
           </a:p>
         </p:txBody>
       </p:sp>
@@ -1412,6 +1454,120 @@
     <p:extLst>
       <p:ext uri="{BB962C8B-B14F-4D97-AF65-F5344CB8AC3E}">
         <p14:creationId xmlns:p14="http://schemas.microsoft.com/office/powerpoint/2010/main" val="169814653"/>
+      </p:ext>
+    </p:extLst>
+  </p:cSld>
+  <p:clrMapOvr>
+    <a:masterClrMapping/>
+  </p:clrMapOvr>
+</p:notes>
+</file>
+
+<file path=ppt/notesSlides/notesSlide9.xml><?xml version="1.0" encoding="utf-8"?>
+<p:notes xmlns:a="http://schemas.openxmlformats.org/drawingml/2006/main" xmlns:r="http://schemas.openxmlformats.org/officeDocument/2006/relationships" xmlns:p="http://schemas.openxmlformats.org/presentationml/2006/main">
+  <p:cSld>
+    <p:spTree>
+      <p:nvGrpSpPr>
+        <p:cNvPr id="1" name=""/>
+        <p:cNvGrpSpPr/>
+        <p:nvPr/>
+      </p:nvGrpSpPr>
+      <p:grpSpPr>
+        <a:xfrm>
+          <a:off x="0" y="0"/>
+          <a:ext cx="0" cy="0"/>
+          <a:chOff x="0" y="0"/>
+          <a:chExt cx="0" cy="0"/>
+        </a:xfrm>
+      </p:grpSpPr>
+      <p:sp>
+        <p:nvSpPr>
+          <p:cNvPr id="2" name="Slide Image Placeholder 1"/>
+          <p:cNvSpPr>
+            <a:spLocks noGrp="1" noRot="1" noChangeAspect="1"/>
+          </p:cNvSpPr>
+          <p:nvPr>
+            <p:ph type="sldImg"/>
+          </p:nvPr>
+        </p:nvSpPr>
+        <p:spPr/>
+      </p:sp>
+      <p:sp>
+        <p:nvSpPr>
+          <p:cNvPr id="3" name="Notes Placeholder 2"/>
+          <p:cNvSpPr>
+            <a:spLocks noGrp="1"/>
+          </p:cNvSpPr>
+          <p:nvPr>
+            <p:ph type="body" idx="1"/>
+          </p:nvPr>
+        </p:nvSpPr>
+        <p:spPr/>
+        <p:txBody>
+          <a:bodyPr/>
+          <a:lstStyle/>
+          <a:p>
+            <a:r>
+              <a:rPr lang="en-US" dirty="0" smtClean="0"/>
+              <a:t>Work with most No-SQL</a:t>
+            </a:r>
+          </a:p>
+          <a:p>
+            <a:endParaRPr lang="en-US" dirty="0" smtClean="0"/>
+          </a:p>
+          <a:p>
+            <a:r>
+              <a:rPr lang="en-US" dirty="0" smtClean="0"/>
+              <a:t>No explicit event publishing</a:t>
+            </a:r>
+            <a:r>
+              <a:rPr lang="en-US" baseline="0" dirty="0" smtClean="0"/>
+              <a:t> in the app code</a:t>
+            </a:r>
+          </a:p>
+          <a:p>
+            <a:endParaRPr lang="en-US" baseline="0" dirty="0" smtClean="0"/>
+          </a:p>
+          <a:p>
+            <a:r>
+              <a:rPr lang="en-US" dirty="0" smtClean="0"/>
+              <a:t>Can</a:t>
+            </a:r>
+            <a:r>
+              <a:rPr lang="en-US" baseline="0" dirty="0" smtClean="0"/>
+              <a:t> be hard to revers-engineer the event</a:t>
+            </a:r>
+            <a:endParaRPr lang="en-US" dirty="0"/>
+          </a:p>
+        </p:txBody>
+      </p:sp>
+      <p:sp>
+        <p:nvSpPr>
+          <p:cNvPr id="4" name="Slide Number Placeholder 3"/>
+          <p:cNvSpPr>
+            <a:spLocks noGrp="1"/>
+          </p:cNvSpPr>
+          <p:nvPr>
+            <p:ph type="sldNum" sz="quarter" idx="10"/>
+          </p:nvPr>
+        </p:nvSpPr>
+        <p:spPr/>
+        <p:txBody>
+          <a:bodyPr/>
+          <a:lstStyle/>
+          <a:p>
+            <a:fld id="{40EA4F9F-6CEF-4B9D-BEB3-40FCF0DF71AE}" type="slidenum">
+              <a:rPr lang="en-US" smtClean="0"/>
+              <a:t>9</a:t>
+            </a:fld>
+            <a:endParaRPr lang="en-US"/>
+          </a:p>
+        </p:txBody>
+      </p:sp>
+    </p:spTree>
+    <p:extLst>
+      <p:ext uri="{BB962C8B-B14F-4D97-AF65-F5344CB8AC3E}">
+        <p14:creationId xmlns:p14="http://schemas.microsoft.com/office/powerpoint/2010/main" val="1763315828"/>
       </p:ext>
     </p:extLst>
   </p:cSld>
@@ -5037,7 +5193,7 @@
           <a:prstGeom prst="straightConnector1">
             <a:avLst/>
           </a:prstGeom>
-          <a:ln w="38100">
+          <a:ln w="57150">
             <a:solidFill>
               <a:schemeClr val="accent3">
                 <a:lumMod val="75000"/>
@@ -5417,7 +5573,7 @@
           <a:prstGeom prst="straightConnector1">
             <a:avLst/>
           </a:prstGeom>
-          <a:ln w="38100">
+          <a:ln w="57150">
             <a:solidFill>
               <a:schemeClr val="accent3">
                 <a:lumMod val="75000"/>
@@ -5455,7 +5611,7 @@
           <a:prstGeom prst="straightConnector1">
             <a:avLst/>
           </a:prstGeom>
-          <a:ln w="38100">
+          <a:ln w="57150">
             <a:solidFill>
               <a:schemeClr val="accent3">
                 <a:lumMod val="75000"/>
@@ -5545,7 +5701,7 @@
           <a:prstGeom prst="straightConnector1">
             <a:avLst/>
           </a:prstGeom>
-          <a:ln w="38100">
+          <a:ln w="57150">
             <a:solidFill>
               <a:schemeClr val="accent3">
                 <a:lumMod val="75000"/>
@@ -5749,7 +5905,7 @@
           <a:prstGeom prst="straightConnector1">
             <a:avLst/>
           </a:prstGeom>
-          <a:ln w="38100">
+          <a:ln w="57150">
             <a:solidFill>
               <a:schemeClr val="accent3">
                 <a:lumMod val="75000"/>
@@ -5877,7 +6033,7 @@
           <a:prstGeom prst="straightConnector1">
             <a:avLst/>
           </a:prstGeom>
-          <a:ln w="38100">
+          <a:ln w="57150">
             <a:solidFill>
               <a:schemeClr val="accent3">
                 <a:lumMod val="75000"/>
@@ -5957,7 +6113,7 @@
           <a:prstGeom prst="straightConnector1">
             <a:avLst/>
           </a:prstGeom>
-          <a:ln w="38100">
+          <a:ln w="57150">
             <a:solidFill>
               <a:schemeClr val="accent3">
                 <a:lumMod val="75000"/>
@@ -6073,7 +6229,7 @@
           <a:prstGeom prst="straightConnector1">
             <a:avLst/>
           </a:prstGeom>
-          <a:ln w="38100">
+          <a:ln w="57150">
             <a:solidFill>
               <a:schemeClr val="accent3">
                 <a:lumMod val="75000"/>
@@ -6453,7 +6609,7 @@
           <a:prstGeom prst="straightConnector1">
             <a:avLst/>
           </a:prstGeom>
-          <a:ln w="38100">
+          <a:ln w="57150">
             <a:solidFill>
               <a:schemeClr val="accent3">
                 <a:lumMod val="75000"/>
@@ -6491,7 +6647,7 @@
           <a:prstGeom prst="straightConnector1">
             <a:avLst/>
           </a:prstGeom>
-          <a:ln w="38100">
+          <a:ln w="57150">
             <a:solidFill>
               <a:schemeClr val="accent3">
                 <a:lumMod val="75000"/>
@@ -6634,8 +6790,9 @@
             <a:pPr algn="ctr"/>
             <a:r>
               <a:rPr lang="en-US" dirty="0" smtClean="0"/>
-              <a:t>Failure</a:t>
-            </a:r>
+              <a:t>Crash</a:t>
+            </a:r>
+            <a:endParaRPr lang="en-US" dirty="0" smtClean="0"/>
           </a:p>
         </p:txBody>
       </p:sp>
@@ -7376,46 +7533,6 @@
           </a:p>
         </p:txBody>
       </p:sp>
-      <p:cxnSp>
-        <p:nvCxnSpPr>
-          <p:cNvPr id="8" name="Straight Arrow Connector 7"/>
-          <p:cNvCxnSpPr>
-            <a:stCxn id="4" idx="0"/>
-          </p:cNvCxnSpPr>
-          <p:nvPr/>
-        </p:nvCxnSpPr>
-        <p:spPr>
-          <a:xfrm>
-            <a:off x="2265974" y="3431684"/>
-            <a:ext cx="15108" cy="1853933"/>
-          </a:xfrm>
-          <a:prstGeom prst="straightConnector1">
-            <a:avLst/>
-          </a:prstGeom>
-          <a:ln w="38100">
-            <a:solidFill>
-              <a:schemeClr val="accent3">
-                <a:lumMod val="75000"/>
-              </a:schemeClr>
-            </a:solidFill>
-            <a:tailEnd type="triangle"/>
-          </a:ln>
-        </p:spPr>
-        <p:style>
-          <a:lnRef idx="1">
-            <a:schemeClr val="accent1"/>
-          </a:lnRef>
-          <a:fillRef idx="0">
-            <a:schemeClr val="accent1"/>
-          </a:fillRef>
-          <a:effectRef idx="0">
-            <a:schemeClr val="accent1"/>
-          </a:effectRef>
-          <a:fontRef idx="minor">
-            <a:schemeClr val="tx1"/>
-          </a:fontRef>
-        </p:style>
-      </p:cxnSp>
       <p:sp>
         <p:nvSpPr>
           <p:cNvPr id="11" name="Flowchart: Document 10"/>
@@ -7424,7 +7541,7 @@
         </p:nvSpPr>
         <p:spPr>
           <a:xfrm>
-            <a:off x="2733935" y="3673797"/>
+            <a:off x="2727861" y="3666950"/>
             <a:ext cx="1119192" cy="623294"/>
           </a:xfrm>
           <a:prstGeom prst="flowChartDocument">
@@ -7465,7 +7582,7 @@
         </p:nvSpPr>
         <p:spPr>
           <a:xfrm>
-            <a:off x="2886335" y="3826197"/>
+            <a:off x="2880261" y="3819350"/>
             <a:ext cx="1119192" cy="623294"/>
           </a:xfrm>
           <a:prstGeom prst="flowChartDocument">
@@ -7506,7 +7623,7 @@
         </p:nvSpPr>
         <p:spPr>
           <a:xfrm>
-            <a:off x="3038735" y="3978597"/>
+            <a:off x="3032661" y="3971750"/>
             <a:ext cx="1119192" cy="623294"/>
           </a:xfrm>
           <a:prstGeom prst="flowChartDocument">
@@ -7547,7 +7664,7 @@
         </p:nvSpPr>
         <p:spPr>
           <a:xfrm>
-            <a:off x="3191135" y="4130997"/>
+            <a:off x="3185061" y="4124150"/>
             <a:ext cx="1119192" cy="623294"/>
           </a:xfrm>
           <a:prstGeom prst="flowChartDocument">
@@ -7588,7 +7705,7 @@
         </p:nvSpPr>
         <p:spPr>
           <a:xfrm>
-            <a:off x="3343535" y="4283397"/>
+            <a:off x="3337461" y="4276550"/>
             <a:ext cx="1119192" cy="623294"/>
           </a:xfrm>
           <a:prstGeom prst="flowChartDocument">
@@ -8285,28 +8402,234 @@
           </a:p>
         </p:txBody>
       </p:sp>
+      <p:sp>
+        <p:nvSpPr>
+          <p:cNvPr id="41" name="Flowchart: Document 40"/>
+          <p:cNvSpPr/>
+          <p:nvPr/>
+        </p:nvSpPr>
+        <p:spPr>
+          <a:xfrm>
+            <a:off x="6928696" y="3673797"/>
+            <a:ext cx="1119192" cy="623294"/>
+          </a:xfrm>
+          <a:prstGeom prst="flowChartDocument">
+            <a:avLst/>
+          </a:prstGeom>
+        </p:spPr>
+        <p:style>
+          <a:lnRef idx="1">
+            <a:schemeClr val="accent6"/>
+          </a:lnRef>
+          <a:fillRef idx="3">
+            <a:schemeClr val="accent6"/>
+          </a:fillRef>
+          <a:effectRef idx="2">
+            <a:schemeClr val="accent6"/>
+          </a:effectRef>
+          <a:fontRef idx="minor">
+            <a:schemeClr val="lt1"/>
+          </a:fontRef>
+        </p:style>
+        <p:txBody>
+          <a:bodyPr rtlCol="0" anchor="ctr"/>
+          <a:lstStyle/>
+          <a:p>
+            <a:pPr algn="ctr"/>
+            <a:r>
+              <a:rPr lang="en-US" dirty="0" smtClean="0"/>
+              <a:t>Event 1</a:t>
+            </a:r>
+          </a:p>
+        </p:txBody>
+      </p:sp>
+      <p:sp>
+        <p:nvSpPr>
+          <p:cNvPr id="42" name="Flowchart: Document 41"/>
+          <p:cNvSpPr/>
+          <p:nvPr/>
+        </p:nvSpPr>
+        <p:spPr>
+          <a:xfrm>
+            <a:off x="7081096" y="3826197"/>
+            <a:ext cx="1119192" cy="623294"/>
+          </a:xfrm>
+          <a:prstGeom prst="flowChartDocument">
+            <a:avLst/>
+          </a:prstGeom>
+        </p:spPr>
+        <p:style>
+          <a:lnRef idx="1">
+            <a:schemeClr val="accent6"/>
+          </a:lnRef>
+          <a:fillRef idx="3">
+            <a:schemeClr val="accent6"/>
+          </a:fillRef>
+          <a:effectRef idx="2">
+            <a:schemeClr val="accent6"/>
+          </a:effectRef>
+          <a:fontRef idx="minor">
+            <a:schemeClr val="lt1"/>
+          </a:fontRef>
+        </p:style>
+        <p:txBody>
+          <a:bodyPr rtlCol="0" anchor="ctr"/>
+          <a:lstStyle/>
+          <a:p>
+            <a:pPr algn="ctr"/>
+            <a:r>
+              <a:rPr lang="en-US" dirty="0" smtClean="0"/>
+              <a:t>Event 1</a:t>
+            </a:r>
+          </a:p>
+        </p:txBody>
+      </p:sp>
+      <p:sp>
+        <p:nvSpPr>
+          <p:cNvPr id="43" name="Flowchart: Document 42"/>
+          <p:cNvSpPr/>
+          <p:nvPr/>
+        </p:nvSpPr>
+        <p:spPr>
+          <a:xfrm>
+            <a:off x="7233496" y="3978597"/>
+            <a:ext cx="1119192" cy="623294"/>
+          </a:xfrm>
+          <a:prstGeom prst="flowChartDocument">
+            <a:avLst/>
+          </a:prstGeom>
+        </p:spPr>
+        <p:style>
+          <a:lnRef idx="1">
+            <a:schemeClr val="accent6"/>
+          </a:lnRef>
+          <a:fillRef idx="3">
+            <a:schemeClr val="accent6"/>
+          </a:fillRef>
+          <a:effectRef idx="2">
+            <a:schemeClr val="accent6"/>
+          </a:effectRef>
+          <a:fontRef idx="minor">
+            <a:schemeClr val="lt1"/>
+          </a:fontRef>
+        </p:style>
+        <p:txBody>
+          <a:bodyPr rtlCol="0" anchor="ctr"/>
+          <a:lstStyle/>
+          <a:p>
+            <a:pPr algn="ctr"/>
+            <a:r>
+              <a:rPr lang="en-US" dirty="0" smtClean="0"/>
+              <a:t>Event 1</a:t>
+            </a:r>
+          </a:p>
+        </p:txBody>
+      </p:sp>
+      <p:sp>
+        <p:nvSpPr>
+          <p:cNvPr id="44" name="Flowchart: Document 43"/>
+          <p:cNvSpPr/>
+          <p:nvPr/>
+        </p:nvSpPr>
+        <p:spPr>
+          <a:xfrm>
+            <a:off x="7385896" y="4130997"/>
+            <a:ext cx="1119192" cy="623294"/>
+          </a:xfrm>
+          <a:prstGeom prst="flowChartDocument">
+            <a:avLst/>
+          </a:prstGeom>
+        </p:spPr>
+        <p:style>
+          <a:lnRef idx="1">
+            <a:schemeClr val="accent6"/>
+          </a:lnRef>
+          <a:fillRef idx="3">
+            <a:schemeClr val="accent6"/>
+          </a:fillRef>
+          <a:effectRef idx="2">
+            <a:schemeClr val="accent6"/>
+          </a:effectRef>
+          <a:fontRef idx="minor">
+            <a:schemeClr val="lt1"/>
+          </a:fontRef>
+        </p:style>
+        <p:txBody>
+          <a:bodyPr rtlCol="0" anchor="ctr"/>
+          <a:lstStyle/>
+          <a:p>
+            <a:pPr algn="ctr"/>
+            <a:r>
+              <a:rPr lang="en-US" dirty="0" smtClean="0"/>
+              <a:t>Event 1</a:t>
+            </a:r>
+          </a:p>
+        </p:txBody>
+      </p:sp>
+      <p:sp>
+        <p:nvSpPr>
+          <p:cNvPr id="45" name="Flowchart: Document 44"/>
+          <p:cNvSpPr/>
+          <p:nvPr/>
+        </p:nvSpPr>
+        <p:spPr>
+          <a:xfrm>
+            <a:off x="7538296" y="4283397"/>
+            <a:ext cx="1119192" cy="623294"/>
+          </a:xfrm>
+          <a:prstGeom prst="flowChartDocument">
+            <a:avLst/>
+          </a:prstGeom>
+        </p:spPr>
+        <p:style>
+          <a:lnRef idx="1">
+            <a:schemeClr val="accent6"/>
+          </a:lnRef>
+          <a:fillRef idx="3">
+            <a:schemeClr val="accent6"/>
+          </a:fillRef>
+          <a:effectRef idx="2">
+            <a:schemeClr val="accent6"/>
+          </a:effectRef>
+          <a:fontRef idx="minor">
+            <a:schemeClr val="lt1"/>
+          </a:fontRef>
+        </p:style>
+        <p:txBody>
+          <a:bodyPr rtlCol="0" anchor="ctr"/>
+          <a:lstStyle/>
+          <a:p>
+            <a:pPr algn="ctr"/>
+            <a:r>
+              <a:rPr lang="en-US" dirty="0" smtClean="0"/>
+              <a:t>Event</a:t>
+            </a:r>
+          </a:p>
+        </p:txBody>
+      </p:sp>
       <p:cxnSp>
         <p:nvCxnSpPr>
-          <p:cNvPr id="33" name="Straight Arrow Connector 32"/>
+          <p:cNvPr id="60" name="Straight Arrow Connector 59"/>
           <p:cNvCxnSpPr>
-            <a:endCxn id="30" idx="0"/>
+            <a:stCxn id="4" idx="0"/>
           </p:cNvCxnSpPr>
           <p:nvPr/>
         </p:nvCxnSpPr>
         <p:spPr>
-          <a:xfrm flipV="1">
-            <a:off x="9114688" y="3421015"/>
-            <a:ext cx="4688" cy="1858396"/>
+          <a:xfrm flipH="1">
+            <a:off x="2265973" y="3431684"/>
+            <a:ext cx="1" cy="1847727"/>
           </a:xfrm>
           <a:prstGeom prst="straightConnector1">
             <a:avLst/>
           </a:prstGeom>
-          <a:ln w="38100">
+          <a:ln w="57150">
             <a:solidFill>
               <a:schemeClr val="accent3">
                 <a:lumMod val="75000"/>
               </a:schemeClr>
             </a:solidFill>
+            <a:headEnd type="triangle"/>
             <a:tailEnd type="triangle"/>
           </a:ln>
         </p:spPr>
@@ -8325,211 +8648,45 @@
           </a:fontRef>
         </p:style>
       </p:cxnSp>
-      <p:sp>
-        <p:nvSpPr>
-          <p:cNvPr id="41" name="Flowchart: Document 40"/>
-          <p:cNvSpPr/>
+      <p:cxnSp>
+        <p:nvCxnSpPr>
+          <p:cNvPr id="61" name="Straight Arrow Connector 60"/>
+          <p:cNvCxnSpPr/>
           <p:nvPr/>
-        </p:nvSpPr>
-        <p:spPr>
-          <a:xfrm>
-            <a:off x="6928696" y="3673797"/>
-            <a:ext cx="1119192" cy="623294"/>
-          </a:xfrm>
-          <a:prstGeom prst="flowChartDocument">
-            <a:avLst/>
-          </a:prstGeom>
+        </p:nvCxnSpPr>
+        <p:spPr>
+          <a:xfrm flipH="1">
+            <a:off x="9119375" y="3430869"/>
+            <a:ext cx="1" cy="1847727"/>
+          </a:xfrm>
+          <a:prstGeom prst="straightConnector1">
+            <a:avLst/>
+          </a:prstGeom>
+          <a:ln w="57150">
+            <a:solidFill>
+              <a:schemeClr val="accent3">
+                <a:lumMod val="75000"/>
+              </a:schemeClr>
+            </a:solidFill>
+            <a:headEnd type="triangle"/>
+            <a:tailEnd type="triangle"/>
+          </a:ln>
         </p:spPr>
         <p:style>
           <a:lnRef idx="1">
-            <a:schemeClr val="accent6"/>
+            <a:schemeClr val="accent1"/>
           </a:lnRef>
-          <a:fillRef idx="3">
-            <a:schemeClr val="accent6"/>
+          <a:fillRef idx="0">
+            <a:schemeClr val="accent1"/>
           </a:fillRef>
-          <a:effectRef idx="2">
-            <a:schemeClr val="accent6"/>
+          <a:effectRef idx="0">
+            <a:schemeClr val="accent1"/>
           </a:effectRef>
           <a:fontRef idx="minor">
-            <a:schemeClr val="lt1"/>
+            <a:schemeClr val="tx1"/>
           </a:fontRef>
         </p:style>
-        <p:txBody>
-          <a:bodyPr rtlCol="0" anchor="ctr"/>
-          <a:lstStyle/>
-          <a:p>
-            <a:pPr algn="ctr"/>
-            <a:r>
-              <a:rPr lang="en-US" dirty="0" smtClean="0"/>
-              <a:t>Event 1</a:t>
-            </a:r>
-          </a:p>
-        </p:txBody>
-      </p:sp>
-      <p:sp>
-        <p:nvSpPr>
-          <p:cNvPr id="42" name="Flowchart: Document 41"/>
-          <p:cNvSpPr/>
-          <p:nvPr/>
-        </p:nvSpPr>
-        <p:spPr>
-          <a:xfrm>
-            <a:off x="7081096" y="3826197"/>
-            <a:ext cx="1119192" cy="623294"/>
-          </a:xfrm>
-          <a:prstGeom prst="flowChartDocument">
-            <a:avLst/>
-          </a:prstGeom>
-        </p:spPr>
-        <p:style>
-          <a:lnRef idx="1">
-            <a:schemeClr val="accent6"/>
-          </a:lnRef>
-          <a:fillRef idx="3">
-            <a:schemeClr val="accent6"/>
-          </a:fillRef>
-          <a:effectRef idx="2">
-            <a:schemeClr val="accent6"/>
-          </a:effectRef>
-          <a:fontRef idx="minor">
-            <a:schemeClr val="lt1"/>
-          </a:fontRef>
-        </p:style>
-        <p:txBody>
-          <a:bodyPr rtlCol="0" anchor="ctr"/>
-          <a:lstStyle/>
-          <a:p>
-            <a:pPr algn="ctr"/>
-            <a:r>
-              <a:rPr lang="en-US" dirty="0" smtClean="0"/>
-              <a:t>Event 1</a:t>
-            </a:r>
-          </a:p>
-        </p:txBody>
-      </p:sp>
-      <p:sp>
-        <p:nvSpPr>
-          <p:cNvPr id="43" name="Flowchart: Document 42"/>
-          <p:cNvSpPr/>
-          <p:nvPr/>
-        </p:nvSpPr>
-        <p:spPr>
-          <a:xfrm>
-            <a:off x="7233496" y="3978597"/>
-            <a:ext cx="1119192" cy="623294"/>
-          </a:xfrm>
-          <a:prstGeom prst="flowChartDocument">
-            <a:avLst/>
-          </a:prstGeom>
-        </p:spPr>
-        <p:style>
-          <a:lnRef idx="1">
-            <a:schemeClr val="accent6"/>
-          </a:lnRef>
-          <a:fillRef idx="3">
-            <a:schemeClr val="accent6"/>
-          </a:fillRef>
-          <a:effectRef idx="2">
-            <a:schemeClr val="accent6"/>
-          </a:effectRef>
-          <a:fontRef idx="minor">
-            <a:schemeClr val="lt1"/>
-          </a:fontRef>
-        </p:style>
-        <p:txBody>
-          <a:bodyPr rtlCol="0" anchor="ctr"/>
-          <a:lstStyle/>
-          <a:p>
-            <a:pPr algn="ctr"/>
-            <a:r>
-              <a:rPr lang="en-US" dirty="0" smtClean="0"/>
-              <a:t>Event 1</a:t>
-            </a:r>
-          </a:p>
-        </p:txBody>
-      </p:sp>
-      <p:sp>
-        <p:nvSpPr>
-          <p:cNvPr id="44" name="Flowchart: Document 43"/>
-          <p:cNvSpPr/>
-          <p:nvPr/>
-        </p:nvSpPr>
-        <p:spPr>
-          <a:xfrm>
-            <a:off x="7385896" y="4130997"/>
-            <a:ext cx="1119192" cy="623294"/>
-          </a:xfrm>
-          <a:prstGeom prst="flowChartDocument">
-            <a:avLst/>
-          </a:prstGeom>
-        </p:spPr>
-        <p:style>
-          <a:lnRef idx="1">
-            <a:schemeClr val="accent6"/>
-          </a:lnRef>
-          <a:fillRef idx="3">
-            <a:schemeClr val="accent6"/>
-          </a:fillRef>
-          <a:effectRef idx="2">
-            <a:schemeClr val="accent6"/>
-          </a:effectRef>
-          <a:fontRef idx="minor">
-            <a:schemeClr val="lt1"/>
-          </a:fontRef>
-        </p:style>
-        <p:txBody>
-          <a:bodyPr rtlCol="0" anchor="ctr"/>
-          <a:lstStyle/>
-          <a:p>
-            <a:pPr algn="ctr"/>
-            <a:r>
-              <a:rPr lang="en-US" dirty="0" smtClean="0"/>
-              <a:t>Event 1</a:t>
-            </a:r>
-          </a:p>
-        </p:txBody>
-      </p:sp>
-      <p:sp>
-        <p:nvSpPr>
-          <p:cNvPr id="45" name="Flowchart: Document 44"/>
-          <p:cNvSpPr/>
-          <p:nvPr/>
-        </p:nvSpPr>
-        <p:spPr>
-          <a:xfrm>
-            <a:off x="7538296" y="4283397"/>
-            <a:ext cx="1119192" cy="623294"/>
-          </a:xfrm>
-          <a:prstGeom prst="flowChartDocument">
-            <a:avLst/>
-          </a:prstGeom>
-        </p:spPr>
-        <p:style>
-          <a:lnRef idx="1">
-            <a:schemeClr val="accent6"/>
-          </a:lnRef>
-          <a:fillRef idx="3">
-            <a:schemeClr val="accent6"/>
-          </a:fillRef>
-          <a:effectRef idx="2">
-            <a:schemeClr val="accent6"/>
-          </a:effectRef>
-          <a:fontRef idx="minor">
-            <a:schemeClr val="lt1"/>
-          </a:fontRef>
-        </p:style>
-        <p:txBody>
-          <a:bodyPr rtlCol="0" anchor="ctr"/>
-          <a:lstStyle/>
-          <a:p>
-            <a:pPr algn="ctr"/>
-            <a:r>
-              <a:rPr lang="en-US" dirty="0" smtClean="0"/>
-              <a:t>Event</a:t>
-            </a:r>
-          </a:p>
-        </p:txBody>
-      </p:sp>
+      </p:cxnSp>
     </p:spTree>
     <p:extLst>
       <p:ext uri="{BB962C8B-B14F-4D97-AF65-F5344CB8AC3E}">
@@ -8605,7 +8762,7 @@
         </p:nvSpPr>
         <p:spPr>
           <a:xfrm rot="5400000">
-            <a:off x="3247572" y="1903509"/>
+            <a:off x="2305427" y="1791970"/>
             <a:ext cx="1669689" cy="1444386"/>
           </a:xfrm>
           <a:prstGeom prst="hexagon">
@@ -8663,7 +8820,7 @@
         </p:nvSpPr>
         <p:spPr>
           <a:xfrm>
-            <a:off x="3360224" y="1779383"/>
+            <a:off x="2418079" y="1667844"/>
             <a:ext cx="1444386" cy="735454"/>
           </a:xfrm>
           <a:prstGeom prst="diamond">
@@ -8713,7 +8870,7 @@
         </p:nvSpPr>
         <p:spPr>
           <a:xfrm>
-            <a:off x="3654736" y="2625702"/>
+            <a:off x="2712591" y="2514163"/>
             <a:ext cx="858440" cy="369332"/>
           </a:xfrm>
           <a:prstGeom prst="rect">
@@ -8757,13 +8914,13 @@
         </p:nvCxnSpPr>
         <p:spPr>
           <a:xfrm flipH="1">
-            <a:off x="2342919" y="3262188"/>
-            <a:ext cx="1327038" cy="1717692"/>
+            <a:off x="2723919" y="3157538"/>
+            <a:ext cx="32700" cy="1822342"/>
           </a:xfrm>
           <a:prstGeom prst="straightConnector1">
             <a:avLst/>
           </a:prstGeom>
-          <a:ln w="38100">
+          <a:ln w="57150">
             <a:solidFill>
               <a:schemeClr val="accent3">
                 <a:lumMod val="75000"/>
@@ -8795,7 +8952,7 @@
         </p:nvSpPr>
         <p:spPr>
           <a:xfrm>
-            <a:off x="9570919" y="2051227"/>
+            <a:off x="9308592" y="2035571"/>
             <a:ext cx="1371600" cy="3950370"/>
           </a:xfrm>
           <a:prstGeom prst="rect">
@@ -8846,13 +9003,13 @@
           <p:nvPr>
             <p:extLst>
               <p:ext uri="{D42A27DB-BD31-4B8C-83A1-F6EECF244321}">
-                <p14:modId xmlns:p14="http://schemas.microsoft.com/office/powerpoint/2010/main" val="2454511132"/>
+                <p14:modId xmlns:p14="http://schemas.microsoft.com/office/powerpoint/2010/main" val="3641510596"/>
               </p:ext>
             </p:extLst>
           </p:nvPr>
         </p:nvGraphicFramePr>
         <p:xfrm>
-          <a:off x="1117602" y="4979880"/>
+          <a:off x="1498602" y="4979880"/>
           <a:ext cx="2450635" cy="1130493"/>
         </p:xfrm>
         <a:graphic>
@@ -9037,13 +9194,13 @@
           <p:nvPr>
             <p:extLst>
               <p:ext uri="{D42A27DB-BD31-4B8C-83A1-F6EECF244321}">
-                <p14:modId xmlns:p14="http://schemas.microsoft.com/office/powerpoint/2010/main" val="4275125521"/>
+                <p14:modId xmlns:p14="http://schemas.microsoft.com/office/powerpoint/2010/main" val="2299376164"/>
               </p:ext>
             </p:extLst>
           </p:nvPr>
         </p:nvGraphicFramePr>
         <p:xfrm>
-          <a:off x="4596595" y="4979880"/>
+          <a:off x="4977595" y="4979880"/>
           <a:ext cx="2450635" cy="1130493"/>
         </p:xfrm>
         <a:graphic>
@@ -9222,20 +9379,18 @@
       <p:cxnSp>
         <p:nvCxnSpPr>
           <p:cNvPr id="39" name="Straight Arrow Connector 38"/>
-          <p:cNvCxnSpPr>
-            <a:endCxn id="36" idx="0"/>
-          </p:cNvCxnSpPr>
+          <p:cNvCxnSpPr/>
           <p:nvPr/>
         </p:nvCxnSpPr>
         <p:spPr>
           <a:xfrm>
-            <a:off x="4494875" y="3262188"/>
-            <a:ext cx="1327037" cy="1717692"/>
+            <a:off x="3457707" y="3175000"/>
+            <a:ext cx="1519888" cy="1804880"/>
           </a:xfrm>
           <a:prstGeom prst="straightConnector1">
             <a:avLst/>
           </a:prstGeom>
-          <a:ln w="38100">
+          <a:ln w="57150">
             <a:solidFill>
               <a:schemeClr val="accent3">
                 <a:lumMod val="75000"/>
@@ -9267,7 +9422,7 @@
         </p:nvSpPr>
         <p:spPr>
           <a:xfrm>
-            <a:off x="1481326" y="4114286"/>
+            <a:off x="1540463" y="3815849"/>
             <a:ext cx="964736" cy="574752"/>
           </a:xfrm>
           <a:prstGeom prst="flowChartDocument">
@@ -9309,7 +9464,7 @@
         </p:nvSpPr>
         <p:spPr>
           <a:xfrm>
-            <a:off x="5800993" y="4102340"/>
+            <a:off x="4536408" y="3815849"/>
             <a:ext cx="964736" cy="574752"/>
           </a:xfrm>
           <a:prstGeom prst="flowChartDocument">
@@ -9350,8 +9505,8 @@
         </p:nvSpPr>
         <p:spPr>
           <a:xfrm>
-            <a:off x="815546" y="3571107"/>
-            <a:ext cx="6932140" cy="2842054"/>
+            <a:off x="1196546" y="3571108"/>
+            <a:ext cx="4426164" cy="1041642"/>
           </a:xfrm>
           <a:prstGeom prst="rect">
             <a:avLst/>
@@ -9397,8 +9552,8 @@
         </p:nvSpPr>
         <p:spPr>
           <a:xfrm>
-            <a:off x="2960636" y="4313253"/>
-            <a:ext cx="2281074" cy="369332"/>
+            <a:off x="2888467" y="3894071"/>
+            <a:ext cx="1241109" cy="646331"/>
           </a:xfrm>
           <a:prstGeom prst="rect">
             <a:avLst/>
@@ -9411,9 +9566,17 @@
           </a:bodyPr>
           <a:lstStyle/>
           <a:p>
+            <a:pPr algn="ctr"/>
             <a:r>
               <a:rPr lang="en-US" dirty="0" smtClean="0"/>
-              <a:t>Local ACID transaction</a:t>
+              <a:t>Local</a:t>
+            </a:r>
+          </a:p>
+          <a:p>
+            <a:pPr algn="ctr"/>
+            <a:r>
+              <a:rPr lang="en-US" dirty="0" smtClean="0"/>
+              <a:t>transaction</a:t>
             </a:r>
             <a:endParaRPr lang="en-US" dirty="0"/>
           </a:p>
@@ -9422,20 +9585,18 @@
       <p:cxnSp>
         <p:nvCxnSpPr>
           <p:cNvPr id="48" name="Straight Arrow Connector 47"/>
-          <p:cNvCxnSpPr>
-            <a:stCxn id="36" idx="3"/>
-          </p:cNvCxnSpPr>
+          <p:cNvCxnSpPr/>
           <p:nvPr/>
         </p:nvCxnSpPr>
         <p:spPr>
           <a:xfrm>
-            <a:off x="7047230" y="5545126"/>
-            <a:ext cx="2523689" cy="0"/>
+            <a:off x="7731036" y="2600984"/>
+            <a:ext cx="1577556" cy="0"/>
           </a:xfrm>
           <a:prstGeom prst="straightConnector1">
             <a:avLst/>
           </a:prstGeom>
-          <a:ln w="38100">
+          <a:ln w="57150">
             <a:solidFill>
               <a:schemeClr val="accent3">
                 <a:lumMod val="75000"/>
@@ -9461,28 +9622,679 @@
       </p:cxnSp>
       <p:sp>
         <p:nvSpPr>
-          <p:cNvPr id="52" name="Flowchart: Document 51"/>
+          <p:cNvPr id="54" name="Hexagon 53"/>
           <p:cNvSpPr/>
           <p:nvPr/>
         </p:nvSpPr>
         <p:spPr>
-          <a:xfrm>
-            <a:off x="8090236" y="4801280"/>
-            <a:ext cx="964736" cy="574752"/>
-          </a:xfrm>
-          <a:prstGeom prst="flowChartDocument">
-            <a:avLst/>
-          </a:prstGeom>
+          <a:xfrm rot="5400000">
+            <a:off x="6173998" y="1878791"/>
+            <a:ext cx="1669689" cy="1444386"/>
+          </a:xfrm>
+          <a:prstGeom prst="hexagon">
+            <a:avLst/>
+          </a:prstGeom>
+          <a:solidFill>
+            <a:schemeClr val="accent3">
+              <a:lumMod val="40000"/>
+              <a:lumOff val="60000"/>
+            </a:schemeClr>
+          </a:solidFill>
+          <a:ln w="38100">
+            <a:solidFill>
+              <a:schemeClr val="accent3">
+                <a:lumMod val="75000"/>
+              </a:schemeClr>
+            </a:solidFill>
+          </a:ln>
+          <a:effectLst>
+            <a:outerShdw blurRad="50800" dist="38100" dir="5400000" algn="t" rotWithShape="0">
+              <a:prstClr val="black">
+                <a:alpha val="40000"/>
+              </a:prstClr>
+            </a:outerShdw>
+          </a:effectLst>
         </p:spPr>
         <p:style>
           <a:lnRef idx="1">
-            <a:schemeClr val="accent6"/>
+            <a:schemeClr val="accent3"/>
+          </a:lnRef>
+          <a:fillRef idx="2">
+            <a:schemeClr val="accent3"/>
+          </a:fillRef>
+          <a:effectRef idx="1">
+            <a:schemeClr val="accent3"/>
+          </a:effectRef>
+          <a:fontRef idx="minor">
+            <a:schemeClr val="dk1"/>
+          </a:fontRef>
+        </p:style>
+        <p:txBody>
+          <a:bodyPr rtlCol="0" anchor="ctr"/>
+          <a:lstStyle/>
+          <a:p>
+            <a:pPr algn="ctr"/>
+            <a:endParaRPr lang="en-US" dirty="0"/>
+          </a:p>
+        </p:txBody>
+      </p:sp>
+      <p:sp>
+        <p:nvSpPr>
+          <p:cNvPr id="55" name="Diamond 54"/>
+          <p:cNvSpPr/>
+          <p:nvPr/>
+        </p:nvSpPr>
+        <p:spPr>
+          <a:xfrm>
+            <a:off x="6286650" y="1754665"/>
+            <a:ext cx="1444386" cy="735454"/>
+          </a:xfrm>
+          <a:prstGeom prst="diamond">
+            <a:avLst/>
+          </a:prstGeom>
+          <a:solidFill>
+            <a:schemeClr val="accent3">
+              <a:lumMod val="75000"/>
+            </a:schemeClr>
+          </a:solidFill>
+          <a:ln w="38100">
+            <a:solidFill>
+              <a:schemeClr val="accent3">
+                <a:lumMod val="75000"/>
+              </a:schemeClr>
+            </a:solidFill>
+          </a:ln>
+        </p:spPr>
+        <p:style>
+          <a:lnRef idx="1">
+            <a:schemeClr val="accent3"/>
+          </a:lnRef>
+          <a:fillRef idx="2">
+            <a:schemeClr val="accent3"/>
+          </a:fillRef>
+          <a:effectRef idx="1">
+            <a:schemeClr val="accent3"/>
+          </a:effectRef>
+          <a:fontRef idx="minor">
+            <a:schemeClr val="dk1"/>
+          </a:fontRef>
+        </p:style>
+        <p:txBody>
+          <a:bodyPr rtlCol="0" anchor="ctr"/>
+          <a:lstStyle/>
+          <a:p>
+            <a:pPr algn="ctr"/>
+            <a:endParaRPr lang="en-US"/>
+          </a:p>
+        </p:txBody>
+      </p:sp>
+      <p:sp>
+        <p:nvSpPr>
+          <p:cNvPr id="56" name="TextBox 55"/>
+          <p:cNvSpPr txBox="1"/>
+          <p:nvPr/>
+        </p:nvSpPr>
+        <p:spPr>
+          <a:xfrm>
+            <a:off x="6466862" y="2486684"/>
+            <a:ext cx="1059906" cy="646331"/>
+          </a:xfrm>
+          <a:prstGeom prst="rect">
+            <a:avLst/>
+          </a:prstGeom>
+          <a:noFill/>
+        </p:spPr>
+        <p:txBody>
+          <a:bodyPr wrap="none" rtlCol="0">
+            <a:spAutoFit/>
+          </a:bodyPr>
+          <a:lstStyle/>
+          <a:p>
+            <a:pPr algn="ctr"/>
+            <a:r>
+              <a:rPr lang="en-US" dirty="0" smtClean="0">
+                <a:solidFill>
+                  <a:schemeClr val="accent3">
+                    <a:lumMod val="50000"/>
+                  </a:schemeClr>
+                </a:solidFill>
+              </a:rPr>
+              <a:t>Event</a:t>
+            </a:r>
+          </a:p>
+          <a:p>
+            <a:pPr algn="ctr"/>
+            <a:r>
+              <a:rPr lang="en-US" dirty="0" smtClean="0">
+                <a:solidFill>
+                  <a:schemeClr val="accent3">
+                    <a:lumMod val="50000"/>
+                  </a:schemeClr>
+                </a:solidFill>
+              </a:rPr>
+              <a:t>Publisher</a:t>
+            </a:r>
+            <a:endParaRPr lang="en-US" dirty="0">
+              <a:solidFill>
+                <a:schemeClr val="accent3">
+                  <a:lumMod val="50000"/>
+                </a:schemeClr>
+              </a:solidFill>
+            </a:endParaRPr>
+          </a:p>
+        </p:txBody>
+      </p:sp>
+      <p:cxnSp>
+        <p:nvCxnSpPr>
+          <p:cNvPr id="65" name="Straight Arrow Connector 64"/>
+          <p:cNvCxnSpPr>
+            <a:stCxn id="36" idx="0"/>
+          </p:cNvCxnSpPr>
+          <p:nvPr/>
+        </p:nvCxnSpPr>
+        <p:spPr>
+          <a:xfrm flipV="1">
+            <a:off x="6202912" y="3286125"/>
+            <a:ext cx="466969" cy="1693755"/>
+          </a:xfrm>
+          <a:prstGeom prst="straightConnector1">
+            <a:avLst/>
+          </a:prstGeom>
+          <a:ln w="57150">
+            <a:solidFill>
+              <a:schemeClr val="accent3">
+                <a:lumMod val="75000"/>
+              </a:schemeClr>
+            </a:solidFill>
+            <a:tailEnd type="triangle"/>
+          </a:ln>
+        </p:spPr>
+        <p:style>
+          <a:lnRef idx="1">
+            <a:schemeClr val="accent1"/>
+          </a:lnRef>
+          <a:fillRef idx="0">
+            <a:schemeClr val="accent1"/>
+          </a:fillRef>
+          <a:effectRef idx="0">
+            <a:schemeClr val="accent1"/>
+          </a:effectRef>
+          <a:fontRef idx="minor">
+            <a:schemeClr val="tx1"/>
+          </a:fontRef>
+        </p:style>
+      </p:cxnSp>
+    </p:spTree>
+    <p:extLst>
+      <p:ext uri="{BB962C8B-B14F-4D97-AF65-F5344CB8AC3E}">
+        <p14:creationId xmlns:p14="http://schemas.microsoft.com/office/powerpoint/2010/main" val="3541929606"/>
+      </p:ext>
+    </p:extLst>
+  </p:cSld>
+  <p:clrMapOvr>
+    <a:masterClrMapping/>
+  </p:clrMapOvr>
+  <p:timing>
+    <p:tnLst>
+      <p:par>
+        <p:cTn id="1" dur="indefinite" restart="never" nodeType="tmRoot"/>
+      </p:par>
+    </p:tnLst>
+  </p:timing>
+</p:sld>
+</file>
+
+<file path=ppt/slides/slide9.xml><?xml version="1.0" encoding="utf-8"?>
+<p:sld xmlns:a="http://schemas.openxmlformats.org/drawingml/2006/main" xmlns:r="http://schemas.openxmlformats.org/officeDocument/2006/relationships" xmlns:p="http://schemas.openxmlformats.org/presentationml/2006/main">
+  <p:cSld>
+    <p:spTree>
+      <p:nvGrpSpPr>
+        <p:cNvPr id="1" name=""/>
+        <p:cNvGrpSpPr/>
+        <p:nvPr/>
+      </p:nvGrpSpPr>
+      <p:grpSpPr>
+        <a:xfrm>
+          <a:off x="0" y="0"/>
+          <a:ext cx="0" cy="0"/>
+          <a:chOff x="0" y="0"/>
+          <a:chExt cx="0" cy="0"/>
+        </a:xfrm>
+      </p:grpSpPr>
+      <p:sp>
+        <p:nvSpPr>
+          <p:cNvPr id="2" name="Title 1"/>
+          <p:cNvSpPr>
+            <a:spLocks noGrp="1"/>
+          </p:cNvSpPr>
+          <p:nvPr>
+            <p:ph type="ctrTitle"/>
+          </p:nvPr>
+        </p:nvSpPr>
+        <p:spPr>
+          <a:xfrm>
+            <a:off x="1261872" y="383065"/>
+            <a:ext cx="9418320" cy="1062681"/>
+          </a:xfrm>
+        </p:spPr>
+        <p:txBody>
+          <a:bodyPr>
+            <a:normAutofit/>
+          </a:bodyPr>
+          <a:lstStyle/>
+          <a:p>
+            <a:r>
+              <a:rPr lang="en-US" dirty="0" smtClean="0"/>
+              <a:t>Transaction log tailing</a:t>
+            </a:r>
+            <a:endParaRPr lang="en-US" dirty="0"/>
+          </a:p>
+        </p:txBody>
+      </p:sp>
+      <p:sp>
+        <p:nvSpPr>
+          <p:cNvPr id="4" name="Hexagon 3"/>
+          <p:cNvSpPr/>
+          <p:nvPr/>
+        </p:nvSpPr>
+        <p:spPr>
+          <a:xfrm rot="5400000">
+            <a:off x="2305427" y="1791970"/>
+            <a:ext cx="1669689" cy="1444386"/>
+          </a:xfrm>
+          <a:prstGeom prst="hexagon">
+            <a:avLst/>
+          </a:prstGeom>
+          <a:solidFill>
+            <a:schemeClr val="accent3">
+              <a:lumMod val="40000"/>
+              <a:lumOff val="60000"/>
+            </a:schemeClr>
+          </a:solidFill>
+          <a:ln w="38100">
+            <a:solidFill>
+              <a:schemeClr val="accent3">
+                <a:lumMod val="75000"/>
+              </a:schemeClr>
+            </a:solidFill>
+          </a:ln>
+          <a:effectLst>
+            <a:outerShdw blurRad="50800" dist="38100" dir="5400000" algn="t" rotWithShape="0">
+              <a:prstClr val="black">
+                <a:alpha val="40000"/>
+              </a:prstClr>
+            </a:outerShdw>
+          </a:effectLst>
+        </p:spPr>
+        <p:style>
+          <a:lnRef idx="1">
+            <a:schemeClr val="accent3"/>
+          </a:lnRef>
+          <a:fillRef idx="2">
+            <a:schemeClr val="accent3"/>
+          </a:fillRef>
+          <a:effectRef idx="1">
+            <a:schemeClr val="accent3"/>
+          </a:effectRef>
+          <a:fontRef idx="minor">
+            <a:schemeClr val="dk1"/>
+          </a:fontRef>
+        </p:style>
+        <p:txBody>
+          <a:bodyPr rtlCol="0" anchor="ctr"/>
+          <a:lstStyle/>
+          <a:p>
+            <a:pPr algn="ctr"/>
+            <a:endParaRPr lang="en-US" dirty="0"/>
+          </a:p>
+        </p:txBody>
+      </p:sp>
+      <p:sp>
+        <p:nvSpPr>
+          <p:cNvPr id="5" name="Diamond 4"/>
+          <p:cNvSpPr/>
+          <p:nvPr/>
+        </p:nvSpPr>
+        <p:spPr>
+          <a:xfrm>
+            <a:off x="2418079" y="1667844"/>
+            <a:ext cx="1444386" cy="735454"/>
+          </a:xfrm>
+          <a:prstGeom prst="diamond">
+            <a:avLst/>
+          </a:prstGeom>
+          <a:solidFill>
+            <a:schemeClr val="accent3">
+              <a:lumMod val="75000"/>
+            </a:schemeClr>
+          </a:solidFill>
+          <a:ln w="38100">
+            <a:solidFill>
+              <a:schemeClr val="accent3">
+                <a:lumMod val="75000"/>
+              </a:schemeClr>
+            </a:solidFill>
+          </a:ln>
+        </p:spPr>
+        <p:style>
+          <a:lnRef idx="1">
+            <a:schemeClr val="accent3"/>
+          </a:lnRef>
+          <a:fillRef idx="2">
+            <a:schemeClr val="accent3"/>
+          </a:fillRef>
+          <a:effectRef idx="1">
+            <a:schemeClr val="accent3"/>
+          </a:effectRef>
+          <a:fontRef idx="minor">
+            <a:schemeClr val="dk1"/>
+          </a:fontRef>
+        </p:style>
+        <p:txBody>
+          <a:bodyPr rtlCol="0" anchor="ctr"/>
+          <a:lstStyle/>
+          <a:p>
+            <a:pPr algn="ctr"/>
+            <a:endParaRPr lang="en-US"/>
+          </a:p>
+        </p:txBody>
+      </p:sp>
+      <p:sp>
+        <p:nvSpPr>
+          <p:cNvPr id="6" name="TextBox 5"/>
+          <p:cNvSpPr txBox="1"/>
+          <p:nvPr/>
+        </p:nvSpPr>
+        <p:spPr>
+          <a:xfrm>
+            <a:off x="2712591" y="2514163"/>
+            <a:ext cx="858440" cy="369332"/>
+          </a:xfrm>
+          <a:prstGeom prst="rect">
+            <a:avLst/>
+          </a:prstGeom>
+          <a:noFill/>
+        </p:spPr>
+        <p:txBody>
+          <a:bodyPr wrap="none" rtlCol="0">
+            <a:spAutoFit/>
+          </a:bodyPr>
+          <a:lstStyle/>
+          <a:p>
+            <a:r>
+              <a:rPr lang="en-US" dirty="0" smtClean="0">
+                <a:solidFill>
+                  <a:schemeClr val="accent3">
+                    <a:lumMod val="50000"/>
+                  </a:schemeClr>
+                </a:solidFill>
+              </a:rPr>
+              <a:t>Service</a:t>
+            </a:r>
+            <a:endParaRPr lang="en-US" dirty="0">
+              <a:solidFill>
+                <a:schemeClr val="accent3">
+                  <a:lumMod val="50000"/>
+                </a:schemeClr>
+              </a:solidFill>
+            </a:endParaRPr>
+          </a:p>
+        </p:txBody>
+      </p:sp>
+      <p:cxnSp>
+        <p:nvCxnSpPr>
+          <p:cNvPr id="8" name="Straight Arrow Connector 7"/>
+          <p:cNvCxnSpPr>
+            <a:stCxn id="4" idx="0"/>
+            <a:endCxn id="7" idx="0"/>
+          </p:cNvCxnSpPr>
+          <p:nvPr/>
+        </p:nvCxnSpPr>
+        <p:spPr>
+          <a:xfrm flipH="1">
+            <a:off x="3137391" y="3349008"/>
+            <a:ext cx="2881" cy="1346562"/>
+          </a:xfrm>
+          <a:prstGeom prst="straightConnector1">
+            <a:avLst/>
+          </a:prstGeom>
+          <a:ln w="57150">
+            <a:solidFill>
+              <a:schemeClr val="accent3">
+                <a:lumMod val="75000"/>
+              </a:schemeClr>
+            </a:solidFill>
+            <a:tailEnd type="triangle"/>
+          </a:ln>
+        </p:spPr>
+        <p:style>
+          <a:lnRef idx="1">
+            <a:schemeClr val="accent1"/>
+          </a:lnRef>
+          <a:fillRef idx="0">
+            <a:schemeClr val="accent1"/>
+          </a:fillRef>
+          <a:effectRef idx="0">
+            <a:schemeClr val="accent1"/>
+          </a:effectRef>
+          <a:fontRef idx="minor">
+            <a:schemeClr val="tx1"/>
+          </a:fontRef>
+        </p:style>
+      </p:cxnSp>
+      <p:sp>
+        <p:nvSpPr>
+          <p:cNvPr id="34" name="Rectangle 33"/>
+          <p:cNvSpPr/>
+          <p:nvPr/>
+        </p:nvSpPr>
+        <p:spPr>
+          <a:xfrm>
+            <a:off x="9308592" y="2035571"/>
+            <a:ext cx="1371600" cy="3950370"/>
+          </a:xfrm>
+          <a:prstGeom prst="rect">
+            <a:avLst/>
+          </a:prstGeom>
+          <a:ln w="57150">
+            <a:prstDash val="sysDot"/>
+          </a:ln>
+        </p:spPr>
+        <p:style>
+          <a:lnRef idx="1">
+            <a:schemeClr val="accent3"/>
+          </a:lnRef>
+          <a:fillRef idx="2">
+            <a:schemeClr val="accent3"/>
+          </a:fillRef>
+          <a:effectRef idx="1">
+            <a:schemeClr val="accent3"/>
+          </a:effectRef>
+          <a:fontRef idx="minor">
+            <a:schemeClr val="dk1"/>
+          </a:fontRef>
+        </p:style>
+        <p:txBody>
+          <a:bodyPr vert="wordArtVert" rtlCol="0" anchor="ctr"/>
+          <a:lstStyle/>
+          <a:p>
+            <a:pPr algn="ctr"/>
+            <a:r>
+              <a:rPr lang="en-US" dirty="0" smtClean="0">
+                <a:solidFill>
+                  <a:schemeClr val="accent3">
+                    <a:lumMod val="50000"/>
+                  </a:schemeClr>
+                </a:solidFill>
+              </a:rPr>
+              <a:t>Message broker</a:t>
+            </a:r>
+          </a:p>
+        </p:txBody>
+      </p:sp>
+      <p:graphicFrame>
+        <p:nvGraphicFramePr>
+          <p:cNvPr id="7" name="Table 6"/>
+          <p:cNvGraphicFramePr>
+            <a:graphicFrameLocks noGrp="1"/>
+          </p:cNvGraphicFramePr>
+          <p:nvPr>
+            <p:extLst>
+              <p:ext uri="{D42A27DB-BD31-4B8C-83A1-F6EECF244321}">
+                <p14:modId xmlns:p14="http://schemas.microsoft.com/office/powerpoint/2010/main" val="939476646"/>
+              </p:ext>
+            </p:extLst>
+          </p:nvPr>
+        </p:nvGraphicFramePr>
+        <p:xfrm>
+          <a:off x="1912074" y="4695570"/>
+          <a:ext cx="2450635" cy="742591"/>
+        </p:xfrm>
+        <a:graphic>
+          <a:graphicData uri="http://schemas.openxmlformats.org/drawingml/2006/table">
+            <a:tbl>
+              <a:tblPr firstRow="1" bandRow="1">
+                <a:tableStyleId>{5C22544A-7EE6-4342-B048-85BDC9FD1C3A}</a:tableStyleId>
+              </a:tblPr>
+              <a:tblGrid>
+                <a:gridCol w="490127"/>
+                <a:gridCol w="490127"/>
+                <a:gridCol w="490127"/>
+                <a:gridCol w="490127"/>
+                <a:gridCol w="490127"/>
+              </a:tblGrid>
+              <a:tr h="264476">
+                <a:tc>
+                  <a:txBody>
+                    <a:bodyPr/>
+                    <a:lstStyle/>
+                    <a:p>
+                      <a:endParaRPr lang="en-US" dirty="0"/>
+                    </a:p>
+                  </a:txBody>
+                  <a:tcPr/>
+                </a:tc>
+                <a:tc>
+                  <a:txBody>
+                    <a:bodyPr/>
+                    <a:lstStyle/>
+                    <a:p>
+                      <a:endParaRPr lang="en-US"/>
+                    </a:p>
+                  </a:txBody>
+                  <a:tcPr/>
+                </a:tc>
+                <a:tc>
+                  <a:txBody>
+                    <a:bodyPr/>
+                    <a:lstStyle/>
+                    <a:p>
+                      <a:endParaRPr lang="en-US" dirty="0"/>
+                    </a:p>
+                  </a:txBody>
+                  <a:tcPr/>
+                </a:tc>
+                <a:tc>
+                  <a:txBody>
+                    <a:bodyPr/>
+                    <a:lstStyle/>
+                    <a:p>
+                      <a:endParaRPr lang="en-US" dirty="0"/>
+                    </a:p>
+                  </a:txBody>
+                  <a:tcPr/>
+                </a:tc>
+                <a:tc>
+                  <a:txBody>
+                    <a:bodyPr/>
+                    <a:lstStyle/>
+                    <a:p>
+                      <a:endParaRPr lang="en-US"/>
+                    </a:p>
+                  </a:txBody>
+                  <a:tcPr/>
+                </a:tc>
+              </a:tr>
+              <a:tr h="376831">
+                <a:tc>
+                  <a:txBody>
+                    <a:bodyPr/>
+                    <a:lstStyle/>
+                    <a:p>
+                      <a:endParaRPr lang="en-US"/>
+                    </a:p>
+                  </a:txBody>
+                  <a:tcPr/>
+                </a:tc>
+                <a:tc>
+                  <a:txBody>
+                    <a:bodyPr/>
+                    <a:lstStyle/>
+                    <a:p>
+                      <a:endParaRPr lang="en-US" dirty="0"/>
+                    </a:p>
+                  </a:txBody>
+                  <a:tcPr/>
+                </a:tc>
+                <a:tc>
+                  <a:txBody>
+                    <a:bodyPr/>
+                    <a:lstStyle/>
+                    <a:p>
+                      <a:endParaRPr lang="en-US"/>
+                    </a:p>
+                  </a:txBody>
+                  <a:tcPr/>
+                </a:tc>
+                <a:tc>
+                  <a:txBody>
+                    <a:bodyPr/>
+                    <a:lstStyle/>
+                    <a:p>
+                      <a:endParaRPr lang="en-US" dirty="0"/>
+                    </a:p>
+                  </a:txBody>
+                  <a:tcPr/>
+                </a:tc>
+                <a:tc>
+                  <a:txBody>
+                    <a:bodyPr/>
+                    <a:lstStyle/>
+                    <a:p>
+                      <a:endParaRPr lang="en-US" dirty="0"/>
+                    </a:p>
+                  </a:txBody>
+                  <a:tcPr/>
+                </a:tc>
+              </a:tr>
+            </a:tbl>
+          </a:graphicData>
+        </a:graphic>
+      </p:graphicFrame>
+      <p:sp>
+        <p:nvSpPr>
+          <p:cNvPr id="46" name="Flowchart: Document 45"/>
+          <p:cNvSpPr/>
+          <p:nvPr/>
+        </p:nvSpPr>
+        <p:spPr>
+          <a:xfrm>
+            <a:off x="1932830" y="3551998"/>
+            <a:ext cx="964736" cy="574752"/>
+          </a:xfrm>
+          <a:prstGeom prst="flowChartDocument">
+            <a:avLst/>
+          </a:prstGeom>
+        </p:spPr>
+        <p:style>
+          <a:lnRef idx="1">
+            <a:schemeClr val="accent4"/>
           </a:lnRef>
           <a:fillRef idx="3">
-            <a:schemeClr val="accent6"/>
+            <a:schemeClr val="accent4"/>
           </a:fillRef>
           <a:effectRef idx="2">
-            <a:schemeClr val="accent6"/>
+            <a:schemeClr val="accent4"/>
           </a:effectRef>
           <a:fontRef idx="minor">
             <a:schemeClr val="lt1"/>
@@ -9495,15 +10307,362 @@
             <a:pPr algn="ctr"/>
             <a:r>
               <a:rPr lang="en-US" dirty="0" smtClean="0"/>
+              <a:t>Entity</a:t>
+            </a:r>
+            <a:endParaRPr lang="en-US" dirty="0" smtClean="0"/>
+          </a:p>
+        </p:txBody>
+      </p:sp>
+      <p:cxnSp>
+        <p:nvCxnSpPr>
+          <p:cNvPr id="48" name="Straight Arrow Connector 47"/>
+          <p:cNvCxnSpPr/>
+          <p:nvPr/>
+        </p:nvCxnSpPr>
+        <p:spPr>
+          <a:xfrm>
+            <a:off x="7330560" y="3729814"/>
+            <a:ext cx="1965121" cy="0"/>
+          </a:xfrm>
+          <a:prstGeom prst="straightConnector1">
+            <a:avLst/>
+          </a:prstGeom>
+          <a:ln w="57150">
+            <a:solidFill>
+              <a:schemeClr val="accent3">
+                <a:lumMod val="75000"/>
+              </a:schemeClr>
+            </a:solidFill>
+            <a:tailEnd type="triangle"/>
+          </a:ln>
+        </p:spPr>
+        <p:style>
+          <a:lnRef idx="1">
+            <a:schemeClr val="accent1"/>
+          </a:lnRef>
+          <a:fillRef idx="0">
+            <a:schemeClr val="accent1"/>
+          </a:fillRef>
+          <a:effectRef idx="0">
+            <a:schemeClr val="accent1"/>
+          </a:effectRef>
+          <a:fontRef idx="minor">
+            <a:schemeClr val="tx1"/>
+          </a:fontRef>
+        </p:style>
+      </p:cxnSp>
+      <p:sp>
+        <p:nvSpPr>
+          <p:cNvPr id="54" name="Hexagon 53"/>
+          <p:cNvSpPr/>
+          <p:nvPr/>
+        </p:nvSpPr>
+        <p:spPr>
+          <a:xfrm rot="5400000">
+            <a:off x="5773522" y="3007621"/>
+            <a:ext cx="1669689" cy="1444386"/>
+          </a:xfrm>
+          <a:prstGeom prst="hexagon">
+            <a:avLst/>
+          </a:prstGeom>
+          <a:solidFill>
+            <a:schemeClr val="accent3">
+              <a:lumMod val="40000"/>
+              <a:lumOff val="60000"/>
+            </a:schemeClr>
+          </a:solidFill>
+          <a:ln w="38100">
+            <a:solidFill>
+              <a:schemeClr val="accent3">
+                <a:lumMod val="75000"/>
+              </a:schemeClr>
+            </a:solidFill>
+          </a:ln>
+          <a:effectLst>
+            <a:outerShdw blurRad="50800" dist="38100" dir="5400000" algn="t" rotWithShape="0">
+              <a:prstClr val="black">
+                <a:alpha val="40000"/>
+              </a:prstClr>
+            </a:outerShdw>
+          </a:effectLst>
+        </p:spPr>
+        <p:style>
+          <a:lnRef idx="1">
+            <a:schemeClr val="accent3"/>
+          </a:lnRef>
+          <a:fillRef idx="2">
+            <a:schemeClr val="accent3"/>
+          </a:fillRef>
+          <a:effectRef idx="1">
+            <a:schemeClr val="accent3"/>
+          </a:effectRef>
+          <a:fontRef idx="minor">
+            <a:schemeClr val="dk1"/>
+          </a:fontRef>
+        </p:style>
+        <p:txBody>
+          <a:bodyPr rtlCol="0" anchor="ctr"/>
+          <a:lstStyle/>
+          <a:p>
+            <a:pPr algn="ctr"/>
+            <a:endParaRPr lang="en-US" dirty="0"/>
+          </a:p>
+        </p:txBody>
+      </p:sp>
+      <p:sp>
+        <p:nvSpPr>
+          <p:cNvPr id="55" name="Diamond 54"/>
+          <p:cNvSpPr/>
+          <p:nvPr/>
+        </p:nvSpPr>
+        <p:spPr>
+          <a:xfrm>
+            <a:off x="5886174" y="2883495"/>
+            <a:ext cx="1444386" cy="735454"/>
+          </a:xfrm>
+          <a:prstGeom prst="diamond">
+            <a:avLst/>
+          </a:prstGeom>
+          <a:solidFill>
+            <a:schemeClr val="accent3">
+              <a:lumMod val="75000"/>
+            </a:schemeClr>
+          </a:solidFill>
+          <a:ln w="38100">
+            <a:solidFill>
+              <a:schemeClr val="accent3">
+                <a:lumMod val="75000"/>
+              </a:schemeClr>
+            </a:solidFill>
+          </a:ln>
+        </p:spPr>
+        <p:style>
+          <a:lnRef idx="1">
+            <a:schemeClr val="accent3"/>
+          </a:lnRef>
+          <a:fillRef idx="2">
+            <a:schemeClr val="accent3"/>
+          </a:fillRef>
+          <a:effectRef idx="1">
+            <a:schemeClr val="accent3"/>
+          </a:effectRef>
+          <a:fontRef idx="minor">
+            <a:schemeClr val="dk1"/>
+          </a:fontRef>
+        </p:style>
+        <p:txBody>
+          <a:bodyPr rtlCol="0" anchor="ctr"/>
+          <a:lstStyle/>
+          <a:p>
+            <a:pPr algn="ctr"/>
+            <a:endParaRPr lang="en-US"/>
+          </a:p>
+        </p:txBody>
+      </p:sp>
+      <p:sp>
+        <p:nvSpPr>
+          <p:cNvPr id="56" name="TextBox 55"/>
+          <p:cNvSpPr txBox="1"/>
+          <p:nvPr/>
+        </p:nvSpPr>
+        <p:spPr>
+          <a:xfrm>
+            <a:off x="6066386" y="3615514"/>
+            <a:ext cx="1059906" cy="646331"/>
+          </a:xfrm>
+          <a:prstGeom prst="rect">
+            <a:avLst/>
+          </a:prstGeom>
+          <a:noFill/>
+        </p:spPr>
+        <p:txBody>
+          <a:bodyPr wrap="square" rtlCol="0">
+            <a:spAutoFit/>
+          </a:bodyPr>
+          <a:lstStyle/>
+          <a:p>
+            <a:pPr algn="ctr"/>
+            <a:r>
+              <a:rPr lang="en-US" dirty="0" smtClean="0">
+                <a:solidFill>
+                  <a:schemeClr val="accent3">
+                    <a:lumMod val="50000"/>
+                  </a:schemeClr>
+                </a:solidFill>
+              </a:rPr>
               <a:t>Event</a:t>
             </a:r>
+          </a:p>
+          <a:p>
+            <a:pPr algn="ctr"/>
+            <a:r>
+              <a:rPr lang="en-US" dirty="0" smtClean="0">
+                <a:solidFill>
+                  <a:schemeClr val="accent3">
+                    <a:lumMod val="50000"/>
+                  </a:schemeClr>
+                </a:solidFill>
+              </a:rPr>
+              <a:t>Publisher</a:t>
+            </a:r>
+            <a:endParaRPr lang="en-US" dirty="0">
+              <a:solidFill>
+                <a:schemeClr val="accent3">
+                  <a:lumMod val="50000"/>
+                </a:schemeClr>
+              </a:solidFill>
+            </a:endParaRPr>
+          </a:p>
+        </p:txBody>
+      </p:sp>
+      <p:cxnSp>
+        <p:nvCxnSpPr>
+          <p:cNvPr id="65" name="Straight Arrow Connector 64"/>
+          <p:cNvCxnSpPr/>
+          <p:nvPr/>
+        </p:nvCxnSpPr>
+        <p:spPr>
+          <a:xfrm flipV="1">
+            <a:off x="4870956" y="4339494"/>
+            <a:ext cx="1195430" cy="1241329"/>
+          </a:xfrm>
+          <a:prstGeom prst="straightConnector1">
+            <a:avLst/>
+          </a:prstGeom>
+          <a:ln w="57150">
+            <a:solidFill>
+              <a:schemeClr val="accent3">
+                <a:lumMod val="75000"/>
+              </a:schemeClr>
+            </a:solidFill>
+            <a:tailEnd type="triangle"/>
+          </a:ln>
+        </p:spPr>
+        <p:style>
+          <a:lnRef idx="1">
+            <a:schemeClr val="accent1"/>
+          </a:lnRef>
+          <a:fillRef idx="0">
+            <a:schemeClr val="accent1"/>
+          </a:fillRef>
+          <a:effectRef idx="0">
+            <a:schemeClr val="accent1"/>
+          </a:effectRef>
+          <a:fontRef idx="minor">
+            <a:schemeClr val="tx1"/>
+          </a:fontRef>
+        </p:style>
+      </p:cxnSp>
+      <p:sp>
+        <p:nvSpPr>
+          <p:cNvPr id="24" name="Rectangle 23"/>
+          <p:cNvSpPr/>
+          <p:nvPr/>
+        </p:nvSpPr>
+        <p:spPr>
+          <a:xfrm>
+            <a:off x="1383878" y="5580823"/>
+            <a:ext cx="3501271" cy="478591"/>
+          </a:xfrm>
+          <a:prstGeom prst="rect">
+            <a:avLst/>
+          </a:prstGeom>
+          <a:ln w="57150">
+            <a:prstDash val="sysDot"/>
+          </a:ln>
+        </p:spPr>
+        <p:style>
+          <a:lnRef idx="1">
+            <a:schemeClr val="accent3"/>
+          </a:lnRef>
+          <a:fillRef idx="2">
+            <a:schemeClr val="accent3"/>
+          </a:fillRef>
+          <a:effectRef idx="1">
+            <a:schemeClr val="accent3"/>
+          </a:effectRef>
+          <a:fontRef idx="minor">
+            <a:schemeClr val="dk1"/>
+          </a:fontRef>
+        </p:style>
+        <p:txBody>
+          <a:bodyPr vert="horz" rtlCol="0" anchor="ctr"/>
+          <a:lstStyle/>
+          <a:p>
+            <a:pPr algn="ctr"/>
+            <a:r>
+              <a:rPr lang="en-US" dirty="0" smtClean="0">
+                <a:solidFill>
+                  <a:schemeClr val="accent3">
+                    <a:lumMod val="50000"/>
+                  </a:schemeClr>
+                </a:solidFill>
+              </a:rPr>
+              <a:t>Transaction Log</a:t>
+            </a:r>
+            <a:endParaRPr lang="en-US" dirty="0" smtClean="0">
+              <a:solidFill>
+                <a:schemeClr val="accent3">
+                  <a:lumMod val="50000"/>
+                </a:schemeClr>
+              </a:solidFill>
+            </a:endParaRPr>
+          </a:p>
+        </p:txBody>
+      </p:sp>
+      <p:sp>
+        <p:nvSpPr>
+          <p:cNvPr id="40" name="Flowchart: Magnetic Disk 39"/>
+          <p:cNvSpPr/>
+          <p:nvPr/>
+        </p:nvSpPr>
+        <p:spPr>
+          <a:xfrm>
+            <a:off x="988550" y="4488758"/>
+            <a:ext cx="4522606" cy="1834872"/>
+          </a:xfrm>
+          <a:prstGeom prst="flowChartMagneticDisk">
+            <a:avLst/>
+          </a:prstGeom>
+          <a:noFill/>
+          <a:ln w="38100">
+            <a:prstDash val="sysDot"/>
+          </a:ln>
+          <a:effectLst>
+            <a:outerShdw blurRad="50800" dist="38100" dir="5400000" algn="t" rotWithShape="0">
+              <a:prstClr val="black">
+                <a:alpha val="40000"/>
+              </a:prstClr>
+            </a:outerShdw>
+          </a:effectLst>
+        </p:spPr>
+        <p:style>
+          <a:lnRef idx="3">
+            <a:schemeClr val="lt1"/>
+          </a:lnRef>
+          <a:fillRef idx="1">
+            <a:schemeClr val="accent1"/>
+          </a:fillRef>
+          <a:effectRef idx="1">
+            <a:schemeClr val="accent1"/>
+          </a:effectRef>
+          <a:fontRef idx="minor">
+            <a:schemeClr val="lt1"/>
+          </a:fontRef>
+        </p:style>
+        <p:txBody>
+          <a:bodyPr rtlCol="0" anchor="ctr"/>
+          <a:lstStyle/>
+          <a:p>
+            <a:pPr algn="ctr"/>
+            <a:endParaRPr lang="en-US"/>
           </a:p>
         </p:txBody>
       </p:sp>
     </p:spTree>
     <p:extLst>
       <p:ext uri="{BB962C8B-B14F-4D97-AF65-F5344CB8AC3E}">
-        <p14:creationId xmlns:p14="http://schemas.microsoft.com/office/powerpoint/2010/main" val="3541929606"/>
+        <p14:creationId xmlns:p14="http://schemas.microsoft.com/office/powerpoint/2010/main" val="1677658167"/>
       </p:ext>
     </p:extLst>
   </p:cSld>

--- a/t18-event-mongodb.pptx
+++ b/t18-event-mongodb.pptx
@@ -6798,14 +6798,14 @@
       </p:sp>
       <p:sp>
         <p:nvSpPr>
-          <p:cNvPr id="31" name="TextBox 30"/>
+          <p:cNvPr id="32" name="TextBox 31"/>
           <p:cNvSpPr txBox="1"/>
           <p:nvPr/>
         </p:nvSpPr>
         <p:spPr>
           <a:xfrm>
-            <a:off x="8769627" y="-529429"/>
-            <a:ext cx="2026517" cy="6001643"/>
+            <a:off x="3980742" y="670708"/>
+            <a:ext cx="1209091" cy="2185214"/>
           </a:xfrm>
           <a:prstGeom prst="rect">
             <a:avLst/>
@@ -6813,65 +6813,29 @@
           <a:noFill/>
         </p:spPr>
         <p:txBody>
-          <a:bodyPr wrap="none" rtlCol="0">
+          <a:bodyPr wrap="square" rtlCol="0">
             <a:spAutoFit/>
           </a:bodyPr>
           <a:lstStyle/>
           <a:p>
             <a:r>
-              <a:rPr lang="en-US" sz="38400" dirty="0" smtClean="0">
+              <a:rPr lang="en-US" sz="13600" dirty="0">
                 <a:solidFill>
                   <a:srgbClr val="FF0000"/>
                 </a:solidFill>
-                <a:latin typeface="Bradley Hand ITC" panose="03070402050302030203" pitchFamily="66" charset="0"/>
+                <a:latin typeface="Arial Unicode MS" panose="020B0604020202020204" pitchFamily="34" charset="-128"/>
+                <a:ea typeface="Arial Unicode MS" panose="020B0604020202020204" pitchFamily="34" charset="-128"/>
+                <a:cs typeface="Arial Unicode MS" panose="020B0604020202020204" pitchFamily="34" charset="-128"/>
               </a:rPr>
-              <a:t>?</a:t>
-            </a:r>
-            <a:endParaRPr lang="en-US" sz="38400" dirty="0">
+              <a:t>✕</a:t>
+            </a:r>
+            <a:endParaRPr lang="en-US" sz="13600" dirty="0">
               <a:solidFill>
                 <a:srgbClr val="FF0000"/>
               </a:solidFill>
-              <a:latin typeface="Bradley Hand ITC" panose="03070402050302030203" pitchFamily="66" charset="0"/>
-            </a:endParaRPr>
-          </a:p>
-        </p:txBody>
-      </p:sp>
-      <p:sp>
-        <p:nvSpPr>
-          <p:cNvPr id="32" name="TextBox 31"/>
-          <p:cNvSpPr txBox="1"/>
-          <p:nvPr/>
-        </p:nvSpPr>
-        <p:spPr>
-          <a:xfrm>
-            <a:off x="4195704" y="267106"/>
-            <a:ext cx="1720332" cy="3063515"/>
-          </a:xfrm>
-          <a:prstGeom prst="rect">
-            <a:avLst/>
-          </a:prstGeom>
-          <a:noFill/>
-        </p:spPr>
-        <p:txBody>
-          <a:bodyPr wrap="square" rtlCol="0">
-            <a:spAutoFit/>
-          </a:bodyPr>
-          <a:lstStyle/>
-          <a:p>
-            <a:r>
-              <a:rPr lang="en-US" sz="19200" dirty="0" smtClean="0">
-                <a:solidFill>
-                  <a:srgbClr val="FF0000"/>
-                </a:solidFill>
-                <a:latin typeface="Bradley Hand ITC" panose="03070402050302030203" pitchFamily="66" charset="0"/>
-              </a:rPr>
-              <a:t>X</a:t>
-            </a:r>
-            <a:endParaRPr lang="en-US" sz="19200" dirty="0">
-              <a:solidFill>
-                <a:srgbClr val="FF0000"/>
-              </a:solidFill>
-              <a:latin typeface="Bradley Hand ITC" panose="03070402050302030203" pitchFamily="66" charset="0"/>
+              <a:latin typeface="Arial Unicode MS" panose="020B0604020202020204" pitchFamily="34" charset="-128"/>
+              <a:ea typeface="Arial Unicode MS" panose="020B0604020202020204" pitchFamily="34" charset="-128"/>
+              <a:cs typeface="Arial Unicode MS" panose="020B0604020202020204" pitchFamily="34" charset="-128"/>
             </a:endParaRPr>
           </a:p>
         </p:txBody>
@@ -6998,6 +6962,50 @@
               <a:rPr lang="en-US" dirty="0" smtClean="0"/>
               <a:t>Event</a:t>
             </a:r>
+          </a:p>
+        </p:txBody>
+      </p:sp>
+      <p:sp>
+        <p:nvSpPr>
+          <p:cNvPr id="31" name="TextBox 30"/>
+          <p:cNvSpPr txBox="1"/>
+          <p:nvPr/>
+        </p:nvSpPr>
+        <p:spPr>
+          <a:xfrm>
+            <a:off x="9115619" y="508540"/>
+            <a:ext cx="1553630" cy="3046988"/>
+          </a:xfrm>
+          <a:prstGeom prst="rect">
+            <a:avLst/>
+          </a:prstGeom>
+          <a:noFill/>
+        </p:spPr>
+        <p:txBody>
+          <a:bodyPr wrap="none" rtlCol="0">
+            <a:spAutoFit/>
+          </a:bodyPr>
+          <a:lstStyle/>
+          <a:p>
+            <a:r>
+              <a:rPr lang="en-US" sz="19200" dirty="0" smtClean="0">
+                <a:solidFill>
+                  <a:srgbClr val="FF0000"/>
+                </a:solidFill>
+                <a:latin typeface="Arial Unicode MS" panose="020B0604020202020204" pitchFamily="34" charset="-128"/>
+                <a:ea typeface="Arial Unicode MS" panose="020B0604020202020204" pitchFamily="34" charset="-128"/>
+                <a:cs typeface="Arial Unicode MS" panose="020B0604020202020204" pitchFamily="34" charset="-128"/>
+              </a:rPr>
+              <a:t>?</a:t>
+            </a:r>
+            <a:endParaRPr lang="en-US" sz="19200" dirty="0">
+              <a:solidFill>
+                <a:srgbClr val="FF0000"/>
+              </a:solidFill>
+              <a:latin typeface="Arial Unicode MS" panose="020B0604020202020204" pitchFamily="34" charset="-128"/>
+              <a:ea typeface="Arial Unicode MS" panose="020B0604020202020204" pitchFamily="34" charset="-128"/>
+              <a:cs typeface="Arial Unicode MS" panose="020B0604020202020204" pitchFamily="34" charset="-128"/>
+            </a:endParaRPr>
           </a:p>
         </p:txBody>
       </p:sp>
@@ -7222,9 +7230,9 @@
     </p:tnLst>
     <p:bldLst>
       <p:bldP spid="17" grpId="0" animBg="1"/>
-      <p:bldP spid="31" grpId="0"/>
       <p:bldP spid="32" grpId="0"/>
       <p:bldP spid="34" grpId="0"/>
+      <p:bldP spid="31" grpId="0"/>
     </p:bldLst>
   </p:timing>
 </p:sld>

--- a/t18-event-mongodb.pptx
+++ b/t18-event-mongodb.pptx
@@ -5,7 +5,7 @@
     <p:sldMasterId id="2147483756" r:id="rId1"/>
   </p:sldMasterIdLst>
   <p:notesMasterIdLst>
-    <p:notesMasterId r:id="rId11"/>
+    <p:notesMasterId r:id="rId12"/>
   </p:notesMasterIdLst>
   <p:sldIdLst>
     <p:sldId id="258" r:id="rId2"/>
@@ -17,6 +17,7 @@
     <p:sldId id="263" r:id="rId8"/>
     <p:sldId id="265" r:id="rId9"/>
     <p:sldId id="266" r:id="rId10"/>
+    <p:sldId id="267" r:id="rId11"/>
   </p:sldIdLst>
   <p:sldSz cx="12192000" cy="6858000"/>
   <p:notesSz cx="6858000" cy="9144000"/>
@@ -521,7 +522,6 @@
               <a:rPr lang="en-US" sz="1200" dirty="0" smtClean="0"/>
               <a:t>Greetings</a:t>
             </a:r>
-            <a:endParaRPr lang="en-US" sz="1200" dirty="0" smtClean="0"/>
           </a:p>
           <a:p>
             <a:endParaRPr lang="en-US" dirty="0" smtClean="0"/>
@@ -623,6 +623,90 @@
     <p:extLst>
       <p:ext uri="{BB962C8B-B14F-4D97-AF65-F5344CB8AC3E}">
         <p14:creationId xmlns:p14="http://schemas.microsoft.com/office/powerpoint/2010/main" val="335734375"/>
+      </p:ext>
+    </p:extLst>
+  </p:cSld>
+  <p:clrMapOvr>
+    <a:masterClrMapping/>
+  </p:clrMapOvr>
+</p:notes>
+</file>
+
+<file path=ppt/notesSlides/notesSlide10.xml><?xml version="1.0" encoding="utf-8"?>
+<p:notes xmlns:a="http://schemas.openxmlformats.org/drawingml/2006/main" xmlns:r="http://schemas.openxmlformats.org/officeDocument/2006/relationships" xmlns:p="http://schemas.openxmlformats.org/presentationml/2006/main">
+  <p:cSld>
+    <p:spTree>
+      <p:nvGrpSpPr>
+        <p:cNvPr id="1" name=""/>
+        <p:cNvGrpSpPr/>
+        <p:nvPr/>
+      </p:nvGrpSpPr>
+      <p:grpSpPr>
+        <a:xfrm>
+          <a:off x="0" y="0"/>
+          <a:ext cx="0" cy="0"/>
+          <a:chOff x="0" y="0"/>
+          <a:chExt cx="0" cy="0"/>
+        </a:xfrm>
+      </p:grpSpPr>
+      <p:sp>
+        <p:nvSpPr>
+          <p:cNvPr id="2" name="Slide Image Placeholder 1"/>
+          <p:cNvSpPr>
+            <a:spLocks noGrp="1" noRot="1" noChangeAspect="1"/>
+          </p:cNvSpPr>
+          <p:nvPr>
+            <p:ph type="sldImg"/>
+          </p:nvPr>
+        </p:nvSpPr>
+        <p:spPr/>
+      </p:sp>
+      <p:sp>
+        <p:nvSpPr>
+          <p:cNvPr id="3" name="Notes Placeholder 2"/>
+          <p:cNvSpPr>
+            <a:spLocks noGrp="1"/>
+          </p:cNvSpPr>
+          <p:nvPr>
+            <p:ph type="body" idx="1"/>
+          </p:nvPr>
+        </p:nvSpPr>
+        <p:spPr/>
+        <p:txBody>
+          <a:bodyPr/>
+          <a:lstStyle/>
+          <a:p>
+            <a:endParaRPr lang="en-US" dirty="0"/>
+          </a:p>
+        </p:txBody>
+      </p:sp>
+      <p:sp>
+        <p:nvSpPr>
+          <p:cNvPr id="4" name="Slide Number Placeholder 3"/>
+          <p:cNvSpPr>
+            <a:spLocks noGrp="1"/>
+          </p:cNvSpPr>
+          <p:nvPr>
+            <p:ph type="sldNum" sz="quarter" idx="10"/>
+          </p:nvPr>
+        </p:nvSpPr>
+        <p:spPr/>
+        <p:txBody>
+          <a:bodyPr/>
+          <a:lstStyle/>
+          <a:p>
+            <a:fld id="{40EA4F9F-6CEF-4B9D-BEB3-40FCF0DF71AE}" type="slidenum">
+              <a:rPr lang="en-US" smtClean="0"/>
+              <a:t>10</a:t>
+            </a:fld>
+            <a:endParaRPr lang="en-US"/>
+          </a:p>
+        </p:txBody>
+      </p:sp>
+    </p:spTree>
+    <p:extLst>
+      <p:ext uri="{BB962C8B-B14F-4D97-AF65-F5344CB8AC3E}">
+        <p14:creationId xmlns:p14="http://schemas.microsoft.com/office/powerpoint/2010/main" val="1127299053"/>
       </p:ext>
     </p:extLst>
   </p:cSld>
@@ -730,11 +814,7 @@
             </a:pPr>
             <a:r>
               <a:rPr lang="en-US" baseline="0" dirty="0" smtClean="0"/>
-              <a:t>Complex domain </a:t>
-            </a:r>
-            <a:r>
-              <a:rPr lang="en-US" baseline="0" dirty="0" smtClean="0"/>
-              <a:t>rules -&gt; </a:t>
+              <a:t>Complex domain rules -&gt; </a:t>
             </a:r>
             <a:r>
               <a:rPr lang="en-US" baseline="0" dirty="0" err="1" smtClean="0"/>
@@ -742,11 +822,7 @@
             </a:r>
             <a:r>
               <a:rPr lang="en-US" baseline="0" dirty="0" smtClean="0"/>
-              <a:t> </a:t>
-            </a:r>
-            <a:r>
-              <a:rPr lang="en-US" baseline="0" dirty="0" smtClean="0"/>
-              <a:t>processing</a:t>
+              <a:t> processing</a:t>
             </a:r>
           </a:p>
           <a:p>
@@ -791,7 +867,6 @@
               <a:rPr lang="en-US" baseline="0" dirty="0" smtClean="0"/>
               <a:t>Keep data in-sync between systems</a:t>
             </a:r>
-            <a:endParaRPr lang="en-US" baseline="0" dirty="0" smtClean="0"/>
           </a:p>
         </p:txBody>
       </p:sp>
@@ -4987,6 +5062,486 @@
 </p:sld>
 </file>
 
+<file path=ppt/slides/slide10.xml><?xml version="1.0" encoding="utf-8"?>
+<p:sld xmlns:a="http://schemas.openxmlformats.org/drawingml/2006/main" xmlns:r="http://schemas.openxmlformats.org/officeDocument/2006/relationships" xmlns:p="http://schemas.openxmlformats.org/presentationml/2006/main">
+  <p:cSld>
+    <p:spTree>
+      <p:nvGrpSpPr>
+        <p:cNvPr id="1" name=""/>
+        <p:cNvGrpSpPr/>
+        <p:nvPr/>
+      </p:nvGrpSpPr>
+      <p:grpSpPr>
+        <a:xfrm>
+          <a:off x="0" y="0"/>
+          <a:ext cx="0" cy="0"/>
+          <a:chOff x="0" y="0"/>
+          <a:chExt cx="0" cy="0"/>
+        </a:xfrm>
+      </p:grpSpPr>
+      <p:sp>
+        <p:nvSpPr>
+          <p:cNvPr id="2" name="Title 1"/>
+          <p:cNvSpPr>
+            <a:spLocks noGrp="1"/>
+          </p:cNvSpPr>
+          <p:nvPr>
+            <p:ph type="ctrTitle"/>
+          </p:nvPr>
+        </p:nvSpPr>
+        <p:spPr>
+          <a:xfrm>
+            <a:off x="1261872" y="383065"/>
+            <a:ext cx="9418320" cy="1062681"/>
+          </a:xfrm>
+        </p:spPr>
+        <p:txBody>
+          <a:bodyPr>
+            <a:normAutofit/>
+          </a:bodyPr>
+          <a:lstStyle/>
+          <a:p>
+            <a:r>
+              <a:rPr lang="en-US" dirty="0" smtClean="0"/>
+              <a:t>Our consideration:</a:t>
+            </a:r>
+            <a:endParaRPr lang="en-US" dirty="0"/>
+          </a:p>
+        </p:txBody>
+      </p:sp>
+      <p:sp>
+        <p:nvSpPr>
+          <p:cNvPr id="3" name="TextBox 2"/>
+          <p:cNvSpPr txBox="1"/>
+          <p:nvPr/>
+        </p:nvSpPr>
+        <p:spPr>
+          <a:xfrm>
+            <a:off x="1268531" y="4296455"/>
+            <a:ext cx="4458785" cy="461665"/>
+          </a:xfrm>
+          <a:prstGeom prst="rect">
+            <a:avLst/>
+          </a:prstGeom>
+          <a:noFill/>
+        </p:spPr>
+        <p:txBody>
+          <a:bodyPr wrap="none" rtlCol="0">
+            <a:spAutoFit/>
+          </a:bodyPr>
+          <a:lstStyle/>
+          <a:p>
+            <a:r>
+              <a:rPr lang="en-US" sz="2400" dirty="0" smtClean="0"/>
+              <a:t>• We have to go with </a:t>
+            </a:r>
+            <a:r>
+              <a:rPr lang="en-US" sz="2400" dirty="0" err="1" smtClean="0"/>
+              <a:t>Oplog</a:t>
+            </a:r>
+            <a:r>
+              <a:rPr lang="en-US" sz="2400" dirty="0" smtClean="0"/>
+              <a:t> tailing</a:t>
+            </a:r>
+            <a:endParaRPr lang="en-US" sz="2400" dirty="0"/>
+          </a:p>
+        </p:txBody>
+      </p:sp>
+      <p:sp>
+        <p:nvSpPr>
+          <p:cNvPr id="4" name="TextBox 3"/>
+          <p:cNvSpPr txBox="1"/>
+          <p:nvPr/>
+        </p:nvSpPr>
+        <p:spPr>
+          <a:xfrm>
+            <a:off x="1268531" y="3559391"/>
+            <a:ext cx="4849276" cy="461665"/>
+          </a:xfrm>
+          <a:prstGeom prst="rect">
+            <a:avLst/>
+          </a:prstGeom>
+          <a:noFill/>
+        </p:spPr>
+        <p:txBody>
+          <a:bodyPr wrap="none" rtlCol="0">
+            <a:spAutoFit/>
+          </a:bodyPr>
+          <a:lstStyle/>
+          <a:p>
+            <a:r>
+              <a:rPr lang="en-US" sz="2400" dirty="0" smtClean="0"/>
+              <a:t>• No ACID transactions support so far</a:t>
+            </a:r>
+            <a:endParaRPr lang="en-US" sz="2400" dirty="0"/>
+          </a:p>
+        </p:txBody>
+      </p:sp>
+      <p:sp>
+        <p:nvSpPr>
+          <p:cNvPr id="5" name="TextBox 4"/>
+          <p:cNvSpPr txBox="1"/>
+          <p:nvPr/>
+        </p:nvSpPr>
+        <p:spPr>
+          <a:xfrm>
+            <a:off x="1261872" y="5033519"/>
+            <a:ext cx="9711185" cy="461665"/>
+          </a:xfrm>
+          <a:prstGeom prst="rect">
+            <a:avLst/>
+          </a:prstGeom>
+          <a:noFill/>
+        </p:spPr>
+        <p:txBody>
+          <a:bodyPr wrap="none" rtlCol="0">
+            <a:spAutoFit/>
+          </a:bodyPr>
+          <a:lstStyle/>
+          <a:p>
+            <a:r>
+              <a:rPr lang="en-US" sz="2400" dirty="0" smtClean="0"/>
+              <a:t>• MongoDB 3.6 with Change Streams just released and available for upgrade</a:t>
+            </a:r>
+            <a:endParaRPr lang="en-US" sz="2400" dirty="0"/>
+          </a:p>
+        </p:txBody>
+      </p:sp>
+      <p:sp>
+        <p:nvSpPr>
+          <p:cNvPr id="6" name="TextBox 5"/>
+          <p:cNvSpPr txBox="1"/>
+          <p:nvPr/>
+        </p:nvSpPr>
+        <p:spPr>
+          <a:xfrm>
+            <a:off x="1268531" y="2085263"/>
+            <a:ext cx="3858107" cy="461665"/>
+          </a:xfrm>
+          <a:prstGeom prst="rect">
+            <a:avLst/>
+          </a:prstGeom>
+          <a:noFill/>
+        </p:spPr>
+        <p:txBody>
+          <a:bodyPr wrap="none" rtlCol="0">
+            <a:spAutoFit/>
+          </a:bodyPr>
+          <a:lstStyle/>
+          <a:p>
+            <a:r>
+              <a:rPr lang="en-US" sz="2400" dirty="0" smtClean="0"/>
+              <a:t>• MongoDB 3.4 in production</a:t>
+            </a:r>
+            <a:endParaRPr lang="en-US" sz="2400" dirty="0"/>
+          </a:p>
+        </p:txBody>
+      </p:sp>
+      <p:sp>
+        <p:nvSpPr>
+          <p:cNvPr id="7" name="TextBox 6"/>
+          <p:cNvSpPr txBox="1"/>
+          <p:nvPr/>
+        </p:nvSpPr>
+        <p:spPr>
+          <a:xfrm>
+            <a:off x="1268531" y="2822327"/>
+            <a:ext cx="5266891" cy="461665"/>
+          </a:xfrm>
+          <a:prstGeom prst="rect">
+            <a:avLst/>
+          </a:prstGeom>
+          <a:noFill/>
+        </p:spPr>
+        <p:txBody>
+          <a:bodyPr wrap="none" rtlCol="0">
+            <a:spAutoFit/>
+          </a:bodyPr>
+          <a:lstStyle/>
+          <a:p>
+            <a:r>
+              <a:rPr lang="en-US" sz="2400" dirty="0" smtClean="0"/>
+              <a:t>• Event sourcing requires major redesign</a:t>
+            </a:r>
+            <a:endParaRPr lang="en-US" sz="2400" dirty="0"/>
+          </a:p>
+        </p:txBody>
+      </p:sp>
+    </p:spTree>
+    <p:extLst>
+      <p:ext uri="{BB962C8B-B14F-4D97-AF65-F5344CB8AC3E}">
+        <p14:creationId xmlns:p14="http://schemas.microsoft.com/office/powerpoint/2010/main" val="1932542026"/>
+      </p:ext>
+    </p:extLst>
+  </p:cSld>
+  <p:clrMapOvr>
+    <a:masterClrMapping/>
+  </p:clrMapOvr>
+  <p:timing>
+    <p:tnLst>
+      <p:par>
+        <p:cTn id="1" dur="indefinite" restart="never" nodeType="tmRoot">
+          <p:childTnLst>
+            <p:seq concurrent="1" nextAc="seek">
+              <p:cTn id="2" dur="indefinite" nodeType="mainSeq">
+                <p:childTnLst>
+                  <p:par>
+                    <p:cTn id="3" fill="hold">
+                      <p:stCondLst>
+                        <p:cond delay="indefinite"/>
+                      </p:stCondLst>
+                      <p:childTnLst>
+                        <p:par>
+                          <p:cTn id="4" fill="hold">
+                            <p:stCondLst>
+                              <p:cond delay="0"/>
+                            </p:stCondLst>
+                            <p:childTnLst>
+                              <p:par>
+                                <p:cTn id="5" presetID="1" presetClass="entr" presetSubtype="0" fill="hold" grpId="0" nodeType="clickEffect">
+                                  <p:stCondLst>
+                                    <p:cond delay="0"/>
+                                  </p:stCondLst>
+                                  <p:childTnLst>
+                                    <p:set>
+                                      <p:cBhvr>
+                                        <p:cTn id="6" dur="1" fill="hold">
+                                          <p:stCondLst>
+                                            <p:cond delay="0"/>
+                                          </p:stCondLst>
+                                        </p:cTn>
+                                        <p:tgtEl>
+                                          <p:spTgt spid="6"/>
+                                        </p:tgtEl>
+                                        <p:attrNameLst>
+                                          <p:attrName>style.visibility</p:attrName>
+                                        </p:attrNameLst>
+                                      </p:cBhvr>
+                                      <p:to>
+                                        <p:strVal val="visible"/>
+                                      </p:to>
+                                    </p:set>
+                                  </p:childTnLst>
+                                </p:cTn>
+                              </p:par>
+                            </p:childTnLst>
+                          </p:cTn>
+                        </p:par>
+                      </p:childTnLst>
+                    </p:cTn>
+                  </p:par>
+                  <p:par>
+                    <p:cTn id="7" fill="hold">
+                      <p:stCondLst>
+                        <p:cond delay="indefinite"/>
+                      </p:stCondLst>
+                      <p:childTnLst>
+                        <p:par>
+                          <p:cTn id="8" fill="hold">
+                            <p:stCondLst>
+                              <p:cond delay="0"/>
+                            </p:stCondLst>
+                            <p:childTnLst>
+                              <p:par>
+                                <p:cTn id="9" presetID="1" presetClass="entr" presetSubtype="0" fill="hold" grpId="0" nodeType="clickEffect">
+                                  <p:stCondLst>
+                                    <p:cond delay="0"/>
+                                  </p:stCondLst>
+                                  <p:childTnLst>
+                                    <p:set>
+                                      <p:cBhvr>
+                                        <p:cTn id="10" dur="1" fill="hold">
+                                          <p:stCondLst>
+                                            <p:cond delay="0"/>
+                                          </p:stCondLst>
+                                        </p:cTn>
+                                        <p:tgtEl>
+                                          <p:spTgt spid="7"/>
+                                        </p:tgtEl>
+                                        <p:attrNameLst>
+                                          <p:attrName>style.visibility</p:attrName>
+                                        </p:attrNameLst>
+                                      </p:cBhvr>
+                                      <p:to>
+                                        <p:strVal val="visible"/>
+                                      </p:to>
+                                    </p:set>
+                                  </p:childTnLst>
+                                </p:cTn>
+                              </p:par>
+                            </p:childTnLst>
+                          </p:cTn>
+                        </p:par>
+                      </p:childTnLst>
+                    </p:cTn>
+                  </p:par>
+                  <p:par>
+                    <p:cTn id="11" fill="hold">
+                      <p:stCondLst>
+                        <p:cond delay="indefinite"/>
+                      </p:stCondLst>
+                      <p:childTnLst>
+                        <p:par>
+                          <p:cTn id="12" fill="hold">
+                            <p:stCondLst>
+                              <p:cond delay="0"/>
+                            </p:stCondLst>
+                            <p:childTnLst>
+                              <p:par>
+                                <p:cTn id="13" presetID="1" presetClass="entr" presetSubtype="0" fill="hold" grpId="0" nodeType="clickEffect">
+                                  <p:stCondLst>
+                                    <p:cond delay="0"/>
+                                  </p:stCondLst>
+                                  <p:childTnLst>
+                                    <p:set>
+                                      <p:cBhvr>
+                                        <p:cTn id="14" dur="1" fill="hold">
+                                          <p:stCondLst>
+                                            <p:cond delay="0"/>
+                                          </p:stCondLst>
+                                        </p:cTn>
+                                        <p:tgtEl>
+                                          <p:spTgt spid="4"/>
+                                        </p:tgtEl>
+                                        <p:attrNameLst>
+                                          <p:attrName>style.visibility</p:attrName>
+                                        </p:attrNameLst>
+                                      </p:cBhvr>
+                                      <p:to>
+                                        <p:strVal val="visible"/>
+                                      </p:to>
+                                    </p:set>
+                                  </p:childTnLst>
+                                </p:cTn>
+                              </p:par>
+                            </p:childTnLst>
+                          </p:cTn>
+                        </p:par>
+                      </p:childTnLst>
+                    </p:cTn>
+                  </p:par>
+                  <p:par>
+                    <p:cTn id="15" fill="hold">
+                      <p:stCondLst>
+                        <p:cond delay="indefinite"/>
+                      </p:stCondLst>
+                      <p:childTnLst>
+                        <p:par>
+                          <p:cTn id="16" fill="hold">
+                            <p:stCondLst>
+                              <p:cond delay="0"/>
+                            </p:stCondLst>
+                            <p:childTnLst>
+                              <p:par>
+                                <p:cTn id="17" presetID="1" presetClass="entr" presetSubtype="0" fill="hold" grpId="0" nodeType="clickEffect">
+                                  <p:stCondLst>
+                                    <p:cond delay="0"/>
+                                  </p:stCondLst>
+                                  <p:childTnLst>
+                                    <p:set>
+                                      <p:cBhvr>
+                                        <p:cTn id="18" dur="1" fill="hold">
+                                          <p:stCondLst>
+                                            <p:cond delay="0"/>
+                                          </p:stCondLst>
+                                        </p:cTn>
+                                        <p:tgtEl>
+                                          <p:spTgt spid="3"/>
+                                        </p:tgtEl>
+                                        <p:attrNameLst>
+                                          <p:attrName>style.visibility</p:attrName>
+                                        </p:attrNameLst>
+                                      </p:cBhvr>
+                                      <p:to>
+                                        <p:strVal val="visible"/>
+                                      </p:to>
+                                    </p:set>
+                                  </p:childTnLst>
+                                </p:cTn>
+                              </p:par>
+                            </p:childTnLst>
+                          </p:cTn>
+                        </p:par>
+                      </p:childTnLst>
+                    </p:cTn>
+                  </p:par>
+                  <p:par>
+                    <p:cTn id="19" fill="hold">
+                      <p:stCondLst>
+                        <p:cond delay="indefinite"/>
+                      </p:stCondLst>
+                      <p:childTnLst>
+                        <p:par>
+                          <p:cTn id="20" fill="hold">
+                            <p:stCondLst>
+                              <p:cond delay="0"/>
+                            </p:stCondLst>
+                            <p:childTnLst>
+                              <p:par>
+                                <p:cTn id="21" presetID="1" presetClass="entr" presetSubtype="0" fill="hold" grpId="0" nodeType="clickEffect">
+                                  <p:stCondLst>
+                                    <p:cond delay="0"/>
+                                  </p:stCondLst>
+                                  <p:childTnLst>
+                                    <p:set>
+                                      <p:cBhvr>
+                                        <p:cTn id="22" dur="1" fill="hold">
+                                          <p:stCondLst>
+                                            <p:cond delay="0"/>
+                                          </p:stCondLst>
+                                        </p:cTn>
+                                        <p:tgtEl>
+                                          <p:spTgt spid="5"/>
+                                        </p:tgtEl>
+                                        <p:attrNameLst>
+                                          <p:attrName>style.visibility</p:attrName>
+                                        </p:attrNameLst>
+                                      </p:cBhvr>
+                                      <p:to>
+                                        <p:strVal val="visible"/>
+                                      </p:to>
+                                    </p:set>
+                                  </p:childTnLst>
+                                </p:cTn>
+                              </p:par>
+                            </p:childTnLst>
+                          </p:cTn>
+                        </p:par>
+                      </p:childTnLst>
+                    </p:cTn>
+                  </p:par>
+                </p:childTnLst>
+              </p:cTn>
+              <p:prevCondLst>
+                <p:cond evt="onPrev" delay="0">
+                  <p:tgtEl>
+                    <p:sldTgt/>
+                  </p:tgtEl>
+                </p:cond>
+              </p:prevCondLst>
+              <p:nextCondLst>
+                <p:cond evt="onNext" delay="0">
+                  <p:tgtEl>
+                    <p:sldTgt/>
+                  </p:tgtEl>
+                </p:cond>
+              </p:nextCondLst>
+            </p:seq>
+          </p:childTnLst>
+        </p:cTn>
+      </p:par>
+    </p:tnLst>
+    <p:bldLst>
+      <p:bldP spid="3" grpId="0"/>
+      <p:bldP spid="4" grpId="0"/>
+      <p:bldP spid="5" grpId="0"/>
+      <p:bldP spid="6" grpId="0"/>
+      <p:bldP spid="7" grpId="0"/>
+    </p:bldLst>
+  </p:timing>
+</p:sld>
+</file>
+
 <file path=ppt/slides/slide2.xml><?xml version="1.0" encoding="utf-8"?>
 <p:sld xmlns:a="http://schemas.openxmlformats.org/drawingml/2006/main" xmlns:r="http://schemas.openxmlformats.org/officeDocument/2006/relationships" xmlns:p="http://schemas.openxmlformats.org/presentationml/2006/main">
   <p:cSld>
@@ -5106,15 +5661,7 @@
             </a:r>
             <a:r>
               <a:rPr lang="en-US" dirty="0" smtClean="0"/>
-              <a:t>architecture</a:t>
-            </a:r>
-            <a:r>
-              <a:rPr lang="en-US" dirty="0" smtClean="0"/>
-              <a:t> </a:t>
-            </a:r>
-            <a:r>
-              <a:rPr lang="en-US" dirty="0" smtClean="0"/>
-              <a:t>is all about</a:t>
+              <a:t>architecture is all about</a:t>
             </a:r>
             <a:r>
               <a:rPr lang="en-US" dirty="0"/>
@@ -5763,7 +6310,6 @@
               <a:rPr lang="en-US" dirty="0" smtClean="0"/>
               <a:t>Command</a:t>
             </a:r>
-            <a:endParaRPr lang="en-US" dirty="0" smtClean="0"/>
           </a:p>
         </p:txBody>
       </p:sp>
@@ -5805,7 +6351,6 @@
               <a:rPr lang="en-US" dirty="0" smtClean="0"/>
               <a:t>Entity 1</a:t>
             </a:r>
-            <a:endParaRPr lang="en-US" dirty="0" smtClean="0"/>
           </a:p>
         </p:txBody>
       </p:sp>
@@ -6095,7 +6640,6 @@
               <a:rPr lang="en-US" dirty="0" smtClean="0"/>
               <a:t>Entity 2</a:t>
             </a:r>
-            <a:endParaRPr lang="en-US" dirty="0" smtClean="0"/>
           </a:p>
         </p:txBody>
       </p:sp>
@@ -6750,7 +7294,6 @@
               <a:rPr lang="en-US" dirty="0" smtClean="0"/>
               <a:t>Entity</a:t>
             </a:r>
-            <a:endParaRPr lang="en-US" dirty="0" smtClean="0"/>
           </a:p>
         </p:txBody>
       </p:sp>
@@ -6792,7 +7335,6 @@
               <a:rPr lang="en-US" dirty="0" smtClean="0"/>
               <a:t>Crash</a:t>
             </a:r>
-            <a:endParaRPr lang="en-US" dirty="0" smtClean="0"/>
           </a:p>
         </p:txBody>
       </p:sp>
@@ -6829,14 +7371,6 @@
               </a:rPr>
               <a:t>✕</a:t>
             </a:r>
-            <a:endParaRPr lang="en-US" sz="13600" dirty="0">
-              <a:solidFill>
-                <a:srgbClr val="FF0000"/>
-              </a:solidFill>
-              <a:latin typeface="Arial Unicode MS" panose="020B0604020202020204" pitchFamily="34" charset="-128"/>
-              <a:ea typeface="Arial Unicode MS" panose="020B0604020202020204" pitchFamily="34" charset="-128"/>
-              <a:cs typeface="Arial Unicode MS" panose="020B0604020202020204" pitchFamily="34" charset="-128"/>
-            </a:endParaRPr>
           </a:p>
         </p:txBody>
       </p:sp>
@@ -8388,17 +8922,7 @@
                   </a:schemeClr>
                 </a:solidFill>
               </a:rPr>
-              <a:t>Service </a:t>
-            </a:r>
-            <a:r>
-              <a:rPr lang="en-US" dirty="0" smtClean="0">
-                <a:solidFill>
-                  <a:schemeClr val="accent3">
-                    <a:lumMod val="50000"/>
-                  </a:schemeClr>
-                </a:solidFill>
-              </a:rPr>
-              <a:t>2</a:t>
+              <a:t>Service 2</a:t>
             </a:r>
             <a:endParaRPr lang="en-US" dirty="0">
               <a:solidFill>
@@ -9460,7 +9984,6 @@
               <a:rPr lang="en-US" dirty="0" smtClean="0"/>
               <a:t>Entity</a:t>
             </a:r>
-            <a:endParaRPr lang="en-US" dirty="0" smtClean="0"/>
           </a:p>
         </p:txBody>
       </p:sp>
@@ -10317,7 +10840,6 @@
               <a:rPr lang="en-US" dirty="0" smtClean="0"/>
               <a:t>Entity</a:t>
             </a:r>
-            <a:endParaRPr lang="en-US" dirty="0" smtClean="0"/>
           </a:p>
         </p:txBody>
       </p:sp>
@@ -10608,13 +11130,6 @@
               </a:rPr>
               <a:t>Transaction Log</a:t>
             </a:r>
-            <a:endParaRPr lang="en-US" dirty="0" smtClean="0">
-              <a:solidFill>
-                <a:schemeClr val="accent3">
-                  <a:lumMod val="50000"/>
-                </a:schemeClr>
-              </a:solidFill>
-            </a:endParaRPr>
           </a:p>
         </p:txBody>
       </p:sp>

--- a/t18-event-mongodb.pptx
+++ b/t18-event-mongodb.pptx
@@ -5,7 +5,7 @@
     <p:sldMasterId id="2147483756" r:id="rId1"/>
   </p:sldMasterIdLst>
   <p:notesMasterIdLst>
-    <p:notesMasterId r:id="rId12"/>
+    <p:notesMasterId r:id="rId13"/>
   </p:notesMasterIdLst>
   <p:sldIdLst>
     <p:sldId id="258" r:id="rId2"/>
@@ -18,6 +18,7 @@
     <p:sldId id="265" r:id="rId9"/>
     <p:sldId id="266" r:id="rId10"/>
     <p:sldId id="267" r:id="rId11"/>
+    <p:sldId id="268" r:id="rId12"/>
   </p:sldIdLst>
   <p:sldSz cx="12192000" cy="6858000"/>
   <p:notesSz cx="6858000" cy="9144000"/>
@@ -716,6 +717,90 @@
 </p:notes>
 </file>
 
+<file path=ppt/notesSlides/notesSlide11.xml><?xml version="1.0" encoding="utf-8"?>
+<p:notes xmlns:a="http://schemas.openxmlformats.org/drawingml/2006/main" xmlns:r="http://schemas.openxmlformats.org/officeDocument/2006/relationships" xmlns:p="http://schemas.openxmlformats.org/presentationml/2006/main">
+  <p:cSld>
+    <p:spTree>
+      <p:nvGrpSpPr>
+        <p:cNvPr id="1" name=""/>
+        <p:cNvGrpSpPr/>
+        <p:nvPr/>
+      </p:nvGrpSpPr>
+      <p:grpSpPr>
+        <a:xfrm>
+          <a:off x="0" y="0"/>
+          <a:ext cx="0" cy="0"/>
+          <a:chOff x="0" y="0"/>
+          <a:chExt cx="0" cy="0"/>
+        </a:xfrm>
+      </p:grpSpPr>
+      <p:sp>
+        <p:nvSpPr>
+          <p:cNvPr id="2" name="Slide Image Placeholder 1"/>
+          <p:cNvSpPr>
+            <a:spLocks noGrp="1" noRot="1" noChangeAspect="1"/>
+          </p:cNvSpPr>
+          <p:nvPr>
+            <p:ph type="sldImg"/>
+          </p:nvPr>
+        </p:nvSpPr>
+        <p:spPr/>
+      </p:sp>
+      <p:sp>
+        <p:nvSpPr>
+          <p:cNvPr id="3" name="Notes Placeholder 2"/>
+          <p:cNvSpPr>
+            <a:spLocks noGrp="1"/>
+          </p:cNvSpPr>
+          <p:nvPr>
+            <p:ph type="body" idx="1"/>
+          </p:nvPr>
+        </p:nvSpPr>
+        <p:spPr/>
+        <p:txBody>
+          <a:bodyPr/>
+          <a:lstStyle/>
+          <a:p>
+            <a:endParaRPr lang="en-US" dirty="0"/>
+          </a:p>
+        </p:txBody>
+      </p:sp>
+      <p:sp>
+        <p:nvSpPr>
+          <p:cNvPr id="4" name="Slide Number Placeholder 3"/>
+          <p:cNvSpPr>
+            <a:spLocks noGrp="1"/>
+          </p:cNvSpPr>
+          <p:nvPr>
+            <p:ph type="sldNum" sz="quarter" idx="10"/>
+          </p:nvPr>
+        </p:nvSpPr>
+        <p:spPr/>
+        <p:txBody>
+          <a:bodyPr/>
+          <a:lstStyle/>
+          <a:p>
+            <a:fld id="{40EA4F9F-6CEF-4B9D-BEB3-40FCF0DF71AE}" type="slidenum">
+              <a:rPr lang="en-US" smtClean="0"/>
+              <a:t>11</a:t>
+            </a:fld>
+            <a:endParaRPr lang="en-US"/>
+          </a:p>
+        </p:txBody>
+      </p:sp>
+    </p:spTree>
+    <p:extLst>
+      <p:ext uri="{BB962C8B-B14F-4D97-AF65-F5344CB8AC3E}">
+        <p14:creationId xmlns:p14="http://schemas.microsoft.com/office/powerpoint/2010/main" val="3889020795"/>
+      </p:ext>
+    </p:extLst>
+  </p:cSld>
+  <p:clrMapOvr>
+    <a:masterClrMapping/>
+  </p:clrMapOvr>
+</p:notes>
+</file>
+
 <file path=ppt/notesSlides/notesSlide2.xml><?xml version="1.0" encoding="utf-8"?>
 <p:notes xmlns:a="http://schemas.openxmlformats.org/drawingml/2006/main" xmlns:r="http://schemas.openxmlformats.org/officeDocument/2006/relationships" xmlns:p="http://schemas.openxmlformats.org/presentationml/2006/main">
   <p:cSld>
@@ -1390,13 +1475,7 @@
           <a:p>
             <a:r>
               <a:rPr lang="en-US" dirty="0" smtClean="0"/>
-              <a:t>No applicable for us</a:t>
-            </a:r>
-          </a:p>
-          <a:p>
-            <a:r>
-              <a:rPr lang="en-US" baseline="0" dirty="0" smtClean="0"/>
-              <a:t>    Required significant code rewrite</a:t>
+              <a:t>Kafka?</a:t>
             </a:r>
             <a:endParaRPr lang="en-US" dirty="0" smtClean="0"/>
           </a:p>
@@ -5103,7 +5182,11 @@
           <a:p>
             <a:r>
               <a:rPr lang="en-US" dirty="0" smtClean="0"/>
-              <a:t>Our consideration:</a:t>
+              <a:t>Our </a:t>
+            </a:r>
+            <a:r>
+              <a:rPr lang="en-US" dirty="0" smtClean="0"/>
+              <a:t>considerations:</a:t>
             </a:r>
             <a:endParaRPr lang="en-US" dirty="0"/>
           </a:p>
@@ -5537,6 +5620,729 @@
       <p:bldP spid="5" grpId="0"/>
       <p:bldP spid="6" grpId="0"/>
       <p:bldP spid="7" grpId="0"/>
+    </p:bldLst>
+  </p:timing>
+</p:sld>
+</file>
+
+<file path=ppt/slides/slide11.xml><?xml version="1.0" encoding="utf-8"?>
+<p:sld xmlns:a="http://schemas.openxmlformats.org/drawingml/2006/main" xmlns:r="http://schemas.openxmlformats.org/officeDocument/2006/relationships" xmlns:p="http://schemas.openxmlformats.org/presentationml/2006/main">
+  <p:cSld>
+    <p:spTree>
+      <p:nvGrpSpPr>
+        <p:cNvPr id="1" name=""/>
+        <p:cNvGrpSpPr/>
+        <p:nvPr/>
+      </p:nvGrpSpPr>
+      <p:grpSpPr>
+        <a:xfrm>
+          <a:off x="0" y="0"/>
+          <a:ext cx="0" cy="0"/>
+          <a:chOff x="0" y="0"/>
+          <a:chExt cx="0" cy="0"/>
+        </a:xfrm>
+      </p:grpSpPr>
+      <p:sp>
+        <p:nvSpPr>
+          <p:cNvPr id="2" name="Title 1"/>
+          <p:cNvSpPr>
+            <a:spLocks noGrp="1"/>
+          </p:cNvSpPr>
+          <p:nvPr>
+            <p:ph type="ctrTitle"/>
+          </p:nvPr>
+        </p:nvSpPr>
+        <p:spPr>
+          <a:xfrm>
+            <a:off x="1261872" y="383065"/>
+            <a:ext cx="9418320" cy="1062681"/>
+          </a:xfrm>
+        </p:spPr>
+        <p:txBody>
+          <a:bodyPr>
+            <a:normAutofit/>
+          </a:bodyPr>
+          <a:lstStyle/>
+          <a:p>
+            <a:r>
+              <a:rPr lang="en-US" dirty="0" err="1" smtClean="0"/>
+              <a:t>Oplog</a:t>
+            </a:r>
+            <a:r>
+              <a:rPr lang="en-US" dirty="0" smtClean="0"/>
+              <a:t> tailing</a:t>
+            </a:r>
+            <a:endParaRPr lang="en-US" dirty="0"/>
+          </a:p>
+        </p:txBody>
+      </p:sp>
+      <p:sp>
+        <p:nvSpPr>
+          <p:cNvPr id="3" name="TextBox 2"/>
+          <p:cNvSpPr txBox="1"/>
+          <p:nvPr/>
+        </p:nvSpPr>
+        <p:spPr>
+          <a:xfrm>
+            <a:off x="2491848" y="4742089"/>
+            <a:ext cx="9685537" cy="461665"/>
+          </a:xfrm>
+          <a:prstGeom prst="rect">
+            <a:avLst/>
+          </a:prstGeom>
+          <a:noFill/>
+        </p:spPr>
+        <p:txBody>
+          <a:bodyPr wrap="none" rtlCol="0">
+            <a:spAutoFit/>
+          </a:bodyPr>
+          <a:lstStyle/>
+          <a:p>
+            <a:r>
+              <a:rPr lang="en-US" sz="2400" dirty="0" smtClean="0"/>
+              <a:t>• Move efforts to implement stronger durability with </a:t>
+            </a:r>
+            <a:r>
+              <a:rPr lang="en-US" sz="2400" dirty="0" err="1" smtClean="0"/>
+              <a:t>writeConcern</a:t>
+            </a:r>
+            <a:r>
+              <a:rPr lang="en-US" sz="2400" dirty="0" smtClean="0"/>
+              <a:t>=Majority</a:t>
+            </a:r>
+            <a:endParaRPr lang="en-US" sz="2400" dirty="0"/>
+          </a:p>
+        </p:txBody>
+      </p:sp>
+      <p:sp>
+        <p:nvSpPr>
+          <p:cNvPr id="4" name="TextBox 3"/>
+          <p:cNvSpPr txBox="1"/>
+          <p:nvPr/>
+        </p:nvSpPr>
+        <p:spPr>
+          <a:xfrm>
+            <a:off x="2491848" y="3818759"/>
+            <a:ext cx="4181850" cy="461665"/>
+          </a:xfrm>
+          <a:prstGeom prst="rect">
+            <a:avLst/>
+          </a:prstGeom>
+          <a:noFill/>
+        </p:spPr>
+        <p:txBody>
+          <a:bodyPr wrap="none" rtlCol="0">
+            <a:spAutoFit/>
+          </a:bodyPr>
+          <a:lstStyle/>
+          <a:p>
+            <a:r>
+              <a:rPr lang="en-US" sz="2400" dirty="0" smtClean="0"/>
+              <a:t>• Undocumented low-level API</a:t>
+            </a:r>
+            <a:endParaRPr lang="en-US" sz="2400" dirty="0"/>
+          </a:p>
+        </p:txBody>
+      </p:sp>
+      <p:sp>
+        <p:nvSpPr>
+          <p:cNvPr id="5" name="TextBox 4"/>
+          <p:cNvSpPr txBox="1"/>
+          <p:nvPr/>
+        </p:nvSpPr>
+        <p:spPr>
+          <a:xfrm>
+            <a:off x="2491848" y="5199547"/>
+            <a:ext cx="4523290" cy="461665"/>
+          </a:xfrm>
+          <a:prstGeom prst="rect">
+            <a:avLst/>
+          </a:prstGeom>
+          <a:noFill/>
+        </p:spPr>
+        <p:txBody>
+          <a:bodyPr wrap="none" rtlCol="0">
+            <a:spAutoFit/>
+          </a:bodyPr>
+          <a:lstStyle/>
+          <a:p>
+            <a:r>
+              <a:rPr lang="en-US" sz="2400" dirty="0" smtClean="0"/>
+              <a:t>• Even more difficult with </a:t>
+            </a:r>
+            <a:r>
+              <a:rPr lang="en-US" sz="2400" dirty="0" err="1" smtClean="0"/>
+              <a:t>sharding</a:t>
+            </a:r>
+            <a:endParaRPr lang="en-US" sz="2400" dirty="0"/>
+          </a:p>
+        </p:txBody>
+      </p:sp>
+      <p:sp>
+        <p:nvSpPr>
+          <p:cNvPr id="6" name="TextBox 5"/>
+          <p:cNvSpPr txBox="1"/>
+          <p:nvPr/>
+        </p:nvSpPr>
+        <p:spPr>
+          <a:xfrm>
+            <a:off x="2491848" y="2298620"/>
+            <a:ext cx="5897127" cy="461665"/>
+          </a:xfrm>
+          <a:prstGeom prst="rect">
+            <a:avLst/>
+          </a:prstGeom>
+          <a:noFill/>
+        </p:spPr>
+        <p:txBody>
+          <a:bodyPr wrap="none" rtlCol="0">
+            <a:spAutoFit/>
+          </a:bodyPr>
+          <a:lstStyle/>
+          <a:p>
+            <a:r>
+              <a:rPr lang="en-US" sz="2400" dirty="0" smtClean="0"/>
+              <a:t>• Proven, reliable, widely used in production</a:t>
+            </a:r>
+            <a:endParaRPr lang="en-US" sz="2400" dirty="0"/>
+          </a:p>
+        </p:txBody>
+      </p:sp>
+      <p:sp>
+        <p:nvSpPr>
+          <p:cNvPr id="7" name="TextBox 6"/>
+          <p:cNvSpPr txBox="1"/>
+          <p:nvPr/>
+        </p:nvSpPr>
+        <p:spPr>
+          <a:xfrm>
+            <a:off x="2491848" y="2760285"/>
+            <a:ext cx="5060937" cy="461665"/>
+          </a:xfrm>
+          <a:prstGeom prst="rect">
+            <a:avLst/>
+          </a:prstGeom>
+          <a:noFill/>
+        </p:spPr>
+        <p:txBody>
+          <a:bodyPr wrap="none" rtlCol="0">
+            <a:spAutoFit/>
+          </a:bodyPr>
+          <a:lstStyle/>
+          <a:p>
+            <a:r>
+              <a:rPr lang="en-US" sz="2400" dirty="0" smtClean="0"/>
+              <a:t>• Weak durability with </a:t>
+            </a:r>
+            <a:r>
+              <a:rPr lang="en-US" sz="2400" dirty="0" err="1"/>
+              <a:t>writeConcern</a:t>
+            </a:r>
+            <a:r>
+              <a:rPr lang="en-US" sz="2400" dirty="0"/>
+              <a:t>=1</a:t>
+            </a:r>
+          </a:p>
+        </p:txBody>
+      </p:sp>
+      <p:sp>
+        <p:nvSpPr>
+          <p:cNvPr id="8" name="TextBox 7"/>
+          <p:cNvSpPr txBox="1"/>
+          <p:nvPr/>
+        </p:nvSpPr>
+        <p:spPr>
+          <a:xfrm>
+            <a:off x="1261872" y="1836955"/>
+            <a:ext cx="819327" cy="461665"/>
+          </a:xfrm>
+          <a:prstGeom prst="rect">
+            <a:avLst/>
+          </a:prstGeom>
+          <a:noFill/>
+        </p:spPr>
+        <p:txBody>
+          <a:bodyPr wrap="none" rtlCol="0">
+            <a:spAutoFit/>
+          </a:bodyPr>
+          <a:lstStyle/>
+          <a:p>
+            <a:r>
+              <a:rPr lang="en-US" sz="2400" dirty="0" smtClean="0"/>
+              <a:t>Proc:</a:t>
+            </a:r>
+            <a:endParaRPr lang="en-US" sz="2400" dirty="0"/>
+          </a:p>
+        </p:txBody>
+      </p:sp>
+      <p:sp>
+        <p:nvSpPr>
+          <p:cNvPr id="9" name="TextBox 8"/>
+          <p:cNvSpPr txBox="1"/>
+          <p:nvPr/>
+        </p:nvSpPr>
+        <p:spPr>
+          <a:xfrm>
+            <a:off x="1261872" y="3357094"/>
+            <a:ext cx="873957" cy="461665"/>
+          </a:xfrm>
+          <a:prstGeom prst="rect">
+            <a:avLst/>
+          </a:prstGeom>
+          <a:noFill/>
+        </p:spPr>
+        <p:txBody>
+          <a:bodyPr wrap="none" rtlCol="0">
+            <a:spAutoFit/>
+          </a:bodyPr>
+          <a:lstStyle/>
+          <a:p>
+            <a:r>
+              <a:rPr lang="en-US" sz="2400" dirty="0" smtClean="0"/>
+              <a:t>Cons:</a:t>
+            </a:r>
+            <a:endParaRPr lang="en-US" sz="2400" dirty="0"/>
+          </a:p>
+        </p:txBody>
+      </p:sp>
+      <p:sp>
+        <p:nvSpPr>
+          <p:cNvPr id="10" name="TextBox 9"/>
+          <p:cNvSpPr txBox="1"/>
+          <p:nvPr/>
+        </p:nvSpPr>
+        <p:spPr>
+          <a:xfrm>
+            <a:off x="2491848" y="4280424"/>
+            <a:ext cx="7281032" cy="461665"/>
+          </a:xfrm>
+          <a:prstGeom prst="rect">
+            <a:avLst/>
+          </a:prstGeom>
+          <a:noFill/>
+        </p:spPr>
+        <p:txBody>
+          <a:bodyPr wrap="none" rtlCol="0">
+            <a:spAutoFit/>
+          </a:bodyPr>
+          <a:lstStyle/>
+          <a:p>
+            <a:r>
+              <a:rPr lang="en-US" sz="2400" dirty="0" smtClean="0"/>
+              <a:t>• Private API, can change with next releases of MongoDB</a:t>
+            </a:r>
+            <a:endParaRPr lang="en-US" sz="2400" dirty="0"/>
+          </a:p>
+        </p:txBody>
+      </p:sp>
+    </p:spTree>
+    <p:extLst>
+      <p:ext uri="{BB962C8B-B14F-4D97-AF65-F5344CB8AC3E}">
+        <p14:creationId xmlns:p14="http://schemas.microsoft.com/office/powerpoint/2010/main" val="557248024"/>
+      </p:ext>
+    </p:extLst>
+  </p:cSld>
+  <p:clrMapOvr>
+    <a:masterClrMapping/>
+  </p:clrMapOvr>
+  <p:timing>
+    <p:tnLst>
+      <p:par>
+        <p:cTn id="1" dur="indefinite" restart="never" nodeType="tmRoot">
+          <p:childTnLst>
+            <p:seq concurrent="1" nextAc="seek">
+              <p:cTn id="2" dur="indefinite" nodeType="mainSeq">
+                <p:childTnLst>
+                  <p:par>
+                    <p:cTn id="3" fill="hold">
+                      <p:stCondLst>
+                        <p:cond delay="indefinite"/>
+                      </p:stCondLst>
+                      <p:childTnLst>
+                        <p:par>
+                          <p:cTn id="4" fill="hold">
+                            <p:stCondLst>
+                              <p:cond delay="0"/>
+                            </p:stCondLst>
+                            <p:childTnLst>
+                              <p:par>
+                                <p:cTn id="5" presetID="1" presetClass="entr" presetSubtype="0" fill="hold" grpId="0" nodeType="clickEffect">
+                                  <p:stCondLst>
+                                    <p:cond delay="0"/>
+                                  </p:stCondLst>
+                                  <p:childTnLst>
+                                    <p:set>
+                                      <p:cBhvr>
+                                        <p:cTn id="6" dur="1" fill="hold">
+                                          <p:stCondLst>
+                                            <p:cond delay="0"/>
+                                          </p:stCondLst>
+                                        </p:cTn>
+                                        <p:tgtEl>
+                                          <p:spTgt spid="8"/>
+                                        </p:tgtEl>
+                                        <p:attrNameLst>
+                                          <p:attrName>style.visibility</p:attrName>
+                                        </p:attrNameLst>
+                                      </p:cBhvr>
+                                      <p:to>
+                                        <p:strVal val="visible"/>
+                                      </p:to>
+                                    </p:set>
+                                  </p:childTnLst>
+                                </p:cTn>
+                              </p:par>
+                            </p:childTnLst>
+                          </p:cTn>
+                        </p:par>
+                      </p:childTnLst>
+                    </p:cTn>
+                  </p:par>
+                  <p:par>
+                    <p:cTn id="7" fill="hold">
+                      <p:stCondLst>
+                        <p:cond delay="indefinite"/>
+                      </p:stCondLst>
+                      <p:childTnLst>
+                        <p:par>
+                          <p:cTn id="8" fill="hold">
+                            <p:stCondLst>
+                              <p:cond delay="0"/>
+                            </p:stCondLst>
+                            <p:childTnLst>
+                              <p:par>
+                                <p:cTn id="9" presetID="1" presetClass="entr" presetSubtype="0" fill="hold" grpId="0" nodeType="clickEffect">
+                                  <p:stCondLst>
+                                    <p:cond delay="0"/>
+                                  </p:stCondLst>
+                                  <p:childTnLst>
+                                    <p:set>
+                                      <p:cBhvr>
+                                        <p:cTn id="10" dur="1" fill="hold">
+                                          <p:stCondLst>
+                                            <p:cond delay="0"/>
+                                          </p:stCondLst>
+                                        </p:cTn>
+                                        <p:tgtEl>
+                                          <p:spTgt spid="6"/>
+                                        </p:tgtEl>
+                                        <p:attrNameLst>
+                                          <p:attrName>style.visibility</p:attrName>
+                                        </p:attrNameLst>
+                                      </p:cBhvr>
+                                      <p:to>
+                                        <p:strVal val="visible"/>
+                                      </p:to>
+                                    </p:set>
+                                  </p:childTnLst>
+                                </p:cTn>
+                              </p:par>
+                            </p:childTnLst>
+                          </p:cTn>
+                        </p:par>
+                      </p:childTnLst>
+                    </p:cTn>
+                  </p:par>
+                  <p:par>
+                    <p:cTn id="11" fill="hold">
+                      <p:stCondLst>
+                        <p:cond delay="indefinite"/>
+                      </p:stCondLst>
+                      <p:childTnLst>
+                        <p:par>
+                          <p:cTn id="12" fill="hold">
+                            <p:stCondLst>
+                              <p:cond delay="0"/>
+                            </p:stCondLst>
+                            <p:childTnLst>
+                              <p:par>
+                                <p:cTn id="13" presetID="1" presetClass="entr" presetSubtype="0" fill="hold" grpId="0" nodeType="clickEffect">
+                                  <p:stCondLst>
+                                    <p:cond delay="0"/>
+                                  </p:stCondLst>
+                                  <p:childTnLst>
+                                    <p:set>
+                                      <p:cBhvr>
+                                        <p:cTn id="14" dur="1" fill="hold">
+                                          <p:stCondLst>
+                                            <p:cond delay="0"/>
+                                          </p:stCondLst>
+                                        </p:cTn>
+                                        <p:tgtEl>
+                                          <p:spTgt spid="7"/>
+                                        </p:tgtEl>
+                                        <p:attrNameLst>
+                                          <p:attrName>style.visibility</p:attrName>
+                                        </p:attrNameLst>
+                                      </p:cBhvr>
+                                      <p:to>
+                                        <p:strVal val="visible"/>
+                                      </p:to>
+                                    </p:set>
+                                  </p:childTnLst>
+                                </p:cTn>
+                              </p:par>
+                            </p:childTnLst>
+                          </p:cTn>
+                        </p:par>
+                      </p:childTnLst>
+                    </p:cTn>
+                  </p:par>
+                  <p:par>
+                    <p:cTn id="15" fill="hold">
+                      <p:stCondLst>
+                        <p:cond delay="indefinite"/>
+                      </p:stCondLst>
+                      <p:childTnLst>
+                        <p:par>
+                          <p:cTn id="16" fill="hold">
+                            <p:stCondLst>
+                              <p:cond delay="0"/>
+                            </p:stCondLst>
+                            <p:childTnLst>
+                              <p:par>
+                                <p:cTn id="17" presetID="1" presetClass="entr" presetSubtype="0" fill="hold" grpId="0" nodeType="clickEffect">
+                                  <p:stCondLst>
+                                    <p:cond delay="0"/>
+                                  </p:stCondLst>
+                                  <p:childTnLst>
+                                    <p:set>
+                                      <p:cBhvr>
+                                        <p:cTn id="18" dur="1" fill="hold">
+                                          <p:stCondLst>
+                                            <p:cond delay="0"/>
+                                          </p:stCondLst>
+                                        </p:cTn>
+                                        <p:tgtEl>
+                                          <p:spTgt spid="9"/>
+                                        </p:tgtEl>
+                                        <p:attrNameLst>
+                                          <p:attrName>style.visibility</p:attrName>
+                                        </p:attrNameLst>
+                                      </p:cBhvr>
+                                      <p:to>
+                                        <p:strVal val="visible"/>
+                                      </p:to>
+                                    </p:set>
+                                  </p:childTnLst>
+                                </p:cTn>
+                              </p:par>
+                            </p:childTnLst>
+                          </p:cTn>
+                        </p:par>
+                      </p:childTnLst>
+                    </p:cTn>
+                  </p:par>
+                  <p:par>
+                    <p:cTn id="19" fill="hold">
+                      <p:stCondLst>
+                        <p:cond delay="indefinite"/>
+                      </p:stCondLst>
+                      <p:childTnLst>
+                        <p:par>
+                          <p:cTn id="20" fill="hold">
+                            <p:stCondLst>
+                              <p:cond delay="0"/>
+                            </p:stCondLst>
+                            <p:childTnLst>
+                              <p:par>
+                                <p:cTn id="21" presetID="1" presetClass="entr" presetSubtype="0" fill="hold" grpId="0" nodeType="clickEffect">
+                                  <p:stCondLst>
+                                    <p:cond delay="0"/>
+                                  </p:stCondLst>
+                                  <p:childTnLst>
+                                    <p:set>
+                                      <p:cBhvr>
+                                        <p:cTn id="22" dur="1" fill="hold">
+                                          <p:stCondLst>
+                                            <p:cond delay="0"/>
+                                          </p:stCondLst>
+                                        </p:cTn>
+                                        <p:tgtEl>
+                                          <p:spTgt spid="4"/>
+                                        </p:tgtEl>
+                                        <p:attrNameLst>
+                                          <p:attrName>style.visibility</p:attrName>
+                                        </p:attrNameLst>
+                                      </p:cBhvr>
+                                      <p:to>
+                                        <p:strVal val="visible"/>
+                                      </p:to>
+                                    </p:set>
+                                  </p:childTnLst>
+                                </p:cTn>
+                              </p:par>
+                            </p:childTnLst>
+                          </p:cTn>
+                        </p:par>
+                      </p:childTnLst>
+                    </p:cTn>
+                  </p:par>
+                  <p:par>
+                    <p:cTn id="23" fill="hold">
+                      <p:stCondLst>
+                        <p:cond delay="indefinite"/>
+                      </p:stCondLst>
+                      <p:childTnLst>
+                        <p:par>
+                          <p:cTn id="24" fill="hold">
+                            <p:stCondLst>
+                              <p:cond delay="0"/>
+                            </p:stCondLst>
+                            <p:childTnLst>
+                              <p:par>
+                                <p:cTn id="25" presetID="1" presetClass="entr" presetSubtype="0" fill="hold" grpId="0" nodeType="clickEffect">
+                                  <p:stCondLst>
+                                    <p:cond delay="0"/>
+                                  </p:stCondLst>
+                                  <p:childTnLst>
+                                    <p:set>
+                                      <p:cBhvr>
+                                        <p:cTn id="26" dur="1" fill="hold">
+                                          <p:stCondLst>
+                                            <p:cond delay="0"/>
+                                          </p:stCondLst>
+                                        </p:cTn>
+                                        <p:tgtEl>
+                                          <p:spTgt spid="10"/>
+                                        </p:tgtEl>
+                                        <p:attrNameLst>
+                                          <p:attrName>style.visibility</p:attrName>
+                                        </p:attrNameLst>
+                                      </p:cBhvr>
+                                      <p:to>
+                                        <p:strVal val="visible"/>
+                                      </p:to>
+                                    </p:set>
+                                  </p:childTnLst>
+                                </p:cTn>
+                              </p:par>
+                            </p:childTnLst>
+                          </p:cTn>
+                        </p:par>
+                      </p:childTnLst>
+                    </p:cTn>
+                  </p:par>
+                  <p:par>
+                    <p:cTn id="27" fill="hold">
+                      <p:stCondLst>
+                        <p:cond delay="indefinite"/>
+                      </p:stCondLst>
+                      <p:childTnLst>
+                        <p:par>
+                          <p:cTn id="28" fill="hold">
+                            <p:stCondLst>
+                              <p:cond delay="0"/>
+                            </p:stCondLst>
+                            <p:childTnLst>
+                              <p:par>
+                                <p:cTn id="29" presetID="1" presetClass="entr" presetSubtype="0" fill="hold" grpId="0" nodeType="clickEffect">
+                                  <p:stCondLst>
+                                    <p:cond delay="0"/>
+                                  </p:stCondLst>
+                                  <p:childTnLst>
+                                    <p:set>
+                                      <p:cBhvr>
+                                        <p:cTn id="30" dur="1" fill="hold">
+                                          <p:stCondLst>
+                                            <p:cond delay="0"/>
+                                          </p:stCondLst>
+                                        </p:cTn>
+                                        <p:tgtEl>
+                                          <p:spTgt spid="3"/>
+                                        </p:tgtEl>
+                                        <p:attrNameLst>
+                                          <p:attrName>style.visibility</p:attrName>
+                                        </p:attrNameLst>
+                                      </p:cBhvr>
+                                      <p:to>
+                                        <p:strVal val="visible"/>
+                                      </p:to>
+                                    </p:set>
+                                  </p:childTnLst>
+                                </p:cTn>
+                              </p:par>
+                            </p:childTnLst>
+                          </p:cTn>
+                        </p:par>
+                      </p:childTnLst>
+                    </p:cTn>
+                  </p:par>
+                  <p:par>
+                    <p:cTn id="31" fill="hold">
+                      <p:stCondLst>
+                        <p:cond delay="indefinite"/>
+                      </p:stCondLst>
+                      <p:childTnLst>
+                        <p:par>
+                          <p:cTn id="32" fill="hold">
+                            <p:stCondLst>
+                              <p:cond delay="0"/>
+                            </p:stCondLst>
+                            <p:childTnLst>
+                              <p:par>
+                                <p:cTn id="33" presetID="1" presetClass="entr" presetSubtype="0" fill="hold" grpId="0" nodeType="clickEffect">
+                                  <p:stCondLst>
+                                    <p:cond delay="0"/>
+                                  </p:stCondLst>
+                                  <p:childTnLst>
+                                    <p:set>
+                                      <p:cBhvr>
+                                        <p:cTn id="34" dur="1" fill="hold">
+                                          <p:stCondLst>
+                                            <p:cond delay="0"/>
+                                          </p:stCondLst>
+                                        </p:cTn>
+                                        <p:tgtEl>
+                                          <p:spTgt spid="5"/>
+                                        </p:tgtEl>
+                                        <p:attrNameLst>
+                                          <p:attrName>style.visibility</p:attrName>
+                                        </p:attrNameLst>
+                                      </p:cBhvr>
+                                      <p:to>
+                                        <p:strVal val="visible"/>
+                                      </p:to>
+                                    </p:set>
+                                  </p:childTnLst>
+                                </p:cTn>
+                              </p:par>
+                            </p:childTnLst>
+                          </p:cTn>
+                        </p:par>
+                      </p:childTnLst>
+                    </p:cTn>
+                  </p:par>
+                </p:childTnLst>
+              </p:cTn>
+              <p:prevCondLst>
+                <p:cond evt="onPrev" delay="0">
+                  <p:tgtEl>
+                    <p:sldTgt/>
+                  </p:tgtEl>
+                </p:cond>
+              </p:prevCondLst>
+              <p:nextCondLst>
+                <p:cond evt="onNext" delay="0">
+                  <p:tgtEl>
+                    <p:sldTgt/>
+                  </p:tgtEl>
+                </p:cond>
+              </p:nextCondLst>
+            </p:seq>
+          </p:childTnLst>
+        </p:cTn>
+      </p:par>
+    </p:tnLst>
+    <p:bldLst>
+      <p:bldP spid="3" grpId="0"/>
+      <p:bldP spid="4" grpId="0"/>
+      <p:bldP spid="5" grpId="0"/>
+      <p:bldP spid="6" grpId="0"/>
+      <p:bldP spid="7" grpId="0"/>
+      <p:bldP spid="8" grpId="0"/>
+      <p:bldP spid="9" grpId="0"/>
+      <p:bldP spid="10" grpId="0"/>
     </p:bldLst>
   </p:timing>
 </p:sld>

--- a/t18-event-mongodb.pptx
+++ b/t18-event-mongodb.pptx
@@ -7541,9 +7541,545 @@
   <p:timing>
     <p:tnLst>
       <p:par>
-        <p:cTn id="1" dur="indefinite" restart="never" nodeType="tmRoot"/>
+        <p:cTn id="1" dur="indefinite" restart="never" nodeType="tmRoot">
+          <p:childTnLst>
+            <p:seq concurrent="1" nextAc="seek">
+              <p:cTn id="2" dur="indefinite" nodeType="mainSeq">
+                <p:childTnLst>
+                  <p:par>
+                    <p:cTn id="3" fill="hold">
+                      <p:stCondLst>
+                        <p:cond delay="indefinite"/>
+                      </p:stCondLst>
+                      <p:childTnLst>
+                        <p:par>
+                          <p:cTn id="4" fill="hold">
+                            <p:stCondLst>
+                              <p:cond delay="0"/>
+                            </p:stCondLst>
+                            <p:childTnLst>
+                              <p:par>
+                                <p:cTn id="5" presetID="1" presetClass="entr" presetSubtype="0" fill="hold" grpId="0" nodeType="clickEffect">
+                                  <p:stCondLst>
+                                    <p:cond delay="0"/>
+                                  </p:stCondLst>
+                                  <p:childTnLst>
+                                    <p:set>
+                                      <p:cBhvr>
+                                        <p:cTn id="6" dur="1" fill="hold">
+                                          <p:stCondLst>
+                                            <p:cond delay="0"/>
+                                          </p:stCondLst>
+                                        </p:cTn>
+                                        <p:tgtEl>
+                                          <p:spTgt spid="24"/>
+                                        </p:tgtEl>
+                                        <p:attrNameLst>
+                                          <p:attrName>style.visibility</p:attrName>
+                                        </p:attrNameLst>
+                                      </p:cBhvr>
+                                      <p:to>
+                                        <p:strVal val="visible"/>
+                                      </p:to>
+                                    </p:set>
+                                  </p:childTnLst>
+                                </p:cTn>
+                              </p:par>
+                              <p:par>
+                                <p:cTn id="7" presetID="1" presetClass="entr" presetSubtype="0" fill="hold" nodeType="withEffect">
+                                  <p:stCondLst>
+                                    <p:cond delay="0"/>
+                                  </p:stCondLst>
+                                  <p:childTnLst>
+                                    <p:set>
+                                      <p:cBhvr>
+                                        <p:cTn id="8" dur="1" fill="hold">
+                                          <p:stCondLst>
+                                            <p:cond delay="0"/>
+                                          </p:stCondLst>
+                                        </p:cTn>
+                                        <p:tgtEl>
+                                          <p:spTgt spid="21"/>
+                                        </p:tgtEl>
+                                        <p:attrNameLst>
+                                          <p:attrName>style.visibility</p:attrName>
+                                        </p:attrNameLst>
+                                      </p:cBhvr>
+                                      <p:to>
+                                        <p:strVal val="visible"/>
+                                      </p:to>
+                                    </p:set>
+                                  </p:childTnLst>
+                                </p:cTn>
+                              </p:par>
+                            </p:childTnLst>
+                          </p:cTn>
+                        </p:par>
+                      </p:childTnLst>
+                    </p:cTn>
+                  </p:par>
+                  <p:par>
+                    <p:cTn id="9" fill="hold">
+                      <p:stCondLst>
+                        <p:cond delay="indefinite"/>
+                      </p:stCondLst>
+                      <p:childTnLst>
+                        <p:par>
+                          <p:cTn id="10" fill="hold">
+                            <p:stCondLst>
+                              <p:cond delay="0"/>
+                            </p:stCondLst>
+                            <p:childTnLst>
+                              <p:par>
+                                <p:cTn id="11" presetID="1" presetClass="entr" presetSubtype="0" fill="hold" grpId="0" nodeType="clickEffect">
+                                  <p:stCondLst>
+                                    <p:cond delay="0"/>
+                                  </p:stCondLst>
+                                  <p:childTnLst>
+                                    <p:set>
+                                      <p:cBhvr>
+                                        <p:cTn id="12" dur="1" fill="hold">
+                                          <p:stCondLst>
+                                            <p:cond delay="0"/>
+                                          </p:stCondLst>
+                                        </p:cTn>
+                                        <p:tgtEl>
+                                          <p:spTgt spid="25"/>
+                                        </p:tgtEl>
+                                        <p:attrNameLst>
+                                          <p:attrName>style.visibility</p:attrName>
+                                        </p:attrNameLst>
+                                      </p:cBhvr>
+                                      <p:to>
+                                        <p:strVal val="visible"/>
+                                      </p:to>
+                                    </p:set>
+                                  </p:childTnLst>
+                                </p:cTn>
+                              </p:par>
+                              <p:par>
+                                <p:cTn id="13" presetID="1" presetClass="entr" presetSubtype="0" fill="hold" nodeType="withEffect">
+                                  <p:stCondLst>
+                                    <p:cond delay="0"/>
+                                  </p:stCondLst>
+                                  <p:childTnLst>
+                                    <p:set>
+                                      <p:cBhvr>
+                                        <p:cTn id="14" dur="1" fill="hold">
+                                          <p:stCondLst>
+                                            <p:cond delay="0"/>
+                                          </p:stCondLst>
+                                        </p:cTn>
+                                        <p:tgtEl>
+                                          <p:spTgt spid="10"/>
+                                        </p:tgtEl>
+                                        <p:attrNameLst>
+                                          <p:attrName>style.visibility</p:attrName>
+                                        </p:attrNameLst>
+                                      </p:cBhvr>
+                                      <p:to>
+                                        <p:strVal val="visible"/>
+                                      </p:to>
+                                    </p:set>
+                                  </p:childTnLst>
+                                </p:cTn>
+                              </p:par>
+                            </p:childTnLst>
+                          </p:cTn>
+                        </p:par>
+                      </p:childTnLst>
+                    </p:cTn>
+                  </p:par>
+                  <p:par>
+                    <p:cTn id="15" fill="hold">
+                      <p:stCondLst>
+                        <p:cond delay="indefinite"/>
+                      </p:stCondLst>
+                      <p:childTnLst>
+                        <p:par>
+                          <p:cTn id="16" fill="hold">
+                            <p:stCondLst>
+                              <p:cond delay="0"/>
+                            </p:stCondLst>
+                            <p:childTnLst>
+                              <p:par>
+                                <p:cTn id="17" presetID="1" presetClass="entr" presetSubtype="0" fill="hold" grpId="0" nodeType="clickEffect">
+                                  <p:stCondLst>
+                                    <p:cond delay="0"/>
+                                  </p:stCondLst>
+                                  <p:childTnLst>
+                                    <p:set>
+                                      <p:cBhvr>
+                                        <p:cTn id="18" dur="1" fill="hold">
+                                          <p:stCondLst>
+                                            <p:cond delay="0"/>
+                                          </p:stCondLst>
+                                        </p:cTn>
+                                        <p:tgtEl>
+                                          <p:spTgt spid="26"/>
+                                        </p:tgtEl>
+                                        <p:attrNameLst>
+                                          <p:attrName>style.visibility</p:attrName>
+                                        </p:attrNameLst>
+                                      </p:cBhvr>
+                                      <p:to>
+                                        <p:strVal val="visible"/>
+                                      </p:to>
+                                    </p:set>
+                                  </p:childTnLst>
+                                </p:cTn>
+                              </p:par>
+                              <p:par>
+                                <p:cTn id="19" presetID="1" presetClass="entr" presetSubtype="0" fill="hold" nodeType="withEffect">
+                                  <p:stCondLst>
+                                    <p:cond delay="0"/>
+                                  </p:stCondLst>
+                                  <p:childTnLst>
+                                    <p:set>
+                                      <p:cBhvr>
+                                        <p:cTn id="20" dur="1" fill="hold">
+                                          <p:stCondLst>
+                                            <p:cond delay="0"/>
+                                          </p:stCondLst>
+                                        </p:cTn>
+                                        <p:tgtEl>
+                                          <p:spTgt spid="11"/>
+                                        </p:tgtEl>
+                                        <p:attrNameLst>
+                                          <p:attrName>style.visibility</p:attrName>
+                                        </p:attrNameLst>
+                                      </p:cBhvr>
+                                      <p:to>
+                                        <p:strVal val="visible"/>
+                                      </p:to>
+                                    </p:set>
+                                  </p:childTnLst>
+                                </p:cTn>
+                              </p:par>
+                            </p:childTnLst>
+                          </p:cTn>
+                        </p:par>
+                      </p:childTnLst>
+                    </p:cTn>
+                  </p:par>
+                  <p:par>
+                    <p:cTn id="21" fill="hold">
+                      <p:stCondLst>
+                        <p:cond delay="indefinite"/>
+                      </p:stCondLst>
+                      <p:childTnLst>
+                        <p:par>
+                          <p:cTn id="22" fill="hold">
+                            <p:stCondLst>
+                              <p:cond delay="0"/>
+                            </p:stCondLst>
+                            <p:childTnLst>
+                              <p:par>
+                                <p:cTn id="23" presetID="1" presetClass="entr" presetSubtype="0" fill="hold" grpId="0" nodeType="clickEffect">
+                                  <p:stCondLst>
+                                    <p:cond delay="0"/>
+                                  </p:stCondLst>
+                                  <p:childTnLst>
+                                    <p:set>
+                                      <p:cBhvr>
+                                        <p:cTn id="24" dur="1" fill="hold">
+                                          <p:stCondLst>
+                                            <p:cond delay="0"/>
+                                          </p:stCondLst>
+                                        </p:cTn>
+                                        <p:tgtEl>
+                                          <p:spTgt spid="27"/>
+                                        </p:tgtEl>
+                                        <p:attrNameLst>
+                                          <p:attrName>style.visibility</p:attrName>
+                                        </p:attrNameLst>
+                                      </p:cBhvr>
+                                      <p:to>
+                                        <p:strVal val="visible"/>
+                                      </p:to>
+                                    </p:set>
+                                  </p:childTnLst>
+                                </p:cTn>
+                              </p:par>
+                              <p:par>
+                                <p:cTn id="25" presetID="1" presetClass="entr" presetSubtype="0" fill="hold" nodeType="withEffect">
+                                  <p:stCondLst>
+                                    <p:cond delay="0"/>
+                                  </p:stCondLst>
+                                  <p:childTnLst>
+                                    <p:set>
+                                      <p:cBhvr>
+                                        <p:cTn id="26" dur="1" fill="hold">
+                                          <p:stCondLst>
+                                            <p:cond delay="0"/>
+                                          </p:stCondLst>
+                                        </p:cTn>
+                                        <p:tgtEl>
+                                          <p:spTgt spid="37"/>
+                                        </p:tgtEl>
+                                        <p:attrNameLst>
+                                          <p:attrName>style.visibility</p:attrName>
+                                        </p:attrNameLst>
+                                      </p:cBhvr>
+                                      <p:to>
+                                        <p:strVal val="visible"/>
+                                      </p:to>
+                                    </p:set>
+                                  </p:childTnLst>
+                                </p:cTn>
+                              </p:par>
+                            </p:childTnLst>
+                          </p:cTn>
+                        </p:par>
+                      </p:childTnLst>
+                    </p:cTn>
+                  </p:par>
+                  <p:par>
+                    <p:cTn id="27" fill="hold">
+                      <p:stCondLst>
+                        <p:cond delay="indefinite"/>
+                      </p:stCondLst>
+                      <p:childTnLst>
+                        <p:par>
+                          <p:cTn id="28" fill="hold">
+                            <p:stCondLst>
+                              <p:cond delay="0"/>
+                            </p:stCondLst>
+                            <p:childTnLst>
+                              <p:par>
+                                <p:cTn id="29" presetID="1" presetClass="entr" presetSubtype="0" fill="hold" grpId="0" nodeType="clickEffect">
+                                  <p:stCondLst>
+                                    <p:cond delay="0"/>
+                                  </p:stCondLst>
+                                  <p:childTnLst>
+                                    <p:set>
+                                      <p:cBhvr>
+                                        <p:cTn id="30" dur="1" fill="hold">
+                                          <p:stCondLst>
+                                            <p:cond delay="0"/>
+                                          </p:stCondLst>
+                                        </p:cTn>
+                                        <p:tgtEl>
+                                          <p:spTgt spid="36"/>
+                                        </p:tgtEl>
+                                        <p:attrNameLst>
+                                          <p:attrName>style.visibility</p:attrName>
+                                        </p:attrNameLst>
+                                      </p:cBhvr>
+                                      <p:to>
+                                        <p:strVal val="visible"/>
+                                      </p:to>
+                                    </p:set>
+                                  </p:childTnLst>
+                                </p:cTn>
+                              </p:par>
+                              <p:par>
+                                <p:cTn id="31" presetID="1" presetClass="entr" presetSubtype="0" fill="hold" nodeType="withEffect">
+                                  <p:stCondLst>
+                                    <p:cond delay="0"/>
+                                  </p:stCondLst>
+                                  <p:childTnLst>
+                                    <p:set>
+                                      <p:cBhvr>
+                                        <p:cTn id="32" dur="1" fill="hold">
+                                          <p:stCondLst>
+                                            <p:cond delay="0"/>
+                                          </p:stCondLst>
+                                        </p:cTn>
+                                        <p:tgtEl>
+                                          <p:spTgt spid="33"/>
+                                        </p:tgtEl>
+                                        <p:attrNameLst>
+                                          <p:attrName>style.visibility</p:attrName>
+                                        </p:attrNameLst>
+                                      </p:cBhvr>
+                                      <p:to>
+                                        <p:strVal val="visible"/>
+                                      </p:to>
+                                    </p:set>
+                                  </p:childTnLst>
+                                </p:cTn>
+                              </p:par>
+                            </p:childTnLst>
+                          </p:cTn>
+                        </p:par>
+                      </p:childTnLst>
+                    </p:cTn>
+                  </p:par>
+                  <p:par>
+                    <p:cTn id="33" fill="hold">
+                      <p:stCondLst>
+                        <p:cond delay="indefinite"/>
+                      </p:stCondLst>
+                      <p:childTnLst>
+                        <p:par>
+                          <p:cTn id="34" fill="hold">
+                            <p:stCondLst>
+                              <p:cond delay="0"/>
+                            </p:stCondLst>
+                            <p:childTnLst>
+                              <p:par>
+                                <p:cTn id="35" presetID="1" presetClass="entr" presetSubtype="0" fill="hold" grpId="0" nodeType="clickEffect">
+                                  <p:stCondLst>
+                                    <p:cond delay="0"/>
+                                  </p:stCondLst>
+                                  <p:childTnLst>
+                                    <p:set>
+                                      <p:cBhvr>
+                                        <p:cTn id="36" dur="1" fill="hold">
+                                          <p:stCondLst>
+                                            <p:cond delay="0"/>
+                                          </p:stCondLst>
+                                        </p:cTn>
+                                        <p:tgtEl>
+                                          <p:spTgt spid="29"/>
+                                        </p:tgtEl>
+                                        <p:attrNameLst>
+                                          <p:attrName>style.visibility</p:attrName>
+                                        </p:attrNameLst>
+                                      </p:cBhvr>
+                                      <p:to>
+                                        <p:strVal val="visible"/>
+                                      </p:to>
+                                    </p:set>
+                                  </p:childTnLst>
+                                </p:cTn>
+                              </p:par>
+                              <p:par>
+                                <p:cTn id="37" presetID="1" presetClass="entr" presetSubtype="0" fill="hold" nodeType="withEffect">
+                                  <p:stCondLst>
+                                    <p:cond delay="0"/>
+                                  </p:stCondLst>
+                                  <p:childTnLst>
+                                    <p:set>
+                                      <p:cBhvr>
+                                        <p:cTn id="38" dur="1" fill="hold">
+                                          <p:stCondLst>
+                                            <p:cond delay="0"/>
+                                          </p:stCondLst>
+                                        </p:cTn>
+                                        <p:tgtEl>
+                                          <p:spTgt spid="28"/>
+                                        </p:tgtEl>
+                                        <p:attrNameLst>
+                                          <p:attrName>style.visibility</p:attrName>
+                                        </p:attrNameLst>
+                                      </p:cBhvr>
+                                      <p:to>
+                                        <p:strVal val="visible"/>
+                                      </p:to>
+                                    </p:set>
+                                  </p:childTnLst>
+                                </p:cTn>
+                              </p:par>
+                            </p:childTnLst>
+                          </p:cTn>
+                        </p:par>
+                      </p:childTnLst>
+                    </p:cTn>
+                  </p:par>
+                  <p:par>
+                    <p:cTn id="39" fill="hold">
+                      <p:stCondLst>
+                        <p:cond delay="indefinite"/>
+                      </p:stCondLst>
+                      <p:childTnLst>
+                        <p:par>
+                          <p:cTn id="40" fill="hold">
+                            <p:stCondLst>
+                              <p:cond delay="0"/>
+                            </p:stCondLst>
+                            <p:childTnLst>
+                              <p:par>
+                                <p:cTn id="41" presetID="1" presetClass="entr" presetSubtype="0" fill="hold" nodeType="clickEffect">
+                                  <p:stCondLst>
+                                    <p:cond delay="0"/>
+                                  </p:stCondLst>
+                                  <p:childTnLst>
+                                    <p:set>
+                                      <p:cBhvr>
+                                        <p:cTn id="42" dur="1" fill="hold">
+                                          <p:stCondLst>
+                                            <p:cond delay="0"/>
+                                          </p:stCondLst>
+                                        </p:cTn>
+                                        <p:tgtEl>
+                                          <p:spTgt spid="38"/>
+                                        </p:tgtEl>
+                                        <p:attrNameLst>
+                                          <p:attrName>style.visibility</p:attrName>
+                                        </p:attrNameLst>
+                                      </p:cBhvr>
+                                      <p:to>
+                                        <p:strVal val="visible"/>
+                                      </p:to>
+                                    </p:set>
+                                  </p:childTnLst>
+                                </p:cTn>
+                              </p:par>
+                              <p:par>
+                                <p:cTn id="43" presetID="1" presetClass="entr" presetSubtype="0" fill="hold" grpId="0" nodeType="withEffect">
+                                  <p:stCondLst>
+                                    <p:cond delay="0"/>
+                                  </p:stCondLst>
+                                  <p:childTnLst>
+                                    <p:set>
+                                      <p:cBhvr>
+                                        <p:cTn id="44" dur="1" fill="hold">
+                                          <p:stCondLst>
+                                            <p:cond delay="0"/>
+                                          </p:stCondLst>
+                                        </p:cTn>
+                                        <p:tgtEl>
+                                          <p:spTgt spid="40"/>
+                                        </p:tgtEl>
+                                        <p:attrNameLst>
+                                          <p:attrName>style.visibility</p:attrName>
+                                        </p:attrNameLst>
+                                      </p:cBhvr>
+                                      <p:to>
+                                        <p:strVal val="visible"/>
+                                      </p:to>
+                                    </p:set>
+                                  </p:childTnLst>
+                                </p:cTn>
+                              </p:par>
+                            </p:childTnLst>
+                          </p:cTn>
+                        </p:par>
+                      </p:childTnLst>
+                    </p:cTn>
+                  </p:par>
+                </p:childTnLst>
+              </p:cTn>
+              <p:prevCondLst>
+                <p:cond evt="onPrev" delay="0">
+                  <p:tgtEl>
+                    <p:sldTgt/>
+                  </p:tgtEl>
+                </p:cond>
+              </p:prevCondLst>
+              <p:nextCondLst>
+                <p:cond evt="onNext" delay="0">
+                  <p:tgtEl>
+                    <p:sldTgt/>
+                  </p:tgtEl>
+                </p:cond>
+              </p:nextCondLst>
+            </p:seq>
+          </p:childTnLst>
+        </p:cTn>
       </p:par>
     </p:tnLst>
+    <p:bldLst>
+      <p:bldP spid="24" grpId="0" animBg="1"/>
+      <p:bldP spid="25" grpId="0" animBg="1"/>
+      <p:bldP spid="26" grpId="0" animBg="1"/>
+      <p:bldP spid="27" grpId="0" animBg="1"/>
+      <p:bldP spid="29" grpId="0" animBg="1"/>
+      <p:bldP spid="36" grpId="0" animBg="1"/>
+      <p:bldP spid="40" grpId="0" animBg="1"/>
+    </p:bldLst>
   </p:timing>
 </p:sld>
 </file>

--- a/t18-event-mongodb.pptx
+++ b/t18-event-mongodb.pptx
@@ -1477,7 +1477,6 @@
               <a:rPr lang="en-US" dirty="0" smtClean="0"/>
               <a:t>Kafka?</a:t>
             </a:r>
-            <a:endParaRPr lang="en-US" dirty="0" smtClean="0"/>
           </a:p>
         </p:txBody>
       </p:sp>
@@ -5186,7 +5185,7 @@
             </a:r>
             <a:r>
               <a:rPr lang="en-US" dirty="0" smtClean="0"/>
-              <a:t>considerations:</a:t>
+              <a:t>considerations</a:t>
             </a:r>
             <a:endParaRPr lang="en-US" dirty="0"/>
           </a:p>
@@ -5854,7 +5853,7 @@
         <p:spPr>
           <a:xfrm>
             <a:off x="1261872" y="1836955"/>
-            <a:ext cx="819327" cy="461665"/>
+            <a:ext cx="737574" cy="461665"/>
           </a:xfrm>
           <a:prstGeom prst="rect">
             <a:avLst/>
@@ -5868,8 +5867,8 @@
           <a:lstStyle/>
           <a:p>
             <a:r>
-              <a:rPr lang="en-US" sz="2400" dirty="0" smtClean="0"/>
-              <a:t>Proc:</a:t>
+              <a:rPr lang="en-US" sz="2400" smtClean="0"/>
+              <a:t>Proc</a:t>
             </a:r>
             <a:endParaRPr lang="en-US" sz="2400" dirty="0"/>
           </a:p>
@@ -5884,7 +5883,7 @@
         <p:spPr>
           <a:xfrm>
             <a:off x="1261872" y="3357094"/>
-            <a:ext cx="873957" cy="461665"/>
+            <a:ext cx="792205" cy="461665"/>
           </a:xfrm>
           <a:prstGeom prst="rect">
             <a:avLst/>
@@ -5898,8 +5897,8 @@
           <a:lstStyle/>
           <a:p>
             <a:r>
-              <a:rPr lang="en-US" sz="2400" dirty="0" smtClean="0"/>
-              <a:t>Cons:</a:t>
+              <a:rPr lang="en-US" sz="2400" smtClean="0"/>
+              <a:t>Cons</a:t>
             </a:r>
             <a:endParaRPr lang="en-US" sz="2400" dirty="0"/>
           </a:p>
@@ -7495,7 +7494,7 @@
         </p:nvSpPr>
         <p:spPr>
           <a:xfrm>
-            <a:off x="4170838" y="2581614"/>
+            <a:off x="4165124" y="2510646"/>
             <a:ext cx="1251115" cy="785740"/>
           </a:xfrm>
           <a:prstGeom prst="flowChartDocument">

--- a/t18-event-mongodb.pptx
+++ b/t18-event-mongodb.pptx
@@ -5,7 +5,7 @@
     <p:sldMasterId id="2147483756" r:id="rId1"/>
   </p:sldMasterIdLst>
   <p:notesMasterIdLst>
-    <p:notesMasterId r:id="rId13"/>
+    <p:notesMasterId r:id="rId16"/>
   </p:notesMasterIdLst>
   <p:sldIdLst>
     <p:sldId id="258" r:id="rId2"/>
@@ -19,6 +19,9 @@
     <p:sldId id="266" r:id="rId10"/>
     <p:sldId id="267" r:id="rId11"/>
     <p:sldId id="268" r:id="rId12"/>
+    <p:sldId id="269" r:id="rId13"/>
+    <p:sldId id="270" r:id="rId14"/>
+    <p:sldId id="271" r:id="rId15"/>
   </p:sldIdLst>
   <p:sldSz cx="12192000" cy="6858000"/>
   <p:notesSz cx="6858000" cy="9144000"/>
@@ -207,7 +210,7 @@
           <a:p>
             <a:fld id="{DBCC800D-31EB-4931-99D3-EDB5CCBB0CE8}" type="datetimeFigureOut">
               <a:rPr lang="en-US" smtClean="0"/>
-              <a:t>11/24/2018</a:t>
+              <a:t>11/25/2018</a:t>
             </a:fld>
             <a:endParaRPr lang="en-US"/>
           </a:p>
@@ -801,6 +804,258 @@
 </p:notes>
 </file>
 
+<file path=ppt/notesSlides/notesSlide12.xml><?xml version="1.0" encoding="utf-8"?>
+<p:notes xmlns:a="http://schemas.openxmlformats.org/drawingml/2006/main" xmlns:r="http://schemas.openxmlformats.org/officeDocument/2006/relationships" xmlns:p="http://schemas.openxmlformats.org/presentationml/2006/main">
+  <p:cSld>
+    <p:spTree>
+      <p:nvGrpSpPr>
+        <p:cNvPr id="1" name=""/>
+        <p:cNvGrpSpPr/>
+        <p:nvPr/>
+      </p:nvGrpSpPr>
+      <p:grpSpPr>
+        <a:xfrm>
+          <a:off x="0" y="0"/>
+          <a:ext cx="0" cy="0"/>
+          <a:chOff x="0" y="0"/>
+          <a:chExt cx="0" cy="0"/>
+        </a:xfrm>
+      </p:grpSpPr>
+      <p:sp>
+        <p:nvSpPr>
+          <p:cNvPr id="2" name="Slide Image Placeholder 1"/>
+          <p:cNvSpPr>
+            <a:spLocks noGrp="1" noRot="1" noChangeAspect="1"/>
+          </p:cNvSpPr>
+          <p:nvPr>
+            <p:ph type="sldImg"/>
+          </p:nvPr>
+        </p:nvSpPr>
+        <p:spPr/>
+      </p:sp>
+      <p:sp>
+        <p:nvSpPr>
+          <p:cNvPr id="3" name="Notes Placeholder 2"/>
+          <p:cNvSpPr>
+            <a:spLocks noGrp="1"/>
+          </p:cNvSpPr>
+          <p:nvPr>
+            <p:ph type="body" idx="1"/>
+          </p:nvPr>
+        </p:nvSpPr>
+        <p:spPr/>
+        <p:txBody>
+          <a:bodyPr/>
+          <a:lstStyle/>
+          <a:p>
+            <a:endParaRPr lang="en-US" dirty="0"/>
+          </a:p>
+        </p:txBody>
+      </p:sp>
+      <p:sp>
+        <p:nvSpPr>
+          <p:cNvPr id="4" name="Slide Number Placeholder 3"/>
+          <p:cNvSpPr>
+            <a:spLocks noGrp="1"/>
+          </p:cNvSpPr>
+          <p:nvPr>
+            <p:ph type="sldNum" sz="quarter" idx="10"/>
+          </p:nvPr>
+        </p:nvSpPr>
+        <p:spPr/>
+        <p:txBody>
+          <a:bodyPr/>
+          <a:lstStyle/>
+          <a:p>
+            <a:fld id="{40EA4F9F-6CEF-4B9D-BEB3-40FCF0DF71AE}" type="slidenum">
+              <a:rPr lang="en-US" smtClean="0"/>
+              <a:t>12</a:t>
+            </a:fld>
+            <a:endParaRPr lang="en-US"/>
+          </a:p>
+        </p:txBody>
+      </p:sp>
+    </p:spTree>
+    <p:extLst>
+      <p:ext uri="{BB962C8B-B14F-4D97-AF65-F5344CB8AC3E}">
+        <p14:creationId xmlns:p14="http://schemas.microsoft.com/office/powerpoint/2010/main" val="4208373164"/>
+      </p:ext>
+    </p:extLst>
+  </p:cSld>
+  <p:clrMapOvr>
+    <a:masterClrMapping/>
+  </p:clrMapOvr>
+</p:notes>
+</file>
+
+<file path=ppt/notesSlides/notesSlide13.xml><?xml version="1.0" encoding="utf-8"?>
+<p:notes xmlns:a="http://schemas.openxmlformats.org/drawingml/2006/main" xmlns:r="http://schemas.openxmlformats.org/officeDocument/2006/relationships" xmlns:p="http://schemas.openxmlformats.org/presentationml/2006/main">
+  <p:cSld>
+    <p:spTree>
+      <p:nvGrpSpPr>
+        <p:cNvPr id="1" name=""/>
+        <p:cNvGrpSpPr/>
+        <p:nvPr/>
+      </p:nvGrpSpPr>
+      <p:grpSpPr>
+        <a:xfrm>
+          <a:off x="0" y="0"/>
+          <a:ext cx="0" cy="0"/>
+          <a:chOff x="0" y="0"/>
+          <a:chExt cx="0" cy="0"/>
+        </a:xfrm>
+      </p:grpSpPr>
+      <p:sp>
+        <p:nvSpPr>
+          <p:cNvPr id="2" name="Slide Image Placeholder 1"/>
+          <p:cNvSpPr>
+            <a:spLocks noGrp="1" noRot="1" noChangeAspect="1"/>
+          </p:cNvSpPr>
+          <p:nvPr>
+            <p:ph type="sldImg"/>
+          </p:nvPr>
+        </p:nvSpPr>
+        <p:spPr/>
+      </p:sp>
+      <p:sp>
+        <p:nvSpPr>
+          <p:cNvPr id="3" name="Notes Placeholder 2"/>
+          <p:cNvSpPr>
+            <a:spLocks noGrp="1"/>
+          </p:cNvSpPr>
+          <p:nvPr>
+            <p:ph type="body" idx="1"/>
+          </p:nvPr>
+        </p:nvSpPr>
+        <p:spPr/>
+        <p:txBody>
+          <a:bodyPr/>
+          <a:lstStyle/>
+          <a:p>
+            <a:endParaRPr lang="en-US" dirty="0"/>
+          </a:p>
+        </p:txBody>
+      </p:sp>
+      <p:sp>
+        <p:nvSpPr>
+          <p:cNvPr id="4" name="Slide Number Placeholder 3"/>
+          <p:cNvSpPr>
+            <a:spLocks noGrp="1"/>
+          </p:cNvSpPr>
+          <p:nvPr>
+            <p:ph type="sldNum" sz="quarter" idx="10"/>
+          </p:nvPr>
+        </p:nvSpPr>
+        <p:spPr/>
+        <p:txBody>
+          <a:bodyPr/>
+          <a:lstStyle/>
+          <a:p>
+            <a:fld id="{40EA4F9F-6CEF-4B9D-BEB3-40FCF0DF71AE}" type="slidenum">
+              <a:rPr lang="en-US" smtClean="0"/>
+              <a:t>13</a:t>
+            </a:fld>
+            <a:endParaRPr lang="en-US"/>
+          </a:p>
+        </p:txBody>
+      </p:sp>
+    </p:spTree>
+    <p:extLst>
+      <p:ext uri="{BB962C8B-B14F-4D97-AF65-F5344CB8AC3E}">
+        <p14:creationId xmlns:p14="http://schemas.microsoft.com/office/powerpoint/2010/main" val="1395154103"/>
+      </p:ext>
+    </p:extLst>
+  </p:cSld>
+  <p:clrMapOvr>
+    <a:masterClrMapping/>
+  </p:clrMapOvr>
+</p:notes>
+</file>
+
+<file path=ppt/notesSlides/notesSlide14.xml><?xml version="1.0" encoding="utf-8"?>
+<p:notes xmlns:a="http://schemas.openxmlformats.org/drawingml/2006/main" xmlns:r="http://schemas.openxmlformats.org/officeDocument/2006/relationships" xmlns:p="http://schemas.openxmlformats.org/presentationml/2006/main">
+  <p:cSld>
+    <p:spTree>
+      <p:nvGrpSpPr>
+        <p:cNvPr id="1" name=""/>
+        <p:cNvGrpSpPr/>
+        <p:nvPr/>
+      </p:nvGrpSpPr>
+      <p:grpSpPr>
+        <a:xfrm>
+          <a:off x="0" y="0"/>
+          <a:ext cx="0" cy="0"/>
+          <a:chOff x="0" y="0"/>
+          <a:chExt cx="0" cy="0"/>
+        </a:xfrm>
+      </p:grpSpPr>
+      <p:sp>
+        <p:nvSpPr>
+          <p:cNvPr id="2" name="Slide Image Placeholder 1"/>
+          <p:cNvSpPr>
+            <a:spLocks noGrp="1" noRot="1" noChangeAspect="1"/>
+          </p:cNvSpPr>
+          <p:nvPr>
+            <p:ph type="sldImg"/>
+          </p:nvPr>
+        </p:nvSpPr>
+        <p:spPr/>
+      </p:sp>
+      <p:sp>
+        <p:nvSpPr>
+          <p:cNvPr id="3" name="Notes Placeholder 2"/>
+          <p:cNvSpPr>
+            <a:spLocks noGrp="1"/>
+          </p:cNvSpPr>
+          <p:nvPr>
+            <p:ph type="body" idx="1"/>
+          </p:nvPr>
+        </p:nvSpPr>
+        <p:spPr/>
+        <p:txBody>
+          <a:bodyPr/>
+          <a:lstStyle/>
+          <a:p>
+            <a:endParaRPr lang="en-US" dirty="0"/>
+          </a:p>
+        </p:txBody>
+      </p:sp>
+      <p:sp>
+        <p:nvSpPr>
+          <p:cNvPr id="4" name="Slide Number Placeholder 3"/>
+          <p:cNvSpPr>
+            <a:spLocks noGrp="1"/>
+          </p:cNvSpPr>
+          <p:nvPr>
+            <p:ph type="sldNum" sz="quarter" idx="10"/>
+          </p:nvPr>
+        </p:nvSpPr>
+        <p:spPr/>
+        <p:txBody>
+          <a:bodyPr/>
+          <a:lstStyle/>
+          <a:p>
+            <a:fld id="{40EA4F9F-6CEF-4B9D-BEB3-40FCF0DF71AE}" type="slidenum">
+              <a:rPr lang="en-US" smtClean="0"/>
+              <a:t>14</a:t>
+            </a:fld>
+            <a:endParaRPr lang="en-US"/>
+          </a:p>
+        </p:txBody>
+      </p:sp>
+    </p:spTree>
+    <p:extLst>
+      <p:ext uri="{BB962C8B-B14F-4D97-AF65-F5344CB8AC3E}">
+        <p14:creationId xmlns:p14="http://schemas.microsoft.com/office/powerpoint/2010/main" val="2789047906"/>
+      </p:ext>
+    </p:extLst>
+  </p:cSld>
+  <p:clrMapOvr>
+    <a:masterClrMapping/>
+  </p:clrMapOvr>
+</p:notes>
+</file>
+
 <file path=ppt/notesSlides/notesSlide2.xml><?xml version="1.0" encoding="utf-8"?>
 <p:notes xmlns:a="http://schemas.openxmlformats.org/drawingml/2006/main" xmlns:r="http://schemas.openxmlformats.org/officeDocument/2006/relationships" xmlns:p="http://schemas.openxmlformats.org/presentationml/2006/main">
   <p:cSld>
@@ -845,15 +1100,6 @@
           <a:bodyPr/>
           <a:lstStyle/>
           <a:p>
-            <a:r>
-              <a:rPr lang="en-US" dirty="0" smtClean="0"/>
-              <a:t>Large system</a:t>
-            </a:r>
-          </a:p>
-          <a:p>
-            <a:endParaRPr lang="en-US" dirty="0" smtClean="0"/>
-          </a:p>
-          <a:p>
             <a:pPr marL="0" marR="0" lvl="0" indent="0" algn="l" defTabSz="914400" rtl="0" eaLnBrk="1" fontAlgn="auto" latinLnBrk="0" hangingPunct="1">
               <a:lnSpc>
                 <a:spcPct val="100000"/>
@@ -873,11 +1119,8 @@
             </a:pPr>
             <a:r>
               <a:rPr lang="en-US" baseline="0" dirty="0" smtClean="0"/>
-              <a:t>Video, Reporting, Operations, Client apps</a:t>
-            </a:r>
-          </a:p>
-          <a:p>
-            <a:endParaRPr lang="en-US" baseline="0" dirty="0" smtClean="0"/>
+              <a:t>Large codebase</a:t>
+            </a:r>
           </a:p>
           <a:p>
             <a:pPr marL="0" marR="0" lvl="0" indent="0" algn="l" defTabSz="914400" rtl="0" eaLnBrk="1" fontAlgn="auto" latinLnBrk="0" hangingPunct="1">
@@ -897,17 +1140,33 @@
               <a:tabLst/>
               <a:defRPr/>
             </a:pPr>
+            <a:endParaRPr lang="en-US" baseline="0" dirty="0" smtClean="0"/>
+          </a:p>
+          <a:p>
+            <a:pPr marL="0" marR="0" lvl="0" indent="0" algn="l" defTabSz="914400" rtl="0" eaLnBrk="1" fontAlgn="auto" latinLnBrk="0" hangingPunct="1">
+              <a:lnSpc>
+                <a:spcPct val="100000"/>
+              </a:lnSpc>
+              <a:spcBef>
+                <a:spcPts val="0"/>
+              </a:spcBef>
+              <a:spcAft>
+                <a:spcPts val="0"/>
+              </a:spcAft>
+              <a:buClrTx/>
+              <a:buSzTx/>
+              <a:buFontTx/>
+              <a:buNone/>
+              <a:tabLst/>
+              <a:defRPr/>
+            </a:pPr>
+            <a:r>
+              <a:rPr lang="en-US" baseline="0" dirty="0" err="1" smtClean="0"/>
+              <a:t>Async</a:t>
+            </a:r>
             <a:r>
               <a:rPr lang="en-US" baseline="0" dirty="0" smtClean="0"/>
-              <a:t>Complex domain rules -&gt; </a:t>
-            </a:r>
-            <a:r>
-              <a:rPr lang="en-US" baseline="0" dirty="0" err="1" smtClean="0"/>
-              <a:t>async</a:t>
-            </a:r>
-            <a:r>
-              <a:rPr lang="en-US" baseline="0" dirty="0" smtClean="0"/>
-              <a:t> processing</a:t>
+              <a:t> request processing</a:t>
             </a:r>
           </a:p>
           <a:p>
@@ -1898,7 +2157,7 @@
           <a:p>
             <a:fld id="{5EE630CB-3638-41B1-AFF1-A77D5CAA11B6}" type="datetimeFigureOut">
               <a:rPr lang="en-US" smtClean="0"/>
-              <a:t>11/24/2018</a:t>
+              <a:t>11/25/2018</a:t>
             </a:fld>
             <a:endParaRPr lang="en-US"/>
           </a:p>
@@ -2126,7 +2385,7 @@
           <a:p>
             <a:fld id="{5EE630CB-3638-41B1-AFF1-A77D5CAA11B6}" type="datetimeFigureOut">
               <a:rPr lang="en-US" smtClean="0"/>
-              <a:t>11/24/2018</a:t>
+              <a:t>11/25/2018</a:t>
             </a:fld>
             <a:endParaRPr lang="en-US"/>
           </a:p>
@@ -2306,7 +2565,7 @@
           <a:p>
             <a:fld id="{5EE630CB-3638-41B1-AFF1-A77D5CAA11B6}" type="datetimeFigureOut">
               <a:rPr lang="en-US" smtClean="0"/>
-              <a:t>11/24/2018</a:t>
+              <a:t>11/25/2018</a:t>
             </a:fld>
             <a:endParaRPr lang="en-US"/>
           </a:p>
@@ -2476,7 +2735,7 @@
           <a:p>
             <a:fld id="{5EE630CB-3638-41B1-AFF1-A77D5CAA11B6}" type="datetimeFigureOut">
               <a:rPr lang="en-US" smtClean="0"/>
-              <a:t>11/24/2018</a:t>
+              <a:t>11/25/2018</a:t>
             </a:fld>
             <a:endParaRPr lang="en-US"/>
           </a:p>
@@ -2730,7 +2989,7 @@
           <a:p>
             <a:fld id="{5EE630CB-3638-41B1-AFF1-A77D5CAA11B6}" type="datetimeFigureOut">
               <a:rPr lang="en-US" smtClean="0"/>
-              <a:t>11/24/2018</a:t>
+              <a:t>11/25/2018</a:t>
             </a:fld>
             <a:endParaRPr lang="en-US"/>
           </a:p>
@@ -3056,7 +3315,7 @@
           <a:p>
             <a:fld id="{5EE630CB-3638-41B1-AFF1-A77D5CAA11B6}" type="datetimeFigureOut">
               <a:rPr lang="en-US" smtClean="0"/>
-              <a:t>11/24/2018</a:t>
+              <a:t>11/25/2018</a:t>
             </a:fld>
             <a:endParaRPr lang="en-US"/>
           </a:p>
@@ -3507,7 +3766,7 @@
           <a:p>
             <a:fld id="{5EE630CB-3638-41B1-AFF1-A77D5CAA11B6}" type="datetimeFigureOut">
               <a:rPr lang="en-US" smtClean="0"/>
-              <a:t>11/24/2018</a:t>
+              <a:t>11/25/2018</a:t>
             </a:fld>
             <a:endParaRPr lang="en-US"/>
           </a:p>
@@ -3625,7 +3884,7 @@
           <a:p>
             <a:fld id="{5EE630CB-3638-41B1-AFF1-A77D5CAA11B6}" type="datetimeFigureOut">
               <a:rPr lang="en-US" smtClean="0"/>
-              <a:t>11/24/2018</a:t>
+              <a:t>11/25/2018</a:t>
             </a:fld>
             <a:endParaRPr lang="en-US"/>
           </a:p>
@@ -3720,7 +3979,7 @@
           <a:p>
             <a:fld id="{5EE630CB-3638-41B1-AFF1-A77D5CAA11B6}" type="datetimeFigureOut">
               <a:rPr lang="en-US" smtClean="0"/>
-              <a:t>11/24/2018</a:t>
+              <a:t>11/25/2018</a:t>
             </a:fld>
             <a:endParaRPr lang="en-US"/>
           </a:p>
@@ -4007,7 +4266,7 @@
           <a:p>
             <a:fld id="{5EE630CB-3638-41B1-AFF1-A77D5CAA11B6}" type="datetimeFigureOut">
               <a:rPr lang="en-US" smtClean="0"/>
-              <a:t>11/24/2018</a:t>
+              <a:t>11/25/2018</a:t>
             </a:fld>
             <a:endParaRPr lang="en-US"/>
           </a:p>
@@ -4329,7 +4588,7 @@
           <a:p>
             <a:fld id="{5EE630CB-3638-41B1-AFF1-A77D5CAA11B6}" type="datetimeFigureOut">
               <a:rPr lang="en-US" smtClean="0"/>
-              <a:t>11/24/2018</a:t>
+              <a:t>11/25/2018</a:t>
             </a:fld>
             <a:endParaRPr lang="en-US"/>
           </a:p>
@@ -4583,7 +4842,7 @@
           <a:p>
             <a:fld id="{5EE630CB-3638-41B1-AFF1-A77D5CAA11B6}" type="datetimeFigureOut">
               <a:rPr lang="en-US" smtClean="0"/>
-              <a:t>11/24/2018</a:t>
+              <a:t>11/25/2018</a:t>
             </a:fld>
             <a:endParaRPr lang="en-US"/>
           </a:p>
@@ -5081,13 +5340,20 @@
             <p:ph type="ctrTitle"/>
           </p:nvPr>
         </p:nvSpPr>
-        <p:spPr/>
-        <p:txBody>
-          <a:bodyPr/>
-          <a:lstStyle/>
-          <a:p>
-            <a:r>
-              <a:rPr lang="en-US" dirty="0"/>
+        <p:spPr>
+          <a:xfrm>
+            <a:off x="1261872" y="363531"/>
+            <a:ext cx="9418320" cy="1922464"/>
+          </a:xfrm>
+        </p:spPr>
+        <p:txBody>
+          <a:bodyPr>
+            <a:normAutofit fontScale="90000"/>
+          </a:bodyPr>
+          <a:lstStyle/>
+          <a:p>
+            <a:r>
+              <a:rPr lang="en-US" dirty="0" smtClean="0"/>
               <a:t>Event-Driven </a:t>
             </a:r>
             <a:r>
@@ -5101,21 +5367,81 @@
           </a:p>
         </p:txBody>
       </p:sp>
-      <p:sp>
-        <p:nvSpPr>
-          <p:cNvPr id="3" name="Subtitle 2"/>
-          <p:cNvSpPr>
-            <a:spLocks noGrp="1"/>
+      <p:pic>
+        <p:nvPicPr>
+          <p:cNvPr id="4" name="Picture 3"/>
+          <p:cNvPicPr>
+            <a:picLocks noChangeAspect="1"/>
+          </p:cNvPicPr>
+          <p:nvPr/>
+        </p:nvPicPr>
+        <p:blipFill>
+          <a:blip r:embed="rId3">
+            <a:extLst>
+              <a:ext uri="{28A0092B-C50C-407E-A947-70E740481C1C}">
+                <a14:useLocalDpi xmlns:a14="http://schemas.microsoft.com/office/drawing/2010/main" val="0"/>
+              </a:ext>
+            </a:extLst>
+          </a:blip>
+          <a:stretch>
+            <a:fillRect/>
+          </a:stretch>
+        </p:blipFill>
+        <p:spPr>
+          <a:xfrm>
+            <a:off x="1422510" y="2494518"/>
+            <a:ext cx="2857500" cy="2857500"/>
+          </a:xfrm>
+          <a:prstGeom prst="rect">
+            <a:avLst/>
+          </a:prstGeom>
+        </p:spPr>
+      </p:pic>
+      <p:sp>
+        <p:nvSpPr>
+          <p:cNvPr id="6" name="Title 1"/>
+          <p:cNvSpPr txBox="1">
+            <a:spLocks/>
           </p:cNvSpPr>
-          <p:nvPr>
-            <p:ph type="subTitle" idx="1"/>
-          </p:nvPr>
-        </p:nvSpPr>
-        <p:spPr/>
-        <p:txBody>
-          <a:bodyPr/>
-          <a:lstStyle/>
-          <a:p>
+          <p:nvPr/>
+        </p:nvSpPr>
+        <p:spPr>
+          <a:xfrm>
+            <a:off x="1261872" y="5560541"/>
+            <a:ext cx="5203368" cy="1044600"/>
+          </a:xfrm>
+          <a:prstGeom prst="rect">
+            <a:avLst/>
+          </a:prstGeom>
+        </p:spPr>
+        <p:txBody>
+          <a:bodyPr vert="horz" lIns="91440" tIns="45720" rIns="91440" bIns="45720" rtlCol="0" anchor="b">
+            <a:normAutofit fontScale="90000"/>
+          </a:bodyPr>
+          <a:lstStyle>
+            <a:lvl1pPr algn="l" defTabSz="914400" rtl="0" eaLnBrk="1" latinLnBrk="0" hangingPunct="1">
+              <a:lnSpc>
+                <a:spcPct val="85000"/>
+              </a:lnSpc>
+              <a:spcBef>
+                <a:spcPct val="0"/>
+              </a:spcBef>
+              <a:buNone/>
+              <a:defRPr sz="7200" kern="1200" spc="-50" baseline="0">
+                <a:solidFill>
+                  <a:schemeClr val="tx1"/>
+                </a:solidFill>
+                <a:latin typeface="+mj-lt"/>
+                <a:ea typeface="+mj-ea"/>
+                <a:cs typeface="+mj-cs"/>
+              </a:defRPr>
+            </a:lvl1pPr>
+          </a:lstStyle>
+          <a:p>
+            <a:r>
+              <a:rPr lang="en-US" dirty="0" smtClean="0"/>
+              <a:t>bit.ly/2KvmCoY</a:t>
+            </a:r>
             <a:endParaRPr lang="en-US" dirty="0"/>
           </a:p>
         </p:txBody>
@@ -5181,11 +5507,7 @@
           <a:p>
             <a:r>
               <a:rPr lang="en-US" dirty="0" smtClean="0"/>
-              <a:t>Our </a:t>
-            </a:r>
-            <a:r>
-              <a:rPr lang="en-US" dirty="0" smtClean="0"/>
-              <a:t>considerations</a:t>
+              <a:t>Our considerations</a:t>
             </a:r>
             <a:endParaRPr lang="en-US" dirty="0"/>
           </a:p>
@@ -5683,8 +6005,8 @@
         </p:nvSpPr>
         <p:spPr>
           <a:xfrm>
-            <a:off x="2491848" y="4742089"/>
-            <a:ext cx="9685537" cy="461665"/>
+            <a:off x="1999446" y="4742089"/>
+            <a:ext cx="8838060" cy="461665"/>
           </a:xfrm>
           <a:prstGeom prst="rect">
             <a:avLst/>
@@ -5702,12 +6024,12 @@
               <a:t>• Move efforts to implement stronger durability with </a:t>
             </a:r>
             <a:r>
-              <a:rPr lang="en-US" sz="2400" dirty="0" err="1" smtClean="0"/>
-              <a:t>writeConcern</a:t>
-            </a:r>
-            <a:r>
-              <a:rPr lang="en-US" sz="2400" dirty="0" smtClean="0"/>
-              <a:t>=Majority</a:t>
+              <a:rPr lang="en-US" sz="2400" dirty="0">
+                <a:solidFill>
+                  <a:srgbClr val="FFFF00"/>
+                </a:solidFill>
+              </a:rPr>
+              <a:t>{ w: "majority" }</a:t>
             </a:r>
             <a:endParaRPr lang="en-US" sz="2400" dirty="0"/>
           </a:p>
@@ -5721,7 +6043,7 @@
         </p:nvSpPr>
         <p:spPr>
           <a:xfrm>
-            <a:off x="2491848" y="3818759"/>
+            <a:off x="1999446" y="3818759"/>
             <a:ext cx="4181850" cy="461665"/>
           </a:xfrm>
           <a:prstGeom prst="rect">
@@ -5751,7 +6073,7 @@
         </p:nvSpPr>
         <p:spPr>
           <a:xfrm>
-            <a:off x="2491848" y="5199547"/>
+            <a:off x="1999446" y="5199547"/>
             <a:ext cx="4523290" cy="461665"/>
           </a:xfrm>
           <a:prstGeom prst="rect">
@@ -5785,7 +6107,7 @@
         </p:nvSpPr>
         <p:spPr>
           <a:xfrm>
-            <a:off x="2491848" y="2298620"/>
+            <a:off x="1999446" y="2298620"/>
             <a:ext cx="5897127" cy="461665"/>
           </a:xfrm>
           <a:prstGeom prst="rect">
@@ -5815,8 +6137,8 @@
         </p:nvSpPr>
         <p:spPr>
           <a:xfrm>
-            <a:off x="2491848" y="2760285"/>
-            <a:ext cx="5060937" cy="461665"/>
+            <a:off x="1999446" y="2760285"/>
+            <a:ext cx="3916521" cy="461665"/>
           </a:xfrm>
           <a:prstGeom prst="rect">
             <a:avLst/>
@@ -5834,13 +6156,34 @@
               <a:t>• Weak durability with </a:t>
             </a:r>
             <a:r>
-              <a:rPr lang="en-US" sz="2400" dirty="0" err="1"/>
-              <a:t>writeConcern</a:t>
-            </a:r>
-            <a:r>
-              <a:rPr lang="en-US" sz="2400" dirty="0"/>
-              <a:t>=1</a:t>
-            </a:r>
+              <a:rPr lang="en-US" sz="2400" dirty="0">
+                <a:solidFill>
+                  <a:srgbClr val="FFFF00"/>
+                </a:solidFill>
+              </a:rPr>
+              <a:t>{ w: </a:t>
+            </a:r>
+            <a:r>
+              <a:rPr lang="en-US" sz="2400" dirty="0" smtClean="0">
+                <a:solidFill>
+                  <a:srgbClr val="FFFF00"/>
+                </a:solidFill>
+              </a:rPr>
+              <a:t>1 </a:t>
+            </a:r>
+            <a:r>
+              <a:rPr lang="en-US" sz="2400" dirty="0">
+                <a:solidFill>
+                  <a:srgbClr val="FFFF00"/>
+                </a:solidFill>
+              </a:rPr>
+              <a:t>}</a:t>
+            </a:r>
+            <a:endParaRPr lang="en-US" sz="2400" dirty="0">
+              <a:solidFill>
+                <a:srgbClr val="FFFF00"/>
+              </a:solidFill>
+            </a:endParaRPr>
           </a:p>
         </p:txBody>
       </p:sp>
@@ -5867,7 +6210,7 @@
           <a:lstStyle/>
           <a:p>
             <a:r>
-              <a:rPr lang="en-US" sz="2400" smtClean="0"/>
+              <a:rPr lang="en-US" sz="2400" dirty="0" smtClean="0"/>
               <a:t>Proc</a:t>
             </a:r>
             <a:endParaRPr lang="en-US" sz="2400" dirty="0"/>
@@ -5897,7 +6240,7 @@
           <a:lstStyle/>
           <a:p>
             <a:r>
-              <a:rPr lang="en-US" sz="2400" smtClean="0"/>
+              <a:rPr lang="en-US" sz="2400" dirty="0" smtClean="0"/>
               <a:t>Cons</a:t>
             </a:r>
             <a:endParaRPr lang="en-US" sz="2400" dirty="0"/>
@@ -5912,7 +6255,7 @@
         </p:nvSpPr>
         <p:spPr>
           <a:xfrm>
-            <a:off x="2491848" y="4280424"/>
+            <a:off x="1999446" y="4280424"/>
             <a:ext cx="7281032" cy="461665"/>
           </a:xfrm>
           <a:prstGeom prst="rect">
@@ -6343,6 +6686,1106 @@
       <p:bldP spid="9" grpId="0"/>
       <p:bldP spid="10" grpId="0"/>
     </p:bldLst>
+  </p:timing>
+</p:sld>
+</file>
+
+<file path=ppt/slides/slide12.xml><?xml version="1.0" encoding="utf-8"?>
+<p:sld xmlns:a="http://schemas.openxmlformats.org/drawingml/2006/main" xmlns:r="http://schemas.openxmlformats.org/officeDocument/2006/relationships" xmlns:p="http://schemas.openxmlformats.org/presentationml/2006/main">
+  <p:cSld>
+    <p:spTree>
+      <p:nvGrpSpPr>
+        <p:cNvPr id="1" name=""/>
+        <p:cNvGrpSpPr/>
+        <p:nvPr/>
+      </p:nvGrpSpPr>
+      <p:grpSpPr>
+        <a:xfrm>
+          <a:off x="0" y="0"/>
+          <a:ext cx="0" cy="0"/>
+          <a:chOff x="0" y="0"/>
+          <a:chExt cx="0" cy="0"/>
+        </a:xfrm>
+      </p:grpSpPr>
+      <p:sp>
+        <p:nvSpPr>
+          <p:cNvPr id="2" name="Title 1"/>
+          <p:cNvSpPr>
+            <a:spLocks noGrp="1"/>
+          </p:cNvSpPr>
+          <p:nvPr>
+            <p:ph type="ctrTitle"/>
+          </p:nvPr>
+        </p:nvSpPr>
+        <p:spPr>
+          <a:xfrm>
+            <a:off x="1261872" y="383065"/>
+            <a:ext cx="9418320" cy="1062681"/>
+          </a:xfrm>
+        </p:spPr>
+        <p:txBody>
+          <a:bodyPr>
+            <a:normAutofit/>
+          </a:bodyPr>
+          <a:lstStyle/>
+          <a:p>
+            <a:r>
+              <a:rPr lang="en-US" dirty="0"/>
+              <a:t>Change </a:t>
+            </a:r>
+            <a:r>
+              <a:rPr lang="en-US" dirty="0" smtClean="0"/>
+              <a:t>Streams 3.6</a:t>
+            </a:r>
+            <a:endParaRPr lang="en-US" dirty="0"/>
+          </a:p>
+        </p:txBody>
+      </p:sp>
+      <p:sp>
+        <p:nvSpPr>
+          <p:cNvPr id="3" name="TextBox 2"/>
+          <p:cNvSpPr txBox="1"/>
+          <p:nvPr/>
+        </p:nvSpPr>
+        <p:spPr>
+          <a:xfrm>
+            <a:off x="1999446" y="5068610"/>
+            <a:ext cx="6809878" cy="461665"/>
+          </a:xfrm>
+          <a:prstGeom prst="rect">
+            <a:avLst/>
+          </a:prstGeom>
+          <a:noFill/>
+        </p:spPr>
+        <p:txBody>
+          <a:bodyPr wrap="none" rtlCol="0">
+            <a:spAutoFit/>
+          </a:bodyPr>
+          <a:lstStyle/>
+          <a:p>
+            <a:r>
+              <a:rPr lang="en-US" sz="2400" dirty="0" smtClean="0"/>
+              <a:t>• </a:t>
+            </a:r>
+            <a:r>
+              <a:rPr lang="en-US" sz="2400" dirty="0" smtClean="0"/>
+              <a:t>Only subscribe to a single collection per connection</a:t>
+            </a:r>
+            <a:endParaRPr lang="en-US" sz="2400" dirty="0"/>
+          </a:p>
+        </p:txBody>
+      </p:sp>
+      <p:sp>
+        <p:nvSpPr>
+          <p:cNvPr id="4" name="TextBox 3"/>
+          <p:cNvSpPr txBox="1"/>
+          <p:nvPr/>
+        </p:nvSpPr>
+        <p:spPr>
+          <a:xfrm>
+            <a:off x="1999446" y="4145280"/>
+            <a:ext cx="6554679" cy="461665"/>
+          </a:xfrm>
+          <a:prstGeom prst="rect">
+            <a:avLst/>
+          </a:prstGeom>
+          <a:noFill/>
+        </p:spPr>
+        <p:txBody>
+          <a:bodyPr wrap="none" rtlCol="0">
+            <a:spAutoFit/>
+          </a:bodyPr>
+          <a:lstStyle/>
+          <a:p>
+            <a:r>
+              <a:rPr lang="en-US" sz="2400" dirty="0" smtClean="0"/>
+              <a:t>• </a:t>
+            </a:r>
+            <a:r>
+              <a:rPr lang="en-US" sz="2400" dirty="0" smtClean="0"/>
+              <a:t>New API that is not yet widely used in production</a:t>
+            </a:r>
+            <a:endParaRPr lang="en-US" sz="2400" dirty="0"/>
+          </a:p>
+        </p:txBody>
+      </p:sp>
+      <p:sp>
+        <p:nvSpPr>
+          <p:cNvPr id="5" name="TextBox 4"/>
+          <p:cNvSpPr txBox="1"/>
+          <p:nvPr/>
+        </p:nvSpPr>
+        <p:spPr>
+          <a:xfrm>
+            <a:off x="1999446" y="3221950"/>
+            <a:ext cx="4231030" cy="461665"/>
+          </a:xfrm>
+          <a:prstGeom prst="rect">
+            <a:avLst/>
+          </a:prstGeom>
+          <a:noFill/>
+        </p:spPr>
+        <p:txBody>
+          <a:bodyPr wrap="none" rtlCol="0">
+            <a:spAutoFit/>
+          </a:bodyPr>
+          <a:lstStyle/>
+          <a:p>
+            <a:r>
+              <a:rPr lang="en-US" sz="2400" dirty="0" smtClean="0"/>
+              <a:t>• </a:t>
+            </a:r>
+            <a:r>
+              <a:rPr lang="en-US" sz="2400" dirty="0">
+                <a:solidFill>
+                  <a:srgbClr val="FFFF00"/>
+                </a:solidFill>
+              </a:rPr>
+              <a:t>{ w: "majority" }</a:t>
+            </a:r>
+            <a:r>
+              <a:rPr lang="en-US" sz="2400" dirty="0"/>
+              <a:t> </a:t>
+            </a:r>
+            <a:r>
+              <a:rPr lang="en-US" sz="2400" dirty="0" smtClean="0"/>
+              <a:t>out of the box</a:t>
+            </a:r>
+            <a:endParaRPr lang="en-US" sz="2400" dirty="0"/>
+          </a:p>
+        </p:txBody>
+      </p:sp>
+      <p:sp>
+        <p:nvSpPr>
+          <p:cNvPr id="6" name="TextBox 5"/>
+          <p:cNvSpPr txBox="1"/>
+          <p:nvPr/>
+        </p:nvSpPr>
+        <p:spPr>
+          <a:xfrm>
+            <a:off x="1999446" y="2298620"/>
+            <a:ext cx="7094571" cy="461665"/>
+          </a:xfrm>
+          <a:prstGeom prst="rect">
+            <a:avLst/>
+          </a:prstGeom>
+          <a:noFill/>
+        </p:spPr>
+        <p:txBody>
+          <a:bodyPr wrap="none" rtlCol="0">
+            <a:spAutoFit/>
+          </a:bodyPr>
+          <a:lstStyle/>
+          <a:p>
+            <a:r>
+              <a:rPr lang="en-US" sz="2400" dirty="0" smtClean="0"/>
+              <a:t>• </a:t>
+            </a:r>
+            <a:r>
+              <a:rPr lang="en-US" sz="2400" dirty="0" smtClean="0"/>
+              <a:t>Fixated, well-documented API that guarantied to stay </a:t>
+            </a:r>
+            <a:endParaRPr lang="en-US" sz="2400" dirty="0"/>
+          </a:p>
+        </p:txBody>
+      </p:sp>
+      <p:sp>
+        <p:nvSpPr>
+          <p:cNvPr id="7" name="TextBox 6"/>
+          <p:cNvSpPr txBox="1"/>
+          <p:nvPr/>
+        </p:nvSpPr>
+        <p:spPr>
+          <a:xfrm>
+            <a:off x="1999446" y="2760285"/>
+            <a:ext cx="4083618" cy="461665"/>
+          </a:xfrm>
+          <a:prstGeom prst="rect">
+            <a:avLst/>
+          </a:prstGeom>
+          <a:noFill/>
+        </p:spPr>
+        <p:txBody>
+          <a:bodyPr wrap="none" rtlCol="0">
+            <a:spAutoFit/>
+          </a:bodyPr>
+          <a:lstStyle/>
+          <a:p>
+            <a:r>
+              <a:rPr lang="en-US" sz="2400" dirty="0" smtClean="0"/>
+              <a:t>• </a:t>
+            </a:r>
+            <a:r>
+              <a:rPr lang="en-US" sz="2400" dirty="0" smtClean="0"/>
+              <a:t>Way easier to implement </a:t>
+            </a:r>
+            <a:r>
+              <a:rPr lang="en-US" sz="2400" dirty="0" err="1" smtClean="0"/>
+              <a:t>PoC</a:t>
+            </a:r>
+            <a:endParaRPr lang="en-US" sz="2400" dirty="0"/>
+          </a:p>
+        </p:txBody>
+      </p:sp>
+      <p:sp>
+        <p:nvSpPr>
+          <p:cNvPr id="8" name="TextBox 7"/>
+          <p:cNvSpPr txBox="1"/>
+          <p:nvPr/>
+        </p:nvSpPr>
+        <p:spPr>
+          <a:xfrm>
+            <a:off x="1261872" y="1836955"/>
+            <a:ext cx="737574" cy="461665"/>
+          </a:xfrm>
+          <a:prstGeom prst="rect">
+            <a:avLst/>
+          </a:prstGeom>
+          <a:noFill/>
+        </p:spPr>
+        <p:txBody>
+          <a:bodyPr wrap="none" rtlCol="0">
+            <a:spAutoFit/>
+          </a:bodyPr>
+          <a:lstStyle/>
+          <a:p>
+            <a:r>
+              <a:rPr lang="en-US" sz="2400" smtClean="0"/>
+              <a:t>Proc</a:t>
+            </a:r>
+            <a:endParaRPr lang="en-US" sz="2400" dirty="0"/>
+          </a:p>
+        </p:txBody>
+      </p:sp>
+      <p:sp>
+        <p:nvSpPr>
+          <p:cNvPr id="9" name="TextBox 8"/>
+          <p:cNvSpPr txBox="1"/>
+          <p:nvPr/>
+        </p:nvSpPr>
+        <p:spPr>
+          <a:xfrm>
+            <a:off x="1261872" y="3683615"/>
+            <a:ext cx="792205" cy="461665"/>
+          </a:xfrm>
+          <a:prstGeom prst="rect">
+            <a:avLst/>
+          </a:prstGeom>
+          <a:noFill/>
+        </p:spPr>
+        <p:txBody>
+          <a:bodyPr wrap="none" rtlCol="0">
+            <a:spAutoFit/>
+          </a:bodyPr>
+          <a:lstStyle/>
+          <a:p>
+            <a:r>
+              <a:rPr lang="en-US" sz="2400" smtClean="0"/>
+              <a:t>Cons</a:t>
+            </a:r>
+            <a:endParaRPr lang="en-US" sz="2400" dirty="0"/>
+          </a:p>
+        </p:txBody>
+      </p:sp>
+      <p:sp>
+        <p:nvSpPr>
+          <p:cNvPr id="10" name="TextBox 9"/>
+          <p:cNvSpPr txBox="1"/>
+          <p:nvPr/>
+        </p:nvSpPr>
+        <p:spPr>
+          <a:xfrm>
+            <a:off x="1999446" y="4606945"/>
+            <a:ext cx="8516154" cy="461665"/>
+          </a:xfrm>
+          <a:prstGeom prst="rect">
+            <a:avLst/>
+          </a:prstGeom>
+          <a:noFill/>
+        </p:spPr>
+        <p:txBody>
+          <a:bodyPr wrap="square" rtlCol="0">
+            <a:spAutoFit/>
+          </a:bodyPr>
+          <a:lstStyle/>
+          <a:p>
+            <a:r>
+              <a:rPr lang="en-US" sz="2400" dirty="0" smtClean="0"/>
+              <a:t>• </a:t>
+            </a:r>
+            <a:r>
+              <a:rPr lang="en-US" sz="2400" dirty="0" smtClean="0"/>
+              <a:t>Only supports </a:t>
+            </a:r>
+            <a:r>
+              <a:rPr lang="en-US" sz="2400" dirty="0" smtClean="0">
+                <a:solidFill>
+                  <a:srgbClr val="FFFF00"/>
+                </a:solidFill>
+              </a:rPr>
+              <a:t>{ w: "majority" }</a:t>
+            </a:r>
+            <a:r>
+              <a:rPr lang="en-US" sz="2400" dirty="0" smtClean="0"/>
+              <a:t>, no way to achieve </a:t>
+            </a:r>
+            <a:r>
+              <a:rPr lang="en-US" sz="2400" dirty="0">
+                <a:solidFill>
+                  <a:srgbClr val="FFFF00"/>
+                </a:solidFill>
+              </a:rPr>
+              <a:t>{ w: </a:t>
+            </a:r>
+            <a:r>
+              <a:rPr lang="en-US" sz="2400" dirty="0" smtClean="0">
+                <a:solidFill>
+                  <a:srgbClr val="FFFF00"/>
+                </a:solidFill>
+              </a:rPr>
+              <a:t>1}</a:t>
+            </a:r>
+            <a:endParaRPr lang="en-US" sz="2400" dirty="0">
+              <a:solidFill>
+                <a:srgbClr val="FFFF00"/>
+              </a:solidFill>
+            </a:endParaRPr>
+          </a:p>
+        </p:txBody>
+      </p:sp>
+      <p:sp>
+        <p:nvSpPr>
+          <p:cNvPr id="12" name="TextBox 11"/>
+          <p:cNvSpPr txBox="1"/>
+          <p:nvPr/>
+        </p:nvSpPr>
+        <p:spPr>
+          <a:xfrm>
+            <a:off x="1999446" y="5530275"/>
+            <a:ext cx="9809993" cy="461665"/>
+          </a:xfrm>
+          <a:prstGeom prst="rect">
+            <a:avLst/>
+          </a:prstGeom>
+          <a:noFill/>
+        </p:spPr>
+        <p:txBody>
+          <a:bodyPr wrap="none" rtlCol="0">
+            <a:spAutoFit/>
+          </a:bodyPr>
+          <a:lstStyle/>
+          <a:p>
+            <a:r>
+              <a:rPr lang="en-US" sz="2400" dirty="0" smtClean="0"/>
+              <a:t>• </a:t>
+            </a:r>
+            <a:r>
+              <a:rPr lang="en-US" sz="2400" dirty="0" smtClean="0"/>
+              <a:t>Cannot resume subscription if latest observed operation is gone from </a:t>
+            </a:r>
+            <a:r>
+              <a:rPr lang="en-US" sz="2400" dirty="0" err="1" smtClean="0"/>
+              <a:t>oplog</a:t>
+            </a:r>
+            <a:endParaRPr lang="en-US" sz="2400" dirty="0"/>
+          </a:p>
+        </p:txBody>
+      </p:sp>
+    </p:spTree>
+    <p:extLst>
+      <p:ext uri="{BB962C8B-B14F-4D97-AF65-F5344CB8AC3E}">
+        <p14:creationId xmlns:p14="http://schemas.microsoft.com/office/powerpoint/2010/main" val="1674444848"/>
+      </p:ext>
+    </p:extLst>
+  </p:cSld>
+  <p:clrMapOvr>
+    <a:masterClrMapping/>
+  </p:clrMapOvr>
+  <p:timing>
+    <p:tnLst>
+      <p:par>
+        <p:cTn id="1" dur="indefinite" restart="never" nodeType="tmRoot">
+          <p:childTnLst>
+            <p:seq concurrent="1" nextAc="seek">
+              <p:cTn id="2" dur="indefinite" nodeType="mainSeq">
+                <p:childTnLst>
+                  <p:par>
+                    <p:cTn id="3" fill="hold">
+                      <p:stCondLst>
+                        <p:cond delay="indefinite"/>
+                      </p:stCondLst>
+                      <p:childTnLst>
+                        <p:par>
+                          <p:cTn id="4" fill="hold">
+                            <p:stCondLst>
+                              <p:cond delay="0"/>
+                            </p:stCondLst>
+                            <p:childTnLst>
+                              <p:par>
+                                <p:cTn id="5" presetID="1" presetClass="entr" presetSubtype="0" fill="hold" grpId="0" nodeType="clickEffect">
+                                  <p:stCondLst>
+                                    <p:cond delay="0"/>
+                                  </p:stCondLst>
+                                  <p:childTnLst>
+                                    <p:set>
+                                      <p:cBhvr>
+                                        <p:cTn id="6" dur="1" fill="hold">
+                                          <p:stCondLst>
+                                            <p:cond delay="0"/>
+                                          </p:stCondLst>
+                                        </p:cTn>
+                                        <p:tgtEl>
+                                          <p:spTgt spid="8"/>
+                                        </p:tgtEl>
+                                        <p:attrNameLst>
+                                          <p:attrName>style.visibility</p:attrName>
+                                        </p:attrNameLst>
+                                      </p:cBhvr>
+                                      <p:to>
+                                        <p:strVal val="visible"/>
+                                      </p:to>
+                                    </p:set>
+                                  </p:childTnLst>
+                                </p:cTn>
+                              </p:par>
+                            </p:childTnLst>
+                          </p:cTn>
+                        </p:par>
+                      </p:childTnLst>
+                    </p:cTn>
+                  </p:par>
+                  <p:par>
+                    <p:cTn id="7" fill="hold">
+                      <p:stCondLst>
+                        <p:cond delay="indefinite"/>
+                      </p:stCondLst>
+                      <p:childTnLst>
+                        <p:par>
+                          <p:cTn id="8" fill="hold">
+                            <p:stCondLst>
+                              <p:cond delay="0"/>
+                            </p:stCondLst>
+                            <p:childTnLst>
+                              <p:par>
+                                <p:cTn id="9" presetID="1" presetClass="entr" presetSubtype="0" fill="hold" grpId="0" nodeType="clickEffect">
+                                  <p:stCondLst>
+                                    <p:cond delay="0"/>
+                                  </p:stCondLst>
+                                  <p:childTnLst>
+                                    <p:set>
+                                      <p:cBhvr>
+                                        <p:cTn id="10" dur="1" fill="hold">
+                                          <p:stCondLst>
+                                            <p:cond delay="0"/>
+                                          </p:stCondLst>
+                                        </p:cTn>
+                                        <p:tgtEl>
+                                          <p:spTgt spid="6"/>
+                                        </p:tgtEl>
+                                        <p:attrNameLst>
+                                          <p:attrName>style.visibility</p:attrName>
+                                        </p:attrNameLst>
+                                      </p:cBhvr>
+                                      <p:to>
+                                        <p:strVal val="visible"/>
+                                      </p:to>
+                                    </p:set>
+                                  </p:childTnLst>
+                                </p:cTn>
+                              </p:par>
+                            </p:childTnLst>
+                          </p:cTn>
+                        </p:par>
+                      </p:childTnLst>
+                    </p:cTn>
+                  </p:par>
+                  <p:par>
+                    <p:cTn id="11" fill="hold">
+                      <p:stCondLst>
+                        <p:cond delay="indefinite"/>
+                      </p:stCondLst>
+                      <p:childTnLst>
+                        <p:par>
+                          <p:cTn id="12" fill="hold">
+                            <p:stCondLst>
+                              <p:cond delay="0"/>
+                            </p:stCondLst>
+                            <p:childTnLst>
+                              <p:par>
+                                <p:cTn id="13" presetID="1" presetClass="entr" presetSubtype="0" fill="hold" grpId="0" nodeType="clickEffect">
+                                  <p:stCondLst>
+                                    <p:cond delay="0"/>
+                                  </p:stCondLst>
+                                  <p:childTnLst>
+                                    <p:set>
+                                      <p:cBhvr>
+                                        <p:cTn id="14" dur="1" fill="hold">
+                                          <p:stCondLst>
+                                            <p:cond delay="0"/>
+                                          </p:stCondLst>
+                                        </p:cTn>
+                                        <p:tgtEl>
+                                          <p:spTgt spid="7"/>
+                                        </p:tgtEl>
+                                        <p:attrNameLst>
+                                          <p:attrName>style.visibility</p:attrName>
+                                        </p:attrNameLst>
+                                      </p:cBhvr>
+                                      <p:to>
+                                        <p:strVal val="visible"/>
+                                      </p:to>
+                                    </p:set>
+                                  </p:childTnLst>
+                                </p:cTn>
+                              </p:par>
+                            </p:childTnLst>
+                          </p:cTn>
+                        </p:par>
+                      </p:childTnLst>
+                    </p:cTn>
+                  </p:par>
+                  <p:par>
+                    <p:cTn id="15" fill="hold">
+                      <p:stCondLst>
+                        <p:cond delay="indefinite"/>
+                      </p:stCondLst>
+                      <p:childTnLst>
+                        <p:par>
+                          <p:cTn id="16" fill="hold">
+                            <p:stCondLst>
+                              <p:cond delay="0"/>
+                            </p:stCondLst>
+                            <p:childTnLst>
+                              <p:par>
+                                <p:cTn id="17" presetID="1" presetClass="entr" presetSubtype="0" fill="hold" grpId="0" nodeType="clickEffect">
+                                  <p:stCondLst>
+                                    <p:cond delay="0"/>
+                                  </p:stCondLst>
+                                  <p:childTnLst>
+                                    <p:set>
+                                      <p:cBhvr>
+                                        <p:cTn id="18" dur="1" fill="hold">
+                                          <p:stCondLst>
+                                            <p:cond delay="0"/>
+                                          </p:stCondLst>
+                                        </p:cTn>
+                                        <p:tgtEl>
+                                          <p:spTgt spid="5"/>
+                                        </p:tgtEl>
+                                        <p:attrNameLst>
+                                          <p:attrName>style.visibility</p:attrName>
+                                        </p:attrNameLst>
+                                      </p:cBhvr>
+                                      <p:to>
+                                        <p:strVal val="visible"/>
+                                      </p:to>
+                                    </p:set>
+                                  </p:childTnLst>
+                                </p:cTn>
+                              </p:par>
+                            </p:childTnLst>
+                          </p:cTn>
+                        </p:par>
+                      </p:childTnLst>
+                    </p:cTn>
+                  </p:par>
+                  <p:par>
+                    <p:cTn id="19" fill="hold">
+                      <p:stCondLst>
+                        <p:cond delay="indefinite"/>
+                      </p:stCondLst>
+                      <p:childTnLst>
+                        <p:par>
+                          <p:cTn id="20" fill="hold">
+                            <p:stCondLst>
+                              <p:cond delay="0"/>
+                            </p:stCondLst>
+                            <p:childTnLst>
+                              <p:par>
+                                <p:cTn id="21" presetID="1" presetClass="entr" presetSubtype="0" fill="hold" grpId="0" nodeType="clickEffect">
+                                  <p:stCondLst>
+                                    <p:cond delay="0"/>
+                                  </p:stCondLst>
+                                  <p:childTnLst>
+                                    <p:set>
+                                      <p:cBhvr>
+                                        <p:cTn id="22" dur="1" fill="hold">
+                                          <p:stCondLst>
+                                            <p:cond delay="0"/>
+                                          </p:stCondLst>
+                                        </p:cTn>
+                                        <p:tgtEl>
+                                          <p:spTgt spid="9"/>
+                                        </p:tgtEl>
+                                        <p:attrNameLst>
+                                          <p:attrName>style.visibility</p:attrName>
+                                        </p:attrNameLst>
+                                      </p:cBhvr>
+                                      <p:to>
+                                        <p:strVal val="visible"/>
+                                      </p:to>
+                                    </p:set>
+                                  </p:childTnLst>
+                                </p:cTn>
+                              </p:par>
+                            </p:childTnLst>
+                          </p:cTn>
+                        </p:par>
+                      </p:childTnLst>
+                    </p:cTn>
+                  </p:par>
+                  <p:par>
+                    <p:cTn id="23" fill="hold">
+                      <p:stCondLst>
+                        <p:cond delay="indefinite"/>
+                      </p:stCondLst>
+                      <p:childTnLst>
+                        <p:par>
+                          <p:cTn id="24" fill="hold">
+                            <p:stCondLst>
+                              <p:cond delay="0"/>
+                            </p:stCondLst>
+                            <p:childTnLst>
+                              <p:par>
+                                <p:cTn id="25" presetID="1" presetClass="entr" presetSubtype="0" fill="hold" grpId="0" nodeType="clickEffect">
+                                  <p:stCondLst>
+                                    <p:cond delay="0"/>
+                                  </p:stCondLst>
+                                  <p:childTnLst>
+                                    <p:set>
+                                      <p:cBhvr>
+                                        <p:cTn id="26" dur="1" fill="hold">
+                                          <p:stCondLst>
+                                            <p:cond delay="0"/>
+                                          </p:stCondLst>
+                                        </p:cTn>
+                                        <p:tgtEl>
+                                          <p:spTgt spid="4"/>
+                                        </p:tgtEl>
+                                        <p:attrNameLst>
+                                          <p:attrName>style.visibility</p:attrName>
+                                        </p:attrNameLst>
+                                      </p:cBhvr>
+                                      <p:to>
+                                        <p:strVal val="visible"/>
+                                      </p:to>
+                                    </p:set>
+                                  </p:childTnLst>
+                                </p:cTn>
+                              </p:par>
+                            </p:childTnLst>
+                          </p:cTn>
+                        </p:par>
+                      </p:childTnLst>
+                    </p:cTn>
+                  </p:par>
+                  <p:par>
+                    <p:cTn id="27" fill="hold">
+                      <p:stCondLst>
+                        <p:cond delay="indefinite"/>
+                      </p:stCondLst>
+                      <p:childTnLst>
+                        <p:par>
+                          <p:cTn id="28" fill="hold">
+                            <p:stCondLst>
+                              <p:cond delay="0"/>
+                            </p:stCondLst>
+                            <p:childTnLst>
+                              <p:par>
+                                <p:cTn id="29" presetID="1" presetClass="entr" presetSubtype="0" fill="hold" grpId="0" nodeType="clickEffect">
+                                  <p:stCondLst>
+                                    <p:cond delay="0"/>
+                                  </p:stCondLst>
+                                  <p:childTnLst>
+                                    <p:set>
+                                      <p:cBhvr>
+                                        <p:cTn id="30" dur="1" fill="hold">
+                                          <p:stCondLst>
+                                            <p:cond delay="0"/>
+                                          </p:stCondLst>
+                                        </p:cTn>
+                                        <p:tgtEl>
+                                          <p:spTgt spid="10"/>
+                                        </p:tgtEl>
+                                        <p:attrNameLst>
+                                          <p:attrName>style.visibility</p:attrName>
+                                        </p:attrNameLst>
+                                      </p:cBhvr>
+                                      <p:to>
+                                        <p:strVal val="visible"/>
+                                      </p:to>
+                                    </p:set>
+                                  </p:childTnLst>
+                                </p:cTn>
+                              </p:par>
+                            </p:childTnLst>
+                          </p:cTn>
+                        </p:par>
+                      </p:childTnLst>
+                    </p:cTn>
+                  </p:par>
+                  <p:par>
+                    <p:cTn id="31" fill="hold">
+                      <p:stCondLst>
+                        <p:cond delay="indefinite"/>
+                      </p:stCondLst>
+                      <p:childTnLst>
+                        <p:par>
+                          <p:cTn id="32" fill="hold">
+                            <p:stCondLst>
+                              <p:cond delay="0"/>
+                            </p:stCondLst>
+                            <p:childTnLst>
+                              <p:par>
+                                <p:cTn id="33" presetID="1" presetClass="entr" presetSubtype="0" fill="hold" grpId="0" nodeType="clickEffect">
+                                  <p:stCondLst>
+                                    <p:cond delay="0"/>
+                                  </p:stCondLst>
+                                  <p:childTnLst>
+                                    <p:set>
+                                      <p:cBhvr>
+                                        <p:cTn id="34" dur="1" fill="hold">
+                                          <p:stCondLst>
+                                            <p:cond delay="0"/>
+                                          </p:stCondLst>
+                                        </p:cTn>
+                                        <p:tgtEl>
+                                          <p:spTgt spid="3"/>
+                                        </p:tgtEl>
+                                        <p:attrNameLst>
+                                          <p:attrName>style.visibility</p:attrName>
+                                        </p:attrNameLst>
+                                      </p:cBhvr>
+                                      <p:to>
+                                        <p:strVal val="visible"/>
+                                      </p:to>
+                                    </p:set>
+                                  </p:childTnLst>
+                                </p:cTn>
+                              </p:par>
+                            </p:childTnLst>
+                          </p:cTn>
+                        </p:par>
+                      </p:childTnLst>
+                    </p:cTn>
+                  </p:par>
+                  <p:par>
+                    <p:cTn id="35" fill="hold">
+                      <p:stCondLst>
+                        <p:cond delay="indefinite"/>
+                      </p:stCondLst>
+                      <p:childTnLst>
+                        <p:par>
+                          <p:cTn id="36" fill="hold">
+                            <p:stCondLst>
+                              <p:cond delay="0"/>
+                            </p:stCondLst>
+                            <p:childTnLst>
+                              <p:par>
+                                <p:cTn id="37" presetID="1" presetClass="entr" presetSubtype="0" fill="hold" grpId="0" nodeType="clickEffect">
+                                  <p:stCondLst>
+                                    <p:cond delay="0"/>
+                                  </p:stCondLst>
+                                  <p:childTnLst>
+                                    <p:set>
+                                      <p:cBhvr>
+                                        <p:cTn id="38" dur="1" fill="hold">
+                                          <p:stCondLst>
+                                            <p:cond delay="0"/>
+                                          </p:stCondLst>
+                                        </p:cTn>
+                                        <p:tgtEl>
+                                          <p:spTgt spid="12"/>
+                                        </p:tgtEl>
+                                        <p:attrNameLst>
+                                          <p:attrName>style.visibility</p:attrName>
+                                        </p:attrNameLst>
+                                      </p:cBhvr>
+                                      <p:to>
+                                        <p:strVal val="visible"/>
+                                      </p:to>
+                                    </p:set>
+                                  </p:childTnLst>
+                                </p:cTn>
+                              </p:par>
+                            </p:childTnLst>
+                          </p:cTn>
+                        </p:par>
+                      </p:childTnLst>
+                    </p:cTn>
+                  </p:par>
+                </p:childTnLst>
+              </p:cTn>
+              <p:prevCondLst>
+                <p:cond evt="onPrev" delay="0">
+                  <p:tgtEl>
+                    <p:sldTgt/>
+                  </p:tgtEl>
+                </p:cond>
+              </p:prevCondLst>
+              <p:nextCondLst>
+                <p:cond evt="onNext" delay="0">
+                  <p:tgtEl>
+                    <p:sldTgt/>
+                  </p:tgtEl>
+                </p:cond>
+              </p:nextCondLst>
+            </p:seq>
+          </p:childTnLst>
+        </p:cTn>
+      </p:par>
+    </p:tnLst>
+    <p:bldLst>
+      <p:bldP spid="3" grpId="0"/>
+      <p:bldP spid="4" grpId="0"/>
+      <p:bldP spid="5" grpId="0"/>
+      <p:bldP spid="6" grpId="0"/>
+      <p:bldP spid="7" grpId="0"/>
+      <p:bldP spid="8" grpId="0"/>
+      <p:bldP spid="9" grpId="0"/>
+      <p:bldP spid="10" grpId="0"/>
+      <p:bldP spid="12" grpId="0"/>
+    </p:bldLst>
+  </p:timing>
+</p:sld>
+</file>
+
+<file path=ppt/slides/slide13.xml><?xml version="1.0" encoding="utf-8"?>
+<p:sld xmlns:a="http://schemas.openxmlformats.org/drawingml/2006/main" xmlns:r="http://schemas.openxmlformats.org/officeDocument/2006/relationships" xmlns:p="http://schemas.openxmlformats.org/presentationml/2006/main">
+  <p:cSld>
+    <p:spTree>
+      <p:nvGrpSpPr>
+        <p:cNvPr id="1" name=""/>
+        <p:cNvGrpSpPr/>
+        <p:nvPr/>
+      </p:nvGrpSpPr>
+      <p:grpSpPr>
+        <a:xfrm>
+          <a:off x="0" y="0"/>
+          <a:ext cx="0" cy="0"/>
+          <a:chOff x="0" y="0"/>
+          <a:chExt cx="0" cy="0"/>
+        </a:xfrm>
+      </p:grpSpPr>
+      <p:sp>
+        <p:nvSpPr>
+          <p:cNvPr id="2" name="Title 1"/>
+          <p:cNvSpPr>
+            <a:spLocks noGrp="1"/>
+          </p:cNvSpPr>
+          <p:nvPr>
+            <p:ph type="ctrTitle"/>
+          </p:nvPr>
+        </p:nvSpPr>
+        <p:spPr/>
+        <p:txBody>
+          <a:bodyPr>
+            <a:normAutofit/>
+          </a:bodyPr>
+          <a:lstStyle/>
+          <a:p>
+            <a:r>
+              <a:rPr lang="en-US" dirty="0" smtClean="0">
+                <a:solidFill>
+                  <a:srgbClr val="FFFF00"/>
+                </a:solidFill>
+              </a:rPr>
+              <a:t>Takeaway:</a:t>
+            </a:r>
+            <a:br>
+              <a:rPr lang="en-US" dirty="0" smtClean="0">
+                <a:solidFill>
+                  <a:srgbClr val="FFFF00"/>
+                </a:solidFill>
+              </a:rPr>
+            </a:br>
+            <a:r>
+              <a:rPr lang="en-US" dirty="0"/>
+              <a:t>for MongoDB 3.6 </a:t>
+            </a:r>
+            <a:r>
+              <a:rPr lang="en-US" dirty="0" smtClean="0"/>
+              <a:t>use </a:t>
+            </a:r>
+            <a:r>
+              <a:rPr lang="en-US" dirty="0" err="1" smtClean="0">
+                <a:solidFill>
+                  <a:srgbClr val="92D050"/>
+                </a:solidFill>
+              </a:rPr>
+              <a:t>Oplog</a:t>
+            </a:r>
+            <a:r>
+              <a:rPr lang="en-US" dirty="0" smtClean="0">
+                <a:solidFill>
+                  <a:srgbClr val="92D050"/>
+                </a:solidFill>
+              </a:rPr>
+              <a:t> tailing</a:t>
+            </a:r>
+            <a:endParaRPr lang="en-US" dirty="0">
+              <a:solidFill>
+                <a:srgbClr val="92D050"/>
+              </a:solidFill>
+            </a:endParaRPr>
+          </a:p>
+        </p:txBody>
+      </p:sp>
+      <p:sp>
+        <p:nvSpPr>
+          <p:cNvPr id="3" name="Subtitle 2"/>
+          <p:cNvSpPr>
+            <a:spLocks noGrp="1"/>
+          </p:cNvSpPr>
+          <p:nvPr>
+            <p:ph type="subTitle" idx="1"/>
+          </p:nvPr>
+        </p:nvSpPr>
+        <p:spPr/>
+        <p:txBody>
+          <a:bodyPr/>
+          <a:lstStyle/>
+          <a:p>
+            <a:endParaRPr lang="en-US" dirty="0"/>
+          </a:p>
+        </p:txBody>
+      </p:sp>
+    </p:spTree>
+    <p:extLst>
+      <p:ext uri="{BB962C8B-B14F-4D97-AF65-F5344CB8AC3E}">
+        <p14:creationId xmlns:p14="http://schemas.microsoft.com/office/powerpoint/2010/main" val="2629089657"/>
+      </p:ext>
+    </p:extLst>
+  </p:cSld>
+  <p:clrMapOvr>
+    <a:masterClrMapping/>
+  </p:clrMapOvr>
+  <p:timing>
+    <p:tnLst>
+      <p:par>
+        <p:cTn id="1" dur="indefinite" restart="never" nodeType="tmRoot"/>
+      </p:par>
+    </p:tnLst>
+  </p:timing>
+</p:sld>
+</file>
+
+<file path=ppt/slides/slide14.xml><?xml version="1.0" encoding="utf-8"?>
+<p:sld xmlns:a="http://schemas.openxmlformats.org/drawingml/2006/main" xmlns:r="http://schemas.openxmlformats.org/officeDocument/2006/relationships" xmlns:p="http://schemas.openxmlformats.org/presentationml/2006/main">
+  <p:cSld>
+    <p:spTree>
+      <p:nvGrpSpPr>
+        <p:cNvPr id="1" name=""/>
+        <p:cNvGrpSpPr/>
+        <p:nvPr/>
+      </p:nvGrpSpPr>
+      <p:grpSpPr>
+        <a:xfrm>
+          <a:off x="0" y="0"/>
+          <a:ext cx="0" cy="0"/>
+          <a:chOff x="0" y="0"/>
+          <a:chExt cx="0" cy="0"/>
+        </a:xfrm>
+      </p:grpSpPr>
+      <p:sp>
+        <p:nvSpPr>
+          <p:cNvPr id="2" name="Title 1"/>
+          <p:cNvSpPr>
+            <a:spLocks noGrp="1"/>
+          </p:cNvSpPr>
+          <p:nvPr>
+            <p:ph type="ctrTitle"/>
+          </p:nvPr>
+        </p:nvSpPr>
+        <p:spPr/>
+        <p:txBody>
+          <a:bodyPr>
+            <a:normAutofit/>
+          </a:bodyPr>
+          <a:lstStyle/>
+          <a:p>
+            <a:r>
+              <a:rPr lang="en-US" dirty="0" smtClean="0">
+                <a:solidFill>
+                  <a:srgbClr val="FFFF00"/>
+                </a:solidFill>
+              </a:rPr>
+              <a:t>Takeaway:</a:t>
+            </a:r>
+            <a:br>
+              <a:rPr lang="en-US" dirty="0" smtClean="0">
+                <a:solidFill>
+                  <a:srgbClr val="FFFF00"/>
+                </a:solidFill>
+              </a:rPr>
+            </a:br>
+            <a:r>
+              <a:rPr lang="en-US" dirty="0"/>
+              <a:t>for primary-secondary-arbiter (PSA</a:t>
+            </a:r>
+            <a:r>
+              <a:rPr lang="en-US" dirty="0" smtClean="0"/>
+              <a:t>) replica set use </a:t>
+            </a:r>
+            <a:r>
+              <a:rPr lang="en-US" dirty="0" err="1" smtClean="0">
+                <a:solidFill>
+                  <a:srgbClr val="92D050"/>
+                </a:solidFill>
+              </a:rPr>
+              <a:t>Oplog</a:t>
+            </a:r>
+            <a:r>
+              <a:rPr lang="en-US" dirty="0" smtClean="0">
+                <a:solidFill>
+                  <a:srgbClr val="92D050"/>
+                </a:solidFill>
+              </a:rPr>
+              <a:t> tailing</a:t>
+            </a:r>
+            <a:endParaRPr lang="en-US" dirty="0">
+              <a:solidFill>
+                <a:srgbClr val="92D050"/>
+              </a:solidFill>
+            </a:endParaRPr>
+          </a:p>
+        </p:txBody>
+      </p:sp>
+      <p:sp>
+        <p:nvSpPr>
+          <p:cNvPr id="3" name="Subtitle 2"/>
+          <p:cNvSpPr>
+            <a:spLocks noGrp="1"/>
+          </p:cNvSpPr>
+          <p:nvPr>
+            <p:ph type="subTitle" idx="1"/>
+          </p:nvPr>
+        </p:nvSpPr>
+        <p:spPr/>
+        <p:txBody>
+          <a:bodyPr/>
+          <a:lstStyle/>
+          <a:p>
+            <a:endParaRPr lang="en-US" dirty="0"/>
+          </a:p>
+        </p:txBody>
+      </p:sp>
+    </p:spTree>
+    <p:extLst>
+      <p:ext uri="{BB962C8B-B14F-4D97-AF65-F5344CB8AC3E}">
+        <p14:creationId xmlns:p14="http://schemas.microsoft.com/office/powerpoint/2010/main" val="4217504484"/>
+      </p:ext>
+    </p:extLst>
+  </p:cSld>
+  <p:clrMapOvr>
+    <a:masterClrMapping/>
+  </p:clrMapOvr>
+  <p:timing>
+    <p:tnLst>
+      <p:par>
+        <p:cTn id="1" dur="indefinite" restart="never" nodeType="tmRoot"/>
+      </p:par>
+    </p:tnLst>
   </p:timing>
 </p:sld>
 </file>
@@ -9151,18 +10594,30 @@
                   <a:srgbClr val="FFFF00"/>
                 </a:solidFill>
               </a:rPr>
-              <a:t>Key takeaway: </a:t>
-            </a:r>
+              <a:t>Key </a:t>
+            </a:r>
+            <a:r>
+              <a:rPr lang="en-US" dirty="0" smtClean="0">
+                <a:solidFill>
+                  <a:srgbClr val="FFFF00"/>
+                </a:solidFill>
+              </a:rPr>
+              <a:t>takeaway:</a:t>
+            </a:r>
+            <a:br>
+              <a:rPr lang="en-US" dirty="0" smtClean="0">
+                <a:solidFill>
+                  <a:srgbClr val="FFFF00"/>
+                </a:solidFill>
+              </a:rPr>
+            </a:br>
             <a:r>
               <a:rPr lang="en-US" dirty="0" smtClean="0"/>
-              <a:t/>
-            </a:r>
-            <a:br>
+              <a:t>persist </a:t>
+            </a:r>
+            <a:r>
               <a:rPr lang="en-US" dirty="0" smtClean="0"/>
-            </a:br>
-            <a:r>
-              <a:rPr lang="en-US" dirty="0" smtClean="0"/>
-              <a:t>persist state and publish event </a:t>
+              <a:t>state and publish event </a:t>
             </a:r>
             <a:r>
               <a:rPr lang="en-US" dirty="0" smtClean="0">

--- a/t18-event-mongodb.pptx
+++ b/t18-event-mongodb.pptx
@@ -5,7 +5,7 @@
     <p:sldMasterId id="2147483756" r:id="rId1"/>
   </p:sldMasterIdLst>
   <p:notesMasterIdLst>
-    <p:notesMasterId r:id="rId16"/>
+    <p:notesMasterId r:id="rId19"/>
   </p:notesMasterIdLst>
   <p:sldIdLst>
     <p:sldId id="258" r:id="rId2"/>
@@ -22,6 +22,9 @@
     <p:sldId id="269" r:id="rId13"/>
     <p:sldId id="270" r:id="rId14"/>
     <p:sldId id="271" r:id="rId15"/>
+    <p:sldId id="272" r:id="rId16"/>
+    <p:sldId id="274" r:id="rId17"/>
+    <p:sldId id="273" r:id="rId18"/>
   </p:sldIdLst>
   <p:sldSz cx="12192000" cy="6858000"/>
   <p:notesSz cx="6858000" cy="9144000"/>
@@ -848,6 +851,37 @@
           <a:bodyPr/>
           <a:lstStyle/>
           <a:p>
+            <a:r>
+              <a:rPr lang="en-US" dirty="0" smtClean="0"/>
+              <a:t>Went with Change Streams for </a:t>
+            </a:r>
+            <a:r>
+              <a:rPr lang="en-US" dirty="0" err="1" smtClean="0"/>
+              <a:t>PoC</a:t>
+            </a:r>
+            <a:endParaRPr lang="en-US" dirty="0" smtClean="0"/>
+          </a:p>
+          <a:p>
+            <a:endParaRPr lang="en-US" dirty="0" smtClean="0"/>
+          </a:p>
+          <a:p>
+            <a:r>
+              <a:rPr lang="en-US" dirty="0" smtClean="0"/>
+              <a:t>Stale</a:t>
+            </a:r>
+            <a:r>
+              <a:rPr lang="en-US" baseline="0" dirty="0" smtClean="0"/>
+              <a:t> collection r</a:t>
+            </a:r>
+            <a:r>
+              <a:rPr lang="en-US" dirty="0" smtClean="0"/>
+              <a:t>esume issue</a:t>
+            </a:r>
+          </a:p>
+          <a:p>
+            <a:endParaRPr lang="en-US" dirty="0" smtClean="0"/>
+          </a:p>
+          <a:p>
             <a:endParaRPr lang="en-US" dirty="0"/>
           </a:p>
         </p:txBody>
@@ -932,7 +966,32 @@
           <a:bodyPr/>
           <a:lstStyle/>
           <a:p>
-            <a:endParaRPr lang="en-US" dirty="0"/>
+            <a:pPr marL="0" marR="0" lvl="0" indent="0" algn="l" defTabSz="914400" rtl="0" eaLnBrk="1" fontAlgn="auto" latinLnBrk="0" hangingPunct="1">
+              <a:lnSpc>
+                <a:spcPct val="100000"/>
+              </a:lnSpc>
+              <a:spcBef>
+                <a:spcPts val="0"/>
+              </a:spcBef>
+              <a:spcAft>
+                <a:spcPts val="0"/>
+              </a:spcAft>
+              <a:buClrTx/>
+              <a:buSzTx/>
+              <a:buFontTx/>
+              <a:buNone/>
+              <a:tabLst/>
+              <a:defRPr/>
+            </a:pPr>
+            <a:r>
+              <a:rPr lang="en-US" dirty="0" smtClean="0"/>
+              <a:t>3.4</a:t>
+            </a:r>
+            <a:r>
+              <a:rPr lang="en-US" baseline="0" dirty="0" smtClean="0"/>
+              <a:t> to 3.6 upgrade issue</a:t>
+            </a:r>
+            <a:endParaRPr lang="en-US" dirty="0" smtClean="0"/>
           </a:p>
         </p:txBody>
       </p:sp>
@@ -1047,6 +1106,276 @@
     <p:extLst>
       <p:ext uri="{BB962C8B-B14F-4D97-AF65-F5344CB8AC3E}">
         <p14:creationId xmlns:p14="http://schemas.microsoft.com/office/powerpoint/2010/main" val="2789047906"/>
+      </p:ext>
+    </p:extLst>
+  </p:cSld>
+  <p:clrMapOvr>
+    <a:masterClrMapping/>
+  </p:clrMapOvr>
+</p:notes>
+</file>
+
+<file path=ppt/notesSlides/notesSlide15.xml><?xml version="1.0" encoding="utf-8"?>
+<p:notes xmlns:a="http://schemas.openxmlformats.org/drawingml/2006/main" xmlns:r="http://schemas.openxmlformats.org/officeDocument/2006/relationships" xmlns:p="http://schemas.openxmlformats.org/presentationml/2006/main">
+  <p:cSld>
+    <p:spTree>
+      <p:nvGrpSpPr>
+        <p:cNvPr id="1" name=""/>
+        <p:cNvGrpSpPr/>
+        <p:nvPr/>
+      </p:nvGrpSpPr>
+      <p:grpSpPr>
+        <a:xfrm>
+          <a:off x="0" y="0"/>
+          <a:ext cx="0" cy="0"/>
+          <a:chOff x="0" y="0"/>
+          <a:chExt cx="0" cy="0"/>
+        </a:xfrm>
+      </p:grpSpPr>
+      <p:sp>
+        <p:nvSpPr>
+          <p:cNvPr id="2" name="Slide Image Placeholder 1"/>
+          <p:cNvSpPr>
+            <a:spLocks noGrp="1" noRot="1" noChangeAspect="1"/>
+          </p:cNvSpPr>
+          <p:nvPr>
+            <p:ph type="sldImg"/>
+          </p:nvPr>
+        </p:nvSpPr>
+        <p:spPr/>
+      </p:sp>
+      <p:sp>
+        <p:nvSpPr>
+          <p:cNvPr id="3" name="Notes Placeholder 2"/>
+          <p:cNvSpPr>
+            <a:spLocks noGrp="1"/>
+          </p:cNvSpPr>
+          <p:nvPr>
+            <p:ph type="body" idx="1"/>
+          </p:nvPr>
+        </p:nvSpPr>
+        <p:spPr/>
+        <p:txBody>
+          <a:bodyPr/>
+          <a:lstStyle/>
+          <a:p>
+            <a:endParaRPr lang="en-US" dirty="0"/>
+          </a:p>
+        </p:txBody>
+      </p:sp>
+      <p:sp>
+        <p:nvSpPr>
+          <p:cNvPr id="4" name="Slide Number Placeholder 3"/>
+          <p:cNvSpPr>
+            <a:spLocks noGrp="1"/>
+          </p:cNvSpPr>
+          <p:nvPr>
+            <p:ph type="sldNum" sz="quarter" idx="10"/>
+          </p:nvPr>
+        </p:nvSpPr>
+        <p:spPr/>
+        <p:txBody>
+          <a:bodyPr/>
+          <a:lstStyle/>
+          <a:p>
+            <a:fld id="{40EA4F9F-6CEF-4B9D-BEB3-40FCF0DF71AE}" type="slidenum">
+              <a:rPr lang="en-US" smtClean="0"/>
+              <a:t>15</a:t>
+            </a:fld>
+            <a:endParaRPr lang="en-US"/>
+          </a:p>
+        </p:txBody>
+      </p:sp>
+    </p:spTree>
+    <p:extLst>
+      <p:ext uri="{BB962C8B-B14F-4D97-AF65-F5344CB8AC3E}">
+        <p14:creationId xmlns:p14="http://schemas.microsoft.com/office/powerpoint/2010/main" val="2848189909"/>
+      </p:ext>
+    </p:extLst>
+  </p:cSld>
+  <p:clrMapOvr>
+    <a:masterClrMapping/>
+  </p:clrMapOvr>
+</p:notes>
+</file>
+
+<file path=ppt/notesSlides/notesSlide16.xml><?xml version="1.0" encoding="utf-8"?>
+<p:notes xmlns:a="http://schemas.openxmlformats.org/drawingml/2006/main" xmlns:r="http://schemas.openxmlformats.org/officeDocument/2006/relationships" xmlns:p="http://schemas.openxmlformats.org/presentationml/2006/main">
+  <p:cSld>
+    <p:spTree>
+      <p:nvGrpSpPr>
+        <p:cNvPr id="1" name=""/>
+        <p:cNvGrpSpPr/>
+        <p:nvPr/>
+      </p:nvGrpSpPr>
+      <p:grpSpPr>
+        <a:xfrm>
+          <a:off x="0" y="0"/>
+          <a:ext cx="0" cy="0"/>
+          <a:chOff x="0" y="0"/>
+          <a:chExt cx="0" cy="0"/>
+        </a:xfrm>
+      </p:grpSpPr>
+      <p:sp>
+        <p:nvSpPr>
+          <p:cNvPr id="2" name="Slide Image Placeholder 1"/>
+          <p:cNvSpPr>
+            <a:spLocks noGrp="1" noRot="1" noChangeAspect="1"/>
+          </p:cNvSpPr>
+          <p:nvPr>
+            <p:ph type="sldImg"/>
+          </p:nvPr>
+        </p:nvSpPr>
+        <p:spPr/>
+      </p:sp>
+      <p:sp>
+        <p:nvSpPr>
+          <p:cNvPr id="3" name="Notes Placeholder 2"/>
+          <p:cNvSpPr>
+            <a:spLocks noGrp="1"/>
+          </p:cNvSpPr>
+          <p:nvPr>
+            <p:ph type="body" idx="1"/>
+          </p:nvPr>
+        </p:nvSpPr>
+        <p:spPr/>
+        <p:txBody>
+          <a:bodyPr/>
+          <a:lstStyle/>
+          <a:p>
+            <a:endParaRPr lang="en-US" dirty="0"/>
+          </a:p>
+        </p:txBody>
+      </p:sp>
+      <p:sp>
+        <p:nvSpPr>
+          <p:cNvPr id="4" name="Slide Number Placeholder 3"/>
+          <p:cNvSpPr>
+            <a:spLocks noGrp="1"/>
+          </p:cNvSpPr>
+          <p:nvPr>
+            <p:ph type="sldNum" sz="quarter" idx="10"/>
+          </p:nvPr>
+        </p:nvSpPr>
+        <p:spPr/>
+        <p:txBody>
+          <a:bodyPr/>
+          <a:lstStyle/>
+          <a:p>
+            <a:fld id="{40EA4F9F-6CEF-4B9D-BEB3-40FCF0DF71AE}" type="slidenum">
+              <a:rPr lang="en-US" smtClean="0"/>
+              <a:t>16</a:t>
+            </a:fld>
+            <a:endParaRPr lang="en-US"/>
+          </a:p>
+        </p:txBody>
+      </p:sp>
+    </p:spTree>
+    <p:extLst>
+      <p:ext uri="{BB962C8B-B14F-4D97-AF65-F5344CB8AC3E}">
+        <p14:creationId xmlns:p14="http://schemas.microsoft.com/office/powerpoint/2010/main" val="4020643647"/>
+      </p:ext>
+    </p:extLst>
+  </p:cSld>
+  <p:clrMapOvr>
+    <a:masterClrMapping/>
+  </p:clrMapOvr>
+</p:notes>
+</file>
+
+<file path=ppt/notesSlides/notesSlide17.xml><?xml version="1.0" encoding="utf-8"?>
+<p:notes xmlns:a="http://schemas.openxmlformats.org/drawingml/2006/main" xmlns:r="http://schemas.openxmlformats.org/officeDocument/2006/relationships" xmlns:p="http://schemas.openxmlformats.org/presentationml/2006/main">
+  <p:cSld>
+    <p:spTree>
+      <p:nvGrpSpPr>
+        <p:cNvPr id="1" name=""/>
+        <p:cNvGrpSpPr/>
+        <p:nvPr/>
+      </p:nvGrpSpPr>
+      <p:grpSpPr>
+        <a:xfrm>
+          <a:off x="0" y="0"/>
+          <a:ext cx="0" cy="0"/>
+          <a:chOff x="0" y="0"/>
+          <a:chExt cx="0" cy="0"/>
+        </a:xfrm>
+      </p:grpSpPr>
+      <p:sp>
+        <p:nvSpPr>
+          <p:cNvPr id="2" name="Slide Image Placeholder 1"/>
+          <p:cNvSpPr>
+            <a:spLocks noGrp="1" noRot="1" noChangeAspect="1"/>
+          </p:cNvSpPr>
+          <p:nvPr>
+            <p:ph type="sldImg"/>
+          </p:nvPr>
+        </p:nvSpPr>
+        <p:spPr/>
+      </p:sp>
+      <p:sp>
+        <p:nvSpPr>
+          <p:cNvPr id="3" name="Notes Placeholder 2"/>
+          <p:cNvSpPr>
+            <a:spLocks noGrp="1"/>
+          </p:cNvSpPr>
+          <p:nvPr>
+            <p:ph type="body" idx="1"/>
+          </p:nvPr>
+        </p:nvSpPr>
+        <p:spPr/>
+        <p:txBody>
+          <a:bodyPr/>
+          <a:lstStyle/>
+          <a:p>
+            <a:r>
+              <a:rPr lang="en-US" dirty="0" smtClean="0"/>
+              <a:t>Capped collection</a:t>
+            </a:r>
+          </a:p>
+          <a:p>
+            <a:r>
+              <a:rPr lang="ru-RU" dirty="0" smtClean="0"/>
+              <a:t>50</a:t>
+            </a:r>
+            <a:r>
+              <a:rPr lang="ru-RU" baseline="0" dirty="0" smtClean="0"/>
+              <a:t> </a:t>
+            </a:r>
+            <a:r>
+              <a:rPr lang="en-US" baseline="0" dirty="0" smtClean="0"/>
+              <a:t>GB size limit</a:t>
+            </a:r>
+            <a:endParaRPr lang="en-US" dirty="0"/>
+          </a:p>
+        </p:txBody>
+      </p:sp>
+      <p:sp>
+        <p:nvSpPr>
+          <p:cNvPr id="4" name="Slide Number Placeholder 3"/>
+          <p:cNvSpPr>
+            <a:spLocks noGrp="1"/>
+          </p:cNvSpPr>
+          <p:nvPr>
+            <p:ph type="sldNum" sz="quarter" idx="10"/>
+          </p:nvPr>
+        </p:nvSpPr>
+        <p:spPr/>
+        <p:txBody>
+          <a:bodyPr/>
+          <a:lstStyle/>
+          <a:p>
+            <a:fld id="{40EA4F9F-6CEF-4B9D-BEB3-40FCF0DF71AE}" type="slidenum">
+              <a:rPr lang="en-US" smtClean="0"/>
+              <a:t>17</a:t>
+            </a:fld>
+            <a:endParaRPr lang="en-US"/>
+          </a:p>
+        </p:txBody>
+      </p:sp>
+    </p:spTree>
+    <p:extLst>
+      <p:ext uri="{BB962C8B-B14F-4D97-AF65-F5344CB8AC3E}">
+        <p14:creationId xmlns:p14="http://schemas.microsoft.com/office/powerpoint/2010/main" val="1263657375"/>
       </p:ext>
     </p:extLst>
   </p:cSld>
@@ -7774,6 +8103,817 @@
     <p:extLst>
       <p:ext uri="{BB962C8B-B14F-4D97-AF65-F5344CB8AC3E}">
         <p14:creationId xmlns:p14="http://schemas.microsoft.com/office/powerpoint/2010/main" val="4217504484"/>
+      </p:ext>
+    </p:extLst>
+  </p:cSld>
+  <p:clrMapOvr>
+    <a:masterClrMapping/>
+  </p:clrMapOvr>
+  <p:timing>
+    <p:tnLst>
+      <p:par>
+        <p:cTn id="1" dur="indefinite" restart="never" nodeType="tmRoot"/>
+      </p:par>
+    </p:tnLst>
+  </p:timing>
+</p:sld>
+</file>
+
+<file path=ppt/slides/slide15.xml><?xml version="1.0" encoding="utf-8"?>
+<p:sld xmlns:a="http://schemas.openxmlformats.org/drawingml/2006/main" xmlns:r="http://schemas.openxmlformats.org/officeDocument/2006/relationships" xmlns:p="http://schemas.openxmlformats.org/presentationml/2006/main">
+  <p:cSld>
+    <p:spTree>
+      <p:nvGrpSpPr>
+        <p:cNvPr id="1" name=""/>
+        <p:cNvGrpSpPr/>
+        <p:nvPr/>
+      </p:nvGrpSpPr>
+      <p:grpSpPr>
+        <a:xfrm>
+          <a:off x="0" y="0"/>
+          <a:ext cx="0" cy="0"/>
+          <a:chOff x="0" y="0"/>
+          <a:chExt cx="0" cy="0"/>
+        </a:xfrm>
+      </p:grpSpPr>
+      <p:sp>
+        <p:nvSpPr>
+          <p:cNvPr id="2" name="Title 1"/>
+          <p:cNvSpPr>
+            <a:spLocks noGrp="1"/>
+          </p:cNvSpPr>
+          <p:nvPr>
+            <p:ph type="ctrTitle"/>
+          </p:nvPr>
+        </p:nvSpPr>
+        <p:spPr>
+          <a:xfrm>
+            <a:off x="1261872" y="383065"/>
+            <a:ext cx="9418320" cy="1062681"/>
+          </a:xfrm>
+        </p:spPr>
+        <p:txBody>
+          <a:bodyPr>
+            <a:normAutofit/>
+          </a:bodyPr>
+          <a:lstStyle/>
+          <a:p>
+            <a:r>
+              <a:rPr lang="en-US" dirty="0"/>
+              <a:t>Change </a:t>
+            </a:r>
+            <a:r>
+              <a:rPr lang="en-US" dirty="0" smtClean="0"/>
+              <a:t>Streams 4.0</a:t>
+            </a:r>
+            <a:endParaRPr lang="en-US" dirty="0"/>
+          </a:p>
+        </p:txBody>
+      </p:sp>
+      <p:sp>
+        <p:nvSpPr>
+          <p:cNvPr id="5" name="TextBox 4"/>
+          <p:cNvSpPr txBox="1"/>
+          <p:nvPr/>
+        </p:nvSpPr>
+        <p:spPr>
+          <a:xfrm>
+            <a:off x="1999446" y="3221950"/>
+            <a:ext cx="4231030" cy="461665"/>
+          </a:xfrm>
+          <a:prstGeom prst="rect">
+            <a:avLst/>
+          </a:prstGeom>
+          <a:noFill/>
+        </p:spPr>
+        <p:txBody>
+          <a:bodyPr wrap="none" rtlCol="0">
+            <a:spAutoFit/>
+          </a:bodyPr>
+          <a:lstStyle/>
+          <a:p>
+            <a:r>
+              <a:rPr lang="en-US" sz="2400" dirty="0" smtClean="0"/>
+              <a:t>• </a:t>
+            </a:r>
+            <a:r>
+              <a:rPr lang="en-US" sz="2400" dirty="0">
+                <a:solidFill>
+                  <a:srgbClr val="FFFF00"/>
+                </a:solidFill>
+              </a:rPr>
+              <a:t>{ w: "majority" }</a:t>
+            </a:r>
+            <a:r>
+              <a:rPr lang="en-US" sz="2400" dirty="0"/>
+              <a:t> </a:t>
+            </a:r>
+            <a:r>
+              <a:rPr lang="en-US" sz="2400" dirty="0" smtClean="0"/>
+              <a:t>out of the box</a:t>
+            </a:r>
+            <a:endParaRPr lang="en-US" sz="2400" dirty="0"/>
+          </a:p>
+        </p:txBody>
+      </p:sp>
+      <p:sp>
+        <p:nvSpPr>
+          <p:cNvPr id="6" name="TextBox 5"/>
+          <p:cNvSpPr txBox="1"/>
+          <p:nvPr/>
+        </p:nvSpPr>
+        <p:spPr>
+          <a:xfrm>
+            <a:off x="1999446" y="2298620"/>
+            <a:ext cx="6534954" cy="461665"/>
+          </a:xfrm>
+          <a:prstGeom prst="rect">
+            <a:avLst/>
+          </a:prstGeom>
+          <a:noFill/>
+        </p:spPr>
+        <p:txBody>
+          <a:bodyPr wrap="square" rtlCol="0">
+            <a:spAutoFit/>
+          </a:bodyPr>
+          <a:lstStyle/>
+          <a:p>
+            <a:r>
+              <a:rPr lang="en-US" sz="2400" dirty="0"/>
+              <a:t>• Option to resume from a given Timestamp</a:t>
+            </a:r>
+            <a:endParaRPr lang="en-US" sz="2400" dirty="0"/>
+          </a:p>
+        </p:txBody>
+      </p:sp>
+      <p:sp>
+        <p:nvSpPr>
+          <p:cNvPr id="7" name="TextBox 6"/>
+          <p:cNvSpPr txBox="1"/>
+          <p:nvPr/>
+        </p:nvSpPr>
+        <p:spPr>
+          <a:xfrm>
+            <a:off x="1999446" y="2760285"/>
+            <a:ext cx="7637347" cy="461665"/>
+          </a:xfrm>
+          <a:prstGeom prst="rect">
+            <a:avLst/>
+          </a:prstGeom>
+          <a:noFill/>
+        </p:spPr>
+        <p:txBody>
+          <a:bodyPr wrap="none" rtlCol="0">
+            <a:spAutoFit/>
+          </a:bodyPr>
+          <a:lstStyle/>
+          <a:p>
+            <a:r>
+              <a:rPr lang="en-US" sz="2400" dirty="0" smtClean="0"/>
+              <a:t>• </a:t>
+            </a:r>
+            <a:r>
+              <a:rPr lang="en-US" sz="2400" dirty="0"/>
+              <a:t>Subscribe to changes from </a:t>
+            </a:r>
+            <a:r>
+              <a:rPr lang="en-US" sz="2400" dirty="0" smtClean="0"/>
+              <a:t>database </a:t>
+            </a:r>
+            <a:r>
+              <a:rPr lang="en-US" sz="2400" dirty="0"/>
+              <a:t>or entire </a:t>
+            </a:r>
+            <a:r>
+              <a:rPr lang="en-US" sz="2400" dirty="0" smtClean="0"/>
+              <a:t>deployment</a:t>
+            </a:r>
+            <a:endParaRPr lang="en-US" sz="2400" dirty="0"/>
+          </a:p>
+        </p:txBody>
+      </p:sp>
+      <p:sp>
+        <p:nvSpPr>
+          <p:cNvPr id="8" name="TextBox 7"/>
+          <p:cNvSpPr txBox="1"/>
+          <p:nvPr/>
+        </p:nvSpPr>
+        <p:spPr>
+          <a:xfrm>
+            <a:off x="1261872" y="1836955"/>
+            <a:ext cx="737574" cy="461665"/>
+          </a:xfrm>
+          <a:prstGeom prst="rect">
+            <a:avLst/>
+          </a:prstGeom>
+          <a:noFill/>
+        </p:spPr>
+        <p:txBody>
+          <a:bodyPr wrap="none" rtlCol="0">
+            <a:spAutoFit/>
+          </a:bodyPr>
+          <a:lstStyle/>
+          <a:p>
+            <a:r>
+              <a:rPr lang="en-US" sz="2400" dirty="0" smtClean="0"/>
+              <a:t>Proc</a:t>
+            </a:r>
+            <a:endParaRPr lang="en-US" sz="2400" dirty="0"/>
+          </a:p>
+        </p:txBody>
+      </p:sp>
+      <p:sp>
+        <p:nvSpPr>
+          <p:cNvPr id="9" name="TextBox 8"/>
+          <p:cNvSpPr txBox="1"/>
+          <p:nvPr/>
+        </p:nvSpPr>
+        <p:spPr>
+          <a:xfrm>
+            <a:off x="1261872" y="3683615"/>
+            <a:ext cx="630301" cy="461665"/>
+          </a:xfrm>
+          <a:prstGeom prst="rect">
+            <a:avLst/>
+          </a:prstGeom>
+          <a:noFill/>
+        </p:spPr>
+        <p:txBody>
+          <a:bodyPr wrap="none" rtlCol="0">
+            <a:spAutoFit/>
+          </a:bodyPr>
+          <a:lstStyle/>
+          <a:p>
+            <a:r>
+              <a:rPr lang="en-US" sz="2400" dirty="0" smtClean="0"/>
+              <a:t>Cos</a:t>
+            </a:r>
+            <a:endParaRPr lang="en-US" sz="2400" dirty="0"/>
+          </a:p>
+        </p:txBody>
+      </p:sp>
+      <p:sp>
+        <p:nvSpPr>
+          <p:cNvPr id="10" name="TextBox 9"/>
+          <p:cNvSpPr txBox="1"/>
+          <p:nvPr/>
+        </p:nvSpPr>
+        <p:spPr>
+          <a:xfrm>
+            <a:off x="1999446" y="4145280"/>
+            <a:ext cx="8516154" cy="461665"/>
+          </a:xfrm>
+          <a:prstGeom prst="rect">
+            <a:avLst/>
+          </a:prstGeom>
+          <a:noFill/>
+        </p:spPr>
+        <p:txBody>
+          <a:bodyPr wrap="square" rtlCol="0">
+            <a:spAutoFit/>
+          </a:bodyPr>
+          <a:lstStyle/>
+          <a:p>
+            <a:r>
+              <a:rPr lang="en-US" sz="2400" dirty="0" smtClean="0"/>
+              <a:t>• </a:t>
+            </a:r>
+            <a:r>
+              <a:rPr lang="en-US" sz="2400" dirty="0" smtClean="0"/>
+              <a:t>Only supports </a:t>
+            </a:r>
+            <a:r>
+              <a:rPr lang="en-US" sz="2400" dirty="0" smtClean="0">
+                <a:solidFill>
+                  <a:srgbClr val="FFFF00"/>
+                </a:solidFill>
+              </a:rPr>
+              <a:t>{ w: "majority" }</a:t>
+            </a:r>
+            <a:r>
+              <a:rPr lang="en-US" sz="2400" dirty="0" smtClean="0"/>
+              <a:t>, no way to achieve </a:t>
+            </a:r>
+            <a:r>
+              <a:rPr lang="en-US" sz="2400" dirty="0">
+                <a:solidFill>
+                  <a:srgbClr val="FFFF00"/>
+                </a:solidFill>
+              </a:rPr>
+              <a:t>{ w: </a:t>
+            </a:r>
+            <a:r>
+              <a:rPr lang="en-US" sz="2400" dirty="0" smtClean="0">
+                <a:solidFill>
+                  <a:srgbClr val="FFFF00"/>
+                </a:solidFill>
+              </a:rPr>
+              <a:t>1}</a:t>
+            </a:r>
+            <a:endParaRPr lang="en-US" sz="2400" dirty="0">
+              <a:solidFill>
+                <a:srgbClr val="FFFF00"/>
+              </a:solidFill>
+            </a:endParaRPr>
+          </a:p>
+        </p:txBody>
+      </p:sp>
+    </p:spTree>
+    <p:extLst>
+      <p:ext uri="{BB962C8B-B14F-4D97-AF65-F5344CB8AC3E}">
+        <p14:creationId xmlns:p14="http://schemas.microsoft.com/office/powerpoint/2010/main" val="1902679719"/>
+      </p:ext>
+    </p:extLst>
+  </p:cSld>
+  <p:clrMapOvr>
+    <a:masterClrMapping/>
+  </p:clrMapOvr>
+  <p:timing>
+    <p:tnLst>
+      <p:par>
+        <p:cTn id="1" dur="indefinite" restart="never" nodeType="tmRoot">
+          <p:childTnLst>
+            <p:seq concurrent="1" nextAc="seek">
+              <p:cTn id="2" dur="indefinite" nodeType="mainSeq">
+                <p:childTnLst>
+                  <p:par>
+                    <p:cTn id="3" fill="hold">
+                      <p:stCondLst>
+                        <p:cond delay="indefinite"/>
+                      </p:stCondLst>
+                      <p:childTnLst>
+                        <p:par>
+                          <p:cTn id="4" fill="hold">
+                            <p:stCondLst>
+                              <p:cond delay="0"/>
+                            </p:stCondLst>
+                            <p:childTnLst>
+                              <p:par>
+                                <p:cTn id="5" presetID="1" presetClass="entr" presetSubtype="0" fill="hold" grpId="0" nodeType="clickEffect">
+                                  <p:stCondLst>
+                                    <p:cond delay="0"/>
+                                  </p:stCondLst>
+                                  <p:childTnLst>
+                                    <p:set>
+                                      <p:cBhvr>
+                                        <p:cTn id="6" dur="1" fill="hold">
+                                          <p:stCondLst>
+                                            <p:cond delay="0"/>
+                                          </p:stCondLst>
+                                        </p:cTn>
+                                        <p:tgtEl>
+                                          <p:spTgt spid="8"/>
+                                        </p:tgtEl>
+                                        <p:attrNameLst>
+                                          <p:attrName>style.visibility</p:attrName>
+                                        </p:attrNameLst>
+                                      </p:cBhvr>
+                                      <p:to>
+                                        <p:strVal val="visible"/>
+                                      </p:to>
+                                    </p:set>
+                                  </p:childTnLst>
+                                </p:cTn>
+                              </p:par>
+                            </p:childTnLst>
+                          </p:cTn>
+                        </p:par>
+                      </p:childTnLst>
+                    </p:cTn>
+                  </p:par>
+                  <p:par>
+                    <p:cTn id="7" fill="hold">
+                      <p:stCondLst>
+                        <p:cond delay="indefinite"/>
+                      </p:stCondLst>
+                      <p:childTnLst>
+                        <p:par>
+                          <p:cTn id="8" fill="hold">
+                            <p:stCondLst>
+                              <p:cond delay="0"/>
+                            </p:stCondLst>
+                            <p:childTnLst>
+                              <p:par>
+                                <p:cTn id="9" presetID="1" presetClass="entr" presetSubtype="0" fill="hold" grpId="0" nodeType="clickEffect">
+                                  <p:stCondLst>
+                                    <p:cond delay="0"/>
+                                  </p:stCondLst>
+                                  <p:childTnLst>
+                                    <p:set>
+                                      <p:cBhvr>
+                                        <p:cTn id="10" dur="1" fill="hold">
+                                          <p:stCondLst>
+                                            <p:cond delay="0"/>
+                                          </p:stCondLst>
+                                        </p:cTn>
+                                        <p:tgtEl>
+                                          <p:spTgt spid="6"/>
+                                        </p:tgtEl>
+                                        <p:attrNameLst>
+                                          <p:attrName>style.visibility</p:attrName>
+                                        </p:attrNameLst>
+                                      </p:cBhvr>
+                                      <p:to>
+                                        <p:strVal val="visible"/>
+                                      </p:to>
+                                    </p:set>
+                                  </p:childTnLst>
+                                </p:cTn>
+                              </p:par>
+                            </p:childTnLst>
+                          </p:cTn>
+                        </p:par>
+                      </p:childTnLst>
+                    </p:cTn>
+                  </p:par>
+                  <p:par>
+                    <p:cTn id="11" fill="hold">
+                      <p:stCondLst>
+                        <p:cond delay="indefinite"/>
+                      </p:stCondLst>
+                      <p:childTnLst>
+                        <p:par>
+                          <p:cTn id="12" fill="hold">
+                            <p:stCondLst>
+                              <p:cond delay="0"/>
+                            </p:stCondLst>
+                            <p:childTnLst>
+                              <p:par>
+                                <p:cTn id="13" presetID="1" presetClass="entr" presetSubtype="0" fill="hold" grpId="0" nodeType="clickEffect">
+                                  <p:stCondLst>
+                                    <p:cond delay="0"/>
+                                  </p:stCondLst>
+                                  <p:childTnLst>
+                                    <p:set>
+                                      <p:cBhvr>
+                                        <p:cTn id="14" dur="1" fill="hold">
+                                          <p:stCondLst>
+                                            <p:cond delay="0"/>
+                                          </p:stCondLst>
+                                        </p:cTn>
+                                        <p:tgtEl>
+                                          <p:spTgt spid="7"/>
+                                        </p:tgtEl>
+                                        <p:attrNameLst>
+                                          <p:attrName>style.visibility</p:attrName>
+                                        </p:attrNameLst>
+                                      </p:cBhvr>
+                                      <p:to>
+                                        <p:strVal val="visible"/>
+                                      </p:to>
+                                    </p:set>
+                                  </p:childTnLst>
+                                </p:cTn>
+                              </p:par>
+                            </p:childTnLst>
+                          </p:cTn>
+                        </p:par>
+                      </p:childTnLst>
+                    </p:cTn>
+                  </p:par>
+                  <p:par>
+                    <p:cTn id="15" fill="hold">
+                      <p:stCondLst>
+                        <p:cond delay="indefinite"/>
+                      </p:stCondLst>
+                      <p:childTnLst>
+                        <p:par>
+                          <p:cTn id="16" fill="hold">
+                            <p:stCondLst>
+                              <p:cond delay="0"/>
+                            </p:stCondLst>
+                            <p:childTnLst>
+                              <p:par>
+                                <p:cTn id="17" presetID="1" presetClass="entr" presetSubtype="0" fill="hold" grpId="0" nodeType="clickEffect">
+                                  <p:stCondLst>
+                                    <p:cond delay="0"/>
+                                  </p:stCondLst>
+                                  <p:childTnLst>
+                                    <p:set>
+                                      <p:cBhvr>
+                                        <p:cTn id="18" dur="1" fill="hold">
+                                          <p:stCondLst>
+                                            <p:cond delay="0"/>
+                                          </p:stCondLst>
+                                        </p:cTn>
+                                        <p:tgtEl>
+                                          <p:spTgt spid="5"/>
+                                        </p:tgtEl>
+                                        <p:attrNameLst>
+                                          <p:attrName>style.visibility</p:attrName>
+                                        </p:attrNameLst>
+                                      </p:cBhvr>
+                                      <p:to>
+                                        <p:strVal val="visible"/>
+                                      </p:to>
+                                    </p:set>
+                                  </p:childTnLst>
+                                </p:cTn>
+                              </p:par>
+                            </p:childTnLst>
+                          </p:cTn>
+                        </p:par>
+                      </p:childTnLst>
+                    </p:cTn>
+                  </p:par>
+                  <p:par>
+                    <p:cTn id="19" fill="hold">
+                      <p:stCondLst>
+                        <p:cond delay="indefinite"/>
+                      </p:stCondLst>
+                      <p:childTnLst>
+                        <p:par>
+                          <p:cTn id="20" fill="hold">
+                            <p:stCondLst>
+                              <p:cond delay="0"/>
+                            </p:stCondLst>
+                            <p:childTnLst>
+                              <p:par>
+                                <p:cTn id="21" presetID="1" presetClass="entr" presetSubtype="0" fill="hold" grpId="0" nodeType="clickEffect">
+                                  <p:stCondLst>
+                                    <p:cond delay="0"/>
+                                  </p:stCondLst>
+                                  <p:childTnLst>
+                                    <p:set>
+                                      <p:cBhvr>
+                                        <p:cTn id="22" dur="1" fill="hold">
+                                          <p:stCondLst>
+                                            <p:cond delay="0"/>
+                                          </p:stCondLst>
+                                        </p:cTn>
+                                        <p:tgtEl>
+                                          <p:spTgt spid="9"/>
+                                        </p:tgtEl>
+                                        <p:attrNameLst>
+                                          <p:attrName>style.visibility</p:attrName>
+                                        </p:attrNameLst>
+                                      </p:cBhvr>
+                                      <p:to>
+                                        <p:strVal val="visible"/>
+                                      </p:to>
+                                    </p:set>
+                                  </p:childTnLst>
+                                </p:cTn>
+                              </p:par>
+                            </p:childTnLst>
+                          </p:cTn>
+                        </p:par>
+                      </p:childTnLst>
+                    </p:cTn>
+                  </p:par>
+                  <p:par>
+                    <p:cTn id="23" fill="hold">
+                      <p:stCondLst>
+                        <p:cond delay="indefinite"/>
+                      </p:stCondLst>
+                      <p:childTnLst>
+                        <p:par>
+                          <p:cTn id="24" fill="hold">
+                            <p:stCondLst>
+                              <p:cond delay="0"/>
+                            </p:stCondLst>
+                            <p:childTnLst>
+                              <p:par>
+                                <p:cTn id="25" presetID="1" presetClass="entr" presetSubtype="0" fill="hold" grpId="0" nodeType="clickEffect">
+                                  <p:stCondLst>
+                                    <p:cond delay="0"/>
+                                  </p:stCondLst>
+                                  <p:childTnLst>
+                                    <p:set>
+                                      <p:cBhvr>
+                                        <p:cTn id="26" dur="1" fill="hold">
+                                          <p:stCondLst>
+                                            <p:cond delay="0"/>
+                                          </p:stCondLst>
+                                        </p:cTn>
+                                        <p:tgtEl>
+                                          <p:spTgt spid="10"/>
+                                        </p:tgtEl>
+                                        <p:attrNameLst>
+                                          <p:attrName>style.visibility</p:attrName>
+                                        </p:attrNameLst>
+                                      </p:cBhvr>
+                                      <p:to>
+                                        <p:strVal val="visible"/>
+                                      </p:to>
+                                    </p:set>
+                                  </p:childTnLst>
+                                </p:cTn>
+                              </p:par>
+                            </p:childTnLst>
+                          </p:cTn>
+                        </p:par>
+                      </p:childTnLst>
+                    </p:cTn>
+                  </p:par>
+                </p:childTnLst>
+              </p:cTn>
+              <p:prevCondLst>
+                <p:cond evt="onPrev" delay="0">
+                  <p:tgtEl>
+                    <p:sldTgt/>
+                  </p:tgtEl>
+                </p:cond>
+              </p:prevCondLst>
+              <p:nextCondLst>
+                <p:cond evt="onNext" delay="0">
+                  <p:tgtEl>
+                    <p:sldTgt/>
+                  </p:tgtEl>
+                </p:cond>
+              </p:nextCondLst>
+            </p:seq>
+          </p:childTnLst>
+        </p:cTn>
+      </p:par>
+    </p:tnLst>
+    <p:bldLst>
+      <p:bldP spid="5" grpId="0"/>
+      <p:bldP spid="6" grpId="0"/>
+      <p:bldP spid="7" grpId="0"/>
+      <p:bldP spid="8" grpId="0"/>
+      <p:bldP spid="9" grpId="0"/>
+      <p:bldP spid="10" grpId="0"/>
+    </p:bldLst>
+  </p:timing>
+</p:sld>
+</file>
+
+<file path=ppt/slides/slide16.xml><?xml version="1.0" encoding="utf-8"?>
+<p:sld xmlns:a="http://schemas.openxmlformats.org/drawingml/2006/main" xmlns:r="http://schemas.openxmlformats.org/officeDocument/2006/relationships" xmlns:p="http://schemas.openxmlformats.org/presentationml/2006/main">
+  <p:cSld>
+    <p:spTree>
+      <p:nvGrpSpPr>
+        <p:cNvPr id="1" name=""/>
+        <p:cNvGrpSpPr/>
+        <p:nvPr/>
+      </p:nvGrpSpPr>
+      <p:grpSpPr>
+        <a:xfrm>
+          <a:off x="0" y="0"/>
+          <a:ext cx="0" cy="0"/>
+          <a:chOff x="0" y="0"/>
+          <a:chExt cx="0" cy="0"/>
+        </a:xfrm>
+      </p:grpSpPr>
+      <p:sp>
+        <p:nvSpPr>
+          <p:cNvPr id="2" name="Title 1"/>
+          <p:cNvSpPr>
+            <a:spLocks noGrp="1"/>
+          </p:cNvSpPr>
+          <p:nvPr>
+            <p:ph type="ctrTitle"/>
+          </p:nvPr>
+        </p:nvSpPr>
+        <p:spPr/>
+        <p:txBody>
+          <a:bodyPr>
+            <a:normAutofit fontScale="90000"/>
+          </a:bodyPr>
+          <a:lstStyle/>
+          <a:p>
+            <a:r>
+              <a:rPr lang="en-US" dirty="0" smtClean="0">
+                <a:solidFill>
+                  <a:srgbClr val="FFFF00"/>
+                </a:solidFill>
+              </a:rPr>
+              <a:t>Takeaway:</a:t>
+            </a:r>
+            <a:br>
+              <a:rPr lang="en-US" dirty="0" smtClean="0">
+                <a:solidFill>
+                  <a:srgbClr val="FFFF00"/>
+                </a:solidFill>
+              </a:rPr>
+            </a:br>
+            <a:r>
+              <a:rPr lang="en-US" dirty="0" smtClean="0"/>
+              <a:t>for MongoDB 4.0 replica set with 3+ data-bearing nodes use </a:t>
+            </a:r>
+            <a:r>
+              <a:rPr lang="en-US" dirty="0" smtClean="0">
+                <a:solidFill>
+                  <a:srgbClr val="92D050"/>
+                </a:solidFill>
+              </a:rPr>
+              <a:t>Change Streams</a:t>
+            </a:r>
+            <a:endParaRPr lang="en-US" dirty="0">
+              <a:solidFill>
+                <a:srgbClr val="92D050"/>
+              </a:solidFill>
+            </a:endParaRPr>
+          </a:p>
+        </p:txBody>
+      </p:sp>
+      <p:sp>
+        <p:nvSpPr>
+          <p:cNvPr id="3" name="Subtitle 2"/>
+          <p:cNvSpPr>
+            <a:spLocks noGrp="1"/>
+          </p:cNvSpPr>
+          <p:nvPr>
+            <p:ph type="subTitle" idx="1"/>
+          </p:nvPr>
+        </p:nvSpPr>
+        <p:spPr/>
+        <p:txBody>
+          <a:bodyPr/>
+          <a:lstStyle/>
+          <a:p>
+            <a:endParaRPr lang="en-US" dirty="0"/>
+          </a:p>
+        </p:txBody>
+      </p:sp>
+    </p:spTree>
+    <p:extLst>
+      <p:ext uri="{BB962C8B-B14F-4D97-AF65-F5344CB8AC3E}">
+        <p14:creationId xmlns:p14="http://schemas.microsoft.com/office/powerpoint/2010/main" val="345151891"/>
+      </p:ext>
+    </p:extLst>
+  </p:cSld>
+  <p:clrMapOvr>
+    <a:masterClrMapping/>
+  </p:clrMapOvr>
+  <p:timing>
+    <p:tnLst>
+      <p:par>
+        <p:cTn id="1" dur="indefinite" restart="never" nodeType="tmRoot"/>
+      </p:par>
+    </p:tnLst>
+  </p:timing>
+</p:sld>
+</file>
+
+<file path=ppt/slides/slide17.xml><?xml version="1.0" encoding="utf-8"?>
+<p:sld xmlns:a="http://schemas.openxmlformats.org/drawingml/2006/main" xmlns:r="http://schemas.openxmlformats.org/officeDocument/2006/relationships" xmlns:p="http://schemas.openxmlformats.org/presentationml/2006/main">
+  <p:cSld>
+    <p:spTree>
+      <p:nvGrpSpPr>
+        <p:cNvPr id="1" name=""/>
+        <p:cNvGrpSpPr/>
+        <p:nvPr/>
+      </p:nvGrpSpPr>
+      <p:grpSpPr>
+        <a:xfrm>
+          <a:off x="0" y="0"/>
+          <a:ext cx="0" cy="0"/>
+          <a:chOff x="0" y="0"/>
+          <a:chExt cx="0" cy="0"/>
+        </a:xfrm>
+      </p:grpSpPr>
+      <p:sp>
+        <p:nvSpPr>
+          <p:cNvPr id="2" name="Title 1"/>
+          <p:cNvSpPr>
+            <a:spLocks noGrp="1"/>
+          </p:cNvSpPr>
+          <p:nvPr>
+            <p:ph type="ctrTitle"/>
+          </p:nvPr>
+        </p:nvSpPr>
+        <p:spPr/>
+        <p:txBody>
+          <a:bodyPr/>
+          <a:lstStyle/>
+          <a:p>
+            <a:r>
+              <a:rPr lang="en-US" dirty="0" err="1" smtClean="0"/>
+              <a:t>Oplog</a:t>
+            </a:r>
+            <a:r>
+              <a:rPr lang="en-US" dirty="0" smtClean="0"/>
+              <a:t> internals</a:t>
+            </a:r>
+            <a:endParaRPr lang="en-US" dirty="0"/>
+          </a:p>
+        </p:txBody>
+      </p:sp>
+      <p:sp>
+        <p:nvSpPr>
+          <p:cNvPr id="3" name="Subtitle 2"/>
+          <p:cNvSpPr>
+            <a:spLocks noGrp="1"/>
+          </p:cNvSpPr>
+          <p:nvPr>
+            <p:ph type="subTitle" idx="1"/>
+          </p:nvPr>
+        </p:nvSpPr>
+        <p:spPr/>
+        <p:txBody>
+          <a:bodyPr/>
+          <a:lstStyle/>
+          <a:p>
+            <a:endParaRPr lang="en-US"/>
+          </a:p>
+        </p:txBody>
+      </p:sp>
+    </p:spTree>
+    <p:extLst>
+      <p:ext uri="{BB962C8B-B14F-4D97-AF65-F5344CB8AC3E}">
+        <p14:creationId xmlns:p14="http://schemas.microsoft.com/office/powerpoint/2010/main" val="3053173680"/>
       </p:ext>
     </p:extLst>
   </p:cSld>

--- a/t18-event-mongodb.pptx
+++ b/t18-event-mongodb.pptx
@@ -542,26 +542,41 @@
           <a:p>
             <a:r>
               <a:rPr lang="en-US" baseline="0" dirty="0" smtClean="0"/>
-              <a:t>    - Event-Driven systems and challenges</a:t>
-            </a:r>
-          </a:p>
-          <a:p>
+              <a:t>    - Event-Driven systems and </a:t>
+            </a:r>
             <a:r>
               <a:rPr lang="en-US" baseline="0" dirty="0" smtClean="0"/>
-              <a:t>    - Atomic writes and event publishing</a:t>
+              <a:t>challenges</a:t>
             </a:r>
           </a:p>
           <a:p>
             <a:r>
               <a:rPr lang="en-US" baseline="0" dirty="0" smtClean="0"/>
-              <a:t>    - MongoDB replication internals</a:t>
-            </a:r>
-          </a:p>
-          <a:p>
+              <a:t>    - </a:t>
+            </a:r>
             <a:r>
               <a:rPr lang="en-US" baseline="0" dirty="0" smtClean="0"/>
-              <a:t>    - Implementation with MongoDB</a:t>
-            </a:r>
+              <a:t>MongoDB replication internals</a:t>
+            </a:r>
+          </a:p>
+          <a:p>
+            <a:r>
+              <a:rPr lang="en-US" baseline="0" dirty="0" smtClean="0"/>
+              <a:t>    - </a:t>
+            </a:r>
+            <a:r>
+              <a:rPr lang="en-US" baseline="0" dirty="0" smtClean="0"/>
+              <a:t>Reference implementation </a:t>
+            </a:r>
+            <a:r>
+              <a:rPr lang="en-US" baseline="0" dirty="0" smtClean="0"/>
+              <a:t>with </a:t>
+            </a:r>
+            <a:r>
+              <a:rPr lang="en-US" baseline="0" dirty="0" smtClean="0"/>
+              <a:t>MongoDB and C#</a:t>
+            </a:r>
+            <a:endParaRPr lang="en-US" baseline="0" dirty="0" smtClean="0"/>
           </a:p>
           <a:p>
             <a:endParaRPr lang="en-US" baseline="0" dirty="0" smtClean="0"/>
@@ -590,7 +605,11 @@
             </a:r>
             <a:r>
               <a:rPr lang="en-US" baseline="0" dirty="0" smtClean="0"/>
-              <a:t>, p</a:t>
+              <a:t>, </a:t>
+            </a:r>
+            <a:r>
+              <a:rPr lang="en-US" baseline="0" dirty="0" smtClean="0"/>
+              <a:t>p</a:t>
             </a:r>
             <a:r>
               <a:rPr lang="en-US" dirty="0" smtClean="0"/>
@@ -598,8 +617,17 @@
             </a:r>
             <a:r>
               <a:rPr lang="en-US" baseline="0" dirty="0" smtClean="0"/>
-              <a:t> in sports video company</a:t>
-            </a:r>
+              <a:t> in company that created </a:t>
+            </a:r>
+            <a:r>
+              <a:rPr lang="en-US" dirty="0" smtClean="0"/>
+              <a:t>analytics of sport events based</a:t>
+            </a:r>
+            <a:r>
+              <a:rPr lang="en-US" baseline="0" dirty="0" smtClean="0"/>
+              <a:t> on videos.</a:t>
+            </a:r>
+            <a:endParaRPr lang="en-US" baseline="0" dirty="0" smtClean="0"/>
           </a:p>
         </p:txBody>
       </p:sp>
@@ -1629,7 +1657,11 @@
             </a:r>
             <a:r>
               <a:rPr lang="en-US" baseline="0" dirty="0" smtClean="0"/>
-              <a:t> components to accomplish business task</a:t>
+              <a:t> components </a:t>
+            </a:r>
+            <a:r>
+              <a:rPr lang="en-US" baseline="0" dirty="0" smtClean="0"/>
+              <a:t>involved in business transaction</a:t>
             </a:r>
             <a:endParaRPr lang="en-US" dirty="0"/>
           </a:p>
@@ -1717,16 +1749,11 @@
           <a:p>
             <a:r>
               <a:rPr lang="en-US" dirty="0" smtClean="0"/>
-              <a:t>Multiple components</a:t>
-            </a:r>
-          </a:p>
-          <a:p>
-            <a:endParaRPr lang="en-US" dirty="0" smtClean="0"/>
-          </a:p>
-          <a:p>
+              <a:t>State </a:t>
+            </a:r>
             <a:r>
               <a:rPr lang="en-US" dirty="0" smtClean="0"/>
-              <a:t>State change notifications</a:t>
+              <a:t>change notifications</a:t>
             </a:r>
           </a:p>
           <a:p>
@@ -6334,7 +6361,7 @@
         </p:nvSpPr>
         <p:spPr>
           <a:xfrm>
-            <a:off x="1999446" y="4742089"/>
+            <a:off x="1999446" y="4754789"/>
             <a:ext cx="8838060" cy="461665"/>
           </a:xfrm>
           <a:prstGeom prst="rect">
@@ -6372,7 +6399,7 @@
         </p:nvSpPr>
         <p:spPr>
           <a:xfrm>
-            <a:off x="1999446" y="3818759"/>
+            <a:off x="1999446" y="3831459"/>
             <a:ext cx="4181850" cy="461665"/>
           </a:xfrm>
           <a:prstGeom prst="rect">
@@ -6402,7 +6429,7 @@
         </p:nvSpPr>
         <p:spPr>
           <a:xfrm>
-            <a:off x="1999446" y="5199547"/>
+            <a:off x="1999446" y="5212247"/>
             <a:ext cx="4523290" cy="461665"/>
           </a:xfrm>
           <a:prstGeom prst="rect">
@@ -6554,7 +6581,7 @@
         </p:nvSpPr>
         <p:spPr>
           <a:xfrm>
-            <a:off x="1261872" y="3357094"/>
+            <a:off x="1261872" y="3369794"/>
             <a:ext cx="792205" cy="461665"/>
           </a:xfrm>
           <a:prstGeom prst="rect">
@@ -6584,7 +6611,7 @@
         </p:nvSpPr>
         <p:spPr>
           <a:xfrm>
-            <a:off x="1999446" y="4280424"/>
+            <a:off x="1999446" y="4293124"/>
             <a:ext cx="7281032" cy="461665"/>
           </a:xfrm>
           <a:prstGeom prst="rect">
@@ -6601,6 +6628,56 @@
             <a:r>
               <a:rPr lang="en-US" sz="2400" dirty="0" smtClean="0"/>
               <a:t>• Private API, can change with next releases of MongoDB</a:t>
+            </a:r>
+            <a:endParaRPr lang="en-US" sz="2400" dirty="0"/>
+          </a:p>
+        </p:txBody>
+      </p:sp>
+      <p:sp>
+        <p:nvSpPr>
+          <p:cNvPr id="11" name="TextBox 10"/>
+          <p:cNvSpPr txBox="1"/>
+          <p:nvPr/>
+        </p:nvSpPr>
+        <p:spPr>
+          <a:xfrm>
+            <a:off x="1999446" y="5673912"/>
+            <a:ext cx="4041556" cy="461665"/>
+          </a:xfrm>
+          <a:prstGeom prst="rect">
+            <a:avLst/>
+          </a:prstGeom>
+          <a:noFill/>
+        </p:spPr>
+        <p:txBody>
+          <a:bodyPr wrap="none" rtlCol="0">
+            <a:spAutoFit/>
+          </a:bodyPr>
+          <a:lstStyle/>
+          <a:p>
+            <a:r>
+              <a:rPr lang="en-US" sz="2400" dirty="0" smtClean="0"/>
+              <a:t>• </a:t>
+            </a:r>
+            <a:r>
+              <a:rPr lang="en-US" sz="2400" dirty="0" err="1" smtClean="0">
+                <a:solidFill>
+                  <a:srgbClr val="FFC000"/>
+                </a:solidFill>
+              </a:rPr>
+              <a:t>Adviced</a:t>
+            </a:r>
+            <a:r>
+              <a:rPr lang="en-US" sz="2400" dirty="0" smtClean="0">
+                <a:solidFill>
+                  <a:srgbClr val="FFC000"/>
+                </a:solidFill>
+              </a:rPr>
+              <a:t> against</a:t>
+            </a:r>
+            <a:r>
+              <a:rPr lang="en-US" sz="2400" dirty="0" smtClean="0"/>
+              <a:t> by MongoDB</a:t>
             </a:r>
             <a:endParaRPr lang="en-US" sz="2400" dirty="0"/>
           </a:p>
@@ -6984,6 +7061,51 @@
                       </p:childTnLst>
                     </p:cTn>
                   </p:par>
+                  <p:par>
+                    <p:cTn id="35" fill="hold">
+                      <p:stCondLst>
+                        <p:cond delay="indefinite"/>
+                      </p:stCondLst>
+                      <p:childTnLst>
+                        <p:par>
+                          <p:cTn id="36" fill="hold">
+                            <p:stCondLst>
+                              <p:cond delay="0"/>
+                            </p:stCondLst>
+                            <p:childTnLst>
+                              <p:par>
+                                <p:cTn id="37" presetID="1" presetClass="entr" presetSubtype="0" fill="hold" grpId="0" nodeType="clickEffect">
+                                  <p:stCondLst>
+                                    <p:cond delay="0"/>
+                                  </p:stCondLst>
+                                  <p:childTnLst>
+                                    <p:set>
+                                      <p:cBhvr>
+                                        <p:cTn id="38" dur="1" fill="hold">
+                                          <p:stCondLst>
+                                            <p:cond delay="0"/>
+                                          </p:stCondLst>
+                                        </p:cTn>
+                                        <p:tgtEl>
+                                          <p:spTgt spid="11"/>
+                                        </p:tgtEl>
+                                        <p:attrNameLst>
+                                          <p:attrName>style.visibility</p:attrName>
+                                        </p:attrNameLst>
+                                      </p:cBhvr>
+                                      <p:to>
+                                        <p:strVal val="visible"/>
+                                      </p:to>
+                                    </p:set>
+                                  </p:childTnLst>
+                                </p:cTn>
+                              </p:par>
+                            </p:childTnLst>
+                          </p:cTn>
+                        </p:par>
+                      </p:childTnLst>
+                    </p:cTn>
+                  </p:par>
                 </p:childTnLst>
               </p:cTn>
               <p:prevCondLst>
@@ -7014,6 +7136,7 @@
       <p:bldP spid="8" grpId="0"/>
       <p:bldP spid="9" grpId="0"/>
       <p:bldP spid="10" grpId="0"/>
+      <p:bldP spid="11" grpId="0"/>
     </p:bldLst>
   </p:timing>
 </p:sld>
@@ -7078,7 +7201,7 @@
         </p:nvSpPr>
         <p:spPr>
           <a:xfrm>
-            <a:off x="1999446" y="5068610"/>
+            <a:off x="1999446" y="5530275"/>
             <a:ext cx="6809878" cy="461665"/>
           </a:xfrm>
           <a:prstGeom prst="rect">
@@ -7112,7 +7235,7 @@
         </p:nvSpPr>
         <p:spPr>
           <a:xfrm>
-            <a:off x="1999446" y="4145280"/>
+            <a:off x="1999446" y="4606945"/>
             <a:ext cx="6554679" cy="461665"/>
           </a:xfrm>
           <a:prstGeom prst="rect">
@@ -7294,7 +7417,7 @@
         </p:nvSpPr>
         <p:spPr>
           <a:xfrm>
-            <a:off x="1261872" y="3683615"/>
+            <a:off x="1261872" y="4145280"/>
             <a:ext cx="792205" cy="461665"/>
           </a:xfrm>
           <a:prstGeom prst="rect">
@@ -7324,7 +7447,7 @@
         </p:nvSpPr>
         <p:spPr>
           <a:xfrm>
-            <a:off x="1999446" y="4606945"/>
+            <a:off x="1999446" y="5068610"/>
             <a:ext cx="8516154" cy="461665"/>
           </a:xfrm>
           <a:prstGeom prst="rect">
@@ -7390,7 +7513,7 @@
         </p:nvSpPr>
         <p:spPr>
           <a:xfrm>
-            <a:off x="1999446" y="5530275"/>
+            <a:off x="1999446" y="5991940"/>
             <a:ext cx="9809993" cy="461665"/>
           </a:xfrm>
           <a:prstGeom prst="rect">
@@ -7415,6 +7538,48 @@
             <a:r>
               <a:rPr lang="en-US" sz="2400" dirty="0" err="1" smtClean="0"/>
               <a:t>oplog</a:t>
+            </a:r>
+            <a:endParaRPr lang="en-US" sz="2400" dirty="0"/>
+          </a:p>
+        </p:txBody>
+      </p:sp>
+      <p:sp>
+        <p:nvSpPr>
+          <p:cNvPr id="15" name="TextBox 14"/>
+          <p:cNvSpPr txBox="1"/>
+          <p:nvPr/>
+        </p:nvSpPr>
+        <p:spPr>
+          <a:xfrm>
+            <a:off x="1999446" y="3683615"/>
+            <a:ext cx="3980257" cy="461665"/>
+          </a:xfrm>
+          <a:prstGeom prst="rect">
+            <a:avLst/>
+          </a:prstGeom>
+          <a:noFill/>
+        </p:spPr>
+        <p:txBody>
+          <a:bodyPr wrap="none" rtlCol="0">
+            <a:spAutoFit/>
+          </a:bodyPr>
+          <a:lstStyle/>
+          <a:p>
+            <a:r>
+              <a:rPr lang="en-US" sz="2400" dirty="0" smtClean="0"/>
+              <a:t>• </a:t>
+            </a:r>
+            <a:r>
+              <a:rPr lang="en-US" sz="2400" dirty="0" smtClean="0">
+                <a:solidFill>
+                  <a:srgbClr val="92D050"/>
+                </a:solidFill>
+              </a:rPr>
+              <a:t>Recommended</a:t>
+            </a:r>
+            <a:r>
+              <a:rPr lang="en-US" sz="2400" dirty="0" smtClean="0"/>
+              <a:t> by MongoDB</a:t>
             </a:r>
             <a:endParaRPr lang="en-US" sz="2400" dirty="0"/>
           </a:p>
@@ -7644,7 +7809,7 @@
                                           </p:stCondLst>
                                         </p:cTn>
                                         <p:tgtEl>
-                                          <p:spTgt spid="9"/>
+                                          <p:spTgt spid="15"/>
                                         </p:tgtEl>
                                         <p:attrNameLst>
                                           <p:attrName>style.visibility</p:attrName>
@@ -7689,7 +7854,7 @@
                                           </p:stCondLst>
                                         </p:cTn>
                                         <p:tgtEl>
-                                          <p:spTgt spid="4"/>
+                                          <p:spTgt spid="9"/>
                                         </p:tgtEl>
                                         <p:attrNameLst>
                                           <p:attrName>style.visibility</p:attrName>
@@ -7734,7 +7899,7 @@
                                           </p:stCondLst>
                                         </p:cTn>
                                         <p:tgtEl>
-                                          <p:spTgt spid="10"/>
+                                          <p:spTgt spid="4"/>
                                         </p:tgtEl>
                                         <p:attrNameLst>
                                           <p:attrName>style.visibility</p:attrName>
@@ -7779,7 +7944,7 @@
                                           </p:stCondLst>
                                         </p:cTn>
                                         <p:tgtEl>
-                                          <p:spTgt spid="3"/>
+                                          <p:spTgt spid="10"/>
                                         </p:tgtEl>
                                         <p:attrNameLst>
                                           <p:attrName>style.visibility</p:attrName>
@@ -7819,6 +7984,51 @@
                                     <p:set>
                                       <p:cBhvr>
                                         <p:cTn id="38" dur="1" fill="hold">
+                                          <p:stCondLst>
+                                            <p:cond delay="0"/>
+                                          </p:stCondLst>
+                                        </p:cTn>
+                                        <p:tgtEl>
+                                          <p:spTgt spid="3"/>
+                                        </p:tgtEl>
+                                        <p:attrNameLst>
+                                          <p:attrName>style.visibility</p:attrName>
+                                        </p:attrNameLst>
+                                      </p:cBhvr>
+                                      <p:to>
+                                        <p:strVal val="visible"/>
+                                      </p:to>
+                                    </p:set>
+                                  </p:childTnLst>
+                                </p:cTn>
+                              </p:par>
+                            </p:childTnLst>
+                          </p:cTn>
+                        </p:par>
+                      </p:childTnLst>
+                    </p:cTn>
+                  </p:par>
+                  <p:par>
+                    <p:cTn id="39" fill="hold">
+                      <p:stCondLst>
+                        <p:cond delay="indefinite"/>
+                      </p:stCondLst>
+                      <p:childTnLst>
+                        <p:par>
+                          <p:cTn id="40" fill="hold">
+                            <p:stCondLst>
+                              <p:cond delay="0"/>
+                            </p:stCondLst>
+                            <p:childTnLst>
+                              <p:par>
+                                <p:cTn id="41" presetID="1" presetClass="entr" presetSubtype="0" fill="hold" grpId="0" nodeType="clickEffect">
+                                  <p:stCondLst>
+                                    <p:cond delay="0"/>
+                                  </p:stCondLst>
+                                  <p:childTnLst>
+                                    <p:set>
+                                      <p:cBhvr>
+                                        <p:cTn id="42" dur="1" fill="hold">
                                           <p:stCondLst>
                                             <p:cond delay="0"/>
                                           </p:stCondLst>
@@ -7874,6 +8084,7 @@
       <p:bldP spid="9" grpId="0"/>
       <p:bldP spid="10" grpId="0"/>
       <p:bldP spid="12" grpId="0"/>
+      <p:bldP spid="15" grpId="0"/>
     </p:bldLst>
   </p:timing>
 </p:sld>
@@ -8330,7 +8541,7 @@
         </p:nvSpPr>
         <p:spPr>
           <a:xfrm>
-            <a:off x="1261872" y="3683615"/>
+            <a:off x="1261872" y="4145280"/>
             <a:ext cx="630301" cy="461665"/>
           </a:xfrm>
           <a:prstGeom prst="rect">
@@ -8360,7 +8571,7 @@
         </p:nvSpPr>
         <p:spPr>
           <a:xfrm>
-            <a:off x="1999446" y="4145280"/>
+            <a:off x="1999446" y="4606945"/>
             <a:ext cx="8516154" cy="461665"/>
           </a:xfrm>
           <a:prstGeom prst="rect">
@@ -8415,6 +8626,48 @@
                 <a:srgbClr val="FFFF00"/>
               </a:solidFill>
             </a:endParaRPr>
+          </a:p>
+        </p:txBody>
+      </p:sp>
+      <p:sp>
+        <p:nvSpPr>
+          <p:cNvPr id="13" name="TextBox 12"/>
+          <p:cNvSpPr txBox="1"/>
+          <p:nvPr/>
+        </p:nvSpPr>
+        <p:spPr>
+          <a:xfrm>
+            <a:off x="1999446" y="3683615"/>
+            <a:ext cx="3980257" cy="461665"/>
+          </a:xfrm>
+          <a:prstGeom prst="rect">
+            <a:avLst/>
+          </a:prstGeom>
+          <a:noFill/>
+        </p:spPr>
+        <p:txBody>
+          <a:bodyPr wrap="none" rtlCol="0">
+            <a:spAutoFit/>
+          </a:bodyPr>
+          <a:lstStyle/>
+          <a:p>
+            <a:r>
+              <a:rPr lang="en-US" sz="2400" dirty="0" smtClean="0"/>
+              <a:t>• </a:t>
+            </a:r>
+            <a:r>
+              <a:rPr lang="en-US" sz="2400" dirty="0" smtClean="0">
+                <a:solidFill>
+                  <a:srgbClr val="92D050"/>
+                </a:solidFill>
+              </a:rPr>
+              <a:t>Recommended</a:t>
+            </a:r>
+            <a:r>
+              <a:rPr lang="en-US" sz="2400" dirty="0" smtClean="0"/>
+              <a:t> by MongoDB</a:t>
+            </a:r>
+            <a:endParaRPr lang="en-US" sz="2400" dirty="0"/>
           </a:p>
         </p:txBody>
       </p:sp>
@@ -8642,7 +8895,7 @@
                                           </p:stCondLst>
                                         </p:cTn>
                                         <p:tgtEl>
-                                          <p:spTgt spid="9"/>
+                                          <p:spTgt spid="13"/>
                                         </p:tgtEl>
                                         <p:attrNameLst>
                                           <p:attrName>style.visibility</p:attrName>
@@ -8682,6 +8935,51 @@
                                     <p:set>
                                       <p:cBhvr>
                                         <p:cTn id="26" dur="1" fill="hold">
+                                          <p:stCondLst>
+                                            <p:cond delay="0"/>
+                                          </p:stCondLst>
+                                        </p:cTn>
+                                        <p:tgtEl>
+                                          <p:spTgt spid="9"/>
+                                        </p:tgtEl>
+                                        <p:attrNameLst>
+                                          <p:attrName>style.visibility</p:attrName>
+                                        </p:attrNameLst>
+                                      </p:cBhvr>
+                                      <p:to>
+                                        <p:strVal val="visible"/>
+                                      </p:to>
+                                    </p:set>
+                                  </p:childTnLst>
+                                </p:cTn>
+                              </p:par>
+                            </p:childTnLst>
+                          </p:cTn>
+                        </p:par>
+                      </p:childTnLst>
+                    </p:cTn>
+                  </p:par>
+                  <p:par>
+                    <p:cTn id="27" fill="hold">
+                      <p:stCondLst>
+                        <p:cond delay="indefinite"/>
+                      </p:stCondLst>
+                      <p:childTnLst>
+                        <p:par>
+                          <p:cTn id="28" fill="hold">
+                            <p:stCondLst>
+                              <p:cond delay="0"/>
+                            </p:stCondLst>
+                            <p:childTnLst>
+                              <p:par>
+                                <p:cTn id="29" presetID="1" presetClass="entr" presetSubtype="0" fill="hold" grpId="0" nodeType="clickEffect">
+                                  <p:stCondLst>
+                                    <p:cond delay="0"/>
+                                  </p:stCondLst>
+                                  <p:childTnLst>
+                                    <p:set>
+                                      <p:cBhvr>
+                                        <p:cTn id="30" dur="1" fill="hold">
                                           <p:stCondLst>
                                             <p:cond delay="0"/>
                                           </p:stCondLst>
@@ -8734,6 +9032,7 @@
       <p:bldP spid="8" grpId="0"/>
       <p:bldP spid="9" grpId="0"/>
       <p:bldP spid="10" grpId="0"/>
+      <p:bldP spid="13" grpId="0"/>
     </p:bldLst>
   </p:timing>
 </p:sld>

--- a/t18-event-mongodb.pptx
+++ b/t18-event-mongodb.pptx
@@ -5,7 +5,7 @@
     <p:sldMasterId id="2147483756" r:id="rId1"/>
   </p:sldMasterIdLst>
   <p:notesMasterIdLst>
-    <p:notesMasterId r:id="rId19"/>
+    <p:notesMasterId r:id="rId20"/>
   </p:notesMasterIdLst>
   <p:sldIdLst>
     <p:sldId id="258" r:id="rId2"/>
@@ -18,13 +18,14 @@
     <p:sldId id="265" r:id="rId9"/>
     <p:sldId id="266" r:id="rId10"/>
     <p:sldId id="267" r:id="rId11"/>
-    <p:sldId id="268" r:id="rId12"/>
-    <p:sldId id="269" r:id="rId13"/>
-    <p:sldId id="270" r:id="rId14"/>
-    <p:sldId id="271" r:id="rId15"/>
-    <p:sldId id="272" r:id="rId16"/>
-    <p:sldId id="274" r:id="rId17"/>
-    <p:sldId id="273" r:id="rId18"/>
+    <p:sldId id="275" r:id="rId12"/>
+    <p:sldId id="268" r:id="rId13"/>
+    <p:sldId id="269" r:id="rId14"/>
+    <p:sldId id="270" r:id="rId15"/>
+    <p:sldId id="271" r:id="rId16"/>
+    <p:sldId id="272" r:id="rId17"/>
+    <p:sldId id="274" r:id="rId18"/>
+    <p:sldId id="273" r:id="rId19"/>
   </p:sldIdLst>
   <p:sldSz cx="12192000" cy="6858000"/>
   <p:notesSz cx="6858000" cy="9144000"/>
@@ -542,41 +543,20 @@
           <a:p>
             <a:r>
               <a:rPr lang="en-US" baseline="0" dirty="0" smtClean="0"/>
-              <a:t>    - Event-Driven systems and </a:t>
-            </a:r>
+              <a:t>    - Event-Driven systems and challenges</a:t>
+            </a:r>
+          </a:p>
+          <a:p>
             <a:r>
               <a:rPr lang="en-US" baseline="0" dirty="0" smtClean="0"/>
-              <a:t>challenges</a:t>
+              <a:t>    - MongoDB replication internals</a:t>
             </a:r>
           </a:p>
           <a:p>
             <a:r>
               <a:rPr lang="en-US" baseline="0" dirty="0" smtClean="0"/>
-              <a:t>    - </a:t>
-            </a:r>
-            <a:r>
-              <a:rPr lang="en-US" baseline="0" dirty="0" smtClean="0"/>
-              <a:t>MongoDB replication internals</a:t>
-            </a:r>
-          </a:p>
-          <a:p>
-            <a:r>
-              <a:rPr lang="en-US" baseline="0" dirty="0" smtClean="0"/>
-              <a:t>    - </a:t>
-            </a:r>
-            <a:r>
-              <a:rPr lang="en-US" baseline="0" dirty="0" smtClean="0"/>
-              <a:t>Reference implementation </a:t>
-            </a:r>
-            <a:r>
-              <a:rPr lang="en-US" baseline="0" dirty="0" smtClean="0"/>
-              <a:t>with </a:t>
-            </a:r>
-            <a:r>
-              <a:rPr lang="en-US" baseline="0" dirty="0" smtClean="0"/>
-              <a:t>MongoDB and C#</a:t>
-            </a:r>
-            <a:endParaRPr lang="en-US" baseline="0" dirty="0" smtClean="0"/>
+              <a:t>    - Reference implementation with MongoDB and C#</a:t>
+            </a:r>
           </a:p>
           <a:p>
             <a:endParaRPr lang="en-US" baseline="0" dirty="0" smtClean="0"/>
@@ -605,11 +585,7 @@
             </a:r>
             <a:r>
               <a:rPr lang="en-US" baseline="0" dirty="0" smtClean="0"/>
-              <a:t>, </a:t>
-            </a:r>
-            <a:r>
-              <a:rPr lang="en-US" baseline="0" dirty="0" smtClean="0"/>
-              <a:t>p</a:t>
+              <a:t>, p</a:t>
             </a:r>
             <a:r>
               <a:rPr lang="en-US" dirty="0" smtClean="0"/>
@@ -617,7 +593,11 @@
             </a:r>
             <a:r>
               <a:rPr lang="en-US" baseline="0" dirty="0" smtClean="0"/>
-              <a:t> in company that created </a:t>
+              <a:t> in company </a:t>
+            </a:r>
+            <a:r>
+              <a:rPr lang="en-US" baseline="0" smtClean="0"/>
+              <a:t>that creates </a:t>
             </a:r>
             <a:r>
               <a:rPr lang="en-US" dirty="0" smtClean="0"/>
@@ -627,7 +607,6 @@
               <a:rPr lang="en-US" baseline="0" dirty="0" smtClean="0"/>
               <a:t> on videos.</a:t>
             </a:r>
-            <a:endParaRPr lang="en-US" baseline="0" dirty="0" smtClean="0"/>
           </a:p>
         </p:txBody>
       </p:sp>
@@ -825,7 +804,7 @@
     </p:spTree>
     <p:extLst>
       <p:ext uri="{BB962C8B-B14F-4D97-AF65-F5344CB8AC3E}">
-        <p14:creationId xmlns:p14="http://schemas.microsoft.com/office/powerpoint/2010/main" val="3889020795"/>
+        <p14:creationId xmlns:p14="http://schemas.microsoft.com/office/powerpoint/2010/main" val="67010511"/>
       </p:ext>
     </p:extLst>
   </p:cSld>
@@ -879,37 +858,6 @@
           <a:bodyPr/>
           <a:lstStyle/>
           <a:p>
-            <a:r>
-              <a:rPr lang="en-US" dirty="0" smtClean="0"/>
-              <a:t>Went with Change Streams for </a:t>
-            </a:r>
-            <a:r>
-              <a:rPr lang="en-US" dirty="0" err="1" smtClean="0"/>
-              <a:t>PoC</a:t>
-            </a:r>
-            <a:endParaRPr lang="en-US" dirty="0" smtClean="0"/>
-          </a:p>
-          <a:p>
-            <a:endParaRPr lang="en-US" dirty="0" smtClean="0"/>
-          </a:p>
-          <a:p>
-            <a:r>
-              <a:rPr lang="en-US" dirty="0" smtClean="0"/>
-              <a:t>Stale</a:t>
-            </a:r>
-            <a:r>
-              <a:rPr lang="en-US" baseline="0" dirty="0" smtClean="0"/>
-              <a:t> collection r</a:t>
-            </a:r>
-            <a:r>
-              <a:rPr lang="en-US" dirty="0" smtClean="0"/>
-              <a:t>esume issue</a:t>
-            </a:r>
-          </a:p>
-          <a:p>
-            <a:endParaRPr lang="en-US" dirty="0" smtClean="0"/>
-          </a:p>
-          <a:p>
             <a:endParaRPr lang="en-US" dirty="0"/>
           </a:p>
         </p:txBody>
@@ -940,7 +888,7 @@
     </p:spTree>
     <p:extLst>
       <p:ext uri="{BB962C8B-B14F-4D97-AF65-F5344CB8AC3E}">
-        <p14:creationId xmlns:p14="http://schemas.microsoft.com/office/powerpoint/2010/main" val="4208373164"/>
+        <p14:creationId xmlns:p14="http://schemas.microsoft.com/office/powerpoint/2010/main" val="3889020795"/>
       </p:ext>
     </p:extLst>
   </p:cSld>
@@ -994,32 +942,38 @@
           <a:bodyPr/>
           <a:lstStyle/>
           <a:p>
-            <a:pPr marL="0" marR="0" lvl="0" indent="0" algn="l" defTabSz="914400" rtl="0" eaLnBrk="1" fontAlgn="auto" latinLnBrk="0" hangingPunct="1">
-              <a:lnSpc>
-                <a:spcPct val="100000"/>
-              </a:lnSpc>
-              <a:spcBef>
-                <a:spcPts val="0"/>
-              </a:spcBef>
-              <a:spcAft>
-                <a:spcPts val="0"/>
-              </a:spcAft>
-              <a:buClrTx/>
-              <a:buSzTx/>
-              <a:buFontTx/>
-              <a:buNone/>
-              <a:tabLst/>
-              <a:defRPr/>
-            </a:pPr>
             <a:r>
               <a:rPr lang="en-US" dirty="0" smtClean="0"/>
-              <a:t>3.4</a:t>
+              <a:t>Went with Change Streams for </a:t>
+            </a:r>
+            <a:r>
+              <a:rPr lang="en-US" dirty="0" err="1" smtClean="0"/>
+              <a:t>PoC</a:t>
+            </a:r>
+            <a:endParaRPr lang="en-US" dirty="0" smtClean="0"/>
+          </a:p>
+          <a:p>
+            <a:endParaRPr lang="en-US" dirty="0" smtClean="0"/>
+          </a:p>
+          <a:p>
+            <a:r>
+              <a:rPr lang="en-US" dirty="0" smtClean="0"/>
+              <a:t>Stale</a:t>
             </a:r>
             <a:r>
               <a:rPr lang="en-US" baseline="0" dirty="0" smtClean="0"/>
-              <a:t> to 3.6 upgrade issue</a:t>
-            </a:r>
+              <a:t> collection r</a:t>
+            </a:r>
+            <a:r>
+              <a:rPr lang="en-US" dirty="0" smtClean="0"/>
+              <a:t>esume issue</a:t>
+            </a:r>
+          </a:p>
+          <a:p>
             <a:endParaRPr lang="en-US" dirty="0" smtClean="0"/>
+          </a:p>
+          <a:p>
+            <a:endParaRPr lang="en-US" dirty="0"/>
           </a:p>
         </p:txBody>
       </p:sp>
@@ -1049,7 +1003,7 @@
     </p:spTree>
     <p:extLst>
       <p:ext uri="{BB962C8B-B14F-4D97-AF65-F5344CB8AC3E}">
-        <p14:creationId xmlns:p14="http://schemas.microsoft.com/office/powerpoint/2010/main" val="1395154103"/>
+        <p14:creationId xmlns:p14="http://schemas.microsoft.com/office/powerpoint/2010/main" val="4208373164"/>
       </p:ext>
     </p:extLst>
   </p:cSld>
@@ -1103,7 +1057,32 @@
           <a:bodyPr/>
           <a:lstStyle/>
           <a:p>
-            <a:endParaRPr lang="en-US" dirty="0"/>
+            <a:pPr marL="0" marR="0" lvl="0" indent="0" algn="l" defTabSz="914400" rtl="0" eaLnBrk="1" fontAlgn="auto" latinLnBrk="0" hangingPunct="1">
+              <a:lnSpc>
+                <a:spcPct val="100000"/>
+              </a:lnSpc>
+              <a:spcBef>
+                <a:spcPts val="0"/>
+              </a:spcBef>
+              <a:spcAft>
+                <a:spcPts val="0"/>
+              </a:spcAft>
+              <a:buClrTx/>
+              <a:buSzTx/>
+              <a:buFontTx/>
+              <a:buNone/>
+              <a:tabLst/>
+              <a:defRPr/>
+            </a:pPr>
+            <a:r>
+              <a:rPr lang="en-US" dirty="0" smtClean="0"/>
+              <a:t>3.4</a:t>
+            </a:r>
+            <a:r>
+              <a:rPr lang="en-US" baseline="0" dirty="0" smtClean="0"/>
+              <a:t> to 3.6 upgrade issue</a:t>
+            </a:r>
+            <a:endParaRPr lang="en-US" dirty="0" smtClean="0"/>
           </a:p>
         </p:txBody>
       </p:sp>
@@ -1133,7 +1112,7 @@
     </p:spTree>
     <p:extLst>
       <p:ext uri="{BB962C8B-B14F-4D97-AF65-F5344CB8AC3E}">
-        <p14:creationId xmlns:p14="http://schemas.microsoft.com/office/powerpoint/2010/main" val="2789047906"/>
+        <p14:creationId xmlns:p14="http://schemas.microsoft.com/office/powerpoint/2010/main" val="1395154103"/>
       </p:ext>
     </p:extLst>
   </p:cSld>
@@ -1217,7 +1196,7 @@
     </p:spTree>
     <p:extLst>
       <p:ext uri="{BB962C8B-B14F-4D97-AF65-F5344CB8AC3E}">
-        <p14:creationId xmlns:p14="http://schemas.microsoft.com/office/powerpoint/2010/main" val="2848189909"/>
+        <p14:creationId xmlns:p14="http://schemas.microsoft.com/office/powerpoint/2010/main" val="2789047906"/>
       </p:ext>
     </p:extLst>
   </p:cSld>
@@ -1301,7 +1280,7 @@
     </p:spTree>
     <p:extLst>
       <p:ext uri="{BB962C8B-B14F-4D97-AF65-F5344CB8AC3E}">
-        <p14:creationId xmlns:p14="http://schemas.microsoft.com/office/powerpoint/2010/main" val="4020643647"/>
+        <p14:creationId xmlns:p14="http://schemas.microsoft.com/office/powerpoint/2010/main" val="2848189909"/>
       </p:ext>
     </p:extLst>
   </p:cSld>
@@ -1355,24 +1334,6 @@
           <a:bodyPr/>
           <a:lstStyle/>
           <a:p>
-            <a:r>
-              <a:rPr lang="en-US" dirty="0" smtClean="0"/>
-              <a:t>Capped collection</a:t>
-            </a:r>
-          </a:p>
-          <a:p>
-            <a:r>
-              <a:rPr lang="ru-RU" dirty="0" smtClean="0"/>
-              <a:t>50</a:t>
-            </a:r>
-            <a:r>
-              <a:rPr lang="ru-RU" baseline="0" dirty="0" smtClean="0"/>
-              <a:t> </a:t>
-            </a:r>
-            <a:r>
-              <a:rPr lang="en-US" baseline="0" dirty="0" smtClean="0"/>
-              <a:t>GB size limit</a:t>
-            </a:r>
             <a:endParaRPr lang="en-US" dirty="0"/>
           </a:p>
         </p:txBody>
@@ -1395,6 +1356,108 @@
             <a:fld id="{40EA4F9F-6CEF-4B9D-BEB3-40FCF0DF71AE}" type="slidenum">
               <a:rPr lang="en-US" smtClean="0"/>
               <a:t>17</a:t>
+            </a:fld>
+            <a:endParaRPr lang="en-US"/>
+          </a:p>
+        </p:txBody>
+      </p:sp>
+    </p:spTree>
+    <p:extLst>
+      <p:ext uri="{BB962C8B-B14F-4D97-AF65-F5344CB8AC3E}">
+        <p14:creationId xmlns:p14="http://schemas.microsoft.com/office/powerpoint/2010/main" val="4020643647"/>
+      </p:ext>
+    </p:extLst>
+  </p:cSld>
+  <p:clrMapOvr>
+    <a:masterClrMapping/>
+  </p:clrMapOvr>
+</p:notes>
+</file>
+
+<file path=ppt/notesSlides/notesSlide18.xml><?xml version="1.0" encoding="utf-8"?>
+<p:notes xmlns:a="http://schemas.openxmlformats.org/drawingml/2006/main" xmlns:r="http://schemas.openxmlformats.org/officeDocument/2006/relationships" xmlns:p="http://schemas.openxmlformats.org/presentationml/2006/main">
+  <p:cSld>
+    <p:spTree>
+      <p:nvGrpSpPr>
+        <p:cNvPr id="1" name=""/>
+        <p:cNvGrpSpPr/>
+        <p:nvPr/>
+      </p:nvGrpSpPr>
+      <p:grpSpPr>
+        <a:xfrm>
+          <a:off x="0" y="0"/>
+          <a:ext cx="0" cy="0"/>
+          <a:chOff x="0" y="0"/>
+          <a:chExt cx="0" cy="0"/>
+        </a:xfrm>
+      </p:grpSpPr>
+      <p:sp>
+        <p:nvSpPr>
+          <p:cNvPr id="2" name="Slide Image Placeholder 1"/>
+          <p:cNvSpPr>
+            <a:spLocks noGrp="1" noRot="1" noChangeAspect="1"/>
+          </p:cNvSpPr>
+          <p:nvPr>
+            <p:ph type="sldImg"/>
+          </p:nvPr>
+        </p:nvSpPr>
+        <p:spPr/>
+      </p:sp>
+      <p:sp>
+        <p:nvSpPr>
+          <p:cNvPr id="3" name="Notes Placeholder 2"/>
+          <p:cNvSpPr>
+            <a:spLocks noGrp="1"/>
+          </p:cNvSpPr>
+          <p:nvPr>
+            <p:ph type="body" idx="1"/>
+          </p:nvPr>
+        </p:nvSpPr>
+        <p:spPr/>
+        <p:txBody>
+          <a:bodyPr/>
+          <a:lstStyle/>
+          <a:p>
+            <a:r>
+              <a:rPr lang="en-US" dirty="0" smtClean="0"/>
+              <a:t>Capped collection</a:t>
+            </a:r>
+          </a:p>
+          <a:p>
+            <a:r>
+              <a:rPr lang="ru-RU" dirty="0" smtClean="0"/>
+              <a:t>50</a:t>
+            </a:r>
+            <a:r>
+              <a:rPr lang="ru-RU" baseline="0" dirty="0" smtClean="0"/>
+              <a:t> </a:t>
+            </a:r>
+            <a:r>
+              <a:rPr lang="en-US" baseline="0" dirty="0" smtClean="0"/>
+              <a:t>GB size limit</a:t>
+            </a:r>
+            <a:endParaRPr lang="en-US" dirty="0"/>
+          </a:p>
+        </p:txBody>
+      </p:sp>
+      <p:sp>
+        <p:nvSpPr>
+          <p:cNvPr id="4" name="Slide Number Placeholder 3"/>
+          <p:cNvSpPr>
+            <a:spLocks noGrp="1"/>
+          </p:cNvSpPr>
+          <p:nvPr>
+            <p:ph type="sldNum" sz="quarter" idx="10"/>
+          </p:nvPr>
+        </p:nvSpPr>
+        <p:spPr/>
+        <p:txBody>
+          <a:bodyPr/>
+          <a:lstStyle/>
+          <a:p>
+            <a:fld id="{40EA4F9F-6CEF-4B9D-BEB3-40FCF0DF71AE}" type="slidenum">
+              <a:rPr lang="en-US" smtClean="0"/>
+              <a:t>18</a:t>
             </a:fld>
             <a:endParaRPr lang="en-US"/>
           </a:p>
@@ -1657,11 +1720,7 @@
             </a:r>
             <a:r>
               <a:rPr lang="en-US" baseline="0" dirty="0" smtClean="0"/>
-              <a:t> components </a:t>
-            </a:r>
-            <a:r>
-              <a:rPr lang="en-US" baseline="0" dirty="0" smtClean="0"/>
-              <a:t>involved in business transaction</a:t>
+              <a:t> components involved in business transaction</a:t>
             </a:r>
             <a:endParaRPr lang="en-US" dirty="0"/>
           </a:p>
@@ -1749,11 +1808,7 @@
           <a:p>
             <a:r>
               <a:rPr lang="en-US" dirty="0" smtClean="0"/>
-              <a:t>State </a:t>
-            </a:r>
-            <a:r>
-              <a:rPr lang="en-US" dirty="0" smtClean="0"/>
-              <a:t>change notifications</a:t>
+              <a:t>State change notifications</a:t>
             </a:r>
           </a:p>
           <a:p>
@@ -5710,11 +5765,7 @@
           <a:p>
             <a:r>
               <a:rPr lang="en-US" dirty="0" smtClean="0"/>
-              <a:t>Event-Driven </a:t>
-            </a:r>
-            <a:r>
-              <a:rPr lang="en-US" dirty="0" smtClean="0"/>
-              <a:t>systems backed by </a:t>
+              <a:t>Event-Driven systems backed by </a:t>
             </a:r>
             <a:r>
               <a:rPr lang="en-US" dirty="0"/>
@@ -5976,7 +6027,7 @@
         <p:spPr>
           <a:xfrm>
             <a:off x="1268531" y="2085263"/>
-            <a:ext cx="3858107" cy="461665"/>
+            <a:ext cx="7289881" cy="461665"/>
           </a:xfrm>
           <a:prstGeom prst="rect">
             <a:avLst/>
@@ -5991,7 +6042,27 @@
           <a:p>
             <a:r>
               <a:rPr lang="en-US" sz="2400" dirty="0" smtClean="0"/>
-              <a:t>• MongoDB 3.4 in production</a:t>
+              <a:t>• MongoDB </a:t>
+            </a:r>
+            <a:r>
+              <a:rPr lang="en-US" sz="2400" dirty="0" smtClean="0"/>
+              <a:t>3.4, primary-secondary-arbiter (PSA), </a:t>
+            </a:r>
+            <a:r>
+              <a:rPr lang="en-US" sz="2400" dirty="0">
+                <a:solidFill>
+                  <a:srgbClr val="FFFF00"/>
+                </a:solidFill>
+              </a:rPr>
+              <a:t>{ w: 1 </a:t>
+            </a:r>
+            <a:r>
+              <a:rPr lang="en-US" sz="2400" dirty="0" smtClean="0">
+                <a:solidFill>
+                  <a:srgbClr val="FFFF00"/>
+                </a:solidFill>
+              </a:rPr>
+              <a:t>}</a:t>
             </a:r>
             <a:endParaRPr lang="en-US" sz="2400" dirty="0"/>
           </a:p>
@@ -6342,6 +6413,103 @@
           <a:lstStyle/>
           <a:p>
             <a:r>
+              <a:rPr lang="en-US" dirty="0" smtClean="0"/>
+              <a:t>Write concern</a:t>
+            </a:r>
+            <a:endParaRPr lang="en-US" dirty="0"/>
+          </a:p>
+        </p:txBody>
+      </p:sp>
+      <p:pic>
+        <p:nvPicPr>
+          <p:cNvPr id="14" name="Picture 13"/>
+          <p:cNvPicPr>
+            <a:picLocks noChangeAspect="1"/>
+          </p:cNvPicPr>
+          <p:nvPr/>
+        </p:nvPicPr>
+        <p:blipFill>
+          <a:blip r:embed="rId3" cstate="print">
+            <a:extLst>
+              <a:ext uri="{28A0092B-C50C-407E-A947-70E740481C1C}">
+                <a14:useLocalDpi xmlns:a14="http://schemas.microsoft.com/office/drawing/2010/main" val="0"/>
+              </a:ext>
+            </a:extLst>
+          </a:blip>
+          <a:stretch>
+            <a:fillRect/>
+          </a:stretch>
+        </p:blipFill>
+        <p:spPr>
+          <a:xfrm>
+            <a:off x="3566922" y="1445746"/>
+            <a:ext cx="4968106" cy="5148113"/>
+          </a:xfrm>
+          <a:prstGeom prst="rect">
+            <a:avLst/>
+          </a:prstGeom>
+        </p:spPr>
+      </p:pic>
+    </p:spTree>
+    <p:extLst>
+      <p:ext uri="{BB962C8B-B14F-4D97-AF65-F5344CB8AC3E}">
+        <p14:creationId xmlns:p14="http://schemas.microsoft.com/office/powerpoint/2010/main" val="2616741219"/>
+      </p:ext>
+    </p:extLst>
+  </p:cSld>
+  <p:clrMapOvr>
+    <a:masterClrMapping/>
+  </p:clrMapOvr>
+  <p:timing>
+    <p:tnLst>
+      <p:par>
+        <p:cTn id="1" dur="indefinite" restart="never" nodeType="tmRoot"/>
+      </p:par>
+    </p:tnLst>
+  </p:timing>
+</p:sld>
+</file>
+
+<file path=ppt/slides/slide12.xml><?xml version="1.0" encoding="utf-8"?>
+<p:sld xmlns:a="http://schemas.openxmlformats.org/drawingml/2006/main" xmlns:r="http://schemas.openxmlformats.org/officeDocument/2006/relationships" xmlns:p="http://schemas.openxmlformats.org/presentationml/2006/main">
+  <p:cSld>
+    <p:spTree>
+      <p:nvGrpSpPr>
+        <p:cNvPr id="1" name=""/>
+        <p:cNvGrpSpPr/>
+        <p:nvPr/>
+      </p:nvGrpSpPr>
+      <p:grpSpPr>
+        <a:xfrm>
+          <a:off x="0" y="0"/>
+          <a:ext cx="0" cy="0"/>
+          <a:chOff x="0" y="0"/>
+          <a:chExt cx="0" cy="0"/>
+        </a:xfrm>
+      </p:grpSpPr>
+      <p:sp>
+        <p:nvSpPr>
+          <p:cNvPr id="2" name="Title 1"/>
+          <p:cNvSpPr>
+            <a:spLocks noGrp="1"/>
+          </p:cNvSpPr>
+          <p:nvPr>
+            <p:ph type="ctrTitle"/>
+          </p:nvPr>
+        </p:nvSpPr>
+        <p:spPr>
+          <a:xfrm>
+            <a:off x="1261872" y="383065"/>
+            <a:ext cx="9418320" cy="1062681"/>
+          </a:xfrm>
+        </p:spPr>
+        <p:txBody>
+          <a:bodyPr>
+            <a:normAutofit/>
+          </a:bodyPr>
+          <a:lstStyle/>
+          <a:p>
+            <a:r>
               <a:rPr lang="en-US" dirty="0" err="1" smtClean="0"/>
               <a:t>Oplog</a:t>
             </a:r>
@@ -6535,11 +6703,6 @@
               </a:rPr>
               <a:t>}</a:t>
             </a:r>
-            <a:endParaRPr lang="en-US" sz="2400" dirty="0">
-              <a:solidFill>
-                <a:srgbClr val="FFFF00"/>
-              </a:solidFill>
-            </a:endParaRPr>
           </a:p>
         </p:txBody>
       </p:sp>
@@ -7142,7 +7305,7 @@
 </p:sld>
 </file>
 
-<file path=ppt/slides/slide12.xml><?xml version="1.0" encoding="utf-8"?>
+<file path=ppt/slides/slide13.xml><?xml version="1.0" encoding="utf-8"?>
 <p:sld xmlns:a="http://schemas.openxmlformats.org/drawingml/2006/main" xmlns:r="http://schemas.openxmlformats.org/officeDocument/2006/relationships" xmlns:p="http://schemas.openxmlformats.org/presentationml/2006/main">
   <p:cSld>
     <p:spTree>
@@ -7217,11 +7380,7 @@
           <a:p>
             <a:r>
               <a:rPr lang="en-US" sz="2400" dirty="0" smtClean="0"/>
-              <a:t>• </a:t>
-            </a:r>
-            <a:r>
-              <a:rPr lang="en-US" sz="2400" dirty="0" smtClean="0"/>
-              <a:t>Only subscribe to a single collection per connection</a:t>
+              <a:t>• Only subscribe to a single collection per connection</a:t>
             </a:r>
             <a:endParaRPr lang="en-US" sz="2400" dirty="0"/>
           </a:p>
@@ -7251,11 +7410,7 @@
           <a:p>
             <a:r>
               <a:rPr lang="en-US" sz="2400" dirty="0" smtClean="0"/>
-              <a:t>• </a:t>
-            </a:r>
-            <a:r>
-              <a:rPr lang="en-US" sz="2400" dirty="0" smtClean="0"/>
-              <a:t>New API that is not yet widely used in production</a:t>
+              <a:t>• New API that is not yet widely used in production</a:t>
             </a:r>
             <a:endParaRPr lang="en-US" sz="2400" dirty="0"/>
           </a:p>
@@ -7331,11 +7486,7 @@
           <a:p>
             <a:r>
               <a:rPr lang="en-US" sz="2400" dirty="0" smtClean="0"/>
-              <a:t>• </a:t>
-            </a:r>
-            <a:r>
-              <a:rPr lang="en-US" sz="2400" dirty="0" smtClean="0"/>
-              <a:t>Fixated, well-documented API that guarantied to stay </a:t>
+              <a:t>• Fixated, well-documented API that guarantied to stay </a:t>
             </a:r>
             <a:endParaRPr lang="en-US" sz="2400" dirty="0"/>
           </a:p>
@@ -7365,11 +7516,7 @@
           <a:p>
             <a:r>
               <a:rPr lang="en-US" sz="2400" dirty="0" smtClean="0"/>
-              <a:t>• </a:t>
-            </a:r>
-            <a:r>
-              <a:rPr lang="en-US" sz="2400" dirty="0" smtClean="0"/>
-              <a:t>Way easier to implement </a:t>
+              <a:t>• Way easier to implement </a:t>
             </a:r>
             <a:r>
               <a:rPr lang="en-US" sz="2400" dirty="0" err="1" smtClean="0"/>
@@ -7463,11 +7610,7 @@
           <a:p>
             <a:r>
               <a:rPr lang="en-US" sz="2400" dirty="0" smtClean="0"/>
-              <a:t>• </a:t>
-            </a:r>
-            <a:r>
-              <a:rPr lang="en-US" sz="2400" dirty="0" smtClean="0"/>
-              <a:t>Only supports </a:t>
+              <a:t>• Only supports </a:t>
             </a:r>
             <a:r>
               <a:rPr lang="en-US" sz="2400" dirty="0" smtClean="0">
@@ -7529,11 +7672,7 @@
           <a:p>
             <a:r>
               <a:rPr lang="en-US" sz="2400" dirty="0" smtClean="0"/>
-              <a:t>• </a:t>
-            </a:r>
-            <a:r>
-              <a:rPr lang="en-US" sz="2400" dirty="0" smtClean="0"/>
-              <a:t>Cannot resume subscription if latest observed operation is gone from </a:t>
+              <a:t>• Cannot resume subscription if latest observed operation is gone from </a:t>
             </a:r>
             <a:r>
               <a:rPr lang="en-US" sz="2400" dirty="0" err="1" smtClean="0"/>
@@ -8090,126 +8229,6 @@
 </p:sld>
 </file>
 
-<file path=ppt/slides/slide13.xml><?xml version="1.0" encoding="utf-8"?>
-<p:sld xmlns:a="http://schemas.openxmlformats.org/drawingml/2006/main" xmlns:r="http://schemas.openxmlformats.org/officeDocument/2006/relationships" xmlns:p="http://schemas.openxmlformats.org/presentationml/2006/main">
-  <p:cSld>
-    <p:spTree>
-      <p:nvGrpSpPr>
-        <p:cNvPr id="1" name=""/>
-        <p:cNvGrpSpPr/>
-        <p:nvPr/>
-      </p:nvGrpSpPr>
-      <p:grpSpPr>
-        <a:xfrm>
-          <a:off x="0" y="0"/>
-          <a:ext cx="0" cy="0"/>
-          <a:chOff x="0" y="0"/>
-          <a:chExt cx="0" cy="0"/>
-        </a:xfrm>
-      </p:grpSpPr>
-      <p:sp>
-        <p:nvSpPr>
-          <p:cNvPr id="2" name="Title 1"/>
-          <p:cNvSpPr>
-            <a:spLocks noGrp="1"/>
-          </p:cNvSpPr>
-          <p:nvPr>
-            <p:ph type="ctrTitle"/>
-          </p:nvPr>
-        </p:nvSpPr>
-        <p:spPr/>
-        <p:txBody>
-          <a:bodyPr>
-            <a:normAutofit/>
-          </a:bodyPr>
-          <a:lstStyle/>
-          <a:p>
-            <a:r>
-              <a:rPr lang="en-US" dirty="0" smtClean="0">
-                <a:solidFill>
-                  <a:srgbClr val="FFFF00"/>
-                </a:solidFill>
-              </a:rPr>
-              <a:t>Takeaway:</a:t>
-            </a:r>
-            <a:br>
-              <a:rPr lang="en-US" dirty="0" smtClean="0">
-                <a:solidFill>
-                  <a:srgbClr val="FFFF00"/>
-                </a:solidFill>
-              </a:rPr>
-            </a:br>
-            <a:r>
-              <a:rPr lang="en-US" dirty="0"/>
-              <a:t>for MongoDB 3.6 </a:t>
-            </a:r>
-            <a:r>
-              <a:rPr lang="en-US" dirty="0" smtClean="0"/>
-              <a:t>use </a:t>
-            </a:r>
-            <a:r>
-              <a:rPr lang="en-US" dirty="0" err="1" smtClean="0">
-                <a:solidFill>
-                  <a:srgbClr val="92D050"/>
-                </a:solidFill>
-              </a:rPr>
-              <a:t>Oplog</a:t>
-            </a:r>
-            <a:r>
-              <a:rPr lang="en-US" dirty="0" smtClean="0">
-                <a:solidFill>
-                  <a:srgbClr val="92D050"/>
-                </a:solidFill>
-              </a:rPr>
-              <a:t> tailing</a:t>
-            </a:r>
-            <a:endParaRPr lang="en-US" dirty="0">
-              <a:solidFill>
-                <a:srgbClr val="92D050"/>
-              </a:solidFill>
-            </a:endParaRPr>
-          </a:p>
-        </p:txBody>
-      </p:sp>
-      <p:sp>
-        <p:nvSpPr>
-          <p:cNvPr id="3" name="Subtitle 2"/>
-          <p:cNvSpPr>
-            <a:spLocks noGrp="1"/>
-          </p:cNvSpPr>
-          <p:nvPr>
-            <p:ph type="subTitle" idx="1"/>
-          </p:nvPr>
-        </p:nvSpPr>
-        <p:spPr/>
-        <p:txBody>
-          <a:bodyPr/>
-          <a:lstStyle/>
-          <a:p>
-            <a:endParaRPr lang="en-US" dirty="0"/>
-          </a:p>
-        </p:txBody>
-      </p:sp>
-    </p:spTree>
-    <p:extLst>
-      <p:ext uri="{BB962C8B-B14F-4D97-AF65-F5344CB8AC3E}">
-        <p14:creationId xmlns:p14="http://schemas.microsoft.com/office/powerpoint/2010/main" val="2629089657"/>
-      </p:ext>
-    </p:extLst>
-  </p:cSld>
-  <p:clrMapOvr>
-    <a:masterClrMapping/>
-  </p:clrMapOvr>
-  <p:timing>
-    <p:tnLst>
-      <p:par>
-        <p:cTn id="1" dur="indefinite" restart="never" nodeType="tmRoot"/>
-      </p:par>
-    </p:tnLst>
-  </p:timing>
-</p:sld>
-</file>
-
 <file path=ppt/slides/slide14.xml><?xml version="1.0" encoding="utf-8"?>
 <p:sld xmlns:a="http://schemas.openxmlformats.org/drawingml/2006/main" xmlns:r="http://schemas.openxmlformats.org/officeDocument/2006/relationships" xmlns:p="http://schemas.openxmlformats.org/presentationml/2006/main">
   <p:cSld>
@@ -8261,11 +8280,11 @@
             </a:br>
             <a:r>
               <a:rPr lang="en-US" dirty="0"/>
-              <a:t>for primary-secondary-arbiter (PSA</a:t>
+              <a:t>for MongoDB 3.6 </a:t>
             </a:r>
             <a:r>
               <a:rPr lang="en-US" dirty="0" smtClean="0"/>
-              <a:t>) replica set use </a:t>
+              <a:t>use </a:t>
             </a:r>
             <a:r>
               <a:rPr lang="en-US" dirty="0" err="1" smtClean="0">
@@ -8313,7 +8332,7 @@
     </p:spTree>
     <p:extLst>
       <p:ext uri="{BB962C8B-B14F-4D97-AF65-F5344CB8AC3E}">
-        <p14:creationId xmlns:p14="http://schemas.microsoft.com/office/powerpoint/2010/main" val="4217504484"/>
+        <p14:creationId xmlns:p14="http://schemas.microsoft.com/office/powerpoint/2010/main" val="2629089657"/>
       </p:ext>
     </p:extLst>
   </p:cSld>
@@ -8357,6 +8376,126 @@
             <p:ph type="ctrTitle"/>
           </p:nvPr>
         </p:nvSpPr>
+        <p:spPr/>
+        <p:txBody>
+          <a:bodyPr>
+            <a:normAutofit/>
+          </a:bodyPr>
+          <a:lstStyle/>
+          <a:p>
+            <a:r>
+              <a:rPr lang="en-US" dirty="0" smtClean="0">
+                <a:solidFill>
+                  <a:srgbClr val="FFFF00"/>
+                </a:solidFill>
+              </a:rPr>
+              <a:t>Takeaway:</a:t>
+            </a:r>
+            <a:br>
+              <a:rPr lang="en-US" dirty="0" smtClean="0">
+                <a:solidFill>
+                  <a:srgbClr val="FFFF00"/>
+                </a:solidFill>
+              </a:rPr>
+            </a:br>
+            <a:r>
+              <a:rPr lang="en-US" dirty="0"/>
+              <a:t>for primary-secondary-arbiter (PSA</a:t>
+            </a:r>
+            <a:r>
+              <a:rPr lang="en-US" dirty="0" smtClean="0"/>
+              <a:t>) replica set use </a:t>
+            </a:r>
+            <a:r>
+              <a:rPr lang="en-US" dirty="0" err="1" smtClean="0">
+                <a:solidFill>
+                  <a:srgbClr val="92D050"/>
+                </a:solidFill>
+              </a:rPr>
+              <a:t>Oplog</a:t>
+            </a:r>
+            <a:r>
+              <a:rPr lang="en-US" dirty="0" smtClean="0">
+                <a:solidFill>
+                  <a:srgbClr val="92D050"/>
+                </a:solidFill>
+              </a:rPr>
+              <a:t> tailing</a:t>
+            </a:r>
+            <a:endParaRPr lang="en-US" dirty="0">
+              <a:solidFill>
+                <a:srgbClr val="92D050"/>
+              </a:solidFill>
+            </a:endParaRPr>
+          </a:p>
+        </p:txBody>
+      </p:sp>
+      <p:sp>
+        <p:nvSpPr>
+          <p:cNvPr id="3" name="Subtitle 2"/>
+          <p:cNvSpPr>
+            <a:spLocks noGrp="1"/>
+          </p:cNvSpPr>
+          <p:nvPr>
+            <p:ph type="subTitle" idx="1"/>
+          </p:nvPr>
+        </p:nvSpPr>
+        <p:spPr/>
+        <p:txBody>
+          <a:bodyPr/>
+          <a:lstStyle/>
+          <a:p>
+            <a:endParaRPr lang="en-US" dirty="0"/>
+          </a:p>
+        </p:txBody>
+      </p:sp>
+    </p:spTree>
+    <p:extLst>
+      <p:ext uri="{BB962C8B-B14F-4D97-AF65-F5344CB8AC3E}">
+        <p14:creationId xmlns:p14="http://schemas.microsoft.com/office/powerpoint/2010/main" val="4217504484"/>
+      </p:ext>
+    </p:extLst>
+  </p:cSld>
+  <p:clrMapOvr>
+    <a:masterClrMapping/>
+  </p:clrMapOvr>
+  <p:timing>
+    <p:tnLst>
+      <p:par>
+        <p:cTn id="1" dur="indefinite" restart="never" nodeType="tmRoot"/>
+      </p:par>
+    </p:tnLst>
+  </p:timing>
+</p:sld>
+</file>
+
+<file path=ppt/slides/slide16.xml><?xml version="1.0" encoding="utf-8"?>
+<p:sld xmlns:a="http://schemas.openxmlformats.org/drawingml/2006/main" xmlns:r="http://schemas.openxmlformats.org/officeDocument/2006/relationships" xmlns:p="http://schemas.openxmlformats.org/presentationml/2006/main">
+  <p:cSld>
+    <p:spTree>
+      <p:nvGrpSpPr>
+        <p:cNvPr id="1" name=""/>
+        <p:cNvGrpSpPr/>
+        <p:nvPr/>
+      </p:nvGrpSpPr>
+      <p:grpSpPr>
+        <a:xfrm>
+          <a:off x="0" y="0"/>
+          <a:ext cx="0" cy="0"/>
+          <a:chOff x="0" y="0"/>
+          <a:chExt cx="0" cy="0"/>
+        </a:xfrm>
+      </p:grpSpPr>
+      <p:sp>
+        <p:nvSpPr>
+          <p:cNvPr id="2" name="Title 1"/>
+          <p:cNvSpPr>
+            <a:spLocks noGrp="1"/>
+          </p:cNvSpPr>
+          <p:nvPr>
+            <p:ph type="ctrTitle"/>
+          </p:nvPr>
+        </p:nvSpPr>
         <p:spPr>
           <a:xfrm>
             <a:off x="1261872" y="383065"/>
@@ -8453,7 +8592,6 @@
               <a:rPr lang="en-US" sz="2400" dirty="0"/>
               <a:t>• Option to resume from a given Timestamp</a:t>
             </a:r>
-            <a:endParaRPr lang="en-US" sz="2400" dirty="0"/>
           </a:p>
         </p:txBody>
       </p:sp>
@@ -8587,11 +8725,7 @@
           <a:p>
             <a:r>
               <a:rPr lang="en-US" sz="2400" dirty="0" smtClean="0"/>
-              <a:t>• </a:t>
-            </a:r>
-            <a:r>
-              <a:rPr lang="en-US" sz="2400" dirty="0" smtClean="0"/>
-              <a:t>Only supports </a:t>
+              <a:t>• Only supports </a:t>
             </a:r>
             <a:r>
               <a:rPr lang="en-US" sz="2400" dirty="0" smtClean="0">
@@ -9038,7 +9172,7 @@
 </p:sld>
 </file>
 
-<file path=ppt/slides/slide16.xml><?xml version="1.0" encoding="utf-8"?>
+<file path=ppt/slides/slide17.xml><?xml version="1.0" encoding="utf-8"?>
 <p:sld xmlns:a="http://schemas.openxmlformats.org/drawingml/2006/main" xmlns:r="http://schemas.openxmlformats.org/officeDocument/2006/relationships" xmlns:p="http://schemas.openxmlformats.org/presentationml/2006/main">
   <p:cSld>
     <p:spTree>
@@ -9146,7 +9280,7 @@
 </p:sld>
 </file>
 
-<file path=ppt/slides/slide17.xml><?xml version="1.0" encoding="utf-8"?>
+<file path=ppt/slides/slide18.xml><?xml version="1.0" encoding="utf-8"?>
 <p:sld xmlns:a="http://schemas.openxmlformats.org/drawingml/2006/main" xmlns:r="http://schemas.openxmlformats.org/officeDocument/2006/relationships" xmlns:p="http://schemas.openxmlformats.org/presentationml/2006/main">
   <p:cSld>
     <p:spTree>
@@ -12033,15 +12167,7 @@
                   <a:srgbClr val="FFFF00"/>
                 </a:solidFill>
               </a:rPr>
-              <a:t>Key </a:t>
-            </a:r>
-            <a:r>
-              <a:rPr lang="en-US" dirty="0" smtClean="0">
-                <a:solidFill>
-                  <a:srgbClr val="FFFF00"/>
-                </a:solidFill>
-              </a:rPr>
-              <a:t>takeaway:</a:t>
+              <a:t>Key takeaway:</a:t>
             </a:r>
             <a:br>
               <a:rPr lang="en-US" dirty="0" smtClean="0">
@@ -12052,11 +12178,7 @@
             </a:br>
             <a:r>
               <a:rPr lang="en-US" dirty="0" smtClean="0"/>
-              <a:t>persist </a:t>
-            </a:r>
-            <a:r>
-              <a:rPr lang="en-US" dirty="0" smtClean="0"/>
-              <a:t>state and publish event </a:t>
+              <a:t>persist state and publish event </a:t>
             </a:r>
             <a:r>
               <a:rPr lang="en-US" dirty="0" smtClean="0">

--- a/t18-event-mongodb.pptx
+++ b/t18-event-mongodb.pptx
@@ -17,15 +17,15 @@
     <p:sldId id="263" r:id="rId8"/>
     <p:sldId id="265" r:id="rId9"/>
     <p:sldId id="266" r:id="rId10"/>
-    <p:sldId id="267" r:id="rId11"/>
-    <p:sldId id="275" r:id="rId12"/>
-    <p:sldId id="268" r:id="rId13"/>
-    <p:sldId id="269" r:id="rId14"/>
-    <p:sldId id="270" r:id="rId15"/>
-    <p:sldId id="271" r:id="rId16"/>
-    <p:sldId id="272" r:id="rId17"/>
-    <p:sldId id="274" r:id="rId18"/>
-    <p:sldId id="273" r:id="rId19"/>
+    <p:sldId id="275" r:id="rId11"/>
+    <p:sldId id="267" r:id="rId12"/>
+    <p:sldId id="273" r:id="rId13"/>
+    <p:sldId id="268" r:id="rId14"/>
+    <p:sldId id="269" r:id="rId15"/>
+    <p:sldId id="270" r:id="rId16"/>
+    <p:sldId id="271" r:id="rId17"/>
+    <p:sldId id="272" r:id="rId18"/>
+    <p:sldId id="274" r:id="rId19"/>
   </p:sldIdLst>
   <p:sldSz cx="12192000" cy="6858000"/>
   <p:notesSz cx="6858000" cy="9144000"/>
@@ -214,7 +214,7 @@
           <a:p>
             <a:fld id="{DBCC800D-31EB-4931-99D3-EDB5CCBB0CE8}" type="datetimeFigureOut">
               <a:rPr lang="en-US" smtClean="0"/>
-              <a:t>11/25/2018</a:t>
+              <a:t>11/26/2018</a:t>
             </a:fld>
             <a:endParaRPr lang="en-US"/>
           </a:p>
@@ -720,7 +720,7 @@
     </p:spTree>
     <p:extLst>
       <p:ext uri="{BB962C8B-B14F-4D97-AF65-F5344CB8AC3E}">
-        <p14:creationId xmlns:p14="http://schemas.microsoft.com/office/powerpoint/2010/main" val="1127299053"/>
+        <p14:creationId xmlns:p14="http://schemas.microsoft.com/office/powerpoint/2010/main" val="67010511"/>
       </p:ext>
     </p:extLst>
   </p:cSld>
@@ -804,7 +804,7 @@
     </p:spTree>
     <p:extLst>
       <p:ext uri="{BB962C8B-B14F-4D97-AF65-F5344CB8AC3E}">
-        <p14:creationId xmlns:p14="http://schemas.microsoft.com/office/powerpoint/2010/main" val="67010511"/>
+        <p14:creationId xmlns:p14="http://schemas.microsoft.com/office/powerpoint/2010/main" val="1127299053"/>
       </p:ext>
     </p:extLst>
   </p:cSld>
@@ -858,6 +858,24 @@
           <a:bodyPr/>
           <a:lstStyle/>
           <a:p>
+            <a:r>
+              <a:rPr lang="en-US" dirty="0" smtClean="0"/>
+              <a:t>Capped collection</a:t>
+            </a:r>
+          </a:p>
+          <a:p>
+            <a:r>
+              <a:rPr lang="ru-RU" dirty="0" smtClean="0"/>
+              <a:t>50</a:t>
+            </a:r>
+            <a:r>
+              <a:rPr lang="ru-RU" baseline="0" dirty="0" smtClean="0"/>
+              <a:t> </a:t>
+            </a:r>
+            <a:r>
+              <a:rPr lang="en-US" baseline="0" dirty="0" smtClean="0"/>
+              <a:t>GB size limit</a:t>
+            </a:r>
             <a:endParaRPr lang="en-US" dirty="0"/>
           </a:p>
         </p:txBody>
@@ -888,7 +906,7 @@
     </p:spTree>
     <p:extLst>
       <p:ext uri="{BB962C8B-B14F-4D97-AF65-F5344CB8AC3E}">
-        <p14:creationId xmlns:p14="http://schemas.microsoft.com/office/powerpoint/2010/main" val="3889020795"/>
+        <p14:creationId xmlns:p14="http://schemas.microsoft.com/office/powerpoint/2010/main" val="1263657375"/>
       </p:ext>
     </p:extLst>
   </p:cSld>
@@ -942,37 +960,6 @@
           <a:bodyPr/>
           <a:lstStyle/>
           <a:p>
-            <a:r>
-              <a:rPr lang="en-US" dirty="0" smtClean="0"/>
-              <a:t>Went with Change Streams for </a:t>
-            </a:r>
-            <a:r>
-              <a:rPr lang="en-US" dirty="0" err="1" smtClean="0"/>
-              <a:t>PoC</a:t>
-            </a:r>
-            <a:endParaRPr lang="en-US" dirty="0" smtClean="0"/>
-          </a:p>
-          <a:p>
-            <a:endParaRPr lang="en-US" dirty="0" smtClean="0"/>
-          </a:p>
-          <a:p>
-            <a:r>
-              <a:rPr lang="en-US" dirty="0" smtClean="0"/>
-              <a:t>Stale</a:t>
-            </a:r>
-            <a:r>
-              <a:rPr lang="en-US" baseline="0" dirty="0" smtClean="0"/>
-              <a:t> collection r</a:t>
-            </a:r>
-            <a:r>
-              <a:rPr lang="en-US" dirty="0" smtClean="0"/>
-              <a:t>esume issue</a:t>
-            </a:r>
-          </a:p>
-          <a:p>
-            <a:endParaRPr lang="en-US" dirty="0" smtClean="0"/>
-          </a:p>
-          <a:p>
             <a:endParaRPr lang="en-US" dirty="0"/>
           </a:p>
         </p:txBody>
@@ -1003,7 +990,7 @@
     </p:spTree>
     <p:extLst>
       <p:ext uri="{BB962C8B-B14F-4D97-AF65-F5344CB8AC3E}">
-        <p14:creationId xmlns:p14="http://schemas.microsoft.com/office/powerpoint/2010/main" val="4208373164"/>
+        <p14:creationId xmlns:p14="http://schemas.microsoft.com/office/powerpoint/2010/main" val="3889020795"/>
       </p:ext>
     </p:extLst>
   </p:cSld>
@@ -1057,32 +1044,38 @@
           <a:bodyPr/>
           <a:lstStyle/>
           <a:p>
-            <a:pPr marL="0" marR="0" lvl="0" indent="0" algn="l" defTabSz="914400" rtl="0" eaLnBrk="1" fontAlgn="auto" latinLnBrk="0" hangingPunct="1">
-              <a:lnSpc>
-                <a:spcPct val="100000"/>
-              </a:lnSpc>
-              <a:spcBef>
-                <a:spcPts val="0"/>
-              </a:spcBef>
-              <a:spcAft>
-                <a:spcPts val="0"/>
-              </a:spcAft>
-              <a:buClrTx/>
-              <a:buSzTx/>
-              <a:buFontTx/>
-              <a:buNone/>
-              <a:tabLst/>
-              <a:defRPr/>
-            </a:pPr>
             <a:r>
               <a:rPr lang="en-US" dirty="0" smtClean="0"/>
-              <a:t>3.4</a:t>
+              <a:t>Went with Change Streams for </a:t>
+            </a:r>
+            <a:r>
+              <a:rPr lang="en-US" dirty="0" err="1" smtClean="0"/>
+              <a:t>PoC</a:t>
+            </a:r>
+            <a:endParaRPr lang="en-US" dirty="0" smtClean="0"/>
+          </a:p>
+          <a:p>
+            <a:endParaRPr lang="en-US" dirty="0" smtClean="0"/>
+          </a:p>
+          <a:p>
+            <a:r>
+              <a:rPr lang="en-US" dirty="0" smtClean="0"/>
+              <a:t>Stale</a:t>
             </a:r>
             <a:r>
               <a:rPr lang="en-US" baseline="0" dirty="0" smtClean="0"/>
-              <a:t> to 3.6 upgrade issue</a:t>
-            </a:r>
+              <a:t> collection r</a:t>
+            </a:r>
+            <a:r>
+              <a:rPr lang="en-US" dirty="0" smtClean="0"/>
+              <a:t>esume issue</a:t>
+            </a:r>
+          </a:p>
+          <a:p>
             <a:endParaRPr lang="en-US" dirty="0" smtClean="0"/>
+          </a:p>
+          <a:p>
+            <a:endParaRPr lang="en-US" dirty="0"/>
           </a:p>
         </p:txBody>
       </p:sp>
@@ -1112,7 +1105,7 @@
     </p:spTree>
     <p:extLst>
       <p:ext uri="{BB962C8B-B14F-4D97-AF65-F5344CB8AC3E}">
-        <p14:creationId xmlns:p14="http://schemas.microsoft.com/office/powerpoint/2010/main" val="1395154103"/>
+        <p14:creationId xmlns:p14="http://schemas.microsoft.com/office/powerpoint/2010/main" val="4208373164"/>
       </p:ext>
     </p:extLst>
   </p:cSld>
@@ -1166,7 +1159,32 @@
           <a:bodyPr/>
           <a:lstStyle/>
           <a:p>
-            <a:endParaRPr lang="en-US" dirty="0"/>
+            <a:pPr marL="0" marR="0" lvl="0" indent="0" algn="l" defTabSz="914400" rtl="0" eaLnBrk="1" fontAlgn="auto" latinLnBrk="0" hangingPunct="1">
+              <a:lnSpc>
+                <a:spcPct val="100000"/>
+              </a:lnSpc>
+              <a:spcBef>
+                <a:spcPts val="0"/>
+              </a:spcBef>
+              <a:spcAft>
+                <a:spcPts val="0"/>
+              </a:spcAft>
+              <a:buClrTx/>
+              <a:buSzTx/>
+              <a:buFontTx/>
+              <a:buNone/>
+              <a:tabLst/>
+              <a:defRPr/>
+            </a:pPr>
+            <a:r>
+              <a:rPr lang="en-US" dirty="0" smtClean="0"/>
+              <a:t>3.4</a:t>
+            </a:r>
+            <a:r>
+              <a:rPr lang="en-US" baseline="0" dirty="0" smtClean="0"/>
+              <a:t> to 3.6 upgrade issue</a:t>
+            </a:r>
+            <a:endParaRPr lang="en-US" dirty="0" smtClean="0"/>
           </a:p>
         </p:txBody>
       </p:sp>
@@ -1196,7 +1214,7 @@
     </p:spTree>
     <p:extLst>
       <p:ext uri="{BB962C8B-B14F-4D97-AF65-F5344CB8AC3E}">
-        <p14:creationId xmlns:p14="http://schemas.microsoft.com/office/powerpoint/2010/main" val="2789047906"/>
+        <p14:creationId xmlns:p14="http://schemas.microsoft.com/office/powerpoint/2010/main" val="1395154103"/>
       </p:ext>
     </p:extLst>
   </p:cSld>
@@ -1280,7 +1298,7 @@
     </p:spTree>
     <p:extLst>
       <p:ext uri="{BB962C8B-B14F-4D97-AF65-F5344CB8AC3E}">
-        <p14:creationId xmlns:p14="http://schemas.microsoft.com/office/powerpoint/2010/main" val="2848189909"/>
+        <p14:creationId xmlns:p14="http://schemas.microsoft.com/office/powerpoint/2010/main" val="2789047906"/>
       </p:ext>
     </p:extLst>
   </p:cSld>
@@ -1364,7 +1382,7 @@
     </p:spTree>
     <p:extLst>
       <p:ext uri="{BB962C8B-B14F-4D97-AF65-F5344CB8AC3E}">
-        <p14:creationId xmlns:p14="http://schemas.microsoft.com/office/powerpoint/2010/main" val="4020643647"/>
+        <p14:creationId xmlns:p14="http://schemas.microsoft.com/office/powerpoint/2010/main" val="2848189909"/>
       </p:ext>
     </p:extLst>
   </p:cSld>
@@ -1418,24 +1436,6 @@
           <a:bodyPr/>
           <a:lstStyle/>
           <a:p>
-            <a:r>
-              <a:rPr lang="en-US" dirty="0" smtClean="0"/>
-              <a:t>Capped collection</a:t>
-            </a:r>
-          </a:p>
-          <a:p>
-            <a:r>
-              <a:rPr lang="ru-RU" dirty="0" smtClean="0"/>
-              <a:t>50</a:t>
-            </a:r>
-            <a:r>
-              <a:rPr lang="ru-RU" baseline="0" dirty="0" smtClean="0"/>
-              <a:t> </a:t>
-            </a:r>
-            <a:r>
-              <a:rPr lang="en-US" baseline="0" dirty="0" smtClean="0"/>
-              <a:t>GB size limit</a:t>
-            </a:r>
             <a:endParaRPr lang="en-US" dirty="0"/>
           </a:p>
         </p:txBody>
@@ -1466,7 +1466,7 @@
     </p:spTree>
     <p:extLst>
       <p:ext uri="{BB962C8B-B14F-4D97-AF65-F5344CB8AC3E}">
-        <p14:creationId xmlns:p14="http://schemas.microsoft.com/office/powerpoint/2010/main" val="1263657375"/>
+        <p14:creationId xmlns:p14="http://schemas.microsoft.com/office/powerpoint/2010/main" val="4020643647"/>
       </p:ext>
     </p:extLst>
   </p:cSld>
@@ -2568,7 +2568,7 @@
           <a:p>
             <a:fld id="{5EE630CB-3638-41B1-AFF1-A77D5CAA11B6}" type="datetimeFigureOut">
               <a:rPr lang="en-US" smtClean="0"/>
-              <a:t>11/25/2018</a:t>
+              <a:t>11/26/2018</a:t>
             </a:fld>
             <a:endParaRPr lang="en-US"/>
           </a:p>
@@ -2796,7 +2796,7 @@
           <a:p>
             <a:fld id="{5EE630CB-3638-41B1-AFF1-A77D5CAA11B6}" type="datetimeFigureOut">
               <a:rPr lang="en-US" smtClean="0"/>
-              <a:t>11/25/2018</a:t>
+              <a:t>11/26/2018</a:t>
             </a:fld>
             <a:endParaRPr lang="en-US"/>
           </a:p>
@@ -2976,7 +2976,7 @@
           <a:p>
             <a:fld id="{5EE630CB-3638-41B1-AFF1-A77D5CAA11B6}" type="datetimeFigureOut">
               <a:rPr lang="en-US" smtClean="0"/>
-              <a:t>11/25/2018</a:t>
+              <a:t>11/26/2018</a:t>
             </a:fld>
             <a:endParaRPr lang="en-US"/>
           </a:p>
@@ -3146,7 +3146,7 @@
           <a:p>
             <a:fld id="{5EE630CB-3638-41B1-AFF1-A77D5CAA11B6}" type="datetimeFigureOut">
               <a:rPr lang="en-US" smtClean="0"/>
-              <a:t>11/25/2018</a:t>
+              <a:t>11/26/2018</a:t>
             </a:fld>
             <a:endParaRPr lang="en-US"/>
           </a:p>
@@ -3400,7 +3400,7 @@
           <a:p>
             <a:fld id="{5EE630CB-3638-41B1-AFF1-A77D5CAA11B6}" type="datetimeFigureOut">
               <a:rPr lang="en-US" smtClean="0"/>
-              <a:t>11/25/2018</a:t>
+              <a:t>11/26/2018</a:t>
             </a:fld>
             <a:endParaRPr lang="en-US"/>
           </a:p>
@@ -3726,7 +3726,7 @@
           <a:p>
             <a:fld id="{5EE630CB-3638-41B1-AFF1-A77D5CAA11B6}" type="datetimeFigureOut">
               <a:rPr lang="en-US" smtClean="0"/>
-              <a:t>11/25/2018</a:t>
+              <a:t>11/26/2018</a:t>
             </a:fld>
             <a:endParaRPr lang="en-US"/>
           </a:p>
@@ -4177,7 +4177,7 @@
           <a:p>
             <a:fld id="{5EE630CB-3638-41B1-AFF1-A77D5CAA11B6}" type="datetimeFigureOut">
               <a:rPr lang="en-US" smtClean="0"/>
-              <a:t>11/25/2018</a:t>
+              <a:t>11/26/2018</a:t>
             </a:fld>
             <a:endParaRPr lang="en-US"/>
           </a:p>
@@ -4295,7 +4295,7 @@
           <a:p>
             <a:fld id="{5EE630CB-3638-41B1-AFF1-A77D5CAA11B6}" type="datetimeFigureOut">
               <a:rPr lang="en-US" smtClean="0"/>
-              <a:t>11/25/2018</a:t>
+              <a:t>11/26/2018</a:t>
             </a:fld>
             <a:endParaRPr lang="en-US"/>
           </a:p>
@@ -4390,7 +4390,7 @@
           <a:p>
             <a:fld id="{5EE630CB-3638-41B1-AFF1-A77D5CAA11B6}" type="datetimeFigureOut">
               <a:rPr lang="en-US" smtClean="0"/>
-              <a:t>11/25/2018</a:t>
+              <a:t>11/26/2018</a:t>
             </a:fld>
             <a:endParaRPr lang="en-US"/>
           </a:p>
@@ -4677,7 +4677,7 @@
           <a:p>
             <a:fld id="{5EE630CB-3638-41B1-AFF1-A77D5CAA11B6}" type="datetimeFigureOut">
               <a:rPr lang="en-US" smtClean="0"/>
-              <a:t>11/25/2018</a:t>
+              <a:t>11/26/2018</a:t>
             </a:fld>
             <a:endParaRPr lang="en-US"/>
           </a:p>
@@ -4999,7 +4999,7 @@
           <a:p>
             <a:fld id="{5EE630CB-3638-41B1-AFF1-A77D5CAA11B6}" type="datetimeFigureOut">
               <a:rPr lang="en-US" smtClean="0"/>
-              <a:t>11/25/2018</a:t>
+              <a:t>11/26/2018</a:t>
             </a:fld>
             <a:endParaRPr lang="en-US"/>
           </a:p>
@@ -5253,7 +5253,7 @@
           <a:p>
             <a:fld id="{5EE630CB-3638-41B1-AFF1-A77D5CAA11B6}" type="datetimeFigureOut">
               <a:rPr lang="en-US" smtClean="0"/>
-              <a:t>11/25/2018</a:t>
+              <a:t>11/26/2018</a:t>
             </a:fld>
             <a:endParaRPr lang="en-US"/>
           </a:p>
@@ -5914,6 +5914,103 @@
           <a:p>
             <a:r>
               <a:rPr lang="en-US" dirty="0" smtClean="0"/>
+              <a:t>Write concern</a:t>
+            </a:r>
+            <a:endParaRPr lang="en-US" dirty="0"/>
+          </a:p>
+        </p:txBody>
+      </p:sp>
+      <p:pic>
+        <p:nvPicPr>
+          <p:cNvPr id="14" name="Picture 13"/>
+          <p:cNvPicPr>
+            <a:picLocks noChangeAspect="1"/>
+          </p:cNvPicPr>
+          <p:nvPr/>
+        </p:nvPicPr>
+        <p:blipFill>
+          <a:blip r:embed="rId3" cstate="print">
+            <a:extLst>
+              <a:ext uri="{28A0092B-C50C-407E-A947-70E740481C1C}">
+                <a14:useLocalDpi xmlns:a14="http://schemas.microsoft.com/office/drawing/2010/main" val="0"/>
+              </a:ext>
+            </a:extLst>
+          </a:blip>
+          <a:stretch>
+            <a:fillRect/>
+          </a:stretch>
+        </p:blipFill>
+        <p:spPr>
+          <a:xfrm>
+            <a:off x="3566922" y="1445746"/>
+            <a:ext cx="4968106" cy="5148113"/>
+          </a:xfrm>
+          <a:prstGeom prst="rect">
+            <a:avLst/>
+          </a:prstGeom>
+        </p:spPr>
+      </p:pic>
+    </p:spTree>
+    <p:extLst>
+      <p:ext uri="{BB962C8B-B14F-4D97-AF65-F5344CB8AC3E}">
+        <p14:creationId xmlns:p14="http://schemas.microsoft.com/office/powerpoint/2010/main" val="2616741219"/>
+      </p:ext>
+    </p:extLst>
+  </p:cSld>
+  <p:clrMapOvr>
+    <a:masterClrMapping/>
+  </p:clrMapOvr>
+  <p:timing>
+    <p:tnLst>
+      <p:par>
+        <p:cTn id="1" dur="indefinite" restart="never" nodeType="tmRoot"/>
+      </p:par>
+    </p:tnLst>
+  </p:timing>
+</p:sld>
+</file>
+
+<file path=ppt/slides/slide11.xml><?xml version="1.0" encoding="utf-8"?>
+<p:sld xmlns:a="http://schemas.openxmlformats.org/drawingml/2006/main" xmlns:r="http://schemas.openxmlformats.org/officeDocument/2006/relationships" xmlns:p="http://schemas.openxmlformats.org/presentationml/2006/main">
+  <p:cSld>
+    <p:spTree>
+      <p:nvGrpSpPr>
+        <p:cNvPr id="1" name=""/>
+        <p:cNvGrpSpPr/>
+        <p:nvPr/>
+      </p:nvGrpSpPr>
+      <p:grpSpPr>
+        <a:xfrm>
+          <a:off x="0" y="0"/>
+          <a:ext cx="0" cy="0"/>
+          <a:chOff x="0" y="0"/>
+          <a:chExt cx="0" cy="0"/>
+        </a:xfrm>
+      </p:grpSpPr>
+      <p:sp>
+        <p:nvSpPr>
+          <p:cNvPr id="2" name="Title 1"/>
+          <p:cNvSpPr>
+            <a:spLocks noGrp="1"/>
+          </p:cNvSpPr>
+          <p:nvPr>
+            <p:ph type="ctrTitle"/>
+          </p:nvPr>
+        </p:nvSpPr>
+        <p:spPr>
+          <a:xfrm>
+            <a:off x="1261872" y="383065"/>
+            <a:ext cx="9418320" cy="1062681"/>
+          </a:xfrm>
+        </p:spPr>
+        <p:txBody>
+          <a:bodyPr>
+            <a:normAutofit/>
+          </a:bodyPr>
+          <a:lstStyle/>
+          <a:p>
+            <a:r>
+              <a:rPr lang="en-US" dirty="0" smtClean="0"/>
               <a:t>Our considerations</a:t>
             </a:r>
             <a:endParaRPr lang="en-US" dirty="0"/>
@@ -6042,11 +6139,7 @@
           <a:p>
             <a:r>
               <a:rPr lang="en-US" sz="2400" dirty="0" smtClean="0"/>
-              <a:t>• MongoDB </a:t>
-            </a:r>
-            <a:r>
-              <a:rPr lang="en-US" sz="2400" dirty="0" smtClean="0"/>
-              <a:t>3.4, primary-secondary-arbiter (PSA), </a:t>
+              <a:t>• MongoDB 3.4, primary-secondary-arbiter (PSA), </a:t>
             </a:r>
             <a:r>
               <a:rPr lang="en-US" sz="2400" dirty="0">
@@ -6373,7 +6466,7 @@
 </p:sld>
 </file>
 
-<file path=ppt/slides/slide11.xml><?xml version="1.0" encoding="utf-8"?>
+<file path=ppt/slides/slide12.xml><?xml version="1.0" encoding="utf-8"?>
 <p:sld xmlns:a="http://schemas.openxmlformats.org/drawingml/2006/main" xmlns:r="http://schemas.openxmlformats.org/officeDocument/2006/relationships" xmlns:p="http://schemas.openxmlformats.org/presentationml/2006/main">
   <p:cSld>
     <p:spTree>
@@ -6400,60 +6493,46 @@
             <p:ph type="ctrTitle"/>
           </p:nvPr>
         </p:nvSpPr>
-        <p:spPr>
-          <a:xfrm>
-            <a:off x="1261872" y="383065"/>
-            <a:ext cx="9418320" cy="1062681"/>
-          </a:xfrm>
-        </p:spPr>
-        <p:txBody>
-          <a:bodyPr>
-            <a:normAutofit/>
-          </a:bodyPr>
-          <a:lstStyle/>
-          <a:p>
+        <p:spPr/>
+        <p:txBody>
+          <a:bodyPr/>
+          <a:lstStyle/>
+          <a:p>
+            <a:r>
+              <a:rPr lang="en-US" dirty="0" err="1" smtClean="0"/>
+              <a:t>Oplog</a:t>
+            </a:r>
             <a:r>
               <a:rPr lang="en-US" dirty="0" smtClean="0"/>
-              <a:t>Write concern</a:t>
+              <a:t> internals</a:t>
             </a:r>
             <a:endParaRPr lang="en-US" dirty="0"/>
           </a:p>
         </p:txBody>
       </p:sp>
-      <p:pic>
-        <p:nvPicPr>
-          <p:cNvPr id="14" name="Picture 13"/>
-          <p:cNvPicPr>
-            <a:picLocks noChangeAspect="1"/>
-          </p:cNvPicPr>
-          <p:nvPr/>
-        </p:nvPicPr>
-        <p:blipFill>
-          <a:blip r:embed="rId3" cstate="print">
-            <a:extLst>
-              <a:ext uri="{28A0092B-C50C-407E-A947-70E740481C1C}">
-                <a14:useLocalDpi xmlns:a14="http://schemas.microsoft.com/office/drawing/2010/main" val="0"/>
-              </a:ext>
-            </a:extLst>
-          </a:blip>
-          <a:stretch>
-            <a:fillRect/>
-          </a:stretch>
-        </p:blipFill>
-        <p:spPr>
-          <a:xfrm>
-            <a:off x="3566922" y="1445746"/>
-            <a:ext cx="4968106" cy="5148113"/>
-          </a:xfrm>
-          <a:prstGeom prst="rect">
-            <a:avLst/>
-          </a:prstGeom>
-        </p:spPr>
-      </p:pic>
+      <p:sp>
+        <p:nvSpPr>
+          <p:cNvPr id="3" name="Subtitle 2"/>
+          <p:cNvSpPr>
+            <a:spLocks noGrp="1"/>
+          </p:cNvSpPr>
+          <p:nvPr>
+            <p:ph type="subTitle" idx="1"/>
+          </p:nvPr>
+        </p:nvSpPr>
+        <p:spPr/>
+        <p:txBody>
+          <a:bodyPr/>
+          <a:lstStyle/>
+          <a:p>
+            <a:endParaRPr lang="en-US"/>
+          </a:p>
+        </p:txBody>
+      </p:sp>
     </p:spTree>
     <p:extLst>
       <p:ext uri="{BB962C8B-B14F-4D97-AF65-F5344CB8AC3E}">
-        <p14:creationId xmlns:p14="http://schemas.microsoft.com/office/powerpoint/2010/main" val="2616741219"/>
+        <p14:creationId xmlns:p14="http://schemas.microsoft.com/office/powerpoint/2010/main" val="3053173680"/>
       </p:ext>
     </p:extLst>
   </p:cSld>
@@ -6470,7 +6549,7 @@
 </p:sld>
 </file>
 
-<file path=ppt/slides/slide12.xml><?xml version="1.0" encoding="utf-8"?>
+<file path=ppt/slides/slide13.xml><?xml version="1.0" encoding="utf-8"?>
 <p:sld xmlns:a="http://schemas.openxmlformats.org/drawingml/2006/main" xmlns:r="http://schemas.openxmlformats.org/officeDocument/2006/relationships" xmlns:p="http://schemas.openxmlformats.org/presentationml/2006/main">
   <p:cSld>
     <p:spTree>
@@ -7305,7 +7384,7 @@
 </p:sld>
 </file>
 
-<file path=ppt/slides/slide13.xml><?xml version="1.0" encoding="utf-8"?>
+<file path=ppt/slides/slide14.xml><?xml version="1.0" encoding="utf-8"?>
 <p:sld xmlns:a="http://schemas.openxmlformats.org/drawingml/2006/main" xmlns:r="http://schemas.openxmlformats.org/officeDocument/2006/relationships" xmlns:p="http://schemas.openxmlformats.org/presentationml/2006/main">
   <p:cSld>
     <p:spTree>
@@ -8229,7 +8308,7 @@
 </p:sld>
 </file>
 
-<file path=ppt/slides/slide14.xml><?xml version="1.0" encoding="utf-8"?>
+<file path=ppt/slides/slide15.xml><?xml version="1.0" encoding="utf-8"?>
 <p:sld xmlns:a="http://schemas.openxmlformats.org/drawingml/2006/main" xmlns:r="http://schemas.openxmlformats.org/officeDocument/2006/relationships" xmlns:p="http://schemas.openxmlformats.org/presentationml/2006/main">
   <p:cSld>
     <p:spTree>
@@ -8349,7 +8428,7 @@
 </p:sld>
 </file>
 
-<file path=ppt/slides/slide15.xml><?xml version="1.0" encoding="utf-8"?>
+<file path=ppt/slides/slide16.xml><?xml version="1.0" encoding="utf-8"?>
 <p:sld xmlns:a="http://schemas.openxmlformats.org/drawingml/2006/main" xmlns:r="http://schemas.openxmlformats.org/officeDocument/2006/relationships" xmlns:p="http://schemas.openxmlformats.org/presentationml/2006/main">
   <p:cSld>
     <p:spTree>
@@ -8469,7 +8548,7 @@
 </p:sld>
 </file>
 
-<file path=ppt/slides/slide16.xml><?xml version="1.0" encoding="utf-8"?>
+<file path=ppt/slides/slide17.xml><?xml version="1.0" encoding="utf-8"?>
 <p:sld xmlns:a="http://schemas.openxmlformats.org/drawingml/2006/main" xmlns:r="http://schemas.openxmlformats.org/officeDocument/2006/relationships" xmlns:p="http://schemas.openxmlformats.org/presentationml/2006/main">
   <p:cSld>
     <p:spTree>
@@ -9172,114 +9251,6 @@
 </p:sld>
 </file>
 
-<file path=ppt/slides/slide17.xml><?xml version="1.0" encoding="utf-8"?>
-<p:sld xmlns:a="http://schemas.openxmlformats.org/drawingml/2006/main" xmlns:r="http://schemas.openxmlformats.org/officeDocument/2006/relationships" xmlns:p="http://schemas.openxmlformats.org/presentationml/2006/main">
-  <p:cSld>
-    <p:spTree>
-      <p:nvGrpSpPr>
-        <p:cNvPr id="1" name=""/>
-        <p:cNvGrpSpPr/>
-        <p:nvPr/>
-      </p:nvGrpSpPr>
-      <p:grpSpPr>
-        <a:xfrm>
-          <a:off x="0" y="0"/>
-          <a:ext cx="0" cy="0"/>
-          <a:chOff x="0" y="0"/>
-          <a:chExt cx="0" cy="0"/>
-        </a:xfrm>
-      </p:grpSpPr>
-      <p:sp>
-        <p:nvSpPr>
-          <p:cNvPr id="2" name="Title 1"/>
-          <p:cNvSpPr>
-            <a:spLocks noGrp="1"/>
-          </p:cNvSpPr>
-          <p:nvPr>
-            <p:ph type="ctrTitle"/>
-          </p:nvPr>
-        </p:nvSpPr>
-        <p:spPr/>
-        <p:txBody>
-          <a:bodyPr>
-            <a:normAutofit fontScale="90000"/>
-          </a:bodyPr>
-          <a:lstStyle/>
-          <a:p>
-            <a:r>
-              <a:rPr lang="en-US" dirty="0" smtClean="0">
-                <a:solidFill>
-                  <a:srgbClr val="FFFF00"/>
-                </a:solidFill>
-              </a:rPr>
-              <a:t>Takeaway:</a:t>
-            </a:r>
-            <a:br>
-              <a:rPr lang="en-US" dirty="0" smtClean="0">
-                <a:solidFill>
-                  <a:srgbClr val="FFFF00"/>
-                </a:solidFill>
-              </a:rPr>
-            </a:br>
-            <a:r>
-              <a:rPr lang="en-US" dirty="0" smtClean="0"/>
-              <a:t>for MongoDB 4.0 replica set with 3+ data-bearing nodes use </a:t>
-            </a:r>
-            <a:r>
-              <a:rPr lang="en-US" dirty="0" smtClean="0">
-                <a:solidFill>
-                  <a:srgbClr val="92D050"/>
-                </a:solidFill>
-              </a:rPr>
-              <a:t>Change Streams</a:t>
-            </a:r>
-            <a:endParaRPr lang="en-US" dirty="0">
-              <a:solidFill>
-                <a:srgbClr val="92D050"/>
-              </a:solidFill>
-            </a:endParaRPr>
-          </a:p>
-        </p:txBody>
-      </p:sp>
-      <p:sp>
-        <p:nvSpPr>
-          <p:cNvPr id="3" name="Subtitle 2"/>
-          <p:cNvSpPr>
-            <a:spLocks noGrp="1"/>
-          </p:cNvSpPr>
-          <p:nvPr>
-            <p:ph type="subTitle" idx="1"/>
-          </p:nvPr>
-        </p:nvSpPr>
-        <p:spPr/>
-        <p:txBody>
-          <a:bodyPr/>
-          <a:lstStyle/>
-          <a:p>
-            <a:endParaRPr lang="en-US" dirty="0"/>
-          </a:p>
-        </p:txBody>
-      </p:sp>
-    </p:spTree>
-    <p:extLst>
-      <p:ext uri="{BB962C8B-B14F-4D97-AF65-F5344CB8AC3E}">
-        <p14:creationId xmlns:p14="http://schemas.microsoft.com/office/powerpoint/2010/main" val="345151891"/>
-      </p:ext>
-    </p:extLst>
-  </p:cSld>
-  <p:clrMapOvr>
-    <a:masterClrMapping/>
-  </p:clrMapOvr>
-  <p:timing>
-    <p:tnLst>
-      <p:par>
-        <p:cTn id="1" dur="indefinite" restart="never" nodeType="tmRoot"/>
-      </p:par>
-    </p:tnLst>
-  </p:timing>
-</p:sld>
-</file>
-
 <file path=ppt/slides/slide18.xml><?xml version="1.0" encoding="utf-8"?>
 <p:sld xmlns:a="http://schemas.openxmlformats.org/drawingml/2006/main" xmlns:r="http://schemas.openxmlformats.org/officeDocument/2006/relationships" xmlns:p="http://schemas.openxmlformats.org/presentationml/2006/main">
   <p:cSld>
@@ -9309,18 +9280,43 @@
         </p:nvSpPr>
         <p:spPr/>
         <p:txBody>
-          <a:bodyPr/>
-          <a:lstStyle/>
-          <a:p>
-            <a:r>
-              <a:rPr lang="en-US" dirty="0" err="1" smtClean="0"/>
-              <a:t>Oplog</a:t>
-            </a:r>
+          <a:bodyPr>
+            <a:normAutofit fontScale="90000"/>
+          </a:bodyPr>
+          <a:lstStyle/>
+          <a:p>
+            <a:r>
+              <a:rPr lang="en-US" dirty="0" smtClean="0">
+                <a:solidFill>
+                  <a:srgbClr val="FFFF00"/>
+                </a:solidFill>
+              </a:rPr>
+              <a:t>Takeaway:</a:t>
+            </a:r>
+            <a:br>
+              <a:rPr lang="en-US" dirty="0" smtClean="0">
+                <a:solidFill>
+                  <a:srgbClr val="FFFF00"/>
+                </a:solidFill>
+              </a:rPr>
+            </a:br>
             <a:r>
               <a:rPr lang="en-US" dirty="0" smtClean="0"/>
-              <a:t> internals</a:t>
-            </a:r>
-            <a:endParaRPr lang="en-US" dirty="0"/>
+              <a:t>for MongoDB 4.0 replica set with 3+ data-bearing nodes use </a:t>
+            </a:r>
+            <a:r>
+              <a:rPr lang="en-US" dirty="0" smtClean="0">
+                <a:solidFill>
+                  <a:srgbClr val="92D050"/>
+                </a:solidFill>
+              </a:rPr>
+              <a:t>Change Streams</a:t>
+            </a:r>
+            <a:endParaRPr lang="en-US" dirty="0">
+              <a:solidFill>
+                <a:srgbClr val="92D050"/>
+              </a:solidFill>
+            </a:endParaRPr>
           </a:p>
         </p:txBody>
       </p:sp>
@@ -9339,14 +9335,14 @@
           <a:bodyPr/>
           <a:lstStyle/>
           <a:p>
-            <a:endParaRPr lang="en-US"/>
+            <a:endParaRPr lang="en-US" dirty="0"/>
           </a:p>
         </p:txBody>
       </p:sp>
     </p:spTree>
     <p:extLst>
       <p:ext uri="{BB962C8B-B14F-4D97-AF65-F5344CB8AC3E}">
-        <p14:creationId xmlns:p14="http://schemas.microsoft.com/office/powerpoint/2010/main" val="3053173680"/>
+        <p14:creationId xmlns:p14="http://schemas.microsoft.com/office/powerpoint/2010/main" val="345151891"/>
       </p:ext>
     </p:extLst>
   </p:cSld>

--- a/t18-event-mongodb.pptx
+++ b/t18-event-mongodb.pptx
@@ -5,27 +5,28 @@
     <p:sldMasterId id="2147483756" r:id="rId1"/>
   </p:sldMasterIdLst>
   <p:notesMasterIdLst>
-    <p:notesMasterId r:id="rId20"/>
+    <p:notesMasterId r:id="rId21"/>
   </p:notesMasterIdLst>
   <p:sldIdLst>
     <p:sldId id="258" r:id="rId2"/>
-    <p:sldId id="260" r:id="rId3"/>
-    <p:sldId id="259" r:id="rId4"/>
-    <p:sldId id="261" r:id="rId5"/>
-    <p:sldId id="262" r:id="rId6"/>
-    <p:sldId id="264" r:id="rId7"/>
-    <p:sldId id="263" r:id="rId8"/>
-    <p:sldId id="265" r:id="rId9"/>
-    <p:sldId id="266" r:id="rId10"/>
-    <p:sldId id="275" r:id="rId11"/>
-    <p:sldId id="267" r:id="rId12"/>
-    <p:sldId id="273" r:id="rId13"/>
+    <p:sldId id="276" r:id="rId3"/>
+    <p:sldId id="260" r:id="rId4"/>
+    <p:sldId id="259" r:id="rId5"/>
+    <p:sldId id="261" r:id="rId6"/>
+    <p:sldId id="262" r:id="rId7"/>
+    <p:sldId id="264" r:id="rId8"/>
+    <p:sldId id="263" r:id="rId9"/>
+    <p:sldId id="265" r:id="rId10"/>
+    <p:sldId id="266" r:id="rId11"/>
+    <p:sldId id="275" r:id="rId12"/>
+    <p:sldId id="267" r:id="rId13"/>
     <p:sldId id="268" r:id="rId14"/>
     <p:sldId id="269" r:id="rId15"/>
     <p:sldId id="270" r:id="rId16"/>
     <p:sldId id="271" r:id="rId17"/>
     <p:sldId id="272" r:id="rId18"/>
     <p:sldId id="274" r:id="rId19"/>
+    <p:sldId id="273" r:id="rId20"/>
   </p:sldIdLst>
   <p:sldSz cx="12192000" cy="6858000"/>
   <p:notesSz cx="6858000" cy="9144000"/>
@@ -214,7 +215,7 @@
           <a:p>
             <a:fld id="{DBCC800D-31EB-4931-99D3-EDB5CCBB0CE8}" type="datetimeFigureOut">
               <a:rPr lang="en-US" smtClean="0"/>
-              <a:t>11/26/2018</a:t>
+              <a:t>11/29/2018</a:t>
             </a:fld>
             <a:endParaRPr lang="en-US"/>
           </a:p>
@@ -690,6 +691,36 @@
           <a:bodyPr/>
           <a:lstStyle/>
           <a:p>
+            <a:r>
+              <a:rPr lang="en-US" dirty="0" smtClean="0"/>
+              <a:t>Work with most No-SQL</a:t>
+            </a:r>
+          </a:p>
+          <a:p>
+            <a:endParaRPr lang="en-US" dirty="0" smtClean="0"/>
+          </a:p>
+          <a:p>
+            <a:r>
+              <a:rPr lang="en-US" dirty="0" smtClean="0"/>
+              <a:t>No explicit event publishing</a:t>
+            </a:r>
+            <a:r>
+              <a:rPr lang="en-US" baseline="0" dirty="0" smtClean="0"/>
+              <a:t> in the app code</a:t>
+            </a:r>
+          </a:p>
+          <a:p>
+            <a:endParaRPr lang="en-US" baseline="0" dirty="0" smtClean="0"/>
+          </a:p>
+          <a:p>
+            <a:r>
+              <a:rPr lang="en-US" dirty="0" smtClean="0"/>
+              <a:t>Can</a:t>
+            </a:r>
+            <a:r>
+              <a:rPr lang="en-US" baseline="0" dirty="0" smtClean="0"/>
+              <a:t> be hard to revers-engineer the event</a:t>
+            </a:r>
             <a:endParaRPr lang="en-US" dirty="0"/>
           </a:p>
         </p:txBody>
@@ -720,7 +751,7 @@
     </p:spTree>
     <p:extLst>
       <p:ext uri="{BB962C8B-B14F-4D97-AF65-F5344CB8AC3E}">
-        <p14:creationId xmlns:p14="http://schemas.microsoft.com/office/powerpoint/2010/main" val="67010511"/>
+        <p14:creationId xmlns:p14="http://schemas.microsoft.com/office/powerpoint/2010/main" val="1763315828"/>
       </p:ext>
     </p:extLst>
   </p:cSld>
@@ -804,7 +835,7 @@
     </p:spTree>
     <p:extLst>
       <p:ext uri="{BB962C8B-B14F-4D97-AF65-F5344CB8AC3E}">
-        <p14:creationId xmlns:p14="http://schemas.microsoft.com/office/powerpoint/2010/main" val="1127299053"/>
+        <p14:creationId xmlns:p14="http://schemas.microsoft.com/office/powerpoint/2010/main" val="67010511"/>
       </p:ext>
     </p:extLst>
   </p:cSld>
@@ -858,24 +889,6 @@
           <a:bodyPr/>
           <a:lstStyle/>
           <a:p>
-            <a:r>
-              <a:rPr lang="en-US" dirty="0" smtClean="0"/>
-              <a:t>Capped collection</a:t>
-            </a:r>
-          </a:p>
-          <a:p>
-            <a:r>
-              <a:rPr lang="ru-RU" dirty="0" smtClean="0"/>
-              <a:t>50</a:t>
-            </a:r>
-            <a:r>
-              <a:rPr lang="ru-RU" baseline="0" dirty="0" smtClean="0"/>
-              <a:t> </a:t>
-            </a:r>
-            <a:r>
-              <a:rPr lang="en-US" baseline="0" dirty="0" smtClean="0"/>
-              <a:t>GB size limit</a:t>
-            </a:r>
             <a:endParaRPr lang="en-US" dirty="0"/>
           </a:p>
         </p:txBody>
@@ -906,7 +919,7 @@
     </p:spTree>
     <p:extLst>
       <p:ext uri="{BB962C8B-B14F-4D97-AF65-F5344CB8AC3E}">
-        <p14:creationId xmlns:p14="http://schemas.microsoft.com/office/powerpoint/2010/main" val="1263657375"/>
+        <p14:creationId xmlns:p14="http://schemas.microsoft.com/office/powerpoint/2010/main" val="1127299053"/>
       </p:ext>
     </p:extLst>
   </p:cSld>
@@ -1476,6 +1489,108 @@
 </p:notes>
 </file>
 
+<file path=ppt/notesSlides/notesSlide19.xml><?xml version="1.0" encoding="utf-8"?>
+<p:notes xmlns:a="http://schemas.openxmlformats.org/drawingml/2006/main" xmlns:r="http://schemas.openxmlformats.org/officeDocument/2006/relationships" xmlns:p="http://schemas.openxmlformats.org/presentationml/2006/main">
+  <p:cSld>
+    <p:spTree>
+      <p:nvGrpSpPr>
+        <p:cNvPr id="1" name=""/>
+        <p:cNvGrpSpPr/>
+        <p:nvPr/>
+      </p:nvGrpSpPr>
+      <p:grpSpPr>
+        <a:xfrm>
+          <a:off x="0" y="0"/>
+          <a:ext cx="0" cy="0"/>
+          <a:chOff x="0" y="0"/>
+          <a:chExt cx="0" cy="0"/>
+        </a:xfrm>
+      </p:grpSpPr>
+      <p:sp>
+        <p:nvSpPr>
+          <p:cNvPr id="2" name="Slide Image Placeholder 1"/>
+          <p:cNvSpPr>
+            <a:spLocks noGrp="1" noRot="1" noChangeAspect="1"/>
+          </p:cNvSpPr>
+          <p:nvPr>
+            <p:ph type="sldImg"/>
+          </p:nvPr>
+        </p:nvSpPr>
+        <p:spPr/>
+      </p:sp>
+      <p:sp>
+        <p:nvSpPr>
+          <p:cNvPr id="3" name="Notes Placeholder 2"/>
+          <p:cNvSpPr>
+            <a:spLocks noGrp="1"/>
+          </p:cNvSpPr>
+          <p:nvPr>
+            <p:ph type="body" idx="1"/>
+          </p:nvPr>
+        </p:nvSpPr>
+        <p:spPr/>
+        <p:txBody>
+          <a:bodyPr/>
+          <a:lstStyle/>
+          <a:p>
+            <a:r>
+              <a:rPr lang="en-US" dirty="0" smtClean="0"/>
+              <a:t>Capped collection</a:t>
+            </a:r>
+          </a:p>
+          <a:p>
+            <a:r>
+              <a:rPr lang="ru-RU" dirty="0" smtClean="0"/>
+              <a:t>50</a:t>
+            </a:r>
+            <a:r>
+              <a:rPr lang="ru-RU" baseline="0" dirty="0" smtClean="0"/>
+              <a:t> </a:t>
+            </a:r>
+            <a:r>
+              <a:rPr lang="en-US" baseline="0" dirty="0" smtClean="0"/>
+              <a:t>GB size limit</a:t>
+            </a:r>
+            <a:endParaRPr lang="en-US" dirty="0"/>
+          </a:p>
+        </p:txBody>
+      </p:sp>
+      <p:sp>
+        <p:nvSpPr>
+          <p:cNvPr id="4" name="Slide Number Placeholder 3"/>
+          <p:cNvSpPr>
+            <a:spLocks noGrp="1"/>
+          </p:cNvSpPr>
+          <p:nvPr>
+            <p:ph type="sldNum" sz="quarter" idx="10"/>
+          </p:nvPr>
+        </p:nvSpPr>
+        <p:spPr/>
+        <p:txBody>
+          <a:bodyPr/>
+          <a:lstStyle/>
+          <a:p>
+            <a:fld id="{40EA4F9F-6CEF-4B9D-BEB3-40FCF0DF71AE}" type="slidenum">
+              <a:rPr lang="en-US" smtClean="0"/>
+              <a:t>19</a:t>
+            </a:fld>
+            <a:endParaRPr lang="en-US"/>
+          </a:p>
+        </p:txBody>
+      </p:sp>
+    </p:spTree>
+    <p:extLst>
+      <p:ext uri="{BB962C8B-B14F-4D97-AF65-F5344CB8AC3E}">
+        <p14:creationId xmlns:p14="http://schemas.microsoft.com/office/powerpoint/2010/main" val="1263657375"/>
+      </p:ext>
+    </p:extLst>
+  </p:cSld>
+  <p:clrMapOvr>
+    <a:masterClrMapping/>
+  </p:clrMapOvr>
+</p:notes>
+</file>
+
 <file path=ppt/notesSlides/notesSlide2.xml><?xml version="1.0" encoding="utf-8"?>
 <p:notes xmlns:a="http://schemas.openxmlformats.org/drawingml/2006/main" xmlns:r="http://schemas.openxmlformats.org/officeDocument/2006/relationships" xmlns:p="http://schemas.openxmlformats.org/presentationml/2006/main">
   <p:cSld>
@@ -1520,6 +1635,42 @@
           <a:bodyPr/>
           <a:lstStyle/>
           <a:p>
+            <a:r>
+              <a:rPr lang="en-US" sz="1200" dirty="0" smtClean="0"/>
+              <a:t>Greetings</a:t>
+            </a:r>
+          </a:p>
+          <a:p>
+            <a:endParaRPr lang="en-US" dirty="0" smtClean="0"/>
+          </a:p>
+          <a:p>
+            <a:r>
+              <a:rPr lang="en-US" baseline="0" dirty="0" smtClean="0"/>
+              <a:t>Talk intro:</a:t>
+            </a:r>
+          </a:p>
+          <a:p>
+            <a:r>
+              <a:rPr lang="en-US" baseline="0" dirty="0" smtClean="0"/>
+              <a:t>    - Event-Driven systems and challenges</a:t>
+            </a:r>
+          </a:p>
+          <a:p>
+            <a:r>
+              <a:rPr lang="en-US" baseline="0" dirty="0" smtClean="0"/>
+              <a:t>    - MongoDB replication internals</a:t>
+            </a:r>
+          </a:p>
+          <a:p>
+            <a:r>
+              <a:rPr lang="en-US" baseline="0" dirty="0" smtClean="0"/>
+              <a:t>    - Reference implementation with MongoDB and C#</a:t>
+            </a:r>
+          </a:p>
+          <a:p>
+            <a:endParaRPr lang="en-US" baseline="0" dirty="0" smtClean="0"/>
+          </a:p>
+          <a:p>
             <a:pPr marL="0" marR="0" lvl="0" indent="0" algn="l" defTabSz="914400" rtl="0" eaLnBrk="1" fontAlgn="auto" latinLnBrk="0" hangingPunct="1">
               <a:lnSpc>
                 <a:spcPct val="100000"/>
@@ -1538,98 +1689,32 @@
               <a:defRPr/>
             </a:pPr>
             <a:r>
+              <a:rPr lang="en-US" dirty="0" smtClean="0"/>
+              <a:t>Andrii Litvinov</a:t>
+            </a:r>
+            <a:r>
               <a:rPr lang="en-US" baseline="0" dirty="0" smtClean="0"/>
-              <a:t>Large codebase</a:t>
-            </a:r>
-          </a:p>
-          <a:p>
-            <a:pPr marL="0" marR="0" lvl="0" indent="0" algn="l" defTabSz="914400" rtl="0" eaLnBrk="1" fontAlgn="auto" latinLnBrk="0" hangingPunct="1">
-              <a:lnSpc>
-                <a:spcPct val="100000"/>
-              </a:lnSpc>
-              <a:spcBef>
-                <a:spcPts val="0"/>
-              </a:spcBef>
-              <a:spcAft>
-                <a:spcPts val="0"/>
-              </a:spcAft>
-              <a:buClrTx/>
-              <a:buSzTx/>
-              <a:buFontTx/>
-              <a:buNone/>
-              <a:tabLst/>
-              <a:defRPr/>
-            </a:pPr>
-            <a:endParaRPr lang="en-US" baseline="0" dirty="0" smtClean="0"/>
-          </a:p>
-          <a:p>
-            <a:pPr marL="0" marR="0" lvl="0" indent="0" algn="l" defTabSz="914400" rtl="0" eaLnBrk="1" fontAlgn="auto" latinLnBrk="0" hangingPunct="1">
-              <a:lnSpc>
-                <a:spcPct val="100000"/>
-              </a:lnSpc>
-              <a:spcBef>
-                <a:spcPts val="0"/>
-              </a:spcBef>
-              <a:spcAft>
-                <a:spcPts val="0"/>
-              </a:spcAft>
-              <a:buClrTx/>
-              <a:buSzTx/>
-              <a:buFontTx/>
-              <a:buNone/>
-              <a:tabLst/>
-              <a:defRPr/>
-            </a:pPr>
-            <a:r>
-              <a:rPr lang="en-US" baseline="0" dirty="0" err="1" smtClean="0"/>
-              <a:t>Async</a:t>
+              <a:t>, p</a:t>
+            </a:r>
+            <a:r>
+              <a:rPr lang="en-US" dirty="0" smtClean="0"/>
+              <a:t>latform engineer</a:t>
             </a:r>
             <a:r>
               <a:rPr lang="en-US" baseline="0" dirty="0" smtClean="0"/>
-              <a:t> request processing</a:t>
-            </a:r>
-          </a:p>
-          <a:p>
-            <a:pPr marL="0" marR="0" lvl="0" indent="0" algn="l" defTabSz="914400" rtl="0" eaLnBrk="1" fontAlgn="auto" latinLnBrk="0" hangingPunct="1">
-              <a:lnSpc>
-                <a:spcPct val="100000"/>
-              </a:lnSpc>
-              <a:spcBef>
-                <a:spcPts val="0"/>
-              </a:spcBef>
-              <a:spcAft>
-                <a:spcPts val="0"/>
-              </a:spcAft>
-              <a:buClrTx/>
-              <a:buSzTx/>
-              <a:buFontTx/>
-              <a:buNone/>
-              <a:tabLst/>
-              <a:defRPr/>
-            </a:pPr>
-            <a:endParaRPr lang="en-US" baseline="0" dirty="0" smtClean="0"/>
-          </a:p>
-          <a:p>
-            <a:pPr marL="0" marR="0" lvl="0" indent="0" algn="l" defTabSz="914400" rtl="0" eaLnBrk="1" fontAlgn="auto" latinLnBrk="0" hangingPunct="1">
-              <a:lnSpc>
-                <a:spcPct val="100000"/>
-              </a:lnSpc>
-              <a:spcBef>
-                <a:spcPts val="0"/>
-              </a:spcBef>
-              <a:spcAft>
-                <a:spcPts val="0"/>
-              </a:spcAft>
-              <a:buClrTx/>
-              <a:buSzTx/>
-              <a:buFontTx/>
-              <a:buNone/>
-              <a:tabLst/>
-              <a:defRPr/>
-            </a:pPr>
+              <a:t> in company </a:t>
+            </a:r>
+            <a:r>
+              <a:rPr lang="en-US" baseline="0" smtClean="0"/>
+              <a:t>that creates </a:t>
+            </a:r>
+            <a:r>
+              <a:rPr lang="en-US" dirty="0" smtClean="0"/>
+              <a:t>analytics of sport events based</a:t>
+            </a:r>
             <a:r>
               <a:rPr lang="en-US" baseline="0" dirty="0" smtClean="0"/>
-              <a:t>Keep data in-sync between systems</a:t>
+              <a:t> on videos.</a:t>
             </a:r>
           </a:p>
         </p:txBody>
@@ -1660,7 +1745,7 @@
     </p:spTree>
     <p:extLst>
       <p:ext uri="{BB962C8B-B14F-4D97-AF65-F5344CB8AC3E}">
-        <p14:creationId xmlns:p14="http://schemas.microsoft.com/office/powerpoint/2010/main" val="1766753281"/>
+        <p14:creationId xmlns:p14="http://schemas.microsoft.com/office/powerpoint/2010/main" val="4248885569"/>
       </p:ext>
     </p:extLst>
   </p:cSld>
@@ -1714,15 +1799,117 @@
           <a:bodyPr/>
           <a:lstStyle/>
           <a:p>
-            <a:r>
-              <a:rPr lang="en-US" dirty="0" smtClean="0"/>
-              <a:t>Multiple</a:t>
-            </a:r>
+            <a:pPr marL="0" marR="0" lvl="0" indent="0" algn="l" defTabSz="914400" rtl="0" eaLnBrk="1" fontAlgn="auto" latinLnBrk="0" hangingPunct="1">
+              <a:lnSpc>
+                <a:spcPct val="100000"/>
+              </a:lnSpc>
+              <a:spcBef>
+                <a:spcPts val="0"/>
+              </a:spcBef>
+              <a:spcAft>
+                <a:spcPts val="0"/>
+              </a:spcAft>
+              <a:buClrTx/>
+              <a:buSzTx/>
+              <a:buFontTx/>
+              <a:buNone/>
+              <a:tabLst/>
+              <a:defRPr/>
+            </a:pPr>
             <a:r>
               <a:rPr lang="en-US" baseline="0" dirty="0" smtClean="0"/>
-              <a:t> components involved in business transaction</a:t>
-            </a:r>
-            <a:endParaRPr lang="en-US" dirty="0"/>
+              <a:t>Large codebase</a:t>
+            </a:r>
+          </a:p>
+          <a:p>
+            <a:pPr marL="0" marR="0" lvl="0" indent="0" algn="l" defTabSz="914400" rtl="0" eaLnBrk="1" fontAlgn="auto" latinLnBrk="0" hangingPunct="1">
+              <a:lnSpc>
+                <a:spcPct val="100000"/>
+              </a:lnSpc>
+              <a:spcBef>
+                <a:spcPts val="0"/>
+              </a:spcBef>
+              <a:spcAft>
+                <a:spcPts val="0"/>
+              </a:spcAft>
+              <a:buClrTx/>
+              <a:buSzTx/>
+              <a:buFontTx/>
+              <a:buNone/>
+              <a:tabLst/>
+              <a:defRPr/>
+            </a:pPr>
+            <a:endParaRPr lang="en-US" baseline="0" dirty="0" smtClean="0"/>
+          </a:p>
+          <a:p>
+            <a:pPr marL="0" marR="0" lvl="0" indent="0" algn="l" defTabSz="914400" rtl="0" eaLnBrk="1" fontAlgn="auto" latinLnBrk="0" hangingPunct="1">
+              <a:lnSpc>
+                <a:spcPct val="100000"/>
+              </a:lnSpc>
+              <a:spcBef>
+                <a:spcPts val="0"/>
+              </a:spcBef>
+              <a:spcAft>
+                <a:spcPts val="0"/>
+              </a:spcAft>
+              <a:buClrTx/>
+              <a:buSzTx/>
+              <a:buFontTx/>
+              <a:buNone/>
+              <a:tabLst/>
+              <a:defRPr/>
+            </a:pPr>
+            <a:r>
+              <a:rPr lang="en-US" baseline="0" dirty="0" err="1" smtClean="0"/>
+              <a:t>Async</a:t>
+            </a:r>
+            <a:r>
+              <a:rPr lang="en-US" baseline="0" dirty="0" smtClean="0"/>
+              <a:t> request processing</a:t>
+            </a:r>
+          </a:p>
+          <a:p>
+            <a:pPr marL="0" marR="0" lvl="0" indent="0" algn="l" defTabSz="914400" rtl="0" eaLnBrk="1" fontAlgn="auto" latinLnBrk="0" hangingPunct="1">
+              <a:lnSpc>
+                <a:spcPct val="100000"/>
+              </a:lnSpc>
+              <a:spcBef>
+                <a:spcPts val="0"/>
+              </a:spcBef>
+              <a:spcAft>
+                <a:spcPts val="0"/>
+              </a:spcAft>
+              <a:buClrTx/>
+              <a:buSzTx/>
+              <a:buFontTx/>
+              <a:buNone/>
+              <a:tabLst/>
+              <a:defRPr/>
+            </a:pPr>
+            <a:endParaRPr lang="en-US" baseline="0" dirty="0" smtClean="0"/>
+          </a:p>
+          <a:p>
+            <a:pPr marL="0" marR="0" lvl="0" indent="0" algn="l" defTabSz="914400" rtl="0" eaLnBrk="1" fontAlgn="auto" latinLnBrk="0" hangingPunct="1">
+              <a:lnSpc>
+                <a:spcPct val="100000"/>
+              </a:lnSpc>
+              <a:spcBef>
+                <a:spcPts val="0"/>
+              </a:spcBef>
+              <a:spcAft>
+                <a:spcPts val="0"/>
+              </a:spcAft>
+              <a:buClrTx/>
+              <a:buSzTx/>
+              <a:buFontTx/>
+              <a:buNone/>
+              <a:tabLst/>
+              <a:defRPr/>
+            </a:pPr>
+            <a:r>
+              <a:rPr lang="en-US" baseline="0" dirty="0" smtClean="0"/>
+              <a:t>Keep data in-sync between systems</a:t>
+            </a:r>
           </a:p>
         </p:txBody>
       </p:sp>
@@ -1752,7 +1939,7 @@
     </p:spTree>
     <p:extLst>
       <p:ext uri="{BB962C8B-B14F-4D97-AF65-F5344CB8AC3E}">
-        <p14:creationId xmlns:p14="http://schemas.microsoft.com/office/powerpoint/2010/main" val="1285228012"/>
+        <p14:creationId xmlns:p14="http://schemas.microsoft.com/office/powerpoint/2010/main" val="1766753281"/>
       </p:ext>
     </p:extLst>
   </p:cSld>
@@ -1808,25 +1995,11 @@
           <a:p>
             <a:r>
               <a:rPr lang="en-US" dirty="0" smtClean="0"/>
-              <a:t>State change notifications</a:t>
-            </a:r>
-          </a:p>
-          <a:p>
-            <a:endParaRPr lang="en-US" dirty="0" smtClean="0"/>
-          </a:p>
-          <a:p>
-            <a:r>
-              <a:rPr lang="en-US" dirty="0" smtClean="0"/>
-              <a:t>Reactive</a:t>
-            </a:r>
-          </a:p>
-          <a:p>
-            <a:endParaRPr lang="en-US" dirty="0" smtClean="0"/>
-          </a:p>
-          <a:p>
-            <a:r>
-              <a:rPr lang="en-US" dirty="0" smtClean="0"/>
-              <a:t>Can make decisions independently (in isolation)</a:t>
+              <a:t>Multiple</a:t>
+            </a:r>
+            <a:r>
+              <a:rPr lang="en-US" baseline="0" dirty="0" smtClean="0"/>
+              <a:t> components involved in business transaction</a:t>
             </a:r>
             <a:endParaRPr lang="en-US" dirty="0"/>
           </a:p>
@@ -1858,7 +2031,7 @@
     </p:spTree>
     <p:extLst>
       <p:ext uri="{BB962C8B-B14F-4D97-AF65-F5344CB8AC3E}">
-        <p14:creationId xmlns:p14="http://schemas.microsoft.com/office/powerpoint/2010/main" val="552390821"/>
+        <p14:creationId xmlns:p14="http://schemas.microsoft.com/office/powerpoint/2010/main" val="1285228012"/>
       </p:ext>
     </p:extLst>
   </p:cSld>
@@ -1914,7 +2087,25 @@
           <a:p>
             <a:r>
               <a:rPr lang="en-US" dirty="0" smtClean="0"/>
-              <a:t>Failure scenario</a:t>
+              <a:t>State change notifications</a:t>
+            </a:r>
+          </a:p>
+          <a:p>
+            <a:endParaRPr lang="en-US" dirty="0" smtClean="0"/>
+          </a:p>
+          <a:p>
+            <a:r>
+              <a:rPr lang="en-US" dirty="0" smtClean="0"/>
+              <a:t>Reactive</a:t>
+            </a:r>
+          </a:p>
+          <a:p>
+            <a:endParaRPr lang="en-US" dirty="0" smtClean="0"/>
+          </a:p>
+          <a:p>
+            <a:r>
+              <a:rPr lang="en-US" dirty="0" smtClean="0"/>
+              <a:t>Can make decisions independently (in isolation)</a:t>
             </a:r>
             <a:endParaRPr lang="en-US" dirty="0"/>
           </a:p>
@@ -1946,7 +2137,7 @@
     </p:spTree>
     <p:extLst>
       <p:ext uri="{BB962C8B-B14F-4D97-AF65-F5344CB8AC3E}">
-        <p14:creationId xmlns:p14="http://schemas.microsoft.com/office/powerpoint/2010/main" val="3384025134"/>
+        <p14:creationId xmlns:p14="http://schemas.microsoft.com/office/powerpoint/2010/main" val="552390821"/>
       </p:ext>
     </p:extLst>
   </p:cSld>
@@ -2002,53 +2193,7 @@
           <a:p>
             <a:r>
               <a:rPr lang="en-US" dirty="0" smtClean="0"/>
-              <a:t>TPC</a:t>
-            </a:r>
-          </a:p>
-          <a:p>
-            <a:r>
-              <a:rPr lang="en-US" dirty="0" smtClean="0"/>
-              <a:t>    Degraded</a:t>
-            </a:r>
-            <a:r>
-              <a:rPr lang="en-US" baseline="0" dirty="0" smtClean="0"/>
-              <a:t> performance</a:t>
-            </a:r>
-          </a:p>
-          <a:p>
-            <a:r>
-              <a:rPr lang="en-US" baseline="0" dirty="0" smtClean="0"/>
-              <a:t>    No support by message brokers</a:t>
-            </a:r>
-            <a:endParaRPr lang="en-US" dirty="0" smtClean="0"/>
-          </a:p>
-          <a:p>
-            <a:endParaRPr lang="en-US" dirty="0" smtClean="0"/>
-          </a:p>
-          <a:p>
-            <a:r>
-              <a:rPr lang="en-US" dirty="0" smtClean="0"/>
-              <a:t>Write</a:t>
-            </a:r>
-            <a:r>
-              <a:rPr lang="en-US" baseline="0" dirty="0" smtClean="0"/>
-              <a:t> ahead logging</a:t>
-            </a:r>
-          </a:p>
-          <a:p>
-            <a:r>
-              <a:rPr lang="en-US" baseline="0" dirty="0" smtClean="0"/>
-              <a:t>    To complex for simple cases</a:t>
-            </a:r>
-            <a:endParaRPr lang="en-US" dirty="0" smtClean="0"/>
-          </a:p>
-          <a:p>
-            <a:endParaRPr lang="en-US" dirty="0" smtClean="0"/>
-          </a:p>
-          <a:p>
-            <a:r>
-              <a:rPr lang="en-US" dirty="0" smtClean="0"/>
-              <a:t>Options?</a:t>
+              <a:t>Failure scenario</a:t>
             </a:r>
             <a:endParaRPr lang="en-US" dirty="0"/>
           </a:p>
@@ -2080,7 +2225,7 @@
     </p:spTree>
     <p:extLst>
       <p:ext uri="{BB962C8B-B14F-4D97-AF65-F5344CB8AC3E}">
-        <p14:creationId xmlns:p14="http://schemas.microsoft.com/office/powerpoint/2010/main" val="3983230249"/>
+        <p14:creationId xmlns:p14="http://schemas.microsoft.com/office/powerpoint/2010/main" val="3384025134"/>
       </p:ext>
     </p:extLst>
   </p:cSld>
@@ -2136,17 +2281,55 @@
           <a:p>
             <a:r>
               <a:rPr lang="en-US" dirty="0" smtClean="0"/>
-              <a:t>Best option where applicable</a:t>
-            </a:r>
-          </a:p>
-          <a:p>
+              <a:t>TPC</a:t>
+            </a:r>
+          </a:p>
+          <a:p>
+            <a:r>
+              <a:rPr lang="en-US" dirty="0" smtClean="0"/>
+              <a:t>    Degraded</a:t>
+            </a:r>
+            <a:r>
+              <a:rPr lang="en-US" baseline="0" dirty="0" smtClean="0"/>
+              <a:t> performance</a:t>
+            </a:r>
+          </a:p>
+          <a:p>
+            <a:r>
+              <a:rPr lang="en-US" baseline="0" dirty="0" smtClean="0"/>
+              <a:t>    No support by message brokers</a:t>
+            </a:r>
             <a:endParaRPr lang="en-US" dirty="0" smtClean="0"/>
           </a:p>
           <a:p>
+            <a:endParaRPr lang="en-US" dirty="0" smtClean="0"/>
+          </a:p>
+          <a:p>
             <a:r>
               <a:rPr lang="en-US" dirty="0" smtClean="0"/>
-              <a:t>Kafka?</a:t>
-            </a:r>
+              <a:t>Write</a:t>
+            </a:r>
+            <a:r>
+              <a:rPr lang="en-US" baseline="0" dirty="0" smtClean="0"/>
+              <a:t> ahead logging</a:t>
+            </a:r>
+          </a:p>
+          <a:p>
+            <a:r>
+              <a:rPr lang="en-US" baseline="0" dirty="0" smtClean="0"/>
+              <a:t>    To complex for simple cases</a:t>
+            </a:r>
+            <a:endParaRPr lang="en-US" dirty="0" smtClean="0"/>
+          </a:p>
+          <a:p>
+            <a:endParaRPr lang="en-US" dirty="0" smtClean="0"/>
+          </a:p>
+          <a:p>
+            <a:r>
+              <a:rPr lang="en-US" dirty="0" smtClean="0"/>
+              <a:t>Options?</a:t>
+            </a:r>
+            <a:endParaRPr lang="en-US" dirty="0"/>
           </a:p>
         </p:txBody>
       </p:sp>
@@ -2176,7 +2359,7 @@
     </p:spTree>
     <p:extLst>
       <p:ext uri="{BB962C8B-B14F-4D97-AF65-F5344CB8AC3E}">
-        <p14:creationId xmlns:p14="http://schemas.microsoft.com/office/powerpoint/2010/main" val="2514363315"/>
+        <p14:creationId xmlns:p14="http://schemas.microsoft.com/office/powerpoint/2010/main" val="3983230249"/>
       </p:ext>
     </p:extLst>
   </p:cSld>
@@ -2232,20 +2415,16 @@
           <a:p>
             <a:r>
               <a:rPr lang="en-US" dirty="0" smtClean="0"/>
-              <a:t>A</a:t>
-            </a:r>
-            <a:r>
-              <a:rPr lang="en-US" baseline="0" dirty="0" smtClean="0"/>
-              <a:t>ll ACID SQL DB engines</a:t>
-            </a:r>
-          </a:p>
-          <a:p>
-            <a:endParaRPr lang="en-US" baseline="0" dirty="0" smtClean="0"/>
-          </a:p>
-          <a:p>
-            <a:r>
-              <a:rPr lang="en-US" baseline="0" dirty="0" smtClean="0"/>
-              <a:t>Some No-SQL DB engines</a:t>
+              <a:t>Best option where applicable</a:t>
+            </a:r>
+          </a:p>
+          <a:p>
+            <a:endParaRPr lang="en-US" dirty="0" smtClean="0"/>
+          </a:p>
+          <a:p>
+            <a:r>
+              <a:rPr lang="en-US" dirty="0" smtClean="0"/>
+              <a:t>Kafka?</a:t>
             </a:r>
           </a:p>
         </p:txBody>
@@ -2276,7 +2455,7 @@
     </p:spTree>
     <p:extLst>
       <p:ext uri="{BB962C8B-B14F-4D97-AF65-F5344CB8AC3E}">
-        <p14:creationId xmlns:p14="http://schemas.microsoft.com/office/powerpoint/2010/main" val="169814653"/>
+        <p14:creationId xmlns:p14="http://schemas.microsoft.com/office/powerpoint/2010/main" val="2514363315"/>
       </p:ext>
     </p:extLst>
   </p:cSld>
@@ -2332,20 +2511,11 @@
           <a:p>
             <a:r>
               <a:rPr lang="en-US" dirty="0" smtClean="0"/>
-              <a:t>Work with most No-SQL</a:t>
-            </a:r>
-          </a:p>
-          <a:p>
-            <a:endParaRPr lang="en-US" dirty="0" smtClean="0"/>
-          </a:p>
-          <a:p>
-            <a:r>
-              <a:rPr lang="en-US" dirty="0" smtClean="0"/>
-              <a:t>No explicit event publishing</a:t>
+              <a:t>A</a:t>
             </a:r>
             <a:r>
               <a:rPr lang="en-US" baseline="0" dirty="0" smtClean="0"/>
-              <a:t> in the app code</a:t>
+              <a:t>ll ACID SQL DB engines</a:t>
             </a:r>
           </a:p>
           <a:p>
@@ -2353,14 +2523,9 @@
           </a:p>
           <a:p>
             <a:r>
-              <a:rPr lang="en-US" dirty="0" smtClean="0"/>
-              <a:t>Can</a:t>
-            </a:r>
-            <a:r>
               <a:rPr lang="en-US" baseline="0" dirty="0" smtClean="0"/>
-              <a:t> be hard to revers-engineer the event</a:t>
-            </a:r>
-            <a:endParaRPr lang="en-US" dirty="0"/>
+              <a:t>Some No-SQL DB engines</a:t>
+            </a:r>
           </a:p>
         </p:txBody>
       </p:sp>
@@ -2390,7 +2555,7 @@
     </p:spTree>
     <p:extLst>
       <p:ext uri="{BB962C8B-B14F-4D97-AF65-F5344CB8AC3E}">
-        <p14:creationId xmlns:p14="http://schemas.microsoft.com/office/powerpoint/2010/main" val="1763315828"/>
+        <p14:creationId xmlns:p14="http://schemas.microsoft.com/office/powerpoint/2010/main" val="169814653"/>
       </p:ext>
     </p:extLst>
   </p:cSld>
@@ -2568,7 +2733,7 @@
           <a:p>
             <a:fld id="{5EE630CB-3638-41B1-AFF1-A77D5CAA11B6}" type="datetimeFigureOut">
               <a:rPr lang="en-US" smtClean="0"/>
-              <a:t>11/26/2018</a:t>
+              <a:t>11/29/2018</a:t>
             </a:fld>
             <a:endParaRPr lang="en-US"/>
           </a:p>
@@ -2796,7 +2961,7 @@
           <a:p>
             <a:fld id="{5EE630CB-3638-41B1-AFF1-A77D5CAA11B6}" type="datetimeFigureOut">
               <a:rPr lang="en-US" smtClean="0"/>
-              <a:t>11/26/2018</a:t>
+              <a:t>11/29/2018</a:t>
             </a:fld>
             <a:endParaRPr lang="en-US"/>
           </a:p>
@@ -2976,7 +3141,7 @@
           <a:p>
             <a:fld id="{5EE630CB-3638-41B1-AFF1-A77D5CAA11B6}" type="datetimeFigureOut">
               <a:rPr lang="en-US" smtClean="0"/>
-              <a:t>11/26/2018</a:t>
+              <a:t>11/29/2018</a:t>
             </a:fld>
             <a:endParaRPr lang="en-US"/>
           </a:p>
@@ -3146,7 +3311,7 @@
           <a:p>
             <a:fld id="{5EE630CB-3638-41B1-AFF1-A77D5CAA11B6}" type="datetimeFigureOut">
               <a:rPr lang="en-US" smtClean="0"/>
-              <a:t>11/26/2018</a:t>
+              <a:t>11/29/2018</a:t>
             </a:fld>
             <a:endParaRPr lang="en-US"/>
           </a:p>
@@ -3400,7 +3565,7 @@
           <a:p>
             <a:fld id="{5EE630CB-3638-41B1-AFF1-A77D5CAA11B6}" type="datetimeFigureOut">
               <a:rPr lang="en-US" smtClean="0"/>
-              <a:t>11/26/2018</a:t>
+              <a:t>11/29/2018</a:t>
             </a:fld>
             <a:endParaRPr lang="en-US"/>
           </a:p>
@@ -3726,7 +3891,7 @@
           <a:p>
             <a:fld id="{5EE630CB-3638-41B1-AFF1-A77D5CAA11B6}" type="datetimeFigureOut">
               <a:rPr lang="en-US" smtClean="0"/>
-              <a:t>11/26/2018</a:t>
+              <a:t>11/29/2018</a:t>
             </a:fld>
             <a:endParaRPr lang="en-US"/>
           </a:p>
@@ -4177,7 +4342,7 @@
           <a:p>
             <a:fld id="{5EE630CB-3638-41B1-AFF1-A77D5CAA11B6}" type="datetimeFigureOut">
               <a:rPr lang="en-US" smtClean="0"/>
-              <a:t>11/26/2018</a:t>
+              <a:t>11/29/2018</a:t>
             </a:fld>
             <a:endParaRPr lang="en-US"/>
           </a:p>
@@ -4295,7 +4460,7 @@
           <a:p>
             <a:fld id="{5EE630CB-3638-41B1-AFF1-A77D5CAA11B6}" type="datetimeFigureOut">
               <a:rPr lang="en-US" smtClean="0"/>
-              <a:t>11/26/2018</a:t>
+              <a:t>11/29/2018</a:t>
             </a:fld>
             <a:endParaRPr lang="en-US"/>
           </a:p>
@@ -4390,7 +4555,7 @@
           <a:p>
             <a:fld id="{5EE630CB-3638-41B1-AFF1-A77D5CAA11B6}" type="datetimeFigureOut">
               <a:rPr lang="en-US" smtClean="0"/>
-              <a:t>11/26/2018</a:t>
+              <a:t>11/29/2018</a:t>
             </a:fld>
             <a:endParaRPr lang="en-US"/>
           </a:p>
@@ -4677,7 +4842,7 @@
           <a:p>
             <a:fld id="{5EE630CB-3638-41B1-AFF1-A77D5CAA11B6}" type="datetimeFigureOut">
               <a:rPr lang="en-US" smtClean="0"/>
-              <a:t>11/26/2018</a:t>
+              <a:t>11/29/2018</a:t>
             </a:fld>
             <a:endParaRPr lang="en-US"/>
           </a:p>
@@ -4999,7 +5164,7 @@
           <a:p>
             <a:fld id="{5EE630CB-3638-41B1-AFF1-A77D5CAA11B6}" type="datetimeFigureOut">
               <a:rPr lang="en-US" smtClean="0"/>
-              <a:t>11/26/2018</a:t>
+              <a:t>11/29/2018</a:t>
             </a:fld>
             <a:endParaRPr lang="en-US"/>
           </a:p>
@@ -5253,7 +5418,7 @@
           <a:p>
             <a:fld id="{5EE630CB-3638-41B1-AFF1-A77D5CAA11B6}" type="datetimeFigureOut">
               <a:rPr lang="en-US" smtClean="0"/>
-              <a:t>11/26/2018</a:t>
+              <a:t>11/29/2018</a:t>
             </a:fld>
             <a:endParaRPr lang="en-US"/>
           </a:p>
@@ -5914,6 +6079,833 @@
           <a:p>
             <a:r>
               <a:rPr lang="en-US" dirty="0" smtClean="0"/>
+              <a:t>Transaction log tailing</a:t>
+            </a:r>
+            <a:endParaRPr lang="en-US" dirty="0"/>
+          </a:p>
+        </p:txBody>
+      </p:sp>
+      <p:sp>
+        <p:nvSpPr>
+          <p:cNvPr id="4" name="Hexagon 3"/>
+          <p:cNvSpPr/>
+          <p:nvPr/>
+        </p:nvSpPr>
+        <p:spPr>
+          <a:xfrm rot="5400000">
+            <a:off x="2305427" y="1791970"/>
+            <a:ext cx="1669689" cy="1444386"/>
+          </a:xfrm>
+          <a:prstGeom prst="hexagon">
+            <a:avLst/>
+          </a:prstGeom>
+          <a:solidFill>
+            <a:schemeClr val="accent3">
+              <a:lumMod val="40000"/>
+              <a:lumOff val="60000"/>
+            </a:schemeClr>
+          </a:solidFill>
+          <a:ln w="38100">
+            <a:solidFill>
+              <a:schemeClr val="accent3">
+                <a:lumMod val="75000"/>
+              </a:schemeClr>
+            </a:solidFill>
+          </a:ln>
+          <a:effectLst>
+            <a:outerShdw blurRad="50800" dist="38100" dir="5400000" algn="t" rotWithShape="0">
+              <a:prstClr val="black">
+                <a:alpha val="40000"/>
+              </a:prstClr>
+            </a:outerShdw>
+          </a:effectLst>
+        </p:spPr>
+        <p:style>
+          <a:lnRef idx="1">
+            <a:schemeClr val="accent3"/>
+          </a:lnRef>
+          <a:fillRef idx="2">
+            <a:schemeClr val="accent3"/>
+          </a:fillRef>
+          <a:effectRef idx="1">
+            <a:schemeClr val="accent3"/>
+          </a:effectRef>
+          <a:fontRef idx="minor">
+            <a:schemeClr val="dk1"/>
+          </a:fontRef>
+        </p:style>
+        <p:txBody>
+          <a:bodyPr rtlCol="0" anchor="ctr"/>
+          <a:lstStyle/>
+          <a:p>
+            <a:pPr algn="ctr"/>
+            <a:endParaRPr lang="en-US" dirty="0"/>
+          </a:p>
+        </p:txBody>
+      </p:sp>
+      <p:sp>
+        <p:nvSpPr>
+          <p:cNvPr id="5" name="Diamond 4"/>
+          <p:cNvSpPr/>
+          <p:nvPr/>
+        </p:nvSpPr>
+        <p:spPr>
+          <a:xfrm>
+            <a:off x="2418079" y="1667844"/>
+            <a:ext cx="1444386" cy="735454"/>
+          </a:xfrm>
+          <a:prstGeom prst="diamond">
+            <a:avLst/>
+          </a:prstGeom>
+          <a:solidFill>
+            <a:schemeClr val="accent3">
+              <a:lumMod val="75000"/>
+            </a:schemeClr>
+          </a:solidFill>
+          <a:ln w="38100">
+            <a:solidFill>
+              <a:schemeClr val="accent3">
+                <a:lumMod val="75000"/>
+              </a:schemeClr>
+            </a:solidFill>
+          </a:ln>
+        </p:spPr>
+        <p:style>
+          <a:lnRef idx="1">
+            <a:schemeClr val="accent3"/>
+          </a:lnRef>
+          <a:fillRef idx="2">
+            <a:schemeClr val="accent3"/>
+          </a:fillRef>
+          <a:effectRef idx="1">
+            <a:schemeClr val="accent3"/>
+          </a:effectRef>
+          <a:fontRef idx="minor">
+            <a:schemeClr val="dk1"/>
+          </a:fontRef>
+        </p:style>
+        <p:txBody>
+          <a:bodyPr rtlCol="0" anchor="ctr"/>
+          <a:lstStyle/>
+          <a:p>
+            <a:pPr algn="ctr"/>
+            <a:endParaRPr lang="en-US"/>
+          </a:p>
+        </p:txBody>
+      </p:sp>
+      <p:sp>
+        <p:nvSpPr>
+          <p:cNvPr id="6" name="TextBox 5"/>
+          <p:cNvSpPr txBox="1"/>
+          <p:nvPr/>
+        </p:nvSpPr>
+        <p:spPr>
+          <a:xfrm>
+            <a:off x="2712591" y="2514163"/>
+            <a:ext cx="858440" cy="369332"/>
+          </a:xfrm>
+          <a:prstGeom prst="rect">
+            <a:avLst/>
+          </a:prstGeom>
+          <a:noFill/>
+        </p:spPr>
+        <p:txBody>
+          <a:bodyPr wrap="none" rtlCol="0">
+            <a:spAutoFit/>
+          </a:bodyPr>
+          <a:lstStyle/>
+          <a:p>
+            <a:r>
+              <a:rPr lang="en-US" dirty="0" smtClean="0">
+                <a:solidFill>
+                  <a:schemeClr val="accent3">
+                    <a:lumMod val="50000"/>
+                  </a:schemeClr>
+                </a:solidFill>
+              </a:rPr>
+              <a:t>Service</a:t>
+            </a:r>
+            <a:endParaRPr lang="en-US" dirty="0">
+              <a:solidFill>
+                <a:schemeClr val="accent3">
+                  <a:lumMod val="50000"/>
+                </a:schemeClr>
+              </a:solidFill>
+            </a:endParaRPr>
+          </a:p>
+        </p:txBody>
+      </p:sp>
+      <p:cxnSp>
+        <p:nvCxnSpPr>
+          <p:cNvPr id="8" name="Straight Arrow Connector 7"/>
+          <p:cNvCxnSpPr>
+            <a:stCxn id="4" idx="0"/>
+            <a:endCxn id="7" idx="0"/>
+          </p:cNvCxnSpPr>
+          <p:nvPr/>
+        </p:nvCxnSpPr>
+        <p:spPr>
+          <a:xfrm flipH="1">
+            <a:off x="3137391" y="3349008"/>
+            <a:ext cx="2881" cy="1346562"/>
+          </a:xfrm>
+          <a:prstGeom prst="straightConnector1">
+            <a:avLst/>
+          </a:prstGeom>
+          <a:ln w="57150">
+            <a:solidFill>
+              <a:schemeClr val="accent3">
+                <a:lumMod val="75000"/>
+              </a:schemeClr>
+            </a:solidFill>
+            <a:tailEnd type="triangle"/>
+          </a:ln>
+        </p:spPr>
+        <p:style>
+          <a:lnRef idx="1">
+            <a:schemeClr val="accent1"/>
+          </a:lnRef>
+          <a:fillRef idx="0">
+            <a:schemeClr val="accent1"/>
+          </a:fillRef>
+          <a:effectRef idx="0">
+            <a:schemeClr val="accent1"/>
+          </a:effectRef>
+          <a:fontRef idx="minor">
+            <a:schemeClr val="tx1"/>
+          </a:fontRef>
+        </p:style>
+      </p:cxnSp>
+      <p:sp>
+        <p:nvSpPr>
+          <p:cNvPr id="34" name="Rectangle 33"/>
+          <p:cNvSpPr/>
+          <p:nvPr/>
+        </p:nvSpPr>
+        <p:spPr>
+          <a:xfrm>
+            <a:off x="9308592" y="2035571"/>
+            <a:ext cx="1371600" cy="3950370"/>
+          </a:xfrm>
+          <a:prstGeom prst="rect">
+            <a:avLst/>
+          </a:prstGeom>
+          <a:ln w="57150">
+            <a:prstDash val="sysDot"/>
+          </a:ln>
+        </p:spPr>
+        <p:style>
+          <a:lnRef idx="1">
+            <a:schemeClr val="accent3"/>
+          </a:lnRef>
+          <a:fillRef idx="2">
+            <a:schemeClr val="accent3"/>
+          </a:fillRef>
+          <a:effectRef idx="1">
+            <a:schemeClr val="accent3"/>
+          </a:effectRef>
+          <a:fontRef idx="minor">
+            <a:schemeClr val="dk1"/>
+          </a:fontRef>
+        </p:style>
+        <p:txBody>
+          <a:bodyPr vert="wordArtVert" rtlCol="0" anchor="ctr"/>
+          <a:lstStyle/>
+          <a:p>
+            <a:pPr algn="ctr"/>
+            <a:r>
+              <a:rPr lang="en-US" dirty="0" smtClean="0">
+                <a:solidFill>
+                  <a:schemeClr val="accent3">
+                    <a:lumMod val="50000"/>
+                  </a:schemeClr>
+                </a:solidFill>
+              </a:rPr>
+              <a:t>Message broker</a:t>
+            </a:r>
+          </a:p>
+        </p:txBody>
+      </p:sp>
+      <p:graphicFrame>
+        <p:nvGraphicFramePr>
+          <p:cNvPr id="7" name="Table 6"/>
+          <p:cNvGraphicFramePr>
+            <a:graphicFrameLocks noGrp="1"/>
+          </p:cNvGraphicFramePr>
+          <p:nvPr>
+            <p:extLst>
+              <p:ext uri="{D42A27DB-BD31-4B8C-83A1-F6EECF244321}">
+                <p14:modId xmlns:p14="http://schemas.microsoft.com/office/powerpoint/2010/main" val="939476646"/>
+              </p:ext>
+            </p:extLst>
+          </p:nvPr>
+        </p:nvGraphicFramePr>
+        <p:xfrm>
+          <a:off x="1912074" y="4695570"/>
+          <a:ext cx="2450635" cy="742591"/>
+        </p:xfrm>
+        <a:graphic>
+          <a:graphicData uri="http://schemas.openxmlformats.org/drawingml/2006/table">
+            <a:tbl>
+              <a:tblPr firstRow="1" bandRow="1">
+                <a:tableStyleId>{5C22544A-7EE6-4342-B048-85BDC9FD1C3A}</a:tableStyleId>
+              </a:tblPr>
+              <a:tblGrid>
+                <a:gridCol w="490127"/>
+                <a:gridCol w="490127"/>
+                <a:gridCol w="490127"/>
+                <a:gridCol w="490127"/>
+                <a:gridCol w="490127"/>
+              </a:tblGrid>
+              <a:tr h="264476">
+                <a:tc>
+                  <a:txBody>
+                    <a:bodyPr/>
+                    <a:lstStyle/>
+                    <a:p>
+                      <a:endParaRPr lang="en-US" dirty="0"/>
+                    </a:p>
+                  </a:txBody>
+                  <a:tcPr/>
+                </a:tc>
+                <a:tc>
+                  <a:txBody>
+                    <a:bodyPr/>
+                    <a:lstStyle/>
+                    <a:p>
+                      <a:endParaRPr lang="en-US"/>
+                    </a:p>
+                  </a:txBody>
+                  <a:tcPr/>
+                </a:tc>
+                <a:tc>
+                  <a:txBody>
+                    <a:bodyPr/>
+                    <a:lstStyle/>
+                    <a:p>
+                      <a:endParaRPr lang="en-US" dirty="0"/>
+                    </a:p>
+                  </a:txBody>
+                  <a:tcPr/>
+                </a:tc>
+                <a:tc>
+                  <a:txBody>
+                    <a:bodyPr/>
+                    <a:lstStyle/>
+                    <a:p>
+                      <a:endParaRPr lang="en-US" dirty="0"/>
+                    </a:p>
+                  </a:txBody>
+                  <a:tcPr/>
+                </a:tc>
+                <a:tc>
+                  <a:txBody>
+                    <a:bodyPr/>
+                    <a:lstStyle/>
+                    <a:p>
+                      <a:endParaRPr lang="en-US"/>
+                    </a:p>
+                  </a:txBody>
+                  <a:tcPr/>
+                </a:tc>
+              </a:tr>
+              <a:tr h="376831">
+                <a:tc>
+                  <a:txBody>
+                    <a:bodyPr/>
+                    <a:lstStyle/>
+                    <a:p>
+                      <a:endParaRPr lang="en-US"/>
+                    </a:p>
+                  </a:txBody>
+                  <a:tcPr/>
+                </a:tc>
+                <a:tc>
+                  <a:txBody>
+                    <a:bodyPr/>
+                    <a:lstStyle/>
+                    <a:p>
+                      <a:endParaRPr lang="en-US" dirty="0"/>
+                    </a:p>
+                  </a:txBody>
+                  <a:tcPr/>
+                </a:tc>
+                <a:tc>
+                  <a:txBody>
+                    <a:bodyPr/>
+                    <a:lstStyle/>
+                    <a:p>
+                      <a:endParaRPr lang="en-US"/>
+                    </a:p>
+                  </a:txBody>
+                  <a:tcPr/>
+                </a:tc>
+                <a:tc>
+                  <a:txBody>
+                    <a:bodyPr/>
+                    <a:lstStyle/>
+                    <a:p>
+                      <a:endParaRPr lang="en-US" dirty="0"/>
+                    </a:p>
+                  </a:txBody>
+                  <a:tcPr/>
+                </a:tc>
+                <a:tc>
+                  <a:txBody>
+                    <a:bodyPr/>
+                    <a:lstStyle/>
+                    <a:p>
+                      <a:endParaRPr lang="en-US" dirty="0"/>
+                    </a:p>
+                  </a:txBody>
+                  <a:tcPr/>
+                </a:tc>
+              </a:tr>
+            </a:tbl>
+          </a:graphicData>
+        </a:graphic>
+      </p:graphicFrame>
+      <p:sp>
+        <p:nvSpPr>
+          <p:cNvPr id="46" name="Flowchart: Document 45"/>
+          <p:cNvSpPr/>
+          <p:nvPr/>
+        </p:nvSpPr>
+        <p:spPr>
+          <a:xfrm>
+            <a:off x="1932830" y="3551998"/>
+            <a:ext cx="964736" cy="574752"/>
+          </a:xfrm>
+          <a:prstGeom prst="flowChartDocument">
+            <a:avLst/>
+          </a:prstGeom>
+        </p:spPr>
+        <p:style>
+          <a:lnRef idx="1">
+            <a:schemeClr val="accent4"/>
+          </a:lnRef>
+          <a:fillRef idx="3">
+            <a:schemeClr val="accent4"/>
+          </a:fillRef>
+          <a:effectRef idx="2">
+            <a:schemeClr val="accent4"/>
+          </a:effectRef>
+          <a:fontRef idx="minor">
+            <a:schemeClr val="lt1"/>
+          </a:fontRef>
+        </p:style>
+        <p:txBody>
+          <a:bodyPr rtlCol="0" anchor="ctr"/>
+          <a:lstStyle/>
+          <a:p>
+            <a:pPr algn="ctr"/>
+            <a:r>
+              <a:rPr lang="en-US" dirty="0" smtClean="0"/>
+              <a:t>Entity</a:t>
+            </a:r>
+          </a:p>
+        </p:txBody>
+      </p:sp>
+      <p:cxnSp>
+        <p:nvCxnSpPr>
+          <p:cNvPr id="48" name="Straight Arrow Connector 47"/>
+          <p:cNvCxnSpPr/>
+          <p:nvPr/>
+        </p:nvCxnSpPr>
+        <p:spPr>
+          <a:xfrm>
+            <a:off x="7330560" y="3729814"/>
+            <a:ext cx="1965121" cy="0"/>
+          </a:xfrm>
+          <a:prstGeom prst="straightConnector1">
+            <a:avLst/>
+          </a:prstGeom>
+          <a:ln w="57150">
+            <a:solidFill>
+              <a:schemeClr val="accent3">
+                <a:lumMod val="75000"/>
+              </a:schemeClr>
+            </a:solidFill>
+            <a:tailEnd type="triangle"/>
+          </a:ln>
+        </p:spPr>
+        <p:style>
+          <a:lnRef idx="1">
+            <a:schemeClr val="accent1"/>
+          </a:lnRef>
+          <a:fillRef idx="0">
+            <a:schemeClr val="accent1"/>
+          </a:fillRef>
+          <a:effectRef idx="0">
+            <a:schemeClr val="accent1"/>
+          </a:effectRef>
+          <a:fontRef idx="minor">
+            <a:schemeClr val="tx1"/>
+          </a:fontRef>
+        </p:style>
+      </p:cxnSp>
+      <p:sp>
+        <p:nvSpPr>
+          <p:cNvPr id="54" name="Hexagon 53"/>
+          <p:cNvSpPr/>
+          <p:nvPr/>
+        </p:nvSpPr>
+        <p:spPr>
+          <a:xfrm rot="5400000">
+            <a:off x="5773522" y="3007621"/>
+            <a:ext cx="1669689" cy="1444386"/>
+          </a:xfrm>
+          <a:prstGeom prst="hexagon">
+            <a:avLst/>
+          </a:prstGeom>
+          <a:solidFill>
+            <a:schemeClr val="accent3">
+              <a:lumMod val="40000"/>
+              <a:lumOff val="60000"/>
+            </a:schemeClr>
+          </a:solidFill>
+          <a:ln w="38100">
+            <a:solidFill>
+              <a:schemeClr val="accent3">
+                <a:lumMod val="75000"/>
+              </a:schemeClr>
+            </a:solidFill>
+          </a:ln>
+          <a:effectLst>
+            <a:outerShdw blurRad="50800" dist="38100" dir="5400000" algn="t" rotWithShape="0">
+              <a:prstClr val="black">
+                <a:alpha val="40000"/>
+              </a:prstClr>
+            </a:outerShdw>
+          </a:effectLst>
+        </p:spPr>
+        <p:style>
+          <a:lnRef idx="1">
+            <a:schemeClr val="accent3"/>
+          </a:lnRef>
+          <a:fillRef idx="2">
+            <a:schemeClr val="accent3"/>
+          </a:fillRef>
+          <a:effectRef idx="1">
+            <a:schemeClr val="accent3"/>
+          </a:effectRef>
+          <a:fontRef idx="minor">
+            <a:schemeClr val="dk1"/>
+          </a:fontRef>
+        </p:style>
+        <p:txBody>
+          <a:bodyPr rtlCol="0" anchor="ctr"/>
+          <a:lstStyle/>
+          <a:p>
+            <a:pPr algn="ctr"/>
+            <a:endParaRPr lang="en-US" dirty="0"/>
+          </a:p>
+        </p:txBody>
+      </p:sp>
+      <p:sp>
+        <p:nvSpPr>
+          <p:cNvPr id="55" name="Diamond 54"/>
+          <p:cNvSpPr/>
+          <p:nvPr/>
+        </p:nvSpPr>
+        <p:spPr>
+          <a:xfrm>
+            <a:off x="5886174" y="2883495"/>
+            <a:ext cx="1444386" cy="735454"/>
+          </a:xfrm>
+          <a:prstGeom prst="diamond">
+            <a:avLst/>
+          </a:prstGeom>
+          <a:solidFill>
+            <a:schemeClr val="accent3">
+              <a:lumMod val="75000"/>
+            </a:schemeClr>
+          </a:solidFill>
+          <a:ln w="38100">
+            <a:solidFill>
+              <a:schemeClr val="accent3">
+                <a:lumMod val="75000"/>
+              </a:schemeClr>
+            </a:solidFill>
+          </a:ln>
+        </p:spPr>
+        <p:style>
+          <a:lnRef idx="1">
+            <a:schemeClr val="accent3"/>
+          </a:lnRef>
+          <a:fillRef idx="2">
+            <a:schemeClr val="accent3"/>
+          </a:fillRef>
+          <a:effectRef idx="1">
+            <a:schemeClr val="accent3"/>
+          </a:effectRef>
+          <a:fontRef idx="minor">
+            <a:schemeClr val="dk1"/>
+          </a:fontRef>
+        </p:style>
+        <p:txBody>
+          <a:bodyPr rtlCol="0" anchor="ctr"/>
+          <a:lstStyle/>
+          <a:p>
+            <a:pPr algn="ctr"/>
+            <a:endParaRPr lang="en-US"/>
+          </a:p>
+        </p:txBody>
+      </p:sp>
+      <p:sp>
+        <p:nvSpPr>
+          <p:cNvPr id="56" name="TextBox 55"/>
+          <p:cNvSpPr txBox="1"/>
+          <p:nvPr/>
+        </p:nvSpPr>
+        <p:spPr>
+          <a:xfrm>
+            <a:off x="6066386" y="3615514"/>
+            <a:ext cx="1059906" cy="646331"/>
+          </a:xfrm>
+          <a:prstGeom prst="rect">
+            <a:avLst/>
+          </a:prstGeom>
+          <a:noFill/>
+        </p:spPr>
+        <p:txBody>
+          <a:bodyPr wrap="square" rtlCol="0">
+            <a:spAutoFit/>
+          </a:bodyPr>
+          <a:lstStyle/>
+          <a:p>
+            <a:pPr algn="ctr"/>
+            <a:r>
+              <a:rPr lang="en-US" dirty="0" smtClean="0">
+                <a:solidFill>
+                  <a:schemeClr val="accent3">
+                    <a:lumMod val="50000"/>
+                  </a:schemeClr>
+                </a:solidFill>
+              </a:rPr>
+              <a:t>Event</a:t>
+            </a:r>
+          </a:p>
+          <a:p>
+            <a:pPr algn="ctr"/>
+            <a:r>
+              <a:rPr lang="en-US" dirty="0" smtClean="0">
+                <a:solidFill>
+                  <a:schemeClr val="accent3">
+                    <a:lumMod val="50000"/>
+                  </a:schemeClr>
+                </a:solidFill>
+              </a:rPr>
+              <a:t>Publisher</a:t>
+            </a:r>
+            <a:endParaRPr lang="en-US" dirty="0">
+              <a:solidFill>
+                <a:schemeClr val="accent3">
+                  <a:lumMod val="50000"/>
+                </a:schemeClr>
+              </a:solidFill>
+            </a:endParaRPr>
+          </a:p>
+        </p:txBody>
+      </p:sp>
+      <p:cxnSp>
+        <p:nvCxnSpPr>
+          <p:cNvPr id="65" name="Straight Arrow Connector 64"/>
+          <p:cNvCxnSpPr/>
+          <p:nvPr/>
+        </p:nvCxnSpPr>
+        <p:spPr>
+          <a:xfrm flipV="1">
+            <a:off x="4870956" y="4339494"/>
+            <a:ext cx="1195430" cy="1241329"/>
+          </a:xfrm>
+          <a:prstGeom prst="straightConnector1">
+            <a:avLst/>
+          </a:prstGeom>
+          <a:ln w="57150">
+            <a:solidFill>
+              <a:schemeClr val="accent3">
+                <a:lumMod val="75000"/>
+              </a:schemeClr>
+            </a:solidFill>
+            <a:tailEnd type="triangle"/>
+          </a:ln>
+        </p:spPr>
+        <p:style>
+          <a:lnRef idx="1">
+            <a:schemeClr val="accent1"/>
+          </a:lnRef>
+          <a:fillRef idx="0">
+            <a:schemeClr val="accent1"/>
+          </a:fillRef>
+          <a:effectRef idx="0">
+            <a:schemeClr val="accent1"/>
+          </a:effectRef>
+          <a:fontRef idx="minor">
+            <a:schemeClr val="tx1"/>
+          </a:fontRef>
+        </p:style>
+      </p:cxnSp>
+      <p:sp>
+        <p:nvSpPr>
+          <p:cNvPr id="24" name="Rectangle 23"/>
+          <p:cNvSpPr/>
+          <p:nvPr/>
+        </p:nvSpPr>
+        <p:spPr>
+          <a:xfrm>
+            <a:off x="1383878" y="5580823"/>
+            <a:ext cx="3501271" cy="478591"/>
+          </a:xfrm>
+          <a:prstGeom prst="rect">
+            <a:avLst/>
+          </a:prstGeom>
+          <a:ln w="57150">
+            <a:prstDash val="sysDot"/>
+          </a:ln>
+        </p:spPr>
+        <p:style>
+          <a:lnRef idx="1">
+            <a:schemeClr val="accent3"/>
+          </a:lnRef>
+          <a:fillRef idx="2">
+            <a:schemeClr val="accent3"/>
+          </a:fillRef>
+          <a:effectRef idx="1">
+            <a:schemeClr val="accent3"/>
+          </a:effectRef>
+          <a:fontRef idx="minor">
+            <a:schemeClr val="dk1"/>
+          </a:fontRef>
+        </p:style>
+        <p:txBody>
+          <a:bodyPr vert="horz" rtlCol="0" anchor="ctr"/>
+          <a:lstStyle/>
+          <a:p>
+            <a:pPr algn="ctr"/>
+            <a:r>
+              <a:rPr lang="en-US" dirty="0" smtClean="0">
+                <a:solidFill>
+                  <a:schemeClr val="accent3">
+                    <a:lumMod val="50000"/>
+                  </a:schemeClr>
+                </a:solidFill>
+              </a:rPr>
+              <a:t>Transaction Log</a:t>
+            </a:r>
+          </a:p>
+        </p:txBody>
+      </p:sp>
+      <p:sp>
+        <p:nvSpPr>
+          <p:cNvPr id="40" name="Flowchart: Magnetic Disk 39"/>
+          <p:cNvSpPr/>
+          <p:nvPr/>
+        </p:nvSpPr>
+        <p:spPr>
+          <a:xfrm>
+            <a:off x="988550" y="4488758"/>
+            <a:ext cx="4522606" cy="1834872"/>
+          </a:xfrm>
+          <a:prstGeom prst="flowChartMagneticDisk">
+            <a:avLst/>
+          </a:prstGeom>
+          <a:noFill/>
+          <a:ln w="38100">
+            <a:prstDash val="sysDot"/>
+          </a:ln>
+          <a:effectLst>
+            <a:outerShdw blurRad="50800" dist="38100" dir="5400000" algn="t" rotWithShape="0">
+              <a:prstClr val="black">
+                <a:alpha val="40000"/>
+              </a:prstClr>
+            </a:outerShdw>
+          </a:effectLst>
+        </p:spPr>
+        <p:style>
+          <a:lnRef idx="3">
+            <a:schemeClr val="lt1"/>
+          </a:lnRef>
+          <a:fillRef idx="1">
+            <a:schemeClr val="accent1"/>
+          </a:fillRef>
+          <a:effectRef idx="1">
+            <a:schemeClr val="accent1"/>
+          </a:effectRef>
+          <a:fontRef idx="minor">
+            <a:schemeClr val="lt1"/>
+          </a:fontRef>
+        </p:style>
+        <p:txBody>
+          <a:bodyPr rtlCol="0" anchor="ctr"/>
+          <a:lstStyle/>
+          <a:p>
+            <a:pPr algn="ctr"/>
+            <a:endParaRPr lang="en-US"/>
+          </a:p>
+        </p:txBody>
+      </p:sp>
+    </p:spTree>
+    <p:extLst>
+      <p:ext uri="{BB962C8B-B14F-4D97-AF65-F5344CB8AC3E}">
+        <p14:creationId xmlns:p14="http://schemas.microsoft.com/office/powerpoint/2010/main" val="1677658167"/>
+      </p:ext>
+    </p:extLst>
+  </p:cSld>
+  <p:clrMapOvr>
+    <a:masterClrMapping/>
+  </p:clrMapOvr>
+  <p:timing>
+    <p:tnLst>
+      <p:par>
+        <p:cTn id="1" dur="indefinite" restart="never" nodeType="tmRoot"/>
+      </p:par>
+    </p:tnLst>
+  </p:timing>
+</p:sld>
+</file>
+
+<file path=ppt/slides/slide11.xml><?xml version="1.0" encoding="utf-8"?>
+<p:sld xmlns:a="http://schemas.openxmlformats.org/drawingml/2006/main" xmlns:r="http://schemas.openxmlformats.org/officeDocument/2006/relationships" xmlns:p="http://schemas.openxmlformats.org/presentationml/2006/main">
+  <p:cSld>
+    <p:spTree>
+      <p:nvGrpSpPr>
+        <p:cNvPr id="1" name=""/>
+        <p:cNvGrpSpPr/>
+        <p:nvPr/>
+      </p:nvGrpSpPr>
+      <p:grpSpPr>
+        <a:xfrm>
+          <a:off x="0" y="0"/>
+          <a:ext cx="0" cy="0"/>
+          <a:chOff x="0" y="0"/>
+          <a:chExt cx="0" cy="0"/>
+        </a:xfrm>
+      </p:grpSpPr>
+      <p:sp>
+        <p:nvSpPr>
+          <p:cNvPr id="2" name="Title 1"/>
+          <p:cNvSpPr>
+            <a:spLocks noGrp="1"/>
+          </p:cNvSpPr>
+          <p:nvPr>
+            <p:ph type="ctrTitle"/>
+          </p:nvPr>
+        </p:nvSpPr>
+        <p:spPr>
+          <a:xfrm>
+            <a:off x="1261872" y="383065"/>
+            <a:ext cx="9418320" cy="1062681"/>
+          </a:xfrm>
+        </p:spPr>
+        <p:txBody>
+          <a:bodyPr>
+            <a:normAutofit/>
+          </a:bodyPr>
+          <a:lstStyle/>
+          <a:p>
+            <a:r>
+              <a:rPr lang="en-US" dirty="0" smtClean="0"/>
               <a:t>Write concern</a:t>
             </a:r>
             <a:endParaRPr lang="en-US" dirty="0"/>
@@ -5970,7 +6962,7 @@
 </p:sld>
 </file>
 
-<file path=ppt/slides/slide11.xml><?xml version="1.0" encoding="utf-8"?>
+<file path=ppt/slides/slide12.xml><?xml version="1.0" encoding="utf-8"?>
 <p:sld xmlns:a="http://schemas.openxmlformats.org/drawingml/2006/main" xmlns:r="http://schemas.openxmlformats.org/officeDocument/2006/relationships" xmlns:p="http://schemas.openxmlformats.org/presentationml/2006/main">
   <p:cSld>
     <p:spTree>
@@ -6462,89 +7454,6 @@
       <p:bldP spid="6" grpId="0"/>
       <p:bldP spid="7" grpId="0"/>
     </p:bldLst>
-  </p:timing>
-</p:sld>
-</file>
-
-<file path=ppt/slides/slide12.xml><?xml version="1.0" encoding="utf-8"?>
-<p:sld xmlns:a="http://schemas.openxmlformats.org/drawingml/2006/main" xmlns:r="http://schemas.openxmlformats.org/officeDocument/2006/relationships" xmlns:p="http://schemas.openxmlformats.org/presentationml/2006/main">
-  <p:cSld>
-    <p:spTree>
-      <p:nvGrpSpPr>
-        <p:cNvPr id="1" name=""/>
-        <p:cNvGrpSpPr/>
-        <p:nvPr/>
-      </p:nvGrpSpPr>
-      <p:grpSpPr>
-        <a:xfrm>
-          <a:off x="0" y="0"/>
-          <a:ext cx="0" cy="0"/>
-          <a:chOff x="0" y="0"/>
-          <a:chExt cx="0" cy="0"/>
-        </a:xfrm>
-      </p:grpSpPr>
-      <p:sp>
-        <p:nvSpPr>
-          <p:cNvPr id="2" name="Title 1"/>
-          <p:cNvSpPr>
-            <a:spLocks noGrp="1"/>
-          </p:cNvSpPr>
-          <p:nvPr>
-            <p:ph type="ctrTitle"/>
-          </p:nvPr>
-        </p:nvSpPr>
-        <p:spPr/>
-        <p:txBody>
-          <a:bodyPr/>
-          <a:lstStyle/>
-          <a:p>
-            <a:r>
-              <a:rPr lang="en-US" dirty="0" err="1" smtClean="0"/>
-              <a:t>Oplog</a:t>
-            </a:r>
-            <a:r>
-              <a:rPr lang="en-US" dirty="0" smtClean="0"/>
-              <a:t> internals</a:t>
-            </a:r>
-            <a:endParaRPr lang="en-US" dirty="0"/>
-          </a:p>
-        </p:txBody>
-      </p:sp>
-      <p:sp>
-        <p:nvSpPr>
-          <p:cNvPr id="3" name="Subtitle 2"/>
-          <p:cNvSpPr>
-            <a:spLocks noGrp="1"/>
-          </p:cNvSpPr>
-          <p:nvPr>
-            <p:ph type="subTitle" idx="1"/>
-          </p:nvPr>
-        </p:nvSpPr>
-        <p:spPr/>
-        <p:txBody>
-          <a:bodyPr/>
-          <a:lstStyle/>
-          <a:p>
-            <a:endParaRPr lang="en-US"/>
-          </a:p>
-        </p:txBody>
-      </p:sp>
-    </p:spTree>
-    <p:extLst>
-      <p:ext uri="{BB962C8B-B14F-4D97-AF65-F5344CB8AC3E}">
-        <p14:creationId xmlns:p14="http://schemas.microsoft.com/office/powerpoint/2010/main" val="3053173680"/>
-      </p:ext>
-    </p:extLst>
-  </p:cSld>
-  <p:clrMapOvr>
-    <a:masterClrMapping/>
-  </p:clrMapOvr>
-  <p:timing>
-    <p:tnLst>
-      <p:par>
-        <p:cTn id="1" dur="indefinite" restart="never" nodeType="tmRoot"/>
-      </p:par>
-    </p:tnLst>
   </p:timing>
 </p:sld>
 </file>
@@ -9359,6 +10268,85 @@
 </p:sld>
 </file>
 
+<file path=ppt/slides/slide19.xml><?xml version="1.0" encoding="utf-8"?>
+<p:sld xmlns:a="http://schemas.openxmlformats.org/drawingml/2006/main" xmlns:r="http://schemas.openxmlformats.org/officeDocument/2006/relationships" xmlns:p="http://schemas.openxmlformats.org/presentationml/2006/main">
+  <p:cSld>
+    <p:spTree>
+      <p:nvGrpSpPr>
+        <p:cNvPr id="1" name=""/>
+        <p:cNvGrpSpPr/>
+        <p:nvPr/>
+      </p:nvGrpSpPr>
+      <p:grpSpPr>
+        <a:xfrm>
+          <a:off x="0" y="0"/>
+          <a:ext cx="0" cy="0"/>
+          <a:chOff x="0" y="0"/>
+          <a:chExt cx="0" cy="0"/>
+        </a:xfrm>
+      </p:grpSpPr>
+      <p:sp>
+        <p:nvSpPr>
+          <p:cNvPr id="2" name="Title 1"/>
+          <p:cNvSpPr>
+            <a:spLocks noGrp="1"/>
+          </p:cNvSpPr>
+          <p:nvPr>
+            <p:ph type="ctrTitle"/>
+          </p:nvPr>
+        </p:nvSpPr>
+        <p:spPr/>
+        <p:txBody>
+          <a:bodyPr/>
+          <a:lstStyle/>
+          <a:p>
+            <a:r>
+              <a:rPr lang="en-US" dirty="0" smtClean="0"/>
+              <a:t>Demo</a:t>
+            </a:r>
+            <a:endParaRPr lang="en-US" dirty="0"/>
+          </a:p>
+        </p:txBody>
+      </p:sp>
+      <p:sp>
+        <p:nvSpPr>
+          <p:cNvPr id="3" name="Subtitle 2"/>
+          <p:cNvSpPr>
+            <a:spLocks noGrp="1"/>
+          </p:cNvSpPr>
+          <p:nvPr>
+            <p:ph type="subTitle" idx="1"/>
+          </p:nvPr>
+        </p:nvSpPr>
+        <p:spPr/>
+        <p:txBody>
+          <a:bodyPr/>
+          <a:lstStyle/>
+          <a:p>
+            <a:endParaRPr lang="en-US"/>
+          </a:p>
+        </p:txBody>
+      </p:sp>
+    </p:spTree>
+    <p:extLst>
+      <p:ext uri="{BB962C8B-B14F-4D97-AF65-F5344CB8AC3E}">
+        <p14:creationId xmlns:p14="http://schemas.microsoft.com/office/powerpoint/2010/main" val="3053173680"/>
+      </p:ext>
+    </p:extLst>
+  </p:cSld>
+  <p:clrMapOvr>
+    <a:masterClrMapping/>
+  </p:clrMapOvr>
+  <p:timing>
+    <p:tnLst>
+      <p:par>
+        <p:cTn id="1" dur="indefinite" restart="never" nodeType="tmRoot"/>
+      </p:par>
+    </p:tnLst>
+  </p:timing>
+</p:sld>
+</file>
+
 <file path=ppt/slides/slide2.xml><?xml version="1.0" encoding="utf-8"?>
 <p:sld xmlns:a="http://schemas.openxmlformats.org/drawingml/2006/main" xmlns:r="http://schemas.openxmlformats.org/officeDocument/2006/relationships" xmlns:p="http://schemas.openxmlformats.org/presentationml/2006/main">
   <p:cSld>
@@ -9386,34 +10374,22 @@
             <p:ph type="ctrTitle"/>
           </p:nvPr>
         </p:nvSpPr>
-        <p:spPr/>
-        <p:txBody>
-          <a:bodyPr/>
+        <p:spPr>
+          <a:xfrm>
+            <a:off x="1261872" y="363531"/>
+            <a:ext cx="9418320" cy="1041936"/>
+          </a:xfrm>
+        </p:spPr>
+        <p:txBody>
+          <a:bodyPr>
+            <a:normAutofit/>
+          </a:bodyPr>
           <a:lstStyle/>
           <a:p>
             <a:r>
               <a:rPr lang="en-US" dirty="0" smtClean="0"/>
-              <a:t>Challenges we face</a:t>
-            </a:r>
-            <a:endParaRPr lang="en-US" dirty="0"/>
-          </a:p>
-        </p:txBody>
-      </p:sp>
-      <p:sp>
-        <p:nvSpPr>
-          <p:cNvPr id="3" name="Subtitle 2"/>
-          <p:cNvSpPr>
-            <a:spLocks noGrp="1"/>
-          </p:cNvSpPr>
-          <p:nvPr>
-            <p:ph type="subTitle" idx="1"/>
-          </p:nvPr>
-        </p:nvSpPr>
-        <p:spPr/>
-        <p:txBody>
-          <a:bodyPr/>
-          <a:lstStyle/>
-          <a:p>
+              <a:t>About me</a:t>
+            </a:r>
             <a:endParaRPr lang="en-US" dirty="0"/>
           </a:p>
         </p:txBody>
@@ -9421,7 +10397,7 @@
     </p:spTree>
     <p:extLst>
       <p:ext uri="{BB962C8B-B14F-4D97-AF65-F5344CB8AC3E}">
-        <p14:creationId xmlns:p14="http://schemas.microsoft.com/office/powerpoint/2010/main" val="4029788524"/>
+        <p14:creationId xmlns:p14="http://schemas.microsoft.com/office/powerpoint/2010/main" val="1953207086"/>
       </p:ext>
     </p:extLst>
   </p:cSld>
@@ -9467,6 +10443,89 @@
         </p:nvSpPr>
         <p:spPr/>
         <p:txBody>
+          <a:bodyPr/>
+          <a:lstStyle/>
+          <a:p>
+            <a:r>
+              <a:rPr lang="en-US" dirty="0" smtClean="0"/>
+              <a:t>Challenges we face</a:t>
+            </a:r>
+            <a:endParaRPr lang="en-US" dirty="0"/>
+          </a:p>
+        </p:txBody>
+      </p:sp>
+      <p:sp>
+        <p:nvSpPr>
+          <p:cNvPr id="3" name="Subtitle 2"/>
+          <p:cNvSpPr>
+            <a:spLocks noGrp="1"/>
+          </p:cNvSpPr>
+          <p:nvPr>
+            <p:ph type="subTitle" idx="1"/>
+          </p:nvPr>
+        </p:nvSpPr>
+        <p:spPr/>
+        <p:txBody>
+          <a:bodyPr/>
+          <a:lstStyle/>
+          <a:p>
+            <a:r>
+              <a:rPr lang="en-US" dirty="0" smtClean="0"/>
+              <a:t>TODO: Add bullets</a:t>
+            </a:r>
+            <a:endParaRPr lang="en-US" dirty="0"/>
+          </a:p>
+        </p:txBody>
+      </p:sp>
+    </p:spTree>
+    <p:extLst>
+      <p:ext uri="{BB962C8B-B14F-4D97-AF65-F5344CB8AC3E}">
+        <p14:creationId xmlns:p14="http://schemas.microsoft.com/office/powerpoint/2010/main" val="4029788524"/>
+      </p:ext>
+    </p:extLst>
+  </p:cSld>
+  <p:clrMapOvr>
+    <a:masterClrMapping/>
+  </p:clrMapOvr>
+  <p:timing>
+    <p:tnLst>
+      <p:par>
+        <p:cTn id="1" dur="indefinite" restart="never" nodeType="tmRoot"/>
+      </p:par>
+    </p:tnLst>
+  </p:timing>
+</p:sld>
+</file>
+
+<file path=ppt/slides/slide4.xml><?xml version="1.0" encoding="utf-8"?>
+<p:sld xmlns:a="http://schemas.openxmlformats.org/drawingml/2006/main" xmlns:r="http://schemas.openxmlformats.org/officeDocument/2006/relationships" xmlns:p="http://schemas.openxmlformats.org/presentationml/2006/main">
+  <p:cSld>
+    <p:spTree>
+      <p:nvGrpSpPr>
+        <p:cNvPr id="1" name=""/>
+        <p:cNvGrpSpPr/>
+        <p:nvPr/>
+      </p:nvGrpSpPr>
+      <p:grpSpPr>
+        <a:xfrm>
+          <a:off x="0" y="0"/>
+          <a:ext cx="0" cy="0"/>
+          <a:chOff x="0" y="0"/>
+          <a:chExt cx="0" cy="0"/>
+        </a:xfrm>
+      </p:grpSpPr>
+      <p:sp>
+        <p:nvSpPr>
+          <p:cNvPr id="2" name="Title 1"/>
+          <p:cNvSpPr>
+            <a:spLocks noGrp="1"/>
+          </p:cNvSpPr>
+          <p:nvPr>
+            <p:ph type="ctrTitle"/>
+          </p:nvPr>
+        </p:nvSpPr>
+        <p:spPr/>
+        <p:txBody>
           <a:bodyPr>
             <a:normAutofit/>
           </a:bodyPr>
@@ -9526,7 +10585,7 @@
 </p:sld>
 </file>
 
-<file path=ppt/slides/slide4.xml><?xml version="1.0" encoding="utf-8"?>
+<file path=ppt/slides/slide5.xml><?xml version="1.0" encoding="utf-8"?>
 <p:sld xmlns:a="http://schemas.openxmlformats.org/drawingml/2006/main" xmlns:r="http://schemas.openxmlformats.org/officeDocument/2006/relationships" xmlns:p="http://schemas.openxmlformats.org/presentationml/2006/main">
   <p:cSld>
     <p:spTree>
@@ -11095,7 +12154,7 @@
 </p:sld>
 </file>
 
-<file path=ppt/slides/slide5.xml><?xml version="1.0" encoding="utf-8"?>
+<file path=ppt/slides/slide6.xml><?xml version="1.0" encoding="utf-8"?>
 <p:sld xmlns:a="http://schemas.openxmlformats.org/drawingml/2006/main" xmlns:r="http://schemas.openxmlformats.org/officeDocument/2006/relationships" xmlns:p="http://schemas.openxmlformats.org/presentationml/2006/main">
   <p:cSld>
     <p:spTree>
@@ -12125,7 +13184,7 @@
 </p:sld>
 </file>
 
-<file path=ppt/slides/slide6.xml><?xml version="1.0" encoding="utf-8"?>
+<file path=ppt/slides/slide7.xml><?xml version="1.0" encoding="utf-8"?>
 <p:sld xmlns:a="http://schemas.openxmlformats.org/drawingml/2006/main" xmlns:r="http://schemas.openxmlformats.org/officeDocument/2006/relationships" xmlns:p="http://schemas.openxmlformats.org/presentationml/2006/main">
   <p:cSld>
     <p:spTree>
@@ -12231,7 +13290,7 @@
 </p:sld>
 </file>
 
-<file path=ppt/slides/slide7.xml><?xml version="1.0" encoding="utf-8"?>
+<file path=ppt/slides/slide8.xml><?xml version="1.0" encoding="utf-8"?>
 <p:sld xmlns:a="http://schemas.openxmlformats.org/drawingml/2006/main" xmlns:r="http://schemas.openxmlformats.org/officeDocument/2006/relationships" xmlns:p="http://schemas.openxmlformats.org/presentationml/2006/main">
   <p:cSld>
     <p:spTree>
@@ -13592,7 +14651,7 @@
 </p:sld>
 </file>
 
-<file path=ppt/slides/slide8.xml><?xml version="1.0" encoding="utf-8"?>
+<file path=ppt/slides/slide9.xml><?xml version="1.0" encoding="utf-8"?>
 <p:sld xmlns:a="http://schemas.openxmlformats.org/drawingml/2006/main" xmlns:r="http://schemas.openxmlformats.org/officeDocument/2006/relationships" xmlns:p="http://schemas.openxmlformats.org/presentationml/2006/main">
   <p:cSld>
     <p:spTree>
@@ -14712,833 +15771,6 @@
     <p:extLst>
       <p:ext uri="{BB962C8B-B14F-4D97-AF65-F5344CB8AC3E}">
         <p14:creationId xmlns:p14="http://schemas.microsoft.com/office/powerpoint/2010/main" val="3541929606"/>
-      </p:ext>
-    </p:extLst>
-  </p:cSld>
-  <p:clrMapOvr>
-    <a:masterClrMapping/>
-  </p:clrMapOvr>
-  <p:timing>
-    <p:tnLst>
-      <p:par>
-        <p:cTn id="1" dur="indefinite" restart="never" nodeType="tmRoot"/>
-      </p:par>
-    </p:tnLst>
-  </p:timing>
-</p:sld>
-</file>
-
-<file path=ppt/slides/slide9.xml><?xml version="1.0" encoding="utf-8"?>
-<p:sld xmlns:a="http://schemas.openxmlformats.org/drawingml/2006/main" xmlns:r="http://schemas.openxmlformats.org/officeDocument/2006/relationships" xmlns:p="http://schemas.openxmlformats.org/presentationml/2006/main">
-  <p:cSld>
-    <p:spTree>
-      <p:nvGrpSpPr>
-        <p:cNvPr id="1" name=""/>
-        <p:cNvGrpSpPr/>
-        <p:nvPr/>
-      </p:nvGrpSpPr>
-      <p:grpSpPr>
-        <a:xfrm>
-          <a:off x="0" y="0"/>
-          <a:ext cx="0" cy="0"/>
-          <a:chOff x="0" y="0"/>
-          <a:chExt cx="0" cy="0"/>
-        </a:xfrm>
-      </p:grpSpPr>
-      <p:sp>
-        <p:nvSpPr>
-          <p:cNvPr id="2" name="Title 1"/>
-          <p:cNvSpPr>
-            <a:spLocks noGrp="1"/>
-          </p:cNvSpPr>
-          <p:nvPr>
-            <p:ph type="ctrTitle"/>
-          </p:nvPr>
-        </p:nvSpPr>
-        <p:spPr>
-          <a:xfrm>
-            <a:off x="1261872" y="383065"/>
-            <a:ext cx="9418320" cy="1062681"/>
-          </a:xfrm>
-        </p:spPr>
-        <p:txBody>
-          <a:bodyPr>
-            <a:normAutofit/>
-          </a:bodyPr>
-          <a:lstStyle/>
-          <a:p>
-            <a:r>
-              <a:rPr lang="en-US" dirty="0" smtClean="0"/>
-              <a:t>Transaction log tailing</a:t>
-            </a:r>
-            <a:endParaRPr lang="en-US" dirty="0"/>
-          </a:p>
-        </p:txBody>
-      </p:sp>
-      <p:sp>
-        <p:nvSpPr>
-          <p:cNvPr id="4" name="Hexagon 3"/>
-          <p:cNvSpPr/>
-          <p:nvPr/>
-        </p:nvSpPr>
-        <p:spPr>
-          <a:xfrm rot="5400000">
-            <a:off x="2305427" y="1791970"/>
-            <a:ext cx="1669689" cy="1444386"/>
-          </a:xfrm>
-          <a:prstGeom prst="hexagon">
-            <a:avLst/>
-          </a:prstGeom>
-          <a:solidFill>
-            <a:schemeClr val="accent3">
-              <a:lumMod val="40000"/>
-              <a:lumOff val="60000"/>
-            </a:schemeClr>
-          </a:solidFill>
-          <a:ln w="38100">
-            <a:solidFill>
-              <a:schemeClr val="accent3">
-                <a:lumMod val="75000"/>
-              </a:schemeClr>
-            </a:solidFill>
-          </a:ln>
-          <a:effectLst>
-            <a:outerShdw blurRad="50800" dist="38100" dir="5400000" algn="t" rotWithShape="0">
-              <a:prstClr val="black">
-                <a:alpha val="40000"/>
-              </a:prstClr>
-            </a:outerShdw>
-          </a:effectLst>
-        </p:spPr>
-        <p:style>
-          <a:lnRef idx="1">
-            <a:schemeClr val="accent3"/>
-          </a:lnRef>
-          <a:fillRef idx="2">
-            <a:schemeClr val="accent3"/>
-          </a:fillRef>
-          <a:effectRef idx="1">
-            <a:schemeClr val="accent3"/>
-          </a:effectRef>
-          <a:fontRef idx="minor">
-            <a:schemeClr val="dk1"/>
-          </a:fontRef>
-        </p:style>
-        <p:txBody>
-          <a:bodyPr rtlCol="0" anchor="ctr"/>
-          <a:lstStyle/>
-          <a:p>
-            <a:pPr algn="ctr"/>
-            <a:endParaRPr lang="en-US" dirty="0"/>
-          </a:p>
-        </p:txBody>
-      </p:sp>
-      <p:sp>
-        <p:nvSpPr>
-          <p:cNvPr id="5" name="Diamond 4"/>
-          <p:cNvSpPr/>
-          <p:nvPr/>
-        </p:nvSpPr>
-        <p:spPr>
-          <a:xfrm>
-            <a:off x="2418079" y="1667844"/>
-            <a:ext cx="1444386" cy="735454"/>
-          </a:xfrm>
-          <a:prstGeom prst="diamond">
-            <a:avLst/>
-          </a:prstGeom>
-          <a:solidFill>
-            <a:schemeClr val="accent3">
-              <a:lumMod val="75000"/>
-            </a:schemeClr>
-          </a:solidFill>
-          <a:ln w="38100">
-            <a:solidFill>
-              <a:schemeClr val="accent3">
-                <a:lumMod val="75000"/>
-              </a:schemeClr>
-            </a:solidFill>
-          </a:ln>
-        </p:spPr>
-        <p:style>
-          <a:lnRef idx="1">
-            <a:schemeClr val="accent3"/>
-          </a:lnRef>
-          <a:fillRef idx="2">
-            <a:schemeClr val="accent3"/>
-          </a:fillRef>
-          <a:effectRef idx="1">
-            <a:schemeClr val="accent3"/>
-          </a:effectRef>
-          <a:fontRef idx="minor">
-            <a:schemeClr val="dk1"/>
-          </a:fontRef>
-        </p:style>
-        <p:txBody>
-          <a:bodyPr rtlCol="0" anchor="ctr"/>
-          <a:lstStyle/>
-          <a:p>
-            <a:pPr algn="ctr"/>
-            <a:endParaRPr lang="en-US"/>
-          </a:p>
-        </p:txBody>
-      </p:sp>
-      <p:sp>
-        <p:nvSpPr>
-          <p:cNvPr id="6" name="TextBox 5"/>
-          <p:cNvSpPr txBox="1"/>
-          <p:nvPr/>
-        </p:nvSpPr>
-        <p:spPr>
-          <a:xfrm>
-            <a:off x="2712591" y="2514163"/>
-            <a:ext cx="858440" cy="369332"/>
-          </a:xfrm>
-          <a:prstGeom prst="rect">
-            <a:avLst/>
-          </a:prstGeom>
-          <a:noFill/>
-        </p:spPr>
-        <p:txBody>
-          <a:bodyPr wrap="none" rtlCol="0">
-            <a:spAutoFit/>
-          </a:bodyPr>
-          <a:lstStyle/>
-          <a:p>
-            <a:r>
-              <a:rPr lang="en-US" dirty="0" smtClean="0">
-                <a:solidFill>
-                  <a:schemeClr val="accent3">
-                    <a:lumMod val="50000"/>
-                  </a:schemeClr>
-                </a:solidFill>
-              </a:rPr>
-              <a:t>Service</a:t>
-            </a:r>
-            <a:endParaRPr lang="en-US" dirty="0">
-              <a:solidFill>
-                <a:schemeClr val="accent3">
-                  <a:lumMod val="50000"/>
-                </a:schemeClr>
-              </a:solidFill>
-            </a:endParaRPr>
-          </a:p>
-        </p:txBody>
-      </p:sp>
-      <p:cxnSp>
-        <p:nvCxnSpPr>
-          <p:cNvPr id="8" name="Straight Arrow Connector 7"/>
-          <p:cNvCxnSpPr>
-            <a:stCxn id="4" idx="0"/>
-            <a:endCxn id="7" idx="0"/>
-          </p:cNvCxnSpPr>
-          <p:nvPr/>
-        </p:nvCxnSpPr>
-        <p:spPr>
-          <a:xfrm flipH="1">
-            <a:off x="3137391" y="3349008"/>
-            <a:ext cx="2881" cy="1346562"/>
-          </a:xfrm>
-          <a:prstGeom prst="straightConnector1">
-            <a:avLst/>
-          </a:prstGeom>
-          <a:ln w="57150">
-            <a:solidFill>
-              <a:schemeClr val="accent3">
-                <a:lumMod val="75000"/>
-              </a:schemeClr>
-            </a:solidFill>
-            <a:tailEnd type="triangle"/>
-          </a:ln>
-        </p:spPr>
-        <p:style>
-          <a:lnRef idx="1">
-            <a:schemeClr val="accent1"/>
-          </a:lnRef>
-          <a:fillRef idx="0">
-            <a:schemeClr val="accent1"/>
-          </a:fillRef>
-          <a:effectRef idx="0">
-            <a:schemeClr val="accent1"/>
-          </a:effectRef>
-          <a:fontRef idx="minor">
-            <a:schemeClr val="tx1"/>
-          </a:fontRef>
-        </p:style>
-      </p:cxnSp>
-      <p:sp>
-        <p:nvSpPr>
-          <p:cNvPr id="34" name="Rectangle 33"/>
-          <p:cNvSpPr/>
-          <p:nvPr/>
-        </p:nvSpPr>
-        <p:spPr>
-          <a:xfrm>
-            <a:off x="9308592" y="2035571"/>
-            <a:ext cx="1371600" cy="3950370"/>
-          </a:xfrm>
-          <a:prstGeom prst="rect">
-            <a:avLst/>
-          </a:prstGeom>
-          <a:ln w="57150">
-            <a:prstDash val="sysDot"/>
-          </a:ln>
-        </p:spPr>
-        <p:style>
-          <a:lnRef idx="1">
-            <a:schemeClr val="accent3"/>
-          </a:lnRef>
-          <a:fillRef idx="2">
-            <a:schemeClr val="accent3"/>
-          </a:fillRef>
-          <a:effectRef idx="1">
-            <a:schemeClr val="accent3"/>
-          </a:effectRef>
-          <a:fontRef idx="minor">
-            <a:schemeClr val="dk1"/>
-          </a:fontRef>
-        </p:style>
-        <p:txBody>
-          <a:bodyPr vert="wordArtVert" rtlCol="0" anchor="ctr"/>
-          <a:lstStyle/>
-          <a:p>
-            <a:pPr algn="ctr"/>
-            <a:r>
-              <a:rPr lang="en-US" dirty="0" smtClean="0">
-                <a:solidFill>
-                  <a:schemeClr val="accent3">
-                    <a:lumMod val="50000"/>
-                  </a:schemeClr>
-                </a:solidFill>
-              </a:rPr>
-              <a:t>Message broker</a:t>
-            </a:r>
-          </a:p>
-        </p:txBody>
-      </p:sp>
-      <p:graphicFrame>
-        <p:nvGraphicFramePr>
-          <p:cNvPr id="7" name="Table 6"/>
-          <p:cNvGraphicFramePr>
-            <a:graphicFrameLocks noGrp="1"/>
-          </p:cNvGraphicFramePr>
-          <p:nvPr>
-            <p:extLst>
-              <p:ext uri="{D42A27DB-BD31-4B8C-83A1-F6EECF244321}">
-                <p14:modId xmlns:p14="http://schemas.microsoft.com/office/powerpoint/2010/main" val="939476646"/>
-              </p:ext>
-            </p:extLst>
-          </p:nvPr>
-        </p:nvGraphicFramePr>
-        <p:xfrm>
-          <a:off x="1912074" y="4695570"/>
-          <a:ext cx="2450635" cy="742591"/>
-        </p:xfrm>
-        <a:graphic>
-          <a:graphicData uri="http://schemas.openxmlformats.org/drawingml/2006/table">
-            <a:tbl>
-              <a:tblPr firstRow="1" bandRow="1">
-                <a:tableStyleId>{5C22544A-7EE6-4342-B048-85BDC9FD1C3A}</a:tableStyleId>
-              </a:tblPr>
-              <a:tblGrid>
-                <a:gridCol w="490127"/>
-                <a:gridCol w="490127"/>
-                <a:gridCol w="490127"/>
-                <a:gridCol w="490127"/>
-                <a:gridCol w="490127"/>
-              </a:tblGrid>
-              <a:tr h="264476">
-                <a:tc>
-                  <a:txBody>
-                    <a:bodyPr/>
-                    <a:lstStyle/>
-                    <a:p>
-                      <a:endParaRPr lang="en-US" dirty="0"/>
-                    </a:p>
-                  </a:txBody>
-                  <a:tcPr/>
-                </a:tc>
-                <a:tc>
-                  <a:txBody>
-                    <a:bodyPr/>
-                    <a:lstStyle/>
-                    <a:p>
-                      <a:endParaRPr lang="en-US"/>
-                    </a:p>
-                  </a:txBody>
-                  <a:tcPr/>
-                </a:tc>
-                <a:tc>
-                  <a:txBody>
-                    <a:bodyPr/>
-                    <a:lstStyle/>
-                    <a:p>
-                      <a:endParaRPr lang="en-US" dirty="0"/>
-                    </a:p>
-                  </a:txBody>
-                  <a:tcPr/>
-                </a:tc>
-                <a:tc>
-                  <a:txBody>
-                    <a:bodyPr/>
-                    <a:lstStyle/>
-                    <a:p>
-                      <a:endParaRPr lang="en-US" dirty="0"/>
-                    </a:p>
-                  </a:txBody>
-                  <a:tcPr/>
-                </a:tc>
-                <a:tc>
-                  <a:txBody>
-                    <a:bodyPr/>
-                    <a:lstStyle/>
-                    <a:p>
-                      <a:endParaRPr lang="en-US"/>
-                    </a:p>
-                  </a:txBody>
-                  <a:tcPr/>
-                </a:tc>
-              </a:tr>
-              <a:tr h="376831">
-                <a:tc>
-                  <a:txBody>
-                    <a:bodyPr/>
-                    <a:lstStyle/>
-                    <a:p>
-                      <a:endParaRPr lang="en-US"/>
-                    </a:p>
-                  </a:txBody>
-                  <a:tcPr/>
-                </a:tc>
-                <a:tc>
-                  <a:txBody>
-                    <a:bodyPr/>
-                    <a:lstStyle/>
-                    <a:p>
-                      <a:endParaRPr lang="en-US" dirty="0"/>
-                    </a:p>
-                  </a:txBody>
-                  <a:tcPr/>
-                </a:tc>
-                <a:tc>
-                  <a:txBody>
-                    <a:bodyPr/>
-                    <a:lstStyle/>
-                    <a:p>
-                      <a:endParaRPr lang="en-US"/>
-                    </a:p>
-                  </a:txBody>
-                  <a:tcPr/>
-                </a:tc>
-                <a:tc>
-                  <a:txBody>
-                    <a:bodyPr/>
-                    <a:lstStyle/>
-                    <a:p>
-                      <a:endParaRPr lang="en-US" dirty="0"/>
-                    </a:p>
-                  </a:txBody>
-                  <a:tcPr/>
-                </a:tc>
-                <a:tc>
-                  <a:txBody>
-                    <a:bodyPr/>
-                    <a:lstStyle/>
-                    <a:p>
-                      <a:endParaRPr lang="en-US" dirty="0"/>
-                    </a:p>
-                  </a:txBody>
-                  <a:tcPr/>
-                </a:tc>
-              </a:tr>
-            </a:tbl>
-          </a:graphicData>
-        </a:graphic>
-      </p:graphicFrame>
-      <p:sp>
-        <p:nvSpPr>
-          <p:cNvPr id="46" name="Flowchart: Document 45"/>
-          <p:cNvSpPr/>
-          <p:nvPr/>
-        </p:nvSpPr>
-        <p:spPr>
-          <a:xfrm>
-            <a:off x="1932830" y="3551998"/>
-            <a:ext cx="964736" cy="574752"/>
-          </a:xfrm>
-          <a:prstGeom prst="flowChartDocument">
-            <a:avLst/>
-          </a:prstGeom>
-        </p:spPr>
-        <p:style>
-          <a:lnRef idx="1">
-            <a:schemeClr val="accent4"/>
-          </a:lnRef>
-          <a:fillRef idx="3">
-            <a:schemeClr val="accent4"/>
-          </a:fillRef>
-          <a:effectRef idx="2">
-            <a:schemeClr val="accent4"/>
-          </a:effectRef>
-          <a:fontRef idx="minor">
-            <a:schemeClr val="lt1"/>
-          </a:fontRef>
-        </p:style>
-        <p:txBody>
-          <a:bodyPr rtlCol="0" anchor="ctr"/>
-          <a:lstStyle/>
-          <a:p>
-            <a:pPr algn="ctr"/>
-            <a:r>
-              <a:rPr lang="en-US" dirty="0" smtClean="0"/>
-              <a:t>Entity</a:t>
-            </a:r>
-          </a:p>
-        </p:txBody>
-      </p:sp>
-      <p:cxnSp>
-        <p:nvCxnSpPr>
-          <p:cNvPr id="48" name="Straight Arrow Connector 47"/>
-          <p:cNvCxnSpPr/>
-          <p:nvPr/>
-        </p:nvCxnSpPr>
-        <p:spPr>
-          <a:xfrm>
-            <a:off x="7330560" y="3729814"/>
-            <a:ext cx="1965121" cy="0"/>
-          </a:xfrm>
-          <a:prstGeom prst="straightConnector1">
-            <a:avLst/>
-          </a:prstGeom>
-          <a:ln w="57150">
-            <a:solidFill>
-              <a:schemeClr val="accent3">
-                <a:lumMod val="75000"/>
-              </a:schemeClr>
-            </a:solidFill>
-            <a:tailEnd type="triangle"/>
-          </a:ln>
-        </p:spPr>
-        <p:style>
-          <a:lnRef idx="1">
-            <a:schemeClr val="accent1"/>
-          </a:lnRef>
-          <a:fillRef idx="0">
-            <a:schemeClr val="accent1"/>
-          </a:fillRef>
-          <a:effectRef idx="0">
-            <a:schemeClr val="accent1"/>
-          </a:effectRef>
-          <a:fontRef idx="minor">
-            <a:schemeClr val="tx1"/>
-          </a:fontRef>
-        </p:style>
-      </p:cxnSp>
-      <p:sp>
-        <p:nvSpPr>
-          <p:cNvPr id="54" name="Hexagon 53"/>
-          <p:cNvSpPr/>
-          <p:nvPr/>
-        </p:nvSpPr>
-        <p:spPr>
-          <a:xfrm rot="5400000">
-            <a:off x="5773522" y="3007621"/>
-            <a:ext cx="1669689" cy="1444386"/>
-          </a:xfrm>
-          <a:prstGeom prst="hexagon">
-            <a:avLst/>
-          </a:prstGeom>
-          <a:solidFill>
-            <a:schemeClr val="accent3">
-              <a:lumMod val="40000"/>
-              <a:lumOff val="60000"/>
-            </a:schemeClr>
-          </a:solidFill>
-          <a:ln w="38100">
-            <a:solidFill>
-              <a:schemeClr val="accent3">
-                <a:lumMod val="75000"/>
-              </a:schemeClr>
-            </a:solidFill>
-          </a:ln>
-          <a:effectLst>
-            <a:outerShdw blurRad="50800" dist="38100" dir="5400000" algn="t" rotWithShape="0">
-              <a:prstClr val="black">
-                <a:alpha val="40000"/>
-              </a:prstClr>
-            </a:outerShdw>
-          </a:effectLst>
-        </p:spPr>
-        <p:style>
-          <a:lnRef idx="1">
-            <a:schemeClr val="accent3"/>
-          </a:lnRef>
-          <a:fillRef idx="2">
-            <a:schemeClr val="accent3"/>
-          </a:fillRef>
-          <a:effectRef idx="1">
-            <a:schemeClr val="accent3"/>
-          </a:effectRef>
-          <a:fontRef idx="minor">
-            <a:schemeClr val="dk1"/>
-          </a:fontRef>
-        </p:style>
-        <p:txBody>
-          <a:bodyPr rtlCol="0" anchor="ctr"/>
-          <a:lstStyle/>
-          <a:p>
-            <a:pPr algn="ctr"/>
-            <a:endParaRPr lang="en-US" dirty="0"/>
-          </a:p>
-        </p:txBody>
-      </p:sp>
-      <p:sp>
-        <p:nvSpPr>
-          <p:cNvPr id="55" name="Diamond 54"/>
-          <p:cNvSpPr/>
-          <p:nvPr/>
-        </p:nvSpPr>
-        <p:spPr>
-          <a:xfrm>
-            <a:off x="5886174" y="2883495"/>
-            <a:ext cx="1444386" cy="735454"/>
-          </a:xfrm>
-          <a:prstGeom prst="diamond">
-            <a:avLst/>
-          </a:prstGeom>
-          <a:solidFill>
-            <a:schemeClr val="accent3">
-              <a:lumMod val="75000"/>
-            </a:schemeClr>
-          </a:solidFill>
-          <a:ln w="38100">
-            <a:solidFill>
-              <a:schemeClr val="accent3">
-                <a:lumMod val="75000"/>
-              </a:schemeClr>
-            </a:solidFill>
-          </a:ln>
-        </p:spPr>
-        <p:style>
-          <a:lnRef idx="1">
-            <a:schemeClr val="accent3"/>
-          </a:lnRef>
-          <a:fillRef idx="2">
-            <a:schemeClr val="accent3"/>
-          </a:fillRef>
-          <a:effectRef idx="1">
-            <a:schemeClr val="accent3"/>
-          </a:effectRef>
-          <a:fontRef idx="minor">
-            <a:schemeClr val="dk1"/>
-          </a:fontRef>
-        </p:style>
-        <p:txBody>
-          <a:bodyPr rtlCol="0" anchor="ctr"/>
-          <a:lstStyle/>
-          <a:p>
-            <a:pPr algn="ctr"/>
-            <a:endParaRPr lang="en-US"/>
-          </a:p>
-        </p:txBody>
-      </p:sp>
-      <p:sp>
-        <p:nvSpPr>
-          <p:cNvPr id="56" name="TextBox 55"/>
-          <p:cNvSpPr txBox="1"/>
-          <p:nvPr/>
-        </p:nvSpPr>
-        <p:spPr>
-          <a:xfrm>
-            <a:off x="6066386" y="3615514"/>
-            <a:ext cx="1059906" cy="646331"/>
-          </a:xfrm>
-          <a:prstGeom prst="rect">
-            <a:avLst/>
-          </a:prstGeom>
-          <a:noFill/>
-        </p:spPr>
-        <p:txBody>
-          <a:bodyPr wrap="square" rtlCol="0">
-            <a:spAutoFit/>
-          </a:bodyPr>
-          <a:lstStyle/>
-          <a:p>
-            <a:pPr algn="ctr"/>
-            <a:r>
-              <a:rPr lang="en-US" dirty="0" smtClean="0">
-                <a:solidFill>
-                  <a:schemeClr val="accent3">
-                    <a:lumMod val="50000"/>
-                  </a:schemeClr>
-                </a:solidFill>
-              </a:rPr>
-              <a:t>Event</a:t>
-            </a:r>
-          </a:p>
-          <a:p>
-            <a:pPr algn="ctr"/>
-            <a:r>
-              <a:rPr lang="en-US" dirty="0" smtClean="0">
-                <a:solidFill>
-                  <a:schemeClr val="accent3">
-                    <a:lumMod val="50000"/>
-                  </a:schemeClr>
-                </a:solidFill>
-              </a:rPr>
-              <a:t>Publisher</a:t>
-            </a:r>
-            <a:endParaRPr lang="en-US" dirty="0">
-              <a:solidFill>
-                <a:schemeClr val="accent3">
-                  <a:lumMod val="50000"/>
-                </a:schemeClr>
-              </a:solidFill>
-            </a:endParaRPr>
-          </a:p>
-        </p:txBody>
-      </p:sp>
-      <p:cxnSp>
-        <p:nvCxnSpPr>
-          <p:cNvPr id="65" name="Straight Arrow Connector 64"/>
-          <p:cNvCxnSpPr/>
-          <p:nvPr/>
-        </p:nvCxnSpPr>
-        <p:spPr>
-          <a:xfrm flipV="1">
-            <a:off x="4870956" y="4339494"/>
-            <a:ext cx="1195430" cy="1241329"/>
-          </a:xfrm>
-          <a:prstGeom prst="straightConnector1">
-            <a:avLst/>
-          </a:prstGeom>
-          <a:ln w="57150">
-            <a:solidFill>
-              <a:schemeClr val="accent3">
-                <a:lumMod val="75000"/>
-              </a:schemeClr>
-            </a:solidFill>
-            <a:tailEnd type="triangle"/>
-          </a:ln>
-        </p:spPr>
-        <p:style>
-          <a:lnRef idx="1">
-            <a:schemeClr val="accent1"/>
-          </a:lnRef>
-          <a:fillRef idx="0">
-            <a:schemeClr val="accent1"/>
-          </a:fillRef>
-          <a:effectRef idx="0">
-            <a:schemeClr val="accent1"/>
-          </a:effectRef>
-          <a:fontRef idx="minor">
-            <a:schemeClr val="tx1"/>
-          </a:fontRef>
-        </p:style>
-      </p:cxnSp>
-      <p:sp>
-        <p:nvSpPr>
-          <p:cNvPr id="24" name="Rectangle 23"/>
-          <p:cNvSpPr/>
-          <p:nvPr/>
-        </p:nvSpPr>
-        <p:spPr>
-          <a:xfrm>
-            <a:off x="1383878" y="5580823"/>
-            <a:ext cx="3501271" cy="478591"/>
-          </a:xfrm>
-          <a:prstGeom prst="rect">
-            <a:avLst/>
-          </a:prstGeom>
-          <a:ln w="57150">
-            <a:prstDash val="sysDot"/>
-          </a:ln>
-        </p:spPr>
-        <p:style>
-          <a:lnRef idx="1">
-            <a:schemeClr val="accent3"/>
-          </a:lnRef>
-          <a:fillRef idx="2">
-            <a:schemeClr val="accent3"/>
-          </a:fillRef>
-          <a:effectRef idx="1">
-            <a:schemeClr val="accent3"/>
-          </a:effectRef>
-          <a:fontRef idx="minor">
-            <a:schemeClr val="dk1"/>
-          </a:fontRef>
-        </p:style>
-        <p:txBody>
-          <a:bodyPr vert="horz" rtlCol="0" anchor="ctr"/>
-          <a:lstStyle/>
-          <a:p>
-            <a:pPr algn="ctr"/>
-            <a:r>
-              <a:rPr lang="en-US" dirty="0" smtClean="0">
-                <a:solidFill>
-                  <a:schemeClr val="accent3">
-                    <a:lumMod val="50000"/>
-                  </a:schemeClr>
-                </a:solidFill>
-              </a:rPr>
-              <a:t>Transaction Log</a:t>
-            </a:r>
-          </a:p>
-        </p:txBody>
-      </p:sp>
-      <p:sp>
-        <p:nvSpPr>
-          <p:cNvPr id="40" name="Flowchart: Magnetic Disk 39"/>
-          <p:cNvSpPr/>
-          <p:nvPr/>
-        </p:nvSpPr>
-        <p:spPr>
-          <a:xfrm>
-            <a:off x="988550" y="4488758"/>
-            <a:ext cx="4522606" cy="1834872"/>
-          </a:xfrm>
-          <a:prstGeom prst="flowChartMagneticDisk">
-            <a:avLst/>
-          </a:prstGeom>
-          <a:noFill/>
-          <a:ln w="38100">
-            <a:prstDash val="sysDot"/>
-          </a:ln>
-          <a:effectLst>
-            <a:outerShdw blurRad="50800" dist="38100" dir="5400000" algn="t" rotWithShape="0">
-              <a:prstClr val="black">
-                <a:alpha val="40000"/>
-              </a:prstClr>
-            </a:outerShdw>
-          </a:effectLst>
-        </p:spPr>
-        <p:style>
-          <a:lnRef idx="3">
-            <a:schemeClr val="lt1"/>
-          </a:lnRef>
-          <a:fillRef idx="1">
-            <a:schemeClr val="accent1"/>
-          </a:fillRef>
-          <a:effectRef idx="1">
-            <a:schemeClr val="accent1"/>
-          </a:effectRef>
-          <a:fontRef idx="minor">
-            <a:schemeClr val="lt1"/>
-          </a:fontRef>
-        </p:style>
-        <p:txBody>
-          <a:bodyPr rtlCol="0" anchor="ctr"/>
-          <a:lstStyle/>
-          <a:p>
-            <a:pPr algn="ctr"/>
-            <a:endParaRPr lang="en-US"/>
-          </a:p>
-        </p:txBody>
-      </p:sp>
-    </p:spTree>
-    <p:extLst>
-      <p:ext uri="{BB962C8B-B14F-4D97-AF65-F5344CB8AC3E}">
-        <p14:creationId xmlns:p14="http://schemas.microsoft.com/office/powerpoint/2010/main" val="1677658167"/>
       </p:ext>
     </p:extLst>
   </p:cSld>

--- a/t18-event-mongodb.pptx
+++ b/t18-event-mongodb.pptx
@@ -5,7 +5,7 @@
     <p:sldMasterId id="2147483756" r:id="rId1"/>
   </p:sldMasterIdLst>
   <p:notesMasterIdLst>
-    <p:notesMasterId r:id="rId21"/>
+    <p:notesMasterId r:id="rId22"/>
   </p:notesMasterIdLst>
   <p:sldIdLst>
     <p:sldId id="258" r:id="rId2"/>
@@ -22,11 +22,12 @@
     <p:sldId id="267" r:id="rId13"/>
     <p:sldId id="268" r:id="rId14"/>
     <p:sldId id="269" r:id="rId15"/>
-    <p:sldId id="270" r:id="rId16"/>
-    <p:sldId id="271" r:id="rId17"/>
-    <p:sldId id="272" r:id="rId18"/>
-    <p:sldId id="274" r:id="rId19"/>
-    <p:sldId id="273" r:id="rId20"/>
+    <p:sldId id="277" r:id="rId16"/>
+    <p:sldId id="270" r:id="rId17"/>
+    <p:sldId id="271" r:id="rId18"/>
+    <p:sldId id="272" r:id="rId19"/>
+    <p:sldId id="274" r:id="rId20"/>
+    <p:sldId id="273" r:id="rId21"/>
   </p:sldIdLst>
   <p:sldSz cx="12192000" cy="6858000"/>
   <p:notesSz cx="6858000" cy="9144000"/>
@@ -528,17 +529,12 @@
           <a:lstStyle/>
           <a:p>
             <a:r>
-              <a:rPr lang="en-US" sz="1200" dirty="0" smtClean="0"/>
-              <a:t>Greetings</a:t>
-            </a:r>
-          </a:p>
-          <a:p>
-            <a:endParaRPr lang="en-US" dirty="0" smtClean="0"/>
-          </a:p>
-          <a:p>
-            <a:r>
               <a:rPr lang="en-US" baseline="0" dirty="0" smtClean="0"/>
-              <a:t>Talk intro:</a:t>
+              <a:t>Talk </a:t>
+            </a:r>
+            <a:r>
+              <a:rPr lang="en-US" baseline="0" dirty="0" smtClean="0"/>
+              <a:t>intro:</a:t>
             </a:r>
           </a:p>
           <a:p>
@@ -556,58 +552,13 @@
           <a:p>
             <a:r>
               <a:rPr lang="en-US" baseline="0" dirty="0" smtClean="0"/>
-              <a:t>    - Reference implementation with MongoDB and C#</a:t>
-            </a:r>
-          </a:p>
-          <a:p>
+              <a:t>    - Reference implementation with MongoDB and C</a:t>
+            </a:r>
+            <a:r>
+              <a:rPr lang="en-US" baseline="0" dirty="0" smtClean="0"/>
+              <a:t>#</a:t>
+            </a:r>
             <a:endParaRPr lang="en-US" baseline="0" dirty="0" smtClean="0"/>
-          </a:p>
-          <a:p>
-            <a:pPr marL="0" marR="0" lvl="0" indent="0" algn="l" defTabSz="914400" rtl="0" eaLnBrk="1" fontAlgn="auto" latinLnBrk="0" hangingPunct="1">
-              <a:lnSpc>
-                <a:spcPct val="100000"/>
-              </a:lnSpc>
-              <a:spcBef>
-                <a:spcPts val="0"/>
-              </a:spcBef>
-              <a:spcAft>
-                <a:spcPts val="0"/>
-              </a:spcAft>
-              <a:buClrTx/>
-              <a:buSzTx/>
-              <a:buFontTx/>
-              <a:buNone/>
-              <a:tabLst/>
-              <a:defRPr/>
-            </a:pPr>
-            <a:r>
-              <a:rPr lang="en-US" dirty="0" smtClean="0"/>
-              <a:t>Andrii Litvinov</a:t>
-            </a:r>
-            <a:r>
-              <a:rPr lang="en-US" baseline="0" dirty="0" smtClean="0"/>
-              <a:t>, p</a:t>
-            </a:r>
-            <a:r>
-              <a:rPr lang="en-US" dirty="0" smtClean="0"/>
-              <a:t>latform engineer</a:t>
-            </a:r>
-            <a:r>
-              <a:rPr lang="en-US" baseline="0" dirty="0" smtClean="0"/>
-              <a:t> in company </a:t>
-            </a:r>
-            <a:r>
-              <a:rPr lang="en-US" baseline="0" smtClean="0"/>
-              <a:t>that creates </a:t>
-            </a:r>
-            <a:r>
-              <a:rPr lang="en-US" dirty="0" smtClean="0"/>
-              <a:t>analytics of sport events based</a:t>
-            </a:r>
-            <a:r>
-              <a:rPr lang="en-US" baseline="0" dirty="0" smtClean="0"/>
-              <a:t> on videos.</a:t>
-            </a:r>
           </a:p>
         </p:txBody>
       </p:sp>
@@ -1172,32 +1123,7 @@
           <a:bodyPr/>
           <a:lstStyle/>
           <a:p>
-            <a:pPr marL="0" marR="0" lvl="0" indent="0" algn="l" defTabSz="914400" rtl="0" eaLnBrk="1" fontAlgn="auto" latinLnBrk="0" hangingPunct="1">
-              <a:lnSpc>
-                <a:spcPct val="100000"/>
-              </a:lnSpc>
-              <a:spcBef>
-                <a:spcPts val="0"/>
-              </a:spcBef>
-              <a:spcAft>
-                <a:spcPts val="0"/>
-              </a:spcAft>
-              <a:buClrTx/>
-              <a:buSzTx/>
-              <a:buFontTx/>
-              <a:buNone/>
-              <a:tabLst/>
-              <a:defRPr/>
-            </a:pPr>
-            <a:r>
-              <a:rPr lang="en-US" dirty="0" smtClean="0"/>
-              <a:t>3.4</a:t>
-            </a:r>
-            <a:r>
-              <a:rPr lang="en-US" baseline="0" dirty="0" smtClean="0"/>
-              <a:t> to 3.6 upgrade issue</a:t>
-            </a:r>
-            <a:endParaRPr lang="en-US" dirty="0" smtClean="0"/>
+            <a:endParaRPr lang="en-US" dirty="0"/>
           </a:p>
         </p:txBody>
       </p:sp>
@@ -1227,7 +1153,7 @@
     </p:spTree>
     <p:extLst>
       <p:ext uri="{BB962C8B-B14F-4D97-AF65-F5344CB8AC3E}">
-        <p14:creationId xmlns:p14="http://schemas.microsoft.com/office/powerpoint/2010/main" val="1395154103"/>
+        <p14:creationId xmlns:p14="http://schemas.microsoft.com/office/powerpoint/2010/main" val="2587453420"/>
       </p:ext>
     </p:extLst>
   </p:cSld>
@@ -1281,7 +1207,32 @@
           <a:bodyPr/>
           <a:lstStyle/>
           <a:p>
-            <a:endParaRPr lang="en-US" dirty="0"/>
+            <a:pPr marL="0" marR="0" lvl="0" indent="0" algn="l" defTabSz="914400" rtl="0" eaLnBrk="1" fontAlgn="auto" latinLnBrk="0" hangingPunct="1">
+              <a:lnSpc>
+                <a:spcPct val="100000"/>
+              </a:lnSpc>
+              <a:spcBef>
+                <a:spcPts val="0"/>
+              </a:spcBef>
+              <a:spcAft>
+                <a:spcPts val="0"/>
+              </a:spcAft>
+              <a:buClrTx/>
+              <a:buSzTx/>
+              <a:buFontTx/>
+              <a:buNone/>
+              <a:tabLst/>
+              <a:defRPr/>
+            </a:pPr>
+            <a:r>
+              <a:rPr lang="en-US" dirty="0" smtClean="0"/>
+              <a:t>3.4</a:t>
+            </a:r>
+            <a:r>
+              <a:rPr lang="en-US" baseline="0" dirty="0" smtClean="0"/>
+              <a:t> to 3.6 upgrade issue</a:t>
+            </a:r>
+            <a:endParaRPr lang="en-US" dirty="0" smtClean="0"/>
           </a:p>
         </p:txBody>
       </p:sp>
@@ -1311,7 +1262,7 @@
     </p:spTree>
     <p:extLst>
       <p:ext uri="{BB962C8B-B14F-4D97-AF65-F5344CB8AC3E}">
-        <p14:creationId xmlns:p14="http://schemas.microsoft.com/office/powerpoint/2010/main" val="2789047906"/>
+        <p14:creationId xmlns:p14="http://schemas.microsoft.com/office/powerpoint/2010/main" val="1395154103"/>
       </p:ext>
     </p:extLst>
   </p:cSld>
@@ -1395,7 +1346,7 @@
     </p:spTree>
     <p:extLst>
       <p:ext uri="{BB962C8B-B14F-4D97-AF65-F5344CB8AC3E}">
-        <p14:creationId xmlns:p14="http://schemas.microsoft.com/office/powerpoint/2010/main" val="2848189909"/>
+        <p14:creationId xmlns:p14="http://schemas.microsoft.com/office/powerpoint/2010/main" val="2789047906"/>
       </p:ext>
     </p:extLst>
   </p:cSld>
@@ -1479,7 +1430,7 @@
     </p:spTree>
     <p:extLst>
       <p:ext uri="{BB962C8B-B14F-4D97-AF65-F5344CB8AC3E}">
-        <p14:creationId xmlns:p14="http://schemas.microsoft.com/office/powerpoint/2010/main" val="4020643647"/>
+        <p14:creationId xmlns:p14="http://schemas.microsoft.com/office/powerpoint/2010/main" val="2848189909"/>
       </p:ext>
     </p:extLst>
   </p:cSld>
@@ -1533,24 +1484,6 @@
           <a:bodyPr/>
           <a:lstStyle/>
           <a:p>
-            <a:r>
-              <a:rPr lang="en-US" dirty="0" smtClean="0"/>
-              <a:t>Capped collection</a:t>
-            </a:r>
-          </a:p>
-          <a:p>
-            <a:r>
-              <a:rPr lang="ru-RU" dirty="0" smtClean="0"/>
-              <a:t>50</a:t>
-            </a:r>
-            <a:r>
-              <a:rPr lang="ru-RU" baseline="0" dirty="0" smtClean="0"/>
-              <a:t> </a:t>
-            </a:r>
-            <a:r>
-              <a:rPr lang="en-US" baseline="0" dirty="0" smtClean="0"/>
-              <a:t>GB size limit</a:t>
-            </a:r>
             <a:endParaRPr lang="en-US" dirty="0"/>
           </a:p>
         </p:txBody>
@@ -1581,7 +1514,7 @@
     </p:spTree>
     <p:extLst>
       <p:ext uri="{BB962C8B-B14F-4D97-AF65-F5344CB8AC3E}">
-        <p14:creationId xmlns:p14="http://schemas.microsoft.com/office/powerpoint/2010/main" val="1263657375"/>
+        <p14:creationId xmlns:p14="http://schemas.microsoft.com/office/powerpoint/2010/main" val="4020643647"/>
       </p:ext>
     </p:extLst>
   </p:cSld>
@@ -1635,42 +1568,6 @@
           <a:bodyPr/>
           <a:lstStyle/>
           <a:p>
-            <a:r>
-              <a:rPr lang="en-US" sz="1200" dirty="0" smtClean="0"/>
-              <a:t>Greetings</a:t>
-            </a:r>
-          </a:p>
-          <a:p>
-            <a:endParaRPr lang="en-US" dirty="0" smtClean="0"/>
-          </a:p>
-          <a:p>
-            <a:r>
-              <a:rPr lang="en-US" baseline="0" dirty="0" smtClean="0"/>
-              <a:t>Talk intro:</a:t>
-            </a:r>
-          </a:p>
-          <a:p>
-            <a:r>
-              <a:rPr lang="en-US" baseline="0" dirty="0" smtClean="0"/>
-              <a:t>    - Event-Driven systems and challenges</a:t>
-            </a:r>
-          </a:p>
-          <a:p>
-            <a:r>
-              <a:rPr lang="en-US" baseline="0" dirty="0" smtClean="0"/>
-              <a:t>    - MongoDB replication internals</a:t>
-            </a:r>
-          </a:p>
-          <a:p>
-            <a:r>
-              <a:rPr lang="en-US" baseline="0" dirty="0" smtClean="0"/>
-              <a:t>    - Reference implementation with MongoDB and C#</a:t>
-            </a:r>
-          </a:p>
-          <a:p>
-            <a:endParaRPr lang="en-US" baseline="0" dirty="0" smtClean="0"/>
-          </a:p>
-          <a:p>
             <a:pPr marL="0" marR="0" lvl="0" indent="0" algn="l" defTabSz="914400" rtl="0" eaLnBrk="1" fontAlgn="auto" latinLnBrk="0" hangingPunct="1">
               <a:lnSpc>
                 <a:spcPct val="100000"/>
@@ -1689,24 +1586,8 @@
               <a:defRPr/>
             </a:pPr>
             <a:r>
-              <a:rPr lang="en-US" dirty="0" smtClean="0"/>
-              <a:t>Andrii Litvinov</a:t>
-            </a:r>
-            <a:r>
               <a:rPr lang="en-US" baseline="0" dirty="0" smtClean="0"/>
-              <a:t>, p</a:t>
-            </a:r>
-            <a:r>
-              <a:rPr lang="en-US" dirty="0" smtClean="0"/>
-              <a:t>latform engineer</a:t>
-            </a:r>
-            <a:r>
-              <a:rPr lang="en-US" baseline="0" dirty="0" smtClean="0"/>
-              <a:t> in company </a:t>
-            </a:r>
-            <a:r>
-              <a:rPr lang="en-US" baseline="0" smtClean="0"/>
-              <a:t>that creates </a:t>
+              <a:t>Company creates </a:t>
             </a:r>
             <a:r>
               <a:rPr lang="en-US" dirty="0" smtClean="0"/>
@@ -1716,6 +1597,7 @@
               <a:rPr lang="en-US" baseline="0" dirty="0" smtClean="0"/>
               <a:t> on videos.</a:t>
             </a:r>
+            <a:endParaRPr lang="en-US" baseline="0" dirty="0" smtClean="0"/>
           </a:p>
         </p:txBody>
       </p:sp>
@@ -1746,6 +1628,108 @@
     <p:extLst>
       <p:ext uri="{BB962C8B-B14F-4D97-AF65-F5344CB8AC3E}">
         <p14:creationId xmlns:p14="http://schemas.microsoft.com/office/powerpoint/2010/main" val="4248885569"/>
+      </p:ext>
+    </p:extLst>
+  </p:cSld>
+  <p:clrMapOvr>
+    <a:masterClrMapping/>
+  </p:clrMapOvr>
+</p:notes>
+</file>
+
+<file path=ppt/notesSlides/notesSlide20.xml><?xml version="1.0" encoding="utf-8"?>
+<p:notes xmlns:a="http://schemas.openxmlformats.org/drawingml/2006/main" xmlns:r="http://schemas.openxmlformats.org/officeDocument/2006/relationships" xmlns:p="http://schemas.openxmlformats.org/presentationml/2006/main">
+  <p:cSld>
+    <p:spTree>
+      <p:nvGrpSpPr>
+        <p:cNvPr id="1" name=""/>
+        <p:cNvGrpSpPr/>
+        <p:nvPr/>
+      </p:nvGrpSpPr>
+      <p:grpSpPr>
+        <a:xfrm>
+          <a:off x="0" y="0"/>
+          <a:ext cx="0" cy="0"/>
+          <a:chOff x="0" y="0"/>
+          <a:chExt cx="0" cy="0"/>
+        </a:xfrm>
+      </p:grpSpPr>
+      <p:sp>
+        <p:nvSpPr>
+          <p:cNvPr id="2" name="Slide Image Placeholder 1"/>
+          <p:cNvSpPr>
+            <a:spLocks noGrp="1" noRot="1" noChangeAspect="1"/>
+          </p:cNvSpPr>
+          <p:nvPr>
+            <p:ph type="sldImg"/>
+          </p:nvPr>
+        </p:nvSpPr>
+        <p:spPr/>
+      </p:sp>
+      <p:sp>
+        <p:nvSpPr>
+          <p:cNvPr id="3" name="Notes Placeholder 2"/>
+          <p:cNvSpPr>
+            <a:spLocks noGrp="1"/>
+          </p:cNvSpPr>
+          <p:nvPr>
+            <p:ph type="body" idx="1"/>
+          </p:nvPr>
+        </p:nvSpPr>
+        <p:spPr/>
+        <p:txBody>
+          <a:bodyPr/>
+          <a:lstStyle/>
+          <a:p>
+            <a:r>
+              <a:rPr lang="en-US" dirty="0" smtClean="0"/>
+              <a:t>Capped collection</a:t>
+            </a:r>
+          </a:p>
+          <a:p>
+            <a:r>
+              <a:rPr lang="ru-RU" dirty="0" smtClean="0"/>
+              <a:t>50</a:t>
+            </a:r>
+            <a:r>
+              <a:rPr lang="ru-RU" baseline="0" dirty="0" smtClean="0"/>
+              <a:t> </a:t>
+            </a:r>
+            <a:r>
+              <a:rPr lang="en-US" baseline="0" dirty="0" smtClean="0"/>
+              <a:t>GB size limit</a:t>
+            </a:r>
+            <a:endParaRPr lang="en-US" dirty="0"/>
+          </a:p>
+        </p:txBody>
+      </p:sp>
+      <p:sp>
+        <p:nvSpPr>
+          <p:cNvPr id="4" name="Slide Number Placeholder 3"/>
+          <p:cNvSpPr>
+            <a:spLocks noGrp="1"/>
+          </p:cNvSpPr>
+          <p:nvPr>
+            <p:ph type="sldNum" sz="quarter" idx="10"/>
+          </p:nvPr>
+        </p:nvSpPr>
+        <p:spPr/>
+        <p:txBody>
+          <a:bodyPr/>
+          <a:lstStyle/>
+          <a:p>
+            <a:fld id="{40EA4F9F-6CEF-4B9D-BEB3-40FCF0DF71AE}" type="slidenum">
+              <a:rPr lang="en-US" smtClean="0"/>
+              <a:t>20</a:t>
+            </a:fld>
+            <a:endParaRPr lang="en-US"/>
+          </a:p>
+        </p:txBody>
+      </p:sp>
+    </p:spTree>
+    <p:extLst>
+      <p:ext uri="{BB962C8B-B14F-4D97-AF65-F5344CB8AC3E}">
+        <p14:creationId xmlns:p14="http://schemas.microsoft.com/office/powerpoint/2010/main" val="1263657375"/>
       </p:ext>
     </p:extLst>
   </p:cSld>
@@ -1816,100 +1800,7 @@
               <a:tabLst/>
               <a:defRPr/>
             </a:pPr>
-            <a:r>
-              <a:rPr lang="en-US" baseline="0" dirty="0" smtClean="0"/>
-              <a:t>Large codebase</a:t>
-            </a:r>
-          </a:p>
-          <a:p>
-            <a:pPr marL="0" marR="0" lvl="0" indent="0" algn="l" defTabSz="914400" rtl="0" eaLnBrk="1" fontAlgn="auto" latinLnBrk="0" hangingPunct="1">
-              <a:lnSpc>
-                <a:spcPct val="100000"/>
-              </a:lnSpc>
-              <a:spcBef>
-                <a:spcPts val="0"/>
-              </a:spcBef>
-              <a:spcAft>
-                <a:spcPts val="0"/>
-              </a:spcAft>
-              <a:buClrTx/>
-              <a:buSzTx/>
-              <a:buFontTx/>
-              <a:buNone/>
-              <a:tabLst/>
-              <a:defRPr/>
-            </a:pPr>
             <a:endParaRPr lang="en-US" baseline="0" dirty="0" smtClean="0"/>
-          </a:p>
-          <a:p>
-            <a:pPr marL="0" marR="0" lvl="0" indent="0" algn="l" defTabSz="914400" rtl="0" eaLnBrk="1" fontAlgn="auto" latinLnBrk="0" hangingPunct="1">
-              <a:lnSpc>
-                <a:spcPct val="100000"/>
-              </a:lnSpc>
-              <a:spcBef>
-                <a:spcPts val="0"/>
-              </a:spcBef>
-              <a:spcAft>
-                <a:spcPts val="0"/>
-              </a:spcAft>
-              <a:buClrTx/>
-              <a:buSzTx/>
-              <a:buFontTx/>
-              <a:buNone/>
-              <a:tabLst/>
-              <a:defRPr/>
-            </a:pPr>
-            <a:r>
-              <a:rPr lang="en-US" baseline="0" dirty="0" err="1" smtClean="0"/>
-              <a:t>Async</a:t>
-            </a:r>
-            <a:r>
-              <a:rPr lang="en-US" baseline="0" dirty="0" smtClean="0"/>
-              <a:t> request processing</a:t>
-            </a:r>
-          </a:p>
-          <a:p>
-            <a:pPr marL="0" marR="0" lvl="0" indent="0" algn="l" defTabSz="914400" rtl="0" eaLnBrk="1" fontAlgn="auto" latinLnBrk="0" hangingPunct="1">
-              <a:lnSpc>
-                <a:spcPct val="100000"/>
-              </a:lnSpc>
-              <a:spcBef>
-                <a:spcPts val="0"/>
-              </a:spcBef>
-              <a:spcAft>
-                <a:spcPts val="0"/>
-              </a:spcAft>
-              <a:buClrTx/>
-              <a:buSzTx/>
-              <a:buFontTx/>
-              <a:buNone/>
-              <a:tabLst/>
-              <a:defRPr/>
-            </a:pPr>
-            <a:endParaRPr lang="en-US" baseline="0" dirty="0" smtClean="0"/>
-          </a:p>
-          <a:p>
-            <a:pPr marL="0" marR="0" lvl="0" indent="0" algn="l" defTabSz="914400" rtl="0" eaLnBrk="1" fontAlgn="auto" latinLnBrk="0" hangingPunct="1">
-              <a:lnSpc>
-                <a:spcPct val="100000"/>
-              </a:lnSpc>
-              <a:spcBef>
-                <a:spcPts val="0"/>
-              </a:spcBef>
-              <a:spcAft>
-                <a:spcPts val="0"/>
-              </a:spcAft>
-              <a:buClrTx/>
-              <a:buSzTx/>
-              <a:buFontTx/>
-              <a:buNone/>
-              <a:tabLst/>
-              <a:defRPr/>
-            </a:pPr>
-            <a:r>
-              <a:rPr lang="en-US" baseline="0" dirty="0" smtClean="0"/>
-              <a:t>Keep data in-sync between systems</a:t>
-            </a:r>
           </a:p>
         </p:txBody>
       </p:sp>
@@ -5939,36 +5830,6 @@
           </a:p>
         </p:txBody>
       </p:sp>
-      <p:pic>
-        <p:nvPicPr>
-          <p:cNvPr id="4" name="Picture 3"/>
-          <p:cNvPicPr>
-            <a:picLocks noChangeAspect="1"/>
-          </p:cNvPicPr>
-          <p:nvPr/>
-        </p:nvPicPr>
-        <p:blipFill>
-          <a:blip r:embed="rId3">
-            <a:extLst>
-              <a:ext uri="{28A0092B-C50C-407E-A947-70E740481C1C}">
-                <a14:useLocalDpi xmlns:a14="http://schemas.microsoft.com/office/drawing/2010/main" val="0"/>
-              </a:ext>
-            </a:extLst>
-          </a:blip>
-          <a:stretch>
-            <a:fillRect/>
-          </a:stretch>
-        </p:blipFill>
-        <p:spPr>
-          <a:xfrm>
-            <a:off x="1422510" y="2494518"/>
-            <a:ext cx="2857500" cy="2857500"/>
-          </a:xfrm>
-          <a:prstGeom prst="rect">
-            <a:avLst/>
-          </a:prstGeom>
-        </p:spPr>
-      </p:pic>
       <p:sp>
         <p:nvSpPr>
           <p:cNvPr id="6" name="Title 1"/>
@@ -5988,7 +5849,7 @@
         </p:spPr>
         <p:txBody>
           <a:bodyPr vert="horz" lIns="91440" tIns="45720" rIns="91440" bIns="45720" rtlCol="0" anchor="b">
-            <a:normAutofit fontScale="90000"/>
+            <a:normAutofit fontScale="82500" lnSpcReduction="10000"/>
           </a:bodyPr>
           <a:lstStyle>
             <a:lvl1pPr algn="l" defTabSz="914400" rtl="0" eaLnBrk="1" latinLnBrk="0" hangingPunct="1">
@@ -6012,12 +5873,42 @@
           <a:p>
             <a:r>
               <a:rPr lang="en-US" dirty="0" smtClean="0"/>
-              <a:t>bit.ly/2KvmCoY</a:t>
+              <a:t>bit.ly/2DUYXNF</a:t>
             </a:r>
             <a:endParaRPr lang="en-US" dirty="0"/>
           </a:p>
         </p:txBody>
       </p:sp>
+      <p:pic>
+        <p:nvPicPr>
+          <p:cNvPr id="3" name="Picture 2"/>
+          <p:cNvPicPr>
+            <a:picLocks noChangeAspect="1"/>
+          </p:cNvPicPr>
+          <p:nvPr/>
+        </p:nvPicPr>
+        <p:blipFill>
+          <a:blip r:embed="rId3">
+            <a:extLst>
+              <a:ext uri="{28A0092B-C50C-407E-A947-70E740481C1C}">
+                <a14:useLocalDpi xmlns:a14="http://schemas.microsoft.com/office/drawing/2010/main" val="0"/>
+              </a:ext>
+            </a:extLst>
+          </a:blip>
+          <a:stretch>
+            <a:fillRect/>
+          </a:stretch>
+        </p:blipFill>
+        <p:spPr>
+          <a:xfrm>
+            <a:off x="1424518" y="2494518"/>
+            <a:ext cx="2857500" cy="2857500"/>
+          </a:xfrm>
+          <a:prstGeom prst="rect">
+            <a:avLst/>
+          </a:prstGeom>
+        </p:spPr>
+      </p:pic>
     </p:spTree>
     <p:extLst>
       <p:ext uri="{BB962C8B-B14F-4D97-AF65-F5344CB8AC3E}">
@@ -9220,6 +9111,14 @@
 <file path=ppt/slides/slide15.xml><?xml version="1.0" encoding="utf-8"?>
 <p:sld xmlns:a="http://schemas.openxmlformats.org/drawingml/2006/main" xmlns:r="http://schemas.openxmlformats.org/officeDocument/2006/relationships" xmlns:p="http://schemas.openxmlformats.org/presentationml/2006/main">
   <p:cSld>
+    <p:bg>
+      <p:bgPr>
+        <a:solidFill>
+          <a:schemeClr val="tx1"/>
+        </a:solidFill>
+        <a:effectLst/>
+      </p:bgPr>
+    </p:bg>
     <p:spTree>
       <p:nvGrpSpPr>
         <p:cNvPr id="1" name=""/>
@@ -9234,93 +9133,51 @@
           <a:chExt cx="0" cy="0"/>
         </a:xfrm>
       </p:grpSpPr>
-      <p:sp>
-        <p:nvSpPr>
-          <p:cNvPr id="2" name="Title 1"/>
-          <p:cNvSpPr>
-            <a:spLocks noGrp="1"/>
-          </p:cNvSpPr>
-          <p:nvPr>
-            <p:ph type="ctrTitle"/>
-          </p:nvPr>
-        </p:nvSpPr>
-        <p:spPr/>
-        <p:txBody>
-          <a:bodyPr>
-            <a:normAutofit/>
-          </a:bodyPr>
-          <a:lstStyle/>
-          <a:p>
-            <a:r>
-              <a:rPr lang="en-US" dirty="0" smtClean="0">
+      <p:pic>
+        <p:nvPicPr>
+          <p:cNvPr id="2052" name="Picture 4" descr="great-success.jpg (600Ã302)"/>
+          <p:cNvPicPr>
+            <a:picLocks noChangeAspect="1" noChangeArrowheads="1"/>
+          </p:cNvPicPr>
+          <p:nvPr/>
+        </p:nvPicPr>
+        <p:blipFill>
+          <a:blip r:embed="rId3">
+            <a:extLst>
+              <a:ext uri="{28A0092B-C50C-407E-A947-70E740481C1C}">
+                <a14:useLocalDpi xmlns:a14="http://schemas.microsoft.com/office/drawing/2010/main" val="0"/>
+              </a:ext>
+            </a:extLst>
+          </a:blip>
+          <a:srcRect/>
+          <a:stretch>
+            <a:fillRect/>
+          </a:stretch>
+        </p:blipFill>
+        <p:spPr bwMode="auto">
+          <a:xfrm>
+            <a:off x="-664660" y="0"/>
+            <a:ext cx="13625161" cy="6858000"/>
+          </a:xfrm>
+          <a:prstGeom prst="rect">
+            <a:avLst/>
+          </a:prstGeom>
+          <a:noFill/>
+          <a:extLst>
+            <a:ext uri="{909E8E84-426E-40DD-AFC4-6F175D3DCCD1}">
+              <a14:hiddenFill xmlns:a14="http://schemas.microsoft.com/office/drawing/2010/main">
                 <a:solidFill>
-                  <a:srgbClr val="FFFF00"/>
+                  <a:srgbClr val="FFFFFF"/>
                 </a:solidFill>
-              </a:rPr>
-              <a:t>Takeaway:</a:t>
-            </a:r>
-            <a:br>
-              <a:rPr lang="en-US" dirty="0" smtClean="0">
-                <a:solidFill>
-                  <a:srgbClr val="FFFF00"/>
-                </a:solidFill>
-              </a:rPr>
-            </a:br>
-            <a:r>
-              <a:rPr lang="en-US" dirty="0"/>
-              <a:t>for MongoDB 3.6 </a:t>
-            </a:r>
-            <a:r>
-              <a:rPr lang="en-US" dirty="0" smtClean="0"/>
-              <a:t>use </a:t>
-            </a:r>
-            <a:r>
-              <a:rPr lang="en-US" dirty="0" err="1" smtClean="0">
-                <a:solidFill>
-                  <a:srgbClr val="92D050"/>
-                </a:solidFill>
-              </a:rPr>
-              <a:t>Oplog</a:t>
-            </a:r>
-            <a:r>
-              <a:rPr lang="en-US" dirty="0" smtClean="0">
-                <a:solidFill>
-                  <a:srgbClr val="92D050"/>
-                </a:solidFill>
-              </a:rPr>
-              <a:t> tailing</a:t>
-            </a:r>
-            <a:endParaRPr lang="en-US" dirty="0">
-              <a:solidFill>
-                <a:srgbClr val="92D050"/>
-              </a:solidFill>
-            </a:endParaRPr>
-          </a:p>
-        </p:txBody>
-      </p:sp>
-      <p:sp>
-        <p:nvSpPr>
-          <p:cNvPr id="3" name="Subtitle 2"/>
-          <p:cNvSpPr>
-            <a:spLocks noGrp="1"/>
-          </p:cNvSpPr>
-          <p:nvPr>
-            <p:ph type="subTitle" idx="1"/>
-          </p:nvPr>
-        </p:nvSpPr>
-        <p:spPr/>
-        <p:txBody>
-          <a:bodyPr/>
-          <a:lstStyle/>
-          <a:p>
-            <a:endParaRPr lang="en-US" dirty="0"/>
-          </a:p>
-        </p:txBody>
-      </p:sp>
+              </a14:hiddenFill>
+            </a:ext>
+          </a:extLst>
+        </p:spPr>
+      </p:pic>
     </p:spTree>
     <p:extLst>
       <p:ext uri="{BB962C8B-B14F-4D97-AF65-F5344CB8AC3E}">
-        <p14:creationId xmlns:p14="http://schemas.microsoft.com/office/powerpoint/2010/main" val="2629089657"/>
+        <p14:creationId xmlns:p14="http://schemas.microsoft.com/office/powerpoint/2010/main" val="3734699794"/>
       </p:ext>
     </p:extLst>
   </p:cSld>
@@ -9388,6 +9245,126 @@
             </a:br>
             <a:r>
               <a:rPr lang="en-US" dirty="0"/>
+              <a:t>for MongoDB 3.6 </a:t>
+            </a:r>
+            <a:r>
+              <a:rPr lang="en-US" dirty="0" smtClean="0"/>
+              <a:t>use </a:t>
+            </a:r>
+            <a:r>
+              <a:rPr lang="en-US" dirty="0" err="1" smtClean="0">
+                <a:solidFill>
+                  <a:srgbClr val="92D050"/>
+                </a:solidFill>
+              </a:rPr>
+              <a:t>Oplog</a:t>
+            </a:r>
+            <a:r>
+              <a:rPr lang="en-US" dirty="0" smtClean="0">
+                <a:solidFill>
+                  <a:srgbClr val="92D050"/>
+                </a:solidFill>
+              </a:rPr>
+              <a:t> tailing</a:t>
+            </a:r>
+            <a:endParaRPr lang="en-US" dirty="0">
+              <a:solidFill>
+                <a:srgbClr val="92D050"/>
+              </a:solidFill>
+            </a:endParaRPr>
+          </a:p>
+        </p:txBody>
+      </p:sp>
+      <p:sp>
+        <p:nvSpPr>
+          <p:cNvPr id="3" name="Subtitle 2"/>
+          <p:cNvSpPr>
+            <a:spLocks noGrp="1"/>
+          </p:cNvSpPr>
+          <p:nvPr>
+            <p:ph type="subTitle" idx="1"/>
+          </p:nvPr>
+        </p:nvSpPr>
+        <p:spPr/>
+        <p:txBody>
+          <a:bodyPr/>
+          <a:lstStyle/>
+          <a:p>
+            <a:endParaRPr lang="en-US" dirty="0"/>
+          </a:p>
+        </p:txBody>
+      </p:sp>
+    </p:spTree>
+    <p:extLst>
+      <p:ext uri="{BB962C8B-B14F-4D97-AF65-F5344CB8AC3E}">
+        <p14:creationId xmlns:p14="http://schemas.microsoft.com/office/powerpoint/2010/main" val="2629089657"/>
+      </p:ext>
+    </p:extLst>
+  </p:cSld>
+  <p:clrMapOvr>
+    <a:masterClrMapping/>
+  </p:clrMapOvr>
+  <p:timing>
+    <p:tnLst>
+      <p:par>
+        <p:cTn id="1" dur="indefinite" restart="never" nodeType="tmRoot"/>
+      </p:par>
+    </p:tnLst>
+  </p:timing>
+</p:sld>
+</file>
+
+<file path=ppt/slides/slide17.xml><?xml version="1.0" encoding="utf-8"?>
+<p:sld xmlns:a="http://schemas.openxmlformats.org/drawingml/2006/main" xmlns:r="http://schemas.openxmlformats.org/officeDocument/2006/relationships" xmlns:p="http://schemas.openxmlformats.org/presentationml/2006/main">
+  <p:cSld>
+    <p:spTree>
+      <p:nvGrpSpPr>
+        <p:cNvPr id="1" name=""/>
+        <p:cNvGrpSpPr/>
+        <p:nvPr/>
+      </p:nvGrpSpPr>
+      <p:grpSpPr>
+        <a:xfrm>
+          <a:off x="0" y="0"/>
+          <a:ext cx="0" cy="0"/>
+          <a:chOff x="0" y="0"/>
+          <a:chExt cx="0" cy="0"/>
+        </a:xfrm>
+      </p:grpSpPr>
+      <p:sp>
+        <p:nvSpPr>
+          <p:cNvPr id="2" name="Title 1"/>
+          <p:cNvSpPr>
+            <a:spLocks noGrp="1"/>
+          </p:cNvSpPr>
+          <p:nvPr>
+            <p:ph type="ctrTitle"/>
+          </p:nvPr>
+        </p:nvSpPr>
+        <p:spPr/>
+        <p:txBody>
+          <a:bodyPr>
+            <a:normAutofit/>
+          </a:bodyPr>
+          <a:lstStyle/>
+          <a:p>
+            <a:r>
+              <a:rPr lang="en-US" dirty="0" smtClean="0">
+                <a:solidFill>
+                  <a:srgbClr val="FFFF00"/>
+                </a:solidFill>
+              </a:rPr>
+              <a:t>Takeaway:</a:t>
+            </a:r>
+            <a:br>
+              <a:rPr lang="en-US" dirty="0" smtClean="0">
+                <a:solidFill>
+                  <a:srgbClr val="FFFF00"/>
+                </a:solidFill>
+              </a:rPr>
+            </a:br>
+            <a:r>
+              <a:rPr lang="en-US" dirty="0"/>
               <a:t>for primary-secondary-arbiter (PSA</a:t>
             </a:r>
             <a:r>
@@ -9457,7 +9434,7 @@
 </p:sld>
 </file>
 
-<file path=ppt/slides/slide17.xml><?xml version="1.0" encoding="utf-8"?>
+<file path=ppt/slides/slide18.xml><?xml version="1.0" encoding="utf-8"?>
 <p:sld xmlns:a="http://schemas.openxmlformats.org/drawingml/2006/main" xmlns:r="http://schemas.openxmlformats.org/officeDocument/2006/relationships" xmlns:p="http://schemas.openxmlformats.org/presentationml/2006/main">
   <p:cSld>
     <p:spTree>
@@ -10160,114 +10137,6 @@
 </p:sld>
 </file>
 
-<file path=ppt/slides/slide18.xml><?xml version="1.0" encoding="utf-8"?>
-<p:sld xmlns:a="http://schemas.openxmlformats.org/drawingml/2006/main" xmlns:r="http://schemas.openxmlformats.org/officeDocument/2006/relationships" xmlns:p="http://schemas.openxmlformats.org/presentationml/2006/main">
-  <p:cSld>
-    <p:spTree>
-      <p:nvGrpSpPr>
-        <p:cNvPr id="1" name=""/>
-        <p:cNvGrpSpPr/>
-        <p:nvPr/>
-      </p:nvGrpSpPr>
-      <p:grpSpPr>
-        <a:xfrm>
-          <a:off x="0" y="0"/>
-          <a:ext cx="0" cy="0"/>
-          <a:chOff x="0" y="0"/>
-          <a:chExt cx="0" cy="0"/>
-        </a:xfrm>
-      </p:grpSpPr>
-      <p:sp>
-        <p:nvSpPr>
-          <p:cNvPr id="2" name="Title 1"/>
-          <p:cNvSpPr>
-            <a:spLocks noGrp="1"/>
-          </p:cNvSpPr>
-          <p:nvPr>
-            <p:ph type="ctrTitle"/>
-          </p:nvPr>
-        </p:nvSpPr>
-        <p:spPr/>
-        <p:txBody>
-          <a:bodyPr>
-            <a:normAutofit fontScale="90000"/>
-          </a:bodyPr>
-          <a:lstStyle/>
-          <a:p>
-            <a:r>
-              <a:rPr lang="en-US" dirty="0" smtClean="0">
-                <a:solidFill>
-                  <a:srgbClr val="FFFF00"/>
-                </a:solidFill>
-              </a:rPr>
-              <a:t>Takeaway:</a:t>
-            </a:r>
-            <a:br>
-              <a:rPr lang="en-US" dirty="0" smtClean="0">
-                <a:solidFill>
-                  <a:srgbClr val="FFFF00"/>
-                </a:solidFill>
-              </a:rPr>
-            </a:br>
-            <a:r>
-              <a:rPr lang="en-US" dirty="0" smtClean="0"/>
-              <a:t>for MongoDB 4.0 replica set with 3+ data-bearing nodes use </a:t>
-            </a:r>
-            <a:r>
-              <a:rPr lang="en-US" dirty="0" smtClean="0">
-                <a:solidFill>
-                  <a:srgbClr val="92D050"/>
-                </a:solidFill>
-              </a:rPr>
-              <a:t>Change Streams</a:t>
-            </a:r>
-            <a:endParaRPr lang="en-US" dirty="0">
-              <a:solidFill>
-                <a:srgbClr val="92D050"/>
-              </a:solidFill>
-            </a:endParaRPr>
-          </a:p>
-        </p:txBody>
-      </p:sp>
-      <p:sp>
-        <p:nvSpPr>
-          <p:cNvPr id="3" name="Subtitle 2"/>
-          <p:cNvSpPr>
-            <a:spLocks noGrp="1"/>
-          </p:cNvSpPr>
-          <p:nvPr>
-            <p:ph type="subTitle" idx="1"/>
-          </p:nvPr>
-        </p:nvSpPr>
-        <p:spPr/>
-        <p:txBody>
-          <a:bodyPr/>
-          <a:lstStyle/>
-          <a:p>
-            <a:endParaRPr lang="en-US" dirty="0"/>
-          </a:p>
-        </p:txBody>
-      </p:sp>
-    </p:spTree>
-    <p:extLst>
-      <p:ext uri="{BB962C8B-B14F-4D97-AF65-F5344CB8AC3E}">
-        <p14:creationId xmlns:p14="http://schemas.microsoft.com/office/powerpoint/2010/main" val="345151891"/>
-      </p:ext>
-    </p:extLst>
-  </p:cSld>
-  <p:clrMapOvr>
-    <a:masterClrMapping/>
-  </p:clrMapOvr>
-  <p:timing>
-    <p:tnLst>
-      <p:par>
-        <p:cTn id="1" dur="indefinite" restart="never" nodeType="tmRoot"/>
-      </p:par>
-    </p:tnLst>
-  </p:timing>
-</p:sld>
-</file>
-
 <file path=ppt/slides/slide19.xml><?xml version="1.0" encoding="utf-8"?>
 <p:sld xmlns:a="http://schemas.openxmlformats.org/drawingml/2006/main" xmlns:r="http://schemas.openxmlformats.org/officeDocument/2006/relationships" xmlns:p="http://schemas.openxmlformats.org/presentationml/2006/main">
   <p:cSld>
@@ -10297,14 +10166,43 @@
         </p:nvSpPr>
         <p:spPr/>
         <p:txBody>
-          <a:bodyPr/>
-          <a:lstStyle/>
-          <a:p>
+          <a:bodyPr>
+            <a:normAutofit fontScale="90000"/>
+          </a:bodyPr>
+          <a:lstStyle/>
+          <a:p>
+            <a:r>
+              <a:rPr lang="en-US" dirty="0" smtClean="0">
+                <a:solidFill>
+                  <a:srgbClr val="FFFF00"/>
+                </a:solidFill>
+              </a:rPr>
+              <a:t>Takeaway:</a:t>
+            </a:r>
+            <a:br>
+              <a:rPr lang="en-US" dirty="0" smtClean="0">
+                <a:solidFill>
+                  <a:srgbClr val="FFFF00"/>
+                </a:solidFill>
+              </a:rPr>
+            </a:br>
             <a:r>
               <a:rPr lang="en-US" dirty="0" smtClean="0"/>
-              <a:t>Demo</a:t>
-            </a:r>
-            <a:endParaRPr lang="en-US" dirty="0"/>
+              <a:t>for MongoDB 4.0 replica set with 3+ data-bearing nodes use </a:t>
+            </a:r>
+            <a:r>
+              <a:rPr lang="en-US" dirty="0" smtClean="0">
+                <a:solidFill>
+                  <a:srgbClr val="92D050"/>
+                </a:solidFill>
+              </a:rPr>
+              <a:t>Change Streams</a:t>
+            </a:r>
+            <a:endParaRPr lang="en-US" dirty="0">
+              <a:solidFill>
+                <a:srgbClr val="92D050"/>
+              </a:solidFill>
+            </a:endParaRPr>
           </a:p>
         </p:txBody>
       </p:sp>
@@ -10323,14 +10221,14 @@
           <a:bodyPr/>
           <a:lstStyle/>
           <a:p>
-            <a:endParaRPr lang="en-US"/>
+            <a:endParaRPr lang="en-US" dirty="0"/>
           </a:p>
         </p:txBody>
       </p:sp>
     </p:spTree>
     <p:extLst>
       <p:ext uri="{BB962C8B-B14F-4D97-AF65-F5344CB8AC3E}">
-        <p14:creationId xmlns:p14="http://schemas.microsoft.com/office/powerpoint/2010/main" val="3053173680"/>
+        <p14:creationId xmlns:p14="http://schemas.microsoft.com/office/powerpoint/2010/main" val="345151891"/>
       </p:ext>
     </p:extLst>
   </p:cSld>
@@ -10376,7 +10274,7 @@
         </p:nvSpPr>
         <p:spPr>
           <a:xfrm>
-            <a:off x="1261872" y="363531"/>
+            <a:off x="1261872" y="611181"/>
             <a:ext cx="9418320" cy="1041936"/>
           </a:xfrm>
         </p:spPr>
@@ -10388,9 +10286,93 @@
           <a:p>
             <a:r>
               <a:rPr lang="en-US" dirty="0" smtClean="0"/>
-              <a:t>About me</a:t>
+              <a:t>About </a:t>
+            </a:r>
+            <a:r>
+              <a:rPr lang="en-US" dirty="0" smtClean="0"/>
+              <a:t>me</a:t>
             </a:r>
             <a:endParaRPr lang="en-US" dirty="0"/>
+          </a:p>
+        </p:txBody>
+      </p:sp>
+      <p:pic>
+        <p:nvPicPr>
+          <p:cNvPr id="1026" name="Picture 2" descr="https://scontent.fiev12-1.fna.fbcdn.net/v/t1.0-9/c0.0.215.215/12494928_1139995499368714_8989582005896967223_n.png?_nc_cat=109&amp;_nc_ht=scontent.fiev12-1.fna&amp;oh=ee4c679202e74d6262c8803b45612cb9&amp;oe=5C7304DF"/>
+          <p:cNvPicPr>
+            <a:picLocks noChangeAspect="1" noChangeArrowheads="1"/>
+          </p:cNvPicPr>
+          <p:nvPr/>
+        </p:nvPicPr>
+        <p:blipFill>
+          <a:blip r:embed="rId3">
+            <a:extLst>
+              <a:ext uri="{28A0092B-C50C-407E-A947-70E740481C1C}">
+                <a14:useLocalDpi xmlns:a14="http://schemas.microsoft.com/office/drawing/2010/main" val="0"/>
+              </a:ext>
+            </a:extLst>
+          </a:blip>
+          <a:srcRect/>
+          <a:stretch>
+            <a:fillRect/>
+          </a:stretch>
+        </p:blipFill>
+        <p:spPr bwMode="auto">
+          <a:xfrm>
+            <a:off x="9265436" y="3846720"/>
+            <a:ext cx="2047875" cy="2047876"/>
+          </a:xfrm>
+          <a:prstGeom prst="rect">
+            <a:avLst/>
+          </a:prstGeom>
+          <a:noFill/>
+          <a:extLst>
+            <a:ext uri="{909E8E84-426E-40DD-AFC4-6F175D3DCCD1}">
+              <a14:hiddenFill xmlns:a14="http://schemas.microsoft.com/office/drawing/2010/main">
+                <a:solidFill>
+                  <a:srgbClr val="FFFFFF"/>
+                </a:solidFill>
+              </a14:hiddenFill>
+            </a:ext>
+          </a:extLst>
+        </p:spPr>
+      </p:pic>
+      <p:sp>
+        <p:nvSpPr>
+          <p:cNvPr id="3" name="TextBox 2"/>
+          <p:cNvSpPr txBox="1"/>
+          <p:nvPr/>
+        </p:nvSpPr>
+        <p:spPr>
+          <a:xfrm>
+            <a:off x="1261872" y="2847608"/>
+            <a:ext cx="7165848" cy="3046988"/>
+          </a:xfrm>
+          <a:prstGeom prst="rect">
+            <a:avLst/>
+          </a:prstGeom>
+          <a:noFill/>
+        </p:spPr>
+        <p:txBody>
+          <a:bodyPr wrap="square" rtlCol="0">
+            <a:spAutoFit/>
+          </a:bodyPr>
+          <a:lstStyle/>
+          <a:p>
+            <a:r>
+              <a:rPr lang="en-US" sz="4800" dirty="0" smtClean="0"/>
+              <a:t>Andrii Litvinov</a:t>
+            </a:r>
+          </a:p>
+          <a:p>
+            <a:endParaRPr lang="en-US" sz="4800" dirty="0" smtClean="0"/>
+          </a:p>
+          <a:p>
+            <a:r>
+              <a:rPr lang="en-US" sz="4800" dirty="0" smtClean="0"/>
+              <a:t>Platform engineer at Synergy Sports Technology</a:t>
+            </a:r>
+            <a:endParaRPr lang="en-US" sz="4800" dirty="0"/>
           </a:p>
         </p:txBody>
       </p:sp>
@@ -10398,6 +10380,112 @@
     <p:extLst>
       <p:ext uri="{BB962C8B-B14F-4D97-AF65-F5344CB8AC3E}">
         <p14:creationId xmlns:p14="http://schemas.microsoft.com/office/powerpoint/2010/main" val="1953207086"/>
+      </p:ext>
+    </p:extLst>
+  </p:cSld>
+  <p:clrMapOvr>
+    <a:masterClrMapping/>
+  </p:clrMapOvr>
+  <p:timing>
+    <p:tnLst>
+      <p:par>
+        <p:cTn id="1" dur="indefinite" restart="never" nodeType="tmRoot"/>
+      </p:par>
+    </p:tnLst>
+  </p:timing>
+</p:sld>
+</file>
+
+<file path=ppt/slides/slide20.xml><?xml version="1.0" encoding="utf-8"?>
+<p:sld xmlns:a="http://schemas.openxmlformats.org/drawingml/2006/main" xmlns:r="http://schemas.openxmlformats.org/officeDocument/2006/relationships" xmlns:p="http://schemas.openxmlformats.org/presentationml/2006/main">
+  <p:cSld>
+    <p:spTree>
+      <p:nvGrpSpPr>
+        <p:cNvPr id="1" name=""/>
+        <p:cNvGrpSpPr/>
+        <p:nvPr/>
+      </p:nvGrpSpPr>
+      <p:grpSpPr>
+        <a:xfrm>
+          <a:off x="0" y="0"/>
+          <a:ext cx="0" cy="0"/>
+          <a:chOff x="0" y="0"/>
+          <a:chExt cx="0" cy="0"/>
+        </a:xfrm>
+      </p:grpSpPr>
+      <p:sp>
+        <p:nvSpPr>
+          <p:cNvPr id="2" name="Title 1"/>
+          <p:cNvSpPr>
+            <a:spLocks noGrp="1"/>
+          </p:cNvSpPr>
+          <p:nvPr>
+            <p:ph type="ctrTitle"/>
+          </p:nvPr>
+        </p:nvSpPr>
+        <p:spPr>
+          <a:xfrm>
+            <a:off x="757779" y="665167"/>
+            <a:ext cx="9418320" cy="1069848"/>
+          </a:xfrm>
+        </p:spPr>
+        <p:txBody>
+          <a:bodyPr/>
+          <a:lstStyle/>
+          <a:p>
+            <a:r>
+              <a:rPr lang="en-US" dirty="0" smtClean="0"/>
+              <a:t>Demo</a:t>
+            </a:r>
+            <a:endParaRPr lang="en-US" dirty="0"/>
+          </a:p>
+        </p:txBody>
+      </p:sp>
+      <p:pic>
+        <p:nvPicPr>
+          <p:cNvPr id="3074" name="Picture 2" descr="Image result for draw  owl"/>
+          <p:cNvPicPr>
+            <a:picLocks noChangeAspect="1" noChangeArrowheads="1"/>
+          </p:cNvPicPr>
+          <p:nvPr/>
+        </p:nvPicPr>
+        <p:blipFill>
+          <a:blip r:embed="rId3">
+            <a:extLst>
+              <a:ext uri="{28A0092B-C50C-407E-A947-70E740481C1C}">
+                <a14:useLocalDpi xmlns:a14="http://schemas.microsoft.com/office/drawing/2010/main" val="0"/>
+              </a:ext>
+            </a:extLst>
+          </a:blip>
+          <a:srcRect/>
+          <a:stretch>
+            <a:fillRect/>
+          </a:stretch>
+        </p:blipFill>
+        <p:spPr bwMode="auto">
+          <a:xfrm>
+            <a:off x="3766941" y="0"/>
+            <a:ext cx="8425059" cy="6858000"/>
+          </a:xfrm>
+          <a:prstGeom prst="rect">
+            <a:avLst/>
+          </a:prstGeom>
+          <a:noFill/>
+          <a:extLst>
+            <a:ext uri="{909E8E84-426E-40DD-AFC4-6F175D3DCCD1}">
+              <a14:hiddenFill xmlns:a14="http://schemas.microsoft.com/office/drawing/2010/main">
+                <a:solidFill>
+                  <a:srgbClr val="FFFFFF"/>
+                </a:solidFill>
+              </a14:hiddenFill>
+            </a:ext>
+          </a:extLst>
+        </p:spPr>
+      </p:pic>
+    </p:spTree>
+    <p:extLst>
+      <p:ext uri="{BB962C8B-B14F-4D97-AF65-F5344CB8AC3E}">
+        <p14:creationId xmlns:p14="http://schemas.microsoft.com/office/powerpoint/2010/main" val="3053173680"/>
       </p:ext>
     </p:extLst>
   </p:cSld>
@@ -10441,7 +10529,12 @@
             <p:ph type="ctrTitle"/>
           </p:nvPr>
         </p:nvSpPr>
-        <p:spPr/>
+        <p:spPr>
+          <a:xfrm>
+            <a:off x="1261872" y="587502"/>
+            <a:ext cx="9418320" cy="1184148"/>
+          </a:xfrm>
+        </p:spPr>
         <p:txBody>
           <a:bodyPr/>
           <a:lstStyle/>
@@ -10464,16 +10557,93 @@
             <p:ph type="subTitle" idx="1"/>
           </p:nvPr>
         </p:nvSpPr>
-        <p:spPr/>
-        <p:txBody>
-          <a:bodyPr/>
-          <a:lstStyle/>
-          <a:p>
-            <a:r>
-              <a:rPr lang="en-US" dirty="0" smtClean="0"/>
-              <a:t>TODO: Add bullets</a:t>
-            </a:r>
-            <a:endParaRPr lang="en-US" dirty="0"/>
+        <p:spPr>
+          <a:xfrm>
+            <a:off x="1261872" y="2548581"/>
+            <a:ext cx="9418320" cy="3308522"/>
+          </a:xfrm>
+        </p:spPr>
+        <p:txBody>
+          <a:bodyPr>
+            <a:normAutofit/>
+          </a:bodyPr>
+          <a:lstStyle/>
+          <a:p>
+            <a:r>
+              <a:rPr lang="en-US" sz="4000" dirty="0" smtClean="0">
+                <a:solidFill>
+                  <a:schemeClr val="tx1"/>
+                </a:solidFill>
+              </a:rPr>
+              <a:t>• Large c</a:t>
+            </a:r>
+            <a:r>
+              <a:rPr lang="en-US" sz="4000" dirty="0" smtClean="0">
+                <a:solidFill>
+                  <a:schemeClr val="tx1"/>
+                </a:solidFill>
+              </a:rPr>
+              <a:t>odebase </a:t>
+            </a:r>
+          </a:p>
+          <a:p>
+            <a:r>
+              <a:rPr lang="en-US" sz="4000" dirty="0">
+                <a:solidFill>
+                  <a:schemeClr val="tx1"/>
+                </a:solidFill>
+              </a:rPr>
+              <a:t>• </a:t>
+            </a:r>
+            <a:r>
+              <a:rPr lang="en-US" sz="4000" dirty="0" smtClean="0">
+                <a:solidFill>
+                  <a:schemeClr val="tx1"/>
+                </a:solidFill>
+              </a:rPr>
+              <a:t>Complex domain rules</a:t>
+            </a:r>
+          </a:p>
+          <a:p>
+            <a:r>
+              <a:rPr lang="en-US" sz="4000" dirty="0">
+                <a:solidFill>
+                  <a:schemeClr val="tx1"/>
+                </a:solidFill>
+              </a:rPr>
+              <a:t>• </a:t>
+            </a:r>
+            <a:r>
+              <a:rPr lang="en-US" sz="4000" dirty="0" smtClean="0">
+                <a:solidFill>
+                  <a:schemeClr val="tx1"/>
+                </a:solidFill>
+              </a:rPr>
+              <a:t>Request processing time</a:t>
+            </a:r>
+          </a:p>
+          <a:p>
+            <a:r>
+              <a:rPr lang="en-US" sz="4000" dirty="0">
+                <a:solidFill>
+                  <a:schemeClr val="tx1"/>
+                </a:solidFill>
+              </a:rPr>
+              <a:t>• Multiple </a:t>
+            </a:r>
+            <a:r>
+              <a:rPr lang="en-US" sz="4000" dirty="0" smtClean="0">
+                <a:solidFill>
+                  <a:schemeClr val="tx1"/>
+                </a:solidFill>
+              </a:rPr>
+              <a:t>subsystems to keep in-sync</a:t>
+            </a:r>
+            <a:endParaRPr lang="en-US" sz="4000" dirty="0">
+              <a:solidFill>
+                <a:schemeClr val="tx1"/>
+              </a:solidFill>
+            </a:endParaRPr>
           </a:p>
         </p:txBody>
       </p:sp>

--- a/t18-event-mongodb.pptx
+++ b/t18-event-mongodb.pptx
@@ -5,7 +5,7 @@
     <p:sldMasterId id="2147483756" r:id="rId1"/>
   </p:sldMasterIdLst>
   <p:notesMasterIdLst>
-    <p:notesMasterId r:id="rId22"/>
+    <p:notesMasterId r:id="rId23"/>
   </p:notesMasterIdLst>
   <p:sldIdLst>
     <p:sldId id="258" r:id="rId2"/>
@@ -28,6 +28,7 @@
     <p:sldId id="272" r:id="rId19"/>
     <p:sldId id="274" r:id="rId20"/>
     <p:sldId id="273" r:id="rId21"/>
+    <p:sldId id="278" r:id="rId22"/>
   </p:sldIdLst>
   <p:sldSz cx="12192000" cy="6858000"/>
   <p:notesSz cx="6858000" cy="9144000"/>
@@ -530,11 +531,7 @@
           <a:p>
             <a:r>
               <a:rPr lang="en-US" baseline="0" dirty="0" smtClean="0"/>
-              <a:t>Talk </a:t>
-            </a:r>
-            <a:r>
-              <a:rPr lang="en-US" baseline="0" dirty="0" smtClean="0"/>
-              <a:t>intro:</a:t>
+              <a:t>Talk intro:</a:t>
             </a:r>
           </a:p>
           <a:p>
@@ -552,13 +549,8 @@
           <a:p>
             <a:r>
               <a:rPr lang="en-US" baseline="0" dirty="0" smtClean="0"/>
-              <a:t>    - Reference implementation with MongoDB and C</a:t>
-            </a:r>
-            <a:r>
-              <a:rPr lang="en-US" baseline="0" dirty="0" smtClean="0"/>
-              <a:t>#</a:t>
-            </a:r>
-            <a:endParaRPr lang="en-US" baseline="0" dirty="0" smtClean="0"/>
+              <a:t>    - Reference implementation with MongoDB and C#</a:t>
+            </a:r>
           </a:p>
         </p:txBody>
       </p:sp>
@@ -1024,18 +1016,12 @@
           <a:p>
             <a:r>
               <a:rPr lang="en-US" dirty="0" smtClean="0"/>
-              <a:t>Stale</a:t>
+              <a:t>Quickly implemented</a:t>
             </a:r>
             <a:r>
               <a:rPr lang="en-US" baseline="0" dirty="0" smtClean="0"/>
-              <a:t> collection r</a:t>
-            </a:r>
-            <a:r>
-              <a:rPr lang="en-US" dirty="0" smtClean="0"/>
-              <a:t>esume issue</a:t>
-            </a:r>
-          </a:p>
-          <a:p>
+              <a:t> it</a:t>
+            </a:r>
             <a:endParaRPr lang="en-US" dirty="0" smtClean="0"/>
           </a:p>
           <a:p>
@@ -1123,7 +1109,41 @@
           <a:bodyPr/>
           <a:lstStyle/>
           <a:p>
-            <a:endParaRPr lang="en-US" dirty="0"/>
+            <a:r>
+              <a:rPr lang="en-US" dirty="0" smtClean="0"/>
+              <a:t>Deployed to staging</a:t>
+            </a:r>
+          </a:p>
+          <a:p>
+            <a:endParaRPr lang="en-US" dirty="0" smtClean="0"/>
+          </a:p>
+          <a:p>
+            <a:r>
+              <a:rPr lang="en-US" dirty="0" smtClean="0"/>
+              <a:t>Stale</a:t>
+            </a:r>
+            <a:r>
+              <a:rPr lang="en-US" baseline="0" dirty="0" smtClean="0"/>
+              <a:t> r</a:t>
+            </a:r>
+            <a:r>
+              <a:rPr lang="en-US" dirty="0" smtClean="0"/>
+              <a:t>esume token issue</a:t>
+            </a:r>
+          </a:p>
+          <a:p>
+            <a:endParaRPr lang="en-US" dirty="0" smtClean="0"/>
+          </a:p>
+          <a:p>
+            <a:r>
+              <a:rPr lang="en-US" dirty="0" smtClean="0"/>
+              <a:t>Failed to upgrade to MongoDB</a:t>
+            </a:r>
+            <a:r>
+              <a:rPr lang="en-US" baseline="0" dirty="0" smtClean="0"/>
+              <a:t> 3.6 on prod</a:t>
+            </a:r>
+            <a:endParaRPr lang="en-US" dirty="0" smtClean="0"/>
           </a:p>
         </p:txBody>
       </p:sp>
@@ -1226,13 +1246,16 @@
             </a:pPr>
             <a:r>
               <a:rPr lang="en-US" dirty="0" smtClean="0"/>
-              <a:t>3.4</a:t>
+              <a:t>Stale</a:t>
             </a:r>
             <a:r>
               <a:rPr lang="en-US" baseline="0" dirty="0" smtClean="0"/>
-              <a:t> to 3.6 upgrade issue</a:t>
-            </a:r>
-            <a:endParaRPr lang="en-US" dirty="0" smtClean="0"/>
+              <a:t> r</a:t>
+            </a:r>
+            <a:r>
+              <a:rPr lang="en-US" dirty="0" smtClean="0"/>
+              <a:t>esume token issue</a:t>
+            </a:r>
           </a:p>
         </p:txBody>
       </p:sp>
@@ -1316,6 +1339,31 @@
           <a:bodyPr/>
           <a:lstStyle/>
           <a:p>
+            <a:pPr marL="0" marR="0" lvl="0" indent="0" algn="l" defTabSz="914400" rtl="0" eaLnBrk="1" fontAlgn="auto" latinLnBrk="0" hangingPunct="1">
+              <a:lnSpc>
+                <a:spcPct val="100000"/>
+              </a:lnSpc>
+              <a:spcBef>
+                <a:spcPts val="0"/>
+              </a:spcBef>
+              <a:spcAft>
+                <a:spcPts val="0"/>
+              </a:spcAft>
+              <a:buClrTx/>
+              <a:buSzTx/>
+              <a:buFontTx/>
+              <a:buNone/>
+              <a:tabLst/>
+              <a:defRPr/>
+            </a:pPr>
+            <a:r>
+              <a:rPr lang="en-US" dirty="0" smtClean="0"/>
+              <a:t>3.4</a:t>
+            </a:r>
+            <a:r>
+              <a:rPr lang="en-US" baseline="0" dirty="0" smtClean="0"/>
+              <a:t> to 3.6 upgrade issue</a:t>
+            </a:r>
             <a:endParaRPr lang="en-US" dirty="0"/>
           </a:p>
         </p:txBody>
@@ -1597,7 +1645,6 @@
               <a:rPr lang="en-US" baseline="0" dirty="0" smtClean="0"/>
               <a:t> on videos.</a:t>
             </a:r>
-            <a:endParaRPr lang="en-US" baseline="0" dirty="0" smtClean="0"/>
           </a:p>
         </p:txBody>
       </p:sp>
@@ -1730,6 +1777,112 @@
     <p:extLst>
       <p:ext uri="{BB962C8B-B14F-4D97-AF65-F5344CB8AC3E}">
         <p14:creationId xmlns:p14="http://schemas.microsoft.com/office/powerpoint/2010/main" val="1263657375"/>
+      </p:ext>
+    </p:extLst>
+  </p:cSld>
+  <p:clrMapOvr>
+    <a:masterClrMapping/>
+  </p:clrMapOvr>
+</p:notes>
+</file>
+
+<file path=ppt/notesSlides/notesSlide21.xml><?xml version="1.0" encoding="utf-8"?>
+<p:notes xmlns:a="http://schemas.openxmlformats.org/drawingml/2006/main" xmlns:r="http://schemas.openxmlformats.org/officeDocument/2006/relationships" xmlns:p="http://schemas.openxmlformats.org/presentationml/2006/main">
+  <p:cSld>
+    <p:spTree>
+      <p:nvGrpSpPr>
+        <p:cNvPr id="1" name=""/>
+        <p:cNvGrpSpPr/>
+        <p:nvPr/>
+      </p:nvGrpSpPr>
+      <p:grpSpPr>
+        <a:xfrm>
+          <a:off x="0" y="0"/>
+          <a:ext cx="0" cy="0"/>
+          <a:chOff x="0" y="0"/>
+          <a:chExt cx="0" cy="0"/>
+        </a:xfrm>
+      </p:grpSpPr>
+      <p:sp>
+        <p:nvSpPr>
+          <p:cNvPr id="2" name="Slide Image Placeholder 1"/>
+          <p:cNvSpPr>
+            <a:spLocks noGrp="1" noRot="1" noChangeAspect="1"/>
+          </p:cNvSpPr>
+          <p:nvPr>
+            <p:ph type="sldImg"/>
+          </p:nvPr>
+        </p:nvSpPr>
+        <p:spPr/>
+      </p:sp>
+      <p:sp>
+        <p:nvSpPr>
+          <p:cNvPr id="3" name="Notes Placeholder 2"/>
+          <p:cNvSpPr>
+            <a:spLocks noGrp="1"/>
+          </p:cNvSpPr>
+          <p:nvPr>
+            <p:ph type="body" idx="1"/>
+          </p:nvPr>
+        </p:nvSpPr>
+        <p:spPr/>
+        <p:txBody>
+          <a:bodyPr/>
+          <a:lstStyle/>
+          <a:p>
+            <a:r>
+              <a:rPr lang="en-US" dirty="0" smtClean="0"/>
+              <a:t>State change notifications</a:t>
+            </a:r>
+          </a:p>
+          <a:p>
+            <a:endParaRPr lang="en-US" dirty="0" smtClean="0"/>
+          </a:p>
+          <a:p>
+            <a:r>
+              <a:rPr lang="en-US" dirty="0" smtClean="0"/>
+              <a:t>Reactive</a:t>
+            </a:r>
+          </a:p>
+          <a:p>
+            <a:endParaRPr lang="en-US" dirty="0" smtClean="0"/>
+          </a:p>
+          <a:p>
+            <a:r>
+              <a:rPr lang="en-US" dirty="0" smtClean="0"/>
+              <a:t>Can make decisions independently (in isolation)</a:t>
+            </a:r>
+            <a:endParaRPr lang="en-US" dirty="0"/>
+          </a:p>
+        </p:txBody>
+      </p:sp>
+      <p:sp>
+        <p:nvSpPr>
+          <p:cNvPr id="4" name="Slide Number Placeholder 3"/>
+          <p:cNvSpPr>
+            <a:spLocks noGrp="1"/>
+          </p:cNvSpPr>
+          <p:nvPr>
+            <p:ph type="sldNum" sz="quarter" idx="10"/>
+          </p:nvPr>
+        </p:nvSpPr>
+        <p:spPr/>
+        <p:txBody>
+          <a:bodyPr/>
+          <a:lstStyle/>
+          <a:p>
+            <a:fld id="{40EA4F9F-6CEF-4B9D-BEB3-40FCF0DF71AE}" type="slidenum">
+              <a:rPr lang="en-US" smtClean="0"/>
+              <a:t>21</a:t>
+            </a:fld>
+            <a:endParaRPr lang="en-US"/>
+          </a:p>
+        </p:txBody>
+      </p:sp>
+    </p:spTree>
+    <p:extLst>
+      <p:ext uri="{BB962C8B-B14F-4D97-AF65-F5344CB8AC3E}">
+        <p14:creationId xmlns:p14="http://schemas.microsoft.com/office/powerpoint/2010/main" val="3052783767"/>
       </p:ext>
     </p:extLst>
   </p:cSld>
@@ -10286,11 +10439,7 @@
           <a:p>
             <a:r>
               <a:rPr lang="en-US" dirty="0" smtClean="0"/>
-              <a:t>About </a:t>
-            </a:r>
-            <a:r>
-              <a:rPr lang="en-US" dirty="0" smtClean="0"/>
-              <a:t>me</a:t>
+              <a:t>About me</a:t>
             </a:r>
             <a:endParaRPr lang="en-US" dirty="0"/>
           </a:p>
@@ -10502,6 +10651,1045 @@
 </p:sld>
 </file>
 
+<file path=ppt/slides/slide21.xml><?xml version="1.0" encoding="utf-8"?>
+<p:sld xmlns:a="http://schemas.openxmlformats.org/drawingml/2006/main" xmlns:r="http://schemas.openxmlformats.org/officeDocument/2006/relationships" xmlns:p="http://schemas.openxmlformats.org/presentationml/2006/main">
+  <p:cSld>
+    <p:spTree>
+      <p:nvGrpSpPr>
+        <p:cNvPr id="1" name=""/>
+        <p:cNvGrpSpPr/>
+        <p:nvPr/>
+      </p:nvGrpSpPr>
+      <p:grpSpPr>
+        <a:xfrm>
+          <a:off x="0" y="0"/>
+          <a:ext cx="0" cy="0"/>
+          <a:chOff x="0" y="0"/>
+          <a:chExt cx="0" cy="0"/>
+        </a:xfrm>
+      </p:grpSpPr>
+      <p:cxnSp>
+        <p:nvCxnSpPr>
+          <p:cNvPr id="37" name="Straight Arrow Connector 36"/>
+          <p:cNvCxnSpPr/>
+          <p:nvPr/>
+        </p:nvCxnSpPr>
+        <p:spPr>
+          <a:xfrm>
+            <a:off x="7952185" y="1854227"/>
+            <a:ext cx="1961878" cy="6501"/>
+          </a:xfrm>
+          <a:prstGeom prst="straightConnector1">
+            <a:avLst/>
+          </a:prstGeom>
+          <a:ln w="57150">
+            <a:solidFill>
+              <a:schemeClr val="accent3">
+                <a:lumMod val="75000"/>
+              </a:schemeClr>
+            </a:solidFill>
+            <a:tailEnd type="triangle"/>
+          </a:ln>
+        </p:spPr>
+        <p:style>
+          <a:lnRef idx="1">
+            <a:schemeClr val="accent1"/>
+          </a:lnRef>
+          <a:fillRef idx="0">
+            <a:schemeClr val="accent1"/>
+          </a:fillRef>
+          <a:effectRef idx="0">
+            <a:schemeClr val="accent1"/>
+          </a:effectRef>
+          <a:fontRef idx="minor">
+            <a:schemeClr val="tx1"/>
+          </a:fontRef>
+        </p:style>
+      </p:cxnSp>
+      <p:sp>
+        <p:nvSpPr>
+          <p:cNvPr id="4" name="Hexagon 3"/>
+          <p:cNvSpPr/>
+          <p:nvPr/>
+        </p:nvSpPr>
+        <p:spPr>
+          <a:xfrm rot="5400000">
+            <a:off x="1431130" y="1417446"/>
+            <a:ext cx="1669689" cy="1444386"/>
+          </a:xfrm>
+          <a:prstGeom prst="hexagon">
+            <a:avLst/>
+          </a:prstGeom>
+          <a:solidFill>
+            <a:schemeClr val="accent3">
+              <a:lumMod val="40000"/>
+              <a:lumOff val="60000"/>
+            </a:schemeClr>
+          </a:solidFill>
+          <a:ln w="38100">
+            <a:solidFill>
+              <a:schemeClr val="accent3">
+                <a:lumMod val="75000"/>
+              </a:schemeClr>
+            </a:solidFill>
+          </a:ln>
+          <a:effectLst>
+            <a:outerShdw blurRad="50800" dist="38100" dir="5400000" algn="t" rotWithShape="0">
+              <a:prstClr val="black">
+                <a:alpha val="40000"/>
+              </a:prstClr>
+            </a:outerShdw>
+          </a:effectLst>
+        </p:spPr>
+        <p:style>
+          <a:lnRef idx="1">
+            <a:schemeClr val="accent3"/>
+          </a:lnRef>
+          <a:fillRef idx="2">
+            <a:schemeClr val="accent3"/>
+          </a:fillRef>
+          <a:effectRef idx="1">
+            <a:schemeClr val="accent3"/>
+          </a:effectRef>
+          <a:fontRef idx="minor">
+            <a:schemeClr val="dk1"/>
+          </a:fontRef>
+        </p:style>
+        <p:txBody>
+          <a:bodyPr rtlCol="0" anchor="ctr"/>
+          <a:lstStyle/>
+          <a:p>
+            <a:pPr algn="ctr"/>
+            <a:endParaRPr lang="en-US" dirty="0"/>
+          </a:p>
+        </p:txBody>
+      </p:sp>
+      <p:sp>
+        <p:nvSpPr>
+          <p:cNvPr id="5" name="Diamond 4"/>
+          <p:cNvSpPr/>
+          <p:nvPr/>
+        </p:nvSpPr>
+        <p:spPr>
+          <a:xfrm>
+            <a:off x="1543782" y="1293320"/>
+            <a:ext cx="1444386" cy="735454"/>
+          </a:xfrm>
+          <a:prstGeom prst="diamond">
+            <a:avLst/>
+          </a:prstGeom>
+          <a:solidFill>
+            <a:schemeClr val="accent3">
+              <a:lumMod val="75000"/>
+            </a:schemeClr>
+          </a:solidFill>
+          <a:ln w="38100">
+            <a:solidFill>
+              <a:schemeClr val="accent3">
+                <a:lumMod val="75000"/>
+              </a:schemeClr>
+            </a:solidFill>
+          </a:ln>
+        </p:spPr>
+        <p:style>
+          <a:lnRef idx="1">
+            <a:schemeClr val="accent3"/>
+          </a:lnRef>
+          <a:fillRef idx="2">
+            <a:schemeClr val="accent3"/>
+          </a:fillRef>
+          <a:effectRef idx="1">
+            <a:schemeClr val="accent3"/>
+          </a:effectRef>
+          <a:fontRef idx="minor">
+            <a:schemeClr val="dk1"/>
+          </a:fontRef>
+        </p:style>
+        <p:txBody>
+          <a:bodyPr rtlCol="0" anchor="ctr"/>
+          <a:lstStyle/>
+          <a:p>
+            <a:pPr algn="ctr"/>
+            <a:endParaRPr lang="en-US"/>
+          </a:p>
+        </p:txBody>
+      </p:sp>
+      <p:sp>
+        <p:nvSpPr>
+          <p:cNvPr id="2" name="TextBox 1"/>
+          <p:cNvSpPr txBox="1"/>
+          <p:nvPr/>
+        </p:nvSpPr>
+        <p:spPr>
+          <a:xfrm>
+            <a:off x="1857302" y="2139639"/>
+            <a:ext cx="817147" cy="369332"/>
+          </a:xfrm>
+          <a:prstGeom prst="rect">
+            <a:avLst/>
+          </a:prstGeom>
+          <a:noFill/>
+        </p:spPr>
+        <p:txBody>
+          <a:bodyPr wrap="none" rtlCol="0">
+            <a:spAutoFit/>
+          </a:bodyPr>
+          <a:lstStyle/>
+          <a:p>
+            <a:r>
+              <a:rPr lang="en-US" dirty="0" smtClean="0">
+                <a:solidFill>
+                  <a:schemeClr val="accent3">
+                    <a:lumMod val="50000"/>
+                  </a:schemeClr>
+                </a:solidFill>
+              </a:rPr>
+              <a:t>Orders</a:t>
+            </a:r>
+            <a:endParaRPr lang="en-US" dirty="0">
+              <a:solidFill>
+                <a:schemeClr val="accent3">
+                  <a:lumMod val="50000"/>
+                </a:schemeClr>
+              </a:solidFill>
+            </a:endParaRPr>
+          </a:p>
+        </p:txBody>
+      </p:sp>
+      <p:sp>
+        <p:nvSpPr>
+          <p:cNvPr id="6" name="Hexagon 5"/>
+          <p:cNvSpPr/>
+          <p:nvPr/>
+        </p:nvSpPr>
+        <p:spPr>
+          <a:xfrm rot="5400000">
+            <a:off x="9801412" y="1397529"/>
+            <a:ext cx="1669689" cy="1444386"/>
+          </a:xfrm>
+          <a:prstGeom prst="hexagon">
+            <a:avLst/>
+          </a:prstGeom>
+          <a:solidFill>
+            <a:schemeClr val="accent3">
+              <a:lumMod val="40000"/>
+              <a:lumOff val="60000"/>
+            </a:schemeClr>
+          </a:solidFill>
+          <a:ln w="38100">
+            <a:solidFill>
+              <a:schemeClr val="accent3">
+                <a:lumMod val="75000"/>
+              </a:schemeClr>
+            </a:solidFill>
+          </a:ln>
+          <a:effectLst>
+            <a:outerShdw blurRad="50800" dist="38100" dir="5400000" algn="t" rotWithShape="0">
+              <a:prstClr val="black">
+                <a:alpha val="40000"/>
+              </a:prstClr>
+            </a:outerShdw>
+          </a:effectLst>
+        </p:spPr>
+        <p:style>
+          <a:lnRef idx="1">
+            <a:schemeClr val="accent3"/>
+          </a:lnRef>
+          <a:fillRef idx="2">
+            <a:schemeClr val="accent3"/>
+          </a:fillRef>
+          <a:effectRef idx="1">
+            <a:schemeClr val="accent3"/>
+          </a:effectRef>
+          <a:fontRef idx="minor">
+            <a:schemeClr val="dk1"/>
+          </a:fontRef>
+        </p:style>
+        <p:txBody>
+          <a:bodyPr rtlCol="0" anchor="ctr"/>
+          <a:lstStyle/>
+          <a:p>
+            <a:pPr algn="ctr"/>
+            <a:endParaRPr lang="en-US" dirty="0"/>
+          </a:p>
+        </p:txBody>
+      </p:sp>
+      <p:sp>
+        <p:nvSpPr>
+          <p:cNvPr id="7" name="Diamond 6"/>
+          <p:cNvSpPr/>
+          <p:nvPr/>
+        </p:nvSpPr>
+        <p:spPr>
+          <a:xfrm>
+            <a:off x="9914064" y="1273403"/>
+            <a:ext cx="1444386" cy="735454"/>
+          </a:xfrm>
+          <a:prstGeom prst="diamond">
+            <a:avLst/>
+          </a:prstGeom>
+          <a:solidFill>
+            <a:schemeClr val="accent3">
+              <a:lumMod val="75000"/>
+            </a:schemeClr>
+          </a:solidFill>
+          <a:ln w="38100">
+            <a:solidFill>
+              <a:schemeClr val="accent3">
+                <a:lumMod val="75000"/>
+              </a:schemeClr>
+            </a:solidFill>
+          </a:ln>
+        </p:spPr>
+        <p:style>
+          <a:lnRef idx="1">
+            <a:schemeClr val="accent3"/>
+          </a:lnRef>
+          <a:fillRef idx="2">
+            <a:schemeClr val="accent3"/>
+          </a:fillRef>
+          <a:effectRef idx="1">
+            <a:schemeClr val="accent3"/>
+          </a:effectRef>
+          <a:fontRef idx="minor">
+            <a:schemeClr val="dk1"/>
+          </a:fontRef>
+        </p:style>
+        <p:txBody>
+          <a:bodyPr rtlCol="0" anchor="ctr"/>
+          <a:lstStyle/>
+          <a:p>
+            <a:pPr algn="ctr"/>
+            <a:endParaRPr lang="en-US"/>
+          </a:p>
+        </p:txBody>
+      </p:sp>
+      <p:sp>
+        <p:nvSpPr>
+          <p:cNvPr id="8" name="TextBox 7"/>
+          <p:cNvSpPr txBox="1"/>
+          <p:nvPr/>
+        </p:nvSpPr>
+        <p:spPr>
+          <a:xfrm>
+            <a:off x="10086908" y="2119722"/>
+            <a:ext cx="1095043" cy="369332"/>
+          </a:xfrm>
+          <a:prstGeom prst="rect">
+            <a:avLst/>
+          </a:prstGeom>
+          <a:noFill/>
+        </p:spPr>
+        <p:txBody>
+          <a:bodyPr wrap="none" rtlCol="0">
+            <a:spAutoFit/>
+          </a:bodyPr>
+          <a:lstStyle/>
+          <a:p>
+            <a:r>
+              <a:rPr lang="en-US" dirty="0" smtClean="0">
+                <a:solidFill>
+                  <a:schemeClr val="accent3">
+                    <a:lumMod val="50000"/>
+                  </a:schemeClr>
+                </a:solidFill>
+              </a:rPr>
+              <a:t>Payments</a:t>
+            </a:r>
+          </a:p>
+        </p:txBody>
+      </p:sp>
+      <p:sp>
+        <p:nvSpPr>
+          <p:cNvPr id="3" name="Flowchart: Magnetic Disk 2"/>
+          <p:cNvSpPr/>
+          <p:nvPr/>
+        </p:nvSpPr>
+        <p:spPr>
+          <a:xfrm>
+            <a:off x="1543781" y="5146447"/>
+            <a:ext cx="1444387" cy="1324708"/>
+          </a:xfrm>
+          <a:prstGeom prst="flowChartMagneticDisk">
+            <a:avLst/>
+          </a:prstGeom>
+          <a:ln w="38100"/>
+          <a:effectLst>
+            <a:outerShdw blurRad="50800" dist="38100" dir="5400000" algn="t" rotWithShape="0">
+              <a:prstClr val="black">
+                <a:alpha val="40000"/>
+              </a:prstClr>
+            </a:outerShdw>
+          </a:effectLst>
+        </p:spPr>
+        <p:style>
+          <a:lnRef idx="3">
+            <a:schemeClr val="lt1"/>
+          </a:lnRef>
+          <a:fillRef idx="1">
+            <a:schemeClr val="accent1"/>
+          </a:fillRef>
+          <a:effectRef idx="1">
+            <a:schemeClr val="accent1"/>
+          </a:effectRef>
+          <a:fontRef idx="minor">
+            <a:schemeClr val="lt1"/>
+          </a:fontRef>
+        </p:style>
+        <p:txBody>
+          <a:bodyPr rtlCol="0" anchor="ctr"/>
+          <a:lstStyle/>
+          <a:p>
+            <a:pPr algn="ctr"/>
+            <a:endParaRPr lang="en-US"/>
+          </a:p>
+        </p:txBody>
+      </p:sp>
+      <p:cxnSp>
+        <p:nvCxnSpPr>
+          <p:cNvPr id="10" name="Straight Arrow Connector 9"/>
+          <p:cNvCxnSpPr>
+            <a:stCxn id="4" idx="0"/>
+            <a:endCxn id="3" idx="1"/>
+          </p:cNvCxnSpPr>
+          <p:nvPr/>
+        </p:nvCxnSpPr>
+        <p:spPr>
+          <a:xfrm>
+            <a:off x="2265975" y="2974484"/>
+            <a:ext cx="0" cy="2171963"/>
+          </a:xfrm>
+          <a:prstGeom prst="straightConnector1">
+            <a:avLst/>
+          </a:prstGeom>
+          <a:ln w="57150">
+            <a:solidFill>
+              <a:schemeClr val="accent3">
+                <a:lumMod val="75000"/>
+              </a:schemeClr>
+            </a:solidFill>
+            <a:tailEnd type="triangle"/>
+          </a:ln>
+        </p:spPr>
+        <p:style>
+          <a:lnRef idx="1">
+            <a:schemeClr val="accent1"/>
+          </a:lnRef>
+          <a:fillRef idx="0">
+            <a:schemeClr val="accent1"/>
+          </a:fillRef>
+          <a:effectRef idx="0">
+            <a:schemeClr val="accent1"/>
+          </a:effectRef>
+          <a:fontRef idx="minor">
+            <a:schemeClr val="tx1"/>
+          </a:fontRef>
+        </p:style>
+      </p:cxnSp>
+      <p:cxnSp>
+        <p:nvCxnSpPr>
+          <p:cNvPr id="11" name="Straight Arrow Connector 10"/>
+          <p:cNvCxnSpPr/>
+          <p:nvPr/>
+        </p:nvCxnSpPr>
+        <p:spPr>
+          <a:xfrm flipV="1">
+            <a:off x="2988167" y="1855777"/>
+            <a:ext cx="3592416" cy="11473"/>
+          </a:xfrm>
+          <a:prstGeom prst="straightConnector1">
+            <a:avLst/>
+          </a:prstGeom>
+          <a:ln w="57150">
+            <a:solidFill>
+              <a:schemeClr val="accent3">
+                <a:lumMod val="75000"/>
+              </a:schemeClr>
+            </a:solidFill>
+            <a:tailEnd type="triangle"/>
+          </a:ln>
+        </p:spPr>
+        <p:style>
+          <a:lnRef idx="1">
+            <a:schemeClr val="accent1"/>
+          </a:lnRef>
+          <a:fillRef idx="0">
+            <a:schemeClr val="accent1"/>
+          </a:fillRef>
+          <a:effectRef idx="0">
+            <a:schemeClr val="accent1"/>
+          </a:effectRef>
+          <a:fontRef idx="minor">
+            <a:schemeClr val="tx1"/>
+          </a:fontRef>
+        </p:style>
+      </p:cxnSp>
+      <p:sp>
+        <p:nvSpPr>
+          <p:cNvPr id="35" name="Rectangle 34"/>
+          <p:cNvSpPr/>
+          <p:nvPr/>
+        </p:nvSpPr>
+        <p:spPr>
+          <a:xfrm>
+            <a:off x="6580584" y="242393"/>
+            <a:ext cx="1371600" cy="6154615"/>
+          </a:xfrm>
+          <a:prstGeom prst="rect">
+            <a:avLst/>
+          </a:prstGeom>
+          <a:ln w="57150">
+            <a:prstDash val="sysDot"/>
+          </a:ln>
+        </p:spPr>
+        <p:style>
+          <a:lnRef idx="1">
+            <a:schemeClr val="accent3"/>
+          </a:lnRef>
+          <a:fillRef idx="2">
+            <a:schemeClr val="accent3"/>
+          </a:fillRef>
+          <a:effectRef idx="1">
+            <a:schemeClr val="accent3"/>
+          </a:effectRef>
+          <a:fontRef idx="minor">
+            <a:schemeClr val="dk1"/>
+          </a:fontRef>
+        </p:style>
+        <p:txBody>
+          <a:bodyPr vert="wordArtVert" rtlCol="0" anchor="ctr"/>
+          <a:lstStyle/>
+          <a:p>
+            <a:pPr algn="ctr"/>
+            <a:r>
+              <a:rPr lang="en-US" dirty="0" smtClean="0">
+                <a:solidFill>
+                  <a:schemeClr val="accent3">
+                    <a:lumMod val="50000"/>
+                  </a:schemeClr>
+                </a:solidFill>
+              </a:rPr>
+              <a:t>Message broker</a:t>
+            </a:r>
+          </a:p>
+        </p:txBody>
+      </p:sp>
+      <p:cxnSp>
+        <p:nvCxnSpPr>
+          <p:cNvPr id="21" name="Straight Arrow Connector 20"/>
+          <p:cNvCxnSpPr>
+            <a:endCxn id="4" idx="3"/>
+          </p:cNvCxnSpPr>
+          <p:nvPr/>
+        </p:nvCxnSpPr>
+        <p:spPr>
+          <a:xfrm>
+            <a:off x="2265973" y="342735"/>
+            <a:ext cx="2" cy="962060"/>
+          </a:xfrm>
+          <a:prstGeom prst="straightConnector1">
+            <a:avLst/>
+          </a:prstGeom>
+          <a:ln w="57150">
+            <a:solidFill>
+              <a:schemeClr val="accent3">
+                <a:lumMod val="75000"/>
+              </a:schemeClr>
+            </a:solidFill>
+            <a:tailEnd type="triangle"/>
+          </a:ln>
+        </p:spPr>
+        <p:style>
+          <a:lnRef idx="1">
+            <a:schemeClr val="accent1"/>
+          </a:lnRef>
+          <a:fillRef idx="0">
+            <a:schemeClr val="accent1"/>
+          </a:fillRef>
+          <a:effectRef idx="0">
+            <a:schemeClr val="accent1"/>
+          </a:effectRef>
+          <a:fontRef idx="minor">
+            <a:schemeClr val="tx1"/>
+          </a:fontRef>
+        </p:style>
+      </p:cxnSp>
+      <p:sp>
+        <p:nvSpPr>
+          <p:cNvPr id="24" name="Flowchart: Document 23"/>
+          <p:cNvSpPr/>
+          <p:nvPr/>
+        </p:nvSpPr>
+        <p:spPr>
+          <a:xfrm>
+            <a:off x="750399" y="430895"/>
+            <a:ext cx="1251115" cy="785740"/>
+          </a:xfrm>
+          <a:prstGeom prst="flowChartDocument">
+            <a:avLst/>
+          </a:prstGeom>
+        </p:spPr>
+        <p:style>
+          <a:lnRef idx="1">
+            <a:schemeClr val="accent2"/>
+          </a:lnRef>
+          <a:fillRef idx="3">
+            <a:schemeClr val="accent2"/>
+          </a:fillRef>
+          <a:effectRef idx="2">
+            <a:schemeClr val="accent2"/>
+          </a:effectRef>
+          <a:fontRef idx="minor">
+            <a:schemeClr val="lt1"/>
+          </a:fontRef>
+        </p:style>
+        <p:txBody>
+          <a:bodyPr rtlCol="0" anchor="ctr"/>
+          <a:lstStyle/>
+          <a:p>
+            <a:pPr algn="ctr"/>
+            <a:r>
+              <a:rPr lang="en-US" dirty="0" err="1" smtClean="0"/>
+              <a:t>PlaceOrder</a:t>
+            </a:r>
+            <a:endParaRPr lang="en-US" dirty="0" smtClean="0"/>
+          </a:p>
+        </p:txBody>
+      </p:sp>
+      <p:sp>
+        <p:nvSpPr>
+          <p:cNvPr id="25" name="Flowchart: Document 24"/>
+          <p:cNvSpPr/>
+          <p:nvPr/>
+        </p:nvSpPr>
+        <p:spPr>
+          <a:xfrm>
+            <a:off x="2559456" y="3900783"/>
+            <a:ext cx="1251115" cy="785740"/>
+          </a:xfrm>
+          <a:prstGeom prst="flowChartDocument">
+            <a:avLst/>
+          </a:prstGeom>
+        </p:spPr>
+        <p:style>
+          <a:lnRef idx="1">
+            <a:schemeClr val="accent4"/>
+          </a:lnRef>
+          <a:fillRef idx="3">
+            <a:schemeClr val="accent4"/>
+          </a:fillRef>
+          <a:effectRef idx="2">
+            <a:schemeClr val="accent4"/>
+          </a:effectRef>
+          <a:fontRef idx="minor">
+            <a:schemeClr val="lt1"/>
+          </a:fontRef>
+        </p:style>
+        <p:txBody>
+          <a:bodyPr rtlCol="0" anchor="ctr"/>
+          <a:lstStyle/>
+          <a:p>
+            <a:pPr algn="ctr"/>
+            <a:r>
+              <a:rPr lang="en-US" dirty="0" smtClean="0"/>
+              <a:t>Order</a:t>
+            </a:r>
+          </a:p>
+        </p:txBody>
+      </p:sp>
+      <p:sp>
+        <p:nvSpPr>
+          <p:cNvPr id="26" name="Flowchart: Document 25"/>
+          <p:cNvSpPr/>
+          <p:nvPr/>
+        </p:nvSpPr>
+        <p:spPr>
+          <a:xfrm>
+            <a:off x="4156024" y="846947"/>
+            <a:ext cx="1251115" cy="785740"/>
+          </a:xfrm>
+          <a:prstGeom prst="flowChartDocument">
+            <a:avLst/>
+          </a:prstGeom>
+        </p:spPr>
+        <p:style>
+          <a:lnRef idx="1">
+            <a:schemeClr val="accent6"/>
+          </a:lnRef>
+          <a:fillRef idx="3">
+            <a:schemeClr val="accent6"/>
+          </a:fillRef>
+          <a:effectRef idx="2">
+            <a:schemeClr val="accent6"/>
+          </a:effectRef>
+          <a:fontRef idx="minor">
+            <a:schemeClr val="lt1"/>
+          </a:fontRef>
+        </p:style>
+        <p:txBody>
+          <a:bodyPr rtlCol="0" anchor="ctr"/>
+          <a:lstStyle/>
+          <a:p>
+            <a:pPr algn="ctr"/>
+            <a:r>
+              <a:rPr lang="en-US" dirty="0" smtClean="0"/>
+              <a:t>Order Placed</a:t>
+            </a:r>
+          </a:p>
+        </p:txBody>
+      </p:sp>
+      <p:sp>
+        <p:nvSpPr>
+          <p:cNvPr id="27" name="Flowchart: Document 26"/>
+          <p:cNvSpPr/>
+          <p:nvPr/>
+        </p:nvSpPr>
+        <p:spPr>
+          <a:xfrm>
+            <a:off x="8307566" y="846947"/>
+            <a:ext cx="1251115" cy="785740"/>
+          </a:xfrm>
+          <a:prstGeom prst="flowChartDocument">
+            <a:avLst/>
+          </a:prstGeom>
+        </p:spPr>
+        <p:style>
+          <a:lnRef idx="1">
+            <a:schemeClr val="accent6"/>
+          </a:lnRef>
+          <a:fillRef idx="3">
+            <a:schemeClr val="accent6"/>
+          </a:fillRef>
+          <a:effectRef idx="2">
+            <a:schemeClr val="accent6"/>
+          </a:effectRef>
+          <a:fontRef idx="minor">
+            <a:schemeClr val="lt1"/>
+          </a:fontRef>
+        </p:style>
+        <p:txBody>
+          <a:bodyPr rtlCol="0" anchor="ctr"/>
+          <a:lstStyle/>
+          <a:p>
+            <a:pPr algn="ctr"/>
+            <a:r>
+              <a:rPr lang="en-US" dirty="0"/>
+              <a:t>Order Placed</a:t>
+            </a:r>
+          </a:p>
+        </p:txBody>
+      </p:sp>
+      <p:cxnSp>
+        <p:nvCxnSpPr>
+          <p:cNvPr id="28" name="Straight Arrow Connector 27"/>
+          <p:cNvCxnSpPr/>
+          <p:nvPr/>
+        </p:nvCxnSpPr>
+        <p:spPr>
+          <a:xfrm rot="10800000">
+            <a:off x="7952184" y="2180092"/>
+            <a:ext cx="1961878" cy="6501"/>
+          </a:xfrm>
+          <a:prstGeom prst="straightConnector1">
+            <a:avLst/>
+          </a:prstGeom>
+          <a:ln w="57150">
+            <a:solidFill>
+              <a:schemeClr val="accent3">
+                <a:lumMod val="75000"/>
+              </a:schemeClr>
+            </a:solidFill>
+            <a:tailEnd type="triangle"/>
+          </a:ln>
+        </p:spPr>
+        <p:style>
+          <a:lnRef idx="1">
+            <a:schemeClr val="accent1"/>
+          </a:lnRef>
+          <a:fillRef idx="0">
+            <a:schemeClr val="accent1"/>
+          </a:fillRef>
+          <a:effectRef idx="0">
+            <a:schemeClr val="accent1"/>
+          </a:effectRef>
+          <a:fontRef idx="minor">
+            <a:schemeClr val="tx1"/>
+          </a:fontRef>
+        </p:style>
+      </p:cxnSp>
+      <p:sp>
+        <p:nvSpPr>
+          <p:cNvPr id="29" name="Flowchart: Document 28"/>
+          <p:cNvSpPr/>
+          <p:nvPr/>
+        </p:nvSpPr>
+        <p:spPr>
+          <a:xfrm>
+            <a:off x="8307565" y="2505958"/>
+            <a:ext cx="1251115" cy="785740"/>
+          </a:xfrm>
+          <a:prstGeom prst="flowChartDocument">
+            <a:avLst/>
+          </a:prstGeom>
+        </p:spPr>
+        <p:style>
+          <a:lnRef idx="1">
+            <a:schemeClr val="accent6"/>
+          </a:lnRef>
+          <a:fillRef idx="3">
+            <a:schemeClr val="accent6"/>
+          </a:fillRef>
+          <a:effectRef idx="2">
+            <a:schemeClr val="accent6"/>
+          </a:effectRef>
+          <a:fontRef idx="minor">
+            <a:schemeClr val="lt1"/>
+          </a:fontRef>
+        </p:style>
+        <p:txBody>
+          <a:bodyPr rtlCol="0" anchor="ctr"/>
+          <a:lstStyle/>
+          <a:p>
+            <a:pPr algn="ctr"/>
+            <a:r>
+              <a:rPr lang="en-US" dirty="0" smtClean="0"/>
+              <a:t>Payment Accepted</a:t>
+            </a:r>
+          </a:p>
+        </p:txBody>
+      </p:sp>
+      <p:sp>
+        <p:nvSpPr>
+          <p:cNvPr id="30" name="Flowchart: Magnetic Disk 29"/>
+          <p:cNvSpPr/>
+          <p:nvPr/>
+        </p:nvSpPr>
+        <p:spPr>
+          <a:xfrm>
+            <a:off x="9914062" y="5072300"/>
+            <a:ext cx="1444387" cy="1324708"/>
+          </a:xfrm>
+          <a:prstGeom prst="flowChartMagneticDisk">
+            <a:avLst/>
+          </a:prstGeom>
+          <a:ln w="38100"/>
+          <a:effectLst>
+            <a:outerShdw blurRad="50800" dist="38100" dir="5400000" algn="t" rotWithShape="0">
+              <a:prstClr val="black">
+                <a:alpha val="40000"/>
+              </a:prstClr>
+            </a:outerShdw>
+          </a:effectLst>
+        </p:spPr>
+        <p:style>
+          <a:lnRef idx="3">
+            <a:schemeClr val="lt1"/>
+          </a:lnRef>
+          <a:fillRef idx="1">
+            <a:schemeClr val="accent1"/>
+          </a:fillRef>
+          <a:effectRef idx="1">
+            <a:schemeClr val="accent1"/>
+          </a:effectRef>
+          <a:fontRef idx="minor">
+            <a:schemeClr val="lt1"/>
+          </a:fontRef>
+        </p:style>
+        <p:txBody>
+          <a:bodyPr rtlCol="0" anchor="ctr"/>
+          <a:lstStyle/>
+          <a:p>
+            <a:pPr algn="ctr"/>
+            <a:endParaRPr lang="en-US"/>
+          </a:p>
+        </p:txBody>
+      </p:sp>
+      <p:cxnSp>
+        <p:nvCxnSpPr>
+          <p:cNvPr id="33" name="Straight Arrow Connector 32"/>
+          <p:cNvCxnSpPr>
+            <a:stCxn id="6" idx="0"/>
+            <a:endCxn id="30" idx="1"/>
+          </p:cNvCxnSpPr>
+          <p:nvPr/>
+        </p:nvCxnSpPr>
+        <p:spPr>
+          <a:xfrm flipH="1">
+            <a:off x="10636256" y="2954567"/>
+            <a:ext cx="1" cy="2117733"/>
+          </a:xfrm>
+          <a:prstGeom prst="straightConnector1">
+            <a:avLst/>
+          </a:prstGeom>
+          <a:ln w="57150">
+            <a:solidFill>
+              <a:schemeClr val="accent3">
+                <a:lumMod val="75000"/>
+              </a:schemeClr>
+            </a:solidFill>
+            <a:tailEnd type="triangle"/>
+          </a:ln>
+        </p:spPr>
+        <p:style>
+          <a:lnRef idx="1">
+            <a:schemeClr val="accent1"/>
+          </a:lnRef>
+          <a:fillRef idx="0">
+            <a:schemeClr val="accent1"/>
+          </a:fillRef>
+          <a:effectRef idx="0">
+            <a:schemeClr val="accent1"/>
+          </a:effectRef>
+          <a:fontRef idx="minor">
+            <a:schemeClr val="tx1"/>
+          </a:fontRef>
+        </p:style>
+      </p:cxnSp>
+      <p:sp>
+        <p:nvSpPr>
+          <p:cNvPr id="36" name="Flowchart: Document 35"/>
+          <p:cNvSpPr/>
+          <p:nvPr/>
+        </p:nvSpPr>
+        <p:spPr>
+          <a:xfrm>
+            <a:off x="9125629" y="3821047"/>
+            <a:ext cx="1251115" cy="785740"/>
+          </a:xfrm>
+          <a:prstGeom prst="flowChartDocument">
+            <a:avLst/>
+          </a:prstGeom>
+        </p:spPr>
+        <p:style>
+          <a:lnRef idx="1">
+            <a:schemeClr val="accent4"/>
+          </a:lnRef>
+          <a:fillRef idx="3">
+            <a:schemeClr val="accent4"/>
+          </a:fillRef>
+          <a:effectRef idx="2">
+            <a:schemeClr val="accent4"/>
+          </a:effectRef>
+          <a:fontRef idx="minor">
+            <a:schemeClr val="lt1"/>
+          </a:fontRef>
+        </p:style>
+        <p:txBody>
+          <a:bodyPr rtlCol="0" anchor="ctr"/>
+          <a:lstStyle/>
+          <a:p>
+            <a:pPr algn="ctr"/>
+            <a:r>
+              <a:rPr lang="en-US" dirty="0" smtClean="0"/>
+              <a:t>Payment</a:t>
+            </a:r>
+          </a:p>
+        </p:txBody>
+      </p:sp>
+      <p:cxnSp>
+        <p:nvCxnSpPr>
+          <p:cNvPr id="38" name="Straight Arrow Connector 37"/>
+          <p:cNvCxnSpPr/>
+          <p:nvPr/>
+        </p:nvCxnSpPr>
+        <p:spPr>
+          <a:xfrm flipH="1" flipV="1">
+            <a:off x="3012209" y="2180093"/>
+            <a:ext cx="3568374" cy="6501"/>
+          </a:xfrm>
+          <a:prstGeom prst="straightConnector1">
+            <a:avLst/>
+          </a:prstGeom>
+          <a:ln w="57150">
+            <a:solidFill>
+              <a:schemeClr val="accent3">
+                <a:lumMod val="75000"/>
+              </a:schemeClr>
+            </a:solidFill>
+            <a:tailEnd type="triangle"/>
+          </a:ln>
+        </p:spPr>
+        <p:style>
+          <a:lnRef idx="1">
+            <a:schemeClr val="accent1"/>
+          </a:lnRef>
+          <a:fillRef idx="0">
+            <a:schemeClr val="accent1"/>
+          </a:fillRef>
+          <a:effectRef idx="0">
+            <a:schemeClr val="accent1"/>
+          </a:effectRef>
+          <a:fontRef idx="minor">
+            <a:schemeClr val="tx1"/>
+          </a:fontRef>
+        </p:style>
+      </p:cxnSp>
+      <p:sp>
+        <p:nvSpPr>
+          <p:cNvPr id="40" name="Flowchart: Document 39"/>
+          <p:cNvSpPr/>
+          <p:nvPr/>
+        </p:nvSpPr>
+        <p:spPr>
+          <a:xfrm>
+            <a:off x="4165124" y="2510646"/>
+            <a:ext cx="1251115" cy="785740"/>
+          </a:xfrm>
+          <a:prstGeom prst="flowChartDocument">
+            <a:avLst/>
+          </a:prstGeom>
+        </p:spPr>
+        <p:style>
+          <a:lnRef idx="1">
+            <a:schemeClr val="accent6"/>
+          </a:lnRef>
+          <a:fillRef idx="3">
+            <a:schemeClr val="accent6"/>
+          </a:fillRef>
+          <a:effectRef idx="2">
+            <a:schemeClr val="accent6"/>
+          </a:effectRef>
+          <a:fontRef idx="minor">
+            <a:schemeClr val="lt1"/>
+          </a:fontRef>
+        </p:style>
+        <p:txBody>
+          <a:bodyPr rtlCol="0" anchor="ctr"/>
+          <a:lstStyle/>
+          <a:p>
+            <a:pPr algn="ctr"/>
+            <a:r>
+              <a:rPr lang="en-US" dirty="0"/>
+              <a:t>Payment </a:t>
+            </a:r>
+            <a:r>
+              <a:rPr lang="en-US" dirty="0" smtClean="0"/>
+              <a:t>Accepted</a:t>
+            </a:r>
+            <a:endParaRPr lang="en-US" dirty="0"/>
+          </a:p>
+        </p:txBody>
+      </p:sp>
+    </p:spTree>
+    <p:extLst>
+      <p:ext uri="{BB962C8B-B14F-4D97-AF65-F5344CB8AC3E}">
+        <p14:creationId xmlns:p14="http://schemas.microsoft.com/office/powerpoint/2010/main" val="2804598388"/>
+      </p:ext>
+    </p:extLst>
+  </p:cSld>
+  <p:clrMapOvr>
+    <a:masterClrMapping/>
+  </p:clrMapOvr>
+  <p:timing>
+    <p:tnLst>
+      <p:par>
+        <p:cTn id="1" dur="indefinite" restart="never" nodeType="tmRoot"/>
+      </p:par>
+    </p:tnLst>
+  </p:timing>
+</p:sld>
+</file>
+
 <file path=ppt/slides/slide3.xml><?xml version="1.0" encoding="utf-8"?>
 <p:sld xmlns:a="http://schemas.openxmlformats.org/drawingml/2006/main" xmlns:r="http://schemas.openxmlformats.org/officeDocument/2006/relationships" xmlns:p="http://schemas.openxmlformats.org/presentationml/2006/main">
   <p:cSld>
@@ -10575,15 +11763,7 @@
                   <a:schemeClr val="tx1"/>
                 </a:solidFill>
               </a:rPr>
-              <a:t>• Large c</a:t>
-            </a:r>
-            <a:r>
-              <a:rPr lang="en-US" sz="4000" dirty="0" smtClean="0">
-                <a:solidFill>
-                  <a:schemeClr val="tx1"/>
-                </a:solidFill>
-              </a:rPr>
-              <a:t>odebase </a:t>
+              <a:t>• Large codebase </a:t>
             </a:r>
           </a:p>
           <a:p>
@@ -10926,8 +12106,8 @@
         </p:nvSpPr>
         <p:spPr>
           <a:xfrm>
-            <a:off x="1751795" y="2139639"/>
-            <a:ext cx="1028358" cy="369332"/>
+            <a:off x="1857302" y="2139639"/>
+            <a:ext cx="817147" cy="369332"/>
           </a:xfrm>
           <a:prstGeom prst="rect">
             <a:avLst/>
@@ -10948,7 +12128,7 @@
                   </a:schemeClr>
                 </a:solidFill>
               </a:rPr>
-              <a:t>Service 1</a:t>
+              <a:t>Orders</a:t>
             </a:r>
             <a:endParaRPr lang="en-US" dirty="0">
               <a:solidFill>
@@ -11076,8 +12256,8 @@
         </p:nvSpPr>
         <p:spPr>
           <a:xfrm>
-            <a:off x="10122077" y="2119722"/>
-            <a:ext cx="1028358" cy="369332"/>
+            <a:off x="10086908" y="2119722"/>
+            <a:ext cx="1095043" cy="369332"/>
           </a:xfrm>
           <a:prstGeom prst="rect">
             <a:avLst/>
@@ -11098,7 +12278,7 @@
                   </a:schemeClr>
                 </a:solidFill>
               </a:rPr>
-              <a:t>Service 2</a:t>
+              <a:t>Payments</a:t>
             </a:r>
           </a:p>
         </p:txBody>
@@ -11353,9 +12533,10 @@
           <a:p>
             <a:pPr algn="ctr"/>
             <a:r>
-              <a:rPr lang="en-US" dirty="0" smtClean="0"/>
-              <a:t>Command</a:t>
-            </a:r>
+              <a:rPr lang="en-US" dirty="0" err="1" smtClean="0"/>
+              <a:t>PlaceOrder</a:t>
+            </a:r>
+            <a:endParaRPr lang="en-US" dirty="0" smtClean="0"/>
           </a:p>
         </p:txBody>
       </p:sp>
@@ -11395,7 +12576,7 @@
             <a:pPr algn="ctr"/>
             <a:r>
               <a:rPr lang="en-US" dirty="0" smtClean="0"/>
-              <a:t>Entity 1</a:t>
+              <a:t>Order</a:t>
             </a:r>
           </a:p>
         </p:txBody>
@@ -11436,7 +12617,7 @@
             <a:pPr algn="ctr"/>
             <a:r>
               <a:rPr lang="en-US" dirty="0" smtClean="0"/>
-              <a:t>Event 1</a:t>
+              <a:t>Order Placed</a:t>
             </a:r>
           </a:p>
         </p:txBody>
@@ -11476,8 +12657,8 @@
           <a:p>
             <a:pPr algn="ctr"/>
             <a:r>
-              <a:rPr lang="en-US" dirty="0" smtClean="0"/>
-              <a:t>Event 1</a:t>
+              <a:rPr lang="en-US" dirty="0"/>
+              <a:t>Order Placed</a:t>
             </a:r>
           </a:p>
         </p:txBody>
@@ -11556,7 +12737,7 @@
             <a:pPr algn="ctr"/>
             <a:r>
               <a:rPr lang="en-US" dirty="0" smtClean="0"/>
-              <a:t>Event 2</a:t>
+              <a:t>Payment Accepted</a:t>
             </a:r>
           </a:p>
         </p:txBody>
@@ -11684,7 +12865,7 @@
             <a:pPr algn="ctr"/>
             <a:r>
               <a:rPr lang="en-US" dirty="0" smtClean="0"/>
-              <a:t>Entity 2</a:t>
+              <a:t>Payment</a:t>
             </a:r>
           </a:p>
         </p:txBody>
@@ -11762,9 +12943,14 @@
           <a:p>
             <a:pPr algn="ctr"/>
             <a:r>
+              <a:rPr lang="en-US" dirty="0"/>
+              <a:t>Payment </a:t>
+            </a:r>
+            <a:r>
               <a:rPr lang="en-US" dirty="0" smtClean="0"/>
-              <a:t>Event 2</a:t>
-            </a:r>
+              <a:t>Accepted</a:t>
+            </a:r>
+            <a:endParaRPr lang="en-US" dirty="0"/>
           </a:p>
         </p:txBody>
       </p:sp>

--- a/t18-event-mongodb.pptx
+++ b/t18-event-mongodb.pptx
@@ -135,6 +135,9 @@
   <p:extLst>
     <p:ext uri="{EFAFB233-063F-42B5-8137-9DF3F51BA10A}">
       <p15:sldGuideLst xmlns:p15="http://schemas.microsoft.com/office/powerpoint/2012/main"/>
+    </p:ext>
+    <p:ext uri="{2D200454-40CA-4A62-9FC3-DE9A4176ACB9}">
+      <p15:notesGuideLst xmlns:p15="http://schemas.microsoft.com/office/powerpoint/2012/main"/>
     </p:ext>
   </p:extLst>
 </p:presentation>
@@ -8197,15 +8200,7 @@
           <a:p>
             <a:r>
               <a:rPr lang="en-US" sz="3200" dirty="0" smtClean="0"/>
-              <a:t>• </a:t>
-            </a:r>
-            <a:r>
-              <a:rPr lang="en-US" sz="3200" dirty="0" smtClean="0"/>
-              <a:t>Go </a:t>
-            </a:r>
-            <a:r>
-              <a:rPr lang="en-US" sz="3200" dirty="0" smtClean="0"/>
-              <a:t>with </a:t>
+              <a:t>• Go with </a:t>
             </a:r>
             <a:r>
               <a:rPr lang="en-US" sz="3200" dirty="0" err="1" smtClean="0"/>
@@ -8281,11 +8276,7 @@
           <a:p>
             <a:r>
               <a:rPr lang="en-US" sz="3200" dirty="0" smtClean="0"/>
-              <a:t>• MongoDB 3.6 with Change Streams just </a:t>
-            </a:r>
-            <a:r>
-              <a:rPr lang="en-US" sz="3200" dirty="0" smtClean="0"/>
-              <a:t>released</a:t>
+              <a:t>• MongoDB 3.6 with Change Streams just released</a:t>
             </a:r>
             <a:endParaRPr lang="en-US" sz="3200" dirty="0"/>
           </a:p>
@@ -8720,15 +8711,7 @@
           <a:p>
             <a:r>
               <a:rPr lang="en-US" sz="3200" dirty="0" smtClean="0"/>
-              <a:t>• </a:t>
-            </a:r>
-            <a:r>
-              <a:rPr lang="en-US" sz="3200" dirty="0" smtClean="0"/>
-              <a:t>Go </a:t>
-            </a:r>
-            <a:r>
-              <a:rPr lang="en-US" sz="3200" dirty="0" smtClean="0"/>
-              <a:t>with </a:t>
+              <a:t>• Go with </a:t>
             </a:r>
             <a:r>
               <a:rPr lang="en-US" sz="3200" dirty="0" err="1" smtClean="0"/>
@@ -8804,11 +8787,7 @@
           <a:p>
             <a:r>
               <a:rPr lang="en-US" sz="3200" dirty="0" smtClean="0"/>
-              <a:t>• MongoDB 3.6 with Change Streams just </a:t>
-            </a:r>
-            <a:r>
-              <a:rPr lang="en-US" sz="3200" dirty="0" smtClean="0"/>
-              <a:t>released</a:t>
+              <a:t>• MongoDB 3.6 with Change Streams just released</a:t>
             </a:r>
             <a:endParaRPr lang="en-US" sz="3200" dirty="0"/>
           </a:p>
@@ -9243,15 +9222,7 @@
           <a:p>
             <a:r>
               <a:rPr lang="en-US" sz="3200" dirty="0" smtClean="0"/>
-              <a:t>• </a:t>
-            </a:r>
-            <a:r>
-              <a:rPr lang="en-US" sz="3200" dirty="0" smtClean="0"/>
-              <a:t>Single </a:t>
-            </a:r>
-            <a:r>
-              <a:rPr lang="en-US" sz="3200" dirty="0" smtClean="0"/>
-              <a:t>collection per connection</a:t>
+              <a:t>• Single collection per connection</a:t>
             </a:r>
             <a:endParaRPr lang="en-US" sz="3200" dirty="0"/>
           </a:p>
@@ -9281,15 +9252,7 @@
           <a:p>
             <a:r>
               <a:rPr lang="en-US" sz="3200" dirty="0" smtClean="0"/>
-              <a:t>• </a:t>
-            </a:r>
-            <a:r>
-              <a:rPr lang="en-US" sz="3200" dirty="0" smtClean="0"/>
-              <a:t>Not </a:t>
-            </a:r>
-            <a:r>
-              <a:rPr lang="en-US" sz="3200" dirty="0" smtClean="0"/>
-              <a:t>yet widely used in production</a:t>
+              <a:t>• Not yet widely used in production</a:t>
             </a:r>
             <a:endParaRPr lang="en-US" sz="3200" dirty="0"/>
           </a:p>
@@ -9365,19 +9328,7 @@
           <a:p>
             <a:r>
               <a:rPr lang="en-US" sz="3200" dirty="0" smtClean="0"/>
-              <a:t>• </a:t>
-            </a:r>
-            <a:r>
-              <a:rPr lang="en-US" sz="3200" dirty="0" smtClean="0"/>
-              <a:t>Stable, </a:t>
-            </a:r>
-            <a:r>
-              <a:rPr lang="en-US" sz="3200" dirty="0" smtClean="0"/>
-              <a:t>well-documented </a:t>
-            </a:r>
-            <a:r>
-              <a:rPr lang="en-US" sz="3200" dirty="0" smtClean="0"/>
-              <a:t>API</a:t>
+              <a:t>• Stable, well-documented API</a:t>
             </a:r>
             <a:endParaRPr lang="en-US" sz="3200" dirty="0"/>
           </a:p>
@@ -9467,15 +9418,7 @@
           <a:p>
             <a:r>
               <a:rPr lang="en-US" sz="3200" dirty="0" smtClean="0"/>
-              <a:t>• </a:t>
-            </a:r>
-            <a:r>
-              <a:rPr lang="en-US" sz="3200" dirty="0" smtClean="0"/>
-              <a:t>No </a:t>
-            </a:r>
-            <a:r>
-              <a:rPr lang="en-US" sz="3200" dirty="0" smtClean="0"/>
-              <a:t>way to achieve </a:t>
+              <a:t>• No way to achieve </a:t>
             </a:r>
             <a:r>
               <a:rPr lang="en-US" sz="3200" dirty="0">
@@ -11134,11 +11077,7 @@
           <a:p>
             <a:r>
               <a:rPr lang="en-US" sz="4800" dirty="0" smtClean="0"/>
-              <a:t>Platform </a:t>
-            </a:r>
-            <a:r>
-              <a:rPr lang="en-US" sz="4800" dirty="0" smtClean="0"/>
-              <a:t>engineer at Synergy Sports Technology</a:t>
+              <a:t>Platform engineer at Synergy Sports Technology</a:t>
             </a:r>
             <a:endParaRPr lang="en-US" sz="4800" dirty="0"/>
           </a:p>
@@ -11304,203 +11243,168 @@
       </p:sp>
       <p:sp>
         <p:nvSpPr>
-          <p:cNvPr id="15" name="TextBox 14"/>
-          <p:cNvSpPr txBox="1"/>
+          <p:cNvPr id="3" name="Rectangle 2"/>
+          <p:cNvSpPr/>
           <p:nvPr/>
         </p:nvSpPr>
         <p:spPr>
           <a:xfrm>
-            <a:off x="589262" y="4296455"/>
-            <a:ext cx="4783682" cy="584775"/>
+            <a:off x="140678" y="1836400"/>
+            <a:ext cx="12004431" cy="3693319"/>
           </a:xfrm>
           <a:prstGeom prst="rect">
             <a:avLst/>
           </a:prstGeom>
-          <a:noFill/>
-        </p:spPr>
-        <p:txBody>
-          <a:bodyPr wrap="none" rtlCol="0">
+        </p:spPr>
+        <p:txBody>
+          <a:bodyPr wrap="square">
             <a:spAutoFit/>
           </a:bodyPr>
           <a:lstStyle/>
           <a:p>
             <a:r>
-              <a:rPr lang="en-US" sz="3200" dirty="0" smtClean="0"/>
-              <a:t>• </a:t>
-            </a:r>
-            <a:r>
-              <a:rPr lang="en-US" sz="3200" dirty="0" smtClean="0"/>
-              <a:t>Go </a:t>
-            </a:r>
-            <a:r>
-              <a:rPr lang="en-US" sz="3200" dirty="0" smtClean="0"/>
-              <a:t>with </a:t>
-            </a:r>
-            <a:r>
-              <a:rPr lang="en-US" sz="3200" dirty="0" err="1" smtClean="0"/>
-              <a:t>Oplog</a:t>
-            </a:r>
-            <a:r>
-              <a:rPr lang="en-US" sz="3200" dirty="0" smtClean="0"/>
-              <a:t> tailing</a:t>
-            </a:r>
-            <a:endParaRPr lang="en-US" sz="3200" dirty="0"/>
-          </a:p>
-        </p:txBody>
-      </p:sp>
-      <p:sp>
-        <p:nvSpPr>
-          <p:cNvPr id="16" name="TextBox 15"/>
-          <p:cNvSpPr txBox="1"/>
-          <p:nvPr/>
-        </p:nvSpPr>
-        <p:spPr>
-          <a:xfrm>
-            <a:off x="589262" y="3559391"/>
-            <a:ext cx="8174033" cy="584775"/>
-          </a:xfrm>
-          <a:prstGeom prst="rect">
-            <a:avLst/>
-          </a:prstGeom>
-          <a:noFill/>
-        </p:spPr>
-        <p:txBody>
-          <a:bodyPr wrap="none" rtlCol="0">
-            <a:spAutoFit/>
-          </a:bodyPr>
-          <a:lstStyle/>
-          <a:p>
-            <a:r>
-              <a:rPr lang="en-US" sz="3200" dirty="0" smtClean="0"/>
-              <a:t>• Event </a:t>
-            </a:r>
-            <a:r>
-              <a:rPr lang="en-US" sz="3200" dirty="0"/>
-              <a:t>sourcing requires major </a:t>
-            </a:r>
-            <a:r>
-              <a:rPr lang="en-US" sz="3200" dirty="0" smtClean="0"/>
-              <a:t>redesign</a:t>
-            </a:r>
-            <a:endParaRPr lang="en-US" sz="3200" dirty="0"/>
-          </a:p>
-        </p:txBody>
-      </p:sp>
-      <p:sp>
-        <p:nvSpPr>
-          <p:cNvPr id="17" name="TextBox 16"/>
-          <p:cNvSpPr txBox="1"/>
-          <p:nvPr/>
-        </p:nvSpPr>
-        <p:spPr>
-          <a:xfrm>
-            <a:off x="582603" y="5033519"/>
-            <a:ext cx="10163360" cy="584775"/>
-          </a:xfrm>
-          <a:prstGeom prst="rect">
-            <a:avLst/>
-          </a:prstGeom>
-          <a:noFill/>
-        </p:spPr>
-        <p:txBody>
-          <a:bodyPr wrap="none" rtlCol="0">
-            <a:spAutoFit/>
-          </a:bodyPr>
-          <a:lstStyle/>
-          <a:p>
-            <a:r>
-              <a:rPr lang="en-US" sz="3200" dirty="0" smtClean="0"/>
-              <a:t>• MongoDB 3.6 with Change Streams just </a:t>
-            </a:r>
-            <a:r>
-              <a:rPr lang="en-US" sz="3200" dirty="0" smtClean="0"/>
-              <a:t>released</a:t>
-            </a:r>
-            <a:endParaRPr lang="en-US" sz="3200" dirty="0"/>
-          </a:p>
-        </p:txBody>
-      </p:sp>
-      <p:sp>
-        <p:nvSpPr>
-          <p:cNvPr id="18" name="TextBox 17"/>
-          <p:cNvSpPr txBox="1"/>
-          <p:nvPr/>
-        </p:nvSpPr>
-        <p:spPr>
-          <a:xfrm>
-            <a:off x="589262" y="2085263"/>
-            <a:ext cx="11327140" cy="584775"/>
-          </a:xfrm>
-          <a:prstGeom prst="rect">
-            <a:avLst/>
-          </a:prstGeom>
-          <a:noFill/>
-        </p:spPr>
-        <p:txBody>
-          <a:bodyPr wrap="none" rtlCol="0">
-            <a:spAutoFit/>
-          </a:bodyPr>
-          <a:lstStyle/>
-          <a:p>
-            <a:r>
-              <a:rPr lang="en-US" sz="3200" dirty="0" smtClean="0"/>
-              <a:t>• MongoDB 3.4, primary-secondary-arbiter (PSA), </a:t>
-            </a:r>
-            <a:r>
-              <a:rPr lang="en-US" sz="3200" dirty="0">
+              <a:rPr lang="en-US" dirty="0"/>
+              <a:t>Replication</a:t>
+            </a:r>
+          </a:p>
+          <a:p>
+            <a:r>
+              <a:rPr lang="en-US" dirty="0"/>
+              <a:t>    </a:t>
+            </a:r>
+            <a:r>
+              <a:rPr lang="en-US" dirty="0">
+                <a:hlinkClick r:id="rId3"/>
+              </a:rPr>
+              <a:t>https://www.slideshare.net/Stripe_talks/mongo-db-oplog</a:t>
+            </a:r>
+            <a:endParaRPr lang="en-US" dirty="0"/>
+          </a:p>
+          <a:p>
+            <a:r>
+              <a:rPr lang="en-US" dirty="0"/>
+              <a:t>    </a:t>
+            </a:r>
+            <a:r>
+              <a:rPr lang="en-US" dirty="0">
+                <a:hlinkClick r:id="rId4"/>
+              </a:rPr>
+              <a:t>https://www.compose.com/articles/the-mongodb-oplog-and-node-js/</a:t>
+            </a:r>
+            <a:endParaRPr lang="en-US" dirty="0"/>
+          </a:p>
+          <a:p>
+            <a:r>
+              <a:rPr lang="en-US" dirty="0"/>
+              <a:t>    </a:t>
+            </a:r>
+            <a:r>
+              <a:rPr lang="en-US" dirty="0">
+                <a:hlinkClick r:id="rId5"/>
+              </a:rPr>
+              <a:t>https://stackoverflow.com/questions/17878835/what-does-the-h-in-oplog-rs-document-stand-for</a:t>
+            </a:r>
+            <a:endParaRPr lang="en-US" dirty="0"/>
+          </a:p>
+          <a:p>
+            <a:r>
+              <a:rPr lang="en-US" dirty="0"/>
+              <a:t>    </a:t>
+            </a:r>
+            <a:r>
+              <a:rPr lang="en-US" dirty="0">
+                <a:hlinkClick r:id="rId6"/>
+              </a:rPr>
+              <a:t>https://stackoverflow.com/questions/26935419/what-do-the-oplog-fields-actually-mean</a:t>
+            </a:r>
+            <a:endParaRPr lang="en-US" dirty="0"/>
+          </a:p>
+          <a:p>
+            <a:endParaRPr lang="en-US" dirty="0"/>
+          </a:p>
+          <a:p>
+            <a:r>
+              <a:rPr lang="en-US" dirty="0"/>
+              <a:t>Event-Driven-Architecture</a:t>
+            </a:r>
+          </a:p>
+          <a:p>
+            <a:r>
+              <a:rPr lang="en-US" dirty="0"/>
+              <a:t>    </a:t>
+            </a:r>
+            <a:r>
+              <a:rPr lang="en-US" dirty="0">
+                <a:hlinkClick r:id="rId7"/>
+              </a:rPr>
+              <a:t>https://www.nginx.com/blog/event-driven-data-management-microservices/</a:t>
+            </a:r>
+            <a:endParaRPr lang="en-US" dirty="0"/>
+          </a:p>
+          <a:p>
+            <a:r>
+              <a:rPr lang="en-US" dirty="0"/>
+              <a:t>    </a:t>
+            </a:r>
+            <a:r>
+              <a:rPr lang="en-US" dirty="0">
+                <a:hlinkClick r:id="rId8"/>
+              </a:rPr>
+              <a:t>https://microservices.io/</a:t>
+            </a:r>
+            <a:endParaRPr lang="en-US" dirty="0"/>
+          </a:p>
+          <a:p>
+            <a:r>
+              <a:rPr lang="en-US" dirty="0"/>
+              <a:t>    </a:t>
+            </a:r>
+            <a:r>
+              <a:rPr lang="en-US" dirty="0">
+                <a:hlinkClick r:id="rId9"/>
+              </a:rPr>
+              <a:t>https://</a:t>
+            </a:r>
+            <a:r>
+              <a:rPr lang="en-US" dirty="0">
                 <a:solidFill>
-                  <a:srgbClr val="FFFF00"/>
+                  <a:schemeClr val="accent3"/>
                 </a:solidFill>
+                <a:hlinkClick r:id="rId9"/>
               </a:rPr>
-              <a:t>{ w: 1 </a:t>
-            </a:r>
-            <a:r>
-              <a:rPr lang="en-US" sz="3200" dirty="0" smtClean="0">
-                <a:solidFill>
-                  <a:srgbClr val="FFFF00"/>
-                </a:solidFill>
+              <a:t>skillsmatter.com/skillscasts/12115-keynote-not-just-events-developing-asynchronous-microservices</a:t>
+            </a:r>
+            <a:endParaRPr lang="en-US" dirty="0">
+              <a:solidFill>
+                <a:schemeClr val="accent3"/>
+              </a:solidFill>
+            </a:endParaRPr>
+          </a:p>
+          <a:p>
+            <a:endParaRPr lang="en-US" dirty="0">
+              <a:solidFill>
+                <a:srgbClr val="92D050"/>
+              </a:solidFill>
+            </a:endParaRPr>
+          </a:p>
+          <a:p>
+            <a:r>
+              <a:rPr lang="en-US" dirty="0"/>
+              <a:t>Domain model</a:t>
+            </a:r>
+          </a:p>
+          <a:p>
+            <a:r>
+              <a:rPr lang="en-US" dirty="0"/>
+              <a:t>    </a:t>
+            </a:r>
+            <a:r>
+              <a:rPr lang="en-US" dirty="0">
+                <a:hlinkClick r:id="rId10"/>
               </a:rPr>
-              <a:t>}</a:t>
-            </a:r>
-            <a:endParaRPr lang="en-US" sz="3200" dirty="0"/>
-          </a:p>
-        </p:txBody>
-      </p:sp>
-      <p:sp>
-        <p:nvSpPr>
-          <p:cNvPr id="19" name="TextBox 18"/>
-          <p:cNvSpPr txBox="1"/>
-          <p:nvPr/>
-        </p:nvSpPr>
-        <p:spPr>
-          <a:xfrm>
-            <a:off x="589262" y="2822327"/>
-            <a:ext cx="7584127" cy="584775"/>
-          </a:xfrm>
-          <a:prstGeom prst="rect">
-            <a:avLst/>
-          </a:prstGeom>
-          <a:noFill/>
-        </p:spPr>
-        <p:txBody>
-          <a:bodyPr wrap="none" rtlCol="0">
-            <a:spAutoFit/>
-          </a:bodyPr>
-          <a:lstStyle/>
-          <a:p>
-            <a:r>
-              <a:rPr lang="en-US" sz="3200" dirty="0" smtClean="0"/>
-              <a:t>• </a:t>
-            </a:r>
-            <a:r>
-              <a:rPr lang="en-US" sz="3200" dirty="0"/>
-              <a:t>No ACID transactions support so </a:t>
-            </a:r>
-            <a:r>
-              <a:rPr lang="en-US" sz="3200" dirty="0" smtClean="0"/>
-              <a:t>far</a:t>
-            </a:r>
-            <a:endParaRPr lang="en-US" sz="3200" dirty="0"/>
+              <a:t>http://dddcommunity.org/library/vernon_2011/</a:t>
+            </a:r>
+            <a:endParaRPr lang="en-US" dirty="0"/>
           </a:p>
         </p:txBody>
       </p:sp>
@@ -11517,264 +11421,9 @@
   <p:timing>
     <p:tnLst>
       <p:par>
-        <p:cTn id="1" dur="indefinite" restart="never" nodeType="tmRoot">
-          <p:childTnLst>
-            <p:seq concurrent="1" nextAc="seek">
-              <p:cTn id="2" dur="indefinite" nodeType="mainSeq">
-                <p:childTnLst>
-                  <p:par>
-                    <p:cTn id="3" fill="hold">
-                      <p:stCondLst>
-                        <p:cond delay="indefinite"/>
-                      </p:stCondLst>
-                      <p:childTnLst>
-                        <p:par>
-                          <p:cTn id="4" fill="hold">
-                            <p:stCondLst>
-                              <p:cond delay="0"/>
-                            </p:stCondLst>
-                            <p:childTnLst>
-                              <p:par>
-                                <p:cTn id="5" presetID="1" presetClass="entr" presetSubtype="0" fill="hold" grpId="0" nodeType="clickEffect">
-                                  <p:stCondLst>
-                                    <p:cond delay="0"/>
-                                  </p:stCondLst>
-                                  <p:childTnLst>
-                                    <p:set>
-                                      <p:cBhvr>
-                                        <p:cTn id="6" dur="1" fill="hold">
-                                          <p:stCondLst>
-                                            <p:cond delay="0"/>
-                                          </p:stCondLst>
-                                        </p:cTn>
-                                        <p:tgtEl>
-                                          <p:spTgt spid="18"/>
-                                        </p:tgtEl>
-                                        <p:attrNameLst>
-                                          <p:attrName>style.visibility</p:attrName>
-                                        </p:attrNameLst>
-                                      </p:cBhvr>
-                                      <p:to>
-                                        <p:strVal val="visible"/>
-                                      </p:to>
-                                    </p:set>
-                                  </p:childTnLst>
-                                </p:cTn>
-                              </p:par>
-                            </p:childTnLst>
-                          </p:cTn>
-                        </p:par>
-                      </p:childTnLst>
-                    </p:cTn>
-                  </p:par>
-                  <p:par>
-                    <p:cTn id="7" fill="hold">
-                      <p:stCondLst>
-                        <p:cond delay="indefinite"/>
-                      </p:stCondLst>
-                      <p:childTnLst>
-                        <p:par>
-                          <p:cTn id="8" fill="hold">
-                            <p:stCondLst>
-                              <p:cond delay="0"/>
-                            </p:stCondLst>
-                            <p:childTnLst>
-                              <p:par>
-                                <p:cTn id="9" presetID="1" presetClass="entr" presetSubtype="0" fill="hold" grpId="0" nodeType="clickEffect">
-                                  <p:stCondLst>
-                                    <p:cond delay="0"/>
-                                  </p:stCondLst>
-                                  <p:childTnLst>
-                                    <p:set>
-                                      <p:cBhvr>
-                                        <p:cTn id="10" dur="1" fill="hold">
-                                          <p:stCondLst>
-                                            <p:cond delay="0"/>
-                                          </p:stCondLst>
-                                        </p:cTn>
-                                        <p:tgtEl>
-                                          <p:spTgt spid="19"/>
-                                        </p:tgtEl>
-                                        <p:attrNameLst>
-                                          <p:attrName>style.visibility</p:attrName>
-                                        </p:attrNameLst>
-                                      </p:cBhvr>
-                                      <p:to>
-                                        <p:strVal val="visible"/>
-                                      </p:to>
-                                    </p:set>
-                                  </p:childTnLst>
-                                </p:cTn>
-                              </p:par>
-                            </p:childTnLst>
-                          </p:cTn>
-                        </p:par>
-                      </p:childTnLst>
-                    </p:cTn>
-                  </p:par>
-                  <p:par>
-                    <p:cTn id="11" fill="hold">
-                      <p:stCondLst>
-                        <p:cond delay="indefinite"/>
-                      </p:stCondLst>
-                      <p:childTnLst>
-                        <p:par>
-                          <p:cTn id="12" fill="hold">
-                            <p:stCondLst>
-                              <p:cond delay="0"/>
-                            </p:stCondLst>
-                            <p:childTnLst>
-                              <p:par>
-                                <p:cTn id="13" presetID="1" presetClass="entr" presetSubtype="0" fill="hold" grpId="0" nodeType="clickEffect">
-                                  <p:stCondLst>
-                                    <p:cond delay="0"/>
-                                  </p:stCondLst>
-                                  <p:childTnLst>
-                                    <p:set>
-                                      <p:cBhvr>
-                                        <p:cTn id="14" dur="1" fill="hold">
-                                          <p:stCondLst>
-                                            <p:cond delay="0"/>
-                                          </p:stCondLst>
-                                        </p:cTn>
-                                        <p:tgtEl>
-                                          <p:spTgt spid="16"/>
-                                        </p:tgtEl>
-                                        <p:attrNameLst>
-                                          <p:attrName>style.visibility</p:attrName>
-                                        </p:attrNameLst>
-                                      </p:cBhvr>
-                                      <p:to>
-                                        <p:strVal val="visible"/>
-                                      </p:to>
-                                    </p:set>
-                                  </p:childTnLst>
-                                </p:cTn>
-                              </p:par>
-                            </p:childTnLst>
-                          </p:cTn>
-                        </p:par>
-                      </p:childTnLst>
-                    </p:cTn>
-                  </p:par>
-                  <p:par>
-                    <p:cTn id="15" fill="hold">
-                      <p:stCondLst>
-                        <p:cond delay="indefinite"/>
-                      </p:stCondLst>
-                      <p:childTnLst>
-                        <p:par>
-                          <p:cTn id="16" fill="hold">
-                            <p:stCondLst>
-                              <p:cond delay="0"/>
-                            </p:stCondLst>
-                            <p:childTnLst>
-                              <p:par>
-                                <p:cTn id="17" presetID="1" presetClass="entr" presetSubtype="0" fill="hold" grpId="0" nodeType="clickEffect">
-                                  <p:stCondLst>
-                                    <p:cond delay="0"/>
-                                  </p:stCondLst>
-                                  <p:childTnLst>
-                                    <p:set>
-                                      <p:cBhvr>
-                                        <p:cTn id="18" dur="1" fill="hold">
-                                          <p:stCondLst>
-                                            <p:cond delay="0"/>
-                                          </p:stCondLst>
-                                        </p:cTn>
-                                        <p:tgtEl>
-                                          <p:spTgt spid="15"/>
-                                        </p:tgtEl>
-                                        <p:attrNameLst>
-                                          <p:attrName>style.visibility</p:attrName>
-                                        </p:attrNameLst>
-                                      </p:cBhvr>
-                                      <p:to>
-                                        <p:strVal val="visible"/>
-                                      </p:to>
-                                    </p:set>
-                                  </p:childTnLst>
-                                </p:cTn>
-                              </p:par>
-                            </p:childTnLst>
-                          </p:cTn>
-                        </p:par>
-                      </p:childTnLst>
-                    </p:cTn>
-                  </p:par>
-                  <p:par>
-                    <p:cTn id="19" fill="hold">
-                      <p:stCondLst>
-                        <p:cond delay="indefinite"/>
-                      </p:stCondLst>
-                      <p:childTnLst>
-                        <p:par>
-                          <p:cTn id="20" fill="hold">
-                            <p:stCondLst>
-                              <p:cond delay="0"/>
-                            </p:stCondLst>
-                            <p:childTnLst>
-                              <p:par>
-                                <p:cTn id="21" presetID="1" presetClass="entr" presetSubtype="0" fill="hold" grpId="0" nodeType="clickEffect">
-                                  <p:stCondLst>
-                                    <p:cond delay="0"/>
-                                  </p:stCondLst>
-                                  <p:childTnLst>
-                                    <p:set>
-                                      <p:cBhvr>
-                                        <p:cTn id="22" dur="1" fill="hold">
-                                          <p:stCondLst>
-                                            <p:cond delay="0"/>
-                                          </p:stCondLst>
-                                        </p:cTn>
-                                        <p:tgtEl>
-                                          <p:spTgt spid="17"/>
-                                        </p:tgtEl>
-                                        <p:attrNameLst>
-                                          <p:attrName>style.visibility</p:attrName>
-                                        </p:attrNameLst>
-                                      </p:cBhvr>
-                                      <p:to>
-                                        <p:strVal val="visible"/>
-                                      </p:to>
-                                    </p:set>
-                                  </p:childTnLst>
-                                </p:cTn>
-                              </p:par>
-                            </p:childTnLst>
-                          </p:cTn>
-                        </p:par>
-                      </p:childTnLst>
-                    </p:cTn>
-                  </p:par>
-                </p:childTnLst>
-              </p:cTn>
-              <p:prevCondLst>
-                <p:cond evt="onPrev" delay="0">
-                  <p:tgtEl>
-                    <p:sldTgt/>
-                  </p:tgtEl>
-                </p:cond>
-              </p:prevCondLst>
-              <p:nextCondLst>
-                <p:cond evt="onNext" delay="0">
-                  <p:tgtEl>
-                    <p:sldTgt/>
-                  </p:tgtEl>
-                </p:cond>
-              </p:nextCondLst>
-            </p:seq>
-          </p:childTnLst>
-        </p:cTn>
+        <p:cTn id="1" dur="indefinite" restart="never" nodeType="tmRoot"/>
       </p:par>
     </p:tnLst>
-    <p:bldLst>
-      <p:bldP spid="15" grpId="0"/>
-      <p:bldP spid="16" grpId="0"/>
-      <p:bldP spid="17" grpId="0"/>
-      <p:bldP spid="18" grpId="0"/>
-      <p:bldP spid="19" grpId="0"/>
-    </p:bldLst>
   </p:timing>
 </p:sld>
 </file>
@@ -11998,11 +11647,7 @@
           <a:p>
             <a:r>
               <a:rPr lang="en-US" sz="3200" dirty="0" smtClean="0"/>
-              <a:t>• </a:t>
-            </a:r>
-            <a:r>
-              <a:rPr lang="en-US" sz="3200" dirty="0" smtClean="0"/>
-              <a:t>Expensive calculations for report read model</a:t>
+              <a:t>• Expensive calculations for report read model</a:t>
             </a:r>
             <a:endParaRPr lang="en-US" sz="3200" dirty="0"/>
           </a:p>

--- a/t18-event-mongodb.pptx
+++ b/t18-event-mongodb.pptx
@@ -7916,7 +7916,9 @@
           </a:lstStyle>
           <a:p>
             <a:r>
-              <a:rPr lang="en-US" dirty="0" smtClean="0"/>
+              <a:rPr lang="en-US" dirty="0" smtClean="0">
+                <a:hlinkClick r:id="rId4"/>
+              </a:rPr>
               <a:t>bit.ly/2DUYXNF</a:t>
             </a:r>
             <a:endParaRPr lang="en-US" dirty="0"/>
@@ -17314,7 +17316,7 @@
       </p:sp>
       <p:sp>
         <p:nvSpPr>
-          <p:cNvPr id="34" name="Hexagon 33"/>
+          <p:cNvPr id="20" name="Hexagon 19"/>
           <p:cNvSpPr/>
           <p:nvPr/>
         </p:nvSpPr>
@@ -17370,7 +17372,7 @@
       </p:sp>
       <p:sp>
         <p:nvSpPr>
-          <p:cNvPr id="44" name="Diamond 43"/>
+          <p:cNvPr id="21" name="Diamond 20"/>
           <p:cNvSpPr/>
           <p:nvPr/>
         </p:nvSpPr>
@@ -17416,7 +17418,7 @@
       </p:sp>
       <p:sp>
         <p:nvSpPr>
-          <p:cNvPr id="45" name="TextBox 44"/>
+          <p:cNvPr id="22" name="TextBox 21"/>
           <p:cNvSpPr txBox="1"/>
           <p:nvPr/>
         </p:nvSpPr>
@@ -17458,16 +17460,17 @@
       </p:sp>
       <p:cxnSp>
         <p:nvCxnSpPr>
-          <p:cNvPr id="46" name="Straight Arrow Connector 45"/>
+          <p:cNvPr id="23" name="Straight Arrow Connector 22"/>
           <p:cNvCxnSpPr>
-            <a:endCxn id="48" idx="0"/>
+            <a:stCxn id="20" idx="0"/>
+            <a:endCxn id="25" idx="0"/>
           </p:cNvCxnSpPr>
           <p:nvPr/>
         </p:nvCxnSpPr>
         <p:spPr>
           <a:xfrm flipH="1">
-            <a:off x="2723919" y="3157538"/>
-            <a:ext cx="32700" cy="1822342"/>
+            <a:off x="3137391" y="3349008"/>
+            <a:ext cx="2881" cy="1346562"/>
           </a:xfrm>
           <a:prstGeom prst="straightConnector1">
             <a:avLst/>
@@ -17496,7 +17499,7 @@
       </p:cxnSp>
       <p:sp>
         <p:nvSpPr>
-          <p:cNvPr id="47" name="Rectangle 46"/>
+          <p:cNvPr id="24" name="Rectangle 23"/>
           <p:cNvSpPr/>
           <p:nvPr/>
         </p:nvSpPr>
@@ -17544,7 +17547,7 @@
               <a:rPr lang="en-US" dirty="0" smtClean="0">
                 <a:solidFill>
                   <a:schemeClr val="accent3">
-                    <a:lumMod val="75000"/>
+                    <a:lumMod val="50000"/>
                   </a:schemeClr>
                 </a:solidFill>
               </a:rPr>
@@ -17555,17 +17558,21 @@
       </p:sp>
       <p:graphicFrame>
         <p:nvGraphicFramePr>
-          <p:cNvPr id="48" name="Table 47"/>
+          <p:cNvPr id="25" name="Table 24"/>
           <p:cNvGraphicFramePr>
             <a:graphicFrameLocks noGrp="1"/>
           </p:cNvGraphicFramePr>
           <p:nvPr>
-            <p:extLst/>
+            <p:extLst>
+              <p:ext uri="{D42A27DB-BD31-4B8C-83A1-F6EECF244321}">
+                <p14:modId xmlns:p14="http://schemas.microsoft.com/office/powerpoint/2010/main" val="3054816568"/>
+              </p:ext>
+            </p:extLst>
           </p:nvPr>
         </p:nvGraphicFramePr>
         <p:xfrm>
-          <a:off x="1498602" y="4979880"/>
-          <a:ext cx="2450635" cy="1130493"/>
+          <a:off x="1912074" y="4695570"/>
+          <a:ext cx="2450635" cy="742591"/>
         </p:xfrm>
         <a:graphic>
           <a:graphicData uri="http://schemas.openxmlformats.org/drawingml/2006/table">
@@ -17580,7 +17587,7 @@
                 <a:gridCol w="490127"/>
                 <a:gridCol w="490127"/>
               </a:tblGrid>
-              <a:tr h="376831">
+              <a:tr h="264476">
                 <a:tc>
                   <a:txBody>
                     <a:bodyPr/>
@@ -17606,7 +17613,7 @@
                     <a:bodyPr/>
                     <a:lstStyle/>
                     <a:p>
-                      <a:endParaRPr lang="en-US"/>
+                      <a:endParaRPr lang="en-US" dirty="0"/>
                     </a:p>
                   </a:txBody>
                   <a:tcPr/>
@@ -17684,259 +17691,20 @@
                   <a:tcPr/>
                 </a:tc>
               </a:tr>
-              <a:tr h="376831">
-                <a:tc>
-                  <a:txBody>
-                    <a:bodyPr/>
-                    <a:lstStyle/>
-                    <a:p>
-                      <a:endParaRPr lang="en-US"/>
-                    </a:p>
-                  </a:txBody>
-                  <a:tcPr/>
-                </a:tc>
-                <a:tc>
-                  <a:txBody>
-                    <a:bodyPr/>
-                    <a:lstStyle/>
-                    <a:p>
-                      <a:endParaRPr lang="en-US" dirty="0"/>
-                    </a:p>
-                  </a:txBody>
-                  <a:tcPr/>
-                </a:tc>
-                <a:tc>
-                  <a:txBody>
-                    <a:bodyPr/>
-                    <a:lstStyle/>
-                    <a:p>
-                      <a:endParaRPr lang="en-US"/>
-                    </a:p>
-                  </a:txBody>
-                  <a:tcPr/>
-                </a:tc>
-                <a:tc>
-                  <a:txBody>
-                    <a:bodyPr/>
-                    <a:lstStyle/>
-                    <a:p>
-                      <a:endParaRPr lang="en-US" dirty="0"/>
-                    </a:p>
-                  </a:txBody>
-                  <a:tcPr/>
-                </a:tc>
-                <a:tc>
-                  <a:txBody>
-                    <a:bodyPr/>
-                    <a:lstStyle/>
-                    <a:p>
-                      <a:endParaRPr lang="en-US" dirty="0"/>
-                    </a:p>
-                  </a:txBody>
-                  <a:tcPr/>
-                </a:tc>
-              </a:tr>
-            </a:tbl>
-          </a:graphicData>
-        </a:graphic>
-      </p:graphicFrame>
-      <p:graphicFrame>
-        <p:nvGraphicFramePr>
-          <p:cNvPr id="49" name="Table 48"/>
-          <p:cNvGraphicFramePr>
-            <a:graphicFrameLocks noGrp="1"/>
-          </p:cNvGraphicFramePr>
-          <p:nvPr>
-            <p:extLst/>
-          </p:nvPr>
-        </p:nvGraphicFramePr>
-        <p:xfrm>
-          <a:off x="4977595" y="4979880"/>
-          <a:ext cx="2450635" cy="1130493"/>
-        </p:xfrm>
-        <a:graphic>
-          <a:graphicData uri="http://schemas.openxmlformats.org/drawingml/2006/table">
-            <a:tbl>
-              <a:tblPr firstRow="1" bandRow="1">
-                <a:tableStyleId>{5C22544A-7EE6-4342-B048-85BDC9FD1C3A}</a:tableStyleId>
-              </a:tblPr>
-              <a:tblGrid>
-                <a:gridCol w="490127"/>
-                <a:gridCol w="490127"/>
-                <a:gridCol w="490127"/>
-                <a:gridCol w="490127"/>
-                <a:gridCol w="490127"/>
-              </a:tblGrid>
-              <a:tr h="376831">
-                <a:tc>
-                  <a:txBody>
-                    <a:bodyPr/>
-                    <a:lstStyle/>
-                    <a:p>
-                      <a:endParaRPr lang="en-US" dirty="0"/>
-                    </a:p>
-                  </a:txBody>
-                  <a:tcPr/>
-                </a:tc>
-                <a:tc>
-                  <a:txBody>
-                    <a:bodyPr/>
-                    <a:lstStyle/>
-                    <a:p>
-                      <a:endParaRPr lang="en-US"/>
-                    </a:p>
-                  </a:txBody>
-                  <a:tcPr/>
-                </a:tc>
-                <a:tc>
-                  <a:txBody>
-                    <a:bodyPr/>
-                    <a:lstStyle/>
-                    <a:p>
-                      <a:endParaRPr lang="en-US"/>
-                    </a:p>
-                  </a:txBody>
-                  <a:tcPr/>
-                </a:tc>
-                <a:tc>
-                  <a:txBody>
-                    <a:bodyPr/>
-                    <a:lstStyle/>
-                    <a:p>
-                      <a:endParaRPr lang="en-US" dirty="0"/>
-                    </a:p>
-                  </a:txBody>
-                  <a:tcPr/>
-                </a:tc>
-                <a:tc>
-                  <a:txBody>
-                    <a:bodyPr/>
-                    <a:lstStyle/>
-                    <a:p>
-                      <a:endParaRPr lang="en-US"/>
-                    </a:p>
-                  </a:txBody>
-                  <a:tcPr/>
-                </a:tc>
-              </a:tr>
-              <a:tr h="376831">
-                <a:tc>
-                  <a:txBody>
-                    <a:bodyPr/>
-                    <a:lstStyle/>
-                    <a:p>
-                      <a:endParaRPr lang="en-US"/>
-                    </a:p>
-                  </a:txBody>
-                  <a:tcPr/>
-                </a:tc>
-                <a:tc>
-                  <a:txBody>
-                    <a:bodyPr/>
-                    <a:lstStyle/>
-                    <a:p>
-                      <a:endParaRPr lang="en-US" dirty="0"/>
-                    </a:p>
-                  </a:txBody>
-                  <a:tcPr/>
-                </a:tc>
-                <a:tc>
-                  <a:txBody>
-                    <a:bodyPr/>
-                    <a:lstStyle/>
-                    <a:p>
-                      <a:endParaRPr lang="en-US"/>
-                    </a:p>
-                  </a:txBody>
-                  <a:tcPr/>
-                </a:tc>
-                <a:tc>
-                  <a:txBody>
-                    <a:bodyPr/>
-                    <a:lstStyle/>
-                    <a:p>
-                      <a:endParaRPr lang="en-US" dirty="0"/>
-                    </a:p>
-                  </a:txBody>
-                  <a:tcPr/>
-                </a:tc>
-                <a:tc>
-                  <a:txBody>
-                    <a:bodyPr/>
-                    <a:lstStyle/>
-                    <a:p>
-                      <a:endParaRPr lang="en-US" dirty="0"/>
-                    </a:p>
-                  </a:txBody>
-                  <a:tcPr/>
-                </a:tc>
-              </a:tr>
-              <a:tr h="376831">
-                <a:tc>
-                  <a:txBody>
-                    <a:bodyPr/>
-                    <a:lstStyle/>
-                    <a:p>
-                      <a:endParaRPr lang="en-US"/>
-                    </a:p>
-                  </a:txBody>
-                  <a:tcPr/>
-                </a:tc>
-                <a:tc>
-                  <a:txBody>
-                    <a:bodyPr/>
-                    <a:lstStyle/>
-                    <a:p>
-                      <a:endParaRPr lang="en-US" dirty="0"/>
-                    </a:p>
-                  </a:txBody>
-                  <a:tcPr/>
-                </a:tc>
-                <a:tc>
-                  <a:txBody>
-                    <a:bodyPr/>
-                    <a:lstStyle/>
-                    <a:p>
-                      <a:endParaRPr lang="en-US"/>
-                    </a:p>
-                  </a:txBody>
-                  <a:tcPr/>
-                </a:tc>
-                <a:tc>
-                  <a:txBody>
-                    <a:bodyPr/>
-                    <a:lstStyle/>
-                    <a:p>
-                      <a:endParaRPr lang="en-US" dirty="0"/>
-                    </a:p>
-                  </a:txBody>
-                  <a:tcPr/>
-                </a:tc>
-                <a:tc>
-                  <a:txBody>
-                    <a:bodyPr/>
-                    <a:lstStyle/>
-                    <a:p>
-                      <a:endParaRPr lang="en-US" dirty="0"/>
-                    </a:p>
-                  </a:txBody>
-                  <a:tcPr/>
-                </a:tc>
-              </a:tr>
             </a:tbl>
           </a:graphicData>
         </a:graphic>
       </p:graphicFrame>
       <p:cxnSp>
         <p:nvCxnSpPr>
-          <p:cNvPr id="50" name="Straight Arrow Connector 49"/>
+          <p:cNvPr id="27" name="Straight Arrow Connector 26"/>
           <p:cNvCxnSpPr/>
           <p:nvPr/>
         </p:nvCxnSpPr>
         <p:spPr>
           <a:xfrm>
-            <a:off x="3457707" y="3175000"/>
-            <a:ext cx="1519888" cy="1804880"/>
+            <a:off x="7330560" y="3729814"/>
+            <a:ext cx="1965121" cy="0"/>
           </a:xfrm>
           <a:prstGeom prst="straightConnector1">
             <a:avLst/>
@@ -17965,235 +17733,13 @@
       </p:cxnSp>
       <p:sp>
         <p:nvSpPr>
-          <p:cNvPr id="51" name="Flowchart: Document 50"/>
+          <p:cNvPr id="28" name="Hexagon 27"/>
           <p:cNvSpPr/>
           <p:nvPr/>
         </p:nvSpPr>
         <p:spPr>
-          <a:xfrm>
-            <a:off x="1540463" y="3815849"/>
-            <a:ext cx="964736" cy="574752"/>
-          </a:xfrm>
-          <a:prstGeom prst="flowChartDocument">
-            <a:avLst/>
-          </a:prstGeom>
-          <a:solidFill>
-            <a:schemeClr val="accent4"/>
-          </a:solidFill>
-        </p:spPr>
-        <p:style>
-          <a:lnRef idx="1">
-            <a:schemeClr val="accent4"/>
-          </a:lnRef>
-          <a:fillRef idx="3">
-            <a:schemeClr val="accent4"/>
-          </a:fillRef>
-          <a:effectRef idx="2">
-            <a:schemeClr val="accent4"/>
-          </a:effectRef>
-          <a:fontRef idx="minor">
-            <a:schemeClr val="lt1"/>
-          </a:fontRef>
-        </p:style>
-        <p:txBody>
-          <a:bodyPr rtlCol="0" anchor="ctr"/>
-          <a:lstStyle/>
-          <a:p>
-            <a:pPr algn="ctr"/>
-            <a:r>
-              <a:rPr lang="en-US" dirty="0" smtClean="0">
-                <a:solidFill>
-                  <a:schemeClr val="accent4">
-                    <a:lumMod val="50000"/>
-                  </a:schemeClr>
-                </a:solidFill>
-              </a:rPr>
-              <a:t>Entity</a:t>
-            </a:r>
-          </a:p>
-        </p:txBody>
-      </p:sp>
-      <p:sp>
-        <p:nvSpPr>
-          <p:cNvPr id="52" name="Flowchart: Document 51"/>
-          <p:cNvSpPr/>
-          <p:nvPr/>
-        </p:nvSpPr>
-        <p:spPr>
-          <a:xfrm>
-            <a:off x="4536408" y="3815849"/>
-            <a:ext cx="964736" cy="574752"/>
-          </a:xfrm>
-          <a:prstGeom prst="flowChartDocument">
-            <a:avLst/>
-          </a:prstGeom>
-          <a:solidFill>
-            <a:schemeClr val="accent5"/>
-          </a:solidFill>
-          <a:ln>
-            <a:solidFill>
-              <a:schemeClr val="accent5"/>
-            </a:solidFill>
-          </a:ln>
-        </p:spPr>
-        <p:style>
-          <a:lnRef idx="1">
-            <a:schemeClr val="accent6"/>
-          </a:lnRef>
-          <a:fillRef idx="3">
-            <a:schemeClr val="accent6"/>
-          </a:fillRef>
-          <a:effectRef idx="2">
-            <a:schemeClr val="accent6"/>
-          </a:effectRef>
-          <a:fontRef idx="minor">
-            <a:schemeClr val="lt1"/>
-          </a:fontRef>
-        </p:style>
-        <p:txBody>
-          <a:bodyPr rtlCol="0" anchor="ctr"/>
-          <a:lstStyle/>
-          <a:p>
-            <a:pPr algn="ctr"/>
-            <a:r>
-              <a:rPr lang="en-US" dirty="0" smtClean="0"/>
-              <a:t>Event</a:t>
-            </a:r>
-          </a:p>
-        </p:txBody>
-      </p:sp>
-      <p:sp>
-        <p:nvSpPr>
-          <p:cNvPr id="53" name="Rectangle 52"/>
-          <p:cNvSpPr/>
-          <p:nvPr/>
-        </p:nvSpPr>
-        <p:spPr>
-          <a:xfrm>
-            <a:off x="1196546" y="3571108"/>
-            <a:ext cx="4426164" cy="1041642"/>
-          </a:xfrm>
-          <a:prstGeom prst="rect">
-            <a:avLst/>
-          </a:prstGeom>
-          <a:noFill/>
-          <a:ln w="38100">
-            <a:solidFill>
-              <a:schemeClr val="accent3"/>
-            </a:solidFill>
-            <a:prstDash val="sysDot"/>
-          </a:ln>
-        </p:spPr>
-        <p:style>
-          <a:lnRef idx="2">
-            <a:schemeClr val="accent1">
-              <a:shade val="50000"/>
-            </a:schemeClr>
-          </a:lnRef>
-          <a:fillRef idx="1">
-            <a:schemeClr val="accent1"/>
-          </a:fillRef>
-          <a:effectRef idx="0">
-            <a:schemeClr val="accent1"/>
-          </a:effectRef>
-          <a:fontRef idx="minor">
-            <a:schemeClr val="lt1"/>
-          </a:fontRef>
-        </p:style>
-        <p:txBody>
-          <a:bodyPr rtlCol="0" anchor="ctr"/>
-          <a:lstStyle/>
-          <a:p>
-            <a:pPr algn="ctr"/>
-            <a:endParaRPr lang="en-US"/>
-          </a:p>
-        </p:txBody>
-      </p:sp>
-      <p:sp>
-        <p:nvSpPr>
-          <p:cNvPr id="54" name="TextBox 53"/>
-          <p:cNvSpPr txBox="1"/>
-          <p:nvPr/>
-        </p:nvSpPr>
-        <p:spPr>
-          <a:xfrm>
-            <a:off x="2888467" y="3894071"/>
-            <a:ext cx="1241109" cy="646331"/>
-          </a:xfrm>
-          <a:prstGeom prst="rect">
-            <a:avLst/>
-          </a:prstGeom>
-          <a:noFill/>
-        </p:spPr>
-        <p:txBody>
-          <a:bodyPr wrap="none" rtlCol="0">
-            <a:spAutoFit/>
-          </a:bodyPr>
-          <a:lstStyle/>
-          <a:p>
-            <a:pPr algn="ctr"/>
-            <a:r>
-              <a:rPr lang="en-US" dirty="0" smtClean="0"/>
-              <a:t>Local</a:t>
-            </a:r>
-          </a:p>
-          <a:p>
-            <a:pPr algn="ctr"/>
-            <a:r>
-              <a:rPr lang="en-US" dirty="0" smtClean="0"/>
-              <a:t>transaction</a:t>
-            </a:r>
-            <a:endParaRPr lang="en-US" dirty="0"/>
-          </a:p>
-        </p:txBody>
-      </p:sp>
-      <p:cxnSp>
-        <p:nvCxnSpPr>
-          <p:cNvPr id="55" name="Straight Arrow Connector 54"/>
-          <p:cNvCxnSpPr/>
-          <p:nvPr/>
-        </p:nvCxnSpPr>
-        <p:spPr>
-          <a:xfrm>
-            <a:off x="7731036" y="2600984"/>
-            <a:ext cx="1577556" cy="0"/>
-          </a:xfrm>
-          <a:prstGeom prst="straightConnector1">
-            <a:avLst/>
-          </a:prstGeom>
-          <a:ln w="57150">
-            <a:solidFill>
-              <a:schemeClr val="accent3">
-                <a:lumMod val="75000"/>
-              </a:schemeClr>
-            </a:solidFill>
-            <a:tailEnd type="triangle"/>
-          </a:ln>
-        </p:spPr>
-        <p:style>
-          <a:lnRef idx="1">
-            <a:schemeClr val="accent1"/>
-          </a:lnRef>
-          <a:fillRef idx="0">
-            <a:schemeClr val="accent1"/>
-          </a:fillRef>
-          <a:effectRef idx="0">
-            <a:schemeClr val="accent1"/>
-          </a:effectRef>
-          <a:fontRef idx="minor">
-            <a:schemeClr val="tx1"/>
-          </a:fontRef>
-        </p:style>
-      </p:cxnSp>
-      <p:sp>
-        <p:nvSpPr>
-          <p:cNvPr id="56" name="Hexagon 55"/>
-          <p:cNvSpPr/>
-          <p:nvPr/>
-        </p:nvSpPr>
-        <p:spPr>
           <a:xfrm rot="5400000">
-            <a:off x="6173998" y="1878791"/>
+            <a:off x="5773522" y="3007621"/>
             <a:ext cx="1669689" cy="1444386"/>
           </a:xfrm>
           <a:prstGeom prst="hexagon">
@@ -18243,13 +17789,13 @@
       </p:sp>
       <p:sp>
         <p:nvSpPr>
-          <p:cNvPr id="57" name="Diamond 56"/>
+          <p:cNvPr id="29" name="Diamond 28"/>
           <p:cNvSpPr/>
           <p:nvPr/>
         </p:nvSpPr>
         <p:spPr>
           <a:xfrm>
-            <a:off x="6286650" y="1754665"/>
+            <a:off x="5886174" y="2883495"/>
             <a:ext cx="1444386" cy="735454"/>
           </a:xfrm>
           <a:prstGeom prst="diamond">
@@ -18289,14 +17835,14 @@
       </p:sp>
       <p:sp>
         <p:nvSpPr>
-          <p:cNvPr id="58" name="TextBox 57"/>
+          <p:cNvPr id="30" name="TextBox 29"/>
           <p:cNvSpPr txBox="1"/>
           <p:nvPr/>
         </p:nvSpPr>
         <p:spPr>
           <a:xfrm>
-            <a:off x="6415566" y="2486684"/>
-            <a:ext cx="1162499" cy="646331"/>
+            <a:off x="6066386" y="3615514"/>
+            <a:ext cx="1166752" cy="646331"/>
           </a:xfrm>
           <a:prstGeom prst="rect">
             <a:avLst/>
@@ -18304,7 +17850,7 @@
           <a:noFill/>
         </p:spPr>
         <p:txBody>
-          <a:bodyPr wrap="none" rtlCol="0">
+          <a:bodyPr wrap="square" rtlCol="0">
             <a:spAutoFit/>
           </a:bodyPr>
           <a:lstStyle/>
@@ -18345,16 +17891,14 @@
       </p:sp>
       <p:cxnSp>
         <p:nvCxnSpPr>
-          <p:cNvPr id="59" name="Straight Arrow Connector 58"/>
-          <p:cNvCxnSpPr>
-            <a:stCxn id="49" idx="0"/>
-          </p:cNvCxnSpPr>
+          <p:cNvPr id="31" name="Straight Arrow Connector 30"/>
+          <p:cNvCxnSpPr/>
           <p:nvPr/>
         </p:nvCxnSpPr>
         <p:spPr>
           <a:xfrm flipV="1">
-            <a:off x="6202912" y="3286125"/>
-            <a:ext cx="466969" cy="1693755"/>
+            <a:off x="4870956" y="4339494"/>
+            <a:ext cx="1195430" cy="1241329"/>
           </a:xfrm>
           <a:prstGeom prst="straightConnector1">
             <a:avLst/>
@@ -18381,6 +17925,164 @@
           </a:fontRef>
         </p:style>
       </p:cxnSp>
+      <p:sp>
+        <p:nvSpPr>
+          <p:cNvPr id="32" name="Rectangle 31"/>
+          <p:cNvSpPr/>
+          <p:nvPr/>
+        </p:nvSpPr>
+        <p:spPr>
+          <a:xfrm>
+            <a:off x="1383878" y="5580823"/>
+            <a:ext cx="3501271" cy="478591"/>
+          </a:xfrm>
+          <a:prstGeom prst="rect">
+            <a:avLst/>
+          </a:prstGeom>
+          <a:solidFill>
+            <a:schemeClr val="accent3">
+              <a:lumMod val="20000"/>
+              <a:lumOff val="80000"/>
+            </a:schemeClr>
+          </a:solidFill>
+          <a:ln w="57150">
+            <a:solidFill>
+              <a:schemeClr val="accent3"/>
+            </a:solidFill>
+            <a:prstDash val="sysDot"/>
+          </a:ln>
+        </p:spPr>
+        <p:style>
+          <a:lnRef idx="1">
+            <a:schemeClr val="accent3"/>
+          </a:lnRef>
+          <a:fillRef idx="2">
+            <a:schemeClr val="accent3"/>
+          </a:fillRef>
+          <a:effectRef idx="1">
+            <a:schemeClr val="accent3"/>
+          </a:effectRef>
+          <a:fontRef idx="minor">
+            <a:schemeClr val="dk1"/>
+          </a:fontRef>
+        </p:style>
+        <p:txBody>
+          <a:bodyPr vert="horz" rtlCol="0" anchor="ctr"/>
+          <a:lstStyle/>
+          <a:p>
+            <a:pPr algn="ctr"/>
+            <a:r>
+              <a:rPr lang="en-US" dirty="0" smtClean="0">
+                <a:solidFill>
+                  <a:schemeClr val="accent3">
+                    <a:lumMod val="75000"/>
+                  </a:schemeClr>
+                </a:solidFill>
+              </a:rPr>
+              <a:t>Transaction Log</a:t>
+            </a:r>
+          </a:p>
+        </p:txBody>
+      </p:sp>
+      <p:sp>
+        <p:nvSpPr>
+          <p:cNvPr id="33" name="Flowchart: Magnetic Disk 32"/>
+          <p:cNvSpPr/>
+          <p:nvPr/>
+        </p:nvSpPr>
+        <p:spPr>
+          <a:xfrm>
+            <a:off x="988550" y="4488758"/>
+            <a:ext cx="4522606" cy="1834872"/>
+          </a:xfrm>
+          <a:prstGeom prst="flowChartMagneticDisk">
+            <a:avLst/>
+          </a:prstGeom>
+          <a:noFill/>
+          <a:ln w="38100">
+            <a:prstDash val="sysDot"/>
+          </a:ln>
+          <a:effectLst>
+            <a:outerShdw blurRad="50800" dist="38100" dir="5400000" algn="t" rotWithShape="0">
+              <a:prstClr val="black">
+                <a:alpha val="40000"/>
+              </a:prstClr>
+            </a:outerShdw>
+          </a:effectLst>
+        </p:spPr>
+        <p:style>
+          <a:lnRef idx="3">
+            <a:schemeClr val="lt1"/>
+          </a:lnRef>
+          <a:fillRef idx="1">
+            <a:schemeClr val="accent1"/>
+          </a:fillRef>
+          <a:effectRef idx="1">
+            <a:schemeClr val="accent1"/>
+          </a:effectRef>
+          <a:fontRef idx="minor">
+            <a:schemeClr val="lt1"/>
+          </a:fontRef>
+        </p:style>
+        <p:txBody>
+          <a:bodyPr rtlCol="0" anchor="ctr"/>
+          <a:lstStyle/>
+          <a:p>
+            <a:pPr algn="ctr"/>
+            <a:endParaRPr lang="en-US"/>
+          </a:p>
+        </p:txBody>
+      </p:sp>
+      <p:sp>
+        <p:nvSpPr>
+          <p:cNvPr id="35" name="Flowchart: Document 34"/>
+          <p:cNvSpPr/>
+          <p:nvPr/>
+        </p:nvSpPr>
+        <p:spPr>
+          <a:xfrm>
+            <a:off x="1744192" y="3631507"/>
+            <a:ext cx="964736" cy="574752"/>
+          </a:xfrm>
+          <a:prstGeom prst="flowChartDocument">
+            <a:avLst/>
+          </a:prstGeom>
+          <a:solidFill>
+            <a:schemeClr val="accent4"/>
+          </a:solidFill>
+        </p:spPr>
+        <p:style>
+          <a:lnRef idx="1">
+            <a:schemeClr val="accent4"/>
+          </a:lnRef>
+          <a:fillRef idx="3">
+            <a:schemeClr val="accent4"/>
+          </a:fillRef>
+          <a:effectRef idx="2">
+            <a:schemeClr val="accent4"/>
+          </a:effectRef>
+          <a:fontRef idx="minor">
+            <a:schemeClr val="lt1"/>
+          </a:fontRef>
+        </p:style>
+        <p:txBody>
+          <a:bodyPr rtlCol="0" anchor="ctr"/>
+          <a:lstStyle/>
+          <a:p>
+            <a:pPr algn="ctr"/>
+            <a:r>
+              <a:rPr lang="en-US" dirty="0" smtClean="0">
+                <a:solidFill>
+                  <a:schemeClr val="accent4">
+                    <a:lumMod val="50000"/>
+                  </a:schemeClr>
+                </a:solidFill>
+              </a:rPr>
+              <a:t>Entity</a:t>
+            </a:r>
+          </a:p>
+        </p:txBody>
+      </p:sp>
     </p:spTree>
     <p:extLst>
       <p:ext uri="{BB962C8B-B14F-4D97-AF65-F5344CB8AC3E}">

--- a/t18-event-mongodb.pptx
+++ b/t18-event-mongodb.pptx
@@ -8683,22 +8683,27 @@
           <a:lstStyle/>
           <a:p>
             <a:r>
+              <a:rPr lang="en-US" sz="7200" dirty="0" err="1"/>
+              <a:t>Oplog</a:t>
+            </a:r>
+            <a:r>
               <a:rPr lang="en-US" sz="7200" dirty="0"/>
-              <a:t>Our considerations</a:t>
-            </a:r>
-          </a:p>
-        </p:txBody>
-      </p:sp>
-      <p:sp>
-        <p:nvSpPr>
-          <p:cNvPr id="3" name="TextBox 2"/>
+              <a:t> tailing</a:t>
+            </a:r>
+            <a:endParaRPr lang="en-US" sz="7200" dirty="0"/>
+          </a:p>
+        </p:txBody>
+      </p:sp>
+      <p:sp>
+        <p:nvSpPr>
+          <p:cNvPr id="8" name="TextBox 7"/>
           <p:cNvSpPr txBox="1"/>
           <p:nvPr/>
         </p:nvSpPr>
         <p:spPr>
           <a:xfrm>
-            <a:off x="589262" y="4296455"/>
-            <a:ext cx="4783682" cy="584775"/>
+            <a:off x="1999446" y="4440968"/>
+            <a:ext cx="6655989" cy="461665"/>
           </a:xfrm>
           <a:prstGeom prst="rect">
             <a:avLst/>
@@ -8712,31 +8717,39 @@
           <a:lstStyle/>
           <a:p>
             <a:r>
-              <a:rPr lang="en-US" sz="3200" dirty="0" smtClean="0"/>
-              <a:t>• Go with </a:t>
-            </a:r>
-            <a:r>
-              <a:rPr lang="en-US" sz="3200" dirty="0" err="1" smtClean="0"/>
-              <a:t>Oplog</a:t>
-            </a:r>
-            <a:r>
-              <a:rPr lang="en-US" sz="3200" dirty="0" smtClean="0"/>
-              <a:t> tailing</a:t>
-            </a:r>
-            <a:endParaRPr lang="en-US" sz="3200" dirty="0"/>
-          </a:p>
-        </p:txBody>
-      </p:sp>
-      <p:sp>
-        <p:nvSpPr>
-          <p:cNvPr id="4" name="TextBox 3"/>
+              <a:rPr lang="en-US" sz="2400" dirty="0" smtClean="0"/>
+              <a:t>• Move efforts to implement </a:t>
+            </a:r>
+            <a:r>
+              <a:rPr lang="en-US" sz="2400" dirty="0" smtClean="0">
+                <a:solidFill>
+                  <a:srgbClr val="FFFF00"/>
+                </a:solidFill>
+              </a:rPr>
+              <a:t>{ </a:t>
+            </a:r>
+            <a:r>
+              <a:rPr lang="en-US" sz="2400" dirty="0">
+                <a:solidFill>
+                  <a:srgbClr val="FFFF00"/>
+                </a:solidFill>
+              </a:rPr>
+              <a:t>w: "majority" }</a:t>
+            </a:r>
+            <a:endParaRPr lang="en-US" sz="2400" dirty="0"/>
+          </a:p>
+        </p:txBody>
+      </p:sp>
+      <p:sp>
+        <p:nvSpPr>
+          <p:cNvPr id="11" name="TextBox 10"/>
           <p:cNvSpPr txBox="1"/>
           <p:nvPr/>
         </p:nvSpPr>
         <p:spPr>
           <a:xfrm>
-            <a:off x="589262" y="3559391"/>
-            <a:ext cx="8174033" cy="584775"/>
+            <a:off x="1999446" y="2298620"/>
+            <a:ext cx="5897127" cy="461665"/>
           </a:xfrm>
           <a:prstGeom prst="rect">
             <a:avLst/>
@@ -8750,31 +8763,23 @@
           <a:lstStyle/>
           <a:p>
             <a:r>
-              <a:rPr lang="en-US" sz="3200" dirty="0" smtClean="0"/>
-              <a:t>• Event </a:t>
-            </a:r>
-            <a:r>
-              <a:rPr lang="en-US" sz="3200" dirty="0"/>
-              <a:t>sourcing requires major </a:t>
-            </a:r>
-            <a:r>
-              <a:rPr lang="en-US" sz="3200" dirty="0" smtClean="0"/>
-              <a:t>redesign</a:t>
-            </a:r>
-            <a:endParaRPr lang="en-US" sz="3200" dirty="0"/>
-          </a:p>
-        </p:txBody>
-      </p:sp>
-      <p:sp>
-        <p:nvSpPr>
-          <p:cNvPr id="5" name="TextBox 4"/>
+              <a:rPr lang="en-US" sz="2400" dirty="0" smtClean="0"/>
+              <a:t>• Proven, reliable, widely used in production</a:t>
+            </a:r>
+            <a:endParaRPr lang="en-US" sz="2400" dirty="0"/>
+          </a:p>
+        </p:txBody>
+      </p:sp>
+      <p:sp>
+        <p:nvSpPr>
+          <p:cNvPr id="12" name="TextBox 11"/>
           <p:cNvSpPr txBox="1"/>
           <p:nvPr/>
         </p:nvSpPr>
         <p:spPr>
           <a:xfrm>
-            <a:off x="582603" y="5033519"/>
-            <a:ext cx="10163360" cy="584775"/>
+            <a:off x="1999446" y="2760285"/>
+            <a:ext cx="3916521" cy="461665"/>
           </a:xfrm>
           <a:prstGeom prst="rect">
             <a:avLst/>
@@ -8788,69 +8793,46 @@
           <a:lstStyle/>
           <a:p>
             <a:r>
-              <a:rPr lang="en-US" sz="3200" dirty="0" smtClean="0"/>
-              <a:t>• MongoDB 3.6 with Change Streams just released</a:t>
-            </a:r>
-            <a:endParaRPr lang="en-US" sz="3200" dirty="0"/>
-          </a:p>
-        </p:txBody>
-      </p:sp>
-      <p:sp>
-        <p:nvSpPr>
-          <p:cNvPr id="6" name="TextBox 5"/>
-          <p:cNvSpPr txBox="1"/>
-          <p:nvPr/>
-        </p:nvSpPr>
-        <p:spPr>
-          <a:xfrm>
-            <a:off x="589262" y="2085263"/>
-            <a:ext cx="11327140" cy="584775"/>
-          </a:xfrm>
-          <a:prstGeom prst="rect">
-            <a:avLst/>
-          </a:prstGeom>
-          <a:noFill/>
-        </p:spPr>
-        <p:txBody>
-          <a:bodyPr wrap="none" rtlCol="0">
-            <a:spAutoFit/>
-          </a:bodyPr>
-          <a:lstStyle/>
-          <a:p>
-            <a:r>
-              <a:rPr lang="en-US" sz="3200" dirty="0" smtClean="0"/>
-              <a:t>• MongoDB 3.4, primary-secondary-arbiter (PSA), </a:t>
-            </a:r>
-            <a:r>
-              <a:rPr lang="en-US" sz="3200" dirty="0">
+              <a:rPr lang="en-US" sz="2400" dirty="0" smtClean="0"/>
+              <a:t>• Weak durability with </a:t>
+            </a:r>
+            <a:r>
+              <a:rPr lang="en-US" sz="2400" dirty="0">
                 <a:solidFill>
                   <a:srgbClr val="FFFF00"/>
                 </a:solidFill>
               </a:rPr>
-              <a:t>{ w: 1 </a:t>
-            </a:r>
-            <a:r>
-              <a:rPr lang="en-US" sz="3200" dirty="0" smtClean="0">
+              <a:t>{ w: </a:t>
+            </a:r>
+            <a:r>
+              <a:rPr lang="en-US" sz="2400" dirty="0" smtClean="0">
+                <a:solidFill>
+                  <a:srgbClr val="FFFF00"/>
+                </a:solidFill>
+              </a:rPr>
+              <a:t>1 </a:t>
+            </a:r>
+            <a:r>
+              <a:rPr lang="en-US" sz="2400" dirty="0">
                 <a:solidFill>
                   <a:srgbClr val="FFFF00"/>
                 </a:solidFill>
               </a:rPr>
               <a:t>}</a:t>
             </a:r>
-            <a:endParaRPr lang="en-US" sz="3200" dirty="0"/>
-          </a:p>
-        </p:txBody>
-      </p:sp>
-      <p:sp>
-        <p:nvSpPr>
-          <p:cNvPr id="7" name="TextBox 6"/>
+          </a:p>
+        </p:txBody>
+      </p:sp>
+      <p:sp>
+        <p:nvSpPr>
+          <p:cNvPr id="13" name="TextBox 12"/>
           <p:cNvSpPr txBox="1"/>
           <p:nvPr/>
         </p:nvSpPr>
         <p:spPr>
           <a:xfrm>
-            <a:off x="589262" y="2822327"/>
-            <a:ext cx="7584127" cy="584775"/>
+            <a:off x="1261872" y="1836955"/>
+            <a:ext cx="737574" cy="461665"/>
           </a:xfrm>
           <a:prstGeom prst="rect">
             <a:avLst/>
@@ -8864,18 +8846,124 @@
           <a:lstStyle/>
           <a:p>
             <a:r>
-              <a:rPr lang="en-US" sz="3200" dirty="0" smtClean="0"/>
+              <a:rPr lang="en-US" sz="2400" dirty="0" smtClean="0"/>
+              <a:t>Proc</a:t>
+            </a:r>
+            <a:endParaRPr lang="en-US" sz="2400" dirty="0"/>
+          </a:p>
+        </p:txBody>
+      </p:sp>
+      <p:sp>
+        <p:nvSpPr>
+          <p:cNvPr id="14" name="TextBox 13"/>
+          <p:cNvSpPr txBox="1"/>
+          <p:nvPr/>
+        </p:nvSpPr>
+        <p:spPr>
+          <a:xfrm>
+            <a:off x="1261872" y="3369794"/>
+            <a:ext cx="792205" cy="461665"/>
+          </a:xfrm>
+          <a:prstGeom prst="rect">
+            <a:avLst/>
+          </a:prstGeom>
+          <a:noFill/>
+        </p:spPr>
+        <p:txBody>
+          <a:bodyPr wrap="none" rtlCol="0">
+            <a:spAutoFit/>
+          </a:bodyPr>
+          <a:lstStyle/>
+          <a:p>
+            <a:r>
+              <a:rPr lang="en-US" sz="2400" dirty="0" smtClean="0"/>
+              <a:t>Cons</a:t>
+            </a:r>
+            <a:endParaRPr lang="en-US" sz="2400" dirty="0"/>
+          </a:p>
+        </p:txBody>
+      </p:sp>
+      <p:sp>
+        <p:nvSpPr>
+          <p:cNvPr id="15" name="TextBox 14"/>
+          <p:cNvSpPr txBox="1"/>
+          <p:nvPr/>
+        </p:nvSpPr>
+        <p:spPr>
+          <a:xfrm>
+            <a:off x="1999446" y="3979303"/>
+            <a:ext cx="4493538" cy="461665"/>
+          </a:xfrm>
+          <a:prstGeom prst="rect">
+            <a:avLst/>
+          </a:prstGeom>
+          <a:noFill/>
+        </p:spPr>
+        <p:txBody>
+          <a:bodyPr wrap="none" rtlCol="0">
+            <a:spAutoFit/>
+          </a:bodyPr>
+          <a:lstStyle/>
+          <a:p>
+            <a:r>
+              <a:rPr lang="en-US" sz="2400" dirty="0" smtClean="0"/>
               <a:t>• </a:t>
             </a:r>
             <a:r>
-              <a:rPr lang="en-US" sz="3200" dirty="0"/>
-              <a:t>No ACID transactions support so </a:t>
-            </a:r>
-            <a:r>
-              <a:rPr lang="en-US" sz="3200" dirty="0" smtClean="0"/>
-              <a:t>far</a:t>
-            </a:r>
-            <a:endParaRPr lang="en-US" sz="3200" dirty="0"/>
+              <a:rPr lang="en-US" sz="2400" dirty="0" smtClean="0"/>
+              <a:t>Private undocumented API</a:t>
+            </a:r>
+            <a:endParaRPr lang="en-US" sz="2400" dirty="0"/>
+          </a:p>
+        </p:txBody>
+      </p:sp>
+      <p:sp>
+        <p:nvSpPr>
+          <p:cNvPr id="16" name="TextBox 15"/>
+          <p:cNvSpPr txBox="1"/>
+          <p:nvPr/>
+        </p:nvSpPr>
+        <p:spPr>
+          <a:xfrm>
+            <a:off x="1999446" y="4944042"/>
+            <a:ext cx="4041556" cy="461665"/>
+          </a:xfrm>
+          <a:prstGeom prst="rect">
+            <a:avLst/>
+          </a:prstGeom>
+          <a:noFill/>
+        </p:spPr>
+        <p:txBody>
+          <a:bodyPr wrap="none" rtlCol="0">
+            <a:spAutoFit/>
+          </a:bodyPr>
+          <a:lstStyle/>
+          <a:p>
+            <a:r>
+              <a:rPr lang="en-US" sz="2400" dirty="0" smtClean="0"/>
+              <a:t>• </a:t>
+            </a:r>
+            <a:r>
+              <a:rPr lang="en-US" sz="2400" dirty="0" err="1" smtClean="0">
+                <a:solidFill>
+                  <a:srgbClr val="FFC000"/>
+                </a:solidFill>
+              </a:rPr>
+              <a:t>Adviced</a:t>
+            </a:r>
+            <a:r>
+              <a:rPr lang="en-US" sz="2400" dirty="0" smtClean="0">
+                <a:solidFill>
+                  <a:srgbClr val="FFC000"/>
+                </a:solidFill>
+              </a:rPr>
+              <a:t> against</a:t>
+            </a:r>
+            <a:r>
+              <a:rPr lang="en-US" sz="2400" dirty="0" smtClean="0"/>
+              <a:t> by MongoDB</a:t>
+            </a:r>
+            <a:endParaRPr lang="en-US" sz="2400" dirty="0"/>
           </a:p>
         </p:txBody>
       </p:sp>
@@ -8923,7 +9011,7 @@
                                           </p:stCondLst>
                                         </p:cTn>
                                         <p:tgtEl>
-                                          <p:spTgt spid="6"/>
+                                          <p:spTgt spid="13"/>
                                         </p:tgtEl>
                                         <p:attrNameLst>
                                           <p:attrName>style.visibility</p:attrName>
@@ -8968,7 +9056,7 @@
                                           </p:stCondLst>
                                         </p:cTn>
                                         <p:tgtEl>
-                                          <p:spTgt spid="7"/>
+                                          <p:spTgt spid="11"/>
                                         </p:tgtEl>
                                         <p:attrNameLst>
                                           <p:attrName>style.visibility</p:attrName>
@@ -9013,7 +9101,7 @@
                                           </p:stCondLst>
                                         </p:cTn>
                                         <p:tgtEl>
-                                          <p:spTgt spid="4"/>
+                                          <p:spTgt spid="12"/>
                                         </p:tgtEl>
                                         <p:attrNameLst>
                                           <p:attrName>style.visibility</p:attrName>
@@ -9058,7 +9146,7 @@
                                           </p:stCondLst>
                                         </p:cTn>
                                         <p:tgtEl>
-                                          <p:spTgt spid="3"/>
+                                          <p:spTgt spid="14"/>
                                         </p:tgtEl>
                                         <p:attrNameLst>
                                           <p:attrName>style.visibility</p:attrName>
@@ -9103,7 +9191,97 @@
                                           </p:stCondLst>
                                         </p:cTn>
                                         <p:tgtEl>
-                                          <p:spTgt spid="5"/>
+                                          <p:spTgt spid="15"/>
+                                        </p:tgtEl>
+                                        <p:attrNameLst>
+                                          <p:attrName>style.visibility</p:attrName>
+                                        </p:attrNameLst>
+                                      </p:cBhvr>
+                                      <p:to>
+                                        <p:strVal val="visible"/>
+                                      </p:to>
+                                    </p:set>
+                                  </p:childTnLst>
+                                </p:cTn>
+                              </p:par>
+                            </p:childTnLst>
+                          </p:cTn>
+                        </p:par>
+                      </p:childTnLst>
+                    </p:cTn>
+                  </p:par>
+                  <p:par>
+                    <p:cTn id="23" fill="hold">
+                      <p:stCondLst>
+                        <p:cond delay="indefinite"/>
+                      </p:stCondLst>
+                      <p:childTnLst>
+                        <p:par>
+                          <p:cTn id="24" fill="hold">
+                            <p:stCondLst>
+                              <p:cond delay="0"/>
+                            </p:stCondLst>
+                            <p:childTnLst>
+                              <p:par>
+                                <p:cTn id="25" presetID="1" presetClass="entr" presetSubtype="0" fill="hold" grpId="0" nodeType="clickEffect">
+                                  <p:stCondLst>
+                                    <p:cond delay="0"/>
+                                  </p:stCondLst>
+                                  <p:childTnLst>
+                                    <p:set>
+                                      <p:cBhvr>
+                                        <p:cTn id="26" dur="1" fill="hold">
+                                          <p:stCondLst>
+                                            <p:cond delay="0"/>
+                                          </p:stCondLst>
+                                        </p:cTn>
+                                        <p:tgtEl>
+                                          <p:spTgt spid="8"/>
+                                        </p:tgtEl>
+                                        <p:attrNameLst>
+                                          <p:attrName>style.visibility</p:attrName>
+                                        </p:attrNameLst>
+                                      </p:cBhvr>
+                                      <p:to>
+                                        <p:strVal val="visible"/>
+                                      </p:to>
+                                    </p:set>
+                                  </p:childTnLst>
+                                </p:cTn>
+                              </p:par>
+                            </p:childTnLst>
+                          </p:cTn>
+                        </p:par>
+                      </p:childTnLst>
+                    </p:cTn>
+                  </p:par>
+                  <p:par>
+                    <p:cTn id="27" fill="hold">
+                      <p:stCondLst>
+                        <p:cond delay="indefinite"/>
+                      </p:stCondLst>
+                      <p:childTnLst>
+                        <p:par>
+                          <p:cTn id="28" fill="hold">
+                            <p:stCondLst>
+                              <p:cond delay="0"/>
+                            </p:stCondLst>
+                            <p:childTnLst>
+                              <p:par>
+                                <p:cTn id="29" presetID="1" presetClass="entr" presetSubtype="0" fill="hold" grpId="0" nodeType="clickEffect">
+                                  <p:stCondLst>
+                                    <p:cond delay="0"/>
+                                  </p:stCondLst>
+                                  <p:childTnLst>
+                                    <p:set>
+                                      <p:cBhvr>
+                                        <p:cTn id="30" dur="1" fill="hold">
+                                          <p:stCondLst>
+                                            <p:cond delay="0"/>
+                                          </p:stCondLst>
+                                        </p:cTn>
+                                        <p:tgtEl>
+                                          <p:spTgt spid="16"/>
                                         </p:tgtEl>
                                         <p:attrNameLst>
                                           <p:attrName>style.visibility</p:attrName>
@@ -9144,11 +9322,13 @@
       </p:par>
     </p:tnLst>
     <p:bldLst>
-      <p:bldP spid="3" grpId="0"/>
-      <p:bldP spid="4" grpId="0"/>
-      <p:bldP spid="5" grpId="0"/>
-      <p:bldP spid="6" grpId="0"/>
-      <p:bldP spid="7" grpId="0"/>
+      <p:bldP spid="8" grpId="0"/>
+      <p:bldP spid="11" grpId="0"/>
+      <p:bldP spid="12" grpId="0"/>
+      <p:bldP spid="13" grpId="0"/>
+      <p:bldP spid="14" grpId="0"/>
+      <p:bldP spid="15" grpId="0"/>
+      <p:bldP spid="16" grpId="0"/>
     </p:bldLst>
   </p:timing>
 </p:sld>

--- a/t18-event-mongodb.pptx
+++ b/t18-event-mongodb.pptx
@@ -11814,7 +11814,7 @@
         <p:spPr>
           <a:xfrm>
             <a:off x="1141413" y="3234794"/>
-            <a:ext cx="9451626" cy="584775"/>
+            <a:ext cx="6978192" cy="584775"/>
           </a:xfrm>
           <a:prstGeom prst="rect">
             <a:avLst/>
@@ -11829,7 +11829,19 @@
           <a:p>
             <a:r>
               <a:rPr lang="en-US" sz="3200" dirty="0" smtClean="0"/>
-              <a:t>• Expensive calculations for report read model</a:t>
+              <a:t>• </a:t>
+            </a:r>
+            <a:r>
+              <a:rPr lang="en-US" sz="3200" dirty="0" smtClean="0"/>
+              <a:t>Reports </a:t>
+            </a:r>
+            <a:r>
+              <a:rPr lang="en-US" sz="3200" dirty="0"/>
+              <a:t>read model </a:t>
+            </a:r>
+            <a:r>
+              <a:rPr lang="en-US" sz="3200" dirty="0" smtClean="0"/>
+              <a:t>calculations</a:t>
             </a:r>
             <a:endParaRPr lang="en-US" sz="3200" dirty="0"/>
           </a:p>

--- a/t18-event-mongodb.pptx
+++ b/t18-event-mongodb.pptx
@@ -1628,7 +1628,15 @@
           <a:p>
             <a:r>
               <a:rPr lang="en-US" baseline="0" dirty="0" smtClean="0"/>
-              <a:t>    To complex for simple cases</a:t>
+              <a:t>    </a:t>
+            </a:r>
+            <a:r>
+              <a:rPr lang="en-US" baseline="0" dirty="0" smtClean="0"/>
+              <a:t>Too </a:t>
+            </a:r>
+            <a:r>
+              <a:rPr lang="en-US" baseline="0" dirty="0" smtClean="0"/>
+              <a:t>complex for simple cases</a:t>
             </a:r>
             <a:endParaRPr lang="en-US" dirty="0" smtClean="0"/>
           </a:p>

--- a/t18-event-mongodb.pptx
+++ b/t18-event-mongodb.pptx
@@ -1628,15 +1628,7 @@
           <a:p>
             <a:r>
               <a:rPr lang="en-US" baseline="0" dirty="0" smtClean="0"/>
-              <a:t>    </a:t>
-            </a:r>
-            <a:r>
-              <a:rPr lang="en-US" baseline="0" dirty="0" smtClean="0"/>
-              <a:t>Too </a:t>
-            </a:r>
-            <a:r>
-              <a:rPr lang="en-US" baseline="0" dirty="0" smtClean="0"/>
-              <a:t>complex for simple cases</a:t>
+              <a:t>    Too complex for simple cases</a:t>
             </a:r>
             <a:endParaRPr lang="en-US" dirty="0" smtClean="0"/>
           </a:p>
@@ -8698,7 +8690,6 @@
               <a:rPr lang="en-US" sz="7200" dirty="0"/>
               <a:t> tailing</a:t>
             </a:r>
-            <a:endParaRPr lang="en-US" sz="7200" dirty="0"/>
           </a:p>
         </p:txBody>
       </p:sp>
@@ -8840,7 +8831,7 @@
         <p:spPr>
           <a:xfrm>
             <a:off x="1261872" y="1836955"/>
-            <a:ext cx="737574" cy="461665"/>
+            <a:ext cx="782587" cy="461665"/>
           </a:xfrm>
           <a:prstGeom prst="rect">
             <a:avLst/>
@@ -8855,7 +8846,7 @@
           <a:p>
             <a:r>
               <a:rPr lang="en-US" sz="2400" dirty="0" smtClean="0"/>
-              <a:t>Proc</a:t>
+              <a:t>Pros</a:t>
             </a:r>
             <a:endParaRPr lang="en-US" sz="2400" dirty="0"/>
           </a:p>
@@ -8915,11 +8906,7 @@
           <a:p>
             <a:r>
               <a:rPr lang="en-US" sz="2400" dirty="0" smtClean="0"/>
-              <a:t>• </a:t>
-            </a:r>
-            <a:r>
-              <a:rPr lang="en-US" sz="2400" dirty="0" smtClean="0"/>
-              <a:t>Private undocumented API</a:t>
+              <a:t>• Private undocumented API</a:t>
             </a:r>
             <a:endParaRPr lang="en-US" sz="2400" dirty="0"/>
           </a:p>
@@ -9533,7 +9520,7 @@
         <p:spPr>
           <a:xfrm>
             <a:off x="1261872" y="1836955"/>
-            <a:ext cx="1087157" cy="584775"/>
+            <a:ext cx="979755" cy="584775"/>
           </a:xfrm>
           <a:prstGeom prst="rect">
             <a:avLst/>
@@ -9547,8 +9534,8 @@
           <a:lstStyle/>
           <a:p>
             <a:r>
-              <a:rPr lang="en-US" sz="3200" smtClean="0"/>
-              <a:t>Proc</a:t>
+              <a:rPr lang="en-US" sz="3200" dirty="0" smtClean="0"/>
+              <a:t>Pros</a:t>
             </a:r>
             <a:endParaRPr lang="en-US" sz="3200" dirty="0"/>
           </a:p>
@@ -10544,7 +10531,7 @@
         <p:spPr>
           <a:xfrm>
             <a:off x="1261872" y="1836955"/>
-            <a:ext cx="737574" cy="461665"/>
+            <a:ext cx="782587" cy="461665"/>
           </a:xfrm>
           <a:prstGeom prst="rect">
             <a:avLst/>
@@ -10559,7 +10546,7 @@
           <a:p>
             <a:r>
               <a:rPr lang="en-US" sz="2400" dirty="0" smtClean="0"/>
-              <a:t>Proc</a:t>
+              <a:t>Pros</a:t>
             </a:r>
             <a:endParaRPr lang="en-US" sz="2400" dirty="0"/>
           </a:p>
@@ -11837,11 +11824,7 @@
           <a:p>
             <a:r>
               <a:rPr lang="en-US" sz="3200" dirty="0" smtClean="0"/>
-              <a:t>• </a:t>
-            </a:r>
-            <a:r>
-              <a:rPr lang="en-US" sz="3200" dirty="0" smtClean="0"/>
-              <a:t>Reports </a:t>
+              <a:t>• Reports </a:t>
             </a:r>
             <a:r>
               <a:rPr lang="en-US" sz="3200" dirty="0"/>

--- a/t18-event-mongodb.pptx
+++ b/t18-event-mongodb.pptx
@@ -8921,7 +8921,7 @@
         <p:spPr>
           <a:xfrm>
             <a:off x="1999446" y="4944042"/>
-            <a:ext cx="4041556" cy="461665"/>
+            <a:ext cx="4873450" cy="461665"/>
           </a:xfrm>
           <a:prstGeom prst="rect">
             <a:avLst/>
@@ -8937,14 +8937,6 @@
             <a:r>
               <a:rPr lang="en-US" sz="2400" dirty="0" smtClean="0"/>
               <a:t>• </a:t>
-            </a:r>
-            <a:r>
-              <a:rPr lang="en-US" sz="2400" dirty="0" err="1" smtClean="0">
-                <a:solidFill>
-                  <a:srgbClr val="FFC000"/>
-                </a:solidFill>
-              </a:rPr>
-              <a:t>Adviced</a:t>
             </a:r>
             <a:r>
               <a:rPr lang="en-US" sz="2400" dirty="0" smtClean="0">
@@ -8952,7 +8944,15 @@
                   <a:srgbClr val="FFC000"/>
                 </a:solidFill>
               </a:rPr>
-              <a:t> against</a:t>
+              <a:t>Advised </a:t>
+            </a:r>
+            <a:r>
+              <a:rPr lang="en-US" sz="2400" dirty="0" smtClean="0">
+                <a:solidFill>
+                  <a:srgbClr val="FFC000"/>
+                </a:solidFill>
+              </a:rPr>
+              <a:t>against</a:t>
             </a:r>
             <a:r>
               <a:rPr lang="en-US" sz="2400" dirty="0" smtClean="0"/>

--- a/t18-event-mongodb.pptx
+++ b/t18-event-mongodb.pptx
@@ -8702,7 +8702,7 @@
         <p:spPr>
           <a:xfrm>
             <a:off x="1999446" y="4440968"/>
-            <a:ext cx="6655989" cy="461665"/>
+            <a:ext cx="6579045" cy="461665"/>
           </a:xfrm>
           <a:prstGeom prst="rect">
             <a:avLst/>
@@ -8716,8 +8716,16 @@
           <a:lstStyle/>
           <a:p>
             <a:r>
+              <a:rPr lang="en-US" sz="2400" smtClean="0"/>
+              <a:t>• </a:t>
+            </a:r>
+            <a:r>
+              <a:rPr lang="en-US" sz="2400" smtClean="0"/>
+              <a:t>More </a:t>
+            </a:r>
+            <a:r>
               <a:rPr lang="en-US" sz="2400" dirty="0" smtClean="0"/>
-              <a:t>• Move efforts to implement </a:t>
+              <a:t>efforts to implement </a:t>
             </a:r>
             <a:r>
               <a:rPr lang="en-US" sz="2400" dirty="0" smtClean="0">

--- a/t18-event-mongodb.pptx
+++ b/t18-event-mongodb.pptx
@@ -5,10 +5,10 @@
     <p:sldMasterId id="2147483668" r:id="rId1"/>
   </p:sldMasterIdLst>
   <p:notesMasterIdLst>
-    <p:notesMasterId r:id="rId25"/>
+    <p:notesMasterId r:id="rId24"/>
   </p:notesMasterIdLst>
   <p:handoutMasterIdLst>
-    <p:handoutMasterId r:id="rId26"/>
+    <p:handoutMasterId r:id="rId25"/>
   </p:handoutMasterIdLst>
   <p:sldIdLst>
     <p:sldId id="274" r:id="rId2"/>
@@ -21,19 +21,18 @@
     <p:sldId id="261" r:id="rId9"/>
     <p:sldId id="262" r:id="rId10"/>
     <p:sldId id="263" r:id="rId11"/>
-    <p:sldId id="264" r:id="rId12"/>
-    <p:sldId id="266" r:id="rId13"/>
-    <p:sldId id="277" r:id="rId14"/>
-    <p:sldId id="268" r:id="rId15"/>
-    <p:sldId id="269" r:id="rId16"/>
-    <p:sldId id="270" r:id="rId17"/>
-    <p:sldId id="271" r:id="rId18"/>
-    <p:sldId id="272" r:id="rId19"/>
-    <p:sldId id="273" r:id="rId20"/>
-    <p:sldId id="265" r:id="rId21"/>
-    <p:sldId id="278" r:id="rId22"/>
-    <p:sldId id="279" r:id="rId23"/>
-    <p:sldId id="280" r:id="rId24"/>
+    <p:sldId id="266" r:id="rId12"/>
+    <p:sldId id="277" r:id="rId13"/>
+    <p:sldId id="268" r:id="rId14"/>
+    <p:sldId id="269" r:id="rId15"/>
+    <p:sldId id="271" r:id="rId16"/>
+    <p:sldId id="272" r:id="rId17"/>
+    <p:sldId id="273" r:id="rId18"/>
+    <p:sldId id="265" r:id="rId19"/>
+    <p:sldId id="278" r:id="rId20"/>
+    <p:sldId id="279" r:id="rId21"/>
+    <p:sldId id="281" r:id="rId22"/>
+    <p:sldId id="280" r:id="rId23"/>
   </p:sldIdLst>
   <p:sldSz cx="12192000" cy="6858000"/>
   <p:notesSz cx="6858000" cy="9144000"/>
@@ -225,7 +224,7 @@
           <a:p>
             <a:fld id="{17E652B7-3AE9-4B68-8899-8042A7E05A17}" type="datetimeFigureOut">
               <a:rPr lang="en-US" smtClean="0"/>
-              <a:t>12/4/2018</a:t>
+              <a:t>12/5/2018</a:t>
             </a:fld>
             <a:endParaRPr lang="en-US"/>
           </a:p>
@@ -390,7 +389,7 @@
           <a:p>
             <a:fld id="{E6B37F5D-8EED-4947-BE1B-6329FDDEF37E}" type="datetimeFigureOut">
               <a:rPr lang="en-US" smtClean="0"/>
-              <a:t>12/4/2018</a:t>
+              <a:t>12/5/2018</a:t>
             </a:fld>
             <a:endParaRPr lang="en-US"/>
           </a:p>
@@ -826,36 +825,11 @@
             </a:pPr>
             <a:r>
               <a:rPr lang="en-US" dirty="0" smtClean="0"/>
-              <a:t>Stale</a:t>
+              <a:t>3.4</a:t>
             </a:r>
             <a:r>
               <a:rPr lang="en-US" baseline="0" dirty="0" smtClean="0"/>
-              <a:t> r</a:t>
-            </a:r>
-            <a:r>
-              <a:rPr lang="en-US" dirty="0" smtClean="0"/>
-              <a:t>esume token issue</a:t>
-            </a:r>
-            <a:r>
-              <a:rPr lang="en-US" baseline="0" dirty="0" smtClean="0"/>
-              <a:t> </a:t>
-            </a:r>
-            <a:r>
-              <a:rPr lang="en-US" dirty="0" smtClean="0"/>
-              <a:t>on staging</a:t>
-            </a:r>
-          </a:p>
-          <a:p>
-            <a:endParaRPr lang="en-US" dirty="0" smtClean="0"/>
-          </a:p>
-          <a:p>
-            <a:r>
-              <a:rPr lang="en-US" dirty="0" smtClean="0"/>
-              <a:t>Failed to upgrade to MongoDB</a:t>
-            </a:r>
-            <a:r>
-              <a:rPr lang="en-US" baseline="0" dirty="0" smtClean="0"/>
-              <a:t> 3.6.2 on prod</a:t>
+              <a:t> to 3.6 upgrade issue</a:t>
             </a:r>
             <a:endParaRPr lang="en-US" dirty="0" smtClean="0"/>
           </a:p>
@@ -890,7 +864,7 @@
     </p:spTree>
     <p:extLst>
       <p:ext uri="{BB962C8B-B14F-4D97-AF65-F5344CB8AC3E}">
-        <p14:creationId xmlns:p14="http://schemas.microsoft.com/office/powerpoint/2010/main" val="1712951584"/>
+        <p14:creationId xmlns:p14="http://schemas.microsoft.com/office/powerpoint/2010/main" val="3106911693"/>
       </p:ext>
     </p:extLst>
   </p:cSld>
@@ -944,37 +918,6 @@
           <a:bodyPr/>
           <a:lstStyle/>
           <a:p>
-            <a:pPr marL="0" marR="0" lvl="0" indent="0" algn="l" defTabSz="914400" rtl="0" eaLnBrk="1" fontAlgn="auto" latinLnBrk="0" hangingPunct="1">
-              <a:lnSpc>
-                <a:spcPct val="100000"/>
-              </a:lnSpc>
-              <a:spcBef>
-                <a:spcPts val="0"/>
-              </a:spcBef>
-              <a:spcAft>
-                <a:spcPts val="0"/>
-              </a:spcAft>
-              <a:buClrTx/>
-              <a:buSzTx/>
-              <a:buFontTx/>
-              <a:buNone/>
-              <a:tabLst/>
-              <a:defRPr/>
-            </a:pPr>
-            <a:r>
-              <a:rPr lang="en-US" dirty="0" smtClean="0"/>
-              <a:t>Stale</a:t>
-            </a:r>
-            <a:r>
-              <a:rPr lang="en-US" baseline="0" dirty="0" smtClean="0"/>
-              <a:t> r</a:t>
-            </a:r>
-            <a:r>
-              <a:rPr lang="en-US" dirty="0" smtClean="0"/>
-              <a:t>esume token issue</a:t>
-            </a:r>
-          </a:p>
-          <a:p>
             <a:endParaRPr lang="en-US" dirty="0"/>
           </a:p>
         </p:txBody>
@@ -996,7 +939,7 @@
           <a:p>
             <a:fld id="{6D679973-E0F4-4AD1-8DEC-9AEE404E80A0}" type="slidenum">
               <a:rPr lang="en-US" smtClean="0"/>
-              <a:t>16</a:t>
+              <a:t>19</a:t>
             </a:fld>
             <a:endParaRPr lang="en-US"/>
           </a:p>
@@ -1005,7 +948,7 @@
     </p:spTree>
     <p:extLst>
       <p:ext uri="{BB962C8B-B14F-4D97-AF65-F5344CB8AC3E}">
-        <p14:creationId xmlns:p14="http://schemas.microsoft.com/office/powerpoint/2010/main" val="787327836"/>
+        <p14:creationId xmlns:p14="http://schemas.microsoft.com/office/powerpoint/2010/main" val="2564146464"/>
       </p:ext>
     </p:extLst>
   </p:cSld>
@@ -1059,34 +1002,6 @@
           <a:bodyPr/>
           <a:lstStyle/>
           <a:p>
-            <a:pPr marL="0" marR="0" lvl="0" indent="0" algn="l" defTabSz="914400" rtl="0" eaLnBrk="1" fontAlgn="auto" latinLnBrk="0" hangingPunct="1">
-              <a:lnSpc>
-                <a:spcPct val="100000"/>
-              </a:lnSpc>
-              <a:spcBef>
-                <a:spcPts val="0"/>
-              </a:spcBef>
-              <a:spcAft>
-                <a:spcPts val="0"/>
-              </a:spcAft>
-              <a:buClrTx/>
-              <a:buSzTx/>
-              <a:buFontTx/>
-              <a:buNone/>
-              <a:tabLst/>
-              <a:defRPr/>
-            </a:pPr>
-            <a:r>
-              <a:rPr lang="en-US" dirty="0" smtClean="0"/>
-              <a:t>3.4</a:t>
-            </a:r>
-            <a:r>
-              <a:rPr lang="en-US" baseline="0" dirty="0" smtClean="0"/>
-              <a:t> to 3.6 upgrade issue</a:t>
-            </a:r>
-            <a:endParaRPr lang="en-US" dirty="0" smtClean="0"/>
-          </a:p>
-          <a:p>
             <a:endParaRPr lang="en-US" dirty="0"/>
           </a:p>
         </p:txBody>
@@ -1108,175 +1023,7 @@
           <a:p>
             <a:fld id="{6D679973-E0F4-4AD1-8DEC-9AEE404E80A0}" type="slidenum">
               <a:rPr lang="en-US" smtClean="0"/>
-              <a:t>17</a:t>
-            </a:fld>
-            <a:endParaRPr lang="en-US"/>
-          </a:p>
-        </p:txBody>
-      </p:sp>
-    </p:spTree>
-    <p:extLst>
-      <p:ext uri="{BB962C8B-B14F-4D97-AF65-F5344CB8AC3E}">
-        <p14:creationId xmlns:p14="http://schemas.microsoft.com/office/powerpoint/2010/main" val="3106911693"/>
-      </p:ext>
-    </p:extLst>
-  </p:cSld>
-  <p:clrMapOvr>
-    <a:masterClrMapping/>
-  </p:clrMapOvr>
-</p:notes>
-</file>
-
-<file path=ppt/notesSlides/notesSlide13.xml><?xml version="1.0" encoding="utf-8"?>
-<p:notes xmlns:a="http://schemas.openxmlformats.org/drawingml/2006/main" xmlns:r="http://schemas.openxmlformats.org/officeDocument/2006/relationships" xmlns:p="http://schemas.openxmlformats.org/presentationml/2006/main">
-  <p:cSld>
-    <p:spTree>
-      <p:nvGrpSpPr>
-        <p:cNvPr id="1" name=""/>
-        <p:cNvGrpSpPr/>
-        <p:nvPr/>
-      </p:nvGrpSpPr>
-      <p:grpSpPr>
-        <a:xfrm>
-          <a:off x="0" y="0"/>
-          <a:ext cx="0" cy="0"/>
-          <a:chOff x="0" y="0"/>
-          <a:chExt cx="0" cy="0"/>
-        </a:xfrm>
-      </p:grpSpPr>
-      <p:sp>
-        <p:nvSpPr>
-          <p:cNvPr id="2" name="Slide Image Placeholder 1"/>
-          <p:cNvSpPr>
-            <a:spLocks noGrp="1" noRot="1" noChangeAspect="1"/>
-          </p:cNvSpPr>
-          <p:nvPr>
-            <p:ph type="sldImg"/>
-          </p:nvPr>
-        </p:nvSpPr>
-        <p:spPr/>
-      </p:sp>
-      <p:sp>
-        <p:nvSpPr>
-          <p:cNvPr id="3" name="Notes Placeholder 2"/>
-          <p:cNvSpPr>
-            <a:spLocks noGrp="1"/>
-          </p:cNvSpPr>
-          <p:nvPr>
-            <p:ph type="body" idx="1"/>
-          </p:nvPr>
-        </p:nvSpPr>
-        <p:spPr/>
-        <p:txBody>
-          <a:bodyPr/>
-          <a:lstStyle/>
-          <a:p>
-            <a:endParaRPr lang="en-US" dirty="0"/>
-          </a:p>
-        </p:txBody>
-      </p:sp>
-      <p:sp>
-        <p:nvSpPr>
-          <p:cNvPr id="4" name="Slide Number Placeholder 3"/>
-          <p:cNvSpPr>
-            <a:spLocks noGrp="1"/>
-          </p:cNvSpPr>
-          <p:nvPr>
-            <p:ph type="sldNum" sz="quarter" idx="10"/>
-          </p:nvPr>
-        </p:nvSpPr>
-        <p:spPr/>
-        <p:txBody>
-          <a:bodyPr/>
-          <a:lstStyle/>
-          <a:p>
-            <a:fld id="{6D679973-E0F4-4AD1-8DEC-9AEE404E80A0}" type="slidenum">
-              <a:rPr lang="en-US" smtClean="0"/>
-              <a:t>21</a:t>
-            </a:fld>
-            <a:endParaRPr lang="en-US"/>
-          </a:p>
-        </p:txBody>
-      </p:sp>
-    </p:spTree>
-    <p:extLst>
-      <p:ext uri="{BB962C8B-B14F-4D97-AF65-F5344CB8AC3E}">
-        <p14:creationId xmlns:p14="http://schemas.microsoft.com/office/powerpoint/2010/main" val="2564146464"/>
-      </p:ext>
-    </p:extLst>
-  </p:cSld>
-  <p:clrMapOvr>
-    <a:masterClrMapping/>
-  </p:clrMapOvr>
-</p:notes>
-</file>
-
-<file path=ppt/notesSlides/notesSlide14.xml><?xml version="1.0" encoding="utf-8"?>
-<p:notes xmlns:a="http://schemas.openxmlformats.org/drawingml/2006/main" xmlns:r="http://schemas.openxmlformats.org/officeDocument/2006/relationships" xmlns:p="http://schemas.openxmlformats.org/presentationml/2006/main">
-  <p:cSld>
-    <p:spTree>
-      <p:nvGrpSpPr>
-        <p:cNvPr id="1" name=""/>
-        <p:cNvGrpSpPr/>
-        <p:nvPr/>
-      </p:nvGrpSpPr>
-      <p:grpSpPr>
-        <a:xfrm>
-          <a:off x="0" y="0"/>
-          <a:ext cx="0" cy="0"/>
-          <a:chOff x="0" y="0"/>
-          <a:chExt cx="0" cy="0"/>
-        </a:xfrm>
-      </p:grpSpPr>
-      <p:sp>
-        <p:nvSpPr>
-          <p:cNvPr id="2" name="Slide Image Placeholder 1"/>
-          <p:cNvSpPr>
-            <a:spLocks noGrp="1" noRot="1" noChangeAspect="1"/>
-          </p:cNvSpPr>
-          <p:nvPr>
-            <p:ph type="sldImg"/>
-          </p:nvPr>
-        </p:nvSpPr>
-        <p:spPr/>
-      </p:sp>
-      <p:sp>
-        <p:nvSpPr>
-          <p:cNvPr id="3" name="Notes Placeholder 2"/>
-          <p:cNvSpPr>
-            <a:spLocks noGrp="1"/>
-          </p:cNvSpPr>
-          <p:nvPr>
-            <p:ph type="body" idx="1"/>
-          </p:nvPr>
-        </p:nvSpPr>
-        <p:spPr/>
-        <p:txBody>
-          <a:bodyPr/>
-          <a:lstStyle/>
-          <a:p>
-            <a:endParaRPr lang="en-US" dirty="0"/>
-          </a:p>
-        </p:txBody>
-      </p:sp>
-      <p:sp>
-        <p:nvSpPr>
-          <p:cNvPr id="4" name="Slide Number Placeholder 3"/>
-          <p:cNvSpPr>
-            <a:spLocks noGrp="1"/>
-          </p:cNvSpPr>
-          <p:nvPr>
-            <p:ph type="sldNum" sz="quarter" idx="10"/>
-          </p:nvPr>
-        </p:nvSpPr>
-        <p:spPr/>
-        <p:txBody>
-          <a:bodyPr/>
-          <a:lstStyle/>
-          <a:p>
-            <a:fld id="{6D679973-E0F4-4AD1-8DEC-9AEE404E80A0}" type="slidenum">
-              <a:rPr lang="en-US" smtClean="0"/>
-              <a:t>23</a:t>
+              <a:t>22</a:t>
             </a:fld>
             <a:endParaRPr lang="en-US"/>
           </a:p>
@@ -2042,15 +1789,32 @@
           <a:bodyPr/>
           <a:lstStyle/>
           <a:p>
+            <a:pPr marL="0" marR="0" lvl="0" indent="0" algn="l" defTabSz="914400" rtl="0" eaLnBrk="1" fontAlgn="auto" latinLnBrk="0" hangingPunct="1">
+              <a:lnSpc>
+                <a:spcPct val="100000"/>
+              </a:lnSpc>
+              <a:spcBef>
+                <a:spcPts val="0"/>
+              </a:spcBef>
+              <a:spcAft>
+                <a:spcPts val="0"/>
+              </a:spcAft>
+              <a:buClrTx/>
+              <a:buSzTx/>
+              <a:buFontTx/>
+              <a:buNone/>
+              <a:tabLst/>
+              <a:defRPr/>
+            </a:pPr>
+            <a:r>
+              <a:rPr lang="en-US" dirty="0" smtClean="0"/>
+              <a:t>Went with Change Streams for </a:t>
+            </a:r>
             <a:r>
               <a:rPr lang="en-US" dirty="0" err="1" smtClean="0"/>
-              <a:t>Oplog</a:t>
-            </a:r>
-            <a:r>
-              <a:rPr lang="en-US" dirty="0" smtClean="0"/>
-              <a:t> size limit</a:t>
-            </a:r>
-            <a:endParaRPr lang="en-US" dirty="0"/>
+              <a:t>PoC</a:t>
+            </a:r>
+            <a:endParaRPr lang="en-US" dirty="0" smtClean="0"/>
           </a:p>
         </p:txBody>
       </p:sp>
@@ -2071,7 +1835,7 @@
           <a:p>
             <a:fld id="{6D679973-E0F4-4AD1-8DEC-9AEE404E80A0}" type="slidenum">
               <a:rPr lang="en-US" smtClean="0"/>
-              <a:t>11</a:t>
+              <a:t>13</a:t>
             </a:fld>
             <a:endParaRPr lang="en-US"/>
           </a:p>
@@ -2080,7 +1844,7 @@
     </p:spTree>
     <p:extLst>
       <p:ext uri="{BB962C8B-B14F-4D97-AF65-F5344CB8AC3E}">
-        <p14:creationId xmlns:p14="http://schemas.microsoft.com/office/powerpoint/2010/main" val="456707212"/>
+        <p14:creationId xmlns:p14="http://schemas.microsoft.com/office/powerpoint/2010/main" val="384688051"/>
       </p:ext>
     </p:extLst>
   </p:cSld>
@@ -2153,13 +1917,41 @@
             </a:pPr>
             <a:r>
               <a:rPr lang="en-US" dirty="0" smtClean="0"/>
-              <a:t>Went with Change Streams for </a:t>
-            </a:r>
-            <a:r>
-              <a:rPr lang="en-US" dirty="0" err="1" smtClean="0"/>
-              <a:t>PoC</a:t>
-            </a:r>
+              <a:t>Stale</a:t>
+            </a:r>
+            <a:r>
+              <a:rPr lang="en-US" baseline="0" dirty="0" smtClean="0"/>
+              <a:t> r</a:t>
+            </a:r>
+            <a:r>
+              <a:rPr lang="en-US" dirty="0" smtClean="0"/>
+              <a:t>esume token issue</a:t>
+            </a:r>
+            <a:r>
+              <a:rPr lang="en-US" baseline="0" dirty="0" smtClean="0"/>
+              <a:t> </a:t>
+            </a:r>
+            <a:r>
+              <a:rPr lang="en-US" dirty="0" smtClean="0"/>
+              <a:t>on staging</a:t>
+            </a:r>
+          </a:p>
+          <a:p>
             <a:endParaRPr lang="en-US" dirty="0" smtClean="0"/>
+          </a:p>
+          <a:p>
+            <a:r>
+              <a:rPr lang="en-US" dirty="0" smtClean="0"/>
+              <a:t>Failed to upgrade to MongoDB</a:t>
+            </a:r>
+            <a:r>
+              <a:rPr lang="en-US" baseline="0" dirty="0" smtClean="0"/>
+              <a:t> 3.6.2 on prod</a:t>
+            </a:r>
+            <a:endParaRPr lang="en-US" dirty="0" smtClean="0"/>
+          </a:p>
+          <a:p>
+            <a:endParaRPr lang="en-US" dirty="0"/>
           </a:p>
         </p:txBody>
       </p:sp>
@@ -2189,7 +1981,7 @@
     </p:spTree>
     <p:extLst>
       <p:ext uri="{BB962C8B-B14F-4D97-AF65-F5344CB8AC3E}">
-        <p14:creationId xmlns:p14="http://schemas.microsoft.com/office/powerpoint/2010/main" val="384688051"/>
+        <p14:creationId xmlns:p14="http://schemas.microsoft.com/office/powerpoint/2010/main" val="1712951584"/>
       </p:ext>
     </p:extLst>
   </p:cSld>
@@ -2413,7 +2205,7 @@
             <a:fld id="{B61BEF0D-F0BB-DE4B-95CE-6DB70DBA9567}" type="datetimeFigureOut">
               <a:rPr lang="en-US" smtClean="0"/>
               <a:pPr/>
-              <a:t>12/4/2018</a:t>
+              <a:t>12/5/2018</a:t>
             </a:fld>
             <a:endParaRPr lang="en-US" dirty="0"/>
           </a:p>
@@ -2713,7 +2505,7 @@
             <a:fld id="{B61BEF0D-F0BB-DE4B-95CE-6DB70DBA9567}" type="datetimeFigureOut">
               <a:rPr lang="en-US" smtClean="0"/>
               <a:pPr/>
-              <a:t>12/4/2018</a:t>
+              <a:t>12/5/2018</a:t>
             </a:fld>
             <a:endParaRPr lang="en-US" dirty="0"/>
           </a:p>
@@ -2974,7 +2766,7 @@
             <a:fld id="{B61BEF0D-F0BB-DE4B-95CE-6DB70DBA9567}" type="datetimeFigureOut">
               <a:rPr lang="en-US" smtClean="0"/>
               <a:pPr/>
-              <a:t>12/4/2018</a:t>
+              <a:t>12/5/2018</a:t>
             </a:fld>
             <a:endParaRPr lang="en-US" dirty="0"/>
           </a:p>
@@ -3445,7 +3237,7 @@
             <a:fld id="{B61BEF0D-F0BB-DE4B-95CE-6DB70DBA9567}" type="datetimeFigureOut">
               <a:rPr lang="en-US" smtClean="0"/>
               <a:pPr/>
-              <a:t>12/4/2018</a:t>
+              <a:t>12/5/2018</a:t>
             </a:fld>
             <a:endParaRPr lang="en-US" dirty="0"/>
           </a:p>
@@ -3627,7 +3419,7 @@
             <a:fld id="{B61BEF0D-F0BB-DE4B-95CE-6DB70DBA9567}" type="datetimeFigureOut">
               <a:rPr lang="en-US" smtClean="0"/>
               <a:pPr/>
-              <a:t>12/4/2018</a:t>
+              <a:t>12/5/2018</a:t>
             </a:fld>
             <a:endParaRPr lang="en-US" dirty="0"/>
           </a:p>
@@ -4205,7 +3997,7 @@
             <a:fld id="{B61BEF0D-F0BB-DE4B-95CE-6DB70DBA9567}" type="datetimeFigureOut">
               <a:rPr lang="en-US" smtClean="0"/>
               <a:pPr/>
-              <a:t>12/4/2018</a:t>
+              <a:t>12/5/2018</a:t>
             </a:fld>
             <a:endParaRPr lang="en-US" dirty="0"/>
           </a:p>
@@ -4539,7 +4331,7 @@
             <a:fld id="{B61BEF0D-F0BB-DE4B-95CE-6DB70DBA9567}" type="datetimeFigureOut">
               <a:rPr lang="en-US" smtClean="0"/>
               <a:pPr/>
-              <a:t>12/4/2018</a:t>
+              <a:t>12/5/2018</a:t>
             </a:fld>
             <a:endParaRPr lang="en-US" dirty="0"/>
           </a:p>
@@ -4716,7 +4508,7 @@
             <a:fld id="{B61BEF0D-F0BB-DE4B-95CE-6DB70DBA9567}" type="datetimeFigureOut">
               <a:rPr lang="en-US" smtClean="0"/>
               <a:pPr/>
-              <a:t>12/4/2018</a:t>
+              <a:t>12/5/2018</a:t>
             </a:fld>
             <a:endParaRPr lang="en-US" dirty="0"/>
           </a:p>
@@ -4898,7 +4690,7 @@
             <a:fld id="{B61BEF0D-F0BB-DE4B-95CE-6DB70DBA9567}" type="datetimeFigureOut">
               <a:rPr lang="en-US" smtClean="0"/>
               <a:pPr/>
-              <a:t>12/4/2018</a:t>
+              <a:t>12/5/2018</a:t>
             </a:fld>
             <a:endParaRPr lang="en-US" dirty="0"/>
           </a:p>
@@ -5070,7 +4862,7 @@
             <a:fld id="{B61BEF0D-F0BB-DE4B-95CE-6DB70DBA9567}" type="datetimeFigureOut">
               <a:rPr lang="en-US" smtClean="0"/>
               <a:pPr/>
-              <a:t>12/4/2018</a:t>
+              <a:t>12/5/2018</a:t>
             </a:fld>
             <a:endParaRPr lang="en-US" dirty="0"/>
           </a:p>
@@ -5336,7 +5128,7 @@
             <a:fld id="{B61BEF0D-F0BB-DE4B-95CE-6DB70DBA9567}" type="datetimeFigureOut">
               <a:rPr lang="en-US" smtClean="0"/>
               <a:pPr/>
-              <a:t>12/4/2018</a:t>
+              <a:t>12/5/2018</a:t>
             </a:fld>
             <a:endParaRPr lang="en-US" dirty="0"/>
           </a:p>
@@ -5637,7 +5429,7 @@
             <a:fld id="{B61BEF0D-F0BB-DE4B-95CE-6DB70DBA9567}" type="datetimeFigureOut">
               <a:rPr lang="en-US" smtClean="0"/>
               <a:pPr/>
-              <a:t>12/4/2018</a:t>
+              <a:t>12/5/2018</a:t>
             </a:fld>
             <a:endParaRPr lang="en-US" dirty="0"/>
           </a:p>
@@ -6069,7 +5861,7 @@
             <a:fld id="{B61BEF0D-F0BB-DE4B-95CE-6DB70DBA9567}" type="datetimeFigureOut">
               <a:rPr lang="en-US" smtClean="0"/>
               <a:pPr/>
-              <a:t>12/4/2018</a:t>
+              <a:t>12/5/2018</a:t>
             </a:fld>
             <a:endParaRPr lang="en-US" dirty="0"/>
           </a:p>
@@ -6189,7 +5981,7 @@
             <a:fld id="{B61BEF0D-F0BB-DE4B-95CE-6DB70DBA9567}" type="datetimeFigureOut">
               <a:rPr lang="en-US" smtClean="0"/>
               <a:pPr/>
-              <a:t>12/4/2018</a:t>
+              <a:t>12/5/2018</a:t>
             </a:fld>
             <a:endParaRPr lang="en-US" dirty="0"/>
           </a:p>
@@ -6293,7 +6085,7 @@
             <a:fld id="{B61BEF0D-F0BB-DE4B-95CE-6DB70DBA9567}" type="datetimeFigureOut">
               <a:rPr lang="en-US" smtClean="0"/>
               <a:pPr/>
-              <a:t>12/4/2018</a:t>
+              <a:t>12/5/2018</a:t>
             </a:fld>
             <a:endParaRPr lang="en-US" dirty="0"/>
           </a:p>
@@ -6578,7 +6370,7 @@
             <a:fld id="{B61BEF0D-F0BB-DE4B-95CE-6DB70DBA9567}" type="datetimeFigureOut">
               <a:rPr lang="en-US" smtClean="0"/>
               <a:pPr/>
-              <a:t>12/4/2018</a:t>
+              <a:t>12/5/2018</a:t>
             </a:fld>
             <a:endParaRPr lang="en-US" dirty="0"/>
           </a:p>
@@ -6871,7 +6663,7 @@
             <a:fld id="{B61BEF0D-F0BB-DE4B-95CE-6DB70DBA9567}" type="datetimeFigureOut">
               <a:rPr lang="en-US" smtClean="0"/>
               <a:pPr/>
-              <a:t>12/4/2018</a:t>
+              <a:t>12/5/2018</a:t>
             </a:fld>
             <a:endParaRPr lang="en-US" dirty="0"/>
           </a:p>
@@ -7104,7 +6896,7 @@
             <a:fld id="{B61BEF0D-F0BB-DE4B-95CE-6DB70DBA9567}" type="datetimeFigureOut">
               <a:rPr lang="en-US" smtClean="0"/>
               <a:pPr/>
-              <a:t>12/4/2018</a:t>
+              <a:t>12/5/2018</a:t>
             </a:fld>
             <a:endParaRPr lang="en-US" dirty="0"/>
           </a:p>
@@ -8065,102 +7857,6 @@
         </p:nvSpPr>
         <p:spPr>
           <a:xfrm>
-            <a:off x="1141413" y="8706"/>
-            <a:ext cx="9905998" cy="1132117"/>
-          </a:xfrm>
-        </p:spPr>
-        <p:txBody>
-          <a:bodyPr>
-            <a:normAutofit fontScale="90000"/>
-          </a:bodyPr>
-          <a:lstStyle/>
-          <a:p>
-            <a:r>
-              <a:rPr lang="en-US" sz="7200" dirty="0"/>
-              <a:t>Write concern</a:t>
-            </a:r>
-          </a:p>
-        </p:txBody>
-      </p:sp>
-      <p:pic>
-        <p:nvPicPr>
-          <p:cNvPr id="4" name="Picture 3"/>
-          <p:cNvPicPr>
-            <a:picLocks noChangeAspect="1"/>
-          </p:cNvPicPr>
-          <p:nvPr/>
-        </p:nvPicPr>
-        <p:blipFill>
-          <a:blip r:embed="rId3" cstate="print">
-            <a:extLst>
-              <a:ext uri="{28A0092B-C50C-407E-A947-70E740481C1C}">
-                <a14:useLocalDpi xmlns:a14="http://schemas.microsoft.com/office/drawing/2010/main" val="0"/>
-              </a:ext>
-            </a:extLst>
-          </a:blip>
-          <a:stretch>
-            <a:fillRect/>
-          </a:stretch>
-        </p:blipFill>
-        <p:spPr>
-          <a:xfrm>
-            <a:off x="3566922" y="1445746"/>
-            <a:ext cx="4968106" cy="5148113"/>
-          </a:xfrm>
-          <a:prstGeom prst="rect">
-            <a:avLst/>
-          </a:prstGeom>
-        </p:spPr>
-      </p:pic>
-    </p:spTree>
-    <p:extLst>
-      <p:ext uri="{BB962C8B-B14F-4D97-AF65-F5344CB8AC3E}">
-        <p14:creationId xmlns:p14="http://schemas.microsoft.com/office/powerpoint/2010/main" val="1457806949"/>
-      </p:ext>
-    </p:extLst>
-  </p:cSld>
-  <p:clrMapOvr>
-    <a:masterClrMapping/>
-  </p:clrMapOvr>
-  <p:timing>
-    <p:tnLst>
-      <p:par>
-        <p:cTn id="1" dur="indefinite" restart="never" nodeType="tmRoot"/>
-      </p:par>
-    </p:tnLst>
-  </p:timing>
-</p:sld>
-</file>
-
-<file path=ppt/slides/slide12.xml><?xml version="1.0" encoding="utf-8"?>
-<p:sld xmlns:a="http://schemas.openxmlformats.org/drawingml/2006/main" xmlns:r="http://schemas.openxmlformats.org/officeDocument/2006/relationships" xmlns:p="http://schemas.openxmlformats.org/presentationml/2006/main">
-  <p:cSld>
-    <p:spTree>
-      <p:nvGrpSpPr>
-        <p:cNvPr id="1" name=""/>
-        <p:cNvGrpSpPr/>
-        <p:nvPr/>
-      </p:nvGrpSpPr>
-      <p:grpSpPr>
-        <a:xfrm>
-          <a:off x="0" y="0"/>
-          <a:ext cx="0" cy="0"/>
-          <a:chOff x="0" y="0"/>
-          <a:chExt cx="0" cy="0"/>
-        </a:xfrm>
-      </p:grpSpPr>
-      <p:sp>
-        <p:nvSpPr>
-          <p:cNvPr id="2" name="Title 1"/>
-          <p:cNvSpPr>
-            <a:spLocks noGrp="1"/>
-          </p:cNvSpPr>
-          <p:nvPr>
-            <p:ph type="title"/>
-          </p:nvPr>
-        </p:nvSpPr>
-        <p:spPr>
-          <a:xfrm>
             <a:off x="582603" y="272151"/>
             <a:ext cx="10467113" cy="1262743"/>
           </a:xfrm>
@@ -8263,7 +7959,7 @@
         <p:spPr>
           <a:xfrm>
             <a:off x="582603" y="5033519"/>
-            <a:ext cx="10163360" cy="584775"/>
+            <a:ext cx="9236824" cy="584775"/>
           </a:xfrm>
           <a:prstGeom prst="rect">
             <a:avLst/>
@@ -8278,7 +7974,15 @@
           <a:p>
             <a:r>
               <a:rPr lang="en-US" sz="3200" dirty="0" smtClean="0"/>
-              <a:t>• MongoDB 3.6 with Change Streams just released</a:t>
+              <a:t>• MongoDB 3.6 </a:t>
+            </a:r>
+            <a:r>
+              <a:rPr lang="en-US" sz="3200" dirty="0" smtClean="0"/>
+              <a:t>change </a:t>
+            </a:r>
+            <a:r>
+              <a:rPr lang="en-US" sz="3200" dirty="0" smtClean="0"/>
+              <a:t>Streams just released</a:t>
             </a:r>
             <a:endParaRPr lang="en-US" sz="3200" dirty="0"/>
           </a:p>
@@ -8293,7 +7997,7 @@
         <p:spPr>
           <a:xfrm>
             <a:off x="589262" y="2085263"/>
-            <a:ext cx="11327140" cy="584775"/>
+            <a:ext cx="3212739" cy="584775"/>
           </a:xfrm>
           <a:prstGeom prst="rect">
             <a:avLst/>
@@ -8308,23 +8012,11 @@
           <a:p>
             <a:r>
               <a:rPr lang="en-US" sz="3200" dirty="0" smtClean="0"/>
-              <a:t>• MongoDB 3.4, primary-secondary-arbiter (PSA), </a:t>
-            </a:r>
-            <a:r>
-              <a:rPr lang="en-US" sz="3200" dirty="0">
-                <a:solidFill>
-                  <a:srgbClr val="FFFF00"/>
-                </a:solidFill>
-              </a:rPr>
-              <a:t>{ w: 1 </a:t>
-            </a:r>
-            <a:r>
-              <a:rPr lang="en-US" sz="3200" dirty="0" smtClean="0">
-                <a:solidFill>
-                  <a:srgbClr val="FFFF00"/>
-                </a:solidFill>
-              </a:rPr>
-              <a:t>}</a:t>
+              <a:t>• MongoDB </a:t>
+            </a:r>
+            <a:r>
+              <a:rPr lang="en-US" sz="3200" dirty="0" smtClean="0"/>
+              <a:t>3.4</a:t>
             </a:r>
             <a:endParaRPr lang="en-US" sz="3200" dirty="0"/>
           </a:p>
@@ -8643,7 +8335,7 @@
 </p:sld>
 </file>
 
-<file path=ppt/slides/slide13.xml><?xml version="1.0" encoding="utf-8"?>
+<file path=ppt/slides/slide12.xml><?xml version="1.0" encoding="utf-8"?>
 <p:sld xmlns:a="http://schemas.openxmlformats.org/drawingml/2006/main" xmlns:r="http://schemas.openxmlformats.org/officeDocument/2006/relationships" xmlns:p="http://schemas.openxmlformats.org/presentationml/2006/main">
   <p:cSld>
     <p:spTree>
@@ -8716,16 +8408,8 @@
           <a:lstStyle/>
           <a:p>
             <a:r>
-              <a:rPr lang="en-US" sz="2400" smtClean="0"/>
-              <a:t>• </a:t>
-            </a:r>
-            <a:r>
-              <a:rPr lang="en-US" sz="2400" smtClean="0"/>
-              <a:t>More </a:t>
-            </a:r>
-            <a:r>
               <a:rPr lang="en-US" sz="2400" dirty="0" smtClean="0"/>
-              <a:t>efforts to implement </a:t>
+              <a:t>• More efforts to implement </a:t>
             </a:r>
             <a:r>
               <a:rPr lang="en-US" sz="2400" dirty="0" smtClean="0">
@@ -8786,7 +8470,7 @@
         <p:spPr>
           <a:xfrm>
             <a:off x="1999446" y="2760285"/>
-            <a:ext cx="3916521" cy="461665"/>
+            <a:ext cx="5030544" cy="461665"/>
           </a:xfrm>
           <a:prstGeom prst="rect">
             <a:avLst/>
@@ -8801,7 +8485,11 @@
           <a:p>
             <a:r>
               <a:rPr lang="en-US" sz="2400" dirty="0" smtClean="0"/>
-              <a:t>• Weak durability with </a:t>
+              <a:t>• </a:t>
+            </a:r>
+            <a:r>
+              <a:rPr lang="en-US" sz="2400" dirty="0" smtClean="0"/>
+              <a:t>Emit event from Primary </a:t>
             </a:r>
             <a:r>
               <a:rPr lang="en-US" sz="2400" dirty="0">
@@ -8952,15 +8640,7 @@
                   <a:srgbClr val="FFC000"/>
                 </a:solidFill>
               </a:rPr>
-              <a:t>Advised </a:t>
-            </a:r>
-            <a:r>
-              <a:rPr lang="en-US" sz="2400" dirty="0" smtClean="0">
-                <a:solidFill>
-                  <a:srgbClr val="FFC000"/>
-                </a:solidFill>
-              </a:rPr>
-              <a:t>against</a:t>
+              <a:t>Advised against</a:t>
             </a:r>
             <a:r>
               <a:rPr lang="en-US" sz="2400" dirty="0" smtClean="0"/>
@@ -9337,7 +9017,7 @@
 </p:sld>
 </file>
 
-<file path=ppt/slides/slide14.xml><?xml version="1.0" encoding="utf-8"?>
+<file path=ppt/slides/slide13.xml><?xml version="1.0" encoding="utf-8"?>
 <p:sld xmlns:a="http://schemas.openxmlformats.org/drawingml/2006/main" xmlns:r="http://schemas.openxmlformats.org/officeDocument/2006/relationships" xmlns:p="http://schemas.openxmlformats.org/presentationml/2006/main">
   <p:cSld>
     <p:spTree>
@@ -9588,7 +9268,7 @@
         <p:spPr>
           <a:xfrm>
             <a:off x="1999446" y="4606945"/>
-            <a:ext cx="6554679" cy="584775"/>
+            <a:ext cx="8152739" cy="584775"/>
           </a:xfrm>
           <a:prstGeom prst="rect">
             <a:avLst/>
@@ -9603,7 +9283,11 @@
           <a:p>
             <a:r>
               <a:rPr lang="en-US" sz="3200" dirty="0" smtClean="0"/>
-              <a:t>• No way to achieve </a:t>
+              <a:t>• No way to </a:t>
+            </a:r>
+            <a:r>
+              <a:rPr lang="en-US" sz="3200" dirty="0" smtClean="0"/>
+              <a:t>emit from Primary </a:t>
             </a:r>
             <a:r>
               <a:rPr lang="en-US" sz="3200" dirty="0">
@@ -10084,7 +9768,7 @@
 </p:sld>
 </file>
 
-<file path=ppt/slides/slide15.xml><?xml version="1.0" encoding="utf-8"?>
+<file path=ppt/slides/slide14.xml><?xml version="1.0" encoding="utf-8"?>
 <p:sld xmlns:a="http://schemas.openxmlformats.org/drawingml/2006/main" xmlns:r="http://schemas.openxmlformats.org/officeDocument/2006/relationships" xmlns:p="http://schemas.openxmlformats.org/presentationml/2006/main">
   <p:cSld>
     <p:spTree>
@@ -10162,105 +9846,7 @@
 </p:sld>
 </file>
 
-<file path=ppt/slides/slide16.xml><?xml version="1.0" encoding="utf-8"?>
-<p:sld xmlns:a="http://schemas.openxmlformats.org/drawingml/2006/main" xmlns:r="http://schemas.openxmlformats.org/officeDocument/2006/relationships" xmlns:p="http://schemas.openxmlformats.org/presentationml/2006/main">
-  <p:cSld>
-    <p:spTree>
-      <p:nvGrpSpPr>
-        <p:cNvPr id="1" name=""/>
-        <p:cNvGrpSpPr/>
-        <p:nvPr/>
-      </p:nvGrpSpPr>
-      <p:grpSpPr>
-        <a:xfrm>
-          <a:off x="0" y="0"/>
-          <a:ext cx="0" cy="0"/>
-          <a:chOff x="0" y="0"/>
-          <a:chExt cx="0" cy="0"/>
-        </a:xfrm>
-      </p:grpSpPr>
-      <p:sp>
-        <p:nvSpPr>
-          <p:cNvPr id="2" name="Title 1"/>
-          <p:cNvSpPr>
-            <a:spLocks noGrp="1"/>
-          </p:cNvSpPr>
-          <p:nvPr>
-            <p:ph type="title"/>
-          </p:nvPr>
-        </p:nvSpPr>
-        <p:spPr>
-          <a:xfrm>
-            <a:off x="1141413" y="609600"/>
-            <a:ext cx="9905998" cy="4720046"/>
-          </a:xfrm>
-        </p:spPr>
-        <p:txBody>
-          <a:bodyPr>
-            <a:noAutofit/>
-          </a:bodyPr>
-          <a:lstStyle/>
-          <a:p>
-            <a:r>
-              <a:rPr lang="en-US" sz="6000" dirty="0">
-                <a:solidFill>
-                  <a:srgbClr val="FFFF00"/>
-                </a:solidFill>
-              </a:rPr>
-              <a:t>Takeaway:</a:t>
-            </a:r>
-            <a:br>
-              <a:rPr lang="en-US" sz="6000" dirty="0">
-                <a:solidFill>
-                  <a:srgbClr val="FFFF00"/>
-                </a:solidFill>
-              </a:rPr>
-            </a:br>
-            <a:r>
-              <a:rPr lang="en-US" sz="6000" dirty="0"/>
-              <a:t>for MongoDB 3.6 use </a:t>
-            </a:r>
-            <a:r>
-              <a:rPr lang="en-US" sz="6000" dirty="0" err="1">
-                <a:solidFill>
-                  <a:srgbClr val="92D050"/>
-                </a:solidFill>
-              </a:rPr>
-              <a:t>Oplog</a:t>
-            </a:r>
-            <a:r>
-              <a:rPr lang="en-US" sz="6000" dirty="0">
-                <a:solidFill>
-                  <a:srgbClr val="92D050"/>
-                </a:solidFill>
-              </a:rPr>
-              <a:t> tailing</a:t>
-            </a:r>
-            <a:endParaRPr lang="en-US" sz="6000" dirty="0"/>
-          </a:p>
-        </p:txBody>
-      </p:sp>
-    </p:spTree>
-    <p:extLst>
-      <p:ext uri="{BB962C8B-B14F-4D97-AF65-F5344CB8AC3E}">
-        <p14:creationId xmlns:p14="http://schemas.microsoft.com/office/powerpoint/2010/main" val="1192603994"/>
-      </p:ext>
-    </p:extLst>
-  </p:cSld>
-  <p:clrMapOvr>
-    <a:masterClrMapping/>
-  </p:clrMapOvr>
-  <p:timing>
-    <p:tnLst>
-      <p:par>
-        <p:cTn id="1" dur="indefinite" restart="never" nodeType="tmRoot"/>
-      </p:par>
-    </p:tnLst>
-  </p:timing>
-</p:sld>
-</file>
-
-<file path=ppt/slides/slide17.xml><?xml version="1.0" encoding="utf-8"?>
+<file path=ppt/slides/slide15.xml><?xml version="1.0" encoding="utf-8"?>
 <p:sld xmlns:a="http://schemas.openxmlformats.org/drawingml/2006/main" xmlns:r="http://schemas.openxmlformats.org/officeDocument/2006/relationships" xmlns:p="http://schemas.openxmlformats.org/presentationml/2006/main">
   <p:cSld>
     <p:spTree>
@@ -10358,7 +9944,7 @@
 </p:sld>
 </file>
 
-<file path=ppt/slides/slide18.xml><?xml version="1.0" encoding="utf-8"?>
+<file path=ppt/slides/slide16.xml><?xml version="1.0" encoding="utf-8"?>
 <p:sld xmlns:a="http://schemas.openxmlformats.org/drawingml/2006/main" xmlns:r="http://schemas.openxmlformats.org/officeDocument/2006/relationships" xmlns:p="http://schemas.openxmlformats.org/presentationml/2006/main">
   <p:cSld>
     <p:spTree>
@@ -11061,6 +10647,187 @@
 </p:sld>
 </file>
 
+<file path=ppt/slides/slide17.xml><?xml version="1.0" encoding="utf-8"?>
+<p:sld xmlns:a="http://schemas.openxmlformats.org/drawingml/2006/main" xmlns:r="http://schemas.openxmlformats.org/officeDocument/2006/relationships" xmlns:p="http://schemas.openxmlformats.org/presentationml/2006/main">
+  <p:cSld>
+    <p:spTree>
+      <p:nvGrpSpPr>
+        <p:cNvPr id="1" name=""/>
+        <p:cNvGrpSpPr/>
+        <p:nvPr/>
+      </p:nvGrpSpPr>
+      <p:grpSpPr>
+        <a:xfrm>
+          <a:off x="0" y="0"/>
+          <a:ext cx="0" cy="0"/>
+          <a:chOff x="0" y="0"/>
+          <a:chExt cx="0" cy="0"/>
+        </a:xfrm>
+      </p:grpSpPr>
+      <p:sp>
+        <p:nvSpPr>
+          <p:cNvPr id="2" name="Title 1"/>
+          <p:cNvSpPr>
+            <a:spLocks noGrp="1"/>
+          </p:cNvSpPr>
+          <p:nvPr>
+            <p:ph type="title"/>
+          </p:nvPr>
+        </p:nvSpPr>
+        <p:spPr>
+          <a:xfrm>
+            <a:off x="1141413" y="609600"/>
+            <a:ext cx="9905998" cy="5547360"/>
+          </a:xfrm>
+        </p:spPr>
+        <p:txBody>
+          <a:bodyPr>
+            <a:noAutofit/>
+          </a:bodyPr>
+          <a:lstStyle/>
+          <a:p>
+            <a:r>
+              <a:rPr lang="en-US" sz="6000" dirty="0">
+                <a:solidFill>
+                  <a:srgbClr val="FFFF00"/>
+                </a:solidFill>
+              </a:rPr>
+              <a:t>Takeaway:</a:t>
+            </a:r>
+            <a:br>
+              <a:rPr lang="en-US" sz="6000" dirty="0">
+                <a:solidFill>
+                  <a:srgbClr val="FFFF00"/>
+                </a:solidFill>
+              </a:rPr>
+            </a:br>
+            <a:r>
+              <a:rPr lang="en-US" sz="6000" dirty="0"/>
+              <a:t>for MongoDB 4.0 replica set with 3+ data-bearing nodes use </a:t>
+            </a:r>
+            <a:r>
+              <a:rPr lang="en-US" sz="6000" dirty="0">
+                <a:solidFill>
+                  <a:srgbClr val="92D050"/>
+                </a:solidFill>
+              </a:rPr>
+              <a:t>Change Streams</a:t>
+            </a:r>
+            <a:endParaRPr lang="en-US" sz="6000" dirty="0"/>
+          </a:p>
+        </p:txBody>
+      </p:sp>
+    </p:spTree>
+    <p:extLst>
+      <p:ext uri="{BB962C8B-B14F-4D97-AF65-F5344CB8AC3E}">
+        <p14:creationId xmlns:p14="http://schemas.microsoft.com/office/powerpoint/2010/main" val="3121174406"/>
+      </p:ext>
+    </p:extLst>
+  </p:cSld>
+  <p:clrMapOvr>
+    <a:masterClrMapping/>
+  </p:clrMapOvr>
+  <p:timing>
+    <p:tnLst>
+      <p:par>
+        <p:cTn id="1" dur="indefinite" restart="never" nodeType="tmRoot"/>
+      </p:par>
+    </p:tnLst>
+  </p:timing>
+</p:sld>
+</file>
+
+<file path=ppt/slides/slide18.xml><?xml version="1.0" encoding="utf-8"?>
+<p:sld xmlns:a="http://schemas.openxmlformats.org/drawingml/2006/main" xmlns:r="http://schemas.openxmlformats.org/officeDocument/2006/relationships" xmlns:p="http://schemas.openxmlformats.org/presentationml/2006/main">
+  <p:cSld>
+    <p:spTree>
+      <p:nvGrpSpPr>
+        <p:cNvPr id="1" name=""/>
+        <p:cNvGrpSpPr/>
+        <p:nvPr/>
+      </p:nvGrpSpPr>
+      <p:grpSpPr>
+        <a:xfrm>
+          <a:off x="0" y="0"/>
+          <a:ext cx="0" cy="0"/>
+          <a:chOff x="0" y="0"/>
+          <a:chExt cx="0" cy="0"/>
+        </a:xfrm>
+      </p:grpSpPr>
+      <p:sp>
+        <p:nvSpPr>
+          <p:cNvPr id="2" name="Title 1"/>
+          <p:cNvSpPr>
+            <a:spLocks noGrp="1"/>
+          </p:cNvSpPr>
+          <p:nvPr>
+            <p:ph type="title"/>
+          </p:nvPr>
+        </p:nvSpPr>
+        <p:spPr>
+          <a:xfrm>
+            <a:off x="1219796" y="609600"/>
+            <a:ext cx="4353694" cy="1905000"/>
+          </a:xfrm>
+        </p:spPr>
+        <p:txBody>
+          <a:bodyPr>
+            <a:normAutofit/>
+          </a:bodyPr>
+          <a:lstStyle/>
+          <a:p>
+            <a:r>
+              <a:rPr lang="en-US" sz="7200" dirty="0" smtClean="0"/>
+              <a:t>Demo 2</a:t>
+            </a:r>
+            <a:endParaRPr lang="en-US" sz="7200" dirty="0"/>
+          </a:p>
+        </p:txBody>
+      </p:sp>
+      <p:pic>
+        <p:nvPicPr>
+          <p:cNvPr id="5" name="Picture 4"/>
+          <p:cNvPicPr>
+            <a:picLocks noChangeAspect="1"/>
+          </p:cNvPicPr>
+          <p:nvPr/>
+        </p:nvPicPr>
+        <p:blipFill>
+          <a:blip r:embed="rId2"/>
+          <a:stretch>
+            <a:fillRect/>
+          </a:stretch>
+        </p:blipFill>
+        <p:spPr>
+          <a:xfrm>
+            <a:off x="6211824" y="0"/>
+            <a:ext cx="5980176" cy="6858000"/>
+          </a:xfrm>
+          <a:prstGeom prst="rect">
+            <a:avLst/>
+          </a:prstGeom>
+        </p:spPr>
+      </p:pic>
+    </p:spTree>
+    <p:extLst>
+      <p:ext uri="{BB962C8B-B14F-4D97-AF65-F5344CB8AC3E}">
+        <p14:creationId xmlns:p14="http://schemas.microsoft.com/office/powerpoint/2010/main" val="796587402"/>
+      </p:ext>
+    </p:extLst>
+  </p:cSld>
+  <p:clrMapOvr>
+    <a:masterClrMapping/>
+  </p:clrMapOvr>
+  <p:timing>
+    <p:tnLst>
+      <p:par>
+        <p:cTn id="1" dur="indefinite" restart="never" nodeType="tmRoot"/>
+      </p:par>
+    </p:tnLst>
+  </p:timing>
+</p:sld>
+</file>
+
 <file path=ppt/slides/slide19.xml><?xml version="1.0" encoding="utf-8"?>
 <p:sld xmlns:a="http://schemas.openxmlformats.org/drawingml/2006/main" xmlns:r="http://schemas.openxmlformats.org/officeDocument/2006/relationships" xmlns:p="http://schemas.openxmlformats.org/presentationml/2006/main">
   <p:cSld>
@@ -11090,8 +10857,8 @@
         </p:nvSpPr>
         <p:spPr>
           <a:xfrm>
-            <a:off x="1141413" y="609600"/>
-            <a:ext cx="9905998" cy="5547360"/>
+            <a:off x="1261872" y="269457"/>
+            <a:ext cx="10467113" cy="1262743"/>
           </a:xfrm>
         </p:spPr>
         <p:txBody>
@@ -11101,40 +10868,184 @@
           <a:lstStyle/>
           <a:p>
             <a:r>
-              <a:rPr lang="en-US" sz="6000" dirty="0">
+              <a:rPr lang="en-US" sz="7200" dirty="0" smtClean="0"/>
+              <a:t>Resources</a:t>
+            </a:r>
+            <a:endParaRPr lang="en-US" sz="7200" dirty="0"/>
+          </a:p>
+        </p:txBody>
+      </p:sp>
+      <p:sp>
+        <p:nvSpPr>
+          <p:cNvPr id="3" name="Rectangle 2"/>
+          <p:cNvSpPr/>
+          <p:nvPr/>
+        </p:nvSpPr>
+        <p:spPr>
+          <a:xfrm>
+            <a:off x="140678" y="1836400"/>
+            <a:ext cx="12004431" cy="3693319"/>
+          </a:xfrm>
+          <a:prstGeom prst="rect">
+            <a:avLst/>
+          </a:prstGeom>
+        </p:spPr>
+        <p:txBody>
+          <a:bodyPr wrap="square">
+            <a:spAutoFit/>
+          </a:bodyPr>
+          <a:lstStyle/>
+          <a:p>
+            <a:r>
+              <a:rPr lang="en-US" dirty="0"/>
+              <a:t>Replication</a:t>
+            </a:r>
+          </a:p>
+          <a:p>
+            <a:r>
+              <a:rPr lang="en-US" dirty="0"/>
+              <a:t>    </a:t>
+            </a:r>
+            <a:r>
+              <a:rPr lang="en-US" dirty="0">
+                <a:hlinkClick r:id="rId3"/>
+              </a:rPr>
+              <a:t>https://www.slideshare.net/Stripe_talks/mongo-db-oplog</a:t>
+            </a:r>
+            <a:endParaRPr lang="en-US" dirty="0"/>
+          </a:p>
+          <a:p>
+            <a:r>
+              <a:rPr lang="en-US" dirty="0"/>
+              <a:t>    </a:t>
+            </a:r>
+            <a:r>
+              <a:rPr lang="en-US" dirty="0">
+                <a:hlinkClick r:id="rId4"/>
+              </a:rPr>
+              <a:t>https://www.compose.com/articles/the-mongodb-oplog-and-node-js/</a:t>
+            </a:r>
+            <a:endParaRPr lang="en-US" dirty="0"/>
+          </a:p>
+          <a:p>
+            <a:r>
+              <a:rPr lang="en-US" dirty="0"/>
+              <a:t>    </a:t>
+            </a:r>
+            <a:r>
+              <a:rPr lang="en-US" dirty="0">
+                <a:hlinkClick r:id="rId5"/>
+              </a:rPr>
+              <a:t>https://stackoverflow.com/questions/17878835/what-does-the-h-in-oplog-rs-document-stand-for</a:t>
+            </a:r>
+            <a:endParaRPr lang="en-US" dirty="0"/>
+          </a:p>
+          <a:p>
+            <a:r>
+              <a:rPr lang="en-US" dirty="0"/>
+              <a:t>    </a:t>
+            </a:r>
+            <a:r>
+              <a:rPr lang="en-US" dirty="0">
+                <a:hlinkClick r:id="rId6"/>
+              </a:rPr>
+              <a:t>https://stackoverflow.com/questions/26935419/what-do-the-oplog-fields-actually-mean</a:t>
+            </a:r>
+            <a:endParaRPr lang="en-US" dirty="0"/>
+          </a:p>
+          <a:p>
+            <a:endParaRPr lang="en-US" dirty="0"/>
+          </a:p>
+          <a:p>
+            <a:r>
+              <a:rPr lang="en-US" dirty="0"/>
+              <a:t>Event-Driven-Architecture</a:t>
+            </a:r>
+          </a:p>
+          <a:p>
+            <a:r>
+              <a:rPr lang="en-US" dirty="0"/>
+              <a:t>    </a:t>
+            </a:r>
+            <a:r>
+              <a:rPr lang="en-US" dirty="0">
+                <a:hlinkClick r:id="rId7"/>
+              </a:rPr>
+              <a:t>https://www.nginx.com/blog/event-driven-data-management-microservices/</a:t>
+            </a:r>
+            <a:endParaRPr lang="en-US" dirty="0"/>
+          </a:p>
+          <a:p>
+            <a:r>
+              <a:rPr lang="en-US" dirty="0"/>
+              <a:t>    </a:t>
+            </a:r>
+            <a:r>
+              <a:rPr lang="en-US" dirty="0">
+                <a:hlinkClick r:id="rId8"/>
+              </a:rPr>
+              <a:t>https://microservices.io/</a:t>
+            </a:r>
+            <a:endParaRPr lang="en-US" dirty="0"/>
+          </a:p>
+          <a:p>
+            <a:r>
+              <a:rPr lang="en-US" dirty="0"/>
+              <a:t>    </a:t>
+            </a:r>
+            <a:r>
+              <a:rPr lang="en-US" dirty="0">
+                <a:hlinkClick r:id="rId9"/>
+              </a:rPr>
+              <a:t>https://</a:t>
+            </a:r>
+            <a:r>
+              <a:rPr lang="en-US" dirty="0">
                 <a:solidFill>
-                  <a:srgbClr val="FFFF00"/>
+                  <a:schemeClr val="accent3"/>
                 </a:solidFill>
+                <a:hlinkClick r:id="rId9"/>
               </a:rPr>
-              <a:t>Takeaway:</a:t>
-            </a:r>
-            <a:br>
-              <a:rPr lang="en-US" sz="6000" dirty="0">
-                <a:solidFill>
-                  <a:srgbClr val="FFFF00"/>
-                </a:solidFill>
+              <a:t>skillsmatter.com/skillscasts/12115-keynote-not-just-events-developing-asynchronous-microservices</a:t>
+            </a:r>
+            <a:endParaRPr lang="en-US" dirty="0">
+              <a:solidFill>
+                <a:schemeClr val="accent3"/>
+              </a:solidFill>
+            </a:endParaRPr>
+          </a:p>
+          <a:p>
+            <a:endParaRPr lang="en-US" dirty="0">
+              <a:solidFill>
+                <a:srgbClr val="92D050"/>
+              </a:solidFill>
+            </a:endParaRPr>
+          </a:p>
+          <a:p>
+            <a:r>
+              <a:rPr lang="en-US" dirty="0"/>
+              <a:t>Domain model</a:t>
+            </a:r>
+          </a:p>
+          <a:p>
+            <a:r>
+              <a:rPr lang="en-US" dirty="0"/>
+              <a:t>    </a:t>
+            </a:r>
+            <a:r>
+              <a:rPr lang="en-US" dirty="0">
+                <a:hlinkClick r:id="rId10"/>
               </a:rPr>
-            </a:br>
-            <a:r>
-              <a:rPr lang="en-US" sz="6000" dirty="0"/>
-              <a:t>for MongoDB 4.0 replica set with 3+ data-bearing nodes use </a:t>
-            </a:r>
-            <a:r>
-              <a:rPr lang="en-US" sz="6000" dirty="0">
-                <a:solidFill>
-                  <a:srgbClr val="92D050"/>
-                </a:solidFill>
-              </a:rPr>
-              <a:t>Change Streams</a:t>
-            </a:r>
-            <a:endParaRPr lang="en-US" sz="6000" dirty="0"/>
+              <a:t>http://dddcommunity.org/library/vernon_2011/</a:t>
+            </a:r>
+            <a:endParaRPr lang="en-US" dirty="0"/>
           </a:p>
         </p:txBody>
       </p:sp>
     </p:spTree>
     <p:extLst>
       <p:ext uri="{BB962C8B-B14F-4D97-AF65-F5344CB8AC3E}">
-        <p14:creationId xmlns:p14="http://schemas.microsoft.com/office/powerpoint/2010/main" val="3121174406"/>
+        <p14:creationId xmlns:p14="http://schemas.microsoft.com/office/powerpoint/2010/main" val="2548005871"/>
       </p:ext>
     </p:extLst>
   </p:cSld>
@@ -11315,12 +11226,7 @@
             <p:ph type="title"/>
           </p:nvPr>
         </p:nvSpPr>
-        <p:spPr>
-          <a:xfrm>
-            <a:off x="1219796" y="609600"/>
-            <a:ext cx="4353694" cy="1905000"/>
-          </a:xfrm>
-        </p:spPr>
+        <p:spPr/>
         <p:txBody>
           <a:bodyPr>
             <a:normAutofit/>
@@ -11329,40 +11235,170 @@
           <a:p>
             <a:r>
               <a:rPr lang="en-US" sz="7200" dirty="0" smtClean="0"/>
-              <a:t>Demo 2</a:t>
+              <a:t>Summary</a:t>
             </a:r>
             <a:endParaRPr lang="en-US" sz="7200" dirty="0"/>
           </a:p>
         </p:txBody>
       </p:sp>
-      <p:pic>
-        <p:nvPicPr>
-          <p:cNvPr id="5" name="Picture 4"/>
-          <p:cNvPicPr>
-            <a:picLocks noChangeAspect="1"/>
-          </p:cNvPicPr>
+      <p:sp>
+        <p:nvSpPr>
+          <p:cNvPr id="4" name="TextBox 3"/>
+          <p:cNvSpPr txBox="1"/>
           <p:nvPr/>
-        </p:nvPicPr>
-        <p:blipFill>
-          <a:blip r:embed="rId2"/>
-          <a:stretch>
-            <a:fillRect/>
-          </a:stretch>
-        </p:blipFill>
+        </p:nvSpPr>
         <p:spPr>
           <a:xfrm>
-            <a:off x="6211824" y="0"/>
-            <a:ext cx="5980176" cy="6858000"/>
+            <a:off x="1141413" y="4473977"/>
+            <a:ext cx="8613353" cy="1077218"/>
           </a:xfrm>
           <a:prstGeom prst="rect">
             <a:avLst/>
           </a:prstGeom>
-        </p:spPr>
-      </p:pic>
+          <a:noFill/>
+        </p:spPr>
+        <p:txBody>
+          <a:bodyPr wrap="square" rtlCol="0">
+            <a:spAutoFit/>
+          </a:bodyPr>
+          <a:lstStyle/>
+          <a:p>
+            <a:r>
+              <a:rPr lang="en-US" sz="3200" dirty="0" smtClean="0"/>
+              <a:t>• </a:t>
+            </a:r>
+            <a:r>
+              <a:rPr lang="en-US" sz="3200" dirty="0" smtClean="0"/>
+              <a:t>Use </a:t>
+            </a:r>
+            <a:r>
+              <a:rPr lang="en-US" sz="3200" dirty="0" smtClean="0">
+                <a:solidFill>
+                  <a:schemeClr val="accent3"/>
+                </a:solidFill>
+              </a:rPr>
+              <a:t>change streams </a:t>
+            </a:r>
+            <a:r>
+              <a:rPr lang="en-US" sz="3200" dirty="0" smtClean="0"/>
+              <a:t>with MongoDB 4.0 	and 3+ data-bearing nodes</a:t>
+            </a:r>
+            <a:endParaRPr lang="en-US" sz="3200" dirty="0"/>
+          </a:p>
+        </p:txBody>
+      </p:sp>
+      <p:sp>
+        <p:nvSpPr>
+          <p:cNvPr id="6" name="TextBox 5"/>
+          <p:cNvSpPr txBox="1"/>
+          <p:nvPr/>
+        </p:nvSpPr>
+        <p:spPr>
+          <a:xfrm>
+            <a:off x="1141413" y="2659695"/>
+            <a:ext cx="8648521" cy="584775"/>
+          </a:xfrm>
+          <a:prstGeom prst="rect">
+            <a:avLst/>
+          </a:prstGeom>
+          <a:noFill/>
+        </p:spPr>
+        <p:txBody>
+          <a:bodyPr wrap="none" rtlCol="0">
+            <a:spAutoFit/>
+          </a:bodyPr>
+          <a:lstStyle/>
+          <a:p>
+            <a:r>
+              <a:rPr lang="en-US" sz="3200" dirty="0" smtClean="0"/>
+              <a:t>• </a:t>
+            </a:r>
+            <a:r>
+              <a:rPr lang="en-US" sz="3200" dirty="0" smtClean="0"/>
+              <a:t>Write state and publish event </a:t>
+            </a:r>
+            <a:r>
+              <a:rPr lang="en-US" sz="3200" dirty="0" smtClean="0">
+                <a:solidFill>
+                  <a:schemeClr val="accent3"/>
+                </a:solidFill>
+              </a:rPr>
+              <a:t>atomically</a:t>
+            </a:r>
+            <a:endParaRPr lang="en-US" sz="3200" dirty="0">
+              <a:solidFill>
+                <a:schemeClr val="accent3"/>
+              </a:solidFill>
+            </a:endParaRPr>
+          </a:p>
+        </p:txBody>
+      </p:sp>
+      <p:sp>
+        <p:nvSpPr>
+          <p:cNvPr id="7" name="TextBox 6"/>
+          <p:cNvSpPr txBox="1"/>
+          <p:nvPr/>
+        </p:nvSpPr>
+        <p:spPr>
+          <a:xfrm>
+            <a:off x="1141413" y="3396759"/>
+            <a:ext cx="7686064" cy="1077218"/>
+          </a:xfrm>
+          <a:prstGeom prst="rect">
+            <a:avLst/>
+          </a:prstGeom>
+          <a:noFill/>
+        </p:spPr>
+        <p:txBody>
+          <a:bodyPr wrap="square" rtlCol="0">
+            <a:spAutoFit/>
+          </a:bodyPr>
+          <a:lstStyle/>
+          <a:p>
+            <a:r>
+              <a:rPr lang="en-US" sz="3200" dirty="0" smtClean="0"/>
+              <a:t>• </a:t>
+            </a:r>
+            <a:r>
+              <a:rPr lang="en-US" sz="3200" dirty="0" smtClean="0"/>
+              <a:t>Use </a:t>
+            </a:r>
+            <a:r>
+              <a:rPr lang="en-US" sz="3200" dirty="0" err="1" smtClean="0">
+                <a:solidFill>
+                  <a:schemeClr val="accent3"/>
+                </a:solidFill>
+              </a:rPr>
+              <a:t>oplog</a:t>
+            </a:r>
+            <a:r>
+              <a:rPr lang="en-US" sz="3200" dirty="0" smtClean="0">
+                <a:solidFill>
+                  <a:schemeClr val="accent3"/>
+                </a:solidFill>
+              </a:rPr>
+              <a:t> tailing</a:t>
+            </a:r>
+            <a:r>
+              <a:rPr lang="en-US" sz="3200" dirty="0"/>
+              <a:t> </a:t>
+            </a:r>
+            <a:r>
+              <a:rPr lang="en-US" sz="3200" dirty="0" smtClean="0"/>
+              <a:t>prior </a:t>
+            </a:r>
+            <a:r>
+              <a:rPr lang="en-US" sz="3200" dirty="0" smtClean="0"/>
+              <a:t>MongoDB 4.0 	or with 2 data-bearing nodes</a:t>
+            </a:r>
+            <a:endParaRPr lang="en-US" sz="3200" dirty="0"/>
+          </a:p>
+        </p:txBody>
+      </p:sp>
     </p:spTree>
     <p:extLst>
       <p:ext uri="{BB962C8B-B14F-4D97-AF65-F5344CB8AC3E}">
-        <p14:creationId xmlns:p14="http://schemas.microsoft.com/office/powerpoint/2010/main" val="796587402"/>
+        <p14:creationId xmlns:p14="http://schemas.microsoft.com/office/powerpoint/2010/main" val="2744382727"/>
       </p:ext>
     </p:extLst>
   </p:cSld>
@@ -11372,9 +11408,172 @@
   <p:timing>
     <p:tnLst>
       <p:par>
-        <p:cTn id="1" dur="indefinite" restart="never" nodeType="tmRoot"/>
+        <p:cTn id="1" dur="indefinite" restart="never" nodeType="tmRoot">
+          <p:childTnLst>
+            <p:seq concurrent="1" nextAc="seek">
+              <p:cTn id="2" dur="indefinite" nodeType="mainSeq">
+                <p:childTnLst>
+                  <p:par>
+                    <p:cTn id="3" fill="hold">
+                      <p:stCondLst>
+                        <p:cond delay="indefinite"/>
+                      </p:stCondLst>
+                      <p:childTnLst>
+                        <p:par>
+                          <p:cTn id="4" fill="hold">
+                            <p:stCondLst>
+                              <p:cond delay="0"/>
+                            </p:stCondLst>
+                            <p:childTnLst>
+                              <p:par>
+                                <p:cTn id="5" presetID="1" presetClass="entr" presetSubtype="0" fill="hold" grpId="0" nodeType="clickEffect">
+                                  <p:stCondLst>
+                                    <p:cond delay="0"/>
+                                  </p:stCondLst>
+                                  <p:childTnLst>
+                                    <p:set>
+                                      <p:cBhvr>
+                                        <p:cTn id="6" dur="1" fill="hold">
+                                          <p:stCondLst>
+                                            <p:cond delay="0"/>
+                                          </p:stCondLst>
+                                        </p:cTn>
+                                        <p:tgtEl>
+                                          <p:spTgt spid="6"/>
+                                        </p:tgtEl>
+                                        <p:attrNameLst>
+                                          <p:attrName>style.visibility</p:attrName>
+                                        </p:attrNameLst>
+                                      </p:cBhvr>
+                                      <p:to>
+                                        <p:strVal val="visible"/>
+                                      </p:to>
+                                    </p:set>
+                                  </p:childTnLst>
+                                </p:cTn>
+                              </p:par>
+                            </p:childTnLst>
+                          </p:cTn>
+                        </p:par>
+                      </p:childTnLst>
+                    </p:cTn>
+                  </p:par>
+                  <p:par>
+                    <p:cTn id="7" fill="hold">
+                      <p:stCondLst>
+                        <p:cond delay="indefinite"/>
+                      </p:stCondLst>
+                      <p:childTnLst>
+                        <p:par>
+                          <p:cTn id="8" fill="hold">
+                            <p:stCondLst>
+                              <p:cond delay="0"/>
+                            </p:stCondLst>
+                            <p:childTnLst>
+                              <p:par>
+                                <p:cTn id="9" presetID="1" presetClass="entr" presetSubtype="0" fill="hold" grpId="0" nodeType="clickEffect">
+                                  <p:stCondLst>
+                                    <p:cond delay="0"/>
+                                  </p:stCondLst>
+                                  <p:childTnLst>
+                                    <p:set>
+                                      <p:cBhvr>
+                                        <p:cTn id="10" dur="1" fill="hold">
+                                          <p:stCondLst>
+                                            <p:cond delay="0"/>
+                                          </p:stCondLst>
+                                        </p:cTn>
+                                        <p:tgtEl>
+                                          <p:spTgt spid="7"/>
+                                        </p:tgtEl>
+                                        <p:attrNameLst>
+                                          <p:attrName>style.visibility</p:attrName>
+                                        </p:attrNameLst>
+                                      </p:cBhvr>
+                                      <p:to>
+                                        <p:strVal val="visible"/>
+                                      </p:to>
+                                    </p:set>
+                                  </p:childTnLst>
+                                </p:cTn>
+                              </p:par>
+                            </p:childTnLst>
+                          </p:cTn>
+                        </p:par>
+                      </p:childTnLst>
+                    </p:cTn>
+                  </p:par>
+                  <p:par>
+                    <p:cTn id="11" fill="hold">
+                      <p:stCondLst>
+                        <p:cond delay="indefinite"/>
+                      </p:stCondLst>
+                      <p:childTnLst>
+                        <p:par>
+                          <p:cTn id="12" fill="hold">
+                            <p:stCondLst>
+                              <p:cond delay="0"/>
+                            </p:stCondLst>
+                            <p:childTnLst>
+                              <p:par>
+                                <p:cTn id="13" presetID="1" presetClass="entr" presetSubtype="0" fill="hold" grpId="0" nodeType="clickEffect">
+                                  <p:stCondLst>
+                                    <p:cond delay="0"/>
+                                  </p:stCondLst>
+                                  <p:childTnLst>
+                                    <p:set>
+                                      <p:cBhvr>
+                                        <p:cTn id="14" dur="1" fill="hold">
+                                          <p:stCondLst>
+                                            <p:cond delay="0"/>
+                                          </p:stCondLst>
+                                        </p:cTn>
+                                        <p:tgtEl>
+                                          <p:spTgt spid="4"/>
+                                        </p:tgtEl>
+                                        <p:attrNameLst>
+                                          <p:attrName>style.visibility</p:attrName>
+                                        </p:attrNameLst>
+                                      </p:cBhvr>
+                                      <p:to>
+                                        <p:strVal val="visible"/>
+                                      </p:to>
+                                    </p:set>
+                                  </p:childTnLst>
+                                </p:cTn>
+                              </p:par>
+                            </p:childTnLst>
+                          </p:cTn>
+                        </p:par>
+                      </p:childTnLst>
+                    </p:cTn>
+                  </p:par>
+                </p:childTnLst>
+              </p:cTn>
+              <p:prevCondLst>
+                <p:cond evt="onPrev" delay="0">
+                  <p:tgtEl>
+                    <p:sldTgt/>
+                  </p:tgtEl>
+                </p:cond>
+              </p:prevCondLst>
+              <p:nextCondLst>
+                <p:cond evt="onNext" delay="0">
+                  <p:tgtEl>
+                    <p:sldTgt/>
+                  </p:tgtEl>
+                </p:cond>
+              </p:nextCondLst>
+            </p:seq>
+          </p:childTnLst>
+        </p:cTn>
       </p:par>
     </p:tnLst>
+    <p:bldLst>
+      <p:bldP spid="4" grpId="0"/>
+      <p:bldP spid="6" grpId="0"/>
+      <p:bldP spid="7" grpId="0"/>
+    </p:bldLst>
   </p:timing>
 </p:sld>
 </file>
@@ -11406,197 +11605,25 @@
             <p:ph type="title"/>
           </p:nvPr>
         </p:nvSpPr>
-        <p:spPr>
-          <a:xfrm>
-            <a:off x="1261872" y="269457"/>
-            <a:ext cx="10467113" cy="1262743"/>
-          </a:xfrm>
-        </p:spPr>
+        <p:spPr/>
         <p:txBody>
           <a:bodyPr>
-            <a:noAutofit/>
+            <a:normAutofit/>
           </a:bodyPr>
           <a:lstStyle/>
           <a:p>
             <a:r>
               <a:rPr lang="en-US" sz="7200" dirty="0" smtClean="0"/>
-              <a:t>Resources</a:t>
+              <a:t>Thank You!</a:t>
             </a:r>
             <a:endParaRPr lang="en-US" sz="7200" dirty="0"/>
-          </a:p>
-        </p:txBody>
-      </p:sp>
-      <p:sp>
-        <p:nvSpPr>
-          <p:cNvPr id="3" name="Rectangle 2"/>
-          <p:cNvSpPr/>
-          <p:nvPr/>
-        </p:nvSpPr>
-        <p:spPr>
-          <a:xfrm>
-            <a:off x="140678" y="1836400"/>
-            <a:ext cx="12004431" cy="3693319"/>
-          </a:xfrm>
-          <a:prstGeom prst="rect">
-            <a:avLst/>
-          </a:prstGeom>
-        </p:spPr>
-        <p:txBody>
-          <a:bodyPr wrap="square">
-            <a:spAutoFit/>
-          </a:bodyPr>
-          <a:lstStyle/>
-          <a:p>
-            <a:r>
-              <a:rPr lang="en-US" dirty="0"/>
-              <a:t>Replication</a:t>
-            </a:r>
-          </a:p>
-          <a:p>
-            <a:r>
-              <a:rPr lang="en-US" dirty="0"/>
-              <a:t>    </a:t>
-            </a:r>
-            <a:r>
-              <a:rPr lang="en-US" dirty="0">
-                <a:hlinkClick r:id="rId3"/>
-              </a:rPr>
-              <a:t>https://www.slideshare.net/Stripe_talks/mongo-db-oplog</a:t>
-            </a:r>
-            <a:endParaRPr lang="en-US" dirty="0"/>
-          </a:p>
-          <a:p>
-            <a:r>
-              <a:rPr lang="en-US" dirty="0"/>
-              <a:t>    </a:t>
-            </a:r>
-            <a:r>
-              <a:rPr lang="en-US" dirty="0">
-                <a:hlinkClick r:id="rId4"/>
-              </a:rPr>
-              <a:t>https://www.compose.com/articles/the-mongodb-oplog-and-node-js/</a:t>
-            </a:r>
-            <a:endParaRPr lang="en-US" dirty="0"/>
-          </a:p>
-          <a:p>
-            <a:r>
-              <a:rPr lang="en-US" dirty="0"/>
-              <a:t>    </a:t>
-            </a:r>
-            <a:r>
-              <a:rPr lang="en-US" dirty="0">
-                <a:hlinkClick r:id="rId5"/>
-              </a:rPr>
-              <a:t>https://stackoverflow.com/questions/17878835/what-does-the-h-in-oplog-rs-document-stand-for</a:t>
-            </a:r>
-            <a:endParaRPr lang="en-US" dirty="0"/>
-          </a:p>
-          <a:p>
-            <a:r>
-              <a:rPr lang="en-US" dirty="0"/>
-              <a:t>    </a:t>
-            </a:r>
-            <a:r>
-              <a:rPr lang="en-US" dirty="0">
-                <a:hlinkClick r:id="rId6"/>
-              </a:rPr>
-              <a:t>https://stackoverflow.com/questions/26935419/what-do-the-oplog-fields-actually-mean</a:t>
-            </a:r>
-            <a:endParaRPr lang="en-US" dirty="0"/>
-          </a:p>
-          <a:p>
-            <a:endParaRPr lang="en-US" dirty="0"/>
-          </a:p>
-          <a:p>
-            <a:r>
-              <a:rPr lang="en-US" dirty="0"/>
-              <a:t>Event-Driven-Architecture</a:t>
-            </a:r>
-          </a:p>
-          <a:p>
-            <a:r>
-              <a:rPr lang="en-US" dirty="0"/>
-              <a:t>    </a:t>
-            </a:r>
-            <a:r>
-              <a:rPr lang="en-US" dirty="0">
-                <a:hlinkClick r:id="rId7"/>
-              </a:rPr>
-              <a:t>https://www.nginx.com/blog/event-driven-data-management-microservices/</a:t>
-            </a:r>
-            <a:endParaRPr lang="en-US" dirty="0"/>
-          </a:p>
-          <a:p>
-            <a:r>
-              <a:rPr lang="en-US" dirty="0"/>
-              <a:t>    </a:t>
-            </a:r>
-            <a:r>
-              <a:rPr lang="en-US" dirty="0">
-                <a:hlinkClick r:id="rId8"/>
-              </a:rPr>
-              <a:t>https://microservices.io/</a:t>
-            </a:r>
-            <a:endParaRPr lang="en-US" dirty="0"/>
-          </a:p>
-          <a:p>
-            <a:r>
-              <a:rPr lang="en-US" dirty="0"/>
-              <a:t>    </a:t>
-            </a:r>
-            <a:r>
-              <a:rPr lang="en-US" dirty="0">
-                <a:hlinkClick r:id="rId9"/>
-              </a:rPr>
-              <a:t>https://</a:t>
-            </a:r>
-            <a:r>
-              <a:rPr lang="en-US" dirty="0">
-                <a:solidFill>
-                  <a:schemeClr val="accent3"/>
-                </a:solidFill>
-                <a:hlinkClick r:id="rId9"/>
-              </a:rPr>
-              <a:t>skillsmatter.com/skillscasts/12115-keynote-not-just-events-developing-asynchronous-microservices</a:t>
-            </a:r>
-            <a:endParaRPr lang="en-US" dirty="0">
-              <a:solidFill>
-                <a:schemeClr val="accent3"/>
-              </a:solidFill>
-            </a:endParaRPr>
-          </a:p>
-          <a:p>
-            <a:endParaRPr lang="en-US" dirty="0">
-              <a:solidFill>
-                <a:srgbClr val="92D050"/>
-              </a:solidFill>
-            </a:endParaRPr>
-          </a:p>
-          <a:p>
-            <a:r>
-              <a:rPr lang="en-US" dirty="0"/>
-              <a:t>Domain model</a:t>
-            </a:r>
-          </a:p>
-          <a:p>
-            <a:r>
-              <a:rPr lang="en-US" dirty="0"/>
-              <a:t>    </a:t>
-            </a:r>
-            <a:r>
-              <a:rPr lang="en-US" dirty="0">
-                <a:hlinkClick r:id="rId10"/>
-              </a:rPr>
-              <a:t>http://dddcommunity.org/library/vernon_2011/</a:t>
-            </a:r>
-            <a:endParaRPr lang="en-US" dirty="0"/>
           </a:p>
         </p:txBody>
       </p:sp>
     </p:spTree>
     <p:extLst>
       <p:ext uri="{BB962C8B-B14F-4D97-AF65-F5344CB8AC3E}">
-        <p14:creationId xmlns:p14="http://schemas.microsoft.com/office/powerpoint/2010/main" val="2548005871"/>
+        <p14:creationId xmlns:p14="http://schemas.microsoft.com/office/powerpoint/2010/main" val="3439253476"/>
       </p:ext>
     </p:extLst>
   </p:cSld>
@@ -11614,68 +11641,6 @@
 </file>
 
 <file path=ppt/slides/slide22.xml><?xml version="1.0" encoding="utf-8"?>
-<p:sld xmlns:a="http://schemas.openxmlformats.org/drawingml/2006/main" xmlns:r="http://schemas.openxmlformats.org/officeDocument/2006/relationships" xmlns:p="http://schemas.openxmlformats.org/presentationml/2006/main">
-  <p:cSld>
-    <p:spTree>
-      <p:nvGrpSpPr>
-        <p:cNvPr id="1" name=""/>
-        <p:cNvGrpSpPr/>
-        <p:nvPr/>
-      </p:nvGrpSpPr>
-      <p:grpSpPr>
-        <a:xfrm>
-          <a:off x="0" y="0"/>
-          <a:ext cx="0" cy="0"/>
-          <a:chOff x="0" y="0"/>
-          <a:chExt cx="0" cy="0"/>
-        </a:xfrm>
-      </p:grpSpPr>
-      <p:sp>
-        <p:nvSpPr>
-          <p:cNvPr id="2" name="Title 1"/>
-          <p:cNvSpPr>
-            <a:spLocks noGrp="1"/>
-          </p:cNvSpPr>
-          <p:nvPr>
-            <p:ph type="title"/>
-          </p:nvPr>
-        </p:nvSpPr>
-        <p:spPr/>
-        <p:txBody>
-          <a:bodyPr>
-            <a:normAutofit/>
-          </a:bodyPr>
-          <a:lstStyle/>
-          <a:p>
-            <a:r>
-              <a:rPr lang="en-US" sz="7200" dirty="0" smtClean="0"/>
-              <a:t>Thank You!</a:t>
-            </a:r>
-            <a:endParaRPr lang="en-US" sz="7200" dirty="0"/>
-          </a:p>
-        </p:txBody>
-      </p:sp>
-    </p:spTree>
-    <p:extLst>
-      <p:ext uri="{BB962C8B-B14F-4D97-AF65-F5344CB8AC3E}">
-        <p14:creationId xmlns:p14="http://schemas.microsoft.com/office/powerpoint/2010/main" val="2744382727"/>
-      </p:ext>
-    </p:extLst>
-  </p:cSld>
-  <p:clrMapOvr>
-    <a:masterClrMapping/>
-  </p:clrMapOvr>
-  <p:timing>
-    <p:tnLst>
-      <p:par>
-        <p:cTn id="1" dur="indefinite" restart="never" nodeType="tmRoot"/>
-      </p:par>
-    </p:tnLst>
-  </p:timing>
-</p:sld>
-</file>
-
-<file path=ppt/slides/slide23.xml><?xml version="1.0" encoding="utf-8"?>
 <p:sld xmlns:a="http://schemas.openxmlformats.org/drawingml/2006/main" xmlns:r="http://schemas.openxmlformats.org/officeDocument/2006/relationships" xmlns:p="http://schemas.openxmlformats.org/presentationml/2006/main">
   <p:cSld>
     <p:spTree>

--- a/t18-event-mongodb.pptx
+++ b/t18-event-mongodb.pptx
@@ -5,10 +5,10 @@
     <p:sldMasterId id="2147483668" r:id="rId1"/>
   </p:sldMasterIdLst>
   <p:notesMasterIdLst>
-    <p:notesMasterId r:id="rId24"/>
+    <p:notesMasterId r:id="rId25"/>
   </p:notesMasterIdLst>
   <p:handoutMasterIdLst>
-    <p:handoutMasterId r:id="rId25"/>
+    <p:handoutMasterId r:id="rId26"/>
   </p:handoutMasterIdLst>
   <p:sldIdLst>
     <p:sldId id="274" r:id="rId2"/>
@@ -29,10 +29,11 @@
     <p:sldId id="272" r:id="rId17"/>
     <p:sldId id="273" r:id="rId18"/>
     <p:sldId id="265" r:id="rId19"/>
-    <p:sldId id="278" r:id="rId20"/>
-    <p:sldId id="279" r:id="rId21"/>
+    <p:sldId id="279" r:id="rId20"/>
+    <p:sldId id="278" r:id="rId21"/>
     <p:sldId id="281" r:id="rId22"/>
-    <p:sldId id="280" r:id="rId23"/>
+    <p:sldId id="282" r:id="rId23"/>
+    <p:sldId id="280" r:id="rId24"/>
   </p:sldIdLst>
   <p:sldSz cx="12192000" cy="6858000"/>
   <p:notesSz cx="6858000" cy="9144000"/>
@@ -224,7 +225,7 @@
           <a:p>
             <a:fld id="{17E652B7-3AE9-4B68-8899-8042A7E05A17}" type="datetimeFigureOut">
               <a:rPr lang="en-US" smtClean="0"/>
-              <a:t>12/5/2018</a:t>
+              <a:t>12/6/2018</a:t>
             </a:fld>
             <a:endParaRPr lang="en-US"/>
           </a:p>
@@ -389,7 +390,7 @@
           <a:p>
             <a:fld id="{E6B37F5D-8EED-4947-BE1B-6329FDDEF37E}" type="datetimeFigureOut">
               <a:rPr lang="en-US" smtClean="0"/>
-              <a:t>12/5/2018</a:t>
+              <a:t>12/6/2018</a:t>
             </a:fld>
             <a:endParaRPr lang="en-US"/>
           </a:p>
@@ -939,7 +940,7 @@
           <a:p>
             <a:fld id="{6D679973-E0F4-4AD1-8DEC-9AEE404E80A0}" type="slidenum">
               <a:rPr lang="en-US" smtClean="0"/>
-              <a:t>19</a:t>
+              <a:t>20</a:t>
             </a:fld>
             <a:endParaRPr lang="en-US"/>
           </a:p>
@@ -1023,7 +1024,7 @@
           <a:p>
             <a:fld id="{6D679973-E0F4-4AD1-8DEC-9AEE404E80A0}" type="slidenum">
               <a:rPr lang="en-US" smtClean="0"/>
-              <a:t>22</a:t>
+              <a:t>23</a:t>
             </a:fld>
             <a:endParaRPr lang="en-US"/>
           </a:p>
@@ -1571,21 +1572,20 @@
           <a:p>
             <a:r>
               <a:rPr lang="en-US" dirty="0" smtClean="0"/>
-              <a:t>A</a:t>
-            </a:r>
+              <a:t>What to do with No-SQL?</a:t>
+            </a:r>
+          </a:p>
+          <a:p>
+            <a:endParaRPr lang="en-US" baseline="0" dirty="0" smtClean="0"/>
+          </a:p>
+          <a:p>
             <a:r>
               <a:rPr lang="en-US" baseline="0" dirty="0" smtClean="0"/>
-              <a:t>ll ACID SQL DB engines</a:t>
+              <a:t>Searching conferences/talking to people. Not right-away obvious.</a:t>
             </a:r>
           </a:p>
           <a:p>
             <a:endParaRPr lang="en-US" baseline="0" dirty="0" smtClean="0"/>
-          </a:p>
-          <a:p>
-            <a:r>
-              <a:rPr lang="en-US" baseline="0" dirty="0" smtClean="0"/>
-              <a:t>Some No-SQL DB engines</a:t>
-            </a:r>
           </a:p>
           <a:p>
             <a:endParaRPr lang="en-US" dirty="0"/>
@@ -2205,7 +2205,7 @@
             <a:fld id="{B61BEF0D-F0BB-DE4B-95CE-6DB70DBA9567}" type="datetimeFigureOut">
               <a:rPr lang="en-US" smtClean="0"/>
               <a:pPr/>
-              <a:t>12/5/2018</a:t>
+              <a:t>12/6/2018</a:t>
             </a:fld>
             <a:endParaRPr lang="en-US" dirty="0"/>
           </a:p>
@@ -2505,7 +2505,7 @@
             <a:fld id="{B61BEF0D-F0BB-DE4B-95CE-6DB70DBA9567}" type="datetimeFigureOut">
               <a:rPr lang="en-US" smtClean="0"/>
               <a:pPr/>
-              <a:t>12/5/2018</a:t>
+              <a:t>12/6/2018</a:t>
             </a:fld>
             <a:endParaRPr lang="en-US" dirty="0"/>
           </a:p>
@@ -2766,7 +2766,7 @@
             <a:fld id="{B61BEF0D-F0BB-DE4B-95CE-6DB70DBA9567}" type="datetimeFigureOut">
               <a:rPr lang="en-US" smtClean="0"/>
               <a:pPr/>
-              <a:t>12/5/2018</a:t>
+              <a:t>12/6/2018</a:t>
             </a:fld>
             <a:endParaRPr lang="en-US" dirty="0"/>
           </a:p>
@@ -3237,7 +3237,7 @@
             <a:fld id="{B61BEF0D-F0BB-DE4B-95CE-6DB70DBA9567}" type="datetimeFigureOut">
               <a:rPr lang="en-US" smtClean="0"/>
               <a:pPr/>
-              <a:t>12/5/2018</a:t>
+              <a:t>12/6/2018</a:t>
             </a:fld>
             <a:endParaRPr lang="en-US" dirty="0"/>
           </a:p>
@@ -3419,7 +3419,7 @@
             <a:fld id="{B61BEF0D-F0BB-DE4B-95CE-6DB70DBA9567}" type="datetimeFigureOut">
               <a:rPr lang="en-US" smtClean="0"/>
               <a:pPr/>
-              <a:t>12/5/2018</a:t>
+              <a:t>12/6/2018</a:t>
             </a:fld>
             <a:endParaRPr lang="en-US" dirty="0"/>
           </a:p>
@@ -3997,7 +3997,7 @@
             <a:fld id="{B61BEF0D-F0BB-DE4B-95CE-6DB70DBA9567}" type="datetimeFigureOut">
               <a:rPr lang="en-US" smtClean="0"/>
               <a:pPr/>
-              <a:t>12/5/2018</a:t>
+              <a:t>12/6/2018</a:t>
             </a:fld>
             <a:endParaRPr lang="en-US" dirty="0"/>
           </a:p>
@@ -4331,7 +4331,7 @@
             <a:fld id="{B61BEF0D-F0BB-DE4B-95CE-6DB70DBA9567}" type="datetimeFigureOut">
               <a:rPr lang="en-US" smtClean="0"/>
               <a:pPr/>
-              <a:t>12/5/2018</a:t>
+              <a:t>12/6/2018</a:t>
             </a:fld>
             <a:endParaRPr lang="en-US" dirty="0"/>
           </a:p>
@@ -4508,7 +4508,7 @@
             <a:fld id="{B61BEF0D-F0BB-DE4B-95CE-6DB70DBA9567}" type="datetimeFigureOut">
               <a:rPr lang="en-US" smtClean="0"/>
               <a:pPr/>
-              <a:t>12/5/2018</a:t>
+              <a:t>12/6/2018</a:t>
             </a:fld>
             <a:endParaRPr lang="en-US" dirty="0"/>
           </a:p>
@@ -4690,7 +4690,7 @@
             <a:fld id="{B61BEF0D-F0BB-DE4B-95CE-6DB70DBA9567}" type="datetimeFigureOut">
               <a:rPr lang="en-US" smtClean="0"/>
               <a:pPr/>
-              <a:t>12/5/2018</a:t>
+              <a:t>12/6/2018</a:t>
             </a:fld>
             <a:endParaRPr lang="en-US" dirty="0"/>
           </a:p>
@@ -4862,7 +4862,7 @@
             <a:fld id="{B61BEF0D-F0BB-DE4B-95CE-6DB70DBA9567}" type="datetimeFigureOut">
               <a:rPr lang="en-US" smtClean="0"/>
               <a:pPr/>
-              <a:t>12/5/2018</a:t>
+              <a:t>12/6/2018</a:t>
             </a:fld>
             <a:endParaRPr lang="en-US" dirty="0"/>
           </a:p>
@@ -5128,7 +5128,7 @@
             <a:fld id="{B61BEF0D-F0BB-DE4B-95CE-6DB70DBA9567}" type="datetimeFigureOut">
               <a:rPr lang="en-US" smtClean="0"/>
               <a:pPr/>
-              <a:t>12/5/2018</a:t>
+              <a:t>12/6/2018</a:t>
             </a:fld>
             <a:endParaRPr lang="en-US" dirty="0"/>
           </a:p>
@@ -5429,7 +5429,7 @@
             <a:fld id="{B61BEF0D-F0BB-DE4B-95CE-6DB70DBA9567}" type="datetimeFigureOut">
               <a:rPr lang="en-US" smtClean="0"/>
               <a:pPr/>
-              <a:t>12/5/2018</a:t>
+              <a:t>12/6/2018</a:t>
             </a:fld>
             <a:endParaRPr lang="en-US" dirty="0"/>
           </a:p>
@@ -5861,7 +5861,7 @@
             <a:fld id="{B61BEF0D-F0BB-DE4B-95CE-6DB70DBA9567}" type="datetimeFigureOut">
               <a:rPr lang="en-US" smtClean="0"/>
               <a:pPr/>
-              <a:t>12/5/2018</a:t>
+              <a:t>12/6/2018</a:t>
             </a:fld>
             <a:endParaRPr lang="en-US" dirty="0"/>
           </a:p>
@@ -5981,7 +5981,7 @@
             <a:fld id="{B61BEF0D-F0BB-DE4B-95CE-6DB70DBA9567}" type="datetimeFigureOut">
               <a:rPr lang="en-US" smtClean="0"/>
               <a:pPr/>
-              <a:t>12/5/2018</a:t>
+              <a:t>12/6/2018</a:t>
             </a:fld>
             <a:endParaRPr lang="en-US" dirty="0"/>
           </a:p>
@@ -6085,7 +6085,7 @@
             <a:fld id="{B61BEF0D-F0BB-DE4B-95CE-6DB70DBA9567}" type="datetimeFigureOut">
               <a:rPr lang="en-US" smtClean="0"/>
               <a:pPr/>
-              <a:t>12/5/2018</a:t>
+              <a:t>12/6/2018</a:t>
             </a:fld>
             <a:endParaRPr lang="en-US" dirty="0"/>
           </a:p>
@@ -6370,7 +6370,7 @@
             <a:fld id="{B61BEF0D-F0BB-DE4B-95CE-6DB70DBA9567}" type="datetimeFigureOut">
               <a:rPr lang="en-US" smtClean="0"/>
               <a:pPr/>
-              <a:t>12/5/2018</a:t>
+              <a:t>12/6/2018</a:t>
             </a:fld>
             <a:endParaRPr lang="en-US" dirty="0"/>
           </a:p>
@@ -6663,7 +6663,7 @@
             <a:fld id="{B61BEF0D-F0BB-DE4B-95CE-6DB70DBA9567}" type="datetimeFigureOut">
               <a:rPr lang="en-US" smtClean="0"/>
               <a:pPr/>
-              <a:t>12/5/2018</a:t>
+              <a:t>12/6/2018</a:t>
             </a:fld>
             <a:endParaRPr lang="en-US" dirty="0"/>
           </a:p>
@@ -6896,7 +6896,7 @@
             <a:fld id="{B61BEF0D-F0BB-DE4B-95CE-6DB70DBA9567}" type="datetimeFigureOut">
               <a:rPr lang="en-US" smtClean="0"/>
               <a:pPr/>
-              <a:t>12/5/2018</a:t>
+              <a:t>12/6/2018</a:t>
             </a:fld>
             <a:endParaRPr lang="en-US" dirty="0"/>
           </a:p>
@@ -7658,8 +7658,8 @@
         </p:blipFill>
         <p:spPr>
           <a:xfrm>
-            <a:off x="1698762" y="517672"/>
-            <a:ext cx="2857500" cy="2857500"/>
+            <a:off x="1308758" y="272636"/>
+            <a:ext cx="3827222" cy="3827222"/>
           </a:xfrm>
           <a:prstGeom prst="rect">
             <a:avLst/>
@@ -7974,15 +7974,7 @@
           <a:p>
             <a:r>
               <a:rPr lang="en-US" sz="3200" dirty="0" smtClean="0"/>
-              <a:t>• MongoDB 3.6 </a:t>
-            </a:r>
-            <a:r>
-              <a:rPr lang="en-US" sz="3200" dirty="0" smtClean="0"/>
-              <a:t>change </a:t>
-            </a:r>
-            <a:r>
-              <a:rPr lang="en-US" sz="3200" dirty="0" smtClean="0"/>
-              <a:t>Streams just released</a:t>
+              <a:t>• MongoDB 3.6 change Streams just released</a:t>
             </a:r>
             <a:endParaRPr lang="en-US" sz="3200" dirty="0"/>
           </a:p>
@@ -8012,11 +8004,7 @@
           <a:p>
             <a:r>
               <a:rPr lang="en-US" sz="3200" dirty="0" smtClean="0"/>
-              <a:t>• MongoDB </a:t>
-            </a:r>
-            <a:r>
-              <a:rPr lang="en-US" sz="3200" dirty="0" smtClean="0"/>
-              <a:t>3.4</a:t>
+              <a:t>• MongoDB 3.4</a:t>
             </a:r>
             <a:endParaRPr lang="en-US" sz="3200" dirty="0"/>
           </a:p>
@@ -8364,7 +8352,7 @@
         </p:nvSpPr>
         <p:spPr>
           <a:xfrm>
-            <a:off x="582603" y="272151"/>
+            <a:off x="1249920" y="279382"/>
             <a:ext cx="10467113" cy="1262743"/>
           </a:xfrm>
         </p:spPr>
@@ -8394,7 +8382,7 @@
         <p:spPr>
           <a:xfrm>
             <a:off x="1999446" y="4440968"/>
-            <a:ext cx="6579045" cy="461665"/>
+            <a:ext cx="8715848" cy="584775"/>
           </a:xfrm>
           <a:prstGeom prst="rect">
             <a:avLst/>
@@ -8408,11 +8396,11 @@
           <a:lstStyle/>
           <a:p>
             <a:r>
-              <a:rPr lang="en-US" sz="2400" dirty="0" smtClean="0"/>
+              <a:rPr lang="en-US" sz="3200" dirty="0" smtClean="0"/>
               <a:t>• More efforts to implement </a:t>
             </a:r>
             <a:r>
-              <a:rPr lang="en-US" sz="2400" dirty="0" smtClean="0">
+              <a:rPr lang="en-US" sz="3200" dirty="0" smtClean="0">
                 <a:solidFill>
                   <a:srgbClr val="FFFF00"/>
                 </a:solidFill>
@@ -8420,14 +8408,14 @@
               <a:t>{ </a:t>
             </a:r>
             <a:r>
-              <a:rPr lang="en-US" sz="2400" dirty="0">
+              <a:rPr lang="en-US" sz="3200" dirty="0">
                 <a:solidFill>
                   <a:srgbClr val="FFFF00"/>
                 </a:solidFill>
               </a:rPr>
               <a:t>w: "majority" }</a:t>
             </a:r>
-            <a:endParaRPr lang="en-US" sz="2400" dirty="0"/>
+            <a:endParaRPr lang="en-US" sz="3200" dirty="0"/>
           </a:p>
         </p:txBody>
       </p:sp>
@@ -8440,7 +8428,7 @@
         <p:spPr>
           <a:xfrm>
             <a:off x="1999446" y="2298620"/>
-            <a:ext cx="5897127" cy="461665"/>
+            <a:ext cx="8954695" cy="584775"/>
           </a:xfrm>
           <a:prstGeom prst="rect">
             <a:avLst/>
@@ -8454,10 +8442,10 @@
           <a:lstStyle/>
           <a:p>
             <a:r>
-              <a:rPr lang="en-US" sz="2400" dirty="0" smtClean="0"/>
+              <a:rPr lang="en-US" sz="3200" dirty="0" smtClean="0"/>
               <a:t>• Proven, reliable, widely used in production</a:t>
             </a:r>
-            <a:endParaRPr lang="en-US" sz="2400" dirty="0"/>
+            <a:endParaRPr lang="en-US" sz="3200" dirty="0"/>
           </a:p>
         </p:txBody>
       </p:sp>
@@ -8470,7 +8458,7 @@
         <p:spPr>
           <a:xfrm>
             <a:off x="1999446" y="2760285"/>
-            <a:ext cx="5030544" cy="461665"/>
+            <a:ext cx="6652783" cy="584775"/>
           </a:xfrm>
           <a:prstGeom prst="rect">
             <a:avLst/>
@@ -8484,15 +8472,11 @@
           <a:lstStyle/>
           <a:p>
             <a:r>
-              <a:rPr lang="en-US" sz="2400" dirty="0" smtClean="0"/>
-              <a:t>• </a:t>
-            </a:r>
-            <a:r>
-              <a:rPr lang="en-US" sz="2400" dirty="0" smtClean="0"/>
-              <a:t>Emit event from Primary </a:t>
-            </a:r>
-            <a:r>
-              <a:rPr lang="en-US" sz="2400" dirty="0">
+              <a:rPr lang="en-US" sz="3200" dirty="0" smtClean="0"/>
+              <a:t>• Emit event from Primary </a:t>
+            </a:r>
+            <a:r>
+              <a:rPr lang="en-US" sz="3200" dirty="0">
                 <a:solidFill>
                   <a:srgbClr val="FFFF00"/>
                 </a:solidFill>
@@ -8500,7 +8484,7 @@
               <a:t>{ w: </a:t>
             </a:r>
             <a:r>
-              <a:rPr lang="en-US" sz="2400" dirty="0" smtClean="0">
+              <a:rPr lang="en-US" sz="3200" dirty="0" smtClean="0">
                 <a:solidFill>
                   <a:srgbClr val="FFFF00"/>
                 </a:solidFill>
@@ -8508,7 +8492,7 @@
               <a:t>1 </a:t>
             </a:r>
             <a:r>
-              <a:rPr lang="en-US" sz="2400" dirty="0">
+              <a:rPr lang="en-US" sz="3200" dirty="0">
                 <a:solidFill>
                   <a:srgbClr val="FFFF00"/>
                 </a:solidFill>
@@ -8527,7 +8511,7 @@
         <p:spPr>
           <a:xfrm>
             <a:off x="1261872" y="1836955"/>
-            <a:ext cx="782587" cy="461665"/>
+            <a:ext cx="979755" cy="584775"/>
           </a:xfrm>
           <a:prstGeom prst="rect">
             <a:avLst/>
@@ -8541,10 +8525,10 @@
           <a:lstStyle/>
           <a:p>
             <a:r>
-              <a:rPr lang="en-US" sz="2400" dirty="0" smtClean="0"/>
+              <a:rPr lang="en-US" sz="3200" dirty="0" smtClean="0"/>
               <a:t>Pros</a:t>
             </a:r>
-            <a:endParaRPr lang="en-US" sz="2400" dirty="0"/>
+            <a:endParaRPr lang="en-US" sz="3200" dirty="0"/>
           </a:p>
         </p:txBody>
       </p:sp>
@@ -8557,7 +8541,7 @@
         <p:spPr>
           <a:xfrm>
             <a:off x="1261872" y="3369794"/>
-            <a:ext cx="792205" cy="461665"/>
+            <a:ext cx="1196161" cy="584775"/>
           </a:xfrm>
           <a:prstGeom prst="rect">
             <a:avLst/>
@@ -8571,10 +8555,10 @@
           <a:lstStyle/>
           <a:p>
             <a:r>
-              <a:rPr lang="en-US" sz="2400" dirty="0" smtClean="0"/>
+              <a:rPr lang="en-US" sz="3200" dirty="0" smtClean="0"/>
               <a:t>Cons</a:t>
             </a:r>
-            <a:endParaRPr lang="en-US" sz="2400" dirty="0"/>
+            <a:endParaRPr lang="en-US" sz="3200" dirty="0"/>
           </a:p>
         </p:txBody>
       </p:sp>
@@ -8587,7 +8571,7 @@
         <p:spPr>
           <a:xfrm>
             <a:off x="1999446" y="3979303"/>
-            <a:ext cx="4493538" cy="461665"/>
+            <a:ext cx="5929828" cy="584775"/>
           </a:xfrm>
           <a:prstGeom prst="rect">
             <a:avLst/>
@@ -8601,10 +8585,10 @@
           <a:lstStyle/>
           <a:p>
             <a:r>
-              <a:rPr lang="en-US" sz="2400" dirty="0" smtClean="0"/>
+              <a:rPr lang="en-US" sz="3200" dirty="0" smtClean="0"/>
               <a:t>• Private undocumented API</a:t>
             </a:r>
-            <a:endParaRPr lang="en-US" sz="2400" dirty="0"/>
+            <a:endParaRPr lang="en-US" sz="3200" dirty="0"/>
           </a:p>
         </p:txBody>
       </p:sp>
@@ -8617,7 +8601,7 @@
         <p:spPr>
           <a:xfrm>
             <a:off x="1999446" y="4944042"/>
-            <a:ext cx="4873450" cy="461665"/>
+            <a:ext cx="6436377" cy="584775"/>
           </a:xfrm>
           <a:prstGeom prst="rect">
             <a:avLst/>
@@ -8631,11 +8615,11 @@
           <a:lstStyle/>
           <a:p>
             <a:r>
-              <a:rPr lang="en-US" sz="2400" dirty="0" smtClean="0"/>
+              <a:rPr lang="en-US" sz="3200" dirty="0" smtClean="0"/>
               <a:t>• </a:t>
             </a:r>
             <a:r>
-              <a:rPr lang="en-US" sz="2400" dirty="0" smtClean="0">
+              <a:rPr lang="en-US" sz="3200" dirty="0" smtClean="0">
                 <a:solidFill>
                   <a:srgbClr val="FFC000"/>
                 </a:solidFill>
@@ -8643,10 +8627,10 @@
               <a:t>Advised against</a:t>
             </a:r>
             <a:r>
-              <a:rPr lang="en-US" sz="2400" dirty="0" smtClean="0"/>
+              <a:rPr lang="en-US" sz="3200" dirty="0" smtClean="0"/>
               <a:t> by MongoDB</a:t>
             </a:r>
-            <a:endParaRPr lang="en-US" sz="2400" dirty="0"/>
+            <a:endParaRPr lang="en-US" sz="3200" dirty="0"/>
           </a:p>
         </p:txBody>
       </p:sp>
@@ -9283,11 +9267,7 @@
           <a:p>
             <a:r>
               <a:rPr lang="en-US" sz="3200" dirty="0" smtClean="0"/>
-              <a:t>• No way to </a:t>
-            </a:r>
-            <a:r>
-              <a:rPr lang="en-US" sz="3200" dirty="0" smtClean="0"/>
-              <a:t>emit from Primary </a:t>
+              <a:t>• No way to emit from Primary </a:t>
             </a:r>
             <a:r>
               <a:rPr lang="en-US" sz="3200" dirty="0">
@@ -9973,7 +9953,7 @@
         </p:nvSpPr>
         <p:spPr>
           <a:xfrm>
-            <a:off x="1261872" y="269457"/>
+            <a:off x="1040734" y="568280"/>
             <a:ext cx="10467113" cy="1262743"/>
           </a:xfrm>
         </p:spPr>
@@ -10003,8 +9983,8 @@
         </p:nvSpPr>
         <p:spPr>
           <a:xfrm>
-            <a:off x="1999446" y="3221950"/>
-            <a:ext cx="4231030" cy="461665"/>
+            <a:off x="1778308" y="3520773"/>
+            <a:ext cx="6381875" cy="584775"/>
           </a:xfrm>
           <a:prstGeom prst="rect">
             <a:avLst/>
@@ -10018,11 +9998,11 @@
           <a:lstStyle/>
           <a:p>
             <a:r>
-              <a:rPr lang="en-US" sz="2400" dirty="0" smtClean="0"/>
+              <a:rPr lang="en-US" sz="3200" dirty="0" smtClean="0"/>
               <a:t>• </a:t>
             </a:r>
             <a:r>
-              <a:rPr lang="en-US" sz="2400" dirty="0">
+              <a:rPr lang="en-US" sz="3200" dirty="0">
                 <a:solidFill>
                   <a:srgbClr val="FFFF00"/>
                 </a:solidFill>
@@ -10030,14 +10010,14 @@
               <a:t>{ w: "majority" }</a:t>
             </a:r>
             <a:r>
-              <a:rPr lang="en-US" sz="2400" dirty="0"/>
+              <a:rPr lang="en-US" sz="3200" dirty="0"/>
               <a:t> </a:t>
             </a:r>
             <a:r>
-              <a:rPr lang="en-US" sz="2400" dirty="0" smtClean="0"/>
+              <a:rPr lang="en-US" sz="3200" dirty="0" smtClean="0"/>
               <a:t>out of the box</a:t>
             </a:r>
-            <a:endParaRPr lang="en-US" sz="2400" dirty="0"/>
+            <a:endParaRPr lang="en-US" sz="3200" dirty="0"/>
           </a:p>
         </p:txBody>
       </p:sp>
@@ -10049,8 +10029,8 @@
         </p:nvSpPr>
         <p:spPr>
           <a:xfrm>
-            <a:off x="1999446" y="2298620"/>
-            <a:ext cx="7572922" cy="461665"/>
+            <a:off x="1778307" y="2597443"/>
+            <a:ext cx="9571001" cy="584775"/>
           </a:xfrm>
           <a:prstGeom prst="rect">
             <a:avLst/>
@@ -10064,7 +10044,7 @@
           <a:lstStyle/>
           <a:p>
             <a:r>
-              <a:rPr lang="en-US" sz="2400" dirty="0"/>
+              <a:rPr lang="en-US" sz="3200" dirty="0"/>
               <a:t>• Option to resume from a given Timestamp</a:t>
             </a:r>
           </a:p>
@@ -10078,8 +10058,8 @@
         </p:nvSpPr>
         <p:spPr>
           <a:xfrm>
-            <a:off x="1999446" y="2760285"/>
-            <a:ext cx="7637347" cy="461665"/>
+            <a:off x="1778308" y="3059108"/>
+            <a:ext cx="9361858" cy="584775"/>
           </a:xfrm>
           <a:prstGeom prst="rect">
             <a:avLst/>
@@ -10093,26 +10073,26 @@
           <a:lstStyle/>
           <a:p>
             <a:r>
-              <a:rPr lang="en-US" sz="2400" dirty="0" smtClean="0"/>
+              <a:rPr lang="en-US" sz="3200" dirty="0" smtClean="0"/>
               <a:t>• </a:t>
             </a:r>
             <a:r>
-              <a:rPr lang="en-US" sz="2400" dirty="0"/>
-              <a:t>Subscribe to changes from </a:t>
-            </a:r>
-            <a:r>
-              <a:rPr lang="en-US" sz="2400" dirty="0" smtClean="0"/>
+              <a:rPr lang="en-US" sz="3200" dirty="0"/>
+              <a:t>Subscribe to </a:t>
+            </a:r>
+            <a:r>
+              <a:rPr lang="en-US" sz="3200" dirty="0" smtClean="0"/>
               <a:t>database </a:t>
             </a:r>
             <a:r>
-              <a:rPr lang="en-US" sz="2400" dirty="0"/>
+              <a:rPr lang="en-US" sz="3200" dirty="0"/>
               <a:t>or entire </a:t>
             </a:r>
             <a:r>
-              <a:rPr lang="en-US" sz="2400" dirty="0" smtClean="0"/>
+              <a:rPr lang="en-US" sz="3200" dirty="0" smtClean="0"/>
               <a:t>deployment</a:t>
             </a:r>
-            <a:endParaRPr lang="en-US" sz="2400" dirty="0"/>
+            <a:endParaRPr lang="en-US" sz="3200" dirty="0"/>
           </a:p>
         </p:txBody>
       </p:sp>
@@ -10124,8 +10104,8 @@
         </p:nvSpPr>
         <p:spPr>
           <a:xfrm>
-            <a:off x="1261872" y="1836955"/>
-            <a:ext cx="782587" cy="461665"/>
+            <a:off x="1040734" y="2135778"/>
+            <a:ext cx="979755" cy="584775"/>
           </a:xfrm>
           <a:prstGeom prst="rect">
             <a:avLst/>
@@ -10139,10 +10119,10 @@
           <a:lstStyle/>
           <a:p>
             <a:r>
-              <a:rPr lang="en-US" sz="2400" dirty="0" smtClean="0"/>
+              <a:rPr lang="en-US" sz="3200" dirty="0" smtClean="0"/>
               <a:t>Pros</a:t>
             </a:r>
-            <a:endParaRPr lang="en-US" sz="2400" dirty="0"/>
+            <a:endParaRPr lang="en-US" sz="3200" dirty="0"/>
           </a:p>
         </p:txBody>
       </p:sp>
@@ -10154,8 +10134,8 @@
         </p:nvSpPr>
         <p:spPr>
           <a:xfrm>
-            <a:off x="1261872" y="4145280"/>
-            <a:ext cx="792205" cy="461665"/>
+            <a:off x="1040734" y="4444103"/>
+            <a:ext cx="1196161" cy="584775"/>
           </a:xfrm>
           <a:prstGeom prst="rect">
             <a:avLst/>
@@ -10169,10 +10149,10 @@
           <a:lstStyle/>
           <a:p>
             <a:r>
-              <a:rPr lang="en-US" sz="2400" dirty="0" smtClean="0"/>
+              <a:rPr lang="en-US" sz="3200" dirty="0" smtClean="0"/>
               <a:t>Cons</a:t>
             </a:r>
-            <a:endParaRPr lang="en-US" sz="2400" dirty="0"/>
+            <a:endParaRPr lang="en-US" sz="3200" dirty="0"/>
           </a:p>
         </p:txBody>
       </p:sp>
@@ -10184,8 +10164,8 @@
         </p:nvSpPr>
         <p:spPr>
           <a:xfrm>
-            <a:off x="1999445" y="4606945"/>
-            <a:ext cx="9147525" cy="461665"/>
+            <a:off x="1778307" y="4905768"/>
+            <a:ext cx="8590869" cy="584775"/>
           </a:xfrm>
           <a:prstGeom prst="rect">
             <a:avLst/>
@@ -10199,11 +10179,11 @@
           <a:lstStyle/>
           <a:p>
             <a:r>
-              <a:rPr lang="en-US" sz="2400" dirty="0" smtClean="0"/>
+              <a:rPr lang="en-US" sz="3200" dirty="0" smtClean="0"/>
               <a:t>• Only supports </a:t>
             </a:r>
             <a:r>
-              <a:rPr lang="en-US" sz="2400" dirty="0" smtClean="0">
+              <a:rPr lang="en-US" sz="3200" dirty="0" smtClean="0">
                 <a:solidFill>
                   <a:srgbClr val="FFFF00"/>
                 </a:solidFill>
@@ -10211,26 +10191,34 @@
               <a:t>{ w: "majority" }</a:t>
             </a:r>
             <a:r>
-              <a:rPr lang="en-US" sz="2400" dirty="0" smtClean="0"/>
-              <a:t>, no way to achieve </a:t>
-            </a:r>
-            <a:r>
-              <a:rPr lang="en-US" sz="2400" dirty="0">
+              <a:rPr lang="en-US" sz="3200" dirty="0" smtClean="0"/>
+              <a:t>, no </a:t>
+            </a:r>
+            <a:r>
+              <a:rPr lang="en-US" sz="3200" dirty="0" smtClean="0">
                 <a:solidFill>
                   <a:srgbClr val="FFFF00"/>
                 </a:solidFill>
               </a:rPr>
-              <a:t>{ w: </a:t>
-            </a:r>
-            <a:r>
-              <a:rPr lang="en-US" sz="2400" dirty="0" smtClean="0">
+              <a:t>{ </a:t>
+            </a:r>
+            <a:r>
+              <a:rPr lang="en-US" sz="3200" dirty="0">
+                <a:solidFill>
+                  <a:srgbClr val="FFFF00"/>
+                </a:solidFill>
+              </a:rPr>
+              <a:t>w: </a:t>
+            </a:r>
+            <a:r>
+              <a:rPr lang="en-US" sz="3200" dirty="0" smtClean="0">
                 <a:solidFill>
                   <a:srgbClr val="FFFF00"/>
                 </a:solidFill>
               </a:rPr>
               <a:t>1}</a:t>
             </a:r>
-            <a:endParaRPr lang="en-US" sz="2400" dirty="0">
+            <a:endParaRPr lang="en-US" sz="3200" dirty="0">
               <a:solidFill>
                 <a:srgbClr val="FFFF00"/>
               </a:solidFill>
@@ -10246,8 +10234,8 @@
         </p:nvSpPr>
         <p:spPr>
           <a:xfrm>
-            <a:off x="1999446" y="3683615"/>
-            <a:ext cx="3980257" cy="461665"/>
+            <a:off x="1778308" y="3982438"/>
+            <a:ext cx="6420347" cy="584775"/>
           </a:xfrm>
           <a:prstGeom prst="rect">
             <a:avLst/>
@@ -10261,11 +10249,11 @@
           <a:lstStyle/>
           <a:p>
             <a:r>
-              <a:rPr lang="en-US" sz="2400" dirty="0" smtClean="0"/>
+              <a:rPr lang="en-US" sz="3200" dirty="0" smtClean="0"/>
               <a:t>• </a:t>
             </a:r>
             <a:r>
-              <a:rPr lang="en-US" sz="2400" dirty="0" smtClean="0">
+              <a:rPr lang="en-US" sz="3200" dirty="0" smtClean="0">
                 <a:solidFill>
                   <a:srgbClr val="92D050"/>
                 </a:solidFill>
@@ -10273,10 +10261,10 @@
               <a:t>Recommended</a:t>
             </a:r>
             <a:r>
-              <a:rPr lang="en-US" sz="2400" dirty="0" smtClean="0"/>
+              <a:rPr lang="en-US" sz="3200" dirty="0" smtClean="0"/>
               <a:t> by MongoDB</a:t>
             </a:r>
-            <a:endParaRPr lang="en-US" sz="2400" dirty="0"/>
+            <a:endParaRPr lang="en-US" sz="3200" dirty="0"/>
           </a:p>
         </p:txBody>
       </p:sp>
@@ -10855,240 +10843,6 @@
             <p:ph type="title"/>
           </p:nvPr>
         </p:nvSpPr>
-        <p:spPr>
-          <a:xfrm>
-            <a:off x="1261872" y="269457"/>
-            <a:ext cx="10467113" cy="1262743"/>
-          </a:xfrm>
-        </p:spPr>
-        <p:txBody>
-          <a:bodyPr>
-            <a:noAutofit/>
-          </a:bodyPr>
-          <a:lstStyle/>
-          <a:p>
-            <a:r>
-              <a:rPr lang="en-US" sz="7200" dirty="0" smtClean="0"/>
-              <a:t>Resources</a:t>
-            </a:r>
-            <a:endParaRPr lang="en-US" sz="7200" dirty="0"/>
-          </a:p>
-        </p:txBody>
-      </p:sp>
-      <p:sp>
-        <p:nvSpPr>
-          <p:cNvPr id="3" name="Rectangle 2"/>
-          <p:cNvSpPr/>
-          <p:nvPr/>
-        </p:nvSpPr>
-        <p:spPr>
-          <a:xfrm>
-            <a:off x="140678" y="1836400"/>
-            <a:ext cx="12004431" cy="3693319"/>
-          </a:xfrm>
-          <a:prstGeom prst="rect">
-            <a:avLst/>
-          </a:prstGeom>
-        </p:spPr>
-        <p:txBody>
-          <a:bodyPr wrap="square">
-            <a:spAutoFit/>
-          </a:bodyPr>
-          <a:lstStyle/>
-          <a:p>
-            <a:r>
-              <a:rPr lang="en-US" dirty="0"/>
-              <a:t>Replication</a:t>
-            </a:r>
-          </a:p>
-          <a:p>
-            <a:r>
-              <a:rPr lang="en-US" dirty="0"/>
-              <a:t>    </a:t>
-            </a:r>
-            <a:r>
-              <a:rPr lang="en-US" dirty="0">
-                <a:hlinkClick r:id="rId3"/>
-              </a:rPr>
-              <a:t>https://www.slideshare.net/Stripe_talks/mongo-db-oplog</a:t>
-            </a:r>
-            <a:endParaRPr lang="en-US" dirty="0"/>
-          </a:p>
-          <a:p>
-            <a:r>
-              <a:rPr lang="en-US" dirty="0"/>
-              <a:t>    </a:t>
-            </a:r>
-            <a:r>
-              <a:rPr lang="en-US" dirty="0">
-                <a:hlinkClick r:id="rId4"/>
-              </a:rPr>
-              <a:t>https://www.compose.com/articles/the-mongodb-oplog-and-node-js/</a:t>
-            </a:r>
-            <a:endParaRPr lang="en-US" dirty="0"/>
-          </a:p>
-          <a:p>
-            <a:r>
-              <a:rPr lang="en-US" dirty="0"/>
-              <a:t>    </a:t>
-            </a:r>
-            <a:r>
-              <a:rPr lang="en-US" dirty="0">
-                <a:hlinkClick r:id="rId5"/>
-              </a:rPr>
-              <a:t>https://stackoverflow.com/questions/17878835/what-does-the-h-in-oplog-rs-document-stand-for</a:t>
-            </a:r>
-            <a:endParaRPr lang="en-US" dirty="0"/>
-          </a:p>
-          <a:p>
-            <a:r>
-              <a:rPr lang="en-US" dirty="0"/>
-              <a:t>    </a:t>
-            </a:r>
-            <a:r>
-              <a:rPr lang="en-US" dirty="0">
-                <a:hlinkClick r:id="rId6"/>
-              </a:rPr>
-              <a:t>https://stackoverflow.com/questions/26935419/what-do-the-oplog-fields-actually-mean</a:t>
-            </a:r>
-            <a:endParaRPr lang="en-US" dirty="0"/>
-          </a:p>
-          <a:p>
-            <a:endParaRPr lang="en-US" dirty="0"/>
-          </a:p>
-          <a:p>
-            <a:r>
-              <a:rPr lang="en-US" dirty="0"/>
-              <a:t>Event-Driven-Architecture</a:t>
-            </a:r>
-          </a:p>
-          <a:p>
-            <a:r>
-              <a:rPr lang="en-US" dirty="0"/>
-              <a:t>    </a:t>
-            </a:r>
-            <a:r>
-              <a:rPr lang="en-US" dirty="0">
-                <a:hlinkClick r:id="rId7"/>
-              </a:rPr>
-              <a:t>https://www.nginx.com/blog/event-driven-data-management-microservices/</a:t>
-            </a:r>
-            <a:endParaRPr lang="en-US" dirty="0"/>
-          </a:p>
-          <a:p>
-            <a:r>
-              <a:rPr lang="en-US" dirty="0"/>
-              <a:t>    </a:t>
-            </a:r>
-            <a:r>
-              <a:rPr lang="en-US" dirty="0">
-                <a:hlinkClick r:id="rId8"/>
-              </a:rPr>
-              <a:t>https://microservices.io/</a:t>
-            </a:r>
-            <a:endParaRPr lang="en-US" dirty="0"/>
-          </a:p>
-          <a:p>
-            <a:r>
-              <a:rPr lang="en-US" dirty="0"/>
-              <a:t>    </a:t>
-            </a:r>
-            <a:r>
-              <a:rPr lang="en-US" dirty="0">
-                <a:hlinkClick r:id="rId9"/>
-              </a:rPr>
-              <a:t>https://</a:t>
-            </a:r>
-            <a:r>
-              <a:rPr lang="en-US" dirty="0">
-                <a:solidFill>
-                  <a:schemeClr val="accent3"/>
-                </a:solidFill>
-                <a:hlinkClick r:id="rId9"/>
-              </a:rPr>
-              <a:t>skillsmatter.com/skillscasts/12115-keynote-not-just-events-developing-asynchronous-microservices</a:t>
-            </a:r>
-            <a:endParaRPr lang="en-US" dirty="0">
-              <a:solidFill>
-                <a:schemeClr val="accent3"/>
-              </a:solidFill>
-            </a:endParaRPr>
-          </a:p>
-          <a:p>
-            <a:endParaRPr lang="en-US" dirty="0">
-              <a:solidFill>
-                <a:srgbClr val="92D050"/>
-              </a:solidFill>
-            </a:endParaRPr>
-          </a:p>
-          <a:p>
-            <a:r>
-              <a:rPr lang="en-US" dirty="0"/>
-              <a:t>Domain model</a:t>
-            </a:r>
-          </a:p>
-          <a:p>
-            <a:r>
-              <a:rPr lang="en-US" dirty="0"/>
-              <a:t>    </a:t>
-            </a:r>
-            <a:r>
-              <a:rPr lang="en-US" dirty="0">
-                <a:hlinkClick r:id="rId10"/>
-              </a:rPr>
-              <a:t>http://dddcommunity.org/library/vernon_2011/</a:t>
-            </a:r>
-            <a:endParaRPr lang="en-US" dirty="0"/>
-          </a:p>
-        </p:txBody>
-      </p:sp>
-    </p:spTree>
-    <p:extLst>
-      <p:ext uri="{BB962C8B-B14F-4D97-AF65-F5344CB8AC3E}">
-        <p14:creationId xmlns:p14="http://schemas.microsoft.com/office/powerpoint/2010/main" val="2548005871"/>
-      </p:ext>
-    </p:extLst>
-  </p:cSld>
-  <p:clrMapOvr>
-    <a:masterClrMapping/>
-  </p:clrMapOvr>
-  <p:timing>
-    <p:tnLst>
-      <p:par>
-        <p:cTn id="1" dur="indefinite" restart="never" nodeType="tmRoot"/>
-      </p:par>
-    </p:tnLst>
-  </p:timing>
-</p:sld>
-</file>
-
-<file path=ppt/slides/slide2.xml><?xml version="1.0" encoding="utf-8"?>
-<p:sld xmlns:a="http://schemas.openxmlformats.org/drawingml/2006/main" xmlns:r="http://schemas.openxmlformats.org/officeDocument/2006/relationships" xmlns:p="http://schemas.openxmlformats.org/presentationml/2006/main">
-  <p:cSld>
-    <p:spTree>
-      <p:nvGrpSpPr>
-        <p:cNvPr id="1" name=""/>
-        <p:cNvGrpSpPr/>
-        <p:nvPr/>
-      </p:nvGrpSpPr>
-      <p:grpSpPr>
-        <a:xfrm>
-          <a:off x="0" y="0"/>
-          <a:ext cx="0" cy="0"/>
-          <a:chOff x="0" y="0"/>
-          <a:chExt cx="0" cy="0"/>
-        </a:xfrm>
-      </p:grpSpPr>
-      <p:sp>
-        <p:nvSpPr>
-          <p:cNvPr id="2" name="Title 1"/>
-          <p:cNvSpPr>
-            <a:spLocks noGrp="1"/>
-          </p:cNvSpPr>
-          <p:nvPr>
-            <p:ph type="title"/>
-          </p:nvPr>
-        </p:nvSpPr>
         <p:spPr/>
         <p:txBody>
           <a:bodyPr>
@@ -11097,73 +10851,28 @@
           <a:lstStyle/>
           <a:p>
             <a:r>
-              <a:rPr lang="en-US" sz="6000" dirty="0"/>
-              <a:t>Andrii </a:t>
-            </a:r>
-            <a:r>
-              <a:rPr lang="en-US" sz="6000" dirty="0" smtClean="0"/>
-              <a:t>Litvinov</a:t>
-            </a:r>
-            <a:endParaRPr lang="en-US" sz="6000" dirty="0"/>
-          </a:p>
-        </p:txBody>
-      </p:sp>
-      <p:pic>
-        <p:nvPicPr>
-          <p:cNvPr id="3" name="Picture 2" descr="https://scontent.fiev12-1.fna.fbcdn.net/v/t1.0-9/c0.0.215.215/12494928_1139995499368714_8989582005896967223_n.png?_nc_cat=109&amp;_nc_ht=scontent.fiev12-1.fna&amp;oh=ee4c679202e74d6262c8803b45612cb9&amp;oe=5C7304DF"/>
-          <p:cNvPicPr>
-            <a:picLocks noChangeAspect="1" noChangeArrowheads="1"/>
-          </p:cNvPicPr>
+              <a:rPr lang="en-US" sz="7200" dirty="0" smtClean="0"/>
+              <a:t>Summary</a:t>
+            </a:r>
+            <a:endParaRPr lang="en-US" sz="7200" dirty="0"/>
+          </a:p>
+        </p:txBody>
+      </p:sp>
+      <p:sp>
+        <p:nvSpPr>
+          <p:cNvPr id="4" name="TextBox 3"/>
+          <p:cNvSpPr txBox="1"/>
           <p:nvPr/>
-        </p:nvPicPr>
-        <p:blipFill>
-          <a:blip r:embed="rId3">
-            <a:extLst>
-              <a:ext uri="{28A0092B-C50C-407E-A947-70E740481C1C}">
-                <a14:useLocalDpi xmlns:a14="http://schemas.microsoft.com/office/drawing/2010/main" val="0"/>
-              </a:ext>
-            </a:extLst>
-          </a:blip>
-          <a:srcRect/>
-          <a:stretch>
-            <a:fillRect/>
-          </a:stretch>
-        </p:blipFill>
-        <p:spPr bwMode="auto">
-          <a:xfrm>
-            <a:off x="9465733" y="3679654"/>
-            <a:ext cx="2047875" cy="2047876"/>
+        </p:nvSpPr>
+        <p:spPr>
+          <a:xfrm>
+            <a:off x="1141413" y="4473977"/>
+            <a:ext cx="8613353" cy="1077218"/>
           </a:xfrm>
           <a:prstGeom prst="rect">
             <a:avLst/>
           </a:prstGeom>
           <a:noFill/>
-          <a:extLst>
-            <a:ext uri="{909E8E84-426E-40DD-AFC4-6F175D3DCCD1}">
-              <a14:hiddenFill xmlns:a14="http://schemas.microsoft.com/office/drawing/2010/main">
-                <a:solidFill>
-                  <a:srgbClr val="FFFFFF"/>
-                </a:solidFill>
-              </a14:hiddenFill>
-            </a:ext>
-          </a:extLst>
-        </p:spPr>
-      </p:pic>
-      <p:sp>
-        <p:nvSpPr>
-          <p:cNvPr id="4" name="TextBox 3"/>
-          <p:cNvSpPr txBox="1"/>
-          <p:nvPr/>
-        </p:nvSpPr>
-        <p:spPr>
-          <a:xfrm>
-            <a:off x="1141413" y="3918762"/>
-            <a:ext cx="8464731" cy="1569660"/>
-          </a:xfrm>
-          <a:prstGeom prst="rect">
-            <a:avLst/>
-          </a:prstGeom>
-          <a:noFill/>
         </p:spPr>
         <p:txBody>
           <a:bodyPr wrap="square" rtlCol="0">
@@ -11172,104 +10881,8 @@
           <a:lstStyle/>
           <a:p>
             <a:r>
-              <a:rPr lang="en-US" sz="4800" dirty="0" smtClean="0"/>
-              <a:t>Platform engineer at Synergy Sports Technology</a:t>
-            </a:r>
-            <a:endParaRPr lang="en-US" sz="4800" dirty="0"/>
-          </a:p>
-        </p:txBody>
-      </p:sp>
-    </p:spTree>
-    <p:extLst>
-      <p:ext uri="{BB962C8B-B14F-4D97-AF65-F5344CB8AC3E}">
-        <p14:creationId xmlns:p14="http://schemas.microsoft.com/office/powerpoint/2010/main" val="1499444302"/>
-      </p:ext>
-    </p:extLst>
-  </p:cSld>
-  <p:clrMapOvr>
-    <a:masterClrMapping/>
-  </p:clrMapOvr>
-  <p:timing>
-    <p:tnLst>
-      <p:par>
-        <p:cTn id="1" dur="indefinite" restart="never" nodeType="tmRoot"/>
-      </p:par>
-    </p:tnLst>
-  </p:timing>
-</p:sld>
-</file>
-
-<file path=ppt/slides/slide20.xml><?xml version="1.0" encoding="utf-8"?>
-<p:sld xmlns:a="http://schemas.openxmlformats.org/drawingml/2006/main" xmlns:r="http://schemas.openxmlformats.org/officeDocument/2006/relationships" xmlns:p="http://schemas.openxmlformats.org/presentationml/2006/main">
-  <p:cSld>
-    <p:spTree>
-      <p:nvGrpSpPr>
-        <p:cNvPr id="1" name=""/>
-        <p:cNvGrpSpPr/>
-        <p:nvPr/>
-      </p:nvGrpSpPr>
-      <p:grpSpPr>
-        <a:xfrm>
-          <a:off x="0" y="0"/>
-          <a:ext cx="0" cy="0"/>
-          <a:chOff x="0" y="0"/>
-          <a:chExt cx="0" cy="0"/>
-        </a:xfrm>
-      </p:grpSpPr>
-      <p:sp>
-        <p:nvSpPr>
-          <p:cNvPr id="2" name="Title 1"/>
-          <p:cNvSpPr>
-            <a:spLocks noGrp="1"/>
-          </p:cNvSpPr>
-          <p:nvPr>
-            <p:ph type="title"/>
-          </p:nvPr>
-        </p:nvSpPr>
-        <p:spPr/>
-        <p:txBody>
-          <a:bodyPr>
-            <a:normAutofit/>
-          </a:bodyPr>
-          <a:lstStyle/>
-          <a:p>
-            <a:r>
-              <a:rPr lang="en-US" sz="7200" dirty="0" smtClean="0"/>
-              <a:t>Summary</a:t>
-            </a:r>
-            <a:endParaRPr lang="en-US" sz="7200" dirty="0"/>
-          </a:p>
-        </p:txBody>
-      </p:sp>
-      <p:sp>
-        <p:nvSpPr>
-          <p:cNvPr id="4" name="TextBox 3"/>
-          <p:cNvSpPr txBox="1"/>
-          <p:nvPr/>
-        </p:nvSpPr>
-        <p:spPr>
-          <a:xfrm>
-            <a:off x="1141413" y="4473977"/>
-            <a:ext cx="8613353" cy="1077218"/>
-          </a:xfrm>
-          <a:prstGeom prst="rect">
-            <a:avLst/>
-          </a:prstGeom>
-          <a:noFill/>
-        </p:spPr>
-        <p:txBody>
-          <a:bodyPr wrap="square" rtlCol="0">
-            <a:spAutoFit/>
-          </a:bodyPr>
-          <a:lstStyle/>
-          <a:p>
-            <a:r>
               <a:rPr lang="en-US" sz="3200" dirty="0" smtClean="0"/>
-              <a:t>• </a:t>
-            </a:r>
-            <a:r>
-              <a:rPr lang="en-US" sz="3200" dirty="0" smtClean="0"/>
-              <a:t>Use </a:t>
+              <a:t>• Use </a:t>
             </a:r>
             <a:r>
               <a:rPr lang="en-US" sz="3200" dirty="0" smtClean="0">
@@ -11311,11 +10924,7 @@
           <a:p>
             <a:r>
               <a:rPr lang="en-US" sz="3200" dirty="0" smtClean="0"/>
-              <a:t>• </a:t>
-            </a:r>
-            <a:r>
-              <a:rPr lang="en-US" sz="3200" dirty="0" smtClean="0"/>
-              <a:t>Write state and publish event </a:t>
+              <a:t>• Write state and publish event </a:t>
             </a:r>
             <a:r>
               <a:rPr lang="en-US" sz="3200" dirty="0" smtClean="0">
@@ -11357,11 +10966,7 @@
           <a:p>
             <a:r>
               <a:rPr lang="en-US" sz="3200" dirty="0" smtClean="0"/>
-              <a:t>• </a:t>
-            </a:r>
-            <a:r>
-              <a:rPr lang="en-US" sz="3200" dirty="0" smtClean="0"/>
-              <a:t>Use </a:t>
+              <a:t>• Use </a:t>
             </a:r>
             <a:r>
               <a:rPr lang="en-US" sz="3200" dirty="0" err="1" smtClean="0">
@@ -11385,11 +10990,7 @@
             </a:r>
             <a:r>
               <a:rPr lang="en-US" sz="3200" dirty="0" smtClean="0"/>
-              <a:t>prior </a:t>
-            </a:r>
-            <a:r>
-              <a:rPr lang="en-US" sz="3200" dirty="0" smtClean="0"/>
-              <a:t>MongoDB 4.0 	or with 2 data-bearing nodes</a:t>
+              <a:t>prior MongoDB 4.0 	or with 2 data-bearing nodes</a:t>
             </a:r>
             <a:endParaRPr lang="en-US" sz="3200" dirty="0"/>
           </a:p>
@@ -11578,6 +11179,377 @@
 </p:sld>
 </file>
 
+<file path=ppt/slides/slide2.xml><?xml version="1.0" encoding="utf-8"?>
+<p:sld xmlns:a="http://schemas.openxmlformats.org/drawingml/2006/main" xmlns:r="http://schemas.openxmlformats.org/officeDocument/2006/relationships" xmlns:p="http://schemas.openxmlformats.org/presentationml/2006/main">
+  <p:cSld>
+    <p:spTree>
+      <p:nvGrpSpPr>
+        <p:cNvPr id="1" name=""/>
+        <p:cNvGrpSpPr/>
+        <p:nvPr/>
+      </p:nvGrpSpPr>
+      <p:grpSpPr>
+        <a:xfrm>
+          <a:off x="0" y="0"/>
+          <a:ext cx="0" cy="0"/>
+          <a:chOff x="0" y="0"/>
+          <a:chExt cx="0" cy="0"/>
+        </a:xfrm>
+      </p:grpSpPr>
+      <p:sp>
+        <p:nvSpPr>
+          <p:cNvPr id="2" name="Title 1"/>
+          <p:cNvSpPr>
+            <a:spLocks noGrp="1"/>
+          </p:cNvSpPr>
+          <p:nvPr>
+            <p:ph type="title"/>
+          </p:nvPr>
+        </p:nvSpPr>
+        <p:spPr/>
+        <p:txBody>
+          <a:bodyPr>
+            <a:normAutofit/>
+          </a:bodyPr>
+          <a:lstStyle/>
+          <a:p>
+            <a:r>
+              <a:rPr lang="en-US" sz="6000" dirty="0"/>
+              <a:t>Andrii </a:t>
+            </a:r>
+            <a:r>
+              <a:rPr lang="en-US" sz="6000" dirty="0" smtClean="0"/>
+              <a:t>Litvinov</a:t>
+            </a:r>
+            <a:endParaRPr lang="en-US" sz="6000" dirty="0"/>
+          </a:p>
+        </p:txBody>
+      </p:sp>
+      <p:pic>
+        <p:nvPicPr>
+          <p:cNvPr id="3" name="Picture 2" descr="https://scontent.fiev12-1.fna.fbcdn.net/v/t1.0-9/c0.0.215.215/12494928_1139995499368714_8989582005896967223_n.png?_nc_cat=109&amp;_nc_ht=scontent.fiev12-1.fna&amp;oh=ee4c679202e74d6262c8803b45612cb9&amp;oe=5C7304DF"/>
+          <p:cNvPicPr>
+            <a:picLocks noChangeAspect="1" noChangeArrowheads="1"/>
+          </p:cNvPicPr>
+          <p:nvPr/>
+        </p:nvPicPr>
+        <p:blipFill>
+          <a:blip r:embed="rId3">
+            <a:extLst>
+              <a:ext uri="{28A0092B-C50C-407E-A947-70E740481C1C}">
+                <a14:useLocalDpi xmlns:a14="http://schemas.microsoft.com/office/drawing/2010/main" val="0"/>
+              </a:ext>
+            </a:extLst>
+          </a:blip>
+          <a:srcRect/>
+          <a:stretch>
+            <a:fillRect/>
+          </a:stretch>
+        </p:blipFill>
+        <p:spPr bwMode="auto">
+          <a:xfrm>
+            <a:off x="9465733" y="3679654"/>
+            <a:ext cx="2047875" cy="2047876"/>
+          </a:xfrm>
+          <a:prstGeom prst="rect">
+            <a:avLst/>
+          </a:prstGeom>
+          <a:noFill/>
+          <a:extLst>
+            <a:ext uri="{909E8E84-426E-40DD-AFC4-6F175D3DCCD1}">
+              <a14:hiddenFill xmlns:a14="http://schemas.microsoft.com/office/drawing/2010/main">
+                <a:solidFill>
+                  <a:srgbClr val="FFFFFF"/>
+                </a:solidFill>
+              </a14:hiddenFill>
+            </a:ext>
+          </a:extLst>
+        </p:spPr>
+      </p:pic>
+      <p:sp>
+        <p:nvSpPr>
+          <p:cNvPr id="4" name="TextBox 3"/>
+          <p:cNvSpPr txBox="1"/>
+          <p:nvPr/>
+        </p:nvSpPr>
+        <p:spPr>
+          <a:xfrm>
+            <a:off x="1141413" y="3918762"/>
+            <a:ext cx="8464731" cy="1569660"/>
+          </a:xfrm>
+          <a:prstGeom prst="rect">
+            <a:avLst/>
+          </a:prstGeom>
+          <a:noFill/>
+        </p:spPr>
+        <p:txBody>
+          <a:bodyPr wrap="square" rtlCol="0">
+            <a:spAutoFit/>
+          </a:bodyPr>
+          <a:lstStyle/>
+          <a:p>
+            <a:r>
+              <a:rPr lang="en-US" sz="4800" dirty="0" smtClean="0"/>
+              <a:t>Platform engineer at Synergy Sports Technology</a:t>
+            </a:r>
+            <a:endParaRPr lang="en-US" sz="4800" dirty="0"/>
+          </a:p>
+        </p:txBody>
+      </p:sp>
+    </p:spTree>
+    <p:extLst>
+      <p:ext uri="{BB962C8B-B14F-4D97-AF65-F5344CB8AC3E}">
+        <p14:creationId xmlns:p14="http://schemas.microsoft.com/office/powerpoint/2010/main" val="1499444302"/>
+      </p:ext>
+    </p:extLst>
+  </p:cSld>
+  <p:clrMapOvr>
+    <a:masterClrMapping/>
+  </p:clrMapOvr>
+  <p:timing>
+    <p:tnLst>
+      <p:par>
+        <p:cTn id="1" dur="indefinite" restart="never" nodeType="tmRoot"/>
+      </p:par>
+    </p:tnLst>
+  </p:timing>
+</p:sld>
+</file>
+
+<file path=ppt/slides/slide20.xml><?xml version="1.0" encoding="utf-8"?>
+<p:sld xmlns:a="http://schemas.openxmlformats.org/drawingml/2006/main" xmlns:r="http://schemas.openxmlformats.org/officeDocument/2006/relationships" xmlns:p="http://schemas.openxmlformats.org/presentationml/2006/main">
+  <p:cSld>
+    <p:spTree>
+      <p:nvGrpSpPr>
+        <p:cNvPr id="1" name=""/>
+        <p:cNvGrpSpPr/>
+        <p:nvPr/>
+      </p:nvGrpSpPr>
+      <p:grpSpPr>
+        <a:xfrm>
+          <a:off x="0" y="0"/>
+          <a:ext cx="0" cy="0"/>
+          <a:chOff x="0" y="0"/>
+          <a:chExt cx="0" cy="0"/>
+        </a:xfrm>
+      </p:grpSpPr>
+      <p:sp>
+        <p:nvSpPr>
+          <p:cNvPr id="2" name="Title 1"/>
+          <p:cNvSpPr>
+            <a:spLocks noGrp="1"/>
+          </p:cNvSpPr>
+          <p:nvPr>
+            <p:ph type="title"/>
+          </p:nvPr>
+        </p:nvSpPr>
+        <p:spPr>
+          <a:xfrm>
+            <a:off x="140678" y="287386"/>
+            <a:ext cx="10467113" cy="1262743"/>
+          </a:xfrm>
+        </p:spPr>
+        <p:txBody>
+          <a:bodyPr>
+            <a:noAutofit/>
+          </a:bodyPr>
+          <a:lstStyle/>
+          <a:p>
+            <a:r>
+              <a:rPr lang="en-US" sz="7200" dirty="0" smtClean="0"/>
+              <a:t>Resources</a:t>
+            </a:r>
+            <a:endParaRPr lang="en-US" sz="7200" dirty="0"/>
+          </a:p>
+        </p:txBody>
+      </p:sp>
+      <p:sp>
+        <p:nvSpPr>
+          <p:cNvPr id="3" name="Rectangle 2"/>
+          <p:cNvSpPr/>
+          <p:nvPr/>
+        </p:nvSpPr>
+        <p:spPr>
+          <a:xfrm>
+            <a:off x="140678" y="1836400"/>
+            <a:ext cx="12004431" cy="3693319"/>
+          </a:xfrm>
+          <a:prstGeom prst="rect">
+            <a:avLst/>
+          </a:prstGeom>
+        </p:spPr>
+        <p:txBody>
+          <a:bodyPr wrap="square">
+            <a:spAutoFit/>
+          </a:bodyPr>
+          <a:lstStyle/>
+          <a:p>
+            <a:r>
+              <a:rPr lang="en-US" dirty="0"/>
+              <a:t>Replication</a:t>
+            </a:r>
+          </a:p>
+          <a:p>
+            <a:r>
+              <a:rPr lang="en-US" dirty="0"/>
+              <a:t>    </a:t>
+            </a:r>
+            <a:r>
+              <a:rPr lang="en-US" dirty="0">
+                <a:hlinkClick r:id="rId3"/>
+              </a:rPr>
+              <a:t>https://www.slideshare.net/Stripe_talks/mongo-db-oplog</a:t>
+            </a:r>
+            <a:endParaRPr lang="en-US" dirty="0"/>
+          </a:p>
+          <a:p>
+            <a:r>
+              <a:rPr lang="en-US" dirty="0"/>
+              <a:t>    </a:t>
+            </a:r>
+            <a:r>
+              <a:rPr lang="en-US" dirty="0">
+                <a:hlinkClick r:id="rId4"/>
+              </a:rPr>
+              <a:t>https://www.compose.com/articles/the-mongodb-oplog-and-node-js/</a:t>
+            </a:r>
+            <a:endParaRPr lang="en-US" dirty="0"/>
+          </a:p>
+          <a:p>
+            <a:r>
+              <a:rPr lang="en-US" dirty="0"/>
+              <a:t>    </a:t>
+            </a:r>
+            <a:r>
+              <a:rPr lang="en-US" dirty="0">
+                <a:hlinkClick r:id="rId5"/>
+              </a:rPr>
+              <a:t>https://stackoverflow.com/questions/17878835/what-does-the-h-in-oplog-rs-document-stand-for</a:t>
+            </a:r>
+            <a:endParaRPr lang="en-US" dirty="0"/>
+          </a:p>
+          <a:p>
+            <a:r>
+              <a:rPr lang="en-US" dirty="0"/>
+              <a:t>    </a:t>
+            </a:r>
+            <a:r>
+              <a:rPr lang="en-US" dirty="0">
+                <a:hlinkClick r:id="rId6"/>
+              </a:rPr>
+              <a:t>https://stackoverflow.com/questions/26935419/what-do-the-oplog-fields-actually-mean</a:t>
+            </a:r>
+            <a:endParaRPr lang="en-US" dirty="0"/>
+          </a:p>
+          <a:p>
+            <a:endParaRPr lang="en-US" dirty="0"/>
+          </a:p>
+          <a:p>
+            <a:r>
+              <a:rPr lang="en-US" dirty="0"/>
+              <a:t>Event-Driven-Architecture</a:t>
+            </a:r>
+          </a:p>
+          <a:p>
+            <a:r>
+              <a:rPr lang="en-US" dirty="0"/>
+              <a:t>    </a:t>
+            </a:r>
+            <a:r>
+              <a:rPr lang="en-US" dirty="0">
+                <a:hlinkClick r:id="rId7"/>
+              </a:rPr>
+              <a:t>https://www.nginx.com/blog/event-driven-data-management-microservices/</a:t>
+            </a:r>
+            <a:endParaRPr lang="en-US" dirty="0"/>
+          </a:p>
+          <a:p>
+            <a:r>
+              <a:rPr lang="en-US" dirty="0"/>
+              <a:t>    </a:t>
+            </a:r>
+            <a:r>
+              <a:rPr lang="en-US" dirty="0">
+                <a:hlinkClick r:id="rId8"/>
+              </a:rPr>
+              <a:t>https://microservices.io/</a:t>
+            </a:r>
+            <a:endParaRPr lang="en-US" dirty="0"/>
+          </a:p>
+          <a:p>
+            <a:r>
+              <a:rPr lang="en-US" dirty="0"/>
+              <a:t>    </a:t>
+            </a:r>
+            <a:r>
+              <a:rPr lang="en-US" dirty="0">
+                <a:hlinkClick r:id="rId9"/>
+              </a:rPr>
+              <a:t>https://</a:t>
+            </a:r>
+            <a:r>
+              <a:rPr lang="en-US" dirty="0">
+                <a:solidFill>
+                  <a:schemeClr val="accent3"/>
+                </a:solidFill>
+                <a:hlinkClick r:id="rId9"/>
+              </a:rPr>
+              <a:t>skillsmatter.com/skillscasts/12115-keynote-not-just-events-developing-asynchronous-microservices</a:t>
+            </a:r>
+            <a:endParaRPr lang="en-US" dirty="0">
+              <a:solidFill>
+                <a:schemeClr val="accent3"/>
+              </a:solidFill>
+            </a:endParaRPr>
+          </a:p>
+          <a:p>
+            <a:endParaRPr lang="en-US" dirty="0">
+              <a:solidFill>
+                <a:srgbClr val="92D050"/>
+              </a:solidFill>
+            </a:endParaRPr>
+          </a:p>
+          <a:p>
+            <a:r>
+              <a:rPr lang="en-US" dirty="0"/>
+              <a:t>Domain model</a:t>
+            </a:r>
+          </a:p>
+          <a:p>
+            <a:r>
+              <a:rPr lang="en-US" dirty="0"/>
+              <a:t>    </a:t>
+            </a:r>
+            <a:r>
+              <a:rPr lang="en-US" dirty="0">
+                <a:hlinkClick r:id="rId10"/>
+              </a:rPr>
+              <a:t>http://dddcommunity.org/library/vernon_2011/</a:t>
+            </a:r>
+            <a:endParaRPr lang="en-US" dirty="0"/>
+          </a:p>
+        </p:txBody>
+      </p:sp>
+    </p:spTree>
+    <p:extLst>
+      <p:ext uri="{BB962C8B-B14F-4D97-AF65-F5344CB8AC3E}">
+        <p14:creationId xmlns:p14="http://schemas.microsoft.com/office/powerpoint/2010/main" val="2548005871"/>
+      </p:ext>
+    </p:extLst>
+  </p:cSld>
+  <p:clrMapOvr>
+    <a:masterClrMapping/>
+  </p:clrMapOvr>
+  <p:timing>
+    <p:tnLst>
+      <p:par>
+        <p:cTn id="1" dur="indefinite" restart="never" nodeType="tmRoot"/>
+      </p:par>
+    </p:tnLst>
+  </p:timing>
+</p:sld>
+</file>
+
 <file path=ppt/slides/slide21.xml><?xml version="1.0" encoding="utf-8"?>
 <p:sld xmlns:a="http://schemas.openxmlformats.org/drawingml/2006/main" xmlns:r="http://schemas.openxmlformats.org/officeDocument/2006/relationships" xmlns:p="http://schemas.openxmlformats.org/presentationml/2006/main">
   <p:cSld>
@@ -11605,7 +11577,12 @@
             <p:ph type="title"/>
           </p:nvPr>
         </p:nvSpPr>
-        <p:spPr/>
+        <p:spPr>
+          <a:xfrm>
+            <a:off x="513286" y="128954"/>
+            <a:ext cx="9905998" cy="1905000"/>
+          </a:xfrm>
+        </p:spPr>
         <p:txBody>
           <a:bodyPr>
             <a:normAutofit/>
@@ -11614,9 +11591,166 @@
           <a:p>
             <a:r>
               <a:rPr lang="en-US" sz="7200" dirty="0" smtClean="0"/>
-              <a:t>Thank You!</a:t>
+              <a:t>Contacts</a:t>
             </a:r>
             <a:endParaRPr lang="en-US" sz="7200" dirty="0"/>
+          </a:p>
+        </p:txBody>
+      </p:sp>
+      <p:sp>
+        <p:nvSpPr>
+          <p:cNvPr id="3" name="Rectangle 2"/>
+          <p:cNvSpPr/>
+          <p:nvPr/>
+        </p:nvSpPr>
+        <p:spPr>
+          <a:xfrm>
+            <a:off x="513286" y="2157515"/>
+            <a:ext cx="6664737" cy="584775"/>
+          </a:xfrm>
+          <a:prstGeom prst="rect">
+            <a:avLst/>
+          </a:prstGeom>
+        </p:spPr>
+        <p:txBody>
+          <a:bodyPr wrap="square">
+            <a:spAutoFit/>
+          </a:bodyPr>
+          <a:lstStyle/>
+          <a:p>
+            <a:r>
+              <a:rPr lang="en-US" sz="3200" dirty="0">
+                <a:hlinkClick r:id="rId2"/>
+              </a:rPr>
+              <a:t>https://twitter.com/andriilitvinov</a:t>
+            </a:r>
+            <a:endParaRPr lang="en-US" sz="3200" dirty="0"/>
+          </a:p>
+        </p:txBody>
+      </p:sp>
+      <p:sp>
+        <p:nvSpPr>
+          <p:cNvPr id="4" name="Rectangle 3">
+            <a:hlinkClick r:id="rId3"/>
+          </p:cNvPr>
+          <p:cNvSpPr/>
+          <p:nvPr/>
+        </p:nvSpPr>
+        <p:spPr>
+          <a:xfrm>
+            <a:off x="513286" y="3058626"/>
+            <a:ext cx="11502868" cy="584775"/>
+          </a:xfrm>
+          <a:prstGeom prst="rect">
+            <a:avLst/>
+          </a:prstGeom>
+        </p:spPr>
+        <p:txBody>
+          <a:bodyPr wrap="square">
+            <a:spAutoFit/>
+          </a:bodyPr>
+          <a:lstStyle/>
+          <a:p>
+            <a:r>
+              <a:rPr lang="en-US" sz="3200" dirty="0">
+                <a:hlinkClick r:id="rId3"/>
+              </a:rPr>
+              <a:t>https://stackoverflow.com/users/2138959/andrii-litvinov</a:t>
+            </a:r>
+            <a:endParaRPr lang="en-US" sz="3200" dirty="0"/>
+          </a:p>
+        </p:txBody>
+      </p:sp>
+      <p:sp>
+        <p:nvSpPr>
+          <p:cNvPr id="5" name="Rectangle 4"/>
+          <p:cNvSpPr/>
+          <p:nvPr/>
+        </p:nvSpPr>
+        <p:spPr>
+          <a:xfrm>
+            <a:off x="513287" y="3959737"/>
+            <a:ext cx="6846772" cy="584775"/>
+          </a:xfrm>
+          <a:prstGeom prst="rect">
+            <a:avLst/>
+          </a:prstGeom>
+        </p:spPr>
+        <p:txBody>
+          <a:bodyPr wrap="square">
+            <a:spAutoFit/>
+          </a:bodyPr>
+          <a:lstStyle/>
+          <a:p>
+            <a:r>
+              <a:rPr lang="en-US" sz="3200" dirty="0">
+                <a:hlinkClick r:id="rId4"/>
+              </a:rPr>
+              <a:t>https://github.com/andrii-litvinov</a:t>
+            </a:r>
+            <a:endParaRPr lang="en-US" sz="3200" dirty="0"/>
+          </a:p>
+        </p:txBody>
+      </p:sp>
+      <p:sp>
+        <p:nvSpPr>
+          <p:cNvPr id="6" name="Rectangle 5"/>
+          <p:cNvSpPr/>
+          <p:nvPr/>
+        </p:nvSpPr>
+        <p:spPr>
+          <a:xfrm>
+            <a:off x="551037" y="5761960"/>
+            <a:ext cx="8425353" cy="584775"/>
+          </a:xfrm>
+          <a:prstGeom prst="rect">
+            <a:avLst/>
+          </a:prstGeom>
+        </p:spPr>
+        <p:txBody>
+          <a:bodyPr wrap="square">
+            <a:spAutoFit/>
+          </a:bodyPr>
+          <a:lstStyle/>
+          <a:p>
+            <a:r>
+              <a:rPr lang="en-US" sz="3200" dirty="0">
+                <a:hlinkClick r:id="rId5"/>
+              </a:rPr>
+              <a:t>https://www.upwork.com/fl/andriilitvinov</a:t>
+            </a:r>
+            <a:endParaRPr lang="en-US" sz="3200" dirty="0"/>
+          </a:p>
+        </p:txBody>
+      </p:sp>
+      <p:sp>
+        <p:nvSpPr>
+          <p:cNvPr id="7" name="Rectangle 6"/>
+          <p:cNvSpPr/>
+          <p:nvPr/>
+        </p:nvSpPr>
+        <p:spPr>
+          <a:xfrm>
+            <a:off x="551037" y="4860848"/>
+            <a:ext cx="8851996" cy="584775"/>
+          </a:xfrm>
+          <a:prstGeom prst="rect">
+            <a:avLst/>
+          </a:prstGeom>
+        </p:spPr>
+        <p:txBody>
+          <a:bodyPr wrap="square">
+            <a:spAutoFit/>
+          </a:bodyPr>
+          <a:lstStyle/>
+          <a:p>
+            <a:r>
+              <a:rPr lang="en-US" sz="3200" dirty="0">
+                <a:hlinkClick r:id="rId6"/>
+              </a:rPr>
+              <a:t>https://dou.ua/users/andrii.litvinov/articles/</a:t>
+            </a:r>
+            <a:endParaRPr lang="en-US" sz="3200" dirty="0"/>
           </a:p>
         </p:txBody>
       </p:sp>
@@ -11676,6 +11810,68 @@
           <a:p>
             <a:r>
               <a:rPr lang="en-US" sz="7200" dirty="0" smtClean="0"/>
+              <a:t>Thank You!</a:t>
+            </a:r>
+            <a:endParaRPr lang="en-US" sz="7200" dirty="0"/>
+          </a:p>
+        </p:txBody>
+      </p:sp>
+    </p:spTree>
+    <p:extLst>
+      <p:ext uri="{BB962C8B-B14F-4D97-AF65-F5344CB8AC3E}">
+        <p14:creationId xmlns:p14="http://schemas.microsoft.com/office/powerpoint/2010/main" val="517990129"/>
+      </p:ext>
+    </p:extLst>
+  </p:cSld>
+  <p:clrMapOvr>
+    <a:masterClrMapping/>
+  </p:clrMapOvr>
+  <p:timing>
+    <p:tnLst>
+      <p:par>
+        <p:cTn id="1" dur="indefinite" restart="never" nodeType="tmRoot"/>
+      </p:par>
+    </p:tnLst>
+  </p:timing>
+</p:sld>
+</file>
+
+<file path=ppt/slides/slide23.xml><?xml version="1.0" encoding="utf-8"?>
+<p:sld xmlns:a="http://schemas.openxmlformats.org/drawingml/2006/main" xmlns:r="http://schemas.openxmlformats.org/officeDocument/2006/relationships" xmlns:p="http://schemas.openxmlformats.org/presentationml/2006/main">
+  <p:cSld>
+    <p:spTree>
+      <p:nvGrpSpPr>
+        <p:cNvPr id="1" name=""/>
+        <p:cNvGrpSpPr/>
+        <p:nvPr/>
+      </p:nvGrpSpPr>
+      <p:grpSpPr>
+        <a:xfrm>
+          <a:off x="0" y="0"/>
+          <a:ext cx="0" cy="0"/>
+          <a:chOff x="0" y="0"/>
+          <a:chExt cx="0" cy="0"/>
+        </a:xfrm>
+      </p:grpSpPr>
+      <p:sp>
+        <p:nvSpPr>
+          <p:cNvPr id="2" name="Title 1"/>
+          <p:cNvSpPr>
+            <a:spLocks noGrp="1"/>
+          </p:cNvSpPr>
+          <p:nvPr>
+            <p:ph type="title"/>
+          </p:nvPr>
+        </p:nvSpPr>
+        <p:spPr/>
+        <p:txBody>
+          <a:bodyPr>
+            <a:normAutofit/>
+          </a:bodyPr>
+          <a:lstStyle/>
+          <a:p>
+            <a:r>
+              <a:rPr lang="en-US" sz="7200" dirty="0" smtClean="0"/>
               <a:t>Questions?</a:t>
             </a:r>
             <a:endParaRPr lang="en-US" sz="7200" dirty="0"/>
@@ -11752,7 +11948,7 @@
         <p:spPr>
           <a:xfrm>
             <a:off x="1141413" y="4708922"/>
-            <a:ext cx="4172937" cy="584775"/>
+            <a:ext cx="6143028" cy="584775"/>
           </a:xfrm>
           <a:prstGeom prst="rect">
             <a:avLst/>
@@ -11767,7 +11963,7 @@
           <a:p>
             <a:r>
               <a:rPr lang="en-US" sz="3200" dirty="0" smtClean="0"/>
-              <a:t>• Keep data in-sync</a:t>
+              <a:t>• Duplicate records matching</a:t>
             </a:r>
             <a:endParaRPr lang="en-US" sz="3200" dirty="0"/>
           </a:p>
@@ -11782,7 +11978,7 @@
         <p:spPr>
           <a:xfrm>
             <a:off x="1141413" y="3234794"/>
-            <a:ext cx="6978192" cy="584775"/>
+            <a:ext cx="6644434" cy="584775"/>
           </a:xfrm>
           <a:prstGeom prst="rect">
             <a:avLst/>
@@ -11790,18 +11986,14 @@
           <a:noFill/>
         </p:spPr>
         <p:txBody>
-          <a:bodyPr wrap="none" rtlCol="0">
+          <a:bodyPr wrap="square" rtlCol="0">
             <a:spAutoFit/>
           </a:bodyPr>
           <a:lstStyle/>
           <a:p>
             <a:r>
-              <a:rPr lang="en-US" sz="3200" dirty="0" smtClean="0"/>
-              <a:t>• Reports </a:t>
-            </a:r>
-            <a:r>
               <a:rPr lang="en-US" sz="3200" dirty="0"/>
-              <a:t>read model </a:t>
+              <a:t>• Game statistics </a:t>
             </a:r>
             <a:r>
               <a:rPr lang="en-US" sz="3200" dirty="0" smtClean="0"/>
@@ -11820,7 +12012,7 @@
         <p:spPr>
           <a:xfrm>
             <a:off x="1141413" y="3971858"/>
-            <a:ext cx="6074099" cy="584775"/>
+            <a:ext cx="7013458" cy="584775"/>
           </a:xfrm>
           <a:prstGeom prst="rect">
             <a:avLst/>
@@ -11835,7 +12027,15 @@
           <a:p>
             <a:r>
               <a:rPr lang="en-US" sz="3200" dirty="0" smtClean="0"/>
-              <a:t>• Game statistics calculations</a:t>
+              <a:t>• </a:t>
+            </a:r>
+            <a:r>
+              <a:rPr lang="en-US" sz="3200" dirty="0"/>
+              <a:t>Reports read model </a:t>
+            </a:r>
+            <a:r>
+              <a:rPr lang="en-US" sz="3200" dirty="0" smtClean="0"/>
+              <a:t>calculations</a:t>
             </a:r>
             <a:endParaRPr lang="en-US" sz="3200" dirty="0"/>
           </a:p>
@@ -12536,7 +12736,7 @@
           <a:p>
             <a:pPr algn="ctr"/>
             <a:r>
-              <a:rPr lang="en-US" dirty="0" smtClean="0">
+              <a:rPr lang="en-US" sz="2000" dirty="0" smtClean="0">
                 <a:solidFill>
                   <a:schemeClr val="accent3">
                     <a:lumMod val="75000"/>
@@ -14035,7 +14235,7 @@
           <a:p>
             <a:pPr algn="ctr"/>
             <a:r>
-              <a:rPr lang="en-US" dirty="0" smtClean="0">
+              <a:rPr lang="en-US" sz="2000" dirty="0" smtClean="0">
                 <a:solidFill>
                   <a:schemeClr val="accent3">
                     <a:lumMod val="75000"/>

--- a/t18-event-mongodb.pptx
+++ b/t18-event-mongodb.pptx
@@ -5,10 +5,10 @@
     <p:sldMasterId id="2147483668" r:id="rId1"/>
   </p:sldMasterIdLst>
   <p:notesMasterIdLst>
-    <p:notesMasterId r:id="rId25"/>
+    <p:notesMasterId r:id="rId29"/>
   </p:notesMasterIdLst>
   <p:handoutMasterIdLst>
-    <p:handoutMasterId r:id="rId26"/>
+    <p:handoutMasterId r:id="rId30"/>
   </p:handoutMasterIdLst>
   <p:sldIdLst>
     <p:sldId id="274" r:id="rId2"/>
@@ -28,12 +28,16 @@
     <p:sldId id="271" r:id="rId16"/>
     <p:sldId id="272" r:id="rId17"/>
     <p:sldId id="273" r:id="rId18"/>
-    <p:sldId id="265" r:id="rId19"/>
-    <p:sldId id="279" r:id="rId20"/>
-    <p:sldId id="278" r:id="rId21"/>
-    <p:sldId id="281" r:id="rId22"/>
-    <p:sldId id="282" r:id="rId23"/>
-    <p:sldId id="280" r:id="rId24"/>
+    <p:sldId id="283" r:id="rId19"/>
+    <p:sldId id="284" r:id="rId20"/>
+    <p:sldId id="285" r:id="rId21"/>
+    <p:sldId id="286" r:id="rId22"/>
+    <p:sldId id="287" r:id="rId23"/>
+    <p:sldId id="279" r:id="rId24"/>
+    <p:sldId id="278" r:id="rId25"/>
+    <p:sldId id="281" r:id="rId26"/>
+    <p:sldId id="282" r:id="rId27"/>
+    <p:sldId id="280" r:id="rId28"/>
   </p:sldIdLst>
   <p:sldSz cx="12192000" cy="6858000"/>
   <p:notesSz cx="6858000" cy="9144000"/>
@@ -134,7 +138,13 @@
   </p:defaultTextStyle>
   <p:extLst>
     <p:ext uri="{EFAFB233-063F-42B5-8137-9DF3F51BA10A}">
-      <p15:sldGuideLst xmlns:p15="http://schemas.microsoft.com/office/powerpoint/2012/main"/>
+      <p15:sldGuideLst xmlns:p15="http://schemas.microsoft.com/office/powerpoint/2012/main">
+        <p15:guide id="1" orient="horz" pos="2160" userDrawn="1">
+          <p15:clr>
+            <a:srgbClr val="A4A3A4"/>
+          </p15:clr>
+        </p15:guide>
+      </p15:sldGuideLst>
     </p:ext>
     <p:ext uri="{2D200454-40CA-4A62-9FC3-DE9A4176ACB9}">
       <p15:notesGuideLst xmlns:p15="http://schemas.microsoft.com/office/powerpoint/2012/main"/>
@@ -940,7 +950,7 @@
           <a:p>
             <a:fld id="{6D679973-E0F4-4AD1-8DEC-9AEE404E80A0}" type="slidenum">
               <a:rPr lang="en-US" smtClean="0"/>
-              <a:t>20</a:t>
+              <a:t>24</a:t>
             </a:fld>
             <a:endParaRPr lang="en-US"/>
           </a:p>
@@ -1024,7 +1034,7 @@
           <a:p>
             <a:fld id="{6D679973-E0F4-4AD1-8DEC-9AEE404E80A0}" type="slidenum">
               <a:rPr lang="en-US" smtClean="0"/>
-              <a:t>23</a:t>
+              <a:t>27</a:t>
             </a:fld>
             <a:endParaRPr lang="en-US"/>
           </a:p>
@@ -7778,36 +7788,12 @@
           <a:p>
             <a:r>
               <a:rPr lang="en-US" sz="7200" dirty="0" smtClean="0"/>
-              <a:t>Demo 1</a:t>
+              <a:t>Demo</a:t>
             </a:r>
             <a:endParaRPr lang="en-US" sz="7200" dirty="0"/>
           </a:p>
         </p:txBody>
       </p:sp>
-      <p:pic>
-        <p:nvPicPr>
-          <p:cNvPr id="12" name="Picture 11"/>
-          <p:cNvPicPr>
-            <a:picLocks noChangeAspect="1"/>
-          </p:cNvPicPr>
-          <p:nvPr/>
-        </p:nvPicPr>
-        <p:blipFill>
-          <a:blip r:embed="rId2"/>
-          <a:stretch>
-            <a:fillRect/>
-          </a:stretch>
-        </p:blipFill>
-        <p:spPr>
-          <a:xfrm>
-            <a:off x="6205767" y="0"/>
-            <a:ext cx="6691633" cy="6858000"/>
-          </a:xfrm>
-          <a:prstGeom prst="rect">
-            <a:avLst/>
-          </a:prstGeom>
-        </p:spPr>
-      </p:pic>
     </p:spTree>
     <p:extLst>
       <p:ext uri="{BB962C8B-B14F-4D97-AF65-F5344CB8AC3E}">
@@ -10744,62 +10730,1133 @@
       </p:grpSpPr>
       <p:sp>
         <p:nvSpPr>
-          <p:cNvPr id="2" name="Title 1"/>
+          <p:cNvPr id="2" name="Rectangle 1"/>
           <p:cNvSpPr>
-            <a:spLocks noGrp="1"/>
+            <a:spLocks noChangeArrowheads="1"/>
           </p:cNvSpPr>
-          <p:nvPr>
-            <p:ph type="title"/>
-          </p:nvPr>
-        </p:nvSpPr>
-        <p:spPr>
+          <p:nvPr/>
+        </p:nvSpPr>
+        <p:spPr bwMode="auto">
           <a:xfrm>
-            <a:off x="1219796" y="609600"/>
-            <a:ext cx="4353694" cy="1905000"/>
-          </a:xfrm>
-        </p:spPr>
-        <p:txBody>
-          <a:bodyPr>
-            <a:normAutofit/>
-          </a:bodyPr>
-          <a:lstStyle/>
-          <a:p>
-            <a:r>
-              <a:rPr lang="en-US" sz="7200" dirty="0" smtClean="0"/>
-              <a:t>Demo 2</a:t>
-            </a:r>
-            <a:endParaRPr lang="en-US" sz="7200" dirty="0"/>
-          </a:p>
-        </p:txBody>
-      </p:sp>
-      <p:pic>
-        <p:nvPicPr>
-          <p:cNvPr id="5" name="Picture 4"/>
-          <p:cNvPicPr>
-            <a:picLocks noChangeAspect="1"/>
-          </p:cNvPicPr>
-          <p:nvPr/>
-        </p:nvPicPr>
-        <p:blipFill>
-          <a:blip r:embed="rId2"/>
-          <a:stretch>
-            <a:fillRect/>
-          </a:stretch>
-        </p:blipFill>
-        <p:spPr>
-          <a:xfrm>
-            <a:off x="6211824" y="0"/>
-            <a:ext cx="5980176" cy="6858000"/>
+            <a:off x="1088866" y="243513"/>
+            <a:ext cx="8465442" cy="6370975"/>
           </a:xfrm>
           <a:prstGeom prst="rect">
             <a:avLst/>
           </a:prstGeom>
+          <a:noFill/>
+          <a:ln>
+            <a:noFill/>
+          </a:ln>
+          <a:effectLst/>
+          <a:extLst/>
         </p:spPr>
-      </p:pic>
+        <p:txBody>
+          <a:bodyPr vert="horz" wrap="square" lIns="91440" tIns="45720" rIns="91440" bIns="45720" numCol="1" anchor="ctr" anchorCtr="0" compatLnSpc="1">
+            <a:prstTxWarp prst="textNoShape">
+              <a:avLst/>
+            </a:prstTxWarp>
+            <a:spAutoFit/>
+          </a:bodyPr>
+          <a:lstStyle/>
+          <a:p>
+            <a:pPr lvl="0" defTabSz="914400" eaLnBrk="0" fontAlgn="base" hangingPunct="0">
+              <a:spcBef>
+                <a:spcPct val="0"/>
+              </a:spcBef>
+              <a:spcAft>
+                <a:spcPct val="0"/>
+              </a:spcAft>
+            </a:pPr>
+            <a:r>
+              <a:rPr kumimoji="0" lang="en-US" altLang="en-US" sz="2400" b="0" i="0" u="none" strike="noStrike" cap="none" normalizeH="0" baseline="0" dirty="0" err="1" smtClean="0">
+                <a:ln>
+                  <a:noFill/>
+                </a:ln>
+                <a:solidFill>
+                  <a:srgbClr val="569CD6"/>
+                </a:solidFill>
+                <a:effectLst/>
+                <a:latin typeface="Fira Code"/>
+              </a:rPr>
+              <a:t>var</a:t>
+            </a:r>
+            <a:r>
+              <a:rPr kumimoji="0" lang="en-US" altLang="en-US" sz="2400" b="0" i="0" u="none" strike="noStrike" cap="none" normalizeH="0" baseline="0" dirty="0" smtClean="0">
+                <a:ln>
+                  <a:noFill/>
+                </a:ln>
+                <a:solidFill>
+                  <a:srgbClr val="569CD6"/>
+                </a:solidFill>
+                <a:effectLst/>
+                <a:latin typeface="Fira Code"/>
+              </a:rPr>
+              <a:t> </a:t>
+            </a:r>
+            <a:r>
+              <a:rPr kumimoji="0" lang="en-US" altLang="en-US" sz="2400" b="0" i="0" u="none" strike="noStrike" cap="none" normalizeH="0" baseline="0" dirty="0" smtClean="0">
+                <a:ln>
+                  <a:noFill/>
+                </a:ln>
+                <a:solidFill>
+                  <a:srgbClr val="DCDCDC"/>
+                </a:solidFill>
+                <a:effectLst/>
+                <a:latin typeface="Fira Code"/>
+              </a:rPr>
+              <a:t>@object = (</a:t>
+            </a:r>
+            <a:r>
+              <a:rPr kumimoji="0" lang="en-US" altLang="en-US" sz="2400" b="0" i="0" u="none" strike="noStrike" cap="none" normalizeH="0" baseline="0" dirty="0" err="1" smtClean="0">
+                <a:ln>
+                  <a:noFill/>
+                </a:ln>
+                <a:solidFill>
+                  <a:srgbClr val="ADD8E6"/>
+                </a:solidFill>
+                <a:effectLst/>
+                <a:latin typeface="Fira Code"/>
+              </a:rPr>
+              <a:t>BsonDocument</a:t>
+            </a:r>
+            <a:r>
+              <a:rPr kumimoji="0" lang="en-US" altLang="en-US" sz="2400" b="0" i="0" u="none" strike="noStrike" cap="none" normalizeH="0" baseline="0" dirty="0" smtClean="0">
+                <a:ln>
+                  <a:noFill/>
+                </a:ln>
+                <a:solidFill>
+                  <a:srgbClr val="DCDCDC"/>
+                </a:solidFill>
+                <a:effectLst/>
+                <a:latin typeface="Fira Code"/>
+              </a:rPr>
+              <a:t>) operation[</a:t>
+            </a:r>
+            <a:r>
+              <a:rPr kumimoji="0" lang="en-US" altLang="en-US" sz="2400" b="0" i="0" u="none" strike="noStrike" cap="none" normalizeH="0" baseline="0" dirty="0" smtClean="0">
+                <a:ln>
+                  <a:noFill/>
+                </a:ln>
+                <a:solidFill>
+                  <a:srgbClr val="D69D85"/>
+                </a:solidFill>
+                <a:effectLst/>
+                <a:latin typeface="Fira Code"/>
+              </a:rPr>
+              <a:t>"o"</a:t>
+            </a:r>
+            <a:r>
+              <a:rPr kumimoji="0" lang="en-US" altLang="en-US" sz="2400" b="0" i="0" u="none" strike="noStrike" cap="none" normalizeH="0" baseline="0" dirty="0" smtClean="0">
+                <a:ln>
+                  <a:noFill/>
+                </a:ln>
+                <a:solidFill>
+                  <a:srgbClr val="DCDCDC"/>
+                </a:solidFill>
+                <a:effectLst/>
+                <a:latin typeface="Fira Code"/>
+              </a:rPr>
+              <a:t>];</a:t>
+            </a:r>
+            <a:br>
+              <a:rPr kumimoji="0" lang="en-US" altLang="en-US" sz="2400" b="0" i="0" u="none" strike="noStrike" cap="none" normalizeH="0" baseline="0" dirty="0" smtClean="0">
+                <a:ln>
+                  <a:noFill/>
+                </a:ln>
+                <a:solidFill>
+                  <a:srgbClr val="DCDCDC"/>
+                </a:solidFill>
+                <a:effectLst/>
+                <a:latin typeface="Fira Code"/>
+              </a:rPr>
+            </a:br>
+            <a:r>
+              <a:rPr kumimoji="0" lang="en-US" altLang="en-US" sz="2400" b="0" i="0" u="none" strike="noStrike" cap="none" normalizeH="0" baseline="0" dirty="0" smtClean="0">
+                <a:ln>
+                  <a:noFill/>
+                </a:ln>
+                <a:solidFill>
+                  <a:srgbClr val="569CD6"/>
+                </a:solidFill>
+                <a:effectLst/>
+                <a:latin typeface="Fira Code"/>
+              </a:rPr>
+              <a:t>switch </a:t>
+            </a:r>
+            <a:r>
+              <a:rPr kumimoji="0" lang="en-US" altLang="en-US" sz="2400" b="0" i="0" u="none" strike="noStrike" cap="none" normalizeH="0" baseline="0" dirty="0" smtClean="0">
+                <a:ln>
+                  <a:noFill/>
+                </a:ln>
+                <a:solidFill>
+                  <a:srgbClr val="DCDCDC"/>
+                </a:solidFill>
+                <a:effectLst/>
+                <a:latin typeface="Fira Code"/>
+              </a:rPr>
+              <a:t>((</a:t>
+            </a:r>
+            <a:r>
+              <a:rPr kumimoji="0" lang="en-US" altLang="en-US" sz="2400" b="0" i="0" u="none" strike="noStrike" cap="none" normalizeH="0" baseline="0" dirty="0" smtClean="0">
+                <a:ln>
+                  <a:noFill/>
+                </a:ln>
+                <a:solidFill>
+                  <a:srgbClr val="569CD6"/>
+                </a:solidFill>
+                <a:effectLst/>
+                <a:latin typeface="Fira Code"/>
+              </a:rPr>
+              <a:t>string</a:t>
+            </a:r>
+            <a:r>
+              <a:rPr kumimoji="0" lang="en-US" altLang="en-US" sz="2400" b="0" i="0" u="none" strike="noStrike" cap="none" normalizeH="0" baseline="0" dirty="0" smtClean="0">
+                <a:ln>
+                  <a:noFill/>
+                </a:ln>
+                <a:solidFill>
+                  <a:srgbClr val="DCDCDC"/>
+                </a:solidFill>
+                <a:effectLst/>
+                <a:latin typeface="Fira Code"/>
+              </a:rPr>
+              <a:t>) operation[</a:t>
+            </a:r>
+            <a:r>
+              <a:rPr kumimoji="0" lang="en-US" altLang="en-US" sz="2400" b="0" i="0" u="none" strike="noStrike" cap="none" normalizeH="0" baseline="0" dirty="0" smtClean="0">
+                <a:ln>
+                  <a:noFill/>
+                </a:ln>
+                <a:solidFill>
+                  <a:srgbClr val="D69D85"/>
+                </a:solidFill>
+                <a:effectLst/>
+                <a:latin typeface="Fira Code"/>
+              </a:rPr>
+              <a:t>"op</a:t>
+            </a:r>
+            <a:r>
+              <a:rPr kumimoji="0" lang="en-US" altLang="en-US" sz="2400" b="0" i="0" u="none" strike="noStrike" cap="none" normalizeH="0" baseline="0" dirty="0" smtClean="0">
+                <a:ln>
+                  <a:noFill/>
+                </a:ln>
+                <a:solidFill>
+                  <a:srgbClr val="D69D85"/>
+                </a:solidFill>
+                <a:effectLst/>
+                <a:latin typeface="Fira Code"/>
+              </a:rPr>
+              <a:t>"</a:t>
+            </a:r>
+            <a:r>
+              <a:rPr kumimoji="0" lang="en-US" altLang="en-US" sz="2400" b="0" i="0" u="none" strike="noStrike" cap="none" normalizeH="0" baseline="0" dirty="0" smtClean="0">
+                <a:ln>
+                  <a:noFill/>
+                </a:ln>
+                <a:solidFill>
+                  <a:srgbClr val="DCDCDC"/>
+                </a:solidFill>
+                <a:effectLst/>
+                <a:latin typeface="Fira Code"/>
+              </a:rPr>
+              <a:t>])</a:t>
+            </a:r>
+            <a:br>
+              <a:rPr kumimoji="0" lang="en-US" altLang="en-US" sz="2400" b="0" i="0" u="none" strike="noStrike" cap="none" normalizeH="0" baseline="0" dirty="0" smtClean="0">
+                <a:ln>
+                  <a:noFill/>
+                </a:ln>
+                <a:solidFill>
+                  <a:srgbClr val="DCDCDC"/>
+                </a:solidFill>
+                <a:effectLst/>
+                <a:latin typeface="Fira Code"/>
+              </a:rPr>
+            </a:br>
+            <a:r>
+              <a:rPr kumimoji="0" lang="en-US" altLang="en-US" sz="2400" b="0" i="0" u="none" strike="noStrike" cap="none" normalizeH="0" baseline="0" dirty="0" smtClean="0">
+                <a:ln>
+                  <a:noFill/>
+                </a:ln>
+                <a:solidFill>
+                  <a:srgbClr val="DCDCDC"/>
+                </a:solidFill>
+                <a:effectLst/>
+                <a:latin typeface="Fira Code"/>
+              </a:rPr>
+              <a:t>{</a:t>
+            </a:r>
+            <a:r>
+              <a:rPr kumimoji="0" lang="en-US" altLang="en-US" sz="2400" b="0" i="0" u="none" strike="noStrike" cap="none" normalizeH="0" baseline="0" dirty="0" smtClean="0">
+                <a:ln>
+                  <a:noFill/>
+                </a:ln>
+                <a:solidFill>
+                  <a:srgbClr val="DCDCDC"/>
+                </a:solidFill>
+                <a:effectLst/>
+                <a:latin typeface="Fira Code"/>
+              </a:rPr>
+              <a:t/>
+            </a:r>
+            <a:br>
+              <a:rPr kumimoji="0" lang="en-US" altLang="en-US" sz="2400" b="0" i="0" u="none" strike="noStrike" cap="none" normalizeH="0" baseline="0" dirty="0" smtClean="0">
+                <a:ln>
+                  <a:noFill/>
+                </a:ln>
+                <a:solidFill>
+                  <a:srgbClr val="DCDCDC"/>
+                </a:solidFill>
+                <a:effectLst/>
+                <a:latin typeface="Fira Code"/>
+              </a:rPr>
+            </a:br>
+            <a:r>
+              <a:rPr kumimoji="0" lang="en-US" altLang="en-US" sz="2400" b="0" i="0" u="none" strike="noStrike" cap="none" normalizeH="0" baseline="0" dirty="0" smtClean="0">
+                <a:ln>
+                  <a:noFill/>
+                </a:ln>
+                <a:solidFill>
+                  <a:srgbClr val="DCDCDC"/>
+                </a:solidFill>
+                <a:effectLst/>
+                <a:latin typeface="Fira Code"/>
+              </a:rPr>
+              <a:t>    </a:t>
+            </a:r>
+            <a:r>
+              <a:rPr kumimoji="0" lang="en-US" altLang="en-US" sz="2400" b="0" i="0" u="none" strike="noStrike" cap="none" normalizeH="0" baseline="0" dirty="0" smtClean="0">
+                <a:ln>
+                  <a:noFill/>
+                </a:ln>
+                <a:solidFill>
+                  <a:srgbClr val="569CD6"/>
+                </a:solidFill>
+                <a:effectLst/>
+                <a:latin typeface="Fira Code"/>
+              </a:rPr>
+              <a:t>case </a:t>
+            </a:r>
+            <a:r>
+              <a:rPr kumimoji="0" lang="en-US" altLang="en-US" sz="2400" b="0" i="0" u="none" strike="noStrike" cap="none" normalizeH="0" baseline="0" dirty="0" smtClean="0">
+                <a:ln>
+                  <a:noFill/>
+                </a:ln>
+                <a:solidFill>
+                  <a:srgbClr val="D69D85"/>
+                </a:solidFill>
+                <a:effectLst/>
+                <a:latin typeface="Fira Code"/>
+              </a:rPr>
+              <a:t>"</a:t>
+            </a:r>
+            <a:r>
+              <a:rPr kumimoji="0" lang="en-US" altLang="en-US" sz="2400" b="0" i="0" u="none" strike="noStrike" cap="none" normalizeH="0" baseline="0" dirty="0" err="1" smtClean="0">
+                <a:ln>
+                  <a:noFill/>
+                </a:ln>
+                <a:solidFill>
+                  <a:srgbClr val="D69D85"/>
+                </a:solidFill>
+                <a:effectLst/>
+                <a:latin typeface="Fira Code"/>
+              </a:rPr>
+              <a:t>i</a:t>
+            </a:r>
+            <a:r>
+              <a:rPr kumimoji="0" lang="en-US" altLang="en-US" sz="2400" b="0" i="0" u="none" strike="noStrike" cap="none" normalizeH="0" baseline="0" dirty="0" smtClean="0">
+                <a:ln>
+                  <a:noFill/>
+                </a:ln>
+                <a:solidFill>
+                  <a:srgbClr val="D69D85"/>
+                </a:solidFill>
+                <a:effectLst/>
+                <a:latin typeface="Fira Code"/>
+              </a:rPr>
+              <a:t>"</a:t>
+            </a:r>
+            <a:r>
+              <a:rPr kumimoji="0" lang="en-US" altLang="en-US" sz="2400" b="0" i="0" u="none" strike="noStrike" cap="none" normalizeH="0" baseline="0" dirty="0" smtClean="0">
+                <a:ln>
+                  <a:noFill/>
+                </a:ln>
+                <a:solidFill>
+                  <a:srgbClr val="DCDCDC"/>
+                </a:solidFill>
+                <a:effectLst/>
+                <a:latin typeface="Fira Code"/>
+              </a:rPr>
+              <a:t>:</a:t>
+            </a:r>
+            <a:br>
+              <a:rPr kumimoji="0" lang="en-US" altLang="en-US" sz="2400" b="0" i="0" u="none" strike="noStrike" cap="none" normalizeH="0" baseline="0" dirty="0" smtClean="0">
+                <a:ln>
+                  <a:noFill/>
+                </a:ln>
+                <a:solidFill>
+                  <a:srgbClr val="DCDCDC"/>
+                </a:solidFill>
+                <a:effectLst/>
+                <a:latin typeface="Fira Code"/>
+              </a:rPr>
+            </a:br>
+            <a:r>
+              <a:rPr kumimoji="0" lang="en-US" altLang="en-US" sz="2400" b="0" i="0" u="none" strike="noStrike" cap="none" normalizeH="0" baseline="0" dirty="0" smtClean="0">
+                <a:ln>
+                  <a:noFill/>
+                </a:ln>
+                <a:solidFill>
+                  <a:srgbClr val="DCDCDC"/>
+                </a:solidFill>
+                <a:effectLst/>
+                <a:latin typeface="Fira Code"/>
+              </a:rPr>
+              <a:t>    {</a:t>
+            </a:r>
+            <a:r>
+              <a:rPr kumimoji="0" lang="en-US" altLang="en-US" sz="2400" b="0" i="0" u="none" strike="noStrike" cap="none" normalizeH="0" baseline="0" dirty="0" smtClean="0">
+                <a:ln>
+                  <a:noFill/>
+                </a:ln>
+                <a:solidFill>
+                  <a:srgbClr val="DCDCDC"/>
+                </a:solidFill>
+                <a:effectLst/>
+                <a:latin typeface="Fira Code"/>
+              </a:rPr>
+              <a:t/>
+            </a:r>
+            <a:br>
+              <a:rPr kumimoji="0" lang="en-US" altLang="en-US" sz="2400" b="0" i="0" u="none" strike="noStrike" cap="none" normalizeH="0" baseline="0" dirty="0" smtClean="0">
+                <a:ln>
+                  <a:noFill/>
+                </a:ln>
+                <a:solidFill>
+                  <a:srgbClr val="DCDCDC"/>
+                </a:solidFill>
+                <a:effectLst/>
+                <a:latin typeface="Fira Code"/>
+              </a:rPr>
+            </a:br>
+            <a:r>
+              <a:rPr kumimoji="0" lang="en-US" altLang="en-US" sz="2400" b="0" i="0" u="none" strike="noStrike" cap="none" normalizeH="0" baseline="0" dirty="0" smtClean="0">
+                <a:ln>
+                  <a:noFill/>
+                </a:ln>
+                <a:solidFill>
+                  <a:srgbClr val="DCDCDC"/>
+                </a:solidFill>
+                <a:effectLst/>
+                <a:latin typeface="Fira Code"/>
+              </a:rPr>
+              <a:t>        </a:t>
+            </a:r>
+            <a:r>
+              <a:rPr kumimoji="0" lang="en-US" altLang="en-US" sz="2400" b="0" i="0" u="none" strike="noStrike" cap="none" normalizeH="0" baseline="0" dirty="0" err="1" smtClean="0">
+                <a:ln>
+                  <a:noFill/>
+                </a:ln>
+                <a:solidFill>
+                  <a:srgbClr val="00FFFF"/>
+                </a:solidFill>
+                <a:effectLst/>
+                <a:latin typeface="Fira Code"/>
+              </a:rPr>
+              <a:t>EmitDomainEvents</a:t>
+            </a:r>
+            <a:r>
+              <a:rPr kumimoji="0" lang="en-US" altLang="en-US" sz="2400" b="0" i="0" u="none" strike="noStrike" cap="none" normalizeH="0" baseline="0" dirty="0" smtClean="0">
+                <a:ln>
+                  <a:noFill/>
+                </a:ln>
+                <a:solidFill>
+                  <a:srgbClr val="DCDCDC"/>
+                </a:solidFill>
+                <a:effectLst/>
+                <a:latin typeface="Fira Code"/>
+              </a:rPr>
+              <a:t>(@object);</a:t>
+            </a:r>
+            <a:br>
+              <a:rPr kumimoji="0" lang="en-US" altLang="en-US" sz="2400" b="0" i="0" u="none" strike="noStrike" cap="none" normalizeH="0" baseline="0" dirty="0" smtClean="0">
+                <a:ln>
+                  <a:noFill/>
+                </a:ln>
+                <a:solidFill>
+                  <a:srgbClr val="DCDCDC"/>
+                </a:solidFill>
+                <a:effectLst/>
+                <a:latin typeface="Fira Code"/>
+              </a:rPr>
+            </a:br>
+            <a:r>
+              <a:rPr kumimoji="0" lang="en-US" altLang="en-US" sz="2400" b="0" i="0" u="none" strike="noStrike" cap="none" normalizeH="0" baseline="0" dirty="0" smtClean="0">
+                <a:ln>
+                  <a:noFill/>
+                </a:ln>
+                <a:solidFill>
+                  <a:srgbClr val="DCDCDC"/>
+                </a:solidFill>
+                <a:effectLst/>
+                <a:latin typeface="Fira Code"/>
+              </a:rPr>
+              <a:t>        </a:t>
+            </a:r>
+            <a:r>
+              <a:rPr kumimoji="0" lang="en-US" altLang="en-US" sz="2400" b="0" i="0" u="none" strike="noStrike" cap="none" normalizeH="0" baseline="0" dirty="0" smtClean="0">
+                <a:ln>
+                  <a:noFill/>
+                </a:ln>
+                <a:solidFill>
+                  <a:srgbClr val="569CD6"/>
+                </a:solidFill>
+                <a:effectLst/>
+                <a:latin typeface="Fira Code"/>
+              </a:rPr>
+              <a:t>break</a:t>
+            </a:r>
+            <a:r>
+              <a:rPr kumimoji="0" lang="en-US" altLang="en-US" sz="2400" b="0" i="0" u="none" strike="noStrike" cap="none" normalizeH="0" baseline="0" dirty="0" smtClean="0">
+                <a:ln>
+                  <a:noFill/>
+                </a:ln>
+                <a:solidFill>
+                  <a:srgbClr val="DCDCDC"/>
+                </a:solidFill>
+                <a:effectLst/>
+                <a:latin typeface="Fira Code"/>
+              </a:rPr>
+              <a:t>;</a:t>
+            </a:r>
+            <a:br>
+              <a:rPr kumimoji="0" lang="en-US" altLang="en-US" sz="2400" b="0" i="0" u="none" strike="noStrike" cap="none" normalizeH="0" baseline="0" dirty="0" smtClean="0">
+                <a:ln>
+                  <a:noFill/>
+                </a:ln>
+                <a:solidFill>
+                  <a:srgbClr val="DCDCDC"/>
+                </a:solidFill>
+                <a:effectLst/>
+                <a:latin typeface="Fira Code"/>
+              </a:rPr>
+            </a:br>
+            <a:r>
+              <a:rPr kumimoji="0" lang="en-US" altLang="en-US" sz="2400" b="0" i="0" u="none" strike="noStrike" cap="none" normalizeH="0" baseline="0" dirty="0" smtClean="0">
+                <a:ln>
+                  <a:noFill/>
+                </a:ln>
+                <a:solidFill>
+                  <a:srgbClr val="DCDCDC"/>
+                </a:solidFill>
+                <a:effectLst/>
+                <a:latin typeface="Fira Code"/>
+              </a:rPr>
+              <a:t>    }</a:t>
+            </a:r>
+            <a:r>
+              <a:rPr kumimoji="0" lang="en-US" altLang="en-US" sz="2400" b="0" i="0" u="none" strike="noStrike" cap="none" normalizeH="0" baseline="0" dirty="0" smtClean="0">
+                <a:ln>
+                  <a:noFill/>
+                </a:ln>
+                <a:solidFill>
+                  <a:srgbClr val="DCDCDC"/>
+                </a:solidFill>
+                <a:effectLst/>
+                <a:latin typeface="Fira Code"/>
+              </a:rPr>
+              <a:t/>
+            </a:r>
+            <a:br>
+              <a:rPr kumimoji="0" lang="en-US" altLang="en-US" sz="2400" b="0" i="0" u="none" strike="noStrike" cap="none" normalizeH="0" baseline="0" dirty="0" smtClean="0">
+                <a:ln>
+                  <a:noFill/>
+                </a:ln>
+                <a:solidFill>
+                  <a:srgbClr val="DCDCDC"/>
+                </a:solidFill>
+                <a:effectLst/>
+                <a:latin typeface="Fira Code"/>
+              </a:rPr>
+            </a:br>
+            <a:r>
+              <a:rPr kumimoji="0" lang="en-US" altLang="en-US" sz="2400" b="0" i="0" u="none" strike="noStrike" cap="none" normalizeH="0" baseline="0" dirty="0" smtClean="0">
+                <a:ln>
+                  <a:noFill/>
+                </a:ln>
+                <a:solidFill>
+                  <a:srgbClr val="DCDCDC"/>
+                </a:solidFill>
+                <a:effectLst/>
+                <a:latin typeface="Fira Code"/>
+              </a:rPr>
+              <a:t>    </a:t>
+            </a:r>
+            <a:r>
+              <a:rPr kumimoji="0" lang="en-US" altLang="en-US" sz="2400" b="0" i="0" u="none" strike="noStrike" cap="none" normalizeH="0" baseline="0" dirty="0" smtClean="0">
+                <a:ln>
+                  <a:noFill/>
+                </a:ln>
+                <a:solidFill>
+                  <a:srgbClr val="569CD6"/>
+                </a:solidFill>
+                <a:effectLst/>
+                <a:latin typeface="Fira Code"/>
+              </a:rPr>
+              <a:t>case </a:t>
+            </a:r>
+            <a:r>
+              <a:rPr kumimoji="0" lang="en-US" altLang="en-US" sz="2400" b="0" i="0" u="none" strike="noStrike" cap="none" normalizeH="0" baseline="0" dirty="0" smtClean="0">
+                <a:ln>
+                  <a:noFill/>
+                </a:ln>
+                <a:solidFill>
+                  <a:srgbClr val="D69D85"/>
+                </a:solidFill>
+                <a:effectLst/>
+                <a:latin typeface="Fira Code"/>
+              </a:rPr>
+              <a:t>"u"</a:t>
+            </a:r>
+            <a:r>
+              <a:rPr kumimoji="0" lang="en-US" altLang="en-US" sz="2400" b="0" i="0" u="none" strike="noStrike" cap="none" normalizeH="0" baseline="0" dirty="0" smtClean="0">
+                <a:ln>
+                  <a:noFill/>
+                </a:ln>
+                <a:solidFill>
+                  <a:srgbClr val="DCDCDC"/>
+                </a:solidFill>
+                <a:effectLst/>
+                <a:latin typeface="Fira Code"/>
+              </a:rPr>
+              <a:t>:</a:t>
+            </a:r>
+            <a:br>
+              <a:rPr kumimoji="0" lang="en-US" altLang="en-US" sz="2400" b="0" i="0" u="none" strike="noStrike" cap="none" normalizeH="0" baseline="0" dirty="0" smtClean="0">
+                <a:ln>
+                  <a:noFill/>
+                </a:ln>
+                <a:solidFill>
+                  <a:srgbClr val="DCDCDC"/>
+                </a:solidFill>
+                <a:effectLst/>
+                <a:latin typeface="Fira Code"/>
+              </a:rPr>
+            </a:br>
+            <a:r>
+              <a:rPr kumimoji="0" lang="en-US" altLang="en-US" sz="2400" b="0" i="0" u="none" strike="noStrike" cap="none" normalizeH="0" baseline="0" dirty="0" smtClean="0">
+                <a:ln>
+                  <a:noFill/>
+                </a:ln>
+                <a:solidFill>
+                  <a:srgbClr val="DCDCDC"/>
+                </a:solidFill>
+                <a:effectLst/>
+                <a:latin typeface="Fira Code"/>
+              </a:rPr>
+              <a:t>    </a:t>
+            </a:r>
+            <a:r>
+              <a:rPr kumimoji="0" lang="en-US" altLang="en-US" sz="2400" b="0" i="0" u="none" strike="noStrike" cap="none" normalizeH="0" baseline="0" dirty="0" smtClean="0">
+                <a:ln>
+                  <a:noFill/>
+                </a:ln>
+                <a:solidFill>
+                  <a:srgbClr val="DCDCDC"/>
+                </a:solidFill>
+                <a:effectLst/>
+                <a:latin typeface="Fira Code"/>
+              </a:rPr>
+              <a:t>{</a:t>
+            </a:r>
+            <a:r>
+              <a:rPr kumimoji="0" lang="en-US" altLang="en-US" sz="2400" b="0" i="0" u="none" strike="noStrike" cap="none" normalizeH="0" baseline="0" dirty="0" smtClean="0">
+                <a:ln>
+                  <a:noFill/>
+                </a:ln>
+                <a:solidFill>
+                  <a:srgbClr val="DCDCDC"/>
+                </a:solidFill>
+                <a:effectLst/>
+                <a:latin typeface="Fira Code"/>
+              </a:rPr>
+              <a:t/>
+            </a:r>
+            <a:br>
+              <a:rPr kumimoji="0" lang="en-US" altLang="en-US" sz="2400" b="0" i="0" u="none" strike="noStrike" cap="none" normalizeH="0" baseline="0" dirty="0" smtClean="0">
+                <a:ln>
+                  <a:noFill/>
+                </a:ln>
+                <a:solidFill>
+                  <a:srgbClr val="DCDCDC"/>
+                </a:solidFill>
+                <a:effectLst/>
+                <a:latin typeface="Fira Code"/>
+              </a:rPr>
+            </a:br>
+            <a:r>
+              <a:rPr kumimoji="0" lang="en-US" altLang="en-US" sz="2400" b="0" i="0" u="none" strike="noStrike" cap="none" normalizeH="0" baseline="0" dirty="0" smtClean="0">
+                <a:ln>
+                  <a:noFill/>
+                </a:ln>
+                <a:solidFill>
+                  <a:srgbClr val="DCDCDC"/>
+                </a:solidFill>
+                <a:effectLst/>
+                <a:latin typeface="Fira Code"/>
+              </a:rPr>
+              <a:t>        </a:t>
+            </a:r>
+            <a:r>
+              <a:rPr kumimoji="0" lang="en-US" altLang="en-US" sz="2400" b="0" i="0" u="none" strike="noStrike" cap="none" normalizeH="0" baseline="0" dirty="0" smtClean="0">
+                <a:ln>
+                  <a:noFill/>
+                </a:ln>
+                <a:solidFill>
+                  <a:srgbClr val="569CD6"/>
+                </a:solidFill>
+                <a:effectLst/>
+                <a:latin typeface="Fira Code"/>
+              </a:rPr>
+              <a:t>if </a:t>
+            </a:r>
+            <a:r>
+              <a:rPr kumimoji="0" lang="en-US" altLang="en-US" sz="2400" b="0" i="0" u="none" strike="noStrike" cap="none" normalizeH="0" baseline="0" dirty="0" smtClean="0">
+                <a:ln>
+                  <a:noFill/>
+                </a:ln>
+                <a:solidFill>
+                  <a:srgbClr val="DCDCDC"/>
+                </a:solidFill>
+                <a:effectLst/>
+                <a:latin typeface="Fira Code"/>
+              </a:rPr>
+              <a:t>(@</a:t>
+            </a:r>
+            <a:r>
+              <a:rPr kumimoji="0" lang="en-US" altLang="en-US" sz="2400" b="0" i="0" u="none" strike="noStrike" cap="none" normalizeH="0" baseline="0" dirty="0" err="1" smtClean="0">
+                <a:ln>
+                  <a:noFill/>
+                </a:ln>
+                <a:solidFill>
+                  <a:srgbClr val="DCDCDC"/>
+                </a:solidFill>
+                <a:effectLst/>
+                <a:latin typeface="Fira Code"/>
+              </a:rPr>
+              <a:t>object.</a:t>
+            </a:r>
+            <a:r>
+              <a:rPr kumimoji="0" lang="en-US" altLang="en-US" sz="2400" b="0" i="0" u="none" strike="noStrike" cap="none" normalizeH="0" baseline="0" dirty="0" err="1" smtClean="0">
+                <a:ln>
+                  <a:noFill/>
+                </a:ln>
+                <a:solidFill>
+                  <a:srgbClr val="00FFFF"/>
+                </a:solidFill>
+                <a:effectLst/>
+                <a:latin typeface="Fira Code"/>
+              </a:rPr>
+              <a:t>TryGetValue</a:t>
+            </a:r>
+            <a:r>
+              <a:rPr kumimoji="0" lang="en-US" altLang="en-US" sz="2400" b="0" i="0" u="none" strike="noStrike" cap="none" normalizeH="0" baseline="0" dirty="0" smtClean="0">
+                <a:ln>
+                  <a:noFill/>
+                </a:ln>
+                <a:solidFill>
+                  <a:srgbClr val="DCDCDC"/>
+                </a:solidFill>
+                <a:effectLst/>
+                <a:latin typeface="Fira Code"/>
+              </a:rPr>
+              <a:t>(</a:t>
+            </a:r>
+            <a:r>
+              <a:rPr kumimoji="0" lang="en-US" altLang="en-US" sz="2400" b="0" i="0" u="none" strike="noStrike" cap="none" normalizeH="0" baseline="0" dirty="0" smtClean="0">
+                <a:ln>
+                  <a:noFill/>
+                </a:ln>
+                <a:solidFill>
+                  <a:srgbClr val="D69D85"/>
+                </a:solidFill>
+                <a:effectLst/>
+                <a:latin typeface="Fira Code"/>
+              </a:rPr>
+              <a:t>"$set"</a:t>
+            </a:r>
+            <a:r>
+              <a:rPr kumimoji="0" lang="en-US" altLang="en-US" sz="2400" b="0" i="0" u="none" strike="noStrike" cap="none" normalizeH="0" baseline="0" dirty="0" smtClean="0">
+                <a:ln>
+                  <a:noFill/>
+                </a:ln>
+                <a:solidFill>
+                  <a:srgbClr val="DCDCDC"/>
+                </a:solidFill>
+                <a:effectLst/>
+                <a:latin typeface="Fira Code"/>
+              </a:rPr>
+              <a:t>, </a:t>
+            </a:r>
+            <a:r>
+              <a:rPr kumimoji="0" lang="en-US" altLang="en-US" sz="2400" b="0" i="0" u="none" strike="noStrike" cap="none" normalizeH="0" baseline="0" dirty="0" smtClean="0">
+                <a:ln>
+                  <a:noFill/>
+                </a:ln>
+                <a:solidFill>
+                  <a:srgbClr val="569CD6"/>
+                </a:solidFill>
+                <a:effectLst/>
+                <a:latin typeface="Fira Code"/>
+              </a:rPr>
+              <a:t>out </a:t>
+            </a:r>
+            <a:r>
+              <a:rPr kumimoji="0" lang="en-US" altLang="en-US" sz="2400" b="0" i="0" u="none" strike="noStrike" cap="none" normalizeH="0" baseline="0" dirty="0" err="1" smtClean="0">
+                <a:ln>
+                  <a:noFill/>
+                </a:ln>
+                <a:solidFill>
+                  <a:srgbClr val="569CD6"/>
+                </a:solidFill>
+                <a:effectLst/>
+                <a:latin typeface="Fira Code"/>
+              </a:rPr>
+              <a:t>var</a:t>
+            </a:r>
+            <a:r>
+              <a:rPr kumimoji="0" lang="en-US" altLang="en-US" sz="2400" b="0" i="0" u="none" strike="noStrike" cap="none" normalizeH="0" baseline="0" dirty="0" smtClean="0">
+                <a:ln>
+                  <a:noFill/>
+                </a:ln>
+                <a:solidFill>
+                  <a:srgbClr val="569CD6"/>
+                </a:solidFill>
+                <a:effectLst/>
+                <a:latin typeface="Fira Code"/>
+              </a:rPr>
+              <a:t> </a:t>
+            </a:r>
+            <a:r>
+              <a:rPr kumimoji="0" lang="en-US" altLang="en-US" sz="2400" b="0" i="0" u="none" strike="noStrike" cap="none" normalizeH="0" baseline="0" dirty="0" smtClean="0">
+                <a:ln>
+                  <a:noFill/>
+                </a:ln>
+                <a:solidFill>
+                  <a:srgbClr val="DCDCDC"/>
+                </a:solidFill>
+                <a:effectLst/>
+                <a:latin typeface="Fira Code"/>
+              </a:rPr>
+              <a:t>set))</a:t>
+            </a:r>
+            <a:br>
+              <a:rPr kumimoji="0" lang="en-US" altLang="en-US" sz="2400" b="0" i="0" u="none" strike="noStrike" cap="none" normalizeH="0" baseline="0" dirty="0" smtClean="0">
+                <a:ln>
+                  <a:noFill/>
+                </a:ln>
+                <a:solidFill>
+                  <a:srgbClr val="DCDCDC"/>
+                </a:solidFill>
+                <a:effectLst/>
+                <a:latin typeface="Fira Code"/>
+              </a:rPr>
+            </a:br>
+            <a:r>
+              <a:rPr kumimoji="0" lang="en-US" altLang="en-US" sz="2400" b="0" i="0" u="none" strike="noStrike" cap="none" normalizeH="0" baseline="0" dirty="0" smtClean="0">
+                <a:ln>
+                  <a:noFill/>
+                </a:ln>
+                <a:solidFill>
+                  <a:srgbClr val="DCDCDC"/>
+                </a:solidFill>
+                <a:effectLst/>
+                <a:latin typeface="Fira Code"/>
+              </a:rPr>
+              <a:t>            </a:t>
+            </a:r>
+            <a:r>
+              <a:rPr lang="en-US" altLang="en-US" sz="2400" dirty="0" err="1" smtClean="0">
+                <a:solidFill>
+                  <a:srgbClr val="00FFFF"/>
+                </a:solidFill>
+                <a:latin typeface="Fira Code"/>
+              </a:rPr>
+              <a:t>EmitDomainEvents</a:t>
+            </a:r>
+            <a:r>
+              <a:rPr kumimoji="0" lang="en-US" altLang="en-US" sz="2400" b="0" i="0" u="none" strike="noStrike" cap="none" normalizeH="0" baseline="0" dirty="0" smtClean="0">
+                <a:ln>
+                  <a:noFill/>
+                </a:ln>
+                <a:solidFill>
+                  <a:srgbClr val="DCDCDC"/>
+                </a:solidFill>
+                <a:effectLst/>
+                <a:latin typeface="Fira Code"/>
+              </a:rPr>
+              <a:t>((</a:t>
+            </a:r>
+            <a:r>
+              <a:rPr kumimoji="0" lang="en-US" altLang="en-US" sz="2400" b="0" i="0" u="none" strike="noStrike" cap="none" normalizeH="0" baseline="0" dirty="0" err="1" smtClean="0">
+                <a:ln>
+                  <a:noFill/>
+                </a:ln>
+                <a:solidFill>
+                  <a:srgbClr val="ADD8E6"/>
+                </a:solidFill>
+                <a:effectLst/>
+                <a:latin typeface="Fira Code"/>
+              </a:rPr>
+              <a:t>BsonDocument</a:t>
+            </a:r>
+            <a:r>
+              <a:rPr kumimoji="0" lang="en-US" altLang="en-US" sz="2400" b="0" i="0" u="none" strike="noStrike" cap="none" normalizeH="0" baseline="0" dirty="0" smtClean="0">
+                <a:ln>
+                  <a:noFill/>
+                </a:ln>
+                <a:solidFill>
+                  <a:srgbClr val="DCDCDC"/>
+                </a:solidFill>
+                <a:effectLst/>
+                <a:latin typeface="Fira Code"/>
+              </a:rPr>
+              <a:t>) set);</a:t>
+            </a:r>
+            <a:br>
+              <a:rPr kumimoji="0" lang="en-US" altLang="en-US" sz="2400" b="0" i="0" u="none" strike="noStrike" cap="none" normalizeH="0" baseline="0" dirty="0" smtClean="0">
+                <a:ln>
+                  <a:noFill/>
+                </a:ln>
+                <a:solidFill>
+                  <a:srgbClr val="DCDCDC"/>
+                </a:solidFill>
+                <a:effectLst/>
+                <a:latin typeface="Fira Code"/>
+              </a:rPr>
+            </a:br>
+            <a:r>
+              <a:rPr kumimoji="0" lang="en-US" altLang="en-US" sz="2400" b="0" i="0" u="none" strike="noStrike" cap="none" normalizeH="0" baseline="0" dirty="0" smtClean="0">
+                <a:ln>
+                  <a:noFill/>
+                </a:ln>
+                <a:solidFill>
+                  <a:srgbClr val="DCDCDC"/>
+                </a:solidFill>
+                <a:effectLst/>
+                <a:latin typeface="Fira Code"/>
+              </a:rPr>
+              <a:t>        </a:t>
+            </a:r>
+            <a:r>
+              <a:rPr kumimoji="0" lang="en-US" altLang="en-US" sz="2400" b="0" i="0" u="none" strike="noStrike" cap="none" normalizeH="0" baseline="0" dirty="0" smtClean="0">
+                <a:ln>
+                  <a:noFill/>
+                </a:ln>
+                <a:solidFill>
+                  <a:srgbClr val="569CD6"/>
+                </a:solidFill>
+                <a:effectLst/>
+                <a:latin typeface="Fira Code"/>
+              </a:rPr>
+              <a:t>else</a:t>
+            </a:r>
+            <a:br>
+              <a:rPr kumimoji="0" lang="en-US" altLang="en-US" sz="2400" b="0" i="0" u="none" strike="noStrike" cap="none" normalizeH="0" baseline="0" dirty="0" smtClean="0">
+                <a:ln>
+                  <a:noFill/>
+                </a:ln>
+                <a:solidFill>
+                  <a:srgbClr val="569CD6"/>
+                </a:solidFill>
+                <a:effectLst/>
+                <a:latin typeface="Fira Code"/>
+              </a:rPr>
+            </a:br>
+            <a:r>
+              <a:rPr kumimoji="0" lang="en-US" altLang="en-US" sz="2400" b="0" i="0" u="none" strike="noStrike" cap="none" normalizeH="0" baseline="0" dirty="0" smtClean="0">
+                <a:ln>
+                  <a:noFill/>
+                </a:ln>
+                <a:solidFill>
+                  <a:srgbClr val="569CD6"/>
+                </a:solidFill>
+                <a:effectLst/>
+                <a:latin typeface="Fira Code"/>
+              </a:rPr>
+              <a:t>            </a:t>
+            </a:r>
+            <a:r>
+              <a:rPr kumimoji="0" lang="en-US" altLang="en-US" sz="2400" b="0" i="0" u="none" strike="noStrike" cap="none" normalizeH="0" baseline="0" dirty="0" err="1" smtClean="0">
+                <a:ln>
+                  <a:noFill/>
+                </a:ln>
+                <a:solidFill>
+                  <a:srgbClr val="00FFFF"/>
+                </a:solidFill>
+                <a:effectLst/>
+                <a:latin typeface="Fira Code"/>
+              </a:rPr>
+              <a:t>EmitDomainEvents</a:t>
+            </a:r>
+            <a:r>
+              <a:rPr kumimoji="0" lang="en-US" altLang="en-US" sz="2400" b="0" i="0" u="none" strike="noStrike" cap="none" normalizeH="0" baseline="0" dirty="0" smtClean="0">
+                <a:ln>
+                  <a:noFill/>
+                </a:ln>
+                <a:solidFill>
+                  <a:srgbClr val="DCDCDC"/>
+                </a:solidFill>
+                <a:effectLst/>
+                <a:latin typeface="Fira Code"/>
+              </a:rPr>
+              <a:t>(@object);</a:t>
+            </a:r>
+            <a:br>
+              <a:rPr kumimoji="0" lang="en-US" altLang="en-US" sz="2400" b="0" i="0" u="none" strike="noStrike" cap="none" normalizeH="0" baseline="0" dirty="0" smtClean="0">
+                <a:ln>
+                  <a:noFill/>
+                </a:ln>
+                <a:solidFill>
+                  <a:srgbClr val="DCDCDC"/>
+                </a:solidFill>
+                <a:effectLst/>
+                <a:latin typeface="Fira Code"/>
+              </a:rPr>
+            </a:br>
+            <a:r>
+              <a:rPr kumimoji="0" lang="en-US" altLang="en-US" sz="2400" b="0" i="0" u="none" strike="noStrike" cap="none" normalizeH="0" baseline="0" dirty="0" smtClean="0">
+                <a:ln>
+                  <a:noFill/>
+                </a:ln>
+                <a:solidFill>
+                  <a:srgbClr val="DCDCDC"/>
+                </a:solidFill>
+                <a:effectLst/>
+                <a:latin typeface="Fira Code"/>
+              </a:rPr>
+              <a:t>        </a:t>
+            </a:r>
+            <a:r>
+              <a:rPr kumimoji="0" lang="en-US" altLang="en-US" sz="2400" b="0" i="0" u="none" strike="noStrike" cap="none" normalizeH="0" baseline="0" dirty="0" smtClean="0">
+                <a:ln>
+                  <a:noFill/>
+                </a:ln>
+                <a:solidFill>
+                  <a:srgbClr val="569CD6"/>
+                </a:solidFill>
+                <a:effectLst/>
+                <a:latin typeface="Fira Code"/>
+              </a:rPr>
+              <a:t>break</a:t>
+            </a:r>
+            <a:r>
+              <a:rPr kumimoji="0" lang="en-US" altLang="en-US" sz="2400" b="0" i="0" u="none" strike="noStrike" cap="none" normalizeH="0" baseline="0" dirty="0" smtClean="0">
+                <a:ln>
+                  <a:noFill/>
+                </a:ln>
+                <a:solidFill>
+                  <a:srgbClr val="DCDCDC"/>
+                </a:solidFill>
+                <a:effectLst/>
+                <a:latin typeface="Fira Code"/>
+              </a:rPr>
+              <a:t>;</a:t>
+            </a:r>
+            <a:br>
+              <a:rPr kumimoji="0" lang="en-US" altLang="en-US" sz="2400" b="0" i="0" u="none" strike="noStrike" cap="none" normalizeH="0" baseline="0" dirty="0" smtClean="0">
+                <a:ln>
+                  <a:noFill/>
+                </a:ln>
+                <a:solidFill>
+                  <a:srgbClr val="DCDCDC"/>
+                </a:solidFill>
+                <a:effectLst/>
+                <a:latin typeface="Fira Code"/>
+              </a:rPr>
+            </a:br>
+            <a:r>
+              <a:rPr kumimoji="0" lang="en-US" altLang="en-US" sz="2400" b="0" i="0" u="none" strike="noStrike" cap="none" normalizeH="0" baseline="0" dirty="0" smtClean="0">
+                <a:ln>
+                  <a:noFill/>
+                </a:ln>
+                <a:solidFill>
+                  <a:srgbClr val="DCDCDC"/>
+                </a:solidFill>
+                <a:effectLst/>
+                <a:latin typeface="Fira Code"/>
+              </a:rPr>
+              <a:t>    </a:t>
+            </a:r>
+            <a:r>
+              <a:rPr kumimoji="0" lang="en-US" altLang="en-US" sz="2400" b="0" i="0" u="none" strike="noStrike" cap="none" normalizeH="0" baseline="0" dirty="0" smtClean="0">
+                <a:ln>
+                  <a:noFill/>
+                </a:ln>
+                <a:solidFill>
+                  <a:srgbClr val="DCDCDC"/>
+                </a:solidFill>
+                <a:effectLst/>
+                <a:latin typeface="Fira Code"/>
+              </a:rPr>
+              <a:t>}</a:t>
+            </a:r>
+            <a:r>
+              <a:rPr kumimoji="0" lang="en-US" altLang="en-US" sz="2400" b="0" i="0" u="none" strike="noStrike" cap="none" normalizeH="0" baseline="0" dirty="0" smtClean="0">
+                <a:ln>
+                  <a:noFill/>
+                </a:ln>
+                <a:solidFill>
+                  <a:srgbClr val="DCDCDC"/>
+                </a:solidFill>
+                <a:effectLst/>
+                <a:latin typeface="Fira Code"/>
+              </a:rPr>
+              <a:t/>
+            </a:r>
+            <a:br>
+              <a:rPr kumimoji="0" lang="en-US" altLang="en-US" sz="2400" b="0" i="0" u="none" strike="noStrike" cap="none" normalizeH="0" baseline="0" dirty="0" smtClean="0">
+                <a:ln>
+                  <a:noFill/>
+                </a:ln>
+                <a:solidFill>
+                  <a:srgbClr val="DCDCDC"/>
+                </a:solidFill>
+                <a:effectLst/>
+                <a:latin typeface="Fira Code"/>
+              </a:rPr>
+            </a:br>
+            <a:r>
+              <a:rPr kumimoji="0" lang="en-US" altLang="en-US" sz="2400" b="0" i="0" u="none" strike="noStrike" cap="none" normalizeH="0" baseline="0" dirty="0" smtClean="0">
+                <a:ln>
+                  <a:noFill/>
+                </a:ln>
+                <a:solidFill>
+                  <a:srgbClr val="DCDCDC"/>
+                </a:solidFill>
+                <a:effectLst/>
+                <a:latin typeface="Fira Code"/>
+              </a:rPr>
+              <a:t>}</a:t>
+            </a:r>
+            <a:endParaRPr kumimoji="0" lang="en-US" altLang="en-US" sz="2400" b="0" i="0" u="none" strike="noStrike" cap="none" normalizeH="0" baseline="0" dirty="0" smtClean="0">
+              <a:ln>
+                <a:noFill/>
+              </a:ln>
+              <a:solidFill>
+                <a:schemeClr val="tx1"/>
+              </a:solidFill>
+              <a:effectLst/>
+              <a:latin typeface="Arial" panose="020B0604020202020204" pitchFamily="34" charset="0"/>
+            </a:endParaRPr>
+          </a:p>
+        </p:txBody>
+      </p:sp>
     </p:spTree>
     <p:extLst>
       <p:ext uri="{BB962C8B-B14F-4D97-AF65-F5344CB8AC3E}">
-        <p14:creationId xmlns:p14="http://schemas.microsoft.com/office/powerpoint/2010/main" val="796587402"/>
+        <p14:creationId xmlns:p14="http://schemas.microsoft.com/office/powerpoint/2010/main" val="1425599695"/>
       </p:ext>
     </p:extLst>
   </p:cSld>
@@ -10817,6 +11874,4530 @@
 </file>
 
 <file path=ppt/slides/slide19.xml><?xml version="1.0" encoding="utf-8"?>
+<p:sld xmlns:a="http://schemas.openxmlformats.org/drawingml/2006/main" xmlns:r="http://schemas.openxmlformats.org/officeDocument/2006/relationships" xmlns:p="http://schemas.openxmlformats.org/presentationml/2006/main">
+  <p:cSld>
+    <p:spTree>
+      <p:nvGrpSpPr>
+        <p:cNvPr id="1" name=""/>
+        <p:cNvGrpSpPr/>
+        <p:nvPr/>
+      </p:nvGrpSpPr>
+      <p:grpSpPr>
+        <a:xfrm>
+          <a:off x="0" y="0"/>
+          <a:ext cx="0" cy="0"/>
+          <a:chOff x="0" y="0"/>
+          <a:chExt cx="0" cy="0"/>
+        </a:xfrm>
+      </p:grpSpPr>
+      <p:sp>
+        <p:nvSpPr>
+          <p:cNvPr id="3" name="Rectangle 2"/>
+          <p:cNvSpPr>
+            <a:spLocks noChangeArrowheads="1"/>
+          </p:cNvSpPr>
+          <p:nvPr/>
+        </p:nvSpPr>
+        <p:spPr bwMode="auto">
+          <a:xfrm>
+            <a:off x="808892" y="1351508"/>
+            <a:ext cx="9761647" cy="4154984"/>
+          </a:xfrm>
+          <a:prstGeom prst="rect">
+            <a:avLst/>
+          </a:prstGeom>
+          <a:noFill/>
+          <a:ln>
+            <a:noFill/>
+          </a:ln>
+          <a:effectLst/>
+        </p:spPr>
+        <p:txBody>
+          <a:bodyPr vert="horz" wrap="none" lIns="91440" tIns="45720" rIns="91440" bIns="45720" numCol="1" anchor="ctr" anchorCtr="0" compatLnSpc="1">
+            <a:prstTxWarp prst="textNoShape">
+              <a:avLst/>
+            </a:prstTxWarp>
+            <a:spAutoFit/>
+          </a:bodyPr>
+          <a:lstStyle/>
+          <a:p>
+            <a:pPr defTabSz="914400" eaLnBrk="0" fontAlgn="base" hangingPunct="0">
+              <a:spcBef>
+                <a:spcPct val="0"/>
+              </a:spcBef>
+              <a:spcAft>
+                <a:spcPct val="0"/>
+              </a:spcAft>
+            </a:pPr>
+            <a:r>
+              <a:rPr lang="en-US" altLang="en-US" sz="2400" dirty="0" err="1">
+                <a:solidFill>
+                  <a:srgbClr val="569CD6"/>
+                </a:solidFill>
+                <a:latin typeface="Fira Code"/>
+              </a:rPr>
+              <a:t>var</a:t>
+            </a:r>
+            <a:r>
+              <a:rPr lang="en-US" altLang="en-US" sz="2400" dirty="0">
+                <a:solidFill>
+                  <a:srgbClr val="569CD6"/>
+                </a:solidFill>
+                <a:latin typeface="Fira Code"/>
+              </a:rPr>
+              <a:t> </a:t>
+            </a:r>
+            <a:r>
+              <a:rPr lang="en-US" altLang="en-US" sz="2400" dirty="0">
+                <a:solidFill>
+                  <a:srgbClr val="DCDCDC"/>
+                </a:solidFill>
+                <a:latin typeface="Fira Code"/>
+              </a:rPr>
+              <a:t>handler = </a:t>
+            </a:r>
+            <a:r>
+              <a:rPr lang="en-US" altLang="en-US" sz="2400" dirty="0" err="1">
+                <a:solidFill>
+                  <a:srgbClr val="DCDCDC"/>
+                </a:solidFill>
+                <a:latin typeface="Fira Code"/>
+              </a:rPr>
+              <a:t>container.</a:t>
+            </a:r>
+            <a:r>
+              <a:rPr lang="en-US" altLang="en-US" sz="2400" dirty="0" err="1">
+                <a:solidFill>
+                  <a:srgbClr val="00FFFF"/>
+                </a:solidFill>
+                <a:latin typeface="Fira Code"/>
+              </a:rPr>
+              <a:t>GetInstance</a:t>
+            </a:r>
+            <a:r>
+              <a:rPr lang="en-US" altLang="en-US" sz="2400" dirty="0">
+                <a:solidFill>
+                  <a:srgbClr val="DCDCDC"/>
+                </a:solidFill>
+                <a:latin typeface="Fira Code"/>
+              </a:rPr>
+              <a:t>&lt;</a:t>
+            </a:r>
+            <a:r>
+              <a:rPr lang="en-US" altLang="en-US" sz="2400" dirty="0" err="1">
+                <a:solidFill>
+                  <a:srgbClr val="ADD8E6"/>
+                </a:solidFill>
+                <a:latin typeface="Fira Code"/>
+              </a:rPr>
+              <a:t>IEventHandler</a:t>
+            </a:r>
+            <a:r>
+              <a:rPr lang="en-US" altLang="en-US" sz="2400" dirty="0">
+                <a:solidFill>
+                  <a:srgbClr val="DCDCDC"/>
+                </a:solidFill>
+                <a:latin typeface="Fira Code"/>
+              </a:rPr>
+              <a:t>&lt;</a:t>
+            </a:r>
+            <a:r>
+              <a:rPr lang="en-US" altLang="en-US" sz="2400" dirty="0" err="1">
+                <a:solidFill>
+                  <a:srgbClr val="ADD8E6"/>
+                </a:solidFill>
+                <a:latin typeface="Fira Code"/>
+              </a:rPr>
+              <a:t>OrderPlaced</a:t>
+            </a:r>
+            <a:r>
+              <a:rPr lang="en-US" altLang="en-US" sz="2400" dirty="0">
+                <a:solidFill>
+                  <a:srgbClr val="DCDCDC"/>
+                </a:solidFill>
+                <a:latin typeface="Fira Code"/>
+              </a:rPr>
+              <a:t>&gt;&gt;();</a:t>
+            </a:r>
+            <a:endParaRPr lang="en-US" altLang="en-US" sz="5400" dirty="0">
+              <a:latin typeface="Arial" panose="020B0604020202020204" pitchFamily="34" charset="0"/>
+            </a:endParaRPr>
+          </a:p>
+          <a:p>
+            <a:pPr marL="0" marR="0" lvl="0" indent="0" algn="l" defTabSz="914400" rtl="0" eaLnBrk="0" fontAlgn="base" latinLnBrk="0" hangingPunct="0">
+              <a:lnSpc>
+                <a:spcPct val="100000"/>
+              </a:lnSpc>
+              <a:spcBef>
+                <a:spcPct val="0"/>
+              </a:spcBef>
+              <a:spcAft>
+                <a:spcPct val="0"/>
+              </a:spcAft>
+              <a:buClrTx/>
+              <a:buSzTx/>
+              <a:buFontTx/>
+              <a:buNone/>
+              <a:tabLst/>
+            </a:pPr>
+            <a:endParaRPr kumimoji="0" lang="en-US" altLang="en-US" sz="2400" b="0" i="0" u="none" strike="noStrike" cap="none" normalizeH="0" baseline="0" dirty="0" smtClean="0">
+              <a:ln>
+                <a:noFill/>
+              </a:ln>
+              <a:solidFill>
+                <a:srgbClr val="ADD8E6"/>
+              </a:solidFill>
+              <a:effectLst/>
+              <a:latin typeface="Fira Code"/>
+            </a:endParaRPr>
+          </a:p>
+          <a:p>
+            <a:pPr lvl="0" defTabSz="914400" eaLnBrk="0" fontAlgn="base" hangingPunct="0">
+              <a:spcBef>
+                <a:spcPct val="0"/>
+              </a:spcBef>
+              <a:spcAft>
+                <a:spcPct val="0"/>
+              </a:spcAft>
+            </a:pPr>
+            <a:r>
+              <a:rPr kumimoji="0" lang="en-US" altLang="en-US" sz="2400" b="0" i="0" u="none" strike="noStrike" cap="none" normalizeH="0" baseline="0" dirty="0" err="1" smtClean="0">
+                <a:ln>
+                  <a:noFill/>
+                </a:ln>
+                <a:solidFill>
+                  <a:srgbClr val="ADD8E6"/>
+                </a:solidFill>
+                <a:effectLst/>
+                <a:latin typeface="Fira Code"/>
+              </a:rPr>
+              <a:t>Lifestyle</a:t>
+            </a:r>
+            <a:r>
+              <a:rPr kumimoji="0" lang="en-US" altLang="en-US" sz="2400" b="0" i="0" u="none" strike="noStrike" cap="none" normalizeH="0" baseline="0" dirty="0" err="1" smtClean="0">
+                <a:ln>
+                  <a:noFill/>
+                </a:ln>
+                <a:solidFill>
+                  <a:srgbClr val="DCDCDC"/>
+                </a:solidFill>
+                <a:effectLst/>
+                <a:latin typeface="Fira Code"/>
+              </a:rPr>
+              <a:t>.</a:t>
+            </a:r>
+            <a:r>
+              <a:rPr kumimoji="0" lang="en-US" altLang="en-US" sz="2400" b="0" i="0" u="none" strike="noStrike" cap="none" normalizeH="0" baseline="0" dirty="0" err="1" smtClean="0">
+                <a:ln>
+                  <a:noFill/>
+                </a:ln>
+                <a:solidFill>
+                  <a:srgbClr val="EE82EE"/>
+                </a:solidFill>
+                <a:effectLst/>
+                <a:latin typeface="Fira Code"/>
+              </a:rPr>
+              <a:t>Singleton</a:t>
+            </a:r>
+            <a:r>
+              <a:rPr kumimoji="0" lang="en-US" altLang="en-US" sz="2400" b="0" i="0" u="none" strike="noStrike" cap="none" normalizeH="0" baseline="0" dirty="0" err="1" smtClean="0">
+                <a:ln>
+                  <a:noFill/>
+                </a:ln>
+                <a:solidFill>
+                  <a:srgbClr val="DCDCDC"/>
+                </a:solidFill>
+                <a:effectLst/>
+                <a:latin typeface="Fira Code"/>
+              </a:rPr>
+              <a:t>.</a:t>
+            </a:r>
+            <a:r>
+              <a:rPr kumimoji="0" lang="en-US" altLang="en-US" sz="2400" b="0" i="0" u="none" strike="noStrike" cap="none" normalizeH="0" baseline="0" dirty="0" err="1" smtClean="0">
+                <a:ln>
+                  <a:noFill/>
+                </a:ln>
+                <a:solidFill>
+                  <a:srgbClr val="00FFFF"/>
+                </a:solidFill>
+                <a:effectLst/>
+                <a:latin typeface="Fira Code"/>
+              </a:rPr>
+              <a:t>CreateRegistration</a:t>
+            </a:r>
+            <a:r>
+              <a:rPr kumimoji="0" lang="en-US" altLang="en-US" sz="2400" b="0" i="0" u="none" strike="noStrike" cap="none" normalizeH="0" baseline="0" dirty="0" smtClean="0">
+                <a:ln>
+                  <a:noFill/>
+                </a:ln>
+                <a:solidFill>
+                  <a:srgbClr val="DCDCDC"/>
+                </a:solidFill>
+                <a:effectLst/>
+                <a:latin typeface="Fira Code"/>
+              </a:rPr>
+              <a:t>(() =&gt;</a:t>
+            </a:r>
+            <a:br>
+              <a:rPr kumimoji="0" lang="en-US" altLang="en-US" sz="2400" b="0" i="0" u="none" strike="noStrike" cap="none" normalizeH="0" baseline="0" dirty="0" smtClean="0">
+                <a:ln>
+                  <a:noFill/>
+                </a:ln>
+                <a:solidFill>
+                  <a:srgbClr val="DCDCDC"/>
+                </a:solidFill>
+                <a:effectLst/>
+                <a:latin typeface="Fira Code"/>
+              </a:rPr>
+            </a:br>
+            <a:r>
+              <a:rPr kumimoji="0" lang="en-US" altLang="en-US" sz="2400" b="0" i="0" u="none" strike="noStrike" cap="none" normalizeH="0" baseline="0" dirty="0" smtClean="0">
+                <a:ln>
+                  <a:noFill/>
+                </a:ln>
+                <a:solidFill>
+                  <a:srgbClr val="DCDCDC"/>
+                </a:solidFill>
+                <a:effectLst/>
+                <a:latin typeface="Fira Code"/>
+              </a:rPr>
+              <a:t>    </a:t>
+            </a:r>
+            <a:r>
+              <a:rPr kumimoji="0" lang="en-US" altLang="en-US" sz="2400" b="0" i="0" u="none" strike="noStrike" cap="none" normalizeH="0" baseline="0" dirty="0" smtClean="0">
+                <a:ln>
+                  <a:noFill/>
+                </a:ln>
+                <a:solidFill>
+                  <a:srgbClr val="569CD6"/>
+                </a:solidFill>
+                <a:effectLst/>
+                <a:latin typeface="Fira Code"/>
+              </a:rPr>
+              <a:t>new </a:t>
+            </a:r>
+            <a:r>
+              <a:rPr kumimoji="0" lang="en-US" altLang="en-US" sz="2400" b="0" i="0" u="none" strike="noStrike" cap="none" normalizeH="0" baseline="0" dirty="0" err="1" smtClean="0">
+                <a:ln>
+                  <a:noFill/>
+                </a:ln>
+                <a:solidFill>
+                  <a:srgbClr val="ADD8E6"/>
+                </a:solidFill>
+                <a:effectLst/>
+                <a:latin typeface="Fira Code"/>
+              </a:rPr>
+              <a:t>EventHandlersConsumer</a:t>
+            </a:r>
+            <a:r>
+              <a:rPr kumimoji="0" lang="en-US" altLang="en-US" sz="2400" b="0" i="0" u="none" strike="noStrike" cap="none" normalizeH="0" baseline="0" dirty="0" smtClean="0">
+                <a:ln>
+                  <a:noFill/>
+                </a:ln>
+                <a:solidFill>
+                  <a:srgbClr val="DCDCDC"/>
+                </a:solidFill>
+                <a:effectLst/>
+                <a:latin typeface="Fira Code"/>
+              </a:rPr>
+              <a:t>(</a:t>
+            </a:r>
+            <a:r>
+              <a:rPr kumimoji="0" lang="en-US" altLang="en-US" sz="2400" b="0" i="0" u="none" strike="noStrike" cap="none" normalizeH="0" baseline="0" dirty="0" smtClean="0">
+                <a:ln>
+                  <a:noFill/>
+                </a:ln>
+                <a:solidFill>
+                  <a:srgbClr val="D69D85"/>
+                </a:solidFill>
+                <a:effectLst/>
+                <a:latin typeface="Fira Code"/>
+              </a:rPr>
+              <a:t>"payments"</a:t>
+            </a:r>
+            <a:r>
+              <a:rPr kumimoji="0" lang="en-US" altLang="en-US" sz="2400" b="0" i="0" u="none" strike="noStrike" cap="none" normalizeH="0" baseline="0" dirty="0" smtClean="0">
+                <a:ln>
+                  <a:noFill/>
+                </a:ln>
+                <a:solidFill>
+                  <a:srgbClr val="DCDCDC"/>
+                </a:solidFill>
+                <a:effectLst/>
+                <a:latin typeface="Fira Code"/>
+              </a:rPr>
+              <a:t>, database,</a:t>
+            </a:r>
+            <a:br>
+              <a:rPr kumimoji="0" lang="en-US" altLang="en-US" sz="2400" b="0" i="0" u="none" strike="noStrike" cap="none" normalizeH="0" baseline="0" dirty="0" smtClean="0">
+                <a:ln>
+                  <a:noFill/>
+                </a:ln>
+                <a:solidFill>
+                  <a:srgbClr val="DCDCDC"/>
+                </a:solidFill>
+                <a:effectLst/>
+                <a:latin typeface="Fira Code"/>
+              </a:rPr>
+            </a:br>
+            <a:r>
+              <a:rPr kumimoji="0" lang="en-US" altLang="en-US" sz="2400" b="0" i="0" u="none" strike="noStrike" cap="none" normalizeH="0" baseline="0" dirty="0" smtClean="0">
+                <a:ln>
+                  <a:noFill/>
+                </a:ln>
+                <a:solidFill>
+                  <a:srgbClr val="DCDCDC"/>
+                </a:solidFill>
+                <a:effectLst/>
+                <a:latin typeface="Fira Code"/>
+              </a:rPr>
+              <a:t>        </a:t>
+            </a:r>
+            <a:r>
+              <a:rPr kumimoji="0" lang="en-US" altLang="en-US" sz="2400" b="0" i="0" u="none" strike="noStrike" cap="none" normalizeH="0" baseline="0" dirty="0" smtClean="0">
+                <a:ln>
+                  <a:noFill/>
+                </a:ln>
+                <a:solidFill>
+                  <a:srgbClr val="569CD6"/>
+                </a:solidFill>
+                <a:effectLst/>
+                <a:latin typeface="Fira Code"/>
+              </a:rPr>
+              <a:t>new </a:t>
+            </a:r>
+            <a:r>
+              <a:rPr kumimoji="0" lang="en-US" altLang="en-US" sz="2400" b="0" i="0" u="none" strike="noStrike" cap="none" normalizeH="0" baseline="0" dirty="0" smtClean="0">
+                <a:ln>
+                  <a:noFill/>
+                </a:ln>
+                <a:solidFill>
+                  <a:srgbClr val="ADD8E6"/>
+                </a:solidFill>
+                <a:effectLst/>
+                <a:latin typeface="Fira Code"/>
+              </a:rPr>
+              <a:t>Dictionary</a:t>
+            </a:r>
+            <a:r>
+              <a:rPr kumimoji="0" lang="en-US" altLang="en-US" sz="2400" b="0" i="0" u="none" strike="noStrike" cap="none" normalizeH="0" baseline="0" dirty="0" smtClean="0">
+                <a:ln>
+                  <a:noFill/>
+                </a:ln>
+                <a:solidFill>
+                  <a:srgbClr val="DCDCDC"/>
+                </a:solidFill>
+                <a:effectLst/>
+                <a:latin typeface="Fira Code"/>
+              </a:rPr>
+              <a:t>&lt;</a:t>
+            </a:r>
+            <a:r>
+              <a:rPr kumimoji="0" lang="en-US" altLang="en-US" sz="2400" b="0" i="0" u="none" strike="noStrike" cap="none" normalizeH="0" baseline="0" dirty="0" smtClean="0">
+                <a:ln>
+                  <a:noFill/>
+                </a:ln>
+                <a:solidFill>
+                  <a:srgbClr val="569CD6"/>
+                </a:solidFill>
+                <a:effectLst/>
+                <a:latin typeface="Fira Code"/>
+              </a:rPr>
+              <a:t>string</a:t>
+            </a:r>
+            <a:r>
+              <a:rPr kumimoji="0" lang="en-US" altLang="en-US" sz="2400" b="0" i="0" u="none" strike="noStrike" cap="none" normalizeH="0" baseline="0" dirty="0" smtClean="0">
+                <a:ln>
+                  <a:noFill/>
+                </a:ln>
+                <a:solidFill>
+                  <a:srgbClr val="DCDCDC"/>
+                </a:solidFill>
+                <a:effectLst/>
+                <a:latin typeface="Fira Code"/>
+              </a:rPr>
+              <a:t>, </a:t>
+            </a:r>
+            <a:r>
+              <a:rPr kumimoji="0" lang="en-US" altLang="en-US" sz="2400" b="0" i="0" u="none" strike="noStrike" cap="none" normalizeH="0" baseline="0" dirty="0" err="1" smtClean="0">
+                <a:ln>
+                  <a:noFill/>
+                </a:ln>
+                <a:solidFill>
+                  <a:srgbClr val="ADD8E6"/>
+                </a:solidFill>
+                <a:effectLst/>
+                <a:latin typeface="Fira Code"/>
+              </a:rPr>
+              <a:t>Func</a:t>
+            </a:r>
+            <a:r>
+              <a:rPr kumimoji="0" lang="en-US" altLang="en-US" sz="2400" b="0" i="0" u="none" strike="noStrike" cap="none" normalizeH="0" baseline="0" dirty="0" smtClean="0">
+                <a:ln>
+                  <a:noFill/>
+                </a:ln>
+                <a:solidFill>
+                  <a:srgbClr val="DCDCDC"/>
+                </a:solidFill>
+                <a:effectLst/>
+                <a:latin typeface="Fira Code"/>
+              </a:rPr>
+              <a:t>&lt;</a:t>
+            </a:r>
+            <a:r>
+              <a:rPr kumimoji="0" lang="en-US" altLang="en-US" sz="2400" b="0" i="0" u="none" strike="noStrike" cap="none" normalizeH="0" baseline="0" dirty="0" err="1" smtClean="0">
+                <a:ln>
+                  <a:noFill/>
+                </a:ln>
+                <a:solidFill>
+                  <a:srgbClr val="ADD8E6"/>
+                </a:solidFill>
+                <a:effectLst/>
+                <a:latin typeface="Fira Code"/>
+              </a:rPr>
+              <a:t>DomainEvent</a:t>
+            </a:r>
+            <a:r>
+              <a:rPr kumimoji="0" lang="en-US" altLang="en-US" sz="2400" b="0" i="0" u="none" strike="noStrike" cap="none" normalizeH="0" baseline="0" dirty="0" smtClean="0">
+                <a:ln>
+                  <a:noFill/>
+                </a:ln>
+                <a:solidFill>
+                  <a:srgbClr val="DCDCDC"/>
+                </a:solidFill>
+                <a:effectLst/>
+                <a:latin typeface="Fira Code"/>
+              </a:rPr>
+              <a:t>, </a:t>
+            </a:r>
+            <a:r>
+              <a:rPr kumimoji="0" lang="en-US" altLang="en-US" sz="2400" b="0" i="0" u="none" strike="noStrike" cap="none" normalizeH="0" baseline="0" dirty="0" smtClean="0">
+                <a:ln>
+                  <a:noFill/>
+                </a:ln>
+                <a:solidFill>
+                  <a:srgbClr val="ADD8E6"/>
+                </a:solidFill>
+                <a:effectLst/>
+                <a:latin typeface="Fira Code"/>
+              </a:rPr>
+              <a:t>Task</a:t>
+            </a:r>
+            <a:r>
+              <a:rPr kumimoji="0" lang="en-US" altLang="en-US" sz="2400" b="0" i="0" u="none" strike="noStrike" cap="none" normalizeH="0" baseline="0" dirty="0" smtClean="0">
+                <a:ln>
+                  <a:noFill/>
+                </a:ln>
+                <a:solidFill>
+                  <a:srgbClr val="DCDCDC"/>
+                </a:solidFill>
+                <a:effectLst/>
+                <a:latin typeface="Fira Code"/>
+              </a:rPr>
+              <a:t>&gt;&gt;</a:t>
+            </a:r>
+            <a:br>
+              <a:rPr kumimoji="0" lang="en-US" altLang="en-US" sz="2400" b="0" i="0" u="none" strike="noStrike" cap="none" normalizeH="0" baseline="0" dirty="0" smtClean="0">
+                <a:ln>
+                  <a:noFill/>
+                </a:ln>
+                <a:solidFill>
+                  <a:srgbClr val="DCDCDC"/>
+                </a:solidFill>
+                <a:effectLst/>
+                <a:latin typeface="Fira Code"/>
+              </a:rPr>
+            </a:br>
+            <a:r>
+              <a:rPr kumimoji="0" lang="en-US" altLang="en-US" sz="2400" b="0" i="0" u="none" strike="noStrike" cap="none" normalizeH="0" baseline="0" dirty="0" smtClean="0">
+                <a:ln>
+                  <a:noFill/>
+                </a:ln>
+                <a:solidFill>
+                  <a:srgbClr val="DCDCDC"/>
+                </a:solidFill>
+                <a:effectLst/>
+                <a:latin typeface="Fira Code"/>
+              </a:rPr>
+              <a:t>        {</a:t>
+            </a:r>
+            <a:br>
+              <a:rPr kumimoji="0" lang="en-US" altLang="en-US" sz="2400" b="0" i="0" u="none" strike="noStrike" cap="none" normalizeH="0" baseline="0" dirty="0" smtClean="0">
+                <a:ln>
+                  <a:noFill/>
+                </a:ln>
+                <a:solidFill>
+                  <a:srgbClr val="DCDCDC"/>
+                </a:solidFill>
+                <a:effectLst/>
+                <a:latin typeface="Fira Code"/>
+              </a:rPr>
+            </a:br>
+            <a:r>
+              <a:rPr kumimoji="0" lang="en-US" altLang="en-US" sz="2400" b="0" i="0" u="none" strike="noStrike" cap="none" normalizeH="0" baseline="0" dirty="0" smtClean="0">
+                <a:ln>
+                  <a:noFill/>
+                </a:ln>
+                <a:solidFill>
+                  <a:srgbClr val="DCDCDC"/>
+                </a:solidFill>
+                <a:effectLst/>
+                <a:latin typeface="Fira Code"/>
+              </a:rPr>
+              <a:t>            {</a:t>
+            </a:r>
+            <a:br>
+              <a:rPr kumimoji="0" lang="en-US" altLang="en-US" sz="2400" b="0" i="0" u="none" strike="noStrike" cap="none" normalizeH="0" baseline="0" dirty="0" smtClean="0">
+                <a:ln>
+                  <a:noFill/>
+                </a:ln>
+                <a:solidFill>
+                  <a:srgbClr val="DCDCDC"/>
+                </a:solidFill>
+                <a:effectLst/>
+                <a:latin typeface="Fira Code"/>
+              </a:rPr>
+            </a:br>
+            <a:r>
+              <a:rPr kumimoji="0" lang="en-US" altLang="en-US" sz="2400" b="0" i="0" u="none" strike="noStrike" cap="none" normalizeH="0" baseline="0" dirty="0" smtClean="0">
+                <a:ln>
+                  <a:noFill/>
+                </a:ln>
+                <a:solidFill>
+                  <a:srgbClr val="DCDCDC"/>
+                </a:solidFill>
+                <a:effectLst/>
+                <a:latin typeface="Fira Code"/>
+              </a:rPr>
+              <a:t>                </a:t>
+            </a:r>
+            <a:r>
+              <a:rPr kumimoji="0" lang="en-US" altLang="en-US" sz="2400" b="0" i="0" u="none" strike="noStrike" cap="none" normalizeH="0" baseline="0" dirty="0" err="1" smtClean="0">
+                <a:ln>
+                  <a:noFill/>
+                </a:ln>
+                <a:solidFill>
+                  <a:srgbClr val="569CD6"/>
+                </a:solidFill>
+                <a:effectLst/>
+                <a:latin typeface="Fira Code"/>
+              </a:rPr>
+              <a:t>nameof</a:t>
+            </a:r>
+            <a:r>
+              <a:rPr kumimoji="0" lang="en-US" altLang="en-US" sz="2400" b="0" i="0" u="none" strike="noStrike" cap="none" normalizeH="0" baseline="0" dirty="0" smtClean="0">
+                <a:ln>
+                  <a:noFill/>
+                </a:ln>
+                <a:solidFill>
+                  <a:srgbClr val="DCDCDC"/>
+                </a:solidFill>
+                <a:effectLst/>
+                <a:latin typeface="Fira Code"/>
+              </a:rPr>
+              <a:t>(</a:t>
+            </a:r>
+            <a:r>
+              <a:rPr kumimoji="0" lang="en-US" altLang="en-US" sz="2400" b="0" i="0" u="none" strike="noStrike" cap="none" normalizeH="0" baseline="0" dirty="0" err="1" smtClean="0">
+                <a:ln>
+                  <a:noFill/>
+                </a:ln>
+                <a:solidFill>
+                  <a:srgbClr val="ADD8E6"/>
+                </a:solidFill>
+                <a:effectLst/>
+                <a:latin typeface="Fira Code"/>
+              </a:rPr>
+              <a:t>OrderPlaced</a:t>
+            </a:r>
+            <a:r>
+              <a:rPr kumimoji="0" lang="en-US" altLang="en-US" sz="2400" b="0" i="0" u="none" strike="noStrike" cap="none" normalizeH="0" baseline="0" dirty="0" smtClean="0">
+                <a:ln>
+                  <a:noFill/>
+                </a:ln>
+                <a:solidFill>
+                  <a:srgbClr val="DCDCDC"/>
+                </a:solidFill>
+                <a:effectLst/>
+                <a:latin typeface="Fira Code"/>
+              </a:rPr>
+              <a:t>),</a:t>
+            </a:r>
+            <a:br>
+              <a:rPr kumimoji="0" lang="en-US" altLang="en-US" sz="2400" b="0" i="0" u="none" strike="noStrike" cap="none" normalizeH="0" baseline="0" dirty="0" smtClean="0">
+                <a:ln>
+                  <a:noFill/>
+                </a:ln>
+                <a:solidFill>
+                  <a:srgbClr val="DCDCDC"/>
+                </a:solidFill>
+                <a:effectLst/>
+                <a:latin typeface="Fira Code"/>
+              </a:rPr>
+            </a:br>
+            <a:r>
+              <a:rPr kumimoji="0" lang="en-US" altLang="en-US" sz="2400" b="0" i="0" u="none" strike="noStrike" cap="none" normalizeH="0" baseline="0" dirty="0" smtClean="0">
+                <a:ln>
+                  <a:noFill/>
+                </a:ln>
+                <a:solidFill>
+                  <a:srgbClr val="DCDCDC"/>
+                </a:solidFill>
+                <a:effectLst/>
+                <a:latin typeface="Fira Code"/>
+              </a:rPr>
+              <a:t>                @event =&gt; </a:t>
+            </a:r>
+            <a:r>
+              <a:rPr lang="en-US" altLang="en-US" sz="2400" dirty="0" err="1">
+                <a:solidFill>
+                  <a:srgbClr val="DCDCDC"/>
+                </a:solidFill>
+                <a:latin typeface="Fira Code"/>
+              </a:rPr>
+              <a:t>handler</a:t>
+            </a:r>
+            <a:r>
+              <a:rPr kumimoji="0" lang="en-US" altLang="en-US" sz="2400" b="0" i="0" u="none" strike="noStrike" cap="none" normalizeH="0" baseline="0" dirty="0" err="1" smtClean="0">
+                <a:ln>
+                  <a:noFill/>
+                </a:ln>
+                <a:solidFill>
+                  <a:srgbClr val="DCDCDC"/>
+                </a:solidFill>
+                <a:effectLst/>
+                <a:latin typeface="Fira Code"/>
+              </a:rPr>
+              <a:t>.</a:t>
+            </a:r>
+            <a:r>
+              <a:rPr kumimoji="0" lang="en-US" altLang="en-US" sz="2400" b="0" i="0" u="none" strike="noStrike" cap="none" normalizeH="0" baseline="0" dirty="0" err="1" smtClean="0">
+                <a:ln>
+                  <a:noFill/>
+                </a:ln>
+                <a:solidFill>
+                  <a:srgbClr val="00FFFF"/>
+                </a:solidFill>
+                <a:effectLst/>
+                <a:latin typeface="Fira Code"/>
+              </a:rPr>
+              <a:t>Handle</a:t>
+            </a:r>
+            <a:r>
+              <a:rPr kumimoji="0" lang="en-US" altLang="en-US" sz="2400" b="0" i="0" u="none" strike="noStrike" cap="none" normalizeH="0" baseline="0" dirty="0" smtClean="0">
+                <a:ln>
+                  <a:noFill/>
+                </a:ln>
+                <a:solidFill>
+                  <a:srgbClr val="DCDCDC"/>
+                </a:solidFill>
+                <a:effectLst/>
+                <a:latin typeface="Fira Code"/>
+              </a:rPr>
+              <a:t>((</a:t>
+            </a:r>
+            <a:r>
+              <a:rPr kumimoji="0" lang="en-US" altLang="en-US" sz="2400" b="0" i="0" u="none" strike="noStrike" cap="none" normalizeH="0" baseline="0" dirty="0" err="1" smtClean="0">
+                <a:ln>
+                  <a:noFill/>
+                </a:ln>
+                <a:solidFill>
+                  <a:srgbClr val="ADD8E6"/>
+                </a:solidFill>
+                <a:effectLst/>
+                <a:latin typeface="Fira Code"/>
+              </a:rPr>
+              <a:t>OrderPlaced</a:t>
+            </a:r>
+            <a:r>
+              <a:rPr kumimoji="0" lang="en-US" altLang="en-US" sz="2400" b="0" i="0" u="none" strike="noStrike" cap="none" normalizeH="0" baseline="0" dirty="0" smtClean="0">
+                <a:ln>
+                  <a:noFill/>
+                </a:ln>
+                <a:solidFill>
+                  <a:srgbClr val="DCDCDC"/>
+                </a:solidFill>
+                <a:effectLst/>
+                <a:latin typeface="Fira Code"/>
+              </a:rPr>
+              <a:t>) @event)</a:t>
+            </a:r>
+            <a:br>
+              <a:rPr kumimoji="0" lang="en-US" altLang="en-US" sz="2400" b="0" i="0" u="none" strike="noStrike" cap="none" normalizeH="0" baseline="0" dirty="0" smtClean="0">
+                <a:ln>
+                  <a:noFill/>
+                </a:ln>
+                <a:solidFill>
+                  <a:srgbClr val="DCDCDC"/>
+                </a:solidFill>
+                <a:effectLst/>
+                <a:latin typeface="Fira Code"/>
+              </a:rPr>
+            </a:br>
+            <a:r>
+              <a:rPr kumimoji="0" lang="en-US" altLang="en-US" sz="2400" b="0" i="0" u="none" strike="noStrike" cap="none" normalizeH="0" baseline="0" dirty="0" smtClean="0">
+                <a:ln>
+                  <a:noFill/>
+                </a:ln>
+                <a:solidFill>
+                  <a:srgbClr val="DCDCDC"/>
+                </a:solidFill>
+                <a:effectLst/>
+                <a:latin typeface="Fira Code"/>
+              </a:rPr>
+              <a:t>            }</a:t>
+            </a:r>
+            <a:br>
+              <a:rPr kumimoji="0" lang="en-US" altLang="en-US" sz="2400" b="0" i="0" u="none" strike="noStrike" cap="none" normalizeH="0" baseline="0" dirty="0" smtClean="0">
+                <a:ln>
+                  <a:noFill/>
+                </a:ln>
+                <a:solidFill>
+                  <a:srgbClr val="DCDCDC"/>
+                </a:solidFill>
+                <a:effectLst/>
+                <a:latin typeface="Fira Code"/>
+              </a:rPr>
+            </a:br>
+            <a:r>
+              <a:rPr kumimoji="0" lang="en-US" altLang="en-US" sz="2400" b="0" i="0" u="none" strike="noStrike" cap="none" normalizeH="0" baseline="0" dirty="0" smtClean="0">
+                <a:ln>
+                  <a:noFill/>
+                </a:ln>
+                <a:solidFill>
+                  <a:srgbClr val="DCDCDC"/>
+                </a:solidFill>
+                <a:effectLst/>
+                <a:latin typeface="Fira Code"/>
+              </a:rPr>
+              <a:t>        }, logger), container));</a:t>
+            </a:r>
+            <a:endParaRPr kumimoji="0" lang="en-US" altLang="en-US" sz="2400" b="0" i="0" u="none" strike="noStrike" cap="none" normalizeH="0" baseline="0" dirty="0" smtClean="0">
+              <a:ln>
+                <a:noFill/>
+              </a:ln>
+              <a:solidFill>
+                <a:schemeClr val="tx1"/>
+              </a:solidFill>
+              <a:effectLst/>
+              <a:latin typeface="Arial" panose="020B0604020202020204" pitchFamily="34" charset="0"/>
+            </a:endParaRPr>
+          </a:p>
+        </p:txBody>
+      </p:sp>
+    </p:spTree>
+    <p:extLst>
+      <p:ext uri="{BB962C8B-B14F-4D97-AF65-F5344CB8AC3E}">
+        <p14:creationId xmlns:p14="http://schemas.microsoft.com/office/powerpoint/2010/main" val="3907645122"/>
+      </p:ext>
+    </p:extLst>
+  </p:cSld>
+  <p:clrMapOvr>
+    <a:masterClrMapping/>
+  </p:clrMapOvr>
+  <p:timing>
+    <p:tnLst>
+      <p:par>
+        <p:cTn id="1" dur="indefinite" restart="never" nodeType="tmRoot"/>
+      </p:par>
+    </p:tnLst>
+  </p:timing>
+</p:sld>
+</file>
+
+<file path=ppt/slides/slide2.xml><?xml version="1.0" encoding="utf-8"?>
+<p:sld xmlns:a="http://schemas.openxmlformats.org/drawingml/2006/main" xmlns:r="http://schemas.openxmlformats.org/officeDocument/2006/relationships" xmlns:p="http://schemas.openxmlformats.org/presentationml/2006/main">
+  <p:cSld>
+    <p:spTree>
+      <p:nvGrpSpPr>
+        <p:cNvPr id="1" name=""/>
+        <p:cNvGrpSpPr/>
+        <p:nvPr/>
+      </p:nvGrpSpPr>
+      <p:grpSpPr>
+        <a:xfrm>
+          <a:off x="0" y="0"/>
+          <a:ext cx="0" cy="0"/>
+          <a:chOff x="0" y="0"/>
+          <a:chExt cx="0" cy="0"/>
+        </a:xfrm>
+      </p:grpSpPr>
+      <p:sp>
+        <p:nvSpPr>
+          <p:cNvPr id="2" name="Title 1"/>
+          <p:cNvSpPr>
+            <a:spLocks noGrp="1"/>
+          </p:cNvSpPr>
+          <p:nvPr>
+            <p:ph type="title"/>
+          </p:nvPr>
+        </p:nvSpPr>
+        <p:spPr/>
+        <p:txBody>
+          <a:bodyPr>
+            <a:normAutofit/>
+          </a:bodyPr>
+          <a:lstStyle/>
+          <a:p>
+            <a:r>
+              <a:rPr lang="en-US" sz="6000" dirty="0"/>
+              <a:t>Andrii </a:t>
+            </a:r>
+            <a:r>
+              <a:rPr lang="en-US" sz="6000" dirty="0" smtClean="0"/>
+              <a:t>Litvinov</a:t>
+            </a:r>
+            <a:endParaRPr lang="en-US" sz="6000" dirty="0"/>
+          </a:p>
+        </p:txBody>
+      </p:sp>
+      <p:pic>
+        <p:nvPicPr>
+          <p:cNvPr id="3" name="Picture 2" descr="https://scontent.fiev12-1.fna.fbcdn.net/v/t1.0-9/c0.0.215.215/12494928_1139995499368714_8989582005896967223_n.png?_nc_cat=109&amp;_nc_ht=scontent.fiev12-1.fna&amp;oh=ee4c679202e74d6262c8803b45612cb9&amp;oe=5C7304DF"/>
+          <p:cNvPicPr>
+            <a:picLocks noChangeAspect="1" noChangeArrowheads="1"/>
+          </p:cNvPicPr>
+          <p:nvPr/>
+        </p:nvPicPr>
+        <p:blipFill>
+          <a:blip r:embed="rId3">
+            <a:extLst>
+              <a:ext uri="{28A0092B-C50C-407E-A947-70E740481C1C}">
+                <a14:useLocalDpi xmlns:a14="http://schemas.microsoft.com/office/drawing/2010/main" val="0"/>
+              </a:ext>
+            </a:extLst>
+          </a:blip>
+          <a:srcRect/>
+          <a:stretch>
+            <a:fillRect/>
+          </a:stretch>
+        </p:blipFill>
+        <p:spPr bwMode="auto">
+          <a:xfrm>
+            <a:off x="9465733" y="3679654"/>
+            <a:ext cx="2047875" cy="2047876"/>
+          </a:xfrm>
+          <a:prstGeom prst="rect">
+            <a:avLst/>
+          </a:prstGeom>
+          <a:noFill/>
+          <a:extLst>
+            <a:ext uri="{909E8E84-426E-40DD-AFC4-6F175D3DCCD1}">
+              <a14:hiddenFill xmlns:a14="http://schemas.microsoft.com/office/drawing/2010/main">
+                <a:solidFill>
+                  <a:srgbClr val="FFFFFF"/>
+                </a:solidFill>
+              </a14:hiddenFill>
+            </a:ext>
+          </a:extLst>
+        </p:spPr>
+      </p:pic>
+      <p:sp>
+        <p:nvSpPr>
+          <p:cNvPr id="4" name="TextBox 3"/>
+          <p:cNvSpPr txBox="1"/>
+          <p:nvPr/>
+        </p:nvSpPr>
+        <p:spPr>
+          <a:xfrm>
+            <a:off x="1141413" y="3918762"/>
+            <a:ext cx="8464731" cy="1569660"/>
+          </a:xfrm>
+          <a:prstGeom prst="rect">
+            <a:avLst/>
+          </a:prstGeom>
+          <a:noFill/>
+        </p:spPr>
+        <p:txBody>
+          <a:bodyPr wrap="square" rtlCol="0">
+            <a:spAutoFit/>
+          </a:bodyPr>
+          <a:lstStyle/>
+          <a:p>
+            <a:r>
+              <a:rPr lang="en-US" sz="4800" dirty="0" smtClean="0"/>
+              <a:t>Platform engineer at Synergy Sports Technology</a:t>
+            </a:r>
+            <a:endParaRPr lang="en-US" sz="4800" dirty="0"/>
+          </a:p>
+        </p:txBody>
+      </p:sp>
+    </p:spTree>
+    <p:extLst>
+      <p:ext uri="{BB962C8B-B14F-4D97-AF65-F5344CB8AC3E}">
+        <p14:creationId xmlns:p14="http://schemas.microsoft.com/office/powerpoint/2010/main" val="1499444302"/>
+      </p:ext>
+    </p:extLst>
+  </p:cSld>
+  <p:clrMapOvr>
+    <a:masterClrMapping/>
+  </p:clrMapOvr>
+  <p:timing>
+    <p:tnLst>
+      <p:par>
+        <p:cTn id="1" dur="indefinite" restart="never" nodeType="tmRoot"/>
+      </p:par>
+    </p:tnLst>
+  </p:timing>
+</p:sld>
+</file>
+
+<file path=ppt/slides/slide20.xml><?xml version="1.0" encoding="utf-8"?>
+<p:sld xmlns:a="http://schemas.openxmlformats.org/drawingml/2006/main" xmlns:r="http://schemas.openxmlformats.org/officeDocument/2006/relationships" xmlns:p="http://schemas.openxmlformats.org/presentationml/2006/main">
+  <p:cSld>
+    <p:spTree>
+      <p:nvGrpSpPr>
+        <p:cNvPr id="1" name=""/>
+        <p:cNvGrpSpPr/>
+        <p:nvPr/>
+      </p:nvGrpSpPr>
+      <p:grpSpPr>
+        <a:xfrm>
+          <a:off x="0" y="0"/>
+          <a:ext cx="0" cy="0"/>
+          <a:chOff x="0" y="0"/>
+          <a:chExt cx="0" cy="0"/>
+        </a:xfrm>
+      </p:grpSpPr>
+      <p:sp>
+        <p:nvSpPr>
+          <p:cNvPr id="4" name="Rectangle 3"/>
+          <p:cNvSpPr>
+            <a:spLocks noChangeArrowheads="1"/>
+          </p:cNvSpPr>
+          <p:nvPr/>
+        </p:nvSpPr>
+        <p:spPr bwMode="auto">
+          <a:xfrm>
+            <a:off x="762000" y="1166843"/>
+            <a:ext cx="11077071" cy="4524315"/>
+          </a:xfrm>
+          <a:prstGeom prst="rect">
+            <a:avLst/>
+          </a:prstGeom>
+          <a:noFill/>
+          <a:ln>
+            <a:noFill/>
+          </a:ln>
+          <a:effectLst/>
+        </p:spPr>
+        <p:txBody>
+          <a:bodyPr vert="horz" wrap="none" lIns="91440" tIns="45720" rIns="91440" bIns="45720" numCol="1" anchor="ctr" anchorCtr="0" compatLnSpc="1">
+            <a:prstTxWarp prst="textNoShape">
+              <a:avLst/>
+            </a:prstTxWarp>
+            <a:spAutoFit/>
+          </a:bodyPr>
+          <a:lstStyle/>
+          <a:p>
+            <a:pPr marL="0" marR="0" lvl="0" indent="0" algn="l" defTabSz="914400" rtl="0" eaLnBrk="0" fontAlgn="base" latinLnBrk="0" hangingPunct="0">
+              <a:lnSpc>
+                <a:spcPct val="100000"/>
+              </a:lnSpc>
+              <a:spcBef>
+                <a:spcPct val="0"/>
+              </a:spcBef>
+              <a:spcAft>
+                <a:spcPct val="0"/>
+              </a:spcAft>
+              <a:buClrTx/>
+              <a:buSzTx/>
+              <a:buFontTx/>
+              <a:buNone/>
+              <a:tabLst/>
+            </a:pPr>
+            <a:r>
+              <a:rPr kumimoji="0" lang="en-US" altLang="en-US" sz="2400" b="0" i="0" u="none" strike="noStrike" cap="none" normalizeH="0" baseline="0" dirty="0" smtClean="0">
+                <a:ln>
+                  <a:noFill/>
+                </a:ln>
+                <a:solidFill>
+                  <a:srgbClr val="569CD6"/>
+                </a:solidFill>
+                <a:effectLst/>
+                <a:latin typeface="Fira Code"/>
+              </a:rPr>
+              <a:t>public </a:t>
+            </a:r>
+            <a:r>
+              <a:rPr kumimoji="0" lang="en-US" altLang="en-US" sz="2400" b="0" i="0" u="none" strike="noStrike" cap="none" normalizeH="0" baseline="0" dirty="0" err="1" smtClean="0">
+                <a:ln>
+                  <a:noFill/>
+                </a:ln>
+                <a:solidFill>
+                  <a:srgbClr val="569CD6"/>
+                </a:solidFill>
+                <a:effectLst/>
+                <a:latin typeface="Fira Code"/>
+              </a:rPr>
+              <a:t>async</a:t>
+            </a:r>
+            <a:r>
+              <a:rPr kumimoji="0" lang="en-US" altLang="en-US" sz="2400" b="0" i="0" u="none" strike="noStrike" cap="none" normalizeH="0" baseline="0" dirty="0" smtClean="0">
+                <a:ln>
+                  <a:noFill/>
+                </a:ln>
+                <a:solidFill>
+                  <a:srgbClr val="569CD6"/>
+                </a:solidFill>
+                <a:effectLst/>
+                <a:latin typeface="Fira Code"/>
+              </a:rPr>
+              <a:t> </a:t>
+            </a:r>
+            <a:r>
+              <a:rPr kumimoji="0" lang="en-US" altLang="en-US" sz="2400" b="0" i="0" u="none" strike="noStrike" cap="none" normalizeH="0" baseline="0" dirty="0" smtClean="0">
+                <a:ln>
+                  <a:noFill/>
+                </a:ln>
+                <a:solidFill>
+                  <a:srgbClr val="ADD8E6"/>
+                </a:solidFill>
+                <a:effectLst/>
+                <a:latin typeface="Fira Code"/>
+              </a:rPr>
+              <a:t>Task </a:t>
+            </a:r>
+            <a:r>
+              <a:rPr kumimoji="0" lang="en-US" altLang="en-US" sz="2400" b="0" i="0" u="none" strike="noStrike" cap="none" normalizeH="0" baseline="0" dirty="0" smtClean="0">
+                <a:ln>
+                  <a:noFill/>
+                </a:ln>
+                <a:solidFill>
+                  <a:srgbClr val="00FFFF"/>
+                </a:solidFill>
+                <a:effectLst/>
+                <a:latin typeface="Fira Code"/>
+              </a:rPr>
+              <a:t>Handle</a:t>
+            </a:r>
+            <a:r>
+              <a:rPr kumimoji="0" lang="en-US" altLang="en-US" sz="2400" b="0" i="0" u="none" strike="noStrike" cap="none" normalizeH="0" baseline="0" dirty="0" smtClean="0">
+                <a:ln>
+                  <a:noFill/>
+                </a:ln>
+                <a:solidFill>
+                  <a:srgbClr val="DCDCDC"/>
+                </a:solidFill>
+                <a:effectLst/>
+                <a:latin typeface="Fira Code"/>
+              </a:rPr>
+              <a:t>(</a:t>
+            </a:r>
+            <a:r>
+              <a:rPr kumimoji="0" lang="en-US" altLang="en-US" sz="2400" b="0" i="0" u="none" strike="noStrike" cap="none" normalizeH="0" baseline="0" dirty="0" err="1" smtClean="0">
+                <a:ln>
+                  <a:noFill/>
+                </a:ln>
+                <a:solidFill>
+                  <a:srgbClr val="ADD8E6"/>
+                </a:solidFill>
+                <a:effectLst/>
+                <a:latin typeface="Fira Code"/>
+              </a:rPr>
+              <a:t>OrderPlaced</a:t>
+            </a:r>
+            <a:r>
+              <a:rPr kumimoji="0" lang="en-US" altLang="en-US" sz="2400" b="0" i="0" u="none" strike="noStrike" cap="none" normalizeH="0" baseline="0" dirty="0" smtClean="0">
+                <a:ln>
+                  <a:noFill/>
+                </a:ln>
+                <a:solidFill>
+                  <a:srgbClr val="ADD8E6"/>
+                </a:solidFill>
+                <a:effectLst/>
+                <a:latin typeface="Fira Code"/>
+              </a:rPr>
+              <a:t> </a:t>
+            </a:r>
+            <a:r>
+              <a:rPr kumimoji="0" lang="en-US" altLang="en-US" sz="2400" b="0" i="0" u="none" strike="noStrike" cap="none" normalizeH="0" baseline="0" dirty="0" smtClean="0">
+                <a:ln>
+                  <a:noFill/>
+                </a:ln>
+                <a:solidFill>
+                  <a:srgbClr val="DCDCDC"/>
+                </a:solidFill>
+                <a:effectLst/>
+                <a:latin typeface="Fira Code"/>
+              </a:rPr>
+              <a:t>@event)</a:t>
+            </a:r>
+            <a:br>
+              <a:rPr kumimoji="0" lang="en-US" altLang="en-US" sz="2400" b="0" i="0" u="none" strike="noStrike" cap="none" normalizeH="0" baseline="0" dirty="0" smtClean="0">
+                <a:ln>
+                  <a:noFill/>
+                </a:ln>
+                <a:solidFill>
+                  <a:srgbClr val="DCDCDC"/>
+                </a:solidFill>
+                <a:effectLst/>
+                <a:latin typeface="Fira Code"/>
+              </a:rPr>
+            </a:br>
+            <a:r>
+              <a:rPr kumimoji="0" lang="en-US" altLang="en-US" sz="2400" b="0" i="0" u="none" strike="noStrike" cap="none" normalizeH="0" baseline="0" dirty="0" smtClean="0">
+                <a:ln>
+                  <a:noFill/>
+                </a:ln>
+                <a:solidFill>
+                  <a:srgbClr val="DCDCDC"/>
+                </a:solidFill>
+                <a:effectLst/>
+                <a:latin typeface="Fira Code"/>
+              </a:rPr>
+              <a:t>{</a:t>
+            </a:r>
+            <a:br>
+              <a:rPr kumimoji="0" lang="en-US" altLang="en-US" sz="2400" b="0" i="0" u="none" strike="noStrike" cap="none" normalizeH="0" baseline="0" dirty="0" smtClean="0">
+                <a:ln>
+                  <a:noFill/>
+                </a:ln>
+                <a:solidFill>
+                  <a:srgbClr val="DCDCDC"/>
+                </a:solidFill>
+                <a:effectLst/>
+                <a:latin typeface="Fira Code"/>
+              </a:rPr>
+            </a:br>
+            <a:r>
+              <a:rPr kumimoji="0" lang="en-US" altLang="en-US" sz="2400" b="0" i="0" u="none" strike="noStrike" cap="none" normalizeH="0" baseline="0" dirty="0" smtClean="0">
+                <a:ln>
+                  <a:noFill/>
+                </a:ln>
+                <a:solidFill>
+                  <a:srgbClr val="DCDCDC"/>
+                </a:solidFill>
+                <a:effectLst/>
+                <a:latin typeface="Fira Code"/>
+              </a:rPr>
+              <a:t>    </a:t>
+            </a:r>
+            <a:r>
+              <a:rPr kumimoji="0" lang="en-US" altLang="en-US" sz="2400" b="0" i="0" u="none" strike="noStrike" cap="none" normalizeH="0" baseline="0" dirty="0" smtClean="0">
+                <a:ln>
+                  <a:noFill/>
+                </a:ln>
+                <a:solidFill>
+                  <a:srgbClr val="569CD6"/>
+                </a:solidFill>
+                <a:effectLst/>
+                <a:latin typeface="Fira Code"/>
+              </a:rPr>
+              <a:t>if </a:t>
+            </a:r>
+            <a:r>
+              <a:rPr kumimoji="0" lang="en-US" altLang="en-US" sz="2400" b="0" i="0" u="none" strike="noStrike" cap="none" normalizeH="0" baseline="0" dirty="0" smtClean="0">
+                <a:ln>
+                  <a:noFill/>
+                </a:ln>
+                <a:solidFill>
+                  <a:srgbClr val="DCDCDC"/>
+                </a:solidFill>
+                <a:effectLst/>
+                <a:latin typeface="Fira Code"/>
+              </a:rPr>
+              <a:t>(@</a:t>
+            </a:r>
+            <a:r>
+              <a:rPr kumimoji="0" lang="en-US" altLang="en-US" sz="2400" b="0" i="0" u="none" strike="noStrike" cap="none" normalizeH="0" baseline="0" dirty="0" err="1" smtClean="0">
+                <a:ln>
+                  <a:noFill/>
+                </a:ln>
+                <a:solidFill>
+                  <a:srgbClr val="DCDCDC"/>
+                </a:solidFill>
+                <a:effectLst/>
+                <a:latin typeface="Fira Code"/>
+              </a:rPr>
+              <a:t>event.</a:t>
+            </a:r>
+            <a:r>
+              <a:rPr kumimoji="0" lang="en-US" altLang="en-US" sz="2400" b="0" i="0" u="none" strike="noStrike" cap="none" normalizeH="0" baseline="0" dirty="0" err="1" smtClean="0">
+                <a:ln>
+                  <a:noFill/>
+                </a:ln>
+                <a:solidFill>
+                  <a:srgbClr val="EE82EE"/>
+                </a:solidFill>
+                <a:effectLst/>
+                <a:latin typeface="Fira Code"/>
+              </a:rPr>
+              <a:t>Amount</a:t>
+            </a:r>
+            <a:r>
+              <a:rPr kumimoji="0" lang="en-US" altLang="en-US" sz="2400" b="0" i="0" u="none" strike="noStrike" cap="none" normalizeH="0" baseline="0" dirty="0" smtClean="0">
+                <a:ln>
+                  <a:noFill/>
+                </a:ln>
+                <a:solidFill>
+                  <a:srgbClr val="EE82EE"/>
+                </a:solidFill>
+                <a:effectLst/>
+                <a:latin typeface="Fira Code"/>
+              </a:rPr>
+              <a:t> </a:t>
+            </a:r>
+            <a:r>
+              <a:rPr kumimoji="0" lang="en-US" altLang="en-US" sz="2400" b="0" i="0" u="none" strike="noStrike" cap="none" normalizeH="0" baseline="0" dirty="0" smtClean="0">
+                <a:ln>
+                  <a:noFill/>
+                </a:ln>
+                <a:solidFill>
+                  <a:srgbClr val="DCDCDC"/>
+                </a:solidFill>
+                <a:effectLst/>
+                <a:latin typeface="Fira Code"/>
+              </a:rPr>
+              <a:t>&gt;= </a:t>
+            </a:r>
+            <a:r>
+              <a:rPr kumimoji="0" lang="en-US" altLang="en-US" sz="2400" b="0" i="0" u="none" strike="noStrike" cap="none" normalizeH="0" baseline="0" dirty="0" smtClean="0">
+                <a:ln>
+                  <a:noFill/>
+                </a:ln>
+                <a:solidFill>
+                  <a:srgbClr val="B5CEA8"/>
+                </a:solidFill>
+                <a:effectLst/>
+                <a:latin typeface="Fira Code"/>
+              </a:rPr>
+              <a:t>200</a:t>
+            </a:r>
+            <a:r>
+              <a:rPr kumimoji="0" lang="en-US" altLang="en-US" sz="2400" b="0" i="0" u="none" strike="noStrike" cap="none" normalizeH="0" baseline="0" dirty="0" smtClean="0">
+                <a:ln>
+                  <a:noFill/>
+                </a:ln>
+                <a:solidFill>
+                  <a:srgbClr val="DCDCDC"/>
+                </a:solidFill>
+                <a:effectLst/>
+                <a:latin typeface="Fira Code"/>
+              </a:rPr>
+              <a:t>)</a:t>
+            </a:r>
+            <a:br>
+              <a:rPr kumimoji="0" lang="en-US" altLang="en-US" sz="2400" b="0" i="0" u="none" strike="noStrike" cap="none" normalizeH="0" baseline="0" dirty="0" smtClean="0">
+                <a:ln>
+                  <a:noFill/>
+                </a:ln>
+                <a:solidFill>
+                  <a:srgbClr val="DCDCDC"/>
+                </a:solidFill>
+                <a:effectLst/>
+                <a:latin typeface="Fira Code"/>
+              </a:rPr>
+            </a:br>
+            <a:r>
+              <a:rPr kumimoji="0" lang="en-US" altLang="en-US" sz="2400" b="0" i="0" u="none" strike="noStrike" cap="none" normalizeH="0" baseline="0" dirty="0" smtClean="0">
+                <a:ln>
+                  <a:noFill/>
+                </a:ln>
+                <a:solidFill>
+                  <a:srgbClr val="DCDCDC"/>
+                </a:solidFill>
+                <a:effectLst/>
+                <a:latin typeface="Fira Code"/>
+              </a:rPr>
+              <a:t>    {</a:t>
+            </a:r>
+            <a:br>
+              <a:rPr kumimoji="0" lang="en-US" altLang="en-US" sz="2400" b="0" i="0" u="none" strike="noStrike" cap="none" normalizeH="0" baseline="0" dirty="0" smtClean="0">
+                <a:ln>
+                  <a:noFill/>
+                </a:ln>
+                <a:solidFill>
+                  <a:srgbClr val="DCDCDC"/>
+                </a:solidFill>
+                <a:effectLst/>
+                <a:latin typeface="Fira Code"/>
+              </a:rPr>
+            </a:br>
+            <a:r>
+              <a:rPr kumimoji="0" lang="en-US" altLang="en-US" sz="2400" b="0" i="0" u="none" strike="noStrike" cap="none" normalizeH="0" baseline="0" dirty="0" smtClean="0">
+                <a:ln>
+                  <a:noFill/>
+                </a:ln>
+                <a:solidFill>
+                  <a:srgbClr val="DCDCDC"/>
+                </a:solidFill>
+                <a:effectLst/>
+                <a:latin typeface="Fira Code"/>
+              </a:rPr>
+              <a:t>        </a:t>
+            </a:r>
+            <a:r>
+              <a:rPr kumimoji="0" lang="en-US" altLang="en-US" sz="2400" b="0" i="0" u="none" strike="noStrike" cap="none" normalizeH="0" baseline="0" dirty="0" err="1" smtClean="0">
+                <a:ln>
+                  <a:noFill/>
+                </a:ln>
+                <a:solidFill>
+                  <a:srgbClr val="569CD6"/>
+                </a:solidFill>
+                <a:effectLst/>
+                <a:latin typeface="Fira Code"/>
+              </a:rPr>
+              <a:t>var</a:t>
+            </a:r>
+            <a:r>
+              <a:rPr kumimoji="0" lang="en-US" altLang="en-US" sz="2400" b="0" i="0" u="none" strike="noStrike" cap="none" normalizeH="0" baseline="0" dirty="0" smtClean="0">
+                <a:ln>
+                  <a:noFill/>
+                </a:ln>
+                <a:solidFill>
+                  <a:srgbClr val="569CD6"/>
+                </a:solidFill>
+                <a:effectLst/>
+                <a:latin typeface="Fira Code"/>
+              </a:rPr>
+              <a:t> </a:t>
+            </a:r>
+            <a:r>
+              <a:rPr kumimoji="0" lang="en-US" altLang="en-US" sz="2400" b="0" i="0" u="none" strike="noStrike" cap="none" normalizeH="0" baseline="0" dirty="0" smtClean="0">
+                <a:ln>
+                  <a:noFill/>
+                </a:ln>
+                <a:solidFill>
+                  <a:srgbClr val="DCDCDC"/>
+                </a:solidFill>
+                <a:effectLst/>
+                <a:latin typeface="Fira Code"/>
+              </a:rPr>
+              <a:t>delay = </a:t>
+            </a:r>
+            <a:r>
+              <a:rPr kumimoji="0" lang="en-US" altLang="en-US" sz="2400" b="0" i="0" u="none" strike="noStrike" cap="none" normalizeH="0" baseline="0" dirty="0" smtClean="0">
+                <a:ln>
+                  <a:noFill/>
+                </a:ln>
+                <a:solidFill>
+                  <a:srgbClr val="569CD6"/>
+                </a:solidFill>
+                <a:effectLst/>
+                <a:latin typeface="Fira Code"/>
+              </a:rPr>
+              <a:t>new </a:t>
+            </a:r>
+            <a:r>
+              <a:rPr kumimoji="0" lang="en-US" altLang="en-US" sz="2400" b="0" i="0" u="none" strike="noStrike" cap="none" normalizeH="0" baseline="0" dirty="0" smtClean="0">
+                <a:ln>
+                  <a:noFill/>
+                </a:ln>
+                <a:solidFill>
+                  <a:srgbClr val="ADD8E6"/>
+                </a:solidFill>
+                <a:effectLst/>
+                <a:latin typeface="Fira Code"/>
+              </a:rPr>
+              <a:t>Random</a:t>
+            </a:r>
+            <a:r>
+              <a:rPr kumimoji="0" lang="en-US" altLang="en-US" sz="2400" b="0" i="0" u="none" strike="noStrike" cap="none" normalizeH="0" baseline="0" dirty="0" smtClean="0">
+                <a:ln>
+                  <a:noFill/>
+                </a:ln>
+                <a:solidFill>
+                  <a:srgbClr val="DCDCDC"/>
+                </a:solidFill>
+                <a:effectLst/>
+                <a:latin typeface="Fira Code"/>
+              </a:rPr>
+              <a:t>().</a:t>
+            </a:r>
+            <a:r>
+              <a:rPr kumimoji="0" lang="en-US" altLang="en-US" sz="2400" b="0" i="0" u="none" strike="noStrike" cap="none" normalizeH="0" baseline="0" dirty="0" smtClean="0">
+                <a:ln>
+                  <a:noFill/>
+                </a:ln>
+                <a:solidFill>
+                  <a:srgbClr val="00FFFF"/>
+                </a:solidFill>
+                <a:effectLst/>
+                <a:latin typeface="Fira Code"/>
+              </a:rPr>
+              <a:t>Next</a:t>
+            </a:r>
+            <a:r>
+              <a:rPr kumimoji="0" lang="en-US" altLang="en-US" sz="2400" b="0" i="0" u="none" strike="noStrike" cap="none" normalizeH="0" baseline="0" dirty="0" smtClean="0">
+                <a:ln>
+                  <a:noFill/>
+                </a:ln>
+                <a:solidFill>
+                  <a:srgbClr val="DCDCDC"/>
+                </a:solidFill>
+                <a:effectLst/>
+                <a:latin typeface="Fira Code"/>
+              </a:rPr>
+              <a:t>(</a:t>
+            </a:r>
+            <a:r>
+              <a:rPr kumimoji="0" lang="en-US" altLang="en-US" sz="2400" b="0" i="0" u="none" strike="noStrike" cap="none" normalizeH="0" baseline="0" dirty="0" smtClean="0">
+                <a:ln>
+                  <a:noFill/>
+                </a:ln>
+                <a:solidFill>
+                  <a:srgbClr val="B5CEA8"/>
+                </a:solidFill>
+                <a:effectLst/>
+                <a:latin typeface="Fira Code"/>
+              </a:rPr>
+              <a:t>3000</a:t>
+            </a:r>
+            <a:r>
+              <a:rPr kumimoji="0" lang="en-US" altLang="en-US" sz="2400" b="0" i="0" u="none" strike="noStrike" cap="none" normalizeH="0" baseline="0" dirty="0" smtClean="0">
+                <a:ln>
+                  <a:noFill/>
+                </a:ln>
+                <a:solidFill>
+                  <a:srgbClr val="DCDCDC"/>
+                </a:solidFill>
+                <a:effectLst/>
+                <a:latin typeface="Fira Code"/>
+              </a:rPr>
+              <a:t>, </a:t>
+            </a:r>
+            <a:r>
+              <a:rPr kumimoji="0" lang="en-US" altLang="en-US" sz="2400" b="0" i="0" u="none" strike="noStrike" cap="none" normalizeH="0" baseline="0" dirty="0" smtClean="0">
+                <a:ln>
+                  <a:noFill/>
+                </a:ln>
+                <a:solidFill>
+                  <a:srgbClr val="B5CEA8"/>
+                </a:solidFill>
+                <a:effectLst/>
+                <a:latin typeface="Fira Code"/>
+              </a:rPr>
+              <a:t>30000</a:t>
+            </a:r>
+            <a:r>
+              <a:rPr kumimoji="0" lang="en-US" altLang="en-US" sz="2400" b="0" i="0" u="none" strike="noStrike" cap="none" normalizeH="0" baseline="0" dirty="0" smtClean="0">
+                <a:ln>
+                  <a:noFill/>
+                </a:ln>
+                <a:solidFill>
+                  <a:srgbClr val="DCDCDC"/>
+                </a:solidFill>
+                <a:effectLst/>
+                <a:latin typeface="Fira Code"/>
+              </a:rPr>
+              <a:t>);</a:t>
+            </a:r>
+            <a:br>
+              <a:rPr kumimoji="0" lang="en-US" altLang="en-US" sz="2400" b="0" i="0" u="none" strike="noStrike" cap="none" normalizeH="0" baseline="0" dirty="0" smtClean="0">
+                <a:ln>
+                  <a:noFill/>
+                </a:ln>
+                <a:solidFill>
+                  <a:srgbClr val="DCDCDC"/>
+                </a:solidFill>
+                <a:effectLst/>
+                <a:latin typeface="Fira Code"/>
+              </a:rPr>
+            </a:br>
+            <a:r>
+              <a:rPr kumimoji="0" lang="en-US" altLang="en-US" sz="2400" b="0" i="0" u="none" strike="noStrike" cap="none" normalizeH="0" baseline="0" dirty="0" smtClean="0">
+                <a:ln>
+                  <a:noFill/>
+                </a:ln>
+                <a:solidFill>
+                  <a:srgbClr val="DCDCDC"/>
+                </a:solidFill>
+                <a:effectLst/>
+                <a:latin typeface="Fira Code"/>
+              </a:rPr>
+              <a:t>        </a:t>
+            </a:r>
+            <a:r>
+              <a:rPr kumimoji="0" lang="en-US" altLang="en-US" sz="2400" b="0" i="0" u="none" strike="noStrike" cap="none" normalizeH="0" baseline="0" dirty="0" smtClean="0">
+                <a:ln>
+                  <a:noFill/>
+                </a:ln>
+                <a:solidFill>
+                  <a:srgbClr val="569CD6"/>
+                </a:solidFill>
+                <a:effectLst/>
+                <a:latin typeface="Fira Code"/>
+              </a:rPr>
+              <a:t>await </a:t>
+            </a:r>
+            <a:r>
+              <a:rPr kumimoji="0" lang="en-US" altLang="en-US" sz="2400" b="0" i="0" u="none" strike="noStrike" cap="none" normalizeH="0" baseline="0" dirty="0" err="1" smtClean="0">
+                <a:ln>
+                  <a:noFill/>
+                </a:ln>
+                <a:solidFill>
+                  <a:srgbClr val="ADD8E6"/>
+                </a:solidFill>
+                <a:effectLst/>
+                <a:latin typeface="Fira Code"/>
+              </a:rPr>
+              <a:t>Task</a:t>
+            </a:r>
+            <a:r>
+              <a:rPr kumimoji="0" lang="en-US" altLang="en-US" sz="2400" b="0" i="0" u="none" strike="noStrike" cap="none" normalizeH="0" baseline="0" dirty="0" err="1" smtClean="0">
+                <a:ln>
+                  <a:noFill/>
+                </a:ln>
+                <a:solidFill>
+                  <a:srgbClr val="DCDCDC"/>
+                </a:solidFill>
+                <a:effectLst/>
+                <a:latin typeface="Fira Code"/>
+              </a:rPr>
+              <a:t>.</a:t>
+            </a:r>
+            <a:r>
+              <a:rPr kumimoji="0" lang="en-US" altLang="en-US" sz="2400" b="0" i="0" u="none" strike="noStrike" cap="none" normalizeH="0" baseline="0" dirty="0" err="1" smtClean="0">
+                <a:ln>
+                  <a:noFill/>
+                </a:ln>
+                <a:solidFill>
+                  <a:srgbClr val="00FFFF"/>
+                </a:solidFill>
+                <a:effectLst/>
+                <a:latin typeface="Fira Code"/>
+              </a:rPr>
+              <a:t>Delay</a:t>
+            </a:r>
+            <a:r>
+              <a:rPr kumimoji="0" lang="en-US" altLang="en-US" sz="2400" b="0" i="0" u="none" strike="noStrike" cap="none" normalizeH="0" baseline="0" dirty="0" smtClean="0">
+                <a:ln>
+                  <a:noFill/>
+                </a:ln>
+                <a:solidFill>
+                  <a:srgbClr val="DCDCDC"/>
+                </a:solidFill>
+                <a:effectLst/>
+                <a:latin typeface="Fira Code"/>
+              </a:rPr>
+              <a:t>(delay);</a:t>
+            </a:r>
+            <a:br>
+              <a:rPr kumimoji="0" lang="en-US" altLang="en-US" sz="2400" b="0" i="0" u="none" strike="noStrike" cap="none" normalizeH="0" baseline="0" dirty="0" smtClean="0">
+                <a:ln>
+                  <a:noFill/>
+                </a:ln>
+                <a:solidFill>
+                  <a:srgbClr val="DCDCDC"/>
+                </a:solidFill>
+                <a:effectLst/>
+                <a:latin typeface="Fira Code"/>
+              </a:rPr>
+            </a:br>
+            <a:r>
+              <a:rPr kumimoji="0" lang="en-US" altLang="en-US" sz="2400" b="0" i="0" u="none" strike="noStrike" cap="none" normalizeH="0" baseline="0" dirty="0" smtClean="0">
+                <a:ln>
+                  <a:noFill/>
+                </a:ln>
+                <a:solidFill>
+                  <a:srgbClr val="DCDCDC"/>
+                </a:solidFill>
+                <a:effectLst/>
+                <a:latin typeface="Fira Code"/>
+              </a:rPr>
+              <a:t>    }</a:t>
+            </a:r>
+            <a:br>
+              <a:rPr kumimoji="0" lang="en-US" altLang="en-US" sz="2400" b="0" i="0" u="none" strike="noStrike" cap="none" normalizeH="0" baseline="0" dirty="0" smtClean="0">
+                <a:ln>
+                  <a:noFill/>
+                </a:ln>
+                <a:solidFill>
+                  <a:srgbClr val="DCDCDC"/>
+                </a:solidFill>
+                <a:effectLst/>
+                <a:latin typeface="Fira Code"/>
+              </a:rPr>
+            </a:br>
+            <a:r>
+              <a:rPr kumimoji="0" lang="en-US" altLang="en-US" sz="2400" b="0" i="0" u="none" strike="noStrike" cap="none" normalizeH="0" baseline="0" dirty="0" smtClean="0">
+                <a:ln>
+                  <a:noFill/>
+                </a:ln>
+                <a:solidFill>
+                  <a:srgbClr val="DCDCDC"/>
+                </a:solidFill>
+                <a:effectLst/>
+                <a:latin typeface="Fira Code"/>
+              </a:rPr>
+              <a:t/>
+            </a:r>
+            <a:br>
+              <a:rPr kumimoji="0" lang="en-US" altLang="en-US" sz="2400" b="0" i="0" u="none" strike="noStrike" cap="none" normalizeH="0" baseline="0" dirty="0" smtClean="0">
+                <a:ln>
+                  <a:noFill/>
+                </a:ln>
+                <a:solidFill>
+                  <a:srgbClr val="DCDCDC"/>
+                </a:solidFill>
+                <a:effectLst/>
+                <a:latin typeface="Fira Code"/>
+              </a:rPr>
+            </a:br>
+            <a:r>
+              <a:rPr kumimoji="0" lang="en-US" altLang="en-US" sz="2400" b="0" i="0" u="none" strike="noStrike" cap="none" normalizeH="0" baseline="0" dirty="0" smtClean="0">
+                <a:ln>
+                  <a:noFill/>
+                </a:ln>
+                <a:solidFill>
+                  <a:srgbClr val="DCDCDC"/>
+                </a:solidFill>
+                <a:effectLst/>
+                <a:latin typeface="Fira Code"/>
+              </a:rPr>
+              <a:t>    </a:t>
+            </a:r>
+            <a:r>
+              <a:rPr kumimoji="0" lang="en-US" altLang="en-US" sz="2400" b="0" i="0" u="none" strike="noStrike" cap="none" normalizeH="0" baseline="0" dirty="0" err="1" smtClean="0">
+                <a:ln>
+                  <a:noFill/>
+                </a:ln>
+                <a:solidFill>
+                  <a:srgbClr val="569CD6"/>
+                </a:solidFill>
+                <a:effectLst/>
+                <a:latin typeface="Fira Code"/>
+              </a:rPr>
+              <a:t>var</a:t>
+            </a:r>
+            <a:r>
+              <a:rPr kumimoji="0" lang="en-US" altLang="en-US" sz="2400" b="0" i="0" u="none" strike="noStrike" cap="none" normalizeH="0" baseline="0" dirty="0" smtClean="0">
+                <a:ln>
+                  <a:noFill/>
+                </a:ln>
+                <a:solidFill>
+                  <a:srgbClr val="569CD6"/>
+                </a:solidFill>
+                <a:effectLst/>
+                <a:latin typeface="Fira Code"/>
+              </a:rPr>
+              <a:t> </a:t>
+            </a:r>
+            <a:r>
+              <a:rPr kumimoji="0" lang="en-US" altLang="en-US" sz="2400" b="0" i="0" u="none" strike="noStrike" cap="none" normalizeH="0" baseline="0" dirty="0" smtClean="0">
+                <a:ln>
+                  <a:noFill/>
+                </a:ln>
+                <a:solidFill>
+                  <a:srgbClr val="DCDCDC"/>
+                </a:solidFill>
+                <a:effectLst/>
+                <a:latin typeface="Fira Code"/>
+              </a:rPr>
+              <a:t>payment = </a:t>
+            </a:r>
+            <a:r>
+              <a:rPr kumimoji="0" lang="en-US" altLang="en-US" sz="2400" b="0" i="0" u="none" strike="noStrike" cap="none" normalizeH="0" baseline="0" dirty="0" smtClean="0">
+                <a:ln>
+                  <a:noFill/>
+                </a:ln>
+                <a:solidFill>
+                  <a:srgbClr val="569CD6"/>
+                </a:solidFill>
+                <a:effectLst/>
+                <a:latin typeface="Fira Code"/>
+              </a:rPr>
+              <a:t>new </a:t>
+            </a:r>
+            <a:r>
+              <a:rPr kumimoji="0" lang="en-US" altLang="en-US" sz="2400" b="0" i="0" u="none" strike="noStrike" cap="none" normalizeH="0" baseline="0" dirty="0" smtClean="0">
+                <a:ln>
+                  <a:noFill/>
+                </a:ln>
+                <a:solidFill>
+                  <a:srgbClr val="ADD8E6"/>
+                </a:solidFill>
+                <a:effectLst/>
+                <a:latin typeface="Fira Code"/>
+              </a:rPr>
+              <a:t>Payment</a:t>
+            </a:r>
+            <a:r>
+              <a:rPr kumimoji="0" lang="en-US" altLang="en-US" sz="2400" b="0" i="0" u="none" strike="noStrike" cap="none" normalizeH="0" baseline="0" dirty="0" smtClean="0">
+                <a:ln>
+                  <a:noFill/>
+                </a:ln>
+                <a:solidFill>
+                  <a:srgbClr val="DCDCDC"/>
+                </a:solidFill>
+                <a:effectLst/>
+                <a:latin typeface="Fira Code"/>
+              </a:rPr>
+              <a:t>(</a:t>
+            </a:r>
+            <a:r>
+              <a:rPr kumimoji="0" lang="en-US" altLang="en-US" sz="2400" b="0" i="0" u="none" strike="noStrike" cap="none" normalizeH="0" baseline="0" dirty="0" err="1" smtClean="0">
+                <a:ln>
+                  <a:noFill/>
+                </a:ln>
+                <a:solidFill>
+                  <a:srgbClr val="ADD8E6"/>
+                </a:solidFill>
+                <a:effectLst/>
+                <a:latin typeface="Fira Code"/>
+              </a:rPr>
+              <a:t>ObjectId</a:t>
+            </a:r>
+            <a:r>
+              <a:rPr kumimoji="0" lang="en-US" altLang="en-US" sz="2400" b="0" i="0" u="none" strike="noStrike" cap="none" normalizeH="0" baseline="0" dirty="0" err="1" smtClean="0">
+                <a:ln>
+                  <a:noFill/>
+                </a:ln>
+                <a:solidFill>
+                  <a:srgbClr val="DCDCDC"/>
+                </a:solidFill>
+                <a:effectLst/>
+                <a:latin typeface="Fira Code"/>
+              </a:rPr>
+              <a:t>.</a:t>
+            </a:r>
+            <a:r>
+              <a:rPr kumimoji="0" lang="en-US" altLang="en-US" sz="2400" b="0" i="0" u="none" strike="noStrike" cap="none" normalizeH="0" baseline="0" dirty="0" err="1" smtClean="0">
+                <a:ln>
+                  <a:noFill/>
+                </a:ln>
+                <a:solidFill>
+                  <a:srgbClr val="00FFFF"/>
+                </a:solidFill>
+                <a:effectLst/>
+                <a:latin typeface="Fira Code"/>
+              </a:rPr>
+              <a:t>GenerateNewId</a:t>
+            </a:r>
+            <a:r>
+              <a:rPr kumimoji="0" lang="en-US" altLang="en-US" sz="2400" b="0" i="0" u="none" strike="noStrike" cap="none" normalizeH="0" baseline="0" dirty="0" smtClean="0">
+                <a:ln>
+                  <a:noFill/>
+                </a:ln>
+                <a:solidFill>
+                  <a:srgbClr val="DCDCDC"/>
+                </a:solidFill>
+                <a:effectLst/>
+                <a:latin typeface="Fira Code"/>
+              </a:rPr>
+              <a:t>(), @</a:t>
+            </a:r>
+            <a:r>
+              <a:rPr kumimoji="0" lang="en-US" altLang="en-US" sz="2400" b="0" i="0" u="none" strike="noStrike" cap="none" normalizeH="0" baseline="0" dirty="0" err="1" smtClean="0">
+                <a:ln>
+                  <a:noFill/>
+                </a:ln>
+                <a:solidFill>
+                  <a:srgbClr val="DCDCDC"/>
+                </a:solidFill>
+                <a:effectLst/>
+                <a:latin typeface="Fira Code"/>
+              </a:rPr>
+              <a:t>event.</a:t>
+            </a:r>
+            <a:r>
+              <a:rPr kumimoji="0" lang="en-US" altLang="en-US" sz="2400" b="0" i="0" u="none" strike="noStrike" cap="none" normalizeH="0" baseline="0" dirty="0" err="1" smtClean="0">
+                <a:ln>
+                  <a:noFill/>
+                </a:ln>
+                <a:solidFill>
+                  <a:srgbClr val="EE82EE"/>
+                </a:solidFill>
+                <a:effectLst/>
+                <a:latin typeface="Fira Code"/>
+              </a:rPr>
+              <a:t>SourceId</a:t>
+            </a:r>
+            <a:r>
+              <a:rPr kumimoji="0" lang="en-US" altLang="en-US" sz="2400" b="0" i="0" u="none" strike="noStrike" cap="none" normalizeH="0" baseline="0" dirty="0" smtClean="0">
+                <a:ln>
+                  <a:noFill/>
+                </a:ln>
+                <a:solidFill>
+                  <a:srgbClr val="DCDCDC"/>
+                </a:solidFill>
+                <a:effectLst/>
+                <a:latin typeface="Fira Code"/>
+              </a:rPr>
+              <a:t>);</a:t>
+            </a:r>
+            <a:br>
+              <a:rPr kumimoji="0" lang="en-US" altLang="en-US" sz="2400" b="0" i="0" u="none" strike="noStrike" cap="none" normalizeH="0" baseline="0" dirty="0" smtClean="0">
+                <a:ln>
+                  <a:noFill/>
+                </a:ln>
+                <a:solidFill>
+                  <a:srgbClr val="DCDCDC"/>
+                </a:solidFill>
+                <a:effectLst/>
+                <a:latin typeface="Fira Code"/>
+              </a:rPr>
+            </a:br>
+            <a:r>
+              <a:rPr kumimoji="0" lang="en-US" altLang="en-US" sz="2400" b="0" i="0" u="none" strike="noStrike" cap="none" normalizeH="0" baseline="0" dirty="0" smtClean="0">
+                <a:ln>
+                  <a:noFill/>
+                </a:ln>
+                <a:solidFill>
+                  <a:srgbClr val="DCDCDC"/>
+                </a:solidFill>
+                <a:effectLst/>
+                <a:latin typeface="Fira Code"/>
+              </a:rPr>
+              <a:t>    </a:t>
+            </a:r>
+            <a:r>
+              <a:rPr kumimoji="0" lang="en-US" altLang="en-US" sz="2400" b="0" i="0" u="none" strike="noStrike" cap="none" normalizeH="0" baseline="0" dirty="0" err="1" smtClean="0">
+                <a:ln>
+                  <a:noFill/>
+                </a:ln>
+                <a:solidFill>
+                  <a:srgbClr val="DCDCDC"/>
+                </a:solidFill>
+                <a:effectLst/>
+                <a:latin typeface="Fira Code"/>
+              </a:rPr>
+              <a:t>payment.</a:t>
+            </a:r>
+            <a:r>
+              <a:rPr kumimoji="0" lang="en-US" altLang="en-US" sz="2400" b="0" i="0" u="none" strike="noStrike" cap="none" normalizeH="0" baseline="0" dirty="0" err="1" smtClean="0">
+                <a:ln>
+                  <a:noFill/>
+                </a:ln>
+                <a:solidFill>
+                  <a:srgbClr val="00FFFF"/>
+                </a:solidFill>
+                <a:effectLst/>
+                <a:latin typeface="Fira Code"/>
+              </a:rPr>
+              <a:t>Process</a:t>
+            </a:r>
+            <a:r>
+              <a:rPr kumimoji="0" lang="en-US" altLang="en-US" sz="2400" b="0" i="0" u="none" strike="noStrike" cap="none" normalizeH="0" baseline="0" dirty="0" smtClean="0">
+                <a:ln>
+                  <a:noFill/>
+                </a:ln>
+                <a:solidFill>
+                  <a:srgbClr val="DCDCDC"/>
+                </a:solidFill>
+                <a:effectLst/>
+                <a:latin typeface="Fira Code"/>
+              </a:rPr>
+              <a:t>(@</a:t>
+            </a:r>
+            <a:r>
+              <a:rPr kumimoji="0" lang="en-US" altLang="en-US" sz="2400" b="0" i="0" u="none" strike="noStrike" cap="none" normalizeH="0" baseline="0" dirty="0" err="1" smtClean="0">
+                <a:ln>
+                  <a:noFill/>
+                </a:ln>
+                <a:solidFill>
+                  <a:srgbClr val="DCDCDC"/>
+                </a:solidFill>
+                <a:effectLst/>
+                <a:latin typeface="Fira Code"/>
+              </a:rPr>
+              <a:t>event.</a:t>
+            </a:r>
+            <a:r>
+              <a:rPr kumimoji="0" lang="en-US" altLang="en-US" sz="2400" b="0" i="0" u="none" strike="noStrike" cap="none" normalizeH="0" baseline="0" dirty="0" err="1" smtClean="0">
+                <a:ln>
+                  <a:noFill/>
+                </a:ln>
+                <a:solidFill>
+                  <a:srgbClr val="EE82EE"/>
+                </a:solidFill>
+                <a:effectLst/>
+                <a:latin typeface="Fira Code"/>
+              </a:rPr>
+              <a:t>Amount</a:t>
+            </a:r>
+            <a:r>
+              <a:rPr kumimoji="0" lang="en-US" altLang="en-US" sz="2400" b="0" i="0" u="none" strike="noStrike" cap="none" normalizeH="0" baseline="0" dirty="0" smtClean="0">
+                <a:ln>
+                  <a:noFill/>
+                </a:ln>
+                <a:solidFill>
+                  <a:srgbClr val="DCDCDC"/>
+                </a:solidFill>
+                <a:effectLst/>
+                <a:latin typeface="Fira Code"/>
+              </a:rPr>
+              <a:t>);</a:t>
+            </a:r>
+            <a:br>
+              <a:rPr kumimoji="0" lang="en-US" altLang="en-US" sz="2400" b="0" i="0" u="none" strike="noStrike" cap="none" normalizeH="0" baseline="0" dirty="0" smtClean="0">
+                <a:ln>
+                  <a:noFill/>
+                </a:ln>
+                <a:solidFill>
+                  <a:srgbClr val="DCDCDC"/>
+                </a:solidFill>
+                <a:effectLst/>
+                <a:latin typeface="Fira Code"/>
+              </a:rPr>
+            </a:br>
+            <a:r>
+              <a:rPr kumimoji="0" lang="en-US" altLang="en-US" sz="2400" b="0" i="0" u="none" strike="noStrike" cap="none" normalizeH="0" baseline="0" dirty="0" smtClean="0">
+                <a:ln>
+                  <a:noFill/>
+                </a:ln>
+                <a:solidFill>
+                  <a:srgbClr val="DCDCDC"/>
+                </a:solidFill>
+                <a:effectLst/>
+                <a:latin typeface="Fira Code"/>
+              </a:rPr>
+              <a:t>    </a:t>
+            </a:r>
+            <a:r>
+              <a:rPr kumimoji="0" lang="en-US" altLang="en-US" sz="2400" b="0" i="0" u="none" strike="noStrike" cap="none" normalizeH="0" baseline="0" dirty="0" smtClean="0">
+                <a:ln>
+                  <a:noFill/>
+                </a:ln>
+                <a:solidFill>
+                  <a:srgbClr val="569CD6"/>
+                </a:solidFill>
+                <a:effectLst/>
+                <a:latin typeface="Fira Code"/>
+              </a:rPr>
+              <a:t>await </a:t>
+            </a:r>
+            <a:r>
+              <a:rPr kumimoji="0" lang="en-US" altLang="en-US" sz="2400" b="0" i="0" u="none" strike="noStrike" cap="none" normalizeH="0" baseline="0" dirty="0" err="1" smtClean="0">
+                <a:ln>
+                  <a:noFill/>
+                </a:ln>
+                <a:solidFill>
+                  <a:srgbClr val="EE82EE"/>
+                </a:solidFill>
+                <a:effectLst/>
+                <a:latin typeface="Fira Code"/>
+              </a:rPr>
+              <a:t>payments</a:t>
+            </a:r>
+            <a:r>
+              <a:rPr kumimoji="0" lang="en-US" altLang="en-US" sz="2400" b="0" i="0" u="none" strike="noStrike" cap="none" normalizeH="0" baseline="0" dirty="0" err="1" smtClean="0">
+                <a:ln>
+                  <a:noFill/>
+                </a:ln>
+                <a:solidFill>
+                  <a:srgbClr val="DCDCDC"/>
+                </a:solidFill>
+                <a:effectLst/>
+                <a:latin typeface="Fira Code"/>
+              </a:rPr>
+              <a:t>.</a:t>
+            </a:r>
+            <a:r>
+              <a:rPr kumimoji="0" lang="en-US" altLang="en-US" sz="2400" b="0" i="0" u="none" strike="noStrike" cap="none" normalizeH="0" baseline="0" dirty="0" err="1" smtClean="0">
+                <a:ln>
+                  <a:noFill/>
+                </a:ln>
+                <a:solidFill>
+                  <a:srgbClr val="00FFFF"/>
+                </a:solidFill>
+                <a:effectLst/>
+                <a:latin typeface="Fira Code"/>
+              </a:rPr>
+              <a:t>Create</a:t>
+            </a:r>
+            <a:r>
+              <a:rPr kumimoji="0" lang="en-US" altLang="en-US" sz="2400" b="0" i="0" u="none" strike="noStrike" cap="none" normalizeH="0" baseline="0" dirty="0" smtClean="0">
+                <a:ln>
+                  <a:noFill/>
+                </a:ln>
+                <a:solidFill>
+                  <a:srgbClr val="DCDCDC"/>
+                </a:solidFill>
+                <a:effectLst/>
+                <a:latin typeface="Fira Code"/>
+              </a:rPr>
+              <a:t>(payment);</a:t>
+            </a:r>
+            <a:br>
+              <a:rPr kumimoji="0" lang="en-US" altLang="en-US" sz="2400" b="0" i="0" u="none" strike="noStrike" cap="none" normalizeH="0" baseline="0" dirty="0" smtClean="0">
+                <a:ln>
+                  <a:noFill/>
+                </a:ln>
+                <a:solidFill>
+                  <a:srgbClr val="DCDCDC"/>
+                </a:solidFill>
+                <a:effectLst/>
+                <a:latin typeface="Fira Code"/>
+              </a:rPr>
+            </a:br>
+            <a:r>
+              <a:rPr kumimoji="0" lang="en-US" altLang="en-US" sz="2400" b="0" i="0" u="none" strike="noStrike" cap="none" normalizeH="0" baseline="0" dirty="0" smtClean="0">
+                <a:ln>
+                  <a:noFill/>
+                </a:ln>
+                <a:solidFill>
+                  <a:srgbClr val="DCDCDC"/>
+                </a:solidFill>
+                <a:effectLst/>
+                <a:latin typeface="Fira Code"/>
+              </a:rPr>
+              <a:t>}</a:t>
+            </a:r>
+            <a:endParaRPr kumimoji="0" lang="en-US" altLang="en-US" sz="2400" b="0" i="0" u="none" strike="noStrike" cap="none" normalizeH="0" baseline="0" dirty="0" smtClean="0">
+              <a:ln>
+                <a:noFill/>
+              </a:ln>
+              <a:solidFill>
+                <a:schemeClr val="tx1"/>
+              </a:solidFill>
+              <a:effectLst/>
+              <a:latin typeface="Arial" panose="020B0604020202020204" pitchFamily="34" charset="0"/>
+            </a:endParaRPr>
+          </a:p>
+        </p:txBody>
+      </p:sp>
+    </p:spTree>
+    <p:extLst>
+      <p:ext uri="{BB962C8B-B14F-4D97-AF65-F5344CB8AC3E}">
+        <p14:creationId xmlns:p14="http://schemas.microsoft.com/office/powerpoint/2010/main" val="635392540"/>
+      </p:ext>
+    </p:extLst>
+  </p:cSld>
+  <p:clrMapOvr>
+    <a:masterClrMapping/>
+  </p:clrMapOvr>
+  <p:timing>
+    <p:tnLst>
+      <p:par>
+        <p:cTn id="1" dur="indefinite" restart="never" nodeType="tmRoot"/>
+      </p:par>
+    </p:tnLst>
+  </p:timing>
+</p:sld>
+</file>
+
+<file path=ppt/slides/slide21.xml><?xml version="1.0" encoding="utf-8"?>
+<p:sld xmlns:a="http://schemas.openxmlformats.org/drawingml/2006/main" xmlns:r="http://schemas.openxmlformats.org/officeDocument/2006/relationships" xmlns:p="http://schemas.openxmlformats.org/presentationml/2006/main">
+  <p:cSld>
+    <p:spTree>
+      <p:nvGrpSpPr>
+        <p:cNvPr id="1" name=""/>
+        <p:cNvGrpSpPr/>
+        <p:nvPr/>
+      </p:nvGrpSpPr>
+      <p:grpSpPr>
+        <a:xfrm>
+          <a:off x="0" y="0"/>
+          <a:ext cx="0" cy="0"/>
+          <a:chOff x="0" y="0"/>
+          <a:chExt cx="0" cy="0"/>
+        </a:xfrm>
+      </p:grpSpPr>
+      <p:sp>
+        <p:nvSpPr>
+          <p:cNvPr id="2" name="Rectangle 1"/>
+          <p:cNvSpPr>
+            <a:spLocks noChangeArrowheads="1"/>
+          </p:cNvSpPr>
+          <p:nvPr/>
+        </p:nvSpPr>
+        <p:spPr bwMode="auto">
+          <a:xfrm>
+            <a:off x="1137138" y="612845"/>
+            <a:ext cx="8974573" cy="5632311"/>
+          </a:xfrm>
+          <a:prstGeom prst="rect">
+            <a:avLst/>
+          </a:prstGeom>
+          <a:noFill/>
+          <a:ln>
+            <a:noFill/>
+          </a:ln>
+          <a:effectLst/>
+        </p:spPr>
+        <p:txBody>
+          <a:bodyPr vert="horz" wrap="none" lIns="91440" tIns="45720" rIns="91440" bIns="45720" numCol="1" anchor="ctr" anchorCtr="0" compatLnSpc="1">
+            <a:prstTxWarp prst="textNoShape">
+              <a:avLst/>
+            </a:prstTxWarp>
+            <a:spAutoFit/>
+          </a:bodyPr>
+          <a:lstStyle/>
+          <a:p>
+            <a:pPr marL="0" marR="0" lvl="0" indent="0" algn="l" defTabSz="914400" rtl="0" eaLnBrk="0" fontAlgn="base" latinLnBrk="0" hangingPunct="0">
+              <a:lnSpc>
+                <a:spcPct val="100000"/>
+              </a:lnSpc>
+              <a:spcBef>
+                <a:spcPct val="0"/>
+              </a:spcBef>
+              <a:spcAft>
+                <a:spcPct val="0"/>
+              </a:spcAft>
+              <a:buClrTx/>
+              <a:buSzTx/>
+              <a:buFontTx/>
+              <a:buNone/>
+              <a:tabLst/>
+            </a:pPr>
+            <a:r>
+              <a:rPr kumimoji="0" lang="en-US" altLang="en-US" sz="2400" b="0" i="0" u="none" strike="noStrike" cap="none" normalizeH="0" baseline="0" dirty="0" smtClean="0">
+                <a:ln>
+                  <a:noFill/>
+                </a:ln>
+                <a:solidFill>
+                  <a:srgbClr val="569CD6"/>
+                </a:solidFill>
+                <a:effectLst/>
+                <a:latin typeface="Fira Code"/>
+              </a:rPr>
+              <a:t>public void </a:t>
+            </a:r>
+            <a:r>
+              <a:rPr kumimoji="0" lang="en-US" altLang="en-US" sz="2400" b="0" i="0" u="none" strike="noStrike" cap="none" normalizeH="0" baseline="0" dirty="0" smtClean="0">
+                <a:ln>
+                  <a:noFill/>
+                </a:ln>
+                <a:solidFill>
+                  <a:srgbClr val="00FFFF"/>
+                </a:solidFill>
+                <a:effectLst/>
+                <a:latin typeface="Fira Code"/>
+              </a:rPr>
+              <a:t>Process</a:t>
+            </a:r>
+            <a:r>
+              <a:rPr kumimoji="0" lang="en-US" altLang="en-US" sz="2400" b="0" i="0" u="none" strike="noStrike" cap="none" normalizeH="0" baseline="0" dirty="0" smtClean="0">
+                <a:ln>
+                  <a:noFill/>
+                </a:ln>
+                <a:solidFill>
+                  <a:srgbClr val="DCDCDC"/>
+                </a:solidFill>
+                <a:effectLst/>
+                <a:latin typeface="Fira Code"/>
+              </a:rPr>
+              <a:t>(</a:t>
+            </a:r>
+            <a:r>
+              <a:rPr kumimoji="0" lang="en-US" altLang="en-US" sz="2400" b="0" i="0" u="none" strike="noStrike" cap="none" normalizeH="0" baseline="0" dirty="0" smtClean="0">
+                <a:ln>
+                  <a:noFill/>
+                </a:ln>
+                <a:solidFill>
+                  <a:srgbClr val="569CD6"/>
+                </a:solidFill>
+                <a:effectLst/>
+                <a:latin typeface="Fira Code"/>
+              </a:rPr>
+              <a:t>decimal </a:t>
+            </a:r>
+            <a:r>
+              <a:rPr kumimoji="0" lang="en-US" altLang="en-US" sz="2400" b="0" i="0" u="none" strike="noStrike" cap="none" normalizeH="0" baseline="0" dirty="0" smtClean="0">
+                <a:ln>
+                  <a:noFill/>
+                </a:ln>
+                <a:solidFill>
+                  <a:srgbClr val="DCDCDC"/>
+                </a:solidFill>
+                <a:effectLst/>
+                <a:latin typeface="Fira Code"/>
+              </a:rPr>
+              <a:t>amount)</a:t>
+            </a:r>
+            <a:br>
+              <a:rPr kumimoji="0" lang="en-US" altLang="en-US" sz="2400" b="0" i="0" u="none" strike="noStrike" cap="none" normalizeH="0" baseline="0" dirty="0" smtClean="0">
+                <a:ln>
+                  <a:noFill/>
+                </a:ln>
+                <a:solidFill>
+                  <a:srgbClr val="DCDCDC"/>
+                </a:solidFill>
+                <a:effectLst/>
+                <a:latin typeface="Fira Code"/>
+              </a:rPr>
+            </a:br>
+            <a:r>
+              <a:rPr kumimoji="0" lang="en-US" altLang="en-US" sz="2400" b="0" i="0" u="none" strike="noStrike" cap="none" normalizeH="0" baseline="0" dirty="0" smtClean="0">
+                <a:ln>
+                  <a:noFill/>
+                </a:ln>
+                <a:solidFill>
+                  <a:srgbClr val="DCDCDC"/>
+                </a:solidFill>
+                <a:effectLst/>
+                <a:latin typeface="Fira Code"/>
+              </a:rPr>
+              <a:t>{</a:t>
+            </a:r>
+            <a:br>
+              <a:rPr kumimoji="0" lang="en-US" altLang="en-US" sz="2400" b="0" i="0" u="none" strike="noStrike" cap="none" normalizeH="0" baseline="0" dirty="0" smtClean="0">
+                <a:ln>
+                  <a:noFill/>
+                </a:ln>
+                <a:solidFill>
+                  <a:srgbClr val="DCDCDC"/>
+                </a:solidFill>
+                <a:effectLst/>
+                <a:latin typeface="Fira Code"/>
+              </a:rPr>
+            </a:br>
+            <a:r>
+              <a:rPr kumimoji="0" lang="en-US" altLang="en-US" sz="2400" b="0" i="0" u="none" strike="noStrike" cap="none" normalizeH="0" baseline="0" dirty="0" smtClean="0">
+                <a:ln>
+                  <a:noFill/>
+                </a:ln>
+                <a:solidFill>
+                  <a:srgbClr val="DCDCDC"/>
+                </a:solidFill>
+                <a:effectLst/>
+                <a:latin typeface="Fira Code"/>
+              </a:rPr>
+              <a:t>    </a:t>
+            </a:r>
+            <a:r>
+              <a:rPr kumimoji="0" lang="en-US" altLang="en-US" sz="2400" b="0" i="0" u="none" strike="noStrike" cap="none" normalizeH="0" baseline="0" dirty="0" smtClean="0">
+                <a:ln>
+                  <a:noFill/>
+                </a:ln>
+                <a:solidFill>
+                  <a:srgbClr val="EE82EE"/>
+                </a:solidFill>
+                <a:effectLst/>
+                <a:latin typeface="Fira Code"/>
+              </a:rPr>
+              <a:t>Amount </a:t>
+            </a:r>
+            <a:r>
+              <a:rPr kumimoji="0" lang="en-US" altLang="en-US" sz="2400" b="0" i="0" u="none" strike="noStrike" cap="none" normalizeH="0" baseline="0" dirty="0" smtClean="0">
+                <a:ln>
+                  <a:noFill/>
+                </a:ln>
+                <a:solidFill>
+                  <a:srgbClr val="DCDCDC"/>
+                </a:solidFill>
+                <a:effectLst/>
+                <a:latin typeface="Fira Code"/>
+              </a:rPr>
+              <a:t>= amount;</a:t>
+            </a:r>
+            <a:br>
+              <a:rPr kumimoji="0" lang="en-US" altLang="en-US" sz="2400" b="0" i="0" u="none" strike="noStrike" cap="none" normalizeH="0" baseline="0" dirty="0" smtClean="0">
+                <a:ln>
+                  <a:noFill/>
+                </a:ln>
+                <a:solidFill>
+                  <a:srgbClr val="DCDCDC"/>
+                </a:solidFill>
+                <a:effectLst/>
+                <a:latin typeface="Fira Code"/>
+              </a:rPr>
+            </a:br>
+            <a:r>
+              <a:rPr kumimoji="0" lang="en-US" altLang="en-US" sz="2400" b="0" i="0" u="none" strike="noStrike" cap="none" normalizeH="0" baseline="0" dirty="0" smtClean="0">
+                <a:ln>
+                  <a:noFill/>
+                </a:ln>
+                <a:solidFill>
+                  <a:srgbClr val="DCDCDC"/>
+                </a:solidFill>
+                <a:effectLst/>
+                <a:latin typeface="Fira Code"/>
+              </a:rPr>
+              <a:t/>
+            </a:r>
+            <a:br>
+              <a:rPr kumimoji="0" lang="en-US" altLang="en-US" sz="2400" b="0" i="0" u="none" strike="noStrike" cap="none" normalizeH="0" baseline="0" dirty="0" smtClean="0">
+                <a:ln>
+                  <a:noFill/>
+                </a:ln>
+                <a:solidFill>
+                  <a:srgbClr val="DCDCDC"/>
+                </a:solidFill>
+                <a:effectLst/>
+                <a:latin typeface="Fira Code"/>
+              </a:rPr>
+            </a:br>
+            <a:r>
+              <a:rPr kumimoji="0" lang="en-US" altLang="en-US" sz="2400" b="0" i="0" u="none" strike="noStrike" cap="none" normalizeH="0" baseline="0" dirty="0" smtClean="0">
+                <a:ln>
+                  <a:noFill/>
+                </a:ln>
+                <a:solidFill>
+                  <a:srgbClr val="DCDCDC"/>
+                </a:solidFill>
+                <a:effectLst/>
+                <a:latin typeface="Fira Code"/>
+              </a:rPr>
+              <a:t>    </a:t>
+            </a:r>
+            <a:r>
+              <a:rPr kumimoji="0" lang="en-US" altLang="en-US" sz="2400" b="0" i="0" u="none" strike="noStrike" cap="none" normalizeH="0" baseline="0" dirty="0" smtClean="0">
+                <a:ln>
+                  <a:noFill/>
+                </a:ln>
+                <a:solidFill>
+                  <a:srgbClr val="569CD6"/>
+                </a:solidFill>
+                <a:effectLst/>
+                <a:latin typeface="Fira Code"/>
+              </a:rPr>
+              <a:t>if </a:t>
+            </a:r>
+            <a:r>
+              <a:rPr kumimoji="0" lang="en-US" altLang="en-US" sz="2400" b="0" i="0" u="none" strike="noStrike" cap="none" normalizeH="0" baseline="0" dirty="0" smtClean="0">
+                <a:ln>
+                  <a:noFill/>
+                </a:ln>
+                <a:solidFill>
+                  <a:srgbClr val="DCDCDC"/>
+                </a:solidFill>
+                <a:effectLst/>
+                <a:latin typeface="Fira Code"/>
+              </a:rPr>
+              <a:t>(</a:t>
+            </a:r>
+            <a:r>
+              <a:rPr kumimoji="0" lang="en-US" altLang="en-US" sz="2400" b="0" i="0" u="none" strike="noStrike" cap="none" normalizeH="0" baseline="0" dirty="0" smtClean="0">
+                <a:ln>
+                  <a:noFill/>
+                </a:ln>
+                <a:solidFill>
+                  <a:srgbClr val="EE82EE"/>
+                </a:solidFill>
+                <a:effectLst/>
+                <a:latin typeface="Fira Code"/>
+              </a:rPr>
+              <a:t>Amount </a:t>
+            </a:r>
+            <a:r>
+              <a:rPr kumimoji="0" lang="en-US" altLang="en-US" sz="2400" b="0" i="0" u="none" strike="noStrike" cap="none" normalizeH="0" baseline="0" dirty="0" smtClean="0">
+                <a:ln>
+                  <a:noFill/>
+                </a:ln>
+                <a:solidFill>
+                  <a:srgbClr val="DCDCDC"/>
+                </a:solidFill>
+                <a:effectLst/>
+                <a:latin typeface="Fira Code"/>
+              </a:rPr>
+              <a:t>&gt;= </a:t>
+            </a:r>
+            <a:r>
+              <a:rPr kumimoji="0" lang="en-US" altLang="en-US" sz="2400" b="0" i="0" u="none" strike="noStrike" cap="none" normalizeH="0" baseline="0" dirty="0" smtClean="0">
+                <a:ln>
+                  <a:noFill/>
+                </a:ln>
+                <a:solidFill>
+                  <a:srgbClr val="B5CEA8"/>
+                </a:solidFill>
+                <a:effectLst/>
+                <a:latin typeface="Fira Code"/>
+              </a:rPr>
+              <a:t>300</a:t>
+            </a:r>
+            <a:r>
+              <a:rPr kumimoji="0" lang="en-US" altLang="en-US" sz="2400" b="0" i="0" u="none" strike="noStrike" cap="none" normalizeH="0" baseline="0" dirty="0" smtClean="0">
+                <a:ln>
+                  <a:noFill/>
+                </a:ln>
+                <a:solidFill>
+                  <a:srgbClr val="DCDCDC"/>
+                </a:solidFill>
+                <a:effectLst/>
+                <a:latin typeface="Fira Code"/>
+              </a:rPr>
+              <a:t>)</a:t>
+            </a:r>
+            <a:br>
+              <a:rPr kumimoji="0" lang="en-US" altLang="en-US" sz="2400" b="0" i="0" u="none" strike="noStrike" cap="none" normalizeH="0" baseline="0" dirty="0" smtClean="0">
+                <a:ln>
+                  <a:noFill/>
+                </a:ln>
+                <a:solidFill>
+                  <a:srgbClr val="DCDCDC"/>
+                </a:solidFill>
+                <a:effectLst/>
+                <a:latin typeface="Fira Code"/>
+              </a:rPr>
+            </a:br>
+            <a:r>
+              <a:rPr kumimoji="0" lang="en-US" altLang="en-US" sz="2400" b="0" i="0" u="none" strike="noStrike" cap="none" normalizeH="0" baseline="0" dirty="0" smtClean="0">
+                <a:ln>
+                  <a:noFill/>
+                </a:ln>
+                <a:solidFill>
+                  <a:srgbClr val="DCDCDC"/>
+                </a:solidFill>
+                <a:effectLst/>
+                <a:latin typeface="Fira Code"/>
+              </a:rPr>
+              <a:t>    {</a:t>
+            </a:r>
+            <a:br>
+              <a:rPr kumimoji="0" lang="en-US" altLang="en-US" sz="2400" b="0" i="0" u="none" strike="noStrike" cap="none" normalizeH="0" baseline="0" dirty="0" smtClean="0">
+                <a:ln>
+                  <a:noFill/>
+                </a:ln>
+                <a:solidFill>
+                  <a:srgbClr val="DCDCDC"/>
+                </a:solidFill>
+                <a:effectLst/>
+                <a:latin typeface="Fira Code"/>
+              </a:rPr>
+            </a:br>
+            <a:r>
+              <a:rPr kumimoji="0" lang="en-US" altLang="en-US" sz="2400" b="0" i="0" u="none" strike="noStrike" cap="none" normalizeH="0" baseline="0" dirty="0" smtClean="0">
+                <a:ln>
+                  <a:noFill/>
+                </a:ln>
+                <a:solidFill>
+                  <a:srgbClr val="DCDCDC"/>
+                </a:solidFill>
+                <a:effectLst/>
+                <a:latin typeface="Fira Code"/>
+              </a:rPr>
+              <a:t>        </a:t>
+            </a:r>
+            <a:r>
+              <a:rPr kumimoji="0" lang="en-US" altLang="en-US" sz="2400" b="0" i="0" u="none" strike="noStrike" cap="none" normalizeH="0" baseline="0" dirty="0" smtClean="0">
+                <a:ln>
+                  <a:noFill/>
+                </a:ln>
+                <a:solidFill>
+                  <a:srgbClr val="EE82EE"/>
+                </a:solidFill>
+                <a:effectLst/>
+                <a:latin typeface="Fira Code"/>
+              </a:rPr>
+              <a:t>Status </a:t>
+            </a:r>
+            <a:r>
+              <a:rPr kumimoji="0" lang="en-US" altLang="en-US" sz="2400" b="0" i="0" u="none" strike="noStrike" cap="none" normalizeH="0" baseline="0" dirty="0" smtClean="0">
+                <a:ln>
+                  <a:noFill/>
+                </a:ln>
+                <a:solidFill>
+                  <a:srgbClr val="DCDCDC"/>
+                </a:solidFill>
+                <a:effectLst/>
+                <a:latin typeface="Fira Code"/>
+              </a:rPr>
+              <a:t>= </a:t>
+            </a:r>
+            <a:r>
+              <a:rPr kumimoji="0" lang="en-US" altLang="en-US" sz="2400" b="0" i="0" u="none" strike="noStrike" cap="none" normalizeH="0" baseline="0" dirty="0" err="1" smtClean="0">
+                <a:ln>
+                  <a:noFill/>
+                </a:ln>
+                <a:solidFill>
+                  <a:srgbClr val="ADD8E6"/>
+                </a:solidFill>
+                <a:effectLst/>
+                <a:latin typeface="Fira Code"/>
+              </a:rPr>
+              <a:t>PaymentStatus</a:t>
+            </a:r>
+            <a:r>
+              <a:rPr kumimoji="0" lang="en-US" altLang="en-US" sz="2400" b="0" i="0" u="none" strike="noStrike" cap="none" normalizeH="0" baseline="0" dirty="0" err="1" smtClean="0">
+                <a:ln>
+                  <a:noFill/>
+                </a:ln>
+                <a:solidFill>
+                  <a:srgbClr val="DCDCDC"/>
+                </a:solidFill>
+                <a:effectLst/>
+                <a:latin typeface="Fira Code"/>
+              </a:rPr>
+              <a:t>.</a:t>
+            </a:r>
+            <a:r>
+              <a:rPr kumimoji="0" lang="en-US" altLang="en-US" sz="2400" b="1" i="0" u="none" strike="noStrike" cap="none" normalizeH="0" baseline="0" dirty="0" err="1" smtClean="0">
+                <a:ln>
+                  <a:noFill/>
+                </a:ln>
+                <a:solidFill>
+                  <a:srgbClr val="EE82EE"/>
+                </a:solidFill>
+                <a:effectLst/>
+                <a:latin typeface="Fira Code"/>
+              </a:rPr>
+              <a:t>Rejected</a:t>
+            </a:r>
+            <a:r>
+              <a:rPr kumimoji="0" lang="en-US" altLang="en-US" sz="2400" b="0" i="0" u="none" strike="noStrike" cap="none" normalizeH="0" baseline="0" dirty="0" smtClean="0">
+                <a:ln>
+                  <a:noFill/>
+                </a:ln>
+                <a:solidFill>
+                  <a:srgbClr val="DCDCDC"/>
+                </a:solidFill>
+                <a:effectLst/>
+                <a:latin typeface="Fira Code"/>
+              </a:rPr>
+              <a:t>;</a:t>
+            </a:r>
+            <a:br>
+              <a:rPr kumimoji="0" lang="en-US" altLang="en-US" sz="2400" b="0" i="0" u="none" strike="noStrike" cap="none" normalizeH="0" baseline="0" dirty="0" smtClean="0">
+                <a:ln>
+                  <a:noFill/>
+                </a:ln>
+                <a:solidFill>
+                  <a:srgbClr val="DCDCDC"/>
+                </a:solidFill>
+                <a:effectLst/>
+                <a:latin typeface="Fira Code"/>
+              </a:rPr>
+            </a:br>
+            <a:r>
+              <a:rPr kumimoji="0" lang="en-US" altLang="en-US" sz="2400" b="0" i="0" u="none" strike="noStrike" cap="none" normalizeH="0" baseline="0" dirty="0" smtClean="0">
+                <a:ln>
+                  <a:noFill/>
+                </a:ln>
+                <a:solidFill>
+                  <a:srgbClr val="DCDCDC"/>
+                </a:solidFill>
+                <a:effectLst/>
+                <a:latin typeface="Fira Code"/>
+              </a:rPr>
+              <a:t>        </a:t>
+            </a:r>
+            <a:r>
+              <a:rPr kumimoji="0" lang="en-US" altLang="en-US" sz="2400" b="0" i="0" u="none" strike="noStrike" cap="none" normalizeH="0" baseline="0" dirty="0" err="1" smtClean="0">
+                <a:ln>
+                  <a:noFill/>
+                </a:ln>
+                <a:solidFill>
+                  <a:srgbClr val="00FFFF"/>
+                </a:solidFill>
+                <a:effectLst/>
+                <a:latin typeface="Fira Code"/>
+              </a:rPr>
+              <a:t>RecordEvent</a:t>
+            </a:r>
+            <a:r>
+              <a:rPr kumimoji="0" lang="en-US" altLang="en-US" sz="2400" b="0" i="0" u="none" strike="noStrike" cap="none" normalizeH="0" baseline="0" dirty="0" smtClean="0">
+                <a:ln>
+                  <a:noFill/>
+                </a:ln>
+                <a:solidFill>
+                  <a:srgbClr val="DCDCDC"/>
+                </a:solidFill>
+                <a:effectLst/>
+                <a:latin typeface="Fira Code"/>
+              </a:rPr>
+              <a:t>(</a:t>
+            </a:r>
+            <a:r>
+              <a:rPr kumimoji="0" lang="en-US" altLang="en-US" sz="2400" b="0" i="0" u="none" strike="noStrike" cap="none" normalizeH="0" baseline="0" dirty="0" smtClean="0">
+                <a:ln>
+                  <a:noFill/>
+                </a:ln>
+                <a:solidFill>
+                  <a:srgbClr val="569CD6"/>
+                </a:solidFill>
+                <a:effectLst/>
+                <a:latin typeface="Fira Code"/>
+              </a:rPr>
+              <a:t>new </a:t>
+            </a:r>
+            <a:r>
+              <a:rPr kumimoji="0" lang="en-US" altLang="en-US" sz="2400" b="0" i="0" u="none" strike="noStrike" cap="none" normalizeH="0" baseline="0" dirty="0" err="1" smtClean="0">
+                <a:ln>
+                  <a:noFill/>
+                </a:ln>
+                <a:solidFill>
+                  <a:srgbClr val="ADD8E6"/>
+                </a:solidFill>
+                <a:effectLst/>
+                <a:latin typeface="Fira Code"/>
+              </a:rPr>
+              <a:t>PaymentRejected</a:t>
+            </a:r>
+            <a:r>
+              <a:rPr kumimoji="0" lang="en-US" altLang="en-US" sz="2400" b="0" i="0" u="none" strike="noStrike" cap="none" normalizeH="0" baseline="0" dirty="0" smtClean="0">
+                <a:ln>
+                  <a:noFill/>
+                </a:ln>
+                <a:solidFill>
+                  <a:srgbClr val="DCDCDC"/>
+                </a:solidFill>
+                <a:effectLst/>
+                <a:latin typeface="Fira Code"/>
+              </a:rPr>
+              <a:t>(</a:t>
+            </a:r>
+            <a:r>
+              <a:rPr kumimoji="0" lang="en-US" altLang="en-US" sz="2400" b="0" i="0" u="none" strike="noStrike" cap="none" normalizeH="0" baseline="0" dirty="0" smtClean="0">
+                <a:ln>
+                  <a:noFill/>
+                </a:ln>
+                <a:solidFill>
+                  <a:srgbClr val="EE82EE"/>
+                </a:solidFill>
+                <a:effectLst/>
+                <a:latin typeface="Fira Code"/>
+              </a:rPr>
+              <a:t>Id</a:t>
+            </a:r>
+            <a:r>
+              <a:rPr kumimoji="0" lang="en-US" altLang="en-US" sz="2400" b="0" i="0" u="none" strike="noStrike" cap="none" normalizeH="0" baseline="0" dirty="0" smtClean="0">
+                <a:ln>
+                  <a:noFill/>
+                </a:ln>
+                <a:solidFill>
+                  <a:srgbClr val="DCDCDC"/>
+                </a:solidFill>
+                <a:effectLst/>
+                <a:latin typeface="Fira Code"/>
+              </a:rPr>
+              <a:t>, </a:t>
+            </a:r>
+            <a:r>
+              <a:rPr kumimoji="0" lang="en-US" altLang="en-US" sz="2400" b="0" i="0" u="none" strike="noStrike" cap="none" normalizeH="0" baseline="0" dirty="0" err="1" smtClean="0">
+                <a:ln>
+                  <a:noFill/>
+                </a:ln>
+                <a:solidFill>
+                  <a:srgbClr val="EE82EE"/>
+                </a:solidFill>
+                <a:effectLst/>
+                <a:latin typeface="Fira Code"/>
+              </a:rPr>
+              <a:t>OrderId</a:t>
+            </a:r>
+            <a:r>
+              <a:rPr kumimoji="0" lang="en-US" altLang="en-US" sz="2400" b="0" i="0" u="none" strike="noStrike" cap="none" normalizeH="0" baseline="0" dirty="0" smtClean="0">
+                <a:ln>
+                  <a:noFill/>
+                </a:ln>
+                <a:solidFill>
+                  <a:srgbClr val="DCDCDC"/>
+                </a:solidFill>
+                <a:effectLst/>
+                <a:latin typeface="Fira Code"/>
+              </a:rPr>
+              <a:t>, </a:t>
+            </a:r>
+            <a:r>
+              <a:rPr kumimoji="0" lang="en-US" altLang="en-US" sz="2400" b="0" i="0" u="none" strike="noStrike" cap="none" normalizeH="0" baseline="0" dirty="0" smtClean="0">
+                <a:ln>
+                  <a:noFill/>
+                </a:ln>
+                <a:solidFill>
+                  <a:srgbClr val="EE82EE"/>
+                </a:solidFill>
+                <a:effectLst/>
+                <a:latin typeface="Fira Code"/>
+              </a:rPr>
+              <a:t>Amount</a:t>
+            </a:r>
+            <a:r>
+              <a:rPr kumimoji="0" lang="en-US" altLang="en-US" sz="2400" b="0" i="0" u="none" strike="noStrike" cap="none" normalizeH="0" baseline="0" dirty="0" smtClean="0">
+                <a:ln>
+                  <a:noFill/>
+                </a:ln>
+                <a:solidFill>
+                  <a:srgbClr val="DCDCDC"/>
+                </a:solidFill>
+                <a:effectLst/>
+                <a:latin typeface="Fira Code"/>
+              </a:rPr>
+              <a:t>));</a:t>
+            </a:r>
+            <a:br>
+              <a:rPr kumimoji="0" lang="en-US" altLang="en-US" sz="2400" b="0" i="0" u="none" strike="noStrike" cap="none" normalizeH="0" baseline="0" dirty="0" smtClean="0">
+                <a:ln>
+                  <a:noFill/>
+                </a:ln>
+                <a:solidFill>
+                  <a:srgbClr val="DCDCDC"/>
+                </a:solidFill>
+                <a:effectLst/>
+                <a:latin typeface="Fira Code"/>
+              </a:rPr>
+            </a:br>
+            <a:r>
+              <a:rPr kumimoji="0" lang="en-US" altLang="en-US" sz="2400" b="0" i="0" u="none" strike="noStrike" cap="none" normalizeH="0" baseline="0" dirty="0" smtClean="0">
+                <a:ln>
+                  <a:noFill/>
+                </a:ln>
+                <a:solidFill>
+                  <a:srgbClr val="DCDCDC"/>
+                </a:solidFill>
+                <a:effectLst/>
+                <a:latin typeface="Fira Code"/>
+              </a:rPr>
+              <a:t>    }</a:t>
+            </a:r>
+            <a:br>
+              <a:rPr kumimoji="0" lang="en-US" altLang="en-US" sz="2400" b="0" i="0" u="none" strike="noStrike" cap="none" normalizeH="0" baseline="0" dirty="0" smtClean="0">
+                <a:ln>
+                  <a:noFill/>
+                </a:ln>
+                <a:solidFill>
+                  <a:srgbClr val="DCDCDC"/>
+                </a:solidFill>
+                <a:effectLst/>
+                <a:latin typeface="Fira Code"/>
+              </a:rPr>
+            </a:br>
+            <a:r>
+              <a:rPr kumimoji="0" lang="en-US" altLang="en-US" sz="2400" b="0" i="0" u="none" strike="noStrike" cap="none" normalizeH="0" baseline="0" dirty="0" smtClean="0">
+                <a:ln>
+                  <a:noFill/>
+                </a:ln>
+                <a:solidFill>
+                  <a:srgbClr val="DCDCDC"/>
+                </a:solidFill>
+                <a:effectLst/>
+                <a:latin typeface="Fira Code"/>
+              </a:rPr>
+              <a:t>    </a:t>
+            </a:r>
+            <a:r>
+              <a:rPr kumimoji="0" lang="en-US" altLang="en-US" sz="2400" b="0" i="0" u="none" strike="noStrike" cap="none" normalizeH="0" baseline="0" dirty="0" smtClean="0">
+                <a:ln>
+                  <a:noFill/>
+                </a:ln>
+                <a:solidFill>
+                  <a:srgbClr val="569CD6"/>
+                </a:solidFill>
+                <a:effectLst/>
+                <a:latin typeface="Fira Code"/>
+              </a:rPr>
+              <a:t>else</a:t>
+            </a:r>
+            <a:br>
+              <a:rPr kumimoji="0" lang="en-US" altLang="en-US" sz="2400" b="0" i="0" u="none" strike="noStrike" cap="none" normalizeH="0" baseline="0" dirty="0" smtClean="0">
+                <a:ln>
+                  <a:noFill/>
+                </a:ln>
+                <a:solidFill>
+                  <a:srgbClr val="569CD6"/>
+                </a:solidFill>
+                <a:effectLst/>
+                <a:latin typeface="Fira Code"/>
+              </a:rPr>
+            </a:br>
+            <a:r>
+              <a:rPr kumimoji="0" lang="en-US" altLang="en-US" sz="2400" b="0" i="0" u="none" strike="noStrike" cap="none" normalizeH="0" baseline="0" dirty="0" smtClean="0">
+                <a:ln>
+                  <a:noFill/>
+                </a:ln>
+                <a:solidFill>
+                  <a:srgbClr val="569CD6"/>
+                </a:solidFill>
+                <a:effectLst/>
+                <a:latin typeface="Fira Code"/>
+              </a:rPr>
+              <a:t>    </a:t>
+            </a:r>
+            <a:r>
+              <a:rPr kumimoji="0" lang="en-US" altLang="en-US" sz="2400" b="0" i="0" u="none" strike="noStrike" cap="none" normalizeH="0" baseline="0" dirty="0" smtClean="0">
+                <a:ln>
+                  <a:noFill/>
+                </a:ln>
+                <a:solidFill>
+                  <a:srgbClr val="DCDCDC"/>
+                </a:solidFill>
+                <a:effectLst/>
+                <a:latin typeface="Fira Code"/>
+              </a:rPr>
+              <a:t>{</a:t>
+            </a:r>
+            <a:br>
+              <a:rPr kumimoji="0" lang="en-US" altLang="en-US" sz="2400" b="0" i="0" u="none" strike="noStrike" cap="none" normalizeH="0" baseline="0" dirty="0" smtClean="0">
+                <a:ln>
+                  <a:noFill/>
+                </a:ln>
+                <a:solidFill>
+                  <a:srgbClr val="DCDCDC"/>
+                </a:solidFill>
+                <a:effectLst/>
+                <a:latin typeface="Fira Code"/>
+              </a:rPr>
+            </a:br>
+            <a:r>
+              <a:rPr kumimoji="0" lang="en-US" altLang="en-US" sz="2400" b="0" i="0" u="none" strike="noStrike" cap="none" normalizeH="0" baseline="0" dirty="0" smtClean="0">
+                <a:ln>
+                  <a:noFill/>
+                </a:ln>
+                <a:solidFill>
+                  <a:srgbClr val="DCDCDC"/>
+                </a:solidFill>
+                <a:effectLst/>
+                <a:latin typeface="Fira Code"/>
+              </a:rPr>
+              <a:t>        </a:t>
+            </a:r>
+            <a:r>
+              <a:rPr kumimoji="0" lang="en-US" altLang="en-US" sz="2400" b="0" i="0" u="none" strike="noStrike" cap="none" normalizeH="0" baseline="0" dirty="0" smtClean="0">
+                <a:ln>
+                  <a:noFill/>
+                </a:ln>
+                <a:solidFill>
+                  <a:srgbClr val="EE82EE"/>
+                </a:solidFill>
+                <a:effectLst/>
+                <a:latin typeface="Fira Code"/>
+              </a:rPr>
+              <a:t>Status </a:t>
+            </a:r>
+            <a:r>
+              <a:rPr kumimoji="0" lang="en-US" altLang="en-US" sz="2400" b="0" i="0" u="none" strike="noStrike" cap="none" normalizeH="0" baseline="0" dirty="0" smtClean="0">
+                <a:ln>
+                  <a:noFill/>
+                </a:ln>
+                <a:solidFill>
+                  <a:srgbClr val="DCDCDC"/>
+                </a:solidFill>
+                <a:effectLst/>
+                <a:latin typeface="Fira Code"/>
+              </a:rPr>
+              <a:t>= </a:t>
+            </a:r>
+            <a:r>
+              <a:rPr kumimoji="0" lang="en-US" altLang="en-US" sz="2400" b="0" i="0" u="none" strike="noStrike" cap="none" normalizeH="0" baseline="0" dirty="0" err="1" smtClean="0">
+                <a:ln>
+                  <a:noFill/>
+                </a:ln>
+                <a:solidFill>
+                  <a:srgbClr val="ADD8E6"/>
+                </a:solidFill>
+                <a:effectLst/>
+                <a:latin typeface="Fira Code"/>
+              </a:rPr>
+              <a:t>PaymentStatus</a:t>
+            </a:r>
+            <a:r>
+              <a:rPr kumimoji="0" lang="en-US" altLang="en-US" sz="2400" b="0" i="0" u="none" strike="noStrike" cap="none" normalizeH="0" baseline="0" dirty="0" err="1" smtClean="0">
+                <a:ln>
+                  <a:noFill/>
+                </a:ln>
+                <a:solidFill>
+                  <a:srgbClr val="DCDCDC"/>
+                </a:solidFill>
+                <a:effectLst/>
+                <a:latin typeface="Fira Code"/>
+              </a:rPr>
+              <a:t>.</a:t>
+            </a:r>
+            <a:r>
+              <a:rPr kumimoji="0" lang="en-US" altLang="en-US" sz="2400" b="1" i="0" u="none" strike="noStrike" cap="none" normalizeH="0" baseline="0" dirty="0" err="1" smtClean="0">
+                <a:ln>
+                  <a:noFill/>
+                </a:ln>
+                <a:solidFill>
+                  <a:srgbClr val="EE82EE"/>
+                </a:solidFill>
+                <a:effectLst/>
+                <a:latin typeface="Fira Code"/>
+              </a:rPr>
+              <a:t>Accepted</a:t>
+            </a:r>
+            <a:r>
+              <a:rPr kumimoji="0" lang="en-US" altLang="en-US" sz="2400" b="0" i="0" u="none" strike="noStrike" cap="none" normalizeH="0" baseline="0" dirty="0" smtClean="0">
+                <a:ln>
+                  <a:noFill/>
+                </a:ln>
+                <a:solidFill>
+                  <a:srgbClr val="DCDCDC"/>
+                </a:solidFill>
+                <a:effectLst/>
+                <a:latin typeface="Fira Code"/>
+              </a:rPr>
+              <a:t>;</a:t>
+            </a:r>
+            <a:br>
+              <a:rPr kumimoji="0" lang="en-US" altLang="en-US" sz="2400" b="0" i="0" u="none" strike="noStrike" cap="none" normalizeH="0" baseline="0" dirty="0" smtClean="0">
+                <a:ln>
+                  <a:noFill/>
+                </a:ln>
+                <a:solidFill>
+                  <a:srgbClr val="DCDCDC"/>
+                </a:solidFill>
+                <a:effectLst/>
+                <a:latin typeface="Fira Code"/>
+              </a:rPr>
+            </a:br>
+            <a:r>
+              <a:rPr kumimoji="0" lang="en-US" altLang="en-US" sz="2400" b="0" i="0" u="none" strike="noStrike" cap="none" normalizeH="0" baseline="0" dirty="0" smtClean="0">
+                <a:ln>
+                  <a:noFill/>
+                </a:ln>
+                <a:solidFill>
+                  <a:srgbClr val="DCDCDC"/>
+                </a:solidFill>
+                <a:effectLst/>
+                <a:latin typeface="Fira Code"/>
+              </a:rPr>
+              <a:t>        </a:t>
+            </a:r>
+            <a:r>
+              <a:rPr kumimoji="0" lang="en-US" altLang="en-US" sz="2400" b="0" i="0" u="none" strike="noStrike" cap="none" normalizeH="0" baseline="0" dirty="0" err="1" smtClean="0">
+                <a:ln>
+                  <a:noFill/>
+                </a:ln>
+                <a:solidFill>
+                  <a:srgbClr val="00FFFF"/>
+                </a:solidFill>
+                <a:effectLst/>
+                <a:latin typeface="Fira Code"/>
+              </a:rPr>
+              <a:t>RecordEvent</a:t>
+            </a:r>
+            <a:r>
+              <a:rPr kumimoji="0" lang="en-US" altLang="en-US" sz="2400" b="0" i="0" u="none" strike="noStrike" cap="none" normalizeH="0" baseline="0" dirty="0" smtClean="0">
+                <a:ln>
+                  <a:noFill/>
+                </a:ln>
+                <a:solidFill>
+                  <a:srgbClr val="DCDCDC"/>
+                </a:solidFill>
+                <a:effectLst/>
+                <a:latin typeface="Fira Code"/>
+              </a:rPr>
+              <a:t>(</a:t>
+            </a:r>
+            <a:r>
+              <a:rPr kumimoji="0" lang="en-US" altLang="en-US" sz="2400" b="0" i="0" u="none" strike="noStrike" cap="none" normalizeH="0" baseline="0" dirty="0" smtClean="0">
+                <a:ln>
+                  <a:noFill/>
+                </a:ln>
+                <a:solidFill>
+                  <a:srgbClr val="569CD6"/>
+                </a:solidFill>
+                <a:effectLst/>
+                <a:latin typeface="Fira Code"/>
+              </a:rPr>
+              <a:t>new </a:t>
+            </a:r>
+            <a:r>
+              <a:rPr kumimoji="0" lang="en-US" altLang="en-US" sz="2400" b="0" i="0" u="none" strike="noStrike" cap="none" normalizeH="0" baseline="0" dirty="0" err="1" smtClean="0">
+                <a:ln>
+                  <a:noFill/>
+                </a:ln>
+                <a:solidFill>
+                  <a:srgbClr val="ADD8E6"/>
+                </a:solidFill>
+                <a:effectLst/>
+                <a:latin typeface="Fira Code"/>
+              </a:rPr>
+              <a:t>PaymentAccepted</a:t>
+            </a:r>
+            <a:r>
+              <a:rPr kumimoji="0" lang="en-US" altLang="en-US" sz="2400" b="0" i="0" u="none" strike="noStrike" cap="none" normalizeH="0" baseline="0" dirty="0" smtClean="0">
+                <a:ln>
+                  <a:noFill/>
+                </a:ln>
+                <a:solidFill>
+                  <a:srgbClr val="DCDCDC"/>
+                </a:solidFill>
+                <a:effectLst/>
+                <a:latin typeface="Fira Code"/>
+              </a:rPr>
+              <a:t>(</a:t>
+            </a:r>
+            <a:r>
+              <a:rPr kumimoji="0" lang="en-US" altLang="en-US" sz="2400" b="0" i="0" u="none" strike="noStrike" cap="none" normalizeH="0" baseline="0" dirty="0" smtClean="0">
+                <a:ln>
+                  <a:noFill/>
+                </a:ln>
+                <a:solidFill>
+                  <a:srgbClr val="EE82EE"/>
+                </a:solidFill>
+                <a:effectLst/>
+                <a:latin typeface="Fira Code"/>
+              </a:rPr>
+              <a:t>Id</a:t>
+            </a:r>
+            <a:r>
+              <a:rPr kumimoji="0" lang="en-US" altLang="en-US" sz="2400" b="0" i="0" u="none" strike="noStrike" cap="none" normalizeH="0" baseline="0" dirty="0" smtClean="0">
+                <a:ln>
+                  <a:noFill/>
+                </a:ln>
+                <a:solidFill>
+                  <a:srgbClr val="DCDCDC"/>
+                </a:solidFill>
+                <a:effectLst/>
+                <a:latin typeface="Fira Code"/>
+              </a:rPr>
+              <a:t>, </a:t>
+            </a:r>
+            <a:r>
+              <a:rPr kumimoji="0" lang="en-US" altLang="en-US" sz="2400" b="0" i="0" u="none" strike="noStrike" cap="none" normalizeH="0" baseline="0" dirty="0" err="1" smtClean="0">
+                <a:ln>
+                  <a:noFill/>
+                </a:ln>
+                <a:solidFill>
+                  <a:srgbClr val="EE82EE"/>
+                </a:solidFill>
+                <a:effectLst/>
+                <a:latin typeface="Fira Code"/>
+              </a:rPr>
+              <a:t>OrderId</a:t>
+            </a:r>
+            <a:r>
+              <a:rPr kumimoji="0" lang="en-US" altLang="en-US" sz="2400" b="0" i="0" u="none" strike="noStrike" cap="none" normalizeH="0" baseline="0" dirty="0" smtClean="0">
+                <a:ln>
+                  <a:noFill/>
+                </a:ln>
+                <a:solidFill>
+                  <a:srgbClr val="DCDCDC"/>
+                </a:solidFill>
+                <a:effectLst/>
+                <a:latin typeface="Fira Code"/>
+              </a:rPr>
+              <a:t>, </a:t>
+            </a:r>
+            <a:r>
+              <a:rPr kumimoji="0" lang="en-US" altLang="en-US" sz="2400" b="0" i="0" u="none" strike="noStrike" cap="none" normalizeH="0" baseline="0" dirty="0" smtClean="0">
+                <a:ln>
+                  <a:noFill/>
+                </a:ln>
+                <a:solidFill>
+                  <a:srgbClr val="EE82EE"/>
+                </a:solidFill>
+                <a:effectLst/>
+                <a:latin typeface="Fira Code"/>
+              </a:rPr>
+              <a:t>Amount</a:t>
+            </a:r>
+            <a:r>
+              <a:rPr kumimoji="0" lang="en-US" altLang="en-US" sz="2400" b="0" i="0" u="none" strike="noStrike" cap="none" normalizeH="0" baseline="0" dirty="0" smtClean="0">
+                <a:ln>
+                  <a:noFill/>
+                </a:ln>
+                <a:solidFill>
+                  <a:srgbClr val="DCDCDC"/>
+                </a:solidFill>
+                <a:effectLst/>
+                <a:latin typeface="Fira Code"/>
+              </a:rPr>
+              <a:t>));</a:t>
+            </a:r>
+            <a:br>
+              <a:rPr kumimoji="0" lang="en-US" altLang="en-US" sz="2400" b="0" i="0" u="none" strike="noStrike" cap="none" normalizeH="0" baseline="0" dirty="0" smtClean="0">
+                <a:ln>
+                  <a:noFill/>
+                </a:ln>
+                <a:solidFill>
+                  <a:srgbClr val="DCDCDC"/>
+                </a:solidFill>
+                <a:effectLst/>
+                <a:latin typeface="Fira Code"/>
+              </a:rPr>
+            </a:br>
+            <a:r>
+              <a:rPr kumimoji="0" lang="en-US" altLang="en-US" sz="2400" b="0" i="0" u="none" strike="noStrike" cap="none" normalizeH="0" baseline="0" dirty="0" smtClean="0">
+                <a:ln>
+                  <a:noFill/>
+                </a:ln>
+                <a:solidFill>
+                  <a:srgbClr val="DCDCDC"/>
+                </a:solidFill>
+                <a:effectLst/>
+                <a:latin typeface="Fira Code"/>
+              </a:rPr>
+              <a:t>    }</a:t>
+            </a:r>
+            <a:br>
+              <a:rPr kumimoji="0" lang="en-US" altLang="en-US" sz="2400" b="0" i="0" u="none" strike="noStrike" cap="none" normalizeH="0" baseline="0" dirty="0" smtClean="0">
+                <a:ln>
+                  <a:noFill/>
+                </a:ln>
+                <a:solidFill>
+                  <a:srgbClr val="DCDCDC"/>
+                </a:solidFill>
+                <a:effectLst/>
+                <a:latin typeface="Fira Code"/>
+              </a:rPr>
+            </a:br>
+            <a:r>
+              <a:rPr kumimoji="0" lang="en-US" altLang="en-US" sz="2400" b="0" i="0" u="none" strike="noStrike" cap="none" normalizeH="0" baseline="0" dirty="0" smtClean="0">
+                <a:ln>
+                  <a:noFill/>
+                </a:ln>
+                <a:solidFill>
+                  <a:srgbClr val="DCDCDC"/>
+                </a:solidFill>
+                <a:effectLst/>
+                <a:latin typeface="Fira Code"/>
+              </a:rPr>
+              <a:t>}</a:t>
+            </a:r>
+            <a:endParaRPr kumimoji="0" lang="en-US" altLang="en-US" sz="2400" b="0" i="0" u="none" strike="noStrike" cap="none" normalizeH="0" baseline="0" dirty="0" smtClean="0">
+              <a:ln>
+                <a:noFill/>
+              </a:ln>
+              <a:solidFill>
+                <a:schemeClr val="tx1"/>
+              </a:solidFill>
+              <a:effectLst/>
+              <a:latin typeface="Arial" panose="020B0604020202020204" pitchFamily="34" charset="0"/>
+            </a:endParaRPr>
+          </a:p>
+        </p:txBody>
+      </p:sp>
+    </p:spTree>
+    <p:extLst>
+      <p:ext uri="{BB962C8B-B14F-4D97-AF65-F5344CB8AC3E}">
+        <p14:creationId xmlns:p14="http://schemas.microsoft.com/office/powerpoint/2010/main" val="2538900092"/>
+      </p:ext>
+    </p:extLst>
+  </p:cSld>
+  <p:clrMapOvr>
+    <a:masterClrMapping/>
+  </p:clrMapOvr>
+  <p:timing>
+    <p:tnLst>
+      <p:par>
+        <p:cTn id="1" dur="indefinite" restart="never" nodeType="tmRoot"/>
+      </p:par>
+    </p:tnLst>
+  </p:timing>
+</p:sld>
+</file>
+
+<file path=ppt/slides/slide22.xml><?xml version="1.0" encoding="utf-8"?>
+<p:sld xmlns:a="http://schemas.openxmlformats.org/drawingml/2006/main" xmlns:r="http://schemas.openxmlformats.org/officeDocument/2006/relationships" xmlns:p="http://schemas.openxmlformats.org/presentationml/2006/main">
+  <p:cSld>
+    <p:spTree>
+      <p:nvGrpSpPr>
+        <p:cNvPr id="1" name=""/>
+        <p:cNvGrpSpPr/>
+        <p:nvPr/>
+      </p:nvGrpSpPr>
+      <p:grpSpPr>
+        <a:xfrm>
+          <a:off x="0" y="0"/>
+          <a:ext cx="0" cy="0"/>
+          <a:chOff x="0" y="0"/>
+          <a:chExt cx="0" cy="0"/>
+        </a:xfrm>
+      </p:grpSpPr>
+      <p:sp>
+        <p:nvSpPr>
+          <p:cNvPr id="2" name="Rectangle 1"/>
+          <p:cNvSpPr>
+            <a:spLocks noChangeArrowheads="1"/>
+          </p:cNvSpPr>
+          <p:nvPr/>
+        </p:nvSpPr>
+        <p:spPr bwMode="auto">
+          <a:xfrm>
+            <a:off x="363415" y="184898"/>
+            <a:ext cx="11624336" cy="6370975"/>
+          </a:xfrm>
+          <a:prstGeom prst="rect">
+            <a:avLst/>
+          </a:prstGeom>
+          <a:noFill/>
+          <a:ln>
+            <a:noFill/>
+          </a:ln>
+          <a:effectLst/>
+        </p:spPr>
+        <p:txBody>
+          <a:bodyPr vert="horz" wrap="none" lIns="91440" tIns="45720" rIns="91440" bIns="45720" numCol="1" anchor="ctr" anchorCtr="0" compatLnSpc="1">
+            <a:prstTxWarp prst="textNoShape">
+              <a:avLst/>
+            </a:prstTxWarp>
+            <a:spAutoFit/>
+          </a:bodyPr>
+          <a:lstStyle/>
+          <a:p>
+            <a:pPr lvl="0" defTabSz="914400" eaLnBrk="0" fontAlgn="base" hangingPunct="0">
+              <a:spcBef>
+                <a:spcPct val="0"/>
+              </a:spcBef>
+              <a:spcAft>
+                <a:spcPct val="0"/>
+              </a:spcAft>
+            </a:pPr>
+            <a:r>
+              <a:rPr kumimoji="0" lang="en-US" altLang="en-US" sz="2400" b="0" i="0" u="none" strike="noStrike" cap="none" normalizeH="0" baseline="0" dirty="0" err="1" smtClean="0">
+                <a:ln>
+                  <a:noFill/>
+                </a:ln>
+                <a:solidFill>
+                  <a:srgbClr val="569CD6"/>
+                </a:solidFill>
+                <a:effectLst/>
+                <a:latin typeface="Fira Code"/>
+              </a:rPr>
+              <a:t>var</a:t>
+            </a:r>
+            <a:r>
+              <a:rPr kumimoji="0" lang="en-US" altLang="en-US" sz="2400" b="0" i="0" u="none" strike="noStrike" cap="none" normalizeH="0" baseline="0" dirty="0" smtClean="0">
+                <a:ln>
+                  <a:noFill/>
+                </a:ln>
+                <a:solidFill>
+                  <a:srgbClr val="569CD6"/>
+                </a:solidFill>
+                <a:effectLst/>
+                <a:latin typeface="Fira Code"/>
+              </a:rPr>
+              <a:t> </a:t>
+            </a:r>
+            <a:r>
+              <a:rPr kumimoji="0" lang="en-US" altLang="en-US" sz="2400" b="0" i="0" u="none" strike="noStrike" cap="none" normalizeH="0" baseline="0" dirty="0" err="1" smtClean="0">
+                <a:ln>
+                  <a:noFill/>
+                </a:ln>
+                <a:solidFill>
+                  <a:srgbClr val="DCDCDC"/>
+                </a:solidFill>
+                <a:effectLst/>
+                <a:latin typeface="Fira Code"/>
+              </a:rPr>
+              <a:t>futureEvent</a:t>
+            </a:r>
+            <a:r>
+              <a:rPr kumimoji="0" lang="en-US" altLang="en-US" sz="2400" b="0" i="0" u="none" strike="noStrike" cap="none" normalizeH="0" baseline="0" dirty="0" smtClean="0">
+                <a:ln>
+                  <a:noFill/>
+                </a:ln>
+                <a:solidFill>
+                  <a:srgbClr val="DCDCDC"/>
+                </a:solidFill>
+                <a:effectLst/>
+                <a:latin typeface="Fira Code"/>
+              </a:rPr>
+              <a:t> = </a:t>
+            </a:r>
+            <a:r>
+              <a:rPr kumimoji="0" lang="en-US" altLang="en-US" sz="2400" b="0" i="0" u="none" strike="noStrike" cap="none" normalizeH="0" baseline="0" dirty="0" err="1" smtClean="0">
+                <a:ln>
+                  <a:noFill/>
+                </a:ln>
+                <a:solidFill>
+                  <a:srgbClr val="EE82EE"/>
+                </a:solidFill>
+                <a:effectLst/>
+                <a:latin typeface="Fira Code"/>
+              </a:rPr>
+              <a:t>observable</a:t>
+            </a:r>
+            <a:r>
+              <a:rPr kumimoji="0" lang="en-US" altLang="en-US" sz="2400" b="0" i="0" u="none" strike="noStrike" cap="none" normalizeH="0" baseline="0" dirty="0" err="1" smtClean="0">
+                <a:ln>
+                  <a:noFill/>
+                </a:ln>
+                <a:solidFill>
+                  <a:srgbClr val="DCDCDC"/>
+                </a:solidFill>
+                <a:effectLst/>
+                <a:latin typeface="Fira Code"/>
+              </a:rPr>
+              <a:t>.</a:t>
+            </a:r>
+            <a:r>
+              <a:rPr kumimoji="0" lang="en-US" altLang="en-US" sz="2400" b="0" i="0" u="none" strike="noStrike" cap="none" normalizeH="0" baseline="0" dirty="0" err="1" smtClean="0">
+                <a:ln>
+                  <a:noFill/>
+                </a:ln>
+                <a:solidFill>
+                  <a:srgbClr val="00FFFF"/>
+                </a:solidFill>
+                <a:effectLst/>
+                <a:latin typeface="Fira Code"/>
+              </a:rPr>
+              <a:t>FirstOfType</a:t>
+            </a:r>
+            <a:r>
+              <a:rPr kumimoji="0" lang="en-US" altLang="en-US" sz="2400" b="0" i="0" u="none" strike="noStrike" cap="none" normalizeH="0" baseline="0" dirty="0" smtClean="0">
+                <a:ln>
+                  <a:noFill/>
+                </a:ln>
+                <a:solidFill>
+                  <a:srgbClr val="DCDCDC"/>
+                </a:solidFill>
+                <a:effectLst/>
+                <a:latin typeface="Fira Code"/>
+              </a:rPr>
+              <a:t>&lt;</a:t>
+            </a:r>
+            <a:r>
+              <a:rPr kumimoji="0" lang="en-US" altLang="en-US" sz="2400" b="0" i="0" u="none" strike="noStrike" cap="none" normalizeH="0" baseline="0" dirty="0" err="1" smtClean="0">
+                <a:ln>
+                  <a:noFill/>
+                </a:ln>
+                <a:solidFill>
+                  <a:srgbClr val="ADD8E6"/>
+                </a:solidFill>
+                <a:effectLst/>
+                <a:latin typeface="Fira Code"/>
+              </a:rPr>
+              <a:t>OrderFulfilled</a:t>
+            </a:r>
+            <a:r>
+              <a:rPr kumimoji="0" lang="en-US" altLang="en-US" sz="2400" b="0" i="0" u="none" strike="noStrike" cap="none" normalizeH="0" baseline="0" dirty="0" smtClean="0">
+                <a:ln>
+                  <a:noFill/>
+                </a:ln>
+                <a:solidFill>
+                  <a:srgbClr val="DCDCDC"/>
+                </a:solidFill>
+                <a:effectLst/>
+                <a:latin typeface="Fira Code"/>
+              </a:rPr>
+              <a:t>, </a:t>
+            </a:r>
+            <a:r>
+              <a:rPr kumimoji="0" lang="en-US" altLang="en-US" sz="2400" b="0" i="0" u="none" strike="noStrike" cap="none" normalizeH="0" baseline="0" dirty="0" err="1" smtClean="0">
+                <a:ln>
+                  <a:noFill/>
+                </a:ln>
+                <a:solidFill>
+                  <a:srgbClr val="ADD8E6"/>
+                </a:solidFill>
+                <a:effectLst/>
+                <a:latin typeface="Fira Code"/>
+              </a:rPr>
+              <a:t>OrderDiscarded</a:t>
+            </a:r>
+            <a:r>
+              <a:rPr kumimoji="0" lang="en-US" altLang="en-US" sz="2400" b="0" i="0" u="none" strike="noStrike" cap="none" normalizeH="0" baseline="0" dirty="0" smtClean="0">
+                <a:ln>
+                  <a:noFill/>
+                </a:ln>
+                <a:solidFill>
+                  <a:srgbClr val="DCDCDC"/>
+                </a:solidFill>
+                <a:effectLst/>
+                <a:latin typeface="Fira Code"/>
+              </a:rPr>
+              <a:t>&gt;(</a:t>
+            </a:r>
+            <a:r>
+              <a:rPr kumimoji="0" lang="en-US" altLang="en-US" sz="2400" b="0" i="0" u="none" strike="noStrike" cap="none" normalizeH="0" baseline="0" dirty="0" err="1" smtClean="0">
+                <a:ln>
+                  <a:noFill/>
+                </a:ln>
+                <a:solidFill>
+                  <a:srgbClr val="DCDCDC"/>
+                </a:solidFill>
+                <a:effectLst/>
+                <a:latin typeface="Fira Code"/>
+              </a:rPr>
+              <a:t>orderId</a:t>
+            </a:r>
+            <a:r>
+              <a:rPr kumimoji="0" lang="en-US" altLang="en-US" sz="2400" b="0" i="0" u="none" strike="noStrike" cap="none" normalizeH="0" baseline="0" dirty="0" smtClean="0">
+                <a:ln>
+                  <a:noFill/>
+                </a:ln>
+                <a:solidFill>
+                  <a:srgbClr val="DCDCDC"/>
+                </a:solidFill>
+                <a:effectLst/>
+                <a:latin typeface="Fira Code"/>
+              </a:rPr>
+              <a:t>);</a:t>
+            </a:r>
+            <a:br>
+              <a:rPr kumimoji="0" lang="en-US" altLang="en-US" sz="2400" b="0" i="0" u="none" strike="noStrike" cap="none" normalizeH="0" baseline="0" dirty="0" smtClean="0">
+                <a:ln>
+                  <a:noFill/>
+                </a:ln>
+                <a:solidFill>
+                  <a:srgbClr val="DCDCDC"/>
+                </a:solidFill>
+                <a:effectLst/>
+                <a:latin typeface="Fira Code"/>
+              </a:rPr>
+            </a:br>
+            <a:r>
+              <a:rPr kumimoji="0" lang="en-US" altLang="en-US" sz="2400" b="0" i="0" u="none" strike="noStrike" cap="none" normalizeH="0" baseline="0" dirty="0" err="1" smtClean="0">
+                <a:ln>
+                  <a:noFill/>
+                </a:ln>
+                <a:solidFill>
+                  <a:srgbClr val="569CD6"/>
+                </a:solidFill>
+                <a:effectLst/>
+                <a:latin typeface="Fira Code"/>
+              </a:rPr>
+              <a:t>var</a:t>
+            </a:r>
+            <a:r>
+              <a:rPr kumimoji="0" lang="en-US" altLang="en-US" sz="2400" b="0" i="0" u="none" strike="noStrike" cap="none" normalizeH="0" baseline="0" dirty="0" smtClean="0">
+                <a:ln>
+                  <a:noFill/>
+                </a:ln>
+                <a:solidFill>
+                  <a:srgbClr val="569CD6"/>
+                </a:solidFill>
+                <a:effectLst/>
+                <a:latin typeface="Fira Code"/>
+              </a:rPr>
+              <a:t> </a:t>
+            </a:r>
+            <a:r>
+              <a:rPr kumimoji="0" lang="en-US" altLang="en-US" sz="2400" b="0" i="0" u="none" strike="noStrike" cap="none" normalizeH="0" baseline="0" dirty="0" smtClean="0">
+                <a:ln>
+                  <a:noFill/>
+                </a:ln>
+                <a:solidFill>
+                  <a:srgbClr val="DCDCDC"/>
+                </a:solidFill>
+                <a:effectLst/>
+                <a:latin typeface="Fira Code"/>
+              </a:rPr>
+              <a:t>command = </a:t>
+            </a:r>
+            <a:r>
+              <a:rPr kumimoji="0" lang="en-US" altLang="en-US" sz="2400" b="0" i="0" u="none" strike="noStrike" cap="none" normalizeH="0" baseline="0" dirty="0" smtClean="0">
+                <a:ln>
+                  <a:noFill/>
+                </a:ln>
+                <a:solidFill>
+                  <a:srgbClr val="569CD6"/>
+                </a:solidFill>
+                <a:effectLst/>
+                <a:latin typeface="Fira Code"/>
+              </a:rPr>
+              <a:t>await </a:t>
+            </a:r>
+            <a:r>
+              <a:rPr kumimoji="0" lang="en-US" altLang="en-US" sz="2400" b="0" i="0" u="none" strike="noStrike" cap="none" normalizeH="0" baseline="0" dirty="0" err="1" smtClean="0">
+                <a:ln>
+                  <a:noFill/>
+                </a:ln>
+                <a:solidFill>
+                  <a:srgbClr val="DCDCDC"/>
+                </a:solidFill>
+                <a:effectLst/>
+                <a:latin typeface="Fira Code"/>
+              </a:rPr>
+              <a:t>request.</a:t>
+            </a:r>
+            <a:r>
+              <a:rPr kumimoji="0" lang="en-US" altLang="en-US" sz="2400" b="0" i="0" u="none" strike="noStrike" cap="none" normalizeH="0" baseline="0" dirty="0" err="1" smtClean="0">
+                <a:ln>
+                  <a:noFill/>
+                </a:ln>
+                <a:solidFill>
+                  <a:srgbClr val="EE82EE"/>
+                </a:solidFill>
+                <a:effectLst/>
+                <a:latin typeface="Fira Code"/>
+              </a:rPr>
+              <a:t>Body</a:t>
+            </a:r>
+            <a:r>
+              <a:rPr kumimoji="0" lang="en-US" altLang="en-US" sz="2400" b="0" i="0" u="none" strike="noStrike" cap="none" normalizeH="0" baseline="0" dirty="0" err="1" smtClean="0">
+                <a:ln>
+                  <a:noFill/>
+                </a:ln>
+                <a:solidFill>
+                  <a:srgbClr val="DCDCDC"/>
+                </a:solidFill>
+                <a:effectLst/>
+                <a:latin typeface="Fira Code"/>
+              </a:rPr>
+              <a:t>.</a:t>
+            </a:r>
+            <a:r>
+              <a:rPr kumimoji="0" lang="en-US" altLang="en-US" sz="2400" b="0" i="0" u="none" strike="noStrike" cap="none" normalizeH="0" baseline="0" dirty="0" err="1" smtClean="0">
+                <a:ln>
+                  <a:noFill/>
+                </a:ln>
+                <a:solidFill>
+                  <a:srgbClr val="00FFFF"/>
+                </a:solidFill>
+                <a:effectLst/>
+                <a:latin typeface="Fira Code"/>
+              </a:rPr>
+              <a:t>ReadAs</a:t>
+            </a:r>
+            <a:r>
+              <a:rPr kumimoji="0" lang="en-US" altLang="en-US" sz="2400" b="0" i="0" u="none" strike="noStrike" cap="none" normalizeH="0" baseline="0" dirty="0" smtClean="0">
+                <a:ln>
+                  <a:noFill/>
+                </a:ln>
+                <a:solidFill>
+                  <a:srgbClr val="DCDCDC"/>
+                </a:solidFill>
+                <a:effectLst/>
+                <a:latin typeface="Fira Code"/>
+              </a:rPr>
+              <a:t>&lt;</a:t>
+            </a:r>
+            <a:r>
+              <a:rPr kumimoji="0" lang="en-US" altLang="en-US" sz="2400" b="0" i="0" u="none" strike="noStrike" cap="none" normalizeH="0" baseline="0" dirty="0" err="1" smtClean="0">
+                <a:ln>
+                  <a:noFill/>
+                </a:ln>
+                <a:solidFill>
+                  <a:srgbClr val="ADD8E6"/>
+                </a:solidFill>
+                <a:effectLst/>
+                <a:latin typeface="Fira Code"/>
+              </a:rPr>
+              <a:t>PlaceOrder</a:t>
+            </a:r>
+            <a:r>
+              <a:rPr kumimoji="0" lang="en-US" altLang="en-US" sz="2400" b="0" i="0" u="none" strike="noStrike" cap="none" normalizeH="0" baseline="0" dirty="0" smtClean="0">
+                <a:ln>
+                  <a:noFill/>
+                </a:ln>
+                <a:solidFill>
+                  <a:srgbClr val="DCDCDC"/>
+                </a:solidFill>
+                <a:effectLst/>
+                <a:latin typeface="Fira Code"/>
+              </a:rPr>
+              <a:t>&gt;();</a:t>
+            </a:r>
+            <a:br>
+              <a:rPr kumimoji="0" lang="en-US" altLang="en-US" sz="2400" b="0" i="0" u="none" strike="noStrike" cap="none" normalizeH="0" baseline="0" dirty="0" smtClean="0">
+                <a:ln>
+                  <a:noFill/>
+                </a:ln>
+                <a:solidFill>
+                  <a:srgbClr val="DCDCDC"/>
+                </a:solidFill>
+                <a:effectLst/>
+                <a:latin typeface="Fira Code"/>
+              </a:rPr>
+            </a:br>
+            <a:r>
+              <a:rPr kumimoji="0" lang="en-US" altLang="en-US" sz="2400" b="0" i="0" u="none" strike="noStrike" cap="none" normalizeH="0" baseline="0" dirty="0" smtClean="0">
+                <a:ln>
+                  <a:noFill/>
+                </a:ln>
+                <a:solidFill>
+                  <a:srgbClr val="DCDCDC"/>
+                </a:solidFill>
+                <a:effectLst/>
+                <a:latin typeface="Fira Code"/>
+              </a:rPr>
+              <a:t/>
+            </a:r>
+            <a:br>
+              <a:rPr kumimoji="0" lang="en-US" altLang="en-US" sz="2400" b="0" i="0" u="none" strike="noStrike" cap="none" normalizeH="0" baseline="0" dirty="0" smtClean="0">
+                <a:ln>
+                  <a:noFill/>
+                </a:ln>
+                <a:solidFill>
+                  <a:srgbClr val="DCDCDC"/>
+                </a:solidFill>
+                <a:effectLst/>
+                <a:latin typeface="Fira Code"/>
+              </a:rPr>
+            </a:br>
+            <a:r>
+              <a:rPr kumimoji="0" lang="en-US" altLang="en-US" sz="2400" b="0" i="0" u="none" strike="noStrike" cap="none" normalizeH="0" baseline="0" dirty="0" smtClean="0">
+                <a:ln>
+                  <a:noFill/>
+                </a:ln>
+                <a:solidFill>
+                  <a:srgbClr val="569CD6"/>
+                </a:solidFill>
+                <a:effectLst/>
+                <a:latin typeface="Fira Code"/>
+              </a:rPr>
+              <a:t>await </a:t>
+            </a:r>
+            <a:r>
+              <a:rPr kumimoji="0" lang="en-US" altLang="en-US" sz="2400" b="0" i="0" u="none" strike="noStrike" cap="none" normalizeH="0" baseline="0" dirty="0" err="1" smtClean="0">
+                <a:ln>
+                  <a:noFill/>
+                </a:ln>
+                <a:solidFill>
+                  <a:srgbClr val="EE82EE"/>
+                </a:solidFill>
+                <a:effectLst/>
+                <a:latin typeface="Fira Code"/>
+              </a:rPr>
+              <a:t>handler</a:t>
+            </a:r>
+            <a:r>
+              <a:rPr kumimoji="0" lang="en-US" altLang="en-US" sz="2400" b="0" i="0" u="none" strike="noStrike" cap="none" normalizeH="0" baseline="0" dirty="0" err="1" smtClean="0">
+                <a:ln>
+                  <a:noFill/>
+                </a:ln>
+                <a:solidFill>
+                  <a:srgbClr val="DCDCDC"/>
+                </a:solidFill>
+                <a:effectLst/>
+                <a:latin typeface="Fira Code"/>
+              </a:rPr>
+              <a:t>.</a:t>
+            </a:r>
+            <a:r>
+              <a:rPr kumimoji="0" lang="en-US" altLang="en-US" sz="2400" b="0" i="0" u="none" strike="noStrike" cap="none" normalizeH="0" baseline="0" dirty="0" err="1" smtClean="0">
+                <a:ln>
+                  <a:noFill/>
+                </a:ln>
+                <a:solidFill>
+                  <a:srgbClr val="00FFFF"/>
+                </a:solidFill>
+                <a:effectLst/>
+                <a:latin typeface="Fira Code"/>
+              </a:rPr>
+              <a:t>Handle</a:t>
+            </a:r>
+            <a:r>
+              <a:rPr kumimoji="0" lang="en-US" altLang="en-US" sz="2400" b="0" i="0" u="none" strike="noStrike" cap="none" normalizeH="0" baseline="0" dirty="0" smtClean="0">
+                <a:ln>
+                  <a:noFill/>
+                </a:ln>
+                <a:solidFill>
+                  <a:srgbClr val="DCDCDC"/>
+                </a:solidFill>
+                <a:effectLst/>
+                <a:latin typeface="Fira Code"/>
+              </a:rPr>
+              <a:t>(command);</a:t>
+            </a:r>
+            <a:br>
+              <a:rPr kumimoji="0" lang="en-US" altLang="en-US" sz="2400" b="0" i="0" u="none" strike="noStrike" cap="none" normalizeH="0" baseline="0" dirty="0" smtClean="0">
+                <a:ln>
+                  <a:noFill/>
+                </a:ln>
+                <a:solidFill>
+                  <a:srgbClr val="DCDCDC"/>
+                </a:solidFill>
+                <a:effectLst/>
+                <a:latin typeface="Fira Code"/>
+              </a:rPr>
+            </a:br>
+            <a:r>
+              <a:rPr kumimoji="0" lang="en-US" altLang="en-US" sz="2400" b="0" i="0" u="none" strike="noStrike" cap="none" normalizeH="0" baseline="0" dirty="0" smtClean="0">
+                <a:ln>
+                  <a:noFill/>
+                </a:ln>
+                <a:solidFill>
+                  <a:srgbClr val="DCDCDC"/>
+                </a:solidFill>
+                <a:effectLst/>
+                <a:latin typeface="Fira Code"/>
+              </a:rPr>
+              <a:t/>
+            </a:r>
+            <a:br>
+              <a:rPr kumimoji="0" lang="en-US" altLang="en-US" sz="2400" b="0" i="0" u="none" strike="noStrike" cap="none" normalizeH="0" baseline="0" dirty="0" smtClean="0">
+                <a:ln>
+                  <a:noFill/>
+                </a:ln>
+                <a:solidFill>
+                  <a:srgbClr val="DCDCDC"/>
+                </a:solidFill>
+                <a:effectLst/>
+                <a:latin typeface="Fira Code"/>
+              </a:rPr>
+            </a:br>
+            <a:r>
+              <a:rPr kumimoji="0" lang="en-US" altLang="en-US" sz="2400" b="0" i="0" u="none" strike="noStrike" cap="none" normalizeH="0" baseline="0" dirty="0" smtClean="0">
+                <a:ln>
+                  <a:noFill/>
+                </a:ln>
+                <a:solidFill>
+                  <a:srgbClr val="569CD6"/>
+                </a:solidFill>
+                <a:effectLst/>
+                <a:latin typeface="Fira Code"/>
+              </a:rPr>
+              <a:t>try</a:t>
+            </a:r>
+            <a:br>
+              <a:rPr kumimoji="0" lang="en-US" altLang="en-US" sz="2400" b="0" i="0" u="none" strike="noStrike" cap="none" normalizeH="0" baseline="0" dirty="0" smtClean="0">
+                <a:ln>
+                  <a:noFill/>
+                </a:ln>
+                <a:solidFill>
+                  <a:srgbClr val="569CD6"/>
+                </a:solidFill>
+                <a:effectLst/>
+                <a:latin typeface="Fira Code"/>
+              </a:rPr>
+            </a:br>
+            <a:r>
+              <a:rPr kumimoji="0" lang="en-US" altLang="en-US" sz="2400" b="0" i="0" u="none" strike="noStrike" cap="none" normalizeH="0" baseline="0" dirty="0" smtClean="0">
+                <a:ln>
+                  <a:noFill/>
+                </a:ln>
+                <a:solidFill>
+                  <a:srgbClr val="DCDCDC"/>
+                </a:solidFill>
+                <a:effectLst/>
+                <a:latin typeface="Fira Code"/>
+              </a:rPr>
+              <a:t>{</a:t>
+            </a:r>
+            <a:br>
+              <a:rPr kumimoji="0" lang="en-US" altLang="en-US" sz="2400" b="0" i="0" u="none" strike="noStrike" cap="none" normalizeH="0" baseline="0" dirty="0" smtClean="0">
+                <a:ln>
+                  <a:noFill/>
+                </a:ln>
+                <a:solidFill>
+                  <a:srgbClr val="DCDCDC"/>
+                </a:solidFill>
+                <a:effectLst/>
+                <a:latin typeface="Fira Code"/>
+              </a:rPr>
+            </a:br>
+            <a:r>
+              <a:rPr kumimoji="0" lang="en-US" altLang="en-US" sz="2400" b="0" i="0" u="none" strike="noStrike" cap="none" normalizeH="0" baseline="0" dirty="0" smtClean="0">
+                <a:ln>
+                  <a:noFill/>
+                </a:ln>
+                <a:solidFill>
+                  <a:srgbClr val="DCDCDC"/>
+                </a:solidFill>
+                <a:effectLst/>
+                <a:latin typeface="Fira Code"/>
+              </a:rPr>
+              <a:t>    </a:t>
+            </a:r>
+            <a:r>
+              <a:rPr kumimoji="0" lang="en-US" altLang="en-US" sz="2400" b="0" i="0" u="none" strike="noStrike" cap="none" normalizeH="0" baseline="0" dirty="0" smtClean="0">
+                <a:ln>
+                  <a:noFill/>
+                </a:ln>
+                <a:solidFill>
+                  <a:srgbClr val="569CD6"/>
+                </a:solidFill>
+                <a:effectLst/>
+                <a:latin typeface="Fira Code"/>
+              </a:rPr>
+              <a:t>await </a:t>
+            </a:r>
+            <a:r>
+              <a:rPr kumimoji="0" lang="en-US" altLang="en-US" sz="2400" b="0" i="0" u="none" strike="noStrike" cap="none" normalizeH="0" baseline="0" dirty="0" err="1" smtClean="0">
+                <a:ln>
+                  <a:noFill/>
+                </a:ln>
+                <a:solidFill>
+                  <a:srgbClr val="DCDCDC"/>
+                </a:solidFill>
+                <a:effectLst/>
+                <a:latin typeface="Fira Code"/>
+              </a:rPr>
+              <a:t>futureEvent</a:t>
+            </a:r>
+            <a:r>
+              <a:rPr kumimoji="0" lang="en-US" altLang="en-US" sz="2400" b="0" i="0" u="none" strike="noStrike" cap="none" normalizeH="0" baseline="0" dirty="0" smtClean="0">
+                <a:ln>
+                  <a:noFill/>
+                </a:ln>
+                <a:solidFill>
+                  <a:srgbClr val="DCDCDC"/>
+                </a:solidFill>
+                <a:effectLst/>
+                <a:latin typeface="Fira Code"/>
+              </a:rPr>
+              <a:t>;</a:t>
+            </a:r>
+            <a:br>
+              <a:rPr kumimoji="0" lang="en-US" altLang="en-US" sz="2400" b="0" i="0" u="none" strike="noStrike" cap="none" normalizeH="0" baseline="0" dirty="0" smtClean="0">
+                <a:ln>
+                  <a:noFill/>
+                </a:ln>
+                <a:solidFill>
+                  <a:srgbClr val="DCDCDC"/>
+                </a:solidFill>
+                <a:effectLst/>
+                <a:latin typeface="Fira Code"/>
+              </a:rPr>
+            </a:br>
+            <a:r>
+              <a:rPr kumimoji="0" lang="en-US" altLang="en-US" sz="2400" b="0" i="0" u="none" strike="noStrike" cap="none" normalizeH="0" baseline="0" dirty="0" smtClean="0">
+                <a:ln>
+                  <a:noFill/>
+                </a:ln>
+                <a:solidFill>
+                  <a:srgbClr val="DCDCDC"/>
+                </a:solidFill>
+                <a:effectLst/>
+                <a:latin typeface="Fira Code"/>
+              </a:rPr>
+              <a:t>    </a:t>
+            </a:r>
+            <a:r>
+              <a:rPr kumimoji="0" lang="en-US" altLang="en-US" sz="2400" b="0" i="0" u="none" strike="noStrike" cap="none" normalizeH="0" baseline="0" dirty="0" err="1" smtClean="0">
+                <a:ln>
+                  <a:noFill/>
+                </a:ln>
+                <a:solidFill>
+                  <a:srgbClr val="DCDCDC"/>
+                </a:solidFill>
+                <a:effectLst/>
+                <a:latin typeface="Fira Code"/>
+              </a:rPr>
+              <a:t>response.</a:t>
+            </a:r>
+            <a:r>
+              <a:rPr kumimoji="0" lang="en-US" altLang="en-US" sz="2400" b="0" i="0" u="none" strike="noStrike" cap="none" normalizeH="0" baseline="0" dirty="0" err="1" smtClean="0">
+                <a:ln>
+                  <a:noFill/>
+                </a:ln>
+                <a:solidFill>
+                  <a:srgbClr val="EE82EE"/>
+                </a:solidFill>
+                <a:effectLst/>
+                <a:latin typeface="Fira Code"/>
+              </a:rPr>
+              <a:t>StatusCode</a:t>
+            </a:r>
+            <a:r>
+              <a:rPr kumimoji="0" lang="en-US" altLang="en-US" sz="2400" b="0" i="0" u="none" strike="noStrike" cap="none" normalizeH="0" baseline="0" dirty="0" smtClean="0">
+                <a:ln>
+                  <a:noFill/>
+                </a:ln>
+                <a:solidFill>
+                  <a:srgbClr val="EE82EE"/>
+                </a:solidFill>
+                <a:effectLst/>
+                <a:latin typeface="Fira Code"/>
+              </a:rPr>
+              <a:t> </a:t>
+            </a:r>
+            <a:r>
+              <a:rPr kumimoji="0" lang="en-US" altLang="en-US" sz="2400" b="0" i="0" u="none" strike="noStrike" cap="none" normalizeH="0" baseline="0" dirty="0" smtClean="0">
+                <a:ln>
+                  <a:noFill/>
+                </a:ln>
+                <a:solidFill>
+                  <a:srgbClr val="DCDCDC"/>
+                </a:solidFill>
+                <a:effectLst/>
+                <a:latin typeface="Fira Code"/>
+              </a:rPr>
+              <a:t>= (</a:t>
+            </a:r>
+            <a:r>
+              <a:rPr kumimoji="0" lang="en-US" altLang="en-US" sz="2400" b="0" i="0" u="none" strike="noStrike" cap="none" normalizeH="0" baseline="0" dirty="0" err="1" smtClean="0">
+                <a:ln>
+                  <a:noFill/>
+                </a:ln>
+                <a:solidFill>
+                  <a:srgbClr val="569CD6"/>
+                </a:solidFill>
+                <a:effectLst/>
+                <a:latin typeface="Fira Code"/>
+              </a:rPr>
+              <a:t>int</a:t>
+            </a:r>
+            <a:r>
+              <a:rPr kumimoji="0" lang="en-US" altLang="en-US" sz="2400" b="0" i="0" u="none" strike="noStrike" cap="none" normalizeH="0" baseline="0" dirty="0" smtClean="0">
+                <a:ln>
+                  <a:noFill/>
+                </a:ln>
+                <a:solidFill>
+                  <a:srgbClr val="DCDCDC"/>
+                </a:solidFill>
+                <a:effectLst/>
+                <a:latin typeface="Fira Code"/>
+              </a:rPr>
+              <a:t>) </a:t>
+            </a:r>
+            <a:r>
+              <a:rPr kumimoji="0" lang="en-US" altLang="en-US" sz="2400" b="0" i="0" u="none" strike="noStrike" cap="none" normalizeH="0" baseline="0" dirty="0" err="1" smtClean="0">
+                <a:ln>
+                  <a:noFill/>
+                </a:ln>
+                <a:solidFill>
+                  <a:srgbClr val="ADD8E6"/>
+                </a:solidFill>
+                <a:effectLst/>
+                <a:latin typeface="Fira Code"/>
+              </a:rPr>
+              <a:t>HttpStatusCode</a:t>
+            </a:r>
+            <a:r>
+              <a:rPr kumimoji="0" lang="en-US" altLang="en-US" sz="2400" b="0" i="0" u="none" strike="noStrike" cap="none" normalizeH="0" baseline="0" dirty="0" err="1" smtClean="0">
+                <a:ln>
+                  <a:noFill/>
+                </a:ln>
+                <a:solidFill>
+                  <a:srgbClr val="DCDCDC"/>
+                </a:solidFill>
+                <a:effectLst/>
+                <a:latin typeface="Fira Code"/>
+              </a:rPr>
+              <a:t>.</a:t>
+            </a:r>
+            <a:r>
+              <a:rPr kumimoji="0" lang="en-US" altLang="en-US" sz="2400" b="1" i="0" u="none" strike="noStrike" cap="none" normalizeH="0" baseline="0" dirty="0" err="1" smtClean="0">
+                <a:ln>
+                  <a:noFill/>
+                </a:ln>
+                <a:solidFill>
+                  <a:srgbClr val="EE82EE"/>
+                </a:solidFill>
+                <a:effectLst/>
+                <a:latin typeface="Fira Code"/>
+              </a:rPr>
+              <a:t>Created</a:t>
+            </a:r>
+            <a:r>
+              <a:rPr kumimoji="0" lang="en-US" altLang="en-US" sz="2400" b="0" i="0" u="none" strike="noStrike" cap="none" normalizeH="0" baseline="0" dirty="0" smtClean="0">
+                <a:ln>
+                  <a:noFill/>
+                </a:ln>
+                <a:solidFill>
+                  <a:srgbClr val="DCDCDC"/>
+                </a:solidFill>
+                <a:effectLst/>
+                <a:latin typeface="Fira Code"/>
+              </a:rPr>
+              <a:t>;</a:t>
+            </a:r>
+            <a:br>
+              <a:rPr kumimoji="0" lang="en-US" altLang="en-US" sz="2400" b="0" i="0" u="none" strike="noStrike" cap="none" normalizeH="0" baseline="0" dirty="0" smtClean="0">
+                <a:ln>
+                  <a:noFill/>
+                </a:ln>
+                <a:solidFill>
+                  <a:srgbClr val="DCDCDC"/>
+                </a:solidFill>
+                <a:effectLst/>
+                <a:latin typeface="Fira Code"/>
+              </a:rPr>
+            </a:br>
+            <a:r>
+              <a:rPr kumimoji="0" lang="en-US" altLang="en-US" sz="2400" b="0" i="0" u="none" strike="noStrike" cap="none" normalizeH="0" baseline="0" dirty="0" smtClean="0">
+                <a:ln>
+                  <a:noFill/>
+                </a:ln>
+                <a:solidFill>
+                  <a:srgbClr val="DCDCDC"/>
+                </a:solidFill>
+                <a:effectLst/>
+                <a:latin typeface="Fira Code"/>
+              </a:rPr>
+              <a:t>}</a:t>
+            </a:r>
+            <a:br>
+              <a:rPr kumimoji="0" lang="en-US" altLang="en-US" sz="2400" b="0" i="0" u="none" strike="noStrike" cap="none" normalizeH="0" baseline="0" dirty="0" smtClean="0">
+                <a:ln>
+                  <a:noFill/>
+                </a:ln>
+                <a:solidFill>
+                  <a:srgbClr val="DCDCDC"/>
+                </a:solidFill>
+                <a:effectLst/>
+                <a:latin typeface="Fira Code"/>
+              </a:rPr>
+            </a:br>
+            <a:r>
+              <a:rPr kumimoji="0" lang="en-US" altLang="en-US" sz="2400" b="0" i="0" u="none" strike="noStrike" cap="none" normalizeH="0" baseline="0" dirty="0" smtClean="0">
+                <a:ln>
+                  <a:noFill/>
+                </a:ln>
+                <a:solidFill>
+                  <a:srgbClr val="569CD6"/>
+                </a:solidFill>
+                <a:effectLst/>
+                <a:latin typeface="Fira Code"/>
+              </a:rPr>
+              <a:t>catch </a:t>
+            </a:r>
+            <a:r>
+              <a:rPr kumimoji="0" lang="en-US" altLang="en-US" sz="2400" b="0" i="0" u="none" strike="noStrike" cap="none" normalizeH="0" baseline="0" dirty="0" smtClean="0">
+                <a:ln>
+                  <a:noFill/>
+                </a:ln>
+                <a:solidFill>
+                  <a:srgbClr val="DCDCDC"/>
+                </a:solidFill>
+                <a:effectLst/>
+                <a:latin typeface="Fira Code"/>
+              </a:rPr>
+              <a:t>(</a:t>
+            </a:r>
+            <a:r>
+              <a:rPr kumimoji="0" lang="en-US" altLang="en-US" sz="2400" b="0" i="0" u="none" strike="noStrike" cap="none" normalizeH="0" baseline="0" dirty="0" err="1" smtClean="0">
+                <a:ln>
+                  <a:noFill/>
+                </a:ln>
+                <a:solidFill>
+                  <a:srgbClr val="ADD8E6"/>
+                </a:solidFill>
+                <a:effectLst/>
+                <a:latin typeface="Fira Code"/>
+              </a:rPr>
+              <a:t>TimeoutException</a:t>
+            </a:r>
+            <a:r>
+              <a:rPr kumimoji="0" lang="en-US" altLang="en-US" sz="2400" b="0" i="0" u="none" strike="noStrike" cap="none" normalizeH="0" baseline="0" dirty="0" smtClean="0">
+                <a:ln>
+                  <a:noFill/>
+                </a:ln>
+                <a:solidFill>
+                  <a:srgbClr val="DCDCDC"/>
+                </a:solidFill>
+                <a:effectLst/>
+                <a:latin typeface="Fira Code"/>
+              </a:rPr>
+              <a:t>)</a:t>
+            </a:r>
+            <a:br>
+              <a:rPr kumimoji="0" lang="en-US" altLang="en-US" sz="2400" b="0" i="0" u="none" strike="noStrike" cap="none" normalizeH="0" baseline="0" dirty="0" smtClean="0">
+                <a:ln>
+                  <a:noFill/>
+                </a:ln>
+                <a:solidFill>
+                  <a:srgbClr val="DCDCDC"/>
+                </a:solidFill>
+                <a:effectLst/>
+                <a:latin typeface="Fira Code"/>
+              </a:rPr>
+            </a:br>
+            <a:r>
+              <a:rPr kumimoji="0" lang="en-US" altLang="en-US" sz="2400" b="0" i="0" u="none" strike="noStrike" cap="none" normalizeH="0" baseline="0" dirty="0" smtClean="0">
+                <a:ln>
+                  <a:noFill/>
+                </a:ln>
+                <a:solidFill>
+                  <a:srgbClr val="DCDCDC"/>
+                </a:solidFill>
+                <a:effectLst/>
+                <a:latin typeface="Fira Code"/>
+              </a:rPr>
+              <a:t>{</a:t>
+            </a:r>
+            <a:br>
+              <a:rPr kumimoji="0" lang="en-US" altLang="en-US" sz="2400" b="0" i="0" u="none" strike="noStrike" cap="none" normalizeH="0" baseline="0" dirty="0" smtClean="0">
+                <a:ln>
+                  <a:noFill/>
+                </a:ln>
+                <a:solidFill>
+                  <a:srgbClr val="DCDCDC"/>
+                </a:solidFill>
+                <a:effectLst/>
+                <a:latin typeface="Fira Code"/>
+              </a:rPr>
+            </a:br>
+            <a:r>
+              <a:rPr kumimoji="0" lang="en-US" altLang="en-US" sz="2400" b="0" i="0" u="none" strike="noStrike" cap="none" normalizeH="0" baseline="0" dirty="0" smtClean="0">
+                <a:ln>
+                  <a:noFill/>
+                </a:ln>
+                <a:solidFill>
+                  <a:srgbClr val="DCDCDC"/>
+                </a:solidFill>
+                <a:effectLst/>
+                <a:latin typeface="Fira Code"/>
+              </a:rPr>
+              <a:t>    </a:t>
+            </a:r>
+            <a:r>
+              <a:rPr kumimoji="0" lang="en-US" altLang="en-US" sz="2400" b="0" i="0" u="none" strike="noStrike" cap="none" normalizeH="0" baseline="0" dirty="0" err="1" smtClean="0">
+                <a:ln>
+                  <a:noFill/>
+                </a:ln>
+                <a:solidFill>
+                  <a:srgbClr val="DCDCDC"/>
+                </a:solidFill>
+                <a:effectLst/>
+                <a:latin typeface="Fira Code"/>
+              </a:rPr>
+              <a:t>response.</a:t>
+            </a:r>
+            <a:r>
+              <a:rPr kumimoji="0" lang="en-US" altLang="en-US" sz="2400" b="0" i="0" u="none" strike="noStrike" cap="none" normalizeH="0" baseline="0" dirty="0" err="1" smtClean="0">
+                <a:ln>
+                  <a:noFill/>
+                </a:ln>
+                <a:solidFill>
+                  <a:srgbClr val="EE82EE"/>
+                </a:solidFill>
+                <a:effectLst/>
+                <a:latin typeface="Fira Code"/>
+              </a:rPr>
+              <a:t>StatusCode</a:t>
+            </a:r>
+            <a:r>
+              <a:rPr kumimoji="0" lang="en-US" altLang="en-US" sz="2400" b="0" i="0" u="none" strike="noStrike" cap="none" normalizeH="0" baseline="0" dirty="0" smtClean="0">
+                <a:ln>
+                  <a:noFill/>
+                </a:ln>
+                <a:solidFill>
+                  <a:srgbClr val="EE82EE"/>
+                </a:solidFill>
+                <a:effectLst/>
+                <a:latin typeface="Fira Code"/>
+              </a:rPr>
+              <a:t> </a:t>
+            </a:r>
+            <a:r>
+              <a:rPr kumimoji="0" lang="en-US" altLang="en-US" sz="2400" b="0" i="0" u="none" strike="noStrike" cap="none" normalizeH="0" baseline="0" dirty="0" smtClean="0">
+                <a:ln>
+                  <a:noFill/>
+                </a:ln>
+                <a:solidFill>
+                  <a:srgbClr val="DCDCDC"/>
+                </a:solidFill>
+                <a:effectLst/>
+                <a:latin typeface="Fira Code"/>
+              </a:rPr>
+              <a:t>= (</a:t>
+            </a:r>
+            <a:r>
+              <a:rPr kumimoji="0" lang="en-US" altLang="en-US" sz="2400" b="0" i="0" u="none" strike="noStrike" cap="none" normalizeH="0" baseline="0" dirty="0" err="1" smtClean="0">
+                <a:ln>
+                  <a:noFill/>
+                </a:ln>
+                <a:solidFill>
+                  <a:srgbClr val="569CD6"/>
+                </a:solidFill>
+                <a:effectLst/>
+                <a:latin typeface="Fira Code"/>
+              </a:rPr>
+              <a:t>int</a:t>
+            </a:r>
+            <a:r>
+              <a:rPr kumimoji="0" lang="en-US" altLang="en-US" sz="2400" b="0" i="0" u="none" strike="noStrike" cap="none" normalizeH="0" baseline="0" dirty="0" smtClean="0">
+                <a:ln>
+                  <a:noFill/>
+                </a:ln>
+                <a:solidFill>
+                  <a:srgbClr val="DCDCDC"/>
+                </a:solidFill>
+                <a:effectLst/>
+                <a:latin typeface="Fira Code"/>
+              </a:rPr>
+              <a:t>) </a:t>
+            </a:r>
+            <a:r>
+              <a:rPr kumimoji="0" lang="en-US" altLang="en-US" sz="2400" b="0" i="0" u="none" strike="noStrike" cap="none" normalizeH="0" baseline="0" dirty="0" err="1" smtClean="0">
+                <a:ln>
+                  <a:noFill/>
+                </a:ln>
+                <a:solidFill>
+                  <a:srgbClr val="ADD8E6"/>
+                </a:solidFill>
+                <a:effectLst/>
+                <a:latin typeface="Fira Code"/>
+              </a:rPr>
+              <a:t>HttpStatusCode</a:t>
+            </a:r>
+            <a:r>
+              <a:rPr kumimoji="0" lang="en-US" altLang="en-US" sz="2400" b="0" i="0" u="none" strike="noStrike" cap="none" normalizeH="0" baseline="0" dirty="0" err="1" smtClean="0">
+                <a:ln>
+                  <a:noFill/>
+                </a:ln>
+                <a:solidFill>
+                  <a:srgbClr val="DCDCDC"/>
+                </a:solidFill>
+                <a:effectLst/>
+                <a:latin typeface="Fira Code"/>
+              </a:rPr>
+              <a:t>.</a:t>
+            </a:r>
+            <a:r>
+              <a:rPr kumimoji="0" lang="en-US" altLang="en-US" sz="2400" b="1" i="0" u="none" strike="noStrike" cap="none" normalizeH="0" baseline="0" dirty="0" err="1" smtClean="0">
+                <a:ln>
+                  <a:noFill/>
+                </a:ln>
+                <a:solidFill>
+                  <a:srgbClr val="EE82EE"/>
+                </a:solidFill>
+                <a:effectLst/>
+                <a:latin typeface="Fira Code"/>
+              </a:rPr>
+              <a:t>Accepted</a:t>
+            </a:r>
+            <a:r>
+              <a:rPr kumimoji="0" lang="en-US" altLang="en-US" sz="2400" b="0" i="0" u="none" strike="noStrike" cap="none" normalizeH="0" baseline="0" dirty="0" smtClean="0">
+                <a:ln>
+                  <a:noFill/>
+                </a:ln>
+                <a:solidFill>
+                  <a:srgbClr val="DCDCDC"/>
+                </a:solidFill>
+                <a:effectLst/>
+                <a:latin typeface="Fira Code"/>
+              </a:rPr>
+              <a:t>;</a:t>
+            </a:r>
+            <a:br>
+              <a:rPr kumimoji="0" lang="en-US" altLang="en-US" sz="2400" b="0" i="0" u="none" strike="noStrike" cap="none" normalizeH="0" baseline="0" dirty="0" smtClean="0">
+                <a:ln>
+                  <a:noFill/>
+                </a:ln>
+                <a:solidFill>
+                  <a:srgbClr val="DCDCDC"/>
+                </a:solidFill>
+                <a:effectLst/>
+                <a:latin typeface="Fira Code"/>
+              </a:rPr>
+            </a:br>
+            <a:r>
+              <a:rPr kumimoji="0" lang="en-US" altLang="en-US" sz="2400" b="0" i="0" u="none" strike="noStrike" cap="none" normalizeH="0" baseline="0" dirty="0" smtClean="0">
+                <a:ln>
+                  <a:noFill/>
+                </a:ln>
+                <a:solidFill>
+                  <a:srgbClr val="DCDCDC"/>
+                </a:solidFill>
+                <a:effectLst/>
+                <a:latin typeface="Fira Code"/>
+              </a:rPr>
+              <a:t>}</a:t>
+            </a:r>
+            <a:br>
+              <a:rPr kumimoji="0" lang="en-US" altLang="en-US" sz="2400" b="0" i="0" u="none" strike="noStrike" cap="none" normalizeH="0" baseline="0" dirty="0" smtClean="0">
+                <a:ln>
+                  <a:noFill/>
+                </a:ln>
+                <a:solidFill>
+                  <a:srgbClr val="DCDCDC"/>
+                </a:solidFill>
+                <a:effectLst/>
+                <a:latin typeface="Fira Code"/>
+              </a:rPr>
+            </a:br>
+            <a:r>
+              <a:rPr kumimoji="0" lang="en-US" altLang="en-US" sz="2400" b="0" i="0" u="none" strike="noStrike" cap="none" normalizeH="0" baseline="0" dirty="0" smtClean="0">
+                <a:ln>
+                  <a:noFill/>
+                </a:ln>
+                <a:solidFill>
+                  <a:srgbClr val="DCDCDC"/>
+                </a:solidFill>
+                <a:effectLst/>
+                <a:latin typeface="Fira Code"/>
+              </a:rPr>
+              <a:t/>
+            </a:r>
+            <a:br>
+              <a:rPr kumimoji="0" lang="en-US" altLang="en-US" sz="2400" b="0" i="0" u="none" strike="noStrike" cap="none" normalizeH="0" baseline="0" dirty="0" smtClean="0">
+                <a:ln>
+                  <a:noFill/>
+                </a:ln>
+                <a:solidFill>
+                  <a:srgbClr val="DCDCDC"/>
+                </a:solidFill>
+                <a:effectLst/>
+                <a:latin typeface="Fira Code"/>
+              </a:rPr>
+            </a:br>
+            <a:r>
+              <a:rPr lang="en-US" altLang="en-US" sz="2400" dirty="0" err="1">
+                <a:solidFill>
+                  <a:srgbClr val="569CD6"/>
+                </a:solidFill>
+                <a:latin typeface="Fira Code"/>
+              </a:rPr>
+              <a:t>var</a:t>
+            </a:r>
+            <a:r>
+              <a:rPr lang="en-US" altLang="en-US" sz="2400" dirty="0">
+                <a:solidFill>
+                  <a:srgbClr val="569CD6"/>
+                </a:solidFill>
+                <a:latin typeface="Fira Code"/>
+              </a:rPr>
+              <a:t> </a:t>
+            </a:r>
+            <a:r>
+              <a:rPr lang="en-US" altLang="en-US" sz="2400" dirty="0">
+                <a:solidFill>
+                  <a:srgbClr val="DCDCDC"/>
+                </a:solidFill>
+                <a:latin typeface="Fira Code"/>
+              </a:rPr>
+              <a:t>order = </a:t>
+            </a:r>
+            <a:r>
+              <a:rPr lang="en-US" altLang="en-US" sz="2400" dirty="0">
+                <a:solidFill>
+                  <a:srgbClr val="569CD6"/>
+                </a:solidFill>
+                <a:latin typeface="Fira Code"/>
+              </a:rPr>
+              <a:t>await </a:t>
+            </a:r>
+            <a:r>
+              <a:rPr lang="en-US" altLang="en-US" sz="2400" dirty="0" err="1">
+                <a:solidFill>
+                  <a:srgbClr val="EE82EE"/>
+                </a:solidFill>
+                <a:latin typeface="Fira Code"/>
+              </a:rPr>
+              <a:t>orders</a:t>
+            </a:r>
+            <a:r>
+              <a:rPr lang="en-US" altLang="en-US" sz="2400" dirty="0" err="1">
+                <a:solidFill>
+                  <a:srgbClr val="DCDCDC"/>
+                </a:solidFill>
+                <a:latin typeface="Fira Code"/>
+              </a:rPr>
+              <a:t>.</a:t>
+            </a:r>
+            <a:r>
+              <a:rPr lang="en-US" altLang="en-US" sz="2400" dirty="0" err="1">
+                <a:solidFill>
+                  <a:srgbClr val="00FFFF"/>
+                </a:solidFill>
+                <a:latin typeface="Fira Code"/>
+              </a:rPr>
+              <a:t>Find</a:t>
+            </a:r>
+            <a:r>
+              <a:rPr lang="en-US" altLang="en-US" sz="2400" dirty="0">
+                <a:solidFill>
+                  <a:srgbClr val="DCDCDC"/>
+                </a:solidFill>
+                <a:latin typeface="Fira Code"/>
+              </a:rPr>
+              <a:t>(o =&gt; </a:t>
+            </a:r>
+            <a:r>
+              <a:rPr lang="en-US" altLang="en-US" sz="2400" dirty="0" err="1">
+                <a:solidFill>
+                  <a:srgbClr val="DCDCDC"/>
+                </a:solidFill>
+                <a:latin typeface="Fira Code"/>
+              </a:rPr>
+              <a:t>o.</a:t>
+            </a:r>
+            <a:r>
+              <a:rPr lang="en-US" altLang="en-US" sz="2400" dirty="0" err="1">
+                <a:solidFill>
+                  <a:srgbClr val="EE82EE"/>
+                </a:solidFill>
+                <a:latin typeface="Fira Code"/>
+              </a:rPr>
+              <a:t>Id</a:t>
+            </a:r>
+            <a:r>
+              <a:rPr lang="en-US" altLang="en-US" sz="2400" dirty="0">
+                <a:solidFill>
+                  <a:srgbClr val="EE82EE"/>
+                </a:solidFill>
+                <a:latin typeface="Fira Code"/>
+              </a:rPr>
+              <a:t> </a:t>
+            </a:r>
+            <a:r>
+              <a:rPr lang="en-US" altLang="en-US" sz="2400" dirty="0">
+                <a:solidFill>
+                  <a:srgbClr val="DCDCDC"/>
+                </a:solidFill>
+                <a:latin typeface="Fira Code"/>
+              </a:rPr>
+              <a:t>== </a:t>
+            </a:r>
+            <a:r>
+              <a:rPr lang="en-US" altLang="en-US" sz="2400" dirty="0" err="1">
+                <a:solidFill>
+                  <a:srgbClr val="DCDCDC"/>
+                </a:solidFill>
+                <a:latin typeface="Fira Code"/>
+              </a:rPr>
+              <a:t>orderId</a:t>
+            </a:r>
+            <a:r>
+              <a:rPr lang="en-US" altLang="en-US" sz="2400" dirty="0">
+                <a:solidFill>
+                  <a:srgbClr val="DCDCDC"/>
+                </a:solidFill>
+                <a:latin typeface="Fira Code"/>
+              </a:rPr>
+              <a:t>).</a:t>
+            </a:r>
+            <a:r>
+              <a:rPr lang="en-US" altLang="en-US" sz="2400" dirty="0" err="1">
+                <a:solidFill>
+                  <a:srgbClr val="00FFFF"/>
+                </a:solidFill>
+                <a:latin typeface="Fira Code"/>
+              </a:rPr>
+              <a:t>FirstAsync</a:t>
+            </a:r>
+            <a:r>
+              <a:rPr lang="en-US" altLang="en-US" sz="2400" dirty="0">
+                <a:solidFill>
+                  <a:srgbClr val="DCDCDC"/>
+                </a:solidFill>
+                <a:latin typeface="Fira Code"/>
+              </a:rPr>
+              <a:t>();</a:t>
+            </a:r>
+            <a:br>
+              <a:rPr lang="en-US" altLang="en-US" sz="2400" dirty="0">
+                <a:solidFill>
+                  <a:srgbClr val="DCDCDC"/>
+                </a:solidFill>
+                <a:latin typeface="Fira Code"/>
+              </a:rPr>
+            </a:br>
+            <a:r>
+              <a:rPr lang="en-US" altLang="en-US" sz="2400" dirty="0">
+                <a:solidFill>
+                  <a:srgbClr val="569CD6"/>
+                </a:solidFill>
+                <a:latin typeface="Fira Code"/>
+              </a:rPr>
+              <a:t>await </a:t>
+            </a:r>
+            <a:r>
+              <a:rPr lang="en-US" altLang="en-US" sz="2400" dirty="0" err="1">
+                <a:solidFill>
+                  <a:srgbClr val="DCDCDC"/>
+                </a:solidFill>
+                <a:latin typeface="Fira Code"/>
+              </a:rPr>
+              <a:t>response.</a:t>
+            </a:r>
+            <a:r>
+              <a:rPr lang="en-US" altLang="en-US" sz="2400" dirty="0" err="1">
+                <a:solidFill>
+                  <a:srgbClr val="EE82EE"/>
+                </a:solidFill>
+                <a:latin typeface="Fira Code"/>
+              </a:rPr>
+              <a:t>Body</a:t>
+            </a:r>
+            <a:r>
+              <a:rPr lang="en-US" altLang="en-US" sz="2400" dirty="0" err="1">
+                <a:solidFill>
+                  <a:srgbClr val="DCDCDC"/>
+                </a:solidFill>
+                <a:latin typeface="Fira Code"/>
+              </a:rPr>
+              <a:t>.</a:t>
+            </a:r>
+            <a:r>
+              <a:rPr lang="en-US" altLang="en-US" sz="2400" dirty="0" err="1">
+                <a:solidFill>
+                  <a:srgbClr val="00FFFF"/>
+                </a:solidFill>
+                <a:latin typeface="Fira Code"/>
+              </a:rPr>
+              <a:t>Write</a:t>
+            </a:r>
+            <a:r>
+              <a:rPr lang="en-US" altLang="en-US" sz="2400" dirty="0">
+                <a:solidFill>
+                  <a:srgbClr val="DCDCDC"/>
+                </a:solidFill>
+                <a:latin typeface="Fira Code"/>
+              </a:rPr>
+              <a:t>(order);</a:t>
+            </a:r>
+            <a:endParaRPr lang="en-US" altLang="en-US" sz="5400" dirty="0">
+              <a:latin typeface="Arial" panose="020B0604020202020204" pitchFamily="34" charset="0"/>
+            </a:endParaRPr>
+          </a:p>
+        </p:txBody>
+      </p:sp>
+    </p:spTree>
+    <p:extLst>
+      <p:ext uri="{BB962C8B-B14F-4D97-AF65-F5344CB8AC3E}">
+        <p14:creationId xmlns:p14="http://schemas.microsoft.com/office/powerpoint/2010/main" val="449097740"/>
+      </p:ext>
+    </p:extLst>
+  </p:cSld>
+  <p:clrMapOvr>
+    <a:masterClrMapping/>
+  </p:clrMapOvr>
+</p:sld>
+</file>
+
+<file path=ppt/slides/slide23.xml><?xml version="1.0" encoding="utf-8"?>
 <p:sld xmlns:a="http://schemas.openxmlformats.org/drawingml/2006/main" xmlns:r="http://schemas.openxmlformats.org/officeDocument/2006/relationships" xmlns:p="http://schemas.openxmlformats.org/presentationml/2006/main">
   <p:cSld>
     <p:spTree>
@@ -11179,144 +16760,7 @@
 </p:sld>
 </file>
 
-<file path=ppt/slides/slide2.xml><?xml version="1.0" encoding="utf-8"?>
-<p:sld xmlns:a="http://schemas.openxmlformats.org/drawingml/2006/main" xmlns:r="http://schemas.openxmlformats.org/officeDocument/2006/relationships" xmlns:p="http://schemas.openxmlformats.org/presentationml/2006/main">
-  <p:cSld>
-    <p:spTree>
-      <p:nvGrpSpPr>
-        <p:cNvPr id="1" name=""/>
-        <p:cNvGrpSpPr/>
-        <p:nvPr/>
-      </p:nvGrpSpPr>
-      <p:grpSpPr>
-        <a:xfrm>
-          <a:off x="0" y="0"/>
-          <a:ext cx="0" cy="0"/>
-          <a:chOff x="0" y="0"/>
-          <a:chExt cx="0" cy="0"/>
-        </a:xfrm>
-      </p:grpSpPr>
-      <p:sp>
-        <p:nvSpPr>
-          <p:cNvPr id="2" name="Title 1"/>
-          <p:cNvSpPr>
-            <a:spLocks noGrp="1"/>
-          </p:cNvSpPr>
-          <p:nvPr>
-            <p:ph type="title"/>
-          </p:nvPr>
-        </p:nvSpPr>
-        <p:spPr/>
-        <p:txBody>
-          <a:bodyPr>
-            <a:normAutofit/>
-          </a:bodyPr>
-          <a:lstStyle/>
-          <a:p>
-            <a:r>
-              <a:rPr lang="en-US" sz="6000" dirty="0"/>
-              <a:t>Andrii </a:t>
-            </a:r>
-            <a:r>
-              <a:rPr lang="en-US" sz="6000" dirty="0" smtClean="0"/>
-              <a:t>Litvinov</a:t>
-            </a:r>
-            <a:endParaRPr lang="en-US" sz="6000" dirty="0"/>
-          </a:p>
-        </p:txBody>
-      </p:sp>
-      <p:pic>
-        <p:nvPicPr>
-          <p:cNvPr id="3" name="Picture 2" descr="https://scontent.fiev12-1.fna.fbcdn.net/v/t1.0-9/c0.0.215.215/12494928_1139995499368714_8989582005896967223_n.png?_nc_cat=109&amp;_nc_ht=scontent.fiev12-1.fna&amp;oh=ee4c679202e74d6262c8803b45612cb9&amp;oe=5C7304DF"/>
-          <p:cNvPicPr>
-            <a:picLocks noChangeAspect="1" noChangeArrowheads="1"/>
-          </p:cNvPicPr>
-          <p:nvPr/>
-        </p:nvPicPr>
-        <p:blipFill>
-          <a:blip r:embed="rId3">
-            <a:extLst>
-              <a:ext uri="{28A0092B-C50C-407E-A947-70E740481C1C}">
-                <a14:useLocalDpi xmlns:a14="http://schemas.microsoft.com/office/drawing/2010/main" val="0"/>
-              </a:ext>
-            </a:extLst>
-          </a:blip>
-          <a:srcRect/>
-          <a:stretch>
-            <a:fillRect/>
-          </a:stretch>
-        </p:blipFill>
-        <p:spPr bwMode="auto">
-          <a:xfrm>
-            <a:off x="9465733" y="3679654"/>
-            <a:ext cx="2047875" cy="2047876"/>
-          </a:xfrm>
-          <a:prstGeom prst="rect">
-            <a:avLst/>
-          </a:prstGeom>
-          <a:noFill/>
-          <a:extLst>
-            <a:ext uri="{909E8E84-426E-40DD-AFC4-6F175D3DCCD1}">
-              <a14:hiddenFill xmlns:a14="http://schemas.microsoft.com/office/drawing/2010/main">
-                <a:solidFill>
-                  <a:srgbClr val="FFFFFF"/>
-                </a:solidFill>
-              </a14:hiddenFill>
-            </a:ext>
-          </a:extLst>
-        </p:spPr>
-      </p:pic>
-      <p:sp>
-        <p:nvSpPr>
-          <p:cNvPr id="4" name="TextBox 3"/>
-          <p:cNvSpPr txBox="1"/>
-          <p:nvPr/>
-        </p:nvSpPr>
-        <p:spPr>
-          <a:xfrm>
-            <a:off x="1141413" y="3918762"/>
-            <a:ext cx="8464731" cy="1569660"/>
-          </a:xfrm>
-          <a:prstGeom prst="rect">
-            <a:avLst/>
-          </a:prstGeom>
-          <a:noFill/>
-        </p:spPr>
-        <p:txBody>
-          <a:bodyPr wrap="square" rtlCol="0">
-            <a:spAutoFit/>
-          </a:bodyPr>
-          <a:lstStyle/>
-          <a:p>
-            <a:r>
-              <a:rPr lang="en-US" sz="4800" dirty="0" smtClean="0"/>
-              <a:t>Platform engineer at Synergy Sports Technology</a:t>
-            </a:r>
-            <a:endParaRPr lang="en-US" sz="4800" dirty="0"/>
-          </a:p>
-        </p:txBody>
-      </p:sp>
-    </p:spTree>
-    <p:extLst>
-      <p:ext uri="{BB962C8B-B14F-4D97-AF65-F5344CB8AC3E}">
-        <p14:creationId xmlns:p14="http://schemas.microsoft.com/office/powerpoint/2010/main" val="1499444302"/>
-      </p:ext>
-    </p:extLst>
-  </p:cSld>
-  <p:clrMapOvr>
-    <a:masterClrMapping/>
-  </p:clrMapOvr>
-  <p:timing>
-    <p:tnLst>
-      <p:par>
-        <p:cTn id="1" dur="indefinite" restart="never" nodeType="tmRoot"/>
-      </p:par>
-    </p:tnLst>
-  </p:timing>
-</p:sld>
-</file>
-
-<file path=ppt/slides/slide20.xml><?xml version="1.0" encoding="utf-8"?>
+<file path=ppt/slides/slide24.xml><?xml version="1.0" encoding="utf-8"?>
 <p:sld xmlns:a="http://schemas.openxmlformats.org/drawingml/2006/main" xmlns:r="http://schemas.openxmlformats.org/officeDocument/2006/relationships" xmlns:p="http://schemas.openxmlformats.org/presentationml/2006/main">
   <p:cSld>
     <p:spTree>
@@ -11550,7 +16994,7 @@
 </p:sld>
 </file>
 
-<file path=ppt/slides/slide21.xml><?xml version="1.0" encoding="utf-8"?>
+<file path=ppt/slides/slide25.xml><?xml version="1.0" encoding="utf-8"?>
 <p:sld xmlns:a="http://schemas.openxmlformats.org/drawingml/2006/main" xmlns:r="http://schemas.openxmlformats.org/officeDocument/2006/relationships" xmlns:p="http://schemas.openxmlformats.org/presentationml/2006/main">
   <p:cSld>
     <p:spTree>
@@ -11774,7 +17218,7 @@
 </p:sld>
 </file>
 
-<file path=ppt/slides/slide22.xml><?xml version="1.0" encoding="utf-8"?>
+<file path=ppt/slides/slide26.xml><?xml version="1.0" encoding="utf-8"?>
 <p:sld xmlns:a="http://schemas.openxmlformats.org/drawingml/2006/main" xmlns:r="http://schemas.openxmlformats.org/officeDocument/2006/relationships" xmlns:p="http://schemas.openxmlformats.org/presentationml/2006/main">
   <p:cSld>
     <p:spTree>
@@ -11836,7 +17280,7 @@
 </p:sld>
 </file>
 
-<file path=ppt/slides/slide23.xml><?xml version="1.0" encoding="utf-8"?>
+<file path=ppt/slides/slide27.xml><?xml version="1.0" encoding="utf-8"?>
 <p:sld xmlns:a="http://schemas.openxmlformats.org/drawingml/2006/main" xmlns:r="http://schemas.openxmlformats.org/officeDocument/2006/relationships" xmlns:p="http://schemas.openxmlformats.org/presentationml/2006/main">
   <p:cSld>
     <p:spTree>

--- a/t18-event-mongodb.pptx
+++ b/t18-event-mongodb.pptx
@@ -5,10 +5,10 @@
     <p:sldMasterId id="2147483668" r:id="rId1"/>
   </p:sldMasterIdLst>
   <p:notesMasterIdLst>
-    <p:notesMasterId r:id="rId29"/>
+    <p:notesMasterId r:id="rId27"/>
   </p:notesMasterIdLst>
   <p:handoutMasterIdLst>
-    <p:handoutMasterId r:id="rId30"/>
+    <p:handoutMasterId r:id="rId28"/>
   </p:handoutMasterIdLst>
   <p:sldIdLst>
     <p:sldId id="274" r:id="rId2"/>
@@ -35,9 +35,7 @@
     <p:sldId id="287" r:id="rId23"/>
     <p:sldId id="279" r:id="rId24"/>
     <p:sldId id="278" r:id="rId25"/>
-    <p:sldId id="281" r:id="rId26"/>
-    <p:sldId id="282" r:id="rId27"/>
-    <p:sldId id="280" r:id="rId28"/>
+    <p:sldId id="282" r:id="rId26"/>
   </p:sldIdLst>
   <p:sldSz cx="12192000" cy="6858000"/>
   <p:notesSz cx="6858000" cy="9144000"/>
@@ -318,6 +316,969 @@
 </p:handoutMaster>
 </file>
 
+<file path=ppt/ink/ink1.xml><?xml version="1.0" encoding="utf-8"?>
+<inkml:ink xmlns:inkml="http://www.w3.org/2003/InkML">
+  <inkml:definitions>
+    <inkml:context xml:id="ctx0">
+      <inkml:inkSource xml:id="inkSrc0">
+        <inkml:traceFormat>
+          <inkml:channel name="X" type="integer" max="3840" units="cm"/>
+          <inkml:channel name="Y" type="integer" max="1080" units="cm"/>
+          <inkml:channel name="T" type="integer" max="2.14748E9" units="dev"/>
+        </inkml:traceFormat>
+        <inkml:channelProperties>
+          <inkml:channelProperty channel="X" name="resolution" value="72.86527" units="1/cm"/>
+          <inkml:channelProperty channel="Y" name="resolution" value="36.48649" units="1/cm"/>
+          <inkml:channelProperty channel="T" name="resolution" value="1" units="1/dev"/>
+        </inkml:channelProperties>
+      </inkml:inkSource>
+      <inkml:timestamp xml:id="ts0" timeString="2018-12-06T12:39:39.580"/>
+    </inkml:context>
+    <inkml:brush xml:id="br0">
+      <inkml:brushProperty name="width" value="0.46667" units="cm"/>
+      <inkml:brushProperty name="height" value="0.46667" units="cm"/>
+      <inkml:brushProperty name="color" value="#FFF200"/>
+      <inkml:brushProperty name="fitToCurve" value="1"/>
+    </inkml:brush>
+  </inkml:definitions>
+  <inkml:traceGroup>
+    <inkml:annotationXML>
+      <emma:emma xmlns:emma="http://www.w3.org/2003/04/emma" version="1.0">
+        <emma:interpretation id="{F11748BA-D866-4DE6-9447-C24D4FE9F63A}" emma:medium="tactile" emma:mode="ink">
+          <msink:context xmlns:msink="http://schemas.microsoft.com/ink/2010/main" type="writingRegion" rotatedBoundingBox="3989,4164 7638,4331 7382,9941 3733,9775"/>
+        </emma:interpretation>
+      </emma:emma>
+    </inkml:annotationXML>
+    <inkml:traceGroup>
+      <inkml:annotationXML>
+        <emma:emma xmlns:emma="http://www.w3.org/2003/04/emma" version="1.0">
+          <emma:interpretation id="{FCB4BE01-1C5B-4DD3-9AF8-A14601997D24}" emma:medium="tactile" emma:mode="ink">
+            <msink:context xmlns:msink="http://schemas.microsoft.com/ink/2010/main" type="paragraph" rotatedBoundingBox="3989,4164 7249,4313 7222,4906 3962,4757" alignmentLevel="1"/>
+          </emma:interpretation>
+        </emma:emma>
+      </inkml:annotationXML>
+      <inkml:traceGroup>
+        <inkml:annotationXML>
+          <emma:emma xmlns:emma="http://www.w3.org/2003/04/emma" version="1.0">
+            <emma:interpretation id="{F60215BB-9781-4BE7-82CC-9C70D45CFE1A}" emma:medium="tactile" emma:mode="ink">
+              <msink:context xmlns:msink="http://schemas.microsoft.com/ink/2010/main" type="line" rotatedBoundingBox="3989,4164 7249,4313 7222,4906 3962,4757"/>
+            </emma:interpretation>
+          </emma:emma>
+        </inkml:annotationXML>
+        <inkml:traceGroup>
+          <inkml:annotationXML>
+            <emma:emma xmlns:emma="http://www.w3.org/2003/04/emma" version="1.0">
+              <emma:interpretation id="{23F10F96-3700-40C2-8273-C523FD05D71F}" emma:medium="tactile" emma:mode="ink">
+                <msink:context xmlns:msink="http://schemas.microsoft.com/ink/2010/main" type="inkWord" rotatedBoundingBox="3989,4164 7249,4313 7222,4906 3962,4757"/>
+              </emma:interpretation>
+              <emma:one-of disjunction-type="recognition" id="oneOf0">
+                <emma:interpretation id="interp0" emma:lang="en-US" emma:confidence="1">
+                  <emma:literal>a</emma:literal>
+                </emma:interpretation>
+                <emma:interpretation id="interp1" emma:lang="en-US" emma:confidence="0">
+                  <emma:literal>&amp;</emma:literal>
+                </emma:interpretation>
+                <emma:interpretation id="interp2" emma:lang="en-US" emma:confidence="0">
+                  <emma:literal>•</emma:literal>
+                </emma:interpretation>
+                <emma:interpretation id="interp3" emma:lang="en-US" emma:confidence="0">
+                  <emma:literal>*</emma:literal>
+                </emma:interpretation>
+                <emma:interpretation id="interp4" emma:lang="en-US" emma:confidence="0">
+                  <emma:literal>4</emma:literal>
+                </emma:interpretation>
+              </emma:one-of>
+            </emma:emma>
+          </inkml:annotationXML>
+          <inkml:trace contextRef="#ctx0" brushRef="#br0">390 2 0,'33'0'188,"-1"0"-172,1 0-16,0 32 0,-1-32 15,1 0-15,-1 0 16,33 0-16,1-32 15,-34 32-15,1 0 0,-1 32 16,1-32-16,-1 0 0,34 0 0,-1 0 16,0 0-16,0 0 0,0 0 15,0 0-15,0 0 0,0 0 16,1 33-16,-34-33 0,33 0 16,-32 0-16,-1 0 0,1 0 15,-1 0-15,1 0 0,0 0 16,-1 0-16,1 0 0,-1 0 15,33 0-15,-32 0 0,0 32 16,-1-32-16,1 0 16,-1 0-16,1 0 15,-1 0 1,1 0-16,0 0 0,-1 33 16,1-33-16,-1 0 0,1 0 15,-1 0-15,1 0 16,-1 0 15,1 0-15,0 0-16,-1 0 15,1 0-15,-1 0 16,1 0 15,-1 0-15,1 0 15,0 0 16,-1 0 172,1 0-204,-1 0 32,1 0-47,-1 0 16,1 0 62,-66 0 63,33 32-141,-32-32 15,32 33 1,-33-33-16,1 0 0,32 33 15,-33-33-15,1 0 0,32 32 16,-33-32-16,0 33 0,1-33 16,-1 0-16,1 32 0,-1-32 15,1 0 1,-1 0-16,0 0 16,1 33-16,-1-33 0,1 0 15,-1 0-15,1 0 0,-1 0 16,1 0-16,-1 0 0,0-33 0,1 33 15,-1 0 1,1 0-16,-1 0 0,1 0 0,-1 0 16,0 0-16,1 0 15,-1 0-15,1 0 0,-1 0 16,1 0-16,-1-32 0,0 32 16,-32 0-16,33 0 0,-1-33 15,1 33-15,-33 0 0,32 0 16,0 0-16,1 0 0,32-32 15,-33 32-15,1 0 0,-1 0 0,1 0 16,-1-33-16,0 33 16,1 0-16,-1 0 15,1 0 1,-1 0 0,1 0 15,-1 0 16,1 0-32,-1 0 1,0 0 15,1 0-15,-1 0-1,1 0 1,-1 0-16,1 0 16,-1 0-1,0 0-15,1 0 16,-1 0 46,1 0-30,-1 0-32,1 0 15,-1 0-15,33 33 16,-33-33 31,1 0-16,-1 0-31,1 32 16,-33-32-16,0 0 0,-1 33 15,1-33-15,33 32 0,-1-32 16,1 0-16,32 33 94,32-33-63,1 0 16,-1 0-47,1 0 15,-1 0 1,1 0 0,0 0-1,-1 0 1,-32 32 0,33-32-1,-1 0 1,1 0-16,-1 0 15,1 33-15,-1-33 16,1 0-16,32 0 0,-32 0 16,-1 33-16,1-33 0,-1 0 15,1 0-15,0 0 0,-1 32 16,1-32-16,-1 0 0,1 0 16,32 33-16,-32-33 0,32 0 15,0 0-15,0 32 0,0-32 16,0 0-16,0 33 0,0-33 15,1 0-15,-34 0 0,1 0 0,-1 0 16,33 0-16,-32 0 0,-1 32 16,34-32-16,-34 0 0,1 0 15,32 0-15,-33 0 0,34 0 16,-34 33-16,1-33 0,-1 0 16,1 0-16,-1 0 0,1 0 15,0 0-15,-1 0 16,1 0-1,-1 0 1,1-33-16,-1 33 0,1 0 16,-1 0-16,1 0 0,0 0 15,32 0-15,-33-32 0,33 32 16,-32 0-16,0 0 0,-1 0 16,1 0-1,-1 0 1,1 0-1,-1 0 1,1-33-16,-1 33 0,1 0 16,0 0-1,-1 0-15,1 0 16,-1 0-16,1 0 16,-1 0 30,1 0 283</inkml:trace>
+        </inkml:traceGroup>
+      </inkml:traceGroup>
+    </inkml:traceGroup>
+    <inkml:traceGroup>
+      <inkml:annotationXML>
+        <emma:emma xmlns:emma="http://www.w3.org/2003/04/emma" version="1.0">
+          <emma:interpretation id="{5B9C5283-FD10-4DDD-8B5A-FC18F3D650DE}" emma:medium="tactile" emma:mode="ink">
+            <msink:context xmlns:msink="http://schemas.microsoft.com/ink/2010/main" type="paragraph" rotatedBoundingBox="4267,9200 7396,9229 7390,9855 4261,9827" alignmentLevel="2"/>
+          </emma:interpretation>
+        </emma:emma>
+      </inkml:annotationXML>
+      <inkml:traceGroup>
+        <inkml:annotationXML>
+          <emma:emma xmlns:emma="http://www.w3.org/2003/04/emma" version="1.0">
+            <emma:interpretation id="{A40381BF-5F9B-49A1-B5AC-34C197552752}" emma:medium="tactile" emma:mode="ink">
+              <msink:context xmlns:msink="http://schemas.microsoft.com/ink/2010/main" type="line" rotatedBoundingBox="4267,9200 7396,9229 7390,9855 4261,9827"/>
+            </emma:interpretation>
+          </emma:emma>
+        </inkml:annotationXML>
+        <inkml:traceGroup>
+          <inkml:annotationXML>
+            <emma:emma xmlns:emma="http://www.w3.org/2003/04/emma" version="1.0">
+              <emma:interpretation id="{8390B695-781D-4DAA-AE20-9FEF512AFD3C}" emma:medium="tactile" emma:mode="ink">
+                <msink:context xmlns:msink="http://schemas.microsoft.com/ink/2010/main" type="inkWord" rotatedBoundingBox="4267,9200 7396,9229 7390,9855 4261,9827"/>
+              </emma:interpretation>
+              <emma:one-of disjunction-type="recognition" id="oneOf1">
+                <emma:interpretation id="interp5" emma:lang="en-US" emma:confidence="1">
+                  <emma:literal>a</emma:literal>
+                </emma:interpretation>
+                <emma:interpretation id="interp6" emma:lang="en-US" emma:confidence="0">
+                  <emma:literal>3</emma:literal>
+                </emma:interpretation>
+                <emma:interpretation id="interp7" emma:lang="en-US" emma:confidence="0">
+                  <emma:literal>•</emma:literal>
+                </emma:interpretation>
+                <emma:interpretation id="interp8" emma:lang="en-US" emma:confidence="0">
+                  <emma:literal>*</emma:literal>
+                </emma:interpretation>
+                <emma:interpretation id="interp9" emma:lang="en-US" emma:confidence="0">
+                  <emma:literal>s</emma:literal>
+                </emma:interpretation>
+              </emma:one-of>
+            </emma:emma>
+          </inkml:annotationXML>
+          <inkml:trace contextRef="#ctx0" brushRef="#br0" timeOffset="6866.3758">455 5147 0,'33'0'125,"0"0"-109,-1 0-16,1-33 16,-1 33-16,1 0 15,-1 0-15,1 0 16,0-32-16,32 32 16,-33 0-16,1 0 0,32-33 15,-32 33-15,32 0 0,-33 0 16,33 0-16,-32 0 0,32-32 15,-32 32-15,-1 0 0,33 0 0,-32 0 16,32 0-16,-32 0 0,32 0 16,-33 0-16,1 0 0,32 0 15,-33 0-15,1 0 0,0 0 16,-1 0-16,1 0 16,-1 0-16,1 0 15,-1 0-15,1 0 16,0 32-16,-1-32 0,33 0 0,-32 0 15,32 0-15,-32 0 0,32 33 16,-33-33-16,1 0 0,-1 0 16,1 0-16,-1 0 0,1 0 15,0 0-15,-1 0 16,1 0-16,-1 0 0,1 0 16,-1 0-16,1 0 0,0 0 15,-1 0-15,1-33 0,-1 33 16,1 0-16,-1 0 15,1 0-15,-1 0 16,1 0 0,0 0-1,-1 0 17,1 0-17,-1 0 16,1 0 94,-1 0-62,-32 33-47,33-33-1,0 0 32,-1 0-31,-32 32-1,33-32 1,-33 33 218,0-1-218,-33-32 0,33 33-16,-32-1 31,-1 1 0,0-33-15,33 33-16,-32-33 15,-1 0-15,33 32 16,-32-32-16,-1 33 16,1-33-1,-1 0 16,0 0 1,1 0-32,-1 0 15,1 0-15,-1 0 16,1 0-16,-1 0 16,1-33-16,-1 33 15,0 0-15,1 0 0,-1 0 16,1 0-16,-1 0 0,1-32 15,-1 32 1,0 0 0,1-33-16,-1 33 15,1 0-15,-1 0 16,1 0 0,-1 0-16,1-33 0,-1 33 15,0 0-15,1 0 0,-1 0 16,1 0-16,-1 0 15,1-32-15,-1 32 16,0 0-16,1 0 16,-1 0-16,1 0 15,-1 0-15,1 0 16,-1 0 46,0 0-62,1 0 16,-1 0-16,1 0 16,-1 0-16,1-33 0,-1 33 15,1 0 1,-1 0 0,0 0-1,1 0 1,-1 0-1,1 0 1,-1 0-16,1 0 16,-1 0-16,0 0 0,1 0 15,-1 0-15,1 0 16,-1 0 0,1 0-1,-1 0-15,1 0 16,-1 0-1,0 0-15,1 0 32,-1 0-17,1 0-15,-1 0 16,1 0 0,-1 0-16,0 0 15,1 0-15,-1 0 16,1 0-16,-1 0 15,1 0-15,-1 0 0,0 0 16,1 0-16,-1 0 0,1 0 16,-1 0-1,1 0 110,32 33 78,32-33-187,-32 32-16,33 1 16,-33 0-1,32-33 1,-32 32-16,33-32 16,-33 33-1,32-33-15,-32 32 16,33-32-16,-33 33 15,33-33-15,-33 32 16,32-32-16,1 33 16,-1-33-1,-32 33-15,33-33 16,-1 32-16,1-32 0,0 0 16,-1 33-16,1-33 15,-1 0 1,1 0-1,-1 0 1,1 0-16,32 0 0,-32 32 0,-1-32 16,1 0-16,-1 0 0,1 0 15,-1 0-15,1 0 0,0 0 16,-1-32 0,1 32-16,-1 0 15,1 0-15,-1 0 0,1 0 16,0 0-16,-1 0 0,1-33 15,-1 33-15,1 0 0,-1 0 16,1 0-16,-1 0 0,1 0 16,-33-32-16,33 32 0,-1 0 15,1 0-15,-1 0 16,1 0-16,-1 0 0,1 0 16,32 0-16,-32 0 0,-1 0 15,1 0-15,-1 0 0,1 0 16,0 0-16,-1 0 0,1 0 15,-1 0-15,1 0 16,-1 0-16,1 0 0,-1 0 16,1 0-16,0 0 0,-1 0 15,1 0-15,-1 0 16,1 0-16,-1 0 16,1 0-1,0 0-15,-1 0 16,1 0-16,-1 0 15,1 0 1,-1 0 0,1 0-1,-1 0 1,1 0 15,0 0 16,-1 0-31,1 0-1,-1 0-15,1 0 16,-1 0 0,1 0-1,0 0 1,-1 0 15,1 0 0,-1 0 1,1 0 218</inkml:trace>
+        </inkml:traceGroup>
+      </inkml:traceGroup>
+    </inkml:traceGroup>
+  </inkml:traceGroup>
+</inkml:ink>
+</file>
+
+<file path=ppt/ink/ink10.xml><?xml version="1.0" encoding="utf-8"?>
+<inkml:ink xmlns:inkml="http://www.w3.org/2003/InkML">
+  <inkml:definitions>
+    <inkml:context xml:id="ctx0">
+      <inkml:inkSource xml:id="inkSrc0">
+        <inkml:traceFormat>
+          <inkml:channel name="X" type="integer" max="3840" units="cm"/>
+          <inkml:channel name="Y" type="integer" max="1080" units="cm"/>
+          <inkml:channel name="T" type="integer" max="2.14748E9" units="dev"/>
+        </inkml:traceFormat>
+        <inkml:channelProperties>
+          <inkml:channelProperty channel="X" name="resolution" value="72.86527" units="1/cm"/>
+          <inkml:channelProperty channel="Y" name="resolution" value="36.48649" units="1/cm"/>
+          <inkml:channelProperty channel="T" name="resolution" value="1" units="1/dev"/>
+        </inkml:channelProperties>
+      </inkml:inkSource>
+      <inkml:timestamp xml:id="ts0" timeString="2018-12-06T12:46:01.144"/>
+    </inkml:context>
+    <inkml:brush xml:id="br0">
+      <inkml:brushProperty name="width" value="0.46667" units="cm"/>
+      <inkml:brushProperty name="height" value="0.46667" units="cm"/>
+      <inkml:brushProperty name="color" value="#FFF200"/>
+      <inkml:brushProperty name="fitToCurve" value="1"/>
+    </inkml:brush>
+  </inkml:definitions>
+  <inkml:traceGroup>
+    <inkml:annotationXML>
+      <emma:emma xmlns:emma="http://www.w3.org/2003/04/emma" version="1.0">
+        <emma:interpretation id="{A7D6C509-3AC3-48D2-8C88-C0E9A832638F}" emma:medium="tactile" emma:mode="ink">
+          <msink:context xmlns:msink="http://schemas.microsoft.com/ink/2010/main" type="inkDrawing" rotatedBoundingBox="2637,822 7238,1001 7212,1649 2612,1470" shapeName="Other"/>
+        </emma:interpretation>
+      </emma:emma>
+    </inkml:annotationXML>
+    <inkml:trace contextRef="#ctx0" brushRef="#br0">0 0 0,'33'0'47,"-33"32"-16,33-32-16,-1 0-15,-32 33 0,33-33 16,-1 32-16,1-32 0,-1 33 16,1-33-16,0 0 15,-33 32 1,32-32-16,1 0 16,-1 0-1,1 0-15,-33 33 16,32-33-16,1 0 0,-1 0 15,1 0-15,-33 33 16,33-33-16,-1 0 0,1 0 16,-1 0-16,1 0 0,-1 32 15,1-32-15,32 0 0,-32 0 16,32 33-16,0-33 0,0 0 16,0 0-16,0 0 0,-32 32 15,32-32-15,-32 0 0,32 0 16,0 0-16,-33 33 0,34-33 15,-1 0-15,-33 0 0,1 0 16,32 0-16,-33 0 0,1 0 0,0 32 16,-1-32-16,1 0 0,-1 0 15,1 0-15,-1 0 0,1 0 16,32 0-16,0 0 0,0 0 16,33 0-16,0 0 0,-1 0 15,1 0-15,0 0 0,0 33 16,32-33-16,-65 0 0,0 32 15,0-32-15,33 0 0,-66 0 16,34 0-16,-1 33 0,-33-33 0,1 0 16,-1 0-1,1 0-15,0 0 16,-1 0-16,1 0 0,32 0 16,0 0-16,0 0 0,0 0 15,0-33-15,0 33 0,-32 0 16,0 0-16,-1 0 0,1 0 15,-1 0-15,1-32 0,-1 32 0,1 0 16,-1 0-16,1 0 0,0 0 16,-1-33-1,1 33-15,-1 0 16,1 0-16,-1 0 16,1 0 46,-33-32 63,-33 32-109,1 0-16,-1 0 15,1 0 1,-1 0-16,1 0 16,-1 0-1,33-33 1,-33 33-1,1 0 17,-1 0 15,1 0-32,-1 0 1,1 0-16,-1 0 0,1 0 15,-1-32-15,0 32 0,1 0 16,-1 0-16,1 0 0,-1 0 16,1 0-1,-1-33-15,0 33 16,1 0-16,-1-32 0,1 32 16,-1 0-16,-32 0 0,33-33 15,-1 33-15,-32 0 0,32-33 16,-32 33-16,33 0 0,-34 0 15,34-32-15,-1 32 0,-32 0 0,33 0 16,32-33-16,-33 33 16,0 0-16,1 0 47,-1 0-32,1 0-15,-1 0 16,1 0-16,-1 0 15,1 0-15,-1 0 16,0 0 0,1 0-1,-1 0 17,1 0-32,-1 0 15,1 0 1,-1 0-1,0 0-15,1 0 16,-1 0-16,1 0 16,-1 0-1,1 0-15,-1 0 0,1 0 0,-1 0 16,0 0-16,1 0 0,-1 0 16,1 0-16,-1 0 0,1 0 15,-1 0-15,0 0 16,1 0-16,-1 0 15,1 0-15,-1 0 16,1 0-16,-1 0 16,0 0-1,1 0 1,-1 0 0,1 0-1,-1 0 1,1 0-16,-1 0 0,1 33 15,-1-33-15,0 0 0,1 0 16,-33 0-16,32 0 0,1 0 16,-1 0-1,0 0 1,1 0 0,-1 0-16,1 0 15,-1 0-15,1 0 0,-1 0 16,1 0-16,-1 0 15,0 0-15,1 0 16,-1 0 15,33 32-31,-32-32 0,-1 0 16,1 0-16,-1 0 31,0 0 0,1 0-15,-1 33 0,1-33-16,-1 33 15,1-33 1,-1 32-16,0-32 0,1 0 16,32 33-1,-33-33 1,1 32-1,-1-32 17,33 33-32,-32-33 0,32 32 15,-33-32-15,33 33 16,-32-33-16,32 32 16,-33-32 46,33 33-31,-33-33 16,66 0 78,0 0-109,-1 0-1,1 33 1,-1-33-16,1 0 16,-1 0-16,1 32 0,-1-32 15,1 0-15,0 33 16,-1-33 0,1 0-16,-1 0 15,1 0-15,-1 0 16,1 0-16,0 0 15,-1 0-15,1 32 16,-1-32-16,1 0 16,-1 0-1,1 0-15,0 0 16,-1 0 0,1 0-16,-1 0 15,1 0-15,-1 0 0,33 0 16,-32 0-16,32 0 0,-32 0 15,32 0-15,0 33 0,-32-33 16,32 0-16,-33 0 0,1 0 16,-1 0-16,1 0 0,-1 0 15,1 0-15,0 0 16,-1 0-16,1 0 16,-1 32-16,1-32 0,-1 0 15,1 0-15,0 0 16,-1 0-16,1 0 0,-1 0 15,1 0-15,-1 0 16,1 0-16,0 0 31,-1 33-15,1-33 0,-1 0-16,1 0 0,-1 0 15,1 0-15,-1 0 0,1 0 16,0 0-16,-1 0 15,1 0-15,-1 0 0,1 0 0,-1 0 16,1 0-16,0 0 16,-1 0-16,1 0 0,-1 0 0,1 0 15,-1 0-15,1 0 16,-33-33-16,32 33 16,1 0-16,0 0 15,-1 0-15,1 0 16,-1 0-16,1 0 0,-1 0 15,1 0-15,0 0 16,-1 0 15,1 0-15,-1 0 0,1 0-16,-1 0 15,1 0 1,0 0-16,-1 0 15,1 0 1,-1 0-16,1 0 0,-1 0 0,1 0 16,-1 0-16,1 0 15,0 0 48,-1 0-48,1 0 1,-1-32 0,1 32-1,-1 0 17,1 0-1</inkml:trace>
+  </inkml:traceGroup>
+</inkml:ink>
+</file>
+
+<file path=ppt/ink/ink11.xml><?xml version="1.0" encoding="utf-8"?>
+<inkml:ink xmlns:inkml="http://www.w3.org/2003/InkML">
+  <inkml:definitions>
+    <inkml:context xml:id="ctx0">
+      <inkml:inkSource xml:id="inkSrc0">
+        <inkml:traceFormat>
+          <inkml:channel name="X" type="integer" max="3840" units="cm"/>
+          <inkml:channel name="Y" type="integer" max="1080" units="cm"/>
+          <inkml:channel name="T" type="integer" max="2.14748E9" units="dev"/>
+        </inkml:traceFormat>
+        <inkml:channelProperties>
+          <inkml:channelProperty channel="X" name="resolution" value="72.86527" units="1/cm"/>
+          <inkml:channelProperty channel="Y" name="resolution" value="36.48649" units="1/cm"/>
+          <inkml:channelProperty channel="T" name="resolution" value="1" units="1/dev"/>
+        </inkml:channelProperties>
+      </inkml:inkSource>
+      <inkml:timestamp xml:id="ts0" timeString="2018-12-06T12:46:09.283"/>
+    </inkml:context>
+    <inkml:brush xml:id="br0">
+      <inkml:brushProperty name="width" value="0.46667" units="cm"/>
+      <inkml:brushProperty name="height" value="0.46667" units="cm"/>
+      <inkml:brushProperty name="color" value="#FFF200"/>
+      <inkml:brushProperty name="fitToCurve" value="1"/>
+    </inkml:brush>
+  </inkml:definitions>
+  <inkml:traceGroup>
+    <inkml:annotationXML>
+      <emma:emma xmlns:emma="http://www.w3.org/2003/04/emma" version="1.0">
+        <emma:interpretation id="{53772052-EE85-451F-A445-8EA1231E57A0}" emma:medium="tactile" emma:mode="ink">
+          <msink:context xmlns:msink="http://schemas.microsoft.com/ink/2010/main" type="inkDrawing" rotatedBoundingBox="4627,7960 8710,8059 8690,8863 4608,8764" shapeName="Other"/>
+        </emma:interpretation>
+      </emma:emma>
+    </inkml:annotationXML>
+    <inkml:trace contextRef="#ctx0" brushRef="#br0">0 117 0,'32'0'31,"1"0"-15,0 0 15,-1 0-31,-32-32 0,33 32 16,-1 0-16,1 0 0,-1 0 15,1 0-15,0 0 16,-1 0-16,1-33 15,-1 33-15,1 0 16,-1 0 0,1 0-1,-1 0-15,1 0 0,0 0 0,32 0 16,-33 0-16,33 0 0,-32 0 16,0 0-16,-1 0 15,1 0 1,-1 0-16,1-32 15,-1 32-15,1 0 16,-1 0-16,1 0 0,0 0 16,32 0-16,0 0 0,0 0 0,-32 0 15,32 0-15,-33 0 16,1 0-16,-1 0 0,1 0 16,0 0-1,-1 0-15,1 0 16,32 0-16,-33 0 0,33 0 15,-32 0-15,32 0 0,0 0 16,-32 0-16,32 0 0,-32 32 16,32-32-16,-33 0 0,1 0 15,-1 0-15,1 0 0,-1 0 0,1 0 16,0 0-16,-1 0 0,1 0 16,32 0-16,-33 0 0,1 0 15,32 0-15,-32 0 0,-1 0 16,1 0-16,-1 0 0,1 0 15,0 0-15,-1 0 16,1 0 0,-1 0-1,1 0-15,-1 0 0,1 0 0,-1 33 16,1-33-16,0 0 0,-1 0 16,1 0-1,-1 0 16,1 0 1,-1 0-1,1 0-31,0 0 16,-1 0-16,1 0 31,-1 0 0,1 0-15,-1 0-16,1 0 47,-1 0-32,1 0 1,0 32-16,-1-32 15,1 0 1,-1 0-16,1 0 47,-1 0-31,1 0-1,-33 33 79,33-33-78,-33 32 155,0 1-139,-33-33-1,33 33-31,0-1 16,-33-32-1,33 33-15,-32-33 16,-1 32-16,1-32 0,32 33 15,-33-33-15,1 0 0,-1 32 16,0 1-16,1-33 16,-1 0-1,33 33-15,-32-33 0,-1 0 16,1 0 0,-1 32-16,1-32 0,-1 0 15,0 0-15,1 0 0,-1 0 16,-32 0-16,33 0 0,-1-32 15,0 32-15,-32 0 0,33 0 16,-1 0-16,1-33 0,-1 33 0,1 0 16,-1 0-16,-32 0 0,32 0 15,1 0-15,-1 0 0,1 0 16,-1-33-16,-32 33 0,32 0 16,-32 0-16,33 0 0,-34 0 15,34 0-15,-33-32 0,32 32 16,1 0-16,-1 0 15,1 0-15,-1 0 16,0 0 0,1 0-16,-1 0 15,1 0-15,-1 0 16,1 0-16,-1 0 16,0 0-16,1 0 0,-1 0 15,1 0 1,-1 0-16,1 0 15,-1 0-15,1 0 16,-1 0-16,0 0 0,1 0 16,-1 0-16,1 0 0,-1 0 15,1 0-15,-1-33 0,0 33 16,1 0 0,-1 0-16,1 0 15,-1 0 1,1 0 15,-1 0-15,33-32-1,-33 32-15,1 0 0,-1 0 16,1 0-16,-1 0 16,1 0-16,-1 0 0,-32 0 15,32 0-15,1 0 16,-1 0-16,1 0 15,-1 0-15,1 0 16,-1 0 0,0 0-16,1 0 15,-1 0-15,1 0 16,-1 0 31,1 0-32,-1 0-15,1 0 16,-1 0-16,0 0 16,1 0-16,-1-33 0,1 33 15,-1 0 17,33 33 46,-32-33-63,32 32 142,0 1 61,32-1-202,-32 1 0,0 0-1,33-33 1,-33 32 124,32-32-108,-32 33-32,33-33 15,-33 32-15,32-32 0,1 33 16,0-33-16,-1 32 16,33-32-16,-32 33 0,-1-33 15,33 33-15,-32-33 0,0 0 16,-1 32-16,1-32 0,32 0 15,-33 33-15,1-33 0,0 0 16,-1 0-16,1 0 16,-1 0-16,1 0 0,-1 0 0,33 0 15,-32 32-15,0-32 0,-1 0 16,1 0-16,-1 0 16,1 0-16,-1 0 0,1 0 15,0 0 1,-1 0 15,1 0-15,-1 0-16,1 0 15,-1 0-15,1 0 32,0 0-17,-1 0-15,1 0 16,-1 0-16,1 0 15,-1 0-15,1 0 0,-1 0 16,1 0-16,0 0 16,-1 0 15,1 0-31,-1 0 16,1 0-16,-1 0 0,1 0 15,-33-32-15,33 32 0,-1 0 16,1 0-16,-1 0 0,1 0 15,-1 0-15,-32-33 16,33 33-16,-1 0 0,1 0 16,0 0-16,-1 0 0,1 0 15,-1 0-15,1 0 16,-1 0 0,1 0 15,0 0-16,-1 0-15,1 0 16,-1 0 0,-32-32-16,33 32 0,-1 0 15,1 0-15,0 0 16,-1 0-16,1 0 0,-1 0 16,1 0-16,-1 0 0,1 0 15,-1 0-15,1 0 16,0-33-16,-1 33 0,1 0 15,-1 0-15,1 0 16,-1 0-16,1 0 0,0 0 16,-1 0-1,1 0 1,-1 0 0,1 0-16,-1 33 15,1-33-15,-1 0 16,1 0 15,0 0-15,-1 0-1,1 0-15,-1 0 16,1 0 0,-1 0 77,1 0 64,0 0-142,-1 0 1,1 0 15,-1 0-15,1 0-1,-1 32 235</inkml:trace>
+  </inkml:traceGroup>
+</inkml:ink>
+</file>
+
+<file path=ppt/ink/ink12.xml><?xml version="1.0" encoding="utf-8"?>
+<inkml:ink xmlns:inkml="http://www.w3.org/2003/InkML">
+  <inkml:definitions>
+    <inkml:context xml:id="ctx0">
+      <inkml:inkSource xml:id="inkSrc0">
+        <inkml:traceFormat>
+          <inkml:channel name="X" type="integer" max="3840" units="cm"/>
+          <inkml:channel name="Y" type="integer" max="1080" units="cm"/>
+          <inkml:channel name="T" type="integer" max="2.14748E9" units="dev"/>
+        </inkml:traceFormat>
+        <inkml:channelProperties>
+          <inkml:channelProperty channel="X" name="resolution" value="72.86527" units="1/cm"/>
+          <inkml:channelProperty channel="Y" name="resolution" value="36.48649" units="1/cm"/>
+          <inkml:channelProperty channel="T" name="resolution" value="1" units="1/dev"/>
+        </inkml:channelProperties>
+      </inkml:inkSource>
+      <inkml:timestamp xml:id="ts0" timeString="2018-12-06T12:46:19.493"/>
+    </inkml:context>
+    <inkml:brush xml:id="br0">
+      <inkml:brushProperty name="width" value="0.46667" units="cm"/>
+      <inkml:brushProperty name="height" value="0.46667" units="cm"/>
+      <inkml:brushProperty name="color" value="#FFF200"/>
+      <inkml:brushProperty name="fitToCurve" value="1"/>
+    </inkml:brush>
+  </inkml:definitions>
+  <inkml:traceGroup>
+    <inkml:annotationXML>
+      <emma:emma xmlns:emma="http://www.w3.org/2003/04/emma" version="1.0">
+        <emma:interpretation id="{EEB379BD-3A9D-42B6-9BA3-CB7D96104CF5}" emma:medium="tactile" emma:mode="ink">
+          <msink:context xmlns:msink="http://schemas.microsoft.com/ink/2010/main" type="writingRegion" rotatedBoundingBox="19473,847 22176,847 22176,1433 19473,1433"/>
+        </emma:interpretation>
+      </emma:emma>
+    </inkml:annotationXML>
+    <inkml:traceGroup>
+      <inkml:annotationXML>
+        <emma:emma xmlns:emma="http://www.w3.org/2003/04/emma" version="1.0">
+          <emma:interpretation id="{2982F717-88B7-4DC0-999C-8419701FEED3}" emma:medium="tactile" emma:mode="ink">
+            <msink:context xmlns:msink="http://schemas.microsoft.com/ink/2010/main" type="paragraph" rotatedBoundingBox="19473,847 22176,847 22176,1433 19473,1433" alignmentLevel="1"/>
+          </emma:interpretation>
+        </emma:emma>
+      </inkml:annotationXML>
+      <inkml:traceGroup>
+        <inkml:annotationXML>
+          <emma:emma xmlns:emma="http://www.w3.org/2003/04/emma" version="1.0">
+            <emma:interpretation id="{1CD3D21B-E3F4-4E94-8089-234D3AC65BD2}" emma:medium="tactile" emma:mode="ink">
+              <msink:context xmlns:msink="http://schemas.microsoft.com/ink/2010/main" type="line" rotatedBoundingBox="19473,847 22176,847 22176,1433 19473,1433"/>
+            </emma:interpretation>
+          </emma:emma>
+        </inkml:annotationXML>
+        <inkml:traceGroup>
+          <inkml:annotationXML>
+            <emma:emma xmlns:emma="http://www.w3.org/2003/04/emma" version="1.0">
+              <emma:interpretation id="{40C9E754-2DB3-41FD-90DC-C0DF5142F835}" emma:medium="tactile" emma:mode="ink">
+                <msink:context xmlns:msink="http://schemas.microsoft.com/ink/2010/main" type="inkWord" rotatedBoundingBox="19473,847 22176,847 22176,1433 19473,1433"/>
+              </emma:interpretation>
+              <emma:one-of disjunction-type="recognition" id="oneOf0">
+                <emma:interpretation id="interp0" emma:lang="en-US" emma:confidence="0">
+                  <emma:literal>a</emma:literal>
+                </emma:interpretation>
+                <emma:interpretation id="interp1" emma:lang="en-US" emma:confidence="0">
+                  <emma:literal>3</emma:literal>
+                </emma:interpretation>
+                <emma:interpretation id="interp2" emma:lang="en-US" emma:confidence="0">
+                  <emma:literal>5</emma:literal>
+                </emma:interpretation>
+                <emma:interpretation id="interp3" emma:lang="en-US" emma:confidence="0">
+                  <emma:literal>s</emma:literal>
+                </emma:interpretation>
+                <emma:interpretation id="interp4" emma:lang="en-US" emma:confidence="0">
+                  <emma:literal>S</emma:literal>
+                </emma:interpretation>
+              </emma:one-of>
+            </emma:emma>
+          </inkml:annotationXML>
+          <inkml:trace contextRef="#ctx0" brushRef="#br0">0 146 0,'33'0'47,"-1"0"-16,1 0-15,-1 0-16,1 0 31,-1 0-16,1 0-15,32 0 0,-32 0 16,32 0-16,0-33 0,0 33 16,-32 0-16,32 0 0,-33 0 15,34 0-15,-34-32 0,1 32 16,-1 0-16,1 0 0,-1-33 16,1 33-16,-1 0 0,34 0 15,-34 0-15,1 0 0,-1 0 16,1 0-16,-1 0 15,1 0 1,0 0 15,-33-32-15,32 32-16,1 0 16,-1 0-1,1 0 1,-1 0-16,1 0 15,-1 0-15,1 0 16,0 0-16,-1 0 0,1 0 16,-1 0-16,1 0 15,-1 0-15,1 0 0,0 0 16,-1 0-16,1 0 16,-1 0-16,1 0 31,-1 0-31,-32 32 15,33-32-15,0 0 0,-1 0 16,1 0-16,-1 0 0,1 0 16,-1 0-16,1 33 0,-1-33 15,1 0-15,0-33 16,-1 33 0,1 0 15,-1 0-16,1 33 142,-1-33-126,-32 32-31,33-32 16,-33 33 15,33-33-16,-1 32 1,1 1 0,-1-33-16,1 0 15,-33 33-15,32-33 47,1 0 31,-33 32 0,-33-32-31,33 33-47,-32-33 16,-1 0-16,33 32 0,-32-32 16,-1 0-16,1 0 0,32 33 15,-33-33-15,0 0 0,1 0 16,-1 32-16,1-32 15,-1 0 1,1 0-16,-1 0 16,0 0-16,1 0 0,-33 0 15,32 0-15,1 0 0,-1 0 16,1 0-16,-1 0 0,0 0 16,1 0-16,-1 0 15,1 0 1,-1 0-16,1 0 15,-1 0-15,-32 0 16,32 0-16,1 0 0,-1 0 16,1 0-16,-1 0 0,0 0 15,1 0-15,-1 0 16,1 0-16,-1 0 16,1-32-16,-1 32 0,1 0 0,-1 0 15,0 0-15,1 0 0,-1 0 16,1 0-16,-1 0 0,1 0 15,-1 0-15,0 0 0,1 0 16,-1 0-16,1 0 16,-1 0-16,1 0 15,-1 0 32,1 0-16,-1 0-15,0 0 47,1-33-48,-1 33-15,1 0 16,-1 0-1,1 0-15,-1 0 16,0-32-16,1 32 16,-1 0-16,1 0 15,-1 0 1,1 0 0,-1 0-16,0 0 15,1 0-15,-1 0 16,1 0 31,32 32 140,-33-32-171,33 33-1,0-1 1,0 1 31,0-1-31,33-32 109,-33 33-94,32-33-16,-32 33 1,33-33-16,-1 32 16,1-32-1,-33 33 1,33-33 0,-1 0-1,1 0 1,-1 0-16,1 0 15,-1 0-15,1 0 0,0 0 16,-1 0-16,1 0 0,-1 0 16,1 0-16,-1 0 15,1 0 17,0 0-1,-1 0-16,1 0-15,-1 0 16,1 0 0,-1 0-16,1 0 15,-1 0-15,1 0 16,0 0-16,-1 0 0,1 0 16,-1 0-16,1 0 15,-33-33-15,32 33 0,1 0 0,0 0 16,-1 0-16,1 0 0,-1 0 15,1 0-15,-1 0 16,1 0 0,-1 0-1,1 0-15,0 0 16,-1 0 0,1 0-1,-1 0-15,1 0 16,-1 0-1,1 0-15,0 0 16,-1 0 0,1 0-16,-1 0 15,1 0-15,-1 0 16,1 0-16,0 0 16,-1 0-1,1 0 16,-33-32-15,32 32-16,1 0 16,-1 0-1,1 0 17,-1 0-32,1 0 15,0 0 48,-1 0-48,1 0 1,-1 0 0,1 0-1,-1 0 16,1 0-15,-33 32 0,33-32-16,-1 0 15,1 0 1,-1 0 0,1 0 93</inkml:trace>
+        </inkml:traceGroup>
+      </inkml:traceGroup>
+    </inkml:traceGroup>
+  </inkml:traceGroup>
+</inkml:ink>
+</file>
+
+<file path=ppt/ink/ink13.xml><?xml version="1.0" encoding="utf-8"?>
+<inkml:ink xmlns:inkml="http://www.w3.org/2003/InkML">
+  <inkml:definitions>
+    <inkml:context xml:id="ctx0">
+      <inkml:inkSource xml:id="inkSrc0">
+        <inkml:traceFormat>
+          <inkml:channel name="X" type="integer" max="3840" units="cm"/>
+          <inkml:channel name="Y" type="integer" max="1080" units="cm"/>
+          <inkml:channel name="T" type="integer" max="2.14748E9" units="dev"/>
+        </inkml:traceFormat>
+        <inkml:channelProperties>
+          <inkml:channelProperty channel="X" name="resolution" value="72.86527" units="1/cm"/>
+          <inkml:channelProperty channel="Y" name="resolution" value="36.48649" units="1/cm"/>
+          <inkml:channelProperty channel="T" name="resolution" value="1" units="1/dev"/>
+        </inkml:channelProperties>
+      </inkml:inkSource>
+      <inkml:timestamp xml:id="ts0" timeString="2018-12-06T12:46:27.108"/>
+    </inkml:context>
+    <inkml:brush xml:id="br0">
+      <inkml:brushProperty name="width" value="0.46667" units="cm"/>
+      <inkml:brushProperty name="height" value="0.46667" units="cm"/>
+      <inkml:brushProperty name="color" value="#FFF200"/>
+      <inkml:brushProperty name="fitToCurve" value="1"/>
+    </inkml:brush>
+  </inkml:definitions>
+  <inkml:traceGroup>
+    <inkml:annotationXML>
+      <emma:emma xmlns:emma="http://www.w3.org/2003/04/emma" version="1.0">
+        <emma:interpretation id="{AEE29FFE-326A-4789-B92A-20B4B6B394BE}" emma:medium="tactile" emma:mode="ink">
+          <msink:context xmlns:msink="http://schemas.microsoft.com/ink/2010/main" type="inkDrawing" rotatedBoundingBox="25172,936 28591,944 28590,1570 25170,1562" shapeName="Other"/>
+        </emma:interpretation>
+      </emma:emma>
+    </inkml:annotationXML>
+    <inkml:trace contextRef="#ctx0" brushRef="#br0">0 79 0,'32'0'63,"1"0"-32,0 0-31,32 0 16,-33 0-1,33 0-15,-32 0 0,32 0 16,-32 33 0,-1-33-16,1 0 15,-1 0 1,1 0-16,-1 0 0,34 0 15,31 0-15,-32 0 0,0 0 16,1 0-16,-34 0 0,1 0 16,-1 0-16,1 0 0,-1 0 15,1 0-15,0 0 16,-1 0 15,1 0-15,32 0-16,-33 0 15,34 0-15,-34 0 0,1 0 16,-1 0-16,1 0 0,-1 0 16,-32-33-16,33 33 0,-1 0 15,1 0-15,0 0 16,-1 0-16,1 0 0,-1 0 16,1 0-16,-1 0 0,34 0 15,-34 0-15,33 0 0,-32 0 16,-1 0-16,1 0 0,-1 0 15,1 0 1,0 0-16,-33-32 16,32 32-16,1 0 0,-1 0 15,1 0-15,32 0 0,-32 32 16,-1-32-16,1 0 0,-1 0 16,1 0-1,-1 0 32,1-32-31,0 32-1,-1 0 1,1 0-16,-1 0 16,1 0-16,-1 0 0,1-33 0,-1 33 15,1 0-15,0 0 16,-1 0-1,1 0 17,-1 0-17,1 0-15,-1 0 16,1 0-16,0 0 16,-1 0-16,1 0 15,-1 0 63,1 0-15,-1 0 93,-32 33-140,33-33 15,-33 32 0,32-32-15,-32 33 46,33-33-46,-33 33 62,0-1 47,0 1-94,-33-1 16,1-32-31,-1 0-1,1 0-15,-1 0 16,1 0-16,-1 0 16,1 0-1,-1 0 17,0 0-32,1 0 15,-1-32-15,1 32 0,-1 0 16,1 0-16,-1 0 15,0 0 1,1 0 0,-1 0-1,-32 0-15,33 0 16,-1 0-16,1 0 0,-1 0 16,0 0-16,1 32 0,-1-32 15,1 0-15,-1 0 31,1 0-15,-1 0-16,0 0 0,1 0 16,-1 0-16,1 0 0,-1 0 15,1 0-15,-1 0 0,0 0 16,1 0-16,-1 0 0,1 0 0,-1 0 16,1 0-16,-1 0 15,-32 0-15,32 0 0,-32 0 0,33 0 16,-1 0-16,-32 0 0,32 0 15,1-32-15,-1 32 0,1 0 16,-1 0-16,1 0 0,-1 0 16,1 0-16,-1 0 0,0 0 15,1 0-15,-1 0 16,1 0-16,-1 0 0,1 0 16,-1-33-16,0 33 0,1 0 15,-33 0-15,32 0 0,1 0 16,-1 0-16,0 0 0,1 0 15,-1 0-15,1 0 16,-1 0 0,1 0 15,-1 0-15,1 0-16,-1 0 0,0 0 15,1 0 63,-1 0-62,1 0-16,-1 0 16,1 0-16,-1 0 15,0 0 1,1 0-1,-1 0 1,1 0 0,-1 0 156,33 33-94,-32-33-63,-1 32 32,33 1 63,0-1-1,33-32-62,-33 33-32,32-33-15,1 32 16,-1-32-16,1 0 16,-33 33-16,32-33 15,1 0-15,0 0 0,32 0 16,0 33-16,0-33 0,33 0 16,-33 32-16,32-32 0,-31 0 0,-1 33 15,0-33-15,0 0 0,-32 32 16,32-32-16,0 0 0,-33 0 15,1 33-15,0-33 0,-1 0 16,1 0-16,-1 0 0,1 0 16,-1 0-16,1 0 0,-1 0 15,1 0-15,0 0 0,-1 0 16,1 0-16,-1 0 0,1 0 16,32 0-16,-32 0 0,-1 0 15,1 0-15,-1 0 16,1 0-1,-1 0 1,-32-33 0,33 33-16,-1 0 15,1 0-15,32 0 0,-32 0 16,-1 0-16,1 0 0,-1 0 0,1 0 31,0 0 16,-1 0-47,1 0 16,-1 0 15,1 0 16,-1 0-16,1 0-15,0 0-16,-1 0 31,1 0-15,-1 0-1,1 0 1,-1-32-16,1 32 15,-1 0-15,1 0 16,0 0-16,-1 0 31,1 0-15,-1 0-16,1 0 31,-1 0-15,1 0-1,0 0-15,-1 0 16,1 0 0,-1 0 31,1 0-32,-1 0 32,1 0 31,-1 0 16,-64 0 62,-1 0-140,1 0-16,-1 0 0,1 0 0,-1 32 15,1-32-15,-1 0 0,0 0 16,1 0-16,-1 0 0,1 0 16,-33 0-16,32 0 0,0-32 15,-32 32-15,33 0 0,-33 0 16,32-33-16,-32 33 0,32 0 16,-32 0-16,33-32 0,-33 32 15,32 0-15,0-33 0,1 33 16,-1 0-16,1 0 15,-1 0 1,1 0-16,-1 0 0,0-33 16,1 33-16,-1 0 0,-32 0 15,33 0-15,-1 0 0,-32-32 16,32 32-16,1 0 0,-1 0 16,1 0-16,-1 0 0,1 0 0,-1 0 15,0 0-15,-32 0 0,33 0 16,-1 0-16,-32 0 0,33 0 15,-1 0-15,0 0 0,1 0 16,-1 0-16,1 0 16,-1 0-1,1 0-15,-1 0 16,0 0-16,1 0 16,-1 0-16,1 0 15,-1 0 32,1 0-31,-1 0 15,0 0 0,33 32 0,-32-32-15,-1 0 0,1 0-1,-1 0 1,1 0 0,32 33-16,-33-33 15,1 0-15,-1 0 16,0 0 31,33 33 31,-32-33-47,-1 32 16,1-32-31,-1 0-16,33 0 0,-32 33 15,-1-33 1,0 32-16,1-32 15,-1 0 17,33 33-17,-32-33 32,32 32 47,-33-32-78,1 0 140,32 33-78,0-66 344</inkml:trace>
+  </inkml:traceGroup>
+</inkml:ink>
+</file>
+
+<file path=ppt/ink/ink2.xml><?xml version="1.0" encoding="utf-8"?>
+<inkml:ink xmlns:inkml="http://www.w3.org/2003/InkML">
+  <inkml:definitions>
+    <inkml:context xml:id="ctx0">
+      <inkml:inkSource xml:id="inkSrc0">
+        <inkml:traceFormat>
+          <inkml:channel name="X" type="integer" max="3840" units="cm"/>
+          <inkml:channel name="Y" type="integer" max="1080" units="cm"/>
+          <inkml:channel name="T" type="integer" max="2.14748E9" units="dev"/>
+        </inkml:traceFormat>
+        <inkml:channelProperties>
+          <inkml:channelProperty channel="X" name="resolution" value="72.86527" units="1/cm"/>
+          <inkml:channelProperty channel="Y" name="resolution" value="36.48649" units="1/cm"/>
+          <inkml:channelProperty channel="T" name="resolution" value="1" units="1/dev"/>
+        </inkml:channelProperties>
+      </inkml:inkSource>
+      <inkml:timestamp xml:id="ts0" timeString="2018-12-06T12:39:51.141"/>
+    </inkml:context>
+    <inkml:brush xml:id="br0">
+      <inkml:brushProperty name="width" value="0.46667" units="cm"/>
+      <inkml:brushProperty name="height" value="0.46667" units="cm"/>
+      <inkml:brushProperty name="color" value="#FFF200"/>
+      <inkml:brushProperty name="fitToCurve" value="1"/>
+    </inkml:brush>
+  </inkml:definitions>
+  <inkml:traceGroup>
+    <inkml:annotationXML>
+      <emma:emma xmlns:emma="http://www.w3.org/2003/04/emma" version="1.0">
+        <emma:interpretation id="{59C68699-4AAB-48FF-9538-D2A0E2E4856A}" emma:medium="tactile" emma:mode="ink">
+          <msink:context xmlns:msink="http://schemas.microsoft.com/ink/2010/main" type="writingRegion" rotatedBoundingBox="12518,2197 19995,801 20178,1778 12700,3175"/>
+        </emma:interpretation>
+      </emma:emma>
+    </inkml:annotationXML>
+    <inkml:traceGroup>
+      <inkml:annotationXML>
+        <emma:emma xmlns:emma="http://www.w3.org/2003/04/emma" version="1.0">
+          <emma:interpretation id="{0B7C03F8-82F7-4213-A7C0-2B556A929EA0}" emma:medium="tactile" emma:mode="ink">
+            <msink:context xmlns:msink="http://schemas.microsoft.com/ink/2010/main" type="paragraph" rotatedBoundingBox="12518,2197 19995,801 20178,1778 12700,3175" alignmentLevel="1"/>
+          </emma:interpretation>
+        </emma:emma>
+      </inkml:annotationXML>
+      <inkml:traceGroup>
+        <inkml:annotationXML>
+          <emma:emma xmlns:emma="http://www.w3.org/2003/04/emma" version="1.0">
+            <emma:interpretation id="{608D61D3-6274-4803-BFDF-33B3341A3A1E}" emma:medium="tactile" emma:mode="ink">
+              <msink:context xmlns:msink="http://schemas.microsoft.com/ink/2010/main" type="line" rotatedBoundingBox="12518,2197 19995,801 20178,1778 12700,3175"/>
+            </emma:interpretation>
+          </emma:emma>
+        </inkml:annotationXML>
+        <inkml:traceGroup>
+          <inkml:annotationXML>
+            <emma:emma xmlns:emma="http://www.w3.org/2003/04/emma" version="1.0">
+              <emma:interpretation id="{E420BE3F-C5FE-4434-B3E8-4C15247FB21D}" emma:medium="tactile" emma:mode="ink">
+                <msink:context xmlns:msink="http://schemas.microsoft.com/ink/2010/main" type="inkWord" rotatedBoundingBox="12518,2197 14371,1851 14552,2819 12699,3165"/>
+              </emma:interpretation>
+              <emma:one-of disjunction-type="recognition" id="oneOf0">
+                <emma:interpretation id="interp0" emma:lang="en-US" emma:confidence="0">
+                  <emma:literal>*</emma:literal>
+                </emma:interpretation>
+                <emma:interpretation id="interp1" emma:lang="en-US" emma:confidence="0">
+                  <emma:literal>}</emma:literal>
+                </emma:interpretation>
+                <emma:interpretation id="interp2" emma:lang="en-US" emma:confidence="0">
+                  <emma:literal>b</emma:literal>
+                </emma:interpretation>
+                <emma:interpretation id="interp3" emma:lang="en-US" emma:confidence="0">
+                  <emma:literal>•</emma:literal>
+                </emma:interpretation>
+                <emma:interpretation id="interp4" emma:lang="en-US" emma:confidence="0">
+                  <emma:literal>3</emma:literal>
+                </emma:interpretation>
+              </emma:one-of>
+            </emma:emma>
+          </inkml:annotationXML>
+          <inkml:trace contextRef="#ctx0" brushRef="#br0">32 0 0,'33'0'79,"-1"0"-48,-32 32-16,33-32-15,-1 0 16,1 0-16,-1 0 16,1 0-16,-33 33 15,33-33-15,-1 0 0,1 0 16,-1 0-16,1 0 0,-1 0 16,1 0-16,0 0 15,-1 0 1,1 0-1,-1 0-15,1 0 16,-1 32-16,1-32 16,-1 0-16,1 0 0,0 0 15,-1 0 1,1 0-16,-1 0 16,1 0-16,-1 0 15,1 0-15,0 0 0,-1 0 16,1 0-16,-1 0 0,1 0 15,-1 0-15,1 0 16,0 0-16,-33 33 16,32-33-16,1 0 15,-1 0-15,1 0 0,-1 0 16,1 0-16,-1 0 16,1 0-16,0 0 15,-1 0-15,1 0 0,-1 0 16,1 0-16,-1 0 0,1 0 0,0 0 15,-1 0 1,1 0 47,-1 0-17,-32 33 111,-32-33-157,32 32 15,-33-32-15,-32 33 16,32-1 0,1-32-16,-1 0 0,1 33 15,-1-33-15,1 32 0,-1-32 16,0 0-16,1 0 0,-1 33 15,1-33-15,-1 0 16,1 0-16,-1 0 16,1 0-16,-1 0 0,0 0 15,-32 0-15,33 0 0,-33 0 16,32 0-16,-32 0 0,32 0 16,1 0-16,-1 0 0,1 0 15,-1 0-15,33-33 16,-33 33-16,1 0 0,-1 0 15,1 0-15,-1 0 0,1 0 16,-33 0-16,32 0 0,-32-32 0,32 32 16,-32 0-16,33 0 0,-34 0 15,34 0-15,-1 0 0,1 0 16,-1 0-16,1 0 16,-1 0-1,1 0 16,64 0 188,-32 32-203,33-32 15,-1 0 63,-32 33-94,33-33 15,-1 32 32,1-32-31,-1 0-16,1 33 16,0-33-16,32 0 0,-33 0 15,1 0-15,-1 0 0,1 33 16,0-33-16,-1 0 31,1 0-15,-1 0-1,1 0-15,-33 32 16,32-32-16,1 0 0,-1 0 16,1 0-16,0 0 0,-1 0 15,1 0-15,-33 33 0,32-33 16,1 0-1,-1 0-15,1 0 16,0 0 0,-1 0-16,1 0 0,-1 0 15,1 0-15,-1 0 16,1 0-16,0 0 0,-1 0 16,1 0-16,-1 0 15,1 0-15,-1 0 16,1 0-1,-1 0 1,1 0-16,0 0 16,-1 0-1,1 0-15,-1 0 32,1 0 14,-1 0-30,-32 32-16,33-32 16,0 0 46,-1 0-46,-32 33 15,33-33 0,-66 0 126,33 32-157,-32-32 15,-1 33-15,0-33 16,1 0-1,32 33-15,-33-33 0,1 0 16,-1 0-16,1 32 16,-1-32-16,0 0 0,-32 0 15,33 0-15,-1 0 16,1 0-16,32 33 16,-33-33-16,1 0 15,-1 0 1,0 0-1,1 0-15,-1 0 16,1 0 0,-1 0-16,1 0 15,-1 0-15,0 0 16,1 0-16,-1 0 16,1 0-1,-1 0-15,1 0 0,-1 0 16,0 0-16,1 0 15,-1 0-15,1 0 16,-1 0-16,1 0 16,-1 0-1,1 0-15,-1 0 16,0 0 0,1 0 15,-1 0 0,1 0 78,-1 0-30,1 0-79,-1 0 15,0 32-15,1-32 0,-1 0 16,1 0 140,64 0-31</inkml:trace>
+        </inkml:traceGroup>
+        <inkml:traceGroup>
+          <inkml:annotationXML>
+            <emma:emma xmlns:emma="http://www.w3.org/2003/04/emma" version="1.0">
+              <emma:interpretation id="{055EE3DC-E768-48EA-9EDD-0CBD71A05AAC}" emma:medium="tactile" emma:mode="ink">
+                <msink:context xmlns:msink="http://schemas.microsoft.com/ink/2010/main" type="inkWord" rotatedBoundingBox="19011,1043 20006,857 20178,1778 19183,1964"/>
+              </emma:interpretation>
+              <emma:one-of disjunction-type="recognition" id="oneOf1">
+                <emma:interpretation id="interp5" emma:lang="en-US" emma:confidence="0">
+                  <emma:literal>3</emma:literal>
+                </emma:interpretation>
+                <emma:interpretation id="interp6" emma:lang="en-US" emma:confidence="0">
+                  <emma:literal>z</emma:literal>
+                </emma:interpretation>
+                <emma:interpretation id="interp7" emma:lang="en-US" emma:confidence="0">
+                  <emma:literal>}</emma:literal>
+                </emma:interpretation>
+                <emma:interpretation id="interp8" emma:lang="en-US" emma:confidence="0">
+                  <emma:literal>Z</emma:literal>
+                </emma:interpretation>
+                <emma:interpretation id="interp9" emma:lang="en-US" emma:confidence="0">
+                  <emma:literal>8</emma:literal>
+                </emma:interpretation>
+              </emma:one-of>
+            </emma:emma>
+          </inkml:annotationXML>
+          <inkml:trace contextRef="#ctx0" brushRef="#br0" timeOffset="4075.2827">6447-1107 0,'0'-33'32,"33"33"61,-33 33-77,32-33 15,1 0 16,-1 0-31,1 0-1,0 0 1,-1 0 0,1 0-1,-1 0 1,1 0-16,-1 0 16,1 0-1,0 0-15,-1 0 16,1 0-1,-1 0 1,1 0 0,-1 0-1,1 0-15,-1 0 16,1 0 15,0 0 32,-1 0-1,1 32-46,-1-32-1,1 0 1,-1 0 15,1 0-15,0 33-16,-1-33 16,1 0-16,-1 0 15,-64 0 173,32 32-188,0 1 15,-33-33 1,33 32-16,-32-32 16,32 33-16,-33-33 15,0 0-15,1 32 16,-1-32-1,1 0-15,32 33 16,-33-33 15,1 0 16,-1 0-31,0 0-1,1 0 1,-1 0-16,1 0 16,-1 0-16,1 0 15,-1 0 1,1 0 0,-1 0-1,0 0-15,1 0 16,-1 0-1,1 0 1,32 33-16,-33-33 16,1 0 15,-1 0 78,33 32-93,0 1 109,33-33-109,-1 32-1,1-32 1,-33 33-16,32-33 15,1 0 1,-33 32-16,32-32 16,1 0-16,0 0 15,32 33 1,-33-33 0,1 0-16,-1 0 15,1 0 16,-1 0-31,1 0 16,0 0 0,-1 0-16,1 0 0,-1 0 15,1 0 17,-1 0-17,1 0 1,0 0-1,-1 0-15,1 0 47,-1 33-15,1-33-32,-33 32 328,-33 1-281,33-1-16,-32-32-31,32 33 15,-33-33-15,33 32 16,-32-32-16,32 33 16,-33-33-16,0 0 47,33 32-47,-32-32 15,-1 0-15,1 0 16,-1 33-16,1-33 15,-1 0 1,0 0 15,1 0 1,-1 0-32,1 0 15,-1 33 1,1-33-1,-1 0 32,1 0-15,64 0 171,1 0-125</inkml:trace>
+        </inkml:traceGroup>
+      </inkml:traceGroup>
+    </inkml:traceGroup>
+  </inkml:traceGroup>
+</inkml:ink>
+</file>
+
+<file path=ppt/ink/ink3.xml><?xml version="1.0" encoding="utf-8"?>
+<inkml:ink xmlns:inkml="http://www.w3.org/2003/InkML">
+  <inkml:definitions>
+    <inkml:context xml:id="ctx0">
+      <inkml:inkSource xml:id="inkSrc0">
+        <inkml:traceFormat>
+          <inkml:channel name="X" type="integer" max="3840" units="cm"/>
+          <inkml:channel name="Y" type="integer" max="1080" units="cm"/>
+          <inkml:channel name="T" type="integer" max="2.14748E9" units="dev"/>
+        </inkml:traceFormat>
+        <inkml:channelProperties>
+          <inkml:channelProperty channel="X" name="resolution" value="72.86527" units="1/cm"/>
+          <inkml:channelProperty channel="Y" name="resolution" value="36.48649" units="1/cm"/>
+          <inkml:channelProperty channel="T" name="resolution" value="1" units="1/dev"/>
+        </inkml:channelProperties>
+      </inkml:inkSource>
+      <inkml:timestamp xml:id="ts0" timeString="2018-12-06T12:40:00.532"/>
+    </inkml:context>
+    <inkml:brush xml:id="br0">
+      <inkml:brushProperty name="width" value="0.46667" units="cm"/>
+      <inkml:brushProperty name="height" value="0.46667" units="cm"/>
+      <inkml:brushProperty name="color" value="#FFF200"/>
+      <inkml:brushProperty name="fitToCurve" value="1"/>
+    </inkml:brush>
+  </inkml:definitions>
+  <inkml:traceGroup>
+    <inkml:annotationXML>
+      <emma:emma xmlns:emma="http://www.w3.org/2003/04/emma" version="1.0">
+        <emma:interpretation id="{9E4E97D9-36C9-46D9-9459-64728F21A36C}" emma:medium="tactile" emma:mode="ink">
+          <msink:context xmlns:msink="http://schemas.microsoft.com/ink/2010/main" type="writingRegion" rotatedBoundingBox="14522,11394 16604,11290 16633,11861 14551,11965"/>
+        </emma:interpretation>
+      </emma:emma>
+    </inkml:annotationXML>
+    <inkml:traceGroup>
+      <inkml:annotationXML>
+        <emma:emma xmlns:emma="http://www.w3.org/2003/04/emma" version="1.0">
+          <emma:interpretation id="{D5EE163A-8F8E-40A3-8959-4B074FE014EA}" emma:medium="tactile" emma:mode="ink">
+            <msink:context xmlns:msink="http://schemas.microsoft.com/ink/2010/main" type="paragraph" rotatedBoundingBox="14522,11394 16604,11290 16633,11861 14551,11965" alignmentLevel="1"/>
+          </emma:interpretation>
+        </emma:emma>
+      </inkml:annotationXML>
+      <inkml:traceGroup>
+        <inkml:annotationXML>
+          <emma:emma xmlns:emma="http://www.w3.org/2003/04/emma" version="1.0">
+            <emma:interpretation id="{A0759BED-43EE-442A-BF1F-87CB74213561}" emma:medium="tactile" emma:mode="ink">
+              <msink:context xmlns:msink="http://schemas.microsoft.com/ink/2010/main" type="line" rotatedBoundingBox="14522,11394 16604,11290 16633,11861 14551,11965"/>
+            </emma:interpretation>
+          </emma:emma>
+        </inkml:annotationXML>
+        <inkml:traceGroup>
+          <inkml:annotationXML>
+            <emma:emma xmlns:emma="http://www.w3.org/2003/04/emma" version="1.0">
+              <emma:interpretation id="{B29DFBD9-948D-4FDE-A732-4D4B3AFC694E}" emma:medium="tactile" emma:mode="ink">
+                <msink:context xmlns:msink="http://schemas.microsoft.com/ink/2010/main" type="inkWord" rotatedBoundingBox="14522,11394 16604,11290 16633,11861 14551,11965"/>
+              </emma:interpretation>
+              <emma:one-of disjunction-type="recognition" id="oneOf0">
+                <emma:interpretation id="interp0" emma:lang="en-US" emma:confidence="0">
+                  <emma:literal>•</emma:literal>
+                </emma:interpretation>
+                <emma:interpretation id="interp1" emma:lang="en-US" emma:confidence="0">
+                  <emma:literal>*</emma:literal>
+                </emma:interpretation>
+                <emma:interpretation id="interp2" emma:lang="en-US" emma:confidence="0">
+                  <emma:literal>.</emma:literal>
+                </emma:interpretation>
+                <emma:interpretation id="interp3" emma:lang="en-US" emma:confidence="0">
+                  <emma:literal>£</emma:literal>
+                </emma:interpretation>
+                <emma:interpretation id="interp4" emma:lang="en-US" emma:confidence="0">
+                  <emma:literal>€</emma:literal>
+                </emma:interpretation>
+              </emma:one-of>
+            </emma:emma>
+          </inkml:annotationXML>
+          <inkml:trace contextRef="#ctx0" brushRef="#br0">0 100 0,'33'0'156,"-1"0"-140,1 0-1,0 0-15,-1 0 16,1 0-16,-1 0 16,1 0-16,-1 0 0,1 0 15,0 0-15,-1 33 0,1-33 16,-1 0-16,1 0 0,32 0 16,-32 0-16,64-33 15,-32 33-15,-32 0 0,97 0 16,-65 0-16,-32-32 0,32 32 15,-32 0-15,32 0 0,0 0 16,-33 0-16,33 0 0,-32 0 16,0 0-16,-1 0 15,1 0-15,-1 0 16,1 0-16,-1 0 16,1 0-16,0 0 15,32-33-15,-33 33 0,1 0 16,-1 0-16,1 0 0,0 0 15,-1 0-15,-32-32 16,33 32-16,-1 0 16,1 0-1,-1 0 1,1 0 31,-33 32 31,32-32-47,-32 33-31,-32-1 31,-1-32-15,33 33-16,-32-33 16,-1 32-1,1-32-15,-1 0 16,1 0 0,-1 0-1,0 0-15,1 0 16,-1 0-16,1 0 0,-1 0 15,1 0-15,-1 0 16,0 0-16,1 0 0,-1 0 16,1 0-1,-1 0-15,33-32 0,-32 32 0,-1 0 16,0 0-16,1 0 16,-1 0-16,1 0 15,-1 0-15,1 0 16,-1 0-16,1 0 0,-1 0 15,0 0-15,1 0 0,-1 0 16,1 0-16,-1 0 0,-32 0 16,32 0-16,1 0 0,-33 0 0,32 0 15,1 0-15,-1 0 0,1 0 16,-1 0-16,0 0 16,1 0-1,-1 0 1,1 0-1,-1 0-15,1 0 16,-1 0-16,0 0 16,1 0-16,-1 0 15,1 0-15,-1 0 0,1 0 16,-1 0-16,0 0 16,1 32 109,64 1 31,1 0-141,0-33 1,-1 32-16,1-32 16,-1 0-1,1 0 1,-1 0-16,1 0 16,0 0-16,32 0 15,-33 0-15,1 0 0,32 33 16,0-33-16,0 0 0,0 0 15,-32 0-15,32 0 0,-32 0 16,-1 0-16,33 0 0,-32 0 16,-1 0-16,1 0 0,0 0 15,-1 0-15,1 0 16,-1 0-16,33 0 16,-32-33-16,-1 33 0,1 0 15,0 0-15,-1 0 0,1 0 16,-1 0-1,-32-32-15,33 32 16,-1 0 0,1 0-1,0 0 48,-1 0-48,1 0 1,-1 0 15,-32 32-31,33-32 16,-1 0 0,1 0-16,0 33 15,-1-33-15,1 0 0,-1 32 16,1-32-16,-1 0 15,-32 33 95,0-1-16,-32-32-94,32 33 15,-33-33-15,1 0 16,32 33-1,-33-33-15,1 0 16,-1 32-16,0-32 16,1 0-16,-1 0 15,1 0 1,-1 0-16,1 0 16,-1 0-16,0 0 15,1 0-15,-1 0 0,1 0 16,-1 0-1,1 0 1,-1 0 0,0 0-16,1 0 0,-1 0 0,1 0 15,-1-32-15,1 32 0,-1 0 16,1 0-16,-1 0 31,0 0 0,1 0 1,-1 0-17,1 0-15,-1 0 16,1 0-16,-1 0 0,0 32 16,1-32-16,-1 0 15,1 0 1,-1 0-1,1 0-15,-1 0 16,1 0 0,-1 0-16,0 0 0,1 0 15,-1 0-15,1 0 0,-1 33 0,1-33 16,-1 0-16,0 0 0,1 0 16,-1 0-1,66 32 235,-1-32-234,1 0-1,0 33 1,-1-33-16,1 0 16,-1 0-16,1 0 15,-1 0-15,-32 32 16,33-32-16,0 0 16,-1 0-1,1 0-15,-1 0 16,1 0-1,-1 0-15,1 0 16,-1 0 0,1 0-1,0 0 1,-1 0-16,1 0 16,-1 0-1,1-32-15,-1 32 16,1 0-16,0 0 15,-1 0 1,1 0 0,-1 0-1,1 0 1</inkml:trace>
+        </inkml:traceGroup>
+      </inkml:traceGroup>
+    </inkml:traceGroup>
+  </inkml:traceGroup>
+</inkml:ink>
+</file>
+
+<file path=ppt/ink/ink4.xml><?xml version="1.0" encoding="utf-8"?>
+<inkml:ink xmlns:inkml="http://www.w3.org/2003/InkML">
+  <inkml:definitions>
+    <inkml:context xml:id="ctx0">
+      <inkml:inkSource xml:id="inkSrc0">
+        <inkml:traceFormat>
+          <inkml:channel name="X" type="integer" max="3840" units="cm"/>
+          <inkml:channel name="Y" type="integer" max="1080" units="cm"/>
+          <inkml:channel name="T" type="integer" max="2.14748E9" units="dev"/>
+        </inkml:traceFormat>
+        <inkml:channelProperties>
+          <inkml:channelProperty channel="X" name="resolution" value="72.86527" units="1/cm"/>
+          <inkml:channelProperty channel="Y" name="resolution" value="36.48649" units="1/cm"/>
+          <inkml:channelProperty channel="T" name="resolution" value="1" units="1/dev"/>
+        </inkml:channelProperties>
+      </inkml:inkSource>
+      <inkml:timestamp xml:id="ts0" timeString="2018-12-06T12:41:24.820"/>
+    </inkml:context>
+    <inkml:brush xml:id="br0">
+      <inkml:brushProperty name="width" value="0.46667" units="cm"/>
+      <inkml:brushProperty name="height" value="0.46667" units="cm"/>
+      <inkml:brushProperty name="color" value="#FFF200"/>
+      <inkml:brushProperty name="fitToCurve" value="1"/>
+    </inkml:brush>
+  </inkml:definitions>
+  <inkml:traceGroup>
+    <inkml:annotationXML>
+      <emma:emma xmlns:emma="http://www.w3.org/2003/04/emma" version="1.0">
+        <emma:interpretation id="{B98AAB5B-9A1F-4BDF-9141-7D9BA561E962}" emma:medium="tactile" emma:mode="ink">
+          <msink:context xmlns:msink="http://schemas.microsoft.com/ink/2010/main" type="inkDrawing" rotatedBoundingBox="9540,11306 13936,11285 13939,11914 9543,11934" shapeName="Other"/>
+        </emma:interpretation>
+      </emma:emma>
+    </inkml:annotationXML>
+    <inkml:trace contextRef="#ctx0" brushRef="#br0">0 97 0,'33'0'187,"-1"0"-140,1 0-31,-1 0-16,1 0 15,-1 0-15,1 0 16,0 0-16,-1 0 16,1 0-16,32 0 0,-33 0 15,66 0-15,-33 0 16,-32 0-16,32 0 0,-33-33 16,1 33-16,0 0 0,32 0 0,-33 0 15,1 0-15,-1 0 0,1 0 16,0 0-16,-1 0 0,1 0 15,32 0-15,-33 0 0,1 0 16,-1 0-16,1 0 0,0 0 16,-1-32-16,1 32 15,-1 0-15,1 0 16,-1 0-16,1 0 0,0 0 0,-1 0 16,1 0-16,32 0 0,-33 0 15,1 0-15,0 0 0,32 0 16,-33 0-16,1 0 0,-1 0 15,1 0-15,-1 0 0,1 0 16,0 0-16,-1 0 0,1 0 16,-1 0-16,1 0 0,-1 0 15,1 0-15,32 0 0,-32 0 16,-1 0-16,1 0 0,32 0 0,0 0 16,-32 0-16,32 0 0,0 0 15,-33 0-15,34 0 0,-1 0 16,-33 0-16,33 0 0,-32 32 15,32-32-15,-32 0 0,32 0 16,0 0-16,-33 0 0,1 0 16,32 0-16,-32 0 0,-1 0 15,1 0-15,-1 0 16,1 0-16,0 0 16,-1 0-16,1 0 15,-1 0-15,1 0 0,-1 0 16,1 0-16,-1 0 0,1 0 15,0 0-15,-1 0 0,-32 33 16,33-33-16,-1 0 94,1 0-79,-1 0 1,1 0 15,0 0-15,-1 0 0,1 0-1,-1 32 1,1-32-16,-1 0 15,1 0 1,0 0 0,-1 0-1,1 0 1,-1 0 62,-32 33 219,0-1-141,-32-32-156,-1 0 31,1 0 32,-1 0-47,0 0 15,1 0 16,-1 0-32,1 0 1,-1 0 15,33 33-15,-32-33-16,-1 0 15,0 0 1,1 0-16,-1 0 16,1 0-1,-1 0 1,1 0-16,-1 0 16,0 0-16,1 0 0,-1 0 15,1 0-15,-1 0 16,1 0-1,-1 0-15,1 0 32,-1 0-1,0 0-15,1 0-16,-1 0 15,1 0-15,-1 0 0,1 0 0,-1 0 16,0 0-16,1 0 15,-1 0 1,33 33-16,-32-33 16,-1 0-1,1 0-15,-1 0 16,1 0-16,-1 0 16,0 0-1,1 0-15,-1 0 16,1 0-16,-1 0 15,1 0 1,-1 0-16,0 0 16,1 0-16,-1 0 15,1 0-15,-1 0 16,1 0 0,-1 0-1,0 32-15,1-32 16,-1 0-16,1 0 0,-1 0 15,1 0-15,-1 0 0,1 0 16,-1 0-16,0 0 16,1 0-16,-1 0 15,1 0-15,-1 0 0,1 0 16,-1 0-16,0 0 16,1 0-16,-1 0 0,1 0 0,-33 0 15,32 0-15,1 0 0,-1 0 16,0 0-16,1 0 0,-1 0 15,1 0 1,-1 0-16,1 0 16,-1 0-16,0 0 15,1 0-15,-1 0 16,1 0-16,-1 0 0,1 0 16,-1 0-16,-32 0 0,0 0 15,32 0-15,1 0 16,-1 0-16,1 0 15,-1 0-15,0 0 16,1 0-16,-1 0 16,1 0-1,-1 0 1,1 0-16,-1 0 16,0 0-16,1 0 15,-1 0-15,1 0 16,-1 0-1,1 0 32,-1 0-31,1 0-16,-1 0 16,0 0-16,1 0 15,-1 0-15,1 0 0,-1 0 16,1 0-16,-1 0 15,0 0 1,1 0-16,-1 0 16,33 33 296,0-1-156,0 1-31,0-1-93,0 1-17,0 0 1,0-1 218,33-32-234,-1 0 16,1 0 0,0 0-16,-1 0 15,1 0-15,-1 0 16,1 0-16,-1 33 15,1-33-15,0 0 0,-1 0 16,1 0-16,-1 0 0,1 0 16,-1 32-16,1-32 15,-1 0-15,1 0 0,0 0 16,-1 0-16,1 0 0,-1 0 16,1 0-16,-1 0 15,1 33-15,0-33 16,-1 0-16,1 0 31,-1 0-15,1 0-1,-1 0-15,1 0 16,-1 0-16,1 0 16,0 0-1,-1 0-15,1 0 16,-1 0-1,1 0 1,-1 0-16,1 0 0,0 0 16,-1 0-16,1 0 0,32 0 15,-33 0-15,1 0 16,0 0-16,-1 0 16,1 0-1,-1 0 16,1 0-31,-1 0 16,33 0-16,-32 0 16,0 0-16,-1 0 0,1 0 15,-1 0-15,1 0 16,32 0-16,-32 0 16,-1 0-16,1 0 15,32 32-15,-33-32 0,33 0 0,1 0 0,-1 0 16,0 0-16,0 0 0,0 0 15,-32 0-15,32 0 0,-33 0 16,34 0-16,-34 0 0,33 0 16,-32 0-16,-1 0 15,1 0 1,-1 0 31,1 0-32,0 0 32,-1 0-15,1 0-32,-1 0 15,1 0-15,-1 0 0,1 0 16,32 0-16,-32 0 0,-1 0 15,1 0-15,-1 0 0,1-32 16,-1 32-16,1 0 16,0 0-16,-1 0 15,1 0-15,-1 0 0,1 0 16,-1 0-16,1 0 0,0 0 16,-1 0-16,1 0 15,-1 0 1,1 0 203,-1 0-157,1 0-46,-33-33-16,33 33 31,-1 0 203,1 0-218,-1 0 15</inkml:trace>
+  </inkml:traceGroup>
+</inkml:ink>
+</file>
+
+<file path=ppt/ink/ink5.xml><?xml version="1.0" encoding="utf-8"?>
+<inkml:ink xmlns:inkml="http://www.w3.org/2003/InkML">
+  <inkml:definitions>
+    <inkml:context xml:id="ctx0">
+      <inkml:inkSource xml:id="inkSrc0">
+        <inkml:traceFormat>
+          <inkml:channel name="X" type="integer" max="3840" units="cm"/>
+          <inkml:channel name="Y" type="integer" max="1080" units="cm"/>
+          <inkml:channel name="T" type="integer" max="2.14748E9" units="dev"/>
+        </inkml:traceFormat>
+        <inkml:channelProperties>
+          <inkml:channelProperty channel="X" name="resolution" value="72.86527" units="1/cm"/>
+          <inkml:channelProperty channel="Y" name="resolution" value="36.48649" units="1/cm"/>
+          <inkml:channelProperty channel="T" name="resolution" value="1" units="1/dev"/>
+        </inkml:channelProperties>
+      </inkml:inkSource>
+      <inkml:timestamp xml:id="ts0" timeString="2018-12-06T12:41:33.295"/>
+    </inkml:context>
+    <inkml:brush xml:id="br0">
+      <inkml:brushProperty name="width" value="0.46667" units="cm"/>
+      <inkml:brushProperty name="height" value="0.46667" units="cm"/>
+      <inkml:brushProperty name="color" value="#FFF200"/>
+      <inkml:brushProperty name="fitToCurve" value="1"/>
+    </inkml:brush>
+  </inkml:definitions>
+  <inkml:traceGroup>
+    <inkml:annotationXML>
+      <emma:emma xmlns:emma="http://www.w3.org/2003/04/emma" version="1.0">
+        <emma:interpretation id="{343253B1-FEA9-4F93-B8DD-9012991567D8}" emma:medium="tactile" emma:mode="ink">
+          <msink:context xmlns:msink="http://schemas.microsoft.com/ink/2010/main" type="writingRegion" rotatedBoundingBox="4070,4134 6680,4198 6662,4930 4052,4867"/>
+        </emma:interpretation>
+      </emma:emma>
+    </inkml:annotationXML>
+    <inkml:traceGroup>
+      <inkml:annotationXML>
+        <emma:emma xmlns:emma="http://www.w3.org/2003/04/emma" version="1.0">
+          <emma:interpretation id="{9DF5C0D3-742A-49DC-9E12-90A0005F8919}" emma:medium="tactile" emma:mode="ink">
+            <msink:context xmlns:msink="http://schemas.microsoft.com/ink/2010/main" type="paragraph" rotatedBoundingBox="4070,4134 6680,4198 6662,4930 4052,4867" alignmentLevel="1"/>
+          </emma:interpretation>
+        </emma:emma>
+      </inkml:annotationXML>
+      <inkml:traceGroup>
+        <inkml:annotationXML>
+          <emma:emma xmlns:emma="http://www.w3.org/2003/04/emma" version="1.0">
+            <emma:interpretation id="{362DB39A-732E-4154-B113-D636915FC450}" emma:medium="tactile" emma:mode="ink">
+              <msink:context xmlns:msink="http://schemas.microsoft.com/ink/2010/main" type="line" rotatedBoundingBox="4070,4134 6680,4198 6662,4930 4052,4867"/>
+            </emma:interpretation>
+          </emma:emma>
+        </inkml:annotationXML>
+        <inkml:traceGroup>
+          <inkml:annotationXML>
+            <emma:emma xmlns:emma="http://www.w3.org/2003/04/emma" version="1.0">
+              <emma:interpretation id="{863F65A4-ABBA-4FEA-BFF5-41D3CB5D7F6C}" emma:medium="tactile" emma:mode="ink">
+                <msink:context xmlns:msink="http://schemas.microsoft.com/ink/2010/main" type="inkWord" rotatedBoundingBox="4070,4134 6680,4198 6662,4930 4052,4867"/>
+              </emma:interpretation>
+              <emma:one-of disjunction-type="recognition" id="oneOf0">
+                <emma:interpretation id="interp0" emma:lang="en-US" emma:confidence="1">
+                  <emma:literal>a</emma:literal>
+                </emma:interpretation>
+                <emma:interpretation id="interp1" emma:lang="en-US" emma:confidence="0">
+                  <emma:literal>5</emma:literal>
+                </emma:interpretation>
+                <emma:interpretation id="interp2" emma:lang="en-US" emma:confidence="0">
+                  <emma:literal>3</emma:literal>
+                </emma:interpretation>
+                <emma:interpretation id="interp3" emma:lang="en-US" emma:confidence="0">
+                  <emma:literal>s</emma:literal>
+                </emma:interpretation>
+                <emma:interpretation id="interp4" emma:lang="en-US" emma:confidence="0">
+                  <emma:literal>S</emma:literal>
+                </emma:interpretation>
+              </emma:one-of>
+            </emma:emma>
+          </inkml:annotationXML>
+          <inkml:trace contextRef="#ctx0" brushRef="#br0">0 0 0,'33'0'78,"-1"0"-47,-32 32-31,33-32 16,0 33 0,-1-33-16,1 0 15,-33 32-15,32-32 16,1 0-16,-1 33 0,1-33 15,-1 0-15,1 0 16,0 0-16,-1 0 0,-32 32 16,33-32-16,-1 0 0,1 0 15,-1 0-15,1 0 16,0 0 0,-1 0-1,-32 33 1,33-33-16,-1 0 15,1 0-15,-1 0 16,1 0 0,0 0-16,-33 32 15,32-32-15,1 0 16,-1 0-16,1 0 0,-1 0 16,1 0-16,-1 0 15,1 0 1,0 0-16,-1 0 0,1 0 0,-1 0 15,1 0-15,-1 0 0,1 0 16,32 0-16,-32 0 0,-1 0 16,1 0-16,-1 0 0,1 0 15,-1 0-15,1 0 0,0 0 16,-1 0-16,1 0 0,-1 0 16,1 0-1,-1 0-15,1 0 0,0 0 0,-1 0 16,1 0-16,-1 0 0,1 0 15,-1 0-15,1 0 0,0 0 16,-1 0 0,1 0-1,-1 0 1,1 0-16,-1 0 16,1 0-16,-1 33 0,1-33 15,0 0-15,-1 0 0,1 0 0,-1 0 16,1 0 15,-1 0-15,-32 33 202,-32-33-186,32 32-17,-33-32 32,33 33-31,-32-33-1,-1 0 17,1 0-17,-1 0 32,0 0-31,1 0-16,-1 0 15,1 0-15,-1 0 47,1 0-15,-1 0-17,1 0-15,-1 0 0,0 0 16,1 0-1,-1 0-15,1 0 16,-1 0 0,1 0-16,-1 0 15,0-33-15,1 33 16,-1 0-16,1 0 16,-1 0-1,1 0-15,-1 0 16,0 0-16,1 0 15,-1 0-15,1 0 16,-1 0 0,1 0-1,-1 0 32,1 0-31,-1 0-16,0 0 15,1 0-15,-1 0 16,1 0-16,-1 0 16,1 0-1,-1 0 1,0-32 15,1 32-31,-1 0 16,1 0-16,-1 0 15,1 0-15,-1 0 16,1 0-16,-1 0 0,0 0 16,1 0-16,-1 0 15,1 0 1,-1 0-16,1 0 16,-1 0-16,0 0 15,1 0-15,-1 0 0,1-33 0,-1 33 16,1 0-16,-1 0 0,0 0 15,33 33 48,-32-33-47,-1 0 15,1 0 31,-1 0-46,1 32 0,-1-32-16,1 0 0,-1 0 0,0 0 15,1 33-15,-1-33 16,33 32 203,33-32-219,-33 33 0,32-1 15,1 1-15,-33 0 16,33-33-16,-33 32 15,32-32-15,-32 33 16,33-33-16,-1 32 16,1 1-1,-1-33-15,1 0 16,-1 32-16,1-32 16,0 0-16,-1 0 0,1 0 15,-33 33-15,32-33 16,1 0-16,-1 0 15,1 0 1,0 0-16,-1 0 16,1 33-1,-1-33-15,1 0 16,-1 0-16,1 0 0,0 0 16,-1-33-16,1 33 0,-1 0 0,1 0 15,-1 0-15,1 0 16,-1 0-16,1 0 15,0 0-15,-1 0 16,1 0-16,-1 0 16,-32-33-1,33 33 1,-1 0 0,1 0-16,0 0 15,-1 0 1,1 0-16,-1 0 15,1 0 1,-1 0 0,-32-32-16,33 32 15,-1 0-15,1 0 16,0 0-16,-1 0 16,1 0-1,-1-33 1,1 33-1,-1 0-15,1 0 16,0 0-16,-1 0 16,1 0-1,-1 0 1,1 0-16,-1 0 16,1 0-16,0 0 15,-33-32 1,32 32-16,1 0 15,-1 0-15,1 0 16,-1 0 0,1 0-16,-1 0 15,1-33 1,0 33 15,-1 0 0,1 0-31,-1 0 32</inkml:trace>
+        </inkml:traceGroup>
+      </inkml:traceGroup>
+    </inkml:traceGroup>
+  </inkml:traceGroup>
+</inkml:ink>
+</file>
+
+<file path=ppt/ink/ink6.xml><?xml version="1.0" encoding="utf-8"?>
+<inkml:ink xmlns:inkml="http://www.w3.org/2003/InkML">
+  <inkml:definitions>
+    <inkml:context xml:id="ctx0">
+      <inkml:inkSource xml:id="inkSrc0">
+        <inkml:traceFormat>
+          <inkml:channel name="X" type="integer" max="3840" units="cm"/>
+          <inkml:channel name="Y" type="integer" max="1080" units="cm"/>
+          <inkml:channel name="T" type="integer" max="2.14748E9" units="dev"/>
+        </inkml:traceFormat>
+        <inkml:channelProperties>
+          <inkml:channelProperty channel="X" name="resolution" value="72.86527" units="1/cm"/>
+          <inkml:channelProperty channel="Y" name="resolution" value="36.48649" units="1/cm"/>
+          <inkml:channelProperty channel="T" name="resolution" value="1" units="1/dev"/>
+        </inkml:channelProperties>
+      </inkml:inkSource>
+      <inkml:timestamp xml:id="ts0" timeString="2018-12-06T12:43:21.093"/>
+    </inkml:context>
+    <inkml:brush xml:id="br0">
+      <inkml:brushProperty name="width" value="0.46667" units="cm"/>
+      <inkml:brushProperty name="height" value="0.46667" units="cm"/>
+      <inkml:brushProperty name="color" value="#FFF200"/>
+      <inkml:brushProperty name="fitToCurve" value="1"/>
+    </inkml:brush>
+  </inkml:definitions>
+  <inkml:traceGroup>
+    <inkml:annotationXML>
+      <emma:emma xmlns:emma="http://www.w3.org/2003/04/emma" version="1.0">
+        <emma:interpretation id="{CAB98A92-6557-4D74-820F-E1E2BD553702}" emma:medium="tactile" emma:mode="ink">
+          <msink:context xmlns:msink="http://schemas.microsoft.com/ink/2010/main" type="writingRegion" rotatedBoundingBox="6773,12753 9671,12765 9668,13491 6770,13479"/>
+        </emma:interpretation>
+      </emma:emma>
+    </inkml:annotationXML>
+    <inkml:traceGroup>
+      <inkml:annotationXML>
+        <emma:emma xmlns:emma="http://www.w3.org/2003/04/emma" version="1.0">
+          <emma:interpretation id="{DA6E1F59-77E8-4814-8E6B-578A45CF158D}" emma:medium="tactile" emma:mode="ink">
+            <msink:context xmlns:msink="http://schemas.microsoft.com/ink/2010/main" type="paragraph" rotatedBoundingBox="6773,12753 9671,12765 9668,13491 6770,13479" alignmentLevel="1"/>
+          </emma:interpretation>
+        </emma:emma>
+      </inkml:annotationXML>
+      <inkml:traceGroup>
+        <inkml:annotationXML>
+          <emma:emma xmlns:emma="http://www.w3.org/2003/04/emma" version="1.0">
+            <emma:interpretation id="{5635F74B-6E9B-48E8-9D58-69FA647C8D96}" emma:medium="tactile" emma:mode="ink">
+              <msink:context xmlns:msink="http://schemas.microsoft.com/ink/2010/main" type="line" rotatedBoundingBox="6773,12753 9671,12765 9668,13491 6770,13479"/>
+            </emma:interpretation>
+          </emma:emma>
+        </inkml:annotationXML>
+        <inkml:traceGroup>
+          <inkml:annotationXML>
+            <emma:emma xmlns:emma="http://www.w3.org/2003/04/emma" version="1.0">
+              <emma:interpretation id="{4A25BE4F-B3D2-4AE9-9D31-80883A99E94C}" emma:medium="tactile" emma:mode="ink">
+                <msink:context xmlns:msink="http://schemas.microsoft.com/ink/2010/main" type="inkWord" rotatedBoundingBox="6773,12753 9671,12765 9668,13491 6770,13479"/>
+              </emma:interpretation>
+              <emma:one-of disjunction-type="recognition" id="oneOf0">
+                <emma:interpretation id="interp0" emma:lang="en-US" emma:confidence="0">
+                  <emma:literal>•</emma:literal>
+                </emma:interpretation>
+                <emma:interpretation id="interp1" emma:lang="en-US" emma:confidence="0">
+                  <emma:literal>*</emma:literal>
+                </emma:interpretation>
+                <emma:interpretation id="interp2" emma:lang="en-US" emma:confidence="0">
+                  <emma:literal>b</emma:literal>
+                </emma:interpretation>
+                <emma:interpretation id="interp3" emma:lang="en-US" emma:confidence="0">
+                  <emma:literal>e</emma:literal>
+                </emma:interpretation>
+                <emma:interpretation id="interp4" emma:lang="en-US" emma:confidence="0">
+                  <emma:literal>.</emma:literal>
+                </emma:interpretation>
+              </emma:one-of>
+            </emma:emma>
+          </inkml:annotationXML>
+          <inkml:trace contextRef="#ctx0" brushRef="#br0">0 76 0,'33'0'187,"-1"0"-124,1 0-47,-1 0 15,1 0-16,-1 0 1,1 0-16,0 0 16,-1 0-16,1 0 0,-1 0 15,33 0-15,-32 0 0,0 0 16,-1 0-16,1 0 0,-1 0 16,1 0-16,-1 0 0,1 0 15,0 0-15,-1 0 0,1 0 16,-1 0-16,1 0 0,-1 0 15,1 0-15,-1 0 0,1 0 16,32 0-16,-32 0 0,-1 0 16,1-33-16,-1 33 0,1 0 15,0 0-15,-1 0 0,1 0 16,-1 0 0,1 0-16,-1 0 62,1 0-46,-1 0-16,1 0 15,0 0-15,-1 0 0,1 0 16,-1 0-16,1 0 16,-1 0-16,1 0 15,0 0-15,-1 0 16,1 0-16,-1 0 0,1 0 15,-1 0-15,1 0 0,0 0 16,-1 0-16,1 0 0,-1 0 16,1 0-16,-1 0 15,1 0 1,-1 0-16,1 0 16,0 0-16,-1 0 15,1 0-15,-1 0 16,1 0-16,-1 0 0,1 0 15,0 0-15,-1 0 16,1 0 0,-1 0-1,1 0 1,-1 0 0,1 0-16,-1 33 15,1-33 1,0 0-1,-1 0 32,1 0-31,-1 0 140,-32 32-140,0 1 109,0-1-94,0 1 0,-32-33-15,-1 0 31,1 32-32,-1-32 1,0 0-16,1 0 31,-1 0-15,1 0 0,-1 0-16,1 0 15,-1 0 1,1 0-16,-1 0 15,0 0 1,1 0 0,-1 0-16,1 0 15,-1 0-15,1-32 16,-1 32-16,0 0 0,1 0 16,-1 0-1,1 0 1,-1 0-16,1 0 15,-1 0-15,1 0 0,-1 0 16,0 0-16,1 0 0,-1 0 16,1 0-16,-1 0 0,33-33 15,-32 33-15,-1 0 16,0 0 0,1 0-16,-1 0 15,1 0-15,-1 0 16,1 0-16,32-32 0,-33 32 15,0 0-15,1 0 16,-1 0 0,1 0-16,-1 0 15,1 0 1,-1 0 0,1 0-1,-1 0 1,0 0-1,1 0-15,-1 0 16,1 0-16,-1 0 16,1 0-16,-1 0 0,0-33 15,1 33-15,-1 0 0,1 0 16,-1 0-16,1 0 0,-1 0 0,1 0 16,-1 0-16,0 0 0,1-32 15,-1 32-15,1 0 16,-1 0 31,1 0-16,-1 0-15,0 0-1,1 32 79,-1-32-32,33 33-30,-32-33-1,32 32-31,-33 1 16,33-1 15,-32-32-16,32 33 17,32-33 233,-32 33-265,33-33 16,-1 0-16,-32 32 0,33-32 16,-1 0-1,-32 33-15,33-33 0,0 0 16,-1 0-1,-32 32 1,33-32 0,-1 0-1,1 0 1,-33 33-16,32-33 0,1 0 16,0 0-16,32 32 0,-33-32 0,33 0 15,0 0-15,-32 0 0,32 0 16,-32 0-16,32 0 0,-33 33 15,34-33-15,-34 0 0,1 0 16,32 0-16,-33 0 0,1 0 16,-1 0-16,1 0 0,0 0 15,-1 0-15,1 0 0,-1 0 16,1 0-16,-1 0 0,1 0 0,0 0 16,-1 0-16,1 0 15,-1 0-15,1 0 0,-1 0 16,1 0-16,0 0 15,-1 0-15,1 0 16,-1 0 0,1 0-16,-1 0 15,1 0 1,-1 0-16,1 0 0,0 0 16,-1 0-16,1 0 0,-1 0 15,1 0-15,32 0 0,-32 0 16,-1 0-16,1 0 15,-1 0 17,1 0 15,-1 0 109,1 0-94,-1 0-15,1 0-16,-33 32 1,33-32-17,-66 0 251,0 0-250,33 33-1,-32-33-15,-1 0 0,1 0 16,-1 0-16,1 0 15,32 33-15,-33-33 16,1 0 0,-1 0-1,0 0 1,1 0 0,-1 0 30,1 0-14,-1 0-17,1 0 1,-1 0 0,0 0-16,1 0 15,-1 0-15,1 0 16,-1 0-16,1 0 0,-1 0 15,1 0-15,-1 0 16,0 32-16,1-32 16,-1 0-16,1 0 15,-1 0-15,1 0 16,-1 0-16,0 0 0,1 0 16,-1 33-1,1-33-15,-1 0 16,1 0-16,-1 0 15,0 0-15,1 0 16,-1 0 0,1 32-16,-1-32 15,1 0 1,-1 0-16,1 0 16,-1 0-16,0 0 15,1 0 1,-1 0-1,1 0 1,-1 0 0,1 0-1,-1 0 17,33 33-32,-33-33 0,1 0 15,-1 0 16,1 0 48,-1 0-64,1 0 32,-1 0-16,1 0 1,-1 0-17,0 0 16,1 0-15,-1 0 0,1 0-1,-1 0 1,33 32 15,-32-32-15,-1 0-1,0 0-15,1 0 16,-1 0 0,1 0-1,32-32 235,-33 32-250,33-33 94,0 1-78</inkml:trace>
+        </inkml:traceGroup>
+      </inkml:traceGroup>
+    </inkml:traceGroup>
+  </inkml:traceGroup>
+</inkml:ink>
+</file>
+
+<file path=ppt/ink/ink7.xml><?xml version="1.0" encoding="utf-8"?>
+<inkml:ink xmlns:inkml="http://www.w3.org/2003/InkML">
+  <inkml:definitions>
+    <inkml:context xml:id="ctx0">
+      <inkml:inkSource xml:id="inkSrc0">
+        <inkml:traceFormat>
+          <inkml:channel name="X" type="integer" max="3840" units="cm"/>
+          <inkml:channel name="Y" type="integer" max="1080" units="cm"/>
+          <inkml:channel name="T" type="integer" max="2.14748E9" units="dev"/>
+        </inkml:traceFormat>
+        <inkml:channelProperties>
+          <inkml:channelProperty channel="X" name="resolution" value="72.86527" units="1/cm"/>
+          <inkml:channelProperty channel="Y" name="resolution" value="36.48649" units="1/cm"/>
+          <inkml:channelProperty channel="T" name="resolution" value="1" units="1/dev"/>
+        </inkml:channelProperties>
+      </inkml:inkSource>
+      <inkml:timestamp xml:id="ts0" timeString="2018-12-06T12:43:35.949"/>
+    </inkml:context>
+    <inkml:brush xml:id="br0">
+      <inkml:brushProperty name="width" value="0.46667" units="cm"/>
+      <inkml:brushProperty name="height" value="0.46667" units="cm"/>
+      <inkml:brushProperty name="color" value="#FFF200"/>
+      <inkml:brushProperty name="fitToCurve" value="1"/>
+    </inkml:brush>
+  </inkml:definitions>
+  <inkml:traceGroup>
+    <inkml:annotationXML>
+      <emma:emma xmlns:emma="http://www.w3.org/2003/04/emma" version="1.0">
+        <emma:interpretation id="{7226BB1B-DCB4-4CB8-B349-7453F7634306}" emma:medium="tactile" emma:mode="ink">
+          <msink:context xmlns:msink="http://schemas.microsoft.com/ink/2010/main" type="inkDrawing" rotatedBoundingBox="10646,5643 13012,5592 13025,6155 10659,6206" shapeName="Other"/>
+        </emma:interpretation>
+      </emma:emma>
+    </inkml:annotationXML>
+    <inkml:trace contextRef="#ctx0" brushRef="#br0">0 53 0,'0'33'125,"33"-33"-109,-1 0-1,1 0 1,-1 0-16,1 0 0,0 0 15,-1 0-15,33-33 0,-32 33 16,32 0-16,-32 0 0,32-33 16,-33 33-16,33 0 0,-32 0 15,0 0-15,32 0 0,-33 0 16,1 0-16,-1 0 16,1 0-16,-1 0 0,1 0 15,0 0-15,-1 0 16,1 0-16,-1 0 15,1 0-15,-1 0 0,1 0 16,0 0 0,-1 0-16,1 0 15,-1 0 1,1 0 0,-1 0-1,1 0-15,-1 0 0,1 0 16,0 0-16,-1 0 15,-32 33 1,33-33-16,-1 0 16,1 0-1,-1 0-15,1 0 16,0 0 0,-1 0-16,1 0 15,-1 0 1,1 0 15,-1 0 0,1 0 16,0 0-31,-1 33-1,1-33 1,-1 0-16,1 0 63,-1 0-32,1 32-16,-1-32 1,1 0 31,-33 33 15,33-33-46,-1 0 15,1 0 16,-33 32-47,32-32 110,-32 33 61,-32-33-171,-1 0 32,33 32-17,-32-32-15,-1 0 32,0 0-17,1 0 1,32 33-16,-33-33 15,1 0-15,-1 0 16,1 0 0,-1 0-1,1 0 1,-1 0-16,0 0 16,1 0-1,-1 0 1,1 0-16,-1 0 15,1 0-15,-1 0 16,0 0-16,1 0 16,-1 0-16,1 0 0,-1 0 15,1 0-15,-1 0 16,0 0-16,1 0 16,32 33-16,-33-33 15,1 0-15,-1 0 16,1 0-16,-1 0 0,1 0 0,-1 0 15,0 0-15,1 0 16,-1 0-16,1 0 16,32 32-16,-33-32 0,1 0 15,-1 0-15,0 0 16,1 0-16,-1 0 0,1 0 16,-1 0-16,1 0 0,-1 0 15,1 0 32,-1 0-31,0 0-1,1 0 1,-1 0 15,1 0 0,32 33 1,-33-33-17,1 0 17,-1 0-17,0 32 1,1-32 15,-1 0 16,33 33-47,-32-33 31,-1 32 32,1-32-48,-1 0 1,33 33 0,-33-33-16,1 0 15,-1 0 1,66 0 171,-33 33-171,32-33-16,1 0 16,0 0-16,-1 0 0,1 0 15,-1 0-15,1-33 0,-1 33 16,1 0-16,32 0 0,-32 0 15,-1 0-15,1 0 0,-1 0 16,1 0-16,32 0 16,0 0-16,-32 0 0,-1 0 15,1 0-15,-1 0 16,1 0-16,0 0 0,-1 0 16,1 0-16,-1 0 0,1 0 15,32 0-15,-32 0 0,-1 0 0,1 0 16,-1 0-16,1 0 0,-1 0 15,1 0-15,-1 0 0,1 0 16,0 0-16,-1 0 31,1 0-15,-1 0-16,1 0 16,-1 0-16,1 0 15,0 0 1,-1 0-16,1 0 0,-1 0 15,1 0 1,-1 0-16,1 0 16,0 0-16,-1 0 31,1 0 16,-1 0 15,1 0-15,-1 0 0,1 0-16,-1 0 1,1 0-17,0 0 32,-1 0 62,1 0-15,-1 0-63,-32 33-31,33-33 16,-1 0 125</inkml:trace>
+  </inkml:traceGroup>
+</inkml:ink>
+</file>
+
+<file path=ppt/ink/ink8.xml><?xml version="1.0" encoding="utf-8"?>
+<inkml:ink xmlns:inkml="http://www.w3.org/2003/InkML">
+  <inkml:definitions>
+    <inkml:context xml:id="ctx0">
+      <inkml:inkSource xml:id="inkSrc0">
+        <inkml:traceFormat>
+          <inkml:channel name="X" type="integer" max="3840" units="cm"/>
+          <inkml:channel name="Y" type="integer" max="1080" units="cm"/>
+          <inkml:channel name="T" type="integer" max="2.14748E9" units="dev"/>
+        </inkml:traceFormat>
+        <inkml:channelProperties>
+          <inkml:channelProperty channel="X" name="resolution" value="72.86527" units="1/cm"/>
+          <inkml:channelProperty channel="Y" name="resolution" value="36.48649" units="1/cm"/>
+          <inkml:channelProperty channel="T" name="resolution" value="1" units="1/dev"/>
+        </inkml:channelProperties>
+      </inkml:inkSource>
+      <inkml:timestamp xml:id="ts0" timeString="2018-12-06T12:44:35.399"/>
+    </inkml:context>
+    <inkml:brush xml:id="br0">
+      <inkml:brushProperty name="width" value="0.46667" units="cm"/>
+      <inkml:brushProperty name="height" value="0.46667" units="cm"/>
+      <inkml:brushProperty name="color" value="#FFF200"/>
+      <inkml:brushProperty name="fitToCurve" value="1"/>
+    </inkml:brush>
+  </inkml:definitions>
+  <inkml:traceGroup>
+    <inkml:annotationXML>
+      <emma:emma xmlns:emma="http://www.w3.org/2003/04/emma" version="1.0">
+        <emma:interpretation id="{BFA8A986-ABAC-4B53-8BB0-691704114718}" emma:medium="tactile" emma:mode="ink">
+          <msink:context xmlns:msink="http://schemas.microsoft.com/ink/2010/main" type="writingRegion" rotatedBoundingBox="8369,6252 10974,6252 10974,6676 8369,6676"/>
+        </emma:interpretation>
+      </emma:emma>
+    </inkml:annotationXML>
+    <inkml:traceGroup>
+      <inkml:annotationXML>
+        <emma:emma xmlns:emma="http://www.w3.org/2003/04/emma" version="1.0">
+          <emma:interpretation id="{54467B39-8CAA-480A-A3AC-EF8F1D00824B}" emma:medium="tactile" emma:mode="ink">
+            <msink:context xmlns:msink="http://schemas.microsoft.com/ink/2010/main" type="paragraph" rotatedBoundingBox="8369,6252 10974,6252 10974,6676 8369,6676" alignmentLevel="1"/>
+          </emma:interpretation>
+        </emma:emma>
+      </inkml:annotationXML>
+      <inkml:traceGroup>
+        <inkml:annotationXML>
+          <emma:emma xmlns:emma="http://www.w3.org/2003/04/emma" version="1.0">
+            <emma:interpretation id="{4BC75C15-C3D8-4BC0-8316-B62E437BBAB9}" emma:medium="tactile" emma:mode="ink">
+              <msink:context xmlns:msink="http://schemas.microsoft.com/ink/2010/main" type="line" rotatedBoundingBox="8369,6252 10974,6252 10974,6676 8369,6676"/>
+            </emma:interpretation>
+          </emma:emma>
+        </inkml:annotationXML>
+        <inkml:traceGroup>
+          <inkml:annotationXML>
+            <emma:emma xmlns:emma="http://www.w3.org/2003/04/emma" version="1.0">
+              <emma:interpretation id="{E75543E4-93C9-488C-8990-76FE71C66313}" emma:medium="tactile" emma:mode="ink">
+                <msink:context xmlns:msink="http://schemas.microsoft.com/ink/2010/main" type="inkWord" rotatedBoundingBox="8369,6252 10974,6252 10974,6676 8369,6676"/>
+              </emma:interpretation>
+              <emma:one-of disjunction-type="recognition" id="oneOf0">
+                <emma:interpretation id="interp0" emma:lang="en-US" emma:confidence="0">
+                  <emma:literal>a</emma:literal>
+                </emma:interpretation>
+                <emma:interpretation id="interp1" emma:lang="en-US" emma:confidence="0">
+                  <emma:literal>s</emma:literal>
+                </emma:interpretation>
+                <emma:interpretation id="interp2" emma:lang="en-US" emma:confidence="0">
+                  <emma:literal>3</emma:literal>
+                </emma:interpretation>
+                <emma:interpretation id="interp3" emma:lang="en-US" emma:confidence="0">
+                  <emma:literal>S</emma:literal>
+                </emma:interpretation>
+                <emma:interpretation id="interp4" emma:lang="en-US" emma:confidence="0">
+                  <emma:literal>-</emma:literal>
+                </emma:interpretation>
+              </emma:one-of>
+            </emma:emma>
+          </inkml:annotationXML>
+          <inkml:trace contextRef="#ctx0" brushRef="#br0">0 81 0,'32'0'15,"1"0"1,-1 0 0,1 0-1,0 0 1,-33-32-16,32 32 15,1 0 1,-1 0-16,1 0 16,-1 0-1,1 0 1,0 0 0,-1 0-1,1 0-15,-1 0 16,1 0-1,-1 0-15,1 0 16,-1 0-16,1-33 16,0 33-16,-1 0 0,1 0 15,-1 0-15,1 0 0,-1 0 16,1 0 0,0 0-16,-1 0 15,1 0-15,-1 0 16,1 0-16,-1 0 0,1 0 15,-1 0-15,1 0 0,0 0 16,-1 0-16,1 0 16,-1 0-1,-32 33 1,33-33-16,-1 0 16,1 0-16,0 0 15,-1 0-15,1 0 0,-1 0 16,1 0-1,-1 0 1,1 0 0,0 0-16,-1 0 15,1 0-15,-1 0 16,1 0-16,-33 32 16,32-32-16,1 0 0,-1 0 15,1 0-15,0 0 16,-1 0-1,1 0 1,-1 0 0,1 0-1,-1 0 17,1 0-17,0 0 16,-1 0-15,1 0 15,-1 0 1,1 0-17,-1 0 32,-32 33-47,33-33 141,-33 32-63,32-32-63,-32 33 32,33-33-31,-66 0 203,33 33-188,-32-33-15,-1 32 30,1-32-30,-1 0 0,1 0 15,-1 0 0,1 0-15,32 33-16,-33-33 0,0 0 0,1 0 15,-1 0 17,1 0-17,-1 0 17,1 0-17,-1 0-15,0 0 16,1 0-16,-1 0 15,1 0 1,-1 0-16,1 0 16,-1 0-16,1 0 15,-1 0-15,0 0 16,1 0 0,-1 0-1,1 0-15,-1 0 0,1 0 16,-1 0-16,0 0 15,1 0-15,-1 0 16,1 0 0,-1 0-1,1 0-15,-1 0 16,0 0 15,1 0-15,-1 0-1,1 0 1,-1 0 0,1 0 15,-1 0-15,1 0-1,32 32 1,-33-32-16,0 0 15,1 0 48,-1 0-47,1 0 15,-1 0 16,1 0-32,-1 0 1,0 0 0,1 0-1,-1 0 1,1 0 15,32 33-31,-33-33 16,1 0 15,-1 0 16,1 0-16,-1 0 0,33 32-15,-33-32 0,1 0 46,-1 0-31,1 0-31,-1 0 32,33 33-32,-32-33 0,-1 0 0,0 0 15,1 0 1,-1 0-16,66 0 219,-1 0-188,1 33-16,0-33 1,-1 0-16,1 0 16,-1 0-1,1 0 1,-1 0-16,1 0 16,0 0-16,-1 0 15,1 0-15,-1 0 0,1 0 16,-1 0-16,1 0 15,-1 0-15,1 0 16,0 0-16,-1 0 16,1 0-16,-1 0 15,1 0-15,-1 0 16,1 0-16,0-33 16,-1 33-16,1 0 0,-1 0 0,1 0 15,-1 0-15,1 0 16,-1 0-1,1 0-15,0 0 16,-1 0-16,1 0 16,-1 0-16,1 0 15,-1 0-15,1 0 0,0 0 16,-1 0-16,1 0 16,-1 0-16,1 0 0,-1 0 15,1 0-15,0 0 16,-1 0-16,1 0 15,-1 0-15,1 0 16,-1 0-16,1-33 0,-1 33 16,1 0-16,0 0 0,-1 0 15,1 0-15,-1 0 0,1 0 16,-1 0-16,1 0 16,0 0-1,-1 0 16,1 0-31,-1 0 16,1 0 0,-1 0 171,1 0-156,-1 0-15,1 0 0,0 0-16,-1 0 15,1 0 32,-1 0-31,1 0-1,-33 33 235</inkml:trace>
+        </inkml:traceGroup>
+      </inkml:traceGroup>
+    </inkml:traceGroup>
+  </inkml:traceGroup>
+</inkml:ink>
+</file>
+
+<file path=ppt/ink/ink9.xml><?xml version="1.0" encoding="utf-8"?>
+<inkml:ink xmlns:inkml="http://www.w3.org/2003/InkML">
+  <inkml:definitions>
+    <inkml:context xml:id="ctx0">
+      <inkml:inkSource xml:id="inkSrc0">
+        <inkml:traceFormat>
+          <inkml:channel name="X" type="integer" max="3840" units="cm"/>
+          <inkml:channel name="Y" type="integer" max="1080" units="cm"/>
+          <inkml:channel name="T" type="integer" max="2.14748E9" units="dev"/>
+        </inkml:traceFormat>
+        <inkml:channelProperties>
+          <inkml:channelProperty channel="X" name="resolution" value="72.86527" units="1/cm"/>
+          <inkml:channelProperty channel="Y" name="resolution" value="36.48649" units="1/cm"/>
+          <inkml:channelProperty channel="T" name="resolution" value="1" units="1/dev"/>
+        </inkml:channelProperties>
+      </inkml:inkSource>
+      <inkml:timestamp xml:id="ts0" timeString="2018-12-06T12:44:46.020"/>
+    </inkml:context>
+    <inkml:brush xml:id="br0">
+      <inkml:brushProperty name="width" value="0.46667" units="cm"/>
+      <inkml:brushProperty name="height" value="0.46667" units="cm"/>
+      <inkml:brushProperty name="color" value="#FFF200"/>
+      <inkml:brushProperty name="fitToCurve" value="1"/>
+    </inkml:brush>
+  </inkml:definitions>
+  <inkml:traceGroup>
+    <inkml:annotationXML>
+      <emma:emma xmlns:emma="http://www.w3.org/2003/04/emma" version="1.0">
+        <emma:interpretation id="{B3FF27A2-109D-4DA8-8431-66025CBB16DC}" emma:medium="tactile" emma:mode="ink">
+          <msink:context xmlns:msink="http://schemas.microsoft.com/ink/2010/main" type="writingRegion" rotatedBoundingBox="15728,9216 18848,9173 18926,14912 15806,14955"/>
+        </emma:interpretation>
+      </emma:emma>
+    </inkml:annotationXML>
+    <inkml:traceGroup>
+      <inkml:annotationXML>
+        <emma:emma xmlns:emma="http://www.w3.org/2003/04/emma" version="1.0">
+          <emma:interpretation id="{5C6D19F4-02F1-40A5-B7A8-B0ABE38C5ABB}" emma:medium="tactile" emma:mode="ink">
+            <msink:context xmlns:msink="http://schemas.microsoft.com/ink/2010/main" type="paragraph" rotatedBoundingBox="15728,9215 18662,9240 18656,9975 15721,9950" alignmentLevel="1"/>
+          </emma:interpretation>
+        </emma:emma>
+      </inkml:annotationXML>
+      <inkml:traceGroup>
+        <inkml:annotationXML>
+          <emma:emma xmlns:emma="http://www.w3.org/2003/04/emma" version="1.0">
+            <emma:interpretation id="{CE8DDC5E-3F22-41C1-A666-C3E823C6BC14}" emma:medium="tactile" emma:mode="ink">
+              <msink:context xmlns:msink="http://schemas.microsoft.com/ink/2010/main" type="line" rotatedBoundingBox="15728,9215 18662,9240 18656,9975 15721,9950"/>
+            </emma:interpretation>
+          </emma:emma>
+        </inkml:annotationXML>
+        <inkml:traceGroup>
+          <inkml:annotationXML>
+            <emma:emma xmlns:emma="http://www.w3.org/2003/04/emma" version="1.0">
+              <emma:interpretation id="{F7EAF5EF-97A8-4F8A-9E75-1DA5BD5AF1E5}" emma:medium="tactile" emma:mode="ink">
+                <msink:context xmlns:msink="http://schemas.microsoft.com/ink/2010/main" type="inkWord" rotatedBoundingBox="15728,9215 18662,9240 18656,9975 15721,9950"/>
+              </emma:interpretation>
+              <emma:one-of disjunction-type="recognition" id="oneOf0">
+                <emma:interpretation id="interp0" emma:lang="en-US" emma:confidence="0">
+                  <emma:literal>as</emma:literal>
+                </emma:interpretation>
+                <emma:interpretation id="interp1" emma:lang="en-US" emma:confidence="0">
+                  <emma:literal>s</emma:literal>
+                </emma:interpretation>
+                <emma:interpretation id="interp2" emma:lang="en-US" emma:confidence="0">
+                  <emma:literal>3</emma:literal>
+                </emma:interpretation>
+                <emma:interpretation id="interp3" emma:lang="en-US" emma:confidence="0">
+                  <emma:literal>Is</emma:literal>
+                </emma:interpretation>
+                <emma:interpretation id="interp4" emma:lang="en-US" emma:confidence="0">
+                  <emma:literal>b</emma:literal>
+                </emma:interpretation>
+              </emma:one-of>
+            </emma:emma>
+          </inkml:annotationXML>
+          <inkml:trace contextRef="#ctx0" brushRef="#br0">0 0 0,'33'0'94,"-1"0"-78,1 32-1,32-32-15,-32 0 0,32 33 16,0-33-16,0 0 0,-32 0 15,97 32-15,-98-32 16,1 0-16,32 0 0,-32 0 16,-1 0-16,1 0 0,-1 0 15,1 0-15,-1 0 16,1 0-16,0 0 16,-1 0-16,1 0 0,-1 0 15,1 0-15,-1 0 0,1 0 16,0 0-16,-1 0 15,1 0-15,-1 0 0,1 0 16,-1 0-16,1 0 16,-1 0-16,34 0 15,-34 0-15,1 0 0,32 0 16,-33 0-16,1-32 0,0 32 16,-1 0-16,1 0 0,-1 0 15,1 0-15,-1 0 16,1 0-16,0 0 15,-1 0 1,1 0 0,-1 0-1,1 0-15,-1 0 16,1 0 0,-1 0-16,1 0 31,0 0 0,-1 0 0,1 0-15,-1 0 0,1 0-1,-1 0-15,1 0 47,0 0-31,-1 0-1,1 0-15,-1 0 16,1 0-16,-1 0 16,1 0-1,-1 0 1,1 0-1,0 0 17,-1 0 15,1 0-32,-1 0 173,-32 32-126,33-32-46,-1 0 31,1 33-16,-66-33 281,1 32-296,-1-32 0,33 33-16,-32-33 15,-1 32 1,1-32 0,-1 0-1,0 0 1,1 0-1,-1 0 1,33 33-16,-32-33 0,-1 0 31,1 0 1,-1 0-17,1 0 1,-1 0-1,0 0-15,1 0 0,-1 0 16,1 0-16,-1 0 0,1 0 16,-1 0-16,0 0 0,1 0 15,-1 0-15,1 0 0,-1 0 16,1 0-16,-1 0 16,1 0-1,-1 0 1,0 0-16,1 0 15,-1 0-15,33-33 0,-32 33 16,-1 0-16,1 0 16,-1 0-1,0 0 1,1 0-16,-1 0 16,1 0-16,-1 0 0,1 0 15,-1 0-15,0 0 16,1 0-16,-1 0 0,1 0 0,-1 0 15,1 0 1,-1 0-16,1 0 0,-1 0 16,0 0-16,1 0 15,-1 0-15,1 0 16,-1 0 0,1 0-1,-1 0 1,0 0-16,1 0 15,-1 0 1,1 0 15,-1 0 47,33-32-78,-32 32 32,-1 0-17,1 0 17,-1 0-1,0 0 16,1 0-32,-1 0 1,1 0 15,-1 0-15,1 0-1,-1 0 32,33 32-47,-33-32 16,1 0-16,-1 0 109,1 0-93,-1 0 15,1 0-15,32 33-16,-33-33 0,0 0 234,33 33-234,0-1 78,33-32 79,-33 33-157,33-33 15,-1 0-15,1 32 16,-1-32-16,1 0 15,-33 33-15,32-33 16,1 0-16,0 0 16,-1 0-1,-32 32-15,33-32 0,-1 0 16,1 0 0,-1 0-1,34 0-15,-34 0 0,33 33 16,-32-33-16,32 0 0,-33 0 0,1 0 15,32 0-15,-32 0 0,-1 0 16,33 0-16,-32 0 0,32 33 16,-32-33-16,-1 0 0,1 0 15,-1 0-15,1 0 0,-1 0 16,1 0-16,0 0 16,-1 0-16,1 0 15,-1 0-15,1 0 16,-1 0-16,1 0 15,0 0-15,32 0 0,-33 0 0,33 0 16,1 0-16,-34 0 0,33 0 16,0-33-16,-32 33 0,32 0 15,0 0-15,-32 0 0,-1 0 16,1 0-16,-1 0 0,1 0 16,0 0-16,-1 0 0,-32-33 15,33 33-15,-1 0 16,1 0-1,-1 0 1,1 0-16,-1 0 16,1 0 46,0 0-15,-1 0 62,1 0-62,-1 0-15,1 0 14,-1 0-30,1 0 31,-33 33 234,-33-33 94,33 33-359,-32-33-16,-1 32 15,1-32-15,-1 33 16,1-33-16,-1 32 0,0-32 16,1 0-16,-1 33 15,1-1-15,-1-32 0,1 0 16,-1 0-16,1 33 16,-1-33-16,0 0 15,1 0-15,-1 0 0,1 0 16,-1 33-16,1-33 0,-1 0 15,0 0-15,1 0 16,-1 0 0,1 0-1,-1 0 1,1 0 0,-1 0-1,1 0 1,-1 0-16,0 0 15,1 0 1,-1 0-16,1 0 16,-1 0-1,1-33 1,-1 33-16,0 0 16,1 0-16,-1 0 15,1 0 1,-1 0-1,1-33-15,-1 33 16,0 0-16,1 0 16,-1 0-16,1 0 0,-1 0 15,1-32 1,-1 32 0,1 0-1,-1 0 1,0 0-16,1 0 31,-1 0 32,1 0-48,-1 0 1,1 0-1,-1 0-15,0 0 0,1 0 16,-1 0 0,1 0-16,-1 0 15,1 0 17,-1 0 139,1 0-124,-1 0-31,0 0-16,1 0 62,-1 0-15,1 0 31,-1 0-46,1 0 15,-1 0-1,0 0-30,1 0 15,-1 0-15,1 0 0,-1 0 62,66 0 94</inkml:trace>
+        </inkml:traceGroup>
+      </inkml:traceGroup>
+    </inkml:traceGroup>
+    <inkml:traceGroup>
+      <inkml:annotationXML>
+        <emma:emma xmlns:emma="http://www.w3.org/2003/04/emma" version="1.0">
+          <emma:interpretation id="{686001E3-E820-41C0-856E-BB90C1D8459C}" emma:medium="tactile" emma:mode="ink">
+            <msink:context xmlns:msink="http://schemas.microsoft.com/ink/2010/main" type="paragraph" rotatedBoundingBox="15821,14323 18917,14281 18926,14912 15829,14954" alignmentLevel="1"/>
+          </emma:interpretation>
+        </emma:emma>
+      </inkml:annotationXML>
+      <inkml:traceGroup>
+        <inkml:annotationXML>
+          <emma:emma xmlns:emma="http://www.w3.org/2003/04/emma" version="1.0">
+            <emma:interpretation id="{6A555B9B-07C1-4082-B9AA-39A8AFF203AF}" emma:medium="tactile" emma:mode="ink">
+              <msink:context xmlns:msink="http://schemas.microsoft.com/ink/2010/main" type="line" rotatedBoundingBox="15821,14323 18917,14281 18926,14912 15829,14954"/>
+            </emma:interpretation>
+          </emma:emma>
+        </inkml:annotationXML>
+        <inkml:traceGroup>
+          <inkml:annotationXML>
+            <emma:emma xmlns:emma="http://www.w3.org/2003/04/emma" version="1.0">
+              <emma:interpretation id="{E9DE6902-73E2-46D5-9784-E6DE176BFB83}" emma:medium="tactile" emma:mode="ink">
+                <msink:context xmlns:msink="http://schemas.microsoft.com/ink/2010/main" type="inkWord" rotatedBoundingBox="15821,14323 18917,14281 18926,14912 15829,14954"/>
+              </emma:interpretation>
+              <emma:one-of disjunction-type="recognition" id="oneOf1">
+                <emma:interpretation id="interp5" emma:lang="en-US" emma:confidence="0">
+                  <emma:literal>a</emma:literal>
+                </emma:interpretation>
+                <emma:interpretation id="interp6" emma:lang="en-US" emma:confidence="0">
+                  <emma:literal>S</emma:literal>
+                </emma:interpretation>
+                <emma:interpretation id="interp7" emma:lang="en-US" emma:confidence="0">
+                  <emma:literal>s</emma:literal>
+                </emma:interpretation>
+                <emma:interpretation id="interp8" emma:lang="en-US" emma:confidence="0">
+                  <emma:literal>3</emma:literal>
+                </emma:interpretation>
+                <emma:interpretation id="interp9" emma:lang="en-US" emma:confidence="0">
+                  <emma:literal>•</emma:literal>
+                </emma:interpretation>
+              </emma:one-of>
+            </emma:emma>
+          </inkml:annotationXML>
+          <inkml:trace contextRef="#ctx0" brushRef="#br0" timeOffset="6277.1436">130 5210 0,'33'0'78,"0"0"-62,-1 0-16,1 0 16,32 0-16,-33 0 0,34 0 15,-34 0-15,33 0 0,-32 0 16,-1 0-16,34 0 0,-34 0 16,1 0-16,-1 0 0,1 0 15,-1 0-15,1 0 16,-1 0-1,1 0 1,0 0-16,-1 0 0,1 0 0,32 0 16,-33 0-16,1 0 0,0 0 15,-1 0-15,1 0 0,-1 0 16,1 0-16,-33-33 16,32 33-16,1 0 15,-1 0 1,1 0-16,0 0 15,-1 0 1,1 0-16,-1 0 16,1 0 15,-1 0-31,1 0 16,0 0-16,-1 0 15,-32-32-15,33 32 0,-1 0 16,1 0-16,-1 0 15,1 0 1,0-33 0,-1 33-16,1 0 0,-1 0 15,1 0 1,-1 0-16,1 0 16,-1 0-1,-32-32 1,33 32-1,0 0 17,-1 0-1,1 0-31,-1 0 16,1 0 30,-1 0-30,1 0 15,0 0-15,-1 0 0,1 0-1,-1 0-15,1 0 16,-1 0 31,1 0-32,-1 0 1,1 0 31,0 0 15,-1 0-30,1 0 14,-1 0-30,1 0 0,-1 0 31,1 0-16,0 0 31,-1 0 141,-32 32-140,33-32-47,-33 33-1,32-33 1,1 0 46,-33 32-46,32-32 62,-32 33-62,33-33-16,-33 32 140,33-32-30,-66 0-79,33 33-15,-33-33 46,1 0-46,-1 0-16,1 0 15,32 32-15,-33-32 16,1 0-16,-1 0 16,0 0-16,1 0 15,-1 0-15,33 33 0,-32-33 16,-1 0-16,1 0 0,-1 0 15,0 0-15,1 0 16,-1 33-16,1-33 16,-1 0-16,1 0 0,-1 0 15,1 0-15,-1 0 16,0 0-16,1 0 16,-1 0-1,1 0-15,-1 0 16,1 0-1,-1 0-15,0 0 16,-32 0-16,33 0 0,-1 0 16,-32 0-16,0 0 0,32 0 15,1 0-15,-33 0 0,32 0 16,1 0-16,-1 0 16,0 0-1,-32 0-15,33 0 16,-33-33-16,-1 33 0,34 0 15,-33 0-15,0 0 0,0 0 16,32 0-16,-32 0 0,32 0 0,1 0 16,-1-33-16,1 33 0,-1 0 15,0 0-15,1 0 47,-1 0-31,1 0-16,-1 0 0,1 0 15,-1 0-15,1 0 0,-1 0 0,0 0 16,1 0-16,-1 0 0,1 0 16,-1 0 62,1 0-47,-1 0 0,0 0 1,1 33 46,-1-33-47,1 0 16,-1 0-16,33 33-15,-32-33-1,-1 32 63,0-32-46,33 33-17,-32-33 79,32 32-63,32-32 94,1 33-109,0-33 0,-1 0-1,-32 32-15,33-32 16,-1 0-16,1 0 15,-1 33-15,1-33 0,0 0 16,32 0-16,-33 0 0,1 33 16,32-33-16,-32 0 0,-1 0 0,33 0 15,-32 0-15,32 32 0,-33-32 16,34 0-16,-34 0 0,33 0 16,-32 0-16,32 0 0,-32 0 15,32 0-15,-33 0 0,33 0 16,0 0-16,1 0 0,-34 0 15,33 33-15,-32-33 0,32 0 16,-32 0-16,-1 0 0,1 0 0,32 0 16,-33 0-16,34 0 0,-34 0 15,1 0-15,32 0 0,-33 0 16,33 0-16,-32 0 0,0 0 16,-1 0-16,1 0 0,-1 0 15,1 0-15,-1 0 16,1 0-16,0 32 15,-1-32 1,1 0-16,-1 0 16,1 0-16,-1 0 0,1 0 15,-1 0 1,1 0 31,0-32-32,-1 32 189,1 0-189,-1 0 32,1 0-31,-1 0-1,1 0-15,0 0 16,-1 0 250,1 32-235,-1-32 16,1 0 250</inkml:trace>
+        </inkml:traceGroup>
+      </inkml:traceGroup>
+    </inkml:traceGroup>
+  </inkml:traceGroup>
+</inkml:ink>
+</file>
+
 <file path=ppt/notesMasters/notesMaster1.xml><?xml version="1.0" encoding="utf-8"?>
 <p:notesMaster xmlns:a="http://schemas.openxmlformats.org/drawingml/2006/main" xmlns:r="http://schemas.openxmlformats.org/officeDocument/2006/relationships" xmlns:p="http://schemas.openxmlformats.org/presentationml/2006/main">
   <p:cSld>
@@ -960,90 +1921,6 @@
     <p:extLst>
       <p:ext uri="{BB962C8B-B14F-4D97-AF65-F5344CB8AC3E}">
         <p14:creationId xmlns:p14="http://schemas.microsoft.com/office/powerpoint/2010/main" val="2564146464"/>
-      </p:ext>
-    </p:extLst>
-  </p:cSld>
-  <p:clrMapOvr>
-    <a:masterClrMapping/>
-  </p:clrMapOvr>
-</p:notes>
-</file>
-
-<file path=ppt/notesSlides/notesSlide12.xml><?xml version="1.0" encoding="utf-8"?>
-<p:notes xmlns:a="http://schemas.openxmlformats.org/drawingml/2006/main" xmlns:r="http://schemas.openxmlformats.org/officeDocument/2006/relationships" xmlns:p="http://schemas.openxmlformats.org/presentationml/2006/main">
-  <p:cSld>
-    <p:spTree>
-      <p:nvGrpSpPr>
-        <p:cNvPr id="1" name=""/>
-        <p:cNvGrpSpPr/>
-        <p:nvPr/>
-      </p:nvGrpSpPr>
-      <p:grpSpPr>
-        <a:xfrm>
-          <a:off x="0" y="0"/>
-          <a:ext cx="0" cy="0"/>
-          <a:chOff x="0" y="0"/>
-          <a:chExt cx="0" cy="0"/>
-        </a:xfrm>
-      </p:grpSpPr>
-      <p:sp>
-        <p:nvSpPr>
-          <p:cNvPr id="2" name="Slide Image Placeholder 1"/>
-          <p:cNvSpPr>
-            <a:spLocks noGrp="1" noRot="1" noChangeAspect="1"/>
-          </p:cNvSpPr>
-          <p:nvPr>
-            <p:ph type="sldImg"/>
-          </p:nvPr>
-        </p:nvSpPr>
-        <p:spPr/>
-      </p:sp>
-      <p:sp>
-        <p:nvSpPr>
-          <p:cNvPr id="3" name="Notes Placeholder 2"/>
-          <p:cNvSpPr>
-            <a:spLocks noGrp="1"/>
-          </p:cNvSpPr>
-          <p:nvPr>
-            <p:ph type="body" idx="1"/>
-          </p:nvPr>
-        </p:nvSpPr>
-        <p:spPr/>
-        <p:txBody>
-          <a:bodyPr/>
-          <a:lstStyle/>
-          <a:p>
-            <a:endParaRPr lang="en-US" dirty="0"/>
-          </a:p>
-        </p:txBody>
-      </p:sp>
-      <p:sp>
-        <p:nvSpPr>
-          <p:cNvPr id="4" name="Slide Number Placeholder 3"/>
-          <p:cNvSpPr>
-            <a:spLocks noGrp="1"/>
-          </p:cNvSpPr>
-          <p:nvPr>
-            <p:ph type="sldNum" sz="quarter" idx="10"/>
-          </p:nvPr>
-        </p:nvSpPr>
-        <p:spPr/>
-        <p:txBody>
-          <a:bodyPr/>
-          <a:lstStyle/>
-          <a:p>
-            <a:fld id="{6D679973-E0F4-4AD1-8DEC-9AEE404E80A0}" type="slidenum">
-              <a:rPr lang="en-US" smtClean="0"/>
-              <a:t>27</a:t>
-            </a:fld>
-            <a:endParaRPr lang="en-US"/>
-          </a:p>
-        </p:txBody>
-      </p:sp>
-    </p:spTree>
-    <p:extLst>
-      <p:ext uri="{BB962C8B-B14F-4D97-AF65-F5344CB8AC3E}">
-        <p14:creationId xmlns:p14="http://schemas.microsoft.com/office/powerpoint/2010/main" val="1872227718"/>
       </p:ext>
     </p:extLst>
   </p:cSld>
@@ -10728,6 +11605,123 @@
           <a:chExt cx="0" cy="0"/>
         </a:xfrm>
       </p:grpSpPr>
+      <mc:AlternateContent xmlns:mc="http://schemas.openxmlformats.org/markup-compatibility/2006">
+        <mc:Choice xmlns:p14="http://schemas.microsoft.com/office/powerpoint/2010/main" Requires="p14">
+          <p:contentPart p14:bwMode="auto" r:id="rId2">
+            <p14:nvContentPartPr>
+              <p14:cNvPr id="32" name="Ink 31"/>
+              <p14:cNvContentPartPr/>
+              <p14:nvPr/>
+            </p14:nvContentPartPr>
+            <p14:xfrm>
+              <a:off x="1430363" y="1511677"/>
+              <a:ext cx="1231200" cy="2030040"/>
+            </p14:xfrm>
+          </p:contentPart>
+        </mc:Choice>
+        <mc:Fallback>
+          <p:pic>
+            <p:nvPicPr>
+              <p:cNvPr id="32" name="Ink 31"/>
+              <p:cNvPicPr/>
+              <p:nvPr/>
+            </p:nvPicPr>
+            <p:blipFill>
+              <a:blip r:embed="rId3"/>
+              <a:stretch>
+                <a:fillRect/>
+              </a:stretch>
+            </p:blipFill>
+            <p:spPr>
+              <a:xfrm>
+                <a:off x="1346483" y="1427797"/>
+                <a:ext cx="1398960" cy="2197800"/>
+              </a:xfrm>
+              <a:prstGeom prst="rect">
+                <a:avLst/>
+              </a:prstGeom>
+            </p:spPr>
+          </p:pic>
+        </mc:Fallback>
+      </mc:AlternateContent>
+      <mc:AlternateContent xmlns:mc="http://schemas.openxmlformats.org/markup-compatibility/2006">
+        <mc:Choice xmlns:p14="http://schemas.microsoft.com/office/powerpoint/2010/main" Requires="p14">
+          <p:contentPart p14:bwMode="auto" r:id="rId4">
+            <p14:nvContentPartPr>
+              <p14:cNvPr id="34" name="Ink 33"/>
+              <p14:cNvContentPartPr/>
+              <p14:nvPr/>
+            </p14:nvContentPartPr>
+            <p14:xfrm>
+              <a:off x="4525283" y="375157"/>
+              <a:ext cx="2708280" cy="693360"/>
+            </p14:xfrm>
+          </p:contentPart>
+        </mc:Choice>
+        <mc:Fallback>
+          <p:pic>
+            <p:nvPicPr>
+              <p:cNvPr id="34" name="Ink 33"/>
+              <p:cNvPicPr/>
+              <p:nvPr/>
+            </p:nvPicPr>
+            <p:blipFill>
+              <a:blip r:embed="rId5"/>
+              <a:stretch>
+                <a:fillRect/>
+              </a:stretch>
+            </p:blipFill>
+            <p:spPr>
+              <a:xfrm>
+                <a:off x="4441403" y="291277"/>
+                <a:ext cx="2876040" cy="861120"/>
+              </a:xfrm>
+              <a:prstGeom prst="rect">
+                <a:avLst/>
+              </a:prstGeom>
+            </p:spPr>
+          </p:pic>
+        </mc:Fallback>
+      </mc:AlternateContent>
+      <mc:AlternateContent xmlns:mc="http://schemas.openxmlformats.org/markup-compatibility/2006">
+        <mc:Choice xmlns:p14="http://schemas.microsoft.com/office/powerpoint/2010/main" Requires="p14">
+          <p:contentPart p14:bwMode="auto" r:id="rId6">
+            <p14:nvContentPartPr>
+              <p14:cNvPr id="37" name="Ink 36"/>
+              <p14:cNvContentPartPr/>
+              <p14:nvPr/>
+            </p14:nvContentPartPr>
+            <p14:xfrm>
+              <a:off x="5228363" y="4066957"/>
+              <a:ext cx="750600" cy="228240"/>
+            </p14:xfrm>
+          </p:contentPart>
+        </mc:Choice>
+        <mc:Fallback>
+          <p:pic>
+            <p:nvPicPr>
+              <p:cNvPr id="37" name="Ink 36"/>
+              <p:cNvPicPr/>
+              <p:nvPr/>
+            </p:nvPicPr>
+            <p:blipFill>
+              <a:blip r:embed="rId7"/>
+              <a:stretch>
+                <a:fillRect/>
+              </a:stretch>
+            </p:blipFill>
+            <p:spPr>
+              <a:xfrm>
+                <a:off x="5144483" y="3983077"/>
+                <a:ext cx="918360" cy="396000"/>
+              </a:xfrm>
+              <a:prstGeom prst="rect">
+                <a:avLst/>
+              </a:prstGeom>
+            </p:spPr>
+          </p:pic>
+        </mc:Fallback>
+      </mc:AlternateContent>
       <p:sp>
         <p:nvSpPr>
           <p:cNvPr id="2" name="Rectangle 1"/>
@@ -11866,7 +12860,129 @@
   <p:timing>
     <p:tnLst>
       <p:par>
-        <p:cTn id="1" dur="indefinite" restart="never" nodeType="tmRoot"/>
+        <p:cTn id="1" dur="indefinite" restart="never" nodeType="tmRoot">
+          <p:childTnLst>
+            <p:seq concurrent="1" nextAc="seek">
+              <p:cTn id="2" dur="indefinite" nodeType="mainSeq">
+                <p:childTnLst>
+                  <p:par>
+                    <p:cTn id="3" fill="hold">
+                      <p:stCondLst>
+                        <p:cond delay="indefinite"/>
+                      </p:stCondLst>
+                      <p:childTnLst>
+                        <p:par>
+                          <p:cTn id="4" fill="hold">
+                            <p:stCondLst>
+                              <p:cond delay="0"/>
+                            </p:stCondLst>
+                            <p:childTnLst>
+                              <p:par>
+                                <p:cTn id="5" presetID="1" presetClass="entr" presetSubtype="0" fill="hold" nodeType="clickEffect">
+                                  <p:stCondLst>
+                                    <p:cond delay="0"/>
+                                  </p:stCondLst>
+                                  <p:childTnLst>
+                                    <p:set>
+                                      <p:cBhvr>
+                                        <p:cTn id="6" dur="1" fill="hold">
+                                          <p:stCondLst>
+                                            <p:cond delay="0"/>
+                                          </p:stCondLst>
+                                        </p:cTn>
+                                        <p:tgtEl>
+                                          <p:spTgt spid="32"/>
+                                        </p:tgtEl>
+                                        <p:attrNameLst>
+                                          <p:attrName>style.visibility</p:attrName>
+                                        </p:attrNameLst>
+                                      </p:cBhvr>
+                                      <p:to>
+                                        <p:strVal val="visible"/>
+                                      </p:to>
+                                    </p:set>
+                                  </p:childTnLst>
+                                </p:cTn>
+                              </p:par>
+                              <p:par>
+                                <p:cTn id="7" presetID="1" presetClass="entr" presetSubtype="0" fill="hold" nodeType="withEffect">
+                                  <p:stCondLst>
+                                    <p:cond delay="0"/>
+                                  </p:stCondLst>
+                                  <p:childTnLst>
+                                    <p:set>
+                                      <p:cBhvr>
+                                        <p:cTn id="8" dur="1" fill="hold">
+                                          <p:stCondLst>
+                                            <p:cond delay="0"/>
+                                          </p:stCondLst>
+                                        </p:cTn>
+                                        <p:tgtEl>
+                                          <p:spTgt spid="34"/>
+                                        </p:tgtEl>
+                                        <p:attrNameLst>
+                                          <p:attrName>style.visibility</p:attrName>
+                                        </p:attrNameLst>
+                                      </p:cBhvr>
+                                      <p:to>
+                                        <p:strVal val="visible"/>
+                                      </p:to>
+                                    </p:set>
+                                  </p:childTnLst>
+                                </p:cTn>
+                              </p:par>
+                              <p:par>
+                                <p:cTn id="9" presetID="1" presetClass="entr" presetSubtype="0" fill="hold" nodeType="withEffect">
+                                  <p:stCondLst>
+                                    <p:cond delay="0"/>
+                                  </p:stCondLst>
+                                  <p:childTnLst>
+                                    <p:set>
+                                      <p:cBhvr>
+                                        <p:cTn id="10" dur="1" fill="hold">
+                                          <p:stCondLst>
+                                            <p:cond delay="0"/>
+                                          </p:stCondLst>
+                                        </p:cTn>
+                                        <p:tgtEl>
+                                          <p:spTgt spid="37"/>
+                                        </p:tgtEl>
+                                        <p:attrNameLst>
+                                          <p:attrName>style.visibility</p:attrName>
+                                        </p:attrNameLst>
+                                      </p:cBhvr>
+                                      <p:to>
+                                        <p:strVal val="visible"/>
+                                      </p:to>
+                                    </p:set>
+                                  </p:childTnLst>
+                                </p:cTn>
+                              </p:par>
+                            </p:childTnLst>
+                          </p:cTn>
+                        </p:par>
+                      </p:childTnLst>
+                    </p:cTn>
+                  </p:par>
+                </p:childTnLst>
+              </p:cTn>
+              <p:prevCondLst>
+                <p:cond evt="onPrev" delay="0">
+                  <p:tgtEl>
+                    <p:sldTgt/>
+                  </p:tgtEl>
+                </p:cond>
+              </p:prevCondLst>
+              <p:nextCondLst>
+                <p:cond evt="onNext" delay="0">
+                  <p:tgtEl>
+                    <p:sldTgt/>
+                  </p:tgtEl>
+                </p:cond>
+              </p:nextCondLst>
+            </p:seq>
+          </p:childTnLst>
+        </p:cTn>
       </p:par>
     </p:tnLst>
   </p:timing>
@@ -11890,6 +13006,84 @@
           <a:chExt cx="0" cy="0"/>
         </a:xfrm>
       </p:grpSpPr>
+      <mc:AlternateContent xmlns:mc="http://schemas.openxmlformats.org/markup-compatibility/2006">
+        <mc:Choice xmlns:p14="http://schemas.microsoft.com/office/powerpoint/2010/main" Requires="p14">
+          <p:contentPart p14:bwMode="auto" r:id="rId2">
+            <p14:nvContentPartPr>
+              <p14:cNvPr id="7" name="Ink 6"/>
+              <p14:cNvContentPartPr/>
+              <p14:nvPr/>
+            </p14:nvContentPartPr>
+            <p14:xfrm>
+              <a:off x="3434843" y="4056517"/>
+              <a:ext cx="1582920" cy="242640"/>
+            </p14:xfrm>
+          </p:contentPart>
+        </mc:Choice>
+        <mc:Fallback>
+          <p:pic>
+            <p:nvPicPr>
+              <p:cNvPr id="7" name="Ink 6"/>
+              <p:cNvPicPr/>
+              <p:nvPr/>
+            </p:nvPicPr>
+            <p:blipFill>
+              <a:blip r:embed="rId3"/>
+              <a:stretch>
+                <a:fillRect/>
+              </a:stretch>
+            </p:blipFill>
+            <p:spPr>
+              <a:xfrm>
+                <a:off x="3350963" y="3972637"/>
+                <a:ext cx="1750680" cy="410400"/>
+              </a:xfrm>
+              <a:prstGeom prst="rect">
+                <a:avLst/>
+              </a:prstGeom>
+            </p:spPr>
+          </p:pic>
+        </mc:Fallback>
+      </mc:AlternateContent>
+      <mc:AlternateContent xmlns:mc="http://schemas.openxmlformats.org/markup-compatibility/2006">
+        <mc:Choice xmlns:p14="http://schemas.microsoft.com/office/powerpoint/2010/main" Requires="p14">
+          <p:contentPart p14:bwMode="auto" r:id="rId4">
+            <p14:nvContentPartPr>
+              <p14:cNvPr id="9" name="Ink 8"/>
+              <p14:cNvContentPartPr/>
+              <p14:nvPr/>
+            </p14:nvContentPartPr>
+            <p14:xfrm>
+              <a:off x="1465283" y="1488997"/>
+              <a:ext cx="938160" cy="271080"/>
+            </p14:xfrm>
+          </p:contentPart>
+        </mc:Choice>
+        <mc:Fallback>
+          <p:pic>
+            <p:nvPicPr>
+              <p:cNvPr id="9" name="Ink 8"/>
+              <p:cNvPicPr/>
+              <p:nvPr/>
+            </p:nvPicPr>
+            <p:blipFill>
+              <a:blip r:embed="rId5"/>
+              <a:stretch>
+                <a:fillRect/>
+              </a:stretch>
+            </p:blipFill>
+            <p:spPr>
+              <a:xfrm>
+                <a:off x="1381403" y="1405117"/>
+                <a:ext cx="1105920" cy="438840"/>
+              </a:xfrm>
+              <a:prstGeom prst="rect">
+                <a:avLst/>
+              </a:prstGeom>
+            </p:spPr>
+          </p:pic>
+        </mc:Fallback>
+      </mc:AlternateContent>
       <p:sp>
         <p:nvSpPr>
           <p:cNvPr id="3" name="Rectangle 2"/>
@@ -11950,11 +13144,20 @@
             <a:r>
               <a:rPr lang="en-US" altLang="en-US" sz="2400" dirty="0">
                 <a:solidFill>
+                  <a:schemeClr val="bg1"/>
+                </a:solidFill>
+                <a:latin typeface="Fira Code"/>
+              </a:rPr>
+              <a:t>handler</a:t>
+            </a:r>
+            <a:r>
+              <a:rPr lang="en-US" altLang="en-US" sz="2400" dirty="0">
+                <a:solidFill>
                   <a:srgbClr val="DCDCDC"/>
                 </a:solidFill>
                 <a:latin typeface="Fira Code"/>
               </a:rPr>
-              <a:t>handler = </a:t>
+              <a:t> = </a:t>
             </a:r>
             <a:r>
               <a:rPr lang="en-US" altLang="en-US" sz="2400" dirty="0" err="1">
@@ -12503,7 +13706,7 @@
                   <a:noFill/>
                 </a:ln>
                 <a:solidFill>
-                  <a:srgbClr val="ADD8E6"/>
+                  <a:schemeClr val="bg1"/>
                 </a:solidFill>
                 <a:effectLst/>
                 <a:latin typeface="Fira Code"/>
@@ -12859,6 +14062,84 @@
           <a:chExt cx="0" cy="0"/>
         </a:xfrm>
       </p:grpSpPr>
+      <mc:AlternateContent xmlns:mc="http://schemas.openxmlformats.org/markup-compatibility/2006">
+        <mc:Choice xmlns:p14="http://schemas.microsoft.com/office/powerpoint/2010/main" Requires="p14">
+          <p:contentPart p14:bwMode="auto" r:id="rId2">
+            <p14:nvContentPartPr>
+              <p14:cNvPr id="6" name="Ink 5"/>
+              <p14:cNvContentPartPr/>
+              <p14:nvPr/>
+            </p14:nvContentPartPr>
+            <p14:xfrm>
+              <a:off x="2438363" y="4579957"/>
+              <a:ext cx="1044000" cy="275760"/>
+            </p14:xfrm>
+          </p:contentPart>
+        </mc:Choice>
+        <mc:Fallback>
+          <p:pic>
+            <p:nvPicPr>
+              <p:cNvPr id="6" name="Ink 5"/>
+              <p:cNvPicPr/>
+              <p:nvPr/>
+            </p:nvPicPr>
+            <p:blipFill>
+              <a:blip r:embed="rId3"/>
+              <a:stretch>
+                <a:fillRect/>
+              </a:stretch>
+            </p:blipFill>
+            <p:spPr>
+              <a:xfrm>
+                <a:off x="2354483" y="4496077"/>
+                <a:ext cx="1211760" cy="443520"/>
+              </a:xfrm>
+              <a:prstGeom prst="rect">
+                <a:avLst/>
+              </a:prstGeom>
+            </p:spPr>
+          </p:pic>
+        </mc:Fallback>
+      </mc:AlternateContent>
+      <mc:AlternateContent xmlns:mc="http://schemas.openxmlformats.org/markup-compatibility/2006">
+        <mc:Choice xmlns:p14="http://schemas.microsoft.com/office/powerpoint/2010/main" Requires="p14">
+          <p:contentPart p14:bwMode="auto" r:id="rId4">
+            <p14:nvContentPartPr>
+              <p14:cNvPr id="8" name="Ink 7"/>
+              <p14:cNvContentPartPr/>
+              <p14:nvPr/>
+            </p14:nvContentPartPr>
+            <p14:xfrm>
+              <a:off x="3833363" y="2020717"/>
+              <a:ext cx="856080" cy="195480"/>
+            </p14:xfrm>
+          </p:contentPart>
+        </mc:Choice>
+        <mc:Fallback>
+          <p:pic>
+            <p:nvPicPr>
+              <p:cNvPr id="8" name="Ink 7"/>
+              <p:cNvPicPr/>
+              <p:nvPr/>
+            </p:nvPicPr>
+            <p:blipFill>
+              <a:blip r:embed="rId5"/>
+              <a:stretch>
+                <a:fillRect/>
+              </a:stretch>
+            </p:blipFill>
+            <p:spPr>
+              <a:xfrm>
+                <a:off x="3749483" y="1936837"/>
+                <a:ext cx="1023840" cy="363240"/>
+              </a:xfrm>
+              <a:prstGeom prst="rect">
+                <a:avLst/>
+              </a:prstGeom>
+            </p:spPr>
+          </p:pic>
+        </mc:Fallback>
+      </mc:AlternateContent>
       <p:sp>
         <p:nvSpPr>
           <p:cNvPr id="4" name="Rectangle 3"/>
@@ -13144,12 +14425,179 @@
                   <a:noFill/>
                 </a:ln>
                 <a:solidFill>
+                  <a:schemeClr val="bg1"/>
+                </a:solidFill>
+                <a:effectLst/>
+                <a:latin typeface="Fira Code"/>
+              </a:rPr>
+              <a:t>&gt;= 200</a:t>
+            </a:r>
+            <a:r>
+              <a:rPr kumimoji="0" lang="en-US" altLang="en-US" sz="2400" b="0" i="0" u="none" strike="noStrike" cap="none" normalizeH="0" baseline="0" dirty="0" smtClean="0">
+                <a:ln>
+                  <a:noFill/>
+                </a:ln>
+                <a:solidFill>
                   <a:srgbClr val="DCDCDC"/>
                 </a:solidFill>
                 <a:effectLst/>
                 <a:latin typeface="Fira Code"/>
               </a:rPr>
-              <a:t>&gt;= </a:t>
+              <a:t>)</a:t>
+            </a:r>
+            <a:br>
+              <a:rPr kumimoji="0" lang="en-US" altLang="en-US" sz="2400" b="0" i="0" u="none" strike="noStrike" cap="none" normalizeH="0" baseline="0" dirty="0" smtClean="0">
+                <a:ln>
+                  <a:noFill/>
+                </a:ln>
+                <a:solidFill>
+                  <a:srgbClr val="DCDCDC"/>
+                </a:solidFill>
+                <a:effectLst/>
+                <a:latin typeface="Fira Code"/>
+              </a:rPr>
+            </a:br>
+            <a:r>
+              <a:rPr kumimoji="0" lang="en-US" altLang="en-US" sz="2400" b="0" i="0" u="none" strike="noStrike" cap="none" normalizeH="0" baseline="0" dirty="0" smtClean="0">
+                <a:ln>
+                  <a:noFill/>
+                </a:ln>
+                <a:solidFill>
+                  <a:srgbClr val="DCDCDC"/>
+                </a:solidFill>
+                <a:effectLst/>
+                <a:latin typeface="Fira Code"/>
+              </a:rPr>
+              <a:t>    {</a:t>
+            </a:r>
+            <a:br>
+              <a:rPr kumimoji="0" lang="en-US" altLang="en-US" sz="2400" b="0" i="0" u="none" strike="noStrike" cap="none" normalizeH="0" baseline="0" dirty="0" smtClean="0">
+                <a:ln>
+                  <a:noFill/>
+                </a:ln>
+                <a:solidFill>
+                  <a:srgbClr val="DCDCDC"/>
+                </a:solidFill>
+                <a:effectLst/>
+                <a:latin typeface="Fira Code"/>
+              </a:rPr>
+            </a:br>
+            <a:r>
+              <a:rPr kumimoji="0" lang="en-US" altLang="en-US" sz="2400" b="0" i="0" u="none" strike="noStrike" cap="none" normalizeH="0" baseline="0" dirty="0" smtClean="0">
+                <a:ln>
+                  <a:noFill/>
+                </a:ln>
+                <a:solidFill>
+                  <a:srgbClr val="DCDCDC"/>
+                </a:solidFill>
+                <a:effectLst/>
+                <a:latin typeface="Fira Code"/>
+              </a:rPr>
+              <a:t>        </a:t>
+            </a:r>
+            <a:r>
+              <a:rPr kumimoji="0" lang="en-US" altLang="en-US" sz="2400" b="0" i="0" u="none" strike="noStrike" cap="none" normalizeH="0" baseline="0" dirty="0" err="1" smtClean="0">
+                <a:ln>
+                  <a:noFill/>
+                </a:ln>
+                <a:solidFill>
+                  <a:srgbClr val="569CD6"/>
+                </a:solidFill>
+                <a:effectLst/>
+                <a:latin typeface="Fira Code"/>
+              </a:rPr>
+              <a:t>var</a:t>
+            </a:r>
+            <a:r>
+              <a:rPr kumimoji="0" lang="en-US" altLang="en-US" sz="2400" b="0" i="0" u="none" strike="noStrike" cap="none" normalizeH="0" baseline="0" dirty="0" smtClean="0">
+                <a:ln>
+                  <a:noFill/>
+                </a:ln>
+                <a:solidFill>
+                  <a:srgbClr val="569CD6"/>
+                </a:solidFill>
+                <a:effectLst/>
+                <a:latin typeface="Fira Code"/>
+              </a:rPr>
+              <a:t> </a:t>
+            </a:r>
+            <a:r>
+              <a:rPr kumimoji="0" lang="en-US" altLang="en-US" sz="2400" b="0" i="0" u="none" strike="noStrike" cap="none" normalizeH="0" baseline="0" dirty="0" smtClean="0">
+                <a:ln>
+                  <a:noFill/>
+                </a:ln>
+                <a:solidFill>
+                  <a:srgbClr val="DCDCDC"/>
+                </a:solidFill>
+                <a:effectLst/>
+                <a:latin typeface="Fira Code"/>
+              </a:rPr>
+              <a:t>delay = </a:t>
+            </a:r>
+            <a:r>
+              <a:rPr kumimoji="0" lang="en-US" altLang="en-US" sz="2400" b="0" i="0" u="none" strike="noStrike" cap="none" normalizeH="0" baseline="0" dirty="0" smtClean="0">
+                <a:ln>
+                  <a:noFill/>
+                </a:ln>
+                <a:solidFill>
+                  <a:srgbClr val="569CD6"/>
+                </a:solidFill>
+                <a:effectLst/>
+                <a:latin typeface="Fira Code"/>
+              </a:rPr>
+              <a:t>new </a:t>
+            </a:r>
+            <a:r>
+              <a:rPr kumimoji="0" lang="en-US" altLang="en-US" sz="2400" b="0" i="0" u="none" strike="noStrike" cap="none" normalizeH="0" baseline="0" dirty="0" smtClean="0">
+                <a:ln>
+                  <a:noFill/>
+                </a:ln>
+                <a:solidFill>
+                  <a:srgbClr val="ADD8E6"/>
+                </a:solidFill>
+                <a:effectLst/>
+                <a:latin typeface="Fira Code"/>
+              </a:rPr>
+              <a:t>Random</a:t>
+            </a:r>
+            <a:r>
+              <a:rPr kumimoji="0" lang="en-US" altLang="en-US" sz="2400" b="0" i="0" u="none" strike="noStrike" cap="none" normalizeH="0" baseline="0" dirty="0" smtClean="0">
+                <a:ln>
+                  <a:noFill/>
+                </a:ln>
+                <a:solidFill>
+                  <a:srgbClr val="DCDCDC"/>
+                </a:solidFill>
+                <a:effectLst/>
+                <a:latin typeface="Fira Code"/>
+              </a:rPr>
+              <a:t>().</a:t>
+            </a:r>
+            <a:r>
+              <a:rPr kumimoji="0" lang="en-US" altLang="en-US" sz="2400" b="0" i="0" u="none" strike="noStrike" cap="none" normalizeH="0" baseline="0" dirty="0" smtClean="0">
+                <a:ln>
+                  <a:noFill/>
+                </a:ln>
+                <a:solidFill>
+                  <a:srgbClr val="00FFFF"/>
+                </a:solidFill>
+                <a:effectLst/>
+                <a:latin typeface="Fira Code"/>
+              </a:rPr>
+              <a:t>Next</a:t>
+            </a:r>
+            <a:r>
+              <a:rPr kumimoji="0" lang="en-US" altLang="en-US" sz="2400" b="0" i="0" u="none" strike="noStrike" cap="none" normalizeH="0" baseline="0" dirty="0" smtClean="0">
+                <a:ln>
+                  <a:noFill/>
+                </a:ln>
+                <a:solidFill>
+                  <a:srgbClr val="DCDCDC"/>
+                </a:solidFill>
+                <a:effectLst/>
+                <a:latin typeface="Fira Code"/>
+              </a:rPr>
+              <a:t>(</a:t>
             </a:r>
             <a:r>
               <a:rPr kumimoji="0" lang="en-US" altLang="en-US" sz="2400" b="0" i="0" u="none" strike="noStrike" cap="none" normalizeH="0" baseline="0" dirty="0" smtClean="0">
@@ -13162,7 +14610,7 @@
                 <a:effectLst/>
                 <a:latin typeface="Fira Code"/>
               </a:rPr>
-              <a:t>200</a:t>
+              <a:t>3000</a:t>
             </a:r>
             <a:r>
               <a:rPr kumimoji="0" lang="en-US" altLang="en-US" sz="2400" b="0" i="0" u="none" strike="noStrike" cap="none" normalizeH="0" baseline="0" dirty="0" smtClean="0">
@@ -13175,7 +14623,33 @@
                 <a:effectLst/>
                 <a:latin typeface="Fira Code"/>
               </a:rPr>
-              <a:t>)</a:t>
+              <a:t>, </a:t>
+            </a:r>
+            <a:r>
+              <a:rPr kumimoji="0" lang="en-US" altLang="en-US" sz="2400" b="0" i="0" u="none" strike="noStrike" cap="none" normalizeH="0" baseline="0" dirty="0" smtClean="0">
+                <a:ln>
+                  <a:noFill/>
+                </a:ln>
+                <a:solidFill>
+                  <a:srgbClr val="B5CEA8"/>
+                </a:solidFill>
+                <a:effectLst/>
+                <a:latin typeface="Fira Code"/>
+              </a:rPr>
+              <a:t>30000</a:t>
+            </a:r>
+            <a:r>
+              <a:rPr kumimoji="0" lang="en-US" altLang="en-US" sz="2400" b="0" i="0" u="none" strike="noStrike" cap="none" normalizeH="0" baseline="0" dirty="0" smtClean="0">
+                <a:ln>
+                  <a:noFill/>
+                </a:ln>
+                <a:solidFill>
+                  <a:srgbClr val="DCDCDC"/>
+                </a:solidFill>
+                <a:effectLst/>
+                <a:latin typeface="Fira Code"/>
+              </a:rPr>
+              <a:t>);</a:t>
             </a:r>
             <a:br>
               <a:rPr kumimoji="0" lang="en-US" altLang="en-US" sz="2400" b="0" i="0" u="none" strike="noStrike" cap="none" normalizeH="0" baseline="0" dirty="0" smtClean="0">
@@ -13200,7 +14674,72 @@
                 <a:effectLst/>
                 <a:latin typeface="Fira Code"/>
               </a:rPr>
-              <a:t>    {</a:t>
+              <a:t>        </a:t>
+            </a:r>
+            <a:r>
+              <a:rPr kumimoji="0" lang="en-US" altLang="en-US" sz="2400" b="0" i="0" u="none" strike="noStrike" cap="none" normalizeH="0" baseline="0" dirty="0" smtClean="0">
+                <a:ln>
+                  <a:noFill/>
+                </a:ln>
+                <a:solidFill>
+                  <a:srgbClr val="569CD6"/>
+                </a:solidFill>
+                <a:effectLst/>
+                <a:latin typeface="Fira Code"/>
+              </a:rPr>
+              <a:t>await </a:t>
+            </a:r>
+            <a:r>
+              <a:rPr kumimoji="0" lang="en-US" altLang="en-US" sz="2400" b="0" i="0" u="none" strike="noStrike" cap="none" normalizeH="0" baseline="0" dirty="0" err="1" smtClean="0">
+                <a:ln>
+                  <a:noFill/>
+                </a:ln>
+                <a:solidFill>
+                  <a:srgbClr val="ADD8E6"/>
+                </a:solidFill>
+                <a:effectLst/>
+                <a:latin typeface="Fira Code"/>
+              </a:rPr>
+              <a:t>Task</a:t>
+            </a:r>
+            <a:r>
+              <a:rPr kumimoji="0" lang="en-US" altLang="en-US" sz="2400" b="0" i="0" u="none" strike="noStrike" cap="none" normalizeH="0" baseline="0" dirty="0" err="1" smtClean="0">
+                <a:ln>
+                  <a:noFill/>
+                </a:ln>
+                <a:solidFill>
+                  <a:srgbClr val="DCDCDC"/>
+                </a:solidFill>
+                <a:effectLst/>
+                <a:latin typeface="Fira Code"/>
+              </a:rPr>
+              <a:t>.</a:t>
+            </a:r>
+            <a:r>
+              <a:rPr kumimoji="0" lang="en-US" altLang="en-US" sz="2400" b="0" i="0" u="none" strike="noStrike" cap="none" normalizeH="0" baseline="0" dirty="0" err="1" smtClean="0">
+                <a:ln>
+                  <a:noFill/>
+                </a:ln>
+                <a:solidFill>
+                  <a:srgbClr val="00FFFF"/>
+                </a:solidFill>
+                <a:effectLst/>
+                <a:latin typeface="Fira Code"/>
+              </a:rPr>
+              <a:t>Delay</a:t>
+            </a:r>
+            <a:r>
+              <a:rPr kumimoji="0" lang="en-US" altLang="en-US" sz="2400" b="0" i="0" u="none" strike="noStrike" cap="none" normalizeH="0" baseline="0" dirty="0" smtClean="0">
+                <a:ln>
+                  <a:noFill/>
+                </a:ln>
+                <a:solidFill>
+                  <a:srgbClr val="DCDCDC"/>
+                </a:solidFill>
+                <a:effectLst/>
+                <a:latin typeface="Fira Code"/>
+              </a:rPr>
+              <a:t>(delay);</a:t>
             </a:r>
             <a:br>
               <a:rPr kumimoji="0" lang="en-US" altLang="en-US" sz="2400" b="0" i="0" u="none" strike="noStrike" cap="none" normalizeH="0" baseline="0" dirty="0" smtClean="0">
@@ -13225,7 +14764,57 @@
                 <a:effectLst/>
                 <a:latin typeface="Fira Code"/>
               </a:rPr>
-              <a:t>        </a:t>
+              <a:t>    }</a:t>
+            </a:r>
+            <a:br>
+              <a:rPr kumimoji="0" lang="en-US" altLang="en-US" sz="2400" b="0" i="0" u="none" strike="noStrike" cap="none" normalizeH="0" baseline="0" dirty="0" smtClean="0">
+                <a:ln>
+                  <a:noFill/>
+                </a:ln>
+                <a:solidFill>
+                  <a:srgbClr val="DCDCDC"/>
+                </a:solidFill>
+                <a:effectLst/>
+                <a:latin typeface="Fira Code"/>
+              </a:rPr>
+            </a:br>
+            <a:r>
+              <a:rPr kumimoji="0" lang="en-US" altLang="en-US" sz="2400" b="0" i="0" u="none" strike="noStrike" cap="none" normalizeH="0" baseline="0" dirty="0" smtClean="0">
+                <a:ln>
+                  <a:noFill/>
+                </a:ln>
+                <a:solidFill>
+                  <a:srgbClr val="DCDCDC"/>
+                </a:solidFill>
+                <a:effectLst/>
+                <a:latin typeface="Fira Code"/>
+              </a:rPr>
+              <a:t/>
+            </a:r>
+            <a:br>
+              <a:rPr kumimoji="0" lang="en-US" altLang="en-US" sz="2400" b="0" i="0" u="none" strike="noStrike" cap="none" normalizeH="0" baseline="0" dirty="0" smtClean="0">
+                <a:ln>
+                  <a:noFill/>
+                </a:ln>
+                <a:solidFill>
+                  <a:srgbClr val="DCDCDC"/>
+                </a:solidFill>
+                <a:effectLst/>
+                <a:latin typeface="Fira Code"/>
+              </a:rPr>
+            </a:br>
+            <a:r>
+              <a:rPr kumimoji="0" lang="en-US" altLang="en-US" sz="2400" b="0" i="0" u="none" strike="noStrike" cap="none" normalizeH="0" baseline="0" dirty="0" smtClean="0">
+                <a:ln>
+                  <a:noFill/>
+                </a:ln>
+                <a:solidFill>
+                  <a:srgbClr val="DCDCDC"/>
+                </a:solidFill>
+                <a:effectLst/>
+                <a:latin typeface="Fira Code"/>
+              </a:rPr>
+              <a:t>    </a:t>
             </a:r>
             <a:r>
               <a:rPr kumimoji="0" lang="en-US" altLang="en-US" sz="2400" b="0" i="0" u="none" strike="noStrike" cap="none" normalizeH="0" baseline="0" dirty="0" err="1" smtClean="0">
@@ -13264,7 +14853,7 @@
                 <a:effectLst/>
                 <a:latin typeface="Fira Code"/>
               </a:rPr>
-              <a:t>delay = </a:t>
+              <a:t>payment = </a:t>
             </a:r>
             <a:r>
               <a:rPr kumimoji="0" lang="en-US" altLang="en-US" sz="2400" b="0" i="0" u="none" strike="noStrike" cap="none" normalizeH="0" baseline="0" dirty="0" smtClean="0">
@@ -13290,7 +14879,7 @@
                 <a:effectLst/>
                 <a:latin typeface="Fira Code"/>
               </a:rPr>
-              <a:t>Random</a:t>
+              <a:t>Payment</a:t>
             </a:r>
             <a:r>
               <a:rPr kumimoji="0" lang="en-US" altLang="en-US" sz="2400" b="0" i="0" u="none" strike="noStrike" cap="none" normalizeH="0" baseline="0" dirty="0" smtClean="0">
@@ -13303,10 +14892,36 @@
                 <a:effectLst/>
                 <a:latin typeface="Fira Code"/>
               </a:rPr>
-              <a:t>().</a:t>
-            </a:r>
-            <a:r>
-              <a:rPr kumimoji="0" lang="en-US" altLang="en-US" sz="2400" b="0" i="0" u="none" strike="noStrike" cap="none" normalizeH="0" baseline="0" dirty="0" smtClean="0">
+              <a:t>(</a:t>
+            </a:r>
+            <a:r>
+              <a:rPr kumimoji="0" lang="en-US" altLang="en-US" sz="2400" b="0" i="0" u="none" strike="noStrike" cap="none" normalizeH="0" baseline="0" dirty="0" err="1" smtClean="0">
+                <a:ln>
+                  <a:noFill/>
+                </a:ln>
+                <a:solidFill>
+                  <a:srgbClr val="ADD8E6"/>
+                </a:solidFill>
+                <a:effectLst/>
+                <a:latin typeface="Fira Code"/>
+              </a:rPr>
+              <a:t>ObjectId</a:t>
+            </a:r>
+            <a:r>
+              <a:rPr kumimoji="0" lang="en-US" altLang="en-US" sz="2400" b="0" i="0" u="none" strike="noStrike" cap="none" normalizeH="0" baseline="0" dirty="0" err="1" smtClean="0">
+                <a:ln>
+                  <a:noFill/>
+                </a:ln>
+                <a:solidFill>
+                  <a:srgbClr val="DCDCDC"/>
+                </a:solidFill>
+                <a:effectLst/>
+                <a:latin typeface="Fira Code"/>
+              </a:rPr>
+              <a:t>.</a:t>
+            </a:r>
+            <a:r>
+              <a:rPr kumimoji="0" lang="en-US" altLang="en-US" sz="2400" b="0" i="0" u="none" strike="noStrike" cap="none" normalizeH="0" baseline="0" dirty="0" err="1" smtClean="0">
                 <a:ln>
                   <a:noFill/>
                 </a:ln>
@@ -13316,7 +14931,7 @@
                 <a:effectLst/>
                 <a:latin typeface="Fira Code"/>
               </a:rPr>
-              <a:t>Next</a:t>
+              <a:t>GenerateNewId</a:t>
             </a:r>
             <a:r>
               <a:rPr kumimoji="0" lang="en-US" altLang="en-US" sz="2400" b="0" i="0" u="none" strike="noStrike" cap="none" normalizeH="0" baseline="0" dirty="0" smtClean="0">
@@ -13329,23 +14944,10 @@
                 <a:effectLst/>
                 <a:latin typeface="Fira Code"/>
               </a:rPr>
-              <a:t>(</a:t>
-            </a:r>
-            <a:r>
-              <a:rPr kumimoji="0" lang="en-US" altLang="en-US" sz="2400" b="0" i="0" u="none" strike="noStrike" cap="none" normalizeH="0" baseline="0" dirty="0" smtClean="0">
-                <a:ln>
-                  <a:noFill/>
-                </a:ln>
-                <a:solidFill>
-                  <a:srgbClr val="B5CEA8"/>
-                </a:solidFill>
-                <a:effectLst/>
-                <a:latin typeface="Fira Code"/>
-              </a:rPr>
-              <a:t>3000</a:t>
-            </a:r>
-            <a:r>
-              <a:rPr kumimoji="0" lang="en-US" altLang="en-US" sz="2400" b="0" i="0" u="none" strike="noStrike" cap="none" normalizeH="0" baseline="0" dirty="0" smtClean="0">
+              <a:t>(), @</a:t>
+            </a:r>
+            <a:r>
+              <a:rPr kumimoji="0" lang="en-US" altLang="en-US" sz="2400" b="0" i="0" u="none" strike="noStrike" cap="none" normalizeH="0" baseline="0" dirty="0" err="1" smtClean="0">
                 <a:ln>
                   <a:noFill/>
                 </a:ln>
@@ -13355,20 +14957,20 @@
                 <a:effectLst/>
                 <a:latin typeface="Fira Code"/>
               </a:rPr>
-              <a:t>, </a:t>
-            </a:r>
-            <a:r>
-              <a:rPr kumimoji="0" lang="en-US" altLang="en-US" sz="2400" b="0" i="0" u="none" strike="noStrike" cap="none" normalizeH="0" baseline="0" dirty="0" smtClean="0">
-                <a:ln>
-                  <a:noFill/>
-                </a:ln>
-                <a:solidFill>
-                  <a:srgbClr val="B5CEA8"/>
-                </a:solidFill>
-                <a:effectLst/>
-                <a:latin typeface="Fira Code"/>
-              </a:rPr>
-              <a:t>30000</a:t>
+              <a:t>event.</a:t>
+            </a:r>
+            <a:r>
+              <a:rPr kumimoji="0" lang="en-US" altLang="en-US" sz="2400" b="0" i="0" u="none" strike="noStrike" cap="none" normalizeH="0" baseline="0" dirty="0" err="1" smtClean="0">
+                <a:ln>
+                  <a:noFill/>
+                </a:ln>
+                <a:solidFill>
+                  <a:srgbClr val="EE82EE"/>
+                </a:solidFill>
+                <a:effectLst/>
+                <a:latin typeface="Fira Code"/>
+              </a:rPr>
+              <a:t>SourceId</a:t>
             </a:r>
             <a:r>
               <a:rPr kumimoji="0" lang="en-US" altLang="en-US" sz="2400" b="0" i="0" u="none" strike="noStrike" cap="none" normalizeH="0" baseline="0" dirty="0" smtClean="0">
@@ -13406,20 +15008,7 @@
                 <a:effectLst/>
                 <a:latin typeface="Fira Code"/>
               </a:rPr>
-              <a:t>        </a:t>
-            </a:r>
-            <a:r>
-              <a:rPr kumimoji="0" lang="en-US" altLang="en-US" sz="2400" b="0" i="0" u="none" strike="noStrike" cap="none" normalizeH="0" baseline="0" dirty="0" smtClean="0">
-                <a:ln>
-                  <a:noFill/>
-                </a:ln>
-                <a:solidFill>
-                  <a:srgbClr val="569CD6"/>
-                </a:solidFill>
-                <a:effectLst/>
-                <a:latin typeface="Fira Code"/>
-              </a:rPr>
-              <a:t>await </a:t>
+              <a:t>    </a:t>
             </a:r>
             <a:r>
               <a:rPr kumimoji="0" lang="en-US" altLang="en-US" sz="2400" b="0" i="0" u="none" strike="noStrike" cap="none" normalizeH="0" baseline="0" dirty="0" err="1" smtClean="0">
@@ -13427,12 +15016,12 @@
                   <a:noFill/>
                 </a:ln>
                 <a:solidFill>
-                  <a:srgbClr val="ADD8E6"/>
-                </a:solidFill>
-                <a:effectLst/>
-                <a:latin typeface="Fira Code"/>
-              </a:rPr>
-              <a:t>Task</a:t>
+                  <a:srgbClr val="DCDCDC"/>
+                </a:solidFill>
+                <a:effectLst/>
+                <a:latin typeface="Fira Code"/>
+              </a:rPr>
+              <a:t>payment.</a:t>
             </a:r>
             <a:r>
               <a:rPr kumimoji="0" lang="en-US" altLang="en-US" sz="2400" b="0" i="0" u="none" strike="noStrike" cap="none" normalizeH="0" baseline="0" dirty="0" err="1" smtClean="0">
@@ -13440,328 +15029,7 @@
                   <a:noFill/>
                 </a:ln>
                 <a:solidFill>
-                  <a:srgbClr val="DCDCDC"/>
-                </a:solidFill>
-                <a:effectLst/>
-                <a:latin typeface="Fira Code"/>
-              </a:rPr>
-              <a:t>.</a:t>
-            </a:r>
-            <a:r>
-              <a:rPr kumimoji="0" lang="en-US" altLang="en-US" sz="2400" b="0" i="0" u="none" strike="noStrike" cap="none" normalizeH="0" baseline="0" dirty="0" err="1" smtClean="0">
-                <a:ln>
-                  <a:noFill/>
-                </a:ln>
-                <a:solidFill>
-                  <a:srgbClr val="00FFFF"/>
-                </a:solidFill>
-                <a:effectLst/>
-                <a:latin typeface="Fira Code"/>
-              </a:rPr>
-              <a:t>Delay</a:t>
-            </a:r>
-            <a:r>
-              <a:rPr kumimoji="0" lang="en-US" altLang="en-US" sz="2400" b="0" i="0" u="none" strike="noStrike" cap="none" normalizeH="0" baseline="0" dirty="0" smtClean="0">
-                <a:ln>
-                  <a:noFill/>
-                </a:ln>
-                <a:solidFill>
-                  <a:srgbClr val="DCDCDC"/>
-                </a:solidFill>
-                <a:effectLst/>
-                <a:latin typeface="Fira Code"/>
-              </a:rPr>
-              <a:t>(delay);</a:t>
-            </a:r>
-            <a:br>
-              <a:rPr kumimoji="0" lang="en-US" altLang="en-US" sz="2400" b="0" i="0" u="none" strike="noStrike" cap="none" normalizeH="0" baseline="0" dirty="0" smtClean="0">
-                <a:ln>
-                  <a:noFill/>
-                </a:ln>
-                <a:solidFill>
-                  <a:srgbClr val="DCDCDC"/>
-                </a:solidFill>
-                <a:effectLst/>
-                <a:latin typeface="Fira Code"/>
-              </a:rPr>
-            </a:br>
-            <a:r>
-              <a:rPr kumimoji="0" lang="en-US" altLang="en-US" sz="2400" b="0" i="0" u="none" strike="noStrike" cap="none" normalizeH="0" baseline="0" dirty="0" smtClean="0">
-                <a:ln>
-                  <a:noFill/>
-                </a:ln>
-                <a:solidFill>
-                  <a:srgbClr val="DCDCDC"/>
-                </a:solidFill>
-                <a:effectLst/>
-                <a:latin typeface="Fira Code"/>
-              </a:rPr>
-              <a:t>    }</a:t>
-            </a:r>
-            <a:br>
-              <a:rPr kumimoji="0" lang="en-US" altLang="en-US" sz="2400" b="0" i="0" u="none" strike="noStrike" cap="none" normalizeH="0" baseline="0" dirty="0" smtClean="0">
-                <a:ln>
-                  <a:noFill/>
-                </a:ln>
-                <a:solidFill>
-                  <a:srgbClr val="DCDCDC"/>
-                </a:solidFill>
-                <a:effectLst/>
-                <a:latin typeface="Fira Code"/>
-              </a:rPr>
-            </a:br>
-            <a:r>
-              <a:rPr kumimoji="0" lang="en-US" altLang="en-US" sz="2400" b="0" i="0" u="none" strike="noStrike" cap="none" normalizeH="0" baseline="0" dirty="0" smtClean="0">
-                <a:ln>
-                  <a:noFill/>
-                </a:ln>
-                <a:solidFill>
-                  <a:srgbClr val="DCDCDC"/>
-                </a:solidFill>
-                <a:effectLst/>
-                <a:latin typeface="Fira Code"/>
-              </a:rPr>
-              <a:t/>
-            </a:r>
-            <a:br>
-              <a:rPr kumimoji="0" lang="en-US" altLang="en-US" sz="2400" b="0" i="0" u="none" strike="noStrike" cap="none" normalizeH="0" baseline="0" dirty="0" smtClean="0">
-                <a:ln>
-                  <a:noFill/>
-                </a:ln>
-                <a:solidFill>
-                  <a:srgbClr val="DCDCDC"/>
-                </a:solidFill>
-                <a:effectLst/>
-                <a:latin typeface="Fira Code"/>
-              </a:rPr>
-            </a:br>
-            <a:r>
-              <a:rPr kumimoji="0" lang="en-US" altLang="en-US" sz="2400" b="0" i="0" u="none" strike="noStrike" cap="none" normalizeH="0" baseline="0" dirty="0" smtClean="0">
-                <a:ln>
-                  <a:noFill/>
-                </a:ln>
-                <a:solidFill>
-                  <a:srgbClr val="DCDCDC"/>
-                </a:solidFill>
-                <a:effectLst/>
-                <a:latin typeface="Fira Code"/>
-              </a:rPr>
-              <a:t>    </a:t>
-            </a:r>
-            <a:r>
-              <a:rPr kumimoji="0" lang="en-US" altLang="en-US" sz="2400" b="0" i="0" u="none" strike="noStrike" cap="none" normalizeH="0" baseline="0" dirty="0" err="1" smtClean="0">
-                <a:ln>
-                  <a:noFill/>
-                </a:ln>
-                <a:solidFill>
-                  <a:srgbClr val="569CD6"/>
-                </a:solidFill>
-                <a:effectLst/>
-                <a:latin typeface="Fira Code"/>
-              </a:rPr>
-              <a:t>var</a:t>
-            </a:r>
-            <a:r>
-              <a:rPr kumimoji="0" lang="en-US" altLang="en-US" sz="2400" b="0" i="0" u="none" strike="noStrike" cap="none" normalizeH="0" baseline="0" dirty="0" smtClean="0">
-                <a:ln>
-                  <a:noFill/>
-                </a:ln>
-                <a:solidFill>
-                  <a:srgbClr val="569CD6"/>
-                </a:solidFill>
-                <a:effectLst/>
-                <a:latin typeface="Fira Code"/>
-              </a:rPr>
-              <a:t> </a:t>
-            </a:r>
-            <a:r>
-              <a:rPr kumimoji="0" lang="en-US" altLang="en-US" sz="2400" b="0" i="0" u="none" strike="noStrike" cap="none" normalizeH="0" baseline="0" dirty="0" smtClean="0">
-                <a:ln>
-                  <a:noFill/>
-                </a:ln>
-                <a:solidFill>
-                  <a:srgbClr val="DCDCDC"/>
-                </a:solidFill>
-                <a:effectLst/>
-                <a:latin typeface="Fira Code"/>
-              </a:rPr>
-              <a:t>payment = </a:t>
-            </a:r>
-            <a:r>
-              <a:rPr kumimoji="0" lang="en-US" altLang="en-US" sz="2400" b="0" i="0" u="none" strike="noStrike" cap="none" normalizeH="0" baseline="0" dirty="0" smtClean="0">
-                <a:ln>
-                  <a:noFill/>
-                </a:ln>
-                <a:solidFill>
-                  <a:srgbClr val="569CD6"/>
-                </a:solidFill>
-                <a:effectLst/>
-                <a:latin typeface="Fira Code"/>
-              </a:rPr>
-              <a:t>new </a:t>
-            </a:r>
-            <a:r>
-              <a:rPr kumimoji="0" lang="en-US" altLang="en-US" sz="2400" b="0" i="0" u="none" strike="noStrike" cap="none" normalizeH="0" baseline="0" dirty="0" smtClean="0">
-                <a:ln>
-                  <a:noFill/>
-                </a:ln>
-                <a:solidFill>
-                  <a:srgbClr val="ADD8E6"/>
-                </a:solidFill>
-                <a:effectLst/>
-                <a:latin typeface="Fira Code"/>
-              </a:rPr>
-              <a:t>Payment</a:t>
-            </a:r>
-            <a:r>
-              <a:rPr kumimoji="0" lang="en-US" altLang="en-US" sz="2400" b="0" i="0" u="none" strike="noStrike" cap="none" normalizeH="0" baseline="0" dirty="0" smtClean="0">
-                <a:ln>
-                  <a:noFill/>
-                </a:ln>
-                <a:solidFill>
-                  <a:srgbClr val="DCDCDC"/>
-                </a:solidFill>
-                <a:effectLst/>
-                <a:latin typeface="Fira Code"/>
-              </a:rPr>
-              <a:t>(</a:t>
-            </a:r>
-            <a:r>
-              <a:rPr kumimoji="0" lang="en-US" altLang="en-US" sz="2400" b="0" i="0" u="none" strike="noStrike" cap="none" normalizeH="0" baseline="0" dirty="0" err="1" smtClean="0">
-                <a:ln>
-                  <a:noFill/>
-                </a:ln>
-                <a:solidFill>
-                  <a:srgbClr val="ADD8E6"/>
-                </a:solidFill>
-                <a:effectLst/>
-                <a:latin typeface="Fira Code"/>
-              </a:rPr>
-              <a:t>ObjectId</a:t>
-            </a:r>
-            <a:r>
-              <a:rPr kumimoji="0" lang="en-US" altLang="en-US" sz="2400" b="0" i="0" u="none" strike="noStrike" cap="none" normalizeH="0" baseline="0" dirty="0" err="1" smtClean="0">
-                <a:ln>
-                  <a:noFill/>
-                </a:ln>
-                <a:solidFill>
-                  <a:srgbClr val="DCDCDC"/>
-                </a:solidFill>
-                <a:effectLst/>
-                <a:latin typeface="Fira Code"/>
-              </a:rPr>
-              <a:t>.</a:t>
-            </a:r>
-            <a:r>
-              <a:rPr kumimoji="0" lang="en-US" altLang="en-US" sz="2400" b="0" i="0" u="none" strike="noStrike" cap="none" normalizeH="0" baseline="0" dirty="0" err="1" smtClean="0">
-                <a:ln>
-                  <a:noFill/>
-                </a:ln>
-                <a:solidFill>
-                  <a:srgbClr val="00FFFF"/>
-                </a:solidFill>
-                <a:effectLst/>
-                <a:latin typeface="Fira Code"/>
-              </a:rPr>
-              <a:t>GenerateNewId</a:t>
-            </a:r>
-            <a:r>
-              <a:rPr kumimoji="0" lang="en-US" altLang="en-US" sz="2400" b="0" i="0" u="none" strike="noStrike" cap="none" normalizeH="0" baseline="0" dirty="0" smtClean="0">
-                <a:ln>
-                  <a:noFill/>
-                </a:ln>
-                <a:solidFill>
-                  <a:srgbClr val="DCDCDC"/>
-                </a:solidFill>
-                <a:effectLst/>
-                <a:latin typeface="Fira Code"/>
-              </a:rPr>
-              <a:t>(), @</a:t>
-            </a:r>
-            <a:r>
-              <a:rPr kumimoji="0" lang="en-US" altLang="en-US" sz="2400" b="0" i="0" u="none" strike="noStrike" cap="none" normalizeH="0" baseline="0" dirty="0" err="1" smtClean="0">
-                <a:ln>
-                  <a:noFill/>
-                </a:ln>
-                <a:solidFill>
-                  <a:srgbClr val="DCDCDC"/>
-                </a:solidFill>
-                <a:effectLst/>
-                <a:latin typeface="Fira Code"/>
-              </a:rPr>
-              <a:t>event.</a:t>
-            </a:r>
-            <a:r>
-              <a:rPr kumimoji="0" lang="en-US" altLang="en-US" sz="2400" b="0" i="0" u="none" strike="noStrike" cap="none" normalizeH="0" baseline="0" dirty="0" err="1" smtClean="0">
-                <a:ln>
-                  <a:noFill/>
-                </a:ln>
-                <a:solidFill>
-                  <a:srgbClr val="EE82EE"/>
-                </a:solidFill>
-                <a:effectLst/>
-                <a:latin typeface="Fira Code"/>
-              </a:rPr>
-              <a:t>SourceId</a:t>
-            </a:r>
-            <a:r>
-              <a:rPr kumimoji="0" lang="en-US" altLang="en-US" sz="2400" b="0" i="0" u="none" strike="noStrike" cap="none" normalizeH="0" baseline="0" dirty="0" smtClean="0">
-                <a:ln>
-                  <a:noFill/>
-                </a:ln>
-                <a:solidFill>
-                  <a:srgbClr val="DCDCDC"/>
-                </a:solidFill>
-                <a:effectLst/>
-                <a:latin typeface="Fira Code"/>
-              </a:rPr>
-              <a:t>);</a:t>
-            </a:r>
-            <a:br>
-              <a:rPr kumimoji="0" lang="en-US" altLang="en-US" sz="2400" b="0" i="0" u="none" strike="noStrike" cap="none" normalizeH="0" baseline="0" dirty="0" smtClean="0">
-                <a:ln>
-                  <a:noFill/>
-                </a:ln>
-                <a:solidFill>
-                  <a:srgbClr val="DCDCDC"/>
-                </a:solidFill>
-                <a:effectLst/>
-                <a:latin typeface="Fira Code"/>
-              </a:rPr>
-            </a:br>
-            <a:r>
-              <a:rPr kumimoji="0" lang="en-US" altLang="en-US" sz="2400" b="0" i="0" u="none" strike="noStrike" cap="none" normalizeH="0" baseline="0" dirty="0" smtClean="0">
-                <a:ln>
-                  <a:noFill/>
-                </a:ln>
-                <a:solidFill>
-                  <a:srgbClr val="DCDCDC"/>
-                </a:solidFill>
-                <a:effectLst/>
-                <a:latin typeface="Fira Code"/>
-              </a:rPr>
-              <a:t>    </a:t>
-            </a:r>
-            <a:r>
-              <a:rPr kumimoji="0" lang="en-US" altLang="en-US" sz="2400" b="0" i="0" u="none" strike="noStrike" cap="none" normalizeH="0" baseline="0" dirty="0" err="1" smtClean="0">
-                <a:ln>
-                  <a:noFill/>
-                </a:ln>
-                <a:solidFill>
-                  <a:srgbClr val="DCDCDC"/>
-                </a:solidFill>
-                <a:effectLst/>
-                <a:latin typeface="Fira Code"/>
-              </a:rPr>
-              <a:t>payment.</a:t>
-            </a:r>
-            <a:r>
-              <a:rPr kumimoji="0" lang="en-US" altLang="en-US" sz="2400" b="0" i="0" u="none" strike="noStrike" cap="none" normalizeH="0" baseline="0" dirty="0" err="1" smtClean="0">
-                <a:ln>
-                  <a:noFill/>
-                </a:ln>
-                <a:solidFill>
-                  <a:srgbClr val="00FFFF"/>
+                  <a:schemeClr val="bg1"/>
                 </a:solidFill>
                 <a:effectLst/>
                 <a:latin typeface="Fira Code"/>
@@ -13985,6 +15253,84 @@
           <a:chExt cx="0" cy="0"/>
         </a:xfrm>
       </p:grpSpPr>
+      <mc:AlternateContent xmlns:mc="http://schemas.openxmlformats.org/markup-compatibility/2006">
+        <mc:Choice xmlns:p14="http://schemas.microsoft.com/office/powerpoint/2010/main" Requires="p14">
+          <p:contentPart p14:bwMode="auto" r:id="rId2">
+            <p14:nvContentPartPr>
+              <p14:cNvPr id="6" name="Ink 5"/>
+              <p14:cNvContentPartPr/>
+              <p14:nvPr/>
+            </p14:nvContentPartPr>
+            <p14:xfrm>
+              <a:off x="3012923" y="2244997"/>
+              <a:ext cx="938160" cy="161280"/>
+            </p14:xfrm>
+          </p:contentPart>
+        </mc:Choice>
+        <mc:Fallback>
+          <p:pic>
+            <p:nvPicPr>
+              <p:cNvPr id="6" name="Ink 5"/>
+              <p:cNvPicPr/>
+              <p:nvPr/>
+            </p:nvPicPr>
+            <p:blipFill>
+              <a:blip r:embed="rId3"/>
+              <a:stretch>
+                <a:fillRect/>
+              </a:stretch>
+            </p:blipFill>
+            <p:spPr>
+              <a:xfrm>
+                <a:off x="2929043" y="2161117"/>
+                <a:ext cx="1105920" cy="329040"/>
+              </a:xfrm>
+              <a:prstGeom prst="rect">
+                <a:avLst/>
+              </a:prstGeom>
+            </p:spPr>
+          </p:pic>
+        </mc:Fallback>
+      </mc:AlternateContent>
+      <mc:AlternateContent xmlns:mc="http://schemas.openxmlformats.org/markup-compatibility/2006">
+        <mc:Choice xmlns:p14="http://schemas.microsoft.com/office/powerpoint/2010/main" Requires="p14">
+          <p:contentPart p14:bwMode="auto" r:id="rId4">
+            <p14:nvContentPartPr>
+              <p14:cNvPr id="7" name="Ink 6"/>
+              <p14:cNvContentPartPr/>
+              <p14:nvPr/>
+            </p14:nvContentPartPr>
+            <p14:xfrm>
+              <a:off x="5662163" y="3317797"/>
+              <a:ext cx="1149480" cy="2053440"/>
+            </p14:xfrm>
+          </p:contentPart>
+        </mc:Choice>
+        <mc:Fallback>
+          <p:pic>
+            <p:nvPicPr>
+              <p:cNvPr id="7" name="Ink 6"/>
+              <p:cNvPicPr/>
+              <p:nvPr/>
+            </p:nvPicPr>
+            <p:blipFill>
+              <a:blip r:embed="rId5"/>
+              <a:stretch>
+                <a:fillRect/>
+              </a:stretch>
+            </p:blipFill>
+            <p:spPr>
+              <a:xfrm>
+                <a:off x="5578283" y="3233917"/>
+                <a:ext cx="1317240" cy="2221200"/>
+              </a:xfrm>
+              <a:prstGeom prst="rect">
+                <a:avLst/>
+              </a:prstGeom>
+            </p:spPr>
+          </p:pic>
+        </mc:Fallback>
+      </mc:AlternateContent>
       <p:sp>
         <p:nvSpPr>
           <p:cNvPr id="2" name="Rectangle 1"/>
@@ -14268,27 +15614,27 @@
                   <a:noFill/>
                 </a:ln>
                 <a:solidFill>
+                  <a:schemeClr val="bg1"/>
+                </a:solidFill>
+                <a:effectLst/>
+                <a:latin typeface="Fira Code"/>
+              </a:rPr>
+              <a:t>&gt;= 300</a:t>
+            </a:r>
+            <a:r>
+              <a:rPr kumimoji="0" lang="en-US" altLang="en-US" sz="2400" b="0" i="0" u="none" strike="noStrike" cap="none" normalizeH="0" baseline="0" dirty="0" smtClean="0">
+                <a:ln>
+                  <a:noFill/>
+                </a:ln>
+                <a:solidFill>
                   <a:srgbClr val="DCDCDC"/>
                 </a:solidFill>
                 <a:effectLst/>
                 <a:latin typeface="Fira Code"/>
               </a:rPr>
-              <a:t>&gt;= </a:t>
-            </a:r>
-            <a:r>
-              <a:rPr kumimoji="0" lang="en-US" altLang="en-US" sz="2400" b="0" i="0" u="none" strike="noStrike" cap="none" normalizeH="0" baseline="0" dirty="0" smtClean="0">
-                <a:ln>
-                  <a:noFill/>
-                </a:ln>
-                <a:solidFill>
-                  <a:srgbClr val="B5CEA8"/>
-                </a:solidFill>
-                <a:effectLst/>
-                <a:latin typeface="Fira Code"/>
-              </a:rPr>
-              <a:t>300</a:t>
-            </a:r>
-            <a:r>
+              <a:t>)</a:t>
+            </a:r>
+            <a:br>
               <a:rPr kumimoji="0" lang="en-US" altLang="en-US" sz="2400" b="0" i="0" u="none" strike="noStrike" cap="none" normalizeH="0" baseline="0" dirty="0" smtClean="0">
                 <a:ln>
                   <a:noFill/>
@@ -14299,7 +15645,19 @@
                 <a:effectLst/>
                 <a:latin typeface="Fira Code"/>
               </a:rPr>
-              <a:t>)</a:t>
+            </a:br>
+            <a:r>
+              <a:rPr kumimoji="0" lang="en-US" altLang="en-US" sz="2400" b="0" i="0" u="none" strike="noStrike" cap="none" normalizeH="0" baseline="0" dirty="0" smtClean="0">
+                <a:ln>
+                  <a:noFill/>
+                </a:ln>
+                <a:solidFill>
+                  <a:srgbClr val="DCDCDC"/>
+                </a:solidFill>
+                <a:effectLst/>
+                <a:latin typeface="Fira Code"/>
+              </a:rPr>
+              <a:t>    {</a:t>
             </a:r>
             <a:br>
               <a:rPr kumimoji="0" lang="en-US" altLang="en-US" sz="2400" b="0" i="0" u="none" strike="noStrike" cap="none" normalizeH="0" baseline="0" dirty="0" smtClean="0">
@@ -14324,7 +15682,85 @@
                 <a:effectLst/>
                 <a:latin typeface="Fira Code"/>
               </a:rPr>
-              <a:t>    {</a:t>
+              <a:t>        </a:t>
+            </a:r>
+            <a:r>
+              <a:rPr kumimoji="0" lang="en-US" altLang="en-US" sz="2400" b="0" i="0" u="none" strike="noStrike" cap="none" normalizeH="0" baseline="0" dirty="0" smtClean="0">
+                <a:ln>
+                  <a:noFill/>
+                </a:ln>
+                <a:solidFill>
+                  <a:srgbClr val="EE82EE"/>
+                </a:solidFill>
+                <a:effectLst/>
+                <a:latin typeface="Fira Code"/>
+              </a:rPr>
+              <a:t>Status </a:t>
+            </a:r>
+            <a:r>
+              <a:rPr kumimoji="0" lang="en-US" altLang="en-US" sz="2400" b="0" i="0" u="none" strike="noStrike" cap="none" normalizeH="0" baseline="0" dirty="0" smtClean="0">
+                <a:ln>
+                  <a:noFill/>
+                </a:ln>
+                <a:solidFill>
+                  <a:srgbClr val="DCDCDC"/>
+                </a:solidFill>
+                <a:effectLst/>
+                <a:latin typeface="Fira Code"/>
+              </a:rPr>
+              <a:t>= </a:t>
+            </a:r>
+            <a:r>
+              <a:rPr kumimoji="0" lang="en-US" altLang="en-US" sz="2400" b="0" i="0" u="none" strike="noStrike" cap="none" normalizeH="0" baseline="0" dirty="0" err="1" smtClean="0">
+                <a:ln>
+                  <a:noFill/>
+                </a:ln>
+                <a:solidFill>
+                  <a:srgbClr val="ADD8E6"/>
+                </a:solidFill>
+                <a:effectLst/>
+                <a:latin typeface="Fira Code"/>
+              </a:rPr>
+              <a:t>PaymentStatus</a:t>
+            </a:r>
+            <a:r>
+              <a:rPr kumimoji="0" lang="en-US" altLang="en-US" sz="2400" b="0" i="0" u="none" strike="noStrike" cap="none" normalizeH="0" baseline="0" dirty="0" err="1" smtClean="0">
+                <a:ln>
+                  <a:noFill/>
+                </a:ln>
+                <a:solidFill>
+                  <a:srgbClr val="DCDCDC"/>
+                </a:solidFill>
+                <a:effectLst/>
+                <a:latin typeface="Fira Code"/>
+              </a:rPr>
+              <a:t>.</a:t>
+            </a:r>
+            <a:r>
+              <a:rPr kumimoji="0" lang="en-US" altLang="en-US" sz="2400" b="1" i="0" u="none" strike="noStrike" cap="none" normalizeH="0" baseline="0" dirty="0" err="1" smtClean="0">
+                <a:ln>
+                  <a:noFill/>
+                </a:ln>
+                <a:solidFill>
+                  <a:srgbClr val="EE82EE"/>
+                </a:solidFill>
+                <a:effectLst/>
+                <a:latin typeface="Fira Code"/>
+              </a:rPr>
+              <a:t>Rejected</a:t>
+            </a:r>
+            <a:r>
+              <a:rPr kumimoji="0" lang="en-US" altLang="en-US" sz="2400" b="0" i="0" u="none" strike="noStrike" cap="none" normalizeH="0" baseline="0" dirty="0" smtClean="0">
+                <a:ln>
+                  <a:noFill/>
+                </a:ln>
+                <a:solidFill>
+                  <a:srgbClr val="DCDCDC"/>
+                </a:solidFill>
+                <a:effectLst/>
+                <a:latin typeface="Fira Code"/>
+              </a:rPr>
+              <a:t>;</a:t>
             </a:r>
             <a:br>
               <a:rPr kumimoji="0" lang="en-US" altLang="en-US" sz="2400" b="0" i="0" u="none" strike="noStrike" cap="none" normalizeH="0" baseline="0" dirty="0" smtClean="0">
@@ -14352,6 +15788,84 @@
               <a:t>        </a:t>
             </a:r>
             <a:r>
+              <a:rPr kumimoji="0" lang="en-US" altLang="en-US" sz="2400" b="0" i="0" u="none" strike="noStrike" cap="none" normalizeH="0" baseline="0" dirty="0" err="1" smtClean="0">
+                <a:ln>
+                  <a:noFill/>
+                </a:ln>
+                <a:solidFill>
+                  <a:srgbClr val="00FFFF"/>
+                </a:solidFill>
+                <a:effectLst/>
+                <a:latin typeface="Fira Code"/>
+              </a:rPr>
+              <a:t>RecordEvent</a:t>
+            </a:r>
+            <a:r>
+              <a:rPr kumimoji="0" lang="en-US" altLang="en-US" sz="2400" b="0" i="0" u="none" strike="noStrike" cap="none" normalizeH="0" baseline="0" dirty="0" smtClean="0">
+                <a:ln>
+                  <a:noFill/>
+                </a:ln>
+                <a:solidFill>
+                  <a:srgbClr val="DCDCDC"/>
+                </a:solidFill>
+                <a:effectLst/>
+                <a:latin typeface="Fira Code"/>
+              </a:rPr>
+              <a:t>(</a:t>
+            </a:r>
+            <a:r>
+              <a:rPr kumimoji="0" lang="en-US" altLang="en-US" sz="2400" b="0" i="0" u="none" strike="noStrike" cap="none" normalizeH="0" baseline="0" dirty="0" smtClean="0">
+                <a:ln>
+                  <a:noFill/>
+                </a:ln>
+                <a:solidFill>
+                  <a:srgbClr val="569CD6"/>
+                </a:solidFill>
+                <a:effectLst/>
+                <a:latin typeface="Fira Code"/>
+              </a:rPr>
+              <a:t>new </a:t>
+            </a:r>
+            <a:r>
+              <a:rPr kumimoji="0" lang="en-US" altLang="en-US" sz="2400" b="0" i="0" u="none" strike="noStrike" cap="none" normalizeH="0" baseline="0" dirty="0" err="1" smtClean="0">
+                <a:ln>
+                  <a:noFill/>
+                </a:ln>
+                <a:solidFill>
+                  <a:srgbClr val="ADD8E6"/>
+                </a:solidFill>
+                <a:effectLst/>
+                <a:latin typeface="Fira Code"/>
+              </a:rPr>
+              <a:t>Payment</a:t>
+            </a:r>
+            <a:r>
+              <a:rPr kumimoji="0" lang="en-US" altLang="en-US" sz="2400" b="0" i="0" u="none" strike="noStrike" cap="none" normalizeH="0" baseline="0" dirty="0" err="1" smtClean="0">
+                <a:ln>
+                  <a:noFill/>
+                </a:ln>
+                <a:solidFill>
+                  <a:schemeClr val="bg1"/>
+                </a:solidFill>
+                <a:effectLst/>
+                <a:latin typeface="Fira Code"/>
+              </a:rPr>
+              <a:t>Rejected</a:t>
+            </a:r>
+            <a:r>
+              <a:rPr kumimoji="0" lang="en-US" altLang="en-US" sz="2400" b="0" i="0" u="none" strike="noStrike" cap="none" normalizeH="0" baseline="0" dirty="0" smtClean="0">
+                <a:ln>
+                  <a:noFill/>
+                </a:ln>
+                <a:solidFill>
+                  <a:srgbClr val="DCDCDC"/>
+                </a:solidFill>
+                <a:effectLst/>
+                <a:latin typeface="Fira Code"/>
+              </a:rPr>
+              <a:t>(</a:t>
+            </a:r>
+            <a:r>
               <a:rPr kumimoji="0" lang="en-US" altLang="en-US" sz="2400" b="0" i="0" u="none" strike="noStrike" cap="none" normalizeH="0" baseline="0" dirty="0" smtClean="0">
                 <a:ln>
                   <a:noFill/>
@@ -14362,6 +15876,210 @@
                 <a:effectLst/>
                 <a:latin typeface="Fira Code"/>
               </a:rPr>
+              <a:t>Id</a:t>
+            </a:r>
+            <a:r>
+              <a:rPr kumimoji="0" lang="en-US" altLang="en-US" sz="2400" b="0" i="0" u="none" strike="noStrike" cap="none" normalizeH="0" baseline="0" dirty="0" smtClean="0">
+                <a:ln>
+                  <a:noFill/>
+                </a:ln>
+                <a:solidFill>
+                  <a:srgbClr val="DCDCDC"/>
+                </a:solidFill>
+                <a:effectLst/>
+                <a:latin typeface="Fira Code"/>
+              </a:rPr>
+              <a:t>, </a:t>
+            </a:r>
+            <a:r>
+              <a:rPr kumimoji="0" lang="en-US" altLang="en-US" sz="2400" b="0" i="0" u="none" strike="noStrike" cap="none" normalizeH="0" baseline="0" dirty="0" err="1" smtClean="0">
+                <a:ln>
+                  <a:noFill/>
+                </a:ln>
+                <a:solidFill>
+                  <a:srgbClr val="EE82EE"/>
+                </a:solidFill>
+                <a:effectLst/>
+                <a:latin typeface="Fira Code"/>
+              </a:rPr>
+              <a:t>OrderId</a:t>
+            </a:r>
+            <a:r>
+              <a:rPr kumimoji="0" lang="en-US" altLang="en-US" sz="2400" b="0" i="0" u="none" strike="noStrike" cap="none" normalizeH="0" baseline="0" dirty="0" smtClean="0">
+                <a:ln>
+                  <a:noFill/>
+                </a:ln>
+                <a:solidFill>
+                  <a:srgbClr val="DCDCDC"/>
+                </a:solidFill>
+                <a:effectLst/>
+                <a:latin typeface="Fira Code"/>
+              </a:rPr>
+              <a:t>, </a:t>
+            </a:r>
+            <a:r>
+              <a:rPr kumimoji="0" lang="en-US" altLang="en-US" sz="2400" b="0" i="0" u="none" strike="noStrike" cap="none" normalizeH="0" baseline="0" dirty="0" smtClean="0">
+                <a:ln>
+                  <a:noFill/>
+                </a:ln>
+                <a:solidFill>
+                  <a:srgbClr val="EE82EE"/>
+                </a:solidFill>
+                <a:effectLst/>
+                <a:latin typeface="Fira Code"/>
+              </a:rPr>
+              <a:t>Amount</a:t>
+            </a:r>
+            <a:r>
+              <a:rPr kumimoji="0" lang="en-US" altLang="en-US" sz="2400" b="0" i="0" u="none" strike="noStrike" cap="none" normalizeH="0" baseline="0" dirty="0" smtClean="0">
+                <a:ln>
+                  <a:noFill/>
+                </a:ln>
+                <a:solidFill>
+                  <a:srgbClr val="DCDCDC"/>
+                </a:solidFill>
+                <a:effectLst/>
+                <a:latin typeface="Fira Code"/>
+              </a:rPr>
+              <a:t>));</a:t>
+            </a:r>
+            <a:br>
+              <a:rPr kumimoji="0" lang="en-US" altLang="en-US" sz="2400" b="0" i="0" u="none" strike="noStrike" cap="none" normalizeH="0" baseline="0" dirty="0" smtClean="0">
+                <a:ln>
+                  <a:noFill/>
+                </a:ln>
+                <a:solidFill>
+                  <a:srgbClr val="DCDCDC"/>
+                </a:solidFill>
+                <a:effectLst/>
+                <a:latin typeface="Fira Code"/>
+              </a:rPr>
+            </a:br>
+            <a:r>
+              <a:rPr kumimoji="0" lang="en-US" altLang="en-US" sz="2400" b="0" i="0" u="none" strike="noStrike" cap="none" normalizeH="0" baseline="0" dirty="0" smtClean="0">
+                <a:ln>
+                  <a:noFill/>
+                </a:ln>
+                <a:solidFill>
+                  <a:srgbClr val="DCDCDC"/>
+                </a:solidFill>
+                <a:effectLst/>
+                <a:latin typeface="Fira Code"/>
+              </a:rPr>
+              <a:t>    }</a:t>
+            </a:r>
+            <a:br>
+              <a:rPr kumimoji="0" lang="en-US" altLang="en-US" sz="2400" b="0" i="0" u="none" strike="noStrike" cap="none" normalizeH="0" baseline="0" dirty="0" smtClean="0">
+                <a:ln>
+                  <a:noFill/>
+                </a:ln>
+                <a:solidFill>
+                  <a:srgbClr val="DCDCDC"/>
+                </a:solidFill>
+                <a:effectLst/>
+                <a:latin typeface="Fira Code"/>
+              </a:rPr>
+            </a:br>
+            <a:r>
+              <a:rPr kumimoji="0" lang="en-US" altLang="en-US" sz="2400" b="0" i="0" u="none" strike="noStrike" cap="none" normalizeH="0" baseline="0" dirty="0" smtClean="0">
+                <a:ln>
+                  <a:noFill/>
+                </a:ln>
+                <a:solidFill>
+                  <a:srgbClr val="DCDCDC"/>
+                </a:solidFill>
+                <a:effectLst/>
+                <a:latin typeface="Fira Code"/>
+              </a:rPr>
+              <a:t>    </a:t>
+            </a:r>
+            <a:r>
+              <a:rPr kumimoji="0" lang="en-US" altLang="en-US" sz="2400" b="0" i="0" u="none" strike="noStrike" cap="none" normalizeH="0" baseline="0" dirty="0" smtClean="0">
+                <a:ln>
+                  <a:noFill/>
+                </a:ln>
+                <a:solidFill>
+                  <a:srgbClr val="569CD6"/>
+                </a:solidFill>
+                <a:effectLst/>
+                <a:latin typeface="Fira Code"/>
+              </a:rPr>
+              <a:t>else</a:t>
+            </a:r>
+            <a:br>
+              <a:rPr kumimoji="0" lang="en-US" altLang="en-US" sz="2400" b="0" i="0" u="none" strike="noStrike" cap="none" normalizeH="0" baseline="0" dirty="0" smtClean="0">
+                <a:ln>
+                  <a:noFill/>
+                </a:ln>
+                <a:solidFill>
+                  <a:srgbClr val="569CD6"/>
+                </a:solidFill>
+                <a:effectLst/>
+                <a:latin typeface="Fira Code"/>
+              </a:rPr>
+            </a:br>
+            <a:r>
+              <a:rPr kumimoji="0" lang="en-US" altLang="en-US" sz="2400" b="0" i="0" u="none" strike="noStrike" cap="none" normalizeH="0" baseline="0" dirty="0" smtClean="0">
+                <a:ln>
+                  <a:noFill/>
+                </a:ln>
+                <a:solidFill>
+                  <a:srgbClr val="569CD6"/>
+                </a:solidFill>
+                <a:effectLst/>
+                <a:latin typeface="Fira Code"/>
+              </a:rPr>
+              <a:t>    </a:t>
+            </a:r>
+            <a:r>
+              <a:rPr kumimoji="0" lang="en-US" altLang="en-US" sz="2400" b="0" i="0" u="none" strike="noStrike" cap="none" normalizeH="0" baseline="0" dirty="0" smtClean="0">
+                <a:ln>
+                  <a:noFill/>
+                </a:ln>
+                <a:solidFill>
+                  <a:srgbClr val="DCDCDC"/>
+                </a:solidFill>
+                <a:effectLst/>
+                <a:latin typeface="Fira Code"/>
+              </a:rPr>
+              <a:t>{</a:t>
+            </a:r>
+            <a:br>
+              <a:rPr kumimoji="0" lang="en-US" altLang="en-US" sz="2400" b="0" i="0" u="none" strike="noStrike" cap="none" normalizeH="0" baseline="0" dirty="0" smtClean="0">
+                <a:ln>
+                  <a:noFill/>
+                </a:ln>
+                <a:solidFill>
+                  <a:srgbClr val="DCDCDC"/>
+                </a:solidFill>
+                <a:effectLst/>
+                <a:latin typeface="Fira Code"/>
+              </a:rPr>
+            </a:br>
+            <a:r>
+              <a:rPr kumimoji="0" lang="en-US" altLang="en-US" sz="2400" b="0" i="0" u="none" strike="noStrike" cap="none" normalizeH="0" baseline="0" dirty="0" smtClean="0">
+                <a:ln>
+                  <a:noFill/>
+                </a:ln>
+                <a:solidFill>
+                  <a:srgbClr val="DCDCDC"/>
+                </a:solidFill>
+                <a:effectLst/>
+                <a:latin typeface="Fira Code"/>
+              </a:rPr>
+              <a:t>        </a:t>
+            </a:r>
+            <a:r>
+              <a:rPr kumimoji="0" lang="en-US" altLang="en-US" sz="2400" b="0" i="0" u="none" strike="noStrike" cap="none" normalizeH="0" baseline="0" dirty="0" smtClean="0">
+                <a:ln>
+                  <a:noFill/>
+                </a:ln>
+                <a:solidFill>
+                  <a:srgbClr val="EE82EE"/>
+                </a:solidFill>
+                <a:effectLst/>
+                <a:latin typeface="Fira Code"/>
+              </a:rPr>
               <a:t>Status </a:t>
             </a:r>
             <a:r>
@@ -14414,7 +16132,7 @@
                 <a:effectLst/>
                 <a:latin typeface="Fira Code"/>
               </a:rPr>
-              <a:t>Rejected</a:t>
+              <a:t>Accepted</a:t>
             </a:r>
             <a:r>
               <a:rPr kumimoji="0" lang="en-US" altLang="en-US" sz="2400" b="0" i="0" u="none" strike="noStrike" cap="none" normalizeH="0" baseline="0" dirty="0" smtClean="0">
@@ -14504,46 +16222,7 @@
                 <a:effectLst/>
                 <a:latin typeface="Fira Code"/>
               </a:rPr>
-              <a:t>PaymentRejected</a:t>
-            </a:r>
-            <a:r>
-              <a:rPr kumimoji="0" lang="en-US" altLang="en-US" sz="2400" b="0" i="0" u="none" strike="noStrike" cap="none" normalizeH="0" baseline="0" dirty="0" smtClean="0">
-                <a:ln>
-                  <a:noFill/>
-                </a:ln>
-                <a:solidFill>
-                  <a:srgbClr val="DCDCDC"/>
-                </a:solidFill>
-                <a:effectLst/>
-                <a:latin typeface="Fira Code"/>
-              </a:rPr>
-              <a:t>(</a:t>
-            </a:r>
-            <a:r>
-              <a:rPr kumimoji="0" lang="en-US" altLang="en-US" sz="2400" b="0" i="0" u="none" strike="noStrike" cap="none" normalizeH="0" baseline="0" dirty="0" smtClean="0">
-                <a:ln>
-                  <a:noFill/>
-                </a:ln>
-                <a:solidFill>
-                  <a:srgbClr val="EE82EE"/>
-                </a:solidFill>
-                <a:effectLst/>
-                <a:latin typeface="Fira Code"/>
-              </a:rPr>
-              <a:t>Id</a:t>
-            </a:r>
-            <a:r>
-              <a:rPr kumimoji="0" lang="en-US" altLang="en-US" sz="2400" b="0" i="0" u="none" strike="noStrike" cap="none" normalizeH="0" baseline="0" dirty="0" smtClean="0">
-                <a:ln>
-                  <a:noFill/>
-                </a:ln>
-                <a:solidFill>
-                  <a:srgbClr val="DCDCDC"/>
-                </a:solidFill>
-                <a:effectLst/>
-                <a:latin typeface="Fira Code"/>
-              </a:rPr>
-              <a:t>, </a:t>
+              <a:t>Payment</a:t>
             </a:r>
             <a:r>
               <a:rPr kumimoji="0" lang="en-US" altLang="en-US" sz="2400" b="0" i="0" u="none" strike="noStrike" cap="none" normalizeH="0" baseline="0" dirty="0" err="1" smtClean="0">
@@ -14551,332 +16230,12 @@
                   <a:noFill/>
                 </a:ln>
                 <a:solidFill>
-                  <a:srgbClr val="EE82EE"/>
-                </a:solidFill>
-                <a:effectLst/>
-                <a:latin typeface="Fira Code"/>
-              </a:rPr>
-              <a:t>OrderId</a:t>
-            </a:r>
-            <a:r>
-              <a:rPr kumimoji="0" lang="en-US" altLang="en-US" sz="2400" b="0" i="0" u="none" strike="noStrike" cap="none" normalizeH="0" baseline="0" dirty="0" smtClean="0">
-                <a:ln>
-                  <a:noFill/>
-                </a:ln>
-                <a:solidFill>
-                  <a:srgbClr val="DCDCDC"/>
-                </a:solidFill>
-                <a:effectLst/>
-                <a:latin typeface="Fira Code"/>
-              </a:rPr>
-              <a:t>, </a:t>
-            </a:r>
-            <a:r>
-              <a:rPr kumimoji="0" lang="en-US" altLang="en-US" sz="2400" b="0" i="0" u="none" strike="noStrike" cap="none" normalizeH="0" baseline="0" dirty="0" smtClean="0">
-                <a:ln>
-                  <a:noFill/>
-                </a:ln>
-                <a:solidFill>
-                  <a:srgbClr val="EE82EE"/>
-                </a:solidFill>
-                <a:effectLst/>
-                <a:latin typeface="Fira Code"/>
-              </a:rPr>
-              <a:t>Amount</a:t>
-            </a:r>
-            <a:r>
-              <a:rPr kumimoji="0" lang="en-US" altLang="en-US" sz="2400" b="0" i="0" u="none" strike="noStrike" cap="none" normalizeH="0" baseline="0" dirty="0" smtClean="0">
-                <a:ln>
-                  <a:noFill/>
-                </a:ln>
-                <a:solidFill>
-                  <a:srgbClr val="DCDCDC"/>
-                </a:solidFill>
-                <a:effectLst/>
-                <a:latin typeface="Fira Code"/>
-              </a:rPr>
-              <a:t>));</a:t>
-            </a:r>
-            <a:br>
-              <a:rPr kumimoji="0" lang="en-US" altLang="en-US" sz="2400" b="0" i="0" u="none" strike="noStrike" cap="none" normalizeH="0" baseline="0" dirty="0" smtClean="0">
-                <a:ln>
-                  <a:noFill/>
-                </a:ln>
-                <a:solidFill>
-                  <a:srgbClr val="DCDCDC"/>
-                </a:solidFill>
-                <a:effectLst/>
-                <a:latin typeface="Fira Code"/>
-              </a:rPr>
-            </a:br>
-            <a:r>
-              <a:rPr kumimoji="0" lang="en-US" altLang="en-US" sz="2400" b="0" i="0" u="none" strike="noStrike" cap="none" normalizeH="0" baseline="0" dirty="0" smtClean="0">
-                <a:ln>
-                  <a:noFill/>
-                </a:ln>
-                <a:solidFill>
-                  <a:srgbClr val="DCDCDC"/>
-                </a:solidFill>
-                <a:effectLst/>
-                <a:latin typeface="Fira Code"/>
-              </a:rPr>
-              <a:t>    }</a:t>
-            </a:r>
-            <a:br>
-              <a:rPr kumimoji="0" lang="en-US" altLang="en-US" sz="2400" b="0" i="0" u="none" strike="noStrike" cap="none" normalizeH="0" baseline="0" dirty="0" smtClean="0">
-                <a:ln>
-                  <a:noFill/>
-                </a:ln>
-                <a:solidFill>
-                  <a:srgbClr val="DCDCDC"/>
-                </a:solidFill>
-                <a:effectLst/>
-                <a:latin typeface="Fira Code"/>
-              </a:rPr>
-            </a:br>
-            <a:r>
-              <a:rPr kumimoji="0" lang="en-US" altLang="en-US" sz="2400" b="0" i="0" u="none" strike="noStrike" cap="none" normalizeH="0" baseline="0" dirty="0" smtClean="0">
-                <a:ln>
-                  <a:noFill/>
-                </a:ln>
-                <a:solidFill>
-                  <a:srgbClr val="DCDCDC"/>
-                </a:solidFill>
-                <a:effectLst/>
-                <a:latin typeface="Fira Code"/>
-              </a:rPr>
-              <a:t>    </a:t>
-            </a:r>
-            <a:r>
-              <a:rPr kumimoji="0" lang="en-US" altLang="en-US" sz="2400" b="0" i="0" u="none" strike="noStrike" cap="none" normalizeH="0" baseline="0" dirty="0" smtClean="0">
-                <a:ln>
-                  <a:noFill/>
-                </a:ln>
-                <a:solidFill>
-                  <a:srgbClr val="569CD6"/>
-                </a:solidFill>
-                <a:effectLst/>
-                <a:latin typeface="Fira Code"/>
-              </a:rPr>
-              <a:t>else</a:t>
-            </a:r>
-            <a:br>
-              <a:rPr kumimoji="0" lang="en-US" altLang="en-US" sz="2400" b="0" i="0" u="none" strike="noStrike" cap="none" normalizeH="0" baseline="0" dirty="0" smtClean="0">
-                <a:ln>
-                  <a:noFill/>
-                </a:ln>
-                <a:solidFill>
-                  <a:srgbClr val="569CD6"/>
-                </a:solidFill>
-                <a:effectLst/>
-                <a:latin typeface="Fira Code"/>
-              </a:rPr>
-            </a:br>
-            <a:r>
-              <a:rPr kumimoji="0" lang="en-US" altLang="en-US" sz="2400" b="0" i="0" u="none" strike="noStrike" cap="none" normalizeH="0" baseline="0" dirty="0" smtClean="0">
-                <a:ln>
-                  <a:noFill/>
-                </a:ln>
-                <a:solidFill>
-                  <a:srgbClr val="569CD6"/>
-                </a:solidFill>
-                <a:effectLst/>
-                <a:latin typeface="Fira Code"/>
-              </a:rPr>
-              <a:t>    </a:t>
-            </a:r>
-            <a:r>
-              <a:rPr kumimoji="0" lang="en-US" altLang="en-US" sz="2400" b="0" i="0" u="none" strike="noStrike" cap="none" normalizeH="0" baseline="0" dirty="0" smtClean="0">
-                <a:ln>
-                  <a:noFill/>
-                </a:ln>
-                <a:solidFill>
-                  <a:srgbClr val="DCDCDC"/>
-                </a:solidFill>
-                <a:effectLst/>
-                <a:latin typeface="Fira Code"/>
-              </a:rPr>
-              <a:t>{</a:t>
-            </a:r>
-            <a:br>
-              <a:rPr kumimoji="0" lang="en-US" altLang="en-US" sz="2400" b="0" i="0" u="none" strike="noStrike" cap="none" normalizeH="0" baseline="0" dirty="0" smtClean="0">
-                <a:ln>
-                  <a:noFill/>
-                </a:ln>
-                <a:solidFill>
-                  <a:srgbClr val="DCDCDC"/>
-                </a:solidFill>
-                <a:effectLst/>
-                <a:latin typeface="Fira Code"/>
-              </a:rPr>
-            </a:br>
-            <a:r>
-              <a:rPr kumimoji="0" lang="en-US" altLang="en-US" sz="2400" b="0" i="0" u="none" strike="noStrike" cap="none" normalizeH="0" baseline="0" dirty="0" smtClean="0">
-                <a:ln>
-                  <a:noFill/>
-                </a:ln>
-                <a:solidFill>
-                  <a:srgbClr val="DCDCDC"/>
-                </a:solidFill>
-                <a:effectLst/>
-                <a:latin typeface="Fira Code"/>
-              </a:rPr>
-              <a:t>        </a:t>
-            </a:r>
-            <a:r>
-              <a:rPr kumimoji="0" lang="en-US" altLang="en-US" sz="2400" b="0" i="0" u="none" strike="noStrike" cap="none" normalizeH="0" baseline="0" dirty="0" smtClean="0">
-                <a:ln>
-                  <a:noFill/>
-                </a:ln>
-                <a:solidFill>
-                  <a:srgbClr val="EE82EE"/>
-                </a:solidFill>
-                <a:effectLst/>
-                <a:latin typeface="Fira Code"/>
-              </a:rPr>
-              <a:t>Status </a:t>
-            </a:r>
-            <a:r>
-              <a:rPr kumimoji="0" lang="en-US" altLang="en-US" sz="2400" b="0" i="0" u="none" strike="noStrike" cap="none" normalizeH="0" baseline="0" dirty="0" smtClean="0">
-                <a:ln>
-                  <a:noFill/>
-                </a:ln>
-                <a:solidFill>
-                  <a:srgbClr val="DCDCDC"/>
-                </a:solidFill>
-                <a:effectLst/>
-                <a:latin typeface="Fira Code"/>
-              </a:rPr>
-              <a:t>= </a:t>
-            </a:r>
-            <a:r>
-              <a:rPr kumimoji="0" lang="en-US" altLang="en-US" sz="2400" b="0" i="0" u="none" strike="noStrike" cap="none" normalizeH="0" baseline="0" dirty="0" err="1" smtClean="0">
-                <a:ln>
-                  <a:noFill/>
-                </a:ln>
-                <a:solidFill>
-                  <a:srgbClr val="ADD8E6"/>
-                </a:solidFill>
-                <a:effectLst/>
-                <a:latin typeface="Fira Code"/>
-              </a:rPr>
-              <a:t>PaymentStatus</a:t>
-            </a:r>
-            <a:r>
-              <a:rPr kumimoji="0" lang="en-US" altLang="en-US" sz="2400" b="0" i="0" u="none" strike="noStrike" cap="none" normalizeH="0" baseline="0" dirty="0" err="1" smtClean="0">
-                <a:ln>
-                  <a:noFill/>
-                </a:ln>
-                <a:solidFill>
-                  <a:srgbClr val="DCDCDC"/>
-                </a:solidFill>
-                <a:effectLst/>
-                <a:latin typeface="Fira Code"/>
-              </a:rPr>
-              <a:t>.</a:t>
-            </a:r>
-            <a:r>
-              <a:rPr kumimoji="0" lang="en-US" altLang="en-US" sz="2400" b="1" i="0" u="none" strike="noStrike" cap="none" normalizeH="0" baseline="0" dirty="0" err="1" smtClean="0">
-                <a:ln>
-                  <a:noFill/>
-                </a:ln>
-                <a:solidFill>
-                  <a:srgbClr val="EE82EE"/>
+                  <a:schemeClr val="bg1"/>
                 </a:solidFill>
                 <a:effectLst/>
                 <a:latin typeface="Fira Code"/>
               </a:rPr>
               <a:t>Accepted</a:t>
-            </a:r>
-            <a:r>
-              <a:rPr kumimoji="0" lang="en-US" altLang="en-US" sz="2400" b="0" i="0" u="none" strike="noStrike" cap="none" normalizeH="0" baseline="0" dirty="0" smtClean="0">
-                <a:ln>
-                  <a:noFill/>
-                </a:ln>
-                <a:solidFill>
-                  <a:srgbClr val="DCDCDC"/>
-                </a:solidFill>
-                <a:effectLst/>
-                <a:latin typeface="Fira Code"/>
-              </a:rPr>
-              <a:t>;</a:t>
-            </a:r>
-            <a:br>
-              <a:rPr kumimoji="0" lang="en-US" altLang="en-US" sz="2400" b="0" i="0" u="none" strike="noStrike" cap="none" normalizeH="0" baseline="0" dirty="0" smtClean="0">
-                <a:ln>
-                  <a:noFill/>
-                </a:ln>
-                <a:solidFill>
-                  <a:srgbClr val="DCDCDC"/>
-                </a:solidFill>
-                <a:effectLst/>
-                <a:latin typeface="Fira Code"/>
-              </a:rPr>
-            </a:br>
-            <a:r>
-              <a:rPr kumimoji="0" lang="en-US" altLang="en-US" sz="2400" b="0" i="0" u="none" strike="noStrike" cap="none" normalizeH="0" baseline="0" dirty="0" smtClean="0">
-                <a:ln>
-                  <a:noFill/>
-                </a:ln>
-                <a:solidFill>
-                  <a:srgbClr val="DCDCDC"/>
-                </a:solidFill>
-                <a:effectLst/>
-                <a:latin typeface="Fira Code"/>
-              </a:rPr>
-              <a:t>        </a:t>
-            </a:r>
-            <a:r>
-              <a:rPr kumimoji="0" lang="en-US" altLang="en-US" sz="2400" b="0" i="0" u="none" strike="noStrike" cap="none" normalizeH="0" baseline="0" dirty="0" err="1" smtClean="0">
-                <a:ln>
-                  <a:noFill/>
-                </a:ln>
-                <a:solidFill>
-                  <a:srgbClr val="00FFFF"/>
-                </a:solidFill>
-                <a:effectLst/>
-                <a:latin typeface="Fira Code"/>
-              </a:rPr>
-              <a:t>RecordEvent</a:t>
-            </a:r>
-            <a:r>
-              <a:rPr kumimoji="0" lang="en-US" altLang="en-US" sz="2400" b="0" i="0" u="none" strike="noStrike" cap="none" normalizeH="0" baseline="0" dirty="0" smtClean="0">
-                <a:ln>
-                  <a:noFill/>
-                </a:ln>
-                <a:solidFill>
-                  <a:srgbClr val="DCDCDC"/>
-                </a:solidFill>
-                <a:effectLst/>
-                <a:latin typeface="Fira Code"/>
-              </a:rPr>
-              <a:t>(</a:t>
-            </a:r>
-            <a:r>
-              <a:rPr kumimoji="0" lang="en-US" altLang="en-US" sz="2400" b="0" i="0" u="none" strike="noStrike" cap="none" normalizeH="0" baseline="0" dirty="0" smtClean="0">
-                <a:ln>
-                  <a:noFill/>
-                </a:ln>
-                <a:solidFill>
-                  <a:srgbClr val="569CD6"/>
-                </a:solidFill>
-                <a:effectLst/>
-                <a:latin typeface="Fira Code"/>
-              </a:rPr>
-              <a:t>new </a:t>
-            </a:r>
-            <a:r>
-              <a:rPr kumimoji="0" lang="en-US" altLang="en-US" sz="2400" b="0" i="0" u="none" strike="noStrike" cap="none" normalizeH="0" baseline="0" dirty="0" err="1" smtClean="0">
-                <a:ln>
-                  <a:noFill/>
-                </a:ln>
-                <a:solidFill>
-                  <a:srgbClr val="ADD8E6"/>
-                </a:solidFill>
-                <a:effectLst/>
-                <a:latin typeface="Fira Code"/>
-              </a:rPr>
-              <a:t>PaymentAccepted</a:t>
             </a:r>
             <a:r>
               <a:rPr kumimoji="0" lang="en-US" altLang="en-US" sz="2400" b="0" i="0" u="none" strike="noStrike" cap="none" normalizeH="0" baseline="0" dirty="0" smtClean="0">
@@ -15069,6 +16428,162 @@
           <a:chExt cx="0" cy="0"/>
         </a:xfrm>
       </p:grpSpPr>
+      <mc:AlternateContent xmlns:mc="http://schemas.openxmlformats.org/markup-compatibility/2006">
+        <mc:Choice xmlns:p14="http://schemas.microsoft.com/office/powerpoint/2010/main" Requires="p14">
+          <p:contentPart p14:bwMode="auto" r:id="rId2">
+            <p14:nvContentPartPr>
+              <p14:cNvPr id="5" name="Ink 4"/>
+              <p14:cNvContentPartPr/>
+              <p14:nvPr/>
+            </p14:nvContentPartPr>
+            <p14:xfrm>
+              <a:off x="949403" y="304957"/>
+              <a:ext cx="1653480" cy="261000"/>
+            </p14:xfrm>
+          </p:contentPart>
+        </mc:Choice>
+        <mc:Fallback>
+          <p:pic>
+            <p:nvPicPr>
+              <p:cNvPr id="5" name="Ink 4"/>
+              <p:cNvPicPr/>
+              <p:nvPr/>
+            </p:nvPicPr>
+            <p:blipFill>
+              <a:blip r:embed="rId3"/>
+              <a:stretch>
+                <a:fillRect/>
+              </a:stretch>
+            </p:blipFill>
+            <p:spPr>
+              <a:xfrm>
+                <a:off x="865523" y="221077"/>
+                <a:ext cx="1821240" cy="428760"/>
+              </a:xfrm>
+              <a:prstGeom prst="rect">
+                <a:avLst/>
+              </a:prstGeom>
+            </p:spPr>
+          </p:pic>
+        </mc:Fallback>
+      </mc:AlternateContent>
+      <mc:AlternateContent xmlns:mc="http://schemas.openxmlformats.org/markup-compatibility/2006">
+        <mc:Choice xmlns:p14="http://schemas.microsoft.com/office/powerpoint/2010/main" Requires="p14">
+          <p:contentPart p14:bwMode="auto" r:id="rId4">
+            <p14:nvContentPartPr>
+              <p14:cNvPr id="7" name="Ink 6"/>
+              <p14:cNvContentPartPr/>
+              <p14:nvPr/>
+            </p14:nvContentPartPr>
+            <p14:xfrm>
+              <a:off x="1664723" y="2876797"/>
+              <a:ext cx="1465560" cy="293760"/>
+            </p14:xfrm>
+          </p:contentPart>
+        </mc:Choice>
+        <mc:Fallback>
+          <p:pic>
+            <p:nvPicPr>
+              <p:cNvPr id="7" name="Ink 6"/>
+              <p:cNvPicPr/>
+              <p:nvPr/>
+            </p:nvPicPr>
+            <p:blipFill>
+              <a:blip r:embed="rId5"/>
+              <a:stretch>
+                <a:fillRect/>
+              </a:stretch>
+            </p:blipFill>
+            <p:spPr>
+              <a:xfrm>
+                <a:off x="1580843" y="2792917"/>
+                <a:ext cx="1633320" cy="461520"/>
+              </a:xfrm>
+              <a:prstGeom prst="rect">
+                <a:avLst/>
+              </a:prstGeom>
+            </p:spPr>
+          </p:pic>
+        </mc:Fallback>
+      </mc:AlternateContent>
+      <mc:AlternateContent xmlns:mc="http://schemas.openxmlformats.org/markup-compatibility/2006">
+        <mc:Choice xmlns:p14="http://schemas.microsoft.com/office/powerpoint/2010/main" Requires="p14">
+          <p:contentPart p14:bwMode="auto" r:id="rId6">
+            <p14:nvContentPartPr>
+              <p14:cNvPr id="11" name="Ink 10"/>
+              <p14:cNvContentPartPr/>
+              <p14:nvPr/>
+            </p14:nvContentPartPr>
+            <p14:xfrm>
+              <a:off x="7010363" y="299197"/>
+              <a:ext cx="973440" cy="219960"/>
+            </p14:xfrm>
+          </p:contentPart>
+        </mc:Choice>
+        <mc:Fallback>
+          <p:pic>
+            <p:nvPicPr>
+              <p:cNvPr id="11" name="Ink 10"/>
+              <p:cNvPicPr/>
+              <p:nvPr/>
+            </p:nvPicPr>
+            <p:blipFill>
+              <a:blip r:embed="rId7"/>
+              <a:stretch>
+                <a:fillRect/>
+              </a:stretch>
+            </p:blipFill>
+            <p:spPr>
+              <a:xfrm>
+                <a:off x="6926483" y="215317"/>
+                <a:ext cx="1141200" cy="387720"/>
+              </a:xfrm>
+              <a:prstGeom prst="rect">
+                <a:avLst/>
+              </a:prstGeom>
+            </p:spPr>
+          </p:pic>
+        </mc:Fallback>
+      </mc:AlternateContent>
+      <mc:AlternateContent xmlns:mc="http://schemas.openxmlformats.org/markup-compatibility/2006">
+        <mc:Choice xmlns:p14="http://schemas.microsoft.com/office/powerpoint/2010/main" Requires="p14">
+          <p:contentPart p14:bwMode="auto" r:id="rId8">
+            <p14:nvContentPartPr>
+              <p14:cNvPr id="12" name="Ink 11"/>
+              <p14:cNvContentPartPr/>
+              <p14:nvPr/>
+            </p14:nvContentPartPr>
+            <p14:xfrm>
+              <a:off x="9062003" y="334837"/>
+              <a:ext cx="1231200" cy="218160"/>
+            </p14:xfrm>
+          </p:contentPart>
+        </mc:Choice>
+        <mc:Fallback>
+          <p:pic>
+            <p:nvPicPr>
+              <p:cNvPr id="12" name="Ink 11"/>
+              <p:cNvPicPr/>
+              <p:nvPr/>
+            </p:nvPicPr>
+            <p:blipFill>
+              <a:blip r:embed="rId9"/>
+              <a:stretch>
+                <a:fillRect/>
+              </a:stretch>
+            </p:blipFill>
+            <p:spPr>
+              <a:xfrm>
+                <a:off x="8978123" y="250957"/>
+                <a:ext cx="1398960" cy="385920"/>
+              </a:xfrm>
+              <a:prstGeom prst="rect">
+                <a:avLst/>
+              </a:prstGeom>
+            </p:spPr>
+          </p:pic>
+        </mc:Fallback>
+      </mc:AlternateContent>
       <p:sp>
         <p:nvSpPr>
           <p:cNvPr id="2" name="Rectangle 1"/>
@@ -15140,15 +16655,41 @@
                   <a:noFill/>
                 </a:ln>
                 <a:solidFill>
+                  <a:schemeClr val="bg1"/>
+                </a:solidFill>
+                <a:effectLst/>
+                <a:latin typeface="Fira Code"/>
+              </a:rPr>
+              <a:t>futureEvent</a:t>
+            </a:r>
+            <a:r>
+              <a:rPr kumimoji="0" lang="en-US" altLang="en-US" sz="2400" b="0" i="0" u="none" strike="noStrike" cap="none" normalizeH="0" baseline="0" dirty="0" smtClean="0">
+                <a:ln>
+                  <a:noFill/>
+                </a:ln>
+                <a:solidFill>
                   <a:srgbClr val="DCDCDC"/>
                 </a:solidFill>
                 <a:effectLst/>
                 <a:latin typeface="Fira Code"/>
               </a:rPr>
-              <a:t>futureEvent</a:t>
-            </a:r>
-            <a:r>
-              <a:rPr kumimoji="0" lang="en-US" altLang="en-US" sz="2400" b="0" i="0" u="none" strike="noStrike" cap="none" normalizeH="0" baseline="0" dirty="0" smtClean="0">
+              <a:t> = </a:t>
+            </a:r>
+            <a:r>
+              <a:rPr kumimoji="0" lang="en-US" altLang="en-US" sz="2400" b="0" i="0" u="none" strike="noStrike" cap="none" normalizeH="0" baseline="0" dirty="0" err="1" smtClean="0">
+                <a:ln>
+                  <a:noFill/>
+                </a:ln>
+                <a:solidFill>
+                  <a:srgbClr val="EE82EE"/>
+                </a:solidFill>
+                <a:effectLst/>
+                <a:latin typeface="Fira Code"/>
+              </a:rPr>
+              <a:t>observable</a:t>
+            </a:r>
+            <a:r>
+              <a:rPr kumimoji="0" lang="en-US" altLang="en-US" sz="2400" b="0" i="0" u="none" strike="noStrike" cap="none" normalizeH="0" baseline="0" dirty="0" err="1" smtClean="0">
                 <a:ln>
                   <a:noFill/>
                 </a:ln>
@@ -15158,7 +16699,7 @@
                 <a:effectLst/>
                 <a:latin typeface="Fira Code"/>
               </a:rPr>
-              <a:t> = </a:t>
+              <a:t>.</a:t>
             </a:r>
             <a:r>
               <a:rPr kumimoji="0" lang="en-US" altLang="en-US" sz="2400" b="0" i="0" u="none" strike="noStrike" cap="none" normalizeH="0" baseline="0" dirty="0" err="1" smtClean="0">
@@ -15166,12 +16707,219 @@
                   <a:noFill/>
                 </a:ln>
                 <a:solidFill>
+                  <a:srgbClr val="00FFFF"/>
+                </a:solidFill>
+                <a:effectLst/>
+                <a:latin typeface="Fira Code"/>
+              </a:rPr>
+              <a:t>FirstOfType</a:t>
+            </a:r>
+            <a:r>
+              <a:rPr kumimoji="0" lang="en-US" altLang="en-US" sz="2400" b="0" i="0" u="none" strike="noStrike" cap="none" normalizeH="0" baseline="0" dirty="0" smtClean="0">
+                <a:ln>
+                  <a:noFill/>
+                </a:ln>
+                <a:solidFill>
+                  <a:srgbClr val="DCDCDC"/>
+                </a:solidFill>
+                <a:effectLst/>
+                <a:latin typeface="Fira Code"/>
+              </a:rPr>
+              <a:t>&lt;</a:t>
+            </a:r>
+            <a:r>
+              <a:rPr kumimoji="0" lang="en-US" altLang="en-US" sz="2400" b="0" i="0" u="none" strike="noStrike" cap="none" normalizeH="0" baseline="0" dirty="0" err="1" smtClean="0">
+                <a:ln>
+                  <a:noFill/>
+                </a:ln>
+                <a:solidFill>
+                  <a:srgbClr val="ADD8E6"/>
+                </a:solidFill>
+                <a:effectLst/>
+                <a:latin typeface="Fira Code"/>
+              </a:rPr>
+              <a:t>Order</a:t>
+            </a:r>
+            <a:r>
+              <a:rPr kumimoji="0" lang="en-US" altLang="en-US" sz="2400" b="0" i="0" u="none" strike="noStrike" cap="none" normalizeH="0" baseline="0" dirty="0" err="1" smtClean="0">
+                <a:ln>
+                  <a:noFill/>
+                </a:ln>
+                <a:solidFill>
+                  <a:schemeClr val="bg1"/>
+                </a:solidFill>
+                <a:effectLst/>
+                <a:latin typeface="Fira Code"/>
+              </a:rPr>
+              <a:t>Fulfilled</a:t>
+            </a:r>
+            <a:r>
+              <a:rPr kumimoji="0" lang="en-US" altLang="en-US" sz="2400" b="0" i="0" u="none" strike="noStrike" cap="none" normalizeH="0" baseline="0" dirty="0" smtClean="0">
+                <a:ln>
+                  <a:noFill/>
+                </a:ln>
+                <a:solidFill>
+                  <a:srgbClr val="DCDCDC"/>
+                </a:solidFill>
+                <a:effectLst/>
+                <a:latin typeface="Fira Code"/>
+              </a:rPr>
+              <a:t>, </a:t>
+            </a:r>
+            <a:r>
+              <a:rPr kumimoji="0" lang="en-US" altLang="en-US" sz="2400" b="0" i="0" u="none" strike="noStrike" cap="none" normalizeH="0" baseline="0" dirty="0" err="1" smtClean="0">
+                <a:ln>
+                  <a:noFill/>
+                </a:ln>
+                <a:solidFill>
+                  <a:srgbClr val="ADD8E6"/>
+                </a:solidFill>
+                <a:effectLst/>
+                <a:latin typeface="Fira Code"/>
+              </a:rPr>
+              <a:t>Order</a:t>
+            </a:r>
+            <a:r>
+              <a:rPr kumimoji="0" lang="en-US" altLang="en-US" sz="2400" b="0" i="0" u="none" strike="noStrike" cap="none" normalizeH="0" baseline="0" dirty="0" err="1" smtClean="0">
+                <a:ln>
+                  <a:noFill/>
+                </a:ln>
+                <a:solidFill>
+                  <a:schemeClr val="bg1"/>
+                </a:solidFill>
+                <a:effectLst/>
+                <a:latin typeface="Fira Code"/>
+              </a:rPr>
+              <a:t>Discarded</a:t>
+            </a:r>
+            <a:r>
+              <a:rPr kumimoji="0" lang="en-US" altLang="en-US" sz="2400" b="0" i="0" u="none" strike="noStrike" cap="none" normalizeH="0" baseline="0" dirty="0" smtClean="0">
+                <a:ln>
+                  <a:noFill/>
+                </a:ln>
+                <a:solidFill>
+                  <a:srgbClr val="DCDCDC"/>
+                </a:solidFill>
+                <a:effectLst/>
+                <a:latin typeface="Fira Code"/>
+              </a:rPr>
+              <a:t>&gt;(</a:t>
+            </a:r>
+            <a:r>
+              <a:rPr kumimoji="0" lang="en-US" altLang="en-US" sz="2400" b="0" i="0" u="none" strike="noStrike" cap="none" normalizeH="0" baseline="0" dirty="0" err="1" smtClean="0">
+                <a:ln>
+                  <a:noFill/>
+                </a:ln>
+                <a:solidFill>
+                  <a:srgbClr val="DCDCDC"/>
+                </a:solidFill>
+                <a:effectLst/>
+                <a:latin typeface="Fira Code"/>
+              </a:rPr>
+              <a:t>orderId</a:t>
+            </a:r>
+            <a:r>
+              <a:rPr kumimoji="0" lang="en-US" altLang="en-US" sz="2400" b="0" i="0" u="none" strike="noStrike" cap="none" normalizeH="0" baseline="0" dirty="0" smtClean="0">
+                <a:ln>
+                  <a:noFill/>
+                </a:ln>
+                <a:solidFill>
+                  <a:srgbClr val="DCDCDC"/>
+                </a:solidFill>
+                <a:effectLst/>
+                <a:latin typeface="Fira Code"/>
+              </a:rPr>
+              <a:t>);</a:t>
+            </a:r>
+            <a:br>
+              <a:rPr kumimoji="0" lang="en-US" altLang="en-US" sz="2400" b="0" i="0" u="none" strike="noStrike" cap="none" normalizeH="0" baseline="0" dirty="0" smtClean="0">
+                <a:ln>
+                  <a:noFill/>
+                </a:ln>
+                <a:solidFill>
+                  <a:srgbClr val="DCDCDC"/>
+                </a:solidFill>
+                <a:effectLst/>
+                <a:latin typeface="Fira Code"/>
+              </a:rPr>
+            </a:br>
+            <a:r>
+              <a:rPr kumimoji="0" lang="en-US" altLang="en-US" sz="2400" b="0" i="0" u="none" strike="noStrike" cap="none" normalizeH="0" baseline="0" dirty="0" err="1" smtClean="0">
+                <a:ln>
+                  <a:noFill/>
+                </a:ln>
+                <a:solidFill>
+                  <a:srgbClr val="569CD6"/>
+                </a:solidFill>
+                <a:effectLst/>
+                <a:latin typeface="Fira Code"/>
+              </a:rPr>
+              <a:t>var</a:t>
+            </a:r>
+            <a:r>
+              <a:rPr kumimoji="0" lang="en-US" altLang="en-US" sz="2400" b="0" i="0" u="none" strike="noStrike" cap="none" normalizeH="0" baseline="0" dirty="0" smtClean="0">
+                <a:ln>
+                  <a:noFill/>
+                </a:ln>
+                <a:solidFill>
+                  <a:srgbClr val="569CD6"/>
+                </a:solidFill>
+                <a:effectLst/>
+                <a:latin typeface="Fira Code"/>
+              </a:rPr>
+              <a:t> </a:t>
+            </a:r>
+            <a:r>
+              <a:rPr kumimoji="0" lang="en-US" altLang="en-US" sz="2400" b="0" i="0" u="none" strike="noStrike" cap="none" normalizeH="0" baseline="0" dirty="0" smtClean="0">
+                <a:ln>
+                  <a:noFill/>
+                </a:ln>
+                <a:solidFill>
+                  <a:srgbClr val="DCDCDC"/>
+                </a:solidFill>
+                <a:effectLst/>
+                <a:latin typeface="Fira Code"/>
+              </a:rPr>
+              <a:t>command = </a:t>
+            </a:r>
+            <a:r>
+              <a:rPr kumimoji="0" lang="en-US" altLang="en-US" sz="2400" b="0" i="0" u="none" strike="noStrike" cap="none" normalizeH="0" baseline="0" dirty="0" smtClean="0">
+                <a:ln>
+                  <a:noFill/>
+                </a:ln>
+                <a:solidFill>
+                  <a:srgbClr val="569CD6"/>
+                </a:solidFill>
+                <a:effectLst/>
+                <a:latin typeface="Fira Code"/>
+              </a:rPr>
+              <a:t>await </a:t>
+            </a:r>
+            <a:r>
+              <a:rPr kumimoji="0" lang="en-US" altLang="en-US" sz="2400" b="0" i="0" u="none" strike="noStrike" cap="none" normalizeH="0" baseline="0" dirty="0" err="1" smtClean="0">
+                <a:ln>
+                  <a:noFill/>
+                </a:ln>
+                <a:solidFill>
+                  <a:srgbClr val="DCDCDC"/>
+                </a:solidFill>
+                <a:effectLst/>
+                <a:latin typeface="Fira Code"/>
+              </a:rPr>
+              <a:t>request.</a:t>
+            </a:r>
+            <a:r>
+              <a:rPr kumimoji="0" lang="en-US" altLang="en-US" sz="2400" b="0" i="0" u="none" strike="noStrike" cap="none" normalizeH="0" baseline="0" dirty="0" err="1" smtClean="0">
+                <a:ln>
+                  <a:noFill/>
+                </a:ln>
+                <a:solidFill>
                   <a:srgbClr val="EE82EE"/>
                 </a:solidFill>
                 <a:effectLst/>
                 <a:latin typeface="Fira Code"/>
               </a:rPr>
-              <a:t>observable</a:t>
+              <a:t>Body</a:t>
             </a:r>
             <a:r>
               <a:rPr kumimoji="0" lang="en-US" altLang="en-US" sz="2400" b="0" i="0" u="none" strike="noStrike" cap="none" normalizeH="0" baseline="0" dirty="0" err="1" smtClean="0">
@@ -15197,7 +16945,7 @@
                 <a:effectLst/>
                 <a:latin typeface="Fira Code"/>
               </a:rPr>
-              <a:t>FirstOfType</a:t>
+              <a:t>ReadAs</a:t>
             </a:r>
             <a:r>
               <a:rPr kumimoji="0" lang="en-US" altLang="en-US" sz="2400" b="0" i="0" u="none" strike="noStrike" cap="none" normalizeH="0" baseline="0" dirty="0" smtClean="0">
@@ -15223,7 +16971,7 @@
                 <a:effectLst/>
                 <a:latin typeface="Fira Code"/>
               </a:rPr>
-              <a:t>OrderFulfilled</a:t>
+              <a:t>PlaceOrder</a:t>
             </a:r>
             <a:r>
               <a:rPr kumimoji="0" lang="en-US" altLang="en-US" sz="2400" b="0" i="0" u="none" strike="noStrike" cap="none" normalizeH="0" baseline="0" dirty="0" smtClean="0">
@@ -15236,7 +16984,57 @@
                 <a:effectLst/>
                 <a:latin typeface="Fira Code"/>
               </a:rPr>
-              <a:t>, </a:t>
+              <a:t>&gt;();</a:t>
+            </a:r>
+            <a:br>
+              <a:rPr kumimoji="0" lang="en-US" altLang="en-US" sz="2400" b="0" i="0" u="none" strike="noStrike" cap="none" normalizeH="0" baseline="0" dirty="0" smtClean="0">
+                <a:ln>
+                  <a:noFill/>
+                </a:ln>
+                <a:solidFill>
+                  <a:srgbClr val="DCDCDC"/>
+                </a:solidFill>
+                <a:effectLst/>
+                <a:latin typeface="Fira Code"/>
+              </a:rPr>
+            </a:br>
+            <a:r>
+              <a:rPr kumimoji="0" lang="en-US" altLang="en-US" sz="2400" b="0" i="0" u="none" strike="noStrike" cap="none" normalizeH="0" baseline="0" dirty="0" smtClean="0">
+                <a:ln>
+                  <a:noFill/>
+                </a:ln>
+                <a:solidFill>
+                  <a:srgbClr val="DCDCDC"/>
+                </a:solidFill>
+                <a:effectLst/>
+                <a:latin typeface="Fira Code"/>
+              </a:rPr>
+              <a:t/>
+            </a:r>
+            <a:br>
+              <a:rPr kumimoji="0" lang="en-US" altLang="en-US" sz="2400" b="0" i="0" u="none" strike="noStrike" cap="none" normalizeH="0" baseline="0" dirty="0" smtClean="0">
+                <a:ln>
+                  <a:noFill/>
+                </a:ln>
+                <a:solidFill>
+                  <a:srgbClr val="DCDCDC"/>
+                </a:solidFill>
+                <a:effectLst/>
+                <a:latin typeface="Fira Code"/>
+              </a:rPr>
+            </a:br>
+            <a:r>
+              <a:rPr kumimoji="0" lang="en-US" altLang="en-US" sz="2400" b="0" i="0" u="none" strike="noStrike" cap="none" normalizeH="0" baseline="0" dirty="0" smtClean="0">
+                <a:ln>
+                  <a:noFill/>
+                </a:ln>
+                <a:solidFill>
+                  <a:srgbClr val="569CD6"/>
+                </a:solidFill>
+                <a:effectLst/>
+                <a:latin typeface="Fira Code"/>
+              </a:rPr>
+              <a:t>await </a:t>
             </a:r>
             <a:r>
               <a:rPr kumimoji="0" lang="en-US" altLang="en-US" sz="2400" b="0" i="0" u="none" strike="noStrike" cap="none" normalizeH="0" baseline="0" dirty="0" err="1" smtClean="0">
@@ -15244,15 +17042,15 @@
                   <a:noFill/>
                 </a:ln>
                 <a:solidFill>
-                  <a:srgbClr val="ADD8E6"/>
-                </a:solidFill>
-                <a:effectLst/>
-                <a:latin typeface="Fira Code"/>
-              </a:rPr>
-              <a:t>OrderDiscarded</a:t>
-            </a:r>
-            <a:r>
-              <a:rPr kumimoji="0" lang="en-US" altLang="en-US" sz="2400" b="0" i="0" u="none" strike="noStrike" cap="none" normalizeH="0" baseline="0" dirty="0" smtClean="0">
+                  <a:srgbClr val="EE82EE"/>
+                </a:solidFill>
+                <a:effectLst/>
+                <a:latin typeface="Fira Code"/>
+              </a:rPr>
+              <a:t>handler</a:t>
+            </a:r>
+            <a:r>
+              <a:rPr kumimoji="0" lang="en-US" altLang="en-US" sz="2400" b="0" i="0" u="none" strike="noStrike" cap="none" normalizeH="0" baseline="0" dirty="0" err="1" smtClean="0">
                 <a:ln>
                   <a:noFill/>
                 </a:ln>
@@ -15262,7 +17060,7 @@
                 <a:effectLst/>
                 <a:latin typeface="Fira Code"/>
               </a:rPr>
-              <a:t>&gt;(</a:t>
+              <a:t>.</a:t>
             </a:r>
             <a:r>
               <a:rPr kumimoji="0" lang="en-US" altLang="en-US" sz="2400" b="0" i="0" u="none" strike="noStrike" cap="none" normalizeH="0" baseline="0" dirty="0" err="1" smtClean="0">
@@ -15270,14 +17068,27 @@
                   <a:noFill/>
                 </a:ln>
                 <a:solidFill>
+                  <a:srgbClr val="00FFFF"/>
+                </a:solidFill>
+                <a:effectLst/>
+                <a:latin typeface="Fira Code"/>
+              </a:rPr>
+              <a:t>Handle</a:t>
+            </a:r>
+            <a:r>
+              <a:rPr kumimoji="0" lang="en-US" altLang="en-US" sz="2400" b="0" i="0" u="none" strike="noStrike" cap="none" normalizeH="0" baseline="0" dirty="0" smtClean="0">
+                <a:ln>
+                  <a:noFill/>
+                </a:ln>
+                <a:solidFill>
                   <a:srgbClr val="DCDCDC"/>
                 </a:solidFill>
                 <a:effectLst/>
                 <a:latin typeface="Fira Code"/>
               </a:rPr>
-              <a:t>orderId</a:t>
-            </a:r>
-            <a:r>
+              <a:t>(command);</a:t>
+            </a:r>
+            <a:br>
               <a:rPr kumimoji="0" lang="en-US" altLang="en-US" sz="2400" b="0" i="0" u="none" strike="noStrike" cap="none" normalizeH="0" baseline="0" dirty="0" smtClean="0">
                 <a:ln>
                   <a:noFill/>
@@ -15288,7 +17099,19 @@
                 <a:effectLst/>
                 <a:latin typeface="Fira Code"/>
               </a:rPr>
-              <a:t>);</a:t>
+            </a:br>
+            <a:r>
+              <a:rPr kumimoji="0" lang="en-US" altLang="en-US" sz="2400" b="0" i="0" u="none" strike="noStrike" cap="none" normalizeH="0" baseline="0" dirty="0" smtClean="0">
+                <a:ln>
+                  <a:noFill/>
+                </a:ln>
+                <a:solidFill>
+                  <a:srgbClr val="DCDCDC"/>
+                </a:solidFill>
+                <a:effectLst/>
+                <a:latin typeface="Fira Code"/>
+              </a:rPr>
+              <a:t/>
             </a:r>
             <a:br>
               <a:rPr kumimoji="0" lang="en-US" altLang="en-US" sz="2400" b="0" i="0" u="none" strike="noStrike" cap="none" normalizeH="0" baseline="0" dirty="0" smtClean="0">
@@ -15303,370 +17126,88 @@
               </a:rPr>
             </a:br>
             <a:r>
+              <a:rPr kumimoji="0" lang="en-US" altLang="en-US" sz="2400" b="0" i="0" u="none" strike="noStrike" cap="none" normalizeH="0" baseline="0" dirty="0" smtClean="0">
+                <a:ln>
+                  <a:noFill/>
+                </a:ln>
+                <a:solidFill>
+                  <a:srgbClr val="569CD6"/>
+                </a:solidFill>
+                <a:effectLst/>
+                <a:latin typeface="Fira Code"/>
+              </a:rPr>
+              <a:t>try</a:t>
+            </a:r>
+            <a:br>
+              <a:rPr kumimoji="0" lang="en-US" altLang="en-US" sz="2400" b="0" i="0" u="none" strike="noStrike" cap="none" normalizeH="0" baseline="0" dirty="0" smtClean="0">
+                <a:ln>
+                  <a:noFill/>
+                </a:ln>
+                <a:solidFill>
+                  <a:srgbClr val="569CD6"/>
+                </a:solidFill>
+                <a:effectLst/>
+                <a:latin typeface="Fira Code"/>
+              </a:rPr>
+            </a:br>
+            <a:r>
+              <a:rPr kumimoji="0" lang="en-US" altLang="en-US" sz="2400" b="0" i="0" u="none" strike="noStrike" cap="none" normalizeH="0" baseline="0" dirty="0" smtClean="0">
+                <a:ln>
+                  <a:noFill/>
+                </a:ln>
+                <a:solidFill>
+                  <a:srgbClr val="DCDCDC"/>
+                </a:solidFill>
+                <a:effectLst/>
+                <a:latin typeface="Fira Code"/>
+              </a:rPr>
+              <a:t>{</a:t>
+            </a:r>
+            <a:br>
+              <a:rPr kumimoji="0" lang="en-US" altLang="en-US" sz="2400" b="0" i="0" u="none" strike="noStrike" cap="none" normalizeH="0" baseline="0" dirty="0" smtClean="0">
+                <a:ln>
+                  <a:noFill/>
+                </a:ln>
+                <a:solidFill>
+                  <a:srgbClr val="DCDCDC"/>
+                </a:solidFill>
+                <a:effectLst/>
+                <a:latin typeface="Fira Code"/>
+              </a:rPr>
+            </a:br>
+            <a:r>
+              <a:rPr kumimoji="0" lang="en-US" altLang="en-US" sz="2400" b="0" i="0" u="none" strike="noStrike" cap="none" normalizeH="0" baseline="0" dirty="0" smtClean="0">
+                <a:ln>
+                  <a:noFill/>
+                </a:ln>
+                <a:solidFill>
+                  <a:srgbClr val="DCDCDC"/>
+                </a:solidFill>
+                <a:effectLst/>
+                <a:latin typeface="Fira Code"/>
+              </a:rPr>
+              <a:t>    </a:t>
+            </a:r>
+            <a:r>
+              <a:rPr kumimoji="0" lang="en-US" altLang="en-US" sz="2400" b="0" i="0" u="none" strike="noStrike" cap="none" normalizeH="0" baseline="0" dirty="0" smtClean="0">
+                <a:ln>
+                  <a:noFill/>
+                </a:ln>
+                <a:solidFill>
+                  <a:srgbClr val="569CD6"/>
+                </a:solidFill>
+                <a:effectLst/>
+                <a:latin typeface="Fira Code"/>
+              </a:rPr>
+              <a:t>await </a:t>
+            </a:r>
+            <a:r>
               <a:rPr kumimoji="0" lang="en-US" altLang="en-US" sz="2400" b="0" i="0" u="none" strike="noStrike" cap="none" normalizeH="0" baseline="0" dirty="0" err="1" smtClean="0">
                 <a:ln>
                   <a:noFill/>
                 </a:ln>
                 <a:solidFill>
-                  <a:srgbClr val="569CD6"/>
-                </a:solidFill>
-                <a:effectLst/>
-                <a:latin typeface="Fira Code"/>
-              </a:rPr>
-              <a:t>var</a:t>
-            </a:r>
-            <a:r>
-              <a:rPr kumimoji="0" lang="en-US" altLang="en-US" sz="2400" b="0" i="0" u="none" strike="noStrike" cap="none" normalizeH="0" baseline="0" dirty="0" smtClean="0">
-                <a:ln>
-                  <a:noFill/>
-                </a:ln>
-                <a:solidFill>
-                  <a:srgbClr val="569CD6"/>
-                </a:solidFill>
-                <a:effectLst/>
-                <a:latin typeface="Fira Code"/>
-              </a:rPr>
-              <a:t> </a:t>
-            </a:r>
-            <a:r>
-              <a:rPr kumimoji="0" lang="en-US" altLang="en-US" sz="2400" b="0" i="0" u="none" strike="noStrike" cap="none" normalizeH="0" baseline="0" dirty="0" smtClean="0">
-                <a:ln>
-                  <a:noFill/>
-                </a:ln>
-                <a:solidFill>
-                  <a:srgbClr val="DCDCDC"/>
-                </a:solidFill>
-                <a:effectLst/>
-                <a:latin typeface="Fira Code"/>
-              </a:rPr>
-              <a:t>command = </a:t>
-            </a:r>
-            <a:r>
-              <a:rPr kumimoji="0" lang="en-US" altLang="en-US" sz="2400" b="0" i="0" u="none" strike="noStrike" cap="none" normalizeH="0" baseline="0" dirty="0" smtClean="0">
-                <a:ln>
-                  <a:noFill/>
-                </a:ln>
-                <a:solidFill>
-                  <a:srgbClr val="569CD6"/>
-                </a:solidFill>
-                <a:effectLst/>
-                <a:latin typeface="Fira Code"/>
-              </a:rPr>
-              <a:t>await </a:t>
-            </a:r>
-            <a:r>
-              <a:rPr kumimoji="0" lang="en-US" altLang="en-US" sz="2400" b="0" i="0" u="none" strike="noStrike" cap="none" normalizeH="0" baseline="0" dirty="0" err="1" smtClean="0">
-                <a:ln>
-                  <a:noFill/>
-                </a:ln>
-                <a:solidFill>
-                  <a:srgbClr val="DCDCDC"/>
-                </a:solidFill>
-                <a:effectLst/>
-                <a:latin typeface="Fira Code"/>
-              </a:rPr>
-              <a:t>request.</a:t>
-            </a:r>
-            <a:r>
-              <a:rPr kumimoji="0" lang="en-US" altLang="en-US" sz="2400" b="0" i="0" u="none" strike="noStrike" cap="none" normalizeH="0" baseline="0" dirty="0" err="1" smtClean="0">
-                <a:ln>
-                  <a:noFill/>
-                </a:ln>
-                <a:solidFill>
-                  <a:srgbClr val="EE82EE"/>
-                </a:solidFill>
-                <a:effectLst/>
-                <a:latin typeface="Fira Code"/>
-              </a:rPr>
-              <a:t>Body</a:t>
-            </a:r>
-            <a:r>
-              <a:rPr kumimoji="0" lang="en-US" altLang="en-US" sz="2400" b="0" i="0" u="none" strike="noStrike" cap="none" normalizeH="0" baseline="0" dirty="0" err="1" smtClean="0">
-                <a:ln>
-                  <a:noFill/>
-                </a:ln>
-                <a:solidFill>
-                  <a:srgbClr val="DCDCDC"/>
-                </a:solidFill>
-                <a:effectLst/>
-                <a:latin typeface="Fira Code"/>
-              </a:rPr>
-              <a:t>.</a:t>
-            </a:r>
-            <a:r>
-              <a:rPr kumimoji="0" lang="en-US" altLang="en-US" sz="2400" b="0" i="0" u="none" strike="noStrike" cap="none" normalizeH="0" baseline="0" dirty="0" err="1" smtClean="0">
-                <a:ln>
-                  <a:noFill/>
-                </a:ln>
-                <a:solidFill>
-                  <a:srgbClr val="00FFFF"/>
-                </a:solidFill>
-                <a:effectLst/>
-                <a:latin typeface="Fira Code"/>
-              </a:rPr>
-              <a:t>ReadAs</a:t>
-            </a:r>
-            <a:r>
-              <a:rPr kumimoji="0" lang="en-US" altLang="en-US" sz="2400" b="0" i="0" u="none" strike="noStrike" cap="none" normalizeH="0" baseline="0" dirty="0" smtClean="0">
-                <a:ln>
-                  <a:noFill/>
-                </a:ln>
-                <a:solidFill>
-                  <a:srgbClr val="DCDCDC"/>
-                </a:solidFill>
-                <a:effectLst/>
-                <a:latin typeface="Fira Code"/>
-              </a:rPr>
-              <a:t>&lt;</a:t>
-            </a:r>
-            <a:r>
-              <a:rPr kumimoji="0" lang="en-US" altLang="en-US" sz="2400" b="0" i="0" u="none" strike="noStrike" cap="none" normalizeH="0" baseline="0" dirty="0" err="1" smtClean="0">
-                <a:ln>
-                  <a:noFill/>
-                </a:ln>
-                <a:solidFill>
-                  <a:srgbClr val="ADD8E6"/>
-                </a:solidFill>
-                <a:effectLst/>
-                <a:latin typeface="Fira Code"/>
-              </a:rPr>
-              <a:t>PlaceOrder</a:t>
-            </a:r>
-            <a:r>
-              <a:rPr kumimoji="0" lang="en-US" altLang="en-US" sz="2400" b="0" i="0" u="none" strike="noStrike" cap="none" normalizeH="0" baseline="0" dirty="0" smtClean="0">
-                <a:ln>
-                  <a:noFill/>
-                </a:ln>
-                <a:solidFill>
-                  <a:srgbClr val="DCDCDC"/>
-                </a:solidFill>
-                <a:effectLst/>
-                <a:latin typeface="Fira Code"/>
-              </a:rPr>
-              <a:t>&gt;();</a:t>
-            </a:r>
-            <a:br>
-              <a:rPr kumimoji="0" lang="en-US" altLang="en-US" sz="2400" b="0" i="0" u="none" strike="noStrike" cap="none" normalizeH="0" baseline="0" dirty="0" smtClean="0">
-                <a:ln>
-                  <a:noFill/>
-                </a:ln>
-                <a:solidFill>
-                  <a:srgbClr val="DCDCDC"/>
-                </a:solidFill>
-                <a:effectLst/>
-                <a:latin typeface="Fira Code"/>
-              </a:rPr>
-            </a:br>
-            <a:r>
-              <a:rPr kumimoji="0" lang="en-US" altLang="en-US" sz="2400" b="0" i="0" u="none" strike="noStrike" cap="none" normalizeH="0" baseline="0" dirty="0" smtClean="0">
-                <a:ln>
-                  <a:noFill/>
-                </a:ln>
-                <a:solidFill>
-                  <a:srgbClr val="DCDCDC"/>
-                </a:solidFill>
-                <a:effectLst/>
-                <a:latin typeface="Fira Code"/>
-              </a:rPr>
-              <a:t/>
-            </a:r>
-            <a:br>
-              <a:rPr kumimoji="0" lang="en-US" altLang="en-US" sz="2400" b="0" i="0" u="none" strike="noStrike" cap="none" normalizeH="0" baseline="0" dirty="0" smtClean="0">
-                <a:ln>
-                  <a:noFill/>
-                </a:ln>
-                <a:solidFill>
-                  <a:srgbClr val="DCDCDC"/>
-                </a:solidFill>
-                <a:effectLst/>
-                <a:latin typeface="Fira Code"/>
-              </a:rPr>
-            </a:br>
-            <a:r>
-              <a:rPr kumimoji="0" lang="en-US" altLang="en-US" sz="2400" b="0" i="0" u="none" strike="noStrike" cap="none" normalizeH="0" baseline="0" dirty="0" smtClean="0">
-                <a:ln>
-                  <a:noFill/>
-                </a:ln>
-                <a:solidFill>
-                  <a:srgbClr val="569CD6"/>
-                </a:solidFill>
-                <a:effectLst/>
-                <a:latin typeface="Fira Code"/>
-              </a:rPr>
-              <a:t>await </a:t>
-            </a:r>
-            <a:r>
-              <a:rPr kumimoji="0" lang="en-US" altLang="en-US" sz="2400" b="0" i="0" u="none" strike="noStrike" cap="none" normalizeH="0" baseline="0" dirty="0" err="1" smtClean="0">
-                <a:ln>
-                  <a:noFill/>
-                </a:ln>
-                <a:solidFill>
-                  <a:srgbClr val="EE82EE"/>
-                </a:solidFill>
-                <a:effectLst/>
-                <a:latin typeface="Fira Code"/>
-              </a:rPr>
-              <a:t>handler</a:t>
-            </a:r>
-            <a:r>
-              <a:rPr kumimoji="0" lang="en-US" altLang="en-US" sz="2400" b="0" i="0" u="none" strike="noStrike" cap="none" normalizeH="0" baseline="0" dirty="0" err="1" smtClean="0">
-                <a:ln>
-                  <a:noFill/>
-                </a:ln>
-                <a:solidFill>
-                  <a:srgbClr val="DCDCDC"/>
-                </a:solidFill>
-                <a:effectLst/>
-                <a:latin typeface="Fira Code"/>
-              </a:rPr>
-              <a:t>.</a:t>
-            </a:r>
-            <a:r>
-              <a:rPr kumimoji="0" lang="en-US" altLang="en-US" sz="2400" b="0" i="0" u="none" strike="noStrike" cap="none" normalizeH="0" baseline="0" dirty="0" err="1" smtClean="0">
-                <a:ln>
-                  <a:noFill/>
-                </a:ln>
-                <a:solidFill>
-                  <a:srgbClr val="00FFFF"/>
-                </a:solidFill>
-                <a:effectLst/>
-                <a:latin typeface="Fira Code"/>
-              </a:rPr>
-              <a:t>Handle</a:t>
-            </a:r>
-            <a:r>
-              <a:rPr kumimoji="0" lang="en-US" altLang="en-US" sz="2400" b="0" i="0" u="none" strike="noStrike" cap="none" normalizeH="0" baseline="0" dirty="0" smtClean="0">
-                <a:ln>
-                  <a:noFill/>
-                </a:ln>
-                <a:solidFill>
-                  <a:srgbClr val="DCDCDC"/>
-                </a:solidFill>
-                <a:effectLst/>
-                <a:latin typeface="Fira Code"/>
-              </a:rPr>
-              <a:t>(command);</a:t>
-            </a:r>
-            <a:br>
-              <a:rPr kumimoji="0" lang="en-US" altLang="en-US" sz="2400" b="0" i="0" u="none" strike="noStrike" cap="none" normalizeH="0" baseline="0" dirty="0" smtClean="0">
-                <a:ln>
-                  <a:noFill/>
-                </a:ln>
-                <a:solidFill>
-                  <a:srgbClr val="DCDCDC"/>
-                </a:solidFill>
-                <a:effectLst/>
-                <a:latin typeface="Fira Code"/>
-              </a:rPr>
-            </a:br>
-            <a:r>
-              <a:rPr kumimoji="0" lang="en-US" altLang="en-US" sz="2400" b="0" i="0" u="none" strike="noStrike" cap="none" normalizeH="0" baseline="0" dirty="0" smtClean="0">
-                <a:ln>
-                  <a:noFill/>
-                </a:ln>
-                <a:solidFill>
-                  <a:srgbClr val="DCDCDC"/>
-                </a:solidFill>
-                <a:effectLst/>
-                <a:latin typeface="Fira Code"/>
-              </a:rPr>
-              <a:t/>
-            </a:r>
-            <a:br>
-              <a:rPr kumimoji="0" lang="en-US" altLang="en-US" sz="2400" b="0" i="0" u="none" strike="noStrike" cap="none" normalizeH="0" baseline="0" dirty="0" smtClean="0">
-                <a:ln>
-                  <a:noFill/>
-                </a:ln>
-                <a:solidFill>
-                  <a:srgbClr val="DCDCDC"/>
-                </a:solidFill>
-                <a:effectLst/>
-                <a:latin typeface="Fira Code"/>
-              </a:rPr>
-            </a:br>
-            <a:r>
-              <a:rPr kumimoji="0" lang="en-US" altLang="en-US" sz="2400" b="0" i="0" u="none" strike="noStrike" cap="none" normalizeH="0" baseline="0" dirty="0" smtClean="0">
-                <a:ln>
-                  <a:noFill/>
-                </a:ln>
-                <a:solidFill>
-                  <a:srgbClr val="569CD6"/>
-                </a:solidFill>
-                <a:effectLst/>
-                <a:latin typeface="Fira Code"/>
-              </a:rPr>
-              <a:t>try</a:t>
-            </a:r>
-            <a:br>
-              <a:rPr kumimoji="0" lang="en-US" altLang="en-US" sz="2400" b="0" i="0" u="none" strike="noStrike" cap="none" normalizeH="0" baseline="0" dirty="0" smtClean="0">
-                <a:ln>
-                  <a:noFill/>
-                </a:ln>
-                <a:solidFill>
-                  <a:srgbClr val="569CD6"/>
-                </a:solidFill>
-                <a:effectLst/>
-                <a:latin typeface="Fira Code"/>
-              </a:rPr>
-            </a:br>
-            <a:r>
-              <a:rPr kumimoji="0" lang="en-US" altLang="en-US" sz="2400" b="0" i="0" u="none" strike="noStrike" cap="none" normalizeH="0" baseline="0" dirty="0" smtClean="0">
-                <a:ln>
-                  <a:noFill/>
-                </a:ln>
-                <a:solidFill>
-                  <a:srgbClr val="DCDCDC"/>
-                </a:solidFill>
-                <a:effectLst/>
-                <a:latin typeface="Fira Code"/>
-              </a:rPr>
-              <a:t>{</a:t>
-            </a:r>
-            <a:br>
-              <a:rPr kumimoji="0" lang="en-US" altLang="en-US" sz="2400" b="0" i="0" u="none" strike="noStrike" cap="none" normalizeH="0" baseline="0" dirty="0" smtClean="0">
-                <a:ln>
-                  <a:noFill/>
-                </a:ln>
-                <a:solidFill>
-                  <a:srgbClr val="DCDCDC"/>
-                </a:solidFill>
-                <a:effectLst/>
-                <a:latin typeface="Fira Code"/>
-              </a:rPr>
-            </a:br>
-            <a:r>
-              <a:rPr kumimoji="0" lang="en-US" altLang="en-US" sz="2400" b="0" i="0" u="none" strike="noStrike" cap="none" normalizeH="0" baseline="0" dirty="0" smtClean="0">
-                <a:ln>
-                  <a:noFill/>
-                </a:ln>
-                <a:solidFill>
-                  <a:srgbClr val="DCDCDC"/>
-                </a:solidFill>
-                <a:effectLst/>
-                <a:latin typeface="Fira Code"/>
-              </a:rPr>
-              <a:t>    </a:t>
-            </a:r>
-            <a:r>
-              <a:rPr kumimoji="0" lang="en-US" altLang="en-US" sz="2400" b="0" i="0" u="none" strike="noStrike" cap="none" normalizeH="0" baseline="0" dirty="0" smtClean="0">
-                <a:ln>
-                  <a:noFill/>
-                </a:ln>
-                <a:solidFill>
-                  <a:srgbClr val="569CD6"/>
-                </a:solidFill>
-                <a:effectLst/>
-                <a:latin typeface="Fira Code"/>
-              </a:rPr>
-              <a:t>await </a:t>
-            </a:r>
-            <a:r>
-              <a:rPr kumimoji="0" lang="en-US" altLang="en-US" sz="2400" b="0" i="0" u="none" strike="noStrike" cap="none" normalizeH="0" baseline="0" dirty="0" err="1" smtClean="0">
-                <a:ln>
-                  <a:noFill/>
-                </a:ln>
-                <a:solidFill>
-                  <a:srgbClr val="DCDCDC"/>
+                  <a:schemeClr val="bg1"/>
                 </a:solidFill>
                 <a:effectLst/>
                 <a:latin typeface="Fira Code"/>
@@ -16394,6 +17935,13 @@
   <p:clrMapOvr>
     <a:masterClrMapping/>
   </p:clrMapOvr>
+  <p:timing>
+    <p:tnLst>
+      <p:par>
+        <p:cTn id="1" dur="indefinite" restart="never" nodeType="tmRoot"/>
+      </p:par>
+    </p:tnLst>
+  </p:timing>
 </p:sld>
 </file>
 
@@ -17023,27 +18571,166 @@
         </p:nvSpPr>
         <p:spPr>
           <a:xfrm>
-            <a:off x="513286" y="128954"/>
+            <a:off x="513286" y="-12433"/>
+            <a:ext cx="10226797" cy="1905000"/>
+          </a:xfrm>
+        </p:spPr>
+        <p:txBody>
+          <a:bodyPr>
+            <a:normAutofit fontScale="90000"/>
+          </a:bodyPr>
+          <a:lstStyle/>
+          <a:p>
+            <a:r>
+              <a:rPr lang="en-US" sz="7200" dirty="0" smtClean="0"/>
+              <a:t>Thank You</a:t>
+            </a:r>
+            <a:r>
+              <a:rPr lang="en-US" sz="7200" dirty="0"/>
+              <a:t>! </a:t>
+            </a:r>
+            <a:r>
+              <a:rPr lang="en-US" sz="7200" dirty="0">
+                <a:solidFill>
+                  <a:schemeClr val="accent3"/>
+                </a:solidFill>
+              </a:rPr>
+              <a:t>Questions</a:t>
+            </a:r>
+            <a:r>
+              <a:rPr lang="en-US" sz="7200" dirty="0" smtClean="0">
+                <a:solidFill>
+                  <a:schemeClr val="accent3"/>
+                </a:solidFill>
+              </a:rPr>
+              <a:t>?</a:t>
+            </a:r>
+            <a:endParaRPr lang="en-US" sz="7200" dirty="0">
+              <a:solidFill>
+                <a:schemeClr val="accent3"/>
+              </a:solidFill>
+            </a:endParaRPr>
+          </a:p>
+        </p:txBody>
+      </p:sp>
+      <p:sp>
+        <p:nvSpPr>
+          <p:cNvPr id="3" name="Title 1"/>
+          <p:cNvSpPr txBox="1">
+            <a:spLocks/>
+          </p:cNvSpPr>
+          <p:nvPr/>
+        </p:nvSpPr>
+        <p:spPr>
+          <a:xfrm>
+            <a:off x="1141413" y="2514600"/>
             <a:ext cx="9905998" cy="1905000"/>
           </a:xfrm>
+          <a:prstGeom prst="rect">
+            <a:avLst/>
+          </a:prstGeom>
         </p:spPr>
         <p:txBody>
-          <a:bodyPr>
+          <a:bodyPr vert="horz" lIns="91440" tIns="45720" rIns="91440" bIns="45720" rtlCol="0" anchor="ctr">
             <a:normAutofit/>
           </a:bodyPr>
-          <a:lstStyle/>
-          <a:p>
-            <a:r>
-              <a:rPr lang="en-US" sz="7200" dirty="0" smtClean="0"/>
-              <a:t>Contacts</a:t>
-            </a:r>
+          <a:lstStyle>
+            <a:lvl1pPr algn="l" defTabSz="457200" rtl="0" eaLnBrk="1" latinLnBrk="0" hangingPunct="1">
+              <a:spcBef>
+                <a:spcPct val="0"/>
+              </a:spcBef>
+              <a:buNone/>
+              <a:defRPr sz="3200" kern="1200" cap="all">
+                <a:ln w="3175" cmpd="sng">
+                  <a:noFill/>
+                </a:ln>
+                <a:solidFill>
+                  <a:schemeClr val="tx1"/>
+                </a:solidFill>
+                <a:effectLst>
+                  <a:glow rad="38100">
+                    <a:schemeClr val="bg1">
+                      <a:lumMod val="65000"/>
+                      <a:lumOff val="35000"/>
+                      <a:alpha val="40000"/>
+                    </a:schemeClr>
+                  </a:glow>
+                  <a:outerShdw blurRad="28575" dist="38100" dir="14040000" algn="tl" rotWithShape="0">
+                    <a:srgbClr val="000000">
+                      <a:alpha val="25000"/>
+                    </a:srgbClr>
+                  </a:outerShdw>
+                </a:effectLst>
+                <a:latin typeface="+mj-lt"/>
+                <a:ea typeface="+mj-ea"/>
+                <a:cs typeface="+mj-cs"/>
+              </a:defRPr>
+            </a:lvl1pPr>
+            <a:lvl2pPr eaLnBrk="1" hangingPunct="1">
+              <a:defRPr>
+                <a:solidFill>
+                  <a:schemeClr val="tx2"/>
+                </a:solidFill>
+              </a:defRPr>
+            </a:lvl2pPr>
+            <a:lvl3pPr eaLnBrk="1" hangingPunct="1">
+              <a:defRPr>
+                <a:solidFill>
+                  <a:schemeClr val="tx2"/>
+                </a:solidFill>
+              </a:defRPr>
+            </a:lvl3pPr>
+            <a:lvl4pPr eaLnBrk="1" hangingPunct="1">
+              <a:defRPr>
+                <a:solidFill>
+                  <a:schemeClr val="tx2"/>
+                </a:solidFill>
+              </a:defRPr>
+            </a:lvl4pPr>
+            <a:lvl5pPr eaLnBrk="1" hangingPunct="1">
+              <a:defRPr>
+                <a:solidFill>
+                  <a:schemeClr val="tx2"/>
+                </a:solidFill>
+              </a:defRPr>
+            </a:lvl5pPr>
+            <a:lvl6pPr eaLnBrk="1" hangingPunct="1">
+              <a:defRPr>
+                <a:solidFill>
+                  <a:schemeClr val="tx2"/>
+                </a:solidFill>
+              </a:defRPr>
+            </a:lvl6pPr>
+            <a:lvl7pPr eaLnBrk="1" hangingPunct="1">
+              <a:defRPr>
+                <a:solidFill>
+                  <a:schemeClr val="tx2"/>
+                </a:solidFill>
+              </a:defRPr>
+            </a:lvl7pPr>
+            <a:lvl8pPr eaLnBrk="1" hangingPunct="1">
+              <a:defRPr>
+                <a:solidFill>
+                  <a:schemeClr val="tx2"/>
+                </a:solidFill>
+              </a:defRPr>
+            </a:lvl8pPr>
+            <a:lvl9pPr eaLnBrk="1" hangingPunct="1">
+              <a:defRPr>
+                <a:solidFill>
+                  <a:schemeClr val="tx2"/>
+                </a:solidFill>
+              </a:defRPr>
+            </a:lvl9pPr>
+          </a:lstStyle>
+          <a:p>
             <a:endParaRPr lang="en-US" sz="7200" dirty="0"/>
           </a:p>
         </p:txBody>
       </p:sp>
       <p:sp>
         <p:nvSpPr>
-          <p:cNvPr id="3" name="Rectangle 2"/>
+          <p:cNvPr id="4" name="Rectangle 3"/>
           <p:cNvSpPr/>
           <p:nvPr/>
         </p:nvSpPr>
@@ -17074,7 +18761,7 @@
       </p:sp>
       <p:sp>
         <p:nvSpPr>
-          <p:cNvPr id="4" name="Rectangle 3">
+          <p:cNvPr id="5" name="Rectangle 4">
             <a:hlinkClick r:id="rId3"/>
           </p:cNvPr>
           <p:cNvSpPr/>
@@ -17107,7 +18794,7 @@
       </p:sp>
       <p:sp>
         <p:nvSpPr>
-          <p:cNvPr id="5" name="Rectangle 4"/>
+          <p:cNvPr id="6" name="Rectangle 5"/>
           <p:cNvSpPr/>
           <p:nvPr/>
         </p:nvSpPr>
@@ -17138,7 +18825,7 @@
       </p:sp>
       <p:sp>
         <p:nvSpPr>
-          <p:cNvPr id="6" name="Rectangle 5"/>
+          <p:cNvPr id="7" name="Rectangle 6"/>
           <p:cNvSpPr/>
           <p:nvPr/>
         </p:nvSpPr>
@@ -17169,7 +18856,7 @@
       </p:sp>
       <p:sp>
         <p:nvSpPr>
-          <p:cNvPr id="7" name="Rectangle 6"/>
+          <p:cNvPr id="8" name="Rectangle 7"/>
           <p:cNvSpPr/>
           <p:nvPr/>
         </p:nvSpPr>
@@ -17201,131 +18888,7 @@
     </p:spTree>
     <p:extLst>
       <p:ext uri="{BB962C8B-B14F-4D97-AF65-F5344CB8AC3E}">
-        <p14:creationId xmlns:p14="http://schemas.microsoft.com/office/powerpoint/2010/main" val="3439253476"/>
-      </p:ext>
-    </p:extLst>
-  </p:cSld>
-  <p:clrMapOvr>
-    <a:masterClrMapping/>
-  </p:clrMapOvr>
-  <p:timing>
-    <p:tnLst>
-      <p:par>
-        <p:cTn id="1" dur="indefinite" restart="never" nodeType="tmRoot"/>
-      </p:par>
-    </p:tnLst>
-  </p:timing>
-</p:sld>
-</file>
-
-<file path=ppt/slides/slide26.xml><?xml version="1.0" encoding="utf-8"?>
-<p:sld xmlns:a="http://schemas.openxmlformats.org/drawingml/2006/main" xmlns:r="http://schemas.openxmlformats.org/officeDocument/2006/relationships" xmlns:p="http://schemas.openxmlformats.org/presentationml/2006/main">
-  <p:cSld>
-    <p:spTree>
-      <p:nvGrpSpPr>
-        <p:cNvPr id="1" name=""/>
-        <p:cNvGrpSpPr/>
-        <p:nvPr/>
-      </p:nvGrpSpPr>
-      <p:grpSpPr>
-        <a:xfrm>
-          <a:off x="0" y="0"/>
-          <a:ext cx="0" cy="0"/>
-          <a:chOff x="0" y="0"/>
-          <a:chExt cx="0" cy="0"/>
-        </a:xfrm>
-      </p:grpSpPr>
-      <p:sp>
-        <p:nvSpPr>
-          <p:cNvPr id="2" name="Title 1"/>
-          <p:cNvSpPr>
-            <a:spLocks noGrp="1"/>
-          </p:cNvSpPr>
-          <p:nvPr>
-            <p:ph type="title"/>
-          </p:nvPr>
-        </p:nvSpPr>
-        <p:spPr/>
-        <p:txBody>
-          <a:bodyPr>
-            <a:normAutofit/>
-          </a:bodyPr>
-          <a:lstStyle/>
-          <a:p>
-            <a:r>
-              <a:rPr lang="en-US" sz="7200" dirty="0" smtClean="0"/>
-              <a:t>Thank You!</a:t>
-            </a:r>
-            <a:endParaRPr lang="en-US" sz="7200" dirty="0"/>
-          </a:p>
-        </p:txBody>
-      </p:sp>
-    </p:spTree>
-    <p:extLst>
-      <p:ext uri="{BB962C8B-B14F-4D97-AF65-F5344CB8AC3E}">
         <p14:creationId xmlns:p14="http://schemas.microsoft.com/office/powerpoint/2010/main" val="517990129"/>
-      </p:ext>
-    </p:extLst>
-  </p:cSld>
-  <p:clrMapOvr>
-    <a:masterClrMapping/>
-  </p:clrMapOvr>
-  <p:timing>
-    <p:tnLst>
-      <p:par>
-        <p:cTn id="1" dur="indefinite" restart="never" nodeType="tmRoot"/>
-      </p:par>
-    </p:tnLst>
-  </p:timing>
-</p:sld>
-</file>
-
-<file path=ppt/slides/slide27.xml><?xml version="1.0" encoding="utf-8"?>
-<p:sld xmlns:a="http://schemas.openxmlformats.org/drawingml/2006/main" xmlns:r="http://schemas.openxmlformats.org/officeDocument/2006/relationships" xmlns:p="http://schemas.openxmlformats.org/presentationml/2006/main">
-  <p:cSld>
-    <p:spTree>
-      <p:nvGrpSpPr>
-        <p:cNvPr id="1" name=""/>
-        <p:cNvGrpSpPr/>
-        <p:nvPr/>
-      </p:nvGrpSpPr>
-      <p:grpSpPr>
-        <a:xfrm>
-          <a:off x="0" y="0"/>
-          <a:ext cx="0" cy="0"/>
-          <a:chOff x="0" y="0"/>
-          <a:chExt cx="0" cy="0"/>
-        </a:xfrm>
-      </p:grpSpPr>
-      <p:sp>
-        <p:nvSpPr>
-          <p:cNvPr id="2" name="Title 1"/>
-          <p:cNvSpPr>
-            <a:spLocks noGrp="1"/>
-          </p:cNvSpPr>
-          <p:nvPr>
-            <p:ph type="title"/>
-          </p:nvPr>
-        </p:nvSpPr>
-        <p:spPr/>
-        <p:txBody>
-          <a:bodyPr>
-            <a:normAutofit/>
-          </a:bodyPr>
-          <a:lstStyle/>
-          <a:p>
-            <a:r>
-              <a:rPr lang="en-US" sz="7200" dirty="0" smtClean="0"/>
-              <a:t>Questions?</a:t>
-            </a:r>
-            <a:endParaRPr lang="en-US" sz="7200" dirty="0"/>
-          </a:p>
-        </p:txBody>
-      </p:sp>
-    </p:spTree>
-    <p:extLst>
-      <p:ext uri="{BB962C8B-B14F-4D97-AF65-F5344CB8AC3E}">
-        <p14:creationId xmlns:p14="http://schemas.microsoft.com/office/powerpoint/2010/main" val="4142100600"/>
       </p:ext>
     </p:extLst>
   </p:cSld>
@@ -23347,7 +24910,7 @@
               <a:rPr lang="en-US" dirty="0" smtClean="0">
                 <a:solidFill>
                   <a:schemeClr val="accent3">
-                    <a:lumMod val="50000"/>
+                    <a:lumMod val="75000"/>
                   </a:schemeClr>
                 </a:solidFill>
               </a:rPr>

--- a/t18-event-mongodb.pptx
+++ b/t18-event-mongodb.pptx
@@ -5,10 +5,10 @@
     <p:sldMasterId id="2147483668" r:id="rId1"/>
   </p:sldMasterIdLst>
   <p:notesMasterIdLst>
-    <p:notesMasterId r:id="rId27"/>
+    <p:notesMasterId r:id="rId28"/>
   </p:notesMasterIdLst>
   <p:handoutMasterIdLst>
-    <p:handoutMasterId r:id="rId28"/>
+    <p:handoutMasterId r:id="rId29"/>
   </p:handoutMasterIdLst>
   <p:sldIdLst>
     <p:sldId id="274" r:id="rId2"/>
@@ -30,12 +30,13 @@
     <p:sldId id="273" r:id="rId18"/>
     <p:sldId id="283" r:id="rId19"/>
     <p:sldId id="284" r:id="rId20"/>
-    <p:sldId id="285" r:id="rId21"/>
-    <p:sldId id="286" r:id="rId22"/>
-    <p:sldId id="287" r:id="rId23"/>
-    <p:sldId id="279" r:id="rId24"/>
-    <p:sldId id="278" r:id="rId25"/>
-    <p:sldId id="282" r:id="rId26"/>
+    <p:sldId id="288" r:id="rId21"/>
+    <p:sldId id="285" r:id="rId22"/>
+    <p:sldId id="286" r:id="rId23"/>
+    <p:sldId id="287" r:id="rId24"/>
+    <p:sldId id="279" r:id="rId25"/>
+    <p:sldId id="278" r:id="rId26"/>
+    <p:sldId id="282" r:id="rId27"/>
   </p:sldIdLst>
   <p:sldSz cx="12192000" cy="6858000"/>
   <p:notesSz cx="6858000" cy="9144000"/>
@@ -138,6 +139,11 @@
     <p:ext uri="{EFAFB233-063F-42B5-8137-9DF3F51BA10A}">
       <p15:sldGuideLst xmlns:p15="http://schemas.microsoft.com/office/powerpoint/2012/main">
         <p15:guide id="1" orient="horz" pos="2160" userDrawn="1">
+          <p15:clr>
+            <a:srgbClr val="A4A3A4"/>
+          </p15:clr>
+        </p15:guide>
+        <p15:guide id="2" pos="3840">
           <p15:clr>
             <a:srgbClr val="A4A3A4"/>
           </p15:clr>
@@ -459,6 +465,415 @@
           <inkml:channelProperty channel="T" name="resolution" value="1" units="1/dev"/>
         </inkml:channelProperties>
       </inkml:inkSource>
+      <inkml:timestamp xml:id="ts0" timeString="2018-12-06T13:45:57.996"/>
+    </inkml:context>
+    <inkml:brush xml:id="br0">
+      <inkml:brushProperty name="width" value="0.46667" units="cm"/>
+      <inkml:brushProperty name="height" value="0.46667" units="cm"/>
+      <inkml:brushProperty name="color" value="#FFF200"/>
+      <inkml:brushProperty name="fitToCurve" value="1"/>
+    </inkml:brush>
+  </inkml:definitions>
+  <inkml:traceGroup>
+    <inkml:annotationXML>
+      <emma:emma xmlns:emma="http://www.w3.org/2003/04/emma" version="1.0">
+        <emma:interpretation id="{FE32BE35-2039-47ED-9DD9-3AE27D856756}" emma:medium="tactile" emma:mode="ink">
+          <msink:context xmlns:msink="http://schemas.microsoft.com/ink/2010/main" type="inkDrawing" rotatedBoundingBox="4852,16232 10780,16250 10777,17034 4850,17016" shapeName="Other">
+            <msink:destinationLink direction="with" ref="{5F14362A-5732-4A01-ADF1-8B1436AF8B26}"/>
+          </msink:context>
+        </emma:interpretation>
+      </emma:emma>
+    </inkml:annotationXML>
+    <inkml:trace contextRef="#ctx0" brushRef="#br0">0 228 0,'32'0'94,"1"0"-48,0 0 1,-1 0-31,1 0-16,-33 33 16,32-33-16,1 0 31,-1 0-16,1 0 1,-1 0-16,1 0 16,0 0-1,-1 0 1,1 0-16,-1 0 16,1 32-16,-1-32 15,1 0-15,0 0 0,-1 0 16,1 0-16,-1 0 15,1 0-15,-1 0 16,-32 33-16,33-33 0,-1 0 16,1 0-16,0 0 15,-1 0-15,1 0 0,-1 0 16,1 0-16,-1 0 16,1 0-16,0 0 15,-1 0 1,1 0-16,-1 0 15,-32-33-15,33 33 16,-1 0 15,1 0-31,0 0 16,-1 0-16,1 0 0,-1 0 16,33 0-16,0 0 0,-32 0 15,32 0-15,-32 0 0,32 0 16,-33 0-16,1 0 0,0 0 15,-1 0-15,1 0 16,-1 0-16,1 0 16,-1 0-16,1 0 0,-1 0 15,1 0-15,0 0 0,32 0 16,-33 0-16,1 0 0,-1 0 16,1 0-16,32 0 0,-32 0 15,-1 0-15,1 0 16,-1 0-16,1 0 0,0 0 15,-1 0-15,1-32 0,-1 32 16,1 0-16,-1 0 16,1 0-16,-1 0 15,1 0-15,0 0 0,-1 0 16,1 0-16,32 0 16,-33 0-16,1-33 0,32 33 15,-32 0-15,32 0 0,-33 0 16,33 0-16,1-32 0,-34 32 0,33 0 15,0 0-15,1 0 0,-1-33 16,0 33-16,0 0 0,-32 0 16,32 0-16,-33 0 0,1 0 15,-1 0-15,33-32 0,-32 32 16,0 0-16,-1 0 0,1 0 16,-1 0-16,1 0 0,-1-33 15,1 33-15,0 0 0,-1 0 16,1 0-16,-1 0 0,1 0 15,-1 0-15,1 0 16,-1 0-16,1 0 16,0 0-16,-1-32 0,33 32 0,0 0 15,-32 0-15,0-33 0,-1 33 16,1 0-16,-1 0 0,1 0 16,-1 0-16,1 0 0,0 0 15,-1 0-15,1 0 16,-1 0-16,1 0 0,-1-33 15,1 33-15,-1 0 16,1 0 0,0 0-1,-33 33 1,32-33 0,1 0-16,-1 0 46,1 0-30,-1 0 0,1 0-1,-33 33-15,33-33 0,-1 0 32,-32 32 14,33-32-30,-33 33 0,32-33-16,-32 32 15,33-32-15,-33 33 47,32-33 31,-32 32-62,-32-32 125,32 33-126,-33-33 1,1 0-1,-1 0-15,1 32 16,-1-32-16,0 0 16,1 0-16,-1 0 0,1 0 15,-1 0-15,1 0 16,-1 0-16,0 0 0,1 0 16,-1 0-16,1 0 15,-1 0-15,1 0 0,-1 0 16,1 0-16,-1 0 0,0 0 15,1 0-15,-1 0 16,1 0-16,-1 0 0,1 0 16,-1 0-16,0 0 15,1 0-15,-1 0 16,1 0-16,-1 0 16,1 0-16,-1-32 15,0 32-15,1 0 16,-1 0-16,1 0 0,-1 0 15,1 0-15,-1 0 16,1 0-16,-1 0 16,0 0-1,1 0-15,-1 0 0,1 0 16,-1 0-16,-32 0 0,32 0 16,1 0-16,-1 0 0,1 0 15,-1 0 1,1 0-1,-1 0-15,1 0 16,-1 0-16,0 0 16,1 0-16,-1 0 15,1 0-15,-1 0 16,1 0-16,-1 0 16,0 0-16,1 0 15,-1 0-15,1 0 16,32-33-16,-33 33 0,1 0 15,-1 0-15,0 0 16,1 0-16,-1 0 16,1 0-1,-1 0-15,1-32 16,-1 32-16,1 0 16,-1 0-16,0 0 15,1 0-15,-1 0 0,1 0 16,-1 0-1,1 0-15,-1 0 16,0 0-16,1-33 16,-1 33-16,1 0 0,-1 0 15,1 0-15,-1 0 0,1 0 16,-1 0-16,0 0 0,1 0 16,-1 0-16,1 0 15,-1 0 1,1 0-1,-1 0-15,0 0 0,1 0 16,-1 0 0,1 0-16,-1 0 0,1 0 15,-1 0 1,0 0-16,1 0 16,-1 0-16,1 0 0,-1 0 15,1 0-15,-1 0 0,1 0 16,-34 0-16,34 0 0,-33 0 15,0 0-15,32 0 0,0 0 0,1 0 16,-33 0-16,32 0 0,1 0 16,-1 0-16,1 0 15,-1 0 17,0 0-17,1 0 1,-1 0 78,1 0 31,-1 33-94,1-33-16,-1 0 17,0 0-17,1 0 1,-1 0-16,1 0 16,-1 32-1,1-32-15,-1 0 16,0 0-16,1 0 15,-1 0-15,1 0 16,-1 33-16,1-33 0,-1 0 0,1 0 16,-1 0-1,0 0-15,1 0 32,-1 0-1,1 0-16,32 32 1,-33-32-16,1 0 31,-1 0-31,0 33 16,1-33 0,-1 0-1,33 33 1,-32-33-1,-1 0 1,33 32 15,-32-32 63,-1 0-63,33 33-15,0-1 437,33-32-437,-33 33 62,0-1-31,32-32 0,1 33 15,-1-33-46,1 0-16,-1 0 15,-32 33 1,33-33-16,0 0 16,-1 0-16,1 0 15,-1 0 1,1 0-16,32 0 15,0 0-15,0 0 16,-32 0-16,-1 0 16,33 0-16,-32 0 0,0 0 15,-1 0-15,1 0 0,-1 0 16,33 0-16,-32 0 0,0 0 16,-1 0-16,1 0 31,-1 0-16,1 0-15,-1 0 16,1 0-16,0 0 16,-1 0-16,1 0 0,-1 0 15,1 0 1,-1 0 0,1 0-16,-1 0 15,1 0 1,0 0 15,-1 0-15,1 0-1,-1 0-15,1 0 16,-1 0 0,1 0-16,0 0 15,-1 0-15,1 0 16,-1 0-1,1 0-15,-1 0 16,1 0-16,-1 0 16,1 0-16,0 0 15,-1 0-15,1 0 16,-1 0 0,1 0-16,-1 0 15,1 0 1,0 0-16,-1 0 0,1 0 15,-1 0-15,1 0 16,-1 0-16,1 0 16,0 0-16,-1 0 0,1 0 15,-1 0 1,1 0-16,-33 32 0,32-32 16,1 0-16,-1 0 0,34 0 15,-1 0-15,0 0 0,0 33 16,0-33-16,33 0 0,-33 0 0,-33 0 15,34 0-15,-34 32 16,1-32-16,-1 0 0,1 0 16,-1 0-16,1 0 0,0 0 15,-1 0-15,1 0 0,-1 0 16,1 0-16,-1 0 16,1 0-1,0 0-15,-1 0 16,1 0-1,-1 0-15,1 0 0,-1 0 0,1 0 16,-1 33-16,1-33 0,0 0 16,-1 0-16,1 0 15,-1 0 1,1 0-16,-1 0 16,1 0-16,0 0 0,-1 0 15,1 0-15,-1 0 0,1 32 16,-1-32-16,1 0 0,-1 0 15,1 0-15,0 0 0,-1 0 0,1 0 16,-1 0-16,1 0 0,-1 0 16,-32 33-16,33-33 0,0 0 47,-1 0-32,1 0 1,-1 0-1,1 0 17,-1 0-17,1 0 32,0 0-31,-1 0-1,1 0-15,-1 0 0,1 0 16,-1 0-16,1 0 16,-1 0 15,-32-33-31,33 33 16,0 0-1,-1 0 32,1 0-31,-1 0 77,1 0-46,-1 0-31,-32-32-16,33 32 16,0 0-16,-1 0 15,1 0 1,-1 0-1,-32-33 1,33 33 0,-1 0-16,1 0 15,-1 0-15</inkml:trace>
+  </inkml:traceGroup>
+</inkml:ink>
+</file>
+
+<file path=ppt/ink/ink11.xml><?xml version="1.0" encoding="utf-8"?>
+<inkml:ink xmlns:inkml="http://www.w3.org/2003/InkML">
+  <inkml:definitions>
+    <inkml:context xml:id="ctx0">
+      <inkml:inkSource xml:id="inkSrc0">
+        <inkml:traceFormat>
+          <inkml:channel name="X" type="integer" max="3840" units="cm"/>
+          <inkml:channel name="Y" type="integer" max="1080" units="cm"/>
+          <inkml:channel name="T" type="integer" max="2.14748E9" units="dev"/>
+        </inkml:traceFormat>
+        <inkml:channelProperties>
+          <inkml:channelProperty channel="X" name="resolution" value="72.86527" units="1/cm"/>
+          <inkml:channelProperty channel="Y" name="resolution" value="36.48649" units="1/cm"/>
+          <inkml:channelProperty channel="T" name="resolution" value="1" units="1/dev"/>
+        </inkml:channelProperties>
+      </inkml:inkSource>
+      <inkml:timestamp xml:id="ts0" timeString="2018-12-06T13:46:00.045"/>
+    </inkml:context>
+    <inkml:brush xml:id="br0">
+      <inkml:brushProperty name="width" value="0.46667" units="cm"/>
+      <inkml:brushProperty name="height" value="0.46667" units="cm"/>
+      <inkml:brushProperty name="color" value="#FFF200"/>
+      <inkml:brushProperty name="fitToCurve" value="1"/>
+    </inkml:brush>
+  </inkml:definitions>
+  <inkml:traceGroup>
+    <inkml:annotationXML>
+      <emma:emma xmlns:emma="http://www.w3.org/2003/04/emma" version="1.0">
+        <emma:interpretation id="{5F14362A-5732-4A01-ADF1-8B1436AF8B26}" emma:medium="tactile" emma:mode="ink">
+          <msink:context xmlns:msink="http://schemas.microsoft.com/ink/2010/main" type="inkDrawing" rotatedBoundingBox="9053,16724 10095,16740 10094,16781 9052,16765" semanticType="callout" shapeName="Other">
+            <msink:sourceLink direction="with" ref="{FE32BE35-2039-47ED-9DD9-3AE27D856756}"/>
+          </msink:context>
+        </emma:interpretation>
+      </emma:emma>
+    </inkml:annotationXML>
+    <inkml:trace contextRef="#ctx0" brushRef="#br0">0 15 0,'32'0'15,"1"0"-15,-1 0 0,1 0 16,-1 0-16,1 0 0,32 0 16,-32 32-16,-1-32 0,1 0 15,-1 0-15,1 0 0,-1 0 16,1-32-16,0 32 0,-1 0 15,1 0-15,-1 0 0,1 0 16,-1 0-16,1 0 0,0 0 16,-1 0-16,1 0 0,-1 0 15,1 0 1,-33 32 0,32-32-16,1 0 0,0 0 15,-1 0 1,1 0 46</inkml:trace>
+  </inkml:traceGroup>
+</inkml:ink>
+</file>
+
+<file path=ppt/ink/ink12.xml><?xml version="1.0" encoding="utf-8"?>
+<inkml:ink xmlns:inkml="http://www.w3.org/2003/InkML">
+  <inkml:definitions>
+    <inkml:context xml:id="ctx0">
+      <inkml:inkSource xml:id="inkSrc0">
+        <inkml:traceFormat>
+          <inkml:channel name="X" type="integer" max="3840" units="cm"/>
+          <inkml:channel name="Y" type="integer" max="1080" units="cm"/>
+          <inkml:channel name="T" type="integer" max="2.14748E9" units="dev"/>
+        </inkml:traceFormat>
+        <inkml:channelProperties>
+          <inkml:channelProperty channel="X" name="resolution" value="72.86527" units="1/cm"/>
+          <inkml:channelProperty channel="Y" name="resolution" value="36.48649" units="1/cm"/>
+          <inkml:channelProperty channel="T" name="resolution" value="1" units="1/dev"/>
+        </inkml:channelProperties>
+      </inkml:inkSource>
+      <inkml:timestamp xml:id="ts0" timeString="2018-12-06T12:43:21.093"/>
+    </inkml:context>
+    <inkml:brush xml:id="br0">
+      <inkml:brushProperty name="width" value="0.46667" units="cm"/>
+      <inkml:brushProperty name="height" value="0.46667" units="cm"/>
+      <inkml:brushProperty name="color" value="#FFF200"/>
+      <inkml:brushProperty name="fitToCurve" value="1"/>
+    </inkml:brush>
+  </inkml:definitions>
+  <inkml:traceGroup>
+    <inkml:annotationXML>
+      <emma:emma xmlns:emma="http://www.w3.org/2003/04/emma" version="1.0">
+        <emma:interpretation id="{CAB98A92-6557-4D74-820F-E1E2BD553702}" emma:medium="tactile" emma:mode="ink">
+          <msink:context xmlns:msink="http://schemas.microsoft.com/ink/2010/main" type="writingRegion" rotatedBoundingBox="6773,12753 9671,12765 9668,13491 6770,13479"/>
+        </emma:interpretation>
+      </emma:emma>
+    </inkml:annotationXML>
+    <inkml:traceGroup>
+      <inkml:annotationXML>
+        <emma:emma xmlns:emma="http://www.w3.org/2003/04/emma" version="1.0">
+          <emma:interpretation id="{DA6E1F59-77E8-4814-8E6B-578A45CF158D}" emma:medium="tactile" emma:mode="ink">
+            <msink:context xmlns:msink="http://schemas.microsoft.com/ink/2010/main" type="paragraph" rotatedBoundingBox="6773,12753 9671,12765 9668,13491 6770,13479" alignmentLevel="1"/>
+          </emma:interpretation>
+        </emma:emma>
+      </inkml:annotationXML>
+      <inkml:traceGroup>
+        <inkml:annotationXML>
+          <emma:emma xmlns:emma="http://www.w3.org/2003/04/emma" version="1.0">
+            <emma:interpretation id="{5635F74B-6E9B-48E8-9D58-69FA647C8D96}" emma:medium="tactile" emma:mode="ink">
+              <msink:context xmlns:msink="http://schemas.microsoft.com/ink/2010/main" type="line" rotatedBoundingBox="6773,12753 9671,12765 9668,13491 6770,13479"/>
+            </emma:interpretation>
+          </emma:emma>
+        </inkml:annotationXML>
+        <inkml:traceGroup>
+          <inkml:annotationXML>
+            <emma:emma xmlns:emma="http://www.w3.org/2003/04/emma" version="1.0">
+              <emma:interpretation id="{4A25BE4F-B3D2-4AE9-9D31-80883A99E94C}" emma:medium="tactile" emma:mode="ink">
+                <msink:context xmlns:msink="http://schemas.microsoft.com/ink/2010/main" type="inkWord" rotatedBoundingBox="6773,12753 9671,12765 9668,13491 6770,13479"/>
+              </emma:interpretation>
+              <emma:one-of disjunction-type="recognition" id="oneOf0">
+                <emma:interpretation id="interp0" emma:lang="en-US" emma:confidence="0">
+                  <emma:literal>•</emma:literal>
+                </emma:interpretation>
+                <emma:interpretation id="interp1" emma:lang="en-US" emma:confidence="0">
+                  <emma:literal>*</emma:literal>
+                </emma:interpretation>
+                <emma:interpretation id="interp2" emma:lang="en-US" emma:confidence="0">
+                  <emma:literal>b</emma:literal>
+                </emma:interpretation>
+                <emma:interpretation id="interp3" emma:lang="en-US" emma:confidence="0">
+                  <emma:literal>e</emma:literal>
+                </emma:interpretation>
+                <emma:interpretation id="interp4" emma:lang="en-US" emma:confidence="0">
+                  <emma:literal>.</emma:literal>
+                </emma:interpretation>
+              </emma:one-of>
+            </emma:emma>
+          </inkml:annotationXML>
+          <inkml:trace contextRef="#ctx0" brushRef="#br0">0 76 0,'33'0'187,"-1"0"-124,1 0-47,-1 0 15,1 0-16,-1 0 1,1 0-16,0 0 16,-1 0-16,1 0 0,-1 0 15,33 0-15,-32 0 0,0 0 16,-1 0-16,1 0 0,-1 0 16,1 0-16,-1 0 0,1 0 15,0 0-15,-1 0 0,1 0 16,-1 0-16,1 0 0,-1 0 15,1 0-15,-1 0 0,1 0 16,32 0-16,-32 0 0,-1 0 16,1-33-16,-1 33 0,1 0 15,0 0-15,-1 0 0,1 0 16,-1 0 0,1 0-16,-1 0 62,1 0-46,-1 0-16,1 0 15,0 0-15,-1 0 0,1 0 16,-1 0-16,1 0 16,-1 0-16,1 0 15,0 0-15,-1 0 16,1 0-16,-1 0 0,1 0 15,-1 0-15,1 0 0,0 0 16,-1 0-16,1 0 0,-1 0 16,1 0-16,-1 0 15,1 0 1,-1 0-16,1 0 16,0 0-16,-1 0 15,1 0-15,-1 0 16,1 0-16,-1 0 0,1 0 15,0 0-15,-1 0 16,1 0 0,-1 0-1,1 0 1,-1 0 0,1 0-16,-1 33 15,1-33 1,0 0-1,-1 0 32,1 0-31,-1 0 140,-32 32-140,0 1 109,0-1-94,0 1 0,-32-33-15,-1 0 31,1 32-32,-1-32 1,0 0-16,1 0 31,-1 0-15,1 0 0,-1 0-16,1 0 15,-1 0 1,1 0-16,-1 0 15,0 0 1,1 0 0,-1 0-16,1 0 15,-1 0-15,1-32 16,-1 32-16,0 0 0,1 0 16,-1 0-1,1 0 1,-1 0-16,1 0 15,-1 0-15,1 0 0,-1 0 16,0 0-16,1 0 0,-1 0 16,1 0-16,-1 0 0,33-33 15,-32 33-15,-1 0 16,0 0 0,1 0-16,-1 0 15,1 0-15,-1 0 16,1 0-16,32-32 0,-33 32 15,0 0-15,1 0 16,-1 0 0,1 0-16,-1 0 15,1 0 1,-1 0 0,1 0-1,-1 0 1,0 0-1,1 0-15,-1 0 16,1 0-16,-1 0 16,1 0-16,-1 0 0,0-33 15,1 33-15,-1 0 0,1 0 16,-1 0-16,1 0 0,-1 0 0,1 0 16,-1 0-16,0 0 0,1-32 15,-1 32-15,1 0 16,-1 0 31,1 0-16,-1 0-15,0 0-1,1 32 79,-1-32-32,33 33-30,-32-33-1,32 32-31,-33 1 16,33-1 15,-32-32-16,32 33 17,32-33 233,-32 33-265,33-33 16,-1 0-16,-32 32 0,33-32 16,-1 0-1,-32 33-15,33-33 0,0 0 16,-1 0-1,-32 32 1,33-32 0,-1 0-1,1 0 1,-33 33-16,32-33 0,1 0 16,0 0-16,32 32 0,-33-32 0,33 0 15,0 0-15,-32 0 0,32 0 16,-32 0-16,32 0 0,-33 33 15,34-33-15,-34 0 0,1 0 16,32 0-16,-33 0 0,1 0 16,-1 0-16,1 0 0,0 0 15,-1 0-15,1 0 0,-1 0 16,1 0-16,-1 0 0,1 0 0,0 0 16,-1 0-16,1 0 15,-1 0-15,1 0 0,-1 0 16,1 0-16,0 0 15,-1 0-15,1 0 16,-1 0 0,1 0-16,-1 0 15,1 0 1,-1 0-16,1 0 0,0 0 16,-1 0-16,1 0 0,-1 0 15,1 0-15,32 0 0,-32 0 16,-1 0-16,1 0 15,-1 0 17,1 0 15,-1 0 109,1 0-94,-1 0-15,1 0-16,-33 32 1,33-32-17,-66 0 251,0 0-250,33 33-1,-32-33-15,-1 0 0,1 0 16,-1 0-16,1 0 15,32 33-15,-33-33 16,1 0 0,-1 0-1,0 0 1,1 0 0,-1 0 30,1 0-14,-1 0-17,1 0 1,-1 0 0,0 0-16,1 0 15,-1 0-15,1 0 16,-1 0-16,1 0 0,-1 0 15,1 0-15,-1 0 16,0 32-16,1-32 16,-1 0-16,1 0 15,-1 0-15,1 0 16,-1 0-16,0 0 0,1 0 16,-1 33-1,1-33-15,-1 0 16,1 0-16,-1 0 15,0 0-15,1 0 16,-1 0 0,1 32-16,-1-32 15,1 0 1,-1 0-16,1 0 16,-1 0-16,0 0 15,1 0 1,-1 0-1,1 0 1,-1 0 0,1 0-1,-1 0 17,33 33-32,-33-33 0,1 0 15,-1 0 16,1 0 48,-1 0-64,1 0 32,-1 0-16,1 0 1,-1 0-17,0 0 16,1 0-15,-1 0 0,1 0-1,-1 0 1,33 32 15,-32-32-15,-1 0-1,0 0-15,1 0 16,-1 0 0,1 0-1,32-32 235,-33 32-250,33-33 94,0 1-78</inkml:trace>
+        </inkml:traceGroup>
+      </inkml:traceGroup>
+    </inkml:traceGroup>
+  </inkml:traceGroup>
+</inkml:ink>
+</file>
+
+<file path=ppt/ink/ink13.xml><?xml version="1.0" encoding="utf-8"?>
+<inkml:ink xmlns:inkml="http://www.w3.org/2003/InkML">
+  <inkml:definitions>
+    <inkml:context xml:id="ctx0">
+      <inkml:inkSource xml:id="inkSrc0">
+        <inkml:traceFormat>
+          <inkml:channel name="X" type="integer" max="3840" units="cm"/>
+          <inkml:channel name="Y" type="integer" max="1080" units="cm"/>
+          <inkml:channel name="T" type="integer" max="2.14748E9" units="dev"/>
+        </inkml:traceFormat>
+        <inkml:channelProperties>
+          <inkml:channelProperty channel="X" name="resolution" value="72.86527" units="1/cm"/>
+          <inkml:channelProperty channel="Y" name="resolution" value="36.48649" units="1/cm"/>
+          <inkml:channelProperty channel="T" name="resolution" value="1" units="1/dev"/>
+        </inkml:channelProperties>
+      </inkml:inkSource>
+      <inkml:timestamp xml:id="ts0" timeString="2018-12-06T12:43:35.949"/>
+    </inkml:context>
+    <inkml:brush xml:id="br0">
+      <inkml:brushProperty name="width" value="0.46667" units="cm"/>
+      <inkml:brushProperty name="height" value="0.46667" units="cm"/>
+      <inkml:brushProperty name="color" value="#FFF200"/>
+      <inkml:brushProperty name="fitToCurve" value="1"/>
+    </inkml:brush>
+  </inkml:definitions>
+  <inkml:traceGroup>
+    <inkml:annotationXML>
+      <emma:emma xmlns:emma="http://www.w3.org/2003/04/emma" version="1.0">
+        <emma:interpretation id="{7226BB1B-DCB4-4CB8-B349-7453F7634306}" emma:medium="tactile" emma:mode="ink">
+          <msink:context xmlns:msink="http://schemas.microsoft.com/ink/2010/main" type="inkDrawing" rotatedBoundingBox="10646,5643 13012,5592 13025,6155 10659,6206" shapeName="Other"/>
+        </emma:interpretation>
+      </emma:emma>
+    </inkml:annotationXML>
+    <inkml:trace contextRef="#ctx0" brushRef="#br0">0 53 0,'0'33'125,"33"-33"-109,-1 0-1,1 0 1,-1 0-16,1 0 0,0 0 15,-1 0-15,33-33 0,-32 33 16,32 0-16,-32 0 0,32-33 16,-33 33-16,33 0 0,-32 0 15,0 0-15,32 0 0,-33 0 16,1 0-16,-1 0 16,1 0-16,-1 0 0,1 0 15,0 0-15,-1 0 16,1 0-16,-1 0 15,1 0-15,-1 0 0,1 0 16,0 0 0,-1 0-16,1 0 15,-1 0 1,1 0 0,-1 0-1,1 0-15,-1 0 0,1 0 16,0 0-16,-1 0 15,-32 33 1,33-33-16,-1 0 16,1 0-1,-1 0-15,1 0 16,0 0 0,-1 0-16,1 0 15,-1 0 1,1 0 15,-1 0 0,1 0 16,0 0-31,-1 33-1,1-33 1,-1 0-16,1 0 63,-1 0-32,1 32-16,-1-32 1,1 0 31,-33 33 15,33-33-46,-1 0 15,1 0 16,-33 32-47,32-32 110,-32 33 61,-32-33-171,-1 0 32,33 32-17,-32-32-15,-1 0 32,0 0-17,1 0 1,32 33-16,-33-33 15,1 0-15,-1 0 16,1 0 0,-1 0-1,1 0 1,-1 0-16,0 0 16,1 0-1,-1 0 1,1 0-16,-1 0 15,1 0-15,-1 0 16,0 0-16,1 0 16,-1 0-16,1 0 0,-1 0 15,1 0-15,-1 0 16,0 0-16,1 0 16,32 33-16,-33-33 15,1 0-15,-1 0 16,1 0-16,-1 0 0,1 0 0,-1 0 15,0 0-15,1 0 16,-1 0-16,1 0 16,32 32-16,-33-32 0,1 0 15,-1 0-15,0 0 16,1 0-16,-1 0 0,1 0 16,-1 0-16,1 0 0,-1 0 15,1 0 32,-1 0-31,0 0-1,1 0 1,-1 0 15,1 0 0,32 33 1,-33-33-17,1 0 17,-1 0-17,0 32 1,1-32 15,-1 0 16,33 33-47,-32-33 31,-1 32 32,1-32-48,-1 0 1,33 33 0,-33-33-16,1 0 15,-1 0 1,66 0 171,-33 33-171,32-33-16,1 0 16,0 0-16,-1 0 0,1 0 15,-1 0-15,1-33 0,-1 33 16,1 0-16,32 0 0,-32 0 15,-1 0-15,1 0 0,-1 0 16,1 0-16,32 0 16,0 0-16,-32 0 0,-1 0 15,1 0-15,-1 0 16,1 0-16,0 0 0,-1 0 16,1 0-16,-1 0 0,1 0 15,32 0-15,-32 0 0,-1 0 0,1 0 16,-1 0-16,1 0 0,-1 0 15,1 0-15,-1 0 0,1 0 16,0 0-16,-1 0 31,1 0-15,-1 0-16,1 0 16,-1 0-16,1 0 15,0 0 1,-1 0-16,1 0 0,-1 0 15,1 0 1,-1 0-16,1 0 16,0 0-16,-1 0 31,1 0 16,-1 0 15,1 0-15,-1 0 0,1 0-16,-1 0 1,1 0-17,0 0 32,-1 0 62,1 0-15,-1 0-63,-32 33-31,33-33 16,-1 0 125</inkml:trace>
+  </inkml:traceGroup>
+</inkml:ink>
+</file>
+
+<file path=ppt/ink/ink14.xml><?xml version="1.0" encoding="utf-8"?>
+<inkml:ink xmlns:inkml="http://www.w3.org/2003/InkML">
+  <inkml:definitions>
+    <inkml:context xml:id="ctx0">
+      <inkml:inkSource xml:id="inkSrc0">
+        <inkml:traceFormat>
+          <inkml:channel name="X" type="integer" max="3840" units="cm"/>
+          <inkml:channel name="Y" type="integer" max="1080" units="cm"/>
+          <inkml:channel name="T" type="integer" max="2.14748E9" units="dev"/>
+        </inkml:traceFormat>
+        <inkml:channelProperties>
+          <inkml:channelProperty channel="X" name="resolution" value="72.86527" units="1/cm"/>
+          <inkml:channelProperty channel="Y" name="resolution" value="36.48649" units="1/cm"/>
+          <inkml:channelProperty channel="T" name="resolution" value="1" units="1/dev"/>
+        </inkml:channelProperties>
+      </inkml:inkSource>
+      <inkml:timestamp xml:id="ts0" timeString="2018-12-06T12:44:35.399"/>
+    </inkml:context>
+    <inkml:brush xml:id="br0">
+      <inkml:brushProperty name="width" value="0.46667" units="cm"/>
+      <inkml:brushProperty name="height" value="0.46667" units="cm"/>
+      <inkml:brushProperty name="color" value="#FFF200"/>
+      <inkml:brushProperty name="fitToCurve" value="1"/>
+    </inkml:brush>
+  </inkml:definitions>
+  <inkml:traceGroup>
+    <inkml:annotationXML>
+      <emma:emma xmlns:emma="http://www.w3.org/2003/04/emma" version="1.0">
+        <emma:interpretation id="{BFA8A986-ABAC-4B53-8BB0-691704114718}" emma:medium="tactile" emma:mode="ink">
+          <msink:context xmlns:msink="http://schemas.microsoft.com/ink/2010/main" type="writingRegion" rotatedBoundingBox="8369,6252 10974,6252 10974,6676 8369,6676"/>
+        </emma:interpretation>
+      </emma:emma>
+    </inkml:annotationXML>
+    <inkml:traceGroup>
+      <inkml:annotationXML>
+        <emma:emma xmlns:emma="http://www.w3.org/2003/04/emma" version="1.0">
+          <emma:interpretation id="{54467B39-8CAA-480A-A3AC-EF8F1D00824B}" emma:medium="tactile" emma:mode="ink">
+            <msink:context xmlns:msink="http://schemas.microsoft.com/ink/2010/main" type="paragraph" rotatedBoundingBox="8369,6252 10974,6252 10974,6676 8369,6676" alignmentLevel="1"/>
+          </emma:interpretation>
+        </emma:emma>
+      </inkml:annotationXML>
+      <inkml:traceGroup>
+        <inkml:annotationXML>
+          <emma:emma xmlns:emma="http://www.w3.org/2003/04/emma" version="1.0">
+            <emma:interpretation id="{4BC75C15-C3D8-4BC0-8316-B62E437BBAB9}" emma:medium="tactile" emma:mode="ink">
+              <msink:context xmlns:msink="http://schemas.microsoft.com/ink/2010/main" type="line" rotatedBoundingBox="8369,6252 10974,6252 10974,6676 8369,6676"/>
+            </emma:interpretation>
+          </emma:emma>
+        </inkml:annotationXML>
+        <inkml:traceGroup>
+          <inkml:annotationXML>
+            <emma:emma xmlns:emma="http://www.w3.org/2003/04/emma" version="1.0">
+              <emma:interpretation id="{E75543E4-93C9-488C-8990-76FE71C66313}" emma:medium="tactile" emma:mode="ink">
+                <msink:context xmlns:msink="http://schemas.microsoft.com/ink/2010/main" type="inkWord" rotatedBoundingBox="8369,6252 10974,6252 10974,6676 8369,6676"/>
+              </emma:interpretation>
+              <emma:one-of disjunction-type="recognition" id="oneOf0">
+                <emma:interpretation id="interp0" emma:lang="en-US" emma:confidence="0">
+                  <emma:literal>a</emma:literal>
+                </emma:interpretation>
+                <emma:interpretation id="interp1" emma:lang="en-US" emma:confidence="0">
+                  <emma:literal>s</emma:literal>
+                </emma:interpretation>
+                <emma:interpretation id="interp2" emma:lang="en-US" emma:confidence="0">
+                  <emma:literal>3</emma:literal>
+                </emma:interpretation>
+                <emma:interpretation id="interp3" emma:lang="en-US" emma:confidence="0">
+                  <emma:literal>S</emma:literal>
+                </emma:interpretation>
+                <emma:interpretation id="interp4" emma:lang="en-US" emma:confidence="0">
+                  <emma:literal>-</emma:literal>
+                </emma:interpretation>
+              </emma:one-of>
+            </emma:emma>
+          </inkml:annotationXML>
+          <inkml:trace contextRef="#ctx0" brushRef="#br0">0 81 0,'32'0'15,"1"0"1,-1 0 0,1 0-1,0 0 1,-33-32-16,32 32 15,1 0 1,-1 0-16,1 0 16,-1 0-1,1 0 1,0 0 0,-1 0-1,1 0-15,-1 0 16,1 0-1,-1 0-15,1 0 16,-1 0-16,1-33 16,0 33-16,-1 0 0,1 0 15,-1 0-15,1 0 0,-1 0 16,1 0 0,0 0-16,-1 0 15,1 0-15,-1 0 16,1 0-16,-1 0 0,1 0 15,-1 0-15,1 0 0,0 0 16,-1 0-16,1 0 16,-1 0-1,-32 33 1,33-33-16,-1 0 16,1 0-16,0 0 15,-1 0-15,1 0 0,-1 0 16,1 0-1,-1 0 1,1 0 0,0 0-16,-1 0 15,1 0-15,-1 0 16,1 0-16,-33 32 16,32-32-16,1 0 0,-1 0 15,1 0-15,0 0 16,-1 0-1,1 0 1,-1 0 0,1 0-1,-1 0 17,1 0-17,0 0 16,-1 0-15,1 0 15,-1 0 1,1 0-17,-1 0 32,-32 33-47,33-33 141,-33 32-63,32-32-63,-32 33 32,33-33-31,-66 0 203,33 33-188,-32-33-15,-1 32 30,1-32-30,-1 0 0,1 0 15,-1 0 0,1 0-15,32 33-16,-33-33 0,0 0 0,1 0 15,-1 0 17,1 0-17,-1 0 17,1 0-17,-1 0-15,0 0 16,1 0-16,-1 0 15,1 0 1,-1 0-16,1 0 16,-1 0-16,1 0 15,-1 0-15,0 0 16,1 0 0,-1 0-1,1 0-15,-1 0 0,1 0 16,-1 0-16,0 0 15,1 0-15,-1 0 16,1 0 0,-1 0-1,1 0-15,-1 0 16,0 0 15,1 0-15,-1 0-1,1 0 1,-1 0 0,1 0 15,-1 0-15,1 0-1,32 32 1,-33-32-16,0 0 15,1 0 48,-1 0-47,1 0 15,-1 0 16,1 0-32,-1 0 1,0 0 0,1 0-1,-1 0 1,1 0 15,32 33-31,-33-33 16,1 0 15,-1 0 16,1 0-16,-1 0 0,33 32-15,-33-32 0,1 0 46,-1 0-31,1 0-31,-1 0 32,33 33-32,-32-33 0,-1 0 0,0 0 15,1 0 1,-1 0-16,66 0 219,-1 0-188,1 33-16,0-33 1,-1 0-16,1 0 16,-1 0-1,1 0 1,-1 0-16,1 0 16,0 0-16,-1 0 15,1 0-15,-1 0 0,1 0 16,-1 0-16,1 0 15,-1 0-15,1 0 16,0 0-16,-1 0 16,1 0-16,-1 0 15,1 0-15,-1 0 16,1 0-16,0-33 16,-1 33-16,1 0 0,-1 0 0,1 0 15,-1 0-15,1 0 16,-1 0-1,1 0-15,0 0 16,-1 0-16,1 0 16,-1 0-16,1 0 15,-1 0-15,1 0 0,0 0 16,-1 0-16,1 0 16,-1 0-16,1 0 0,-1 0 15,1 0-15,0 0 16,-1 0-16,1 0 15,-1 0-15,1 0 16,-1 0-16,1-33 0,-1 33 16,1 0-16,0 0 0,-1 0 15,1 0-15,-1 0 0,1 0 16,-1 0-16,1 0 16,0 0-1,-1 0 16,1 0-31,-1 0 16,1 0 0,-1 0 171,1 0-156,-1 0-15,1 0 0,0 0-16,-1 0 15,1 0 32,-1 0-31,1 0-1,-33 33 235</inkml:trace>
+        </inkml:traceGroup>
+      </inkml:traceGroup>
+    </inkml:traceGroup>
+  </inkml:traceGroup>
+</inkml:ink>
+</file>
+
+<file path=ppt/ink/ink15.xml><?xml version="1.0" encoding="utf-8"?>
+<inkml:ink xmlns:inkml="http://www.w3.org/2003/InkML">
+  <inkml:definitions>
+    <inkml:context xml:id="ctx0">
+      <inkml:inkSource xml:id="inkSrc0">
+        <inkml:traceFormat>
+          <inkml:channel name="X" type="integer" max="3840" units="cm"/>
+          <inkml:channel name="Y" type="integer" max="1080" units="cm"/>
+          <inkml:channel name="T" type="integer" max="2.14748E9" units="dev"/>
+        </inkml:traceFormat>
+        <inkml:channelProperties>
+          <inkml:channelProperty channel="X" name="resolution" value="72.86527" units="1/cm"/>
+          <inkml:channelProperty channel="Y" name="resolution" value="36.48649" units="1/cm"/>
+          <inkml:channelProperty channel="T" name="resolution" value="1" units="1/dev"/>
+        </inkml:channelProperties>
+      </inkml:inkSource>
+      <inkml:timestamp xml:id="ts0" timeString="2018-12-06T12:44:46.020"/>
+    </inkml:context>
+    <inkml:brush xml:id="br0">
+      <inkml:brushProperty name="width" value="0.46667" units="cm"/>
+      <inkml:brushProperty name="height" value="0.46667" units="cm"/>
+      <inkml:brushProperty name="color" value="#FFF200"/>
+      <inkml:brushProperty name="fitToCurve" value="1"/>
+    </inkml:brush>
+  </inkml:definitions>
+  <inkml:traceGroup>
+    <inkml:annotationXML>
+      <emma:emma xmlns:emma="http://www.w3.org/2003/04/emma" version="1.0">
+        <emma:interpretation id="{B3FF27A2-109D-4DA8-8431-66025CBB16DC}" emma:medium="tactile" emma:mode="ink">
+          <msink:context xmlns:msink="http://schemas.microsoft.com/ink/2010/main" type="writingRegion" rotatedBoundingBox="15728,9216 18848,9173 18926,14912 15806,14955"/>
+        </emma:interpretation>
+      </emma:emma>
+    </inkml:annotationXML>
+    <inkml:traceGroup>
+      <inkml:annotationXML>
+        <emma:emma xmlns:emma="http://www.w3.org/2003/04/emma" version="1.0">
+          <emma:interpretation id="{5C6D19F4-02F1-40A5-B7A8-B0ABE38C5ABB}" emma:medium="tactile" emma:mode="ink">
+            <msink:context xmlns:msink="http://schemas.microsoft.com/ink/2010/main" type="paragraph" rotatedBoundingBox="15728,9215 18662,9240 18656,9975 15721,9950" alignmentLevel="1"/>
+          </emma:interpretation>
+        </emma:emma>
+      </inkml:annotationXML>
+      <inkml:traceGroup>
+        <inkml:annotationXML>
+          <emma:emma xmlns:emma="http://www.w3.org/2003/04/emma" version="1.0">
+            <emma:interpretation id="{CE8DDC5E-3F22-41C1-A666-C3E823C6BC14}" emma:medium="tactile" emma:mode="ink">
+              <msink:context xmlns:msink="http://schemas.microsoft.com/ink/2010/main" type="line" rotatedBoundingBox="15728,9215 18662,9240 18656,9975 15721,9950"/>
+            </emma:interpretation>
+          </emma:emma>
+        </inkml:annotationXML>
+        <inkml:traceGroup>
+          <inkml:annotationXML>
+            <emma:emma xmlns:emma="http://www.w3.org/2003/04/emma" version="1.0">
+              <emma:interpretation id="{F7EAF5EF-97A8-4F8A-9E75-1DA5BD5AF1E5}" emma:medium="tactile" emma:mode="ink">
+                <msink:context xmlns:msink="http://schemas.microsoft.com/ink/2010/main" type="inkWord" rotatedBoundingBox="15728,9215 18662,9240 18656,9975 15721,9950"/>
+              </emma:interpretation>
+              <emma:one-of disjunction-type="recognition" id="oneOf0">
+                <emma:interpretation id="interp0" emma:lang="en-US" emma:confidence="0">
+                  <emma:literal>as</emma:literal>
+                </emma:interpretation>
+                <emma:interpretation id="interp1" emma:lang="en-US" emma:confidence="0">
+                  <emma:literal>s</emma:literal>
+                </emma:interpretation>
+                <emma:interpretation id="interp2" emma:lang="en-US" emma:confidence="0">
+                  <emma:literal>3</emma:literal>
+                </emma:interpretation>
+                <emma:interpretation id="interp3" emma:lang="en-US" emma:confidence="0">
+                  <emma:literal>Is</emma:literal>
+                </emma:interpretation>
+                <emma:interpretation id="interp4" emma:lang="en-US" emma:confidence="0">
+                  <emma:literal>b</emma:literal>
+                </emma:interpretation>
+              </emma:one-of>
+            </emma:emma>
+          </inkml:annotationXML>
+          <inkml:trace contextRef="#ctx0" brushRef="#br0">0 0 0,'33'0'94,"-1"0"-78,1 32-1,32-32-15,-32 0 0,32 33 16,0-33-16,0 0 0,-32 0 15,97 32-15,-98-32 16,1 0-16,32 0 0,-32 0 16,-1 0-16,1 0 0,-1 0 15,1 0-15,-1 0 16,1 0-16,0 0 16,-1 0-16,1 0 0,-1 0 15,1 0-15,-1 0 0,1 0 16,0 0-16,-1 0 15,1 0-15,-1 0 0,1 0 16,-1 0-16,1 0 16,-1 0-16,34 0 15,-34 0-15,1 0 0,32 0 16,-33 0-16,1-32 0,0 32 16,-1 0-16,1 0 0,-1 0 15,1 0-15,-1 0 16,1 0-16,0 0 15,-1 0 1,1 0 0,-1 0-1,1 0-15,-1 0 16,1 0 0,-1 0-16,1 0 31,0 0 0,-1 0 0,1 0-15,-1 0 0,1 0-1,-1 0-15,1 0 47,0 0-31,-1 0-1,1 0-15,-1 0 16,1 0-16,-1 0 16,1 0-1,-1 0 1,1 0-1,0 0 17,-1 0 15,1 0-32,-1 0 173,-32 32-126,33-32-46,-1 0 31,1 33-16,-66-33 281,1 32-296,-1-32 0,33 33-16,-32-33 15,-1 32 1,1-32 0,-1 0-1,0 0 1,1 0-1,-1 0 1,33 33-16,-32-33 0,-1 0 31,1 0 1,-1 0-17,1 0 1,-1 0-1,0 0-15,1 0 0,-1 0 16,1 0-16,-1 0 0,1 0 16,-1 0-16,0 0 0,1 0 15,-1 0-15,1 0 0,-1 0 16,1 0-16,-1 0 16,1 0-1,-1 0 1,0 0-16,1 0 15,-1 0-15,33-33 0,-32 33 16,-1 0-16,1 0 16,-1 0-1,0 0 1,1 0-16,-1 0 16,1 0-16,-1 0 0,1 0 15,-1 0-15,0 0 16,1 0-16,-1 0 0,1 0 0,-1 0 15,1 0 1,-1 0-16,1 0 0,-1 0 16,0 0-16,1 0 15,-1 0-15,1 0 16,-1 0 0,1 0-1,-1 0 1,0 0-16,1 0 15,-1 0 1,1 0 15,-1 0 47,33-32-78,-32 32 32,-1 0-17,1 0 17,-1 0-1,0 0 16,1 0-32,-1 0 1,1 0 15,-1 0-15,1 0-1,-1 0 32,33 32-47,-33-32 16,1 0-16,-1 0 109,1 0-93,-1 0 15,1 0-15,32 33-16,-33-33 0,0 0 234,33 33-234,0-1 78,33-32 79,-33 33-157,33-33 15,-1 0-15,1 32 16,-1-32-16,1 0 15,-33 33-15,32-33 16,1 0-16,0 0 16,-1 0-1,-32 32-15,33-32 0,-1 0 16,1 0 0,-1 0-1,34 0-15,-34 0 0,33 33 16,-32-33-16,32 0 0,-33 0 0,1 0 15,32 0-15,-32 0 0,-1 0 16,33 0-16,-32 0 0,32 33 16,-32-33-16,-1 0 0,1 0 15,-1 0-15,1 0 0,-1 0 16,1 0-16,0 0 16,-1 0-16,1 0 15,-1 0-15,1 0 16,-1 0-16,1 0 15,0 0-15,32 0 0,-33 0 0,33 0 16,1 0-16,-34 0 0,33 0 16,0-33-16,-32 33 0,32 0 15,0 0-15,-32 0 0,-1 0 16,1 0-16,-1 0 0,1 0 16,0 0-16,-1 0 0,-32-33 15,33 33-15,-1 0 16,1 0-1,-1 0 1,1 0-16,-1 0 16,1 0 46,0 0-15,-1 0 62,1 0-62,-1 0-15,1 0 14,-1 0-30,1 0 31,-33 33 234,-33-33 94,33 33-359,-32-33-16,-1 32 15,1-32-15,-1 33 16,1-33-16,-1 32 0,0-32 16,1 0-16,-1 33 15,1-1-15,-1-32 0,1 0 16,-1 0-16,1 33 16,-1-33-16,0 0 15,1 0-15,-1 0 0,1 0 16,-1 33-16,1-33 0,-1 0 15,0 0-15,1 0 16,-1 0 0,1 0-1,-1 0 1,1 0 0,-1 0-1,1 0 1,-1 0-16,0 0 15,1 0 1,-1 0-16,1 0 16,-1 0-1,1-33 1,-1 33-16,0 0 16,1 0-16,-1 0 15,1 0 1,-1 0-1,1-33-15,-1 33 16,0 0-16,1 0 16,-1 0-16,1 0 0,-1 0 15,1-32 1,-1 32 0,1 0-1,-1 0 1,0 0-16,1 0 31,-1 0 32,1 0-48,-1 0 1,1 0-1,-1 0-15,0 0 0,1 0 16,-1 0 0,1 0-16,-1 0 15,1 0 17,-1 0 139,1 0-124,-1 0-31,0 0-16,1 0 62,-1 0-15,1 0 31,-1 0-46,1 0 15,-1 0-1,0 0-30,1 0 15,-1 0-15,1 0 0,-1 0 62,66 0 94</inkml:trace>
+        </inkml:traceGroup>
+      </inkml:traceGroup>
+    </inkml:traceGroup>
+    <inkml:traceGroup>
+      <inkml:annotationXML>
+        <emma:emma xmlns:emma="http://www.w3.org/2003/04/emma" version="1.0">
+          <emma:interpretation id="{686001E3-E820-41C0-856E-BB90C1D8459C}" emma:medium="tactile" emma:mode="ink">
+            <msink:context xmlns:msink="http://schemas.microsoft.com/ink/2010/main" type="paragraph" rotatedBoundingBox="15821,14323 18917,14281 18926,14912 15829,14954" alignmentLevel="1"/>
+          </emma:interpretation>
+        </emma:emma>
+      </inkml:annotationXML>
+      <inkml:traceGroup>
+        <inkml:annotationXML>
+          <emma:emma xmlns:emma="http://www.w3.org/2003/04/emma" version="1.0">
+            <emma:interpretation id="{6A555B9B-07C1-4082-B9AA-39A8AFF203AF}" emma:medium="tactile" emma:mode="ink">
+              <msink:context xmlns:msink="http://schemas.microsoft.com/ink/2010/main" type="line" rotatedBoundingBox="15821,14323 18917,14281 18926,14912 15829,14954"/>
+            </emma:interpretation>
+          </emma:emma>
+        </inkml:annotationXML>
+        <inkml:traceGroup>
+          <inkml:annotationXML>
+            <emma:emma xmlns:emma="http://www.w3.org/2003/04/emma" version="1.0">
+              <emma:interpretation id="{E9DE6902-73E2-46D5-9784-E6DE176BFB83}" emma:medium="tactile" emma:mode="ink">
+                <msink:context xmlns:msink="http://schemas.microsoft.com/ink/2010/main" type="inkWord" rotatedBoundingBox="15821,14323 18917,14281 18926,14912 15829,14954"/>
+              </emma:interpretation>
+              <emma:one-of disjunction-type="recognition" id="oneOf1">
+                <emma:interpretation id="interp5" emma:lang="en-US" emma:confidence="0">
+                  <emma:literal>a</emma:literal>
+                </emma:interpretation>
+                <emma:interpretation id="interp6" emma:lang="en-US" emma:confidence="0">
+                  <emma:literal>S</emma:literal>
+                </emma:interpretation>
+                <emma:interpretation id="interp7" emma:lang="en-US" emma:confidence="0">
+                  <emma:literal>s</emma:literal>
+                </emma:interpretation>
+                <emma:interpretation id="interp8" emma:lang="en-US" emma:confidence="0">
+                  <emma:literal>3</emma:literal>
+                </emma:interpretation>
+                <emma:interpretation id="interp9" emma:lang="en-US" emma:confidence="0">
+                  <emma:literal>•</emma:literal>
+                </emma:interpretation>
+              </emma:one-of>
+            </emma:emma>
+          </inkml:annotationXML>
+          <inkml:trace contextRef="#ctx0" brushRef="#br0" timeOffset="6277.1436">130 5210 0,'33'0'78,"0"0"-62,-1 0-16,1 0 16,32 0-16,-33 0 0,34 0 15,-34 0-15,33 0 0,-32 0 16,-1 0-16,34 0 0,-34 0 16,1 0-16,-1 0 0,1 0 15,-1 0-15,1 0 16,-1 0-1,1 0 1,0 0-16,-1 0 0,1 0 0,32 0 16,-33 0-16,1 0 0,0 0 15,-1 0-15,1 0 0,-1 0 16,1 0-16,-33-33 16,32 33-16,1 0 15,-1 0 1,1 0-16,0 0 15,-1 0 1,1 0-16,-1 0 16,1 0 15,-1 0-31,1 0 16,0 0-16,-1 0 15,-32-32-15,33 32 0,-1 0 16,1 0-16,-1 0 15,1 0 1,0-33 0,-1 33-16,1 0 0,-1 0 15,1 0 1,-1 0-16,1 0 16,-1 0-1,-32-32 1,33 32-1,0 0 17,-1 0-1,1 0-31,-1 0 16,1 0 30,-1 0-30,1 0 15,0 0-15,-1 0 0,1 0-1,-1 0-15,1 0 16,-1 0 31,1 0-32,-1 0 1,1 0 31,0 0 15,-1 0-30,1 0 14,-1 0-30,1 0 0,-1 0 31,1 0-16,0 0 31,-1 0 141,-32 32-140,33-32-47,-33 33-1,32-33 1,1 0 46,-33 32-46,32-32 62,-32 33-62,33-33-16,-33 32 140,33-32-30,-66 0-79,33 33-15,-33-33 46,1 0-46,-1 0-16,1 0 15,32 32-15,-33-32 16,1 0-16,-1 0 16,0 0-16,1 0 15,-1 0-15,33 33 0,-32-33 16,-1 0-16,1 0 0,-1 0 15,0 0-15,1 0 16,-1 33-16,1-33 16,-1 0-16,1 0 0,-1 0 15,1 0-15,-1 0 16,0 0-16,1 0 16,-1 0-1,1 0-15,-1 0 16,1 0-1,-1 0-15,0 0 16,-32 0-16,33 0 0,-1 0 16,-32 0-16,0 0 0,32 0 15,1 0-15,-33 0 0,32 0 16,1 0-16,-1 0 16,0 0-1,-32 0-15,33 0 16,-33-33-16,-1 33 0,34 0 15,-33 0-15,0 0 0,0 0 16,32 0-16,-32 0 0,32 0 0,1 0 16,-1-33-16,1 33 0,-1 0 15,0 0-15,1 0 47,-1 0-31,1 0-16,-1 0 0,1 0 15,-1 0-15,1 0 0,-1 0 0,0 0 16,1 0-16,-1 0 0,1 0 16,-1 0 62,1 0-47,-1 0 0,0 0 1,1 33 46,-1-33-47,1 0 16,-1 0-16,33 33-15,-32-33-1,-1 32 63,0-32-46,33 33-17,-32-33 79,32 32-63,32-32 94,1 33-109,0-33 0,-1 0-1,-32 32-15,33-32 16,-1 0-16,1 0 15,-1 33-15,1-33 0,0 0 16,32 0-16,-33 0 0,1 33 16,32-33-16,-32 0 0,-1 0 0,33 0 15,-32 0-15,32 32 0,-33-32 16,34 0-16,-34 0 0,33 0 16,-32 0-16,32 0 0,-32 0 15,32 0-15,-33 0 0,33 0 16,0 0-16,1 0 0,-34 0 15,33 33-15,-32-33 0,32 0 16,-32 0-16,-1 0 0,1 0 0,32 0 16,-33 0-16,34 0 0,-34 0 15,1 0-15,32 0 0,-33 0 16,33 0-16,-32 0 0,0 0 16,-1 0-16,1 0 0,-1 0 15,1 0-15,-1 0 16,1 0-16,0 32 15,-1-32 1,1 0-16,-1 0 16,1 0-16,-1 0 0,1 0 15,-1 0 1,1 0 31,0-32-32,-1 32 189,1 0-189,-1 0 32,1 0-31,-1 0-1,1 0-15,0 0 16,-1 0 250,1 32-235,-1-32 16,1 0 250</inkml:trace>
+        </inkml:traceGroup>
+      </inkml:traceGroup>
+    </inkml:traceGroup>
+  </inkml:traceGroup>
+</inkml:ink>
+</file>
+
+<file path=ppt/ink/ink16.xml><?xml version="1.0" encoding="utf-8"?>
+<inkml:ink xmlns:inkml="http://www.w3.org/2003/InkML">
+  <inkml:definitions>
+    <inkml:context xml:id="ctx0">
+      <inkml:inkSource xml:id="inkSrc0">
+        <inkml:traceFormat>
+          <inkml:channel name="X" type="integer" max="3840" units="cm"/>
+          <inkml:channel name="Y" type="integer" max="1080" units="cm"/>
+          <inkml:channel name="T" type="integer" max="2.14748E9" units="dev"/>
+        </inkml:traceFormat>
+        <inkml:channelProperties>
+          <inkml:channelProperty channel="X" name="resolution" value="72.86527" units="1/cm"/>
+          <inkml:channelProperty channel="Y" name="resolution" value="36.48649" units="1/cm"/>
+          <inkml:channelProperty channel="T" name="resolution" value="1" units="1/dev"/>
+        </inkml:channelProperties>
+      </inkml:inkSource>
       <inkml:timestamp xml:id="ts0" timeString="2018-12-06T12:46:01.144"/>
     </inkml:context>
     <inkml:brush xml:id="br0">
@@ -481,7 +896,7 @@
 </inkml:ink>
 </file>
 
-<file path=ppt/ink/ink11.xml><?xml version="1.0" encoding="utf-8"?>
+<file path=ppt/ink/ink17.xml><?xml version="1.0" encoding="utf-8"?>
 <inkml:ink xmlns:inkml="http://www.w3.org/2003/InkML">
   <inkml:definitions>
     <inkml:context xml:id="ctx0">
@@ -519,7 +934,7 @@
 </inkml:ink>
 </file>
 
-<file path=ppt/ink/ink12.xml><?xml version="1.0" encoding="utf-8"?>
+<file path=ppt/ink/ink18.xml><?xml version="1.0" encoding="utf-8"?>
 <inkml:ink xmlns:inkml="http://www.w3.org/2003/InkML">
   <inkml:definitions>
     <inkml:context xml:id="ctx0">
@@ -601,7 +1016,7 @@
 </inkml:ink>
 </file>
 
-<file path=ppt/ink/ink13.xml><?xml version="1.0" encoding="utf-8"?>
+<file path=ppt/ink/ink19.xml><?xml version="1.0" encoding="utf-8"?>
 <inkml:ink xmlns:inkml="http://www.w3.org/2003/InkML">
   <inkml:definitions>
     <inkml:context xml:id="ctx0">
@@ -966,7 +1381,7 @@
           <inkml:channelProperty channel="T" name="resolution" value="1" units="1/dev"/>
         </inkml:channelProperties>
       </inkml:inkSource>
-      <inkml:timestamp xml:id="ts0" timeString="2018-12-06T12:43:21.093"/>
+      <inkml:timestamp xml:id="ts0" timeString="2018-12-06T13:45:04.805"/>
     </inkml:context>
     <inkml:brush xml:id="br0">
       <inkml:brushProperty name="width" value="0.46667" units="cm"/>
@@ -978,56 +1393,12 @@
   <inkml:traceGroup>
     <inkml:annotationXML>
       <emma:emma xmlns:emma="http://www.w3.org/2003/04/emma" version="1.0">
-        <emma:interpretation id="{CAB98A92-6557-4D74-820F-E1E2BD553702}" emma:medium="tactile" emma:mode="ink">
-          <msink:context xmlns:msink="http://schemas.microsoft.com/ink/2010/main" type="writingRegion" rotatedBoundingBox="6773,12753 9671,12765 9668,13491 6770,13479"/>
+        <emma:interpretation id="{44918D03-9093-45DA-807B-4F72E6EFD641}" emma:medium="tactile" emma:mode="ink">
+          <msink:context xmlns:msink="http://schemas.microsoft.com/ink/2010/main" type="inkDrawing" rotatedBoundingBox="2869,976 5349,1053 5331,1652 2850,1575" shapeName="Other"/>
         </emma:interpretation>
       </emma:emma>
     </inkml:annotationXML>
-    <inkml:traceGroup>
-      <inkml:annotationXML>
-        <emma:emma xmlns:emma="http://www.w3.org/2003/04/emma" version="1.0">
-          <emma:interpretation id="{DA6E1F59-77E8-4814-8E6B-578A45CF158D}" emma:medium="tactile" emma:mode="ink">
-            <msink:context xmlns:msink="http://schemas.microsoft.com/ink/2010/main" type="paragraph" rotatedBoundingBox="6773,12753 9671,12765 9668,13491 6770,13479" alignmentLevel="1"/>
-          </emma:interpretation>
-        </emma:emma>
-      </inkml:annotationXML>
-      <inkml:traceGroup>
-        <inkml:annotationXML>
-          <emma:emma xmlns:emma="http://www.w3.org/2003/04/emma" version="1.0">
-            <emma:interpretation id="{5635F74B-6E9B-48E8-9D58-69FA647C8D96}" emma:medium="tactile" emma:mode="ink">
-              <msink:context xmlns:msink="http://schemas.microsoft.com/ink/2010/main" type="line" rotatedBoundingBox="6773,12753 9671,12765 9668,13491 6770,13479"/>
-            </emma:interpretation>
-          </emma:emma>
-        </inkml:annotationXML>
-        <inkml:traceGroup>
-          <inkml:annotationXML>
-            <emma:emma xmlns:emma="http://www.w3.org/2003/04/emma" version="1.0">
-              <emma:interpretation id="{4A25BE4F-B3D2-4AE9-9D31-80883A99E94C}" emma:medium="tactile" emma:mode="ink">
-                <msink:context xmlns:msink="http://schemas.microsoft.com/ink/2010/main" type="inkWord" rotatedBoundingBox="6773,12753 9671,12765 9668,13491 6770,13479"/>
-              </emma:interpretation>
-              <emma:one-of disjunction-type="recognition" id="oneOf0">
-                <emma:interpretation id="interp0" emma:lang="en-US" emma:confidence="0">
-                  <emma:literal>•</emma:literal>
-                </emma:interpretation>
-                <emma:interpretation id="interp1" emma:lang="en-US" emma:confidence="0">
-                  <emma:literal>*</emma:literal>
-                </emma:interpretation>
-                <emma:interpretation id="interp2" emma:lang="en-US" emma:confidence="0">
-                  <emma:literal>b</emma:literal>
-                </emma:interpretation>
-                <emma:interpretation id="interp3" emma:lang="en-US" emma:confidence="0">
-                  <emma:literal>e</emma:literal>
-                </emma:interpretation>
-                <emma:interpretation id="interp4" emma:lang="en-US" emma:confidence="0">
-                  <emma:literal>.</emma:literal>
-                </emma:interpretation>
-              </emma:one-of>
-            </emma:emma>
-          </inkml:annotationXML>
-          <inkml:trace contextRef="#ctx0" brushRef="#br0">0 76 0,'33'0'187,"-1"0"-124,1 0-47,-1 0 15,1 0-16,-1 0 1,1 0-16,0 0 16,-1 0-16,1 0 0,-1 0 15,33 0-15,-32 0 0,0 0 16,-1 0-16,1 0 0,-1 0 16,1 0-16,-1 0 0,1 0 15,0 0-15,-1 0 0,1 0 16,-1 0-16,1 0 0,-1 0 15,1 0-15,-1 0 0,1 0 16,32 0-16,-32 0 0,-1 0 16,1-33-16,-1 33 0,1 0 15,0 0-15,-1 0 0,1 0 16,-1 0 0,1 0-16,-1 0 62,1 0-46,-1 0-16,1 0 15,0 0-15,-1 0 0,1 0 16,-1 0-16,1 0 16,-1 0-16,1 0 15,0 0-15,-1 0 16,1 0-16,-1 0 0,1 0 15,-1 0-15,1 0 0,0 0 16,-1 0-16,1 0 0,-1 0 16,1 0-16,-1 0 15,1 0 1,-1 0-16,1 0 16,0 0-16,-1 0 15,1 0-15,-1 0 16,1 0-16,-1 0 0,1 0 15,0 0-15,-1 0 16,1 0 0,-1 0-1,1 0 1,-1 0 0,1 0-16,-1 33 15,1-33 1,0 0-1,-1 0 32,1 0-31,-1 0 140,-32 32-140,0 1 109,0-1-94,0 1 0,-32-33-15,-1 0 31,1 32-32,-1-32 1,0 0-16,1 0 31,-1 0-15,1 0 0,-1 0-16,1 0 15,-1 0 1,1 0-16,-1 0 15,0 0 1,1 0 0,-1 0-16,1 0 15,-1 0-15,1-32 16,-1 32-16,0 0 0,1 0 16,-1 0-1,1 0 1,-1 0-16,1 0 15,-1 0-15,1 0 0,-1 0 16,0 0-16,1 0 0,-1 0 16,1 0-16,-1 0 0,33-33 15,-32 33-15,-1 0 16,0 0 0,1 0-16,-1 0 15,1 0-15,-1 0 16,1 0-16,32-32 0,-33 32 15,0 0-15,1 0 16,-1 0 0,1 0-16,-1 0 15,1 0 1,-1 0 0,1 0-1,-1 0 1,0 0-1,1 0-15,-1 0 16,1 0-16,-1 0 16,1 0-16,-1 0 0,0-33 15,1 33-15,-1 0 0,1 0 16,-1 0-16,1 0 0,-1 0 0,1 0 16,-1 0-16,0 0 0,1-32 15,-1 32-15,1 0 16,-1 0 31,1 0-16,-1 0-15,0 0-1,1 32 79,-1-32-32,33 33-30,-32-33-1,32 32-31,-33 1 16,33-1 15,-32-32-16,32 33 17,32-33 233,-32 33-265,33-33 16,-1 0-16,-32 32 0,33-32 16,-1 0-1,-32 33-15,33-33 0,0 0 16,-1 0-1,-32 32 1,33-32 0,-1 0-1,1 0 1,-33 33-16,32-33 0,1 0 16,0 0-16,32 32 0,-33-32 0,33 0 15,0 0-15,-32 0 0,32 0 16,-32 0-16,32 0 0,-33 33 15,34-33-15,-34 0 0,1 0 16,32 0-16,-33 0 0,1 0 16,-1 0-16,1 0 0,0 0 15,-1 0-15,1 0 0,-1 0 16,1 0-16,-1 0 0,1 0 0,0 0 16,-1 0-16,1 0 15,-1 0-15,1 0 0,-1 0 16,1 0-16,0 0 15,-1 0-15,1 0 16,-1 0 0,1 0-16,-1 0 15,1 0 1,-1 0-16,1 0 0,0 0 16,-1 0-16,1 0 0,-1 0 15,1 0-15,32 0 0,-32 0 16,-1 0-16,1 0 15,-1 0 17,1 0 15,-1 0 109,1 0-94,-1 0-15,1 0-16,-33 32 1,33-32-17,-66 0 251,0 0-250,33 33-1,-32-33-15,-1 0 0,1 0 16,-1 0-16,1 0 15,32 33-15,-33-33 16,1 0 0,-1 0-1,0 0 1,1 0 0,-1 0 30,1 0-14,-1 0-17,1 0 1,-1 0 0,0 0-16,1 0 15,-1 0-15,1 0 16,-1 0-16,1 0 0,-1 0 15,1 0-15,-1 0 16,0 32-16,1-32 16,-1 0-16,1 0 15,-1 0-15,1 0 16,-1 0-16,0 0 0,1 0 16,-1 33-1,1-33-15,-1 0 16,1 0-16,-1 0 15,0 0-15,1 0 16,-1 0 0,1 32-16,-1-32 15,1 0 1,-1 0-16,1 0 16,-1 0-16,0 0 15,1 0 1,-1 0-1,1 0 1,-1 0 0,1 0-1,-1 0 17,33 33-32,-33-33 0,1 0 15,-1 0 16,1 0 48,-1 0-64,1 0 32,-1 0-16,1 0 1,-1 0-17,0 0 16,1 0-15,-1 0 0,1 0-1,-1 0 1,33 32 15,-32-32-15,-1 0-1,0 0-15,1 0 16,-1 0 0,1 0-1,32-32 235,-33 32-250,33-33 94,0 1-78</inkml:trace>
-        </inkml:traceGroup>
-      </inkml:traceGroup>
-    </inkml:traceGroup>
+    <inkml:trace contextRef="#ctx0" brushRef="#br0">0 111 0,'33'0'219,"0"0"-188,-1 0-15,1 0 0,-1 0-16,-32-32 15,33 32-15,-1 0 16,1 0-16,-1 0 15,1 0 1,-33-33 0,33 33-1,-1 0 1,1 0 0,-1 0-1,1 0-15,-1 0 16,1-33-1,0 33 1,-1 0 0,1 0-1,-1 0-15,1 0 0,-1 0 16,1 0-16,0 0 31,-1 0-31,1 0 16,-1 0-16,1 0 15,-1 0-15,1 0 0,-1 0 16,1 33-16,0-33 0,-1 0 16,1 0-16,-1 0 0,1 0 0,-1 0 15,1 0-15,0 0 0,-1 0 16,1 0 0,-1 0-16,1 0 15,-1 0 1,1 33-16,-1-33 15,1 0-15,0 0 0,-1 0 16,1 0-16,-1 0 0,1 0 16,-1 0-16,1 0 0,0 0 15,-1 0 1,1 0 0,-1 0-1,1 0-15,-1 0 16,1 0-16,0 0 31,-33 32 16,32-32 15,1 33-15,-1-33-31,-32 32-16,33-32 0,-33 33 16,32-33-16,-32 32 0,33-32 15,-33 33-15,32-33 0,-32 32 16,33-32-16,-33 33 15,33-33 1,-1 0 0,1 33-16,-1-33 47,-64 0 46,-1 0-30,1 0-48,-1 0-15,0 0 16,1 0-16,-1 0 16,1 0-16,-1-33 15,1 33-15,-1 0 0,1 0 16,-1 0 0,0 0-1,1 0 1,-1 0-1,1 0 1,-1 0 0,1 0-1,32-33 1,-33 33-16,0 0 16,1 0-16,-1 0 15,1 0 1,-1 0-1,1 0 1,-1 0 0,0 0-16,1 0 15,-1 0 1,1 0 0,-1 0-16,1 0 15,-1 0 1,1 0-16,-1 0 15,0 0-15,1 0 16,-1-32-16,1 32 16,-1 0-16,1 0 15,-1 0 1,0 0-16,1 0 16,-1 0-1,1 0 1,-1 0-1,1 0 1,-1 0 0,1 0-16,-1 0 15,0 0-15,1 0 16,-1 0-16,1 0 16,-1 0-16,33-33 0,-32 33 15,-1 0-15,0 0 16,1 0-1,-1 0 1,1 0 0,-1 0 31,1 0-1,-1 0 17,0 0-16,1 0-16,32 33-31,-33-33 31,1 0-15,-1 0 46,1 0 1,32 32-32,-33-32 0,1 33 79,64-33-32,-32 33-47,33-33-15,-33 32-16,32 1 15,1-1 1,-1 1 15,1-1-31,-1-32 16,-32 33-16,33-33 16,0 0 30,-1 0-30,1 0 15,-1 0-15,1 0 15,-1 0-15,1 0-1,0 0 1,-1 0 15,1 33-31,-1-33 32,1 0-1,-1 0-16,1 0 1,0 0 0,-1 0-16,1 0 31,-1 0 16,1 0-32,-1 0 1,1 0-16,-1 0 0,1 0 16,0 0-16,-1 0 0,1 0 15,-1 0-15,1 0 0,-1 0 16,1 0 0,0 0-16,-1 0 15,1 0 1,-1 0-16,1 0 0,-1 0 15,1 0-15,-1 0 16,1 0-16,0 0 16,-1 0-1,1 0 1,-1 0-16,1 0 16,-1 0-1,1 0 32,0 0-31,-1 0-1,1 0 17,-1 0-17,1 0 1,-1 0-1,1 0 48,0 0-47,-1 0-1,1 0 48</inkml:trace>
   </inkml:traceGroup>
 </inkml:ink>
 </file>
@@ -1048,7 +1419,7 @@
           <inkml:channelProperty channel="T" name="resolution" value="1" units="1/dev"/>
         </inkml:channelProperties>
       </inkml:inkSource>
-      <inkml:timestamp xml:id="ts0" timeString="2018-12-06T12:43:35.949"/>
+      <inkml:timestamp xml:id="ts0" timeString="2018-12-06T13:45:29.612"/>
     </inkml:context>
     <inkml:brush xml:id="br0">
       <inkml:brushProperty name="width" value="0.46667" units="cm"/>
@@ -1060,12 +1431,56 @@
   <inkml:traceGroup>
     <inkml:annotationXML>
       <emma:emma xmlns:emma="http://www.w3.org/2003/04/emma" version="1.0">
-        <emma:interpretation id="{7226BB1B-DCB4-4CB8-B349-7453F7634306}" emma:medium="tactile" emma:mode="ink">
-          <msink:context xmlns:msink="http://schemas.microsoft.com/ink/2010/main" type="inkDrawing" rotatedBoundingBox="10646,5643 13012,5592 13025,6155 10659,6206" shapeName="Other"/>
+        <emma:interpretation id="{679A7B41-DD83-4904-A77F-980A979CD56C}" emma:medium="tactile" emma:mode="ink">
+          <msink:context xmlns:msink="http://schemas.microsoft.com/ink/2010/main" type="writingRegion" rotatedBoundingBox="3452,8106 6578,8110 6577,8764 3451,8759"/>
         </emma:interpretation>
       </emma:emma>
     </inkml:annotationXML>
-    <inkml:trace contextRef="#ctx0" brushRef="#br0">0 53 0,'0'33'125,"33"-33"-109,-1 0-1,1 0 1,-1 0-16,1 0 0,0 0 15,-1 0-15,33-33 0,-32 33 16,32 0-16,-32 0 0,32-33 16,-33 33-16,33 0 0,-32 0 15,0 0-15,32 0 0,-33 0 16,1 0-16,-1 0 16,1 0-16,-1 0 0,1 0 15,0 0-15,-1 0 16,1 0-16,-1 0 15,1 0-15,-1 0 0,1 0 16,0 0 0,-1 0-16,1 0 15,-1 0 1,1 0 0,-1 0-1,1 0-15,-1 0 0,1 0 16,0 0-16,-1 0 15,-32 33 1,33-33-16,-1 0 16,1 0-1,-1 0-15,1 0 16,0 0 0,-1 0-16,1 0 15,-1 0 1,1 0 15,-1 0 0,1 0 16,0 0-31,-1 33-1,1-33 1,-1 0-16,1 0 63,-1 0-32,1 32-16,-1-32 1,1 0 31,-33 33 15,33-33-46,-1 0 15,1 0 16,-33 32-47,32-32 110,-32 33 61,-32-33-171,-1 0 32,33 32-17,-32-32-15,-1 0 32,0 0-17,1 0 1,32 33-16,-33-33 15,1 0-15,-1 0 16,1 0 0,-1 0-1,1 0 1,-1 0-16,0 0 16,1 0-1,-1 0 1,1 0-16,-1 0 15,1 0-15,-1 0 16,0 0-16,1 0 16,-1 0-16,1 0 0,-1 0 15,1 0-15,-1 0 16,0 0-16,1 0 16,32 33-16,-33-33 15,1 0-15,-1 0 16,1 0-16,-1 0 0,1 0 0,-1 0 15,0 0-15,1 0 16,-1 0-16,1 0 16,32 32-16,-33-32 0,1 0 15,-1 0-15,0 0 16,1 0-16,-1 0 0,1 0 16,-1 0-16,1 0 0,-1 0 15,1 0 32,-1 0-31,0 0-1,1 0 1,-1 0 15,1 0 0,32 33 1,-33-33-17,1 0 17,-1 0-17,0 32 1,1-32 15,-1 0 16,33 33-47,-32-33 31,-1 32 32,1-32-48,-1 0 1,33 33 0,-33-33-16,1 0 15,-1 0 1,66 0 171,-33 33-171,32-33-16,1 0 16,0 0-16,-1 0 0,1 0 15,-1 0-15,1-33 0,-1 33 16,1 0-16,32 0 0,-32 0 15,-1 0-15,1 0 0,-1 0 16,1 0-16,32 0 16,0 0-16,-32 0 0,-1 0 15,1 0-15,-1 0 16,1 0-16,0 0 0,-1 0 16,1 0-16,-1 0 0,1 0 15,32 0-15,-32 0 0,-1 0 0,1 0 16,-1 0-16,1 0 0,-1 0 15,1 0-15,-1 0 0,1 0 16,0 0-16,-1 0 31,1 0-15,-1 0-16,1 0 16,-1 0-16,1 0 15,0 0 1,-1 0-16,1 0 0,-1 0 15,1 0 1,-1 0-16,1 0 16,0 0-16,-1 0 31,1 0 16,-1 0 15,1 0-15,-1 0 0,1 0-16,-1 0 1,1 0-17,0 0 32,-1 0 62,1 0-15,-1 0-63,-32 33-31,33-33 16,-1 0 125</inkml:trace>
+    <inkml:traceGroup>
+      <inkml:annotationXML>
+        <emma:emma xmlns:emma="http://www.w3.org/2003/04/emma" version="1.0">
+          <emma:interpretation id="{667CE5C5-8F98-45CB-A93D-C534424237E8}" emma:medium="tactile" emma:mode="ink">
+            <msink:context xmlns:msink="http://schemas.microsoft.com/ink/2010/main" type="paragraph" rotatedBoundingBox="3452,8106 6578,8110 6577,8764 3451,8759" alignmentLevel="1"/>
+          </emma:interpretation>
+        </emma:emma>
+      </inkml:annotationXML>
+      <inkml:traceGroup>
+        <inkml:annotationXML>
+          <emma:emma xmlns:emma="http://www.w3.org/2003/04/emma" version="1.0">
+            <emma:interpretation id="{7A46CC60-C1E3-4D58-AACE-6A9CC8FF356C}" emma:medium="tactile" emma:mode="ink">
+              <msink:context xmlns:msink="http://schemas.microsoft.com/ink/2010/main" type="line" rotatedBoundingBox="3452,8106 6578,8110 6577,8764 3451,8759"/>
+            </emma:interpretation>
+          </emma:emma>
+        </inkml:annotationXML>
+        <inkml:traceGroup>
+          <inkml:annotationXML>
+            <emma:emma xmlns:emma="http://www.w3.org/2003/04/emma" version="1.0">
+              <emma:interpretation id="{7F05132F-33A7-4D7A-8E17-D599AEE7A9D8}" emma:medium="tactile" emma:mode="ink">
+                <msink:context xmlns:msink="http://schemas.microsoft.com/ink/2010/main" type="inkWord" rotatedBoundingBox="3452,8106 6578,8110 6577,8764 3451,8759"/>
+              </emma:interpretation>
+              <emma:one-of disjunction-type="recognition" id="oneOf0">
+                <emma:interpretation id="interp0" emma:lang="en-US" emma:confidence="1">
+                  <emma:literal>•</emma:literal>
+                </emma:interpretation>
+                <emma:interpretation id="interp1" emma:lang="en-US" emma:confidence="0">
+                  <emma:literal>*</emma:literal>
+                </emma:interpretation>
+                <emma:interpretation id="interp2" emma:lang="en-US" emma:confidence="0">
+                  <emma:literal>}</emma:literal>
+                </emma:interpretation>
+                <emma:interpretation id="interp3" emma:lang="en-US" emma:confidence="0">
+                  <emma:literal>b</emma:literal>
+                </emma:interpretation>
+                <emma:interpretation id="interp4" emma:lang="en-US" emma:confidence="0">
+                  <emma:literal>e</emma:literal>
+                </emma:interpretation>
+              </emma:one-of>
+            </emma:emma>
+          </inkml:annotationXML>
+          <inkml:trace contextRef="#ctx0" brushRef="#br0">130 264 0,'32'0'125,"1"0"-110,0 0 1,-1 0 0,1 0-1,-1 0-15,1-33 16,-1 33-16,1 0 0,-1 0 16,1-32-16,0 32 0,-1 0 0,1 0 15,-1 0-15,1-33 0,-1 33 16,1 0-16,0 0 15,-1 0-15,-32-32 0,33 32 16,-1 0-16,1 0 16,-1 0-16,1 0 15,-1 0 1,-32-33 0,33 33-16,0 0 15,-1 0-15,1 0 16,-1 0-1,1 0 1,-1-33-16,1 33 0,0 0 16,-1 0-16,1 0 15,-1 0 1,1 0 0,-1 0-16,1 0 0,0-32 15,-1 32-15,1 0 0,-1 0 16,1 0-16,-1 0 0,1 0 15,-1 0-15,1 0 0,0 0 16,-1 0-16,1 0 16,-1 0-16,1 0 15,-1 0-15,1 0 16,0 0-16,-1 0 16,1 0-16,-1 0 15,1 0-15,-1 0 0,1 0 16,-1 0-1,1 0-15,0 0 16,-1 0-16,1 32 16,-1-32-16,1 0 15,-1 0-15,1 0 16,0 0-16,-1 0 0,1 0 16,-1 0-1,1 0-15,-1 0 16,1 0-1,0 0 1,-1 0 0,-32 33-1,33-33-15,-1 0 0,1 0 16,-1 33-16,1-33 16,-1 0-16,1 32 0,0-32 31,-1 0-16,1 0 1,-66 0 328,33 33-329,-32-33 17,-1 0 30,0 0-62,1 0 16,-1 0-1,1 0 1,-1 0 0,1 0-1,-1 0 1,1 0-16,-1 0 16,0 0-16,33 32 0,-65-32 15,33 0-15,-1 0 0,1 0 0,-1 0 16,0 0-16,1 0 0,-1 0 15,1 0-15,-1 0 16,1 0-16,-1 0 16,0 0-16,1 0 0,-1 0 15,1 0-15,-1 0 0,1 0 16,-1 0 0,1 0-16,-1 0 15,0 0-15,1 0 16,-1 0-16,1 0 0,-1 0 15,1 0-15,-1 0 16,0 0-16,1 0 16,-1-32-16,1 32 0,-1 0 15,1 0-15,-1 0 16,33-33-16,-32 33 16,-1 0-1,0 0 1,33-32-16,-32 32 15,-1 0 17,1 0 30,32-33-62,-33 33 16,1-33-1,-1 33 17,33-32-1,-33 32-31,1 0 47,-1 0 31,1-33-16,-1 33 17,1 0-48,32 33 0,-33-33-31,0 0 16,1 0-1,-1 0 1,1 0-16,-1 32 16,1-32-1,-1 0-15,1 0 16,-1 0-16,0 0 15,1 0 17,-1 0-17,1 0 17,-1 0-17,1 0 63,-1 0 63,0 0-125,1 0 15,-1 0 31,33 33-62,-32-33 63,-1 33 31,1-33-63,32 32-16,-33-32 17,33 33-17,-32-33-15,-1 32 32,0-32-17,33 33-15,-32-33 0,-1 32 16,1 1-16,32 0 15,-33-33-15,1 0 16,32 32-16,0 1 203,32-33-203,1 0 16,-33 32-1,32-32-15,1 0 0,-1 0 16,1 0-16,32 0 16,-32 0-16,-1 0 15,33 33-15,0-33 0,-32 0 16,0 0-16,32 0 0,-33 0 16,1 0-16,-1 0 0,1 0 0,0 0 15,-1 0-15,1 0 0,32 0 16,0 0-16,0 0 0,0 0 15,-32 0-15,32 0 0,0 0 16,0 0-16,-32 0 0,32 0 16,0 0-16,-32 0 0,32 0 15,-33 0-15,1 0 0,32-33 16,-33 33-16,1 0 0,0 0 16,-1 0-16,1 0 0,-1 0 15,1 0-15,-1 0 16,1 0-1,0 0-15,-1 0 32,1 0-17,-1 0 1,1 0-16,-1 0 16,1 0-1,-33-32-15,32 32 0,1 0 16,0 0-16,-1 0 15,1 0-15,-1 0 0,1-33 16,-1 33-16,34 0 0,-34 0 16,1 0-16,-1 0 0,1 0 15,-1-32-15,1 32 32,0 0-17,-1 0-15,1 0 16,-1 0-16,1 0 0,-1 0 15,1 0 1,-1 0 47,-32 32 46,33-32-62,-33 33 15,33-33-62,-33 32 188,-33 1-157,33-1-15,0 1-1,-33-33 1,33 33 31,-32-33-32,32 32 1,-33-32 15,33 33-15,-32-33 0,-1 0 30,1 0 1,-1 0-31,1 0-16,-1 0 16,0 0-1,1 0 16,-1 0-15,1 0-16,-1 0 16,1 0-1,-1 0-15,0 0 16,1 0-16,-1 0 0,1 0 16,-1 0-16,1 0 15,-1 0 1,0 0-1,1 0 1,-1 0 0,1 0-16,-1 0 15,1 0-15,-33 0 16,32 0 0,0 0-16,1 0 0,-1 0 15,1 0-15,-1 0 0,1 0 16,-1 0-16,0 0 15,1 0-15,-1 0 16,1 0 0,-1 0-1,1 0 1,-1 0 15,1 0-15,-1 0-1,0 0 1,1 0 15,-1 0-31,1 0 16,-1 0 0,1 0-1,-1 0-15,0 0 16,1 0-16,-1 0 0,1 0 15,-1 0-15,1 0 16,-1 0-16,0 0 0,1 0 16,-1 0-1,1 0 32,-1 0 16,1 0-48,-1 0 1,1 0-16,-1 0 16,0 0-16,1 0 15,-1 0-15,1 0 16,-1 0-1,1 0 1,-1 0 0,0 0-1,1 0 1,-1 0 0,1 0-1,-1 0-15,1 0 16,-1 0 15,1 0 16</inkml:trace>
+        </inkml:traceGroup>
+      </inkml:traceGroup>
+    </inkml:traceGroup>
   </inkml:traceGroup>
 </inkml:ink>
 </file>
@@ -1086,7 +1501,7 @@
           <inkml:channelProperty channel="T" name="resolution" value="1" units="1/dev"/>
         </inkml:channelProperties>
       </inkml:inkSource>
-      <inkml:timestamp xml:id="ts0" timeString="2018-12-06T12:44:35.399"/>
+      <inkml:timestamp xml:id="ts0" timeString="2018-12-06T13:45:36.104"/>
     </inkml:context>
     <inkml:brush xml:id="br0">
       <inkml:brushProperty name="width" value="0.46667" units="cm"/>
@@ -1098,56 +1513,12 @@
   <inkml:traceGroup>
     <inkml:annotationXML>
       <emma:emma xmlns:emma="http://www.w3.org/2003/04/emma" version="1.0">
-        <emma:interpretation id="{BFA8A986-ABAC-4B53-8BB0-691704114718}" emma:medium="tactile" emma:mode="ink">
-          <msink:context xmlns:msink="http://schemas.microsoft.com/ink/2010/main" type="writingRegion" rotatedBoundingBox="8369,6252 10974,6252 10974,6676 8369,6676"/>
+        <emma:interpretation id="{CDD93129-E5B9-4776-83D0-CA58BE83E0AF}" emma:medium="tactile" emma:mode="ink">
+          <msink:context xmlns:msink="http://schemas.microsoft.com/ink/2010/main" type="inkDrawing" rotatedBoundingBox="27614,8304 30185,8249 30194,8711 27623,8765" semanticType="callout" shapeName="Other"/>
         </emma:interpretation>
       </emma:emma>
     </inkml:annotationXML>
-    <inkml:traceGroup>
-      <inkml:annotationXML>
-        <emma:emma xmlns:emma="http://www.w3.org/2003/04/emma" version="1.0">
-          <emma:interpretation id="{54467B39-8CAA-480A-A3AC-EF8F1D00824B}" emma:medium="tactile" emma:mode="ink">
-            <msink:context xmlns:msink="http://schemas.microsoft.com/ink/2010/main" type="paragraph" rotatedBoundingBox="8369,6252 10974,6252 10974,6676 8369,6676" alignmentLevel="1"/>
-          </emma:interpretation>
-        </emma:emma>
-      </inkml:annotationXML>
-      <inkml:traceGroup>
-        <inkml:annotationXML>
-          <emma:emma xmlns:emma="http://www.w3.org/2003/04/emma" version="1.0">
-            <emma:interpretation id="{4BC75C15-C3D8-4BC0-8316-B62E437BBAB9}" emma:medium="tactile" emma:mode="ink">
-              <msink:context xmlns:msink="http://schemas.microsoft.com/ink/2010/main" type="line" rotatedBoundingBox="8369,6252 10974,6252 10974,6676 8369,6676"/>
-            </emma:interpretation>
-          </emma:emma>
-        </inkml:annotationXML>
-        <inkml:traceGroup>
-          <inkml:annotationXML>
-            <emma:emma xmlns:emma="http://www.w3.org/2003/04/emma" version="1.0">
-              <emma:interpretation id="{E75543E4-93C9-488C-8990-76FE71C66313}" emma:medium="tactile" emma:mode="ink">
-                <msink:context xmlns:msink="http://schemas.microsoft.com/ink/2010/main" type="inkWord" rotatedBoundingBox="8369,6252 10974,6252 10974,6676 8369,6676"/>
-              </emma:interpretation>
-              <emma:one-of disjunction-type="recognition" id="oneOf0">
-                <emma:interpretation id="interp0" emma:lang="en-US" emma:confidence="0">
-                  <emma:literal>a</emma:literal>
-                </emma:interpretation>
-                <emma:interpretation id="interp1" emma:lang="en-US" emma:confidence="0">
-                  <emma:literal>s</emma:literal>
-                </emma:interpretation>
-                <emma:interpretation id="interp2" emma:lang="en-US" emma:confidence="0">
-                  <emma:literal>3</emma:literal>
-                </emma:interpretation>
-                <emma:interpretation id="interp3" emma:lang="en-US" emma:confidence="0">
-                  <emma:literal>S</emma:literal>
-                </emma:interpretation>
-                <emma:interpretation id="interp4" emma:lang="en-US" emma:confidence="0">
-                  <emma:literal>-</emma:literal>
-                </emma:interpretation>
-              </emma:one-of>
-            </emma:emma>
-          </inkml:annotationXML>
-          <inkml:trace contextRef="#ctx0" brushRef="#br0">0 81 0,'32'0'15,"1"0"1,-1 0 0,1 0-1,0 0 1,-33-32-16,32 32 15,1 0 1,-1 0-16,1 0 16,-1 0-1,1 0 1,0 0 0,-1 0-1,1 0-15,-1 0 16,1 0-1,-1 0-15,1 0 16,-1 0-16,1-33 16,0 33-16,-1 0 0,1 0 15,-1 0-15,1 0 0,-1 0 16,1 0 0,0 0-16,-1 0 15,1 0-15,-1 0 16,1 0-16,-1 0 0,1 0 15,-1 0-15,1 0 0,0 0 16,-1 0-16,1 0 16,-1 0-1,-32 33 1,33-33-16,-1 0 16,1 0-16,0 0 15,-1 0-15,1 0 0,-1 0 16,1 0-1,-1 0 1,1 0 0,0 0-16,-1 0 15,1 0-15,-1 0 16,1 0-16,-33 32 16,32-32-16,1 0 0,-1 0 15,1 0-15,0 0 16,-1 0-1,1 0 1,-1 0 0,1 0-1,-1 0 17,1 0-17,0 0 16,-1 0-15,1 0 15,-1 0 1,1 0-17,-1 0 32,-32 33-47,33-33 141,-33 32-63,32-32-63,-32 33 32,33-33-31,-66 0 203,33 33-188,-32-33-15,-1 32 30,1-32-30,-1 0 0,1 0 15,-1 0 0,1 0-15,32 33-16,-33-33 0,0 0 0,1 0 15,-1 0 17,1 0-17,-1 0 17,1 0-17,-1 0-15,0 0 16,1 0-16,-1 0 15,1 0 1,-1 0-16,1 0 16,-1 0-16,1 0 15,-1 0-15,0 0 16,1 0 0,-1 0-1,1 0-15,-1 0 0,1 0 16,-1 0-16,0 0 15,1 0-15,-1 0 16,1 0 0,-1 0-1,1 0-15,-1 0 16,0 0 15,1 0-15,-1 0-1,1 0 1,-1 0 0,1 0 15,-1 0-15,1 0-1,32 32 1,-33-32-16,0 0 15,1 0 48,-1 0-47,1 0 15,-1 0 16,1 0-32,-1 0 1,0 0 0,1 0-1,-1 0 1,1 0 15,32 33-31,-33-33 16,1 0 15,-1 0 16,1 0-16,-1 0 0,33 32-15,-33-32 0,1 0 46,-1 0-31,1 0-31,-1 0 32,33 33-32,-32-33 0,-1 0 0,0 0 15,1 0 1,-1 0-16,66 0 219,-1 0-188,1 33-16,0-33 1,-1 0-16,1 0 16,-1 0-1,1 0 1,-1 0-16,1 0 16,0 0-16,-1 0 15,1 0-15,-1 0 0,1 0 16,-1 0-16,1 0 15,-1 0-15,1 0 16,0 0-16,-1 0 16,1 0-16,-1 0 15,1 0-15,-1 0 16,1 0-16,0-33 16,-1 33-16,1 0 0,-1 0 0,1 0 15,-1 0-15,1 0 16,-1 0-1,1 0-15,0 0 16,-1 0-16,1 0 16,-1 0-16,1 0 15,-1 0-15,1 0 0,0 0 16,-1 0-16,1 0 16,-1 0-16,1 0 0,-1 0 15,1 0-15,0 0 16,-1 0-16,1 0 15,-1 0-15,1 0 16,-1 0-16,1-33 0,-1 33 16,1 0-16,0 0 0,-1 0 15,1 0-15,-1 0 0,1 0 16,-1 0-16,1 0 16,0 0-1,-1 0 16,1 0-31,-1 0 16,1 0 0,-1 0 171,1 0-156,-1 0-15,1 0 0,0 0-16,-1 0 15,1 0 32,-1 0-31,1 0-1,-33 33 235</inkml:trace>
-        </inkml:traceGroup>
-      </inkml:traceGroup>
-    </inkml:traceGroup>
+    <inkml:trace contextRef="#ctx0" brushRef="#br0">0 0 0,'33'0'31,"-1"0"47,1 0-62,-1 0-1,1 0 16,0 0 16,-33 32-47,32-32 16,1 0-16,-1 0 16,1 0-16,-1 33 15,1-33-15,-1 0 16,1 32-1,0-32-15,-1 0 16,1 0 0,-1 0-1,1 0 1,-33 33 0,32-33-16,1 0 15,0 0-15,-1 0 16,1 0-16,-1 33 0,1-33 15,32 0-15,0 0 0,0 0 16,-32 0-16,32 0 0,-33 0 16,34 0-16,-34 0 15,33 0-15,-32 0 0,32 0 0,0 0 16,-32 0-16,-1 0 16,1 0-16,-1 0 0,1 0 15,-33-33-15,32 33 0,1 0 16,0 0-1,-1 0 1,1 0-16,-1 0 16,1 0 15,-1 0-15,1 0-1,0 0-15,-1 0 16,-32-33-16,33 33 0,-1 0 31,1 0 0,-1 0-31,1 0 16,-1 0 0,-32-32-16,33 32 15,0 0 1,-1 0-16,1 0 31,-1 0-31,1 0 16,-1 0-16,1 0 15,0 0 17,-33-33-32,32 33 15,1 0 16,-33 33 110,0-1-78,0 1-32,0 0-31,0-1 15,0 1 1,0-1 0,-33-32-16,33 33 31,-32-33 78,-1 0-93,0 0 0,1 0-1,32 32-15,-33-32 16,1 0-1,-1-32-15,1 32 16,-1 0 0,0 0-1,1 0 1,-1 0-16,1 0 16,32 32-16,-33-32 0,1 0 15,-1 0-15,1 0 16,-1 0-1,0 0-15,1 0 16,-1 0-16,1 0 0,32 33 16,-33-33-16,1 0 0,-1 0 15,0 0-15,1 0 0,-1 0 16,-32 0-16,65 33 16,-32-33-16,-1 0 0,1 0 15,-1 0-15,0 0 16,1 0-16,-1 0 15,1 0-15,-1 0 16,1 0-16,-1 0 16,0 0-1,1 0-15,-1 0 32,1 0-32,-1 0 15,1 0-15,-1 0 16,0 0-16,1 0 15,-1 0-15,1 0 32,-1 0-32,1 0 15,-1 0 1,1 0-16,-1 0 16,0 0-1,1 0 1,-1 32-1,1-32 1,-1 0 0,1 0-1,-1 0 1,0 0 15,1 0-15,-1 0-1,1 0-15,-1 0 16,1 0 15,32 33-31,-33-33 16,1 0 31,-1 0 15,0 0-46</inkml:trace>
   </inkml:traceGroup>
 </inkml:ink>
 </file>
@@ -1168,7 +1539,7 @@
           <inkml:channelProperty channel="T" name="resolution" value="1" units="1/dev"/>
         </inkml:channelProperties>
       </inkml:inkSource>
-      <inkml:timestamp xml:id="ts0" timeString="2018-12-06T12:44:46.020"/>
+      <inkml:timestamp xml:id="ts0" timeString="2018-12-06T13:45:47.290"/>
     </inkml:context>
     <inkml:brush xml:id="br0">
       <inkml:brushProperty name="width" value="0.46667" units="cm"/>
@@ -1180,98 +1551,53 @@
   <inkml:traceGroup>
     <inkml:annotationXML>
       <emma:emma xmlns:emma="http://www.w3.org/2003/04/emma" version="1.0">
-        <emma:interpretation id="{B3FF27A2-109D-4DA8-8431-66025CBB16DC}" emma:medium="tactile" emma:mode="ink">
-          <msink:context xmlns:msink="http://schemas.microsoft.com/ink/2010/main" type="writingRegion" rotatedBoundingBox="15728,9216 18848,9173 18926,14912 15806,14955"/>
+        <emma:interpretation id="{203C1E51-2BA6-47FB-88F0-87C6D37575E1}" emma:medium="tactile" emma:mode="ink">
+          <msink:context xmlns:msink="http://schemas.microsoft.com/ink/2010/main" type="writingRegion" rotatedBoundingBox="8694,13351 11071,13346 11073,14097 8695,14102"/>
         </emma:interpretation>
       </emma:emma>
     </inkml:annotationXML>
     <inkml:traceGroup>
       <inkml:annotationXML>
         <emma:emma xmlns:emma="http://www.w3.org/2003/04/emma" version="1.0">
-          <emma:interpretation id="{5C6D19F4-02F1-40A5-B7A8-B0ABE38C5ABB}" emma:medium="tactile" emma:mode="ink">
-            <msink:context xmlns:msink="http://schemas.microsoft.com/ink/2010/main" type="paragraph" rotatedBoundingBox="15728,9215 18662,9240 18656,9975 15721,9950" alignmentLevel="1"/>
+          <emma:interpretation id="{39FAC995-7DD6-4A52-BEDB-0E5CB959BD02}" emma:medium="tactile" emma:mode="ink">
+            <msink:context xmlns:msink="http://schemas.microsoft.com/ink/2010/main" type="paragraph" rotatedBoundingBox="8694,13351 11071,13346 11073,14097 8695,14102" alignmentLevel="1"/>
           </emma:interpretation>
         </emma:emma>
       </inkml:annotationXML>
       <inkml:traceGroup>
         <inkml:annotationXML>
           <emma:emma xmlns:emma="http://www.w3.org/2003/04/emma" version="1.0">
-            <emma:interpretation id="{CE8DDC5E-3F22-41C1-A666-C3E823C6BC14}" emma:medium="tactile" emma:mode="ink">
-              <msink:context xmlns:msink="http://schemas.microsoft.com/ink/2010/main" type="line" rotatedBoundingBox="15728,9215 18662,9240 18656,9975 15721,9950"/>
+            <emma:interpretation id="{6C478D39-8180-4BAE-AF2A-C279A03CD8C8}" emma:medium="tactile" emma:mode="ink">
+              <msink:context xmlns:msink="http://schemas.microsoft.com/ink/2010/main" type="line" rotatedBoundingBox="8694,13351 11071,13346 11073,14097 8695,14102"/>
             </emma:interpretation>
           </emma:emma>
         </inkml:annotationXML>
         <inkml:traceGroup>
           <inkml:annotationXML>
             <emma:emma xmlns:emma="http://www.w3.org/2003/04/emma" version="1.0">
-              <emma:interpretation id="{F7EAF5EF-97A8-4F8A-9E75-1DA5BD5AF1E5}" emma:medium="tactile" emma:mode="ink">
-                <msink:context xmlns:msink="http://schemas.microsoft.com/ink/2010/main" type="inkWord" rotatedBoundingBox="15728,9215 18662,9240 18656,9975 15721,9950"/>
+              <emma:interpretation id="{F7A83EAB-6EBC-45D9-9490-532BCCEA652D}" emma:medium="tactile" emma:mode="ink">
+                <msink:context xmlns:msink="http://schemas.microsoft.com/ink/2010/main" type="inkWord" rotatedBoundingBox="8694,13351 11071,13346 11073,14097 8695,14102"/>
               </emma:interpretation>
               <emma:one-of disjunction-type="recognition" id="oneOf0">
                 <emma:interpretation id="interp0" emma:lang="en-US" emma:confidence="0">
-                  <emma:literal>as</emma:literal>
+                  <emma:literal>•</emma:literal>
                 </emma:interpretation>
                 <emma:interpretation id="interp1" emma:lang="en-US" emma:confidence="0">
-                  <emma:literal>s</emma:literal>
+                  <emma:literal>*</emma:literal>
                 </emma:interpretation>
                 <emma:interpretation id="interp2" emma:lang="en-US" emma:confidence="0">
-                  <emma:literal>3</emma:literal>
+                  <emma:literal>b</emma:literal>
                 </emma:interpretation>
                 <emma:interpretation id="interp3" emma:lang="en-US" emma:confidence="0">
-                  <emma:literal>Is</emma:literal>
+                  <emma:literal>}</emma:literal>
                 </emma:interpretation>
                 <emma:interpretation id="interp4" emma:lang="en-US" emma:confidence="0">
-                  <emma:literal>b</emma:literal>
+                  <emma:literal>+</emma:literal>
                 </emma:interpretation>
               </emma:one-of>
             </emma:emma>
           </inkml:annotationXML>
-          <inkml:trace contextRef="#ctx0" brushRef="#br0">0 0 0,'33'0'94,"-1"0"-78,1 32-1,32-32-15,-32 0 0,32 33 16,0-33-16,0 0 0,-32 0 15,97 32-15,-98-32 16,1 0-16,32 0 0,-32 0 16,-1 0-16,1 0 0,-1 0 15,1 0-15,-1 0 16,1 0-16,0 0 16,-1 0-16,1 0 0,-1 0 15,1 0-15,-1 0 0,1 0 16,0 0-16,-1 0 15,1 0-15,-1 0 0,1 0 16,-1 0-16,1 0 16,-1 0-16,34 0 15,-34 0-15,1 0 0,32 0 16,-33 0-16,1-32 0,0 32 16,-1 0-16,1 0 0,-1 0 15,1 0-15,-1 0 16,1 0-16,0 0 15,-1 0 1,1 0 0,-1 0-1,1 0-15,-1 0 16,1 0 0,-1 0-16,1 0 31,0 0 0,-1 0 0,1 0-15,-1 0 0,1 0-1,-1 0-15,1 0 47,0 0-31,-1 0-1,1 0-15,-1 0 16,1 0-16,-1 0 16,1 0-1,-1 0 1,1 0-1,0 0 17,-1 0 15,1 0-32,-1 0 173,-32 32-126,33-32-46,-1 0 31,1 33-16,-66-33 281,1 32-296,-1-32 0,33 33-16,-32-33 15,-1 32 1,1-32 0,-1 0-1,0 0 1,1 0-1,-1 0 1,33 33-16,-32-33 0,-1 0 31,1 0 1,-1 0-17,1 0 1,-1 0-1,0 0-15,1 0 0,-1 0 16,1 0-16,-1 0 0,1 0 16,-1 0-16,0 0 0,1 0 15,-1 0-15,1 0 0,-1 0 16,1 0-16,-1 0 16,1 0-1,-1 0 1,0 0-16,1 0 15,-1 0-15,33-33 0,-32 33 16,-1 0-16,1 0 16,-1 0-1,0 0 1,1 0-16,-1 0 16,1 0-16,-1 0 0,1 0 15,-1 0-15,0 0 16,1 0-16,-1 0 0,1 0 0,-1 0 15,1 0 1,-1 0-16,1 0 0,-1 0 16,0 0-16,1 0 15,-1 0-15,1 0 16,-1 0 0,1 0-1,-1 0 1,0 0-16,1 0 15,-1 0 1,1 0 15,-1 0 47,33-32-78,-32 32 32,-1 0-17,1 0 17,-1 0-1,0 0 16,1 0-32,-1 0 1,1 0 15,-1 0-15,1 0-1,-1 0 32,33 32-47,-33-32 16,1 0-16,-1 0 109,1 0-93,-1 0 15,1 0-15,32 33-16,-33-33 0,0 0 234,33 33-234,0-1 78,33-32 79,-33 33-157,33-33 15,-1 0-15,1 32 16,-1-32-16,1 0 15,-33 33-15,32-33 16,1 0-16,0 0 16,-1 0-1,-32 32-15,33-32 0,-1 0 16,1 0 0,-1 0-1,34 0-15,-34 0 0,33 33 16,-32-33-16,32 0 0,-33 0 0,1 0 15,32 0-15,-32 0 0,-1 0 16,33 0-16,-32 0 0,32 33 16,-32-33-16,-1 0 0,1 0 15,-1 0-15,1 0 0,-1 0 16,1 0-16,0 0 16,-1 0-16,1 0 15,-1 0-15,1 0 16,-1 0-16,1 0 15,0 0-15,32 0 0,-33 0 0,33 0 16,1 0-16,-34 0 0,33 0 16,0-33-16,-32 33 0,32 0 15,0 0-15,-32 0 0,-1 0 16,1 0-16,-1 0 0,1 0 16,0 0-16,-1 0 0,-32-33 15,33 33-15,-1 0 16,1 0-1,-1 0 1,1 0-16,-1 0 16,1 0 46,0 0-15,-1 0 62,1 0-62,-1 0-15,1 0 14,-1 0-30,1 0 31,-33 33 234,-33-33 94,33 33-359,-32-33-16,-1 32 15,1-32-15,-1 33 16,1-33-16,-1 32 0,0-32 16,1 0-16,-1 33 15,1-1-15,-1-32 0,1 0 16,-1 0-16,1 33 16,-1-33-16,0 0 15,1 0-15,-1 0 0,1 0 16,-1 33-16,1-33 0,-1 0 15,0 0-15,1 0 16,-1 0 0,1 0-1,-1 0 1,1 0 0,-1 0-1,1 0 1,-1 0-16,0 0 15,1 0 1,-1 0-16,1 0 16,-1 0-1,1-33 1,-1 33-16,0 0 16,1 0-16,-1 0 15,1 0 1,-1 0-1,1-33-15,-1 33 16,0 0-16,1 0 16,-1 0-16,1 0 0,-1 0 15,1-32 1,-1 32 0,1 0-1,-1 0 1,0 0-16,1 0 31,-1 0 32,1 0-48,-1 0 1,1 0-1,-1 0-15,0 0 0,1 0 16,-1 0 0,1 0-16,-1 0 15,1 0 17,-1 0 139,1 0-124,-1 0-31,0 0-16,1 0 62,-1 0-15,1 0 31,-1 0-46,1 0 15,-1 0-1,0 0-30,1 0 15,-1 0-15,1 0 0,-1 0 62,66 0 94</inkml:trace>
-        </inkml:traceGroup>
-      </inkml:traceGroup>
-    </inkml:traceGroup>
-    <inkml:traceGroup>
-      <inkml:annotationXML>
-        <emma:emma xmlns:emma="http://www.w3.org/2003/04/emma" version="1.0">
-          <emma:interpretation id="{686001E3-E820-41C0-856E-BB90C1D8459C}" emma:medium="tactile" emma:mode="ink">
-            <msink:context xmlns:msink="http://schemas.microsoft.com/ink/2010/main" type="paragraph" rotatedBoundingBox="15821,14323 18917,14281 18926,14912 15829,14954" alignmentLevel="1"/>
-          </emma:interpretation>
-        </emma:emma>
-      </inkml:annotationXML>
-      <inkml:traceGroup>
-        <inkml:annotationXML>
-          <emma:emma xmlns:emma="http://www.w3.org/2003/04/emma" version="1.0">
-            <emma:interpretation id="{6A555B9B-07C1-4082-B9AA-39A8AFF203AF}" emma:medium="tactile" emma:mode="ink">
-              <msink:context xmlns:msink="http://schemas.microsoft.com/ink/2010/main" type="line" rotatedBoundingBox="15821,14323 18917,14281 18926,14912 15829,14954"/>
-            </emma:interpretation>
-          </emma:emma>
-        </inkml:annotationXML>
-        <inkml:traceGroup>
-          <inkml:annotationXML>
-            <emma:emma xmlns:emma="http://www.w3.org/2003/04/emma" version="1.0">
-              <emma:interpretation id="{E9DE6902-73E2-46D5-9784-E6DE176BFB83}" emma:medium="tactile" emma:mode="ink">
-                <msink:context xmlns:msink="http://schemas.microsoft.com/ink/2010/main" type="inkWord" rotatedBoundingBox="15821,14323 18917,14281 18926,14912 15829,14954"/>
-              </emma:interpretation>
-              <emma:one-of disjunction-type="recognition" id="oneOf1">
-                <emma:interpretation id="interp5" emma:lang="en-US" emma:confidence="0">
-                  <emma:literal>a</emma:literal>
-                </emma:interpretation>
-                <emma:interpretation id="interp6" emma:lang="en-US" emma:confidence="0">
-                  <emma:literal>S</emma:literal>
-                </emma:interpretation>
-                <emma:interpretation id="interp7" emma:lang="en-US" emma:confidence="0">
-                  <emma:literal>s</emma:literal>
-                </emma:interpretation>
-                <emma:interpretation id="interp8" emma:lang="en-US" emma:confidence="0">
-                  <emma:literal>3</emma:literal>
-                </emma:interpretation>
-                <emma:interpretation id="interp9" emma:lang="en-US" emma:confidence="0">
-                  <emma:literal>•</emma:literal>
-                </emma:interpretation>
-              </emma:one-of>
-            </emma:emma>
-          </inkml:annotationXML>
-          <inkml:trace contextRef="#ctx0" brushRef="#br0" timeOffset="6277.1436">130 5210 0,'33'0'78,"0"0"-62,-1 0-16,1 0 16,32 0-16,-33 0 0,34 0 15,-34 0-15,33 0 0,-32 0 16,-1 0-16,34 0 0,-34 0 16,1 0-16,-1 0 0,1 0 15,-1 0-15,1 0 16,-1 0-1,1 0 1,0 0-16,-1 0 0,1 0 0,32 0 16,-33 0-16,1 0 0,0 0 15,-1 0-15,1 0 0,-1 0 16,1 0-16,-33-33 16,32 33-16,1 0 15,-1 0 1,1 0-16,0 0 15,-1 0 1,1 0-16,-1 0 16,1 0 15,-1 0-31,1 0 16,0 0-16,-1 0 15,-32-32-15,33 32 0,-1 0 16,1 0-16,-1 0 15,1 0 1,0-33 0,-1 33-16,1 0 0,-1 0 15,1 0 1,-1 0-16,1 0 16,-1 0-1,-32-32 1,33 32-1,0 0 17,-1 0-1,1 0-31,-1 0 16,1 0 30,-1 0-30,1 0 15,0 0-15,-1 0 0,1 0-1,-1 0-15,1 0 16,-1 0 31,1 0-32,-1 0 1,1 0 31,0 0 15,-1 0-30,1 0 14,-1 0-30,1 0 0,-1 0 31,1 0-16,0 0 31,-1 0 141,-32 32-140,33-32-47,-33 33-1,32-33 1,1 0 46,-33 32-46,32-32 62,-32 33-62,33-33-16,-33 32 140,33-32-30,-66 0-79,33 33-15,-33-33 46,1 0-46,-1 0-16,1 0 15,32 32-15,-33-32 16,1 0-16,-1 0 16,0 0-16,1 0 15,-1 0-15,33 33 0,-32-33 16,-1 0-16,1 0 0,-1 0 15,0 0-15,1 0 16,-1 33-16,1-33 16,-1 0-16,1 0 0,-1 0 15,1 0-15,-1 0 16,0 0-16,1 0 16,-1 0-1,1 0-15,-1 0 16,1 0-1,-1 0-15,0 0 16,-32 0-16,33 0 0,-1 0 16,-32 0-16,0 0 0,32 0 15,1 0-15,-33 0 0,32 0 16,1 0-16,-1 0 16,0 0-1,-32 0-15,33 0 16,-33-33-16,-1 33 0,34 0 15,-33 0-15,0 0 0,0 0 16,32 0-16,-32 0 0,32 0 0,1 0 16,-1-33-16,1 33 0,-1 0 15,0 0-15,1 0 47,-1 0-31,1 0-16,-1 0 0,1 0 15,-1 0-15,1 0 0,-1 0 0,0 0 16,1 0-16,-1 0 0,1 0 16,-1 0 62,1 0-47,-1 0 0,0 0 1,1 33 46,-1-33-47,1 0 16,-1 0-16,33 33-15,-32-33-1,-1 32 63,0-32-46,33 33-17,-32-33 79,32 32-63,32-32 94,1 33-109,0-33 0,-1 0-1,-32 32-15,33-32 16,-1 0-16,1 0 15,-1 33-15,1-33 0,0 0 16,32 0-16,-33 0 0,1 33 16,32-33-16,-32 0 0,-1 0 0,33 0 15,-32 0-15,32 32 0,-33-32 16,34 0-16,-34 0 0,33 0 16,-32 0-16,32 0 0,-32 0 15,32 0-15,-33 0 0,33 0 16,0 0-16,1 0 0,-34 0 15,33 33-15,-32-33 0,32 0 16,-32 0-16,-1 0 0,1 0 0,32 0 16,-33 0-16,34 0 0,-34 0 15,1 0-15,32 0 0,-33 0 16,33 0-16,-32 0 0,0 0 16,-1 0-16,1 0 0,-1 0 15,1 0-15,-1 0 16,1 0-16,0 32 15,-1-32 1,1 0-16,-1 0 16,1 0-16,-1 0 0,1 0 15,-1 0 1,1 0 31,0-32-32,-1 32 189,1 0-189,-1 0 32,1 0-31,-1 0-1,1 0-15,0 0 16,-1 0 250,1 32-235,-1-32 16,1 0 250</inkml:trace>
+          <inkml:trace contextRef="#ctx0" brushRef="#br0">0 0 0,'33'0'78,"0"0"-46,-33 33-32,32-33 0,1 0 15,-1 0 17,1 0-1,-1 0-31,-32 32 0,33-32 0,-1 0 15,1 0-15,0 0 0,-1 0 16,1 0-16,-1 0 0,1 33 16,-1-33-16,1 0 15,0 0-15,-1 0 16,1 0-16,-1 0 16,1 32-16,-1-32 0,1 0 15,-1 0-15,34 0 0,-34 0 0,1 0 16,-1 0-16,1 0 15,-1 0-15,1 0 0,0 0 16,32 0-16,-33 0 0,33 33 16,-32-33-16,32 0 0,-32 0 15,32 0-15,-33 0 0,33 0 16,-32 0-16,0 0 0,-1 0 16,1 0-16,-1 0 0,1 0 15,-1 0-15,1 0 16,0 0-16,-1 0 0,1 0 15,-1 0-15,1 0 0,-1 0 16,1 0 0,-1 0-1,1 0 1,0 0 0,-1 0-1,1 0-15,-1 0 16,1 0-16,-1 0 47,1 0-32,0 0 48,-33 33 109,-33-1-157,33 1 1,-33-33 15,33 32-31,-32-32 31,-1 33-15,1-33-16,-1 0 16,1 0-1,32 32-15,-33-32 32,0 0-17,1 0 1,-1 0-16,1 0 15,-1 0 1,1 0-16,-1 0 0,1 0 16,-1 0-16,0 33 0,1-33 15,-1 0-15,1 0 16,-1 0-16,1 0 16,-1 0-16,0 0 15,1 0-15,-1 0 16,1 0-16,-1 0 0,1 0 15,-1 0-15,1 0 16,-1 0-16,0 0 16,1 0-16,-1 0 15,1 0-15,-1 0 16,1 0-16,-1 0 16,0 0-1,1 0-15,-1 0 16,1 0-16,-1 0 15,1 0-15,-1 0 0,0 0 16,1 0 0,-1 0-1,1 0 1,-1 33 0,1-33-16,-1 0 15,1 0-15,-1 0 16,0 0 15,1 0 0,-1 0-15,1 0 0,32 32-16,-33-32 15,1 0 1,-1 0-16,0 0 31,1 0-31,-1 0 16,1 0-1,32 33 1,-33-33 0,33 32 187,33-32-188,-33 33 1,32-33-16,1 32 16,-1-32-16,1 33 15,0-33-15,-1 0 16,1 32-16,-1-32 15,1 0-15,-33 33 16,32-33-16,1 0 16,0 0-16,-1 0 15,1 33-15,-1-33 0,1 0 16,-1 0-16,1 32 16,-1-32-1,1 0-15,0 0 0,-1 0 16,1 0-16,-1 0 15,1 0-15,-1 0 16,1 0-16,0 0 0,-1 0 0,1 0 16,-1 0-16,1 0 15,-1 0-15,1-32 0,0 32 16,-1 0-16,1 0 16,-1 0-16,1 0 15,-1 0-15,1-33 16,-1 33-1,1 0-15,0 0 0,-1 0 16,1 0-16,-1 0 16,1 0-1,-1-33-15,1 33 16,0 0 0,-1 0 15,1 0-16,-1 0 1,-32-32-16,33 32 0,-1 0 16,1 0-1,-1 0 17,1 0-17,0 0 1,-33-33 296,-33 1-296,33-1-16,-33 33 16,33-32-16,-32 32 0,32-33 15,-33 33 1,33-32-1,0-1 157,-32 33-172,32-33 16,0 1 0,-33 32-16,33-33 15,0 1 1,-32 32-16,32-33 0,0 1 15,-33 32 1,33-33-16,-32 33 31,32-33 32,0 1-16,-33 32-32,33-33 63,-33 33-78,1 0 32,-1 0-17,33-32 32,-32 32-47,-1 0 47,1 0-31,-1 0 15,0 0-15,1 0-1,-1 0 1,1 0-1,-1 0 1,1 0-16,-1 0 16,1 0-1,-1 0-15,0 0 16,1 0-16,-1 0 16,1 0-1,-1 0 1,1 0-1,-1 0 1,0 0 0,1 0-1,-1 0 1,1 0 15,-1 0 0,1 0-15,32 32-16,-33-32 16,0 0-1,1 0 1,-1 0 0,1 33-1,-1-33 16,66 0 126</inkml:trace>
         </inkml:traceGroup>
       </inkml:traceGroup>
     </inkml:traceGroup>
@@ -1911,7 +2237,91 @@
           <a:p>
             <a:fld id="{6D679973-E0F4-4AD1-8DEC-9AEE404E80A0}" type="slidenum">
               <a:rPr lang="en-US" smtClean="0"/>
-              <a:t>24</a:t>
+              <a:t>20</a:t>
+            </a:fld>
+            <a:endParaRPr lang="en-US"/>
+          </a:p>
+        </p:txBody>
+      </p:sp>
+    </p:spTree>
+    <p:extLst>
+      <p:ext uri="{BB962C8B-B14F-4D97-AF65-F5344CB8AC3E}">
+        <p14:creationId xmlns:p14="http://schemas.microsoft.com/office/powerpoint/2010/main" val="3203884049"/>
+      </p:ext>
+    </p:extLst>
+  </p:cSld>
+  <p:clrMapOvr>
+    <a:masterClrMapping/>
+  </p:clrMapOvr>
+</p:notes>
+</file>
+
+<file path=ppt/notesSlides/notesSlide12.xml><?xml version="1.0" encoding="utf-8"?>
+<p:notes xmlns:a="http://schemas.openxmlformats.org/drawingml/2006/main" xmlns:r="http://schemas.openxmlformats.org/officeDocument/2006/relationships" xmlns:p="http://schemas.openxmlformats.org/presentationml/2006/main">
+  <p:cSld>
+    <p:spTree>
+      <p:nvGrpSpPr>
+        <p:cNvPr id="1" name=""/>
+        <p:cNvGrpSpPr/>
+        <p:nvPr/>
+      </p:nvGrpSpPr>
+      <p:grpSpPr>
+        <a:xfrm>
+          <a:off x="0" y="0"/>
+          <a:ext cx="0" cy="0"/>
+          <a:chOff x="0" y="0"/>
+          <a:chExt cx="0" cy="0"/>
+        </a:xfrm>
+      </p:grpSpPr>
+      <p:sp>
+        <p:nvSpPr>
+          <p:cNvPr id="2" name="Slide Image Placeholder 1"/>
+          <p:cNvSpPr>
+            <a:spLocks noGrp="1" noRot="1" noChangeAspect="1"/>
+          </p:cNvSpPr>
+          <p:nvPr>
+            <p:ph type="sldImg"/>
+          </p:nvPr>
+        </p:nvSpPr>
+        <p:spPr/>
+      </p:sp>
+      <p:sp>
+        <p:nvSpPr>
+          <p:cNvPr id="3" name="Notes Placeholder 2"/>
+          <p:cNvSpPr>
+            <a:spLocks noGrp="1"/>
+          </p:cNvSpPr>
+          <p:nvPr>
+            <p:ph type="body" idx="1"/>
+          </p:nvPr>
+        </p:nvSpPr>
+        <p:spPr/>
+        <p:txBody>
+          <a:bodyPr/>
+          <a:lstStyle/>
+          <a:p>
+            <a:endParaRPr lang="en-US" dirty="0"/>
+          </a:p>
+        </p:txBody>
+      </p:sp>
+      <p:sp>
+        <p:nvSpPr>
+          <p:cNvPr id="4" name="Slide Number Placeholder 3"/>
+          <p:cNvSpPr>
+            <a:spLocks noGrp="1"/>
+          </p:cNvSpPr>
+          <p:nvPr>
+            <p:ph type="sldNum" sz="quarter" idx="10"/>
+          </p:nvPr>
+        </p:nvSpPr>
+        <p:spPr/>
+        <p:txBody>
+          <a:bodyPr/>
+          <a:lstStyle/>
+          <a:p>
+            <a:fld id="{6D679973-E0F4-4AD1-8DEC-9AEE404E80A0}" type="slidenum">
+              <a:rPr lang="en-US" smtClean="0"/>
+              <a:t>25</a:t>
             </a:fld>
             <a:endParaRPr lang="en-US"/>
           </a:p>
@@ -11605,8 +12015,8 @@
           <a:chExt cx="0" cy="0"/>
         </a:xfrm>
       </p:grpSpPr>
-      <mc:AlternateContent xmlns:mc="http://schemas.openxmlformats.org/markup-compatibility/2006">
-        <mc:Choice xmlns:p14="http://schemas.microsoft.com/office/powerpoint/2010/main" Requires="p14">
+      <mc:AlternateContent xmlns:mc="http://schemas.openxmlformats.org/markup-compatibility/2006" xmlns:p14="http://schemas.microsoft.com/office/powerpoint/2010/main">
+        <mc:Choice Requires="p14">
           <p:contentPart p14:bwMode="auto" r:id="rId2">
             <p14:nvContentPartPr>
               <p14:cNvPr id="32" name="Ink 31"/>
@@ -11619,7 +12029,7 @@
             </p14:xfrm>
           </p:contentPart>
         </mc:Choice>
-        <mc:Fallback>
+        <mc:Fallback xmlns="">
           <p:pic>
             <p:nvPicPr>
               <p:cNvPr id="32" name="Ink 31"/>
@@ -11644,8 +12054,8 @@
           </p:pic>
         </mc:Fallback>
       </mc:AlternateContent>
-      <mc:AlternateContent xmlns:mc="http://schemas.openxmlformats.org/markup-compatibility/2006">
-        <mc:Choice xmlns:p14="http://schemas.microsoft.com/office/powerpoint/2010/main" Requires="p14">
+      <mc:AlternateContent xmlns:mc="http://schemas.openxmlformats.org/markup-compatibility/2006" xmlns:p14="http://schemas.microsoft.com/office/powerpoint/2010/main">
+        <mc:Choice Requires="p14">
           <p:contentPart p14:bwMode="auto" r:id="rId4">
             <p14:nvContentPartPr>
               <p14:cNvPr id="34" name="Ink 33"/>
@@ -11658,7 +12068,7 @@
             </p14:xfrm>
           </p:contentPart>
         </mc:Choice>
-        <mc:Fallback>
+        <mc:Fallback xmlns="">
           <p:pic>
             <p:nvPicPr>
               <p:cNvPr id="34" name="Ink 33"/>
@@ -11683,8 +12093,8 @@
           </p:pic>
         </mc:Fallback>
       </mc:AlternateContent>
-      <mc:AlternateContent xmlns:mc="http://schemas.openxmlformats.org/markup-compatibility/2006">
-        <mc:Choice xmlns:p14="http://schemas.microsoft.com/office/powerpoint/2010/main" Requires="p14">
+      <mc:AlternateContent xmlns:mc="http://schemas.openxmlformats.org/markup-compatibility/2006" xmlns:p14="http://schemas.microsoft.com/office/powerpoint/2010/main">
+        <mc:Choice Requires="p14">
           <p:contentPart p14:bwMode="auto" r:id="rId6">
             <p14:nvContentPartPr>
               <p14:cNvPr id="37" name="Ink 36"/>
@@ -11697,7 +12107,7 @@
             </p14:xfrm>
           </p:contentPart>
         </mc:Choice>
-        <mc:Fallback>
+        <mc:Fallback xmlns="">
           <p:pic>
             <p:nvPicPr>
               <p:cNvPr id="37" name="Ink 36"/>
@@ -11928,7 +12338,83 @@
                 <a:effectLst/>
                 <a:latin typeface="Fira Code"/>
               </a:rPr>
-              <a:t>"op</a:t>
+              <a:t>"op"</a:t>
+            </a:r>
+            <a:r>
+              <a:rPr kumimoji="0" lang="en-US" altLang="en-US" sz="2400" b="0" i="0" u="none" strike="noStrike" cap="none" normalizeH="0" baseline="0" dirty="0" smtClean="0">
+                <a:ln>
+                  <a:noFill/>
+                </a:ln>
+                <a:solidFill>
+                  <a:srgbClr val="DCDCDC"/>
+                </a:solidFill>
+                <a:effectLst/>
+                <a:latin typeface="Fira Code"/>
+              </a:rPr>
+              <a:t>])</a:t>
+            </a:r>
+            <a:br>
+              <a:rPr kumimoji="0" lang="en-US" altLang="en-US" sz="2400" b="0" i="0" u="none" strike="noStrike" cap="none" normalizeH="0" baseline="0" dirty="0" smtClean="0">
+                <a:ln>
+                  <a:noFill/>
+                </a:ln>
+                <a:solidFill>
+                  <a:srgbClr val="DCDCDC"/>
+                </a:solidFill>
+                <a:effectLst/>
+                <a:latin typeface="Fira Code"/>
+              </a:rPr>
+            </a:br>
+            <a:r>
+              <a:rPr kumimoji="0" lang="en-US" altLang="en-US" sz="2400" b="0" i="0" u="none" strike="noStrike" cap="none" normalizeH="0" baseline="0" dirty="0" smtClean="0">
+                <a:ln>
+                  <a:noFill/>
+                </a:ln>
+                <a:solidFill>
+                  <a:srgbClr val="DCDCDC"/>
+                </a:solidFill>
+                <a:effectLst/>
+                <a:latin typeface="Fira Code"/>
+              </a:rPr>
+              <a:t>{</a:t>
+            </a:r>
+            <a:br>
+              <a:rPr kumimoji="0" lang="en-US" altLang="en-US" sz="2400" b="0" i="0" u="none" strike="noStrike" cap="none" normalizeH="0" baseline="0" dirty="0" smtClean="0">
+                <a:ln>
+                  <a:noFill/>
+                </a:ln>
+                <a:solidFill>
+                  <a:srgbClr val="DCDCDC"/>
+                </a:solidFill>
+                <a:effectLst/>
+                <a:latin typeface="Fira Code"/>
+              </a:rPr>
+            </a:br>
+            <a:r>
+              <a:rPr kumimoji="0" lang="en-US" altLang="en-US" sz="2400" b="0" i="0" u="none" strike="noStrike" cap="none" normalizeH="0" baseline="0" dirty="0" smtClean="0">
+                <a:ln>
+                  <a:noFill/>
+                </a:ln>
+                <a:solidFill>
+                  <a:srgbClr val="DCDCDC"/>
+                </a:solidFill>
+                <a:effectLst/>
+                <a:latin typeface="Fira Code"/>
+              </a:rPr>
+              <a:t>    </a:t>
+            </a:r>
+            <a:r>
+              <a:rPr kumimoji="0" lang="en-US" altLang="en-US" sz="2400" b="0" i="0" u="none" strike="noStrike" cap="none" normalizeH="0" baseline="0" dirty="0" smtClean="0">
+                <a:ln>
+                  <a:noFill/>
+                </a:ln>
+                <a:solidFill>
+                  <a:srgbClr val="569CD6"/>
+                </a:solidFill>
+                <a:effectLst/>
+                <a:latin typeface="Fira Code"/>
+              </a:rPr>
+              <a:t>case </a:t>
             </a:r>
             <a:r>
               <a:rPr kumimoji="0" lang="en-US" altLang="en-US" sz="2400" b="0" i="0" u="none" strike="noStrike" cap="none" normalizeH="0" baseline="0" dirty="0" smtClean="0">
@@ -11944,17 +12430,43 @@
               <a:t>"</a:t>
             </a:r>
             <a:r>
-              <a:rPr kumimoji="0" lang="en-US" altLang="en-US" sz="2400" b="0" i="0" u="none" strike="noStrike" cap="none" normalizeH="0" baseline="0" dirty="0" smtClean="0">
-                <a:ln>
-                  <a:noFill/>
-                </a:ln>
-                <a:solidFill>
-                  <a:srgbClr val="DCDCDC"/>
-                </a:solidFill>
-                <a:effectLst/>
-                <a:latin typeface="Fira Code"/>
-              </a:rPr>
-              <a:t>])</a:t>
+              <a:rPr kumimoji="0" lang="en-US" altLang="en-US" sz="2400" b="0" i="0" u="none" strike="noStrike" cap="none" normalizeH="0" baseline="0" dirty="0" err="1" smtClean="0">
+                <a:ln>
+                  <a:noFill/>
+                </a:ln>
+                <a:solidFill>
+                  <a:srgbClr val="D69D85"/>
+                </a:solidFill>
+                <a:effectLst/>
+                <a:latin typeface="Fira Code"/>
+              </a:rPr>
+              <a:t>i</a:t>
+            </a:r>
+            <a:r>
+              <a:rPr kumimoji="0" lang="en-US" altLang="en-US" sz="2400" b="0" i="0" u="none" strike="noStrike" cap="none" normalizeH="0" baseline="0" dirty="0" smtClean="0">
+                <a:ln>
+                  <a:noFill/>
+                </a:ln>
+                <a:solidFill>
+                  <a:srgbClr val="D69D85"/>
+                </a:solidFill>
+                <a:effectLst/>
+                <a:latin typeface="Fira Code"/>
+              </a:rPr>
+              <a:t>"</a:t>
+            </a:r>
+            <a:r>
+              <a:rPr kumimoji="0" lang="en-US" altLang="en-US" sz="2400" b="0" i="0" u="none" strike="noStrike" cap="none" normalizeH="0" baseline="0" dirty="0" smtClean="0">
+                <a:ln>
+                  <a:noFill/>
+                </a:ln>
+                <a:solidFill>
+                  <a:srgbClr val="DCDCDC"/>
+                </a:solidFill>
+                <a:effectLst/>
+                <a:latin typeface="Fira Code"/>
+              </a:rPr>
+              <a:t>:</a:t>
             </a:r>
             <a:br>
               <a:rPr kumimoji="0" lang="en-US" altLang="en-US" sz="2400" b="0" i="0" u="none" strike="noStrike" cap="none" normalizeH="0" baseline="0" dirty="0" smtClean="0">
@@ -11979,20 +12491,7 @@
                 <a:effectLst/>
                 <a:latin typeface="Fira Code"/>
               </a:rPr>
-              <a:t>{</a:t>
-            </a:r>
-            <a:r>
-              <a:rPr kumimoji="0" lang="en-US" altLang="en-US" sz="2400" b="0" i="0" u="none" strike="noStrike" cap="none" normalizeH="0" baseline="0" dirty="0" smtClean="0">
-                <a:ln>
-                  <a:noFill/>
-                </a:ln>
-                <a:solidFill>
-                  <a:srgbClr val="DCDCDC"/>
-                </a:solidFill>
-                <a:effectLst/>
-                <a:latin typeface="Fira Code"/>
-              </a:rPr>
-              <a:t/>
+              <a:t>    {</a:t>
             </a:r>
             <a:br>
               <a:rPr kumimoji="0" lang="en-US" altLang="en-US" sz="2400" b="0" i="0" u="none" strike="noStrike" cap="none" normalizeH="0" baseline="0" dirty="0" smtClean="0">
@@ -12017,6 +12516,133 @@
                 <a:effectLst/>
                 <a:latin typeface="Fira Code"/>
               </a:rPr>
+              <a:t>        </a:t>
+            </a:r>
+            <a:r>
+              <a:rPr kumimoji="0" lang="en-US" altLang="en-US" sz="2400" b="0" i="0" u="none" strike="noStrike" cap="none" normalizeH="0" baseline="0" dirty="0" err="1" smtClean="0">
+                <a:ln>
+                  <a:noFill/>
+                </a:ln>
+                <a:solidFill>
+                  <a:srgbClr val="00FFFF"/>
+                </a:solidFill>
+                <a:effectLst/>
+                <a:latin typeface="Fira Code"/>
+              </a:rPr>
+              <a:t>EmitDomainEvents</a:t>
+            </a:r>
+            <a:r>
+              <a:rPr kumimoji="0" lang="en-US" altLang="en-US" sz="2400" b="0" i="0" u="none" strike="noStrike" cap="none" normalizeH="0" baseline="0" dirty="0" smtClean="0">
+                <a:ln>
+                  <a:noFill/>
+                </a:ln>
+                <a:solidFill>
+                  <a:srgbClr val="DCDCDC"/>
+                </a:solidFill>
+                <a:effectLst/>
+                <a:latin typeface="Fira Code"/>
+              </a:rPr>
+              <a:t>(@object);</a:t>
+            </a:r>
+            <a:br>
+              <a:rPr kumimoji="0" lang="en-US" altLang="en-US" sz="2400" b="0" i="0" u="none" strike="noStrike" cap="none" normalizeH="0" baseline="0" dirty="0" smtClean="0">
+                <a:ln>
+                  <a:noFill/>
+                </a:ln>
+                <a:solidFill>
+                  <a:srgbClr val="DCDCDC"/>
+                </a:solidFill>
+                <a:effectLst/>
+                <a:latin typeface="Fira Code"/>
+              </a:rPr>
+            </a:br>
+            <a:r>
+              <a:rPr kumimoji="0" lang="en-US" altLang="en-US" sz="2400" b="0" i="0" u="none" strike="noStrike" cap="none" normalizeH="0" baseline="0" dirty="0" smtClean="0">
+                <a:ln>
+                  <a:noFill/>
+                </a:ln>
+                <a:solidFill>
+                  <a:srgbClr val="DCDCDC"/>
+                </a:solidFill>
+                <a:effectLst/>
+                <a:latin typeface="Fira Code"/>
+              </a:rPr>
+              <a:t>        </a:t>
+            </a:r>
+            <a:r>
+              <a:rPr kumimoji="0" lang="en-US" altLang="en-US" sz="2400" b="0" i="0" u="none" strike="noStrike" cap="none" normalizeH="0" baseline="0" dirty="0" smtClean="0">
+                <a:ln>
+                  <a:noFill/>
+                </a:ln>
+                <a:solidFill>
+                  <a:srgbClr val="569CD6"/>
+                </a:solidFill>
+                <a:effectLst/>
+                <a:latin typeface="Fira Code"/>
+              </a:rPr>
+              <a:t>break</a:t>
+            </a:r>
+            <a:r>
+              <a:rPr kumimoji="0" lang="en-US" altLang="en-US" sz="2400" b="0" i="0" u="none" strike="noStrike" cap="none" normalizeH="0" baseline="0" dirty="0" smtClean="0">
+                <a:ln>
+                  <a:noFill/>
+                </a:ln>
+                <a:solidFill>
+                  <a:srgbClr val="DCDCDC"/>
+                </a:solidFill>
+                <a:effectLst/>
+                <a:latin typeface="Fira Code"/>
+              </a:rPr>
+              <a:t>;</a:t>
+            </a:r>
+            <a:br>
+              <a:rPr kumimoji="0" lang="en-US" altLang="en-US" sz="2400" b="0" i="0" u="none" strike="noStrike" cap="none" normalizeH="0" baseline="0" dirty="0" smtClean="0">
+                <a:ln>
+                  <a:noFill/>
+                </a:ln>
+                <a:solidFill>
+                  <a:srgbClr val="DCDCDC"/>
+                </a:solidFill>
+                <a:effectLst/>
+                <a:latin typeface="Fira Code"/>
+              </a:rPr>
+            </a:br>
+            <a:r>
+              <a:rPr kumimoji="0" lang="en-US" altLang="en-US" sz="2400" b="0" i="0" u="none" strike="noStrike" cap="none" normalizeH="0" baseline="0" dirty="0" smtClean="0">
+                <a:ln>
+                  <a:noFill/>
+                </a:ln>
+                <a:solidFill>
+                  <a:srgbClr val="DCDCDC"/>
+                </a:solidFill>
+                <a:effectLst/>
+                <a:latin typeface="Fira Code"/>
+              </a:rPr>
+              <a:t>    }</a:t>
+            </a:r>
+            <a:br>
+              <a:rPr kumimoji="0" lang="en-US" altLang="en-US" sz="2400" b="0" i="0" u="none" strike="noStrike" cap="none" normalizeH="0" baseline="0" dirty="0" smtClean="0">
+                <a:ln>
+                  <a:noFill/>
+                </a:ln>
+                <a:solidFill>
+                  <a:srgbClr val="DCDCDC"/>
+                </a:solidFill>
+                <a:effectLst/>
+                <a:latin typeface="Fira Code"/>
+              </a:rPr>
+            </a:br>
+            <a:r>
+              <a:rPr kumimoji="0" lang="en-US" altLang="en-US" sz="2400" b="0" i="0" u="none" strike="noStrike" cap="none" normalizeH="0" baseline="0" dirty="0" smtClean="0">
+                <a:ln>
+                  <a:noFill/>
+                </a:ln>
+                <a:solidFill>
+                  <a:srgbClr val="DCDCDC"/>
+                </a:solidFill>
+                <a:effectLst/>
+                <a:latin typeface="Fira Code"/>
+              </a:rPr>
               <a:t>    </a:t>
             </a:r>
             <a:r>
@@ -12043,7 +12669,96 @@
                 <a:effectLst/>
                 <a:latin typeface="Fira Code"/>
               </a:rPr>
-              <a:t>"</a:t>
+              <a:t>"u"</a:t>
+            </a:r>
+            <a:r>
+              <a:rPr kumimoji="0" lang="en-US" altLang="en-US" sz="2400" b="0" i="0" u="none" strike="noStrike" cap="none" normalizeH="0" baseline="0" dirty="0" smtClean="0">
+                <a:ln>
+                  <a:noFill/>
+                </a:ln>
+                <a:solidFill>
+                  <a:srgbClr val="DCDCDC"/>
+                </a:solidFill>
+                <a:effectLst/>
+                <a:latin typeface="Fira Code"/>
+              </a:rPr>
+              <a:t>:</a:t>
+            </a:r>
+            <a:br>
+              <a:rPr kumimoji="0" lang="en-US" altLang="en-US" sz="2400" b="0" i="0" u="none" strike="noStrike" cap="none" normalizeH="0" baseline="0" dirty="0" smtClean="0">
+                <a:ln>
+                  <a:noFill/>
+                </a:ln>
+                <a:solidFill>
+                  <a:srgbClr val="DCDCDC"/>
+                </a:solidFill>
+                <a:effectLst/>
+                <a:latin typeface="Fira Code"/>
+              </a:rPr>
+            </a:br>
+            <a:r>
+              <a:rPr kumimoji="0" lang="en-US" altLang="en-US" sz="2400" b="0" i="0" u="none" strike="noStrike" cap="none" normalizeH="0" baseline="0" dirty="0" smtClean="0">
+                <a:ln>
+                  <a:noFill/>
+                </a:ln>
+                <a:solidFill>
+                  <a:srgbClr val="DCDCDC"/>
+                </a:solidFill>
+                <a:effectLst/>
+                <a:latin typeface="Fira Code"/>
+              </a:rPr>
+              <a:t>    {</a:t>
+            </a:r>
+            <a:br>
+              <a:rPr kumimoji="0" lang="en-US" altLang="en-US" sz="2400" b="0" i="0" u="none" strike="noStrike" cap="none" normalizeH="0" baseline="0" dirty="0" smtClean="0">
+                <a:ln>
+                  <a:noFill/>
+                </a:ln>
+                <a:solidFill>
+                  <a:srgbClr val="DCDCDC"/>
+                </a:solidFill>
+                <a:effectLst/>
+                <a:latin typeface="Fira Code"/>
+              </a:rPr>
+            </a:br>
+            <a:r>
+              <a:rPr kumimoji="0" lang="en-US" altLang="en-US" sz="2400" b="0" i="0" u="none" strike="noStrike" cap="none" normalizeH="0" baseline="0" dirty="0" smtClean="0">
+                <a:ln>
+                  <a:noFill/>
+                </a:ln>
+                <a:solidFill>
+                  <a:srgbClr val="DCDCDC"/>
+                </a:solidFill>
+                <a:effectLst/>
+                <a:latin typeface="Fira Code"/>
+              </a:rPr>
+              <a:t>        </a:t>
+            </a:r>
+            <a:r>
+              <a:rPr kumimoji="0" lang="en-US" altLang="en-US" sz="2400" b="0" i="0" u="none" strike="noStrike" cap="none" normalizeH="0" baseline="0" dirty="0" smtClean="0">
+                <a:ln>
+                  <a:noFill/>
+                </a:ln>
+                <a:solidFill>
+                  <a:srgbClr val="569CD6"/>
+                </a:solidFill>
+                <a:effectLst/>
+                <a:latin typeface="Fira Code"/>
+              </a:rPr>
+              <a:t>if </a:t>
+            </a:r>
+            <a:r>
+              <a:rPr kumimoji="0" lang="en-US" altLang="en-US" sz="2400" b="0" i="0" u="none" strike="noStrike" cap="none" normalizeH="0" baseline="0" dirty="0" smtClean="0">
+                <a:ln>
+                  <a:noFill/>
+                </a:ln>
+                <a:solidFill>
+                  <a:srgbClr val="DCDCDC"/>
+                </a:solidFill>
+                <a:effectLst/>
+                <a:latin typeface="Fira Code"/>
+              </a:rPr>
+              <a:t>(@</a:t>
             </a:r>
             <a:r>
               <a:rPr kumimoji="0" lang="en-US" altLang="en-US" sz="2400" b="0" i="0" u="none" strike="noStrike" cap="none" normalizeH="0" baseline="0" dirty="0" err="1" smtClean="0">
@@ -12051,38 +12766,116 @@
                   <a:noFill/>
                 </a:ln>
                 <a:solidFill>
+                  <a:srgbClr val="DCDCDC"/>
+                </a:solidFill>
+                <a:effectLst/>
+                <a:latin typeface="Fira Code"/>
+              </a:rPr>
+              <a:t>object.</a:t>
+            </a:r>
+            <a:r>
+              <a:rPr kumimoji="0" lang="en-US" altLang="en-US" sz="2400" b="0" i="0" u="none" strike="noStrike" cap="none" normalizeH="0" baseline="0" dirty="0" err="1" smtClean="0">
+                <a:ln>
+                  <a:noFill/>
+                </a:ln>
+                <a:solidFill>
+                  <a:srgbClr val="00FFFF"/>
+                </a:solidFill>
+                <a:effectLst/>
+                <a:latin typeface="Fira Code"/>
+              </a:rPr>
+              <a:t>TryGetValue</a:t>
+            </a:r>
+            <a:r>
+              <a:rPr kumimoji="0" lang="en-US" altLang="en-US" sz="2400" b="0" i="0" u="none" strike="noStrike" cap="none" normalizeH="0" baseline="0" dirty="0" smtClean="0">
+                <a:ln>
+                  <a:noFill/>
+                </a:ln>
+                <a:solidFill>
+                  <a:srgbClr val="DCDCDC"/>
+                </a:solidFill>
+                <a:effectLst/>
+                <a:latin typeface="Fira Code"/>
+              </a:rPr>
+              <a:t>(</a:t>
+            </a:r>
+            <a:r>
+              <a:rPr kumimoji="0" lang="en-US" altLang="en-US" sz="2400" b="0" i="0" u="none" strike="noStrike" cap="none" normalizeH="0" baseline="0" dirty="0" smtClean="0">
+                <a:ln>
+                  <a:noFill/>
+                </a:ln>
+                <a:solidFill>
                   <a:srgbClr val="D69D85"/>
                 </a:solidFill>
                 <a:effectLst/>
                 <a:latin typeface="Fira Code"/>
               </a:rPr>
-              <a:t>i</a:t>
-            </a:r>
-            <a:r>
-              <a:rPr kumimoji="0" lang="en-US" altLang="en-US" sz="2400" b="0" i="0" u="none" strike="noStrike" cap="none" normalizeH="0" baseline="0" dirty="0" smtClean="0">
-                <a:ln>
-                  <a:noFill/>
-                </a:ln>
-                <a:solidFill>
-                  <a:srgbClr val="D69D85"/>
-                </a:solidFill>
-                <a:effectLst/>
-                <a:latin typeface="Fira Code"/>
-              </a:rPr>
-              <a:t>"</a:t>
-            </a:r>
-            <a:r>
-              <a:rPr kumimoji="0" lang="en-US" altLang="en-US" sz="2400" b="0" i="0" u="none" strike="noStrike" cap="none" normalizeH="0" baseline="0" dirty="0" smtClean="0">
-                <a:ln>
-                  <a:noFill/>
-                </a:ln>
-                <a:solidFill>
-                  <a:srgbClr val="DCDCDC"/>
-                </a:solidFill>
-                <a:effectLst/>
-                <a:latin typeface="Fira Code"/>
-              </a:rPr>
-              <a:t>:</a:t>
+              <a:t>"$set"</a:t>
+            </a:r>
+            <a:r>
+              <a:rPr kumimoji="0" lang="en-US" altLang="en-US" sz="2400" b="0" i="0" u="none" strike="noStrike" cap="none" normalizeH="0" baseline="0" dirty="0" smtClean="0">
+                <a:ln>
+                  <a:noFill/>
+                </a:ln>
+                <a:solidFill>
+                  <a:srgbClr val="DCDCDC"/>
+                </a:solidFill>
+                <a:effectLst/>
+                <a:latin typeface="Fira Code"/>
+              </a:rPr>
+              <a:t>, </a:t>
+            </a:r>
+            <a:r>
+              <a:rPr kumimoji="0" lang="en-US" altLang="en-US" sz="2400" b="0" i="0" u="none" strike="noStrike" cap="none" normalizeH="0" baseline="0" dirty="0" smtClean="0">
+                <a:ln>
+                  <a:noFill/>
+                </a:ln>
+                <a:solidFill>
+                  <a:srgbClr val="569CD6"/>
+                </a:solidFill>
+                <a:effectLst/>
+                <a:latin typeface="Fira Code"/>
+              </a:rPr>
+              <a:t>out </a:t>
+            </a:r>
+            <a:r>
+              <a:rPr kumimoji="0" lang="en-US" altLang="en-US" sz="2400" b="0" i="0" u="none" strike="noStrike" cap="none" normalizeH="0" baseline="0" dirty="0" err="1" smtClean="0">
+                <a:ln>
+                  <a:noFill/>
+                </a:ln>
+                <a:solidFill>
+                  <a:srgbClr val="569CD6"/>
+                </a:solidFill>
+                <a:effectLst/>
+                <a:latin typeface="Fira Code"/>
+              </a:rPr>
+              <a:t>var</a:t>
+            </a:r>
+            <a:r>
+              <a:rPr kumimoji="0" lang="en-US" altLang="en-US" sz="2400" b="0" i="0" u="none" strike="noStrike" cap="none" normalizeH="0" baseline="0" dirty="0" smtClean="0">
+                <a:ln>
+                  <a:noFill/>
+                </a:ln>
+                <a:solidFill>
+                  <a:srgbClr val="569CD6"/>
+                </a:solidFill>
+                <a:effectLst/>
+                <a:latin typeface="Fira Code"/>
+              </a:rPr>
+              <a:t> </a:t>
+            </a:r>
+            <a:r>
+              <a:rPr kumimoji="0" lang="en-US" altLang="en-US" sz="2400" b="0" i="0" u="none" strike="noStrike" cap="none" normalizeH="0" baseline="0" dirty="0" smtClean="0">
+                <a:ln>
+                  <a:noFill/>
+                </a:ln>
+                <a:solidFill>
+                  <a:srgbClr val="DCDCDC"/>
+                </a:solidFill>
+                <a:effectLst/>
+                <a:latin typeface="Fira Code"/>
+              </a:rPr>
+              <a:t>set))</a:t>
             </a:r>
             <a:br>
               <a:rPr kumimoji="0" lang="en-US" altLang="en-US" sz="2400" b="0" i="0" u="none" strike="noStrike" cap="none" normalizeH="0" baseline="0" dirty="0" smtClean="0">
@@ -12107,20 +12900,55 @@
                 <a:effectLst/>
                 <a:latin typeface="Fira Code"/>
               </a:rPr>
-              <a:t>    {</a:t>
-            </a:r>
-            <a:r>
-              <a:rPr kumimoji="0" lang="en-US" altLang="en-US" sz="2400" b="0" i="0" u="none" strike="noStrike" cap="none" normalizeH="0" baseline="0" dirty="0" smtClean="0">
-                <a:ln>
-                  <a:noFill/>
-                </a:ln>
-                <a:solidFill>
-                  <a:srgbClr val="DCDCDC"/>
-                </a:solidFill>
-                <a:effectLst/>
-                <a:latin typeface="Fira Code"/>
-              </a:rPr>
-              <a:t/>
+              <a:t>            </a:t>
+            </a:r>
+            <a:r>
+              <a:rPr lang="en-US" altLang="en-US" sz="2400" dirty="0" err="1" smtClean="0">
+                <a:solidFill>
+                  <a:srgbClr val="00FFFF"/>
+                </a:solidFill>
+                <a:latin typeface="Fira Code"/>
+              </a:rPr>
+              <a:t>EmitDomainEvents</a:t>
+            </a:r>
+            <a:r>
+              <a:rPr kumimoji="0" lang="en-US" altLang="en-US" sz="2400" b="0" i="0" u="none" strike="noStrike" cap="none" normalizeH="0" baseline="0" dirty="0" smtClean="0">
+                <a:ln>
+                  <a:noFill/>
+                </a:ln>
+                <a:solidFill>
+                  <a:srgbClr val="DCDCDC"/>
+                </a:solidFill>
+                <a:effectLst/>
+                <a:latin typeface="Fira Code"/>
+              </a:rPr>
+              <a:t>((</a:t>
+            </a:r>
+            <a:r>
+              <a:rPr kumimoji="0" lang="en-US" altLang="en-US" sz="2400" b="0" i="0" u="none" strike="noStrike" cap="none" normalizeH="0" baseline="0" dirty="0" err="1" smtClean="0">
+                <a:ln>
+                  <a:noFill/>
+                </a:ln>
+                <a:solidFill>
+                  <a:srgbClr val="ADD8E6"/>
+                </a:solidFill>
+                <a:effectLst/>
+                <a:latin typeface="Fira Code"/>
+              </a:rPr>
+              <a:t>BsonDocument</a:t>
+            </a:r>
+            <a:r>
+              <a:rPr kumimoji="0" lang="en-US" altLang="en-US" sz="2400" b="0" i="0" u="none" strike="noStrike" cap="none" normalizeH="0" baseline="0" dirty="0" smtClean="0">
+                <a:ln>
+                  <a:noFill/>
+                </a:ln>
+                <a:solidFill>
+                  <a:srgbClr val="DCDCDC"/>
+                </a:solidFill>
+                <a:effectLst/>
+                <a:latin typeface="Fira Code"/>
+              </a:rPr>
+              <a:t>) set);</a:t>
             </a:r>
             <a:br>
               <a:rPr kumimoji="0" lang="en-US" altLang="en-US" sz="2400" b="0" i="0" u="none" strike="noStrike" cap="none" normalizeH="0" baseline="0" dirty="0" smtClean="0">
@@ -12148,6 +12976,44 @@
               <a:t>        </a:t>
             </a:r>
             <a:r>
+              <a:rPr kumimoji="0" lang="en-US" altLang="en-US" sz="2400" b="0" i="0" u="none" strike="noStrike" cap="none" normalizeH="0" baseline="0" dirty="0" smtClean="0">
+                <a:ln>
+                  <a:noFill/>
+                </a:ln>
+                <a:solidFill>
+                  <a:srgbClr val="569CD6"/>
+                </a:solidFill>
+                <a:effectLst/>
+                <a:latin typeface="Fira Code"/>
+              </a:rPr>
+              <a:t>else</a:t>
+            </a:r>
+            <a:br>
+              <a:rPr kumimoji="0" lang="en-US" altLang="en-US" sz="2400" b="0" i="0" u="none" strike="noStrike" cap="none" normalizeH="0" baseline="0" dirty="0" smtClean="0">
+                <a:ln>
+                  <a:noFill/>
+                </a:ln>
+                <a:solidFill>
+                  <a:srgbClr val="569CD6"/>
+                </a:solidFill>
+                <a:effectLst/>
+                <a:latin typeface="Fira Code"/>
+              </a:rPr>
+            </a:br>
+            <a:r>
+              <a:rPr kumimoji="0" lang="en-US" altLang="en-US" sz="2400" b="0" i="0" u="none" strike="noStrike" cap="none" normalizeH="0" baseline="0" dirty="0" smtClean="0">
+                <a:ln>
+                  <a:noFill/>
+                </a:ln>
+                <a:solidFill>
+                  <a:srgbClr val="569CD6"/>
+                </a:solidFill>
+                <a:effectLst/>
+                <a:latin typeface="Fira Code"/>
+              </a:rPr>
+              <a:t>            </a:t>
+            </a:r>
+            <a:r>
               <a:rPr kumimoji="0" lang="en-US" altLang="en-US" sz="2400" b="0" i="0" u="none" strike="noStrike" cap="none" normalizeH="0" baseline="0" dirty="0" err="1" smtClean="0">
                 <a:ln>
                   <a:noFill/>
@@ -12248,566 +13114,6 @@
                 <a:latin typeface="Fira Code"/>
               </a:rPr>
               <a:t>    }</a:t>
-            </a:r>
-            <a:r>
-              <a:rPr kumimoji="0" lang="en-US" altLang="en-US" sz="2400" b="0" i="0" u="none" strike="noStrike" cap="none" normalizeH="0" baseline="0" dirty="0" smtClean="0">
-                <a:ln>
-                  <a:noFill/>
-                </a:ln>
-                <a:solidFill>
-                  <a:srgbClr val="DCDCDC"/>
-                </a:solidFill>
-                <a:effectLst/>
-                <a:latin typeface="Fira Code"/>
-              </a:rPr>
-              <a:t/>
-            </a:r>
-            <a:br>
-              <a:rPr kumimoji="0" lang="en-US" altLang="en-US" sz="2400" b="0" i="0" u="none" strike="noStrike" cap="none" normalizeH="0" baseline="0" dirty="0" smtClean="0">
-                <a:ln>
-                  <a:noFill/>
-                </a:ln>
-                <a:solidFill>
-                  <a:srgbClr val="DCDCDC"/>
-                </a:solidFill>
-                <a:effectLst/>
-                <a:latin typeface="Fira Code"/>
-              </a:rPr>
-            </a:br>
-            <a:r>
-              <a:rPr kumimoji="0" lang="en-US" altLang="en-US" sz="2400" b="0" i="0" u="none" strike="noStrike" cap="none" normalizeH="0" baseline="0" dirty="0" smtClean="0">
-                <a:ln>
-                  <a:noFill/>
-                </a:ln>
-                <a:solidFill>
-                  <a:srgbClr val="DCDCDC"/>
-                </a:solidFill>
-                <a:effectLst/>
-                <a:latin typeface="Fira Code"/>
-              </a:rPr>
-              <a:t>    </a:t>
-            </a:r>
-            <a:r>
-              <a:rPr kumimoji="0" lang="en-US" altLang="en-US" sz="2400" b="0" i="0" u="none" strike="noStrike" cap="none" normalizeH="0" baseline="0" dirty="0" smtClean="0">
-                <a:ln>
-                  <a:noFill/>
-                </a:ln>
-                <a:solidFill>
-                  <a:srgbClr val="569CD6"/>
-                </a:solidFill>
-                <a:effectLst/>
-                <a:latin typeface="Fira Code"/>
-              </a:rPr>
-              <a:t>case </a:t>
-            </a:r>
-            <a:r>
-              <a:rPr kumimoji="0" lang="en-US" altLang="en-US" sz="2400" b="0" i="0" u="none" strike="noStrike" cap="none" normalizeH="0" baseline="0" dirty="0" smtClean="0">
-                <a:ln>
-                  <a:noFill/>
-                </a:ln>
-                <a:solidFill>
-                  <a:srgbClr val="D69D85"/>
-                </a:solidFill>
-                <a:effectLst/>
-                <a:latin typeface="Fira Code"/>
-              </a:rPr>
-              <a:t>"u"</a:t>
-            </a:r>
-            <a:r>
-              <a:rPr kumimoji="0" lang="en-US" altLang="en-US" sz="2400" b="0" i="0" u="none" strike="noStrike" cap="none" normalizeH="0" baseline="0" dirty="0" smtClean="0">
-                <a:ln>
-                  <a:noFill/>
-                </a:ln>
-                <a:solidFill>
-                  <a:srgbClr val="DCDCDC"/>
-                </a:solidFill>
-                <a:effectLst/>
-                <a:latin typeface="Fira Code"/>
-              </a:rPr>
-              <a:t>:</a:t>
-            </a:r>
-            <a:br>
-              <a:rPr kumimoji="0" lang="en-US" altLang="en-US" sz="2400" b="0" i="0" u="none" strike="noStrike" cap="none" normalizeH="0" baseline="0" dirty="0" smtClean="0">
-                <a:ln>
-                  <a:noFill/>
-                </a:ln>
-                <a:solidFill>
-                  <a:srgbClr val="DCDCDC"/>
-                </a:solidFill>
-                <a:effectLst/>
-                <a:latin typeface="Fira Code"/>
-              </a:rPr>
-            </a:br>
-            <a:r>
-              <a:rPr kumimoji="0" lang="en-US" altLang="en-US" sz="2400" b="0" i="0" u="none" strike="noStrike" cap="none" normalizeH="0" baseline="0" dirty="0" smtClean="0">
-                <a:ln>
-                  <a:noFill/>
-                </a:ln>
-                <a:solidFill>
-                  <a:srgbClr val="DCDCDC"/>
-                </a:solidFill>
-                <a:effectLst/>
-                <a:latin typeface="Fira Code"/>
-              </a:rPr>
-              <a:t>    </a:t>
-            </a:r>
-            <a:r>
-              <a:rPr kumimoji="0" lang="en-US" altLang="en-US" sz="2400" b="0" i="0" u="none" strike="noStrike" cap="none" normalizeH="0" baseline="0" dirty="0" smtClean="0">
-                <a:ln>
-                  <a:noFill/>
-                </a:ln>
-                <a:solidFill>
-                  <a:srgbClr val="DCDCDC"/>
-                </a:solidFill>
-                <a:effectLst/>
-                <a:latin typeface="Fira Code"/>
-              </a:rPr>
-              <a:t>{</a:t>
-            </a:r>
-            <a:r>
-              <a:rPr kumimoji="0" lang="en-US" altLang="en-US" sz="2400" b="0" i="0" u="none" strike="noStrike" cap="none" normalizeH="0" baseline="0" dirty="0" smtClean="0">
-                <a:ln>
-                  <a:noFill/>
-                </a:ln>
-                <a:solidFill>
-                  <a:srgbClr val="DCDCDC"/>
-                </a:solidFill>
-                <a:effectLst/>
-                <a:latin typeface="Fira Code"/>
-              </a:rPr>
-              <a:t/>
-            </a:r>
-            <a:br>
-              <a:rPr kumimoji="0" lang="en-US" altLang="en-US" sz="2400" b="0" i="0" u="none" strike="noStrike" cap="none" normalizeH="0" baseline="0" dirty="0" smtClean="0">
-                <a:ln>
-                  <a:noFill/>
-                </a:ln>
-                <a:solidFill>
-                  <a:srgbClr val="DCDCDC"/>
-                </a:solidFill>
-                <a:effectLst/>
-                <a:latin typeface="Fira Code"/>
-              </a:rPr>
-            </a:br>
-            <a:r>
-              <a:rPr kumimoji="0" lang="en-US" altLang="en-US" sz="2400" b="0" i="0" u="none" strike="noStrike" cap="none" normalizeH="0" baseline="0" dirty="0" smtClean="0">
-                <a:ln>
-                  <a:noFill/>
-                </a:ln>
-                <a:solidFill>
-                  <a:srgbClr val="DCDCDC"/>
-                </a:solidFill>
-                <a:effectLst/>
-                <a:latin typeface="Fira Code"/>
-              </a:rPr>
-              <a:t>        </a:t>
-            </a:r>
-            <a:r>
-              <a:rPr kumimoji="0" lang="en-US" altLang="en-US" sz="2400" b="0" i="0" u="none" strike="noStrike" cap="none" normalizeH="0" baseline="0" dirty="0" smtClean="0">
-                <a:ln>
-                  <a:noFill/>
-                </a:ln>
-                <a:solidFill>
-                  <a:srgbClr val="569CD6"/>
-                </a:solidFill>
-                <a:effectLst/>
-                <a:latin typeface="Fira Code"/>
-              </a:rPr>
-              <a:t>if </a:t>
-            </a:r>
-            <a:r>
-              <a:rPr kumimoji="0" lang="en-US" altLang="en-US" sz="2400" b="0" i="0" u="none" strike="noStrike" cap="none" normalizeH="0" baseline="0" dirty="0" smtClean="0">
-                <a:ln>
-                  <a:noFill/>
-                </a:ln>
-                <a:solidFill>
-                  <a:srgbClr val="DCDCDC"/>
-                </a:solidFill>
-                <a:effectLst/>
-                <a:latin typeface="Fira Code"/>
-              </a:rPr>
-              <a:t>(@</a:t>
-            </a:r>
-            <a:r>
-              <a:rPr kumimoji="0" lang="en-US" altLang="en-US" sz="2400" b="0" i="0" u="none" strike="noStrike" cap="none" normalizeH="0" baseline="0" dirty="0" err="1" smtClean="0">
-                <a:ln>
-                  <a:noFill/>
-                </a:ln>
-                <a:solidFill>
-                  <a:srgbClr val="DCDCDC"/>
-                </a:solidFill>
-                <a:effectLst/>
-                <a:latin typeface="Fira Code"/>
-              </a:rPr>
-              <a:t>object.</a:t>
-            </a:r>
-            <a:r>
-              <a:rPr kumimoji="0" lang="en-US" altLang="en-US" sz="2400" b="0" i="0" u="none" strike="noStrike" cap="none" normalizeH="0" baseline="0" dirty="0" err="1" smtClean="0">
-                <a:ln>
-                  <a:noFill/>
-                </a:ln>
-                <a:solidFill>
-                  <a:srgbClr val="00FFFF"/>
-                </a:solidFill>
-                <a:effectLst/>
-                <a:latin typeface="Fira Code"/>
-              </a:rPr>
-              <a:t>TryGetValue</a:t>
-            </a:r>
-            <a:r>
-              <a:rPr kumimoji="0" lang="en-US" altLang="en-US" sz="2400" b="0" i="0" u="none" strike="noStrike" cap="none" normalizeH="0" baseline="0" dirty="0" smtClean="0">
-                <a:ln>
-                  <a:noFill/>
-                </a:ln>
-                <a:solidFill>
-                  <a:srgbClr val="DCDCDC"/>
-                </a:solidFill>
-                <a:effectLst/>
-                <a:latin typeface="Fira Code"/>
-              </a:rPr>
-              <a:t>(</a:t>
-            </a:r>
-            <a:r>
-              <a:rPr kumimoji="0" lang="en-US" altLang="en-US" sz="2400" b="0" i="0" u="none" strike="noStrike" cap="none" normalizeH="0" baseline="0" dirty="0" smtClean="0">
-                <a:ln>
-                  <a:noFill/>
-                </a:ln>
-                <a:solidFill>
-                  <a:srgbClr val="D69D85"/>
-                </a:solidFill>
-                <a:effectLst/>
-                <a:latin typeface="Fira Code"/>
-              </a:rPr>
-              <a:t>"$set"</a:t>
-            </a:r>
-            <a:r>
-              <a:rPr kumimoji="0" lang="en-US" altLang="en-US" sz="2400" b="0" i="0" u="none" strike="noStrike" cap="none" normalizeH="0" baseline="0" dirty="0" smtClean="0">
-                <a:ln>
-                  <a:noFill/>
-                </a:ln>
-                <a:solidFill>
-                  <a:srgbClr val="DCDCDC"/>
-                </a:solidFill>
-                <a:effectLst/>
-                <a:latin typeface="Fira Code"/>
-              </a:rPr>
-              <a:t>, </a:t>
-            </a:r>
-            <a:r>
-              <a:rPr kumimoji="0" lang="en-US" altLang="en-US" sz="2400" b="0" i="0" u="none" strike="noStrike" cap="none" normalizeH="0" baseline="0" dirty="0" smtClean="0">
-                <a:ln>
-                  <a:noFill/>
-                </a:ln>
-                <a:solidFill>
-                  <a:srgbClr val="569CD6"/>
-                </a:solidFill>
-                <a:effectLst/>
-                <a:latin typeface="Fira Code"/>
-              </a:rPr>
-              <a:t>out </a:t>
-            </a:r>
-            <a:r>
-              <a:rPr kumimoji="0" lang="en-US" altLang="en-US" sz="2400" b="0" i="0" u="none" strike="noStrike" cap="none" normalizeH="0" baseline="0" dirty="0" err="1" smtClean="0">
-                <a:ln>
-                  <a:noFill/>
-                </a:ln>
-                <a:solidFill>
-                  <a:srgbClr val="569CD6"/>
-                </a:solidFill>
-                <a:effectLst/>
-                <a:latin typeface="Fira Code"/>
-              </a:rPr>
-              <a:t>var</a:t>
-            </a:r>
-            <a:r>
-              <a:rPr kumimoji="0" lang="en-US" altLang="en-US" sz="2400" b="0" i="0" u="none" strike="noStrike" cap="none" normalizeH="0" baseline="0" dirty="0" smtClean="0">
-                <a:ln>
-                  <a:noFill/>
-                </a:ln>
-                <a:solidFill>
-                  <a:srgbClr val="569CD6"/>
-                </a:solidFill>
-                <a:effectLst/>
-                <a:latin typeface="Fira Code"/>
-              </a:rPr>
-              <a:t> </a:t>
-            </a:r>
-            <a:r>
-              <a:rPr kumimoji="0" lang="en-US" altLang="en-US" sz="2400" b="0" i="0" u="none" strike="noStrike" cap="none" normalizeH="0" baseline="0" dirty="0" smtClean="0">
-                <a:ln>
-                  <a:noFill/>
-                </a:ln>
-                <a:solidFill>
-                  <a:srgbClr val="DCDCDC"/>
-                </a:solidFill>
-                <a:effectLst/>
-                <a:latin typeface="Fira Code"/>
-              </a:rPr>
-              <a:t>set))</a:t>
-            </a:r>
-            <a:br>
-              <a:rPr kumimoji="0" lang="en-US" altLang="en-US" sz="2400" b="0" i="0" u="none" strike="noStrike" cap="none" normalizeH="0" baseline="0" dirty="0" smtClean="0">
-                <a:ln>
-                  <a:noFill/>
-                </a:ln>
-                <a:solidFill>
-                  <a:srgbClr val="DCDCDC"/>
-                </a:solidFill>
-                <a:effectLst/>
-                <a:latin typeface="Fira Code"/>
-              </a:rPr>
-            </a:br>
-            <a:r>
-              <a:rPr kumimoji="0" lang="en-US" altLang="en-US" sz="2400" b="0" i="0" u="none" strike="noStrike" cap="none" normalizeH="0" baseline="0" dirty="0" smtClean="0">
-                <a:ln>
-                  <a:noFill/>
-                </a:ln>
-                <a:solidFill>
-                  <a:srgbClr val="DCDCDC"/>
-                </a:solidFill>
-                <a:effectLst/>
-                <a:latin typeface="Fira Code"/>
-              </a:rPr>
-              <a:t>            </a:t>
-            </a:r>
-            <a:r>
-              <a:rPr lang="en-US" altLang="en-US" sz="2400" dirty="0" err="1" smtClean="0">
-                <a:solidFill>
-                  <a:srgbClr val="00FFFF"/>
-                </a:solidFill>
-                <a:latin typeface="Fira Code"/>
-              </a:rPr>
-              <a:t>EmitDomainEvents</a:t>
-            </a:r>
-            <a:r>
-              <a:rPr kumimoji="0" lang="en-US" altLang="en-US" sz="2400" b="0" i="0" u="none" strike="noStrike" cap="none" normalizeH="0" baseline="0" dirty="0" smtClean="0">
-                <a:ln>
-                  <a:noFill/>
-                </a:ln>
-                <a:solidFill>
-                  <a:srgbClr val="DCDCDC"/>
-                </a:solidFill>
-                <a:effectLst/>
-                <a:latin typeface="Fira Code"/>
-              </a:rPr>
-              <a:t>((</a:t>
-            </a:r>
-            <a:r>
-              <a:rPr kumimoji="0" lang="en-US" altLang="en-US" sz="2400" b="0" i="0" u="none" strike="noStrike" cap="none" normalizeH="0" baseline="0" dirty="0" err="1" smtClean="0">
-                <a:ln>
-                  <a:noFill/>
-                </a:ln>
-                <a:solidFill>
-                  <a:srgbClr val="ADD8E6"/>
-                </a:solidFill>
-                <a:effectLst/>
-                <a:latin typeface="Fira Code"/>
-              </a:rPr>
-              <a:t>BsonDocument</a:t>
-            </a:r>
-            <a:r>
-              <a:rPr kumimoji="0" lang="en-US" altLang="en-US" sz="2400" b="0" i="0" u="none" strike="noStrike" cap="none" normalizeH="0" baseline="0" dirty="0" smtClean="0">
-                <a:ln>
-                  <a:noFill/>
-                </a:ln>
-                <a:solidFill>
-                  <a:srgbClr val="DCDCDC"/>
-                </a:solidFill>
-                <a:effectLst/>
-                <a:latin typeface="Fira Code"/>
-              </a:rPr>
-              <a:t>) set);</a:t>
-            </a:r>
-            <a:br>
-              <a:rPr kumimoji="0" lang="en-US" altLang="en-US" sz="2400" b="0" i="0" u="none" strike="noStrike" cap="none" normalizeH="0" baseline="0" dirty="0" smtClean="0">
-                <a:ln>
-                  <a:noFill/>
-                </a:ln>
-                <a:solidFill>
-                  <a:srgbClr val="DCDCDC"/>
-                </a:solidFill>
-                <a:effectLst/>
-                <a:latin typeface="Fira Code"/>
-              </a:rPr>
-            </a:br>
-            <a:r>
-              <a:rPr kumimoji="0" lang="en-US" altLang="en-US" sz="2400" b="0" i="0" u="none" strike="noStrike" cap="none" normalizeH="0" baseline="0" dirty="0" smtClean="0">
-                <a:ln>
-                  <a:noFill/>
-                </a:ln>
-                <a:solidFill>
-                  <a:srgbClr val="DCDCDC"/>
-                </a:solidFill>
-                <a:effectLst/>
-                <a:latin typeface="Fira Code"/>
-              </a:rPr>
-              <a:t>        </a:t>
-            </a:r>
-            <a:r>
-              <a:rPr kumimoji="0" lang="en-US" altLang="en-US" sz="2400" b="0" i="0" u="none" strike="noStrike" cap="none" normalizeH="0" baseline="0" dirty="0" smtClean="0">
-                <a:ln>
-                  <a:noFill/>
-                </a:ln>
-                <a:solidFill>
-                  <a:srgbClr val="569CD6"/>
-                </a:solidFill>
-                <a:effectLst/>
-                <a:latin typeface="Fira Code"/>
-              </a:rPr>
-              <a:t>else</a:t>
-            </a:r>
-            <a:br>
-              <a:rPr kumimoji="0" lang="en-US" altLang="en-US" sz="2400" b="0" i="0" u="none" strike="noStrike" cap="none" normalizeH="0" baseline="0" dirty="0" smtClean="0">
-                <a:ln>
-                  <a:noFill/>
-                </a:ln>
-                <a:solidFill>
-                  <a:srgbClr val="569CD6"/>
-                </a:solidFill>
-                <a:effectLst/>
-                <a:latin typeface="Fira Code"/>
-              </a:rPr>
-            </a:br>
-            <a:r>
-              <a:rPr kumimoji="0" lang="en-US" altLang="en-US" sz="2400" b="0" i="0" u="none" strike="noStrike" cap="none" normalizeH="0" baseline="0" dirty="0" smtClean="0">
-                <a:ln>
-                  <a:noFill/>
-                </a:ln>
-                <a:solidFill>
-                  <a:srgbClr val="569CD6"/>
-                </a:solidFill>
-                <a:effectLst/>
-                <a:latin typeface="Fira Code"/>
-              </a:rPr>
-              <a:t>            </a:t>
-            </a:r>
-            <a:r>
-              <a:rPr kumimoji="0" lang="en-US" altLang="en-US" sz="2400" b="0" i="0" u="none" strike="noStrike" cap="none" normalizeH="0" baseline="0" dirty="0" err="1" smtClean="0">
-                <a:ln>
-                  <a:noFill/>
-                </a:ln>
-                <a:solidFill>
-                  <a:srgbClr val="00FFFF"/>
-                </a:solidFill>
-                <a:effectLst/>
-                <a:latin typeface="Fira Code"/>
-              </a:rPr>
-              <a:t>EmitDomainEvents</a:t>
-            </a:r>
-            <a:r>
-              <a:rPr kumimoji="0" lang="en-US" altLang="en-US" sz="2400" b="0" i="0" u="none" strike="noStrike" cap="none" normalizeH="0" baseline="0" dirty="0" smtClean="0">
-                <a:ln>
-                  <a:noFill/>
-                </a:ln>
-                <a:solidFill>
-                  <a:srgbClr val="DCDCDC"/>
-                </a:solidFill>
-                <a:effectLst/>
-                <a:latin typeface="Fira Code"/>
-              </a:rPr>
-              <a:t>(@object);</a:t>
-            </a:r>
-            <a:br>
-              <a:rPr kumimoji="0" lang="en-US" altLang="en-US" sz="2400" b="0" i="0" u="none" strike="noStrike" cap="none" normalizeH="0" baseline="0" dirty="0" smtClean="0">
-                <a:ln>
-                  <a:noFill/>
-                </a:ln>
-                <a:solidFill>
-                  <a:srgbClr val="DCDCDC"/>
-                </a:solidFill>
-                <a:effectLst/>
-                <a:latin typeface="Fira Code"/>
-              </a:rPr>
-            </a:br>
-            <a:r>
-              <a:rPr kumimoji="0" lang="en-US" altLang="en-US" sz="2400" b="0" i="0" u="none" strike="noStrike" cap="none" normalizeH="0" baseline="0" dirty="0" smtClean="0">
-                <a:ln>
-                  <a:noFill/>
-                </a:ln>
-                <a:solidFill>
-                  <a:srgbClr val="DCDCDC"/>
-                </a:solidFill>
-                <a:effectLst/>
-                <a:latin typeface="Fira Code"/>
-              </a:rPr>
-              <a:t>        </a:t>
-            </a:r>
-            <a:r>
-              <a:rPr kumimoji="0" lang="en-US" altLang="en-US" sz="2400" b="0" i="0" u="none" strike="noStrike" cap="none" normalizeH="0" baseline="0" dirty="0" smtClean="0">
-                <a:ln>
-                  <a:noFill/>
-                </a:ln>
-                <a:solidFill>
-                  <a:srgbClr val="569CD6"/>
-                </a:solidFill>
-                <a:effectLst/>
-                <a:latin typeface="Fira Code"/>
-              </a:rPr>
-              <a:t>break</a:t>
-            </a:r>
-            <a:r>
-              <a:rPr kumimoji="0" lang="en-US" altLang="en-US" sz="2400" b="0" i="0" u="none" strike="noStrike" cap="none" normalizeH="0" baseline="0" dirty="0" smtClean="0">
-                <a:ln>
-                  <a:noFill/>
-                </a:ln>
-                <a:solidFill>
-                  <a:srgbClr val="DCDCDC"/>
-                </a:solidFill>
-                <a:effectLst/>
-                <a:latin typeface="Fira Code"/>
-              </a:rPr>
-              <a:t>;</a:t>
-            </a:r>
-            <a:br>
-              <a:rPr kumimoji="0" lang="en-US" altLang="en-US" sz="2400" b="0" i="0" u="none" strike="noStrike" cap="none" normalizeH="0" baseline="0" dirty="0" smtClean="0">
-                <a:ln>
-                  <a:noFill/>
-                </a:ln>
-                <a:solidFill>
-                  <a:srgbClr val="DCDCDC"/>
-                </a:solidFill>
-                <a:effectLst/>
-                <a:latin typeface="Fira Code"/>
-              </a:rPr>
-            </a:br>
-            <a:r>
-              <a:rPr kumimoji="0" lang="en-US" altLang="en-US" sz="2400" b="0" i="0" u="none" strike="noStrike" cap="none" normalizeH="0" baseline="0" dirty="0" smtClean="0">
-                <a:ln>
-                  <a:noFill/>
-                </a:ln>
-                <a:solidFill>
-                  <a:srgbClr val="DCDCDC"/>
-                </a:solidFill>
-                <a:effectLst/>
-                <a:latin typeface="Fira Code"/>
-              </a:rPr>
-              <a:t>    </a:t>
-            </a:r>
-            <a:r>
-              <a:rPr kumimoji="0" lang="en-US" altLang="en-US" sz="2400" b="0" i="0" u="none" strike="noStrike" cap="none" normalizeH="0" baseline="0" dirty="0" smtClean="0">
-                <a:ln>
-                  <a:noFill/>
-                </a:ln>
-                <a:solidFill>
-                  <a:srgbClr val="DCDCDC"/>
-                </a:solidFill>
-                <a:effectLst/>
-                <a:latin typeface="Fira Code"/>
-              </a:rPr>
-              <a:t>}</a:t>
-            </a:r>
-            <a:r>
-              <a:rPr kumimoji="0" lang="en-US" altLang="en-US" sz="2400" b="0" i="0" u="none" strike="noStrike" cap="none" normalizeH="0" baseline="0" dirty="0" smtClean="0">
-                <a:ln>
-                  <a:noFill/>
-                </a:ln>
-                <a:solidFill>
-                  <a:srgbClr val="DCDCDC"/>
-                </a:solidFill>
-                <a:effectLst/>
-                <a:latin typeface="Fira Code"/>
-              </a:rPr>
-              <a:t/>
             </a:r>
             <a:br>
               <a:rPr kumimoji="0" lang="en-US" altLang="en-US" sz="2400" b="0" i="0" u="none" strike="noStrike" cap="none" normalizeH="0" baseline="0" dirty="0" smtClean="0">
@@ -13006,8 +13312,8 @@
           <a:chExt cx="0" cy="0"/>
         </a:xfrm>
       </p:grpSpPr>
-      <mc:AlternateContent xmlns:mc="http://schemas.openxmlformats.org/markup-compatibility/2006">
-        <mc:Choice xmlns:p14="http://schemas.microsoft.com/office/powerpoint/2010/main" Requires="p14">
+      <mc:AlternateContent xmlns:mc="http://schemas.openxmlformats.org/markup-compatibility/2006" xmlns:p14="http://schemas.microsoft.com/office/powerpoint/2010/main">
+        <mc:Choice Requires="p14">
           <p:contentPart p14:bwMode="auto" r:id="rId2">
             <p14:nvContentPartPr>
               <p14:cNvPr id="7" name="Ink 6"/>
@@ -13020,7 +13326,7 @@
             </p14:xfrm>
           </p:contentPart>
         </mc:Choice>
-        <mc:Fallback>
+        <mc:Fallback xmlns="">
           <p:pic>
             <p:nvPicPr>
               <p:cNvPr id="7" name="Ink 6"/>
@@ -13045,8 +13351,8 @@
           </p:pic>
         </mc:Fallback>
       </mc:AlternateContent>
-      <mc:AlternateContent xmlns:mc="http://schemas.openxmlformats.org/markup-compatibility/2006">
-        <mc:Choice xmlns:p14="http://schemas.microsoft.com/office/powerpoint/2010/main" Requires="p14">
+      <mc:AlternateContent xmlns:mc="http://schemas.openxmlformats.org/markup-compatibility/2006" xmlns:p14="http://schemas.microsoft.com/office/powerpoint/2010/main">
+        <mc:Choice Requires="p14">
           <p:contentPart p14:bwMode="auto" r:id="rId4">
             <p14:nvContentPartPr>
               <p14:cNvPr id="9" name="Ink 8"/>
@@ -13059,7 +13365,7 @@
             </p14:xfrm>
           </p:contentPart>
         </mc:Choice>
-        <mc:Fallback>
+        <mc:Fallback xmlns="">
           <p:pic>
             <p:nvPicPr>
               <p:cNvPr id="9" name="Ink 8"/>
@@ -14064,15 +14370,54 @@
       </p:grpSpPr>
       <mc:AlternateContent xmlns:mc="http://schemas.openxmlformats.org/markup-compatibility/2006">
         <mc:Choice xmlns:p14="http://schemas.microsoft.com/office/powerpoint/2010/main" Requires="p14">
-          <p:contentPart p14:bwMode="auto" r:id="rId2">
+          <p:contentPart p14:bwMode="auto" r:id="rId3">
+            <p14:nvContentPartPr>
+              <p14:cNvPr id="4" name="Ink 3"/>
+              <p14:cNvContentPartPr/>
+              <p14:nvPr/>
+            </p14:nvContentPartPr>
+            <p14:xfrm>
+              <a:off x="1031483" y="358597"/>
+              <a:ext cx="887040" cy="231120"/>
+            </p14:xfrm>
+          </p:contentPart>
+        </mc:Choice>
+        <mc:Fallback>
+          <p:pic>
+            <p:nvPicPr>
+              <p:cNvPr id="4" name="Ink 3"/>
+              <p:cNvPicPr/>
+              <p:nvPr/>
+            </p:nvPicPr>
+            <p:blipFill>
+              <a:blip r:embed="rId4"/>
+              <a:stretch>
+                <a:fillRect/>
+              </a:stretch>
+            </p:blipFill>
+            <p:spPr>
+              <a:xfrm>
+                <a:off x="947603" y="274717"/>
+                <a:ext cx="1054800" cy="398880"/>
+              </a:xfrm>
+              <a:prstGeom prst="rect">
+                <a:avLst/>
+              </a:prstGeom>
+            </p:spPr>
+          </p:pic>
+        </mc:Fallback>
+      </mc:AlternateContent>
+      <mc:AlternateContent xmlns:mc="http://schemas.openxmlformats.org/markup-compatibility/2006">
+        <mc:Choice xmlns:p14="http://schemas.microsoft.com/office/powerpoint/2010/main" Requires="p14">
+          <p:contentPart p14:bwMode="auto" r:id="rId5">
             <p14:nvContentPartPr>
               <p14:cNvPr id="6" name="Ink 5"/>
               <p14:cNvContentPartPr/>
               <p14:nvPr/>
             </p14:nvContentPartPr>
             <p14:xfrm>
-              <a:off x="2438363" y="4579957"/>
-              <a:ext cx="1044000" cy="275760"/>
+              <a:off x="1242803" y="2917837"/>
+              <a:ext cx="1125720" cy="244440"/>
             </p14:xfrm>
           </p:contentPart>
         </mc:Choice>
@@ -14084,15 +14429,15 @@
               <p:nvPr/>
             </p:nvPicPr>
             <p:blipFill>
-              <a:blip r:embed="rId3"/>
+              <a:blip r:embed="rId6"/>
               <a:stretch>
                 <a:fillRect/>
               </a:stretch>
             </p:blipFill>
             <p:spPr>
               <a:xfrm>
-                <a:off x="2354483" y="4496077"/>
-                <a:ext cx="1211760" cy="443520"/>
+                <a:off x="1158923" y="2833957"/>
+                <a:ext cx="1293480" cy="412200"/>
               </a:xfrm>
               <a:prstGeom prst="rect">
                 <a:avLst/>
@@ -14103,15 +14448,15 @@
       </mc:AlternateContent>
       <mc:AlternateContent xmlns:mc="http://schemas.openxmlformats.org/markup-compatibility/2006">
         <mc:Choice xmlns:p14="http://schemas.microsoft.com/office/powerpoint/2010/main" Requires="p14">
-          <p:contentPart p14:bwMode="auto" r:id="rId4">
+          <p:contentPart p14:bwMode="auto" r:id="rId7">
             <p14:nvContentPartPr>
               <p14:cNvPr id="8" name="Ink 7"/>
               <p14:cNvContentPartPr/>
               <p14:nvPr/>
             </p14:nvContentPartPr>
             <p14:xfrm>
-              <a:off x="3833363" y="2020717"/>
-              <a:ext cx="856080" cy="195480"/>
+              <a:off x="9941123" y="2989477"/>
+              <a:ext cx="927000" cy="165960"/>
             </p14:xfrm>
           </p:contentPart>
         </mc:Choice>
@@ -14123,15 +14468,15 @@
               <p:nvPr/>
             </p:nvPicPr>
             <p:blipFill>
-              <a:blip r:embed="rId5"/>
+              <a:blip r:embed="rId8"/>
               <a:stretch>
                 <a:fillRect/>
               </a:stretch>
             </p:blipFill>
             <p:spPr>
               <a:xfrm>
-                <a:off x="3749483" y="1936837"/>
-                <a:ext cx="1023840" cy="363240"/>
+                <a:off x="9857243" y="2905597"/>
+                <a:ext cx="1094760" cy="333720"/>
               </a:xfrm>
               <a:prstGeom prst="rect">
                 <a:avLst/>
@@ -14140,9 +14485,126 @@
           </p:pic>
         </mc:Fallback>
       </mc:AlternateContent>
-      <p:sp>
-        <p:nvSpPr>
-          <p:cNvPr id="4" name="Rectangle 3"/>
+      <mc:AlternateContent xmlns:mc="http://schemas.openxmlformats.org/markup-compatibility/2006">
+        <mc:Choice xmlns:p14="http://schemas.microsoft.com/office/powerpoint/2010/main" Requires="p14">
+          <p:contentPart p14:bwMode="auto" r:id="rId9">
+            <p14:nvContentPartPr>
+              <p14:cNvPr id="10" name="Ink 9"/>
+              <p14:cNvContentPartPr/>
+              <p14:nvPr/>
+            </p14:nvContentPartPr>
+            <p14:xfrm>
+              <a:off x="3129923" y="4806397"/>
+              <a:ext cx="856440" cy="270720"/>
+            </p14:xfrm>
+          </p:contentPart>
+        </mc:Choice>
+        <mc:Fallback>
+          <p:pic>
+            <p:nvPicPr>
+              <p:cNvPr id="10" name="Ink 9"/>
+              <p:cNvPicPr/>
+              <p:nvPr/>
+            </p:nvPicPr>
+            <p:blipFill>
+              <a:blip r:embed="rId10"/>
+              <a:stretch>
+                <a:fillRect/>
+              </a:stretch>
+            </p:blipFill>
+            <p:spPr>
+              <a:xfrm>
+                <a:off x="3046043" y="4722517"/>
+                <a:ext cx="1024200" cy="438480"/>
+              </a:xfrm>
+              <a:prstGeom prst="rect">
+                <a:avLst/>
+              </a:prstGeom>
+            </p:spPr>
+          </p:pic>
+        </mc:Fallback>
+      </mc:AlternateContent>
+      <mc:AlternateContent xmlns:mc="http://schemas.openxmlformats.org/markup-compatibility/2006">
+        <mc:Choice xmlns:p14="http://schemas.microsoft.com/office/powerpoint/2010/main" Requires="p14">
+          <p:contentPart p14:bwMode="auto" r:id="rId11">
+            <p14:nvContentPartPr>
+              <p14:cNvPr id="12" name="Ink 11"/>
+              <p14:cNvContentPartPr/>
+              <p14:nvPr/>
+            </p14:nvContentPartPr>
+            <p14:xfrm>
+              <a:off x="1746803" y="5849677"/>
+              <a:ext cx="2133720" cy="283320"/>
+            </p14:xfrm>
+          </p:contentPart>
+        </mc:Choice>
+        <mc:Fallback>
+          <p:pic>
+            <p:nvPicPr>
+              <p:cNvPr id="12" name="Ink 11"/>
+              <p:cNvPicPr/>
+              <p:nvPr/>
+            </p:nvPicPr>
+            <p:blipFill>
+              <a:blip r:embed="rId12"/>
+              <a:stretch>
+                <a:fillRect/>
+              </a:stretch>
+            </p:blipFill>
+            <p:spPr>
+              <a:xfrm>
+                <a:off x="1662923" y="5765797"/>
+                <a:ext cx="2301480" cy="451080"/>
+              </a:xfrm>
+              <a:prstGeom prst="rect">
+                <a:avLst/>
+              </a:prstGeom>
+            </p:spPr>
+          </p:pic>
+        </mc:Fallback>
+      </mc:AlternateContent>
+      <mc:AlternateContent xmlns:mc="http://schemas.openxmlformats.org/markup-compatibility/2006">
+        <mc:Choice xmlns:p14="http://schemas.microsoft.com/office/powerpoint/2010/main" Requires="p14">
+          <p:contentPart p14:bwMode="auto" r:id="rId13">
+            <p14:nvContentPartPr>
+              <p14:cNvPr id="14" name="Ink 13"/>
+              <p14:cNvContentPartPr/>
+              <p14:nvPr/>
+            </p14:nvContentPartPr>
+            <p14:xfrm>
+              <a:off x="3259163" y="6020317"/>
+              <a:ext cx="375480" cy="19800"/>
+            </p14:xfrm>
+          </p:contentPart>
+        </mc:Choice>
+        <mc:Fallback>
+          <p:pic>
+            <p:nvPicPr>
+              <p:cNvPr id="14" name="Ink 13"/>
+              <p:cNvPicPr/>
+              <p:nvPr/>
+            </p:nvPicPr>
+            <p:blipFill>
+              <a:blip r:embed="rId14"/>
+              <a:stretch>
+                <a:fillRect/>
+              </a:stretch>
+            </p:blipFill>
+            <p:spPr>
+              <a:xfrm>
+                <a:off x="3175283" y="5936437"/>
+                <a:ext cx="543240" cy="187560"/>
+              </a:xfrm>
+              <a:prstGeom prst="rect">
+                <a:avLst/>
+              </a:prstGeom>
+            </p:spPr>
+          </p:pic>
+        </mc:Fallback>
+      </mc:AlternateContent>
+      <p:sp>
+        <p:nvSpPr>
+          <p:cNvPr id="2" name="Rectangle 1"/>
           <p:cNvSpPr>
             <a:spLocks noChangeArrowheads="1"/>
           </p:cNvSpPr>
@@ -14150,8 +14612,8 @@
         </p:nvSpPr>
         <p:spPr bwMode="auto">
           <a:xfrm>
-            <a:off x="762000" y="1166843"/>
-            <a:ext cx="11077071" cy="4524315"/>
+            <a:off x="129559" y="243513"/>
+            <a:ext cx="11932882" cy="6370975"/>
           </a:xfrm>
           <a:prstGeom prst="rect">
             <a:avLst/>
@@ -14198,7 +14660,97 @@
                 <a:effectLst/>
                 <a:latin typeface="Fira Code"/>
               </a:rPr>
-              <a:t>public </a:t>
+              <a:t>await </a:t>
+            </a:r>
+            <a:r>
+              <a:rPr kumimoji="0" lang="en-US" altLang="en-US" sz="2400" b="0" i="0" u="none" strike="noStrike" cap="none" normalizeH="0" baseline="0" dirty="0" smtClean="0">
+                <a:ln>
+                  <a:noFill/>
+                </a:ln>
+                <a:solidFill>
+                  <a:schemeClr val="bg1"/>
+                </a:solidFill>
+                <a:effectLst/>
+                <a:latin typeface="Fira Code"/>
+              </a:rPr>
+              <a:t>events</a:t>
+            </a:r>
+            <a:r>
+              <a:rPr kumimoji="0" lang="en-US" altLang="en-US" sz="2400" b="0" i="0" u="none" strike="noStrike" cap="none" normalizeH="0" baseline="0" dirty="0" smtClean="0">
+                <a:ln>
+                  <a:noFill/>
+                </a:ln>
+                <a:solidFill>
+                  <a:srgbClr val="EE82EE"/>
+                </a:solidFill>
+                <a:effectLst/>
+                <a:latin typeface="Fira Code"/>
+              </a:rPr>
+              <a:t/>
+            </a:r>
+            <a:br>
+              <a:rPr kumimoji="0" lang="en-US" altLang="en-US" sz="2400" b="0" i="0" u="none" strike="noStrike" cap="none" normalizeH="0" baseline="0" dirty="0" smtClean="0">
+                <a:ln>
+                  <a:noFill/>
+                </a:ln>
+                <a:solidFill>
+                  <a:srgbClr val="EE82EE"/>
+                </a:solidFill>
+                <a:effectLst/>
+                <a:latin typeface="Fira Code"/>
+              </a:rPr>
+            </a:br>
+            <a:r>
+              <a:rPr kumimoji="0" lang="en-US" altLang="en-US" sz="2400" b="0" i="0" u="none" strike="noStrike" cap="none" normalizeH="0" baseline="0" dirty="0" smtClean="0">
+                <a:ln>
+                  <a:noFill/>
+                </a:ln>
+                <a:solidFill>
+                  <a:srgbClr val="EE82EE"/>
+                </a:solidFill>
+                <a:effectLst/>
+                <a:latin typeface="Fira Code"/>
+              </a:rPr>
+              <a:t>    </a:t>
+            </a:r>
+            <a:r>
+              <a:rPr kumimoji="0" lang="en-US" altLang="en-US" sz="2400" b="0" i="0" u="none" strike="noStrike" cap="none" normalizeH="0" baseline="0" dirty="0" smtClean="0">
+                <a:ln>
+                  <a:noFill/>
+                </a:ln>
+                <a:solidFill>
+                  <a:srgbClr val="DCDCDC"/>
+                </a:solidFill>
+                <a:effectLst/>
+                <a:latin typeface="Fira Code"/>
+              </a:rPr>
+              <a:t>.</a:t>
+            </a:r>
+            <a:r>
+              <a:rPr kumimoji="0" lang="en-US" altLang="en-US" sz="2400" b="0" i="0" u="none" strike="noStrike" cap="none" normalizeH="0" baseline="0" dirty="0" smtClean="0">
+                <a:ln>
+                  <a:noFill/>
+                </a:ln>
+                <a:solidFill>
+                  <a:srgbClr val="00FFFF"/>
+                </a:solidFill>
+                <a:effectLst/>
+                <a:latin typeface="Fira Code"/>
+              </a:rPr>
+              <a:t>Find</a:t>
+            </a:r>
+            <a:r>
+              <a:rPr kumimoji="0" lang="en-US" altLang="en-US" sz="2400" b="0" i="0" u="none" strike="noStrike" cap="none" normalizeH="0" baseline="0" dirty="0" smtClean="0">
+                <a:ln>
+                  <a:noFill/>
+                </a:ln>
+                <a:solidFill>
+                  <a:srgbClr val="DCDCDC"/>
+                </a:solidFill>
+                <a:effectLst/>
+                <a:latin typeface="Fira Code"/>
+              </a:rPr>
+              <a:t>(</a:t>
             </a:r>
             <a:r>
               <a:rPr kumimoji="0" lang="en-US" altLang="en-US" sz="2400" b="0" i="0" u="none" strike="noStrike" cap="none" normalizeH="0" baseline="0" dirty="0" err="1" smtClean="0">
@@ -14206,6 +14758,652 @@
                   <a:noFill/>
                 </a:ln>
                 <a:solidFill>
+                  <a:srgbClr val="EE82EE"/>
+                </a:solidFill>
+                <a:effectLst/>
+                <a:latin typeface="Fira Code"/>
+              </a:rPr>
+              <a:t>filter</a:t>
+            </a:r>
+            <a:r>
+              <a:rPr kumimoji="0" lang="en-US" altLang="en-US" sz="2400" b="0" i="0" u="none" strike="noStrike" cap="none" normalizeH="0" baseline="0" dirty="0" err="1" smtClean="0">
+                <a:ln>
+                  <a:noFill/>
+                </a:ln>
+                <a:solidFill>
+                  <a:srgbClr val="DCDCDC"/>
+                </a:solidFill>
+                <a:effectLst/>
+                <a:latin typeface="Fira Code"/>
+              </a:rPr>
+              <a:t>.</a:t>
+            </a:r>
+            <a:r>
+              <a:rPr kumimoji="0" lang="en-US" altLang="en-US" sz="2400" b="0" i="0" u="none" strike="noStrike" cap="none" normalizeH="0" baseline="0" dirty="0" err="1" smtClean="0">
+                <a:ln>
+                  <a:noFill/>
+                </a:ln>
+                <a:solidFill>
+                  <a:srgbClr val="00FFFF"/>
+                </a:solidFill>
+                <a:effectLst/>
+                <a:latin typeface="Fira Code"/>
+              </a:rPr>
+              <a:t>And</a:t>
+            </a:r>
+            <a:r>
+              <a:rPr kumimoji="0" lang="en-US" altLang="en-US" sz="2400" b="0" i="0" u="none" strike="noStrike" cap="none" normalizeH="0" baseline="0" dirty="0" smtClean="0">
+                <a:ln>
+                  <a:noFill/>
+                </a:ln>
+                <a:solidFill>
+                  <a:srgbClr val="DCDCDC"/>
+                </a:solidFill>
+                <a:effectLst/>
+                <a:latin typeface="Fira Code"/>
+              </a:rPr>
+              <a:t>(</a:t>
+            </a:r>
+            <a:br>
+              <a:rPr kumimoji="0" lang="en-US" altLang="en-US" sz="2400" b="0" i="0" u="none" strike="noStrike" cap="none" normalizeH="0" baseline="0" dirty="0" smtClean="0">
+                <a:ln>
+                  <a:noFill/>
+                </a:ln>
+                <a:solidFill>
+                  <a:srgbClr val="DCDCDC"/>
+                </a:solidFill>
+                <a:effectLst/>
+                <a:latin typeface="Fira Code"/>
+              </a:rPr>
+            </a:br>
+            <a:r>
+              <a:rPr kumimoji="0" lang="en-US" altLang="en-US" sz="2400" b="0" i="0" u="none" strike="noStrike" cap="none" normalizeH="0" baseline="0" dirty="0" smtClean="0">
+                <a:ln>
+                  <a:noFill/>
+                </a:ln>
+                <a:solidFill>
+                  <a:srgbClr val="DCDCDC"/>
+                </a:solidFill>
+                <a:effectLst/>
+                <a:latin typeface="Fira Code"/>
+              </a:rPr>
+              <a:t>        </a:t>
+            </a:r>
+            <a:r>
+              <a:rPr kumimoji="0" lang="en-US" altLang="en-US" sz="2400" b="0" i="0" u="none" strike="noStrike" cap="none" normalizeH="0" baseline="0" dirty="0" err="1" smtClean="0">
+                <a:ln>
+                  <a:noFill/>
+                </a:ln>
+                <a:solidFill>
+                  <a:srgbClr val="EE82EE"/>
+                </a:solidFill>
+                <a:effectLst/>
+                <a:latin typeface="Fira Code"/>
+              </a:rPr>
+              <a:t>filter</a:t>
+            </a:r>
+            <a:r>
+              <a:rPr kumimoji="0" lang="en-US" altLang="en-US" sz="2400" b="0" i="0" u="none" strike="noStrike" cap="none" normalizeH="0" baseline="0" dirty="0" err="1" smtClean="0">
+                <a:ln>
+                  <a:noFill/>
+                </a:ln>
+                <a:solidFill>
+                  <a:srgbClr val="DCDCDC"/>
+                </a:solidFill>
+                <a:effectLst/>
+                <a:latin typeface="Fira Code"/>
+              </a:rPr>
+              <a:t>.</a:t>
+            </a:r>
+            <a:r>
+              <a:rPr kumimoji="0" lang="en-US" altLang="en-US" sz="2400" b="0" i="0" u="none" strike="noStrike" cap="none" normalizeH="0" baseline="0" dirty="0" err="1" smtClean="0">
+                <a:ln>
+                  <a:noFill/>
+                </a:ln>
+                <a:solidFill>
+                  <a:srgbClr val="00FFFF"/>
+                </a:solidFill>
+                <a:effectLst/>
+                <a:latin typeface="Fira Code"/>
+              </a:rPr>
+              <a:t>In</a:t>
+            </a:r>
+            <a:r>
+              <a:rPr kumimoji="0" lang="en-US" altLang="en-US" sz="2400" b="0" i="0" u="none" strike="noStrike" cap="none" normalizeH="0" baseline="0" dirty="0" smtClean="0">
+                <a:ln>
+                  <a:noFill/>
+                </a:ln>
+                <a:solidFill>
+                  <a:srgbClr val="DCDCDC"/>
+                </a:solidFill>
+                <a:effectLst/>
+                <a:latin typeface="Fira Code"/>
+              </a:rPr>
+              <a:t>(</a:t>
+            </a:r>
+            <a:r>
+              <a:rPr kumimoji="0" lang="en-US" altLang="en-US" sz="2400" b="0" i="0" u="none" strike="noStrike" cap="none" normalizeH="0" baseline="0" dirty="0" smtClean="0">
+                <a:ln>
+                  <a:noFill/>
+                </a:ln>
+                <a:solidFill>
+                  <a:srgbClr val="D69D85"/>
+                </a:solidFill>
+                <a:effectLst/>
+                <a:latin typeface="Fira Code"/>
+              </a:rPr>
+              <a:t>"</a:t>
+            </a:r>
+            <a:r>
+              <a:rPr kumimoji="0" lang="en-US" altLang="en-US" sz="2400" b="0" i="0" u="none" strike="noStrike" cap="none" normalizeH="0" baseline="0" dirty="0" err="1" smtClean="0">
+                <a:ln>
+                  <a:noFill/>
+                </a:ln>
+                <a:solidFill>
+                  <a:srgbClr val="D69D85"/>
+                </a:solidFill>
+                <a:effectLst/>
+                <a:latin typeface="Fira Code"/>
+              </a:rPr>
+              <a:t>event._t</a:t>
+            </a:r>
+            <a:r>
+              <a:rPr kumimoji="0" lang="en-US" altLang="en-US" sz="2400" b="0" i="0" u="none" strike="noStrike" cap="none" normalizeH="0" baseline="0" dirty="0" smtClean="0">
+                <a:ln>
+                  <a:noFill/>
+                </a:ln>
+                <a:solidFill>
+                  <a:srgbClr val="D69D85"/>
+                </a:solidFill>
+                <a:effectLst/>
+                <a:latin typeface="Fira Code"/>
+              </a:rPr>
+              <a:t>"</a:t>
+            </a:r>
+            <a:r>
+              <a:rPr kumimoji="0" lang="en-US" altLang="en-US" sz="2400" b="0" i="0" u="none" strike="noStrike" cap="none" normalizeH="0" baseline="0" dirty="0" smtClean="0">
+                <a:ln>
+                  <a:noFill/>
+                </a:ln>
+                <a:solidFill>
+                  <a:srgbClr val="DCDCDC"/>
+                </a:solidFill>
+                <a:effectLst/>
+                <a:latin typeface="Fira Code"/>
+              </a:rPr>
+              <a:t>, </a:t>
+            </a:r>
+            <a:r>
+              <a:rPr kumimoji="0" lang="en-US" altLang="en-US" sz="2400" b="0" i="0" u="none" strike="noStrike" cap="none" normalizeH="0" baseline="0" dirty="0" err="1" smtClean="0">
+                <a:ln>
+                  <a:noFill/>
+                </a:ln>
+                <a:solidFill>
+                  <a:srgbClr val="EE82EE"/>
+                </a:solidFill>
+                <a:effectLst/>
+                <a:latin typeface="Fira Code"/>
+              </a:rPr>
+              <a:t>handlers</a:t>
+            </a:r>
+            <a:r>
+              <a:rPr kumimoji="0" lang="en-US" altLang="en-US" sz="2400" b="0" i="0" u="none" strike="noStrike" cap="none" normalizeH="0" baseline="0" dirty="0" err="1" smtClean="0">
+                <a:ln>
+                  <a:noFill/>
+                </a:ln>
+                <a:solidFill>
+                  <a:srgbClr val="DCDCDC"/>
+                </a:solidFill>
+                <a:effectLst/>
+                <a:latin typeface="Fira Code"/>
+              </a:rPr>
+              <a:t>.</a:t>
+            </a:r>
+            <a:r>
+              <a:rPr kumimoji="0" lang="en-US" altLang="en-US" sz="2400" b="0" i="0" u="none" strike="noStrike" cap="none" normalizeH="0" baseline="0" dirty="0" err="1" smtClean="0">
+                <a:ln>
+                  <a:noFill/>
+                </a:ln>
+                <a:solidFill>
+                  <a:srgbClr val="EE82EE"/>
+                </a:solidFill>
+                <a:effectLst/>
+                <a:latin typeface="Fira Code"/>
+              </a:rPr>
+              <a:t>Keys</a:t>
+            </a:r>
+            <a:r>
+              <a:rPr kumimoji="0" lang="en-US" altLang="en-US" sz="2400" b="0" i="0" u="none" strike="noStrike" cap="none" normalizeH="0" baseline="0" dirty="0" smtClean="0">
+                <a:ln>
+                  <a:noFill/>
+                </a:ln>
+                <a:solidFill>
+                  <a:srgbClr val="DCDCDC"/>
+                </a:solidFill>
+                <a:effectLst/>
+                <a:latin typeface="Fira Code"/>
+              </a:rPr>
+              <a:t>),</a:t>
+            </a:r>
+            <a:br>
+              <a:rPr kumimoji="0" lang="en-US" altLang="en-US" sz="2400" b="0" i="0" u="none" strike="noStrike" cap="none" normalizeH="0" baseline="0" dirty="0" smtClean="0">
+                <a:ln>
+                  <a:noFill/>
+                </a:ln>
+                <a:solidFill>
+                  <a:srgbClr val="DCDCDC"/>
+                </a:solidFill>
+                <a:effectLst/>
+                <a:latin typeface="Fira Code"/>
+              </a:rPr>
+            </a:br>
+            <a:r>
+              <a:rPr kumimoji="0" lang="en-US" altLang="en-US" sz="2400" b="0" i="0" u="none" strike="noStrike" cap="none" normalizeH="0" baseline="0" dirty="0" smtClean="0">
+                <a:ln>
+                  <a:noFill/>
+                </a:ln>
+                <a:solidFill>
+                  <a:srgbClr val="DCDCDC"/>
+                </a:solidFill>
+                <a:effectLst/>
+                <a:latin typeface="Fira Code"/>
+              </a:rPr>
+              <a:t>        </a:t>
+            </a:r>
+            <a:r>
+              <a:rPr kumimoji="0" lang="en-US" altLang="en-US" sz="2400" b="0" i="0" u="none" strike="noStrike" cap="none" normalizeH="0" baseline="0" dirty="0" err="1" smtClean="0">
+                <a:ln>
+                  <a:noFill/>
+                </a:ln>
+                <a:solidFill>
+                  <a:srgbClr val="EE82EE"/>
+                </a:solidFill>
+                <a:effectLst/>
+                <a:latin typeface="Fira Code"/>
+              </a:rPr>
+              <a:t>filter</a:t>
+            </a:r>
+            <a:r>
+              <a:rPr kumimoji="0" lang="en-US" altLang="en-US" sz="2400" b="0" i="0" u="none" strike="noStrike" cap="none" normalizeH="0" baseline="0" dirty="0" err="1" smtClean="0">
+                <a:ln>
+                  <a:noFill/>
+                </a:ln>
+                <a:solidFill>
+                  <a:srgbClr val="DCDCDC"/>
+                </a:solidFill>
+                <a:effectLst/>
+                <a:latin typeface="Fira Code"/>
+              </a:rPr>
+              <a:t>.</a:t>
+            </a:r>
+            <a:r>
+              <a:rPr kumimoji="0" lang="en-US" altLang="en-US" sz="2400" b="0" i="0" u="none" strike="noStrike" cap="none" normalizeH="0" baseline="0" dirty="0" err="1" smtClean="0">
+                <a:ln>
+                  <a:noFill/>
+                </a:ln>
+                <a:solidFill>
+                  <a:srgbClr val="00FFFF"/>
+                </a:solidFill>
+                <a:effectLst/>
+                <a:latin typeface="Fira Code"/>
+              </a:rPr>
+              <a:t>Gt</a:t>
+            </a:r>
+            <a:r>
+              <a:rPr kumimoji="0" lang="en-US" altLang="en-US" sz="2400" b="0" i="0" u="none" strike="noStrike" cap="none" normalizeH="0" baseline="0" dirty="0" smtClean="0">
+                <a:ln>
+                  <a:noFill/>
+                </a:ln>
+                <a:solidFill>
+                  <a:srgbClr val="DCDCDC"/>
+                </a:solidFill>
+                <a:effectLst/>
+                <a:latin typeface="Fira Code"/>
+              </a:rPr>
+              <a:t>(envelope =&gt; </a:t>
+            </a:r>
+            <a:r>
+              <a:rPr kumimoji="0" lang="en-US" altLang="en-US" sz="2400" b="0" i="0" u="none" strike="noStrike" cap="none" normalizeH="0" baseline="0" dirty="0" err="1" smtClean="0">
+                <a:ln>
+                  <a:noFill/>
+                </a:ln>
+                <a:solidFill>
+                  <a:srgbClr val="DCDCDC"/>
+                </a:solidFill>
+                <a:effectLst/>
+                <a:latin typeface="Fira Code"/>
+              </a:rPr>
+              <a:t>envelope.</a:t>
+            </a:r>
+            <a:r>
+              <a:rPr kumimoji="0" lang="en-US" altLang="en-US" sz="2400" b="0" i="0" u="none" strike="noStrike" cap="none" normalizeH="0" baseline="0" dirty="0" err="1" smtClean="0">
+                <a:ln>
+                  <a:noFill/>
+                </a:ln>
+                <a:solidFill>
+                  <a:srgbClr val="EE82EE"/>
+                </a:solidFill>
+                <a:effectLst/>
+                <a:latin typeface="Fira Code"/>
+              </a:rPr>
+              <a:t>Timestamp</a:t>
+            </a:r>
+            <a:r>
+              <a:rPr kumimoji="0" lang="en-US" altLang="en-US" sz="2400" b="0" i="0" u="none" strike="noStrike" cap="none" normalizeH="0" baseline="0" dirty="0" smtClean="0">
+                <a:ln>
+                  <a:noFill/>
+                </a:ln>
+                <a:solidFill>
+                  <a:srgbClr val="DCDCDC"/>
+                </a:solidFill>
+                <a:effectLst/>
+                <a:latin typeface="Fira Code"/>
+              </a:rPr>
+              <a:t>, </a:t>
+            </a:r>
+            <a:r>
+              <a:rPr kumimoji="0" lang="en-US" altLang="en-US" sz="2400" b="1" i="0" u="none" strike="noStrike" cap="none" normalizeH="0" baseline="0" dirty="0" err="1" smtClean="0">
+                <a:ln>
+                  <a:noFill/>
+                </a:ln>
+                <a:solidFill>
+                  <a:srgbClr val="DCDCDC"/>
+                </a:solidFill>
+                <a:effectLst/>
+                <a:latin typeface="Fira Code"/>
+              </a:rPr>
+              <a:t>checkpoint</a:t>
+            </a:r>
+            <a:r>
+              <a:rPr kumimoji="0" lang="en-US" altLang="en-US" sz="2400" b="0" i="0" u="none" strike="noStrike" cap="none" normalizeH="0" baseline="0" dirty="0" err="1" smtClean="0">
+                <a:ln>
+                  <a:noFill/>
+                </a:ln>
+                <a:solidFill>
+                  <a:srgbClr val="DCDCDC"/>
+                </a:solidFill>
+                <a:effectLst/>
+                <a:latin typeface="Fira Code"/>
+              </a:rPr>
+              <a:t>.</a:t>
+            </a:r>
+            <a:r>
+              <a:rPr kumimoji="0" lang="en-US" altLang="en-US" sz="2400" b="0" i="0" u="none" strike="noStrike" cap="none" normalizeH="0" baseline="0" dirty="0" err="1" smtClean="0">
+                <a:ln>
+                  <a:noFill/>
+                </a:ln>
+                <a:solidFill>
+                  <a:srgbClr val="EE82EE"/>
+                </a:solidFill>
+                <a:effectLst/>
+                <a:latin typeface="Fira Code"/>
+              </a:rPr>
+              <a:t>Position</a:t>
+            </a:r>
+            <a:r>
+              <a:rPr kumimoji="0" lang="en-US" altLang="en-US" sz="2400" b="0" i="0" u="none" strike="noStrike" cap="none" normalizeH="0" baseline="0" dirty="0" smtClean="0">
+                <a:ln>
+                  <a:noFill/>
+                </a:ln>
+                <a:solidFill>
+                  <a:srgbClr val="DCDCDC"/>
+                </a:solidFill>
+                <a:effectLst/>
+                <a:latin typeface="Fira Code"/>
+              </a:rPr>
+              <a:t>)))</a:t>
+            </a:r>
+            <a:br>
+              <a:rPr kumimoji="0" lang="en-US" altLang="en-US" sz="2400" b="0" i="0" u="none" strike="noStrike" cap="none" normalizeH="0" baseline="0" dirty="0" smtClean="0">
+                <a:ln>
+                  <a:noFill/>
+                </a:ln>
+                <a:solidFill>
+                  <a:srgbClr val="DCDCDC"/>
+                </a:solidFill>
+                <a:effectLst/>
+                <a:latin typeface="Fira Code"/>
+              </a:rPr>
+            </a:br>
+            <a:r>
+              <a:rPr kumimoji="0" lang="en-US" altLang="en-US" sz="2400" b="0" i="0" u="none" strike="noStrike" cap="none" normalizeH="0" baseline="0" dirty="0" smtClean="0">
+                <a:ln>
+                  <a:noFill/>
+                </a:ln>
+                <a:solidFill>
+                  <a:srgbClr val="DCDCDC"/>
+                </a:solidFill>
+                <a:effectLst/>
+                <a:latin typeface="Fira Code"/>
+              </a:rPr>
+              <a:t>    .</a:t>
+            </a:r>
+            <a:r>
+              <a:rPr kumimoji="0" lang="en-US" altLang="en-US" sz="2400" b="0" i="0" u="none" strike="noStrike" cap="none" normalizeH="0" baseline="0" dirty="0" smtClean="0">
+                <a:ln>
+                  <a:noFill/>
+                </a:ln>
+                <a:solidFill>
+                  <a:srgbClr val="00FFFF"/>
+                </a:solidFill>
+                <a:effectLst/>
+                <a:latin typeface="Fira Code"/>
+              </a:rPr>
+              <a:t>Sort</a:t>
+            </a:r>
+            <a:r>
+              <a:rPr kumimoji="0" lang="en-US" altLang="en-US" sz="2400" b="0" i="0" u="none" strike="noStrike" cap="none" normalizeH="0" baseline="0" dirty="0" smtClean="0">
+                <a:ln>
+                  <a:noFill/>
+                </a:ln>
+                <a:solidFill>
+                  <a:srgbClr val="DCDCDC"/>
+                </a:solidFill>
+                <a:effectLst/>
+                <a:latin typeface="Fira Code"/>
+              </a:rPr>
+              <a:t>(</a:t>
+            </a:r>
+            <a:r>
+              <a:rPr kumimoji="0" lang="en-US" altLang="en-US" sz="2400" b="0" i="0" u="none" strike="noStrike" cap="none" normalizeH="0" baseline="0" dirty="0" smtClean="0">
+                <a:ln>
+                  <a:noFill/>
+                </a:ln>
+                <a:solidFill>
+                  <a:srgbClr val="ADD8E6"/>
+                </a:solidFill>
+                <a:effectLst/>
+                <a:latin typeface="Fira Code"/>
+              </a:rPr>
+              <a:t>Builders</a:t>
+            </a:r>
+            <a:r>
+              <a:rPr kumimoji="0" lang="en-US" altLang="en-US" sz="2400" b="0" i="0" u="none" strike="noStrike" cap="none" normalizeH="0" baseline="0" dirty="0" smtClean="0">
+                <a:ln>
+                  <a:noFill/>
+                </a:ln>
+                <a:solidFill>
+                  <a:srgbClr val="DCDCDC"/>
+                </a:solidFill>
+                <a:effectLst/>
+                <a:latin typeface="Fira Code"/>
+              </a:rPr>
+              <a:t>&lt;</a:t>
+            </a:r>
+            <a:r>
+              <a:rPr kumimoji="0" lang="en-US" altLang="en-US" sz="2400" b="0" i="0" u="none" strike="noStrike" cap="none" normalizeH="0" baseline="0" dirty="0" err="1" smtClean="0">
+                <a:ln>
+                  <a:noFill/>
+                </a:ln>
+                <a:solidFill>
+                  <a:srgbClr val="ADD8E6"/>
+                </a:solidFill>
+                <a:effectLst/>
+                <a:latin typeface="Fira Code"/>
+              </a:rPr>
+              <a:t>EventEnvelope</a:t>
+            </a:r>
+            <a:r>
+              <a:rPr kumimoji="0" lang="en-US" altLang="en-US" sz="2400" b="0" i="0" u="none" strike="noStrike" cap="none" normalizeH="0" baseline="0" dirty="0" smtClean="0">
+                <a:ln>
+                  <a:noFill/>
+                </a:ln>
+                <a:solidFill>
+                  <a:srgbClr val="DCDCDC"/>
+                </a:solidFill>
+                <a:effectLst/>
+                <a:latin typeface="Fira Code"/>
+              </a:rPr>
+              <a:t>&gt;.</a:t>
+            </a:r>
+            <a:r>
+              <a:rPr kumimoji="0" lang="en-US" altLang="en-US" sz="2400" b="0" i="0" u="none" strike="noStrike" cap="none" normalizeH="0" baseline="0" dirty="0" err="1" smtClean="0">
+                <a:ln>
+                  <a:noFill/>
+                </a:ln>
+                <a:solidFill>
+                  <a:srgbClr val="EE82EE"/>
+                </a:solidFill>
+                <a:effectLst/>
+                <a:latin typeface="Fira Code"/>
+              </a:rPr>
+              <a:t>Sort</a:t>
+            </a:r>
+            <a:r>
+              <a:rPr kumimoji="0" lang="en-US" altLang="en-US" sz="2400" b="0" i="0" u="none" strike="noStrike" cap="none" normalizeH="0" baseline="0" dirty="0" err="1" smtClean="0">
+                <a:ln>
+                  <a:noFill/>
+                </a:ln>
+                <a:solidFill>
+                  <a:srgbClr val="DCDCDC"/>
+                </a:solidFill>
+                <a:effectLst/>
+                <a:latin typeface="Fira Code"/>
+              </a:rPr>
+              <a:t>.</a:t>
+            </a:r>
+            <a:r>
+              <a:rPr kumimoji="0" lang="en-US" altLang="en-US" sz="2400" b="0" i="0" u="none" strike="noStrike" cap="none" normalizeH="0" baseline="0" dirty="0" err="1" smtClean="0">
+                <a:ln>
+                  <a:noFill/>
+                </a:ln>
+                <a:solidFill>
+                  <a:srgbClr val="00FFFF"/>
+                </a:solidFill>
+                <a:effectLst/>
+                <a:latin typeface="Fira Code"/>
+              </a:rPr>
+              <a:t>Ascending</a:t>
+            </a:r>
+            <a:r>
+              <a:rPr kumimoji="0" lang="en-US" altLang="en-US" sz="2400" b="0" i="0" u="none" strike="noStrike" cap="none" normalizeH="0" baseline="0" dirty="0" smtClean="0">
+                <a:ln>
+                  <a:noFill/>
+                </a:ln>
+                <a:solidFill>
+                  <a:srgbClr val="DCDCDC"/>
+                </a:solidFill>
+                <a:effectLst/>
+                <a:latin typeface="Fira Code"/>
+              </a:rPr>
+              <a:t>(envelope =&gt; </a:t>
+            </a:r>
+            <a:r>
+              <a:rPr kumimoji="0" lang="en-US" altLang="en-US" sz="2400" b="0" i="0" u="none" strike="noStrike" cap="none" normalizeH="0" baseline="0" dirty="0" err="1" smtClean="0">
+                <a:ln>
+                  <a:noFill/>
+                </a:ln>
+                <a:solidFill>
+                  <a:srgbClr val="DCDCDC"/>
+                </a:solidFill>
+                <a:effectLst/>
+                <a:latin typeface="Fira Code"/>
+              </a:rPr>
+              <a:t>envelope.</a:t>
+            </a:r>
+            <a:r>
+              <a:rPr kumimoji="0" lang="en-US" altLang="en-US" sz="2400" b="0" i="0" u="none" strike="noStrike" cap="none" normalizeH="0" baseline="0" dirty="0" err="1" smtClean="0">
+                <a:ln>
+                  <a:noFill/>
+                </a:ln>
+                <a:solidFill>
+                  <a:srgbClr val="EE82EE"/>
+                </a:solidFill>
+                <a:effectLst/>
+                <a:latin typeface="Fira Code"/>
+              </a:rPr>
+              <a:t>Timestamp</a:t>
+            </a:r>
+            <a:r>
+              <a:rPr kumimoji="0" lang="en-US" altLang="en-US" sz="2400" b="0" i="0" u="none" strike="noStrike" cap="none" normalizeH="0" baseline="0" dirty="0" smtClean="0">
+                <a:ln>
+                  <a:noFill/>
+                </a:ln>
+                <a:solidFill>
+                  <a:srgbClr val="DCDCDC"/>
+                </a:solidFill>
+                <a:effectLst/>
+                <a:latin typeface="Fira Code"/>
+              </a:rPr>
+              <a:t>))</a:t>
+            </a:r>
+            <a:br>
+              <a:rPr kumimoji="0" lang="en-US" altLang="en-US" sz="2400" b="0" i="0" u="none" strike="noStrike" cap="none" normalizeH="0" baseline="0" dirty="0" smtClean="0">
+                <a:ln>
+                  <a:noFill/>
+                </a:ln>
+                <a:solidFill>
+                  <a:srgbClr val="DCDCDC"/>
+                </a:solidFill>
+                <a:effectLst/>
+                <a:latin typeface="Fira Code"/>
+              </a:rPr>
+            </a:br>
+            <a:r>
+              <a:rPr kumimoji="0" lang="en-US" altLang="en-US" sz="2400" b="0" i="0" u="none" strike="noStrike" cap="none" normalizeH="0" baseline="0" dirty="0" smtClean="0">
+                <a:ln>
+                  <a:noFill/>
+                </a:ln>
+                <a:solidFill>
+                  <a:srgbClr val="DCDCDC"/>
+                </a:solidFill>
+                <a:effectLst/>
+                <a:latin typeface="Fira Code"/>
+              </a:rPr>
+              <a:t>    .</a:t>
+            </a:r>
+            <a:r>
+              <a:rPr kumimoji="0" lang="en-US" altLang="en-US" sz="2400" b="0" i="0" u="none" strike="noStrike" cap="none" normalizeH="0" baseline="0" dirty="0" err="1" smtClean="0">
+                <a:ln>
+                  <a:noFill/>
+                </a:ln>
+                <a:solidFill>
+                  <a:srgbClr val="00FFFF"/>
+                </a:solidFill>
+                <a:effectLst/>
+                <a:latin typeface="Fira Code"/>
+              </a:rPr>
+              <a:t>ForEachAsync</a:t>
+            </a:r>
+            <a:r>
+              <a:rPr kumimoji="0" lang="en-US" altLang="en-US" sz="2400" b="0" i="0" u="none" strike="noStrike" cap="none" normalizeH="0" baseline="0" dirty="0" smtClean="0">
+                <a:ln>
+                  <a:noFill/>
+                </a:ln>
+                <a:solidFill>
+                  <a:srgbClr val="DCDCDC"/>
+                </a:solidFill>
+                <a:effectLst/>
+                <a:latin typeface="Fira Code"/>
+              </a:rPr>
+              <a:t>(</a:t>
+            </a:r>
+            <a:r>
+              <a:rPr kumimoji="0" lang="en-US" altLang="en-US" sz="2400" b="0" i="0" u="none" strike="noStrike" cap="none" normalizeH="0" baseline="0" dirty="0" err="1" smtClean="0">
+                <a:ln>
+                  <a:noFill/>
+                </a:ln>
+                <a:solidFill>
                   <a:srgbClr val="569CD6"/>
                 </a:solidFill>
                 <a:effectLst/>
@@ -14232,15 +15430,517 @@
                   <a:noFill/>
                 </a:ln>
                 <a:solidFill>
+                  <a:srgbClr val="DCDCDC"/>
+                </a:solidFill>
+                <a:effectLst/>
+                <a:latin typeface="Fira Code"/>
+              </a:rPr>
+              <a:t>envelope =&gt;</a:t>
+            </a:r>
+            <a:br>
+              <a:rPr kumimoji="0" lang="en-US" altLang="en-US" sz="2400" b="0" i="0" u="none" strike="noStrike" cap="none" normalizeH="0" baseline="0" dirty="0" smtClean="0">
+                <a:ln>
+                  <a:noFill/>
+                </a:ln>
+                <a:solidFill>
+                  <a:srgbClr val="DCDCDC"/>
+                </a:solidFill>
+                <a:effectLst/>
+                <a:latin typeface="Fira Code"/>
+              </a:rPr>
+            </a:br>
+            <a:r>
+              <a:rPr kumimoji="0" lang="en-US" altLang="en-US" sz="2400" b="0" i="0" u="none" strike="noStrike" cap="none" normalizeH="0" baseline="0" dirty="0" smtClean="0">
+                <a:ln>
+                  <a:noFill/>
+                </a:ln>
+                <a:solidFill>
+                  <a:srgbClr val="DCDCDC"/>
+                </a:solidFill>
+                <a:effectLst/>
+                <a:latin typeface="Fira Code"/>
+              </a:rPr>
+              <a:t>    {</a:t>
+            </a:r>
+            <a:br>
+              <a:rPr kumimoji="0" lang="en-US" altLang="en-US" sz="2400" b="0" i="0" u="none" strike="noStrike" cap="none" normalizeH="0" baseline="0" dirty="0" smtClean="0">
+                <a:ln>
+                  <a:noFill/>
+                </a:ln>
+                <a:solidFill>
+                  <a:srgbClr val="DCDCDC"/>
+                </a:solidFill>
+                <a:effectLst/>
+                <a:latin typeface="Fira Code"/>
+              </a:rPr>
+            </a:br>
+            <a:r>
+              <a:rPr kumimoji="0" lang="en-US" altLang="en-US" sz="2400" b="0" i="0" u="none" strike="noStrike" cap="none" normalizeH="0" baseline="0" dirty="0" smtClean="0">
+                <a:ln>
+                  <a:noFill/>
+                </a:ln>
+                <a:solidFill>
+                  <a:srgbClr val="DCDCDC"/>
+                </a:solidFill>
+                <a:effectLst/>
+                <a:latin typeface="Fira Code"/>
+              </a:rPr>
+              <a:t>        </a:t>
+            </a:r>
+            <a:r>
+              <a:rPr kumimoji="0" lang="en-US" altLang="en-US" sz="2400" b="0" i="0" u="none" strike="noStrike" cap="none" normalizeH="0" baseline="0" dirty="0" smtClean="0">
+                <a:ln>
+                  <a:noFill/>
+                </a:ln>
+                <a:solidFill>
+                  <a:srgbClr val="569CD6"/>
+                </a:solidFill>
+                <a:effectLst/>
+                <a:latin typeface="Fira Code"/>
+              </a:rPr>
+              <a:t>if </a:t>
+            </a:r>
+            <a:r>
+              <a:rPr kumimoji="0" lang="en-US" altLang="en-US" sz="2400" b="0" i="0" u="none" strike="noStrike" cap="none" normalizeH="0" baseline="0" dirty="0" smtClean="0">
+                <a:ln>
+                  <a:noFill/>
+                </a:ln>
+                <a:solidFill>
+                  <a:srgbClr val="DCDCDC"/>
+                </a:solidFill>
+                <a:effectLst/>
+                <a:latin typeface="Fira Code"/>
+              </a:rPr>
+              <a:t>(</a:t>
+            </a:r>
+            <a:r>
+              <a:rPr kumimoji="0" lang="en-US" altLang="en-US" sz="2400" b="0" i="0" u="none" strike="noStrike" cap="none" normalizeH="0" baseline="0" dirty="0" err="1" smtClean="0">
+                <a:ln>
+                  <a:noFill/>
+                </a:ln>
+                <a:solidFill>
+                  <a:schemeClr val="bg1"/>
+                </a:solidFill>
+                <a:effectLst/>
+                <a:latin typeface="Fira Code"/>
+              </a:rPr>
+              <a:t>handlers</a:t>
+            </a:r>
+            <a:r>
+              <a:rPr kumimoji="0" lang="en-US" altLang="en-US" sz="2400" b="0" i="0" u="none" strike="noStrike" cap="none" normalizeH="0" baseline="0" dirty="0" err="1" smtClean="0">
+                <a:ln>
+                  <a:noFill/>
+                </a:ln>
+                <a:solidFill>
+                  <a:srgbClr val="DCDCDC"/>
+                </a:solidFill>
+                <a:effectLst/>
+                <a:latin typeface="Fira Code"/>
+              </a:rPr>
+              <a:t>.</a:t>
+            </a:r>
+            <a:r>
+              <a:rPr kumimoji="0" lang="en-US" altLang="en-US" sz="2400" b="0" i="0" u="none" strike="noStrike" cap="none" normalizeH="0" baseline="0" dirty="0" err="1" smtClean="0">
+                <a:ln>
+                  <a:noFill/>
+                </a:ln>
+                <a:solidFill>
+                  <a:srgbClr val="00FFFF"/>
+                </a:solidFill>
+                <a:effectLst/>
+                <a:latin typeface="Fira Code"/>
+              </a:rPr>
+              <a:t>TryGetValue</a:t>
+            </a:r>
+            <a:r>
+              <a:rPr kumimoji="0" lang="en-US" altLang="en-US" sz="2400" b="0" i="0" u="none" strike="noStrike" cap="none" normalizeH="0" baseline="0" dirty="0" smtClean="0">
+                <a:ln>
+                  <a:noFill/>
+                </a:ln>
+                <a:solidFill>
+                  <a:srgbClr val="DCDCDC"/>
+                </a:solidFill>
+                <a:effectLst/>
+                <a:latin typeface="Fira Code"/>
+              </a:rPr>
+              <a:t>(</a:t>
+            </a:r>
+            <a:r>
+              <a:rPr kumimoji="0" lang="en-US" altLang="en-US" sz="2400" b="0" i="0" u="none" strike="noStrike" cap="none" normalizeH="0" baseline="0" dirty="0" err="1" smtClean="0">
+                <a:ln>
+                  <a:noFill/>
+                </a:ln>
+                <a:solidFill>
+                  <a:srgbClr val="DCDCDC"/>
+                </a:solidFill>
+                <a:effectLst/>
+                <a:latin typeface="Fira Code"/>
+              </a:rPr>
+              <a:t>envelope.</a:t>
+            </a:r>
+            <a:r>
+              <a:rPr kumimoji="0" lang="en-US" altLang="en-US" sz="2400" b="0" i="0" u="none" strike="noStrike" cap="none" normalizeH="0" baseline="0" dirty="0" err="1" smtClean="0">
+                <a:ln>
+                  <a:noFill/>
+                </a:ln>
+                <a:solidFill>
+                  <a:srgbClr val="EE82EE"/>
+                </a:solidFill>
+                <a:effectLst/>
+                <a:latin typeface="Fira Code"/>
+              </a:rPr>
+              <a:t>Event</a:t>
+            </a:r>
+            <a:r>
+              <a:rPr kumimoji="0" lang="en-US" altLang="en-US" sz="2400" b="0" i="0" u="none" strike="noStrike" cap="none" normalizeH="0" baseline="0" dirty="0" err="1" smtClean="0">
+                <a:ln>
+                  <a:noFill/>
+                </a:ln>
+                <a:solidFill>
+                  <a:srgbClr val="DCDCDC"/>
+                </a:solidFill>
+                <a:effectLst/>
+                <a:latin typeface="Fira Code"/>
+              </a:rPr>
+              <a:t>.</a:t>
+            </a:r>
+            <a:r>
+              <a:rPr kumimoji="0" lang="en-US" altLang="en-US" sz="2400" b="0" i="0" u="none" strike="noStrike" cap="none" normalizeH="0" baseline="0" dirty="0" err="1" smtClean="0">
+                <a:ln>
+                  <a:noFill/>
+                </a:ln>
+                <a:solidFill>
+                  <a:srgbClr val="00FFFF"/>
+                </a:solidFill>
+                <a:effectLst/>
+                <a:latin typeface="Fira Code"/>
+              </a:rPr>
+              <a:t>GetType</a:t>
+            </a:r>
+            <a:r>
+              <a:rPr kumimoji="0" lang="en-US" altLang="en-US" sz="2400" b="0" i="0" u="none" strike="noStrike" cap="none" normalizeH="0" baseline="0" dirty="0" smtClean="0">
+                <a:ln>
+                  <a:noFill/>
+                </a:ln>
+                <a:solidFill>
+                  <a:srgbClr val="DCDCDC"/>
+                </a:solidFill>
+                <a:effectLst/>
+                <a:latin typeface="Fira Code"/>
+              </a:rPr>
+              <a:t>().</a:t>
+            </a:r>
+            <a:r>
+              <a:rPr kumimoji="0" lang="en-US" altLang="en-US" sz="2400" b="0" i="0" u="none" strike="noStrike" cap="none" normalizeH="0" baseline="0" dirty="0" smtClean="0">
+                <a:ln>
+                  <a:noFill/>
+                </a:ln>
+                <a:solidFill>
+                  <a:srgbClr val="EE82EE"/>
+                </a:solidFill>
+                <a:effectLst/>
+                <a:latin typeface="Fira Code"/>
+              </a:rPr>
+              <a:t>Name</a:t>
+            </a:r>
+            <a:r>
+              <a:rPr kumimoji="0" lang="en-US" altLang="en-US" sz="2400" b="0" i="0" u="none" strike="noStrike" cap="none" normalizeH="0" baseline="0" dirty="0" smtClean="0">
+                <a:ln>
+                  <a:noFill/>
+                </a:ln>
+                <a:solidFill>
+                  <a:srgbClr val="DCDCDC"/>
+                </a:solidFill>
+                <a:effectLst/>
+                <a:latin typeface="Fira Code"/>
+              </a:rPr>
+              <a:t>, </a:t>
+            </a:r>
+            <a:r>
+              <a:rPr kumimoji="0" lang="en-US" altLang="en-US" sz="2400" b="0" i="0" u="none" strike="noStrike" cap="none" normalizeH="0" baseline="0" dirty="0" smtClean="0">
+                <a:ln>
+                  <a:noFill/>
+                </a:ln>
+                <a:solidFill>
+                  <a:srgbClr val="569CD6"/>
+                </a:solidFill>
+                <a:effectLst/>
+                <a:latin typeface="Fira Code"/>
+              </a:rPr>
+              <a:t>out </a:t>
+            </a:r>
+            <a:r>
+              <a:rPr kumimoji="0" lang="en-US" altLang="en-US" sz="2400" b="0" i="0" u="none" strike="noStrike" cap="none" normalizeH="0" baseline="0" dirty="0" err="1" smtClean="0">
+                <a:ln>
+                  <a:noFill/>
+                </a:ln>
+                <a:solidFill>
+                  <a:srgbClr val="569CD6"/>
+                </a:solidFill>
+                <a:effectLst/>
+                <a:latin typeface="Fira Code"/>
+              </a:rPr>
+              <a:t>var</a:t>
+            </a:r>
+            <a:r>
+              <a:rPr kumimoji="0" lang="en-US" altLang="en-US" sz="2400" b="0" i="0" u="none" strike="noStrike" cap="none" normalizeH="0" baseline="0" dirty="0" smtClean="0">
+                <a:ln>
+                  <a:noFill/>
+                </a:ln>
+                <a:solidFill>
+                  <a:srgbClr val="569CD6"/>
+                </a:solidFill>
+                <a:effectLst/>
+                <a:latin typeface="Fira Code"/>
+              </a:rPr>
+              <a:t> </a:t>
+            </a:r>
+            <a:r>
+              <a:rPr kumimoji="0" lang="en-US" altLang="en-US" sz="2400" b="0" i="0" u="none" strike="noStrike" cap="none" normalizeH="0" baseline="0" dirty="0" smtClean="0">
+                <a:ln>
+                  <a:noFill/>
+                </a:ln>
+                <a:solidFill>
+                  <a:schemeClr val="bg1"/>
+                </a:solidFill>
+                <a:effectLst/>
+                <a:latin typeface="Fira Code"/>
+              </a:rPr>
+              <a:t>handler</a:t>
+            </a:r>
+            <a:r>
+              <a:rPr kumimoji="0" lang="en-US" altLang="en-US" sz="2400" b="0" i="0" u="none" strike="noStrike" cap="none" normalizeH="0" baseline="0" dirty="0" smtClean="0">
+                <a:ln>
+                  <a:noFill/>
+                </a:ln>
+                <a:solidFill>
+                  <a:srgbClr val="DCDCDC"/>
+                </a:solidFill>
+                <a:effectLst/>
+                <a:latin typeface="Fira Code"/>
+              </a:rPr>
+              <a:t>))</a:t>
+            </a:r>
+            <a:br>
+              <a:rPr kumimoji="0" lang="en-US" altLang="en-US" sz="2400" b="0" i="0" u="none" strike="noStrike" cap="none" normalizeH="0" baseline="0" dirty="0" smtClean="0">
+                <a:ln>
+                  <a:noFill/>
+                </a:ln>
+                <a:solidFill>
+                  <a:srgbClr val="DCDCDC"/>
+                </a:solidFill>
+                <a:effectLst/>
+                <a:latin typeface="Fira Code"/>
+              </a:rPr>
+            </a:br>
+            <a:r>
+              <a:rPr kumimoji="0" lang="en-US" altLang="en-US" sz="2400" b="0" i="0" u="none" strike="noStrike" cap="none" normalizeH="0" baseline="0" dirty="0" smtClean="0">
+                <a:ln>
+                  <a:noFill/>
+                </a:ln>
+                <a:solidFill>
+                  <a:srgbClr val="DCDCDC"/>
+                </a:solidFill>
+                <a:effectLst/>
+                <a:latin typeface="Fira Code"/>
+              </a:rPr>
+              <a:t>        {</a:t>
+            </a:r>
+            <a:br>
+              <a:rPr kumimoji="0" lang="en-US" altLang="en-US" sz="2400" b="0" i="0" u="none" strike="noStrike" cap="none" normalizeH="0" baseline="0" dirty="0" smtClean="0">
+                <a:ln>
+                  <a:noFill/>
+                </a:ln>
+                <a:solidFill>
+                  <a:srgbClr val="DCDCDC"/>
+                </a:solidFill>
+                <a:effectLst/>
+                <a:latin typeface="Fira Code"/>
+              </a:rPr>
+            </a:br>
+            <a:r>
+              <a:rPr kumimoji="0" lang="en-US" altLang="en-US" sz="2400" b="0" i="0" u="none" strike="noStrike" cap="none" normalizeH="0" baseline="0" dirty="0" smtClean="0">
+                <a:ln>
+                  <a:noFill/>
+                </a:ln>
+                <a:solidFill>
+                  <a:srgbClr val="DCDCDC"/>
+                </a:solidFill>
+                <a:effectLst/>
+                <a:latin typeface="Fira Code"/>
+              </a:rPr>
+              <a:t>            </a:t>
+            </a:r>
+            <a:r>
+              <a:rPr kumimoji="0" lang="en-US" altLang="en-US" sz="2400" b="0" i="0" u="none" strike="noStrike" cap="none" normalizeH="0" baseline="0" dirty="0" smtClean="0">
+                <a:ln>
+                  <a:noFill/>
+                </a:ln>
+                <a:solidFill>
+                  <a:srgbClr val="569CD6"/>
+                </a:solidFill>
+                <a:effectLst/>
+                <a:latin typeface="Fira Code"/>
+              </a:rPr>
+              <a:t>if </a:t>
+            </a:r>
+            <a:r>
+              <a:rPr kumimoji="0" lang="en-US" altLang="en-US" sz="2400" b="0" i="0" u="none" strike="noStrike" cap="none" normalizeH="0" baseline="0" dirty="0" smtClean="0">
+                <a:ln>
+                  <a:noFill/>
+                </a:ln>
+                <a:solidFill>
+                  <a:srgbClr val="DCDCDC"/>
+                </a:solidFill>
+                <a:effectLst/>
+                <a:latin typeface="Fira Code"/>
+              </a:rPr>
+              <a:t>(!</a:t>
+            </a:r>
+            <a:r>
+              <a:rPr kumimoji="0" lang="en-US" altLang="en-US" sz="2400" b="0" i="0" u="none" strike="noStrike" cap="none" normalizeH="0" baseline="0" dirty="0" err="1" smtClean="0">
+                <a:ln>
+                  <a:noFill/>
+                </a:ln>
+                <a:solidFill>
+                  <a:srgbClr val="569CD6"/>
+                </a:solidFill>
+                <a:effectLst/>
+                <a:latin typeface="Fira Code"/>
+              </a:rPr>
+              <a:t>string</a:t>
+            </a:r>
+            <a:r>
+              <a:rPr kumimoji="0" lang="en-US" altLang="en-US" sz="2400" b="0" i="0" u="none" strike="noStrike" cap="none" normalizeH="0" baseline="0" dirty="0" err="1" smtClean="0">
+                <a:ln>
+                  <a:noFill/>
+                </a:ln>
+                <a:solidFill>
+                  <a:srgbClr val="DCDCDC"/>
+                </a:solidFill>
+                <a:effectLst/>
+                <a:latin typeface="Fira Code"/>
+              </a:rPr>
+              <a:t>.</a:t>
+            </a:r>
+            <a:r>
+              <a:rPr kumimoji="0" lang="en-US" altLang="en-US" sz="2400" b="0" i="0" u="none" strike="noStrike" cap="none" normalizeH="0" baseline="0" dirty="0" err="1" smtClean="0">
+                <a:ln>
+                  <a:noFill/>
+                </a:ln>
+                <a:solidFill>
+                  <a:srgbClr val="00FFFF"/>
+                </a:solidFill>
+                <a:effectLst/>
+                <a:latin typeface="Fira Code"/>
+              </a:rPr>
+              <a:t>IsNullOrEmpty</a:t>
+            </a:r>
+            <a:r>
+              <a:rPr kumimoji="0" lang="en-US" altLang="en-US" sz="2400" b="0" i="0" u="none" strike="noStrike" cap="none" normalizeH="0" baseline="0" dirty="0" smtClean="0">
+                <a:ln>
+                  <a:noFill/>
+                </a:ln>
+                <a:solidFill>
+                  <a:srgbClr val="DCDCDC"/>
+                </a:solidFill>
+                <a:effectLst/>
+                <a:latin typeface="Fira Code"/>
+              </a:rPr>
+              <a:t>(</a:t>
+            </a:r>
+            <a:r>
+              <a:rPr kumimoji="0" lang="en-US" altLang="en-US" sz="2400" b="0" i="0" u="none" strike="noStrike" cap="none" normalizeH="0" baseline="0" dirty="0" err="1" smtClean="0">
+                <a:ln>
+                  <a:noFill/>
+                </a:ln>
+                <a:solidFill>
+                  <a:srgbClr val="DCDCDC"/>
+                </a:solidFill>
+                <a:effectLst/>
+                <a:latin typeface="Fira Code"/>
+              </a:rPr>
+              <a:t>envelope.</a:t>
+            </a:r>
+            <a:r>
+              <a:rPr kumimoji="0" lang="en-US" altLang="en-US" sz="2400" b="0" i="0" u="none" strike="noStrike" cap="none" normalizeH="0" baseline="0" dirty="0" err="1" smtClean="0">
+                <a:ln>
+                  <a:noFill/>
+                </a:ln>
+                <a:solidFill>
+                  <a:srgbClr val="EE82EE"/>
+                </a:solidFill>
+                <a:effectLst/>
+                <a:latin typeface="Fira Code"/>
+              </a:rPr>
+              <a:t>CorrelationId</a:t>
+            </a:r>
+            <a:r>
+              <a:rPr kumimoji="0" lang="en-US" altLang="en-US" sz="2400" b="0" i="0" u="none" strike="noStrike" cap="none" normalizeH="0" baseline="0" dirty="0" smtClean="0">
+                <a:ln>
+                  <a:noFill/>
+                </a:ln>
+                <a:solidFill>
+                  <a:srgbClr val="DCDCDC"/>
+                </a:solidFill>
+                <a:effectLst/>
+                <a:latin typeface="Fira Code"/>
+              </a:rPr>
+              <a:t>))</a:t>
+            </a:r>
+            <a:br>
+              <a:rPr kumimoji="0" lang="en-US" altLang="en-US" sz="2400" b="0" i="0" u="none" strike="noStrike" cap="none" normalizeH="0" baseline="0" dirty="0" smtClean="0">
+                <a:ln>
+                  <a:noFill/>
+                </a:ln>
+                <a:solidFill>
+                  <a:srgbClr val="DCDCDC"/>
+                </a:solidFill>
+                <a:effectLst/>
+                <a:latin typeface="Fira Code"/>
+              </a:rPr>
+            </a:br>
+            <a:r>
+              <a:rPr kumimoji="0" lang="en-US" altLang="en-US" sz="2400" b="0" i="0" u="none" strike="noStrike" cap="none" normalizeH="0" baseline="0" dirty="0" smtClean="0">
+                <a:ln>
+                  <a:noFill/>
+                </a:ln>
+                <a:solidFill>
+                  <a:srgbClr val="DCDCDC"/>
+                </a:solidFill>
+                <a:effectLst/>
+                <a:latin typeface="Fira Code"/>
+              </a:rPr>
+              <a:t>                </a:t>
+            </a:r>
+            <a:r>
+              <a:rPr kumimoji="0" lang="en-US" altLang="en-US" sz="2400" b="0" i="0" u="none" strike="noStrike" cap="none" normalizeH="0" baseline="0" dirty="0" err="1" smtClean="0">
+                <a:ln>
+                  <a:noFill/>
+                </a:ln>
+                <a:solidFill>
                   <a:srgbClr val="ADD8E6"/>
                 </a:solidFill>
                 <a:effectLst/>
                 <a:latin typeface="Fira Code"/>
               </a:rPr>
-              <a:t>Task </a:t>
-            </a:r>
-            <a:r>
-              <a:rPr kumimoji="0" lang="en-US" altLang="en-US" sz="2400" b="0" i="0" u="none" strike="noStrike" cap="none" normalizeH="0" baseline="0" dirty="0" smtClean="0">
+              <a:t>TraceContext</a:t>
+            </a:r>
+            <a:r>
+              <a:rPr kumimoji="0" lang="en-US" altLang="en-US" sz="2400" b="0" i="0" u="none" strike="noStrike" cap="none" normalizeH="0" baseline="0" dirty="0" err="1" smtClean="0">
+                <a:ln>
+                  <a:noFill/>
+                </a:ln>
+                <a:solidFill>
+                  <a:srgbClr val="DCDCDC"/>
+                </a:solidFill>
+                <a:effectLst/>
+                <a:latin typeface="Fira Code"/>
+              </a:rPr>
+              <a:t>.</a:t>
+            </a:r>
+            <a:r>
+              <a:rPr kumimoji="0" lang="en-US" altLang="en-US" sz="2400" b="0" i="0" u="none" strike="noStrike" cap="none" normalizeH="0" baseline="0" dirty="0" err="1" smtClean="0">
                 <a:ln>
                   <a:noFill/>
                 </a:ln>
@@ -14250,7 +15950,7 @@
                 <a:effectLst/>
                 <a:latin typeface="Fira Code"/>
               </a:rPr>
-              <a:t>Handle</a:t>
+              <a:t>Set</a:t>
             </a:r>
             <a:r>
               <a:rPr kumimoji="0" lang="en-US" altLang="en-US" sz="2400" b="0" i="0" u="none" strike="noStrike" cap="none" normalizeH="0" baseline="0" dirty="0" smtClean="0">
@@ -14271,38 +15971,77 @@
                   <a:noFill/>
                 </a:ln>
                 <a:solidFill>
-                  <a:srgbClr val="ADD8E6"/>
-                </a:solidFill>
-                <a:effectLst/>
-                <a:latin typeface="Fira Code"/>
-              </a:rPr>
-              <a:t>OrderPlaced</a:t>
-            </a:r>
-            <a:r>
-              <a:rPr kumimoji="0" lang="en-US" altLang="en-US" sz="2400" b="0" i="0" u="none" strike="noStrike" cap="none" normalizeH="0" baseline="0" dirty="0" smtClean="0">
-                <a:ln>
-                  <a:noFill/>
-                </a:ln>
-                <a:solidFill>
-                  <a:srgbClr val="ADD8E6"/>
-                </a:solidFill>
-                <a:effectLst/>
-                <a:latin typeface="Fira Code"/>
-              </a:rPr>
-              <a:t> </a:t>
-            </a:r>
-            <a:r>
-              <a:rPr kumimoji="0" lang="en-US" altLang="en-US" sz="2400" b="0" i="0" u="none" strike="noStrike" cap="none" normalizeH="0" baseline="0" dirty="0" smtClean="0">
-                <a:ln>
-                  <a:noFill/>
-                </a:ln>
-                <a:solidFill>
-                  <a:srgbClr val="DCDCDC"/>
-                </a:solidFill>
-                <a:effectLst/>
-                <a:latin typeface="Fira Code"/>
-              </a:rPr>
-              <a:t>@event)</a:t>
+                  <a:srgbClr val="DCDCDC"/>
+                </a:solidFill>
+                <a:effectLst/>
+                <a:latin typeface="Fira Code"/>
+              </a:rPr>
+              <a:t>envelope.</a:t>
+            </a:r>
+            <a:r>
+              <a:rPr kumimoji="0" lang="en-US" altLang="en-US" sz="2400" b="0" i="0" u="none" strike="noStrike" cap="none" normalizeH="0" baseline="0" dirty="0" err="1" smtClean="0">
+                <a:ln>
+                  <a:noFill/>
+                </a:ln>
+                <a:solidFill>
+                  <a:srgbClr val="EE82EE"/>
+                </a:solidFill>
+                <a:effectLst/>
+                <a:latin typeface="Fira Code"/>
+              </a:rPr>
+              <a:t>CorrelationId</a:t>
+            </a:r>
+            <a:r>
+              <a:rPr kumimoji="0" lang="en-US" altLang="en-US" sz="2400" b="0" i="0" u="none" strike="noStrike" cap="none" normalizeH="0" baseline="0" dirty="0" smtClean="0">
+                <a:ln>
+                  <a:noFill/>
+                </a:ln>
+                <a:solidFill>
+                  <a:srgbClr val="DCDCDC"/>
+                </a:solidFill>
+                <a:effectLst/>
+                <a:latin typeface="Fira Code"/>
+              </a:rPr>
+              <a:t>, </a:t>
+            </a:r>
+            <a:r>
+              <a:rPr kumimoji="0" lang="en-US" altLang="en-US" sz="2400" b="0" i="0" u="none" strike="noStrike" cap="none" normalizeH="0" baseline="0" dirty="0" err="1" smtClean="0">
+                <a:ln>
+                  <a:noFill/>
+                </a:ln>
+                <a:solidFill>
+                  <a:srgbClr val="DCDCDC"/>
+                </a:solidFill>
+                <a:effectLst/>
+                <a:latin typeface="Fira Code"/>
+              </a:rPr>
+              <a:t>envelope.</a:t>
+            </a:r>
+            <a:r>
+              <a:rPr kumimoji="0" lang="en-US" altLang="en-US" sz="2400" b="0" i="0" u="none" strike="noStrike" cap="none" normalizeH="0" baseline="0" dirty="0" err="1" smtClean="0">
+                <a:ln>
+                  <a:noFill/>
+                </a:ln>
+                <a:solidFill>
+                  <a:srgbClr val="EE82EE"/>
+                </a:solidFill>
+                <a:effectLst/>
+                <a:latin typeface="Fira Code"/>
+              </a:rPr>
+              <a:t>EventId</a:t>
+            </a:r>
+            <a:r>
+              <a:rPr kumimoji="0" lang="en-US" altLang="en-US" sz="2400" b="0" i="0" u="none" strike="noStrike" cap="none" normalizeH="0" baseline="0" dirty="0" smtClean="0">
+                <a:ln>
+                  <a:noFill/>
+                </a:ln>
+                <a:solidFill>
+                  <a:srgbClr val="DCDCDC"/>
+                </a:solidFill>
+                <a:effectLst/>
+                <a:latin typeface="Fira Code"/>
+              </a:rPr>
+              <a:t>);</a:t>
             </a:r>
             <a:br>
               <a:rPr kumimoji="0" lang="en-US" altLang="en-US" sz="2400" b="0" i="0" u="none" strike="noStrike" cap="none" normalizeH="0" baseline="0" dirty="0" smtClean="0">
@@ -14327,7 +16066,7 @@
                 <a:effectLst/>
                 <a:latin typeface="Fira Code"/>
               </a:rPr>
-              <a:t>{</a:t>
+              <a:t/>
             </a:r>
             <a:br>
               <a:rPr kumimoji="0" lang="en-US" altLang="en-US" sz="2400" b="0" i="0" u="none" strike="noStrike" cap="none" normalizeH="0" baseline="0" dirty="0" smtClean="0">
@@ -14352,7 +16091,7 @@
                 <a:effectLst/>
                 <a:latin typeface="Fira Code"/>
               </a:rPr>
-              <a:t>    </a:t>
+              <a:t>            </a:t>
             </a:r>
             <a:r>
               <a:rPr kumimoji="0" lang="en-US" altLang="en-US" sz="2400" b="0" i="0" u="none" strike="noStrike" cap="none" normalizeH="0" baseline="0" dirty="0" smtClean="0">
@@ -14365,20 +16104,7 @@
                 <a:effectLst/>
                 <a:latin typeface="Fira Code"/>
               </a:rPr>
-              <a:t>if </a:t>
-            </a:r>
-            <a:r>
-              <a:rPr kumimoji="0" lang="en-US" altLang="en-US" sz="2400" b="0" i="0" u="none" strike="noStrike" cap="none" normalizeH="0" baseline="0" dirty="0" smtClean="0">
-                <a:ln>
-                  <a:noFill/>
-                </a:ln>
-                <a:solidFill>
-                  <a:srgbClr val="DCDCDC"/>
-                </a:solidFill>
-                <a:effectLst/>
-                <a:latin typeface="Fira Code"/>
-              </a:rPr>
-              <a:t>(@</a:t>
+              <a:t>await </a:t>
             </a:r>
             <a:r>
               <a:rPr kumimoji="0" lang="en-US" altLang="en-US" sz="2400" b="0" i="0" u="none" strike="noStrike" cap="none" normalizeH="0" baseline="0" dirty="0" err="1" smtClean="0">
@@ -14391,7 +16117,7 @@
                 <a:effectLst/>
                 <a:latin typeface="Fira Code"/>
               </a:rPr>
-              <a:t>event.</a:t>
+              <a:t>handler.</a:t>
             </a:r>
             <a:r>
               <a:rPr kumimoji="0" lang="en-US" altLang="en-US" sz="2400" b="0" i="0" u="none" strike="noStrike" cap="none" normalizeH="0" baseline="0" dirty="0" err="1" smtClean="0">
@@ -14399,15 +16125,220 @@
                   <a:noFill/>
                 </a:ln>
                 <a:solidFill>
+                  <a:schemeClr val="bg1"/>
+                </a:solidFill>
+                <a:effectLst/>
+                <a:latin typeface="Fira Code"/>
+              </a:rPr>
+              <a:t>Invoke</a:t>
+            </a:r>
+            <a:r>
+              <a:rPr kumimoji="0" lang="en-US" altLang="en-US" sz="2400" b="0" i="0" u="none" strike="noStrike" cap="none" normalizeH="0" baseline="0" dirty="0" smtClean="0">
+                <a:ln>
+                  <a:noFill/>
+                </a:ln>
+                <a:solidFill>
+                  <a:srgbClr val="DCDCDC"/>
+                </a:solidFill>
+                <a:effectLst/>
+                <a:latin typeface="Fira Code"/>
+              </a:rPr>
+              <a:t>(</a:t>
+            </a:r>
+            <a:r>
+              <a:rPr kumimoji="0" lang="en-US" altLang="en-US" sz="2400" b="0" i="0" u="none" strike="noStrike" cap="none" normalizeH="0" baseline="0" dirty="0" err="1" smtClean="0">
+                <a:ln>
+                  <a:noFill/>
+                </a:ln>
+                <a:solidFill>
+                  <a:srgbClr val="DCDCDC"/>
+                </a:solidFill>
+                <a:effectLst/>
+                <a:latin typeface="Fira Code"/>
+              </a:rPr>
+              <a:t>envelope.</a:t>
+            </a:r>
+            <a:r>
+              <a:rPr kumimoji="0" lang="en-US" altLang="en-US" sz="2400" b="0" i="0" u="none" strike="noStrike" cap="none" normalizeH="0" baseline="0" dirty="0" err="1" smtClean="0">
+                <a:ln>
+                  <a:noFill/>
+                </a:ln>
+                <a:solidFill>
                   <a:srgbClr val="EE82EE"/>
                 </a:solidFill>
                 <a:effectLst/>
                 <a:latin typeface="Fira Code"/>
               </a:rPr>
-              <a:t>Amount</a:t>
-            </a:r>
-            <a:r>
-              <a:rPr kumimoji="0" lang="en-US" altLang="en-US" sz="2400" b="0" i="0" u="none" strike="noStrike" cap="none" normalizeH="0" baseline="0" dirty="0" smtClean="0">
+              <a:t>Event</a:t>
+            </a:r>
+            <a:r>
+              <a:rPr kumimoji="0" lang="en-US" altLang="en-US" sz="2400" b="0" i="0" u="none" strike="noStrike" cap="none" normalizeH="0" baseline="0" dirty="0" smtClean="0">
+                <a:ln>
+                  <a:noFill/>
+                </a:ln>
+                <a:solidFill>
+                  <a:srgbClr val="DCDCDC"/>
+                </a:solidFill>
+                <a:effectLst/>
+                <a:latin typeface="Fira Code"/>
+              </a:rPr>
+              <a:t>);</a:t>
+            </a:r>
+            <a:br>
+              <a:rPr kumimoji="0" lang="en-US" altLang="en-US" sz="2400" b="0" i="0" u="none" strike="noStrike" cap="none" normalizeH="0" baseline="0" dirty="0" smtClean="0">
+                <a:ln>
+                  <a:noFill/>
+                </a:ln>
+                <a:solidFill>
+                  <a:srgbClr val="DCDCDC"/>
+                </a:solidFill>
+                <a:effectLst/>
+                <a:latin typeface="Fira Code"/>
+              </a:rPr>
+            </a:br>
+            <a:r>
+              <a:rPr kumimoji="0" lang="en-US" altLang="en-US" sz="2400" b="0" i="0" u="none" strike="noStrike" cap="none" normalizeH="0" baseline="0" dirty="0" smtClean="0">
+                <a:ln>
+                  <a:noFill/>
+                </a:ln>
+                <a:solidFill>
+                  <a:srgbClr val="DCDCDC"/>
+                </a:solidFill>
+                <a:effectLst/>
+                <a:latin typeface="Fira Code"/>
+              </a:rPr>
+              <a:t>        }</a:t>
+            </a:r>
+            <a:br>
+              <a:rPr kumimoji="0" lang="en-US" altLang="en-US" sz="2400" b="0" i="0" u="none" strike="noStrike" cap="none" normalizeH="0" baseline="0" dirty="0" smtClean="0">
+                <a:ln>
+                  <a:noFill/>
+                </a:ln>
+                <a:solidFill>
+                  <a:srgbClr val="DCDCDC"/>
+                </a:solidFill>
+                <a:effectLst/>
+                <a:latin typeface="Fira Code"/>
+              </a:rPr>
+            </a:br>
+            <a:r>
+              <a:rPr kumimoji="0" lang="en-US" altLang="en-US" sz="2400" b="0" i="0" u="none" strike="noStrike" cap="none" normalizeH="0" baseline="0" dirty="0" smtClean="0">
+                <a:ln>
+                  <a:noFill/>
+                </a:ln>
+                <a:solidFill>
+                  <a:srgbClr val="DCDCDC"/>
+                </a:solidFill>
+                <a:effectLst/>
+                <a:latin typeface="Fira Code"/>
+              </a:rPr>
+              <a:t/>
+            </a:r>
+            <a:br>
+              <a:rPr kumimoji="0" lang="en-US" altLang="en-US" sz="2400" b="0" i="0" u="none" strike="noStrike" cap="none" normalizeH="0" baseline="0" dirty="0" smtClean="0">
+                <a:ln>
+                  <a:noFill/>
+                </a:ln>
+                <a:solidFill>
+                  <a:srgbClr val="DCDCDC"/>
+                </a:solidFill>
+                <a:effectLst/>
+                <a:latin typeface="Fira Code"/>
+              </a:rPr>
+            </a:br>
+            <a:r>
+              <a:rPr kumimoji="0" lang="en-US" altLang="en-US" sz="2400" b="0" i="0" u="none" strike="noStrike" cap="none" normalizeH="0" baseline="0" dirty="0" smtClean="0">
+                <a:ln>
+                  <a:noFill/>
+                </a:ln>
+                <a:solidFill>
+                  <a:srgbClr val="DCDCDC"/>
+                </a:solidFill>
+                <a:effectLst/>
+                <a:latin typeface="Fira Code"/>
+              </a:rPr>
+              <a:t>        </a:t>
+            </a:r>
+            <a:r>
+              <a:rPr kumimoji="0" lang="en-US" altLang="en-US" sz="2400" b="0" i="0" u="none" strike="noStrike" cap="none" normalizeH="0" baseline="0" dirty="0" smtClean="0">
+                <a:ln>
+                  <a:noFill/>
+                </a:ln>
+                <a:solidFill>
+                  <a:srgbClr val="569CD6"/>
+                </a:solidFill>
+                <a:effectLst/>
+                <a:latin typeface="Fira Code"/>
+              </a:rPr>
+              <a:t>await </a:t>
+            </a:r>
+            <a:r>
+              <a:rPr kumimoji="0" lang="en-US" altLang="en-US" sz="2400" b="0" i="0" u="none" strike="noStrike" cap="none" normalizeH="0" baseline="0" dirty="0" err="1" smtClean="0">
+                <a:ln>
+                  <a:noFill/>
+                </a:ln>
+                <a:solidFill>
+                  <a:schemeClr val="bg1"/>
+                </a:solidFill>
+                <a:effectLst/>
+                <a:latin typeface="Fira Code"/>
+              </a:rPr>
+              <a:t>SaveCheckpoint</a:t>
+            </a:r>
+            <a:r>
+              <a:rPr kumimoji="0" lang="en-US" altLang="en-US" sz="2400" b="0" i="0" u="none" strike="noStrike" cap="none" normalizeH="0" baseline="0" dirty="0" smtClean="0">
+                <a:ln>
+                  <a:noFill/>
+                </a:ln>
+                <a:solidFill>
+                  <a:srgbClr val="DCDCDC"/>
+                </a:solidFill>
+                <a:effectLst/>
+                <a:latin typeface="Fira Code"/>
+              </a:rPr>
+              <a:t>(</a:t>
+            </a:r>
+            <a:r>
+              <a:rPr kumimoji="0" lang="en-US" altLang="en-US" sz="2400" b="1" i="0" u="none" strike="noStrike" cap="none" normalizeH="0" baseline="0" dirty="0" smtClean="0">
+                <a:ln>
+                  <a:noFill/>
+                </a:ln>
+                <a:solidFill>
+                  <a:srgbClr val="DCDCDC"/>
+                </a:solidFill>
+                <a:effectLst/>
+                <a:latin typeface="Fira Code"/>
+              </a:rPr>
+              <a:t>checkpoint</a:t>
+            </a:r>
+            <a:r>
+              <a:rPr kumimoji="0" lang="en-US" altLang="en-US" sz="2400" b="0" i="0" u="none" strike="noStrike" cap="none" normalizeH="0" baseline="0" dirty="0" smtClean="0">
+                <a:ln>
+                  <a:noFill/>
+                </a:ln>
+                <a:solidFill>
+                  <a:srgbClr val="DCDCDC"/>
+                </a:solidFill>
+                <a:effectLst/>
+                <a:latin typeface="Fira Code"/>
+              </a:rPr>
+              <a:t>, </a:t>
+            </a:r>
+            <a:r>
+              <a:rPr kumimoji="0" lang="en-US" altLang="en-US" sz="2400" b="0" i="0" u="none" strike="noStrike" cap="none" normalizeH="0" baseline="0" dirty="0" err="1" smtClean="0">
+                <a:ln>
+                  <a:noFill/>
+                </a:ln>
+                <a:solidFill>
+                  <a:srgbClr val="DCDCDC"/>
+                </a:solidFill>
+                <a:effectLst/>
+                <a:latin typeface="Fira Code"/>
+              </a:rPr>
+              <a:t>envelope.</a:t>
+            </a:r>
+            <a:r>
+              <a:rPr kumimoji="0" lang="en-US" altLang="en-US" sz="2400" b="0" i="0" u="none" strike="noStrike" cap="none" normalizeH="0" baseline="0" dirty="0" err="1" smtClean="0">
                 <a:ln>
                   <a:noFill/>
                 </a:ln>
@@ -14417,33 +16348,20 @@
                 <a:effectLst/>
                 <a:latin typeface="Fira Code"/>
               </a:rPr>
-              <a:t> </a:t>
-            </a:r>
-            <a:r>
-              <a:rPr kumimoji="0" lang="en-US" altLang="en-US" sz="2400" b="0" i="0" u="none" strike="noStrike" cap="none" normalizeH="0" baseline="0" dirty="0" smtClean="0">
-                <a:ln>
-                  <a:noFill/>
-                </a:ln>
-                <a:solidFill>
-                  <a:schemeClr val="bg1"/>
-                </a:solidFill>
-                <a:effectLst/>
-                <a:latin typeface="Fira Code"/>
-              </a:rPr>
-              <a:t>&gt;= 200</a:t>
-            </a:r>
-            <a:r>
-              <a:rPr kumimoji="0" lang="en-US" altLang="en-US" sz="2400" b="0" i="0" u="none" strike="noStrike" cap="none" normalizeH="0" baseline="0" dirty="0" smtClean="0">
-                <a:ln>
-                  <a:noFill/>
-                </a:ln>
-                <a:solidFill>
-                  <a:srgbClr val="DCDCDC"/>
-                </a:solidFill>
-                <a:effectLst/>
-                <a:latin typeface="Fira Code"/>
-              </a:rPr>
-              <a:t>)</a:t>
+              <a:t>Timestamp</a:t>
+            </a:r>
+            <a:r>
+              <a:rPr kumimoji="0" lang="en-US" altLang="en-US" sz="2400" b="0" i="0" u="none" strike="noStrike" cap="none" normalizeH="0" baseline="0" dirty="0" smtClean="0">
+                <a:ln>
+                  <a:noFill/>
+                </a:ln>
+                <a:solidFill>
+                  <a:srgbClr val="DCDCDC"/>
+                </a:solidFill>
+                <a:effectLst/>
+                <a:latin typeface="Fira Code"/>
+              </a:rPr>
+              <a:t>);</a:t>
             </a:r>
             <a:br>
               <a:rPr kumimoji="0" lang="en-US" altLang="en-US" sz="2400" b="0" i="0" u="none" strike="noStrike" cap="none" normalizeH="0" baseline="0" dirty="0" smtClean="0">
@@ -14468,32 +16386,7 @@
                 <a:effectLst/>
                 <a:latin typeface="Fira Code"/>
               </a:rPr>
-              <a:t>    {</a:t>
-            </a:r>
-            <a:br>
-              <a:rPr kumimoji="0" lang="en-US" altLang="en-US" sz="2400" b="0" i="0" u="none" strike="noStrike" cap="none" normalizeH="0" baseline="0" dirty="0" smtClean="0">
-                <a:ln>
-                  <a:noFill/>
-                </a:ln>
-                <a:solidFill>
-                  <a:srgbClr val="DCDCDC"/>
-                </a:solidFill>
-                <a:effectLst/>
-                <a:latin typeface="Fira Code"/>
-              </a:rPr>
-            </a:br>
-            <a:r>
-              <a:rPr kumimoji="0" lang="en-US" altLang="en-US" sz="2400" b="0" i="0" u="none" strike="noStrike" cap="none" normalizeH="0" baseline="0" dirty="0" smtClean="0">
-                <a:ln>
-                  <a:noFill/>
-                </a:ln>
-                <a:solidFill>
-                  <a:srgbClr val="DCDCDC"/>
-                </a:solidFill>
-                <a:effectLst/>
-                <a:latin typeface="Fira Code"/>
-              </a:rPr>
-              <a:t>        </a:t>
+              <a:t>    }, </a:t>
             </a:r>
             <a:r>
               <a:rPr kumimoji="0" lang="en-US" altLang="en-US" sz="2400" b="0" i="0" u="none" strike="noStrike" cap="none" normalizeH="0" baseline="0" dirty="0" err="1" smtClean="0">
@@ -14501,142 +16394,12 @@
                   <a:noFill/>
                 </a:ln>
                 <a:solidFill>
-                  <a:srgbClr val="569CD6"/>
-                </a:solidFill>
-                <a:effectLst/>
-                <a:latin typeface="Fira Code"/>
-              </a:rPr>
-              <a:t>var</a:t>
-            </a:r>
-            <a:r>
-              <a:rPr kumimoji="0" lang="en-US" altLang="en-US" sz="2400" b="0" i="0" u="none" strike="noStrike" cap="none" normalizeH="0" baseline="0" dirty="0" smtClean="0">
-                <a:ln>
-                  <a:noFill/>
-                </a:ln>
-                <a:solidFill>
-                  <a:srgbClr val="569CD6"/>
-                </a:solidFill>
-                <a:effectLst/>
-                <a:latin typeface="Fira Code"/>
-              </a:rPr>
-              <a:t> </a:t>
-            </a:r>
-            <a:r>
-              <a:rPr kumimoji="0" lang="en-US" altLang="en-US" sz="2400" b="0" i="0" u="none" strike="noStrike" cap="none" normalizeH="0" baseline="0" dirty="0" smtClean="0">
-                <a:ln>
-                  <a:noFill/>
-                </a:ln>
-                <a:solidFill>
-                  <a:srgbClr val="DCDCDC"/>
-                </a:solidFill>
-                <a:effectLst/>
-                <a:latin typeface="Fira Code"/>
-              </a:rPr>
-              <a:t>delay = </a:t>
-            </a:r>
-            <a:r>
-              <a:rPr kumimoji="0" lang="en-US" altLang="en-US" sz="2400" b="0" i="0" u="none" strike="noStrike" cap="none" normalizeH="0" baseline="0" dirty="0" smtClean="0">
-                <a:ln>
-                  <a:noFill/>
-                </a:ln>
-                <a:solidFill>
-                  <a:srgbClr val="569CD6"/>
-                </a:solidFill>
-                <a:effectLst/>
-                <a:latin typeface="Fira Code"/>
-              </a:rPr>
-              <a:t>new </a:t>
-            </a:r>
-            <a:r>
-              <a:rPr kumimoji="0" lang="en-US" altLang="en-US" sz="2400" b="0" i="0" u="none" strike="noStrike" cap="none" normalizeH="0" baseline="0" dirty="0" smtClean="0">
-                <a:ln>
-                  <a:noFill/>
-                </a:ln>
-                <a:solidFill>
-                  <a:srgbClr val="ADD8E6"/>
-                </a:solidFill>
-                <a:effectLst/>
-                <a:latin typeface="Fira Code"/>
-              </a:rPr>
-              <a:t>Random</a:t>
-            </a:r>
-            <a:r>
-              <a:rPr kumimoji="0" lang="en-US" altLang="en-US" sz="2400" b="0" i="0" u="none" strike="noStrike" cap="none" normalizeH="0" baseline="0" dirty="0" smtClean="0">
-                <a:ln>
-                  <a:noFill/>
-                </a:ln>
-                <a:solidFill>
-                  <a:srgbClr val="DCDCDC"/>
-                </a:solidFill>
-                <a:effectLst/>
-                <a:latin typeface="Fira Code"/>
-              </a:rPr>
-              <a:t>().</a:t>
-            </a:r>
-            <a:r>
-              <a:rPr kumimoji="0" lang="en-US" altLang="en-US" sz="2400" b="0" i="0" u="none" strike="noStrike" cap="none" normalizeH="0" baseline="0" dirty="0" smtClean="0">
-                <a:ln>
-                  <a:noFill/>
-                </a:ln>
-                <a:solidFill>
-                  <a:srgbClr val="00FFFF"/>
-                </a:solidFill>
-                <a:effectLst/>
-                <a:latin typeface="Fira Code"/>
-              </a:rPr>
-              <a:t>Next</a:t>
-            </a:r>
-            <a:r>
-              <a:rPr kumimoji="0" lang="en-US" altLang="en-US" sz="2400" b="0" i="0" u="none" strike="noStrike" cap="none" normalizeH="0" baseline="0" dirty="0" smtClean="0">
-                <a:ln>
-                  <a:noFill/>
-                </a:ln>
-                <a:solidFill>
-                  <a:srgbClr val="DCDCDC"/>
-                </a:solidFill>
-                <a:effectLst/>
-                <a:latin typeface="Fira Code"/>
-              </a:rPr>
-              <a:t>(</a:t>
-            </a:r>
-            <a:r>
-              <a:rPr kumimoji="0" lang="en-US" altLang="en-US" sz="2400" b="0" i="0" u="none" strike="noStrike" cap="none" normalizeH="0" baseline="0" dirty="0" smtClean="0">
-                <a:ln>
-                  <a:noFill/>
-                </a:ln>
-                <a:solidFill>
-                  <a:srgbClr val="B5CEA8"/>
-                </a:solidFill>
-                <a:effectLst/>
-                <a:latin typeface="Fira Code"/>
-              </a:rPr>
-              <a:t>3000</a:t>
-            </a:r>
-            <a:r>
-              <a:rPr kumimoji="0" lang="en-US" altLang="en-US" sz="2400" b="0" i="0" u="none" strike="noStrike" cap="none" normalizeH="0" baseline="0" dirty="0" smtClean="0">
-                <a:ln>
-                  <a:noFill/>
-                </a:ln>
-                <a:solidFill>
-                  <a:srgbClr val="DCDCDC"/>
-                </a:solidFill>
-                <a:effectLst/>
-                <a:latin typeface="Fira Code"/>
-              </a:rPr>
-              <a:t>, </a:t>
-            </a:r>
-            <a:r>
-              <a:rPr kumimoji="0" lang="en-US" altLang="en-US" sz="2400" b="0" i="0" u="none" strike="noStrike" cap="none" normalizeH="0" baseline="0" dirty="0" smtClean="0">
-                <a:ln>
-                  <a:noFill/>
-                </a:ln>
-                <a:solidFill>
-                  <a:srgbClr val="B5CEA8"/>
-                </a:solidFill>
-                <a:effectLst/>
-                <a:latin typeface="Fira Code"/>
-              </a:rPr>
-              <a:t>30000</a:t>
+                  <a:srgbClr val="DCDCDC"/>
+                </a:solidFill>
+                <a:effectLst/>
+                <a:latin typeface="Fira Code"/>
+              </a:rPr>
+              <a:t>cancellationToken</a:t>
             </a:r>
             <a:r>
               <a:rPr kumimoji="0" lang="en-US" altLang="en-US" sz="2400" b="0" i="0" u="none" strike="noStrike" cap="none" normalizeH="0" baseline="0" dirty="0" smtClean="0">
@@ -14650,558 +16413,6 @@
                 <a:latin typeface="Fira Code"/>
               </a:rPr>
               <a:t>);</a:t>
-            </a:r>
-            <a:br>
-              <a:rPr kumimoji="0" lang="en-US" altLang="en-US" sz="2400" b="0" i="0" u="none" strike="noStrike" cap="none" normalizeH="0" baseline="0" dirty="0" smtClean="0">
-                <a:ln>
-                  <a:noFill/>
-                </a:ln>
-                <a:solidFill>
-                  <a:srgbClr val="DCDCDC"/>
-                </a:solidFill>
-                <a:effectLst/>
-                <a:latin typeface="Fira Code"/>
-              </a:rPr>
-            </a:br>
-            <a:r>
-              <a:rPr kumimoji="0" lang="en-US" altLang="en-US" sz="2400" b="0" i="0" u="none" strike="noStrike" cap="none" normalizeH="0" baseline="0" dirty="0" smtClean="0">
-                <a:ln>
-                  <a:noFill/>
-                </a:ln>
-                <a:solidFill>
-                  <a:srgbClr val="DCDCDC"/>
-                </a:solidFill>
-                <a:effectLst/>
-                <a:latin typeface="Fira Code"/>
-              </a:rPr>
-              <a:t>        </a:t>
-            </a:r>
-            <a:r>
-              <a:rPr kumimoji="0" lang="en-US" altLang="en-US" sz="2400" b="0" i="0" u="none" strike="noStrike" cap="none" normalizeH="0" baseline="0" dirty="0" smtClean="0">
-                <a:ln>
-                  <a:noFill/>
-                </a:ln>
-                <a:solidFill>
-                  <a:srgbClr val="569CD6"/>
-                </a:solidFill>
-                <a:effectLst/>
-                <a:latin typeface="Fira Code"/>
-              </a:rPr>
-              <a:t>await </a:t>
-            </a:r>
-            <a:r>
-              <a:rPr kumimoji="0" lang="en-US" altLang="en-US" sz="2400" b="0" i="0" u="none" strike="noStrike" cap="none" normalizeH="0" baseline="0" dirty="0" err="1" smtClean="0">
-                <a:ln>
-                  <a:noFill/>
-                </a:ln>
-                <a:solidFill>
-                  <a:srgbClr val="ADD8E6"/>
-                </a:solidFill>
-                <a:effectLst/>
-                <a:latin typeface="Fira Code"/>
-              </a:rPr>
-              <a:t>Task</a:t>
-            </a:r>
-            <a:r>
-              <a:rPr kumimoji="0" lang="en-US" altLang="en-US" sz="2400" b="0" i="0" u="none" strike="noStrike" cap="none" normalizeH="0" baseline="0" dirty="0" err="1" smtClean="0">
-                <a:ln>
-                  <a:noFill/>
-                </a:ln>
-                <a:solidFill>
-                  <a:srgbClr val="DCDCDC"/>
-                </a:solidFill>
-                <a:effectLst/>
-                <a:latin typeface="Fira Code"/>
-              </a:rPr>
-              <a:t>.</a:t>
-            </a:r>
-            <a:r>
-              <a:rPr kumimoji="0" lang="en-US" altLang="en-US" sz="2400" b="0" i="0" u="none" strike="noStrike" cap="none" normalizeH="0" baseline="0" dirty="0" err="1" smtClean="0">
-                <a:ln>
-                  <a:noFill/>
-                </a:ln>
-                <a:solidFill>
-                  <a:srgbClr val="00FFFF"/>
-                </a:solidFill>
-                <a:effectLst/>
-                <a:latin typeface="Fira Code"/>
-              </a:rPr>
-              <a:t>Delay</a:t>
-            </a:r>
-            <a:r>
-              <a:rPr kumimoji="0" lang="en-US" altLang="en-US" sz="2400" b="0" i="0" u="none" strike="noStrike" cap="none" normalizeH="0" baseline="0" dirty="0" smtClean="0">
-                <a:ln>
-                  <a:noFill/>
-                </a:ln>
-                <a:solidFill>
-                  <a:srgbClr val="DCDCDC"/>
-                </a:solidFill>
-                <a:effectLst/>
-                <a:latin typeface="Fira Code"/>
-              </a:rPr>
-              <a:t>(delay);</a:t>
-            </a:r>
-            <a:br>
-              <a:rPr kumimoji="0" lang="en-US" altLang="en-US" sz="2400" b="0" i="0" u="none" strike="noStrike" cap="none" normalizeH="0" baseline="0" dirty="0" smtClean="0">
-                <a:ln>
-                  <a:noFill/>
-                </a:ln>
-                <a:solidFill>
-                  <a:srgbClr val="DCDCDC"/>
-                </a:solidFill>
-                <a:effectLst/>
-                <a:latin typeface="Fira Code"/>
-              </a:rPr>
-            </a:br>
-            <a:r>
-              <a:rPr kumimoji="0" lang="en-US" altLang="en-US" sz="2400" b="0" i="0" u="none" strike="noStrike" cap="none" normalizeH="0" baseline="0" dirty="0" smtClean="0">
-                <a:ln>
-                  <a:noFill/>
-                </a:ln>
-                <a:solidFill>
-                  <a:srgbClr val="DCDCDC"/>
-                </a:solidFill>
-                <a:effectLst/>
-                <a:latin typeface="Fira Code"/>
-              </a:rPr>
-              <a:t>    }</a:t>
-            </a:r>
-            <a:br>
-              <a:rPr kumimoji="0" lang="en-US" altLang="en-US" sz="2400" b="0" i="0" u="none" strike="noStrike" cap="none" normalizeH="0" baseline="0" dirty="0" smtClean="0">
-                <a:ln>
-                  <a:noFill/>
-                </a:ln>
-                <a:solidFill>
-                  <a:srgbClr val="DCDCDC"/>
-                </a:solidFill>
-                <a:effectLst/>
-                <a:latin typeface="Fira Code"/>
-              </a:rPr>
-            </a:br>
-            <a:r>
-              <a:rPr kumimoji="0" lang="en-US" altLang="en-US" sz="2400" b="0" i="0" u="none" strike="noStrike" cap="none" normalizeH="0" baseline="0" dirty="0" smtClean="0">
-                <a:ln>
-                  <a:noFill/>
-                </a:ln>
-                <a:solidFill>
-                  <a:srgbClr val="DCDCDC"/>
-                </a:solidFill>
-                <a:effectLst/>
-                <a:latin typeface="Fira Code"/>
-              </a:rPr>
-              <a:t/>
-            </a:r>
-            <a:br>
-              <a:rPr kumimoji="0" lang="en-US" altLang="en-US" sz="2400" b="0" i="0" u="none" strike="noStrike" cap="none" normalizeH="0" baseline="0" dirty="0" smtClean="0">
-                <a:ln>
-                  <a:noFill/>
-                </a:ln>
-                <a:solidFill>
-                  <a:srgbClr val="DCDCDC"/>
-                </a:solidFill>
-                <a:effectLst/>
-                <a:latin typeface="Fira Code"/>
-              </a:rPr>
-            </a:br>
-            <a:r>
-              <a:rPr kumimoji="0" lang="en-US" altLang="en-US" sz="2400" b="0" i="0" u="none" strike="noStrike" cap="none" normalizeH="0" baseline="0" dirty="0" smtClean="0">
-                <a:ln>
-                  <a:noFill/>
-                </a:ln>
-                <a:solidFill>
-                  <a:srgbClr val="DCDCDC"/>
-                </a:solidFill>
-                <a:effectLst/>
-                <a:latin typeface="Fira Code"/>
-              </a:rPr>
-              <a:t>    </a:t>
-            </a:r>
-            <a:r>
-              <a:rPr kumimoji="0" lang="en-US" altLang="en-US" sz="2400" b="0" i="0" u="none" strike="noStrike" cap="none" normalizeH="0" baseline="0" dirty="0" err="1" smtClean="0">
-                <a:ln>
-                  <a:noFill/>
-                </a:ln>
-                <a:solidFill>
-                  <a:srgbClr val="569CD6"/>
-                </a:solidFill>
-                <a:effectLst/>
-                <a:latin typeface="Fira Code"/>
-              </a:rPr>
-              <a:t>var</a:t>
-            </a:r>
-            <a:r>
-              <a:rPr kumimoji="0" lang="en-US" altLang="en-US" sz="2400" b="0" i="0" u="none" strike="noStrike" cap="none" normalizeH="0" baseline="0" dirty="0" smtClean="0">
-                <a:ln>
-                  <a:noFill/>
-                </a:ln>
-                <a:solidFill>
-                  <a:srgbClr val="569CD6"/>
-                </a:solidFill>
-                <a:effectLst/>
-                <a:latin typeface="Fira Code"/>
-              </a:rPr>
-              <a:t> </a:t>
-            </a:r>
-            <a:r>
-              <a:rPr kumimoji="0" lang="en-US" altLang="en-US" sz="2400" b="0" i="0" u="none" strike="noStrike" cap="none" normalizeH="0" baseline="0" dirty="0" smtClean="0">
-                <a:ln>
-                  <a:noFill/>
-                </a:ln>
-                <a:solidFill>
-                  <a:srgbClr val="DCDCDC"/>
-                </a:solidFill>
-                <a:effectLst/>
-                <a:latin typeface="Fira Code"/>
-              </a:rPr>
-              <a:t>payment = </a:t>
-            </a:r>
-            <a:r>
-              <a:rPr kumimoji="0" lang="en-US" altLang="en-US" sz="2400" b="0" i="0" u="none" strike="noStrike" cap="none" normalizeH="0" baseline="0" dirty="0" smtClean="0">
-                <a:ln>
-                  <a:noFill/>
-                </a:ln>
-                <a:solidFill>
-                  <a:srgbClr val="569CD6"/>
-                </a:solidFill>
-                <a:effectLst/>
-                <a:latin typeface="Fira Code"/>
-              </a:rPr>
-              <a:t>new </a:t>
-            </a:r>
-            <a:r>
-              <a:rPr kumimoji="0" lang="en-US" altLang="en-US" sz="2400" b="0" i="0" u="none" strike="noStrike" cap="none" normalizeH="0" baseline="0" dirty="0" smtClean="0">
-                <a:ln>
-                  <a:noFill/>
-                </a:ln>
-                <a:solidFill>
-                  <a:srgbClr val="ADD8E6"/>
-                </a:solidFill>
-                <a:effectLst/>
-                <a:latin typeface="Fira Code"/>
-              </a:rPr>
-              <a:t>Payment</a:t>
-            </a:r>
-            <a:r>
-              <a:rPr kumimoji="0" lang="en-US" altLang="en-US" sz="2400" b="0" i="0" u="none" strike="noStrike" cap="none" normalizeH="0" baseline="0" dirty="0" smtClean="0">
-                <a:ln>
-                  <a:noFill/>
-                </a:ln>
-                <a:solidFill>
-                  <a:srgbClr val="DCDCDC"/>
-                </a:solidFill>
-                <a:effectLst/>
-                <a:latin typeface="Fira Code"/>
-              </a:rPr>
-              <a:t>(</a:t>
-            </a:r>
-            <a:r>
-              <a:rPr kumimoji="0" lang="en-US" altLang="en-US" sz="2400" b="0" i="0" u="none" strike="noStrike" cap="none" normalizeH="0" baseline="0" dirty="0" err="1" smtClean="0">
-                <a:ln>
-                  <a:noFill/>
-                </a:ln>
-                <a:solidFill>
-                  <a:srgbClr val="ADD8E6"/>
-                </a:solidFill>
-                <a:effectLst/>
-                <a:latin typeface="Fira Code"/>
-              </a:rPr>
-              <a:t>ObjectId</a:t>
-            </a:r>
-            <a:r>
-              <a:rPr kumimoji="0" lang="en-US" altLang="en-US" sz="2400" b="0" i="0" u="none" strike="noStrike" cap="none" normalizeH="0" baseline="0" dirty="0" err="1" smtClean="0">
-                <a:ln>
-                  <a:noFill/>
-                </a:ln>
-                <a:solidFill>
-                  <a:srgbClr val="DCDCDC"/>
-                </a:solidFill>
-                <a:effectLst/>
-                <a:latin typeface="Fira Code"/>
-              </a:rPr>
-              <a:t>.</a:t>
-            </a:r>
-            <a:r>
-              <a:rPr kumimoji="0" lang="en-US" altLang="en-US" sz="2400" b="0" i="0" u="none" strike="noStrike" cap="none" normalizeH="0" baseline="0" dirty="0" err="1" smtClean="0">
-                <a:ln>
-                  <a:noFill/>
-                </a:ln>
-                <a:solidFill>
-                  <a:srgbClr val="00FFFF"/>
-                </a:solidFill>
-                <a:effectLst/>
-                <a:latin typeface="Fira Code"/>
-              </a:rPr>
-              <a:t>GenerateNewId</a:t>
-            </a:r>
-            <a:r>
-              <a:rPr kumimoji="0" lang="en-US" altLang="en-US" sz="2400" b="0" i="0" u="none" strike="noStrike" cap="none" normalizeH="0" baseline="0" dirty="0" smtClean="0">
-                <a:ln>
-                  <a:noFill/>
-                </a:ln>
-                <a:solidFill>
-                  <a:srgbClr val="DCDCDC"/>
-                </a:solidFill>
-                <a:effectLst/>
-                <a:latin typeface="Fira Code"/>
-              </a:rPr>
-              <a:t>(), @</a:t>
-            </a:r>
-            <a:r>
-              <a:rPr kumimoji="0" lang="en-US" altLang="en-US" sz="2400" b="0" i="0" u="none" strike="noStrike" cap="none" normalizeH="0" baseline="0" dirty="0" err="1" smtClean="0">
-                <a:ln>
-                  <a:noFill/>
-                </a:ln>
-                <a:solidFill>
-                  <a:srgbClr val="DCDCDC"/>
-                </a:solidFill>
-                <a:effectLst/>
-                <a:latin typeface="Fira Code"/>
-              </a:rPr>
-              <a:t>event.</a:t>
-            </a:r>
-            <a:r>
-              <a:rPr kumimoji="0" lang="en-US" altLang="en-US" sz="2400" b="0" i="0" u="none" strike="noStrike" cap="none" normalizeH="0" baseline="0" dirty="0" err="1" smtClean="0">
-                <a:ln>
-                  <a:noFill/>
-                </a:ln>
-                <a:solidFill>
-                  <a:srgbClr val="EE82EE"/>
-                </a:solidFill>
-                <a:effectLst/>
-                <a:latin typeface="Fira Code"/>
-              </a:rPr>
-              <a:t>SourceId</a:t>
-            </a:r>
-            <a:r>
-              <a:rPr kumimoji="0" lang="en-US" altLang="en-US" sz="2400" b="0" i="0" u="none" strike="noStrike" cap="none" normalizeH="0" baseline="0" dirty="0" smtClean="0">
-                <a:ln>
-                  <a:noFill/>
-                </a:ln>
-                <a:solidFill>
-                  <a:srgbClr val="DCDCDC"/>
-                </a:solidFill>
-                <a:effectLst/>
-                <a:latin typeface="Fira Code"/>
-              </a:rPr>
-              <a:t>);</a:t>
-            </a:r>
-            <a:br>
-              <a:rPr kumimoji="0" lang="en-US" altLang="en-US" sz="2400" b="0" i="0" u="none" strike="noStrike" cap="none" normalizeH="0" baseline="0" dirty="0" smtClean="0">
-                <a:ln>
-                  <a:noFill/>
-                </a:ln>
-                <a:solidFill>
-                  <a:srgbClr val="DCDCDC"/>
-                </a:solidFill>
-                <a:effectLst/>
-                <a:latin typeface="Fira Code"/>
-              </a:rPr>
-            </a:br>
-            <a:r>
-              <a:rPr kumimoji="0" lang="en-US" altLang="en-US" sz="2400" b="0" i="0" u="none" strike="noStrike" cap="none" normalizeH="0" baseline="0" dirty="0" smtClean="0">
-                <a:ln>
-                  <a:noFill/>
-                </a:ln>
-                <a:solidFill>
-                  <a:srgbClr val="DCDCDC"/>
-                </a:solidFill>
-                <a:effectLst/>
-                <a:latin typeface="Fira Code"/>
-              </a:rPr>
-              <a:t>    </a:t>
-            </a:r>
-            <a:r>
-              <a:rPr kumimoji="0" lang="en-US" altLang="en-US" sz="2400" b="0" i="0" u="none" strike="noStrike" cap="none" normalizeH="0" baseline="0" dirty="0" err="1" smtClean="0">
-                <a:ln>
-                  <a:noFill/>
-                </a:ln>
-                <a:solidFill>
-                  <a:srgbClr val="DCDCDC"/>
-                </a:solidFill>
-                <a:effectLst/>
-                <a:latin typeface="Fira Code"/>
-              </a:rPr>
-              <a:t>payment.</a:t>
-            </a:r>
-            <a:r>
-              <a:rPr kumimoji="0" lang="en-US" altLang="en-US" sz="2400" b="0" i="0" u="none" strike="noStrike" cap="none" normalizeH="0" baseline="0" dirty="0" err="1" smtClean="0">
-                <a:ln>
-                  <a:noFill/>
-                </a:ln>
-                <a:solidFill>
-                  <a:schemeClr val="bg1"/>
-                </a:solidFill>
-                <a:effectLst/>
-                <a:latin typeface="Fira Code"/>
-              </a:rPr>
-              <a:t>Process</a:t>
-            </a:r>
-            <a:r>
-              <a:rPr kumimoji="0" lang="en-US" altLang="en-US" sz="2400" b="0" i="0" u="none" strike="noStrike" cap="none" normalizeH="0" baseline="0" dirty="0" smtClean="0">
-                <a:ln>
-                  <a:noFill/>
-                </a:ln>
-                <a:solidFill>
-                  <a:srgbClr val="DCDCDC"/>
-                </a:solidFill>
-                <a:effectLst/>
-                <a:latin typeface="Fira Code"/>
-              </a:rPr>
-              <a:t>(@</a:t>
-            </a:r>
-            <a:r>
-              <a:rPr kumimoji="0" lang="en-US" altLang="en-US" sz="2400" b="0" i="0" u="none" strike="noStrike" cap="none" normalizeH="0" baseline="0" dirty="0" err="1" smtClean="0">
-                <a:ln>
-                  <a:noFill/>
-                </a:ln>
-                <a:solidFill>
-                  <a:srgbClr val="DCDCDC"/>
-                </a:solidFill>
-                <a:effectLst/>
-                <a:latin typeface="Fira Code"/>
-              </a:rPr>
-              <a:t>event.</a:t>
-            </a:r>
-            <a:r>
-              <a:rPr kumimoji="0" lang="en-US" altLang="en-US" sz="2400" b="0" i="0" u="none" strike="noStrike" cap="none" normalizeH="0" baseline="0" dirty="0" err="1" smtClean="0">
-                <a:ln>
-                  <a:noFill/>
-                </a:ln>
-                <a:solidFill>
-                  <a:srgbClr val="EE82EE"/>
-                </a:solidFill>
-                <a:effectLst/>
-                <a:latin typeface="Fira Code"/>
-              </a:rPr>
-              <a:t>Amount</a:t>
-            </a:r>
-            <a:r>
-              <a:rPr kumimoji="0" lang="en-US" altLang="en-US" sz="2400" b="0" i="0" u="none" strike="noStrike" cap="none" normalizeH="0" baseline="0" dirty="0" smtClean="0">
-                <a:ln>
-                  <a:noFill/>
-                </a:ln>
-                <a:solidFill>
-                  <a:srgbClr val="DCDCDC"/>
-                </a:solidFill>
-                <a:effectLst/>
-                <a:latin typeface="Fira Code"/>
-              </a:rPr>
-              <a:t>);</a:t>
-            </a:r>
-            <a:br>
-              <a:rPr kumimoji="0" lang="en-US" altLang="en-US" sz="2400" b="0" i="0" u="none" strike="noStrike" cap="none" normalizeH="0" baseline="0" dirty="0" smtClean="0">
-                <a:ln>
-                  <a:noFill/>
-                </a:ln>
-                <a:solidFill>
-                  <a:srgbClr val="DCDCDC"/>
-                </a:solidFill>
-                <a:effectLst/>
-                <a:latin typeface="Fira Code"/>
-              </a:rPr>
-            </a:br>
-            <a:r>
-              <a:rPr kumimoji="0" lang="en-US" altLang="en-US" sz="2400" b="0" i="0" u="none" strike="noStrike" cap="none" normalizeH="0" baseline="0" dirty="0" smtClean="0">
-                <a:ln>
-                  <a:noFill/>
-                </a:ln>
-                <a:solidFill>
-                  <a:srgbClr val="DCDCDC"/>
-                </a:solidFill>
-                <a:effectLst/>
-                <a:latin typeface="Fira Code"/>
-              </a:rPr>
-              <a:t>    </a:t>
-            </a:r>
-            <a:r>
-              <a:rPr kumimoji="0" lang="en-US" altLang="en-US" sz="2400" b="0" i="0" u="none" strike="noStrike" cap="none" normalizeH="0" baseline="0" dirty="0" smtClean="0">
-                <a:ln>
-                  <a:noFill/>
-                </a:ln>
-                <a:solidFill>
-                  <a:srgbClr val="569CD6"/>
-                </a:solidFill>
-                <a:effectLst/>
-                <a:latin typeface="Fira Code"/>
-              </a:rPr>
-              <a:t>await </a:t>
-            </a:r>
-            <a:r>
-              <a:rPr kumimoji="0" lang="en-US" altLang="en-US" sz="2400" b="0" i="0" u="none" strike="noStrike" cap="none" normalizeH="0" baseline="0" dirty="0" err="1" smtClean="0">
-                <a:ln>
-                  <a:noFill/>
-                </a:ln>
-                <a:solidFill>
-                  <a:srgbClr val="EE82EE"/>
-                </a:solidFill>
-                <a:effectLst/>
-                <a:latin typeface="Fira Code"/>
-              </a:rPr>
-              <a:t>payments</a:t>
-            </a:r>
-            <a:r>
-              <a:rPr kumimoji="0" lang="en-US" altLang="en-US" sz="2400" b="0" i="0" u="none" strike="noStrike" cap="none" normalizeH="0" baseline="0" dirty="0" err="1" smtClean="0">
-                <a:ln>
-                  <a:noFill/>
-                </a:ln>
-                <a:solidFill>
-                  <a:srgbClr val="DCDCDC"/>
-                </a:solidFill>
-                <a:effectLst/>
-                <a:latin typeface="Fira Code"/>
-              </a:rPr>
-              <a:t>.</a:t>
-            </a:r>
-            <a:r>
-              <a:rPr kumimoji="0" lang="en-US" altLang="en-US" sz="2400" b="0" i="0" u="none" strike="noStrike" cap="none" normalizeH="0" baseline="0" dirty="0" err="1" smtClean="0">
-                <a:ln>
-                  <a:noFill/>
-                </a:ln>
-                <a:solidFill>
-                  <a:srgbClr val="00FFFF"/>
-                </a:solidFill>
-                <a:effectLst/>
-                <a:latin typeface="Fira Code"/>
-              </a:rPr>
-              <a:t>Create</a:t>
-            </a:r>
-            <a:r>
-              <a:rPr kumimoji="0" lang="en-US" altLang="en-US" sz="2400" b="0" i="0" u="none" strike="noStrike" cap="none" normalizeH="0" baseline="0" dirty="0" smtClean="0">
-                <a:ln>
-                  <a:noFill/>
-                </a:ln>
-                <a:solidFill>
-                  <a:srgbClr val="DCDCDC"/>
-                </a:solidFill>
-                <a:effectLst/>
-                <a:latin typeface="Fira Code"/>
-              </a:rPr>
-              <a:t>(payment);</a:t>
-            </a:r>
-            <a:br>
-              <a:rPr kumimoji="0" lang="en-US" altLang="en-US" sz="2400" b="0" i="0" u="none" strike="noStrike" cap="none" normalizeH="0" baseline="0" dirty="0" smtClean="0">
-                <a:ln>
-                  <a:noFill/>
-                </a:ln>
-                <a:solidFill>
-                  <a:srgbClr val="DCDCDC"/>
-                </a:solidFill>
-                <a:effectLst/>
-                <a:latin typeface="Fira Code"/>
-              </a:rPr>
-            </a:br>
-            <a:r>
-              <a:rPr kumimoji="0" lang="en-US" altLang="en-US" sz="2400" b="0" i="0" u="none" strike="noStrike" cap="none" normalizeH="0" baseline="0" dirty="0" smtClean="0">
-                <a:ln>
-                  <a:noFill/>
-                </a:ln>
-                <a:solidFill>
-                  <a:srgbClr val="DCDCDC"/>
-                </a:solidFill>
-                <a:effectLst/>
-                <a:latin typeface="Fira Code"/>
-              </a:rPr>
-              <a:t>}</a:t>
             </a:r>
             <a:endParaRPr kumimoji="0" lang="en-US" altLang="en-US" sz="2400" b="0" i="0" u="none" strike="noStrike" cap="none" normalizeH="0" baseline="0" dirty="0" smtClean="0">
               <a:ln>
@@ -15219,7 +16430,7 @@
     </p:spTree>
     <p:extLst>
       <p:ext uri="{BB962C8B-B14F-4D97-AF65-F5344CB8AC3E}">
-        <p14:creationId xmlns:p14="http://schemas.microsoft.com/office/powerpoint/2010/main" val="635392540"/>
+        <p14:creationId xmlns:p14="http://schemas.microsoft.com/office/powerpoint/2010/main" val="2925503718"/>
       </p:ext>
     </p:extLst>
   </p:cSld>
@@ -15253,8 +16464,8 @@
           <a:chExt cx="0" cy="0"/>
         </a:xfrm>
       </p:grpSpPr>
-      <mc:AlternateContent xmlns:mc="http://schemas.openxmlformats.org/markup-compatibility/2006">
-        <mc:Choice xmlns:p14="http://schemas.microsoft.com/office/powerpoint/2010/main" Requires="p14">
+      <mc:AlternateContent xmlns:mc="http://schemas.openxmlformats.org/markup-compatibility/2006" xmlns:p14="http://schemas.microsoft.com/office/powerpoint/2010/main">
+        <mc:Choice Requires="p14">
           <p:contentPart p14:bwMode="auto" r:id="rId2">
             <p14:nvContentPartPr>
               <p14:cNvPr id="6" name="Ink 5"/>
@@ -15262,12 +16473,12 @@
               <p14:nvPr/>
             </p14:nvContentPartPr>
             <p14:xfrm>
-              <a:off x="3012923" y="2244997"/>
-              <a:ext cx="938160" cy="161280"/>
+              <a:off x="2438363" y="4579957"/>
+              <a:ext cx="1044000" cy="275760"/>
             </p14:xfrm>
           </p:contentPart>
         </mc:Choice>
-        <mc:Fallback>
+        <mc:Fallback xmlns="">
           <p:pic>
             <p:nvPicPr>
               <p:cNvPr id="6" name="Ink 5"/>
@@ -15282,8 +16493,8 @@
             </p:blipFill>
             <p:spPr>
               <a:xfrm>
-                <a:off x="2929043" y="2161117"/>
-                <a:ext cx="1105920" cy="329040"/>
+                <a:off x="2354483" y="4496077"/>
+                <a:ext cx="1211760" cy="443520"/>
               </a:xfrm>
               <a:prstGeom prst="rect">
                 <a:avLst/>
@@ -15292,24 +16503,24 @@
           </p:pic>
         </mc:Fallback>
       </mc:AlternateContent>
-      <mc:AlternateContent xmlns:mc="http://schemas.openxmlformats.org/markup-compatibility/2006">
-        <mc:Choice xmlns:p14="http://schemas.microsoft.com/office/powerpoint/2010/main" Requires="p14">
+      <mc:AlternateContent xmlns:mc="http://schemas.openxmlformats.org/markup-compatibility/2006" xmlns:p14="http://schemas.microsoft.com/office/powerpoint/2010/main">
+        <mc:Choice Requires="p14">
           <p:contentPart p14:bwMode="auto" r:id="rId4">
             <p14:nvContentPartPr>
-              <p14:cNvPr id="7" name="Ink 6"/>
+              <p14:cNvPr id="8" name="Ink 7"/>
               <p14:cNvContentPartPr/>
               <p14:nvPr/>
             </p14:nvContentPartPr>
             <p14:xfrm>
-              <a:off x="5662163" y="3317797"/>
-              <a:ext cx="1149480" cy="2053440"/>
+              <a:off x="3833363" y="2020717"/>
+              <a:ext cx="856080" cy="195480"/>
             </p14:xfrm>
           </p:contentPart>
         </mc:Choice>
-        <mc:Fallback>
+        <mc:Fallback xmlns="">
           <p:pic>
             <p:nvPicPr>
-              <p:cNvPr id="7" name="Ink 6"/>
+              <p:cNvPr id="8" name="Ink 7"/>
               <p:cNvPicPr/>
               <p:nvPr/>
             </p:nvPicPr>
@@ -15321,8 +16532,8 @@
             </p:blipFill>
             <p:spPr>
               <a:xfrm>
-                <a:off x="5578283" y="3233917"/>
-                <a:ext cx="1317240" cy="2221200"/>
+                <a:off x="3749483" y="1936837"/>
+                <a:ext cx="1023840" cy="363240"/>
               </a:xfrm>
               <a:prstGeom prst="rect">
                 <a:avLst/>
@@ -15333,7 +16544,7 @@
       </mc:AlternateContent>
       <p:sp>
         <p:nvSpPr>
-          <p:cNvPr id="2" name="Rectangle 1"/>
+          <p:cNvPr id="4" name="Rectangle 3"/>
           <p:cNvSpPr>
             <a:spLocks noChangeArrowheads="1"/>
           </p:cNvSpPr>
@@ -15341,8 +16552,8 @@
         </p:nvSpPr>
         <p:spPr bwMode="auto">
           <a:xfrm>
-            <a:off x="1137138" y="612845"/>
-            <a:ext cx="8974573" cy="5632311"/>
+            <a:off x="762000" y="1166843"/>
+            <a:ext cx="11077071" cy="4524315"/>
           </a:xfrm>
           <a:prstGeom prst="rect">
             <a:avLst/>
@@ -15389,7 +16600,46 @@
                 <a:effectLst/>
                 <a:latin typeface="Fira Code"/>
               </a:rPr>
-              <a:t>public void </a:t>
+              <a:t>public </a:t>
+            </a:r>
+            <a:r>
+              <a:rPr kumimoji="0" lang="en-US" altLang="en-US" sz="2400" b="0" i="0" u="none" strike="noStrike" cap="none" normalizeH="0" baseline="0" dirty="0" err="1" smtClean="0">
+                <a:ln>
+                  <a:noFill/>
+                </a:ln>
+                <a:solidFill>
+                  <a:srgbClr val="569CD6"/>
+                </a:solidFill>
+                <a:effectLst/>
+                <a:latin typeface="Fira Code"/>
+              </a:rPr>
+              <a:t>async</a:t>
+            </a:r>
+            <a:r>
+              <a:rPr kumimoji="0" lang="en-US" altLang="en-US" sz="2400" b="0" i="0" u="none" strike="noStrike" cap="none" normalizeH="0" baseline="0" dirty="0" smtClean="0">
+                <a:ln>
+                  <a:noFill/>
+                </a:ln>
+                <a:solidFill>
+                  <a:srgbClr val="569CD6"/>
+                </a:solidFill>
+                <a:effectLst/>
+                <a:latin typeface="Fira Code"/>
+              </a:rPr>
+              <a:t> </a:t>
+            </a:r>
+            <a:r>
+              <a:rPr kumimoji="0" lang="en-US" altLang="en-US" sz="2400" b="0" i="0" u="none" strike="noStrike" cap="none" normalizeH="0" baseline="0" dirty="0" smtClean="0">
+                <a:ln>
+                  <a:noFill/>
+                </a:ln>
+                <a:solidFill>
+                  <a:srgbClr val="ADD8E6"/>
+                </a:solidFill>
+                <a:effectLst/>
+                <a:latin typeface="Fira Code"/>
+              </a:rPr>
+              <a:t>Task </a:t>
             </a:r>
             <a:r>
               <a:rPr kumimoji="0" lang="en-US" altLang="en-US" sz="2400" b="0" i="0" u="none" strike="noStrike" cap="none" normalizeH="0" baseline="0" dirty="0" smtClean="0">
@@ -15402,6 +16652,790 @@
                 <a:effectLst/>
                 <a:latin typeface="Fira Code"/>
               </a:rPr>
+              <a:t>Handle</a:t>
+            </a:r>
+            <a:r>
+              <a:rPr kumimoji="0" lang="en-US" altLang="en-US" sz="2400" b="0" i="0" u="none" strike="noStrike" cap="none" normalizeH="0" baseline="0" dirty="0" smtClean="0">
+                <a:ln>
+                  <a:noFill/>
+                </a:ln>
+                <a:solidFill>
+                  <a:srgbClr val="DCDCDC"/>
+                </a:solidFill>
+                <a:effectLst/>
+                <a:latin typeface="Fira Code"/>
+              </a:rPr>
+              <a:t>(</a:t>
+            </a:r>
+            <a:r>
+              <a:rPr kumimoji="0" lang="en-US" altLang="en-US" sz="2400" b="0" i="0" u="none" strike="noStrike" cap="none" normalizeH="0" baseline="0" dirty="0" err="1" smtClean="0">
+                <a:ln>
+                  <a:noFill/>
+                </a:ln>
+                <a:solidFill>
+                  <a:srgbClr val="ADD8E6"/>
+                </a:solidFill>
+                <a:effectLst/>
+                <a:latin typeface="Fira Code"/>
+              </a:rPr>
+              <a:t>OrderPlaced</a:t>
+            </a:r>
+            <a:r>
+              <a:rPr kumimoji="0" lang="en-US" altLang="en-US" sz="2400" b="0" i="0" u="none" strike="noStrike" cap="none" normalizeH="0" baseline="0" dirty="0" smtClean="0">
+                <a:ln>
+                  <a:noFill/>
+                </a:ln>
+                <a:solidFill>
+                  <a:srgbClr val="ADD8E6"/>
+                </a:solidFill>
+                <a:effectLst/>
+                <a:latin typeface="Fira Code"/>
+              </a:rPr>
+              <a:t> </a:t>
+            </a:r>
+            <a:r>
+              <a:rPr kumimoji="0" lang="en-US" altLang="en-US" sz="2400" b="0" i="0" u="none" strike="noStrike" cap="none" normalizeH="0" baseline="0" dirty="0" smtClean="0">
+                <a:ln>
+                  <a:noFill/>
+                </a:ln>
+                <a:solidFill>
+                  <a:srgbClr val="DCDCDC"/>
+                </a:solidFill>
+                <a:effectLst/>
+                <a:latin typeface="Fira Code"/>
+              </a:rPr>
+              <a:t>@event)</a:t>
+            </a:r>
+            <a:br>
+              <a:rPr kumimoji="0" lang="en-US" altLang="en-US" sz="2400" b="0" i="0" u="none" strike="noStrike" cap="none" normalizeH="0" baseline="0" dirty="0" smtClean="0">
+                <a:ln>
+                  <a:noFill/>
+                </a:ln>
+                <a:solidFill>
+                  <a:srgbClr val="DCDCDC"/>
+                </a:solidFill>
+                <a:effectLst/>
+                <a:latin typeface="Fira Code"/>
+              </a:rPr>
+            </a:br>
+            <a:r>
+              <a:rPr kumimoji="0" lang="en-US" altLang="en-US" sz="2400" b="0" i="0" u="none" strike="noStrike" cap="none" normalizeH="0" baseline="0" dirty="0" smtClean="0">
+                <a:ln>
+                  <a:noFill/>
+                </a:ln>
+                <a:solidFill>
+                  <a:srgbClr val="DCDCDC"/>
+                </a:solidFill>
+                <a:effectLst/>
+                <a:latin typeface="Fira Code"/>
+              </a:rPr>
+              <a:t>{</a:t>
+            </a:r>
+            <a:br>
+              <a:rPr kumimoji="0" lang="en-US" altLang="en-US" sz="2400" b="0" i="0" u="none" strike="noStrike" cap="none" normalizeH="0" baseline="0" dirty="0" smtClean="0">
+                <a:ln>
+                  <a:noFill/>
+                </a:ln>
+                <a:solidFill>
+                  <a:srgbClr val="DCDCDC"/>
+                </a:solidFill>
+                <a:effectLst/>
+                <a:latin typeface="Fira Code"/>
+              </a:rPr>
+            </a:br>
+            <a:r>
+              <a:rPr kumimoji="0" lang="en-US" altLang="en-US" sz="2400" b="0" i="0" u="none" strike="noStrike" cap="none" normalizeH="0" baseline="0" dirty="0" smtClean="0">
+                <a:ln>
+                  <a:noFill/>
+                </a:ln>
+                <a:solidFill>
+                  <a:srgbClr val="DCDCDC"/>
+                </a:solidFill>
+                <a:effectLst/>
+                <a:latin typeface="Fira Code"/>
+              </a:rPr>
+              <a:t>    </a:t>
+            </a:r>
+            <a:r>
+              <a:rPr kumimoji="0" lang="en-US" altLang="en-US" sz="2400" b="0" i="0" u="none" strike="noStrike" cap="none" normalizeH="0" baseline="0" dirty="0" smtClean="0">
+                <a:ln>
+                  <a:noFill/>
+                </a:ln>
+                <a:solidFill>
+                  <a:srgbClr val="569CD6"/>
+                </a:solidFill>
+                <a:effectLst/>
+                <a:latin typeface="Fira Code"/>
+              </a:rPr>
+              <a:t>if </a:t>
+            </a:r>
+            <a:r>
+              <a:rPr kumimoji="0" lang="en-US" altLang="en-US" sz="2400" b="0" i="0" u="none" strike="noStrike" cap="none" normalizeH="0" baseline="0" dirty="0" smtClean="0">
+                <a:ln>
+                  <a:noFill/>
+                </a:ln>
+                <a:solidFill>
+                  <a:srgbClr val="DCDCDC"/>
+                </a:solidFill>
+                <a:effectLst/>
+                <a:latin typeface="Fira Code"/>
+              </a:rPr>
+              <a:t>(@</a:t>
+            </a:r>
+            <a:r>
+              <a:rPr kumimoji="0" lang="en-US" altLang="en-US" sz="2400" b="0" i="0" u="none" strike="noStrike" cap="none" normalizeH="0" baseline="0" dirty="0" err="1" smtClean="0">
+                <a:ln>
+                  <a:noFill/>
+                </a:ln>
+                <a:solidFill>
+                  <a:srgbClr val="DCDCDC"/>
+                </a:solidFill>
+                <a:effectLst/>
+                <a:latin typeface="Fira Code"/>
+              </a:rPr>
+              <a:t>event.</a:t>
+            </a:r>
+            <a:r>
+              <a:rPr kumimoji="0" lang="en-US" altLang="en-US" sz="2400" b="0" i="0" u="none" strike="noStrike" cap="none" normalizeH="0" baseline="0" dirty="0" err="1" smtClean="0">
+                <a:ln>
+                  <a:noFill/>
+                </a:ln>
+                <a:solidFill>
+                  <a:srgbClr val="EE82EE"/>
+                </a:solidFill>
+                <a:effectLst/>
+                <a:latin typeface="Fira Code"/>
+              </a:rPr>
+              <a:t>Amount</a:t>
+            </a:r>
+            <a:r>
+              <a:rPr kumimoji="0" lang="en-US" altLang="en-US" sz="2400" b="0" i="0" u="none" strike="noStrike" cap="none" normalizeH="0" baseline="0" dirty="0" smtClean="0">
+                <a:ln>
+                  <a:noFill/>
+                </a:ln>
+                <a:solidFill>
+                  <a:srgbClr val="EE82EE"/>
+                </a:solidFill>
+                <a:effectLst/>
+                <a:latin typeface="Fira Code"/>
+              </a:rPr>
+              <a:t> </a:t>
+            </a:r>
+            <a:r>
+              <a:rPr kumimoji="0" lang="en-US" altLang="en-US" sz="2400" b="0" i="0" u="none" strike="noStrike" cap="none" normalizeH="0" baseline="0" dirty="0" smtClean="0">
+                <a:ln>
+                  <a:noFill/>
+                </a:ln>
+                <a:solidFill>
+                  <a:schemeClr val="bg1"/>
+                </a:solidFill>
+                <a:effectLst/>
+                <a:latin typeface="Fira Code"/>
+              </a:rPr>
+              <a:t>&gt;= 200</a:t>
+            </a:r>
+            <a:r>
+              <a:rPr kumimoji="0" lang="en-US" altLang="en-US" sz="2400" b="0" i="0" u="none" strike="noStrike" cap="none" normalizeH="0" baseline="0" dirty="0" smtClean="0">
+                <a:ln>
+                  <a:noFill/>
+                </a:ln>
+                <a:solidFill>
+                  <a:srgbClr val="DCDCDC"/>
+                </a:solidFill>
+                <a:effectLst/>
+                <a:latin typeface="Fira Code"/>
+              </a:rPr>
+              <a:t>)</a:t>
+            </a:r>
+            <a:br>
+              <a:rPr kumimoji="0" lang="en-US" altLang="en-US" sz="2400" b="0" i="0" u="none" strike="noStrike" cap="none" normalizeH="0" baseline="0" dirty="0" smtClean="0">
+                <a:ln>
+                  <a:noFill/>
+                </a:ln>
+                <a:solidFill>
+                  <a:srgbClr val="DCDCDC"/>
+                </a:solidFill>
+                <a:effectLst/>
+                <a:latin typeface="Fira Code"/>
+              </a:rPr>
+            </a:br>
+            <a:r>
+              <a:rPr kumimoji="0" lang="en-US" altLang="en-US" sz="2400" b="0" i="0" u="none" strike="noStrike" cap="none" normalizeH="0" baseline="0" dirty="0" smtClean="0">
+                <a:ln>
+                  <a:noFill/>
+                </a:ln>
+                <a:solidFill>
+                  <a:srgbClr val="DCDCDC"/>
+                </a:solidFill>
+                <a:effectLst/>
+                <a:latin typeface="Fira Code"/>
+              </a:rPr>
+              <a:t>    {</a:t>
+            </a:r>
+            <a:br>
+              <a:rPr kumimoji="0" lang="en-US" altLang="en-US" sz="2400" b="0" i="0" u="none" strike="noStrike" cap="none" normalizeH="0" baseline="0" dirty="0" smtClean="0">
+                <a:ln>
+                  <a:noFill/>
+                </a:ln>
+                <a:solidFill>
+                  <a:srgbClr val="DCDCDC"/>
+                </a:solidFill>
+                <a:effectLst/>
+                <a:latin typeface="Fira Code"/>
+              </a:rPr>
+            </a:br>
+            <a:r>
+              <a:rPr kumimoji="0" lang="en-US" altLang="en-US" sz="2400" b="0" i="0" u="none" strike="noStrike" cap="none" normalizeH="0" baseline="0" dirty="0" smtClean="0">
+                <a:ln>
+                  <a:noFill/>
+                </a:ln>
+                <a:solidFill>
+                  <a:srgbClr val="DCDCDC"/>
+                </a:solidFill>
+                <a:effectLst/>
+                <a:latin typeface="Fira Code"/>
+              </a:rPr>
+              <a:t>        </a:t>
+            </a:r>
+            <a:r>
+              <a:rPr kumimoji="0" lang="en-US" altLang="en-US" sz="2400" b="0" i="0" u="none" strike="noStrike" cap="none" normalizeH="0" baseline="0" dirty="0" err="1" smtClean="0">
+                <a:ln>
+                  <a:noFill/>
+                </a:ln>
+                <a:solidFill>
+                  <a:srgbClr val="569CD6"/>
+                </a:solidFill>
+                <a:effectLst/>
+                <a:latin typeface="Fira Code"/>
+              </a:rPr>
+              <a:t>var</a:t>
+            </a:r>
+            <a:r>
+              <a:rPr kumimoji="0" lang="en-US" altLang="en-US" sz="2400" b="0" i="0" u="none" strike="noStrike" cap="none" normalizeH="0" baseline="0" dirty="0" smtClean="0">
+                <a:ln>
+                  <a:noFill/>
+                </a:ln>
+                <a:solidFill>
+                  <a:srgbClr val="569CD6"/>
+                </a:solidFill>
+                <a:effectLst/>
+                <a:latin typeface="Fira Code"/>
+              </a:rPr>
+              <a:t> </a:t>
+            </a:r>
+            <a:r>
+              <a:rPr kumimoji="0" lang="en-US" altLang="en-US" sz="2400" b="0" i="0" u="none" strike="noStrike" cap="none" normalizeH="0" baseline="0" dirty="0" smtClean="0">
+                <a:ln>
+                  <a:noFill/>
+                </a:ln>
+                <a:solidFill>
+                  <a:srgbClr val="DCDCDC"/>
+                </a:solidFill>
+                <a:effectLst/>
+                <a:latin typeface="Fira Code"/>
+              </a:rPr>
+              <a:t>delay = </a:t>
+            </a:r>
+            <a:r>
+              <a:rPr kumimoji="0" lang="en-US" altLang="en-US" sz="2400" b="0" i="0" u="none" strike="noStrike" cap="none" normalizeH="0" baseline="0" dirty="0" smtClean="0">
+                <a:ln>
+                  <a:noFill/>
+                </a:ln>
+                <a:solidFill>
+                  <a:srgbClr val="569CD6"/>
+                </a:solidFill>
+                <a:effectLst/>
+                <a:latin typeface="Fira Code"/>
+              </a:rPr>
+              <a:t>new </a:t>
+            </a:r>
+            <a:r>
+              <a:rPr kumimoji="0" lang="en-US" altLang="en-US" sz="2400" b="0" i="0" u="none" strike="noStrike" cap="none" normalizeH="0" baseline="0" dirty="0" smtClean="0">
+                <a:ln>
+                  <a:noFill/>
+                </a:ln>
+                <a:solidFill>
+                  <a:srgbClr val="ADD8E6"/>
+                </a:solidFill>
+                <a:effectLst/>
+                <a:latin typeface="Fira Code"/>
+              </a:rPr>
+              <a:t>Random</a:t>
+            </a:r>
+            <a:r>
+              <a:rPr kumimoji="0" lang="en-US" altLang="en-US" sz="2400" b="0" i="0" u="none" strike="noStrike" cap="none" normalizeH="0" baseline="0" dirty="0" smtClean="0">
+                <a:ln>
+                  <a:noFill/>
+                </a:ln>
+                <a:solidFill>
+                  <a:srgbClr val="DCDCDC"/>
+                </a:solidFill>
+                <a:effectLst/>
+                <a:latin typeface="Fira Code"/>
+              </a:rPr>
+              <a:t>().</a:t>
+            </a:r>
+            <a:r>
+              <a:rPr kumimoji="0" lang="en-US" altLang="en-US" sz="2400" b="0" i="0" u="none" strike="noStrike" cap="none" normalizeH="0" baseline="0" dirty="0" smtClean="0">
+                <a:ln>
+                  <a:noFill/>
+                </a:ln>
+                <a:solidFill>
+                  <a:srgbClr val="00FFFF"/>
+                </a:solidFill>
+                <a:effectLst/>
+                <a:latin typeface="Fira Code"/>
+              </a:rPr>
+              <a:t>Next</a:t>
+            </a:r>
+            <a:r>
+              <a:rPr kumimoji="0" lang="en-US" altLang="en-US" sz="2400" b="0" i="0" u="none" strike="noStrike" cap="none" normalizeH="0" baseline="0" dirty="0" smtClean="0">
+                <a:ln>
+                  <a:noFill/>
+                </a:ln>
+                <a:solidFill>
+                  <a:srgbClr val="DCDCDC"/>
+                </a:solidFill>
+                <a:effectLst/>
+                <a:latin typeface="Fira Code"/>
+              </a:rPr>
+              <a:t>(</a:t>
+            </a:r>
+            <a:r>
+              <a:rPr kumimoji="0" lang="en-US" altLang="en-US" sz="2400" b="0" i="0" u="none" strike="noStrike" cap="none" normalizeH="0" baseline="0" dirty="0" smtClean="0">
+                <a:ln>
+                  <a:noFill/>
+                </a:ln>
+                <a:solidFill>
+                  <a:srgbClr val="B5CEA8"/>
+                </a:solidFill>
+                <a:effectLst/>
+                <a:latin typeface="Fira Code"/>
+              </a:rPr>
+              <a:t>3000</a:t>
+            </a:r>
+            <a:r>
+              <a:rPr kumimoji="0" lang="en-US" altLang="en-US" sz="2400" b="0" i="0" u="none" strike="noStrike" cap="none" normalizeH="0" baseline="0" dirty="0" smtClean="0">
+                <a:ln>
+                  <a:noFill/>
+                </a:ln>
+                <a:solidFill>
+                  <a:srgbClr val="DCDCDC"/>
+                </a:solidFill>
+                <a:effectLst/>
+                <a:latin typeface="Fira Code"/>
+              </a:rPr>
+              <a:t>, </a:t>
+            </a:r>
+            <a:r>
+              <a:rPr kumimoji="0" lang="en-US" altLang="en-US" sz="2400" b="0" i="0" u="none" strike="noStrike" cap="none" normalizeH="0" baseline="0" dirty="0" smtClean="0">
+                <a:ln>
+                  <a:noFill/>
+                </a:ln>
+                <a:solidFill>
+                  <a:srgbClr val="B5CEA8"/>
+                </a:solidFill>
+                <a:effectLst/>
+                <a:latin typeface="Fira Code"/>
+              </a:rPr>
+              <a:t>30000</a:t>
+            </a:r>
+            <a:r>
+              <a:rPr kumimoji="0" lang="en-US" altLang="en-US" sz="2400" b="0" i="0" u="none" strike="noStrike" cap="none" normalizeH="0" baseline="0" dirty="0" smtClean="0">
+                <a:ln>
+                  <a:noFill/>
+                </a:ln>
+                <a:solidFill>
+                  <a:srgbClr val="DCDCDC"/>
+                </a:solidFill>
+                <a:effectLst/>
+                <a:latin typeface="Fira Code"/>
+              </a:rPr>
+              <a:t>);</a:t>
+            </a:r>
+            <a:br>
+              <a:rPr kumimoji="0" lang="en-US" altLang="en-US" sz="2400" b="0" i="0" u="none" strike="noStrike" cap="none" normalizeH="0" baseline="0" dirty="0" smtClean="0">
+                <a:ln>
+                  <a:noFill/>
+                </a:ln>
+                <a:solidFill>
+                  <a:srgbClr val="DCDCDC"/>
+                </a:solidFill>
+                <a:effectLst/>
+                <a:latin typeface="Fira Code"/>
+              </a:rPr>
+            </a:br>
+            <a:r>
+              <a:rPr kumimoji="0" lang="en-US" altLang="en-US" sz="2400" b="0" i="0" u="none" strike="noStrike" cap="none" normalizeH="0" baseline="0" dirty="0" smtClean="0">
+                <a:ln>
+                  <a:noFill/>
+                </a:ln>
+                <a:solidFill>
+                  <a:srgbClr val="DCDCDC"/>
+                </a:solidFill>
+                <a:effectLst/>
+                <a:latin typeface="Fira Code"/>
+              </a:rPr>
+              <a:t>        </a:t>
+            </a:r>
+            <a:r>
+              <a:rPr kumimoji="0" lang="en-US" altLang="en-US" sz="2400" b="0" i="0" u="none" strike="noStrike" cap="none" normalizeH="0" baseline="0" dirty="0" smtClean="0">
+                <a:ln>
+                  <a:noFill/>
+                </a:ln>
+                <a:solidFill>
+                  <a:srgbClr val="569CD6"/>
+                </a:solidFill>
+                <a:effectLst/>
+                <a:latin typeface="Fira Code"/>
+              </a:rPr>
+              <a:t>await </a:t>
+            </a:r>
+            <a:r>
+              <a:rPr kumimoji="0" lang="en-US" altLang="en-US" sz="2400" b="0" i="0" u="none" strike="noStrike" cap="none" normalizeH="0" baseline="0" dirty="0" err="1" smtClean="0">
+                <a:ln>
+                  <a:noFill/>
+                </a:ln>
+                <a:solidFill>
+                  <a:srgbClr val="ADD8E6"/>
+                </a:solidFill>
+                <a:effectLst/>
+                <a:latin typeface="Fira Code"/>
+              </a:rPr>
+              <a:t>Task</a:t>
+            </a:r>
+            <a:r>
+              <a:rPr kumimoji="0" lang="en-US" altLang="en-US" sz="2400" b="0" i="0" u="none" strike="noStrike" cap="none" normalizeH="0" baseline="0" dirty="0" err="1" smtClean="0">
+                <a:ln>
+                  <a:noFill/>
+                </a:ln>
+                <a:solidFill>
+                  <a:srgbClr val="DCDCDC"/>
+                </a:solidFill>
+                <a:effectLst/>
+                <a:latin typeface="Fira Code"/>
+              </a:rPr>
+              <a:t>.</a:t>
+            </a:r>
+            <a:r>
+              <a:rPr kumimoji="0" lang="en-US" altLang="en-US" sz="2400" b="0" i="0" u="none" strike="noStrike" cap="none" normalizeH="0" baseline="0" dirty="0" err="1" smtClean="0">
+                <a:ln>
+                  <a:noFill/>
+                </a:ln>
+                <a:solidFill>
+                  <a:srgbClr val="00FFFF"/>
+                </a:solidFill>
+                <a:effectLst/>
+                <a:latin typeface="Fira Code"/>
+              </a:rPr>
+              <a:t>Delay</a:t>
+            </a:r>
+            <a:r>
+              <a:rPr kumimoji="0" lang="en-US" altLang="en-US" sz="2400" b="0" i="0" u="none" strike="noStrike" cap="none" normalizeH="0" baseline="0" dirty="0" smtClean="0">
+                <a:ln>
+                  <a:noFill/>
+                </a:ln>
+                <a:solidFill>
+                  <a:srgbClr val="DCDCDC"/>
+                </a:solidFill>
+                <a:effectLst/>
+                <a:latin typeface="Fira Code"/>
+              </a:rPr>
+              <a:t>(delay);</a:t>
+            </a:r>
+            <a:br>
+              <a:rPr kumimoji="0" lang="en-US" altLang="en-US" sz="2400" b="0" i="0" u="none" strike="noStrike" cap="none" normalizeH="0" baseline="0" dirty="0" smtClean="0">
+                <a:ln>
+                  <a:noFill/>
+                </a:ln>
+                <a:solidFill>
+                  <a:srgbClr val="DCDCDC"/>
+                </a:solidFill>
+                <a:effectLst/>
+                <a:latin typeface="Fira Code"/>
+              </a:rPr>
+            </a:br>
+            <a:r>
+              <a:rPr kumimoji="0" lang="en-US" altLang="en-US" sz="2400" b="0" i="0" u="none" strike="noStrike" cap="none" normalizeH="0" baseline="0" dirty="0" smtClean="0">
+                <a:ln>
+                  <a:noFill/>
+                </a:ln>
+                <a:solidFill>
+                  <a:srgbClr val="DCDCDC"/>
+                </a:solidFill>
+                <a:effectLst/>
+                <a:latin typeface="Fira Code"/>
+              </a:rPr>
+              <a:t>    }</a:t>
+            </a:r>
+            <a:br>
+              <a:rPr kumimoji="0" lang="en-US" altLang="en-US" sz="2400" b="0" i="0" u="none" strike="noStrike" cap="none" normalizeH="0" baseline="0" dirty="0" smtClean="0">
+                <a:ln>
+                  <a:noFill/>
+                </a:ln>
+                <a:solidFill>
+                  <a:srgbClr val="DCDCDC"/>
+                </a:solidFill>
+                <a:effectLst/>
+                <a:latin typeface="Fira Code"/>
+              </a:rPr>
+            </a:br>
+            <a:r>
+              <a:rPr kumimoji="0" lang="en-US" altLang="en-US" sz="2400" b="0" i="0" u="none" strike="noStrike" cap="none" normalizeH="0" baseline="0" dirty="0" smtClean="0">
+                <a:ln>
+                  <a:noFill/>
+                </a:ln>
+                <a:solidFill>
+                  <a:srgbClr val="DCDCDC"/>
+                </a:solidFill>
+                <a:effectLst/>
+                <a:latin typeface="Fira Code"/>
+              </a:rPr>
+              <a:t/>
+            </a:r>
+            <a:br>
+              <a:rPr kumimoji="0" lang="en-US" altLang="en-US" sz="2400" b="0" i="0" u="none" strike="noStrike" cap="none" normalizeH="0" baseline="0" dirty="0" smtClean="0">
+                <a:ln>
+                  <a:noFill/>
+                </a:ln>
+                <a:solidFill>
+                  <a:srgbClr val="DCDCDC"/>
+                </a:solidFill>
+                <a:effectLst/>
+                <a:latin typeface="Fira Code"/>
+              </a:rPr>
+            </a:br>
+            <a:r>
+              <a:rPr kumimoji="0" lang="en-US" altLang="en-US" sz="2400" b="0" i="0" u="none" strike="noStrike" cap="none" normalizeH="0" baseline="0" dirty="0" smtClean="0">
+                <a:ln>
+                  <a:noFill/>
+                </a:ln>
+                <a:solidFill>
+                  <a:srgbClr val="DCDCDC"/>
+                </a:solidFill>
+                <a:effectLst/>
+                <a:latin typeface="Fira Code"/>
+              </a:rPr>
+              <a:t>    </a:t>
+            </a:r>
+            <a:r>
+              <a:rPr kumimoji="0" lang="en-US" altLang="en-US" sz="2400" b="0" i="0" u="none" strike="noStrike" cap="none" normalizeH="0" baseline="0" dirty="0" err="1" smtClean="0">
+                <a:ln>
+                  <a:noFill/>
+                </a:ln>
+                <a:solidFill>
+                  <a:srgbClr val="569CD6"/>
+                </a:solidFill>
+                <a:effectLst/>
+                <a:latin typeface="Fira Code"/>
+              </a:rPr>
+              <a:t>var</a:t>
+            </a:r>
+            <a:r>
+              <a:rPr kumimoji="0" lang="en-US" altLang="en-US" sz="2400" b="0" i="0" u="none" strike="noStrike" cap="none" normalizeH="0" baseline="0" dirty="0" smtClean="0">
+                <a:ln>
+                  <a:noFill/>
+                </a:ln>
+                <a:solidFill>
+                  <a:srgbClr val="569CD6"/>
+                </a:solidFill>
+                <a:effectLst/>
+                <a:latin typeface="Fira Code"/>
+              </a:rPr>
+              <a:t> </a:t>
+            </a:r>
+            <a:r>
+              <a:rPr kumimoji="0" lang="en-US" altLang="en-US" sz="2400" b="0" i="0" u="none" strike="noStrike" cap="none" normalizeH="0" baseline="0" dirty="0" smtClean="0">
+                <a:ln>
+                  <a:noFill/>
+                </a:ln>
+                <a:solidFill>
+                  <a:srgbClr val="DCDCDC"/>
+                </a:solidFill>
+                <a:effectLst/>
+                <a:latin typeface="Fira Code"/>
+              </a:rPr>
+              <a:t>payment = </a:t>
+            </a:r>
+            <a:r>
+              <a:rPr kumimoji="0" lang="en-US" altLang="en-US" sz="2400" b="0" i="0" u="none" strike="noStrike" cap="none" normalizeH="0" baseline="0" dirty="0" smtClean="0">
+                <a:ln>
+                  <a:noFill/>
+                </a:ln>
+                <a:solidFill>
+                  <a:srgbClr val="569CD6"/>
+                </a:solidFill>
+                <a:effectLst/>
+                <a:latin typeface="Fira Code"/>
+              </a:rPr>
+              <a:t>new </a:t>
+            </a:r>
+            <a:r>
+              <a:rPr kumimoji="0" lang="en-US" altLang="en-US" sz="2400" b="0" i="0" u="none" strike="noStrike" cap="none" normalizeH="0" baseline="0" dirty="0" smtClean="0">
+                <a:ln>
+                  <a:noFill/>
+                </a:ln>
+                <a:solidFill>
+                  <a:srgbClr val="ADD8E6"/>
+                </a:solidFill>
+                <a:effectLst/>
+                <a:latin typeface="Fira Code"/>
+              </a:rPr>
+              <a:t>Payment</a:t>
+            </a:r>
+            <a:r>
+              <a:rPr kumimoji="0" lang="en-US" altLang="en-US" sz="2400" b="0" i="0" u="none" strike="noStrike" cap="none" normalizeH="0" baseline="0" dirty="0" smtClean="0">
+                <a:ln>
+                  <a:noFill/>
+                </a:ln>
+                <a:solidFill>
+                  <a:srgbClr val="DCDCDC"/>
+                </a:solidFill>
+                <a:effectLst/>
+                <a:latin typeface="Fira Code"/>
+              </a:rPr>
+              <a:t>(</a:t>
+            </a:r>
+            <a:r>
+              <a:rPr kumimoji="0" lang="en-US" altLang="en-US" sz="2400" b="0" i="0" u="none" strike="noStrike" cap="none" normalizeH="0" baseline="0" dirty="0" err="1" smtClean="0">
+                <a:ln>
+                  <a:noFill/>
+                </a:ln>
+                <a:solidFill>
+                  <a:srgbClr val="ADD8E6"/>
+                </a:solidFill>
+                <a:effectLst/>
+                <a:latin typeface="Fira Code"/>
+              </a:rPr>
+              <a:t>ObjectId</a:t>
+            </a:r>
+            <a:r>
+              <a:rPr kumimoji="0" lang="en-US" altLang="en-US" sz="2400" b="0" i="0" u="none" strike="noStrike" cap="none" normalizeH="0" baseline="0" dirty="0" err="1" smtClean="0">
+                <a:ln>
+                  <a:noFill/>
+                </a:ln>
+                <a:solidFill>
+                  <a:srgbClr val="DCDCDC"/>
+                </a:solidFill>
+                <a:effectLst/>
+                <a:latin typeface="Fira Code"/>
+              </a:rPr>
+              <a:t>.</a:t>
+            </a:r>
+            <a:r>
+              <a:rPr kumimoji="0" lang="en-US" altLang="en-US" sz="2400" b="0" i="0" u="none" strike="noStrike" cap="none" normalizeH="0" baseline="0" dirty="0" err="1" smtClean="0">
+                <a:ln>
+                  <a:noFill/>
+                </a:ln>
+                <a:solidFill>
+                  <a:srgbClr val="00FFFF"/>
+                </a:solidFill>
+                <a:effectLst/>
+                <a:latin typeface="Fira Code"/>
+              </a:rPr>
+              <a:t>GenerateNewId</a:t>
+            </a:r>
+            <a:r>
+              <a:rPr kumimoji="0" lang="en-US" altLang="en-US" sz="2400" b="0" i="0" u="none" strike="noStrike" cap="none" normalizeH="0" baseline="0" dirty="0" smtClean="0">
+                <a:ln>
+                  <a:noFill/>
+                </a:ln>
+                <a:solidFill>
+                  <a:srgbClr val="DCDCDC"/>
+                </a:solidFill>
+                <a:effectLst/>
+                <a:latin typeface="Fira Code"/>
+              </a:rPr>
+              <a:t>(), @</a:t>
+            </a:r>
+            <a:r>
+              <a:rPr kumimoji="0" lang="en-US" altLang="en-US" sz="2400" b="0" i="0" u="none" strike="noStrike" cap="none" normalizeH="0" baseline="0" dirty="0" err="1" smtClean="0">
+                <a:ln>
+                  <a:noFill/>
+                </a:ln>
+                <a:solidFill>
+                  <a:srgbClr val="DCDCDC"/>
+                </a:solidFill>
+                <a:effectLst/>
+                <a:latin typeface="Fira Code"/>
+              </a:rPr>
+              <a:t>event.</a:t>
+            </a:r>
+            <a:r>
+              <a:rPr kumimoji="0" lang="en-US" altLang="en-US" sz="2400" b="0" i="0" u="none" strike="noStrike" cap="none" normalizeH="0" baseline="0" dirty="0" err="1" smtClean="0">
+                <a:ln>
+                  <a:noFill/>
+                </a:ln>
+                <a:solidFill>
+                  <a:srgbClr val="EE82EE"/>
+                </a:solidFill>
+                <a:effectLst/>
+                <a:latin typeface="Fira Code"/>
+              </a:rPr>
+              <a:t>SourceId</a:t>
+            </a:r>
+            <a:r>
+              <a:rPr kumimoji="0" lang="en-US" altLang="en-US" sz="2400" b="0" i="0" u="none" strike="noStrike" cap="none" normalizeH="0" baseline="0" dirty="0" smtClean="0">
+                <a:ln>
+                  <a:noFill/>
+                </a:ln>
+                <a:solidFill>
+                  <a:srgbClr val="DCDCDC"/>
+                </a:solidFill>
+                <a:effectLst/>
+                <a:latin typeface="Fira Code"/>
+              </a:rPr>
+              <a:t>);</a:t>
+            </a:r>
+            <a:br>
+              <a:rPr kumimoji="0" lang="en-US" altLang="en-US" sz="2400" b="0" i="0" u="none" strike="noStrike" cap="none" normalizeH="0" baseline="0" dirty="0" smtClean="0">
+                <a:ln>
+                  <a:noFill/>
+                </a:ln>
+                <a:solidFill>
+                  <a:srgbClr val="DCDCDC"/>
+                </a:solidFill>
+                <a:effectLst/>
+                <a:latin typeface="Fira Code"/>
+              </a:rPr>
+            </a:br>
+            <a:r>
+              <a:rPr kumimoji="0" lang="en-US" altLang="en-US" sz="2400" b="0" i="0" u="none" strike="noStrike" cap="none" normalizeH="0" baseline="0" dirty="0" smtClean="0">
+                <a:ln>
+                  <a:noFill/>
+                </a:ln>
+                <a:solidFill>
+                  <a:srgbClr val="DCDCDC"/>
+                </a:solidFill>
+                <a:effectLst/>
+                <a:latin typeface="Fira Code"/>
+              </a:rPr>
+              <a:t>    </a:t>
+            </a:r>
+            <a:r>
+              <a:rPr kumimoji="0" lang="en-US" altLang="en-US" sz="2400" b="0" i="0" u="none" strike="noStrike" cap="none" normalizeH="0" baseline="0" dirty="0" err="1" smtClean="0">
+                <a:ln>
+                  <a:noFill/>
+                </a:ln>
+                <a:solidFill>
+                  <a:srgbClr val="DCDCDC"/>
+                </a:solidFill>
+                <a:effectLst/>
+                <a:latin typeface="Fira Code"/>
+              </a:rPr>
+              <a:t>payment.</a:t>
+            </a:r>
+            <a:r>
+              <a:rPr kumimoji="0" lang="en-US" altLang="en-US" sz="2400" b="0" i="0" u="none" strike="noStrike" cap="none" normalizeH="0" baseline="0" dirty="0" err="1" smtClean="0">
+                <a:ln>
+                  <a:noFill/>
+                </a:ln>
+                <a:solidFill>
+                  <a:schemeClr val="bg1"/>
+                </a:solidFill>
+                <a:effectLst/>
+                <a:latin typeface="Fira Code"/>
+              </a:rPr>
               <a:t>Process</a:t>
             </a:r>
             <a:r>
@@ -15415,7 +17449,71 @@
                 <a:effectLst/>
                 <a:latin typeface="Fira Code"/>
               </a:rPr>
-              <a:t>(</a:t>
+              <a:t>(@</a:t>
+            </a:r>
+            <a:r>
+              <a:rPr kumimoji="0" lang="en-US" altLang="en-US" sz="2400" b="0" i="0" u="none" strike="noStrike" cap="none" normalizeH="0" baseline="0" dirty="0" err="1" smtClean="0">
+                <a:ln>
+                  <a:noFill/>
+                </a:ln>
+                <a:solidFill>
+                  <a:srgbClr val="DCDCDC"/>
+                </a:solidFill>
+                <a:effectLst/>
+                <a:latin typeface="Fira Code"/>
+              </a:rPr>
+              <a:t>event.</a:t>
+            </a:r>
+            <a:r>
+              <a:rPr kumimoji="0" lang="en-US" altLang="en-US" sz="2400" b="0" i="0" u="none" strike="noStrike" cap="none" normalizeH="0" baseline="0" dirty="0" err="1" smtClean="0">
+                <a:ln>
+                  <a:noFill/>
+                </a:ln>
+                <a:solidFill>
+                  <a:srgbClr val="EE82EE"/>
+                </a:solidFill>
+                <a:effectLst/>
+                <a:latin typeface="Fira Code"/>
+              </a:rPr>
+              <a:t>Amount</a:t>
+            </a:r>
+            <a:r>
+              <a:rPr kumimoji="0" lang="en-US" altLang="en-US" sz="2400" b="0" i="0" u="none" strike="noStrike" cap="none" normalizeH="0" baseline="0" dirty="0" smtClean="0">
+                <a:ln>
+                  <a:noFill/>
+                </a:ln>
+                <a:solidFill>
+                  <a:srgbClr val="DCDCDC"/>
+                </a:solidFill>
+                <a:effectLst/>
+                <a:latin typeface="Fira Code"/>
+              </a:rPr>
+              <a:t>);</a:t>
+            </a:r>
+            <a:br>
+              <a:rPr kumimoji="0" lang="en-US" altLang="en-US" sz="2400" b="0" i="0" u="none" strike="noStrike" cap="none" normalizeH="0" baseline="0" dirty="0" smtClean="0">
+                <a:ln>
+                  <a:noFill/>
+                </a:ln>
+                <a:solidFill>
+                  <a:srgbClr val="DCDCDC"/>
+                </a:solidFill>
+                <a:effectLst/>
+                <a:latin typeface="Fira Code"/>
+              </a:rPr>
+            </a:br>
+            <a:r>
+              <a:rPr kumimoji="0" lang="en-US" altLang="en-US" sz="2400" b="0" i="0" u="none" strike="noStrike" cap="none" normalizeH="0" baseline="0" dirty="0" smtClean="0">
+                <a:ln>
+                  <a:noFill/>
+                </a:ln>
+                <a:solidFill>
+                  <a:srgbClr val="DCDCDC"/>
+                </a:solidFill>
+                <a:effectLst/>
+                <a:latin typeface="Fira Code"/>
+              </a:rPr>
+              <a:t>    </a:t>
             </a:r>
             <a:r>
               <a:rPr kumimoji="0" lang="en-US" altLang="en-US" sz="2400" b="0" i="0" u="none" strike="noStrike" cap="none" normalizeH="0" baseline="0" dirty="0" smtClean="0">
@@ -15428,73 +17526,10 @@
                 <a:effectLst/>
                 <a:latin typeface="Fira Code"/>
               </a:rPr>
-              <a:t>decimal </a:t>
-            </a:r>
-            <a:r>
-              <a:rPr kumimoji="0" lang="en-US" altLang="en-US" sz="2400" b="0" i="0" u="none" strike="noStrike" cap="none" normalizeH="0" baseline="0" dirty="0" smtClean="0">
-                <a:ln>
-                  <a:noFill/>
-                </a:ln>
-                <a:solidFill>
-                  <a:srgbClr val="DCDCDC"/>
-                </a:solidFill>
-                <a:effectLst/>
-                <a:latin typeface="Fira Code"/>
-              </a:rPr>
-              <a:t>amount)</a:t>
-            </a:r>
-            <a:br>
-              <a:rPr kumimoji="0" lang="en-US" altLang="en-US" sz="2400" b="0" i="0" u="none" strike="noStrike" cap="none" normalizeH="0" baseline="0" dirty="0" smtClean="0">
-                <a:ln>
-                  <a:noFill/>
-                </a:ln>
-                <a:solidFill>
-                  <a:srgbClr val="DCDCDC"/>
-                </a:solidFill>
-                <a:effectLst/>
-                <a:latin typeface="Fira Code"/>
-              </a:rPr>
-            </a:br>
-            <a:r>
-              <a:rPr kumimoji="0" lang="en-US" altLang="en-US" sz="2400" b="0" i="0" u="none" strike="noStrike" cap="none" normalizeH="0" baseline="0" dirty="0" smtClean="0">
-                <a:ln>
-                  <a:noFill/>
-                </a:ln>
-                <a:solidFill>
-                  <a:srgbClr val="DCDCDC"/>
-                </a:solidFill>
-                <a:effectLst/>
-                <a:latin typeface="Fira Code"/>
-              </a:rPr>
-              <a:t>{</a:t>
-            </a:r>
-            <a:br>
-              <a:rPr kumimoji="0" lang="en-US" altLang="en-US" sz="2400" b="0" i="0" u="none" strike="noStrike" cap="none" normalizeH="0" baseline="0" dirty="0" smtClean="0">
-                <a:ln>
-                  <a:noFill/>
-                </a:ln>
-                <a:solidFill>
-                  <a:srgbClr val="DCDCDC"/>
-                </a:solidFill>
-                <a:effectLst/>
-                <a:latin typeface="Fira Code"/>
-              </a:rPr>
-            </a:br>
-            <a:r>
-              <a:rPr kumimoji="0" lang="en-US" altLang="en-US" sz="2400" b="0" i="0" u="none" strike="noStrike" cap="none" normalizeH="0" baseline="0" dirty="0" smtClean="0">
-                <a:ln>
-                  <a:noFill/>
-                </a:ln>
-                <a:solidFill>
-                  <a:srgbClr val="DCDCDC"/>
-                </a:solidFill>
-                <a:effectLst/>
-                <a:latin typeface="Fira Code"/>
-              </a:rPr>
-              <a:t>    </a:t>
-            </a:r>
-            <a:r>
-              <a:rPr kumimoji="0" lang="en-US" altLang="en-US" sz="2400" b="0" i="0" u="none" strike="noStrike" cap="none" normalizeH="0" baseline="0" dirty="0" smtClean="0">
+              <a:t>await </a:t>
+            </a:r>
+            <a:r>
+              <a:rPr kumimoji="0" lang="en-US" altLang="en-US" sz="2400" b="0" i="0" u="none" strike="noStrike" cap="none" normalizeH="0" baseline="0" dirty="0" err="1" smtClean="0">
                 <a:ln>
                   <a:noFill/>
                 </a:ln>
@@ -15504,211 +17539,7 @@
                 <a:effectLst/>
                 <a:latin typeface="Fira Code"/>
               </a:rPr>
-              <a:t>Amount </a:t>
-            </a:r>
-            <a:r>
-              <a:rPr kumimoji="0" lang="en-US" altLang="en-US" sz="2400" b="0" i="0" u="none" strike="noStrike" cap="none" normalizeH="0" baseline="0" dirty="0" smtClean="0">
-                <a:ln>
-                  <a:noFill/>
-                </a:ln>
-                <a:solidFill>
-                  <a:srgbClr val="DCDCDC"/>
-                </a:solidFill>
-                <a:effectLst/>
-                <a:latin typeface="Fira Code"/>
-              </a:rPr>
-              <a:t>= amount;</a:t>
-            </a:r>
-            <a:br>
-              <a:rPr kumimoji="0" lang="en-US" altLang="en-US" sz="2400" b="0" i="0" u="none" strike="noStrike" cap="none" normalizeH="0" baseline="0" dirty="0" smtClean="0">
-                <a:ln>
-                  <a:noFill/>
-                </a:ln>
-                <a:solidFill>
-                  <a:srgbClr val="DCDCDC"/>
-                </a:solidFill>
-                <a:effectLst/>
-                <a:latin typeface="Fira Code"/>
-              </a:rPr>
-            </a:br>
-            <a:r>
-              <a:rPr kumimoji="0" lang="en-US" altLang="en-US" sz="2400" b="0" i="0" u="none" strike="noStrike" cap="none" normalizeH="0" baseline="0" dirty="0" smtClean="0">
-                <a:ln>
-                  <a:noFill/>
-                </a:ln>
-                <a:solidFill>
-                  <a:srgbClr val="DCDCDC"/>
-                </a:solidFill>
-                <a:effectLst/>
-                <a:latin typeface="Fira Code"/>
-              </a:rPr>
-              <a:t/>
-            </a:r>
-            <a:br>
-              <a:rPr kumimoji="0" lang="en-US" altLang="en-US" sz="2400" b="0" i="0" u="none" strike="noStrike" cap="none" normalizeH="0" baseline="0" dirty="0" smtClean="0">
-                <a:ln>
-                  <a:noFill/>
-                </a:ln>
-                <a:solidFill>
-                  <a:srgbClr val="DCDCDC"/>
-                </a:solidFill>
-                <a:effectLst/>
-                <a:latin typeface="Fira Code"/>
-              </a:rPr>
-            </a:br>
-            <a:r>
-              <a:rPr kumimoji="0" lang="en-US" altLang="en-US" sz="2400" b="0" i="0" u="none" strike="noStrike" cap="none" normalizeH="0" baseline="0" dirty="0" smtClean="0">
-                <a:ln>
-                  <a:noFill/>
-                </a:ln>
-                <a:solidFill>
-                  <a:srgbClr val="DCDCDC"/>
-                </a:solidFill>
-                <a:effectLst/>
-                <a:latin typeface="Fira Code"/>
-              </a:rPr>
-              <a:t>    </a:t>
-            </a:r>
-            <a:r>
-              <a:rPr kumimoji="0" lang="en-US" altLang="en-US" sz="2400" b="0" i="0" u="none" strike="noStrike" cap="none" normalizeH="0" baseline="0" dirty="0" smtClean="0">
-                <a:ln>
-                  <a:noFill/>
-                </a:ln>
-                <a:solidFill>
-                  <a:srgbClr val="569CD6"/>
-                </a:solidFill>
-                <a:effectLst/>
-                <a:latin typeface="Fira Code"/>
-              </a:rPr>
-              <a:t>if </a:t>
-            </a:r>
-            <a:r>
-              <a:rPr kumimoji="0" lang="en-US" altLang="en-US" sz="2400" b="0" i="0" u="none" strike="noStrike" cap="none" normalizeH="0" baseline="0" dirty="0" smtClean="0">
-                <a:ln>
-                  <a:noFill/>
-                </a:ln>
-                <a:solidFill>
-                  <a:srgbClr val="DCDCDC"/>
-                </a:solidFill>
-                <a:effectLst/>
-                <a:latin typeface="Fira Code"/>
-              </a:rPr>
-              <a:t>(</a:t>
-            </a:r>
-            <a:r>
-              <a:rPr kumimoji="0" lang="en-US" altLang="en-US" sz="2400" b="0" i="0" u="none" strike="noStrike" cap="none" normalizeH="0" baseline="0" dirty="0" smtClean="0">
-                <a:ln>
-                  <a:noFill/>
-                </a:ln>
-                <a:solidFill>
-                  <a:srgbClr val="EE82EE"/>
-                </a:solidFill>
-                <a:effectLst/>
-                <a:latin typeface="Fira Code"/>
-              </a:rPr>
-              <a:t>Amount </a:t>
-            </a:r>
-            <a:r>
-              <a:rPr kumimoji="0" lang="en-US" altLang="en-US" sz="2400" b="0" i="0" u="none" strike="noStrike" cap="none" normalizeH="0" baseline="0" dirty="0" smtClean="0">
-                <a:ln>
-                  <a:noFill/>
-                </a:ln>
-                <a:solidFill>
-                  <a:schemeClr val="bg1"/>
-                </a:solidFill>
-                <a:effectLst/>
-                <a:latin typeface="Fira Code"/>
-              </a:rPr>
-              <a:t>&gt;= 300</a:t>
-            </a:r>
-            <a:r>
-              <a:rPr kumimoji="0" lang="en-US" altLang="en-US" sz="2400" b="0" i="0" u="none" strike="noStrike" cap="none" normalizeH="0" baseline="0" dirty="0" smtClean="0">
-                <a:ln>
-                  <a:noFill/>
-                </a:ln>
-                <a:solidFill>
-                  <a:srgbClr val="DCDCDC"/>
-                </a:solidFill>
-                <a:effectLst/>
-                <a:latin typeface="Fira Code"/>
-              </a:rPr>
-              <a:t>)</a:t>
-            </a:r>
-            <a:br>
-              <a:rPr kumimoji="0" lang="en-US" altLang="en-US" sz="2400" b="0" i="0" u="none" strike="noStrike" cap="none" normalizeH="0" baseline="0" dirty="0" smtClean="0">
-                <a:ln>
-                  <a:noFill/>
-                </a:ln>
-                <a:solidFill>
-                  <a:srgbClr val="DCDCDC"/>
-                </a:solidFill>
-                <a:effectLst/>
-                <a:latin typeface="Fira Code"/>
-              </a:rPr>
-            </a:br>
-            <a:r>
-              <a:rPr kumimoji="0" lang="en-US" altLang="en-US" sz="2400" b="0" i="0" u="none" strike="noStrike" cap="none" normalizeH="0" baseline="0" dirty="0" smtClean="0">
-                <a:ln>
-                  <a:noFill/>
-                </a:ln>
-                <a:solidFill>
-                  <a:srgbClr val="DCDCDC"/>
-                </a:solidFill>
-                <a:effectLst/>
-                <a:latin typeface="Fira Code"/>
-              </a:rPr>
-              <a:t>    {</a:t>
-            </a:r>
-            <a:br>
-              <a:rPr kumimoji="0" lang="en-US" altLang="en-US" sz="2400" b="0" i="0" u="none" strike="noStrike" cap="none" normalizeH="0" baseline="0" dirty="0" smtClean="0">
-                <a:ln>
-                  <a:noFill/>
-                </a:ln>
-                <a:solidFill>
-                  <a:srgbClr val="DCDCDC"/>
-                </a:solidFill>
-                <a:effectLst/>
-                <a:latin typeface="Fira Code"/>
-              </a:rPr>
-            </a:br>
-            <a:r>
-              <a:rPr kumimoji="0" lang="en-US" altLang="en-US" sz="2400" b="0" i="0" u="none" strike="noStrike" cap="none" normalizeH="0" baseline="0" dirty="0" smtClean="0">
-                <a:ln>
-                  <a:noFill/>
-                </a:ln>
-                <a:solidFill>
-                  <a:srgbClr val="DCDCDC"/>
-                </a:solidFill>
-                <a:effectLst/>
-                <a:latin typeface="Fira Code"/>
-              </a:rPr>
-              <a:t>        </a:t>
-            </a:r>
-            <a:r>
-              <a:rPr kumimoji="0" lang="en-US" altLang="en-US" sz="2400" b="0" i="0" u="none" strike="noStrike" cap="none" normalizeH="0" baseline="0" dirty="0" smtClean="0">
-                <a:ln>
-                  <a:noFill/>
-                </a:ln>
-                <a:solidFill>
-                  <a:srgbClr val="EE82EE"/>
-                </a:solidFill>
-                <a:effectLst/>
-                <a:latin typeface="Fira Code"/>
-              </a:rPr>
-              <a:t>Status </a:t>
-            </a:r>
-            <a:r>
-              <a:rPr kumimoji="0" lang="en-US" altLang="en-US" sz="2400" b="0" i="0" u="none" strike="noStrike" cap="none" normalizeH="0" baseline="0" dirty="0" smtClean="0">
-                <a:ln>
-                  <a:noFill/>
-                </a:ln>
-                <a:solidFill>
-                  <a:srgbClr val="DCDCDC"/>
-                </a:solidFill>
-                <a:effectLst/>
-                <a:latin typeface="Fira Code"/>
-              </a:rPr>
-              <a:t>= </a:t>
+              <a:t>payments</a:t>
             </a:r>
             <a:r>
               <a:rPr kumimoji="0" lang="en-US" altLang="en-US" sz="2400" b="0" i="0" u="none" strike="noStrike" cap="none" normalizeH="0" baseline="0" dirty="0" err="1" smtClean="0">
@@ -15716,12 +17547,12 @@
                   <a:noFill/>
                 </a:ln>
                 <a:solidFill>
-                  <a:srgbClr val="ADD8E6"/>
-                </a:solidFill>
-                <a:effectLst/>
-                <a:latin typeface="Fira Code"/>
-              </a:rPr>
-              <a:t>PaymentStatus</a:t>
+                  <a:srgbClr val="DCDCDC"/>
+                </a:solidFill>
+                <a:effectLst/>
+                <a:latin typeface="Fira Code"/>
+              </a:rPr>
+              <a:t>.</a:t>
             </a:r>
             <a:r>
               <a:rPr kumimoji="0" lang="en-US" altLang="en-US" sz="2400" b="0" i="0" u="none" strike="noStrike" cap="none" normalizeH="0" baseline="0" dirty="0" err="1" smtClean="0">
@@ -15729,629 +17560,25 @@
                   <a:noFill/>
                 </a:ln>
                 <a:solidFill>
-                  <a:srgbClr val="DCDCDC"/>
-                </a:solidFill>
-                <a:effectLst/>
-                <a:latin typeface="Fira Code"/>
-              </a:rPr>
-              <a:t>.</a:t>
-            </a:r>
-            <a:r>
-              <a:rPr kumimoji="0" lang="en-US" altLang="en-US" sz="2400" b="1" i="0" u="none" strike="noStrike" cap="none" normalizeH="0" baseline="0" dirty="0" err="1" smtClean="0">
-                <a:ln>
-                  <a:noFill/>
-                </a:ln>
-                <a:solidFill>
-                  <a:srgbClr val="EE82EE"/>
-                </a:solidFill>
-                <a:effectLst/>
-                <a:latin typeface="Fira Code"/>
-              </a:rPr>
-              <a:t>Rejected</a:t>
-            </a:r>
-            <a:r>
-              <a:rPr kumimoji="0" lang="en-US" altLang="en-US" sz="2400" b="0" i="0" u="none" strike="noStrike" cap="none" normalizeH="0" baseline="0" dirty="0" smtClean="0">
-                <a:ln>
-                  <a:noFill/>
-                </a:ln>
-                <a:solidFill>
-                  <a:srgbClr val="DCDCDC"/>
-                </a:solidFill>
-                <a:effectLst/>
-                <a:latin typeface="Fira Code"/>
-              </a:rPr>
-              <a:t>;</a:t>
-            </a:r>
-            <a:br>
-              <a:rPr kumimoji="0" lang="en-US" altLang="en-US" sz="2400" b="0" i="0" u="none" strike="noStrike" cap="none" normalizeH="0" baseline="0" dirty="0" smtClean="0">
-                <a:ln>
-                  <a:noFill/>
-                </a:ln>
-                <a:solidFill>
-                  <a:srgbClr val="DCDCDC"/>
-                </a:solidFill>
-                <a:effectLst/>
-                <a:latin typeface="Fira Code"/>
-              </a:rPr>
-            </a:br>
-            <a:r>
-              <a:rPr kumimoji="0" lang="en-US" altLang="en-US" sz="2400" b="0" i="0" u="none" strike="noStrike" cap="none" normalizeH="0" baseline="0" dirty="0" smtClean="0">
-                <a:ln>
-                  <a:noFill/>
-                </a:ln>
-                <a:solidFill>
-                  <a:srgbClr val="DCDCDC"/>
-                </a:solidFill>
-                <a:effectLst/>
-                <a:latin typeface="Fira Code"/>
-              </a:rPr>
-              <a:t>        </a:t>
-            </a:r>
-            <a:r>
-              <a:rPr kumimoji="0" lang="en-US" altLang="en-US" sz="2400" b="0" i="0" u="none" strike="noStrike" cap="none" normalizeH="0" baseline="0" dirty="0" err="1" smtClean="0">
-                <a:ln>
-                  <a:noFill/>
-                </a:ln>
-                <a:solidFill>
                   <a:srgbClr val="00FFFF"/>
                 </a:solidFill>
                 <a:effectLst/>
                 <a:latin typeface="Fira Code"/>
               </a:rPr>
-              <a:t>RecordEvent</a:t>
-            </a:r>
-            <a:r>
-              <a:rPr kumimoji="0" lang="en-US" altLang="en-US" sz="2400" b="0" i="0" u="none" strike="noStrike" cap="none" normalizeH="0" baseline="0" dirty="0" smtClean="0">
-                <a:ln>
-                  <a:noFill/>
-                </a:ln>
-                <a:solidFill>
-                  <a:srgbClr val="DCDCDC"/>
-                </a:solidFill>
-                <a:effectLst/>
-                <a:latin typeface="Fira Code"/>
-              </a:rPr>
-              <a:t>(</a:t>
-            </a:r>
-            <a:r>
-              <a:rPr kumimoji="0" lang="en-US" altLang="en-US" sz="2400" b="0" i="0" u="none" strike="noStrike" cap="none" normalizeH="0" baseline="0" dirty="0" smtClean="0">
-                <a:ln>
-                  <a:noFill/>
-                </a:ln>
-                <a:solidFill>
-                  <a:srgbClr val="569CD6"/>
-                </a:solidFill>
-                <a:effectLst/>
-                <a:latin typeface="Fira Code"/>
-              </a:rPr>
-              <a:t>new </a:t>
-            </a:r>
-            <a:r>
-              <a:rPr kumimoji="0" lang="en-US" altLang="en-US" sz="2400" b="0" i="0" u="none" strike="noStrike" cap="none" normalizeH="0" baseline="0" dirty="0" err="1" smtClean="0">
-                <a:ln>
-                  <a:noFill/>
-                </a:ln>
-                <a:solidFill>
-                  <a:srgbClr val="ADD8E6"/>
-                </a:solidFill>
-                <a:effectLst/>
-                <a:latin typeface="Fira Code"/>
-              </a:rPr>
-              <a:t>Payment</a:t>
-            </a:r>
-            <a:r>
-              <a:rPr kumimoji="0" lang="en-US" altLang="en-US" sz="2400" b="0" i="0" u="none" strike="noStrike" cap="none" normalizeH="0" baseline="0" dirty="0" err="1" smtClean="0">
-                <a:ln>
-                  <a:noFill/>
-                </a:ln>
-                <a:solidFill>
-                  <a:schemeClr val="bg1"/>
-                </a:solidFill>
-                <a:effectLst/>
-                <a:latin typeface="Fira Code"/>
-              </a:rPr>
-              <a:t>Rejected</a:t>
-            </a:r>
-            <a:r>
-              <a:rPr kumimoji="0" lang="en-US" altLang="en-US" sz="2400" b="0" i="0" u="none" strike="noStrike" cap="none" normalizeH="0" baseline="0" dirty="0" smtClean="0">
-                <a:ln>
-                  <a:noFill/>
-                </a:ln>
-                <a:solidFill>
-                  <a:srgbClr val="DCDCDC"/>
-                </a:solidFill>
-                <a:effectLst/>
-                <a:latin typeface="Fira Code"/>
-              </a:rPr>
-              <a:t>(</a:t>
-            </a:r>
-            <a:r>
-              <a:rPr kumimoji="0" lang="en-US" altLang="en-US" sz="2400" b="0" i="0" u="none" strike="noStrike" cap="none" normalizeH="0" baseline="0" dirty="0" smtClean="0">
-                <a:ln>
-                  <a:noFill/>
-                </a:ln>
-                <a:solidFill>
-                  <a:srgbClr val="EE82EE"/>
-                </a:solidFill>
-                <a:effectLst/>
-                <a:latin typeface="Fira Code"/>
-              </a:rPr>
-              <a:t>Id</a:t>
-            </a:r>
-            <a:r>
-              <a:rPr kumimoji="0" lang="en-US" altLang="en-US" sz="2400" b="0" i="0" u="none" strike="noStrike" cap="none" normalizeH="0" baseline="0" dirty="0" smtClean="0">
-                <a:ln>
-                  <a:noFill/>
-                </a:ln>
-                <a:solidFill>
-                  <a:srgbClr val="DCDCDC"/>
-                </a:solidFill>
-                <a:effectLst/>
-                <a:latin typeface="Fira Code"/>
-              </a:rPr>
-              <a:t>, </a:t>
-            </a:r>
-            <a:r>
-              <a:rPr kumimoji="0" lang="en-US" altLang="en-US" sz="2400" b="0" i="0" u="none" strike="noStrike" cap="none" normalizeH="0" baseline="0" dirty="0" err="1" smtClean="0">
-                <a:ln>
-                  <a:noFill/>
-                </a:ln>
-                <a:solidFill>
-                  <a:srgbClr val="EE82EE"/>
-                </a:solidFill>
-                <a:effectLst/>
-                <a:latin typeface="Fira Code"/>
-              </a:rPr>
-              <a:t>OrderId</a:t>
-            </a:r>
-            <a:r>
-              <a:rPr kumimoji="0" lang="en-US" altLang="en-US" sz="2400" b="0" i="0" u="none" strike="noStrike" cap="none" normalizeH="0" baseline="0" dirty="0" smtClean="0">
-                <a:ln>
-                  <a:noFill/>
-                </a:ln>
-                <a:solidFill>
-                  <a:srgbClr val="DCDCDC"/>
-                </a:solidFill>
-                <a:effectLst/>
-                <a:latin typeface="Fira Code"/>
-              </a:rPr>
-              <a:t>, </a:t>
-            </a:r>
-            <a:r>
-              <a:rPr kumimoji="0" lang="en-US" altLang="en-US" sz="2400" b="0" i="0" u="none" strike="noStrike" cap="none" normalizeH="0" baseline="0" dirty="0" smtClean="0">
-                <a:ln>
-                  <a:noFill/>
-                </a:ln>
-                <a:solidFill>
-                  <a:srgbClr val="EE82EE"/>
-                </a:solidFill>
-                <a:effectLst/>
-                <a:latin typeface="Fira Code"/>
-              </a:rPr>
-              <a:t>Amount</a:t>
-            </a:r>
-            <a:r>
-              <a:rPr kumimoji="0" lang="en-US" altLang="en-US" sz="2400" b="0" i="0" u="none" strike="noStrike" cap="none" normalizeH="0" baseline="0" dirty="0" smtClean="0">
-                <a:ln>
-                  <a:noFill/>
-                </a:ln>
-                <a:solidFill>
-                  <a:srgbClr val="DCDCDC"/>
-                </a:solidFill>
-                <a:effectLst/>
-                <a:latin typeface="Fira Code"/>
-              </a:rPr>
-              <a:t>));</a:t>
-            </a:r>
-            <a:br>
-              <a:rPr kumimoji="0" lang="en-US" altLang="en-US" sz="2400" b="0" i="0" u="none" strike="noStrike" cap="none" normalizeH="0" baseline="0" dirty="0" smtClean="0">
-                <a:ln>
-                  <a:noFill/>
-                </a:ln>
-                <a:solidFill>
-                  <a:srgbClr val="DCDCDC"/>
-                </a:solidFill>
-                <a:effectLst/>
-                <a:latin typeface="Fira Code"/>
-              </a:rPr>
-            </a:br>
-            <a:r>
-              <a:rPr kumimoji="0" lang="en-US" altLang="en-US" sz="2400" b="0" i="0" u="none" strike="noStrike" cap="none" normalizeH="0" baseline="0" dirty="0" smtClean="0">
-                <a:ln>
-                  <a:noFill/>
-                </a:ln>
-                <a:solidFill>
-                  <a:srgbClr val="DCDCDC"/>
-                </a:solidFill>
-                <a:effectLst/>
-                <a:latin typeface="Fira Code"/>
-              </a:rPr>
-              <a:t>    }</a:t>
-            </a:r>
-            <a:br>
-              <a:rPr kumimoji="0" lang="en-US" altLang="en-US" sz="2400" b="0" i="0" u="none" strike="noStrike" cap="none" normalizeH="0" baseline="0" dirty="0" smtClean="0">
-                <a:ln>
-                  <a:noFill/>
-                </a:ln>
-                <a:solidFill>
-                  <a:srgbClr val="DCDCDC"/>
-                </a:solidFill>
-                <a:effectLst/>
-                <a:latin typeface="Fira Code"/>
-              </a:rPr>
-            </a:br>
-            <a:r>
-              <a:rPr kumimoji="0" lang="en-US" altLang="en-US" sz="2400" b="0" i="0" u="none" strike="noStrike" cap="none" normalizeH="0" baseline="0" dirty="0" smtClean="0">
-                <a:ln>
-                  <a:noFill/>
-                </a:ln>
-                <a:solidFill>
-                  <a:srgbClr val="DCDCDC"/>
-                </a:solidFill>
-                <a:effectLst/>
-                <a:latin typeface="Fira Code"/>
-              </a:rPr>
-              <a:t>    </a:t>
-            </a:r>
-            <a:r>
-              <a:rPr kumimoji="0" lang="en-US" altLang="en-US" sz="2400" b="0" i="0" u="none" strike="noStrike" cap="none" normalizeH="0" baseline="0" dirty="0" smtClean="0">
-                <a:ln>
-                  <a:noFill/>
-                </a:ln>
-                <a:solidFill>
-                  <a:srgbClr val="569CD6"/>
-                </a:solidFill>
-                <a:effectLst/>
-                <a:latin typeface="Fira Code"/>
-              </a:rPr>
-              <a:t>else</a:t>
-            </a:r>
-            <a:br>
-              <a:rPr kumimoji="0" lang="en-US" altLang="en-US" sz="2400" b="0" i="0" u="none" strike="noStrike" cap="none" normalizeH="0" baseline="0" dirty="0" smtClean="0">
-                <a:ln>
-                  <a:noFill/>
-                </a:ln>
-                <a:solidFill>
-                  <a:srgbClr val="569CD6"/>
-                </a:solidFill>
-                <a:effectLst/>
-                <a:latin typeface="Fira Code"/>
-              </a:rPr>
-            </a:br>
-            <a:r>
-              <a:rPr kumimoji="0" lang="en-US" altLang="en-US" sz="2400" b="0" i="0" u="none" strike="noStrike" cap="none" normalizeH="0" baseline="0" dirty="0" smtClean="0">
-                <a:ln>
-                  <a:noFill/>
-                </a:ln>
-                <a:solidFill>
-                  <a:srgbClr val="569CD6"/>
-                </a:solidFill>
-                <a:effectLst/>
-                <a:latin typeface="Fira Code"/>
-              </a:rPr>
-              <a:t>    </a:t>
-            </a:r>
-            <a:r>
-              <a:rPr kumimoji="0" lang="en-US" altLang="en-US" sz="2400" b="0" i="0" u="none" strike="noStrike" cap="none" normalizeH="0" baseline="0" dirty="0" smtClean="0">
-                <a:ln>
-                  <a:noFill/>
-                </a:ln>
-                <a:solidFill>
-                  <a:srgbClr val="DCDCDC"/>
-                </a:solidFill>
-                <a:effectLst/>
-                <a:latin typeface="Fira Code"/>
-              </a:rPr>
-              <a:t>{</a:t>
-            </a:r>
-            <a:br>
-              <a:rPr kumimoji="0" lang="en-US" altLang="en-US" sz="2400" b="0" i="0" u="none" strike="noStrike" cap="none" normalizeH="0" baseline="0" dirty="0" smtClean="0">
-                <a:ln>
-                  <a:noFill/>
-                </a:ln>
-                <a:solidFill>
-                  <a:srgbClr val="DCDCDC"/>
-                </a:solidFill>
-                <a:effectLst/>
-                <a:latin typeface="Fira Code"/>
-              </a:rPr>
-            </a:br>
-            <a:r>
-              <a:rPr kumimoji="0" lang="en-US" altLang="en-US" sz="2400" b="0" i="0" u="none" strike="noStrike" cap="none" normalizeH="0" baseline="0" dirty="0" smtClean="0">
-                <a:ln>
-                  <a:noFill/>
-                </a:ln>
-                <a:solidFill>
-                  <a:srgbClr val="DCDCDC"/>
-                </a:solidFill>
-                <a:effectLst/>
-                <a:latin typeface="Fira Code"/>
-              </a:rPr>
-              <a:t>        </a:t>
-            </a:r>
-            <a:r>
-              <a:rPr kumimoji="0" lang="en-US" altLang="en-US" sz="2400" b="0" i="0" u="none" strike="noStrike" cap="none" normalizeH="0" baseline="0" dirty="0" smtClean="0">
-                <a:ln>
-                  <a:noFill/>
-                </a:ln>
-                <a:solidFill>
-                  <a:srgbClr val="EE82EE"/>
-                </a:solidFill>
-                <a:effectLst/>
-                <a:latin typeface="Fira Code"/>
-              </a:rPr>
-              <a:t>Status </a:t>
-            </a:r>
-            <a:r>
-              <a:rPr kumimoji="0" lang="en-US" altLang="en-US" sz="2400" b="0" i="0" u="none" strike="noStrike" cap="none" normalizeH="0" baseline="0" dirty="0" smtClean="0">
-                <a:ln>
-                  <a:noFill/>
-                </a:ln>
-                <a:solidFill>
-                  <a:srgbClr val="DCDCDC"/>
-                </a:solidFill>
-                <a:effectLst/>
-                <a:latin typeface="Fira Code"/>
-              </a:rPr>
-              <a:t>= </a:t>
-            </a:r>
-            <a:r>
-              <a:rPr kumimoji="0" lang="en-US" altLang="en-US" sz="2400" b="0" i="0" u="none" strike="noStrike" cap="none" normalizeH="0" baseline="0" dirty="0" err="1" smtClean="0">
-                <a:ln>
-                  <a:noFill/>
-                </a:ln>
-                <a:solidFill>
-                  <a:srgbClr val="ADD8E6"/>
-                </a:solidFill>
-                <a:effectLst/>
-                <a:latin typeface="Fira Code"/>
-              </a:rPr>
-              <a:t>PaymentStatus</a:t>
-            </a:r>
-            <a:r>
-              <a:rPr kumimoji="0" lang="en-US" altLang="en-US" sz="2400" b="0" i="0" u="none" strike="noStrike" cap="none" normalizeH="0" baseline="0" dirty="0" err="1" smtClean="0">
-                <a:ln>
-                  <a:noFill/>
-                </a:ln>
-                <a:solidFill>
-                  <a:srgbClr val="DCDCDC"/>
-                </a:solidFill>
-                <a:effectLst/>
-                <a:latin typeface="Fira Code"/>
-              </a:rPr>
-              <a:t>.</a:t>
-            </a:r>
-            <a:r>
-              <a:rPr kumimoji="0" lang="en-US" altLang="en-US" sz="2400" b="1" i="0" u="none" strike="noStrike" cap="none" normalizeH="0" baseline="0" dirty="0" err="1" smtClean="0">
-                <a:ln>
-                  <a:noFill/>
-                </a:ln>
-                <a:solidFill>
-                  <a:srgbClr val="EE82EE"/>
-                </a:solidFill>
-                <a:effectLst/>
-                <a:latin typeface="Fira Code"/>
-              </a:rPr>
-              <a:t>Accepted</a:t>
-            </a:r>
-            <a:r>
-              <a:rPr kumimoji="0" lang="en-US" altLang="en-US" sz="2400" b="0" i="0" u="none" strike="noStrike" cap="none" normalizeH="0" baseline="0" dirty="0" smtClean="0">
-                <a:ln>
-                  <a:noFill/>
-                </a:ln>
-                <a:solidFill>
-                  <a:srgbClr val="DCDCDC"/>
-                </a:solidFill>
-                <a:effectLst/>
-                <a:latin typeface="Fira Code"/>
-              </a:rPr>
-              <a:t>;</a:t>
-            </a:r>
-            <a:br>
-              <a:rPr kumimoji="0" lang="en-US" altLang="en-US" sz="2400" b="0" i="0" u="none" strike="noStrike" cap="none" normalizeH="0" baseline="0" dirty="0" smtClean="0">
-                <a:ln>
-                  <a:noFill/>
-                </a:ln>
-                <a:solidFill>
-                  <a:srgbClr val="DCDCDC"/>
-                </a:solidFill>
-                <a:effectLst/>
-                <a:latin typeface="Fira Code"/>
-              </a:rPr>
-            </a:br>
-            <a:r>
-              <a:rPr kumimoji="0" lang="en-US" altLang="en-US" sz="2400" b="0" i="0" u="none" strike="noStrike" cap="none" normalizeH="0" baseline="0" dirty="0" smtClean="0">
-                <a:ln>
-                  <a:noFill/>
-                </a:ln>
-                <a:solidFill>
-                  <a:srgbClr val="DCDCDC"/>
-                </a:solidFill>
-                <a:effectLst/>
-                <a:latin typeface="Fira Code"/>
-              </a:rPr>
-              <a:t>        </a:t>
-            </a:r>
-            <a:r>
-              <a:rPr kumimoji="0" lang="en-US" altLang="en-US" sz="2400" b="0" i="0" u="none" strike="noStrike" cap="none" normalizeH="0" baseline="0" dirty="0" err="1" smtClean="0">
-                <a:ln>
-                  <a:noFill/>
-                </a:ln>
-                <a:solidFill>
-                  <a:srgbClr val="00FFFF"/>
-                </a:solidFill>
-                <a:effectLst/>
-                <a:latin typeface="Fira Code"/>
-              </a:rPr>
-              <a:t>RecordEvent</a:t>
-            </a:r>
-            <a:r>
-              <a:rPr kumimoji="0" lang="en-US" altLang="en-US" sz="2400" b="0" i="0" u="none" strike="noStrike" cap="none" normalizeH="0" baseline="0" dirty="0" smtClean="0">
-                <a:ln>
-                  <a:noFill/>
-                </a:ln>
-                <a:solidFill>
-                  <a:srgbClr val="DCDCDC"/>
-                </a:solidFill>
-                <a:effectLst/>
-                <a:latin typeface="Fira Code"/>
-              </a:rPr>
-              <a:t>(</a:t>
-            </a:r>
-            <a:r>
-              <a:rPr kumimoji="0" lang="en-US" altLang="en-US" sz="2400" b="0" i="0" u="none" strike="noStrike" cap="none" normalizeH="0" baseline="0" dirty="0" smtClean="0">
-                <a:ln>
-                  <a:noFill/>
-                </a:ln>
-                <a:solidFill>
-                  <a:srgbClr val="569CD6"/>
-                </a:solidFill>
-                <a:effectLst/>
-                <a:latin typeface="Fira Code"/>
-              </a:rPr>
-              <a:t>new </a:t>
-            </a:r>
-            <a:r>
-              <a:rPr kumimoji="0" lang="en-US" altLang="en-US" sz="2400" b="0" i="0" u="none" strike="noStrike" cap="none" normalizeH="0" baseline="0" dirty="0" err="1" smtClean="0">
-                <a:ln>
-                  <a:noFill/>
-                </a:ln>
-                <a:solidFill>
-                  <a:srgbClr val="ADD8E6"/>
-                </a:solidFill>
-                <a:effectLst/>
-                <a:latin typeface="Fira Code"/>
-              </a:rPr>
-              <a:t>Payment</a:t>
-            </a:r>
-            <a:r>
-              <a:rPr kumimoji="0" lang="en-US" altLang="en-US" sz="2400" b="0" i="0" u="none" strike="noStrike" cap="none" normalizeH="0" baseline="0" dirty="0" err="1" smtClean="0">
-                <a:ln>
-                  <a:noFill/>
-                </a:ln>
-                <a:solidFill>
-                  <a:schemeClr val="bg1"/>
-                </a:solidFill>
-                <a:effectLst/>
-                <a:latin typeface="Fira Code"/>
-              </a:rPr>
-              <a:t>Accepted</a:t>
-            </a:r>
-            <a:r>
-              <a:rPr kumimoji="0" lang="en-US" altLang="en-US" sz="2400" b="0" i="0" u="none" strike="noStrike" cap="none" normalizeH="0" baseline="0" dirty="0" smtClean="0">
-                <a:ln>
-                  <a:noFill/>
-                </a:ln>
-                <a:solidFill>
-                  <a:srgbClr val="DCDCDC"/>
-                </a:solidFill>
-                <a:effectLst/>
-                <a:latin typeface="Fira Code"/>
-              </a:rPr>
-              <a:t>(</a:t>
-            </a:r>
-            <a:r>
-              <a:rPr kumimoji="0" lang="en-US" altLang="en-US" sz="2400" b="0" i="0" u="none" strike="noStrike" cap="none" normalizeH="0" baseline="0" dirty="0" smtClean="0">
-                <a:ln>
-                  <a:noFill/>
-                </a:ln>
-                <a:solidFill>
-                  <a:srgbClr val="EE82EE"/>
-                </a:solidFill>
-                <a:effectLst/>
-                <a:latin typeface="Fira Code"/>
-              </a:rPr>
-              <a:t>Id</a:t>
-            </a:r>
-            <a:r>
-              <a:rPr kumimoji="0" lang="en-US" altLang="en-US" sz="2400" b="0" i="0" u="none" strike="noStrike" cap="none" normalizeH="0" baseline="0" dirty="0" smtClean="0">
-                <a:ln>
-                  <a:noFill/>
-                </a:ln>
-                <a:solidFill>
-                  <a:srgbClr val="DCDCDC"/>
-                </a:solidFill>
-                <a:effectLst/>
-                <a:latin typeface="Fira Code"/>
-              </a:rPr>
-              <a:t>, </a:t>
-            </a:r>
-            <a:r>
-              <a:rPr kumimoji="0" lang="en-US" altLang="en-US" sz="2400" b="0" i="0" u="none" strike="noStrike" cap="none" normalizeH="0" baseline="0" dirty="0" err="1" smtClean="0">
-                <a:ln>
-                  <a:noFill/>
-                </a:ln>
-                <a:solidFill>
-                  <a:srgbClr val="EE82EE"/>
-                </a:solidFill>
-                <a:effectLst/>
-                <a:latin typeface="Fira Code"/>
-              </a:rPr>
-              <a:t>OrderId</a:t>
-            </a:r>
-            <a:r>
-              <a:rPr kumimoji="0" lang="en-US" altLang="en-US" sz="2400" b="0" i="0" u="none" strike="noStrike" cap="none" normalizeH="0" baseline="0" dirty="0" smtClean="0">
-                <a:ln>
-                  <a:noFill/>
-                </a:ln>
-                <a:solidFill>
-                  <a:srgbClr val="DCDCDC"/>
-                </a:solidFill>
-                <a:effectLst/>
-                <a:latin typeface="Fira Code"/>
-              </a:rPr>
-              <a:t>, </a:t>
-            </a:r>
-            <a:r>
-              <a:rPr kumimoji="0" lang="en-US" altLang="en-US" sz="2400" b="0" i="0" u="none" strike="noStrike" cap="none" normalizeH="0" baseline="0" dirty="0" smtClean="0">
-                <a:ln>
-                  <a:noFill/>
-                </a:ln>
-                <a:solidFill>
-                  <a:srgbClr val="EE82EE"/>
-                </a:solidFill>
-                <a:effectLst/>
-                <a:latin typeface="Fira Code"/>
-              </a:rPr>
-              <a:t>Amount</a:t>
-            </a:r>
-            <a:r>
-              <a:rPr kumimoji="0" lang="en-US" altLang="en-US" sz="2400" b="0" i="0" u="none" strike="noStrike" cap="none" normalizeH="0" baseline="0" dirty="0" smtClean="0">
-                <a:ln>
-                  <a:noFill/>
-                </a:ln>
-                <a:solidFill>
-                  <a:srgbClr val="DCDCDC"/>
-                </a:solidFill>
-                <a:effectLst/>
-                <a:latin typeface="Fira Code"/>
-              </a:rPr>
-              <a:t>));</a:t>
-            </a:r>
-            <a:br>
-              <a:rPr kumimoji="0" lang="en-US" altLang="en-US" sz="2400" b="0" i="0" u="none" strike="noStrike" cap="none" normalizeH="0" baseline="0" dirty="0" smtClean="0">
-                <a:ln>
-                  <a:noFill/>
-                </a:ln>
-                <a:solidFill>
-                  <a:srgbClr val="DCDCDC"/>
-                </a:solidFill>
-                <a:effectLst/>
-                <a:latin typeface="Fira Code"/>
-              </a:rPr>
-            </a:br>
-            <a:r>
-              <a:rPr kumimoji="0" lang="en-US" altLang="en-US" sz="2400" b="0" i="0" u="none" strike="noStrike" cap="none" normalizeH="0" baseline="0" dirty="0" smtClean="0">
-                <a:ln>
-                  <a:noFill/>
-                </a:ln>
-                <a:solidFill>
-                  <a:srgbClr val="DCDCDC"/>
-                </a:solidFill>
-                <a:effectLst/>
-                <a:latin typeface="Fira Code"/>
-              </a:rPr>
-              <a:t>    }</a:t>
+              <a:t>Create</a:t>
+            </a:r>
+            <a:r>
+              <a:rPr kumimoji="0" lang="en-US" altLang="en-US" sz="2400" b="0" i="0" u="none" strike="noStrike" cap="none" normalizeH="0" baseline="0" dirty="0" smtClean="0">
+                <a:ln>
+                  <a:noFill/>
+                </a:ln>
+                <a:solidFill>
+                  <a:srgbClr val="DCDCDC"/>
+                </a:solidFill>
+                <a:effectLst/>
+                <a:latin typeface="Fira Code"/>
+              </a:rPr>
+              <a:t>(payment);</a:t>
             </a:r>
             <a:br>
               <a:rPr kumimoji="0" lang="en-US" altLang="en-US" sz="2400" b="0" i="0" u="none" strike="noStrike" cap="none" normalizeH="0" baseline="0" dirty="0" smtClean="0">
@@ -16394,7 +17621,7 @@
     </p:spTree>
     <p:extLst>
       <p:ext uri="{BB962C8B-B14F-4D97-AF65-F5344CB8AC3E}">
-        <p14:creationId xmlns:p14="http://schemas.microsoft.com/office/powerpoint/2010/main" val="2538900092"/>
+        <p14:creationId xmlns:p14="http://schemas.microsoft.com/office/powerpoint/2010/main" val="635392540"/>
       </p:ext>
     </p:extLst>
   </p:cSld>
@@ -16428,8 +17655,1183 @@
           <a:chExt cx="0" cy="0"/>
         </a:xfrm>
       </p:grpSpPr>
-      <mc:AlternateContent xmlns:mc="http://schemas.openxmlformats.org/markup-compatibility/2006">
-        <mc:Choice xmlns:p14="http://schemas.microsoft.com/office/powerpoint/2010/main" Requires="p14">
+      <mc:AlternateContent xmlns:mc="http://schemas.openxmlformats.org/markup-compatibility/2006" xmlns:p14="http://schemas.microsoft.com/office/powerpoint/2010/main">
+        <mc:Choice Requires="p14">
+          <p:contentPart p14:bwMode="auto" r:id="rId2">
+            <p14:nvContentPartPr>
+              <p14:cNvPr id="6" name="Ink 5"/>
+              <p14:cNvContentPartPr/>
+              <p14:nvPr/>
+            </p14:nvContentPartPr>
+            <p14:xfrm>
+              <a:off x="3012923" y="2244997"/>
+              <a:ext cx="938160" cy="161280"/>
+            </p14:xfrm>
+          </p:contentPart>
+        </mc:Choice>
+        <mc:Fallback xmlns="">
+          <p:pic>
+            <p:nvPicPr>
+              <p:cNvPr id="6" name="Ink 5"/>
+              <p:cNvPicPr/>
+              <p:nvPr/>
+            </p:nvPicPr>
+            <p:blipFill>
+              <a:blip r:embed="rId3"/>
+              <a:stretch>
+                <a:fillRect/>
+              </a:stretch>
+            </p:blipFill>
+            <p:spPr>
+              <a:xfrm>
+                <a:off x="2929043" y="2161117"/>
+                <a:ext cx="1105920" cy="329040"/>
+              </a:xfrm>
+              <a:prstGeom prst="rect">
+                <a:avLst/>
+              </a:prstGeom>
+            </p:spPr>
+          </p:pic>
+        </mc:Fallback>
+      </mc:AlternateContent>
+      <mc:AlternateContent xmlns:mc="http://schemas.openxmlformats.org/markup-compatibility/2006" xmlns:p14="http://schemas.microsoft.com/office/powerpoint/2010/main">
+        <mc:Choice Requires="p14">
+          <p:contentPart p14:bwMode="auto" r:id="rId4">
+            <p14:nvContentPartPr>
+              <p14:cNvPr id="7" name="Ink 6"/>
+              <p14:cNvContentPartPr/>
+              <p14:nvPr/>
+            </p14:nvContentPartPr>
+            <p14:xfrm>
+              <a:off x="5662163" y="3317797"/>
+              <a:ext cx="1149480" cy="2053440"/>
+            </p14:xfrm>
+          </p:contentPart>
+        </mc:Choice>
+        <mc:Fallback xmlns="">
+          <p:pic>
+            <p:nvPicPr>
+              <p:cNvPr id="7" name="Ink 6"/>
+              <p:cNvPicPr/>
+              <p:nvPr/>
+            </p:nvPicPr>
+            <p:blipFill>
+              <a:blip r:embed="rId5"/>
+              <a:stretch>
+                <a:fillRect/>
+              </a:stretch>
+            </p:blipFill>
+            <p:spPr>
+              <a:xfrm>
+                <a:off x="5578283" y="3233917"/>
+                <a:ext cx="1317240" cy="2221200"/>
+              </a:xfrm>
+              <a:prstGeom prst="rect">
+                <a:avLst/>
+              </a:prstGeom>
+            </p:spPr>
+          </p:pic>
+        </mc:Fallback>
+      </mc:AlternateContent>
+      <p:sp>
+        <p:nvSpPr>
+          <p:cNvPr id="2" name="Rectangle 1"/>
+          <p:cNvSpPr>
+            <a:spLocks noChangeArrowheads="1"/>
+          </p:cNvSpPr>
+          <p:nvPr/>
+        </p:nvSpPr>
+        <p:spPr bwMode="auto">
+          <a:xfrm>
+            <a:off x="1137138" y="612845"/>
+            <a:ext cx="8974573" cy="5632311"/>
+          </a:xfrm>
+          <a:prstGeom prst="rect">
+            <a:avLst/>
+          </a:prstGeom>
+          <a:noFill/>
+          <a:ln>
+            <a:noFill/>
+          </a:ln>
+          <a:effectLst/>
+        </p:spPr>
+        <p:txBody>
+          <a:bodyPr vert="horz" wrap="none" lIns="91440" tIns="45720" rIns="91440" bIns="45720" numCol="1" anchor="ctr" anchorCtr="0" compatLnSpc="1">
+            <a:prstTxWarp prst="textNoShape">
+              <a:avLst/>
+            </a:prstTxWarp>
+            <a:spAutoFit/>
+          </a:bodyPr>
+          <a:lstStyle/>
+          <a:p>
+            <a:pPr marL="0" marR="0" lvl="0" indent="0" algn="l" defTabSz="914400" rtl="0" eaLnBrk="0" fontAlgn="base" latinLnBrk="0" hangingPunct="0">
+              <a:lnSpc>
+                <a:spcPct val="100000"/>
+              </a:lnSpc>
+              <a:spcBef>
+                <a:spcPct val="0"/>
+              </a:spcBef>
+              <a:spcAft>
+                <a:spcPct val="0"/>
+              </a:spcAft>
+              <a:buClrTx/>
+              <a:buSzTx/>
+              <a:buFontTx/>
+              <a:buNone/>
+              <a:tabLst/>
+            </a:pPr>
+            <a:r>
+              <a:rPr kumimoji="0" lang="en-US" altLang="en-US" sz="2400" b="0" i="0" u="none" strike="noStrike" cap="none" normalizeH="0" baseline="0" dirty="0" smtClean="0">
+                <a:ln>
+                  <a:noFill/>
+                </a:ln>
+                <a:solidFill>
+                  <a:srgbClr val="569CD6"/>
+                </a:solidFill>
+                <a:effectLst/>
+                <a:latin typeface="Fira Code"/>
+              </a:rPr>
+              <a:t>public void </a:t>
+            </a:r>
+            <a:r>
+              <a:rPr kumimoji="0" lang="en-US" altLang="en-US" sz="2400" b="0" i="0" u="none" strike="noStrike" cap="none" normalizeH="0" baseline="0" dirty="0" smtClean="0">
+                <a:ln>
+                  <a:noFill/>
+                </a:ln>
+                <a:solidFill>
+                  <a:srgbClr val="00FFFF"/>
+                </a:solidFill>
+                <a:effectLst/>
+                <a:latin typeface="Fira Code"/>
+              </a:rPr>
+              <a:t>Process</a:t>
+            </a:r>
+            <a:r>
+              <a:rPr kumimoji="0" lang="en-US" altLang="en-US" sz="2400" b="0" i="0" u="none" strike="noStrike" cap="none" normalizeH="0" baseline="0" dirty="0" smtClean="0">
+                <a:ln>
+                  <a:noFill/>
+                </a:ln>
+                <a:solidFill>
+                  <a:srgbClr val="DCDCDC"/>
+                </a:solidFill>
+                <a:effectLst/>
+                <a:latin typeface="Fira Code"/>
+              </a:rPr>
+              <a:t>(</a:t>
+            </a:r>
+            <a:r>
+              <a:rPr kumimoji="0" lang="en-US" altLang="en-US" sz="2400" b="0" i="0" u="none" strike="noStrike" cap="none" normalizeH="0" baseline="0" dirty="0" smtClean="0">
+                <a:ln>
+                  <a:noFill/>
+                </a:ln>
+                <a:solidFill>
+                  <a:srgbClr val="569CD6"/>
+                </a:solidFill>
+                <a:effectLst/>
+                <a:latin typeface="Fira Code"/>
+              </a:rPr>
+              <a:t>decimal </a:t>
+            </a:r>
+            <a:r>
+              <a:rPr kumimoji="0" lang="en-US" altLang="en-US" sz="2400" b="0" i="0" u="none" strike="noStrike" cap="none" normalizeH="0" baseline="0" dirty="0" smtClean="0">
+                <a:ln>
+                  <a:noFill/>
+                </a:ln>
+                <a:solidFill>
+                  <a:srgbClr val="DCDCDC"/>
+                </a:solidFill>
+                <a:effectLst/>
+                <a:latin typeface="Fira Code"/>
+              </a:rPr>
+              <a:t>amount)</a:t>
+            </a:r>
+            <a:br>
+              <a:rPr kumimoji="0" lang="en-US" altLang="en-US" sz="2400" b="0" i="0" u="none" strike="noStrike" cap="none" normalizeH="0" baseline="0" dirty="0" smtClean="0">
+                <a:ln>
+                  <a:noFill/>
+                </a:ln>
+                <a:solidFill>
+                  <a:srgbClr val="DCDCDC"/>
+                </a:solidFill>
+                <a:effectLst/>
+                <a:latin typeface="Fira Code"/>
+              </a:rPr>
+            </a:br>
+            <a:r>
+              <a:rPr kumimoji="0" lang="en-US" altLang="en-US" sz="2400" b="0" i="0" u="none" strike="noStrike" cap="none" normalizeH="0" baseline="0" dirty="0" smtClean="0">
+                <a:ln>
+                  <a:noFill/>
+                </a:ln>
+                <a:solidFill>
+                  <a:srgbClr val="DCDCDC"/>
+                </a:solidFill>
+                <a:effectLst/>
+                <a:latin typeface="Fira Code"/>
+              </a:rPr>
+              <a:t>{</a:t>
+            </a:r>
+            <a:br>
+              <a:rPr kumimoji="0" lang="en-US" altLang="en-US" sz="2400" b="0" i="0" u="none" strike="noStrike" cap="none" normalizeH="0" baseline="0" dirty="0" smtClean="0">
+                <a:ln>
+                  <a:noFill/>
+                </a:ln>
+                <a:solidFill>
+                  <a:srgbClr val="DCDCDC"/>
+                </a:solidFill>
+                <a:effectLst/>
+                <a:latin typeface="Fira Code"/>
+              </a:rPr>
+            </a:br>
+            <a:r>
+              <a:rPr kumimoji="0" lang="en-US" altLang="en-US" sz="2400" b="0" i="0" u="none" strike="noStrike" cap="none" normalizeH="0" baseline="0" dirty="0" smtClean="0">
+                <a:ln>
+                  <a:noFill/>
+                </a:ln>
+                <a:solidFill>
+                  <a:srgbClr val="DCDCDC"/>
+                </a:solidFill>
+                <a:effectLst/>
+                <a:latin typeface="Fira Code"/>
+              </a:rPr>
+              <a:t>    </a:t>
+            </a:r>
+            <a:r>
+              <a:rPr kumimoji="0" lang="en-US" altLang="en-US" sz="2400" b="0" i="0" u="none" strike="noStrike" cap="none" normalizeH="0" baseline="0" dirty="0" smtClean="0">
+                <a:ln>
+                  <a:noFill/>
+                </a:ln>
+                <a:solidFill>
+                  <a:srgbClr val="EE82EE"/>
+                </a:solidFill>
+                <a:effectLst/>
+                <a:latin typeface="Fira Code"/>
+              </a:rPr>
+              <a:t>Amount </a:t>
+            </a:r>
+            <a:r>
+              <a:rPr kumimoji="0" lang="en-US" altLang="en-US" sz="2400" b="0" i="0" u="none" strike="noStrike" cap="none" normalizeH="0" baseline="0" dirty="0" smtClean="0">
+                <a:ln>
+                  <a:noFill/>
+                </a:ln>
+                <a:solidFill>
+                  <a:srgbClr val="DCDCDC"/>
+                </a:solidFill>
+                <a:effectLst/>
+                <a:latin typeface="Fira Code"/>
+              </a:rPr>
+              <a:t>= amount;</a:t>
+            </a:r>
+            <a:br>
+              <a:rPr kumimoji="0" lang="en-US" altLang="en-US" sz="2400" b="0" i="0" u="none" strike="noStrike" cap="none" normalizeH="0" baseline="0" dirty="0" smtClean="0">
+                <a:ln>
+                  <a:noFill/>
+                </a:ln>
+                <a:solidFill>
+                  <a:srgbClr val="DCDCDC"/>
+                </a:solidFill>
+                <a:effectLst/>
+                <a:latin typeface="Fira Code"/>
+              </a:rPr>
+            </a:br>
+            <a:r>
+              <a:rPr kumimoji="0" lang="en-US" altLang="en-US" sz="2400" b="0" i="0" u="none" strike="noStrike" cap="none" normalizeH="0" baseline="0" dirty="0" smtClean="0">
+                <a:ln>
+                  <a:noFill/>
+                </a:ln>
+                <a:solidFill>
+                  <a:srgbClr val="DCDCDC"/>
+                </a:solidFill>
+                <a:effectLst/>
+                <a:latin typeface="Fira Code"/>
+              </a:rPr>
+              <a:t/>
+            </a:r>
+            <a:br>
+              <a:rPr kumimoji="0" lang="en-US" altLang="en-US" sz="2400" b="0" i="0" u="none" strike="noStrike" cap="none" normalizeH="0" baseline="0" dirty="0" smtClean="0">
+                <a:ln>
+                  <a:noFill/>
+                </a:ln>
+                <a:solidFill>
+                  <a:srgbClr val="DCDCDC"/>
+                </a:solidFill>
+                <a:effectLst/>
+                <a:latin typeface="Fira Code"/>
+              </a:rPr>
+            </a:br>
+            <a:r>
+              <a:rPr kumimoji="0" lang="en-US" altLang="en-US" sz="2400" b="0" i="0" u="none" strike="noStrike" cap="none" normalizeH="0" baseline="0" dirty="0" smtClean="0">
+                <a:ln>
+                  <a:noFill/>
+                </a:ln>
+                <a:solidFill>
+                  <a:srgbClr val="DCDCDC"/>
+                </a:solidFill>
+                <a:effectLst/>
+                <a:latin typeface="Fira Code"/>
+              </a:rPr>
+              <a:t>    </a:t>
+            </a:r>
+            <a:r>
+              <a:rPr kumimoji="0" lang="en-US" altLang="en-US" sz="2400" b="0" i="0" u="none" strike="noStrike" cap="none" normalizeH="0" baseline="0" dirty="0" smtClean="0">
+                <a:ln>
+                  <a:noFill/>
+                </a:ln>
+                <a:solidFill>
+                  <a:srgbClr val="569CD6"/>
+                </a:solidFill>
+                <a:effectLst/>
+                <a:latin typeface="Fira Code"/>
+              </a:rPr>
+              <a:t>if </a:t>
+            </a:r>
+            <a:r>
+              <a:rPr kumimoji="0" lang="en-US" altLang="en-US" sz="2400" b="0" i="0" u="none" strike="noStrike" cap="none" normalizeH="0" baseline="0" dirty="0" smtClean="0">
+                <a:ln>
+                  <a:noFill/>
+                </a:ln>
+                <a:solidFill>
+                  <a:srgbClr val="DCDCDC"/>
+                </a:solidFill>
+                <a:effectLst/>
+                <a:latin typeface="Fira Code"/>
+              </a:rPr>
+              <a:t>(</a:t>
+            </a:r>
+            <a:r>
+              <a:rPr kumimoji="0" lang="en-US" altLang="en-US" sz="2400" b="0" i="0" u="none" strike="noStrike" cap="none" normalizeH="0" baseline="0" dirty="0" smtClean="0">
+                <a:ln>
+                  <a:noFill/>
+                </a:ln>
+                <a:solidFill>
+                  <a:srgbClr val="EE82EE"/>
+                </a:solidFill>
+                <a:effectLst/>
+                <a:latin typeface="Fira Code"/>
+              </a:rPr>
+              <a:t>Amount </a:t>
+            </a:r>
+            <a:r>
+              <a:rPr kumimoji="0" lang="en-US" altLang="en-US" sz="2400" b="0" i="0" u="none" strike="noStrike" cap="none" normalizeH="0" baseline="0" dirty="0" smtClean="0">
+                <a:ln>
+                  <a:noFill/>
+                </a:ln>
+                <a:solidFill>
+                  <a:schemeClr val="bg1"/>
+                </a:solidFill>
+                <a:effectLst/>
+                <a:latin typeface="Fira Code"/>
+              </a:rPr>
+              <a:t>&gt;= 300</a:t>
+            </a:r>
+            <a:r>
+              <a:rPr kumimoji="0" lang="en-US" altLang="en-US" sz="2400" b="0" i="0" u="none" strike="noStrike" cap="none" normalizeH="0" baseline="0" dirty="0" smtClean="0">
+                <a:ln>
+                  <a:noFill/>
+                </a:ln>
+                <a:solidFill>
+                  <a:srgbClr val="DCDCDC"/>
+                </a:solidFill>
+                <a:effectLst/>
+                <a:latin typeface="Fira Code"/>
+              </a:rPr>
+              <a:t>)</a:t>
+            </a:r>
+            <a:br>
+              <a:rPr kumimoji="0" lang="en-US" altLang="en-US" sz="2400" b="0" i="0" u="none" strike="noStrike" cap="none" normalizeH="0" baseline="0" dirty="0" smtClean="0">
+                <a:ln>
+                  <a:noFill/>
+                </a:ln>
+                <a:solidFill>
+                  <a:srgbClr val="DCDCDC"/>
+                </a:solidFill>
+                <a:effectLst/>
+                <a:latin typeface="Fira Code"/>
+              </a:rPr>
+            </a:br>
+            <a:r>
+              <a:rPr kumimoji="0" lang="en-US" altLang="en-US" sz="2400" b="0" i="0" u="none" strike="noStrike" cap="none" normalizeH="0" baseline="0" dirty="0" smtClean="0">
+                <a:ln>
+                  <a:noFill/>
+                </a:ln>
+                <a:solidFill>
+                  <a:srgbClr val="DCDCDC"/>
+                </a:solidFill>
+                <a:effectLst/>
+                <a:latin typeface="Fira Code"/>
+              </a:rPr>
+              <a:t>    {</a:t>
+            </a:r>
+            <a:br>
+              <a:rPr kumimoji="0" lang="en-US" altLang="en-US" sz="2400" b="0" i="0" u="none" strike="noStrike" cap="none" normalizeH="0" baseline="0" dirty="0" smtClean="0">
+                <a:ln>
+                  <a:noFill/>
+                </a:ln>
+                <a:solidFill>
+                  <a:srgbClr val="DCDCDC"/>
+                </a:solidFill>
+                <a:effectLst/>
+                <a:latin typeface="Fira Code"/>
+              </a:rPr>
+            </a:br>
+            <a:r>
+              <a:rPr kumimoji="0" lang="en-US" altLang="en-US" sz="2400" b="0" i="0" u="none" strike="noStrike" cap="none" normalizeH="0" baseline="0" dirty="0" smtClean="0">
+                <a:ln>
+                  <a:noFill/>
+                </a:ln>
+                <a:solidFill>
+                  <a:srgbClr val="DCDCDC"/>
+                </a:solidFill>
+                <a:effectLst/>
+                <a:latin typeface="Fira Code"/>
+              </a:rPr>
+              <a:t>        </a:t>
+            </a:r>
+            <a:r>
+              <a:rPr kumimoji="0" lang="en-US" altLang="en-US" sz="2400" b="0" i="0" u="none" strike="noStrike" cap="none" normalizeH="0" baseline="0" dirty="0" smtClean="0">
+                <a:ln>
+                  <a:noFill/>
+                </a:ln>
+                <a:solidFill>
+                  <a:srgbClr val="EE82EE"/>
+                </a:solidFill>
+                <a:effectLst/>
+                <a:latin typeface="Fira Code"/>
+              </a:rPr>
+              <a:t>Status </a:t>
+            </a:r>
+            <a:r>
+              <a:rPr kumimoji="0" lang="en-US" altLang="en-US" sz="2400" b="0" i="0" u="none" strike="noStrike" cap="none" normalizeH="0" baseline="0" dirty="0" smtClean="0">
+                <a:ln>
+                  <a:noFill/>
+                </a:ln>
+                <a:solidFill>
+                  <a:srgbClr val="DCDCDC"/>
+                </a:solidFill>
+                <a:effectLst/>
+                <a:latin typeface="Fira Code"/>
+              </a:rPr>
+              <a:t>= </a:t>
+            </a:r>
+            <a:r>
+              <a:rPr kumimoji="0" lang="en-US" altLang="en-US" sz="2400" b="0" i="0" u="none" strike="noStrike" cap="none" normalizeH="0" baseline="0" dirty="0" err="1" smtClean="0">
+                <a:ln>
+                  <a:noFill/>
+                </a:ln>
+                <a:solidFill>
+                  <a:srgbClr val="ADD8E6"/>
+                </a:solidFill>
+                <a:effectLst/>
+                <a:latin typeface="Fira Code"/>
+              </a:rPr>
+              <a:t>PaymentStatus</a:t>
+            </a:r>
+            <a:r>
+              <a:rPr kumimoji="0" lang="en-US" altLang="en-US" sz="2400" b="0" i="0" u="none" strike="noStrike" cap="none" normalizeH="0" baseline="0" dirty="0" err="1" smtClean="0">
+                <a:ln>
+                  <a:noFill/>
+                </a:ln>
+                <a:solidFill>
+                  <a:srgbClr val="DCDCDC"/>
+                </a:solidFill>
+                <a:effectLst/>
+                <a:latin typeface="Fira Code"/>
+              </a:rPr>
+              <a:t>.</a:t>
+            </a:r>
+            <a:r>
+              <a:rPr kumimoji="0" lang="en-US" altLang="en-US" sz="2400" b="1" i="0" u="none" strike="noStrike" cap="none" normalizeH="0" baseline="0" dirty="0" err="1" smtClean="0">
+                <a:ln>
+                  <a:noFill/>
+                </a:ln>
+                <a:solidFill>
+                  <a:srgbClr val="EE82EE"/>
+                </a:solidFill>
+                <a:effectLst/>
+                <a:latin typeface="Fira Code"/>
+              </a:rPr>
+              <a:t>Rejected</a:t>
+            </a:r>
+            <a:r>
+              <a:rPr kumimoji="0" lang="en-US" altLang="en-US" sz="2400" b="0" i="0" u="none" strike="noStrike" cap="none" normalizeH="0" baseline="0" dirty="0" smtClean="0">
+                <a:ln>
+                  <a:noFill/>
+                </a:ln>
+                <a:solidFill>
+                  <a:srgbClr val="DCDCDC"/>
+                </a:solidFill>
+                <a:effectLst/>
+                <a:latin typeface="Fira Code"/>
+              </a:rPr>
+              <a:t>;</a:t>
+            </a:r>
+            <a:br>
+              <a:rPr kumimoji="0" lang="en-US" altLang="en-US" sz="2400" b="0" i="0" u="none" strike="noStrike" cap="none" normalizeH="0" baseline="0" dirty="0" smtClean="0">
+                <a:ln>
+                  <a:noFill/>
+                </a:ln>
+                <a:solidFill>
+                  <a:srgbClr val="DCDCDC"/>
+                </a:solidFill>
+                <a:effectLst/>
+                <a:latin typeface="Fira Code"/>
+              </a:rPr>
+            </a:br>
+            <a:r>
+              <a:rPr kumimoji="0" lang="en-US" altLang="en-US" sz="2400" b="0" i="0" u="none" strike="noStrike" cap="none" normalizeH="0" baseline="0" dirty="0" smtClean="0">
+                <a:ln>
+                  <a:noFill/>
+                </a:ln>
+                <a:solidFill>
+                  <a:srgbClr val="DCDCDC"/>
+                </a:solidFill>
+                <a:effectLst/>
+                <a:latin typeface="Fira Code"/>
+              </a:rPr>
+              <a:t>        </a:t>
+            </a:r>
+            <a:r>
+              <a:rPr kumimoji="0" lang="en-US" altLang="en-US" sz="2400" b="0" i="0" u="none" strike="noStrike" cap="none" normalizeH="0" baseline="0" dirty="0" err="1" smtClean="0">
+                <a:ln>
+                  <a:noFill/>
+                </a:ln>
+                <a:solidFill>
+                  <a:srgbClr val="00FFFF"/>
+                </a:solidFill>
+                <a:effectLst/>
+                <a:latin typeface="Fira Code"/>
+              </a:rPr>
+              <a:t>RecordEvent</a:t>
+            </a:r>
+            <a:r>
+              <a:rPr kumimoji="0" lang="en-US" altLang="en-US" sz="2400" b="0" i="0" u="none" strike="noStrike" cap="none" normalizeH="0" baseline="0" dirty="0" smtClean="0">
+                <a:ln>
+                  <a:noFill/>
+                </a:ln>
+                <a:solidFill>
+                  <a:srgbClr val="DCDCDC"/>
+                </a:solidFill>
+                <a:effectLst/>
+                <a:latin typeface="Fira Code"/>
+              </a:rPr>
+              <a:t>(</a:t>
+            </a:r>
+            <a:r>
+              <a:rPr kumimoji="0" lang="en-US" altLang="en-US" sz="2400" b="0" i="0" u="none" strike="noStrike" cap="none" normalizeH="0" baseline="0" dirty="0" smtClean="0">
+                <a:ln>
+                  <a:noFill/>
+                </a:ln>
+                <a:solidFill>
+                  <a:srgbClr val="569CD6"/>
+                </a:solidFill>
+                <a:effectLst/>
+                <a:latin typeface="Fira Code"/>
+              </a:rPr>
+              <a:t>new </a:t>
+            </a:r>
+            <a:r>
+              <a:rPr kumimoji="0" lang="en-US" altLang="en-US" sz="2400" b="0" i="0" u="none" strike="noStrike" cap="none" normalizeH="0" baseline="0" dirty="0" err="1" smtClean="0">
+                <a:ln>
+                  <a:noFill/>
+                </a:ln>
+                <a:solidFill>
+                  <a:srgbClr val="ADD8E6"/>
+                </a:solidFill>
+                <a:effectLst/>
+                <a:latin typeface="Fira Code"/>
+              </a:rPr>
+              <a:t>Payment</a:t>
+            </a:r>
+            <a:r>
+              <a:rPr kumimoji="0" lang="en-US" altLang="en-US" sz="2400" b="0" i="0" u="none" strike="noStrike" cap="none" normalizeH="0" baseline="0" dirty="0" err="1" smtClean="0">
+                <a:ln>
+                  <a:noFill/>
+                </a:ln>
+                <a:solidFill>
+                  <a:schemeClr val="bg1"/>
+                </a:solidFill>
+                <a:effectLst/>
+                <a:latin typeface="Fira Code"/>
+              </a:rPr>
+              <a:t>Rejected</a:t>
+            </a:r>
+            <a:r>
+              <a:rPr kumimoji="0" lang="en-US" altLang="en-US" sz="2400" b="0" i="0" u="none" strike="noStrike" cap="none" normalizeH="0" baseline="0" dirty="0" smtClean="0">
+                <a:ln>
+                  <a:noFill/>
+                </a:ln>
+                <a:solidFill>
+                  <a:srgbClr val="DCDCDC"/>
+                </a:solidFill>
+                <a:effectLst/>
+                <a:latin typeface="Fira Code"/>
+              </a:rPr>
+              <a:t>(</a:t>
+            </a:r>
+            <a:r>
+              <a:rPr kumimoji="0" lang="en-US" altLang="en-US" sz="2400" b="0" i="0" u="none" strike="noStrike" cap="none" normalizeH="0" baseline="0" dirty="0" smtClean="0">
+                <a:ln>
+                  <a:noFill/>
+                </a:ln>
+                <a:solidFill>
+                  <a:srgbClr val="EE82EE"/>
+                </a:solidFill>
+                <a:effectLst/>
+                <a:latin typeface="Fira Code"/>
+              </a:rPr>
+              <a:t>Id</a:t>
+            </a:r>
+            <a:r>
+              <a:rPr kumimoji="0" lang="en-US" altLang="en-US" sz="2400" b="0" i="0" u="none" strike="noStrike" cap="none" normalizeH="0" baseline="0" dirty="0" smtClean="0">
+                <a:ln>
+                  <a:noFill/>
+                </a:ln>
+                <a:solidFill>
+                  <a:srgbClr val="DCDCDC"/>
+                </a:solidFill>
+                <a:effectLst/>
+                <a:latin typeface="Fira Code"/>
+              </a:rPr>
+              <a:t>, </a:t>
+            </a:r>
+            <a:r>
+              <a:rPr kumimoji="0" lang="en-US" altLang="en-US" sz="2400" b="0" i="0" u="none" strike="noStrike" cap="none" normalizeH="0" baseline="0" dirty="0" err="1" smtClean="0">
+                <a:ln>
+                  <a:noFill/>
+                </a:ln>
+                <a:solidFill>
+                  <a:srgbClr val="EE82EE"/>
+                </a:solidFill>
+                <a:effectLst/>
+                <a:latin typeface="Fira Code"/>
+              </a:rPr>
+              <a:t>OrderId</a:t>
+            </a:r>
+            <a:r>
+              <a:rPr kumimoji="0" lang="en-US" altLang="en-US" sz="2400" b="0" i="0" u="none" strike="noStrike" cap="none" normalizeH="0" baseline="0" dirty="0" smtClean="0">
+                <a:ln>
+                  <a:noFill/>
+                </a:ln>
+                <a:solidFill>
+                  <a:srgbClr val="DCDCDC"/>
+                </a:solidFill>
+                <a:effectLst/>
+                <a:latin typeface="Fira Code"/>
+              </a:rPr>
+              <a:t>, </a:t>
+            </a:r>
+            <a:r>
+              <a:rPr kumimoji="0" lang="en-US" altLang="en-US" sz="2400" b="0" i="0" u="none" strike="noStrike" cap="none" normalizeH="0" baseline="0" dirty="0" smtClean="0">
+                <a:ln>
+                  <a:noFill/>
+                </a:ln>
+                <a:solidFill>
+                  <a:srgbClr val="EE82EE"/>
+                </a:solidFill>
+                <a:effectLst/>
+                <a:latin typeface="Fira Code"/>
+              </a:rPr>
+              <a:t>Amount</a:t>
+            </a:r>
+            <a:r>
+              <a:rPr kumimoji="0" lang="en-US" altLang="en-US" sz="2400" b="0" i="0" u="none" strike="noStrike" cap="none" normalizeH="0" baseline="0" dirty="0" smtClean="0">
+                <a:ln>
+                  <a:noFill/>
+                </a:ln>
+                <a:solidFill>
+                  <a:srgbClr val="DCDCDC"/>
+                </a:solidFill>
+                <a:effectLst/>
+                <a:latin typeface="Fira Code"/>
+              </a:rPr>
+              <a:t>));</a:t>
+            </a:r>
+            <a:br>
+              <a:rPr kumimoji="0" lang="en-US" altLang="en-US" sz="2400" b="0" i="0" u="none" strike="noStrike" cap="none" normalizeH="0" baseline="0" dirty="0" smtClean="0">
+                <a:ln>
+                  <a:noFill/>
+                </a:ln>
+                <a:solidFill>
+                  <a:srgbClr val="DCDCDC"/>
+                </a:solidFill>
+                <a:effectLst/>
+                <a:latin typeface="Fira Code"/>
+              </a:rPr>
+            </a:br>
+            <a:r>
+              <a:rPr kumimoji="0" lang="en-US" altLang="en-US" sz="2400" b="0" i="0" u="none" strike="noStrike" cap="none" normalizeH="0" baseline="0" dirty="0" smtClean="0">
+                <a:ln>
+                  <a:noFill/>
+                </a:ln>
+                <a:solidFill>
+                  <a:srgbClr val="DCDCDC"/>
+                </a:solidFill>
+                <a:effectLst/>
+                <a:latin typeface="Fira Code"/>
+              </a:rPr>
+              <a:t>    }</a:t>
+            </a:r>
+            <a:br>
+              <a:rPr kumimoji="0" lang="en-US" altLang="en-US" sz="2400" b="0" i="0" u="none" strike="noStrike" cap="none" normalizeH="0" baseline="0" dirty="0" smtClean="0">
+                <a:ln>
+                  <a:noFill/>
+                </a:ln>
+                <a:solidFill>
+                  <a:srgbClr val="DCDCDC"/>
+                </a:solidFill>
+                <a:effectLst/>
+                <a:latin typeface="Fira Code"/>
+              </a:rPr>
+            </a:br>
+            <a:r>
+              <a:rPr kumimoji="0" lang="en-US" altLang="en-US" sz="2400" b="0" i="0" u="none" strike="noStrike" cap="none" normalizeH="0" baseline="0" dirty="0" smtClean="0">
+                <a:ln>
+                  <a:noFill/>
+                </a:ln>
+                <a:solidFill>
+                  <a:srgbClr val="DCDCDC"/>
+                </a:solidFill>
+                <a:effectLst/>
+                <a:latin typeface="Fira Code"/>
+              </a:rPr>
+              <a:t>    </a:t>
+            </a:r>
+            <a:r>
+              <a:rPr kumimoji="0" lang="en-US" altLang="en-US" sz="2400" b="0" i="0" u="none" strike="noStrike" cap="none" normalizeH="0" baseline="0" dirty="0" smtClean="0">
+                <a:ln>
+                  <a:noFill/>
+                </a:ln>
+                <a:solidFill>
+                  <a:srgbClr val="569CD6"/>
+                </a:solidFill>
+                <a:effectLst/>
+                <a:latin typeface="Fira Code"/>
+              </a:rPr>
+              <a:t>else</a:t>
+            </a:r>
+            <a:br>
+              <a:rPr kumimoji="0" lang="en-US" altLang="en-US" sz="2400" b="0" i="0" u="none" strike="noStrike" cap="none" normalizeH="0" baseline="0" dirty="0" smtClean="0">
+                <a:ln>
+                  <a:noFill/>
+                </a:ln>
+                <a:solidFill>
+                  <a:srgbClr val="569CD6"/>
+                </a:solidFill>
+                <a:effectLst/>
+                <a:latin typeface="Fira Code"/>
+              </a:rPr>
+            </a:br>
+            <a:r>
+              <a:rPr kumimoji="0" lang="en-US" altLang="en-US" sz="2400" b="0" i="0" u="none" strike="noStrike" cap="none" normalizeH="0" baseline="0" dirty="0" smtClean="0">
+                <a:ln>
+                  <a:noFill/>
+                </a:ln>
+                <a:solidFill>
+                  <a:srgbClr val="569CD6"/>
+                </a:solidFill>
+                <a:effectLst/>
+                <a:latin typeface="Fira Code"/>
+              </a:rPr>
+              <a:t>    </a:t>
+            </a:r>
+            <a:r>
+              <a:rPr kumimoji="0" lang="en-US" altLang="en-US" sz="2400" b="0" i="0" u="none" strike="noStrike" cap="none" normalizeH="0" baseline="0" dirty="0" smtClean="0">
+                <a:ln>
+                  <a:noFill/>
+                </a:ln>
+                <a:solidFill>
+                  <a:srgbClr val="DCDCDC"/>
+                </a:solidFill>
+                <a:effectLst/>
+                <a:latin typeface="Fira Code"/>
+              </a:rPr>
+              <a:t>{</a:t>
+            </a:r>
+            <a:br>
+              <a:rPr kumimoji="0" lang="en-US" altLang="en-US" sz="2400" b="0" i="0" u="none" strike="noStrike" cap="none" normalizeH="0" baseline="0" dirty="0" smtClean="0">
+                <a:ln>
+                  <a:noFill/>
+                </a:ln>
+                <a:solidFill>
+                  <a:srgbClr val="DCDCDC"/>
+                </a:solidFill>
+                <a:effectLst/>
+                <a:latin typeface="Fira Code"/>
+              </a:rPr>
+            </a:br>
+            <a:r>
+              <a:rPr kumimoji="0" lang="en-US" altLang="en-US" sz="2400" b="0" i="0" u="none" strike="noStrike" cap="none" normalizeH="0" baseline="0" dirty="0" smtClean="0">
+                <a:ln>
+                  <a:noFill/>
+                </a:ln>
+                <a:solidFill>
+                  <a:srgbClr val="DCDCDC"/>
+                </a:solidFill>
+                <a:effectLst/>
+                <a:latin typeface="Fira Code"/>
+              </a:rPr>
+              <a:t>        </a:t>
+            </a:r>
+            <a:r>
+              <a:rPr kumimoji="0" lang="en-US" altLang="en-US" sz="2400" b="0" i="0" u="none" strike="noStrike" cap="none" normalizeH="0" baseline="0" dirty="0" smtClean="0">
+                <a:ln>
+                  <a:noFill/>
+                </a:ln>
+                <a:solidFill>
+                  <a:srgbClr val="EE82EE"/>
+                </a:solidFill>
+                <a:effectLst/>
+                <a:latin typeface="Fira Code"/>
+              </a:rPr>
+              <a:t>Status </a:t>
+            </a:r>
+            <a:r>
+              <a:rPr kumimoji="0" lang="en-US" altLang="en-US" sz="2400" b="0" i="0" u="none" strike="noStrike" cap="none" normalizeH="0" baseline="0" dirty="0" smtClean="0">
+                <a:ln>
+                  <a:noFill/>
+                </a:ln>
+                <a:solidFill>
+                  <a:srgbClr val="DCDCDC"/>
+                </a:solidFill>
+                <a:effectLst/>
+                <a:latin typeface="Fira Code"/>
+              </a:rPr>
+              <a:t>= </a:t>
+            </a:r>
+            <a:r>
+              <a:rPr kumimoji="0" lang="en-US" altLang="en-US" sz="2400" b="0" i="0" u="none" strike="noStrike" cap="none" normalizeH="0" baseline="0" dirty="0" err="1" smtClean="0">
+                <a:ln>
+                  <a:noFill/>
+                </a:ln>
+                <a:solidFill>
+                  <a:srgbClr val="ADD8E6"/>
+                </a:solidFill>
+                <a:effectLst/>
+                <a:latin typeface="Fira Code"/>
+              </a:rPr>
+              <a:t>PaymentStatus</a:t>
+            </a:r>
+            <a:r>
+              <a:rPr kumimoji="0" lang="en-US" altLang="en-US" sz="2400" b="0" i="0" u="none" strike="noStrike" cap="none" normalizeH="0" baseline="0" dirty="0" err="1" smtClean="0">
+                <a:ln>
+                  <a:noFill/>
+                </a:ln>
+                <a:solidFill>
+                  <a:srgbClr val="DCDCDC"/>
+                </a:solidFill>
+                <a:effectLst/>
+                <a:latin typeface="Fira Code"/>
+              </a:rPr>
+              <a:t>.</a:t>
+            </a:r>
+            <a:r>
+              <a:rPr kumimoji="0" lang="en-US" altLang="en-US" sz="2400" b="1" i="0" u="none" strike="noStrike" cap="none" normalizeH="0" baseline="0" dirty="0" err="1" smtClean="0">
+                <a:ln>
+                  <a:noFill/>
+                </a:ln>
+                <a:solidFill>
+                  <a:srgbClr val="EE82EE"/>
+                </a:solidFill>
+                <a:effectLst/>
+                <a:latin typeface="Fira Code"/>
+              </a:rPr>
+              <a:t>Accepted</a:t>
+            </a:r>
+            <a:r>
+              <a:rPr kumimoji="0" lang="en-US" altLang="en-US" sz="2400" b="0" i="0" u="none" strike="noStrike" cap="none" normalizeH="0" baseline="0" dirty="0" smtClean="0">
+                <a:ln>
+                  <a:noFill/>
+                </a:ln>
+                <a:solidFill>
+                  <a:srgbClr val="DCDCDC"/>
+                </a:solidFill>
+                <a:effectLst/>
+                <a:latin typeface="Fira Code"/>
+              </a:rPr>
+              <a:t>;</a:t>
+            </a:r>
+            <a:br>
+              <a:rPr kumimoji="0" lang="en-US" altLang="en-US" sz="2400" b="0" i="0" u="none" strike="noStrike" cap="none" normalizeH="0" baseline="0" dirty="0" smtClean="0">
+                <a:ln>
+                  <a:noFill/>
+                </a:ln>
+                <a:solidFill>
+                  <a:srgbClr val="DCDCDC"/>
+                </a:solidFill>
+                <a:effectLst/>
+                <a:latin typeface="Fira Code"/>
+              </a:rPr>
+            </a:br>
+            <a:r>
+              <a:rPr kumimoji="0" lang="en-US" altLang="en-US" sz="2400" b="0" i="0" u="none" strike="noStrike" cap="none" normalizeH="0" baseline="0" dirty="0" smtClean="0">
+                <a:ln>
+                  <a:noFill/>
+                </a:ln>
+                <a:solidFill>
+                  <a:srgbClr val="DCDCDC"/>
+                </a:solidFill>
+                <a:effectLst/>
+                <a:latin typeface="Fira Code"/>
+              </a:rPr>
+              <a:t>        </a:t>
+            </a:r>
+            <a:r>
+              <a:rPr kumimoji="0" lang="en-US" altLang="en-US" sz="2400" b="0" i="0" u="none" strike="noStrike" cap="none" normalizeH="0" baseline="0" dirty="0" err="1" smtClean="0">
+                <a:ln>
+                  <a:noFill/>
+                </a:ln>
+                <a:solidFill>
+                  <a:srgbClr val="00FFFF"/>
+                </a:solidFill>
+                <a:effectLst/>
+                <a:latin typeface="Fira Code"/>
+              </a:rPr>
+              <a:t>RecordEvent</a:t>
+            </a:r>
+            <a:r>
+              <a:rPr kumimoji="0" lang="en-US" altLang="en-US" sz="2400" b="0" i="0" u="none" strike="noStrike" cap="none" normalizeH="0" baseline="0" dirty="0" smtClean="0">
+                <a:ln>
+                  <a:noFill/>
+                </a:ln>
+                <a:solidFill>
+                  <a:srgbClr val="DCDCDC"/>
+                </a:solidFill>
+                <a:effectLst/>
+                <a:latin typeface="Fira Code"/>
+              </a:rPr>
+              <a:t>(</a:t>
+            </a:r>
+            <a:r>
+              <a:rPr kumimoji="0" lang="en-US" altLang="en-US" sz="2400" b="0" i="0" u="none" strike="noStrike" cap="none" normalizeH="0" baseline="0" dirty="0" smtClean="0">
+                <a:ln>
+                  <a:noFill/>
+                </a:ln>
+                <a:solidFill>
+                  <a:srgbClr val="569CD6"/>
+                </a:solidFill>
+                <a:effectLst/>
+                <a:latin typeface="Fira Code"/>
+              </a:rPr>
+              <a:t>new </a:t>
+            </a:r>
+            <a:r>
+              <a:rPr kumimoji="0" lang="en-US" altLang="en-US" sz="2400" b="0" i="0" u="none" strike="noStrike" cap="none" normalizeH="0" baseline="0" dirty="0" err="1" smtClean="0">
+                <a:ln>
+                  <a:noFill/>
+                </a:ln>
+                <a:solidFill>
+                  <a:srgbClr val="ADD8E6"/>
+                </a:solidFill>
+                <a:effectLst/>
+                <a:latin typeface="Fira Code"/>
+              </a:rPr>
+              <a:t>Payment</a:t>
+            </a:r>
+            <a:r>
+              <a:rPr kumimoji="0" lang="en-US" altLang="en-US" sz="2400" b="0" i="0" u="none" strike="noStrike" cap="none" normalizeH="0" baseline="0" dirty="0" err="1" smtClean="0">
+                <a:ln>
+                  <a:noFill/>
+                </a:ln>
+                <a:solidFill>
+                  <a:schemeClr val="bg1"/>
+                </a:solidFill>
+                <a:effectLst/>
+                <a:latin typeface="Fira Code"/>
+              </a:rPr>
+              <a:t>Accepted</a:t>
+            </a:r>
+            <a:r>
+              <a:rPr kumimoji="0" lang="en-US" altLang="en-US" sz="2400" b="0" i="0" u="none" strike="noStrike" cap="none" normalizeH="0" baseline="0" dirty="0" smtClean="0">
+                <a:ln>
+                  <a:noFill/>
+                </a:ln>
+                <a:solidFill>
+                  <a:srgbClr val="DCDCDC"/>
+                </a:solidFill>
+                <a:effectLst/>
+                <a:latin typeface="Fira Code"/>
+              </a:rPr>
+              <a:t>(</a:t>
+            </a:r>
+            <a:r>
+              <a:rPr kumimoji="0" lang="en-US" altLang="en-US" sz="2400" b="0" i="0" u="none" strike="noStrike" cap="none" normalizeH="0" baseline="0" dirty="0" smtClean="0">
+                <a:ln>
+                  <a:noFill/>
+                </a:ln>
+                <a:solidFill>
+                  <a:srgbClr val="EE82EE"/>
+                </a:solidFill>
+                <a:effectLst/>
+                <a:latin typeface="Fira Code"/>
+              </a:rPr>
+              <a:t>Id</a:t>
+            </a:r>
+            <a:r>
+              <a:rPr kumimoji="0" lang="en-US" altLang="en-US" sz="2400" b="0" i="0" u="none" strike="noStrike" cap="none" normalizeH="0" baseline="0" dirty="0" smtClean="0">
+                <a:ln>
+                  <a:noFill/>
+                </a:ln>
+                <a:solidFill>
+                  <a:srgbClr val="DCDCDC"/>
+                </a:solidFill>
+                <a:effectLst/>
+                <a:latin typeface="Fira Code"/>
+              </a:rPr>
+              <a:t>, </a:t>
+            </a:r>
+            <a:r>
+              <a:rPr kumimoji="0" lang="en-US" altLang="en-US" sz="2400" b="0" i="0" u="none" strike="noStrike" cap="none" normalizeH="0" baseline="0" dirty="0" err="1" smtClean="0">
+                <a:ln>
+                  <a:noFill/>
+                </a:ln>
+                <a:solidFill>
+                  <a:srgbClr val="EE82EE"/>
+                </a:solidFill>
+                <a:effectLst/>
+                <a:latin typeface="Fira Code"/>
+              </a:rPr>
+              <a:t>OrderId</a:t>
+            </a:r>
+            <a:r>
+              <a:rPr kumimoji="0" lang="en-US" altLang="en-US" sz="2400" b="0" i="0" u="none" strike="noStrike" cap="none" normalizeH="0" baseline="0" dirty="0" smtClean="0">
+                <a:ln>
+                  <a:noFill/>
+                </a:ln>
+                <a:solidFill>
+                  <a:srgbClr val="DCDCDC"/>
+                </a:solidFill>
+                <a:effectLst/>
+                <a:latin typeface="Fira Code"/>
+              </a:rPr>
+              <a:t>, </a:t>
+            </a:r>
+            <a:r>
+              <a:rPr kumimoji="0" lang="en-US" altLang="en-US" sz="2400" b="0" i="0" u="none" strike="noStrike" cap="none" normalizeH="0" baseline="0" dirty="0" smtClean="0">
+                <a:ln>
+                  <a:noFill/>
+                </a:ln>
+                <a:solidFill>
+                  <a:srgbClr val="EE82EE"/>
+                </a:solidFill>
+                <a:effectLst/>
+                <a:latin typeface="Fira Code"/>
+              </a:rPr>
+              <a:t>Amount</a:t>
+            </a:r>
+            <a:r>
+              <a:rPr kumimoji="0" lang="en-US" altLang="en-US" sz="2400" b="0" i="0" u="none" strike="noStrike" cap="none" normalizeH="0" baseline="0" dirty="0" smtClean="0">
+                <a:ln>
+                  <a:noFill/>
+                </a:ln>
+                <a:solidFill>
+                  <a:srgbClr val="DCDCDC"/>
+                </a:solidFill>
+                <a:effectLst/>
+                <a:latin typeface="Fira Code"/>
+              </a:rPr>
+              <a:t>));</a:t>
+            </a:r>
+            <a:br>
+              <a:rPr kumimoji="0" lang="en-US" altLang="en-US" sz="2400" b="0" i="0" u="none" strike="noStrike" cap="none" normalizeH="0" baseline="0" dirty="0" smtClean="0">
+                <a:ln>
+                  <a:noFill/>
+                </a:ln>
+                <a:solidFill>
+                  <a:srgbClr val="DCDCDC"/>
+                </a:solidFill>
+                <a:effectLst/>
+                <a:latin typeface="Fira Code"/>
+              </a:rPr>
+            </a:br>
+            <a:r>
+              <a:rPr kumimoji="0" lang="en-US" altLang="en-US" sz="2400" b="0" i="0" u="none" strike="noStrike" cap="none" normalizeH="0" baseline="0" dirty="0" smtClean="0">
+                <a:ln>
+                  <a:noFill/>
+                </a:ln>
+                <a:solidFill>
+                  <a:srgbClr val="DCDCDC"/>
+                </a:solidFill>
+                <a:effectLst/>
+                <a:latin typeface="Fira Code"/>
+              </a:rPr>
+              <a:t>    }</a:t>
+            </a:r>
+            <a:br>
+              <a:rPr kumimoji="0" lang="en-US" altLang="en-US" sz="2400" b="0" i="0" u="none" strike="noStrike" cap="none" normalizeH="0" baseline="0" dirty="0" smtClean="0">
+                <a:ln>
+                  <a:noFill/>
+                </a:ln>
+                <a:solidFill>
+                  <a:srgbClr val="DCDCDC"/>
+                </a:solidFill>
+                <a:effectLst/>
+                <a:latin typeface="Fira Code"/>
+              </a:rPr>
+            </a:br>
+            <a:r>
+              <a:rPr kumimoji="0" lang="en-US" altLang="en-US" sz="2400" b="0" i="0" u="none" strike="noStrike" cap="none" normalizeH="0" baseline="0" dirty="0" smtClean="0">
+                <a:ln>
+                  <a:noFill/>
+                </a:ln>
+                <a:solidFill>
+                  <a:srgbClr val="DCDCDC"/>
+                </a:solidFill>
+                <a:effectLst/>
+                <a:latin typeface="Fira Code"/>
+              </a:rPr>
+              <a:t>}</a:t>
+            </a:r>
+            <a:endParaRPr kumimoji="0" lang="en-US" altLang="en-US" sz="2400" b="0" i="0" u="none" strike="noStrike" cap="none" normalizeH="0" baseline="0" dirty="0" smtClean="0">
+              <a:ln>
+                <a:noFill/>
+              </a:ln>
+              <a:solidFill>
+                <a:schemeClr val="tx1"/>
+              </a:solidFill>
+              <a:effectLst/>
+              <a:latin typeface="Arial" panose="020B0604020202020204" pitchFamily="34" charset="0"/>
+            </a:endParaRPr>
+          </a:p>
+        </p:txBody>
+      </p:sp>
+    </p:spTree>
+    <p:extLst>
+      <p:ext uri="{BB962C8B-B14F-4D97-AF65-F5344CB8AC3E}">
+        <p14:creationId xmlns:p14="http://schemas.microsoft.com/office/powerpoint/2010/main" val="2538900092"/>
+      </p:ext>
+    </p:extLst>
+  </p:cSld>
+  <p:clrMapOvr>
+    <a:masterClrMapping/>
+  </p:clrMapOvr>
+  <p:timing>
+    <p:tnLst>
+      <p:par>
+        <p:cTn id="1" dur="indefinite" restart="never" nodeType="tmRoot"/>
+      </p:par>
+    </p:tnLst>
+  </p:timing>
+</p:sld>
+</file>
+
+<file path=ppt/slides/slide23.xml><?xml version="1.0" encoding="utf-8"?>
+<p:sld xmlns:a="http://schemas.openxmlformats.org/drawingml/2006/main" xmlns:r="http://schemas.openxmlformats.org/officeDocument/2006/relationships" xmlns:p="http://schemas.openxmlformats.org/presentationml/2006/main">
+  <p:cSld>
+    <p:spTree>
+      <p:nvGrpSpPr>
+        <p:cNvPr id="1" name=""/>
+        <p:cNvGrpSpPr/>
+        <p:nvPr/>
+      </p:nvGrpSpPr>
+      <p:grpSpPr>
+        <a:xfrm>
+          <a:off x="0" y="0"/>
+          <a:ext cx="0" cy="0"/>
+          <a:chOff x="0" y="0"/>
+          <a:chExt cx="0" cy="0"/>
+        </a:xfrm>
+      </p:grpSpPr>
+      <mc:AlternateContent xmlns:mc="http://schemas.openxmlformats.org/markup-compatibility/2006" xmlns:p14="http://schemas.microsoft.com/office/powerpoint/2010/main">
+        <mc:Choice Requires="p14">
           <p:contentPart p14:bwMode="auto" r:id="rId2">
             <p14:nvContentPartPr>
               <p14:cNvPr id="5" name="Ink 4"/>
@@ -16442,7 +18844,7 @@
             </p14:xfrm>
           </p:contentPart>
         </mc:Choice>
-        <mc:Fallback>
+        <mc:Fallback xmlns="">
           <p:pic>
             <p:nvPicPr>
               <p:cNvPr id="5" name="Ink 4"/>
@@ -16467,8 +18869,8 @@
           </p:pic>
         </mc:Fallback>
       </mc:AlternateContent>
-      <mc:AlternateContent xmlns:mc="http://schemas.openxmlformats.org/markup-compatibility/2006">
-        <mc:Choice xmlns:p14="http://schemas.microsoft.com/office/powerpoint/2010/main" Requires="p14">
+      <mc:AlternateContent xmlns:mc="http://schemas.openxmlformats.org/markup-compatibility/2006" xmlns:p14="http://schemas.microsoft.com/office/powerpoint/2010/main">
+        <mc:Choice Requires="p14">
           <p:contentPart p14:bwMode="auto" r:id="rId4">
             <p14:nvContentPartPr>
               <p14:cNvPr id="7" name="Ink 6"/>
@@ -16481,7 +18883,7 @@
             </p14:xfrm>
           </p:contentPart>
         </mc:Choice>
-        <mc:Fallback>
+        <mc:Fallback xmlns="">
           <p:pic>
             <p:nvPicPr>
               <p:cNvPr id="7" name="Ink 6"/>
@@ -16506,8 +18908,8 @@
           </p:pic>
         </mc:Fallback>
       </mc:AlternateContent>
-      <mc:AlternateContent xmlns:mc="http://schemas.openxmlformats.org/markup-compatibility/2006">
-        <mc:Choice xmlns:p14="http://schemas.microsoft.com/office/powerpoint/2010/main" Requires="p14">
+      <mc:AlternateContent xmlns:mc="http://schemas.openxmlformats.org/markup-compatibility/2006" xmlns:p14="http://schemas.microsoft.com/office/powerpoint/2010/main">
+        <mc:Choice Requires="p14">
           <p:contentPart p14:bwMode="auto" r:id="rId6">
             <p14:nvContentPartPr>
               <p14:cNvPr id="11" name="Ink 10"/>
@@ -16520,7 +18922,7 @@
             </p14:xfrm>
           </p:contentPart>
         </mc:Choice>
-        <mc:Fallback>
+        <mc:Fallback xmlns="">
           <p:pic>
             <p:nvPicPr>
               <p:cNvPr id="11" name="Ink 10"/>
@@ -16545,8 +18947,8 @@
           </p:pic>
         </mc:Fallback>
       </mc:AlternateContent>
-      <mc:AlternateContent xmlns:mc="http://schemas.openxmlformats.org/markup-compatibility/2006">
-        <mc:Choice xmlns:p14="http://schemas.microsoft.com/office/powerpoint/2010/main" Requires="p14">
+      <mc:AlternateContent xmlns:mc="http://schemas.openxmlformats.org/markup-compatibility/2006" xmlns:p14="http://schemas.microsoft.com/office/powerpoint/2010/main">
+        <mc:Choice Requires="p14">
           <p:contentPart p14:bwMode="auto" r:id="rId8">
             <p14:nvContentPartPr>
               <p14:cNvPr id="12" name="Ink 11"/>
@@ -16559,7 +18961,7 @@
             </p14:xfrm>
           </p:contentPart>
         </mc:Choice>
-        <mc:Fallback>
+        <mc:Fallback xmlns="">
           <p:pic>
             <p:nvPicPr>
               <p:cNvPr id="12" name="Ink 11"/>
@@ -17945,7 +20347,7 @@
 </p:sld>
 </file>
 
-<file path=ppt/slides/slide23.xml><?xml version="1.0" encoding="utf-8"?>
+<file path=ppt/slides/slide24.xml><?xml version="1.0" encoding="utf-8"?>
 <p:sld xmlns:a="http://schemas.openxmlformats.org/drawingml/2006/main" xmlns:r="http://schemas.openxmlformats.org/officeDocument/2006/relationships" xmlns:p="http://schemas.openxmlformats.org/presentationml/2006/main">
   <p:cSld>
     <p:spTree>
@@ -18308,7 +20710,7 @@
 </p:sld>
 </file>
 
-<file path=ppt/slides/slide24.xml><?xml version="1.0" encoding="utf-8"?>
+<file path=ppt/slides/slide25.xml><?xml version="1.0" encoding="utf-8"?>
 <p:sld xmlns:a="http://schemas.openxmlformats.org/drawingml/2006/main" xmlns:r="http://schemas.openxmlformats.org/officeDocument/2006/relationships" xmlns:p="http://schemas.openxmlformats.org/presentationml/2006/main">
   <p:cSld>
     <p:spTree>
@@ -18542,7 +20944,7 @@
 </p:sld>
 </file>
 
-<file path=ppt/slides/slide25.xml><?xml version="1.0" encoding="utf-8"?>
+<file path=ppt/slides/slide26.xml><?xml version="1.0" encoding="utf-8"?>
 <p:sld xmlns:a="http://schemas.openxmlformats.org/drawingml/2006/main" xmlns:r="http://schemas.openxmlformats.org/officeDocument/2006/relationships" xmlns:p="http://schemas.openxmlformats.org/presentationml/2006/main">
   <p:cSld>
     <p:spTree>

--- a/t18-event-mongodb.pptx
+++ b/t18-event-mongodb.pptx
@@ -5,10 +5,10 @@
     <p:sldMasterId id="2147483668" r:id="rId1"/>
   </p:sldMasterIdLst>
   <p:notesMasterIdLst>
-    <p:notesMasterId r:id="rId28"/>
+    <p:notesMasterId r:id="rId29"/>
   </p:notesMasterIdLst>
   <p:handoutMasterIdLst>
-    <p:handoutMasterId r:id="rId29"/>
+    <p:handoutMasterId r:id="rId30"/>
   </p:handoutMasterIdLst>
   <p:sldIdLst>
     <p:sldId id="274" r:id="rId2"/>
@@ -25,18 +25,19 @@
     <p:sldId id="277" r:id="rId13"/>
     <p:sldId id="268" r:id="rId14"/>
     <p:sldId id="269" r:id="rId15"/>
-    <p:sldId id="271" r:id="rId16"/>
-    <p:sldId id="272" r:id="rId17"/>
-    <p:sldId id="273" r:id="rId18"/>
-    <p:sldId id="283" r:id="rId19"/>
-    <p:sldId id="284" r:id="rId20"/>
-    <p:sldId id="288" r:id="rId21"/>
-    <p:sldId id="285" r:id="rId22"/>
-    <p:sldId id="286" r:id="rId23"/>
-    <p:sldId id="287" r:id="rId24"/>
-    <p:sldId id="279" r:id="rId25"/>
-    <p:sldId id="278" r:id="rId26"/>
-    <p:sldId id="282" r:id="rId27"/>
+    <p:sldId id="289" r:id="rId16"/>
+    <p:sldId id="271" r:id="rId17"/>
+    <p:sldId id="272" r:id="rId18"/>
+    <p:sldId id="273" r:id="rId19"/>
+    <p:sldId id="283" r:id="rId20"/>
+    <p:sldId id="284" r:id="rId21"/>
+    <p:sldId id="288" r:id="rId22"/>
+    <p:sldId id="285" r:id="rId23"/>
+    <p:sldId id="286" r:id="rId24"/>
+    <p:sldId id="287" r:id="rId25"/>
+    <p:sldId id="279" r:id="rId26"/>
+    <p:sldId id="278" r:id="rId27"/>
+    <p:sldId id="282" r:id="rId28"/>
   </p:sldIdLst>
   <p:sldSz cx="12192000" cy="6858000"/>
   <p:notesSz cx="6858000" cy="9144000"/>
@@ -2153,7 +2154,7 @@
           <a:p>
             <a:fld id="{6D679973-E0F4-4AD1-8DEC-9AEE404E80A0}" type="slidenum">
               <a:rPr lang="en-US" smtClean="0"/>
-              <a:t>15</a:t>
+              <a:t>16</a:t>
             </a:fld>
             <a:endParaRPr lang="en-US"/>
           </a:p>
@@ -2237,7 +2238,7 @@
           <a:p>
             <a:fld id="{6D679973-E0F4-4AD1-8DEC-9AEE404E80A0}" type="slidenum">
               <a:rPr lang="en-US" smtClean="0"/>
-              <a:t>20</a:t>
+              <a:t>21</a:t>
             </a:fld>
             <a:endParaRPr lang="en-US"/>
           </a:p>
@@ -2321,7 +2322,7 @@
           <a:p>
             <a:fld id="{6D679973-E0F4-4AD1-8DEC-9AEE404E80A0}" type="slidenum">
               <a:rPr lang="en-US" smtClean="0"/>
-              <a:t>25</a:t>
+              <a:t>26</a:t>
             </a:fld>
             <a:endParaRPr lang="en-US"/>
           </a:p>
@@ -9247,7 +9248,15 @@
           <a:p>
             <a:r>
               <a:rPr lang="en-US" sz="3200" dirty="0" smtClean="0"/>
-              <a:t>• MongoDB 3.6 change Streams just released</a:t>
+              <a:t>• MongoDB </a:t>
+            </a:r>
+            <a:r>
+              <a:rPr lang="en-US" sz="3200" smtClean="0"/>
+              <a:t>3.6 Change </a:t>
+            </a:r>
+            <a:r>
+              <a:rPr lang="en-US" sz="3200" dirty="0" smtClean="0"/>
+              <a:t>Streams just released</a:t>
             </a:r>
             <a:endParaRPr lang="en-US" sz="3200" dirty="0"/>
           </a:p>
@@ -11102,6 +11111,92 @@
 <file path=ppt/slides/slide15.xml><?xml version="1.0" encoding="utf-8"?>
 <p:sld xmlns:a="http://schemas.openxmlformats.org/drawingml/2006/main" xmlns:r="http://schemas.openxmlformats.org/officeDocument/2006/relationships" xmlns:p="http://schemas.openxmlformats.org/presentationml/2006/main">
   <p:cSld>
+    <p:bg>
+      <p:bgPr>
+        <a:solidFill>
+          <a:schemeClr val="bg1"/>
+        </a:solidFill>
+        <a:effectLst/>
+      </p:bgPr>
+    </p:bg>
+    <p:spTree>
+      <p:nvGrpSpPr>
+        <p:cNvPr id="1" name=""/>
+        <p:cNvGrpSpPr/>
+        <p:nvPr/>
+      </p:nvGrpSpPr>
+      <p:grpSpPr>
+        <a:xfrm>
+          <a:off x="0" y="0"/>
+          <a:ext cx="0" cy="0"/>
+          <a:chOff x="0" y="0"/>
+          <a:chExt cx="0" cy="0"/>
+        </a:xfrm>
+      </p:grpSpPr>
+      <p:pic>
+        <p:nvPicPr>
+          <p:cNvPr id="1026" name="Picture 2" descr="http://www.niceiphonewallpapers.com/wallpapers/iphone/fire_explosion_rock_7917.jpg"/>
+          <p:cNvPicPr>
+            <a:picLocks noChangeAspect="1" noChangeArrowheads="1"/>
+          </p:cNvPicPr>
+          <p:nvPr/>
+        </p:nvPicPr>
+        <p:blipFill>
+          <a:blip r:embed="rId2">
+            <a:extLst>
+              <a:ext uri="{28A0092B-C50C-407E-A947-70E740481C1C}">
+                <a14:useLocalDpi xmlns:a14="http://schemas.microsoft.com/office/drawing/2010/main" val="0"/>
+              </a:ext>
+            </a:extLst>
+          </a:blip>
+          <a:srcRect/>
+          <a:stretch>
+            <a:fillRect/>
+          </a:stretch>
+        </p:blipFill>
+        <p:spPr bwMode="auto">
+          <a:xfrm>
+            <a:off x="3250732" y="-539208"/>
+            <a:ext cx="5510549" cy="8265824"/>
+          </a:xfrm>
+          <a:prstGeom prst="rect">
+            <a:avLst/>
+          </a:prstGeom>
+          <a:noFill/>
+          <a:extLst>
+            <a:ext uri="{909E8E84-426E-40DD-AFC4-6F175D3DCCD1}">
+              <a14:hiddenFill xmlns:a14="http://schemas.microsoft.com/office/drawing/2010/main">
+                <a:solidFill>
+                  <a:srgbClr val="FFFFFF"/>
+                </a:solidFill>
+              </a14:hiddenFill>
+            </a:ext>
+          </a:extLst>
+        </p:spPr>
+      </p:pic>
+    </p:spTree>
+    <p:extLst>
+      <p:ext uri="{BB962C8B-B14F-4D97-AF65-F5344CB8AC3E}">
+        <p14:creationId xmlns:p14="http://schemas.microsoft.com/office/powerpoint/2010/main" val="1702450565"/>
+      </p:ext>
+    </p:extLst>
+  </p:cSld>
+  <p:clrMapOvr>
+    <a:masterClrMapping/>
+  </p:clrMapOvr>
+  <p:timing>
+    <p:tnLst>
+      <p:par>
+        <p:cTn id="1" dur="indefinite" restart="never" nodeType="tmRoot"/>
+      </p:par>
+    </p:tnLst>
+  </p:timing>
+</p:sld>
+</file>
+
+<file path=ppt/slides/slide16.xml><?xml version="1.0" encoding="utf-8"?>
+<p:sld xmlns:a="http://schemas.openxmlformats.org/drawingml/2006/main" xmlns:r="http://schemas.openxmlformats.org/officeDocument/2006/relationships" xmlns:p="http://schemas.openxmlformats.org/presentationml/2006/main">
+  <p:cSld>
     <p:spTree>
       <p:nvGrpSpPr>
         <p:cNvPr id="1" name=""/>
@@ -11197,7 +11292,7 @@
 </p:sld>
 </file>
 
-<file path=ppt/slides/slide16.xml><?xml version="1.0" encoding="utf-8"?>
+<file path=ppt/slides/slide17.xml><?xml version="1.0" encoding="utf-8"?>
 <p:sld xmlns:a="http://schemas.openxmlformats.org/drawingml/2006/main" xmlns:r="http://schemas.openxmlformats.org/officeDocument/2006/relationships" xmlns:p="http://schemas.openxmlformats.org/presentationml/2006/main">
   <p:cSld>
     <p:spTree>
@@ -11908,7 +12003,7 @@
 </p:sld>
 </file>
 
-<file path=ppt/slides/slide17.xml><?xml version="1.0" encoding="utf-8"?>
+<file path=ppt/slides/slide18.xml><?xml version="1.0" encoding="utf-8"?>
 <p:sld xmlns:a="http://schemas.openxmlformats.org/drawingml/2006/main" xmlns:r="http://schemas.openxmlformats.org/officeDocument/2006/relationships" xmlns:p="http://schemas.openxmlformats.org/presentationml/2006/main">
   <p:cSld>
     <p:spTree>
@@ -11998,7 +12093,7 @@
 </p:sld>
 </file>
 
-<file path=ppt/slides/slide18.xml><?xml version="1.0" encoding="utf-8"?>
+<file path=ppt/slides/slide19.xml><?xml version="1.0" encoding="utf-8"?>
 <p:sld xmlns:a="http://schemas.openxmlformats.org/drawingml/2006/main" xmlns:r="http://schemas.openxmlformats.org/officeDocument/2006/relationships" xmlns:p="http://schemas.openxmlformats.org/presentationml/2006/main">
   <p:cSld>
     <p:spTree>
@@ -13295,7 +13390,144 @@
 </p:sld>
 </file>
 
-<file path=ppt/slides/slide19.xml><?xml version="1.0" encoding="utf-8"?>
+<file path=ppt/slides/slide2.xml><?xml version="1.0" encoding="utf-8"?>
+<p:sld xmlns:a="http://schemas.openxmlformats.org/drawingml/2006/main" xmlns:r="http://schemas.openxmlformats.org/officeDocument/2006/relationships" xmlns:p="http://schemas.openxmlformats.org/presentationml/2006/main">
+  <p:cSld>
+    <p:spTree>
+      <p:nvGrpSpPr>
+        <p:cNvPr id="1" name=""/>
+        <p:cNvGrpSpPr/>
+        <p:nvPr/>
+      </p:nvGrpSpPr>
+      <p:grpSpPr>
+        <a:xfrm>
+          <a:off x="0" y="0"/>
+          <a:ext cx="0" cy="0"/>
+          <a:chOff x="0" y="0"/>
+          <a:chExt cx="0" cy="0"/>
+        </a:xfrm>
+      </p:grpSpPr>
+      <p:sp>
+        <p:nvSpPr>
+          <p:cNvPr id="2" name="Title 1"/>
+          <p:cNvSpPr>
+            <a:spLocks noGrp="1"/>
+          </p:cNvSpPr>
+          <p:nvPr>
+            <p:ph type="title"/>
+          </p:nvPr>
+        </p:nvSpPr>
+        <p:spPr/>
+        <p:txBody>
+          <a:bodyPr>
+            <a:normAutofit/>
+          </a:bodyPr>
+          <a:lstStyle/>
+          <a:p>
+            <a:r>
+              <a:rPr lang="en-US" sz="6000" dirty="0"/>
+              <a:t>Andrii </a:t>
+            </a:r>
+            <a:r>
+              <a:rPr lang="en-US" sz="6000" dirty="0" smtClean="0"/>
+              <a:t>Litvinov</a:t>
+            </a:r>
+            <a:endParaRPr lang="en-US" sz="6000" dirty="0"/>
+          </a:p>
+        </p:txBody>
+      </p:sp>
+      <p:pic>
+        <p:nvPicPr>
+          <p:cNvPr id="3" name="Picture 2" descr="https://scontent.fiev12-1.fna.fbcdn.net/v/t1.0-9/c0.0.215.215/12494928_1139995499368714_8989582005896967223_n.png?_nc_cat=109&amp;_nc_ht=scontent.fiev12-1.fna&amp;oh=ee4c679202e74d6262c8803b45612cb9&amp;oe=5C7304DF"/>
+          <p:cNvPicPr>
+            <a:picLocks noChangeAspect="1" noChangeArrowheads="1"/>
+          </p:cNvPicPr>
+          <p:nvPr/>
+        </p:nvPicPr>
+        <p:blipFill>
+          <a:blip r:embed="rId3">
+            <a:extLst>
+              <a:ext uri="{28A0092B-C50C-407E-A947-70E740481C1C}">
+                <a14:useLocalDpi xmlns:a14="http://schemas.microsoft.com/office/drawing/2010/main" val="0"/>
+              </a:ext>
+            </a:extLst>
+          </a:blip>
+          <a:srcRect/>
+          <a:stretch>
+            <a:fillRect/>
+          </a:stretch>
+        </p:blipFill>
+        <p:spPr bwMode="auto">
+          <a:xfrm>
+            <a:off x="9465733" y="3679654"/>
+            <a:ext cx="2047875" cy="2047876"/>
+          </a:xfrm>
+          <a:prstGeom prst="rect">
+            <a:avLst/>
+          </a:prstGeom>
+          <a:noFill/>
+          <a:extLst>
+            <a:ext uri="{909E8E84-426E-40DD-AFC4-6F175D3DCCD1}">
+              <a14:hiddenFill xmlns:a14="http://schemas.microsoft.com/office/drawing/2010/main">
+                <a:solidFill>
+                  <a:srgbClr val="FFFFFF"/>
+                </a:solidFill>
+              </a14:hiddenFill>
+            </a:ext>
+          </a:extLst>
+        </p:spPr>
+      </p:pic>
+      <p:sp>
+        <p:nvSpPr>
+          <p:cNvPr id="4" name="TextBox 3"/>
+          <p:cNvSpPr txBox="1"/>
+          <p:nvPr/>
+        </p:nvSpPr>
+        <p:spPr>
+          <a:xfrm>
+            <a:off x="1141413" y="3918762"/>
+            <a:ext cx="8464731" cy="1569660"/>
+          </a:xfrm>
+          <a:prstGeom prst="rect">
+            <a:avLst/>
+          </a:prstGeom>
+          <a:noFill/>
+        </p:spPr>
+        <p:txBody>
+          <a:bodyPr wrap="square" rtlCol="0">
+            <a:spAutoFit/>
+          </a:bodyPr>
+          <a:lstStyle/>
+          <a:p>
+            <a:r>
+              <a:rPr lang="en-US" sz="4800" dirty="0" smtClean="0"/>
+              <a:t>Platform engineer at Synergy Sports Technology</a:t>
+            </a:r>
+            <a:endParaRPr lang="en-US" sz="4800" dirty="0"/>
+          </a:p>
+        </p:txBody>
+      </p:sp>
+    </p:spTree>
+    <p:extLst>
+      <p:ext uri="{BB962C8B-B14F-4D97-AF65-F5344CB8AC3E}">
+        <p14:creationId xmlns:p14="http://schemas.microsoft.com/office/powerpoint/2010/main" val="1499444302"/>
+      </p:ext>
+    </p:extLst>
+  </p:cSld>
+  <p:clrMapOvr>
+    <a:masterClrMapping/>
+  </p:clrMapOvr>
+  <p:timing>
+    <p:tnLst>
+      <p:par>
+        <p:cTn id="1" dur="indefinite" restart="never" nodeType="tmRoot"/>
+      </p:par>
+    </p:tnLst>
+  </p:timing>
+</p:sld>
+</file>
+
+<file path=ppt/slides/slide20.xml><?xml version="1.0" encoding="utf-8"?>
 <p:sld xmlns:a="http://schemas.openxmlformats.org/drawingml/2006/main" xmlns:r="http://schemas.openxmlformats.org/officeDocument/2006/relationships" xmlns:p="http://schemas.openxmlformats.org/presentationml/2006/main">
   <p:cSld>
     <p:spTree>
@@ -14214,7 +14446,7 @@
 </p:sld>
 </file>
 
-<file path=ppt/slides/slide2.xml><?xml version="1.0" encoding="utf-8"?>
+<file path=ppt/slides/slide21.xml><?xml version="1.0" encoding="utf-8"?>
 <p:sld xmlns:a="http://schemas.openxmlformats.org/drawingml/2006/main" xmlns:r="http://schemas.openxmlformats.org/officeDocument/2006/relationships" xmlns:p="http://schemas.openxmlformats.org/presentationml/2006/main">
   <p:cSld>
     <p:spTree>
@@ -14231,145 +14463,8 @@
           <a:chExt cx="0" cy="0"/>
         </a:xfrm>
       </p:grpSpPr>
-      <p:sp>
-        <p:nvSpPr>
-          <p:cNvPr id="2" name="Title 1"/>
-          <p:cNvSpPr>
-            <a:spLocks noGrp="1"/>
-          </p:cNvSpPr>
-          <p:nvPr>
-            <p:ph type="title"/>
-          </p:nvPr>
-        </p:nvSpPr>
-        <p:spPr/>
-        <p:txBody>
-          <a:bodyPr>
-            <a:normAutofit/>
-          </a:bodyPr>
-          <a:lstStyle/>
-          <a:p>
-            <a:r>
-              <a:rPr lang="en-US" sz="6000" dirty="0"/>
-              <a:t>Andrii </a:t>
-            </a:r>
-            <a:r>
-              <a:rPr lang="en-US" sz="6000" dirty="0" smtClean="0"/>
-              <a:t>Litvinov</a:t>
-            </a:r>
-            <a:endParaRPr lang="en-US" sz="6000" dirty="0"/>
-          </a:p>
-        </p:txBody>
-      </p:sp>
-      <p:pic>
-        <p:nvPicPr>
-          <p:cNvPr id="3" name="Picture 2" descr="https://scontent.fiev12-1.fna.fbcdn.net/v/t1.0-9/c0.0.215.215/12494928_1139995499368714_8989582005896967223_n.png?_nc_cat=109&amp;_nc_ht=scontent.fiev12-1.fna&amp;oh=ee4c679202e74d6262c8803b45612cb9&amp;oe=5C7304DF"/>
-          <p:cNvPicPr>
-            <a:picLocks noChangeAspect="1" noChangeArrowheads="1"/>
-          </p:cNvPicPr>
-          <p:nvPr/>
-        </p:nvPicPr>
-        <p:blipFill>
-          <a:blip r:embed="rId3">
-            <a:extLst>
-              <a:ext uri="{28A0092B-C50C-407E-A947-70E740481C1C}">
-                <a14:useLocalDpi xmlns:a14="http://schemas.microsoft.com/office/drawing/2010/main" val="0"/>
-              </a:ext>
-            </a:extLst>
-          </a:blip>
-          <a:srcRect/>
-          <a:stretch>
-            <a:fillRect/>
-          </a:stretch>
-        </p:blipFill>
-        <p:spPr bwMode="auto">
-          <a:xfrm>
-            <a:off x="9465733" y="3679654"/>
-            <a:ext cx="2047875" cy="2047876"/>
-          </a:xfrm>
-          <a:prstGeom prst="rect">
-            <a:avLst/>
-          </a:prstGeom>
-          <a:noFill/>
-          <a:extLst>
-            <a:ext uri="{909E8E84-426E-40DD-AFC4-6F175D3DCCD1}">
-              <a14:hiddenFill xmlns:a14="http://schemas.microsoft.com/office/drawing/2010/main">
-                <a:solidFill>
-                  <a:srgbClr val="FFFFFF"/>
-                </a:solidFill>
-              </a14:hiddenFill>
-            </a:ext>
-          </a:extLst>
-        </p:spPr>
-      </p:pic>
-      <p:sp>
-        <p:nvSpPr>
-          <p:cNvPr id="4" name="TextBox 3"/>
-          <p:cNvSpPr txBox="1"/>
-          <p:nvPr/>
-        </p:nvSpPr>
-        <p:spPr>
-          <a:xfrm>
-            <a:off x="1141413" y="3918762"/>
-            <a:ext cx="8464731" cy="1569660"/>
-          </a:xfrm>
-          <a:prstGeom prst="rect">
-            <a:avLst/>
-          </a:prstGeom>
-          <a:noFill/>
-        </p:spPr>
-        <p:txBody>
-          <a:bodyPr wrap="square" rtlCol="0">
-            <a:spAutoFit/>
-          </a:bodyPr>
-          <a:lstStyle/>
-          <a:p>
-            <a:r>
-              <a:rPr lang="en-US" sz="4800" dirty="0" smtClean="0"/>
-              <a:t>Platform engineer at Synergy Sports Technology</a:t>
-            </a:r>
-            <a:endParaRPr lang="en-US" sz="4800" dirty="0"/>
-          </a:p>
-        </p:txBody>
-      </p:sp>
-    </p:spTree>
-    <p:extLst>
-      <p:ext uri="{BB962C8B-B14F-4D97-AF65-F5344CB8AC3E}">
-        <p14:creationId xmlns:p14="http://schemas.microsoft.com/office/powerpoint/2010/main" val="1499444302"/>
-      </p:ext>
-    </p:extLst>
-  </p:cSld>
-  <p:clrMapOvr>
-    <a:masterClrMapping/>
-  </p:clrMapOvr>
-  <p:timing>
-    <p:tnLst>
-      <p:par>
-        <p:cTn id="1" dur="indefinite" restart="never" nodeType="tmRoot"/>
-      </p:par>
-    </p:tnLst>
-  </p:timing>
-</p:sld>
-</file>
-
-<file path=ppt/slides/slide20.xml><?xml version="1.0" encoding="utf-8"?>
-<p:sld xmlns:a="http://schemas.openxmlformats.org/drawingml/2006/main" xmlns:r="http://schemas.openxmlformats.org/officeDocument/2006/relationships" xmlns:p="http://schemas.openxmlformats.org/presentationml/2006/main">
-  <p:cSld>
-    <p:spTree>
-      <p:nvGrpSpPr>
-        <p:cNvPr id="1" name=""/>
-        <p:cNvGrpSpPr/>
-        <p:nvPr/>
-      </p:nvGrpSpPr>
-      <p:grpSpPr>
-        <a:xfrm>
-          <a:off x="0" y="0"/>
-          <a:ext cx="0" cy="0"/>
-          <a:chOff x="0" y="0"/>
-          <a:chExt cx="0" cy="0"/>
-        </a:xfrm>
-      </p:grpSpPr>
-      <mc:AlternateContent xmlns:mc="http://schemas.openxmlformats.org/markup-compatibility/2006">
-        <mc:Choice xmlns:p14="http://schemas.microsoft.com/office/powerpoint/2010/main" Requires="p14">
+      <mc:AlternateContent xmlns:mc="http://schemas.openxmlformats.org/markup-compatibility/2006" xmlns:p14="http://schemas.microsoft.com/office/powerpoint/2010/main">
+        <mc:Choice Requires="p14">
           <p:contentPart p14:bwMode="auto" r:id="rId3">
             <p14:nvContentPartPr>
               <p14:cNvPr id="4" name="Ink 3"/>
@@ -14382,7 +14477,7 @@
             </p14:xfrm>
           </p:contentPart>
         </mc:Choice>
-        <mc:Fallback>
+        <mc:Fallback xmlns="">
           <p:pic>
             <p:nvPicPr>
               <p:cNvPr id="4" name="Ink 3"/>
@@ -14407,8 +14502,8 @@
           </p:pic>
         </mc:Fallback>
       </mc:AlternateContent>
-      <mc:AlternateContent xmlns:mc="http://schemas.openxmlformats.org/markup-compatibility/2006">
-        <mc:Choice xmlns:p14="http://schemas.microsoft.com/office/powerpoint/2010/main" Requires="p14">
+      <mc:AlternateContent xmlns:mc="http://schemas.openxmlformats.org/markup-compatibility/2006" xmlns:p14="http://schemas.microsoft.com/office/powerpoint/2010/main">
+        <mc:Choice Requires="p14">
           <p:contentPart p14:bwMode="auto" r:id="rId5">
             <p14:nvContentPartPr>
               <p14:cNvPr id="6" name="Ink 5"/>
@@ -14421,7 +14516,7 @@
             </p14:xfrm>
           </p:contentPart>
         </mc:Choice>
-        <mc:Fallback>
+        <mc:Fallback xmlns="">
           <p:pic>
             <p:nvPicPr>
               <p:cNvPr id="6" name="Ink 5"/>
@@ -14446,8 +14541,8 @@
           </p:pic>
         </mc:Fallback>
       </mc:AlternateContent>
-      <mc:AlternateContent xmlns:mc="http://schemas.openxmlformats.org/markup-compatibility/2006">
-        <mc:Choice xmlns:p14="http://schemas.microsoft.com/office/powerpoint/2010/main" Requires="p14">
+      <mc:AlternateContent xmlns:mc="http://schemas.openxmlformats.org/markup-compatibility/2006" xmlns:p14="http://schemas.microsoft.com/office/powerpoint/2010/main">
+        <mc:Choice Requires="p14">
           <p:contentPart p14:bwMode="auto" r:id="rId7">
             <p14:nvContentPartPr>
               <p14:cNvPr id="8" name="Ink 7"/>
@@ -14460,7 +14555,7 @@
             </p14:xfrm>
           </p:contentPart>
         </mc:Choice>
-        <mc:Fallback>
+        <mc:Fallback xmlns="">
           <p:pic>
             <p:nvPicPr>
               <p:cNvPr id="8" name="Ink 7"/>
@@ -14485,8 +14580,8 @@
           </p:pic>
         </mc:Fallback>
       </mc:AlternateContent>
-      <mc:AlternateContent xmlns:mc="http://schemas.openxmlformats.org/markup-compatibility/2006">
-        <mc:Choice xmlns:p14="http://schemas.microsoft.com/office/powerpoint/2010/main" Requires="p14">
+      <mc:AlternateContent xmlns:mc="http://schemas.openxmlformats.org/markup-compatibility/2006" xmlns:p14="http://schemas.microsoft.com/office/powerpoint/2010/main">
+        <mc:Choice Requires="p14">
           <p:contentPart p14:bwMode="auto" r:id="rId9">
             <p14:nvContentPartPr>
               <p14:cNvPr id="10" name="Ink 9"/>
@@ -14499,7 +14594,7 @@
             </p14:xfrm>
           </p:contentPart>
         </mc:Choice>
-        <mc:Fallback>
+        <mc:Fallback xmlns="">
           <p:pic>
             <p:nvPicPr>
               <p:cNvPr id="10" name="Ink 9"/>
@@ -14524,8 +14619,8 @@
           </p:pic>
         </mc:Fallback>
       </mc:AlternateContent>
-      <mc:AlternateContent xmlns:mc="http://schemas.openxmlformats.org/markup-compatibility/2006">
-        <mc:Choice xmlns:p14="http://schemas.microsoft.com/office/powerpoint/2010/main" Requires="p14">
+      <mc:AlternateContent xmlns:mc="http://schemas.openxmlformats.org/markup-compatibility/2006" xmlns:p14="http://schemas.microsoft.com/office/powerpoint/2010/main">
+        <mc:Choice Requires="p14">
           <p:contentPart p14:bwMode="auto" r:id="rId11">
             <p14:nvContentPartPr>
               <p14:cNvPr id="12" name="Ink 11"/>
@@ -14538,7 +14633,7 @@
             </p14:xfrm>
           </p:contentPart>
         </mc:Choice>
-        <mc:Fallback>
+        <mc:Fallback xmlns="">
           <p:pic>
             <p:nvPicPr>
               <p:cNvPr id="12" name="Ink 11"/>
@@ -14563,8 +14658,8 @@
           </p:pic>
         </mc:Fallback>
       </mc:AlternateContent>
-      <mc:AlternateContent xmlns:mc="http://schemas.openxmlformats.org/markup-compatibility/2006">
-        <mc:Choice xmlns:p14="http://schemas.microsoft.com/office/powerpoint/2010/main" Requires="p14">
+      <mc:AlternateContent xmlns:mc="http://schemas.openxmlformats.org/markup-compatibility/2006" xmlns:p14="http://schemas.microsoft.com/office/powerpoint/2010/main">
+        <mc:Choice Requires="p14">
           <p:contentPart p14:bwMode="auto" r:id="rId13">
             <p14:nvContentPartPr>
               <p14:cNvPr id="14" name="Ink 13"/>
@@ -14577,7 +14672,7 @@
             </p14:xfrm>
           </p:contentPart>
         </mc:Choice>
-        <mc:Fallback>
+        <mc:Fallback xmlns="">
           <p:pic>
             <p:nvPicPr>
               <p:cNvPr id="14" name="Ink 13"/>
@@ -16447,7 +16542,7 @@
 </p:sld>
 </file>
 
-<file path=ppt/slides/slide21.xml><?xml version="1.0" encoding="utf-8"?>
+<file path=ppt/slides/slide22.xml><?xml version="1.0" encoding="utf-8"?>
 <p:sld xmlns:a="http://schemas.openxmlformats.org/drawingml/2006/main" xmlns:r="http://schemas.openxmlformats.org/officeDocument/2006/relationships" xmlns:p="http://schemas.openxmlformats.org/presentationml/2006/main">
   <p:cSld>
     <p:spTree>
@@ -17638,7 +17733,7 @@
 </p:sld>
 </file>
 
-<file path=ppt/slides/slide22.xml><?xml version="1.0" encoding="utf-8"?>
+<file path=ppt/slides/slide23.xml><?xml version="1.0" encoding="utf-8"?>
 <p:sld xmlns:a="http://schemas.openxmlformats.org/drawingml/2006/main" xmlns:r="http://schemas.openxmlformats.org/officeDocument/2006/relationships" xmlns:p="http://schemas.openxmlformats.org/presentationml/2006/main">
   <p:cSld>
     <p:spTree>
@@ -18813,7 +18908,7 @@
 </p:sld>
 </file>
 
-<file path=ppt/slides/slide23.xml><?xml version="1.0" encoding="utf-8"?>
+<file path=ppt/slides/slide24.xml><?xml version="1.0" encoding="utf-8"?>
 <p:sld xmlns:a="http://schemas.openxmlformats.org/drawingml/2006/main" xmlns:r="http://schemas.openxmlformats.org/officeDocument/2006/relationships" xmlns:p="http://schemas.openxmlformats.org/presentationml/2006/main">
   <p:cSld>
     <p:spTree>
@@ -20347,7 +20442,7 @@
 </p:sld>
 </file>
 
-<file path=ppt/slides/slide24.xml><?xml version="1.0" encoding="utf-8"?>
+<file path=ppt/slides/slide25.xml><?xml version="1.0" encoding="utf-8"?>
 <p:sld xmlns:a="http://schemas.openxmlformats.org/drawingml/2006/main" xmlns:r="http://schemas.openxmlformats.org/officeDocument/2006/relationships" xmlns:p="http://schemas.openxmlformats.org/presentationml/2006/main">
   <p:cSld>
     <p:spTree>
@@ -20710,7 +20805,7 @@
 </p:sld>
 </file>
 
-<file path=ppt/slides/slide25.xml><?xml version="1.0" encoding="utf-8"?>
+<file path=ppt/slides/slide26.xml><?xml version="1.0" encoding="utf-8"?>
 <p:sld xmlns:a="http://schemas.openxmlformats.org/drawingml/2006/main" xmlns:r="http://schemas.openxmlformats.org/officeDocument/2006/relationships" xmlns:p="http://schemas.openxmlformats.org/presentationml/2006/main">
   <p:cSld>
     <p:spTree>
@@ -20944,7 +21039,7 @@
 </p:sld>
 </file>
 
-<file path=ppt/slides/slide26.xml><?xml version="1.0" encoding="utf-8"?>
+<file path=ppt/slides/slide27.xml><?xml version="1.0" encoding="utf-8"?>
 <p:sld xmlns:a="http://schemas.openxmlformats.org/drawingml/2006/main" xmlns:r="http://schemas.openxmlformats.org/officeDocument/2006/relationships" xmlns:p="http://schemas.openxmlformats.org/presentationml/2006/main">
   <p:cSld>
     <p:spTree>
@@ -21138,7 +21233,7 @@
         </p:nvSpPr>
         <p:spPr>
           <a:xfrm>
-            <a:off x="513286" y="2157515"/>
+            <a:off x="513286" y="2763581"/>
             <a:ext cx="6664737" cy="584775"/>
           </a:xfrm>
           <a:prstGeom prst="rect">
@@ -21163,46 +21258,13 @@
       </p:sp>
       <p:sp>
         <p:nvSpPr>
-          <p:cNvPr id="5" name="Rectangle 4">
-            <a:hlinkClick r:id="rId3"/>
-          </p:cNvPr>
-          <p:cNvSpPr/>
-          <p:nvPr/>
-        </p:nvSpPr>
-        <p:spPr>
-          <a:xfrm>
-            <a:off x="513286" y="3058626"/>
-            <a:ext cx="11502868" cy="584775"/>
-          </a:xfrm>
-          <a:prstGeom prst="rect">
-            <a:avLst/>
-          </a:prstGeom>
-        </p:spPr>
-        <p:txBody>
-          <a:bodyPr wrap="square">
-            <a:spAutoFit/>
-          </a:bodyPr>
-          <a:lstStyle/>
-          <a:p>
-            <a:r>
-              <a:rPr lang="en-US" sz="3200" dirty="0">
-                <a:hlinkClick r:id="rId3"/>
-              </a:rPr>
-              <a:t>https://stackoverflow.com/users/2138959/andrii-litvinov</a:t>
-            </a:r>
-            <a:endParaRPr lang="en-US" sz="3200" dirty="0"/>
-          </a:p>
-        </p:txBody>
-      </p:sp>
-      <p:sp>
-        <p:nvSpPr>
           <p:cNvPr id="6" name="Rectangle 5"/>
           <p:cNvSpPr/>
           <p:nvPr/>
         </p:nvSpPr>
         <p:spPr>
           <a:xfrm>
-            <a:off x="513287" y="3959737"/>
+            <a:off x="513286" y="3613304"/>
             <a:ext cx="6846772" cy="584775"/>
           </a:xfrm>
           <a:prstGeom prst="rect">
@@ -21217,7 +21279,7 @@
           <a:p>
             <a:r>
               <a:rPr lang="en-US" sz="3200" dirty="0">
-                <a:hlinkClick r:id="rId4"/>
+                <a:hlinkClick r:id="rId3"/>
               </a:rPr>
               <a:t>https://github.com/andrii-litvinov</a:t>
             </a:r>
@@ -21233,7 +21295,7 @@
         </p:nvSpPr>
         <p:spPr>
           <a:xfrm>
-            <a:off x="551037" y="5761960"/>
+            <a:off x="513286" y="4456858"/>
             <a:ext cx="8425353" cy="584775"/>
           </a:xfrm>
           <a:prstGeom prst="rect">
@@ -21248,40 +21310,9 @@
           <a:p>
             <a:r>
               <a:rPr lang="en-US" sz="3200" dirty="0">
-                <a:hlinkClick r:id="rId5"/>
+                <a:hlinkClick r:id="rId4"/>
               </a:rPr>
               <a:t>https://www.upwork.com/fl/andriilitvinov</a:t>
-            </a:r>
-            <a:endParaRPr lang="en-US" sz="3200" dirty="0"/>
-          </a:p>
-        </p:txBody>
-      </p:sp>
-      <p:sp>
-        <p:nvSpPr>
-          <p:cNvPr id="8" name="Rectangle 7"/>
-          <p:cNvSpPr/>
-          <p:nvPr/>
-        </p:nvSpPr>
-        <p:spPr>
-          <a:xfrm>
-            <a:off x="551037" y="4860848"/>
-            <a:ext cx="8851996" cy="584775"/>
-          </a:xfrm>
-          <a:prstGeom prst="rect">
-            <a:avLst/>
-          </a:prstGeom>
-        </p:spPr>
-        <p:txBody>
-          <a:bodyPr wrap="square">
-            <a:spAutoFit/>
-          </a:bodyPr>
-          <a:lstStyle/>
-          <a:p>
-            <a:r>
-              <a:rPr lang="en-US" sz="3200" dirty="0">
-                <a:hlinkClick r:id="rId6"/>
-              </a:rPr>
-              <a:t>https://dou.ua/users/andrii.litvinov/articles/</a:t>
             </a:r>
             <a:endParaRPr lang="en-US" sz="3200" dirty="0"/>
           </a:p>
